--- a/Group 3 - Bike Store - SQL MiniProject Presentation.pptx
+++ b/Group 3 - Bike Store - SQL MiniProject Presentation.pptx
@@ -418,2516 +418,2511 @@
           <cx:layoutPr>
             <cx:geography cultureLanguage="en-GB" cultureRegion="IN" attribution="Powered by Bing">
               <cx:geoCache provider="{E9337A44-BEBE-4D9F-B70C-5C5E7DAFC167}">
-                <cx:binary>7Htrb904su1fCfL5KE1SFEUOpgc40n55+xU/4jy+CLZjixQpUhIlUdKvP7WddE/spNPTMxe4OMBp
-NDqOtbdIVrGqVq1V/ff76W/35uG2ezXVxvq/3U+/vpZ93/ztl1/8vXyob/2bWt13zrvH/s29q39x
-j4/q/uGXz91tULb8hSBMf7mXt13/ML3+x9/hbeWDO3H3t71y9mJ46ObLBz+Y3v/k2Q8fvbp3g+0P
-Xy/hTb++fmdV//D51VV/2z/4168ebK/6+XpuHn59/eyTr1/98vJ93639ysD2+uEzfDcWbxIUJylK
-2OtXxtny6+8jId4gzOM4phQ9/QPPvyx6dlvDF//l/Tzt5vbz5+7B+1df//zu68+O8N1T5V3+xRq5
-O2z63dXTKX95bu1//P3FL+DcL37zjUNeGunPHsHWa2VXyveduu/xr6/z//7NIF+88Oz5X/VC+oYk
-lDGBxRdj4+fOwFi8YTglKaZYPP3z29pfnJHfGvXoOqtu/+vVTxzzfIs/dsxPXvXs618M8L/Qb2cf
-f7Pdf+43St6IWBAax+SL3+LnfkuTNwyeJAzTL257EURnD+HVR9fp/9hrf/iiFz47HP5/oc+uP/y/
-81mM31AWc8ox/mGsQeKDrEdEmpIvPuO/rf0l1q4fplv/Hzvsx2954a3Dsf9/eOuPs+bvpWR129+u
-n2rQN4nz509/y7gvvvqslD0zwG92P/r862uCEgrB9XttO7zkWT06vfX+9l4O/qHvf6+P33zz4db3
-v76OmHgjCGcYp0kSpxgJ+vpVeHh6lMZQClmcJIQnjNIkhiRsXdfLX19DnHOexnBn0gRRzgncCe+G
-p0f4DYm5ECjlMeRvitjvMOCtM3Pp7O9W+fr3V3ao3zple//r6+T1q+bLpw5bTeDVOEUijRMMP8Pu
-CDy/v70EpAEfxv8l4plFuomaHVfmUbpSbCPuikxxFLJvrPMvrgSpicYoZTHB8YuVjKWWLhOGlcgS
-sho1nxrrpiwUcsj/+kqwhogRTQml/HDmb85U9lGxdI1udn3QQ14M6NyPdZWxdrn5ywvxmBOKElgO
-wVrPFxpTg4XrlmY3e/2ojX4sIvVYwZ//zjIJpzgFj3/no57JxctkanZFFMRa8LbNvGQm15P6N0wH
-d1VQnookhYQF5eOZ6RpUUyfhRGNRdycTGnRWOMJPOlv9yaEOb3px8TgjRBDwE2aUv7BdOtY86kVo
-djIEnbFhvpzL6QZH800zjnz1cwtCtHy/WMwYSzlhQhyg57fHinDiIDZdsxOt56vU192u4m2RuUjd
-Il7WuaJdnOG56P/6VeSMxkkM2f0At15ceta5gRhpm13TKnc1dG2cJSLSN1EFP/38jAeDfWfQJCWQ
-FVKEIKqfn3EZqmFWrm520dB2u3po5nVFUHH181V+kC84+2YVSFnfWpJzQcdoMLCKmJJj0k03Yx3s
-3nb/num+WemF6YKupRstrCTNMK/YVN0uLjL5n4cXPljmmeUEwglhUJ0ZS0TCD7fn23wxhKKikde7
-nlVllkTeZf1UlXmI6YdWpdEuipsx45Ukm6QTSV52/f5PrIq+t6sAhMDhcqaCEpK+uKGuqBNeu6be
-NSNxqwaNkc7mpp/eLrSe16JAboVFhzetSJId6ia3qkws1nFL7X5sE8by4NJpzadyyDtnw30qVZ2n
-VREfiRThzZDqx5nT+Khc8HjapL7IumbxLCPCtZlr4COzLOo10oHkAxStXTq19cXcCfJep8QdJUVV
-fBrrcV6Fekp2RbrozM1WbEMFIaXTiZW5n4eozrSd+GpsS3rU99KuB23suiepveqjiu6RWMJ9W0Ch
-wT2DvTMMq1TUHQfuxyqXKZduPVOD7ioto1x52E9EBL2tCzi0Hvtm40TZnJdkcas+oQnLx7goqgwP
-RkxZG/diy4qu2bSomNZVO/BV1DVRXiM43VJD7qyrtM/T3pK8SCG/yVLZNWNQhWw64U0vG9fno8Dx
-ntaj2lbd4o4x6t2K163aclFHeWoQeV/KMTmeSlx9KrkzNyxotW193HxsWU3eF3D2JksDbj42NR0W
-2NNYmEymjejzOJ4h3UyMRiqLaGdufODJMY98fRFFqv9UgGmOZdU252yoHhEGnw4VI+9rrh4nH4qr
-ni3uKByys/TeHc+GOL3pDNJwfYUw8m2l2HRZTYoeQVHp82Ks1XYsTZwBElEyM2Swe1XGPM7oUKqz
-Mm7EecVK+8gigc+wq8CIg0nsikSB8+wp8owv6X5BBT+RDEymFRihGGSVL1TOed025TVfCBypTJX+
-JJYJqnwb3KpIZFWvTD+6JXdLx8xWWYKaUzyMjVgxWYwfZNFEYk3w6HlunVZLxpDtTiKnlvc8ssn1
-ZHX9SFLp9nDGGXAiJG+EeLujFRY3DoL7OrYO7k/SoUTlHU1GnQkpR7cZplqcdFMTZ0IQcEFfTDrJ
-JtKULotKHeWoYuLGtx2EHUVLlI8UquwyC77tIe6HLDGhkTe9jcpxO3Bb3YpAoo2wEEcsdbjMlBjN
-1o/FdBk6MX5YukVvk2bozSZEHVGbqomTZb1UXLdZ58swZGzS+G4Rjf9MFogtGhUzXpmQ+Hdj2jcf
-y4omx+lsII1PDjbbDVG8Z4iqeUWDinKswROJLPWntiR2PxWlXXeTJ7nuqkfCpTgpMIv3sBG8wWU9
-r6LZt2ElaybPSi2m9VAasa0i8NAQQ/UdYkisknd8lUhRXFVjN+iVbCb5YBuR7KxmYzYzyZYTiocP
-jZ/HbVy7usvEABdhCdzuA1WPvlBt1kY9yj02W9GVD/3QpSvppyvbkl3vxrtBzmpfW0bWQ9GwY6jG
-6YUcICixhW0hbMbTse/EutQQ55T3RUaaVL/nuFmOkZg29ZKavFymps/roL3OtKpUFvcGLjVkxemt
-NM28skMlzmPAtZs2gqjXg5lX49gUWeyreb10kN3q0I9bfCj9DYVzk7q6VT7i5zxUya2ZPL+Ixx6f
-uTLg64oW8X4a4EZpSKifBlGYHJnZrUYLx0/8AmFU81ac93YI9z7qTJeVHnKOpJpfYNa1GUXmNkkg
-UXYd5A8mo/RiUZPOSNfNqyJtbZEl8cAvCqe7ExwGyGRPYG8QXbs1qB5W1VxBEiODW7EAS3fOdTvl
-eZ8TjMO9TOxRY43NSuER3GBE1p0y53HTu40MMQcn1M25bw/Q3hF3bHADlym0clBZjWmuU7COKkRY
-1WzA66esG6T62GuOH1CAbDUe7kiCFnymi16dVclUbsZZVpDjAMxkUdQnZ1WZbDytlnx0HcmTeIGM
-2LspHxfm3qkJLLSkhV1NKO1yKLghH8DDVWZQ1+1KqAbXY1MWOWfW7otlqC/8ALknKiF7BAFBr8ca
-bC7csImrpM1KO6qzuCDoTuChPx6jBCCxG8659mbnGRq3lXRiW4syOgWO7TxW8fghqip/Pk+yPy2q
-5b1CcXjP9cxXfHZqSxec7BahlrWVbX3eRF3x1uiPadvVKxXLR1cWZU579Q7i+aYbUbkj3EVrWdZt
-3qO4OaezJwbKYrmF5H4XJW7ISApFTwuohpGS5qa1kHk7CxkH1RxfK4Qbly/g0uZLkmXUN5sFfLCB
-9i9kmk1pDnXb5uNspmFXA6vXba0UGcGyCVnvRWWz2RhIZhX0mS1ckUrUOS6RPrKhRSLjTaoyq7u6
-W81ju3SZaWJVZ3HZ9ihLitDWWVOTd74m9T60cb13aY+a3PGh3cfGD6sB1zMxq6KdXMqO50CmeoHi
-YzrIf3UaisuWBBVWSFcy2lI11nIfKhGPU0bqYuR7Og7OZgUb4jTOoR3oBpYtoksf/VxJnvFR1w9N
-wsoMqzI9mnja4DzMovOAbhK0bv0EeX3mqZ5V3nd9/9aytMy6ig5iyD0vq3XfyI6ulnjAYw25x3/i
-Guk+d5O5ClU8mazBrASEMBdUZU06j3trKr1SDbqjfNg1VVVl0RzXGU0iuSEM4gsSx3iRJFV0imMb
-Vas+rSeo1WTeQpySOHOVn7PB8H5H2qFfT21xq2Wi12kgek2Q4yuXtvhD3ZPpbIAajbOp7NDKUjJE
-uTDxcgbhWt6XJsVDprGPMpNOAtBtFB2pKUF8k5Y15DfKIH3TEtAJNGw0ZIEKk6waOPBOD6Gucz4n
-4/bnaDT+DoweADEmccLSFAF18QKMNpNyEaeD3sm6pvth9PWji1uwYOiDR3VWUoBWxhgwm6xwfzYy
-QBZYy+a8wQCrVFffQuGye05avpoJtDpeNbbOzTwkx5QocWK7qjvRzIt1P7aqyfqhSHZlATEYT9Ap
-rWlaF1cxRfQ2ZnQZMwH/2fIIpxdzASJCVsyTuUFKVZ+ecqC1SPA8LJrIP+mq8KHNeNEcIKBiEBJJ
-TGKgw583B35ZSjp4ZHYtgIkVI2E87csBpRnvADP1ALPP5jiSMiMLYCwtOncMyS857uO6VBkWf9Y3
-pz/aDxA2OAXCCLiHl31zSUrIB7CfrsY3A5qPOw31JaTq1prhspih5P/8Nhyc/cIAGEGnTkEJSIF2
-etEdeTomdRkasxtbAKS2GAoo1gBNrJXuOKKzO/r5evhHtw+lieAcCSBG+YtG1nYA9ijTBpJrG6IM
-MqYDlcSOzaqCi9VHTqy1h7vGEh7ePpXg4BbMtpIEvJHYRHmhTXLrlnbcTh4wzs/3912fDQQ84ySB
-GCEx2OWFPfqZBdYorHYC+u1tEpXuuKHhz2LwO8YCVgGigrA4pSRNX4bgoIaxYNapHaOAXFkJWcM2
-rM9bIgDkM+3ibK4AuUsNiPPnByTf98OAD0Ci41hgHNOXveiMNR07E+SO+lAWO0OdOImKQnyqB8Cl
-3oVkPhdRIm4snW+0mNvHqEnCup/HpMx7Z6U6JLuuz1oz8Hhd9g1gOaq7HYBfcVIBgfm5LXDRH0WF
-h67xafdfGeK3X27mF4bz3jVzp0r5Vev8/a//uHY1/Pukxf3zlwep9J9/O/1NY/3pp7YP7sDB+5cf
-Ouzm93fBZr7u7sARP/vLd4T1H1DSXyTbP3j4r/HVOGYHWuuP+erdbbhV6luK++tXvhLVQAC/4ShF
-UIWTAx3MIBN+JaoxQ28IZRSyH6cg3X5DVBMCbDQIhSJBKaWMcPE7UY35GyArEw53CaUYnuC/RFQ/
-jwgqgGlNKFB3hEE+/p7VRUyYpUpKcuV90wxZs9RQgUcMhHq+GGjxGlp2F1KZ7h46BnItpY4uiWjn
-raXR3ORG8SQ3fmI2Q4UJq4jhvBdRs06msfnoEYL3sAiyaxaNTr2toGPUGdzr+MjJSW8GIG3WDa7E
-CYkQtBnChpWq9Lx1ZNaXSxUvO1GmPpM4Gh7sEgHOkjTQ82hS8nyyRkHv7/twC9TFfJvG0AatSglm
-y2U5QssMSXzZAK3Q7pM5au4GIqvbvgzz20hDZ0h4NX+cu6XLRVPqNI/npX8YuxJDd2ToUQkzAxel
-ZBe4j5TKnPHk3RBPi/4TFvWJov9nKXhyAWNADSMQjQXH/EUtrBdKq0PMXkELJY4ACCXrhkwdy4Sb
-gK+KSdunmSK1eOvShpxY6JMBbzHuklxpwOOLhPYrTRN3JJZhPF2AGTgjA3WfsdLRe9sm/lLO0bRO
-VFWdDkmPZcZlb26MKfi2lEDqDD5255x373oDTVzShJO0DOSaSLJNpfhctay9+yZIvqaTbwUS8bzg
-wqEpSg8XGMoRApGGvsj3DWe8LFBjr6iri4/44P3SOfwBEzq9jVLUHQ1V3B3VVejXVNqaZHXULxsf
-V8vpNEzortEYzCCSMJ2Xlup9cHFyVczwUxsT8kAah4/LiIRzOTB8Arh8epvw4qakE9kKpcyNtmHM
-oSCinbLBbmXURVs9xmw1g5i0XlANdzru0XiMlvizZcNJ6AjePUGqmXe+z6B/Xalp1uspCWSNGiE3
-ifpoGlHtKXXhXkkoJ6aPw33TAWH4xDx0PR6zAhiUHDiQTa/CdAlBqc/SMYJg8lrtdPwZ1arqMqDb
-mF/pagEOix7I9IJPw0op32YuBSYJLdANEgVMXGrtdDlZ8FLWW1Wd1jJuT2ZuyPu5t80DNy2QCjZ0
-wEsmiWh305LijQWOayemRh2bvkenhZynt/zAviS6hcOReDD1upVLtZs7WQmgo0pyCTTadO57DAYl
-qtyohS+7kBxiM9LLRT0G/55K396JUpcnlHYiR+U0nf387iTPc1YCDBQRwCvHMQaVA8SO+Dl4JOVY
-FOWYRpeyR8tFLwa7jbA3N/MUgApIB5FTcbg7nVvuA+FL7nvfzDkNs/xcNW46axgp9tCote/TljYr
-Iw3atrz5MAmqV+3A6nd1C2/RY5eYrBpjuzXg+xNXFMCH9OWy9kk5refakcsJdZpmKTC6OdC08ymV
-hcohXc2bkSbkkFCd3ndJ0+N10kdkrdDQwjuncTrrtFsunq5tU7UiV4rNp12b4BNoXotHZzj6wKPa
-vxcV9u9ttLRnyquuyupG1nIVx1bdWaS3reuiOh8mMcgsHga2pfOi07XmEngX1Lp5/XPzvwQyYP4Y
-6k6KOGMkSXh6CO1viP3QQl9VLl1xSbqGRasepzibuza6qhYBJ8Cgj+Ss9dF1NatRZiCxieZ06qyc
-thwpKC8xxCC08KYt9lyPza0eWTdnog1NmTe4Kz52dIbDIGLwUauG6E+g948OQA/lFcNQR5yS5MX9
-sYv2HZZlemnYAk1mhaczoFnLTcsK4Ji8hTxTtAHyBWGQYqxMojXjtrlFBUqOcWDFI8ReDIl5drfx
-lOITFia9l6QZik1reHFt0rYuMmlLw/8EJj+prP8sFoe7D9CRphiDmgETKy/3HupOdQsNyaUbksRm
-wfviEW5zwQEGAuWNF7WcVoDPz0062m0PcqDKiLXsiDdq3DvguvMgSHdkktAdQTMdXfesFlsRgIDJ
-u3aw5wv36iQlcP5QC0OADAn+cYQyAS5S9M4XYThCy8LHXLfL9HagQdttOgL51FTJAhQwNE79MBTv
-icTVLuIR33vVknXBU7YxPi43jZHTx47ZZduFsThSs+zWi00tz3tCpgdcgpIILAeNxtw3BK8X4NE3
-sdN3GBRGL2PbZrFumiNDx+KjTSHUARNMb59CrxBR+bkrIjmumYZfDlYX+2XqyKUhIKSs6ioec0Fa
-+Rk1ftlUSBYf4eaND9TUhwxyME2VFnugYJfTA3GtMlpD5mtUh7KZ1PoaNWQpM9oy9SGtq/vY1e6o
-LeV0BBqPz7uOjHlEDTmRU/CrJDXTWYUXqCU/j0IAic87SMAKMQXMgDnk7AMcfAEbIFfXg9djeykN
-7oHOQhBg2VNuNmFqt3PRyjyVoJ1ncpHlBqBYc8tIv1wsGHLSGniQIxm1QCSbyuxbZXzI5hopnY9R
-BUxWWdpN3+pDuIIqejcDNfUO0n9/RwIdHwaV0mglWFKnKy85MAwW4NjpaPtkXadohntAbWwyE5vC
-bAwuHMrEUg87XkbTal4aoKRo/W4KDsewSz8bkKPUVrQsuoCpnjms/ICGz20CZQXulwRmtnW7CS9+
-SyFqd6lRB8h58GsTVP/eT3qXRBp0tIkA0QgDGO9x09hV7IDWgP3IOvMVBAQwhnBZK+JpzoCfuIc+
-sV5146j3DlcIWEozRxmLl3a7tES6UzIVVOTNoOUN1AF146PKmGxpgPzNnKqr955TsWRGt6zcAf+M
-pryOIRvAKEEjP0cixZfRGA4AB8TFPeITlCpfs1W3jNBwxhJIrn6SNYLjakh5BgZYUeZDBz8X/QBh
-MEuyHMhbT+nKLNhel2XvjwpEoeosuIrvZFyoOS8xa/Rx1PcH+CPmixLmWqP1UrborjYO8mrf1kAa
-QWZHeWQXfFImQe9nuAg8K4N7ohykyxMcxx+wWxSH+zQsF5UVxZDhtJouO8CWuz6yosw80DePhGl+
-xIclWpuh1izjrADRBnVLWNNxFDn3IInlrCvSLHSgv2UKZDx3aGFXvUh0lCVNgYD/XcxjmobL3rVG
-5QnA1iILOrW5Aan6LE1r+ZYAHZpDMRBgGTEvF0+B9H+d7fXTUPEfTmKBLg91748b2/82t3e39e2z
-zvbpK18bWw59LaB4TIHJ5DBqAgNTvzW2nL+BCkVg9gPmQqDMHqT/rxNYcfIGAQuVCo5imNxID33B
-1wmsGLphGME8zJHAwACK/1pj+5JPgrccKiUm0CdDlX85fVDhhlAf02gnoohWmarmZTcI6q+/sckP
-+piXrNphmVTEKXBXMcDSl7TVgn03j8sY7fxC8bV2QCvHA+LndRhBs//5Wi8pQ1jrwBzFgF1Eyr4r
-/eCLygtQ5XczduIcsYNSAAG7pws0Tw2rQaz7+YLxd6QhsN9Ay+EEpuM5jmGi4TnUm7RPWpx2xU7N
-XVFmRev6E9cNIIu4qIb+k4sAkguHybQNGsoxXiVAX89b5gKx2zYBhT0ZQfjNhsmqbVOpbnfoaVUG
-OgS6s5PqTlrhxfZpcCEsndrWbCa5LSa7nzsYYTAaFFUTdf27p7EGMUKzCtqjOitmUMtoWYGWHpdW
-bucW1Ueq9PO67UHvJxFdHkSllhupaXeTNuUpAl5xHVJj86GBnm8hsT6llDCeyyoeLogf6sclXtz5
-EofqHUGqyixQGpuklTbHqh5z0FvCDrkCZAwoDls+Ipd17RzWWE7NodHzxynu3VnXcJCQjI5vkSmj
-nWGhXS1dFHbtbEBioZMoWM4j4u49r+sTttTThXCLHDLUBg4aDKcb5En3Edp3EfRqkl0KTV86hzL4
-j8BuJrM/gemnapPaVNg8FHDPcyQdajIU1/YO5OHmYzWU/H0lNLkUJRIyD8hDJ899A4oNyEQ2qwG+
-AhdTqWnTjRxB7uaxvNPSAKOjLDXnyIy8yRkt3Uk6hOF4Hmy44fMCemChuhUhBu5etZQ+o6pKzlWM
-L+WkUF5M1XwpW8HWHqPuY526ceMm1G/4yCKYEXCs/tzVtdxKK+/nrmpWMDKRHJeCD02Gl0TWaw/G
-kbYwp62pl/c0JoAKrFpO0FJwn/kJ6yNmRxStQKguUBa56IoylRwVoG3sxmBB5JqVPkFVOXwuPevv
-NJ4rA/UQgNg66pXYgwn8Shbsvu1NHnDozqxBYzal5jOKgd0G8HhcRP2UaV2+Ez4CzbVozDZquMyW
-qJ5yoMBt7mCKMReFYlna9MdV1FEYQOnLOQe2rboF1FbAh9NPcTHEK+nYvJ5S1l4WAeAhk/5tMoWA
-M8AhdC9GiJ4pIeNprClZV3h8mOo0gtGoqD/VxC53/eTmHDyb3DWT1udKWLLSS99fttBY5rbnl20r
-1HpIlg/R0MVnZJFkTebFn0XpsqyDYOHKWhD3SizGzVzTCxvq92kMk4g7pXkYadaXo5zvLVOaZMU4
-HFTxQU+VyWbekCpbAEKtdFnrZM3IMOt8Ni1ML/Bg5ukIynM510C8tQiByg4d4o32ABVL6AgGYLzB
-EK5dDfPoq2vaVbzsTYariY/hOp17uRbYp+UqgV5A51GhVZIlLQIOrOfWbgNo3emHKaIlKHizJslR
-zUEzWykTzXzjK2gwaFbWPduUOizl5agT+GQMLU95xtoDmoK5ChvelsBFAiBsoD2Vx6I4cJIZNDTJ
-R9LIAVprZKFzWIduEuSmGkKUbNoJcuTndJLgKNnLPtrruSmH7krXha3bLRZef4ySRl+JwzRQhyyk
-YVenyW5EwLGlxRx1eRGTYs4CDIDtgRcFhBeWEeZVQBYV26SP430gRXuCJ5gAI3UEKtgEquy8qheB
-gYRzIBH69vDrtGDF1TzDOAQjtuCZxRY0AB0Dm2qAEc0GaucVzGXQo8YjGEWaYOSmr4fFwhxRUUCw
-8+COW0p9m0PDBlMszLuV6Q7jFocBKusBoIJkK2vwAAgTUwc/tYD5rhaPYKIgsdHQwMhHqC+mmDYP
-wG3zE9gIMEGawKxZM4t6WQ2sNHLdzcEdcWTEuUkUuzUw5QX0hBnxpvApDGQBxtO55jXsLQLhB2iC
-qIdZJA49bIz6CQYEKras+FK7q7KWoGWC2juA3Os0GyBuzRcS9v9Q4J+gQJjePcwI/zEMfK/8PUhH
-yn4LBL9+6zckyEDhACoIpj2BDeLiGyQoDgP3QLMIQeF/1UiftJSvSJCmb6CgkAOu4ActLoZt/DaL
-T94AQQcD9DC/T9ABZf4VieM5bKIw05+kSYwAWsLbYEDr8PwbuopgJPWQSHYsShjuAX0XiB1su90y
-z3qB0QefAAj+3UA/wIQ/WjAFPUVQAE4w9w0H+3bB/2Hv3JrjxpEs/Is4QRAgSL6SVaWbJduSrWnr
-hSHb3bzf7/z1+0HyzFjyrBy9z9vR4QrLpQIJAonMk+ecKrjr1mkr90pCHTmIecnO9mBaP+gSZl2y
-DeJ3eOgLIOD5BqFBM19BQKL7BHf9dIMBG2UIHE9deU2qH/OAAWSei0+DC9Hy7Vt7ibw+DcWjNrCf
-q2lqvW6T9+mSJlMh1FVRLe5j5uX9uTvu7E7tJOJm3Pfg3itycdPH7nr79tAvM+3noQXNZ9PApmX+
-unW7dBT3Ngfs1eDk6qL2W+GEllv7h2pOIEG8PZgwie1/YLan0ViBInDQfNGKeM2jX+n2VB5Ez6ul
-0QzktT3JwZLb1Kjz6MFnrmXeppfVCqctAiCfhz+UaMr0sJYwCW2nDt69fUW/3r4G+9PkDcLTNK9f
-9UtykcZTmcTqyl8UtxsY1qxtQY79P45llDUSyYJg4byiCiS5tMt029SVHBZxM8Ep++6N1Xo75U6L
-MO2tvWL2wst51qa2UK6Rrvq267zcK9nY9pZuJnU1x+lfgwNzZeIE/M3T/G9zRxBCcslgRKlXG9Ke
-c+WNTqmuAH6bq9yf4RD7Giah2AuKkbfv6BXv3SwdbUsknpAMqNGeit+ft78fSzHvlpBXuZMV1UHO
-jClii+ZL2Q/tF78r3EelNzZpFqy3WzrCHp/pD/3mMn5dwVBXCXu22arql8o0dgSosMliV390LmVR
-C0gfceC/a62BFdoFFRTOwqHNuO0T3dCnzeu2A9zsYOjP376a//YEFLW9CsyThvbz8jFTxem1Klo2
-r+HzoueDcgUB5Uq1sFL//lAaYaArYFpI5/WKWlu/b3qvk1eZy/QGQcKWtcqVUA+I1ly9PdjLUE/4
-RlWNZCygUGS4X5Zvm45NCX/Huow3O9+ha/btF2DP9gvs3RUWzUZ0eHtE8TIEmyGhKEIWQPZiHvBr
-0U1b7BStwgsu7Zh6Wfm1VYZDP6y3erHW22yIea4QKWmm+7nziZI4OFbr2Fx5Vt0uBz/T3fnecfw9
-RZBRFe3AAgAzpStp7eKQCcDAty/ZfTpi/7PLXQ5+g5GwEAOadoZq8PLx1/6aq7WS6nKAdHuy93Q/
-NZm2TokYiils7GpbkwjkoG/iqMnbTR8FH/ax7y16kBRuXGNcxTzI2E3G77usxu+rU5gOORouxBad
-ReS1e4qm0BULwKpIkDZ0qb/S4kG2Qx04fu8RDdKE5fcOQ+7Ii8XJuy/j7DVXfqLkZZ8zgeFW5NuH
-hLKiPwJqBPfjnlrIJ4K4E+dicPnowUt7+LxBqouI1DmWYTJlUp+VdccYPjOth3T70HU0vkM1K7hz
-U9aKmyFtWCGtQrqwwQXdz5DTBfpyaWVzNYyJ4ZH2ok4vizIdvxd52X3x2tppLyuRbbcgcHTFndGa
-wZ6LJHsQG3za0NulLopw8Zf4vgPm/VKPhX4sMofVrnLHfdwoT74PsJI5oefZfayonb61e+xAO/O6
-216P1Zm7eJQDWaLmkPg7u+ESuJwwYhPikyU7Nunq++9UDKdfrooZjbP4foNveBZLOXynE44WpHHE
-p3F3mJ9gib3bYaD8c2Z3+N4GiudUaXAisfbD94JmigPCPiIGGGLAf5/W6f0EJUmH8PXR1cQ1n1Ll
-m/i0j8ybmmzKladTruakPrWDoUVuVdrn5zTzqSI3z2Nlq1SrLazqbfcuU5OYWLkHp6CDw2Lnznpb
-NJuGXmlblj64dSluuqxj1RTSdh89bcQRW55DgJ8bf4MXbMeevmxNvLRmrxvOIOx15ZmzOlwMJK+i
-OvYj56JuUvZfQ+mbHKvdFzepVZU8Srca/ShuoNodvE1x3oxFjEpC1JK1POcW0gg75mP9kf79akkA
-PGFadePoFetpKzmX6eW7joxamezX8PP3xKBQ7uPcdO4juprAoVPZByUls+jvErk75/u+JN7BSbR6
-qOe5RjeSbddlN5cH2L5wZXOrFP5JZHZ/mZXNfJGUG8MM5bpGS70308EeYv2pLPdsCW06nkXoufl2
-49u+fVWptGnDqghoVLuDjFbXUtFW79unIrDd49SkbXtZ2Bv9UtYkGIk91B/HdvDrMI+n6s/G7ce/
-fIXAxnW86YbO0VRH25rHazQVRCbDNqqOi932TALMoj90WfTDaXA3/c3wFQ7DWNfvmsHuaWVJ31tQ
-SbTZQcB7O5ubqbkJ8lksUY2m8yGRwExeM7bXRl5x1tVbfCW20evO/GHRX9qsGk9b3e4PmtbHpaS/
-t4XrovaHuuyKI8JiGANi5jH6sUuXs1jqh7xF3nSo5xRGht17EEU2ewgRcw3Ok/jg2JEDhjPJy6ny
-ndEEpjisGzu+nYrBuqiLrr3I+3Q4be60/RknzXJMrcz6uAVN9UdWzAoWbz2GbZ0VYd4NWegV/aM3
-KvZHtluH2KnSaJpRqlVtwwf51o1aU5vwD3zThEUvU3HQXikRWRWdESaHParNBKhyWA2dRwT+OS3x
-zT3U2bxAXYkZSJVBfECplF74TTtEuJ+kh73ZrKNTNdPnttBdG831cJrcYovq1P5WekPzR1BmDuIc
-sZ4GCwbMVHIdQTxWHzmVUK/thPd3WnVL2CY2T9RLnPxdA075wR6n9kM5jCxqS5ORPSIMFTeWk7Ml
-aGO767FpRye/0mtMgu3Idewiou34HYo3AakxaMiGVMKBgzEH9xA91uToT9C6UU2lax3SQ7LnsPLi
-co8c12q+xIIOcLl2aMs2uLXQ+jmP/cmNM7RaABZNX5pPE2s7nBXZSAgiGpOYwRH5YK3UUcOQk8Lp
-eReIKAxsMqUu6qhV5eu5K4r2S9uybKPGm5shRJFXfnGaLiGfS6clFBJNCHs+HdrqwYWU3/61taBs
-A2qk+Fh643Csc7X8CZTVJREtMfefgY6Diz4NhvMSuUMa1muSTWEp8vTrMI+POcS5o6uyJIli+rvD
-H+VuTdZdtreNRACe+jdzn2eRLrPiiAC4O88tvZ82uAuf9yCpvDCA7P55dvvqViftX065/7E6Srwv
-Rmc8J66iAnKCfjqqqXW+J2OafN+zbLlLJo8nx47Pjx1tyyBUibfs4ZxmxQYbdfAutYv3y2Fdyhal
-gCaOR8WEJOt8DFb7SsFBuYZTJG/1vmZW2FcFSI7mKeQRyU5wb9XzWh9XMZbQRHr1Hg5D+b4Tarqt
-MrQXfSOGb+hjy2Mz7vJrE+j5atTt7qCzcIBeB19mUZH2KQjbvgTI40rCRRC7h7zy1eW2zF8Rwi13
-y5gUH8U02dfQX92HYtFFEvVlCl0or0UWdptMbgK1Zdf96spLsPdAh+mcDI9OtrRXFa2SY5250xXE
-TisOFY2G/kwQ8k4Wyex8WOFsIPdRsbee0rKWnzQkhfO5lvsdAFf8zt7oqI4pXYNgTpYvuA1109Ee
-BpVdrhnYX+Q3tkUjNV4ghOnVXtqzAKOEc6pc613u7c1nO+udILKKqapDh2ZzcT6xeG4WTvi/xNwN
-11Pbws7mILyq86EqD3DS4iFsBOVFSnA7K1Qssqgls7AiGFTzx8SZFxnWeeyCsBHyvhTrKMN+K913
-a+YQRqW9gQx27Qwz06n6KY7KunGuR2/bXdo4nfCPfukpAqJY/kQxCAUmsLr9lLRoc5SC9yFNv36Y
-vOx2qET3eRLbcO+XmzrOcCmjHTklAjCtEHOlKQDfnnsH2cK8j0S8w9KoRs6h0d7mCLg2Kw+Kqfow
-79QpdblDOnGbOHvv2N762e4X69rNRol2UHby5Fuy98K6rUFxB89dQOuzYDibWLt/xVBQ/tn6cvy2
-uLH3fdGjzk52q6chGkqB5ClvSq8PY182f+3j3mWHPt236Rwd4V9uuiYfhrySnHL4DF3S709piDV1
-d6D/0W2h8vo+Kjid31vlkh8dW8fjAR5rcJns27qGtGo8AM9Jjf5VgdgABYyHWhOBzBR5yZ6/t73Y
-A0RHy/K+DspyDGtntT6mluSplQBI6rxqF4RL92vaQVB4rmD/Hwv9DRYqQHKoov8NX/ziTXL1WA+P
-w89A6I9f+QGEBuof4FMwbW041SoAcPh3S1zYzj+wPuFRG8ca40ry75a4gVf+1QLX/zBSEGHI3do0
-1f8Wt5tW/At0xYUhhFsH5SK4GaIWwKOXdVcXj36ZJ6u+qpzWF5GjPbEctFi2hZNssNqRriL0Es6q
-opJNfNPUm3Cj3gVnCw77KJW4KzlTrepyGLTs16MFk0rF5348CR1NkgQ/9Lpyb2+KVNEoP1X9XKnl
-ZrTNgQxdyltUpAZLj8lpHMpKv5tVN3wrkuXjqDIvjgRRLCJz904lzkvbaeiSA/Sq7c7yd0gq+wjy
-H3WBqO0uxPQi388c0Q/2u3oVpRvlZINW6PVDxnnZ+VP3AR51cdcDc3wZyl2mUT90k4CTNeftla77
-ND42W/CHBVLcMMSm9+MKxY3WNJgFbN+tpnZuMv990dX6Swcv5WAFzfKQzSr/sLujd2qmje5onyLD
-yGdnHcNGppZP5mG1Z8VelRc5+dCDpm3+hzNIpwlFkwXfmsD/Vq4mk+Z4DlHmbRf8EV/PdITeZ25m
-n2NgII5jLoNoldB/w1kG3ccpr1OYL9tmH8YlmWGitV5QhWS7yA1VrGkpCXc+hxpafZjENBAOqvjC
-ofVytu/e9jEYnI1jLO+gEWVEkDCGDYbxQ559Zz24H/OCpuNxbhzrfVrV/tnqavh1zSreLfFYf0p3
-D+Tan5oPza68aF4TGEKoh51r5c7OPy0wUoX9iyPfNyqZDkFbNlHled7FnIkdVrG7zYdsUtNROPV0
-hJHnhIsVrye5QOsvSaGaiCRmf7C2qj1hlGOdUZLtFwrG0ze7cryLlHPtbre3+GayOtz6rGSqUJNa
-2/t12vUsxGmd1QgRKfzX60gfak6vLddBzBBlduUZ7fQcqLq/JM1M8NSo4mEpmwMpWJcHJ6e3bhHA
-+YsdzgsUuP0IIVDY357CxP9H1OeI+u1ni8Ofw+OTju5/j6f/1eLuyevJNBZ+BFVNTPRAjRBO/cuY
-6QfPCH3MP9BTEjAD3J6IL0BlP5pLnviHBHaSYDS+cEAjfwRYI54BEwQJBtemi+B4f6ezJAnaP6PX
-jAi/CH4McK+m9fIalCcv72vwJvdPH93VFBydVrXoue12hnniulNbPCqrd4dT3W3Dpg7IVkkeIquJ
-7a9J3SuysMZZC+8ySF24qUVg1d35ElTlcF26VWttYVOsbvvVLUZ2C+IaXeYySjDFEX960AGmW9IY
-r3z0fch032QlO32T6KxD2wZsNHApqiXZf58Ke1zqQ1K6fdGGKM2gnQhvg+MODbQS25VTSayIrGE2
-XjA/HZH/pRv2Sujx5KxkBEYqALFkul6B756osinVqf9nvDR13p2PlSoV238eeu98HyAqUvtnLcaI
-pR1nTnx6e/hXSlOlOY/RXtH98w2T6RebJzRE/qBtnX3PRSELtM7oRMjccK2wuvzUrwu+MyR3Y6JS
-8jBrb+sPi5IoziOhdr3IS4yiaiTDTdPJXtxAxaXm/80cvTynFWgurC5caqQxGDTL8uU5vaaZ5aS9
-tL5rC/27c0h2L/G6U+mrUdph3Y9aPxSujbbv7cl59WzMuCDynuO4toMS7PW47QQS2VjS/w5zowRI
-ne22HP5IVezUCd2ubMpQpmKzOoZp2jiO/k2rhHTo5+3D8J5JhlBzKBfu3GtFZEJ/Et1PKr9bHox5
-GbmLrd1HNpI1XsBB9cqbzBKNgBHTbdNdgZpsTyHWZiWT8vZEvOpP0Hty4CogZqBDzWw8SbR+aqGS
-/Nv5VtTxtzjYa7c/a7q2ircjVDMYp2fIfVaeyttD/nrz9Mq1oqNJB4HOyKvcLIWaDVXO7r8rvbDL
-T5vQuyjg+yzToI6ZHyv90E/MOrZkCMr1Q0MNRLdkzuB5Lb9ZCOJVJGMCApoJjtmouOD9og5OAkSA
-QTtaX9Os9yrrfKX4Z0OgN08xdZ2WXO0qytAGOm0IOQZNWkjakk53VatzwCFL9PVdUKWwbA6di1T7
-Fpefevj69py97H0Y1QPmc1C46O0Qw8nSXu4THKX83kZ08HXtx55FYE+FzWTZ6yJdK1x7OVt3rVN0
-ZtOMKGt4ySDr/N3JQrpPv12ijcTaCSukV5fhd84wboNuvtalaxHDc6LXvoRAguNG159aungc4AgV
-jxUERSJq31Y9Hhi+lVvYnXQp0dZE/i3lt6C1lTMYe9E2v+1iv15j+M1iW0Za7zs8YageL+drlQtO
-MzWYyRAjZamOOTqocvrQ7SPGAdHSbTROIsur4KqSGHdVsx38Yt+su6Vt44sh6KkeomonBbuq0q7G
-N6aG/YEn2USJUN4iHEn2yphPGJccxwKzry9tOPR8apHhgdH9ZpuKV01NbkX4gWl8CRpfyB5MIP1p
-n7Iy625Gs/6A2tHN3ailEmMpxvEUBD3tXM8itMfbc/QsJ8W/TU/hpBWU8iko7yh1d5oW+fsN/ara
-IoyajhAbCW2ONIHk1bIoYMtWMSj5Q9uzi7qjHApfXeMoIjc66dPGdATxXO73VbpumxdONJLQaBDw
-F32bdHtswU6BUHnfW9Ogb2jVmQRhVXMFCRYKi3k8zSADltA2e+582/Z5sd/vpS5wG7JLkAFcIph9
-HlBTByk/lCi993sfmgLPTgLm8zLsdkLLpgXFH04aEJXfKsAZSTC6p+EDNBrbEvrNmvMRDckDV55Z
-tckNxtatisd10HXXnqDjivlOyWYf3/V9EVOVlFXvwB5L4mo13Zkl+VL7dazuZ3sWLDIgafKMuasb
-UpS3Y8PrEM7sezaSfsP6ptx9zQ+R8VYnghrkYRfV0BvWoe0BLC8NSM6FnLqFQPH2iK+jEcwIFP3Q
-Q7AL5ex+PeLQ20O6oPb4IvfJLMZlUib8OYNXcHhr4x/3ECNhZhEuzjQOyTWsFo91+vZlmHT2xTEq
-PRg5HgeXC9kdxP/VptjlPHVWoKv7CmYI6N2INMz6s+nSjmiUgkOJIyoM1Nf4gCVEnDZ1m+SYUMjN
-TYi8bynncHSS7go9sL5bZV/6GxoUoefb0bfsLOpoJzdXLCI7DXNbxXQTqT6F2eypzTps5pTs4iLO
-i9HsfISP8r3DeY9iTNKaWH/n4mBwlJ/vGDtzEBLwDMfUBBKz1pdhoNBxigvP4H2ep9omiXVRXZHE
-Qrtg3SJYUOo8FYigOoiUgeQlwSbNhDrdmiUtpxzC5V28avNDp8t2dGVZ60gTIju4jhgClrOhQuzu
-Rt/wEC/4sBknS/iK9B1ExzZ6+yG+fIYuUQMFBa1GwppAT/E6FSp02lEcWPNNOhQmhu3VwpHfDm49
-fdwsf1J/i070PB4WuDAx+A+9xasZ9NYV/pRvTzfcuomg1PYd9FdM4lxI7UOWPP69+2NfGqk3MJRE
-7w2y9fKJySVmucxZfkNrh0O6ps1ORuUVpSeP9dAh3f/NhD7J3/7DOTCUIqhw1HoabbnEI/rV2dfJ
-utqbvHY++yNy6PY0tol5oqMlJxMLnwKjY9sbDztOVxMzOXxMjO7bjpPbSgV1kVhd86MGHVzxWAa5
-p84zgFd+BO+/0Te4N/GuLJVmzWxJpYdTYXm9PMFCmeUQbRzArJ+355Ii9eXyV5wxqEBAK5lRFDiv
-bm3E5s4rp2b7LJPZhP6x79irO33b5tto+7DFw41e2H7vObVJOCqrMcrJVVclLn97pQV4XCCtaflM
-2t8zHYuXS7aznHfCc53hQjqfKbo55riYOIfOM6ddOCdGUjwGzMbY5m8UrYKpqBLFVNC5Tq0xcssp
-J8akgHX87Xl+zNlS/K0FxePVyAA5c2GcYrb/S+0glh0OlUa+OqMvINw+1wu0wNa5iCjV06T+XZx9
-VaWZIeHbwKjinLfZrq/WsJ035OTt6n0aJsEKGTccrJEF7CPzo/JWNe4xXqxmHUIYChsTXs5wGR4r
-ThFmCVJ5OX7w9ODH+SkelU90JcLNtz1f58CRWllE0nGtOfl/PLakoyu/hGtJ/05CvrfN40gKZKV4
-d+aZ4CXY8mC+tZGgciVuAYvhvtCjKfzfXnLQb1+vOW1OVaKuQIn6a4lKfo3o2143HEA2XcYofAvZ
-RvECL/xGO7vqUd6kvW79MECxn6dh34PmXdollhlu2JI+Wld9UlnqOq5SHMuwsFyTb3aGFGeJJ6Xx
-Oq2b8rvKy72/rZCI8MUduyiX92oW9goTHCmiCxZMQj5Mp2Vx/fmm71LcS0Nd2RWGBHYvgkMNJUJE
-+TpOPT7Eq9/tmGnVc6/WKFmBO4tw3vtlK8PVcnOVnwDxJ3Wny3FTSWSvAp3LWRssqTBIcZyMF2Pq
-kepG3l4u+w5OwFJsL6DnI4vs0NLo0xx4Cbqnylr3T4umxXQ/KYiaBwkyKaKNgr/ZcBoah+AQZM5S
-RIlbJueeI8dD19jLfhUHtW2fiUVghJtYg5/axxYhmfqMBRlGmp+Dxl7XT+u4yvHaggVh3XIEe9N3
-t9e6/7x70F+bsMU7Ix0+ButeFmdxBlx02huF920YYGrkoATu96HzUVDnfv0dqXozrweWytb9GUzj
-sthRUdJGzM/HGMMQ/0Bh5Zb6LK6sQt8EwrOK4mzWrTOU6Z+pX8uRWV5hdvfqepfNzJLeAebb9KPU
-9qjtY12rFo0vpo7Y872r3bXokmM+J+Myv6PjlmQ0TRsFCezWHfu+udC5So1iAwhaFmE77zZ5Ujn4
-Gf3cxFK6GyH993u+XSzJYKXZ2ZJVHN9RgXCdADu32eT+0ViTdocLFgc4c7RI8kDoqy1pbBCOm/RX
-/b6Eic7L+PxDfF1K/u1JaY3fTTOo7us+dYEzX+a6bxPnXKyW5SGuzt1i8s7WOhdVGbo0o0k0bNfK
-uJ1Eor+Rj2u8QQmPcrw+3eT9trRL633IYytfypNXSMtpL4oJ+9P5vc6lmwVhBzeRwOX1o5sW914C
-OL9fKVXSAzlaW0fIviZqd6l7Zcm498p3IusyUX7I8yX34+OSEwiSY5NhkoHHjnTMJW10yTGptBOc
-cLqD3RZQRQ71aNNC/sPB1JTxqrwMgs+Iwzo66wALzKzjTxknSCRw0ORDuH5ywBA1kSmS8PPg7qM2
-hbukT3m6mBmT5Vjw0gwIYu7qyjMhX81j4ntRsIwNC2CvSeDOxqCveF/7fKvp6NIiCbucJoHHWTLE
-jFamwiQEIjOPR7Sg/+4/Rbmaea5VkAPOQXHoeRRWjaWF+hNiXUAJ12cZqWu0+GKDvpb5qYuXF0t+
-6qb7Ma+R7zNfVro3Z+mENHO99nPPXHKmAhya7zQrixEk/9R9ja3VLDDdW+bJYxXEz8qgMlMzz4K3
-csTC5OIaYMMwbPTjfvpeyu4rCGbKz7C5aPRd4ao4kFiNBCBqmCKmcAVgMD6tnhiaPh/p5Za5uXjc
-niZjYtX00Y+iIXB31/xNQjW8lrT7rbsfU209v/1fk/z8PqAXp7j2nLbiAkRNi+VrkaGm6fEClhs3
-3Tk735cUJo5MMvsORCNpgtB9flDNPo8sNaCMqU8uahFssWvsBudNvw+qqWGWZqcqeYvTAlr2iD1l
-PAchJC9TRSSVC1ckQtFo4/fyPIOwiBR32D3fU4o5zdZFbVPrRZxvk2/gDvv50T4vD42lHPOjVcZv
-HPFKMDe/6i1lnSaiN8OkdAf54UYb0ks/Y8egpvGSO5Vmep8X0j5tE1fJTZpPEVk/8Htw9CSraxhT
-c+nPE2rty85fGmhSyjtatksaerE7rre2Z4mBCO3jkk0Nezp4ylLbYeH5ZrPndF+xuqxZPgN+4ubm
-e3jM+v1Ac8B8oDObF7RuPi9lDRUYk+bdNddfI4dKl89w98skO9WJz2JPOykSeV4MG3rRK/m8VrJ8
-CEbv7MeUw2bruZw1kwUfwgnQMHjeZgXn/Cy6Xdufydygsh9arIHrLLKHJGZwaEZ8v9BhLFvA4hIE
-BgyMx5ROF16TmO08cb7ys2KbdO6fCpLFdbuUASTA5nxUUHHxkwzwwsClaEjAYTGzm3h/OqLex8IB
-Zl15gzkOf25PJYpr04OEWU5zpLyZizEmk1/6nNFxWGnme42Yl7IKB0Wz9peAUJ6fVtk5RBi/x4Te
-P5YVR2x1XK06DoYLN+CoWr/YWNMTb5KyaYri/Ac+n48ltM/TBLumab9talBS4jOaMh1ncFHZM13j
-l0wYmr4i3u8lzhTL+LmTS7ro8/H51tcgGZgi2UI/4Y5oRg/oGXdbEOXGXpnpgxBmVg0AoFniz4C0
-PxQLMyAmx9zvmGUwzLCQ3jre3+GCxt+ycgeoD5RT1EEIBrTp6lpiaMM74PsbUGB2abvf/UCtdngm
-fXya6q6PnYuEViifgb+3wTKNHScwbOcqnADPYlGAJVSwd5s6GrEIpbDHc8HspxHraroaSeGPhEqp
-Y1jEN8NGpMlPFM9m8qAnG+zFmfyC5kZe1gm/DsWHu/yykJ7F1uUSD32f3QQyN6hvMxGwrr0ilnr8
-qMAFt/gIJw9h4EkvrVsOB7AgarzQA1XTDyrBLwivYs5qU7kiveaudF2ZY6NyY7PceqcXLL7nmczH
-BmhfZnYm58tld6vY+1jsqC3p3O8jMM3eIh5+IN5SAltLi6vQWa5scw9QYiyC/4+itczIV8msg6pZ
-2gcdbGknvqq11OWNhru4xSflNMNo/bVkKE3jIyeaLF0IrzQUrMgvUbbfA/EuxfjJTrrcsOrcTaYY
-jmNZL7vvwZzNnfNlQHPc22d9Mc0V7CtnH4r7XU0QCENoEBQcIYZYDTklzJCAPjyrvMoDJ5r5oeXN
-WDnT6lsPP+7k+Vl2bQ7iHvHlNpu5radwU5aziX/BlphoQvZvNm82VOYd9VM7JM4d8zNX2Bbv2JLN
-vDHGMI53AIWYZlFWxi1bOSFbjG/2cRPtMWejml0ZVOZffixZckoiEdI580/PDQYTTi0YcSs2+l4o
-nN72P0wpTnBNuNg17QiMpeLAuVjw1eaXEms3+OpAyc+LIi0bLzpov0ixbRo6NwDB5spBFPjVHwO5
-fcCR1rFUrLvnig2/st2D81q3k/pYPAes4hm57fhmHVaDVXYGERl63eOBUiWVsdtOOw3xccrclnse
-F9qi82XmJBzu2IOvjOHNpbms6WnDWQ38FIBhdzKbvHVM3/ZQL6tZk14MbT0L3XSoq+qYQrxn9T5P
-CMC6CXoF/gZ8rhqElV+ljiw9/zdI4quC/smE0WUFY3/qafELTp+ONGVoADh3adNortpLkpXdsDSE
-2Y6vMuAiyhkkKw3nrDPX/pvq7mVtZ4bXphOF4NKF0fQanOmntbGWwQP7ew6NOaA6V0EdwE56e6hX
-yB27CdmgzVhggPypDQ72E4APs7HzY1LJf60Ru1ibJuraWKn3mIWY1R3o1DzUKct5wo3qFY/sR3B8
-+1peY24QrfgfSErDL2CdOy+vJZ7xGcIoPbmDFUsYy1xh8vEB83x5xBjn9/P864AIYQEOtB84oLXB
-K6AWiipW/Hxjxm231hwUScGJjyIF9iM48dPOfvsGX0nRXNs2YDhfowSUh8xVvUaG1zJXST2WFFnP
-EWNJMdVP+dIBubnuaVWDP/M1Cnyt08dpkVt+qCYkFg9K9oQGC0cTDqLfXNHLlc4VYVqFZSm95gCK
-HL3Pl3O+Bba1eJvsbsvnTbWQ17HH16mIieuZP2c8glRNBh0MJIcDqYWVmgvh6x66CQ/8jsr+5EJX
-c+1wJbTgtdC1HW9nf8TiJtukI7toeW4Qts9h9u2bMDjPf5BF4EQ8iplXQ0qhbfuLdeWywWLud7c4
-92qrL9zIq6AGP+ie5/v3dqYZClTYp7P0JJGGBftyuip4/9uUYC31fHLOLsU8t+10FS9v39Wr3hoV
-FwwNvqLKAaAlbSUQvByrtsc0zvHq+4ZchmzjeRVArjKZTY/tNtXP4s8Q8e1K9Q5mBD3M7yIsyZyG
-aJT16n3O+fIU6+431/VMEflpwoHcmAK0zcatz3ybzyu807bpF3lZOpz1u2Onw9FxV8OSmJA9Ts1f
-A9Zxvo6aIQGihP0Na1jocEQpJqorDj2oQUnUFC0AyjtHUcLbHyp0ZElzvnHEus1NvGaFWLcodmiF
-fRm6rqKa6HNH1d2xKqfdGSO7sfVQHfzeBbF6J1fRSP0heO4zFpqcXr7HDUJ063XBF9gEUHmmWWcC
-aAFVmTwnX/cyvqzFyluWyI9z3rP4tRTm5WKOYBJdfN1D/RQNnjP24mk2l5TvHnAjKixzmi6zY5EX
-No5Pul07E9NNpqIn70YOpQHyrf9h7sx6K0eubP1XGn6nwXkA2n445BklHc0qKV8IKaXkTAanYJC/
-/n5UFrors9pZ7XtfrmEYKFfmGXjIiB17r/Wt7wuJYGjL76Yj+1zQV/dDZSybuu+COotc4ZU5trvf
-Owctuw+wxe/1wGchwsRv4vourb/uhV4rrfZIiV6QLyL8hresgIKw4epMUTKMe6rqOZbQFock92hR
-PQbW2Z2HwMbzglR+PVP3sqNdOX8/zgTT3FuIpdGx072kkeHRrN/k6UBGXqiNpINAw2+xujvmTdAG
-wpu2SQsQqX1w5kAuzQNt+3XSRimlm+65GXp68Q/kDsCqibjPkTns0q41jDysDGq3bzMnuN4/Oa6a
-zC+Go+bBP9vVFIvbOgjyAtxK3Ws6B0pmJWoIyRJkxr+tm5nfNpqUuYCn1DUO+DKkwjEcLN/2HE+X
-RQBZdNkwJp8yDqWB3zGvzVIdSJ1eDtObq1fFnEaxTd0KcMerq+65poGhjRvUv+so8PdKtmVOn7iX
-fsXyl4NmLeGrUIx+liv0j9dyC3vQunZ/vzXKz6Kq9sqCk08H6Ahyjux0tzIY3iSNx8cwMfdCUtNk
-8MBa2Pj3og60cldlTuJs0iSZ7p05c/JozqZ4n9nSOhDbsQBNVfJAQ6C58zrXDKGfpGcvG0qd1qvs
-HmJu6oOdONhdePrSt7wT5XOiZw3pMDoS2jjt7B1nRjozZg24VuhfmoLHsZ6ECyYzE5Fnp8D4WiTG
-Owx69jZvsvF6yctB37IFDlt/1uEGFr1bfU3FeG8atrjobC25qGQ/bJ2eTi4CmeSA6SuI0mDybz2R
-tugNRPYOGzeG5iqSzWzXdeTEQXsiPKnazXHNdLoWjs1Lr/4+HB/ebuIljz7HmjfgfOMePUb83gZF
-uS+QF+MHDHJnl+Z6cy9AdAP5o9PRbzSrSR4ntfivJRFKnIjH6mHyzWyrm4N+wi4Mp73RNOvSptu1
-64a+/ugBSt7Sg8vQUQ1W8G4wMeFYYAjjTpp5mu3EXGtbo6+Gux5B63FdCqJ+VuPJAi9WbJxqwkzo
-BXHqP2fSDOYjyojxa28S07RtRjFwWsiqFG635fgf/uB4VaTFWneqAmQSkW0M+a2SVsFxo2ouHBiR
-bRgTCPaq5724VAAALnrXWO/Q2Flnu4mcToqq8Er3CnmkiaydssJKzQh8a/luTJNVbwCAwpEe0Du+
-TKKdPlpNU9CIjeUVz1RjonQQyBoX7HibmfSgcoOSqxsjsUyFOrlj0sKbwpd6ng2PhZiTSSgnawVK
-wYwRp0613Q6eqnnhlCSE0DB9cqb5qz7G8dmGBb6R/ThEdOh0crFUJT1ckI1FvsVQn0Vqdy+zUJQ2
-OmN38FRjgTajWD2uuFy00bJfmZg3G8ss633DeXtj4jK5VUZd3GLdHeDSDEPy2KZz+wyvHPR0C3E6
-jI0OdlbO52MSDO2w4MFTKUZb5U83gdmnJe5Dmb/mlcAJjvftiaCBdiOENMB72f5RmJ0fjp0en2z4
-Wq+976rLnLa5pHtvj7xpPGxilM4c7Mbk0vXJ6cL6VQSvHVYfPfIpc2Dw5H1742Jd2rHQk0+HDdg7
-DEaT3qAfQnMypd2j2dRiL0dl7HMh3dfOih8njpuPS4tFdd8KfLJ5WyUfMxdknw7eOG6ppuZ7IqIc
-AuzslsFnkQz4VKQ8ukEh9i3lnEECWR88BvUQvFlKWA95FzdvwO+Wj5EbPMJJjTIcwcNeZ6eIWtUO
-95RpgB6nWl5qXV98WXTcmhY0UBRjdGXP6QyuCwUsK5KeZz5tFadwD3BH4lD0db4vnLF7RHNm8fml
-eTL02trlrtUD2Y7bm6AmrsWYy+C+qrrlIunzFr4WSy6nSRBxta0Pp260p5u6j7uHDsjHV6sgC2lj
-trM823PFw0Nr6NqwhvFCdd50BMcNorIhjmwfu5UdccpE+Un3IDgupBZdwn/ubheiwB59xuYv7eIP
-D2z4CRGinXe1GNqAtgojEb5K55JBMfbmAYYuGKO5trjfu3q3JFpzU9DJvklUI9oQxYq+6yas6GIY
-bRB7zrJcdoE9XiCgKjhkV80D5l5k/+Qhqa3lFf7BYHQWSrHY175MLBrcnfauxbCT9MvZsZcMFHWl
-OBNE2PYqvNuFY2E53MLiL/ASlYGILydNJDc0K8ozWSP1Uzl0r/wd3O1DZjz1FRVMPnr5WQU5slBH
-GNkpaIT5ZdQwi4RlOulXSJDGx8yUsiUipLTsMEgN78KOm87fBXpVB6cq9UXEONTGKsjYOPIBwHqb
-fBkCTJpWXJ8bjbH5xQyElmvt6tOw4gCR4e9wihvTsbZJi8Jyrt16dYAPxIVH1WzTQHR3ZHRIHNiY
-JNOLKiuaLNK62kGpGceGBowYQukdtkfAX/u19NCjgJilsoFtK5opKU4FR9uuDA2PyiV0qjGWVzQd
-8j60RiN5mPDazWGjl+4lMsLYiCaDEhHPoeMOT07GIapjHenE4LgUTgkRdvFBDq53ckyl1/nDYs2x
-SbabavVgPJksdvrRt2ms71tcvl2Uyt4Z7wEVF2T/mITGdZtOi5MS8JkdqPvMQs2zMVO7vG1mQ1v2
-k8vhLNS91tQvpyBXdQhjWfeuvJLlNEK4t0QNDaJTbsJwxoVbnHBQqz6/BmbrBgspY1Wtqyqi3VEV
-q3pMmE51PQx27g/R7OYulOd6JE1p2/hMCUMsema1tYl+TC+JH8rx79d0S8NlUC0umWpmfuKNeXGo
-M9tptgnztqsio9sYYeZTBysh8CJyfT316CzlnXEsEoKDN2J0vHkDWHp+cDGcnsk6UV5Y5bGNi8gu
-LDpatL6eDKF17zKgNLFgTpv7pgETsMVSa46kn7kq1ZqQETcSuWnjpe7drNn4b8N29OesDFlJybLh
-x9MylX1lEWp9d5uKUmycpDUUITeVZ3jpVpiqcZwrQ5Pu+MhMtIoPeevbr4mUXxZ4yY9JKr4kgXDy
-DceE6n5CIgHCOu72OpuHziLhdkyRPIwuxHidOysbd0CyYQW3YiGiEvkodvnKqe67uoT32+HWGX3M
-oZtODtXXIYlJpmhgCbeJiq8Y1Pl6aJBCCSqSzca+CeBc33sIm7ook7RMuB+4YdDpZNM7kbvFrWjr
-3t/2npdc9k1NCi4O22SLJRqiNs3XxNtAKQyOVZO3kVm35a5oYwfhjW5sg4GMoSJ2tCuzUPaFKZj9
-NQkJdwSqYRnHxSpfazy/+0UBedzAcy2rSA8wmG6F4TZndI3TcBTdFG+CfgJ53BYJVl63l2ITGFWM
-thWh5njsXb7cdqZXfL8AK3mPGR+3BCSmEuRyBwNmmYvuzC7P5p+RxED0B/UFHyG+Y9fJdqMX4DKr
-BezlLDG+0MBSO7Qvwb7Rg2rnCS+/0XK9CyUJjM9YxB9LcN4Mu+x655lx/gKFdGg2jtU0Lxa0lNNo
-WjEJgJ3K/TCjx3iKBaj6ItFpFGdKhhzCreucY8lJTkb2tUgt70sRJ8ZzYVjTJaEozPlF2xwtOq9P
-9LDNYl3TYH9aud5euTEsEELysGxxE9pfbTx1IMOBBLJrw414aySEh23pZqvHv+LIcqydOmvCvsvU
-wMhmITK29abcCK2SdWQDfD53roCfmG9pmg7EGoLPA6dQeqkfFrxuSBeJeyKdBTxEdzS9iCM8Jl5q
-rSI5QQoYfhOc2tKwEJalf2HjnQiXBAIoDxqgkGgQuXbIWsd8XMfvOwMm9bjJSEq5dhyVv43gP9ke
-OHlie4sRFTWxY10yAesg/aHN2HQJJc2l6kfxVpiDysKebp3cZLJUX4dh5lnhoeScNmJbt98lwx8i
-x3Ipsb1LmIdtm6A8ytRCMY+c9QN+kIx3lZcOFzYYSM6ylCNDVMat5my1tkKLrC/SecJJWAJHkQqP
-rdVHID1a/TxOnnHPkMoPENdQw23cYUrL/URRRTKmXk+EyaXkKrYqoPREDKE1ZwuooxaO8aoQBH3u
-iG2HzznZIOzgJsKXWKW5XchdgvIBXlIR5gVFWrddj7HYkecW0EroWHW8PNc9oPlrszFgvnOqiAuW
-tMBtFhF2BrGg817Tzby2SZ614DYWRptZryVyVg3UiAYeJ94xdyqUflWACW2IzdB4MsVmXNKqxxTM
-huvMUcoYyC83IypzmzhOOcdVcTH7MS2dsB9VYIBXkHStYJAiPw/GXTcSkP2cJIXdJBH0so5pBC4h
-q+42UrWNO+wSarX6OKajVn3rYUVIZ5siI6ogQraMrO5jHYem3Av0RkMddbOt6flNPoqC38HWUB2N
-OQprWumgUzu+/kcF81znOvY5KMpApMp5djrHTO+/9zw1sfbthzJYO4ymEStxAdVunYAzdl/HCTyH
-i/dOFJ6u3D1674XnrTX6IHsZxZRqIBF8GnAaJ9s4n1y2CJbj4WlMaSj4lwMFpTrreaDPdjgm/dgW
-+4UhEb8WW17e5G+WP9ayAlM8jHN9YY18vYXsTsQKfYh2xFrz8QZHZO7WRUCbWSd9HNu5Qc6Dr5zX
-tOyk3Qnh56zHGunFBWKeKxNNFKW7CFgx4fJQRPn2Phu8ap4FzUxJQzILUSaN5WRvk1rZWbkVE8IV
-yPFd3fj4XEfb38ZaSZzxZpBxQBKTYbeBvcVmb9l7xmfVk/BHCPyIVAhnaTDFkTHMs7NFtFG962S7
-LQw7dOip28btgzSSHXIPtVlID7rFyDSSW476/xRkibxBHyoPtFOzSwglVliY7niVG/NcbYVVoXmS
-AfNUoZX3eaAm79hSwnkbqxazvVH1GvfQDTpiQOWLqcY0JIt3QYIxofadTe6Fyz46RoO1zHd9pk2K
-AgF2AxUoJ8Q4F46z71x7qKK48tWbtsRqBvubECty5xdZ4URTVtdfO5058Mrs52hA8JPkNALfKd1S
-TnT9AQxHId8TTa0dFypqsw6XgpAD/GMy1nbVaPhoXMwWOjKo/Ibkw1nvATg13kspgev0oRebSRPS
-UMwcTqje3J8r39XHCJ7aODyjIEB9gBQUsVqINKKVFEiGiTyH5tY54eRNqmVLHX6lmFupzWSRuOIV
-bnnSEnLOewThmD6QqIkKBYQ5j33k10TvbDxtSPf4KfhhPJVoGwuJ2qEVZZuHIw2zt4W5P/dGHNyO
-mt7wPRexcw2hbmZ+7MgOYj/Y5kgUPjQ0QDQPc5FcaizD/RcOl1N66+UVzIMeOVB2oIJxT53tOdkb
-S6Q17y1szHfNZMVXqA0TsCoGV96fFoXqC7rgplhIz92ITJ8efeWMNxNwDL4C9ro1CrFqWE3h8aOp
-doI7fM2GFwV5Mx0NmhZZNCEx+W2ybPyNTtHbh9rOc1R+nXMP3bvZDWatP7tdb8AgQc6XduWCc6Bf
-oCX4znzG62lmEaBgidmsrBHuB5kMQBS5HSKvvl5QVSbxpPi4BHGjMOA0HIoanNeOQQvjStLVsj5K
-pCVZejV8GGCEhIdKz0r6lqIAFNuVNYrxMjEN6Ue6kwhvh55APEzKGxDvDjXfkqG698XuUijcFQX4
-dautFW+Ppx+6jDZDN3KLOEDVUYCzjdjQcwRMtEtulooOwGZxhXC3hUSnFlnYuLdLq/g7iYMqDfVF
-BTzXEt+mnvx2M+6hLg3O/OKxWsgLNdQdSUSt9O96UEkjb+c4LQeCjC5QZTZXBGmYF35aFh5qm3iu
-Np0RBxealppvM7yXk9JEf4PkLQcT5ZuvuHXGGmm1F8wrsCnvQrz4MIXHac57SIREBG/HNPNL1t/O
-Ki9yw5yd3eBOzpMWE1J9pnNVQAIhnmsm27YyXgBOw0mq0DOcG4Qa+tabnJlDQWDitmiJxqm2FaCa
-h8JR3RSyb1LVUZ9HqdW1/nrd3OvJmmhDY4uPz35ZWc8tYoVkI8fyxeqr5rkbYBmlWU3vEWEieqNE
-csuX3UuiTfDJi15poUblcdWN2I56+i5f6mTUjl3OQx11WeFdD+PQnAanxYPSecUlfQHvoMW6/0TH
-OPO4DRL3DcCAtVW23t/JbjaPMCEHM8zl6gGfazDyTlDT4vH63j/0Vlq70RJoFE4VuMY9SC5Z3uHi
-BQhCcyvquNXtsLUcoDkkGlzUc5MisZsMwtdn9QwXydiIftSxdBJjW/ll/A11rh7Zjj08QqMCIA2S
-5a1ByP2M83x2NhrRUOiVtGe8QP6VYla+F3LgqfPHV3S+w40YccRvAM3pBs/BckMQM8C0zrCrPftB
-V3PM6K3I99B48Lcvp9bsfstpdkS+4qDSNgTbbFRqNE+aX9r3eQr/KrTp6h+FqA3U/wgWIUp/nUe6
-/922EPSDujc2qKKSEaNk3FXPnGibStx1dt/YzvWQpy2rfO/7q8Sna/FlM2tXc161zBqY2zUkOKNI
-mfeEHK8aJKvR1ZAe9TGt8uWIHnoeHuNMTc5Xp7ab4pA3fjXYYWx3+qBFvnTsqWPxKhCFMGtDZpAH
-RubqEfo1Y6Fs9GHwhF3hdro6jrOiiwmPVjk7264n/wu51wOLSiuKksziyXNSnahfWTPuj7TZTRJ0
-ITDuJapeynjESTMebR4a1OA2iBtgoc2H3mozvHhmu+jdtr2Y5oJs2iVLCkQ3pGuvWmzuQcBd+yRP
-Fr29lZY/cITJLOV23VMDoU/mEfNMn3MfVqZM5ec8b3oQ6yDJgAhvdWGNffs2Fos05g2vQpR4ODU2
-JRnMv5SV4UAUjUMSGx3r9ZvYbqIH5T5NFIC630aA66ZD2Lhf8O+QlHuuIg+m58B8kc99XLqhIn3Q
-k7tfj+d+nGkzNfQYK+OdJceXIR0zmR+nhpkD5MNJMu+9aMQ60Ki+6xQAxZX84FrDWOovBpU/jpDX
-d3QNnWHl6h3GTfIzg5jmnD/oyPs/qu/vKL+LQCyn7pgkAwyzRzRbUlcaDoUsZyj4/Sv/WzSHfxVh
-+scE0/+nwNT10/x/loUKH879JR/n/DH9xwtNxB8QEN//0u8wB7gMgFkZ5xJWwvmHRei/CDle8HfP
-1U0mKZ6LWg5H3X/RHGxCYxiqoR4AULPKNVBqMLUd0n/8zdZBhYN/wBCj++tG7/w7QIcfb2aHSoOH
-Gu4xLg+Ckv/kijKk20pdT5ojJ3VEdUWdONdWN4kz6n//L0Q36zj9D0Ptz/dCCaGvxHQcFT8/OLLX
-Odv4Rn302BTPiwQInI9W8DRzBS7bdvkrLu76IP70flhWcN3x7Jh/dnh3GhAL4eu8X0V3AEUXDvdN
-rhaw3cq2jph7XWtLOWrgYsjMh1+vEj8+s58X1tGRLwDvxoz8J8cS4QUAKFFdHheS5t+rsqKrXFKH
-Xc7GQnRlvARPsan/1Vf+Hy6xw9VCaLRmS3s/4w2Gfsi7yfeq4yf0/ROsin4B0meQdaBBIZttf/01
-//SGa1QO6ibeMdBhkqz//g/qpnydEZsM2UkCiyHu+oLIrRTSaeVbGiEg0n359fsZf7qusKYsd43N
-RlcUwAb+8Q1nAlaWJF4nto1qi83oxr15vSwrBtH/5IRzbDCotWp71RkZd6106qcaZ8YUwq9d6nWk
-490Ns0keY4c4lVGUSHuSKAL1PJv+X9wFiAd/vgk9B3c0z77Nr8nD/tPnrSu8xXk1jAfHo0v8oFWm
-E1/0CQm9u6Qh1R7lhTGdmGbN5TqLcIhUoui80ygCD0g/XPeU9ThNKzperwnDUfh87gquwN+OQXXl
-rzJ+r9IT8hDIwXUnjXNlrvBIoNvAjUezJ0tD6wBYTrO5AJN1FATKzgP3O3o6CRb0ze+MwVU3cRbA
-a1062ThvPlX7jD1gUXKLgA1EZWc58PxZJdwIzVIRHHJdar/lsAQRd62n9WMX51gQqSJnosxJsU8N
-44O7VGXAibMsV1eDHUj7VtXzdFnrKWxj1+EwAarINjefC0E3VzynSvbqRpsGdRMULfNDFbfi5RPE
-vnS6dXSRXLehkhKweGXJG3CCYASCdmH5UjRCCJLpnFcmQ+ruO+yykrF4sdJB3WmtZjw4K382WzLn
-Fbe9WR/rOVAvLgXxGEInY8q/cjnvRhtKeyQKG1k7AE+mVjUMYJN2WBeNPkkA5ch19BfJdets42EM
-+NEWvw2eJkTNr67mQqZOIFEzbnOs3dxk0HEDpcHF/QSCf79X0zyxxjC1smm8ygrVv5d5AxLXdkzx
-Ys74cff9hH2eyp7q6xR4cVYdEfK21UC5R3jQdkCR8FtKn/HJF6yn0YBnR22r2eY+kbVrvza9L17S
-hOP0Jxc4WNHDADyhjdp1xp2BBlMLbQZzFx01NvaQFQQ6jjN4YemiEqWLBMFdqRyVfNIUC4JuKA8w
-j1PDoomWMzxH58B3nTi2bMCvdofP6w+m2GG05Ns01zxOzb6W9mELS+H8+Wc4fZPQAkGcdWNJDxrf
-9Tb1BhlNSRDsaOxzA6fr4+HiuhEHBuwxQNseWkso+wmxUav84G5NW+5wf1MzcXokPTY/D8wvhbPx
-K1T+98Ktgedu4kbFckenfN7ElsZfIEXb0I+TMXhS4erQYFD3jAG1PQmA+RS1wADiO84GROGmjEwE
-gag4aC9N5L0vCOSnd8kET4ZT3i/ZzTRr5vRbz+VP931dy31vYtUGCls0Gw2dFIMZxLZYHR2uc/8g
-rDjF5DBzXqjBvyHPDrGtqyO+CxsPbW6dHQRHIZEzhziY1cWQNOrBxZwSpgKIq4vp6WwzM145scZz
-r5ttJPAnboZZGdeamw53U9r2yWaIpfMF2Hlgc3/h6giTIFMXRAjLg+03SbWhEQiqVW+Ws0+82TuF
-vHEmUc07EefjnoVODiLNWHu+NAhN4gdXGm2ehTHkHo7w8B5kHIEihlJJFnFzByc7xsoZ0fBGkWZ4
-Xvxk1Vj3IkOzHyGraCDk2tfaYMKalygMDy3WAskftLjp6GhyS80F8OzU4B82rMvqjm2Oe9mM6zQ7
-AFhll166bD/3g3hxjCF4quaUVqyX+BXBSVKqu0WlMUA4aovvzPF+PRdgF35VjZ885Y7LgtmYxUNO
-R/e3vMM9jPKcXHacvdk+Q/xIYmzAOCUAyB2xjTYPhH1ulyyvI4TQdrIzrMp3Tg76v+C3pRfGl6rT
-tOW4UH/7R4uTtzWFhujhvdGyK06uaVlvSyIdd0un+/TfU+iuz9MjzpkHL03b/5tJNH5N7x4JZeEx
-KpuOjjVqMrLoJ/4wkq7NGmycqcYdsnUQHD/Opu3ZbJmYlbbz+2y69jT7jQE+f16wY3WP+PrM+C3w
-p6zDGifiZrcQe1puzKQYbVpUhXZZldnIpatisVnQHz7Pnt8cMrv2r73U0qOcp2qP6oeAq5n2zwv2
-VGoRMTj+pTWRGlIYkp8VW2C3JY3VZrHASNqdO7+fj7OV+2ckgMFTx0SPg2vp9u96mQeXTowRdFO4
-CzdNO3Kn9InuR+jH11tpJBsvAttnnEGXsJa2LoaITR7wOpJh8d4d0uCyn/hpwO9jetpUI6F5G8/H
-OpUJm/8jLWpuQWUlwaVbQs6OEpP8ipL53WFOJeugdJK+3yNI8i/RMgDDQcRHwDWbSRVaHikIn0hl
-15nacv9JYSZdPdtb8WK/LnPOgv+5BHrpyGAF+8F66xM1m94ALKPpRtPfvpxg9u4xhy1y063Q9dpi
-Kr0xrI6d31zAoXsl+2PPORAwv5Ot/PW2ge0OgtCjYpg5ouy/fywDuFO5b9OcSoKMMrYvD+nXRVt2
-3UHOZPQMktoXpm6wNZaynk/mZLo1CiLi0tQVHjDY1XoXNC+T2Yr02nQknzqrBN+ViDLesu6y2buz
-6ej27BYujqoKh2PSFnQefF3iWEyU7Z6Ague4Fltnvo+1xnlxU4OFde60/HIS3UrE/R/VCPYCzIx1
-kVFX2Wj6SYyp9g33f4AGZAoU4XlExEaZ5gVPppq4LfyyYydvg8F4oAvH9pR0qi52HeP2hU+SrVeU
-jhDaNmdmWx+FD4W76liq7uP1F81zxFLLWHHHlegDzjgjOTUM5qKjqXB6sc4zfSfWnwxtpqXFdaK0
-vKe9oY330sWJI8JsSpPUvysLbJtsVQI9Ak3npAWbPBeZlhhM36mWkz1sHqjtqDPvSh0rfYYKqAjj
-ssqAX2I4n0iG3DNdogbxzFQ/FbRpz0wrZIjNE1QXaq1IQU44lfkirvj527vGZ2UpZKo9Ky3IThpD
-d4RjKVsPII9DYrrklisy9spxcvgerRuR+IiiwwsYQPZxiMr6NvFZ0q0uGXeGnhg0/Qw6r0q1xwYX
-JVyR0rirEWg2G8qQDiYo+HqjoCIhVbv4hlvR2fmyiQ/B0kD1HFrJeL3pp5BV4Vvdtd+0cr4OlD0d
-ua8pDFAWXAeD0K+dCnim1KvQ7efqoEYHKTLj0nvFIGeXs4lGeZsy08Q2gczJvlLmWN/ya7Mv16o8
-sfNByqwK6KiaNYR+5W6ToLwaC6QWFpfqWp9F8ig0d3zpGtM6N7LKm9BKdApIsqPLoMSyJmknG3dU
-fnSracB+c9zYOVkMEbKM7niQM6KuaSrHPlELy4fTuvwgNn0oIGYOOjTcBHqJdWjWpAg1dmCCRka5
-riApuZqoAkdWwyFvLsbW1I5IXFpx1RclN2mVstpkbscduciY3z5WJWmJcwGSLpSU3dGvj1HrqeOH
-o7FPI8KzHBoL2HGxef54iloQYQbseOIgnM+iX9Kk3PwvIqz+dPrxAUbSqDAcjv0I+386HqLfHMac
-WIJDWa/B8qPnGQ9tT8jJxkZRfuGuA+fT53L46+/3p6M/74tC0IHzQs+Sk+KP348jeWnljRIHohzd
-10EDTVH1qlS7CQhdt20Izbhz3ZS1uJVrlfvrd//R8sPZn/8EiPpxvRBh9SdfwdzndE+QjRzw/UPb
-RzxlPgDUI4jJ61nth4RAE4TqHceStfKGcMTi/vkR/q2O3UNT8d///KGv9s///GOX7Z9X2deu6Ztv
-wy//1L9q/f3wyv0/P18j+WhWivQP/7Cth2yYb8ePbr776KG8f36K3//k//Zf/sfH56v8BdGaZHh+
-jX8NYA1fwWoiLMiAr3x/wZW++v1v/d6xMwz77/RQbEdfwYg04XjB6aMf/vE3jYP832197crZJJMF
-cEH+u2MH7drAdeHD+oGk+dnd+r1jZwFttXhB4pJ8alZaYP9Ox+4n18rap1up3XTIPYtEadNeW3p/
-aLkQCICKkrLnXE/g+Yla5+ZpLLz+YeFN8pbA2fmUK1kXW10vhpehseUjq6DCuBjU7W9/uHo335eM
-/6jH6oYhydD/428/92PWT2ODGF274jpWmrVd+sdPQ/ymKIJ0lGezrY1zQoeFY4PXIMFRcsB6Lyd7
-fPEk+yYpCD7rG24+7n7IAJ7NvMur34Nh0K95jZRRdFkajzigfGM/k5bwYQAmULtff2Lzp7Xv8xOD
-duEJxYKp/yk8EAp3ym87D2fQG0kSuQBEHiV9PGsH4r9xgBoqI49gdftMrF2GmXOhW/uKyRmboWyG
-91T1vcEeLBwiWrIG/UKVUjF6HWFJ26TJ05tiDE5wNIlOYZEKnvq0vQA2QqEBoda9AqYtq/2vv9VP
-Cy1fiqkE2zStZO4NOEE//gwePRcErmV/pqsZPDWJz7pjFya3hqgp8ibVBfciNsrnX7/tT+1jztes
-2LgDAwQ36/+sH+sP9yLytMQGMl2fa5+2KiiF8YzlBjhFnD79+p1+WtE/34n+Ga1cRkMBHdUf30nU
-WHFJnGnOGCwIupro7eyBvc/mphDpVm9x+YeWPvtNiHR+qv7qplk3xD9smLw9N4pJkB6NTujHP789
-1riMAQwaa28Ns6vy0XktyvUzwPfot4zsm82s89Pvp7KdkM8XjfeB5gc0SzDblwqUvB5aU44eN8cT
-84jO0yQf2Z/nD0GxENEZrwBqIJonXtJyl/EvJkg/x5qvn58hkmlg4IMhxSzpx8unu6NTO06sXRlj
-XL1mjLrpymnFUNsba4YjeJqINnnjTIo7YmlxvTOGy0KEA963gSxluOVpAre+yeVHhlf6XToi9U6/
-/okxQ/58lcFNcRO5CKCgBFGg/Pgp3c7PdMAH1lXOeYIkqmggVWi/goCC3SDHEad2q9/Kikgh+Lyp
-h9Sspt/SiX1pC5iOZVvdCTjSauOVU/LblFfNkYYBKUNOKx5RtvtRjJU7HJscKj36JvqPcd7X54mI
-QKQPTMmTxAhomC6Y20JTptUBBXR5Z+bJTYKiXW3K0WvPkNQfBlIbLUpGc21vziZrgz0uy0af/Pyy
-TB3/JdbRW6aEHlwuDCyDcNJT5s7cdNlR82l1bqbZXyJjcrSISJCvosc9MOIjR+tRwd2P+3Y8wiU2
-H9oU4vY+9jQSW5a04EgO+QnRYd1qX8YK54tAMHkElCCORhuU75kULs+9VRX3tHSVt5FMe09d3I3h
-zHVg/m4G1yh81ZYpc7szDGXIbel4BhL7CUpOKE1iA6reotUpgus0xtoR4fcfDmw1JolTWPyYxnvl
-s6r09MLsAnHvoCHbj0GumTt8TMur7zbdttdVvuxk4Sc7jTH4K2LY6RumReGEWAzp2dWEsSQ7RUnM
-wzFN2zmRo78jE289yVrVgb49fiPX7ojllnheNnmf50QbxRNmzMZRC5E0ZRxaBDZXSKyKbbL6aG8n
-y7CjrO/wt+XcScPOGiZiUBT9pEtmAEsZ4/5th6oiJGCVp7+ncWqay0s/aWqV+wQdS3nz1ZyrfLA6
-1IfjKPTzUAz/h73z2LLbSLvsE0ELCPhhAxfXpTfMZHKClTQJE/AmYJ6+Ny5VJYn/X6WuHtdMWhJ5
-HRD4zDn74AJETtauBwyPQ4xzLKN2z0VRP+l0Had8MakoR36DGAm1TnuKmNEDR0QsZQrFQk5tBLk0
-0cngGYz4LiXuGy+QXFx6h2Uu/OHa6QeTK2qKSQCawpFn4d7R0jy+U9w6ThK2bFi44EzZl3vGmJ0f
-sCZHJBXN6InJsPYNnw1+DLwAeyjBiAT5wRDeTwQdkTEfUxXs7SopiYZcmWOFlZD4cEiWoyJX/ZL0
-zBQ0oAB1knkf2qjcTN/ptRiwy3mjd2uj2Y/PlekOxKSF1dy363LsdU435OVJ6sJ16BUzYr/rK5rd
-wimXI/P5sgltgWQndGd7KQ4dVCct5GcVr1pT0r4j4Nwyp2Spa3eMaTWmD0SfvTJz9suT2flDEcl0
-cB7XcTCxwyB+M67I5e1dtg2pSIdD3KmmeuJhbJ7RIgi5HxveAeFJRbJGBAmuSAhyZto3pYfjLdK4
-VTq8lMZ4Zq1hF7skNolzcME1NkF2qdErKOrrD2QhvoPieUANDt8ubU+GnllHlv8MYLEbtuYuq7N4
-t46xRMcydY0PAGvKrdCEWrAiHcpX7YreD4dgE+P5cVPfbSIDDHJ9SjNjSiIGtCmAUv6/wPARHHH5
-JLi5Z8Zja4DCWPvSobBZQK1wH4lbY4WenAWesjTzeSkmMd46jb9gRkSJckPCHI+kBJMyf8BH9mru
-oZEZ1RvaZYbcLYQmMswme82ujCEZni+JifZM0iTuTC5eyCw4U6PeIY+KwZixDUFMSJAhYo4og8b1
-VkwTlUWe5OoJocX0telSEy3zlMTsiWyayIo0WHNvFzU8tss2CrW4aT1cNlvGgCaYsQbIt3CAYjVH
-sH/y7Nghusf84qIyvLuMcgg/2S7OnFw4pmA9nfC8WCxQ9HaLukynijdW45IyrniC+S/IYbi6S05J
-AuwMf65PA2FY4j7v8ME9Cq/yrRMBZixZhnnYis90me9JHyMdsZ5KXrquV+ZCsygJqdSlu334bZE2
-cT7xvpCCMXKv+BRjC7qFASGLkNCXilunKRKZPVTAyrA5jFQFP5ckhhiqdAv0WlAnmQ0JWKd06ubx
-pmQD1AeZPrYI+3V48dGiWgZW/Ds2FD4RBwiy5q1OHqqSFbHpn0EEZF4A70tyXeAXeZ8qVLvB3OXL
-oznMen/F/JMVXd1Ad3ryeFqwiNCJe/ST9g2er9NuTKlMnBmD++MVwGZUZkvnEli3QiY4NIKvdTPb
-LN9kIe37eewRYrbA1+Xr5JRJf8TgUH7AM9rOkEuGJH2AZ0YZ/lGGc0CxXzU9Lvfl1CQIPi2OuaWb
-0scMn/IVKvLc3tmiE1v0mG3xOEoFQ13A4ElUiIrbZCVVzz9ZVW20P0oO5OVMJDT3Bt40rpHcRjZA
-7smqIh4yU3tldKNwwtgvBsWT1lQ6pXebf+l8jL/aQpl+Xv2hM75jRF16YiEMV+FzE/xVc2ls9sUJ
-vsCp4WeZSBbzHbiBSg038+Ii/1V9G3huf7RKZEjHddpsyThI+vXQFLKubypntq61AYltlLZVqa4S
-wHdp6Nl9mT5TiTCjZlWIN9nNehXItJ8Qdk7Ka3kKLO1TkbRG9tmoGWsSbEoFtnxqBtxP/GVY9qIU
-7GBy1uJm+pomuqaAjfWOPGXwGR5mwgfXQ8dyLIuydeQizcSQm/ezLFb7tnSazVrTKN25sYwUzzAD
-9KmPJpxAmOg9tn14AFxGcl7fF5Exm3O3UwUWOgJvWq5+ac1EaS7E+vZh3GBkeUXsaDznace1xpNu
-2xsmZX9f+RXQ/lE0PrilMsWSNI9vydLZGiGnhVE8MgdnMzRBI7AwRxaeemxjwOo83LmioyYz+TVp
-HJb5OjMHWV+7XZOa9/jICucE3NLnc82zltzITtum2z2CfHZl5TjcFEXM++8AWO371JPpbpp1/bS0
-Fvf94gAcANKcujeXqvS/k5S/maQY/jZZ+NeTlP8DR72u/jJG+flH/jFG0f3fdIYl5G241FvQb/4Y
-ozBhQRLj6NSUAraIg7rp9xgb0/0NOYkOyXgblPBfeA//GKOQcAPkARU87RfyJ+8/maII8cuQDuUf
-/QUhoPR1THwonv7aa5QtctdZOhPQxAaQAxXtNJRFFaCYqnXOUuWBdc9bcovHg4QKWOqvLJqRLZLd
-WvbPorSGtQs2vZ6Iig4qwJSHrgIS7z1lDnJuh8yAvMoMnhHTjD/LIpqgxBPhL8dcmyYNlT3MoVKd
-MEmUPaPiFfny0NxUxcLCUanM4+Dwmop1Vz6fa61U+inPnOVmIcr0OTfbBv6C85mtrDpMtXI3mCvA
-VTtvrvOShWaZz2RO2rYUz6mTrVWYsTHZqoLtEQqr2Y9YOXOjFt2KXMMpWOKveFze9Ubga2AYpG6I
-u+BMosCaNq3MduL4DMyLQzWr4jArqOk7WtbsxDOidW99f1B52C96dsAaT0PsNMtwGDqpRtaMEGXT
-0pLHJu6mfb52Ljs3reIvRjVPIi4iDcVyKa7ehmkxHicSaNShHnIgqH2vWDvgi5zDPlnWoJckR+d2
-qz4PnbW8xGvtOmGXtM18YtE7b54Mmw+Kn2YUn0kcacGvGgVtotPh8JQqIgi0NYLe6K4nGLIbnwHc
-BkUsw5JMTvYJSZH74uccUOLSN2SXHiK99BNqay0AatNltPQb4tJ5mFsT4lz6EZUPLgSzrUuxLx0L
-gSh0L7SCIIHpYY6gvNIdlkX6HLG1PNPW/ICaoQ9aLj0RFjP6I2NrldB76O8rkKa9tLkb9zLOuojS
-fnkvtxkkZXZJ08WY+8kg6e0KuG3xud6as1gnmzJstGSAyMyDZCc69w6YHg3d1toxRoEgisKWjk+/
-dH9JUrT7RSUzT6DOv5u3NrHdGsZxax3R+NBF1ltDCeeZtZ2djsV3nUL8BE1KnIatCSXOKv7C3UBn
-CjPW/xqXin6V7lvJQzK04pk08/E0daW7x9VHl+tXcf+EEeCbvrXAamuGCTuhL+YOyE61SwMbLpfO
-Odma6NIprLPcGms4SuLAVsuJA7tfDWNnb014f+nHezpzkBfdbevp69diKOMdBfXyMmZNeYwvXb2m
-6XT4zdbsq63tX+q5um1tILPBcJkLCJXFob0NC4w0rj85STsQ4+YjFcJK9Dq0G58BM0HxKLehQ79C
-C8DgehhqmDydG1tjAMNQf7DTlob7MruoK0sQL8E2IL66WKlGe2jueLD6dMt68YMn6nJqfXJniLfM
-caotflDFw7ecboPGY5pCGyPtcePY4rQU7/O0vEJStEOCw/155yvhdnKHJp/fkWaiBSPi3E/UC9Sv
-ASDFcen+u1/4f9ovbDR0nlb/+rH48gM5QjX8ebvw+5/5QxCMHYC+ka2YcBCRM8n8fb3gmr8xX0Su
-itDMYWf2p+fiT0GwgGrmoiW1NtXvP56LlvgNVhRPMotlhYF25j9KePtlOs5MnJyhLUGMeYJrMdP/
-62PRM9QIVN+zj56H7a5MU49ur/276JJfBn3bDNfcMhGYqvOQR8j811eJR5oeqDLxkUdkZWCo82lw
-5rj+Ug0o6kpWH6dibSnrCFpp3v70e/wvK4vt9/rzLPfy4rajU0nwtaGt/+Ujop8sZpPlPHEtfi33
-btcjdpsNXtfW5SO2oPo9gRwJ+rbKzB2GrezHDHG2YszrmDwvMfQsiEYOg/KK0ESOh7ihTu96gO2I
-QYoYqOrSNVGfJOvN2LvxI0fXtPv/+BCbrJlKiA0jWp+/foN6Z3E+DqsPaWsWbMXrdV9qpXXK3GkB
-/6rj1oW/akYaa/XQ0DfwqY/wkRwU4jwHjD33DhG79+gDvUBXa3bwGbXulSeL00zeDjv8yXgmyG7L
-jV8HJqJllf3NzuKX5cHld2AqTSUHiIS9xS9L6N4yERq6k3/MTAr9Tl9h1LNlObh1/vHvv62tlvvT
-9P7nK3nok9Ggs8/7VXluK0hDjcErKeqXI7oPfjzHa8/dYLYPGOP+Lobql5vo8nq+juSfjDUusl85
-i8JACFhqBa+XZN0DJwrV3ciG/99/qv/l+4OgacF1BmcpzF8zYfyO46KYNO/YiSk7eHxrjelnQJb/
-TsV8SXX85fuzhaFzMG3nwv84FPLEED6yIO8oGCSdVrcXQEm4ZnD7Trul3NjpRuoQu10P8nFRyLsa
-Ipp2wJrix3Ss1qvSttuHbtk0AI4iQhe8ChszZRCLmkC2Odcojw4Z1+YnlbjVEpqrbmlYgpD8AWfi
-RebGEhE7muxIHdczlliz47//NhkK/XqVeDqtAF+nYI/rs3746y0Vi7jAfdrNx4lokKBMMHrCqO9P
-Guko+1r29LdkY89Fp+1sCXOAizc/oqUFg2E0wx7fGGgHmU2oXuAmtIhPXw3EBbc2K6Av7lSWryhG
-os6YxJPhE9kedPByws6Ji2ehSwBuawbHWqXzJ1ZNYlcl2XKg1TUIEfjCcSaPzmDbd8ko7COReOgG
-HD8lFjsmcDxxMmjxGB9rOwPpih790Ju194ykIz/lGuOyymhTLGFJ/A3hlROWCBFOVrOquwZGQktG
-hGtdlx6KNRU7dtQoaACORaKsMzo1IVgG8EDZ1RIUQRUWbQWqHkrvHQl6y/cFqxu6q3SIEjmYBzu2
-8FvmTipwKDfOTnNXi2LI1J+bsS9f3SSVH42R1jNcdX9ZQljd7IynWjeDukrnz65XyZ1bCjZhvk+8
-8JLP1yt45DsHRdVu8DJQ02aZTXcMiduvVV7Qs8Dp0CD3hGksf2hS8260qtB2VpIRLOBCBSsd3rVj
-tJEU/mlWGiSeuIkDgbd7QCFGprLmVge9ya+373NXF3kTmoiWg75mfmOU5pu9TTqsOdVPiSRLFL7d
-8kkr5CD4r/p6a8AJQuHDaItOoiBMvZzMA6Z174SG1nzvYqe/z/meqhN7Dz+k+TSfpQX3DvdspwqM
-DK1pvtdtV+9lKrSN1e2Reyyq7hNDrBGa4zzx08x5gK0kOU7LuE9T80HE5RhxtqnTABkoWLR58OBw
-i+9mx2/eOUbzsHTFTRbbaahNSu5UUow7ptVdkGJKCDsdSR3LLZg+loVKck6eqjy5iRPnC45A/UgS
-pv4YGytW+s55BTLxLkowcxMKVgJZHP9lsGMyLLrOuHbncTpXtiQjQa00dDqh9GPeQrhSegwaQks5
-okApGWUFOQVxzpXGOPKAxbUKyXuK3zR0zLyZOd6nbCXCVEIxQRrc0hrzMHJ3PIbkPks8p9oBH8x2
-UELFoet77cpe6/oaBg57FRYM74y99Icx610vqBbbEwEgiuZuxfjPMdUb7dWyGNYpRTV2NGByH92a
-28XRFjRmgU9+gBwjRJBpQGBlS1eexpuvAH++spLPeWyM34EkL59N1U1ntjsKvZ0/BCpprOtOJxS7
-HSTtAy3YaYQvcqctBNCOBaAfeFgIgIxTlfnu2u6M1mForSPFngkZ/2QpvdozTMAlKpMmsoraCvNl
-BDhjIhsznLa6JlSoD/DrDoFd869kPshmlzlze/Yb9HEOUd0HzWFu0Pa63Me5Wj7UAFP5lvyCYhc3
-FAW4rmCTo4LeNaLEB5Hw5DBWpA5CH5tIV5OI+MTd2XUGEU3YDnYoD5erddD715XkkTvBjXq7ZCzc
-dzImKBYdU61+gJeedn6hr8clz7tvKU5/VsiZ+5IC0SAMBdmXplNfFDUaUiknqhNFyVfXk05SjJ/z
-7i4ZU6PBNGXWHflYJFb7GTGm3Ekd5FOmURdqdrMcCtA0p8lq5b5hmv3CiLk4tRnS8VVL9SP8X86e
-jg/ZNpRfTlHHTIMt3tdiNuBP1vjsQp85LJPpGqFj2sgK2QZFfqf45GS430Hymnb2aIqoHVYRofFM
-7la3iXsmpCt/RvhF/5o4jg3YDsn4hNZDPzA/5iNpDt7uwXTXJBwYekcmIcd3BgdDuJKicWhQkR5p
-z4vQd0eQeHgCwyZ20MggYzwrbGQs9tLlgxpYvWTQLEhmF+05X/DZBtQ24mDoZXuIK82+gm+pPS68
-QHoRRgdrzDh/Zy+p/WVCHs2OY7MC6C7st1gm42OnYxToNsuA7tlXvTRymGFtfehzsU6QR3Xzyp71
-w9ByKDBfN2+VufkRNmcCVgonVEWe7uvNu1BX47MR4zSdhgGIOAOTiC3hfRdXQM4gUqgDSBm8EHz9
-rvzWWV6bXnd9iV8iX2xUonM1LihmUNN2pkC96cclEwVrXlAkVJ6w0tt5EnO5ni6P9/+Ocf9mjGsy
-kKJw/NcN6/OP+b3/S7v680/83q765m82jRJOft9B5EX198921dCd3xi14K9ETbQNUulB/jHGdTCp
-Ip9zKYApF4VPLfX7GFfYv3ksVWli9YsTVHf+kzku5e4v7RzuOi59lGIUNbSSvNZfyzYM8xpXco2h
-p8X3rzQLGkixfLt4/9mwtFGqGX0wl7V8dCfvpseq89lRefvU1ID59a4/jwvnWAvZ7OZCBVhiQiUO
-ahNykVShvaNaJVSKqXCLdSZmcmXbImER4hKd8GBZGdPhgHrDcE+r0bGj5bjR60+AvwT+FE2uNSs2
-OTTNjdd0ugvWTgEgofrxmRpZJLnK3Nqva6KDKmqmrms/EX822GhYqrIwGL7NDoIiEftD5Ka61e/T
-whLNeaC6gWKXkxGkb4DsBW9nBl3AOLv1Il4slvn4I9faqOn3rHj2DswWFvs0ZpAvY+JQMjd/jheN
-LT82HKmgE9d2/Z5XMeHYTs4uaBU9S8ltWqgrJ/R6bvMncAt5A3SrsPoDIHtxRde19uFIKXoV5zzv
-OBZc4t+VnucKpny+eDs6kyPVNDayKhswB5ClxQh89qKJs+iNdsEKPDNJj1mfPSUF9C82SjlBPlV9
-zMX0Ai7XPOTDlFNp+ckR/US6oj1P0ld4d2wJF5WdcF3coJ1CFTCOr31SskYvNjbInHKoKJ91XOJ8
-G+Z4Ykk7vZFD0YegckI5m1BK5AtSRQIEfSM/06l+TTK0K2Ysx6fVG3ngrlp5GPlKNZPYMdttWK+6
-qbv3RHWA4f1I8/wCT/CjLrLhaqVg3BJWbte0hfQ3Dm912Z9LVVdHSQTxzmWiMK8AVvulcZgFEqJI
-BMg9pMs6kEK+NFD8dtAta6h96oeTVc5N6azx/eTXeD5x+Af+SE3Qm/GOQBt5sJRlBDNlhiA7hq0B
-JI3E4IFjTSq9hnDT3XgDz3SXLAbycMggq+bVDpCspyHcQ+9rNgqFthFgjsdZf567ZYma1tYeGbhb
-DHKTH7EZ13e2NjzZQzaTfIWAAyN1tuVMZ8dKOg65BboTmPUCfbuyx/3g2daJcyHdd53w96QmWaGd
-av5BOdOP2pYlCXNwpGLOjoBHUwawaM6+1qZV46xhQ5gkPL54Cve7mpEzQ5hhCe1VA8qpKxaXWs8K
-U8zPhl1RyRTyRSvi07piuSv7hozuQXu1EcCQwzrn57S1yS9prOyDyJDuy7i6YW4MQS4nS2LEbEl0
-YZQPNQUO3JWDNwjvI6CdnWmt2kc9ODBMFQp3O6gR9ya7LlfrEoIN1Y5C6uPjYlCYPhWWbO4dncoY
-KAyZMg0y2b1ZZ/Ct3NjtQwNnyzOqqCEcdGNNDhm04HM1Jh3zbXPg1biw5BrE0/BtLAiF12Ol7klt
-NXABclkkvioMpmPz8h2Qra5HiWst53HIqiP7iWXyDyiTshlOjLOBCXm3RBj30/BhsN4BxQP0e+/M
-45h+wMHxudcmzLIBCY3NdCvYW7/10EaU2DQC695QpX6VVn5J3JzXhGmriQNGQT6ZpBtecghlJHa8
-5zyjMTYmWgRoFeJQs26C9taMYn/FbZTgVBTe+nlG5ffiZrB1ilx755Z6FcDJGPDLGnPHALSztW5h
-FstdVyBgqDSIib0H/1E02UsJ5GZbItnZjegWRUc+ruYON4pxjyXnUwuMkOhF3/SvG4rls+Gj83JN
-dc2iqnkETaM9oXp2aVjsbJdIH2dF6Xew25KU2xjEuYjiuiKFvlh0SIZLHQHOg6cEOeUWyUlNvExW
-7fEcLYduu2slAcAP5aqQ1LQoebW2SNGmqPsitdjHL/1xMvSUTfWwbs+S1UOF5VRI0Za3aqztI5nW
-/rdO9A8QwBH8QBqCR+YNnx2gMehBdC0SpjpZBRxRORomrlZmCh9xjSmOWFHtahntlKHcaODYgZSA
-TZflCladfWwZnAfecpsRNXK3arq6WTIWHNUy4g6sZgEajxWTcsXFLpwcUh98FyB7/Mg5UHzoRgfU
-wx1n8HCDHccNVxShZFoS6qZTrZ0Gye7KAWsV4FR/HKGLB9Krga7htoERVjOCnOcD+X3+Ce9mHNbG
-jCLD8ctvC61BpG92nNHQtF3Ty3aHJBOpjO+J/tnPcn9nenLZtVbho6VuT77mI1PQmo+5dT9hRq0j
-mo5xr/dNFk6LjxPa2oQX1Zzux7Gcz5psvyu53hRDPBJdiwJinWBIFcKt7vDi69dkfdVRpS/5fsoG
-/bRCMDhqtksWIWIZLNLkiHkJVjUNKS7U7Bx3Yyk571oHJiqG4QrnGRbm4YsgV+rKbuKYTGSmH7E5
-LUGz5PS9hcKmnVlpOEn5MTqFv5+b9Qsejw0v5nOWUffGNwj6YhGonKMf5ujXbRwZ6kCI72Mp4jBl
-Qnk7WYSTpIVoAkdP3mrD/mj89oc1ZMW+sCkY1Gy9lgB+w1L22EY9/qq1s7qgGefhA+wzSKc+Z+rG
-IYoLf0rvCdPJH3xRNyf0Qes1xnm+BlciGo2R9SnuLk4p9eotTHiswXzKWFyHLAFHKBke57qTFV9F
-BSqqFEt9Gq2SNETlQrL2tWqPyaW8JrF3isjps0JlLl97cE6BEo4bTD7vYYKrGOl+6730uljvpdkz
-oqhWjJO01iNt/yQb3r6iV3rjtpfDzeaAfG5dmz+LlvupGwG7FjMqncJPHkZWovc2C8c3N3eesP5A
-HS2SWwt32RGneWKyPMubyO5jvug0S61PPt1JONtORziwF1lrDN6/7V2YXqOaFtIeAH1ljiLYM6nF
-d7uaK3u38DsHojHqO2Wsw1FfZ/eIbNH7Mslefxv1+RvxMcPdqptaHimVqmOOgAf3mqMwUEIq5mRt
-BsWKlMmWUD4+7y14ptHLxxak0OOEvkYHoak0SgzB/tC2+uKj7/CPbDdqwm+KZwA1uds5h6YxbG6Z
-yhlIser9lX2s4DHPKOEJVhKUzEG/RjGRf+6hc3ytkvZcTGm80tKmSEUT8zueWQi40E2+GUmuleEK
-xkOSWzbOpwYJPfBJmebjjqnJ/E0vvGLX1GP/BAqwPcUcnjc4CYuDXzn3q1NdxbU7uFj0RD0fgTTn
-XM6Ocr/HiYvMVPQuPj47e7XBZ6Eyz+wdQZhFZDPcJxCxWcGVtQhE68GsHzvT6jLYx3p/O0vhMUSI
-MV64QzMmu7XzICWquV/uKi9DzWiQfxe707A3UJNE5Cb1iAoc7ZDbeVweWrfIXjnN5CuPuPFzgSTo
-SeZDTKPtZifdZp8/xq1zbiul5UGmASolDWgqXhKR5csVsaZl4K9MPHwNHW+Q6pNEo1T4Z9F2CsnC
-bMgA+UaDADkh41Pvu4dhnYdX3VsJpG0Ay3p97V+xOB7urAQUfW3aneT+q9EukFOyk6WNsIDqan3x
-uwErM+1DPz0jMxc+8QQWmQ6r35hOYBXNoqIs5364YtmHCteDYfVpir3V+ZxILVt3ih0Z1c9I2ge+
-y3nAP+vMSWRJy7klRTZ9Q4npaBQr41OxVvhV4O5pN0U1Z2902dW+iz244+U6FycQpvizvTyBqmkx
-MQ36cipf9XiOHxT/63EuOV670n9CjA4PsGrHr1VZ1TstdfO9M6zJFRxPkDaVYjs+lKp8NpDkBnhU
-xGECv3AN6gtJQTkADUzaAjHCWvSB3TX2foIo8IDvHNCzvcbEoKhMRio3xuuywvlggY09grFI7gWw
-hOXRc/OuviOufbZ3PkxBdBchayVBsVA2qb/0HjxWIVDeUW5m3gg2j1mI9VQPiUOoBgVe7bHjO+Z+
-WvrBlC8KgjWM9dDpCZMo1gY+udmnnKOzV8yUTo55HFLHfhVeVo67dYKbeOwk9+JXmDvxTtfyOLnO
-UOjA0F1gdEbCS6YdQkFcn2ShY/9IGc9cq0FrjmPvG49zO9ALGK12WOGn79SwaGc4kc2p45rcIWrO
-rpvczojjGd2Psqutbz/pph0+jfwwl81zL4kVfkPHhFjb8qebgfsRId+62juHDd6P2muSozOWlODG
-kGphm3Xuy5pPeoRiaLUi0i7lvhf9+q5TWF9N0GSCAjYeKgv9UPPXni/U1KbJms/pbJWPyHzt89pk
-U4jQqdnZ4D7wn6clBgnJXvgCUdVRBh+ImGaH0eX1rQW8fmfyHj/1VJHRMM8+cy8jjxKedRTn7RLN
-ohuisXBPWlOpHZkh6nFIMn/fSV2829ZsHUsJaJ7xdAvQjWRtN6vTQ5aY4LPrDRqQlc5GRUynr4Wv
-qUMhLHD5qQ8NtrtTvJOgG8C0NkIsx9YoWkopciUkLS1OcXzUEdcNMFt/tqN2kfQ3XJQEXOZZGk1w
-TyO/4DFOeqf80lPTB7Xvlkcti02SDHmSVJNTsaYuhj7UdG1hiI3SmYR0FCu+q91d8K8Qe48jisyb
-WY5VaCcV/oELDLZY0vQHrEzrJo7JYCbElAyFWuPe7Tn4xyYPl4I8jbVDrdnJQfHQmZaHdND9WzUn
-kryezDlKJ7MjUcCo0Pu6Pme6ce95BJf2SNlqvOzJO5r4nKxKJvUUdq13K1lehdg0ZGQUMRP+wjff
-ErbigTltjJUyS0sG7/1baxJslSrvYMEHgvXeqO860+Yjhpz1RPQQk3MazwwyB6DOuUqKcJEm0wc3
-cXbOWrwDKksjtlJQ26v5M9StK8Ktd1i2vrOg+dznIP0KMep1xNIGMMpsmhFWShEUOFTOedZjp+pn
-dKaJ7oTUzIYeahXe3Wgz84+JNbfXtZNXXC29yxRUuqHorOy6APR8z/yBrJDRmkcPQY+ubvuBehs8
-EYkc2/hn9vrm5LdtEa0QC44J3PkfU0WLlg+5OiLjI75Sa8UDyi0mAk33bUjn4YxSNg9Yurln5lo7
-cMcNdBAHYIDQ5Fm4pXq44HeTrP1Kv0YptlSwRq01L0/V2ChCz/FTvKqBuTHznhsTxfYLpdRzppFC
-7XaDe5U65hS280rhWKeneFrbPkhHrQNzPX7xjfZmQpIfpLl4QeeHb0xZDGSxSIUAhbzXdMaWb25R
-rICRVSjG2H4mwg8UyioFUM70OtMQ0zVImZc+fWIV9AHOkPqPoAZ8N9gl0lqARWKfa6rK+t6jJ9rp
-SWfuGq18mVk5fzQNMOp9QkDeEDD1oPgG/QsD0ikfvWUAT1onOcihxou/KH2UCOiVYpPmL9MjSVRr
-HRReHDN2Imx9b/fWklH8lwY9zmwf5Gj6j/hOmQg3pl07fLzYJSOqSweNO6GMHF12Z3jOwQRzcqbV
-iXf8VI17w2C9uVOo6rDBSG0DTcnMCEgrKqqIQbrRR6OeNrebg/bEP/CfZOV9iEQ8snTi8PAySEqs
-S86LzcPVMKdvsWzG9iBRXkfABsh4ddmd2cV8JoGUgArdeOl4JIWFMbDIEdsssKmScPFHTEiGs9Fq
-gJUSE2UfhE0ljIuBI4HoDhA+eT0embN/Sbz1PHPBh5j9dcIhtBt4stQ6BZQDNKbnxlDD/g+kMsTo
-OWh9lNgVpX5IZSpgg7bXXaIe/ByJeYkvZ4SdGvlz9dBaDdme5eKSH0IClvtP4LK7ltrdJKzXzLD6
-qyHWGjZ3DtG5hVkdUr1JoqwuDTzyNGedPfYg8RKdyQURArq0v/8BZcbTksFjWr7IBJC0IFmegHe4
-D9ijvsaoK54mj0WKMy9TF15YzXbvqifOPlbmjg2Il3XRuWsZRpE5HLI9sG7g8WrMWQgVjjqdyF7f
-qW4wc6E9B/+NEzhDrhK5ibHlp+ipPLc8Hw2YEnuZLc17b5BwYKOTKndSW9dvOF0RkRqL1N5rp+zu
-XL3QjjkPvC4wXXc+emRbXruSFsn1QWTsgJKdO5A+kQmx/Ct1FrdW0mCMzA3v7sKLZgs2ftMy5yO5
-MKP9VOvPLWPoh3Umq8dGZlOFf3CjhUit9babvRoe1h/caH8wm926YjH4CY92ZDazeMsqLLIrpPSs
-Yc1o6bF2S4a3rX5ipLNYPS+J/ekPknTSLsOR+2CJLjjpyfdeJs/hhE8r8YQgtwmJzrjzjD5+L+dN
-g1TGHkkvG1+62JAYV5OgqLm+QKZbBAZX1BDDvL+Qpjs0xePZqjh/AmdgA374H9BpWTpGUNHcUN5N
-NeJUF3PfS9dY7RVZI/gYkJP6OkApZnxLk8eoNnMDpNpMKN6U2fozaRUGNirCLF9HORT/AlPtcvW0
-od5Mw4G83ex6bRpcWjyw/GAA60PFtLCsx1nD/rMbtkqIU+btT/xqOebDsSHlK/gzxDrRChVanjk/
-2WMzMHzSESXgvQQZ1AjNfykg5H23U/CzKC7iZIa9siyPi1SzxFD8T6K129N4z4JH9C9Ya1YED4tG
-Wb8i5Tw3iHB3djNOhySL2weEvuI1J4B63tkWB/ba2cZ939YoY/8EvuYsq+8LkO+vP+HXaEDHoFx9
-76ZbtOEVRJt+y1ZyOQjCDX2a1978v+ydyXLbSraunwg70CQygeElKZJqLdmS3EwQsmyjBxJ98/Tn
-S8lVZdN15LjzM6hdIVsmgURi5Wr+5q7zA/X+v8pi910wfnBdj2YoGim8pXVFWN2UflC55IxMDJmW
-nqhje20YZzd0+FHs+kMdu9UlRjB9G2e7Oe9u17gT2UYumvkkbah7e1XxRSYIlVXB9LIwytnIA5Oo
-rbJH4JAG000SAp0Fz5M2Hwfp1/vJ4tSNsQjjsJ/qHcUObnLYWR20NQU2iIzysgVzfD5Odn8Glj6/
-0ri1MYJVjn1Vr/X00GdVPxNlUVdJrAmwSiteLAusO503+sZfpuBYJg7SxeOqDyAC4ORpmKhoIU79
-9YsWN91bvEQw0r63ye+u2rqZ9kNP9k87U9GlsZL3S5JhkmJUuWdmGdtYd+X10IfP1ug4ZwSn6CgT
-v9+9SHSHI6+Gl7nJWdp453XiBLfVLFF2W/zxQoKCmTZAfXaip+oYyBi39Jvbiw6C5vWLcjeYpK9V
-MDtnIxycfRYsTzGUw60r0CeJgoy2ohOV9Mra5dFKPVwqW8wBXpS9rUAEhwS5wC3wuX/Je9d5BTk+
-BFWd4N65MwrDm96vyWXttf2cFmLZUiowGG9nCRbf6YbbQNX0gZ2wKHa/qH4vCYdNBiE2p5815leW
-amD3ML6hx/pT/tvJA7gBSMn5+cqf29Fd583Lu6mv6AOP+WPYuZ+8mGDtW9VZKrzVMJ6fwqqVG7S8
-UdJHMQktOVTCESGr966Ti+Mk0POJM0QVNaUC2NdtONjrBlDlOw+big3A/o9wprNbGQ+4kblHEqv+
-MK5i/PJvQXEguPbeXsmQ0QX/RVW8DLPmbhqau6F2C4wu64Cj3TGFYFJY78CsYo1qkBhNZbtXYrS+
-CUsN1waNA4dqFhCUjOq4CMWnfoKKjk3Z1ajhH7TFT32N/xtb/2VsDU0ZXPT/PrX+f23+VHW/D65f
-/83PuXUQ/oM/qrQB8gn5QjL699w6FP9w3oRSukK96Lsw0v7P3BrZF1Q0BFoTBgH9H5i15/0DOtCg
-R9Fcfp12/0vG5ifoGAUcxHWQtfkvIGRgRr+jDR2HT7M9G+iLQ5fHP0UhN2njCu0O4twvAkwSfWu8
-aUF+HNYomS+gCUI+5FQB0TdNyzfcR9WVnwuMfNBbmt7X9cCB22nrCWI3Fjq+CG9QXvHuJcIGMUMT
-QFKEaXWT0J1+v9BhuS/J8Em7GZaWsXS+1DoKzopMMfJ0JS1chNhHaCvHGW0CpBEyFEM23aDXZ1vn
-iDeCCCMFpVn3oe2wXsAvgH6g8orD4KGvhZXDde276RbmO0p9GaJOzthBnU1LKOilBWzatWJ1UTYD
-vphAfd5R3BcwKoPwCtzHiIyjnN272RpCrFdz+9oBYXS9eAhpbcbaa/ag4ouDU7vxJ0OSvoE3eeuQ
-q19HrnNPm77eORLji6rBumnDYMv7wQjD6CgszK2dsXK3bdn2tyG4L6p9UNEeZW7H9BD1Qr+w9bcJ
-LhQwNi/f0DmB4DTU+UMjMpizcyE4lco5O4YISewmMWEMphYHSKQ7fKyDNMKBIZnuejTlnil9lk+4
-3iCihufqEQ+7lr5cNt/5ksUBB5zusSQbLnH6ab6W3jDvMF9Sez0W40E5ObcR0+cXeVUcx+pFRkQM
-36zQ25AdAooN9aVbAduMrPlsSOlc5LhL7jqmC2WuS1QlrHPMMvIdXgXrR7xrm0OD/PEP8FUYtGR9
-etlLMR2kHUbnbpmUt86qVlhEVpZfJKi/0ZFes+FSiyV7jJkhfVYGoUZ+qLENk9MHPU7NfRiJ9Hq1
-pX3NmTqPG0BQ6ceoF91VhvjZB1ELfcDGwaXT1tT20Z8LlaHt53l366LS6zgW635RikmNpclgmCI7
-EIZ6pF7TjuEdhrn2LUMTdVHHvYy22SqK52Ge9U0kZXHEIda7lL0uDqWWGCQFKv2ELKFzQ0Xr32E2
-sR7nZMEQyRq9S3fyaZtjrvwOUcLuPlu9kFYIcLHSGs41GS9zqMoPbtxGu5+r0JHXTSwg2zqFPpKz
-UcQxaCn2kwDFVejp0k0mwXZs2qNFVjIkcf+UDAFDomXOnTNXR+qp8abvfjOX5/GikdVcSv+8biKx
-fxXGVpX76In8GfCZjrdWLNzPgF3v69FbH7sObNtqV/ZdjehzhV9FZF342EVClALKfMOEyHe2kyWb
-J4jC2a2KcxDEwvPCZxwQkkM18o/iNS0eaNmgUYnQLXC+vLzMYh7i5HnQ9AZs+QJRlB+U1/VfvSAc
-202fO/d9XZ3DFJIX9dQcKur97SoV0+y0yPI7OnpweqPiKEm/L2S0VuciLzFx0AOoVYIlClMhCAyY
-8Xtswpqd6kjMIro37zVZ1/cV262tl2cADhKcfTPt558UsuEPqtIka25Zb3mgill+ktOxAbJ6a7UI
-tRWS8qLFb2aLIrDfZ+Uh6jDhRHmNAXNxN0bR+MmKSB5z6Tl3mR17x8oJKJmLiR4QEp7ts4co7iYS
-9m6yZ0Wbc0JwoACpC8nNCz6h9tQgkwLtIKVmM2PCdQHq19X5ARgtIgvL4qMwM87SGFBMDOKjhcRt
-7QDz1wNcijAcH+J1IRku8hAnGziIhLkOhdRiKNfLGied66WK7DPHsT5lbt4GJnuBNl+EakMEsIE+
-V3JbWOlH7AXt88LGYgb+XrNBZ7r+WshkZeaShHc+Rk3nXefPFBCx1d+lvQVCWtFfhGf6JDM1HzIo
-tbd2Z0AGGhO+mzEADRtEJZwKSALyDFva8DHk1LhZcaP+2AZ0zxhmfwnXXh45Edct4ABaZ7FA33ec
-sqsuYxZIozq8KgfR3vZZ1Fxn9tTglZMW+CGW+gyJEtDpIUZrK0JTDN4a72OOnsKR8YB3xqyh3idz
-5n6nPhiuJz/UT4KGFYfLsIpPCdKxD73rAG2UKeB3LwvjA+ZvzJWXmImfEyW3jpMSxOEpA99p5g/2
-wNJXib/ulqWHXzO7wWVgDEJ2cwH/xlPZxEZjrhpawseG2B7WA6Oy4VDhNnieh6t+KAacvx2dneVL
-xEQSUZUzPY74VtLPWjGkstBD8uN5L5t6vHHG2L0InTj/ArIs300QIKAscNymvOKXCLDrI7JLM8Cd
-pg0/g4RJd2U12Z+KqI2ORCaaer27W1zp365DZj1rqF8Xug+sPV6V3TsnrYpzX1jRHhP37q6gYnmI
-pyDaO3Zjf0jGFMOzUUW0w/A03XsQM2/aBcA7hKRnex0I/0PbrzgbzQIpUW9ydogK4OxsANHkrfiH
-Ic2K6hveWX7JXAC7clQs89S+MyxNzv4si+8Hn0QE9XVsWreVF/Z3DcOaY53wSm9mrZiFrl2L5Rlq
-aM2PEE/T87EA5SDmybpKsUzFcra8HZGVOfb+8NlvfYTFGfwkDKmm4Wvey8+4xz7Z0fBDFevnoJ7f
-00jAqmidNN/XoBqPo9VZ26T3bhPrC0Sl1P2oc/cxz6bqGRbd/LGN+IeImVts9XSBT3yh0dywhwvd
-dM3YH2AuY0F8TaqF1dEG9RcbKVW37sUZCOTkanZ9hQcU3eHbpm8Wyaw0+jEgkRvAjZ14cLihu3pv
-jWDXotoG6UXWcyjxwLlOdWPVnzUBlNwrHHfOHOX7Jl/i8gK3jHbXTZm7I8nLLx3EoS6otdVnH4ml
-L7aK4uw2mpPiUiW+097DK0miQ7Ei1VBt527C0w4lVT/7FiAmZz34TcRIwknGCMtJC3ff88ZATqoX
-8ElYV/sRzguDa+BrM0huG441KpLiI4Yv01GmWoFJ6ocbfnPeh4UinSySi7QVVwMOCiBzENwFasUp
-g7OhdSQXeajWpDhLpKuQNwUpk1hpjC06dJS4cpYbOMPNTcvTvFh7WLFJOj2hJL5ctCHTxU5Yw8Gp
-Zmb5g0m3vNUdNvAc28s0Pc+jfa7kskMBtj8GxiQ5b4L00OFkul0iAYAGUTxYAfH5KuKe0WwUMWV0
-0wv6yVfSgTmBlJm+SiLaKEusmi+DB14abzboQc2Y0rNHUx89KkjMaVEztRGakV0Cn6FHtGLr85iP
-AxR25ODd8gDQ0f4hBuyWtjrXwAWphz3nmwwqGXzs7KFS3fMgjKTbQ9TgGNlvUTdJy5/+Pf9XxP2t
-iEPJ4c0irnjq8t8VJF7+xc8SDlDxP8B66XsEyjNqquCLX5my9C7/Ab3jAEz2Xebkvzjn4Lfj0c2z
-BUKBvufDZfo38tjnr8Ay87ce1FZT3/3/II8NT/cXUqG5HMd16NohdcNVB6cCEoEal7IcyHASe9XZ
-j6JcIyTPp8m18ATr+8xdHrMiTvt9t3gF5m3d4vvPc1To6gpMbt24e20JtFV4QSx6K+jtGynmoMgh
-gLV2abFpIXnKVWJxRR/RIqdDyG3EKnfAIhPn4AG5JPitGtfI2KZx9oDYLnoNRTbE9N0Evpwu/JWB
-zODgdQyq/M2cZj6OVYAkINzsqzEzuCrGQ1AK/iKB6/xOpgNGYkN7ZMbC/3ww26erwxQdwbhu9b/r
-bhqxhuDIw8lv05Kx5tdh7Id85cwRWP5oZJsu9wKOM5fmJkPL/VRIY80Pv+yt/1Jyv/BJ/8Ni5JKU
-gi6rkB3E9AgV1hPFD5VBK8CSJ/7GGe7n16BC8UVfxYCgziGxZIr5fMmp7VCvJDoYsJqcdW7GD7rO
-n3B1X5pmoyjUs4vCxswoOVujeAUgUMw8irMe4N/6mEDnozpDm76RN+uagwk8K0PRkY/Q3xwAnr19
-U78zTUkYWGSK+zCABAzgPjRdhl8EOKMkRyIsL6rv9gT+8wPuylb9viyier19+4t+l0sxX+RBMQHU
-7zuwTfm+37+IkVwTrnKOvtE1QaXqTBdRLuyNa/OGI9OUiXdTV/vY4CHcWlhkoU6sxvd56ld/I/P+
-Tnt9uRK6KbTufDRiaOOYJfnllh0vXpDWy+S3EaiovIETlKHw2KLGqLyLGO0y8GVv3/sfi+zjOEQo
-gRJkI5p9SrS1nNjCuFx5z8UAQY8W7IJoJ+jBYI1wDXj7u36nKpu7I3AJJ0QHwKXReOrgxGyo4KTy
-3W+zE4Mq/I5uHi4R55Ee2Hc4BpklLhY5DH9zcvrzJtlDSPJIG9AvQfeEUA6Ht2vDLO+eZxui+Mpo
-30g3RcBsWN237/FEjdTcJO5lLhLKCKoSvO2TzZQhuwIHzC3pu8hE2cdoydWPAnuGBq4CnNtYv5vD
-NbLLqzqlRLLP/DHJ18esU1p7GPIQECPIdFEZ3mUZnGXYgjR5iqt8jFv6LsMkBIrfb1/0Hw8GcQU/
-FAoGAK07eRrQnBD5vRlnpeeKHJSraK0wz36MzmL5n+q6lHTWkTyp++hvi/Xng4HhLyku0IsQrnMa
-tiLLsPeR1/q6+ghUIzyHve2AnW+gE0RlHY8BVsH4VOTqaUkKBMUZEbRoctJ3m93xPi2B81WbJJjX
-/ivZXUatVUl3uURwX3TB7i+rFJy+nlygwvmM1wQQL3oUJ8/Wj7FzKIe2/poEqcuryCCjX2875uFs
-qnWx42U8hJ3u5I3lRSlvU1fhWmltKwmYCghOLuLlmQ1YZj8kwA4+IY3wbsAoykF+9sdrAIZ+S3Qh
-24vJ57EMivrtWKqcnToCz+HpVG0vOYYrj8E6in1lZEK0xfCLL3SR2gzu0DLt58/rYlKIDTAMEKg7
-F8IhQd5eU4ktpitwq4Acl0wpnh5SZOV3OQ0OaAMPWMd6y+sf+p+qFPD+Y8t4iGuktAwrnKyxTv6E
-y6rOqrMBU4j1cYUWON7TkpPj+y7jT6ZNgic8S5IkTErxSEhm7OE3JbONfEHDWFvGUhRsITdDTyDD
-6nlJKln5G1N18JvSAZiUgF9VXSkP/jgn/V3P7JnDbGkY6ffbrsXOBOZuHPLVFgN1fn1l3Ma3WfSn
-5I0X5kg6kp/7xmlzbNLrAusWTEsdSLmXYP+X4WKYh5m9NAeRiXzpmDrLZYD4DoelHfXmzGywY+dt
-00HT4wlag5VknP/zBvyMERPmwcoOZbazmXSzoL5dsf26OTZBrChpBpVnqN9J/i9VGtHVbaeZ1//r
-MxqqMPg4cJhTdPbcoMYTGSKnzxoMXgo26TjrhOC4oIsub+LXVRWQTFk5P9ADvzBNPRCCqmgHZKic
-JDTf6FmKrG2BgMmy6EU13B6B3myXOuw5tTwUddk0WSSz8j2ErFphnwzdju2i/czlnRqrMGTXxC40
-FNqzM9NzA7JxIrVHXTMPvAsLFeXluUFLkDWs5zHj+30CoxN9CApbsiarGhBxOIcrMDLni9fK5G4Z
-8nz83cK80NxEFmo5XzfY6VXxWW215rkrVIq4OjyHRm6mdiOzf1tIm/wUB17jjRdhNwo+pV5qwasw
-ZF7AT2hCKc4unOt7LgmOgvmiacAeJsN5GGtcuYUHyCu4BA0Er523SimOoww8Li8r08DkbdGIp9VN
-ZzxSP6WD4Idt6C3GBDcToVnjZoTl/WOYJ2Ry8T9QZs8VpIBoGOG9yPqA8zJb1KTW470OKv7bOEDr
-QBpR4skbUseVLENMKe85mo6rCR5GePMpa7zWvNJot/ChLXL8PAm/I2/EsFo73njPBMFlFUAl6G45
-Ym3RZeW18UDnA5vWuE9smWEPZleDPzF2tvSGHP8I/BMj511m38PbTU29j2yJiUxJkaBjLG1rTxsg
-1gjF0wOgrcjexgAnpn+03vrLMrP9g45xCnhLoM9LRaIw1SBzfX80hHu7L+j5ySjz0ne1k6RAw8jV
-zROuUmjZzh7kfDda52lnF+mCvmfT1912LqC4T5d51CmuMbLQQHtuRACLjwGZU3EzFfVtXH9AUiIS
-CBsAR56DrUQ6Cvg1gZhwc9Z7cYa/dKyhawAgIG+ndR+5EJ6OkYeYecxcKSfMymf4E5ZITLBduOcw
-m/OVJlybzEkCkrJOBkdhnxl2ZvPA3zA7EcBEo/d01My+tIe5Yw9FXtrk8SWj+pW/a9xxaLH89D1C
-ZddUrNKuzHke9LltyxmaGyyBXUJuBs6Yp1Q5Au9DOoHlxGeFjW2i4GB6MESdFPz9uLd7DXgL2HDH
-uAeASGTiUm6P5XwX9oCxe3bIEBOetJgl69cnFtFhZBV5FwCRdGyosWk9iA08/WbxLwOkVQU9CwS9
-4suEWRRfLRxo6TSHmMRz1mP1wymP2TJCFmc00s0h2/dDw3acpZ/WKFMjYEZ8WILEEu9me2nhXxOi
-8DvT6LlyS0Hd1u0GAqBJsQzsYHlGdYNq5GcdQtQ3izPVDQ3bA2DYoAnP4iSbPOt8yNYVdCzSifGu
-iaYqYtIOtv1D1MzcPNjLgmg/LpPiiumFWqxSXSaKFzsbVtJpwJyDWcGf2xoJDfN3i8CxGKkOZtpc
-uaRrzV11FqMUY3Fks8aeasN22pCJxjbvpxWnvLkwYX2FHXfiKMB2KWF314V52+O/szqL/IK2X9F+
-sMu5uA8RZwQ71NLlay6QRkRdSNbjoJ81isrWZYsDH6hYrtTbQsVPmy8pMRe1O1XVxTeRFWv7vjSo
-rqcJ9ZnpHd7k9D4nq+hxr0TrX4OEzqrQ19tGeKIb9tPkBwxTGyBh8MdKu3SuvIJj9SwKesDKDc+o
-JcjPQbNmnMJji1gqLNDRpPRrOy2MVdRSMMHSrbX0n0PXGQTCd/0iYgQhRW5ImIW74ICED1viROzT
-iF5WTybL26jwflnXXZhiE9fuI3ed6suZl2MAXpVfT7bt6P0Yqtjb0ZWd1/sYxEjNwSd7oKYLHuQb
-T9AX3zKrDOHLyLjvwh2S14Y4jOFru439Ij4q1+t3DNgmRgRhZdsHZ3ISdx/p2anA49NsBbAXeb51
-q/O6FA9D14DRPthaLbo5C7Ejn++Nrn5/bWF9Zb0XlujWx75iVwPSl7J9WNUYQ5QreqlafaADF6/Q
-xkaFokuIZQaC9GmPxvMKiAeSYpjXnpsAbF07WKVOmQXVN9qq9Tgzn8Ha/nuY+cg9bQela7Vxvc7v
-URuIqsYPdgMd20IeotLK5Q3YZCvP4Ypq0trkexLAFoagUwf54DIf9SEbyTPpoZkb37QuN5Pd/sy+
-7aWIpPN+gkpLd3WC2cSxxDCk1P4DGBytxU5HUxuN5FN2TI6yjMonG4uYauh9i9wJ+7+y2owMqvVQ
-ouJYCQkkvNxNYNLHlgOc1yER0kS4EiABoSTFK9KJ9og0TDGzFg+n9OByxUKSlBQFQAhf1z6m75wy
-feXHLhMJpfjM/eDXJvvDk8BUDipzjH/pAkuwCA9DU6byk191RjXC0ZbKwwNzH3oNemh8wqTfdWT2
-AQrW2j0I1ycLnmxyN1TVUSMmlmUBTiPTZWRNZkLmMfu3z0ankqt3DAVGse2xcqn4rfNyKG1ulLwE
-gXToKGVrAmJZuJzREz7DpCbw7noWSFfKnJxBM81caRsniu8e1Krq9cPIvIW/q6Nw5sPsrI54lzq/
-Bitw6MLMxMlcKKMB6mZOyBVVNGud9ilsQ5OvhhEmp49uP7Ty6wT2r95LF5uMK7xURo5FqPMml6q0
-MilLEiLTCue1rmTv/BisbsnDHUJK41Cg6VnRNwCsDN0dQJLd+iw/MXwxKdJLu0d2pTmlfp5gAkjB
-eJ/XoEX7rQzBPFQbx4ssFlLHIgvrw5LC2PlRDBYLS5jJzBUMnQWz7fivlVgbXiFs+9A1pj9UJXxi
-XfYSok3uVEtQwLYuzFZMbfKA9345R/4nROToPb0+Rg5Mx3mk/Bv6+4BBAHfsZZXDMxq6UQGeq+J8
-hM23TpkdhZ/HHO39/JhoGZfTuSAdHe9X5Zos1lm1aT61LSiP5FzblUkq7B5/w2kzuYsp5APZsFlK
-+nXOjFGd3ap+B2iYLCV2I5PNjzUyVv4RcHA3BregYN06vZKRsrmeZRXmPfA8VHmQjEL+frzHttG8
-Ik3ZmIZXlTX8QjQKk6g5BaVx2jhmg3nRAODl0LgKnSLj1WhO12QcYw5NBlQkqlvP02SBeAmYfBN5
-NvYj6q0ZmbXNCmQ/olVV/MCfm98mK2nX26kIFMelA4mNMwxHEJMa5nKITTLvaXO1r69H3vs8F2zv
-ah5q2xH4yitv9lDWGoMJkbajjwYCOrJlw14otilcU94zAb2SB15Ublhdl5MTj/0uLrrAGS74AGaq
-u2Kq8fRjcDiWfFcFH3O8t/WYmmYFZiwZ2pw1JV+swrR9GtshNYz2HCAqwWWZhHclJqfPK0iCLvus
-tF1TBDIjp2KzHeQNeI1ESHpJ4clz7hd/XS69CX7LpVTYw46H2UWg/2lMHEwWt9Fr5tPF9kiu0dUB
-xo2HdEaPYMEa+qUiDtYqJDGY4xgdqjMogx4/xdQsCHRbljU/w+dGkAAAhY1jTaITypExaePOOgZS
-e8M9bA9vsFCTclh/KwlN0a0Q0yMLa2f0L8AShthbIKula/ZH1EUxT60vaejWuzmw8GJIW4j+5Cih
-X6+PrLqJuKvTUPMy99LVhFPwWLKdJCYzfBADQBMqNTFZHrXy5z45q6BRk9E4gZNQquSQiJ9fX71q
-LExqVViloaAaV8yuQVRt7MzGqCbTP0JtfjFbEl2TqXpni3mu0JePV1Nx+6HVs5CTo8wrTrUc62sp
-c0HyukxZfIjgHg93clZrdx5gAV1A/3OpKTjYoCbHFIE9RIa9hOHOx4Sib4lVWVOZTNStXKL4dnqt
-GuecKSYQw2zEZuGahH/A05fOlVucgTc1VeBrYVFEAKHpAazwgSB1NnJBXb4PVipeATqCjU6RZLP7
-p6RiIIdNw2AufahmTsKzGZfRvkccDWrAtdI0R/hFoOfr7eLi5txseh4jWtQAe9O02iDQ161MBhIU
-CZ68GkpleLa8Ro4QLRDWsHRQuMv/0uP6Lz0jdELg6jPQUb5z2mBlho7BRFhMX+eoN3WmoZ0m/s4S
-S1Mgw8mcm0f6dqPqtKtGmwqoiI9Xn3DcgMTp9y7yosG52L3sv/pyMtOb161RBHDS/nZ3f36VcY+C
-L28GRoymTjqrLvbb60h34msqIhOfaim8kaSQYE3sevu2XrqBvww5QBMCT0TEEAijhyjgaZuys41y
-NL4lX2evHChkhqR02Yl+LxJeQ8T8Hc7CVdYEjaESYDaAkxcNQqa6hyRwQxfCTDZCSl4Te14j88/Z
-R9XGpkRA96bjTIBJN/HT25f/x1J5tIVJbBmaU45jofj7U5nbqOzjSflPfYqKAKw8uzVlIYcrJdTb
-X/XHnvNoDCMCjxEcfdXgtN9NGpW6EKv0U5gE6HnTgw6y6RFInHlFZAQS429b7nSE4vBg4KW6aAzQ
-YUec8/eba5vOC2L6909agBt7cXehizikRPb3sRuaMysKyfdJJhZ+/o6Kgd2+I9qBInv73k+Xmamp
-jyOnmaryumHN+fuVTEDnxymMvS/0JCgdoSbSpQoqZcr5t7/pdJVd37O5W2i/fBvNsZOZG9IRDRP3
-zPkyVLXKr0HumdIcRXWPQz5xTdb49hcakc5f97+LISFtZ4a8WASQNJ3soD4LVoLJ0mKbw5woOWvx
-XSbMERQXnmvUNsXsoA4QL0m4VTm8j+Xs7Qswgli/X4FkE4c2OqIqUNz6aWSBBV44WlVfmgTdveqM
-Wdaan9H1SMLs8Jq2jG1iUmMpoKShQ/DaFLf83rS8SglqPjmfXhenzHzT4qH1v/AW1yL0qBZWBKI4
-Erp8qoNuF3i9FWBe7eQ90VpNvjkssXaucd5NIpsXf4OIl+m/9mqgeeRgRIMuDNjAKjtDLz91+/OU
-0TJMgTq3TG7VgQQmWFitq6hiOjARPDOpU3IbdCvNEQ8zR3NZ6rVB35HaEzXz3DVJUxb0Lxmfi0m7
-3kZZiZTNxu7iifUP4qylM+mOM47v6MzktGXfXv4/NpzCEtOWPu4RLtDE0609UFkkMByWz3XSYMl+
-jHVvSiBwbiYD+Nmyfvsrzdvy25Yj1IYvMxpkrfHVPdnjDMqWvumC6XMIsJonOKShzK/h57i5dQOm
-jyuA3I+0it7PDtpiNGFxfOAP376M0zv3PClsIieCyvwnOJVTrlCInHiWyee8pv15kYJ4Lh/cfHLb
-K7frb97+stNNDgTexz4jEBJhCpTHTza5xBo6xcmo+zI2eFc9+pky2yLLtMms3v4q9+SV5tOhZYvA
-lorJm+fZJxOlGEmHAp0B96HqelhbEe3LPt7HtFGpdEGqczpsGHiX/J+iYcO+nH0vfKRY84FcGlY/
-LRhKHjO/15NXkIc6qzCJehpToSDzyVuRIPdm2lqzZdoAQW+wY+djIE2bOC+ZjtyPluNxc1bucxbF
-sWUmRc5YmnhNQZBjkG1ZxNFiXyGMJF5daP5XvsDJerMGISUcCHEmkHg4nq6Bj5tOWMphfsCZ3JzM
-2IebVw5YKpXz2+vtnexn80wJXhLABSazxNGT/QzFj56qI6L7QNQv3zX4tE5RiDOp/kCoJwS9zt4L
-QDqsAsIppkv68yecQkyHwJpsFtcXyvQzqQU1kc7FzYeOgpVng7VedbyqCO/hzJBPh8UbKJgwV4ko
-j9OVoDbufw7+mBaZIZJVZC7vzoqxA3831qV54Kuf8S3Wy3RcvbYmsL4wPV7LT8yTzByyFgzURwJ/
-vevb1DSWf47QeCPZuxkzD869KKLL4W0WB6Jd/ZfzNvj98RlzXCb5tgtgyecs9E8fX8MdjIGto+di
-9NSnrIVetXcZjx5lHmhBjz/p97Dcw8sFyZNop0VUHUs3Lx4REEcouwqGiqEpCrKhtaDvirZn8xBR
-v3a3xdyNyTYJRveI6tNdyajtedSiQ0SoxfZ8yyxHvhv9qL5M7LS75kRKjHpeghaw1WXex5U58niB
-KUuGQUkR2mJH1xBRtdXqKQ6KGY8szJtuBadSvheF5V2rpR1hfS/NGTPx4jHp8OUoCpcpQaZ72nk1
-GOAMekTxBdSEf7nMMLw2w9rYGP3pVt27nM9POkHfCKcWmdDCiLvuAMO6up+UNzymnpeAg7ItUUGs
-8/VnFFa7b4Wl2w9SdB1pUTQcMbfJ9owJFmCkzItmDPPC1NoMohwvigotrykcadgkWfZxCCR2mEE0
-5FA72/oejgMtMeFYCd0+S2zhMtyJfrG/ukvffXFQq35IBn/YJrMsL3OF25ZIl/Ty7Zfs92DNhmCs
-TDDzSRWES6JwEtNq2j+qQR7iG89rvg3dCLtmxGoR2petLR/e/rLfX+jXL1MA5cwxTw53mpFEqyC1
-a8Pqm7RVCUZotu+div7qpizz61F4htka1+UdI0JYnG9/9x87/+U2weowsiGIn9Yjg9/hsSDa8luD
-1pbeeIXO533pQZ38yzHx8kn/OYZf7lK4LsADYx7rhadF5Ixwl4uvTPLNQaJ4JOfhuNjUFDzpDiAu
-VBO3jN6n0Fz0xi58APveiNDPYUx9CYC8B/YFWE++a2UbXlQW+mOct2gN0lfsH8uS5AVPv1Jv3N4R
-d/aYVT/KwQuuIDGou9Fd3I9hRp26cWrH1ts4j995Jeq86IqXku5NziwOAwIaa224fEOIoGeUMLR7
-J/btJ3vuPRxRQ+8vudAJCI8lMWkAaRDrAqPJPU0JHEt1swiW9ZsYzOJDm0wOXp0Vx3mdnyqInp+x
-npt3gxsz9GhaSx4FitnV7u0t4JvN/NuTUQasafAguJRwjJ8cKE4elYwPEvUtHhgc0E5DIGnGngvN
-N6Yk/W7EbO+oyh7hsRRHUKY9dXms6Vtdj1qCYy9UbL1bnVgcvXWhcdZG4ZcSqrK/bXPrOl0qdQVX
-7IArondPD7R4V1s8NNi2zbxs135m7IIaUbRVOoQz7VJ8Q+pJfywyS288pdNDTqf4mCJR+g5BiqLf
-1VE3fEWPZXiwfTe/s6qAA0LOzrT33H5C77BN4/upCBMU5xubG0CNI0TIDPsd5tcNXBfFmfhB4GR+
-lSaL+IjEPhr3DB3QdXh7cc3ana4tdCrKfUk1q06Nvwdawjx3FX1rUuHfWI2XPWKxtyy7HPLqjTNR
-S/zlG53fga/sKgyxDOoWPBKEAuBqXNKvADzbLdqSo/N7pjNxQdvMKjfRsFiXNCoRGEHVjkjvx+03
-7dnFI+od/VWKg+GdNYbe/i93/+fWItUkfL4Y48DqNOHnl2tpp9LvgriqvsczAwbq9jr6UrdrMu4Q
-d/M3DdqSdDjKGun33qdXuMsS6R8T4LA7+iRhiG2XVSaoC0n1Ke0R2qb1Swu9srrkGrWd7ogs/3wj
-IXudx76KxQapAxf5xsVBuSHWdokzmoPpeFCuvj5YLMs+y3vrOpTOyC9MysLSN1lul3niOEPkSe/j
-idN7iwRAflUy5iWj9EoczoqmqICUoE91NjL0fPRHSlNyke5Dj03BOXwZpIRaBVyGnci4aCvp+t1i
-+FExcgVRBwz+f9g7j+64kS1b/5VePcddMAE36EkifSZN0onkBEukKHjvIvDr3wdWvfuqpHrS6h73
-8NaVlJkwESfO2fvbkrlST/pAFHRoH66m2scwUyVAYwKuX2UcEKdM7U53IvMLhKrkeSD+4LtIzGSB
-oaaQ0X59d35ef3hSfERzSNewEvzU17NMJqEEF2QfnkN/gBxMP31D5aGYGnLLOFO53+ZugfyV2psa
-cXygHh3r4ndf4x8eWG+RILP1eb6gN/D3hwSlVFd0s5t/hIWjBohZ3BBnHuL8nOROj0Gc4FBIOsMW
-DnS4qUk7e4m9dqx5Tmbj4TfX5B9eWLgk9JZZOtBa/qjYnYthGiuZpR+Rqzv3+N26OzMHwIJrIjmx
-Lw7XQGD7Yy3K4kBOkXHV41KgxZ738jZxYw9BcjmN0H0G6zvK+cZeeU2S3f/mW/5UMrgOelebVxzN
-NIfKHy7ZWISq8BsxfND1bqJHKguQyXQSQSd22OtMZ8yYKXWzA965tavv8ay7eIXwRE07y626J9vP
-o7PuTtkjpKaBCQm7wJaYxJzLHaVEyTeMe/+40f/rs3hQ9cd//efXbwUBMEnHIeW9/yuxnT6px6H5
-/++Wv/raqvxr+e0f/tKfXgvXJqzT5Ylz8DLQiofK/u9UMh+Wu86J2UbWSQubUvb/uuV9ksdM0pt8
-4SyVrG7922thuf/yPBoELp0Y9L4ofv87Xou/vzMoSXUaGvqS2KWTa0hb7O8vcKkPaVugAN4DBLIh
-JY+C4bCM1GNhyDGIIuAQf7k8t3/sn/8BXuq2Sjge/Nd/Lv/g/9tVPz/QtdhWaKPrNDh+bA73bO29
-NjtqL2XaXhiGjdA6iMr49af8vSH8+SkLt94iHNVhCvFjedbbvEqNHcs/EqkmUzaXrII6mbiCLA5t
-WuJKyNUQTarddZP7O0MEDdGffiY5c6D7LSoILvKPa9EwcNwcldvvqxzO6lZOS0QHkPk9A30P5xxY
-TJnKttup0C2MVQ0LHNd8nWhJ0HG4uScnjsSLKvTUFbxZKszIQD/izVNGmCWKNSB+eGRwrGhLvHaN
-pXRlh/hggh7c7vemV9mdlXrZemZcv48FBKSQscKxcOzmOUwatYOsxuGxjgwoneyV9BrYZwjRQPH0
-4Fhmfd2CyX4w5Shve4tMjcnp6q8eNBmdLZD4k7hbQs3KfHzKBxKmkMKV59CgQ9SGiYedGqQHXjO9
-eqVxU78Ykc5fnGTin7uGVDXDccI7f6Qypd9Rk+HNpQKaF7FcGiBZhLB2ZoSkbKW7JGK5c2I+ENXu
-rV2JHdVu5vJMwxZ0Xh6Z+ap2iQKrOP9Hq9GdKP97F+gmHt+r2ZLJHrH7tEYQ3R4RujSXrugJLhlc
-uXMAGR4+o0gMeiJPqV6MT2TLO/fcHSJLOgJTStPOgwEb5LtiYBMwzeUZmkqFISisYNbO3Bl4x/re
-mXzeITQwjK9LH7+dluybBmgPPTT1SNdWPSq97b44leedMR2JQxP1xsOQz90XCPzlWVYVhuDC44qA
-UMH5LIqJ6s9BX4bJP8eUWwOfn2jWbTA4ZXe1Ey9ywwi+m1m178Qz+1TBNEkDZE9ztCcFAEuvGJp3
-ia7x0dN6tXOSIT9UHjdXuUvy15Aisuyssi03uoN7v14i6/oZ4JgrNMDTRpjdRROZ1A6Q1Wuhu3YA
-Lnj8yHRSYMqe0KAi13UWDaN6xQ87PoWQaq78ZuSfsmIF3IH4G0Pyi/1JgzOAECxwtMa+wWYIOcrn
-t6D9BkIFPzQYs4xHcUQ19sEgVKEPAUEZCe7EZ6AN4me1xokiinVeD1xXony+urlv058IUzrwUmOJ
-r+IwvHP0sHm3fX2+KqdYPZpTgfMamRM+crJttKzsSVh1jIdEJNM6jnLY7EuSTBdxHxfVKBMFHlHI
-UuOHavn1c6bMaNVArV4Jp1I7YfD8E75bv+SRGx7zLnuZtG44xklb3ETed8b/nJITraAF14WFeYg7
-+1U3VfOMlngAj8uzuQJ2mOxM+DhrIfJXhLvjRy8Q/IEr5aHEXgBzmRvluFoPFl3UN+itBBzgyb4Z
-0EU9lElXvwy2U70yVudpdbN525rkPFqFrU6ppdn30lNevdJSD5d9ORG9iKKDsGLYHyt6Ftn688cR
-ap8fuqrT7iST236NkW2+mjzVgQDSsjtV9QZm6YjrY/RGeJR5WgTOpCf7HuGcgWBZJjtbJu07uXTY
-qoGiDXhmY695pgz3z6mOeHnjIKW47h0z8swvXuYbmfNCbgNU/qQdxEtilEUWkSA4l2Kf9DMkI1rV
-03ClGhJ3jlNkDeLOysCIN4TZPBrYHoKKgwOKokVV3OBR3vIc2vqqp02DzxfGwHYcymskudhVecKO
-AqwJQUvaBUHSnWYP16Koi60Xu/YFcBhrpystbLnRfWiH1wVnPUgkvESoyuID3cLHDrcieNVw2AxC
-vSUe2WBiHL4RKAYcpIze1SDiQzxD5iqNoT5XxThtcpwDARqN/htVcrOJku4k+ybc5lNrHOWMtspQ
-rUsOvR2tozpKrsUs1JXm1yP2RNKUnNSDwl4364RUOAZDftgcEO/mkBCkCBo9sldFko0Vrp38O4Nw
-8sksu3R3QweAyhflHaf3ZEN2r3/C41BfdU46bZ2YF7ZJC+OUqBDWie/hF1bcSNMY9YNeanA73QpT
-b295m2oijKi2iEsbcbfANXTrgAGIfpoQce+HyLiHvelvHeF2Z6P0rXxjcu3fEepNzMUbX5thrXEP
-V1EOdpXkAeQbxvRaVmF7RlWEvtrUh0M0+bAucyY7bGFOs1Zh925V07CL7Ig9r28SbzvGbHOxKXto
-rU5zR2fdWKHu6bbROMRyFWcQqH1Pvno2xBtoj/JUYuxcLJ/ZCyi3CiSYdNTOx2UxAdmrQUzYHr0E
-WnRUiFZzoTrztmLAqHaoWV/1tWIRIW4gW5p55HZXVyLv6tM0hzOWAN08mLLu1rRTeas6gjU4C5cV
-T6DqoftyLJSP82SlAVlxUM66cj/lNMU0shRaZ/5a45I8mKqYH+q0rqLA6Hz6RraPZjBUt0kGxWsM
-h+YICgL8GqJCHncgoOggmXYy3724QHQpDpQBIYuD+kqvvW2DUGqj+fm8gmKKdMW30mfXiYBa62ra
-ilBBlPFHbdvEwLiHqLjkhsZenujTIUloeK/EOK4jLYLb50XGLk944klljA/eKMONjx/8CoWXSFbZ
-pN3RUfKujWZWR8VxDlmv7cdi0zht8SEwuENKd8++7Im3EtMETzRnbA5lNMYbysHvUMcFMdlJ7LSn
-HG/vy5C6ZKK49gTRxpzy7hQrMD8EiqT6Rw3oCLabWzpyradkvzF09lGfau1uMHL7ZcoHIuvQeKZn
-AcT2vbBSB8xRJ8YlOQM8pf1iEqm5h5lPzxGsT0d0kKTlDj9gfKtSowr6fFrqgrq5SNnna6cZ6XN7
-Y5GcNIIPGAkRR+ny+BXxgRlre/abrhJBK7suRw1rJ3tZemEXpDgHbhRiv/0cl/WbWXtaF7S1gmyA
-5gtOECXSZ+5anhvzPrW78kx72mZxrvtv4I4AN0QTaQhbPevYcJC7kliWEwVfKy28wzC7vAMZZYIb
-MvBYRzakFDdOioBUavtmThLtTqvq+sUf6UZuhywh1DEiCAhANri7tXBk/QZndq43sc1N+gynQxvV
-HP8ovpoE5FNqqO5bDbwKy5bNAGJFO5lUCakUwaT0O+5l1lCWLQVjuTFHQchbbAK6dZ3yTN79vBc6
-mb9FRfpc36ZRuipqswnXsd0tNPiCaLUy8plEmFZ0Q35Nti5tp76O5s9v4TfPlrYkmYZNsyzKc6G+
-IzvwVsT6UZ5AGjZuWQbLb1aNzB3DjTOya48slRDwEFC1fB210H5iQxsIyNO5d0ajeWWAxlLtInoU
-J/rL/H5SCtYRspBdRbH1UpNrFHRqKX8Jo3pxeyjuJkiclRUJ48ErpPruKZqZWNlg2aSJvzKSqYNO
-RBahCdHZyg+Z6TeXX59hkIv8dIhwLdPj0KgD+6GP80OrwB40qwZegg2L5mMA5Am8SlP4alspyVOR
-lCQDxpb7nSb5uE8wL2yxMX710vrLVEbQcGy2Kc2eovVQF9XV2JriZazr8iqZAWvoemG9gkCM5RWA
-1nI8tSRS45YysrUuknmbSC5kwS3cR35i3+gGIJpWFtQJeeGf2bhnEo8sdRIwLAggGCZo9NxZUwza
-HWZR554wEPW98CLdRp8nCJ21AACxWTjUGwxX4eTz4BADT63EIYV6MMr4QzO6mnKFc4E34LNGkuXc
-XEp6eNxLfymXMgopn+bkSuiJcy+srN4QbVlfZwzVQWU17P0GR72IBIknpIcRmCfbzF9ba8icY5+j
-vj/j8Yi4SAlAN012vdzYURbrYL6tELqthW/HagPb7LVOrPlBwKWAkRurrgF0eXDRaUaHjK1kDVGX
-/xBSSAGvR7yKTjRByEBGBZXOiZFf983NLVmzClJLtXqcluswjPnFUelXG1IxqARzSQnlStjgGok1
-sAgIUubUw6Ptie6LDmUqMEvDDjpbq9qgoBV8JVsKZi8W9ZtKh2zbJn2yG0Z2NT2b5n049xRyWBqH
-JxJOXt2Wun2WRv3iTbmVrFuVjBTzXDs/m7zkOM9cfF527a5NTetg8MJeyNBJdmEWQ0Ly6NsfmD5W
-XyUw1q9CGezJZm7CupbcT6v3SFoZufQKge9qmDhsOXnZfQGb3H2RkkhJhjDVa7/U1Ah1cpIf+nEK
-BOb+cYW2f9iS3AStpkupFkvXwpeRuJfCaocn3RjMDdrO6qu9JEvqgsq2Nji1rNty5s3r4SR9MZeA
-TBjk9XXv0sWDSiWrr/gfvDUhQFSkoRBkBFTIe8f9AiYh1Mvg/4RK1LxDdeGqLCinjqp8ZSfEWZYx
-axHOSLohhD/7KxxZLF0YDeatrVwO3oXZPE/K9c7GxPG2IyjhHBl1e0wUwnon4sK1LFw7QEE25opy
-fPKY36ywcpEkvZy8mTXU1wVczz1IBE5mUzl/93hL503izcxkHbA/0q3f+qHnmEOG9o1REr1ZTLET
-MI+ygxKBxOXzW0vh0zzAscaDURFwxLBmyg/G8qpKTrJsJNm0rjmkvsJVGrayLVLm9jqxZejYOZEu
-h4ZE6hyciCZoLrD+uTNVyhbwuQYC42a2whlbnTIsjnTd24nztOVwqZbDIM59AkwjR13JJZn68zE0
-JUdfHu9G38tBU1efGdMWhIfL50kb2zDEimkZKOAWZVzO6SMvjWSfCzayHNXEeQhJAP08lmmRxmUQ
-DScKGj1c+qWBMieeIhGag/gUx9/RxqirmdcN+A/0INKOJT0IL6JroNcyu2tqAduLwsOnPmQrHCpX
-3jYDtPoY4ynQU4YqBznzi1D/mByewcwHlT/R+iDnk7YLDpoADUS1wWzBMZKGybQp4XvhayrsGzNz
-7Hs2Gh2kozN2X/q0pRMzi6x5nkliwfHTT817lHLS7fRePZZYznEHtvmBkc1SrwuWNU5S4fHzhExW
-kg5I2IViXeKULleFySG7Iex5Yxl8/Oe52RWc0GRGz6ysYnEgMOFDB7VGmeJq3L68YJP6jKn949FE
-U7xF/p8fSnKS7nQjL8/1klLboOA9e33XPFfQv/cQx+hlDEuNMmGVvhkFFW6ALY3FXTO7b1XuV68S
-CADG0MY/IwSZt9UEMmwV201LrIbFDcmywdh8EszAEnFETHmnl+eZASjLcBdW3SnvcjpBfuJSa2Qt
-fx0LDBY7VAMP8dJtnJp02QUojF8Nj0dCzEP3bWjC6it+sOjGBSG1Ndrl+ckEhRcr0Sp3+Dnh0nX4
-LCs8n85UlJXZXUEu85YRPSsSATcPn3sDZN72OHhRfOOy5HPep3k1ara4YRJqs1VMvndufK5wozLz
-YSIeLfAL2DBORQUiOIYEsZMaD7VjdeDWuJGMzPODyvXyPFtDebZNiodiuQdIP+uXrptaLFBwlde4
-HFjNRDQ+qYnyBOeNd9ar3HzQipLFlnXsueq8+iV28vDIudEJPlsxzD7FwYOBeIzKeFqTH5WtO1aT
-GnRel20jdIbbppLzfugpMgte7F0Pk3CPPp+XQulj9ZqbGo3BiV4dXm9KtJ6CxUJkvDZp6qHBWB6e
-z2VWkhC/48SuTkSlRF84TSkAbmax1HGd5PTfWvK25bD8WLtUS7DGOCqOyGRuXJ3lLR55jzLfYtdi
-2ERtbfGsaXp4Jyf6FGYuiwSQvt0cpzqnebMslZiKwNRnFvlqnplxK5MFSadhhWl89gd43XQFCS4y
-EKO46oqRivFgNe7w4Zah3PV8ddikGS9u4lP81USbvHUk4DKf7GYSzkteMtIU4xsT1eg42ly12dWs
-A8lIvCr4bCZOngQ8A+ZrnqlKUlILpQIWlOuVT90y2Mn1pOFzXE0N5URVhRZGsBEK18ANVx4BaZlJ
-K/Pzf36+mNhZ2WJw3rbv9sSeSsieOBCwLW+lqaltEafJrkIIhu1eNMfIXSKMEBFFN6J2ZxvVVTJf
-gSaiEp5ctZUdwWdirpxN3BHY/Nmgc7v6VZicCKalClBAIMc1sOqBxMqRX0yYYJ5O+8ETLzNesvXM
-AZr0YZaQwXb5sKwavCOBfNXvZoF/H2wtPXcDZRtaZBQ4FkCgZdTwl4HxUFlVUadNvxcJzeGAMaB9
-g/fS3ET9FB6VYGlDp1tvSEKQQDYrAKidbe1nioMITNKdBrXu2FmjOuEYaJ6HQYibMTHlI0vCvP11
-bW0wP/lhDIGEGVLKgp+Bk/Ljl0VenLmjZnV7gN/6auxK5x5ggR2QohDfaBiiKa+XQtQYORRleJrX
-Oq2MY0bN8zWtaa1+3uxff6kfMErLFUQdaC5SHiQa4qfZSDTwJENz7/YYoEirxNURrjtvaM7zRCQP
-5rN4zel93ijLojcRDjTZ0pq768b0WXE4ZnfpxENl5Q6rQWhX31DhuBfPIfScVZbCUGurZtX0trb+
-9Tf/h5MKsK7Pu4/ianFj/P3etyYuVYSb/T7SyNUOffo2dO6pHpu0aS/50nydLUi0I2via6fYRcqp
-5Fw49Pafs5f/HVX+ZlSJAGgRZv1qVJmUH3+dU/75N/6cUzrOvzhk2ohdYMegTfWZ3P3BhNMgvzEh
-RGnJERXDzYLu/nNOKdx/Ma9ysflA9UYJ8Jc5pbD+BYJ7AdboBicd9HH/nTklH/G39xUf0eJh0imV
-QVP+pEZRUJ0smKnzvgo3xDHb6spLb/5yNW5/nkz+/BEc0GzkdL7PV8Yr9fdnOJyGXItMSqExtODx
-exzH8L87XNJ/X/P/wacs3+IvqyQCKyntpR/FhtRpr5X86H83Yv3dD/lhISbZS5TVyEcM88XVL6QD
-NfPbr3/Fj2NjIsmRkNgOAhQfB9aPujPAOyapfx78F+HhVyVbNEjq6lIUzc6OiRf49af99IM+Pw2w
-1cK1cn4aUhMSKRdITLtXFU1vDA/2KilcucmjOv/NSvZPH4X4ysW+hJGH9PO/3x69c2rJEYYfFnvR
-g0xFQ7bGaFzp/W/Na38X3y/+OBN/1OeQmpX8p/3SyGx89ZT1e+ZvwznL+2zvtIs1FwnhquF4sasQ
-Kv1m/P5Pv880LGJuEb7D/fvh2bCT0DC1CvWVyriKVKME0IIsXoUkXfymIPhxBr/8PhO41qJq02nr
-/HApM0ur8Vdq7b5QscUxMtRSkiS8lF6ZLlc5w7jbWhmktedzfDXQBfnN5y/v61+VBp+fv/AoEdsv
-S9MP7zMcmTrWM3ZTDxrEhoA5saLmffz1o/lj0bN8CFUEXdRFRPGT2VGCYlS9b7b7vm+MnTtBtFpF
-rhVe56Y+72dlSmSuvtyglm1/U8P80/NjmQ5QI5816ycJmG8LQHamBc0J1smmtuyeQFxNuYGr6XlD
-7zK2V4o59ebXvxgt9c9vv7GQTFCosClgJvzhynYoxtMIxMue0JH2vXIdfdowR2BQv0zB7TDL7yy9
-CI86UOijRdOFOtbiFqTS2OGsnnYJTvgnM54tg7SmLl23vXsx7WK01/Eop7NPlBbxf62+trDTbQ2I
-5PeJbpKQ5hZD+oApWSLMc9MTZ243IBnqtfDqNY3ibpNXxrhH0xLYPiaxlYaTjRwrN77K61oBBB3g
-liRtdXLaIT3Eeu6eiBt1XrTCpWqPbRVf6Y3mnPIIavOscw6JNXs89VEx8KAuw4F5yAbgv8X8iOk/
-X2PjJhzYbd4ds3CPYUKMI+lb47pzZ0JWzO4MAqB/lKUSlwl7zU4b3HxTWW16EEQHgjM3xLbLWENd
-WRuEeGVUxZaQ5AvJ8c5ye/6RzOvP7ox4seKIpPCfdQZJhxZbIWBv8nWH+BKm4/QOvUFdRg6hHWJN
-yWNA8OeObFMi+ZzwOa6HNl0XzIcenQnN0Rrky0fbLt0SG9DAd43ZKmL1FEm2byZevJVOLy4QvPmH
-lgvMAPSKIHqzXxV9UQcOMB4CiML+nDuhhe9QYIkOGT8CL+qMLPBtmm4D2eTXaSQ++k4Tq0n1w7d0
-lo9iNj98sDIvAKSjgH5x8twTKX/Q6SDCz4p5kcoJvH1ftf4qnihc04YVI2XuLxkRzv3TgIVhVRDf
-GaTSzY6Fb3dP4EIYpsrGPRXeEF/VxRRuCIw1mIdO8WUiBf0Q0aRYg9putxNt911lknC3YsOJAj9U
-IY49pacBFsDoaCth7mfD4QPM2QmaJu13U+FBX7PT8T6r5uG+r0P+cOt3PBhw3i4gggh3g915pEAW
-K6FVw2YkQuXGIzqVSaJFj7hoa3NtUjZd46JI0wO2m2Jb5wsoXDaJEQYDtKU7MYTRRWFPuU9L3E8M
-gui/m/kygYUtsDNEG76FLrIynhItvDYnvwoDerUuCa/w8VZpGIobhYYFzjMxHXKOxFHVbXNuqPTu
-DJpXB8evndsQffGOJpF16xpFdJ6E/RQWzXzp3bhb0p1HfT/EjWMemranszvIXAYY68O3XkIE8Yk5
-7leWNmi7inn/d5Fm3nctWmyNWjedWtfw3+DBEeY0NPTO6b7pG3AePgYrf7keoZ45uMXktxxCHWC6
-UYLNRvdLJ8pQ+wIT4hJCKR50OFkbLMSEWSBqMHYe3bGdTVrIs2eG42sZ2vFFBy6x56xICoMYJEAQ
-NxmhWQrDezeyrj82wFiuB0tOX1vLKq/KIfJvpDFbD7mPUmrVdZ5Gw9SwTxN6/VuL3PNtVLfebQoj
-E/SjPV1aIGS3Mo37a8z6ztmQNCO6xrdPWU3in9HYY1Cr3rmvlUVveVbzvpk00iNtdB+A/Eg0oadg
-hv2lRc5Jh1APM3dVEuG3Zm5TbcdwAqedOD2dZoj79007pt9s2pJ7krS6TaYV3Y5Hw14TmWBva1WT
-1FxBIViDGe7WFJRiAy+5OeWTs5CXqiZ+mDFlEAwGtbHgpYmddeq7YUAfZCbxb4weTKOaj4phygnk
-ngpyG1lYgI5MJ0a5SP0Dp1R7S/iygxgo8g+L2wQJtKw2tR5pOyIlEtJZHTx/gWdxPueA0G/AcrUH
-rdVzfkZDmzYkamPjhgs7GeGCH4xhz3WQEBfoN3nyFm5g8zY1fc8yNmacE5e0LSQjQc8q8Iq0nWH7
-6Lr73kzHD1cv5y0SEvvEOKTcgSHKvZWnpWQWZpXx1rslI7ncT8LvnT/kT6qT0w36WzJFlz9ulnRq
-i1i0B2xTS7677U43E2FZNx16ks3oZZXa8AzPXF0IEVininb1+ZHJXBNo6zBQDgZl+oTy5L3+ltEU
-+OLKvluPUIjalWgtbUPMu7qiR5wGRN+Zd6KU4Usq4uppTIpi1/t4zWyCmTfJTBs4pa9Eu1P3A10O
-2dGphq+MAfuDh/ckW0VDaq+9MKNFSVuVxbMdr/1e5/KR06BtWtJ6rpxMjleG1kc+5jqiwytYOgTR
-1cxcWrwYy/h7LI5pZ0hisyuHYDhax/O+L2u+sE442d5PMufekJ3+3JPmdklITC9WdeElgQ06kHpm
-mcbO9cDHJhldHDnT+jCg4ASV22gPdeJM2Aclt96zZuNcuVZ7GHIr/uYb/OksT537onXsU2jAXIuc
-rlubDYM53n7N23EQbQ+gSbInHGY+8SgNI6nG0TY2bJjA6/tyF2U+RKRls+t8o0PLRPd+QhNFO3z0
-6dN3xLiGjry1WiW+GgVJtGXNA+4A3DvOPNGBq4t+Uwi9/EjZw5nq6h2Rzw5MpMiLbp1Yi276dPDv
-y0WogSvJ3yVtXe681nKee86i2DITMzznDFRV0BWlvzMBAd2ifZsvs6aPH2MZao8FXCTsMOTPrT3N
-+fM+Zb0MvyudLyuFNW11URvXdpJrD1GYscggaDqmJPcyoSVEHB6md/GBem01fbC/gE0QX0ZyNL+Q
-yaqu2amcbdzE2lox5V9rYA72bogohdCS9q6KC2bxbYn8I8NS8XnVe5uJP+1kjxEFQW0l+eI+I7aT
-3VbGqiGFIiiHmVkPD+JW2pV+cpu43JRQuQ6F6oFQM5kJZKsLXmJwOMcBRt1N6BnRwSgImwk+n+XZ
-M+YLkSAgB2lOnGYvkddIzMJNga+IWVU/NivbLrMbnTbuwVHSefYJl4FOxiiPsRWboc6s5GmaG/qo
-HdpBo+l8RBC+VQS6ymKWQMO4i7Xkrc3IHmJRUAc64eUNNLR5jdyCSPJl4P9EorJtr0pATpt5UN2W
-yCf/nPsqXQ2Zm94Q4K5tB8vMjoJg3FM6zfLWcCdtE7a1vGncjq3bZSC0g1WqWSs5Q7xdmwZSVgzI
-sb9hbxoPZCdhdw0xgF5NPTOroASj9zBUstwOLDjUQNgJTkzo+psmYk7QQp8IIBbMV2oy6mMTOovJ
-CfIfqqJSe8Dgz9SOjGkqZsEwIR9ZNiCZ82r2dr2EXibkr3hjY6EwHctdb5T5kw4MZ1PUqMOwpxhv
-uKGZsBVNB6lm0t8UPjEypJMKEo/owmPMzAlqjW0eQdzMlzZz3aMzCbXxetUePGWO2AbVSJxl4Tuj
-XPUjhsJV2VnzRXck77xmITMmsM+RD0JDsLryw3g8D72WEuiRidvUMkqESHMT7jsjFbuEyIpD6oXO
-bqItufyiGzcmYXf27Ri9SWJ2wZAU96bM2k0FWnAzgxTYcbbvSZO1lfmqwHohASqbe2u0cM5liXaK
-wvF2qJW7ArZKonOqfXhN724NUT5bQ25A+lThmZ+BvlOn0cjsvWu3ntdOm4rR5Y5QcGy+1CUnEdrt
-EEAKdTdUiPGxnu0i6HGsoEyrgqxzinegpO+g9W+k2VlbUyKtom5rDggFSf+dkwfypOeAfN1oz2q1
-40KMgaFjP4pCjndwrJ9pYrdBn1pVtUL0F65BYJGMbAGp071eO5R2LTa5W/N7y5rh32pAk8+KXV7B
-rLmqyzgKIG2XG4cIDuJFIUbtZtJhX6NhtPcZUKR5pQY5krw9V/c18XzwmCKdeOvCjE9x6tS3ZZnV
-zxrjrxW7evHSYeB+r0fXuXcNaIzr3EOwMIxqPpqJn+0ETrw9zDVbot5oxK3wQE+hOGjvESRmG9Bb
-rgokc2OiyB1nI902hPQRx7vcx5CGb51uHEjVI7G0Cjhz37z5DL9Phq/R2M/wgrYANyNrqrcgnbLs
-1JVvlPfGi+Q4fkXuea8HrWlXl7FJybc2q2G6DWdM4j0QkV2qxd2293AXm0VBktCSGxoBu+QurkG9
-vYlYNAxx4lndCKNPL6XdV1vyZ9oXnL5YriTcxmvl+f1LlsfukXlh+QUplw5TrRysJ33ZIR0D46ke
-ezEarnI4xYknrmIQEl/K3rIZLzbTMbej8TRpKntHSspoKCYheVWB370F2Vh8KzpXD0bHEF+7Lq3I
-BQWgfTQyU5zbnhO4w8QX7ztB4Jx1OzHAAuvFo1W6xSYLbSNbJeMYX1ea+shG13s2Kxcxtj97eC8Q
-JttdnhLgXcCstWPAk0x84mE1aJKRpmpZydI83aek3K1q9EPcXnbbo+JUgRLaQglooADr6hk3aPGg
-5cmzJA9uRWodblof4EPpI6rNjPpLa6UWOMmc7gVmlmYgpNvvEUc5xUNFJNm5n3Pz0LYhpdQmKoBy
-WoHIam9ALNMhU99zXHK0D9XnAynNrX0wBsd76rUGOno9eDtOMVBOtSR8zC2tP7Mp5reUiulX5CHV
-Y9owLq+HmiSxWrOVAZYc39VurOyQcB3E1xym+vIiLDyXmA8S+Zq1jrkE5E3pcTSHD4hCExBbzzhL
-3ytPFpXte1nrDhBmt1s7WnY9VyOqx87S8l2PPTyYuFUw7euJiW9T99c0AqPrlGIIzHKegqD17Oaq
-jYjJ6xDF3PH+f1sgs7jg+xHZPfwRuHv9fPQrwl0zBmNrEeXxE4YOi43LNTZImolqrUFT0QZ7FWk3
-vQol7+fB7Misc3BRgnE14JfNrOwQyYGsD/k9nhb8C3HctHe2nndFEDodkt1B387jOKxsnvi95lVi
-B9rcPSM+UCwu7eDiYfQ5m6Zm9GYrhBIlK+HKBuS59SLpPnDUYT+J/OI1xOS4riP/i5BiOum1Ye74
-VwiHk01/LxKBXMlrb0aaWm/RHMKCWBRCXDeVXvn+PO3GFoUNKixv10TYV+ivcFGs0P3ijrF4SMaq
-3aZDwgvb+uSLldRUKnYImdNshtKxecsZ5IkFObuR9ewcQa51CGN6Z1PnZfi18rM5yFvihRez7TWR
-GDMiQI1TjAkgdC87G87yOJV3JMVFVLga/eYCOqynikuYaM6tiyh67aSOeU3gk/XdwL2KmmVCtzaQ
-Sh6W8XBT2jI+53Zm34sFKE/Y/Bxqw0uK1ZPEj25XsNxuxnoJF++lfkGv7+zzqR6Cqs+qnRqt/L5n
-xWVKXDJU80d91+bDA+5rNJJ4wI7WIioEhvB/2Duz3ba1dFu/ysG+Z8C+AXbtC5KSKLnvndwQThyz
-73s+/f7oJHVsWWVVzt0BCqhaWFmJQ4mcc3LO/x/jG99CKze8OAh5Y7ER3LGQCl6mWP0pWzljRwRv
-QCRclbD/LfKXriVH1E3b8rtSxYgGzJZWoB1UYfJ9IdSLJ1LZ+SeQ3GKXagm+JfQtt50sYMIWLLhN
-5xEReRDi86oasVCTJL6ucsrIaMRq6zyf6vQ2h9pnYw2wNmHUBOBOrexWl5ufKF47sPxsVepKqXfi
-PPyA3ZrtNFKeUE1pHJKqfrJnKYm3WWRJNG0lT5DleMf81x7x4N9nAXtjFW6Kx64whc9r/mjkqHML
-cfIdMeb9Og00pEf9yeAIMsbzqVaLV+yh8K4YlImEzpR+qFY6nKjknKz0SqGQkuT1ReBLXo98+yXU
-Fe1SEwX5qhmtl2pUhfuAqXeHebsOXaBpFflT9bh0SyXDFnINHq81dis5qnJXbxclOJa1I6Cej1VQ
-Sr+EHcFeoBSqv7aY33RylAatKFlitWdUcbqTsv5Otzj3BzqnW8ugkP953fVQ5V6h2SKqUIGW1vX7
-zkRQg/lAH8Tlmla7reRqwwlgXFUARI+0W/bMxb86E5gSoT3R3CM/bA+hYc3z76I2PfzhB45sSlxg
-lp/BGo+20KTSGXUlcaObs/iE1JsT5UA97vOve6h6j+0epIGq0BL/0D0wlHYeArH2FLzhV1pXUNIL
-qJN+fpVDN5VHuNSwRRqf+wwNdfTVTs3owby2QzBqU48E/mlLalweeX6HvpCKkBeLMqU5okTeP79k
-7PJ+wvtBZEKFh2Movulm8e3zr3PsGnvdnUhDcc9srT1Jbs9mvd5AkD6iSj44OBh/Eg+H4WF8GBxW
-bA613BJLwQvsLOhEeScXOdXyfogeQzinqyrvxYsApbxbomXdmuB0jjy2j1MPAxAhRdgr4XIxUN/f
-SxVMvCIUVuUFEhq7tmgXrmhSnaZCXG2T0jrG2fh4X7ke3DMssposGftzr1q02YtNxMtgf56o+nRl
-hND6P394H8ciFKolDIn6jvxRQ2EFUjvXSVphgQo6pymLyCnK/tSIKWj+9ZX4EovGZLGiq8beMLEA
-ks7TZBYeSxtgBKE5IWLitqzj+8+vc+AxSUDjSJPTljaxunSw3qyQOvgpxaqNAs2muKrTJ9D3Tpxg
-Qav8IzwW+WOzEUf0m0vtNRs5qOogCLhUh67SVXM1WFSmULVGq+9WGDrmu0mjMa1RBMUyplLiE+vK
-/0o6kLBqZxljES2gjdxwls5qUuWoHs9wpBHT71plFHAp4SeFmkxVr8qJTAgoGbO5aleEK8XtzujT
-8XwoOspYWCpwwVJ2sAc9mo98UXXfE/DayqS4LzIBgJEuko+39zRNoYIQhMM9bcL2wcpyUCS9eT2R
-kfqUYWvddYtjpU79rzUc3LWRoOBLRn2rk1UcabRnpKpMHLm7y3x2R60eOnmRXeM1OZt9TpdZkVQo
-OAeKDpFigJGKFRmRbNHbdU+kpRALnTMSRe3R4EI715oEgINccDnHG6eJipYhTizfGVmvXYu02dkI
-Rlelb2txt2TAUBa+2u8GGQtHXloHxhoEN2nJxCPDDPDT+/tCQFRFG3bivsRCc9rDct3y1EcPLCIZ
-3aOvDN7ng/tj5xdfPiotZFvIXjCbv79gVSC3G/BVeJbZqluKLkTtBHV7qitlu/HNoD0Nqb/cqpEV
-/BXhank9w/tcgAIyWpyP4os6mHoh7PTc46w7Pfb6IH2rKPreapIe//zrL0mXl9WIAw//3++h0xxh
-0zl1INP6mtJov8CsKQc3JNHn9VZvksh0GrpsExR0KnefX/zAgrjQ1XUaYio3ed/EbyRBx9kzzz2E
-w9GmGvLbYAzo98ZTfeR98vFKUJSYTwYKI7Aq+1w+DoJNUEjQm0AyPEwTgmHZBJlUE67+18OU7QaC
-KYRRyDAAoL0fNWVTFB2exZTmIo6ZWaf6osQX5Groa06fz397A1W8QxL7GxVDvbb/2goiEjFVnDMe
-vXXFE8qJ1IlhorDbpErSHLmHHycgF2Nrw9YAnIW8LwFETi6FepfxzQT1NlSEh2o2n+NRuQ0G/cge
-ZJnL75UdXAp9DoAimTV/H5GJPB0ylUA3FnvUSqFgYhUaeKi0J8ko73fUKo7tRg9f0WIrai0CuCUv
-9e2qKyDONYvlipXU7xLytosJHXKN67NDrm2HnXz694+OjTfIR3YdXHG5229enRrwAb31jcQTum43
-pb2nqslFpItHLvNxY6Pii0YjA5+I3cc+/gNy4hhF/NVeL8jCrWDk6rYk1Gf1+Zf5uFRyFcipsOpk
-bBT7SD6ylMc8jqXEqyHq2xz3HNKZXoxcv0IuTFfNnB1lKo6skvLHNyVXZeEwNA2zP/iV97eQhPbW
-Qv+SeJY2UQoDPMK7rkSxPVq06maikoBNETdjCwUuONJlrJLat2hs2rEKtqRypmtsPrfk2FXXVpck
-mLSx/L5uC6pC1k7Qxuh3ljzoXtA22pFPf/DBmNZy+JGAwOw/GPqScMJVpi4lqnwVT1a8E0aKHZ8/
-mEPrnoauEtk8ePgPst0Ma42eB0XqIa5P7aLoPRHoh2m0x3YtByYsMuuFzKjrGOD2HoWGCS4vq5yF
-aCwhkQp+uB11cVx//m0OrUDQXtAjLklg3Lv3D3yORZnkOyFBQYDHtzd4TY1a166w6X7vY/Xvd9Gc
-GZGJ8soAwwVG5/3lzDYC1RQyRafEf17uXR3pV1ntP3z+rQ5NHihsINW5g3yxvXuHA4Bcd1I9vTTS
-zMtk8XxLvvZMxbVY14Fm/hjSMt6iYmmOvKoOrXkoYlX21QQxfTj0UD8RQwVROURe+YIko6c5DtYl
-ELx4vmG5PnK1QwOeY4/MYOdk+UEtiCMaHVnZJB5m1GQDp8a4GuT4qFD90BjhJhoyryNk9vsHfquT
-RzLZKjJmukG8j0KxWAsojm2i4xZCXWMMd/FCneuKtr+opjw514in3YQmwi7CHXS6S3HpShUkiHQw
-acp2WKaOvEmlg3eeqIFlZioElO498tpvRG2AIOpR6aJW2FZPUmsVDtKSZhsZ5kM3Up0wypBKZq5E
-98nQN1vQK9/I4HRmvQRxNmR4htDu2voElNMCB37ksHrgPtLYYgtqGAq+uP0XYmrwGaKR7Tbuxedy
-lmC9lSiq/JQm9vT0+Qw4cDsgETKxtUWxyq77/USTpUkE09WytfelZ5GCg5uB9mymNPcMC9I6muH2
-yA7jwKSTJMr27Gh4Y33QN/d1Oo11UPD1Yu0Rpr3gyLTuKWbWs61Acrmr6oHwEynvvb//rpKEnJOK
-FBvE/ZVSFSw0R2STepzVzit9qJHnplfIkgOs/8H9ZGrBkdF26ElyaykDkHdtsZTt3V2dlkOjVoUn
-iEHlTFJPa5JksKuhsjIv0zlIf/4ND7xz+ILsobBjI1zdzy3I/BrHeMGtHfsACbeKe1esisoF7mz8
-v1wK+BbeVDaMUKPef7XSUKM2yzmiSVaRX2ppNdukMuknUSdJR5avQ2MU1hfDU2VZ+aAD7tHF5DOV
-Aa/JutsuLH5qWkWCE88vCjDrdnn714cjFjBMF7IG3owd4t5jk8j6LORmzr0Z2hNmm+G67mpIEbp+
-5EIHFma0xVDqFCrP2DiW5/lmJ1rOZHeJPkfANNAegnHcmHN1e2RIKPwdexv6d9dYxuiba1hCnMQq
-PnsPVa9kq1FU7hqt0a7lTvdtuOZYLQOReNuhLl0wNsFdMdQGigEaNp1ZJxT/OiRR5AWT4zAigyG+
-YAU9I/Uipa0JolfDK1JARiefev+rT3zXBmolvanEJJkNuNE21LBjz0T3XWpSjWAvpod3PVsZiotc
-wmVZZA10z77yLQ5QY3ARpyK7wyKK7DyJ6otwNMKNVDfTNtXQafVKSCyqUPcesKPbqEgahzu80LKo
-m9qwT0oPhRLctQEWh9+Rx9POyQDSTImcIYq79ee399DY5C2OxRULBX2KvfVTr4gXmnTGJlrBp2ps
-n8ywvFAVYa1kxYogu2NOwEMznD03mz3K9yjj966nhVNeESWfe20VLjWn80FOtkObH9m8fiz5qdRK
-ZaJPDGoEuLPfDxp1TEKlHq0cwFtyVZYR+Y2D+aNK7uhEAc0j/UyTvwV1fuTIpBy+LlVa7iiH6/0N
-mVVmVVYOGjWRYpofw1HEJVSrwhVqdzFd0TjnjFNpmb9qk75yQc9KdLhyFvJK7rcaUl+NBNGtInbC
-WmrV3PFRhzHgyg3GD9pYgFw1CarTMKIHgvkSuFYr6dRejNkNSDeWE7VxTEKa7aSNwQC1cxmsYj4P
-TtbyJ8Jv6TImYnRTjkO1xtHFf4eg64RNG68MwZDvKyhRRx7FoSeuY9GG0LvgKqXllr2Zv5HYaFme
-9Lkntk8Tlgl7GsRNIrX9kQX90Fr05jr7G6O+7LMUc37umVoqkh6sd04WhqvPp8uhF6IOsIa+Av02
-/TVx4M2XESvCNSu1zj2aTqYDtNvmMP5QJCHC2mY6Yjo7eDHqlZxZgPJ+2PbqNYtRTqAxIhw94yQ6
-b3q1XCMDQ1DZRkdu36GFYLGW8rbAsvdh85tOExEpSCm8GvSm3BjwJPzpoUjrn22EeSvUj9xJ6dC4
-MDglcYDFS4W19f24mBugcOSe5oQKpCFWD1namXM9wL7SVLdQhNBTy6p1xtJSriPRD70pQNkcgBY9
-MwMzWcObmu6wljOjMMSrx2KjDn48FkTKSNRv8fG8/3jD6IO4C9nmDFX5U7GC+1Dub1KFZvLnI+rg
-dQwwH+wogaHtl4qbXpjCElGOx0m0pJrTPuWTAC+nq4+8SA9tWylO4V4Tl38Ye/NQGSxk3AiwvBbh
-eNigcxvyq7rQdrEpXaRFdUu+55FCxaEB/OaS+xvWeFZThDpi5gnDuAm64ifeXxSu+q4u+iNnDuXQ
-+OVESpOM7eMC4H//vNrBVMt5NDKWGXn61oblC4AW3ekhn0D9jgNHKOGnZqzIq6haBMeCtMizapQ/
-FnAOlaLKg1+ZjdfJyJaxtmA2CNv6JpitwjVBbTmZ35jr0RjMe1Nj1bR1kmLtTGhGAGNLabOQX8RB
-RtMOiGgsxW9x0Z3jScTUzpYvMvvBziYlWnXZJN+UKC952cvakdF06C5Yi1OXEgfjdr8BCwu0aXJE
-yt5cztuZZCu7FdUHrdROqJk+tBFxqp8P30OPeLFn4Bg0KLbu3/YyloKpYjPkRSD9EMd0EC2IYgaw
-AxbSX6Jh0/vPr3jgK/JeX9zGFkacD6dLS5/MrJWV1CMUXl2F9aSf5SE7tImwgYe4hp6GDun759f8
-gAQgrxDtDdE8MlOUo+3e6AqEKaUzm2aens2WEw4dcKkQzEyuEIYUFml6X8oZgTsqkq1XnbIZtul9
-1s3tqkVLtBGGAcnskQ91oIiJKoGqz7Jqw1aQ3w/5YNRInu2Z0YRHomcDSLZGlaasGx92sGXois1I
-QT6lLdmWdehM9GSQX6uS+/kHUQ6sYYsvHDkGlHcabXsfREQaoWdtlOFbjhVaI4u4OVLS+QqBZa6d
-8LiMLfQb7QSfRQPwkSIyeYj0UaM67C8HZRDX0+SLj6HKxltuZ/GRbXG+CQeGFLaJZI2yR9ugy/05
-ochkye5Xqh6HKwSDKgSavPXgMhlL6qbhmsEJmDzlJlHy8YJpixNlYiI8hGZn7VLR+Cp2U3LkYH7o
-+9MBw4NuLB36/cIR5bY4bVqF758m402IP9cb9TF6iEi7WX9+rw9dCvUlWgPc6Lw29t6aNJ2qKlte
-S1ahhG5JfBw7j7FMdmRHBg+fX+v1ue0dvTgWUMLh9MprcP/4T04j0b3Q0b0SCgmYKhrGOD5mVdr4
-ZIy7uZFKJ1Ih+pftKA/nsiwEV3DRLEclb2YD+bj+tZX8K3zDWfSjLpripf3v5cd+FOVE6kfY/s9/
-v/sVWc/879M/svlZnD9lP5v9P/Tur23+5/W3g5+F+9Q+vfvFKm+jdrrqftbT9c8GDf/rR/j9J//d
-3/w/P1//liP4hl9D6p8kgeWj/P7B5Rv847+AaRX103PxFuDw62d+8xvYxACaJ4bB0l4PeSZLyW9+
-A+FYsBiwYFOtXoaVwb7hD8ABtAN+d0rL1JzYqS0M+gbxcviP/1IAQmBQXzRYRGtx1rH+BuDwKkx4
-M9DYkCwbE4RPVHnpme8PNDELS9EXZuHEbP0qttZgGMype6x7ULX1Dvi2wdEo4T0UxhskboCAThUr
-zQb0xhYvptbWikktg51q+WainOUCrmx9soU2DMSYFKq0jqgGJDGum81iyIyiUy0YekApWHZjgq38
-ijQKldwZWD+UTIIOT294Ss4c7SEMVqYh2KEpDI7Q62ae7ZamWeckANUiHBvYVsSvcl5jb8RIBdTz
-BukuIqmVqRJFcmWG2CWsiyhqV0NrqWSiZCakXEfrcmJI0o4k4Mk2wHgmTqAVdOt/vSf+atb8G/Ph
-35tY/z/NGna5bxa8A7OGtJMfbfSja99NnNcf+xPQIH2hycrWnFoCGsDXLtgf8IlCDMOicSOxYDnd
-6myo/0wcZhtSDJnS4kKL4F/+OXFU8YtF6w59msZbm4Od9FcT53W9fzNzkJcq1NjpziJepSe8v//S
-5ElHahr1XpEHkiuHEUZZssYdrW0fJz35bsI0tcuCfUjejZaTxKiqx3HCiCwlpSO25q2JvXEnQJg4
-w7l72sOVJM9RP5erWoF0JeS46bHTAbEebUqV81pVMtGtghJ3nVlZ69JiW23pHbmulnzFfkR0xdDH
-YaKayUqqjJF0Aq75SqeLyT9zRLES3ThpHvvUuoWhVWBhKsj+1eLvulCK2BT444nETgB7Z70t+/pR
-oihFGGuv2PGMvzHzjXtyDq9xGH3HBxfxs+UjnpgX8r0waCG8dQgEvpJCurjQRQnuK9FiIel61KWF
-KF9jsh0Evl6OVNoZkUm5vWBgYTBxgRPb7Tfcmt7ygVNlZB3GyQuRoqOt69xKwt0batL8pWnPLVCT
-4I6vwG0QTSTQeBh93LnL8YE47VIVVqEvN+gA5MKLVbbGuI4WhrDO7ya4/k06kMtPxiqv18jqUOLL
-kP1Q0AKWTpV2pbW46GjCXln0+VdQpnkmwaydaCrWr3xQgDVWfCCl1CGzzsFd0lgjrD/gv1S1X6i1
-FR7KbdnR/Clxh1dWPQkxPyCZcjKorVsiQNqVkqel06AlB7+JWxf9m2lDXkW9FVvNrY/RFOoddgey
-Z3HAzrArBjyQttJw0UEztqYk3L4OEgiWpjupyORKg3EgTcpV1uMXrUXrdjDZLssJ/8hE7aqP+FBB
-nKhbRahZ72P6sUWQjTvDAgpGLYdR1PJn2XGdRzAD3KpYsh56or90PJ3cJgZWl2LyzzTtnPH8MlqJ
-YlNLMUFhR9/paPDsZ34V+4R/9ZKQu0NrNoAPCn4m4y41EkxU2YCYikfKcuqmfnx93hm8SLtPGVZQ
-8fB6hwwZcvx49GQ22HhX0p0oBS9MckY1bwPiDhmdpsFQKZa5EFBQvUtDfqmb8XcKlDx/rCd2XybR
-OZi1Lcktt9PMkx8q5olhYIYdIHaehQazwzKaR+CDQBQMnrDZMZgW1+jrzchLJgWOGiBwSfYdjjLx
-B6JR7VK50Vaqz6BNE5x9U25J11lDG1AuB4SGC6ZQaUvOZZm88PQKERUjQLxK7PkMQdicmA2JDgGS
-slOlwhf7CuNMDCblNCin0RDnNqJCRlnOb45DnpyBHIS/IbIQmH2YrpIpSFci80RM++iqDzW4eMsA
-WQzFogSndVQhVVMxIy2rQ3FHfheuxNBKdkFIvX0UFexk0jINE9qrr8+WTC+Mij7Q1N5flhCGACoB
-y1EG7s3rKH9NNShKpGdNoCarifLFWlfC1B0EhvPrAFhGOFMc6zLHMlyAlmP1zG91hkTy+pjbDjFj
-WzOMRlAcK6AY/lMZaYKnhXzVWeBaeScJnm9BsCRG7Hs0LShLKXkB6k4sqLL42gVmc6a01kLihWtS
-A3o0InE810bOLEP8XQjYJAjGQAZKIic4/JgRJHcIXrBAuotZk04nI7Rw/jDI8gwuotDgbH4VoRhx
-9pQ3LA4SdpdoVDds88GRwignUIXQEbVRdMdoRcXF+gZ6W27qLWkssL/znipElImeuPgmhDRgUURF
-vPIHHp1gJNbG7+SrkH77ZpYgO5YtiwksULAEIMMdcjXoN3T4qpkiBcgFVrAMqcavtUm2lpyWZdL2
-CB0cWKy3/N3hpVYzJGpNvZKnmEgRjNxATovltTMwmKqxXDd6xPMrUtENK5FkE10dzzsjeWEbx62Z
-mAGv9xqSQeImGX8lHHdrreZ6slIXQ71gaiyBcCKRdAn+pSzN2A+LKt2YfvVSGfxnKDArJj141oj1
-RMXZtpbq+ocpChoBc1LgFJVxnxVqgdYkvBSG7txYAkCVAbTHFFFYJ/IWG4Ord5O4Isi5IM5kFPSO
-/O/5W6KlWW/r7Aj0FQ3MBhrpXMff5bgYXYmDvubAormFGJ1iNxnK+GwKmm4XDSKPUBH9gI5VIGH0
-i3E9g2KI2sswUIm9x2tIXsi6bsYemHfSiqtxwpO9mtWwlBy9qoRd6XdPQlsUz9SrfqiRWMD3V8bk
-xawUMpNYJea5cVj+Bzz8dbG2smREtFRjl3LKGFxOFqu94Aa8ilxkRf6ZNRSzsEZ8MzTniRyaxja3
-1IbyIMdl4RFCEjRT5IjpKekxWN3rOgVhDfi0is61XpenVSBjb7/OO7YPoaH/bbXSWPJ/KUPTJdJB
-G+yVFFJLkGe1qDs4yNMENDl8iRJeLkpu3nY1HmaNQ4CjRoz0N1vAy187p7cRVB/qWct1VVRIwKkQ
-WIh7hR6Ls/xktWXnwShYFju2EEqUPOcwum2O2S+fX+3DaX65Gt0Eykp4Kj+I3zCxCBBW885LJwbI
-shOwEqgYME7FX9/rP4eAI0dnJFgmFcR/fXbeFgOSk1/H8O3zP/7r9w/83v9b4hcqOgZHY3byPL3f
-e39L/6LjWuW5QapBh7yIgv/s/ZUvGmpGc5FNIjN7rdD8PjSz94fUT3gIIxrDw/JTf2oGv0cm5YZ/
-nU2+32xEu8BhmQKgQvNgYasunfM3zagpa9ueGBdzJ1bZeCLETckWT06uR5rfz1nez9vBJzfIMXAp
-4wWd/ORcUbL6K9yWpmSX2AiXUmCIqEfKqb+EoejfJ7PsqydVNI4/wjaKg+0S/4WtG0+04FTQgtad
-5Fsrf0yN+0lrhyvqvQrhZLx9QQrQW3zu+0k77avOvA/HIq7tOa3JiGk5WU1uXoyY6pVhG1pqtO21
-Pl3FoVJ1lNItjXZ5pujP1PjTn7lobAPsDOcxoF/K1pV6zbzoZrfrS/+lVWaylIT+LEmXoJ8pj+Kv
-JIVUT6of9A9jUGWOPDXhi6AoZWBbgVZVdj0al6XeW5k7TuR3x1owns1GLQ14A9XpxcgE8n/yeOht
-g3D5cySv5GOqpaHbAb7BiCgPRT2VQ7QICH1mYmdHCrpPtFfRPuh+s9J6P/zKhhchAZk45qbBpkH0
-ZqanN5MUhhdEW2+1osMHGQ1psKGrYO7wLvUbsUD26M5ZBg0lDOZoM+dhatjTFIKHK2ADzYh7cilw
-c7WwnidJHKFomTW+8jDtuxPdqltH9pNq1/kJL75G0mHTF4UOy4Bg83oGTajFE4cK0SrNc3UqrGjt
-o3+87o0Mj9QUFl4iiM33UPDNFvY2TVS42np5U6VDu5MMU3AKeeTmWCkYC6HM0wvJwFdom+DQUR1P
-RUfZwugf6XBPRJJxejiRwgIrMN57LIF+YFg7qjF+6wYZCI6U/sQFbtvaiUbOC5SoSTFShzFkW0gI
-466NkXATtT4Gl2ZbvpAkN3X0dOYq4t2vFC/k3KQqb2uaDIDF5vZHXis6OzTfTO99hGfbXsmr1Qze
-Q9mWud4/laBOLxFL9W5R5toa+gDykBiG7hruDLFwYyQNF3PbBPE9iDF/7GG3mFFBcPQstFA/pD66
-RusbXmayRb7BM09XHlSOSnXEvR3VPMRTIs7YS6JzUTcy/zwA/uRmEn7/BXPyddAGHaCGJN8FJtfw
-m8qN0/lGbcZgNcC8B78tSfTH/Vwq10Lhg05ihnIAxVMztSrV7yzJmN7AIyaoIGVABihEOrBCFpuY
-RiwJeSF+ax2HybLP5PxEhjNVeHJP3DSRTuTWAs8mYn4dC/VaVC1My6J2OhN3DwK8Zqsh5pNHjh33
-vRtHgmB7dfLd3KwZgSqw/nOB8pruNk2nOAqQ0jUxYO1OzmpcQ4hhtspoDaedMkfuUGXJptK6jghw
-kMgnelN1OznusuuJnAJ2sIWubfQ4b68Fq7maQyZmUsQvs6nckcpi66mZPJvgxd1YJ1GgiOLmViAJ
-5DwdYNY1OeevaNSkG04vrFpmlkMaa1QLPH88OmyuQzseAtPpZbW1+y65VNT83oK0DyWciS0Uihe3
-wbWu5+Eqoyfo+KSjk8wj9po9Nqnp1bOecRIggF6Ii+EWAWDoiv1kbY1CnVcQxPqNKePy0heXC8sT
-pw4VoIGBeQyhocVBM1Cb7kyzEnFVEeF4OmXa/KCkqooXGmBLmOBIHNFm7oyuNW7xgXQn5aCneIKD
-hjXFKFg77EjzhR/iPBZEhyfBfAELjTuXB/Hl3LM2km1negW6Ja9DEHg6SGSJr4ImGNe+PHcOKALI
-UQ3wPCAd1fkr892oM/MkqeUnuvFEyQZRvx6RwNtwEAEgNT1kPYWbAggvTFbkluQQ9IOUuy2TdgKH
-RrCsH1E08RIxyf6oeAjt6IDvyk8jcoAuYra6z71IZabPk3lDu0dciXBLaIcZHXtaM3uswAJchm1Q
-Tpz68/YxNrW1TIbNuZaM+YXUd5E7YZ2/hRqavjST2n41CB6/Maoxv+LYHawmqRLXaal2Z/3cUjAh
-PgVCYiIkK3wFcMawfXQ3kaoUOxMa+pPSMKTplQzEaVYIBqSy8UYIcRdNoyUO6I6OWTVMN4GU6SZN
-XCk6B97QnoqW3582Wup7YqjFTh83iQt4jCUzJWrDamIv8oXoUkg6w7ST3jScgDXfVeKWzBO/DWe4
-lmW4zpI4Owc559+FcIdCgo605huhhRFhvUIfncp90niN7ANnmaXxe9Z2iTMr5XwL2YZUNT82aiCo
-eD1to2ruKpKfTufQH2B9g30FhC8uwtYqvNb0TrohDFMm2hnp8TRQe3D0qQ0fyqpsLpUZ/FXYFMv5
-YlnteaOPT2FSpbdKuBRIOl0aVwORaA4FxhnDfdfutLq9asEkxYtLV6KKKFa6laDawUqWiI+TECDZ
-KIC9RA9AZH20iy15e7yJEhHq8lyEPeEvSpetOmnJa1N6NHelOM7PZtvrK+hWuVPXEUsw+nGwfXW9
-RMCFU7cZxOx2GMdqA0wsWDFIfdA6Tep2aGCuFMBrLgTJXUfsh0uW2G/B/n/2x0f2x3Qt6QX96+2x
-+zN9gnz48+0W+dfP/KmQa3SWLBXKrWpQJn8tg/+pkGsUz9nmmvo/20e/N8mK9YWjHdVzJLGU0JWl
-8/ins2R+URc5N6Yc7Tc1fG9T/NkmGesmm+C3BXIylPWFSCsuimKsPnsHuiSmZijN2MEnfQofsePm
-pauXygALa84Kh4Gcteuymi7TQgZ6loYUHfHEODk5amvIGzk1WfB1BON2GXy9PNGJkxCHn2OrC0v1
-K3bwsLMUBe1lbgoCzW8SOwUg9kpH6jyBZs1mUsSAeCyUCzY3kZAcapY38WuwK2mU52nMRppSH3VV
-ZruvOn6c1Tv8bQklM4pfgpGGNskklQ39vD4ZK8pEeqaksPW0eDPw4WS4Hnq5BULlbwuhbq9zpBG7
-uom+xUYlPEZpRn2mynVbZT3ddJYcrHBSKDZZBeXFPHKIzsbmqjeDZw3Nk537fFP4SFechdFZWUno
-Tpoi2DHV8Y0YJC9lrUQDG8q2cHOR1oJWkgkmV21JHA1XZwm40pVRtCOjPWs5QdidTBFOMm/9vjvj
-/AD5Z8xv6LQB5aFIwjqe97Zs8o6WzeyU8OJT1SwffV4kDu6BcUd98RsF6K1OnIVNC/wqmZJvgCpj
-3pjFzRgLMxQnyocEy4ZuYpbdmr0oEgQ0vwzB21HxV75BulHi68tHIM4YGIJjVaOyMWZDBAEnCGsg
-3sVN0FjpfUGz414aYXe+VsarAE0FJ75xibWt7FDMXpq5vARrTWqCKuxadaqeClWqb0sLVWMY+USO
-LO7DgTLpZTponm/O0Ci1trqY+rB+hNp7qzdRsSlGcnukZgpOdZCf5LRakgfk0MQPb96lcylUtqoM
-dwHnmp2aFQ1HuaDJkCv73Q9BrOrcgWqjXJFzo5xnURVK7iCHI8X7sJpXaZjfKAILvFLngFDkQrlu
-0tZaN6afu+xsyCNj5tjxklUWpsDK+mysrA2kFyhgQSlJFNBA38UY9zi+9XpxLktjd7IkOXTroRa0
-O0MdohM108VvKl/cbaaWQmgUy5GrcS+LtWTWPuw2yLknw1Rp7baICV/RtJjsKjgsswBKkdSUl8ky
-hrNUrtl/Bjml3HQhp9gUxEhyjKWb1+XrPwv9kYVeJu3805X+ov4ZFPnbdf73j/zREEj6F5U0FAk1
-JKJqmqH/LIfgR/miUa3DCE65BaXqm1ao/uVVN7XkJrwu9P9XQ6BKaAgs9FSLBQNR1d9pCKCbv1/p
-6bjih8I6jcFYocYi76/0TYdQvrOiSygDSkyrgLMyB/8g0S/grqnqlarTK9tQe87rte8jfNHsgfq1
-k/h9MYznFdKJ0jaSRVDaRkmrXIdmKqTjg2b2QiISKlXDP2WL6wVzLg6XLbTAZ9hzg8h5rMlxu9e0
-HEVb7qQi4PQSyonZw0lTg1VGVtFuCf95UQhqKji1VOZ3QU6oMOqUnY1ErXBYBjM7UyO91vDVUyEo
-ZheRg3iRJFGxKM30rqPAX2fsIdOyJg5IUYU7QxS+m6MeYnsi5jaHRXAOQCzaRrCqTkewdluj17pv
-Q0wXRhVLS7frXA+vazJuiPcuxumyh09lERI0ZPVKKfnGvIrYYhN0nZYuCK/wpPKJkuqjwGmDQf8e
-DX171/R6GJ9rFAbAx5XGRQQNdLApn4eRk8L/duBEh8TQWCA2kEgjPLwxaEnnLk9ievSnIrcFEfqG
-PY1+cEMtDfNEU1ChQqQW9ttI98MTzCXjI34PiSOjOoqvhO4VScDkVJPEk0lr7Dow/1gsyoepHpH4
-B1WM/J0Czk5ocihngsa7AN3mbF6YyWB00HlVhkQMbJJXxxg2s0vSalMTSmhMX9n1Vvol30QWaVSy
-GrpWGo5uJHYKp+xa55gQhy9GnaI65GzlNZHKQhgouqtVEK26IjSuqlkdyXnm3ObKU1tccZasd1Oh
-+vS8KulK0CwS4vpM3/kqio+FV6g/DyUZxyPbo3NcWDOHvqnIQghfEDslUF3C/7J3XttxI9cafpXz
-AvBCDrcNdGRuUhTFGyxJFJFjoQrh6c8HzdgeUrJk+9o3WpoR2Wikqr3//Yf20obFMl/ptSRk+QTH
-f/QZFDq18H2GMJXNQJNo9PaWZLm0OS51Ztgb3aJfY5/1M7ffyErYl2MMjJRt0hoGeLFpDbKCo2rh
-6t1JgRUZjYjy7qu2xkLM0xgdPJa9Yp7iNGDROC4itiGjsqlCa5pW4zwzEc0px4g/uHTbJH2pOo8A
-rbz08K4ucV3TLpWTJSKM/am5FiAql6oe0gs3rsfPhOW6OI+IEcfDlizI4wQORYhlA4mG6YurQ/bO
-SyZOsOIx8RwMkpPDET/b4aD3lUdVlWW3KAyNJUw7SrBN08eYYDex78UbWoVsiDD2kCOdVKvU5bJk
-sotMzbbCJuVuRkgFlBESaI1iL9colm6xts7I48UK3LuiLhyvS+Fg31Z4khB49Co8cTZbZO4xMy41
-L7vWmqbEAi+Oqc1WeXsfVaU/PpmZaPZDgEj8ZOvivExDjguu1L5qS1DzTmlug/EagJxzPTSWWHbI
-YKg/Ezk3TxNxp/h9zhJ/btz8m70dt32953/moJiwHIcDK9F8b5N+1hwhZA7EJJel6e5LPTWJ9spj
-62gxEX3FceuDw6T60socsdyrAjPXw1hgTnns43mK/FYzLiwhdHxdcso8AuBrzGuDnICB71oqAszA
-i7t8v0yWf8qxFitwK9Wm6XIyxubCo71egNP6Yu8TbrwtjSTWwox71eCNvuQRsxvrDk8JXe0syUjW
-DXLzogHl3Vp+rgVbLWvX0OF0IixvsbNIt0qT+1zYSf6l77z8c64P2gerL9UnoU+q34IJ2bxr9oQ3
-Yr5Y28pwteHY4wEflpbElNFNRdJf8AM2Emio3qQrmm6LBSJGZFV6soXm4Fk3EyDb4q49l7aKJonB
-jSlcoCTHBS3b1PAOsBfsLZRPQzViaduQkku0dY1PJS5xcflgzIn1qMblo80jjKuvmAruDXGeB9eH
-6kWwoRElQzxHg5l2RxSonr4l4M3clho5bmEzjdO5joV9TVKoVKQSe5VxNVIFXcFRdfO93zXWUzdM
-T4jpMJNkyLUYkZHFJaiW0gdadpVP8oqAeuN6mQ1xrnJA9rBh/0rujEnFvbm6VM4LLvkW/nlgGDYm
-ifGpE6wa13ByjN3/6ql/h5OJXI4C4xeNM2B1n30d/q95/T/4mbL6kr2ZM/3x+39voqFT6rTOPmZ2
-31lm/xw1ed7foLpj7gna+Ecf/Y9Rk+VTQNlQIQPksutAiYron120z3wISTQefbj08E//SRe9Tlvf
-NtE4geChykQCAilqz3eTJpycjXSedGyGm7BKXstEuyEK8UisyhrWdqgy/SR0kuBj+WQUdIqW+M1c
-9nv40PuvwDSYcCLOeRW1vv0KDSYGre8Tf9z0s34t/fsMl3vom0yyzE4n+5Jgm41dYpSMxf4euVG9
-Hc1PNiymJYU6oiVX+qIBQPu7IWD784zrLmVPsx21YXAfaYqSTW+/romwWQMQXuNwXTznsI7Wv842
-qR2k4oql2WcV5iDadnaCg92wfpMD615CpqlxwtQHxvJaLyyLuGUJJ79Glo3lFk8DlHCQRgYOtmld
-JHL0NsDod/bACfiEFWS+dkVrBE1gsAQuW5e2Ju9w3Wq3WB1tTC0Y7tzgk4E7iUi8z4vgG9AcbQIX
-t13XC6sOGBy5m2zKCMgNg3HmgFr8kHdjvy1EtVVD+0znr++zUt4mwruAjPdlwUxuyIsQMXm5J7ra
-34wE12ysuv5aTTYyvdwnyVwfv+KZFiWuFJe1GB1ogW3YuoKDERFcWIS1o6/537Ly7ywrOAusXId/
-va7soHpnL2+Wkj9/58+1xNf/xkfoFB20VSufm67vT0DO9/7G8sIkAuo2lO3vE+2/I3Jwvcnis1lK
-dGudJtv/WEvW5g7266rygauAmNb5T9aS9T198x5jx0ppaUAb59nU32tFknHSF79t5ME0ZTLAWAsq
-gnxNgrJtaRGg4TmocgtXkjsdpHCY/nKt/hyi/5XewTr616PTGq60XGTOUM4xz3gf4dZhvh8oqrL9
-KE219ebK3Rrg9NHsoV75Lw5FVBxoIa6sP1jA4JqtDKNyhj3IEH73JqNmSxC+jUlW91+cFZcS4RdC
-IDjHa2f8FyIAI4SiZYUa9t/j4idr6UjNGghimDz5hwTjX7IO6OR/uIAW52SvJlu02e+W4UkxqiiJ
-3NuTpRJs1Gze1b10XyflRuSB5+RBARTCiC/CVrebPxaFf3lwnsGfHHw1peQppj1/d57DlJJt1TKU
-xZXJ3RhI9ra1YXe/EXH/+IwQm0b4Hlsq3Iof7LVE4lsCNb/c94Ht9jybtUBgQHiU2uYtlhG/Oal3
-ejYeSdzeeLdMUHAek/eKHqdTppUag9zD+h2Y+PXfPMt89cnABQKraJgQMPz6yfzxMiLUY5IGRd2w
-6U3e7eZ4Wecjo3S5B44jMT4OSm5W0Gx/fZT1ZvzlRf9+XiY7NfwbHfbed9HYXx5KgqqoGrpC7q0M
-j2hL0y6hNd0wBodyrVf/ofDxh6O9ezTw+Ei6xCnlHp2lQYwUSXuqGjZtXrTQcgP4a0Xx5dcn+N5E
-7PsxUa6gamfCwQO5Vk1/OcM5LSj6R147zO3sG4wvy8dEl8DUhLEdoHqA33dnT81+2JW2eHEH3T+1
-jnWQSd/slQzUVqKb2vSj136dJks7zjhXbQiC6u6hE6yJ9gSlFESc/fp7Gz+5//h1kGPKaAby0vsn
-zhdQfZuB1ygbJSYBtjbSs5M8qraaRuAxfOsubH1SyS2uHmPvyX7WF8J1pOG3196wWGGCTfyN4Vt/
-7vr/8gV3fvrVWJ/XNxxE8b0oPA9Kt1iccthPQ7o1Y9wvkAhOYee7WHV1ifgwZRYMnNENyqgpl/qE
-eVx/KXD4LJhhgL6rtXO1sfjCn0lHKtjGUVwDytVmMlN1mf216S7aEaSwiTrIwNFIRwh/og8e5Zhp
-j4Py4zCwiLvqbc3bIbrMNsrqfWqd6TQUvUA5UFI0xQ4UoBLtp118kLAErwt7JsrBWopdz+QHEvJw
-0wTkoHeZRy6HDXN2QhB7qaez/lHrO7XP60IDgp9fi9k6D/5QbAIvKQ5gWsMNn1zvfn3Xf1xmfKwX
-LTxhVm3wDzrzSSSOdKju9plIr5lfI7n39aORTQ/gf+R/S3LM/4sjOizWDgLVdb15+3oE/aT8YCkG
-wsnioyHINjGSr0FN9oVV22ERuE+/Pt6P6zb2Baw2iNXILsX78e3xRBKomnsz7GnvaQqUPR6TZkSF
-hfVr9OtD/fiYIjMH14YvEax92frvf3nzE8nsaSQJYR/4yrlotM6AZih/Z1H006Ng+0CZArmPa/j2
-KBWSuGogIWCvub3ebzov0A6yS/zbX5/M+4Bu1jHOBrcln2oRdP+9Jws5OmuaIYPKicjSqDFEvnOn
-irQEgSeoHQtvP1k8+NBlk1Pvf+zNZI8rYva7ZcnidN5uGMStg7GTxeFYBoLDt6fb4Zq74GQi9jbs
-QsQRQbmLx3zY2eMAtm7Zi3006inY9nrzrWxG74zHybhPHF1dkcxgnZyiiX/zCH+nUP7wnRhpMET2
-8bl7f6P9madodqRY82aGFsWJ73xhQ731bLT/ZaC/gAJOH8Ft06+CbB+pkpCcF4aQFsRElYidqYsm
-6pl/bEZ4ZtXGM2UbMiXQ9wxvAWfyxPg211hO9bF376GDcPS8IZYk+Nj6OV7tytEv4a2s9gLNZ0Q1
-9+7MgRLbkGE7BuJ38dA/btq+Sx/ABB52qv6DHRATea+IUf3siS34WMd7ckLLSFsI8kCnYP2mQjB/
-esfX+c8a3E1H8G7TTmxNw+7REvs6kfVR751toMsRn9ahu44F0H3qyfYTiRwabEZtvpFtBr0Fhn1E
-lEuDxqH8VgJ6XRc+HgzL+CxzzQy7bGjv51pmm3bInIOTpOOpnstrTR9+V7r9/ATwY8NyGSIDPIa3
-j2xs9EE1+yOPbDqfk95rd3K0kw8pe0TYgmNGsTD0sPLcgXqgr05zunz2M+9B9G5wlG2MGbbfqy1O
-g8Fds3jNg28v38imq0+WjyJkbJMZSi9OhxCMyl2fdb8LHjDWl+rHB/yfZ/BujSFogy/czJAUtJwY
-FFDq0+BMULc0PRqYhWwsCW2BmBGQZUbqosWa6tfLz0+WbZcamM4TlzlqxXcdhSihtxE8J/ZwaV/J
-BwHBN5js29MS/OZ5Wz/p3blyJETOgQ0kor/3ze3iRLZe7HCuffJQGFbyER7mKsed6SacuShLmISa
-f4pd43deDT/ZfV1y7jHqtNiYKLzfPihDknVmnOuIkBk0xYN/O3kdVMz4tfSGL7S87m82qO+15w/n
-6iDQNnDJdqDSvD1ggHE/7r0sXLTh9Vla1D1zbEVzDb/FUss3PUZAn5VTlMwtxQ0Ut1CBoEc61cqv
-7+9PlxQE5uwsyKJ/GMtmciAEk2Di/eg3JJ2tlGo7JSpLy5okdNL89deH+8mm6a5xHShr6b1p8t+e
-OJOGYg1k5iYzE9zDYyB8Ufrpb3rEn15fAySDJ4nLC83/7WHgWWMKbmNIRI8MQ1JNaaRqhs5u7GvH
-UcDVTZQtI20mdnKMk4qgLqPcTkq7WCBX/6aF/LEp993VhJWm3PYQQL272eMsnSUVGN5ZCuVQmnjJ
-TvREC6oZFmhlaGFLOuU+hRq8aQqp/+a1eu/ktNYP7I4uF5u6HSOYd4cnQgfGC24P+9mw0y+tBzcE
-1WEy3Ahmt9VmdBuMBxvJB2y0GYnkRrld6UQo8+EVMjdMMenT5vFKpZjGbMxhkEboJI54+fWT8ZOF
-BiW3TdgsfgU+X/ntLctyQ7Rd73X7YYmrV5tYizu49kQqaq7+Xx2LxwMTYF6wH5aaFqnm0Pp2t3fM
-rL/Dac3dNbMXX+T9ALT3D/Tv9o9X+teIlo/OxMV9RUenAgXv7VmlTFaxIXO7PZFY/U7ioLK14Z9v
-6VCy39zonyxiVLvAIpSIuOC87xvNJU6YqnJSGYS2KIZJd18lnUl8r1g2+lQBkTfp/Jvl46d3jf6a
-OBJy8vCieHt+hFrXQ5A63X42V+2wQ1hclldmxJj+dy71mGHwYe9WTXZzHbIKVhRIc989yX5h48C/
-GFxMu9e7nTvPAzqF1B6XCNO+lRbdCzNyqcnLsLPUqO3oHOW0xXjKqu4q3+HlyiwwxmOMBe2jSfhe
-GvV14cuoLUs322BvkX5uRke7KshgEaiLSwSHgsE8tDtOyUK5DlU6CpQzGrvR0q35wtHIOyS50CPw
-2O6ZdidMch9caTIahM/gmLvcqCZ3awXkzT8Fo5FV39wcaCbZtHQw6cWU9lYc9VnRpx9E2RjzkYRS
-DHXSzKjsraa3xqlapom8b1kocY1dn/SvbOgQ8Z0rjLLe8d/auKvGXpA4Lu2gqCMc/ezkirxtx4uk
-YzX5Tjpdea80iAKnvtbwVe2LOt7MSW/2mAxnj5XAvW8zSbvJj14yJmimZdMUu7mAqUBu6Vz3l7mi
-nUTPH7TMI4QYgyKalMPEulH4A11gthXr4A4V4bBt5awldob7wmcPxyMsNGJY6YuPavC+dTLN2zeD
-IGBsjD11X2d2PxCv2AXeWW8qH4LxrBJ5pMyadp0/IYqx6wRSgt0myxLiEU5YC9YCzbaMV/iPeDGm
-Rp1w/A952pXhVFaNFQo7VTDo2tY5kCt/B867I4uz/Ri3ZvlUar5+HmqXWNgqnw4ajIat1QU3spx3
-dSd2E3rvM/m5G2XDby+gbexNuxijIigqCAHqZKl5RMItPucFOaCONOMIP2lrV1nWCw6dI2z7GcWn
-3Xt7V4z6Fk2Vu7eDpUEBjx1eDq/hQtjt9MUjqTKyJYG3tac+L53rHJQ1LRs1zRucix/xL9+6mtvd
-OgEcIEOvs1usTZZQ6plx4VdlemWN3A/qWeL+svhxWixn72jGXZalK11linGYtqHV54WkqICmWLJL
-oBfxlruinI7dgB6DVCGHP4qbAnRpGu3+VEyTGS06mTLTgC4iT2OFpyVSlxHZBaxE/zb27XOlpdPW
-GP10h9J2CUnIlFFszuZ+oYE5x0nZPuPWr1/WqYf3wNC50aQP/atLvmSoDaqNyAgt9/BEnWNPMCnK
-mXjCYDMzj2L2YFpO6gSvcZc5rbErnPmp0mX3VGfxAVXHfSbnJ2eKGSXqAUCdjJ8qV0t63sDKPyrp
-1TulEeSKKcUD7jTxScRWFrlJ46OGtzXuA67Cdh4sUUr3eM56Td2SA+OfhWTMOFriciCFclOu3p6z
-Vn8T3dgeVm/HQyaq6lBXvnq1xQBLKhsRckWFyoZlxn+8qxdy8Kg0+yTeNlkwPBSNnyL84uH5WBFJ
-M0VeRzfJZsoikTNt/ARFt7gmJyUDHsF2ACLAUZfJvNUaglFdY/Ev+EuznXghtjEku1lc+vOYjOLT
-nPae6DYzysCxiBZh9p80w9rpOSnZG83kO+89zWy+Tt5StAerILc6qlCoqc3cMNm+1DQXfXXh+T3S
-hVk52gl4VheAtF126HuuFMyPuowW8o4fUlD9W5MopYcY19DsOOZuv3WCrLs2RtPf4XQyLpupA4wj
-qlD/4uox9ST4brv1Fr28aNnPvw7CT1zE5EkT5qOTWZfTJPBrU0X8GgDuy5D9sqI9XL1KltmfPjBn
-ql77tkdnM1fCeK5hhUc06s5NUJvtpywg9EXg77kfqFge/NnOPynB58ywA7fNYHanpaHjyyYiMkzb
-Eh9B4Va+NOI1aMWSJwGdffeUklH3tWtRdBWT1j15nZkdclyDShRUQ7HLZl18xABoBiVoRkJcY6ca
-IrkIXo7S1Jyw0HFtSFyXHCUKrqPs0Mh7QMhbsImg3xX0Tbhytw0/P2SJQmo2JsvWh5PiIzBa9cxw
-ifBQqBgNoo1LMWAbWUdOZL6m93gwkfLg9dLcCS6n9oganFP02iJILxJz4au6hXpUeOSPV0kcJzeZ
-32FfoGOg0eAYckn+KJ9qtdne1jP3Xg2ms2woerqTi+LpJh9F+wx0Z24BzhzEJbyqW+Kllt1C+i9+
-yRMJXJ7nJTeYGCovbJ3UueEl6nipuLuA8N2pwO2J0Oi0/dKrpL+zl954EBnXO8uLeb8QEL33Uy6q
-hqTzQuPRvGudvv3irB1mWLtLq6KiyzOMCZzs4EwVH6tJ0r57uzu1WMNcLkq0X4a57Z8U0dQQsr3u
-a2MQrwjRIOWydiS3npI1xlMGg3gJ0Fnd2EunYRjZBMnNhLMUGbduVc0vS46p2sQOPFpEOVsjbqqX
-ZDCZaHSD1Y0S8xzSdus0r1mhZIx3AxK9h9aYnZvMaeIPLdzGa9eRRAEm+KwMMl3QY2nY3G+UT73q
-SPwaksHvTjMW3FGiSXXRV5w8oSfTB1/LWReTOCMGh99udbLsJdRyxKS+QwVeI+fA5rkrj30RV/Fm
-CIAZIpQ3qHirgR/A/8HfJMlYDlG+tJAaFt5zgJZakIEEaA3LUryQvuiEcTyXR6Mf1qdckujLzMV0
-7rMqVY/QI6QXjg1fsnT04uwPffvZylP3XguWjlziekxvZreqjY3A6OsJE/bp1neFfNTbqThn6+02
-+9i/dDDmOHe24kCFNu8Cz9NRGWlNemMLrpqfp/Otjknjq76QBqVNNsa8gPbx2cT14NjpKT4i1sgn
-NktxpjuYPsAsFC+oAuHvL5iDpVuN6PpXrwWICnHdjlfyqCGwu3c1goVdjehlVvKlguamufHZTmm5
-NsgACZ2vFGRYzp0naYE9xtKLcFgRddqlN2WRN0ZYEWBxS5YTIC4xj9xrXfiwXF2r8eswEMNrg3LE
-YXZR5WFXjd2r1uTGo520Y6RGYXzDeEhKZI1Td8dqsbw2Zt72oWvWc4FHjyO/mVB2He4Z4hKtbbks
-Lju52OtjgUwUVpHxsJildg4GndXMc9W3qfW7uyEmp1ZiaYz2bW4/TXnc3RmDn9zELgnt5LX6EQYL
-1pF1LOi3MxL5Y60lw8cOYYV+12u+YI0nAto5NnPDxfMt74qeON4RSAtVGi6BB7I34AjZxZb/vBBd
-ex1XbbJX5Rpa5JJD0bFtXlroOQkw9pLs1rVFuyOYSnzoWwXjFN+HIWn4X6Jt2yhWrfXFQdC9s9ty
-CVvUzJFpTag8lOXuDa7XhommHRUws9rNYFXz2aj66ZYiZNzUBHQ/muXKGNSae4zYrpS3WjzoekYv
-0xNGLoP8ugP/0WWqTnnV9hwW8rg+QrZLvYp1A40rbjWZdkUOUntTz05878ZmcwymTCYsumgqjZph
-Y4e+CTvv4aTmuYwy3s0rPRn7yzrxajxvYApR6lMCkhC0AeT7HDiwBQuvns5Fo6wXVdqnLtMNljSf
-PyzRbWu46bDD7Ytpyu2P1Ns6vJyp+RKM65ypGXYp2OexixuPaVlKQaryZv7oT2Ny1ut03HkTvvJN
-2UXBqGXJBgvcgz8un0GBq09FhQqGPYeLBEk2YaGnwwm9ebZTEvsKcUQgbm1UrMFFh228E1Ji6onY
-OrIJAr7jLx6gfKw9yE5zWeqC5CwFB5FO7N1KHbkP0Ck8Ii+2PweY8j66YsB+P/MeJ6z99oDmKXUg
-pdymWhUnTTamV5kPcIP8/Rijb/qS6vG4U76m7wco0pGfQeIdFS+jaNNhMxZAhck8uxcUF/bH3Hb2
-tTM1O14nFuAmpztNXKQtQRkEr6qQ5septY3roAoWWAuV/dCmUx5O1LA7h7WLUxPl42oLcTcr7pKj
-xNTtPOrCTT/0yRZqZvttYdSEUjMZsusu5zHIahx2UGTVLctaO6cbu4KLPuG8EgJxk2yI4Eh6LgU9
-HNfP+TzhfQRxbkCMmW8cW0P1lE93i76a9GrVjldxl1kLzktM9SjIPHld2Q4R6UVDmWGrXcESiLGb
-P2RnX++XqKgs/0LMKJ5iPd2mDjmPhdU7NyhPmwbD2sAAVi+X4zw36spFK1BTo2kFL5xbn9pkym/K
-3EKZ0OULtr19j9x4Q2IqrxEzNHUVxEP+VJm2u3cMIGKgtYYda2lBT2SmTbcB9guXMyON1QlLIXOV
-fY4n6ZjpZ8dDipZ70yFWQ6h8UVxhmthciBoGnLCbkuHoOOBlJgb8FnMsBBDZGpMWPAXMTOlzPvdN
-vVq5O0vY4eAABxu7341Sg/E0Ib8+Nqb3xVjcb3HfdM9UrOUz4egNi5ZAHVE6JBkomWwHT1Z3s0vF
-Us69wdA7GJYwmWKsjip9OiizUtlJs5rRjpSnC+/gFQa6utp2mxsNzwFI/bPX3IAU4Qdk+nnSMAxC
-As4z6uTPFdqOO7MjUNfNwJE32cwCmqfj8FIKU/9Sizx96WJ9wZILBvhNBwsAoW3e3M+Ey49PPRUP
-9y2jyYFWXLJLaK51LFufHSWY2k/slmBnS4kbBKMf/qmJM/OB+pjOtKhS+5QUk3ipimZ4EVIAIohZ
-Vq+FXYMqiGWIn3WRG1+KtGenxzV9uhXdFD+bRU8TbpOOHoTtEosXzWm1Ctc0FaBFK5z6HgsJFgaR
-TmOz85JBNTs7QCMe4Y3J45GakgKnqcvmPnVl4VBjNvEz0Q/8TtBOZR95eVA4BK7qPEY4JQ9FpPAy
-aLY56k+Io7C0PJqYiYPmmV2Li2xxBvpGvVYG0ejtmCU7ilc+edFQERztEfgxSu1g1vbavJYAAxPS
-GNOCKrjMU90mz7uvKFrL2OUuaQtbXVhOMn5WvULhkMhsdcdLnOrVlJKjys6a0czZVvD8x8V0lJag
-EmE8if+W0GGmeQZCfLwu3GZPKnYSWh0mykhKVlDAMuz63oE/Vu/LLAfugVmQ0WAWE0lVBijQjdk5
-k7EbnMW5mPuhuXdGGBXcQuat4Rh3nF/hOeAhOP0X+YWAxaD2FVbT6RVGZepVuWCjiCedNr1yNSN9
-KGZl7msU0R8rfGnuCi/AnKVtff0BWzQxQzG1jfjGlpz0wVQ635GqnG+d1UicgLOmWmNCRSBiyD3h
-3QX7T+cIXIarqLSBn19qU7xkdC8ZiSpUxLNQ4hs+DHm5D2TfMcAIkPjt9SIzp7DElp96l9u5HGrw
-v9OYCU3H0mGgonNSm+wxlBGAKEQXl/i+dRnqct4pGm42YfavsJJ6XGxqjCXxbFmmpbxJlaWH3VpC
-ll5tDnh9mekHg/i2bVc2+omZdH8YK4mzYOJPeFMV2eOypOOHETOVP2D1/0kFfyMVNEz4fX9BoX9w
-TsUEtk/e0tn//J1/clBXxTXiPsI+GY5YYO1/56A6f0PpBzThwfFZ+Yr80985qGC/f+evY5XExgDX
-FIoSjADzP6KcoiR8g+vS8kCu58MwZiKmiHHYWxA5IITcjxu/PFh+8gkhzLQZBOsQQ8InTK7ve6Ud
-6hX38SvjaR5BXqU37/BiOw0rRkRVbx6tEZ2SWBGk2hidI6GP5R4meotYCqQJ84j+dY5hQaICoyte
-ESmcEtpniAX6WfuOV63IlVWCq7V+hqGEVk+4HHhnNOb+7Yh5SuEP1UU9ZiOfJteWsSNtWTNNbB1A
-ywC1wk5VN7MgNKBdEbUcaK1fMTZHxE7UeKMXGvMoH8wswEl4ReXSFZ+zAerGFbETQ/LRtatsQ8AB
-iNiK6w0rwpevWJ++on6GKwBbViSQUn5rAw1KIEK5YoVI4wA5gQ8baeBvCvYd9Su2mK0oY7HijdaK
-PLZlR4mwopH9ikuOK0I52qAkqLZfhhW9tFcckzhbe7Up/WwqME5guhM7RbVDwwyRf0VCl6FOttzV
-zbiipBVw6QBsCspyE684qtS66dBaYHKT1xjnYMVbhxV5hZezq4LxbjGG6lzAernMSr+XmxxeQ0Fj
-V17hV5WMW9NXrDJ1VzxJOsY76Bo4kQptCC1s48dNm6j+vrM0EnVsw7mwi5k9TaucnjhPt2PVabPr
-vinHpzhguYSoGjxOlVXUiDhJ7nUbUK8Ur6mtGHE47WCN3HnjyDpHtC4YmKmcw2D57Scvy9mhcvLB
-H+sCo3ynBOnXzdK4tuvvO75RApAnettfAhb5UZtZBhcvQGFKvwl+IMy2Rucfx5gUNHp96rSFKrXz
-aw+TlrIYtY3RVNgSgexdzAw8dubo5c+eSX0RIbyst4yn4sfcZAv3rbjaTlXW3BtFY1xb7tRc2OsO
-QLmbP7ctticbtMFsWVmxGLsq16btANB4OzsKX9OhQG0o0V9tRSa4f6hJD9YwMl13oH9Gfefbn9Gq
-l48zMNeXXnrWEXsumYcJMpoDhEh+JlXTLRdQCwGms2WDN63xAFYEyW/gI2HOzDLS62S+NUkvfnQk
-nrYHRyhOvpuT+ezhVpwRUq7TRbmSChPNSBFaM/cBWSsfiJVA2m3xAq+3s6rmaBqq9lPK+7fPXGZ4
-UCDpeOMpE+7GW+MbWqPOrme8fl8y7MH3hrTab85EPxnLpr35/s1y2Ln+TkmDjy9JHr9LlhSIwOkd
-N7Ti1L+zpxUa04bqtVwLtdqp5YPI7TFs3DWOLVtP/Hujygx3+OBNFT9YIso7OopFJIKmO2/1QEAX
-HO38+fuThl0ER1uguyF1m+lXsmkkQd0OmpuxJch2Q3EGxgnA8ki5Zn4c63WOMVS2d9c7iX1sMLk6
-G9R0Ud/TlZiJ9Gwc/rmpUtr1CX9Z7pqJT+iuHKvhBSVvdo2a1r3Bmm1GDGyY51jP/fPYadU25YlE
-kBw48XNggpONTpUCL8UTH6R8juiRk7krk1S7bxZYj4jcmvsuoRtrMCPAhom7VY1Vc58lsyAvvFgd
-ZQiHIrQFcRHGqLZzaXQCAS3Gu6kCXOfj5chg2ysnnvqFP5gBffKB/EKza7JQ5Mu1qNNrhaeH1MSD
-6qjVldM8o9DeJJU7h4F/ZQ6Svj65TVfvo3JID1XevzpjcBFYdCRrhkFteudJWHQP6X5wl8ekFwh9
-9cm/dAH4AY8dZDXaxmznJvTNujkP7GMIdVZetZEZ7pnq54MwcuPaVazhheEnkeu1VmgQpBxm1XyN
-S1c0TnlEgvnJqr341hi06caYzHznNwnTGjJE073bFFgAB8pGKlsAqjDCPiiFw+3gI/eNtN54qTGd
-U535ratVc9GlWXuRo4va1mZlHKHZfu2N4VD7zh3bZBkWSlrUpUn8SUvMJ4S5X2cJ1XypRbUrFRZv
-1VxDBK6sOaJxpo00e1OFres299Ky7RC57fJSKYdyjfnbyjvYtcN0X+eyPQVesYeplIaOs3CDM9fY
-TZ2MceWaCzQdxgd3pminaD0W01wdddIADiOLcKT7st1OdYFMOpC0o8tqhNZ86nTJxLBu9Mu50L1T
-z4PP9MLVI9z2PulG1YXYBG+kMb9ac3tuM9/7lplgYPbY6c8eoF1kFMXDAKHx8zxr1pZ3nbRAq/ND
-XdYMIAC6T0QGIL5Xy8J6QMzrIUFeSvGKy0G4gC4F8X1XiZd0HuKtXvvzNcPUEREHevghrAcTz7t6
-6eV2UWZ92RguwuGxuOOx6rd43hlYMM32djRljW5OavmhqIs2Qo2KKt4w22/CwREYX+bjXDWYcLXt
-Z4kPTUQOURDlhnrSYyyf9YbdPqCXgAgqvyLN+NSl1p7kq/jDaLRw661CbRzwTRIOmSz3tvMhhv0c
-uryGdFZ18uTn7MO1sKIBZsQltuPJliLBf0EOq84ePdb/s3cm25Eb2Zb9lxoXtNAbMKgJ4A29oZN0
-BskgJ1gMMgI9YIYe+PraYEr5lMqqfC/nOUil1pIoepDuBrvnnrPPE2nf9Q4BsIeNojtTLBsR9BpM
-4ts4WbIn2FAMza1NoQYolZ/oZcXRJ4u9MtQj1rMakoRrj7u85Wvj0tpCkdUvIsrqB1oxsRklipuV
-tTpDZONd5CDHt0qfi7fRNKyL25EVcbhhBQ2J103Bp4iTvEtRj5PKUbDdyrWvdsri88CqxDjCzjKm
-gAA/oHofmJcXq1LnIxE/d+6k3blG41HPgGDKL7HWw6iJgZPlWX/Ga2XzjqlAYtXKkWZgLyOPwamv
-LzWI/aO9lvNFyimhwKvo2cdNeEVfSrPt0kKLQyivtEsXe86Bm0K+N/RagdsrohDOS73WEU2/qtI0
-74wy7p7GJh1vZCLUi6s61rKchRvGQmZbMYIytmUa4rc65CW3MFRk7ajXHGDSMNVNjU8tlE2XseuZ
-I/ZehsfLKrBB2MUPAawuaJtovMtdTb9tIoAWhVU3e2Vi7+rHPAq5M9zC39xhsdzHZswc7C2vWdPU
-cpNVtBlPo2qA6+RGkALZ2pW2TnlFk9t7sBO3U5rA3GWlFZg97BunaIf7JeeOlw91y5Nr8O5AjRWP
-4BZG9pW59mp1/gW4f/tzXJs6FAiynS9daKFFJAPNUjGSUppu6LrgI46pft1hXHmC1neVmFgZ+P0M
-JmJ0ni057QlJx5vWWh5nqvguU7pGwz0v2+OT3buMmGFhNNt6qOOfapr3Vscjb1AAGwfqMYEZTtMx
-HYw2JBYeHWCsn2lZvdqR42xE5GWHeXGnU5Thr2S1oSW5sUXWvfo5p6txEj007zXnkxSG3OcAK+MH
-evEUYJ2+HWNWeqMNgc3XtJhHQqx0pl1fj2eEgpFa4MPE/Xc5O1xV8jCLy9zZQlIjau5JiBNOn08Z
-yMKh7+tN6aa4n9p4SOaPJPfYRASuRW3rDU/DF2bpBw0+xq6s/FXy6cfHSCzL1piX9hJnTg2ZyrFv
-ERa+q4VOsUW619SvtRAwI/wltpabwneyOyWk86Od6jnMzGr5YbRGdzuWQtulxvCziWeWcY453HrD
-YG1AedlHe2L6YXRv7xF6zDOCi7rGXFW2ZoTkOmvijahbFCgg2+9jBxchZddGcj6KjqWWAkvNdD3M
-FYiOYUhhMqIv8KiUBXkOO93Ta/TN17opcHL7tFhctJEFPoUJ+MlWZXNxjTwsavsjgWiPJp/6xzle
-XCrujfXSHyOh/AAz0n2K3AF8OFYt9/jWvrHogznQVfCoE6rRA8VdRmNX3uWHZYkAOC+LPZ9ttu8P
-siiXl6LRi9s2KT8YQONyW5uqR8ToVo2miupNWiUfqix56muq/BSDu55ZUdft+gpuYmPozSvXF3dr
-snm4dpEPg8IyrlaaOXcA7+M2MMAxHXXbVxsxL3zS+mp8dvuxPykJ230pBugdau6Ku7xSwsGxYiU/
-MISAIYiozd6V0FNznoNrSwWjYc09oPC9T6LPHBxD7BhXdg3eS4fb+HWxSkK8CUtY5HnL1jjyYQ6E
-vT5W36p1ne+si/1oXfG3HIxbz1gO6br+l6sRoF4tAelqDjBWm4D75RhwKhAuTZbR/Gryze9UzKUk
-+3IXVKvRANFuNR2A9fryIHB7Xi0J098MCtZqVkAlGn4lq4FBrFaGZjU1TLgb8tXm0K6GB1T1c970
-0HRizBBuqQ/3VDzJK9QelOzVNLGs9glnNVI0q6UiW80VvLAnBr9oI/yEZvYMCwZNYrgxvqSM/6g+
-/43qY2ImQxf5u/fwn1Sfy8/h/R+Dx79/ye+iD5ENksc2ainJY38tjPq76IM69HeVx6YcRxcW8g8w
-AdAGayHsH6oPLME1aaGzfTYJpWBm/LeoBX+x86H2YBgg5esDDWDZ+FcvcNLBC6EN0boVhFiekVGc
-w2wZWsO1lQKCOSmV2kyyhrXnKyOoDTVsKVFptyOzxr43W3V2Ir03vzsJH5RaFA0spGmwbFxZanJ4
-mtnzszXYw/cuL5sNxyHrdTkjjPqDx1NCQhvcwGaqhj0Ti4ELu61fqyEa7pbGj+DAaNXYB/mCs48N
-aTPu0tLOb0STlWHfcE/nsj93e5cNAPNGkk2oOnFtwyqYGbvteRbuDtrbGN/4trH0mynP9B9ZX7RE
-B+c8/1QoU3dp7AzYPMZyuouiuo0Dbv782QGIzDRZT2kuDvXc2LgwjH6S+3Y2+adWy83o2HuM2grr
-5XyIwbVlG2wNk3b0eIFIA9GCgF5zUFoPJnnuB58oy5WunOEOcDQeAIFzYExw2oVRW6/jayNuSr+o
-VJjZ9QIGe+qm+wZzVsVFqJk6eWvl5lMnZScWPBKRDlrhJjKctN+XkRlbYu85VR7vRJPqi76ZYCRy
-xc0rb7pYYsFCEHbzoB3s1qi5qcoYukOYYdyG2LhN/8bxonHWbq3rwB08ABoN7AtvTDRMl1wNjAHb
-skgbn4Vh3JQ76UncTUw8lotLXUuy6C4yZg3iD1GFMXTazsJfqfpBdOdW14Zkw2XAFfWN3mL1OJlN
-UkQbpINhfeMQA2ROdZadNmXIQHkJbgFtset7qV+Mucw6eHdN2+JtKoN8NNn5f4+jxDSX1ymlFKP5
-7CC7liXPzYX13MN/Drz/EWrBFmvP5///wDt8vif/0KmHeXz9ir+fdzATQBkAMwB/Snnvf4EWONZ+
-ozXRcMg/u57gWP1d4rYp29N1lCuTrmWHbB/q9++H3xcOD38zm38HVjS8l3/n8AP/8o+aN5lLQA68
-LLJVpLytv5bv5kakekdE7oVFjHaIo2pSp4qlPnYxD5eRiIPJLGnJPE6QaYrHJZWO/4NY/M+EqNej
-LXLLCY3a+gaTZXrJhZaesP9PLGRMjw0xaHVQ1f7S0o6rMeRC9C7MGDpmPI7qSa9UpMFTSgurPOV+
-2u6RLLIMwFnioxGpwtvhuakOZTTjeM56FZbzirinnHRDTtHZYU2mqyjz+4ccqGYTZPoYnQvm43Pb
-m91+dgd1NP1m/FwMcKtlxyjrt/prMdZir8tUvoHJ00OGOReXTftuNfTUBngbUVUEn83TMifTjS5r
-e8cvSrtUmRbh2xHDLtE9o4nCBkbq0OB+641y2DmAM5F2aEK605LEfBnmaaVVSMhME81ZaaJfZ7KS
-165X1YYIxkvhpP7T5Ezz3VQBGZWm/zJNnrsd9DmMrKF8sDNN3dh9Y16asmwOPeorvQLUEpagCA+O
-m6S3vla8+51CUyJNsHWwcZ2gq/v7otaGH20uosMcOdYOqFvxcz25tgtFzj9XyIAKvbYBnmamP3sS
-z1vW8NN3x/BGmsXodOCCzKms4JW9mWZP4lBkCT+b+qVMyxel8a0rJTH0J+NAVInWHCbdekvgU4SO
-FCWVVWOFjkIRjmNQjuKXj2KZSFBhPJCH9R35pIbW3WHgYP2M5M4jzezpzU6EgFBBqdum0hg49jqm
-nRlf/MRD0M2N+GrnRn4/z+1yF40J/QYLaIfEMjU0G31y+C6AubB+2Xs7K/B7l5qVPo5uW5wd3OPn
-hGnxlhQy4VVQ2fdjo5pd1bbTR7e2jAdgT7qwzzX5y8fdTXfOSI1pKbLxzEya3kzg9M4doNY6mNwx
-/kzwS4WFxEgDm6GKg7mX4mQgr9ZB2gn9wmZDD9zGXwqAiqZehcqF1xV7eNcAnhJiZLVsYsnMFZdj
-2uA2ZpzAi0tMbJwaIMGgLk3/NJQl+mUnbVxnjLDNzh+nc6p4UUK58tguc/sUMwiA5Idu/6tmWbH1
-vMKnFQfmUONon+7ikNFLkozaIlp4cb1pownamMSRhRlzJzLdf0GBz4OhEScZseUpPXwGBbnZHwOt
-QzsTsfIjV9FyXCY4gqE7JO5+5bsG6Ibjd7+2LXjnkSAa5kW7njqnOKzycT7VYOa6EAAczHU3H+Wm
-jLRkO5NLuMc7XW8XxSjiuoQJu8nCbo3f4Frgz9p7xdg/Y++sMZBXBEayCGSU8OP0pEl8Qk7pe2Xo
-+fyRXNjr2C0KvyVEOeLCbIZ5SzVgxjwZzdt09JanYVIUvI3K2CWOjj2Apjx8OnZ0m3hVc+8CITci
-r/mW5pp79a3+pqms5W5kRILGJo5Oz8eaVZo5HdKoRM0Y3fqefAkNxaPRUnkovfkxbwt5Cyff/Gaa
-KnvDmaU2mota2Y/NSLVDmkSHiqo6UMQKrjAaiTVJ/ZZBG82wHh9iWzXnOZNZyOGpX/BPVSF7jSSs
-ytTiUKAuIqYE+bAo45PlonuRtqoO5F3MQ9n2bpAaLb0ElTTz9Ze8bwAjbKJUftO4IBKxMK3uEVVp
-/gmMlJ5ETczgE1EQxKzY9gElHeD9mklopE6+xzAsN2nEQa6bS3dKk356qgrd3ilZxaHrDe6tjk2A
-TRYHkU94dhPh0Xu16hXKSCwj1KaCDLbdzRoCseO+8hBcMJ362k8jUxq9KIkFxNPuf2WRVl9s2hGv
-rXIN3HrUwNRKf4+XMt4qoyhgEg80KgytRqsFwZhXc4m7c1MW15Y10BHmZBVaTSNPuPa6+6VC9hgn
-b7nXjdS/a5MmV0HXR8vWjt1mX9pIZ4zk3qYFu7rpRWL/jFcpexTTR79ivXPOzCKI8jEJGxxQ50Rb
-qavSGV8k+Y/QNuRyBejhs4+p3Vcyg3w2aCfB3e/hO03ziZ7xXuPAijHtOan9lhcD/ixBIZYRVdV+
-0WvjfSxjm8XS8oReEoXmOJs3zuDSqaFrEa7Y1Jgw4y7egavwddGNA7cHPfAby3C3uT7zC65Mx9+I
-dHgYZR6/gPgmOgi/E/5+ldxTMz1DTqUQ4FmPXXX0LSWOMe2YHido5N9wbuKJ6/RzKzTruiz9PRx9
-7IgF1ngMzDn31r7/ls1muXrwAz4S6Z62QNyxS5wcfE+75qzLEAebGhCZBbGQVIzHXd3td7HXFVtc
-72Woe9EZH0u+r7HqHtZdEBo4LspR4ujkA5Xs+hIbbtzRZ2miiBEqiMpz7DQc32M0viepLvfaoLun
-ZWjFhyGK4kfTSsog2uahtUrnkRTPkz7bUDX8SKH0WOLQdNqy93rRbxVtM09tmfRHzIvv2ZJ1hyQj
-8qjg5IJVYSnYL7S1B5MWt8cU4YpNdmxf27iq75fVM0/OwBnIND/gGDVf8feOZ/xrQ4KhJxpejDTV
-boplcM6lTLOjmTq72spUSLIVudV+nrQRvCqxmG1aWVEgqEj75nux3Pedp+5w5Bnh1EryESr66bEV
-pUojSfYI+ohMSK03LdySc2Lb40k6efx98Fs8Q+1Qb+SCPZOe5uUXSapvSUk3iZln4jGPeAmdkbOc
-xkQeuJl1O3CqbmVivIGS1Fh52vjrZX0uiFFiTZ3Oc2TYT4XK2QhjQ9/Cox/2gFRobpny6K3p52lv
-T2nzhiyDZuf3PnKqORwEmOBd4bZvo8G54uswdmO0ObCc5ZaqpXetd1jTgrMPhJctR58yEZHHxWnq
-TqKGyEH+rxwudkGwF8QBtkNdFE+Z5laPXKryU6U8HvWOgQKUjjltEXXdGRTVx/KCLXdXupbce5Pe
-3GKZJ2E2Odo+yexyB900PgvyTNuGLpmbGJmM1QTJkHsU/OmQwB3dTV7fbOYsc7AbjG90e2YhYQZH
-7tEzlzvJ2jvMncY41ktT7QAsT++9R2VQ0Cps9VHeuk6QFzDyA5eF78apl+mjoobzzSX0rnPNfS9j
-P9rwQn7BiFW7DGG2DmcIsoe51b2wzHL6HJeGdgCh8jILDDuvbuVksoDO6Qoch1IlIebaT6zGJpa4
-ZeSR5uKGcnw2oHme3XHvDbtUL3YjPrKdTsP6dhkj47hwDrDY4baZeJ5+E1ma/ssjBRx0VMIGfcce
-l9bpeEvsrwm4ejRbIvUPDmEcC0l9RuuO2tXrYGLG4lf9xvwa35hTFG1F1cs2YO+a4yHo25AlbbtR
-Y8HSTVHx9F0l+trN2os1uKU/CMkDKWD1ml2MsTM+JikK2gOADeqDWbDuzs1dVC1kCx+9KeozyDuD
-l9QfFCcM2D1o6/HLb2JK8tw+Ro6X5qdu8vz62zgP/NTwLk4aRdh+xU05yBoiSbASC0OAvsZhtiED
-lAs0mxi9oIsyCn6wuPyUZEs+R59XyB3B+c7X1G8aUZfdDPL2wOZkAiQ/gIfQWy899oOnbpXk365b
-t361+ORZ+dzs+I4EMn0U2x5NfJ8KB8UlllP12UQ63Unp5B1oR4XNPDLMXUTvfltIoQSKNf+nXcg2
-ChZUixNQoHHL6rO5Nmt9abbCnzWklgd9pJgAuz882joZ+xu76EAtkijacOszN7XNFYapvyRxkeY3
-7oqYxrpqnvSqxTy7sqdTLNRbNuDTxnFnumWFxvfTc1lDRBrsFypyaR8Cxc1GrjU0M1B6QasLP7nr
-SNAUTnA3U0QV3cUZ1KZAL/zpEddAvBkyilbCrl/021nGZph1dBg3VgEmm7Cj22OXlNCzeQrj+mGZ
-i6+WMEPQgm0+TmWWfYu9onvtuHoyM7XDZa6W+JHWo3bnrT9smiSyPexKpi/4u4CHomFs8IxOw9ZF
-/DjMWaseo6jUuw3UzWzf4yQ45G1TXbvYJ2enDPXcJI3x3SCw8L2q4+eoFPrZNjGHsrOmRNUyJZmT
-ykcC7wf9JPxSPhLeaatNFMlK3OJVtR+qRL2LpWGbLZcJ0KeW6EvoEepLw3SJIZfrWEbv8mIuXjKd
-vb2XQWD3oJDGFF8b5p5RqHtCsabmiOhbKDFx49aMJY12cbXLGtTyzdRUC+vLzmGJqYg/dArmwwaE
-1fhj4dbHjV+jobVZkevqi75e+UV6bWLiAjq1GeygMxjtracZW1OQIMY6lB6SFeMOPiE9lCvaHTvz
-Ci4H9+7q2o/Cq5cn+kMjJ3BpzWN/PHNo6E4+v+QcFdSPDaMeLplY7rQZmnwBcQQD/VBcq/WeZC28
-r5qF3bKhdNgfK45ecvOlN8Ovb6osMnD/gzlg/lwvsobTnB2LyzXhj9XUu2DQmtUosBgTyFbf6270
-yjsjz1qL7J3LMKYMngIko9rEC/vEZb+H091dPjWW0+O94bMOdyGK8x8ctPmlqyY5fVtGDadLoHUM
-vN19r7eWgMDaC1NI6nabaTzxI2k8koBfCp/1N7nvf5f20CY2/onLEk/7SBPqW1GU0/Of5J//R9b+
-CzL7p3y47oHB1R0wU9zKUHf+Kiij+o5ZYRnjBZSds9F8GscMk8rAqTxopLaj+M0srf2QmUcrd3bo
-mjsnMbZQyW9lv2zbmhb2Qdv7ELKpUd3/6xe3ehj/6bW5kAthm4Cl+is6rTQGVemROV6kbC5CcleM
-btLh8u9/EyyUUCZYYOn/pKhT3TEx9A4j5VaA4vifqxW7StS7r2/znx3Mf7ODMRhnUQT/hSRJ61dF
-hPrPNR2/f9HvqiSMV3w8JhRRBzse6uN/WW99g2pS1isrb8mH9bWSYf/QJc21tZTFDeAnwYtY1cTf
-dUkLNrUroGHioIWqorv/lhcX8OI/vk9hTkKXxYqLCXgFhvirbvkndlrqpsg3RpscJ4WdEDtITScM
-rp6TZGHBnDMZNmF1trkyV2QEV44F2tjgOZhIWgbIm8YoASd5deEel0XY0bYY6mUMOl2fHhDsS3tv
-ZJQrPOR+1rwoEhxOSG4splc5Kkj4D2Y7cFMuPRUUEdMK7Qj6ghsVQMnZz5Dwg3ZslsNiLJ1NE2Pt
-b5kmrGY7kExOQmusiXm39AoEtqepHz4FiB9fzrTO88kGLbpF64IsupaWTsd0NgZCk3n2zY66Db90
-b0cbp2E59JTxmNpOtGCIAi5yNHjT35I+yiybH6ZE7y5NbJbg3YkUbcVUa0SxvCl2gsrRY6a9TF4L
-R2JKjEeFIlLPNzFQxKMpm/TEsbvHNdEQyKzTeudUmBHNNiGX0o1mTteEQ7rI7oT5UqzNbqnVFI+G
-CUHCT+y3mCjgHX2P/ob9rnXfm1lzGOrZ3iSGeZ+4S0sNmyu22sy2f4Kzf28JrbhY1Xh1dO60TlGQ
-k5WTSD5Ixsm9DRA2RMHKT0ZZEoVzJ3UdGg71oE/S+JZrp30Zk4o2K+4g/Vkft8qs60skm/JXNrj+
-bgCsuGsdCHAIYe3VdP0Ph00Wog4BMVdLKHNq+QvxoBcfq3PQoFCGsnCOw0hZhSC7/Zg1bH2syZ9O
-lhTjfdrqBIPz5EcGePXdqd1xw0PjhDQ1bxxyS4FL0p0nudQeBgprH4smL1G8ivZiWnkSdvxEKCnP
-H5oi6y7aBOY75RP7xHobnHhrTpeZ9P5GTg4V6Q6vVCOER41kFH9bPMHSrPAUOZ6sqpm0afrEKCYl
-dQyJ0o+z3n8W/Pt3cW8XD2KoCNtg5PavAj7Bg0fEAQksypDfoVRcbA1JM5M8UXKigPtF66urbvKO
-Fm7fnc3ctk9zYQaysewdV/f2tgYN/IoOCBmGalNaETIqo8ijF4phf7A3Ks/HPRf3eKcpqmXBMR/1
-xL0dhlYRP3Kp26THkcKzbOLeVRXUn7IoxN2iE1nvI9zT7tI9azwRMGZd4dLou0ic7IHQDd4p7F99
-dp9YzZ2Gt9aYG59+FfvK3aPYVp78aKUQB+oMnueVnYcD5K2ka2VH0IROwzI1T46N+oTX8VTMn1qM
-r6g2QPItvf5i9z4OyNmPbuQ4aLej51NR3Mt4Q03kK4dhe2fKctppqOIAp2O2wDhKn22ivTArRItw
-2RAXwpXkZtpRcGULyFe9Eg9V216Uzb7Afc3F97h06bmjlD5QHY54zMFUOaQBKQaQ73YJgJQCjXGU
-6S4fKSS1uQpdKYcrHqTnxAdIekAUmMoO0Cunh3Iqln3V5ZBMeGDvl3xyb+1mIFpHP3Iz21G+QYAc
-H0a7e8bhqN1oitIQROuk4gNWt/aoY7rU7MLfKIO5+H6ORqs8E+65lI33o1a1s3Xdxf+WcSvcATHO
-1zKY6H62vPQOg897ZUvUGoWBckmNd1cODvThRu/e2oY/MjgAuWlkYZ7oe2QENx3e0npc0BJmF9zv
-kuJ+5tgNEmrSApDlhAxFNb8t9C9hReF8xuTUndN5mt/8eSIMSkWAelQNTlHdJfjuVeUdNTfwbgef
-e+l97ESYVSUzEdsSm8te4Qw64bWsPsicpSuXxA7kq6z8a5eJX7JGv41NwlUjJU2ICp6B7wzQBC3q
-blXWEd3wZT8xOPcOYr9MXW1nLOAYPLMrd3NC/o3DHTlz6p+TYm4N+2amn+ZYVnrS82zR1EdOB+wc
-JHYG02dKGMrv8sariRLUk3eT9wgg58lu3IeJB/Yjtbh8RPKRtx5K1eB8b420OSZLObcBwFznR8e7
-Pw0N8J3osFokbDABUlwVlBiGBExFx9oED6zmiCY6P6vim0h1hxmY0F1S9MUjgX76pAmqiH1CFfYY
-+vSKvkrPbrfU3ZY3Rhon7x63fj+AvQFZMqY6+BxbDZU/4qvHehlBEw+SSXe0hmEISHVgiOJo/1Xl
-NldzwHXjbTe07f1MZ6pOin1meF5w9WF7gzZAF/C09C86Sc931ejpK89kPP9ksW7x6pV30eD4v/Qp
-oaWb3bd11QizvWg5Jd6lLg6Aq1hTrQXfzlfXd5pY9H73awV4vJaBO/VwKNd68Jb7w7yZv1rD/Yif
-IkJd4j33a6040lTxqWV6htusN+E/uTIdHyJlu888R/yt/CooZ8VJZ7UQMoKebCTxoVnrzHOmGpvD
-KMbUSd3gCuDDcVXOiXafZu7aIvFVjf5Vkl5Iqm6HqKM73fTLhbCPyj/tTuVXfFOPJP89tlO8LY8s
-rEo8xgkfVolf4W75aktvx9abAxNUTrmdTV+/lUUyvjrjPP6MvES9eTYB3tRif0lBFrpSMKlZOzZG
-NtyDU0LFsdpG+7D1GVw2QVyAiETtb4gkyeZGaKN88+Op8sJ5ifqDNDqLzEyaUaXtizJ7UV5q0yJU
-W901s9m+kUm2FAZbWRz4zBHd602dFt7ZZsLnldPIIxr9NfK7yN5WqZ5PG2PQnH1f2Ok18qW+Z5El
-woqVBTELz8aFaSUIvo4xsGHKTXGex04djaRzqdW0cdUMazeyif4qCkmhGcb8rdLx8MK+oCkyASsS
-GK18MPq227Rsws90D2IFE7jUNpPI5KEVdlMFZVE1r3mTdYiFcd8aIUy/+ns+k3jZdkRAFR4TtfwE
-UGXdRjrbJ8t0f9hx4j+JpCrfa+qpdhYV6QVWERGVwUwloRZClOJEZDGrH1Khi1t/scXb4DQFNl3a
-gghDOAsQGGu2foiRPXEXGdazj8M0DbzSmhDGGlafVU03FfFD/jZf+ty7ITo9X708UkM4mYnxPvj0
-jtA2Lt+YzrsHx8c2HGaTqb/2VPhGW0qWet5LetsHZHWMT1+xV9pGpRvjr6mz6DtOu+oJC7Xb7qwq
-mU5928/MlZpGUr5pWZcD9zlkcX6vL336XVXiEs8UnCclNY6etsXhzXJp7nz6RXzaUjA6bmK/ZA3p
-kJW6I2JMy5sRi73COikDpxnsH8CqTdCMtYyfK3sWrOXKEXHZ0CxjDo021cnPx/Gl7cxlO8KCO5hZ
-QZ7DdrrNIq1i1+t6fzbYALp9U/5MMnOteO9dAYsM6TkYyGRscrdrnmJcCT9cu452Q63DKOK3uaxe
-Z7u/TcyJ7kmuWZjzIwdJJ23izAa3ZGefEj9sRZMKf5FaUnC0WONtzdropYim4hsCWbLXU0djPoj6
-c8NOBxUWQjvF16Ufxjp3RDqdjh4Mj3ZXNaq/8VKf9hbI4Pn31hOQMtgbswVIUgezv5Smu2Urupxy
-zZDHEfvHmT9hcTappPuIlrQjrtZ18HbUsIt9qzqoIrY2Zr68yJmVdmiYRvMes6C5t5RiOaanzeE/
-U/L/zLjjEQj9V1Ny9Zm+V4AUf3795w6f/+d/MSSvX/PHkGz/JnyHECM8Ugw8Ai3lj3iq9xsuZG5g
-IH2/ht0/eXeM34TjC8yLwkFk+WJ+/jEji9/gLcAN5E78t9H63/HuIKf804xMoxP/NQiFJmjNv9aU
-YD1M0iWZtJV+MW3A9BTvTgZzCdiCboJcI20CXaudIdX12jCGeWwaZ5d8/+3iRvYUGlQvbAEKDJ8C
-A8vdQhzrzadDEFXbz+FU8FXlZqoj3sPVUr2VDs1xuCnNOwILLslSJrRbnDXeElJkzvKHVlyXkJz3
-KEhyX5upH+704b2sGz4zDJbPHXmX1zpPBy1chqJaGEjk9I5rppyoE9DwRWpWTO5z8lEeA6sDdL+V
-rsp/JHyKY0wLJTyBGdQPbuw5JR2kJk6Awu9v1xyrxdkSLWxlGtODIl97gpHS8jPQe15m7ZW/opHo
-BknOViYGb8sDKyWuWRV0I9EQX3+s9JjXutOXS9/OethbRXuimHn8YBNYvdpgornX4nY8sZZSD7PM
-4ncT9x2gSbMOSuIlPKBkCHFRx+jsjZcFusg9WmhNPtWjjxlq2CgoX0nzi2eV0wO0/2W3NpbPbX0Q
-YoQNQxFGOFQ9NB573o9mKu5JtfmUtVnlx9RScmhNpXfvOgZbC2yjj9ZMQiRt23YLgNy6iRZpFBCP
-2Og5XSw22bz0J+guFD4v1DUch6WAFKDHwHFYFShx9vTSpGldm4tnq5T9I0UP3KR6A3oakEfjewrn
-+3unsT6TowNepvK187gQUugqBvua1FI4TtFyXmKjfynyWapwpQPSItmoE4uo4ZeP+QUW5dxp+aYt
-2EAOdlVsJaaPjE4wn1WawfLmlnG2WWuq+vxdfbn4gak4+zgtEX5NoGBvWQZHY6UhKCohlRVTo+1X
-xg3SZ3rlkmW9mHGZPviLw3ezdNE8GmQpdr1K7JNhZgwJCc2bN4zCWO9n4i1mN6gb7LbDNU5KiJ1A
-YF61Km6Oll76PzFsiGbn6qzpA8MavXQ7KuVfEX4o/yYhXWvfMyo97xM7ZWKiDEKraGtd8g9b1paP
-aEFeK9aXcuM7LHpVaVTf+D3mBLHa5F5MWXvbGnNyFITm/K1RjziYosrGLTLH5Ya3K4hvS+kr/qwm
-AaT455TF2rcYUPt6ixguLxlyakrNRMmn/PtUGZkNiSWmFI0fz8QigZjdkOr8X10ZcdcFNKzOmYtl
-wp/04lyhglUdl0+tW4iSYESKBtg613kcrPmYwFu+UaN7b3gZV1ZbLKFlMZzBUfEfp4JPz7ad+uKV
-dtyZ9pmI25PocdaFuTRr3Cqt8wj7h7jEnBpd2FF8TT4r1S824/W5w7a2t6Hh0OTaEjSktZtCuCHf
-gtzjrcjn5Rq1eKGCFDPg0/Q1riJU6Nm9SEka+htbMsw/2ktLeLhAxKgcKqeVdjP2zbPNFfpBy72V
-CLpOyBaj8hBX7m29Ts/lOkcX60Qt+3J+QKUwD/06b9fr5O3NbfEwNhb2o9/ncuL3VOtuhfy/7J3Z
-cuTItWy/CDIEpgBecx6YnFlVrBcYyerCPAVmfP1ZkS1dVVNS99W7XmR2rE8xyUwkENu3+3I+SJqv
-VhB/ErYg8W2R8v3QEz6VtTdDemLNxE+yjWbfazUgQBagmlYLlsYpTRGxoLathC9afoxWE7SuEOMY
-hf+K1iC06iC1/pAgRARakSCJz7JdqxTpIkJ22dytZySMUmsZFDXyIc8/VDucu4X3MOzMc3oVQESQ
-mTuzjV+mqzqCTOLLGb0E4YTwGmTpxHo0taYCIOwLY9+dN6bpfYfswnqI5eJ8llqPKczqaUjsYlVM
-sluPWrgBEjZsrKuagzXIP8iYFA5uk5x92lX3QQFqcCCdlN2eOy0OzbRe7C0tGIl2xoTjWJJxkZr4
-k4qkk/Dn1csrK7j2Ekyjs/NIFFlcRmdPy1JmpCzMMFqqAuO4N9zS2DucdLFvV8vtfFW32koMK19L
-Xs08B48sqigrxsiSP2RaHPMC9UNWsXnKkkiclyJotkbL8glm4EQvwlASTAZwOUfPkqzKBiINXS9a
-jlu0MBd50XwLchPj1CDUy0K93tpw8ZpYQfLgKqPhK4HMp1C9UFKQ/jAkFU9DHoYPrhYGcW0S5arM
-GZv8cA6YPTaZFhLzKXyLtbRoaZHR0nJjooVHT0uQQFeKdWd7p1bLk1PPpQNh/6urpUvc5ZxN04ne
-GY/f1Mrkx8ho8egbgYRdPs07e14CuC0y/+m1YXm7jFu6rvubsXPQTZWWULnHGDdpl6CrUijbPEIS
-yDeNll1tLcC6WooNpjb+cK76bFC17Vpm/SMXYX4bVGZ+D8SKNaKWdhMt8gph6pILZ6PlzmOhpeDc
-t4ON0Wt5eBTf3UFxPhZG9lRoEdnVcnLHInvXXjVmbodab8bks8ZVXe7mqx5NueReaInaQNo9ue04
-E0xOpqPX8YicssU7GjkY6M3/zsn/X+dkzqhsX/7zNunM+bj/yOY/HJR//0f/OCjT0S4DgeeMGh/P
-+uWcHPzNlWwCA4sNjs9XiLDPPzAuwd+Ew24cozuFnRY47V93SQ4HZNY/WNLpF+Ff/TcBHw3Z/2Xl
-SZWfKdhJ0RpDvgdDuF41/bJKoqk0Vj5U8tMgQlLnGPLlwwh4aWePJUVHjQxOA5EYY+SU0+C4Qrvz
-A2KnQ3dgTTDs7QbUN3d6Mou/vI3/ZlHsWvyNn341/jj8pqZFzEmYn0/wU+vObgY3/yjBklR3Abfv
-O38hBsj3PnSzlehBHtAp7WwTBX4z4mxh1AOeoCnowx+kVsRDCxenUdt6loX8utBgeotuOXZrJ27F
-awFRGDJuPtREd8gowjVzUxxqPKL91sBG1hk+lc/hsnHMjOLtjQAKjbhTYexXLzHw60MFeCtFSHTz
-Bpm6zeeNI1seDRwygxPQFKEP4+l2UsFzg55AyD0YffsedlX/ElRw7rBYF8MqyLFnrvoxbd6LuTBJ
-2kInBGqNYwR0OvdJbsXcl0nOWHF+wluZg7oFgwnxmW3dA8lHIn/RyEgOWTqMjL1KFnVqolTsexJT
-H4kZq7sA8PvGS9szfoRTje/wWZYJ5NaAALBs+w6TE8zGyRiMDX1bnMhzTnS3DZB/mIvxzgAQy9jU
-i+rRcIJX005b+idwmW6WLI+/WVhF5Mrs3fFicAJ8QNNhoSDjmShYMkw3kVyegCXnd2qmVoZikhKX
-zeiJaOdnhoN3EcMX8PV2NbmYYZkvzMR7NP2sfhzwCEIL84t7d1ik7t4APndhd9LaL2mELDIJI7lb
-lmbrzKG1o/NofJ45wlEhj6IwebW7x8dQ7mrZ0ZIglNevW7Io2wXV6DDZFHdhFTFW9mLisiTPcHSW
-blyLJvIeeNebM8ZstSOLZZ4iYQenQHj+KRZmDr6/NPNvNWyE50pW6c9mFGRRs96on5o2WVjoWdON
-PZjyRyRjb4eK1WyZhLATW2D8wDirrZVUHa7/eHB2SzMiJ9ZZHb9lXPYr21LTuuNKWy1tND6aEscA
-joXh7I5tv0VaDDgoxvkWT2eJ8QkTNJ0/9mPcFVQYmIu1ilQSc0kDGAh345C183pB5f3m8kPWGJCN
-VegH/Ra7lXizojTGfzfPv1lk2y4NS4WNP03qwH6D0bhLU++1teaFpR1Hm6M1eKnaVKM9x+ulY2ex
-HyqLuUe6beuvrKaQFpMOrDFy6sG8yaM8WlgxQrd0p5bDq2PkHbxPJc4BaEUXaoWZHwfMRe2qEHl8
-QxlwCXEfH79NBeKydoZ0m7YDjntQLRDY/dD5QFgbsXTlo8LvUpc3GkzJ27c0ma4ADnd2FeAd9hP9
-7Yr9BgEsd8JhP3i5jWm6g28k4be5e5lV3jFDUgvicXmXwwIpcmydYwBkZZV4WHk3tcCEzZ1wfCVo
-7qtV7cPgWBXRUopNlqgMZQz/68xCScnvJTj6fuOypcGthB9xuGV2dI6TQLRc4cqXKGpDFxc3cyXp
-EgnmYThWoPFg9nETwaiMo5LdceVBMEwi646xcHzwFGF8vFrQfdiZtfkdJeTYMi0/JtlMit/YqVaw
-RawVMAeP28G5iHFGsVDMiy+UTDTkne0OMjlUiEuoJyYDmEK7kXqOSvREJSvLyDeiT5yNqScu7zp8
-KT2HDYuLndSK4/vEGrMXatPLZ19PbhGERFKQI/GX62Dntln2kUYd415yHf0MW3n3bTLnxjfMAwyH
-k54TrevIKK/jYwQwXO0cPVWqBTr1XIjxFTM2WoKePoHYNIeJgXQxPCKnkZ5SzevASme0c44DUFVy
-HNQT7QmMtqHw4gfhWtbXaiiSRzlPhTi0qo3usePU2BbAJ+ZrS8bt92o2SYQ4bGZcEGQk40M9XceN
-DrG6YhouHboGUg9RApqrbZ+DWDZ38Z0x6VndHdiqMVHCF+T+zuhrgIdtJK5fWsd4iSgwlxu2XvYu
-nW3QhJk1bRutEXBvmI6p1g3Y7Aj+h4uO+zxf8owTMzhaUJCrXvOPcA4jPqRahxBXSULOlpYnWpQK
-RgJEi6Fjwdz5nnf92A6GH58LUxn0btv8kYOQ2zb2PlKbw/XoOzVIgcn+wsxZH1PWxPcBjam8avFh
-MXxzIbqUUE9GfQM2lVuOm99Esx+iq0Dmhfu5wu0PxUQUxsY3yVLVtZPezi5RMacyav7BMll3JV90
-lnJa3sEUYq6JRlkbmNDMeIr/oSzR+E54s3lQlj2dHbdx8jX0WeQjNxg+Bi0pkZiTG8UWa6/PJe+5
-lp64Sl0auq+KlHNVp2YtVBGJRWnmcarOtq/FLteOUbVEi6GFagoDvwVDcGDvZl1CsWHxZn7x0q4r
-t42WzTBvoKDNVzUtcrSyll5Vtu6quPmxHN/K1tfj8FWTwxipXgncZV84wvFx4eR20uHOgCf/OJve
-UzaF7j69Kn022LYFVExsX9qrFshx3LoLM8j2HLGq77MWDTstH6Kn8Xnh/kdVhG1dfrdZJvMzER0t
-LT+Cv2G2lVqU9JtW3LTczvgWadEyuuqXnLvQMnMf8+hKSit7A2n52hoCzNIsCFkDH6tPKQqMXPGt
-MxzsjfBa1yBFILYYRI8fSYl1t5V2zNAekyBgaBuN3giBG9Humr5tH6NAc2bx9F0IHMWInnzFbhLL
-E+6GgYgxaHQSVthu4aBWaMJUqB096ATNux802HzUYgQnRiFiI5Q0EqfDoxBs56s9SGmnkH81DQXa
-P9RdrUQ1FetksIxFNiuZpsNNIxa2LOPVhKSuhiSOJ+qrdbUpkSfHssT2BE/A1chE1yqmpkD7m4aU
-oDir7KRsDkS0nGkzjWGMX5eVLiaA3Paf6Gx0NtXVOuVoF5VPchwyTqC99JWXpxcVz9lEy68skJb8
-6YsCmPOI9CW/NyFQlcpDi1plxKM+YIfq9ZNsyn3TKnaxRlQAfo7FwiODmqZ+nxS1uLdYNRcnvyaE
-E/WSPF1pOgks0Mg80lmYm+sSHNCKpAigpgmdzu7Onj9blff7Ift/JsG/MgkG9IH+Mo/8C6jhpuph
-7H1egPz+r/4x1/l/g9ZGOTNoTuc62v2/DUgAxUH7O/EHehRAsm7/52Rn/41JxiIP7INToEfvny5B
-ix8YMG5iPWSjzdFI/DeTnW6b/3V8EoIvOJsZ4epVi3Q/m1lpOxp7mEfq6HLh+ps0NcSjGTcLqJqk
-3lVN6pOcqKX53hoyfJbw6SFoleHJUAn2PJ7/4OGkuKlMr9wDLhr0M4W6C5/z+rNfF5we4hoXVGV2
-wVqgvdyJ0uh/SxVrFNjGgPOsptvWBa14XOvhhd4MnPcg4QZIhnS7ichU474rjOXAfch76st++gun
-LfPzp3fAcTQhg7dB2zk/W41TDmsMqnV95Kg53XuwyigI74O11XX67+L3/uUSuf99av6THjHecYZ5
-ECAO3A6WnZ9rGC1DmFOUZfVxNBRdxVH+zqFnWCch78Gfv9Kn5ZZ+JbrqBPZTJndh/UtbfU+0g6d7
-fkTzbzcWt29OkmR9yEAnTyRJnP0MbuHxz1/0kzv6+qL4YtELuJgAjOj//otUkJoWqjKnz2PvcT9c
-GVrEa02YIcCsXcLE//2ruSgc2Gkpkcc7+8dXiwJ/TMoiJTZojm52KRU1JxinxUj7U/D856/1ucJT
-/2kEXHgRaeOpZdH5xxebSGDFpN2TYxNPub22Y2b5TdMU1cZXAocWUfe7nnH+Zmyz4YCZlToVGJd/
-1Z72r+8wnl6f+LWJIiS5qfzx18DSK2e4zOmx6WGSb3jQt9Aaw/A58HBr/cUb/K/XkGsKfRrWzcUg
-fT8pP4pB2e6Ul+J/WZaHylftpjP4BuPiyGIiWQm4ElmCuPuL1/13f6T0BD01nockZur71i+XURal
-QMk9uNbl2Awcyvk0R7sfaZdICDv++Qf76bUcYJ6Y7LWOxscrzM91e05ijGKIg+SYMM8jYM+S+Iqp
-5nMESO/lz1/r0/32+louaADHIdkAlufTh5cWHTMKZ7fjMi+j2FScFk55Yg9/l2L/Y8H7Z1lM/02I
-vD6NhdfL1frj+9d7OdW31ZSQGgXVy2mGeWLlzKXFmsp2n+IkKdhosRwj3YOABHOxiOLLn/+tn64d
-/bcKoBiOtrpb4DY+XTsMZ1nSgJI8hjSeMiCDzlxFixFdQnsuTlXkM8569vwX9/PrW/irWMnLWpLq
-dc/GgI+X79OlM0Qep7tQkunBE/pVEQ47ebYz39ZpGe+VXQOk7IxqwlE3T5FchyMNdcfRK6cfWOca
-9VEDFD6BR2VpZBrkd3GX0debGr/TYP7jJ/Tvfk/X5NmO7huQ8fA+vT2Za4fjIg3jYNrSe5/n3lHr
-ockZs7DPj96hpFpIrubUkLjAqzG7kP4jFWTDgDv2WeWcMTuFR/bk9m1geK3cARSoUrxJgRz2f/5J
-/utV69NHaYPkINVAB+anX5VmEYSAfExIU5sA9zIsWRmzS9tt//x1/vWbSCKCj4wphHyG/PxsTAyL
-N8VoE0req+UhSDTmv8wq95y3jvv056/1+XbO5enjMKFtHEAMWvlnbsvst27rTCm3c3iMm8gPh42Z
-04XNdjbbsceJ1vUEfQFck3w1ijLaM9J0f/HGCtPV38Q/Xq6UzpvSxILCB+1/FrBzVRsW3wx68PpR
-zUeZW9xMu2Cy62PU18uDYXvmuxvToEPNMJ7FGUIVRQOUTJJOKEz3DNowPAV9P993A8RqLOAppUUN
-JBVy+lmxXPK4pW2KkNzjktvhz4E15hd/zpfLkpPzWgWN8p5kQ1GKRbHmeVAmN9y2GK1HOIrekxfX
-5qFj9XoTY1cDDF0nBkCEcXmYo9DuVzmC012Bn/ktDyFOQ6sKL61RY0UJpjL8SfmJW5/KoqGypxzq
-8ICNwmmRSumwWtlS6TNChS92VTaW8xbjRP0o+8J+GW27blZTeC2fwUT8Mx86Z9wUIC5iwntpfME9
-UIAR5dYi1JC89zE3b8Bb7k+UZd9iic6xkXHMhMEyJkHUE2/2nP3omByGgGG2P3xJDrBMG/nqN6Py
-HyuRcr3x7Y8ojqsCXp6Vt0EaoOXeiYVQvi7seMF/BdFF6n/bMuhinHFJfjfJ2I4rmeTGc1DZ84Xn
-TP6laebx7vr2ht7Yba0yNh9qu4kz0tEyj4+hiDz7ZGEBv2S4BkncL3GK0ny9W+FFP6tu4Q7l09Ly
-vawyrsjKnOg5z3OxHPqk5r2byfe2a2Wa8TNBc+drr0x4KhZlrvfaNEq/uMPPGQHUX7CmQvtsZPKu
-KFksV6FSc0RGLsjpTnR5KODHsF/8cmBvbFi8t4VtJe95VFg7oSrnDZkJUClfGnpTQhqYHtwRoWvd
-ZYC6zaGZ7pLZAc8lHZF8z72OWxM7T/IHJj52W1+HhY70+H06EvaMKdTZLJPgACOKatmBSuVakkW3
-XKKR6i54Ngl8ta4dlofCNVgcaYv3po9bPLUpfwAqcDou4brlAtuyr6/f4jEy2bX4XL1gL2GehfFU
-HXq4G9S7VcazF2e8YWbkzJfIyNNT5ufbYEGom5Qz3QFhbXY43gX5HuAvDah/agcr9RB1cXI0fVWe
-WZ5ooHRO86TVmhdhl8upb0zvgO8tfI46ua0c7b7xyuwy82o0trnyrljkPktopGmgBGOcTO1XH0PR
-CkzH3qzmjjUQxE/TmBZER8taCzr0dsHEGht3Ltli3lXrS5AMEObK+ZSKYBfHjb0b+7gCS2GzbTHw
-iUBQDVaghtJTntGTTfY7xyGsYUoa6d25zqti53TB4XMHA07X+sAKHqgaW/PAgTzbJC9e6GGjbmvr
-nGPTMimaWdddOe6zAOIvKHoMm4vpbYIaPm0SxI9tPL9jcn2rgX9vU0DWG2gkbBnQnI6G6X9r9A4d
-BGWdr+fJ56nW19b3wnZOC5k60mHJbewl7PQd73kYwnNVyuhbV2N6jZ15OsV5wQ3Y0WekwppvvcS2
-L1g1KE5L8vZkDOAlKPi+yWQz+3QvFMRLAqAejRW1vzXktQ+zqAgk0McSkgaJ7PQkKqcSq9CI5E3v
-5vxCVQ5uDL3XWl7cxbF305jDsOgGeEGdEM0dByUn3oyeXpxJM39RGJdfkCzHp7lyOT9UrUbXAUGd
-LxnMJG0rljsng5GVFnhQp9yDmdAEBS/KKfqiIvPRd8fxUY7zvLWXvt/q54+7QrsGB5TUTXHfAuWD
-0wWX4sjKkqOAlRGxUDNnkcxnWZWVXrum3zvhVlSOK0zPPBFkFMhDnTL69Fx/m4Jj3o4iI7QuYLf1
-WtVWcdea3ReZLzB6WLTdOs1CvCjC4ZduOg/Tr+7jKqACtdmuTDP33sQEvvNkH33t0mg82/206ZJw
-PKVjb2J6At7y3U4n4vguNTY02nOfPJaBik92w7mdTRM++mUouDBTzg6MCLnxQB+U3BazIl0OeMws
-uuEVDL7/E3hkBm2jFNazVbjy6zQuwbI3aRbGsDPSI1T1nMegqh3qZQluJ6PxiISxqbKrql4bXSMB
-QozBIZgENTa16NVvteX723pM51PTAaUsHJNiLUWqyQnEDTpyyRGmlFiN8uAhDxt6w0I7tBn+09hB
-plDi2YC3uxZdHpz4ULFsuaQteAiDbYep5XxMi9k+SGx9x6kpaQ+oSKD7HpeAl5aYtqg+2o/E9Xae
-3wHGISnwkmFRvI+61sYDJdJjmDbWhXcw2dhYyZshFPvBdbmwg/LiIR+swyKw7iPq2w+o+/ZNEOG6
-UzXAuNBtBJViY7XPTfDt+dL6b722vXOjadZDy5Jv7XeVgjoD/GEfD6WFoRHb3AqAOJZzc7Jve9Ov
-7swFNIUJh99b1S09Zds5MyoHL+aQ7/OslK8u0Otn/rToPBmuX5Hzd/LjbATzbx3j+E1nj/0DbZRQ
-JOw6YKXOPptnOlUIdIBWg3vLxK7RzqTNwkFUp1zMHd8uAJRjWuT3ted2d347TQe7ofdwnQT+oZgW
-dRx9qEgYDSjKJT10SfvS3zvRULxrjC/0njpovjqRS2u4l2Y/A7cgtlpLVrJ4ndCSQJZ9kVSgFvzo
-rWoq1geBSyvjugXx/mayksCqZ7SQ+uqes6wvAHI3wM83tE72Z8AvsMIrtvFun2yzwvoYjQCOE4n+
-DISIDe0/iuYL67vqXYpyOMGbZNsR8AxEgF32szuHGxZv3b0wh/Y9VRn37CbnqcFNQGURzWwO4BL3
-pYOML9sPYC4+lBunnOKfsYHNr0vanAYtpysZkzrjZwPW9DKBCb1NRrd/IY83vDsq8V+jPiC9of2k
-JC8gHSF8u3ORy4ISqqI8GPhfT+xbycoW3vB17gT1JFkBT8sfcMGmjd5cUlu55hSF4cGa5abLG1QN
-qwkJCeWTzW/VTQenTM2LMyb5hpoTnhmssoBw531PqQY3p5hqjJSOGBGO3UkoHLCbzrEqbmczfArf
-Ti2wbGC6j24w8RgRqENcl6jy9JEsxnOSB+YuoMdqW/NQ2Ntm3Z3qJek/amYjvR3JYdgVvAvKT76H
-lr6UUZTMSyxrCz4e2++DZ9rhl9m17DfDqo2fFtaPm9DHk+aWSwpYkR87OVPwQsfIsLJ6V30Payfh
-OGkGazbwLxyMoSyHHv7WrHn0bGjjOpmycHsN85CLqvhiuqW5MoE2yWEC5ipLanykv3NYOAKlIzXp
-ZGaxmjicgDYEki5KGph9ZuxVacPbp7TynbLmmJ5s5mSsrV3Fo1KzYQxr13vjbwTXgj2zvLNuWBrs
-qLCQa9ilJ6stQEPCWF8VrkbvA4SjwckAr87lbKaTOM8utY6LeFtqfnBc9f7emptsBUA232O3np4a
-Dx4Z/XHRBRr9T6NmzdAsoAW9YbBOCcLutkXNOiVqzg+BiTxgTQNFB7Xq9zQ+mu9ZJ4IVMz5PHQ5C
-J8yzDib1pKGkvmtvzG5KbzIx7TPYSyt6WKY1Q7W36cbpbsSWRKpv8g6uAsljFgMo/aYGjgGq3OIo
-eD+J1lx1eVrv/K79rVNGta2NatkLL9Fu8OC7mmloVHPtnbsa7WBh8YGRmey58ZZ4zq4K45lzSnCL
-XxYqevM6Fstdn4WnrvJeahVeuOUiGOUJexG1/Eyb6IsIiPhSI1dzmiYTDPjRTEYyoYiUsoPK6Zrt
-elFRvwkM4b5UmvZoVtb7FAgOVvR4bKg9Puae6jaBZe7SvsaBIEf6eLyPYgA8ZRWo2hgNmQiise+/
-LvbyMQEV8VLqnhuZ0zk1B3P01axb3A5K+dkJ/w4Rg3leEW6292LZDk3ybRomgmhdfOM2L6Y/9BiD
-mmAbt8mTtKP4IEeap1Qz9N8MS/nbCWrKYWCGuel7RS4HOh5f89k8uXYiv3mtU7JQaqj0a+NRHZPG
-Qx4dUz1OQPie9tUoOELjUXBIIULVJ1ZpqF1cTI8uKfAf0HZJzRl1jqADhL/1zb01WKN9ZvsN4REf
-JHVCuaX0z7OajAoQROcR4QKv2DEqOq5oOWasf1E1HXhCJlSCHWwkCI8Z56GDtHtJ1UPfkZpqKeQl
-XhogmnrwfW9imKZrRZPVqx/RKt6GHl9AXpUVg4sHQnEUYZDaWH7FWBRx2fcbWnfIYkd6pzFXffgK
-w93YhkbDjFHR4ZMmy0STKE1QfhPOFwNu3pqUgLHtaN4yb1PDpZagC2bGjl5yWxrb1F6D/mQ6AUI6
-/JYu1niXejMhJZEtOzqrs1NMnfNrVBiI3JEjxaNo3W7rEfai1HPBGAfhz3MvXTzokTfoaAmI3boF
-mTBwdMgNz9zXwlZHzvb8aCheBgZ1BnTWs1jspJDMV6RFvnt5YW0SxfGPtsH63lWkRsRQHgmOplhs
-KnW0spYHaWuHJzt2EQVahnxQbmgEelNzfb2hdoztjHPkGHo2OxvYentTOsW36/8LQEjszR5jfyXT
-YC9ddzmQEqvf2gLsw3pSFiqBb493Iz02G4Nhk13PUnpPQcabSfzMBWfaNburUAxxlDXKVPmbPkM3
-zoukhmWSUL1lBPyKRTxmJ4Ls5d4r3PZrlXT8AUnKT+Q+suDKo+fZTXLxje5CPvUyM/mdx0kdlVtS
-NTzpRnP4Qocl62nSqOe5AwDK30XHYvhcu4x9zRDX1J3MabPnqMZs3/c5hfP00wOHThZUEcRLbgaQ
-h9iv4+munMGlMyekkJLr31yMm6CK6jfEv4QmxhRF0V/OgVItyJ886JBkGpb1VLMs1a4jlOzc5A1t
-LC6GkHOVLmzIFhfxKlyy0/W6M5Jy2Q0pn4C9YB+H4LA8xF3rMSbB5OL3i+vwp8HyGFGEMesh7/V7
-kvds2QT/J5/VBOV64G1DpFxrkOLFKkW5x2XcYVUul4sknX635CPVeLQO7DyHK6BzdF9XMOgfmKfe
-U2QFBgiKgZ6zHH9PJ2t/M5XS/FaY/BMcCOooS/1fq453S1BQRi7RlvNl4AfRN6MCF3qZYX6LQVJC
-2OmA5SYt131scLwWAOT4RuqBHz5W+HMRDqJSytVkL/xQkAbVG1JiSYSvtIaXjmz5TSDoQx8oA38L
-Y3MiYR/z1TFivsKO3bObpCTnFNaiestkiymsmQybVNaQm7gG8lA8MhzwF5ZYRDVHK8o4AeNd2Adl
-Yt0wt6ivHUUiFN3A6jr1FW/T0FYWdTMduRr9hbXaLP5RLEX9RqqXl576djhB8gqPHZIrzAXfaN8W
-YquRiSLXNfy7QMFV4+b73rvtsI4F9Me6qz9KQm/rgGXevh1UeDI7Pp2uC/myT3wDw34OUCzKYN+p
-odtGFH5cbCTwS11QtKRGvKzrxVvEOSdndlfaXnhyc10R2jH5uJuS2+HetF3ED9ai/gYmRLAea6Q5
-t3aRFFzyzuvMx9y3GoOeq0Qu5ntkpvUbq0gDcEBc852ulEuRENMpDkDuj4HDO4VX33imxCP8KSkR
-gTfd6WtQmUD5YLSFJ0xmNJf6+OMPhqS8DW4TY5/vxcNvvsecDDpOTN9aAG7fp8FnC9VyIFdIqXW0
-jTlW8GQkRXwj2qG8pa23f07M0f9RD074M6km3MMucABQwTyZnGRsdrMrZ9pfSq6AIWjC19RzaZpv
-iZbQSlEhcG/yOqGx7SoJ/8/o8BdGBwsX+Z8aHSCyQWgv/hD0/Ps/+rvPATODYwusq5YtUJ3cgBXC
-35OewsTNYHoeq1Pr95bSf/ocpP4v9u/GCJYB/0h52n/DFkQjKXt5S/87/7/xOLguuKVfJXaM8eCP
-WLTgcrAEgc9Pi1s1ZH45eXjiNLhsYzv5jmdxt7OLzn8gKB9XTCc0L6A2xgttc5h/jZe4c9Mf0E0t
-+rcng8mbAbvgi703ehyLz/3c5GdO5AnZHwS774NKGJhBt+D6BdTZjanFGTJTm8Zk1XYCA5ntvCwY
-Nt2Qljdp3Rg0VPB0ugwAr5c9VPY9uuOAYyu26h0GLhW8DgmewoNvcqJUXTN734Zx6v177K2SL0ES
-35Ca7Jyt7Q0QTIOIttO3oTPibz3qSHEAFUKLQ92i4ZMY46kMbCYvaFvr6RSOp1WBBc8eb/MYeL7c
-+U2+1Lc8R/hzSRQpqSkjcA0OPJ1sNdEf2OhlWOk6QHpXrCvgXm0yoC3hrU9GXcffQNB3tGGymx4p
-EgO3OW76YZACQQXuxsc40ti2bDNS36O5ysrWXZTGPoW0PFNXBZHS60sMYiUTDmTcLnCACMc+dmSx
-oe4cu3fmEURDz4pqK0aR99MeP+ePJZzn1s3WXYESvxmiKnEYDOFP7C3sdhDais44miOIavi58CMD
-nh3oYoQ0NRg/NoxhHzFeP8HoxXVttyZeS1GOD/j43Z0X1PObrNNsC60THTObY/iJbbMb/CK7wTJo
-8+x1iiOA1X4P7aKBAVwiqIBD6I/+gC2vj7NdUZQVubU4uiPfAIA8zvHYO1G2cTpX0yuj6tAuQfig
-CiqpwtIgocYh1l8txlBTF++9ZFURPdhR096P8SAfcpAYr3EBbTMKRHhSdTw9cD1UO0gxyZe8nULO
-49X8Fa6qYa2ZQ3jySLyLo0jkLQmJ8EtcT/Zhij0Dr6pGVMPBgAAllX0TemG+NzjwLBtBCHn+Uje+
-CzQihzbvifKpnaeMeTSM6UJ008aeUMSVnNbVvCzHUlmex8OjLUAJlt1xRM/Zj5CAqBur7HOAM79e
-idodnxHikPd9prRUnw7zn2J0PJabksjvKqrKcptZUG9mEjP35BTAEo/uM6uaTZv2jq6rn7C8AtIE
-mZJAQmWZQVS6jyLrLCZUfyw4/apL6SKkPb5VD3HulV9UO5X7IZT1O0blr6JRw7rLff/EJ43wXeOE
-RP32L8ucTw8hsKtT6UzqGT//8q0HvFJoaLz1kVbKPGOnx6PdNLY8gbYJdk5a/6YfVAcmyGYbk7Di
-E5Qpx2K//2Z6af51ptvuqz0SgV67jZ/B/y9ppcz4hnlGBwZICgvm/tjtEsbdsUq9NaaofJ8qe74r
-g9I9jVNLDW85ZylHI1SfO5EmFIKS1o1XmAGS+zJMJ5IZ9aTWFUcgrmLdHe/6EyTJDuCsA9iIyGBf
-kwEeMQDntJBLpqd1ZJgk+trxVLHo3dhoKV8csNZ3naFeiIg8pbUhf0xuRd4ANAQ9ni6caHop6yV9
-pqPGwVE8h2gBTg3XiZJCumuPgdPKyzyqhq9G3z4tuc84o8zqw+tN0EGsWO5tKr3em7GCyCmMfFoF
-xVifozRyXiK61Ndek1v4hItmRuhn4+ZYon/tXAMUaE7XTYaatGRCLOA+1IllWPTW2nHyWz7C/GqH
-5oZGPRix3jhtmLvsbxYb1IONAONDTh/nG4sI5sbJvBE3QGcZfOOcmI4YjpY7VUHXgMrsVw+QpYCA
-kN4I4DJP4nZoaXgHZ5dw8oRykU4HK+6mx2p06FTNotF+Gug2eM/GglVZn/QWJ9Gc0lhSM/OjY4T+
-TTWU7hsqVHUOvFB5K4Q57nO9SdNQRFsicFWffIvFmhKRUYjnWRjtLQo/vX1RD4FG2C5jL1UYx6rA
-o7eqZ6RYQ1jVbZug3ge0I647c/poeOY9itHTnUJhu+aHcnpNw/boIqDuu8aZbozOSuhorf0PhzPh
-z8pwfrCEsDjBD223npuCfqMg3TYqBVVaGNllnOL/Y+/MduNGtqz9RCwwyOAENPoimXNKaSk12NIN
-Idky5yk48+n7o111fls+7epq/JeNAxxUwWWlkkPEjr3X+pZ77ZlpehXppZ2skvlzpBvEEOq4OOQ4
-PpS6uhvrWaerquCiBNSMkEkiUvCExehr9m5BaJUbjaYUWm3wPftQi85Z2odb2cXBWhVKfEQzIncJ
-sQlb3vfPpFS7l5q2oR/hFbkPHcEKEilAIUmab5QKrOzaKuHHWk3RX5eFHu6xoU0xs3G73Ukhylue
-3HxNbABEuqlUX1CBa2Qd4POn7JHuY4h++shvOK0NPCLkBVS0UrPUym/IWbC2mTGVB1EQ4Ks3+ghp
-QI+vNPy3TCyKctd2Y7eW3dg+GUpFa0ixnOWc9LltxGtSV6k/sz1e9dDqyd5A2nwj3TpfFU3J2DGP
-DJ+EqearMDFvM+/t7hLdtja9HIhdDN10K10Oz6YiHpsmYHPm5N/uBs+s+S1i9aEPE1NsEjDI4Uoy
-u/c1FWkH8u9ULImGLQYGvTJ7hqUKVH5w0y85ekTObzjFWPae4Xm9qTRuDqbGdq+T272uLf6JoaXH
-XNmy90TO6QfaNXLdx8LYGm0srvDHJZ+9BNRxm0XarsVWDIwvyG6TljQ+o0liYmqT+tBRkGw65Cx7
-WqDN1hmpvDSgabuU6MwTVAJmvNlY1etWaNpaX4zJY1X2G9Npis+tNdCFl8BmuhAg0RTZe2z1tR9b
-17Mk5a6QOZPcyjO2pbA+13p123UupUNcJD5t/B1LtIYhQ/skYglajDnjEqZNhZFh6Ur1EmyrunX0
-Zuc19W6GrLXS83RY61GBGbjlsE5wFj45aP+1B97XjmmMyijiOJ+FW6Yg12auaRevGYddZnfeXk5J
-uCYjEON8cTNhqdoiUEdZVWpQ6bPp1uu7xQVEkn3TVuW6natiLQndIwCyE7uiN5Hqa44JsG80QCxr
-zj1N9Hg/JwHdY0u81YGtbehjgPCFir4yYgwpfYAvhAZzdzsYwvtM0HG9cTQev7LR9vbYF7e2RsvV
-a2F29FYnoKtX3WHE7LCHeqbRIZvdY95Ot1lsPcvAefi/s9T/xAtsoFlE1Pffe4Gv488AN1+KH73A
-f/6lvzTjxh9SoPlGs/unHfhfZylP/0OiwvIsicpNB+KM7u8vsqz7BygbnRwsD0WQ+U1a+Od5isQr
-CDeLukiKhVQLhuefuIHf6fro7wlzgfksBmZUzO91xWyRY1tnjTgVGP9aZo6oCsa9Ip5+R/umsImr
-i6a8JLpCaMNDPGJpoT0X0QEmm8F6cWJGkmI96YmJgcICCDJxEJCZTE6hsUhMvID8OepoTFl/I7d6
-p/VmlMYvDE4cZZlhcVR9p74kNIgRv5rxAoX6eIHwqBGGnHhXU++QNKTBrf0baSmCw5/PnovSEwEt
-6emWBOzLNftZiKnFhGlpXRkCZfCuaKhpZNP0Qti7RMqw5iBUE1AllF49eQPGstHvZE9MPByXPtha
-YSTKA1pGWkAz20q4Kuygm3dGa483bhE75qZEEQ/sU4r7zCBddCeDojwljQjUJqTb2IPmWsqMGgvx
-7EOwICQeIyLXWrP78YIiwF0D3Lde2qLi6JfULh/lRUEfbhSh0vkalj3d0cHWKHBs7ghItLbpum2A
-DwqVS2zcK2HyEAxmZr0oM48JTtY8QrLaSpzhOMI6d8IYQgkarIHwhOU31yOZcTKOQuNeYMtFTuI0
-fLdGJfWTFk1UQvbArzEasTtusAJVT0ZPNrRvM1+IPoxRzm+Ekt08TKhSxgdVkxsZr2rNEPcGpNXm
-ZOC+Ns5zygx+y/TCrj4ZoFGiY6sanr+QtrivIUnvL4RUGPeaSSrRR9poyKxMo+XKxQ1ib0qzciwP
-7AJ57vfwmGafZZiPzqqeP63g0Y0bfIYFp9W5piDUdAiKN8y6G8A+qkDaJAeT75+klHyonoLHbrK9
-x75jDrzCUavydR3bt5Hd8aP1puYiIfbhLtiybZtPEelf1V7ONKM3XEez86146QXGKJUG2MJtPd9N
-c8lt7Q3LEKcQJVd0nJdb4iwXh0ht6h7MUJSatTaJNdkEGqCLvh+uSY9DWUhrgdzykZfXDJnoo2XH
-+bdpGLtlVH6C31LZzuCQOm5kG7aIEO97LciaocC6t1sDKi9jXQdTcCBxnlpd+RImrXU9TaH9qHH0
-Pw99BbjYTOE8Yf/aI7KSrh8bhfNShGn/sTKZYsIL5ZGNBhq/PYMs14+SgSueZwGzc2jJ1rjBQug9
-aghx2lsDUSjGtd7hsYGwy+UdYvI9PjCKJKStsejjZDQUahNF/iTdaDZhOEmNOX6OPgQGM5qir1NC
-1+WJf8yTr4g8x0uc6+I+sYGCc3biGWnoTXd+VHoU4MZy57MU2QmhUAP3Nh3mLN/MTgnrqjd4ueh4
-81KSEUEeRqOjovmEemy8uCzxaoM7jQscG0xod2mmlyfLmDkFBzRZ9gS+l+k2CYzxRuLqQ6w2k3hn
-Fh2X3ik7PoV5F6QcwdvmbUawt5CWPZOy+tsJgn6woe6JqtS0R63Djn/VAqNWcEWJ/8EHbbL8zvkw
-eQ8x7tn0EmBz24+5pujP9KZ5mBkJADqecq6laluu5agPMfx/L+RCVHqu9rQhsnErWVWiY1Xjn/G/
-PcjpqHHjSs3jPbaJajBWrZL8lHEwWUMLWRqUbhoJDnhTIvvTmLmd8SEBfklkXii+2TUHgf7LJSXP
-XQZDqOBCTlNOEKrkWQk1hMgZurD9YgZum36ku9aIyAeUZSlwtgWhiKuRg423cbJQwyKfCn6SzuN0
-ROHIPW8zJc4Jg/Xxo9sFdfpmOYXBUQWSEqHKOVJq40PO/jPXaAKS0D4EhcHsizQuW9cPkQEKB4sv
-2S7gC0L9OR5nwvHi0D0XeEM+WX0X+OUs7pw+HMEA5GX3MJWTtklpIdKbqwgm6wh6MjOybMwg4KCe
-x/2wojlJjypycmsPSMcerkiZZXLxkQNv12xlZdnAP8tqCY7OELRUlas/LhGxvpnrzxoxj1DDiJ9I
-J8hTMdZ3dy9SI3zNmsB5G0NCkmiYFx/azL5CS8xpP0Xge2uXTvhsmX2xydmk1mUBK4fZZ/EsZJRv
-DU5Mge/MOZM7xj03XogoxgEJb6LkS7NrDtbZg5E0DgfipmXiRqq41o8YHVXIrJoz+4c+m/MrS/bd
-ZkHn3LKsV8+J10V3vcxuBkcfk52C17StJ9JX9KSkCcOs+y5s7OxhyGUTblVbLOZ8qoIsrWcm7V66
-RXSAGLcmfHyVOfDr494s79l0qk+FlVfROpmbYuvGevkxshk3C7YelAq2BQIL4dp4rmwkLGHcAyIK
-nOZrrJhlkbgj98achFtC142zFTYOvHXkHROBPpQD62UIeqqbvCQ7r54ynxAKwHLRaGxDS9xSjle7
-hby7hhlffUpSVQ3sUr19KAiC6jdT7nTnmki8OyAV9k4DZ7a1GGb79NNmdzsR1nHWGI+eWLCnvV4U
-EyYw4R1mZocoL5XyW0N2ft1NyT4qGnSRcT9/0fUsOSFgn08cj71s/UPx+W/saEvv+wf5OfXJoutH
-bI8L0DB/KYkm+Gytp1rSb+yCPczRllkhjy3rXDEuQx9p87d8Le/5Z11LeEl//wv8Uk1KxzH5H6Zj
-D2DN++Z8XeYmZlZmTEQTq31aBEhbBpNdUGqKcaHelyfkk+pvPvWdo4Gv7TC8Ri1jU2rjFnnnjyFV
-OXKiwfKONBWqJ0gErExVa1Dk/P7bvXM0fPucxf1Cvc7V1d/7mHBk2F3jhcFRpkuJ4+iKTYMAlidr
-DFix/vmHQcdkFkuFvrhEf641BYuIFlKFHr/1nMoykofF/+drMcFjv/+oXytpLKgu142nBznSe9dk
-jeS00hi3H4kWFeeio/a3Bg+RHdLDU+PQtvjHn4f3BDOjwCnDjOGdA0UA64V6kFvo7aLg8fseiJye
-LYs8UcqhJp64vL//zF+fEdcCLYQzBD+Kgenu58tZFrLWxyy1j10Xq/0waCaEjqE8/S8+xREEEjPz
-AuD27qZlJMkUATbBI/oqtZ/iIt457jT8L74LB0qsLkTW8Ny/+xSbFO3a0vguXt24azt2oD8sHdDf
-f5d/81Qw+cPH4nLa4bj57oqlQO5j5rLW0QhUvAThcU/6iWDIzRS04txWYz//zZHu1+WDNZ2Xma8l
-Tf7p3RdD1BdMQ2bLo1YG9ieB0u046z2lSJdBDyhQQdG/aWYWr99/1V9fbPizHiNPvi2zrvdf1QOm
-g/zWMo5px8sVwFc5tTb6hjmx3avff9S/+Yo8HA5zUt40jvzGz8+hA76Gj8qN46ii3Id+Up5m+khP
-sEBZMJcTHGj8f5hytOwLdAoIkZEk2djgcX/+0F5HoREBAztmdq32RS7NQ6a70Y6Dzt++aO+tcHyY
-R3cCeYL8Bjn75U2LXOXqvM5H6D4eoXQit1AzoLm/oK5XkCcykiqCiTJ5HKjrBmqt5tzX/RhspdZI
-Dhel9YJmovkiosak6pwJ9LhxU7vK/uZx+/UJ94gid4g3Ng2bBs2yZvzgSy0YXsYTYDG8UiYfFJMO
-+7RIWhpSxSSPWuJR1v/+9otf1yESoHir2B2xU7rvDb8h6adGwBZz1FyNWnd0Tc4P7Ti2X/Ads2Mh
-Glqe9yQW57rL6qe+t2axJjB6vNSNUWe7OuzmRS49xLt2gp30j996ZiEW3SBeBlbJ9z5P/FQQVF3e
-+nx2Kbp1K3kWoWYem8wsyB2q6bP+/or88u5Bf17eBlo5PKK/mJJrJNIU/dN8RD8iXxo9WaDGdcFj
-Olacxv/5h9E3MlEweCw1759NdwbDENbedBzDcbxJitS7IuOQU46lV5ySfv9hv9xqvpmL0RrNxFKL
-fTML/vB45QsCvQn06WgHFgdLUJw8WbyInBJ//0HGO00ERDyWy2XvtvhyhEe9e5AzZmVQz5yBDVxF
-zY3OGQ48p9u06QNxwnNzqpKeTogMpXsVDYhBOZE4ploRpME2iDL/EsUpfQJt4LDkk1VYPc2OUntd
-s2ll0fUimDVbuh8DROZ5Nxgh/kSieKAR//6b/PowQK6gCY6+AwflL5VIXOD/cZCEHo15ctdD0ZWn
-HL/bLtSnf1z0gIXmGZAOs0bhmO/X/DbUjbYfI3VUiFoOrpHw/esSYa6GyvGEhv9v+4fL7vVDdY4w
-BuijwasPxMHSf7lLxZybzKktebTrUb4BgeyPSgbe47eGiO00dHXqOUOpPI7G37xkxvtHBDaJYQOW
-NPnkhYthIRH6ca2TWdDGKP9xThHKnM9r9BN22uwme+5MZAUjg05bEDK6JnmQ6ZQXlryBpgrjvdFO
-jElxH0wXvcvpIs7p0q+plbPU9R0D/RXOZ/OgcrshKIOff+OQc13wk4bY2ntamC6ZAq7J8C5p5kfw
-Cmx3cBsxWLSKlIAeVThTUrtBIjqMtMaaIKXvx9yVjT6ue8jdbjgYYN70RYSDVDe/Heg2nMmN1PAD
-xPZNyWSVSRHo1hVdbCIldcKH9Cva0oTMN47VeajXVXXVpigEoZxU87Aup3rmAD3HRzw9AuRcZhH8
-0QlcXgWIYvIM6H3r/VC+mDO5U7wzIqF51DFrFF+wmKY0xbWE98Ubq6UZOoVpdNNP5FYxuqnn8mCX
-tCh3nvKCaG/3KYeSop750xkP0PfiE/EqnRcvW+qauuJdi4rMmr7SLUdbTook2JTVpEaPeAdXGy8k
-teTRjcm4rbxKw7pvbxuz4YbAzuXtLkVepZdy1tkvVNeKeit0e7ykuuFehbZdphenEs0XeHx8i8FM
-rPnNtItOXqualDHfGTJu86jDTdjy1a0Xa+DXvasEfnf0G4m86rmaPR2Njt5cjFB03NoVY6w1fRA6
-V4ymaIS7+YRzqjcDfiLD4kC8zsOS8jAmnXY3ljEfXadg19f4E8DFrKLMbMCIDb3VXkSsYbpIeVyi
-G46LSA7F5Ay4wrRYHvpe4dxdd+1Cy68IIcK3yRJugVrHkYz42gaXPMTOlcR+NRyIAWAm2Y6ij8+l
-yuhpuVXXzLsx4wjJzM2jyxgiRVb3oiDIZAc3mQesiFCxnbVYsTd8qwPo2fP0zaFNqyGyS/pm4BHM
-6RTQCHHJgJrK8StDueDGndHNf2/BWVnHL2NGo7iXiWG9xEEUBQh6G2ad318rotIynlDemcExE/el
-QBmtaM5P4l6MIor3dHvpzRvMDTtfoT1vdrVrczCKMovripOE7wCNs3udYqjY2zGmD/99NANZ5SWw
-zKWQCCW1HWAq+ZKLZOnEKtrzq4pckT2+Yzrw37Y/Us9oMkb0rpwrIkY6tC56PCaIvlO9OeVeyGua
-VxqThmySXFiQirgrE88I49umqPlFhE7vZFuRPXYpZjQXz3jsTa2n0WOl6cWFsN5dW2Mm7u0kKVCs
-qSCe3lyNScYmcWtD3k6iogscTdTGKHzE4OTsx4wB8BREdAt4ViTTHJK4ZGs6HynM0xZbBriLylxl
-KHxJdw2COac3r4FzPWaKmHOykMwBZwLxsi4dAcRvx1z/BnmnQ47XwSICrU+G7zv+/2lO/05zKnhr
-ftjpf4FrXcdF8UZS68+i0+9/669BqfcHx0wODoxDTUERQ7X+p+jUc/4gmpNegfttFkrr4P8NSr0/
-YHGBCJS0ZDi6oS79S3gqTTI9PdSrnOoW2vE/HJTCWPp5/9ZJBoVMjBp6OSoifn13IDYRbOetLPQT
-CcplVBNWI21tPSL02cetGKtNKkFuIlXAQbtF1S7MjV215ts4Zg4O9zkmg6ebmutxCqRXrmozmT+O
-cyYlTiaqq/WAzCR0jfAhHzvHh5hjfeylbK+J3GpvMMVqwTYuE2tJw9YcnPX8od/bo1ch8YvSvWqT
-4uQkIwkGo3WbqdZ81QYZTCemUdg64Wa1wPk9WTyYadA5V828iHs68CSoEGRudl+Sb8NboxmZjSH7
-9jBzzVND0CMo2bWpdNOPHLN7Ilh8YNbUQXO4Ts3YWmqB3Km2Kff2LgRAavumAeJgU6GtehARqVMh
-86/ZV9hR7YO0reaLo8r6zpadQXBVG+2MEX0udfkmduLYhwcfA0Omrb9LjPh+Ss30xiaPihQGbzKv
-JycJ8jXsiHjfFgCNVgriwQbpycsIKmBFanROGGDjsFEUnrmpOfoTdOhCKaRPWFubmWPmBaSDdd17
-zKNE2zkCiYtXc+pHufk4I625qxYMgGonwz2ooDU1WJGVlS3sElZmB6UjAl4Vbcg/xN5HEizXoOpX
-dTcWRxsKISY3h0F4hzB3qWwCZsPTNJzarg2R9oRVtHEgxl/qIpRkRAUh05lU2MQ6KbpFRjvsJ4AI
-BdL8CTe5DOpk605BsJf45z9VM8gdGMHafO9lTiZXbTg48V7i088eY+V2xUMIlQU7YMceOxJshfW5
-aXbMRia9OUShBQgVzpZFgiHGTRVy53CRWlbmbfJG+kZdSdJaUNyNelBsbJT7B3rXFzcKvqWdLikV
-5QCn2lq0SqDc/Mgmj5uaAxZwNmsmUTmWMWyyOeh9NeLoLxDBpKO1zi0DDoq6tiY3Wc2AUJ24XPzr
-td9Z6U6OeXB00mJbUJk+kNp1O8ImXyk+ZhvOCFvzfnqCDYaNyomDbdBPd3TTm0Otomgz23VyVeca
-OEVLpts2qI2jpzFaSSlnN40GNzcHqoHpMSu3g1vGJy2b5oNe82oadmY8eJPxXLQwFGoivlZJ1Gq+
-bJN+C8qgbTHfweiiKntVVBNHNFnhqWYygZox1zewBHaMz/xGVt1WQodIGTCuUdkVflhrkKYrAW05
-jKI3a64/OSNTV4/pw8qu0Sd7UqUu+ih3WKMLDK+KhUZAB7Ta1cl818ak+wqgfjAWLKCWKhE3/PbJ
-KbEm+LjIfasDAg8YXlk1YWgkQsfhZdvD4IRzwAaJnandl3UNe8u6q83skrrxFSEa1KWd7ifGfB8j
-rSv1BlxnOFywgx44qOCN1KdNmHD1Qzvy3V4+NHW9c6fxOjE05J04srYEXbabPpgxowfy0TYZ2w+4
-N2GAZG+Z1PHzFYO9pt3T3cVaAc9UCN9rcQPWjJVR9bnXJKAg3c5HJkmuR94FWa23ehcx3CIXnuEo
-UjsaIo0ouB/2jroHX3rkkUGmss+zgy6QIt872iyXx04xMSP1KDlHXpvsO/oqa94KcRtG9W2fNJsl
-MtKdy+I8Ylx8yZbVLO3QDyM9b7QTwWXyEhu1fSwroPjcMEqasfKenDr6pGsN5Ywxfo1a8MIh6HS/
-iUlZtoU7+RaDy2NH5uSmYVm/bc1hMQra3iFNnEtgq1vG4PqWZQILPFB9x2/Ic/vIutKtDcJS+1Vl
-tsk5MdB1123a7nRu1FYv646JlhVdzHH0rtWoo27QWmzt+VMTAhZhJPdhGvNtURPGNi5sKTx8F8xn
-rC6YloNOT7aJiXfKAgPwQi7POTUjdoc68JF8Y/FK2vusSO2tkc/B3ZAO15VWK38UbfKArOXBwg2x
-ImPwBS37Jzs0DpitQQuIDj9Dhr43MoZtg/8U5ejOM8jWdZNaEjwT1rvBVZ8LzE8bPI3NXm+N+ypw
-kJkTJejCBs7gmdeDfo6Eeem86iprokc7NeaVkc34c5H4sdJuoCo/Ax9g9Ip6OF3W0kpzb9zG3DVx
-Ml5Gbl2+qvoQGaE9u89pEIpPGR6UtTKdRQQNJwXuJA66ftPX6ZHTcbu1+to4gb9DCNhXMWNzD2t7
-OmUuIVTdfIjKdt9WybGPg3TXZjoUSw8pMfFcmE1BPM+B56zcQXocC2UnPyPBblmw4ROdkWHK2ygn
-+I+2SX2ddQvuYuixQCdW9FqNNlxeo7saY0DLxZA9CNnvi6C89vqZjTUheNdQ7V1PH7SOnfxzPxZ7
-z50+JU6abXq+D8KBMvWl5cSnfjIPiE3EVkYBYKQQU+d5tGTW46HFkA1JWpys2CJvRjMnIstC8wnm
-RnWhe5QWK43hbLWB54lxITeLm1DrmxR9S2T7LfsawaDFHh5KshZCVNuiq7orIywCVB4Gh5cOGWRg
-YqfRhmV7JqC5XFJ8Xes86I7xiFij+KCHVT+u5ZRJEtOmOeku5O26B69J5+PYmw9y1KtXjUhWslpz
-tBFbyxnMZmVmYlArKcup37PPGpu+9T7nWn8jIif2gUW1l8YqboZC0zhAardEkHYf0jH+uNjItt1o
-l8d6tj+6DTpTEsWOkDnbDY3LbyE99TPLq9wPYgpeklmoDToodTBx7G+Sso92dmbHUE4R+OZo+P24
-6Z8WRMcG/592HaJWeqy8FrZW37hf7c4K1x1jfOSeZvZCrNp05wywA9LOfTJTq0LqnzuPjjPHaw0Q
-gQ98PLkvQqAD47CIVB0ceaY5gqeWy0vEDSOhazTTLW5FFmSPXy/kBLPJCW9U6euka87F84r+o9n0
-ED46JNZ6asEDYssm+FPkvhsrJMJzpeRCOsxOzTyX+6TrcIA3RXgtjGzfpjhzNMtBxdt55QVxRA3Y
-xY26W63GljQ7dv1Rm7192U7jPYA/oq+9GLe2N6fxVdG2X1Cgf2Z1zrY1ksU1Z7juIU7EyS6AHVSe
-IgMckdcmYE5/nXC4JgDHxEhpGbRfcIEbKC1M1DiGVV8l4LpXJL1PV7kE9DKUYoQrW3+GTbXElWax
-uKmqXtyxQDYIxkCbg0ZrhwgGQhGiq8hlyubVaMUTSSXmKbQnZN3Ugo/6gL3CL93MRdQgJ/Muj0zx
-SkPFfoVNT/z03JIaGxAbpNE239D3SreGx2I5M2GjAO6PTjdraNz1dWFC7+agsvC0C9UBXGNUn1N5
-+KRB94QRg32hL3lSaCS2ad6HdxiR6GVdU2j5edE/kvJ2sI3hC2MsewfA/ZUmSr3KmZltuiBcBCol
-CITR8lZslDvu3NFKZLuCDAVToSQJZJTdc9/K1jfmCvBRFZB0n5XBisTkhc1S7iP5jU1T4VR1RbY3
-ERsQRJ30x4I0+ECZ5yRKTKRCNkHcFXmecZQjJSSGwE9B4Ewz0Qp9rS6KIIqdLl47kvAgZgXlJsmD
-BzpPJK6DwQk0CRs8qqp1Y6mV25MhrOyp2Dh1ticMAWGXAsPOcE34yKMrP5Y9JnhSLUoVWytElD2Y
-CFKp5jR6Hrz2Ciajt9VdLnPuVQ9jWZQbYHqog+L8NNjxtE6Ei5BupDxE3yazVehU7ItZifNEXjwE
-Jjs7ND9nRfeAssb6oNk4eHPOKkZrTTCf6C+oql1XcsKcX5FioKmx32JIMx4ZvOEOyfL8YcTSBKk+
-YbubAKQnglxXAlb8JGKoujKSku5aPj/kdYUqCq0WSfVB/CVVYi1GZ76dEXCSq4DbQ5dQ8kc3eHBE
-dlVHnTwr6bV+VxdfKYCJuY2ajUjm0iewEbS57JE7NtF2zrr8QckkXmeyC7e1LLyNhA9G4Y07a9KS
-DIIcC8w0pNiUdIsgYjd41RtSuTwCz3fRkI639YQc0mts4U+ZQ+UjKu+DXiXnYpy6s6GXPia/wZ8b
-tfRN9OkMPOaoCSKYZ5toK6cny5rx3XDF5PdLyZkjE9qT4c4vYWXvHNF0Vxx1iWNOUtQ18yFw036D
-Mm2XRV81lwxqYTc6DuCk2tepuqlj8wT0hiUyql0f/YC+rSqOuAjqzJ3ZkntWWoQ1JsnJRe9AraAf
-9dR9sJzIXJnx/DI63eegC2ErkKpGCvNt1147ZfBQ9nO74kgVPmtwFVHTZoc2ntHXm87V7LmfXPT3
-yvPKXcoGuTJCtzoHAbEkWqGDhpLVbTJQoWlNovttN5NWl7qhfk4DSCKwS286u0ZUnwIqYltIAr4u
-u0GNMKaKtpPrNgfFE/w8qejNTAeekYDIj8g0GhzZMmsxDVn5U1YmebmJY5Gf2bagqY2lmVHklcpZ
-G5EqbgeklfteG2tfT+x0l8RaqPzKUHrklymDXwMjnw/0w+KgU9UPQ+eSjNJH/YHKOiWJISp20ivk
-FghjeBr0zt6qoruf1IyquvQ+eDD4bopYE1+tuOlOcxTbR/A7am9k0+KPD6atNUh1L4tpQRsbL5zj
-k2u4ABzyQ50QnZDw46YMrzDhmT7wBOuatjEMxHkkkQEC3xq8RrntHblErEMVV3FIEVCg+4KHsw7R
-DoJ3YWYXkwO5pr+hMeLSP4SyQ2JcJeaG/KLgg41UeO9k06ub04rPDQfhbsYVo7C9Lrqs2KtkOsDY
-QLo49GckeAv9MUKMmnpEsOrxunYdtJ95hDC3sgpKITVjuOPH46OjpchByx4p+Tj5b6WRFHQHDJ85
-SrKNiGk7UDseiJBDrZ3l/XbJot2wok/ceqvYZGm8SyLy2SbNvXSJJncch+m6mGPy1KeeRzVNGtQ1
-2zU70cCJ4Tw13qloCqxvaSLXRuBYxIMC/qftvSqFUZ8cjEUrG93lvkml8BVQ3hVqQv3UpnV7bErz
-az131xNKqNVyvjDm+CxY3Tcksec3ieI2lqnN+Dk1NiLLBl9DWbaygWqsUzTdp0EmJLMgcMRKeh3a
-ziMBXQ25NqLGdsPjDyxrWwgdEzI9j6y1OM9Y0bTtUqYKGuJNxI/t21xWqAnb64ke/gooHV1uE10w
-CaTMNPBHQ0ldDURg0aumZWM2PvpiVmVLD/ZRmaEJTyuLwmU6DrypPrkzKMq6ljXSEmpNEfjaO8lr
-7FgHV9Y3I+rrAwxIY80x8sQS/VgFfYFPbNxw3OJJptPvtz08Kd4G/TyLztjBVaSVMrPx0vdFuS0u
-4HPJjeg2c2+nfl2LwuOwMxcfa6nROhmGwd0a9JlZOy/GFGI1DOEy4Ark9OUOfqg4Era4xeYZYx5d
-gbUI4uEYufSwLVm8gsX1bpNQ40a61o7InGiN6nB+QFVx48weOeuVMIgv1LdtY0FtUdCIfYplbW1n
-zrTikJPcY6V9c0V9bmbjlLr2i4nTqspeWgHZqXW/qn6qOOrG06YQ8Kya3FvXSeGLpErWc91/rVqV
-+iSgPEc1keD10v5vKs3HPVvSWHHpl8yJF66Lgn4AAROULknwnJTJjYpYoP2mU/aI1FcCquxAQmEh
-s+FfhCB0hp6DeV9Piv+InRzRO1wIvSLDFh+tWketw2zfPlW5OCkdv2ZCkEU3plm3pZODCifrLFLb
-hVOzQ091d8VUWe1kY2TeCpsEHKKsZgjCqtZiWRLKAukT1RG6Xqry9l6Tdt5scxfF51ZpKUw5kzFb
-ebI5J0wsH0YXbxNcxDWGKa6RhXMSbpM26VcdNpjXJh2dtL0KhNfQtfg+cv7/3bPfvZXnl/yt+Y/l
-B3+muGCdi9r//Plfm+//Hr6VSwf8p3/ZfPMb3XZvarq8NV3GX/1Ol17+y//pH/4Zzf033XgIxAaD
-9f/etXT/tnTjm7e3H21Lf/6tv7rxuIwsBxANzfUfgr6xLDFBxi1EwgUzc/7/X5140/7DdtkaXCQc
-SB4Q+P2rE2/KP9C6IOoitZX8cKSG/8SyRO7Bz434xfSDWMnDi4M5ChnNO5mYMymT+CWrOGiEnIlq
-RxslTHq4UMOAdj3Hc0V94hgDCvpp8nPMGGSujubOQTy8r3OkyIEVcMRinCDODRFp92Oqpxs71ot1
-GNqN5XOU2ORsKZ/oTdU4NE3LfPFC+qBGpWd+51kDmMFQbpzA+dIVVXvozSbcWXERrm03rX2Bn8+f
-ZzgCU6/rVFr4JqEVwOHktYC4VyzxUmQAfZI48l8KznuHboQPRQTetmscZ60TAur3SRx+ECpw98UU
-Z/dGZCIa7xvJ+AtBUwmyp6vBd2nzEXyOR9grhv3XwHUqWkJ5RZBvrsLwulRT+5AyAbwak1m/ICY3
-1kXm3GJj9K7xbdVrNw/DZ8DS+KTNJezA6WgeQkNaBYmudliH/ou9M9mtHDu39KsUalxMkHuzHdSE
-PL10dI66kBQTQiFFsCc3++bp62NkZjkdt659DdxJATbSgI3IkI4okvtv1vpWeRgTM8jor+4rVTlH
-jDblztYgfbJFg21DZGRUEpJVTdlVI3sIxIAgrXEe3W0etRWnY209MnErt2Nt6oG+mOatBzDzyEpW
-O4TaYiCpjbVT3jKdyERNn6WlC3gAvTrDTHR4F6KWIvls7J+MRJlbAR3kNgoLa2/SAe9EDbVGX9rl
-Xg2iPWOxCunHxZM9FdPHnPX2th1x1jOGau8Xdu7Q4m14nn2FjVVNmLmT1PnWh7w7y/mrXiTt3lCS
-IeIQib0UrAQGN6l2aRran25iZ/O5n0V6jiyMq7mrJrwMU4evp8iHTQJW6tDaTbOrbZFgjAMFgJAT
-iJnbETs7N9438MPjjwgnx27Ry8kNagYhW54b896cxza/nVP1jJU0fXaBNb1rNvoiv1ws/Qxbe7hx
-NcQCVaHzSwbcSy5X5GIyEqG7iZfMPYWEt1ykMVTnfDSeWYPTIUKwqw9uX2X3aH0IKyrlcBF4R29M
-LEuTr3DrNUFiaIVz6LU+4R3NtIYUPeLP8Tz36zkMSyqF8OTRtDZyF5vKDQQBC3TVlSgOcw+BtoRq
-xFDB7On5c0FQnISBIjaQ+gA9GMVqAVuKq6YhCbHAGsZ9WZ8bW7xXee2Et4ymp/gGbcWLjbr/ocBc
-HGquoTF0781Q7PNOppnjD8CuvY8F50eyjcJ5ubB3b69tj9/jg2AvstfNkn7Z7fpnCyzGlW1ITAZn
-njlPZtimW84PYxvlZHWOlSM4A4n9mDcI/BXqip/JnslMyqf6Gfgpfk//tH7PAiXlt3JOoE44xthk
-pOSG8qLkuhdrnOgKiyVatIpC/W35mTiqr+GjtGnkkOpo1wklbdnw35fTmlVK5lqLBWzxfN5wnOUm
-mab6mm76M+fU9eCuQKUyCZWehhxHjd556TdHC2ft4JaDDuSmymlJKrcHEvy7CS3Ey2Cex6jwvhQz
-1swM/TV3ij4b0dGIO6QbZT1O15IYrM+ZTWW2F+GEKc2ZiTzeDFriMc00CDHfllbGt8Qe3dh+MenG
-E1F+IKwzlHqpr48q2f8uLmCqhJBBeOu+vYiAYRNg6JXVha3VGlw1/x5jlcFe0SGYEW8VOZMTbXFm
-25eJzeXOMpHD6Ho+UIFa5K0GNsjWJ4Bn65xWo8/KAEqstHBvxGIp7XPpmSDdEo/nfgJ8ZeH5Z0TS
-S/C/hoj3pTO4+ypusitw0dslYqPrNwRZE09kxTehUs6uGjszZupCPwHCHkTChhgiA7yILU6u0+wt
-DdcOz2rK+yuyk20TVVLbAWnWH5ENpVtbtAuc1dHSfFsryzvQ98zTBse+6+gm3wiiFPSR0rsB94M8
-oWZqkE1mBCMM4DWlZ58TJNku8wcGmm+cUc0d4kh7NzohXAYaZ9I09Vp/jFjR7CZEWs+WGbX3JrgJ
-DocyP+asHy5V52q7nProNJR6+LEI27piWtm0jh1BwUnDQ8GXes0cAwojEZRvA7qMyu9CprjwqKcb
-Z3GWMyt114/qiUz7cU6/Iv0zTlZdDXdmNO3IdDT9qdMpUztyA2E/D3Aw0zlcrraXptuVXtbmpXrG
-OtcdZ3vo96vYYm8NhVUzUxnX4YM2BGNexRc8G8yUm0kwh5K84hHkWhvVAAga+f6Pk2davjASULki
-jK+QucdgWOJsa1Lt7m1+ANBH2ZD7cGViXo2L+SplDRR5sDz1PjDbP+PuMr4Pvah2Fj6xbWaExsFu
-a/miTXw/Aflvg/gp2qWJUlswr/ldpo/1l57n8Nw3XXMFROXdglQogyUu4aDGU7KvZTzckViB11bk
-9iFfhq+1aya3M/iAF6bqOtMGw+OLtDaVQLGgHgOXFmCC0e9anK1dkPDkX63UmViS2M2765Rgau1s
-I6elu29aa1o37+QdF1S295kdLzdGmlXfxjYirwDG7jabKxxsevQSNiWh4CWglLxk26xps9wmIiM3
-Qje0V8IZ9O0YV/V5Kr35RhK7ka+nf71Bh6A2phGbzBSN7lkT9CGbvo1atHtI+T0wDn47TDb8XEvH
-UMreAfheJOAoF65wbF/PiOzlq8F4g/XOQ90MHVE3ifUuJpeawozxNDp6ypugaVBI8FTZc+w8yiZ1
-I448/ORR/NTas0rufxat/92VOx79pmqrH93f1+o/6++/FfL/P9X36GbQnvzn9f1jBU32fwTvDUzb
-8u8kN/L3v/pHke+4v5G3pTtrCMxqyKFp+ENx48rfVpHoX3Fuf+aUW78J3SJEW0gJz9r6i+BGCjLw
-1gg8fCm4X8Bt/itlPinEv5T5nmPp6GQdvia6Van/orfpub3LJk2qw4T7eARymckxoPf19nFZq51d
-UmsEZZS6hMuAo0TVVyZ3I4TLzZBThbEK7PEBh4l8gf80XytblI9Da4dfyQObrqgoRg6/cbEOvIlQ
-mnpco5tEG6oNGoQK+PGU2chMtCmFoiYp4W/Bu8Z3mVExJc6RnJwQ4uc1+pJkxf8i7zDYKNtE3i1g
-4X60BRwjKv/Z3GXYGi6xkQI6jUOimKtpgNFbo6pvwhkthmNbZbrRZCziI+UMCVnVbJ+F1oQKE2Eo
-jz3+hNO4uJIMZZoUps8cNXrBh9rURdh957sY0DMZJBtgKfGEonaseZ068Eq2P831U0h1glClQ5ZD
-RJZ14KTxHMilevEj4Rd+sDA5X+3S4kA2liT8XGyrrv3MGNsXtWiIZkM+2Quu1valHPXsgWj26RpO
-SXwZ+7B8Ui0Q+q6leb+Z6ikCwE62AhV37FCd5kVuhIFu1AzqsUu79wwW5m1tKy5kSsVRYPZNwsk3
-08lhvL4oLAeuew1zkoMIDm90Y8Pu1Sw3BH1XOwdSsW8tDhyKQl0YenlXqyUT5ZYJgnVouX67AR33
-LUs9eDBxPN7GPXCZKR7QTiZWWT0aRu3eayZ3S5qxEPFm1zoURsQ2I2yMp5AEmyO+EHnScoSniAuq
-SwafWXtczGLe2k5Kt9JyvtV51psbhKMW+QhawXa+N+QOm0T9bVyK+q3pK/GidGot9mi1ZQcs9DG1
-aIW7bTqC6Fkmz979pKii59n0HgUjByQvy0Sm6gTDLbAG+ZUajVc1d54lNh2L13d2KdCpWk4rpaQT
-7fpZj07mlJbJIXTqbjkSHiTmfRL22q0INdJjR+EUW4lglSVYK720O8ZWZjECH1X/gEfPym5jOXlX
-5WLy9o3Gtp9LYzbPMWgl4l1kjrKImT0cHQZDBqnN+2iadS/0MZCOavY1LkRzmK2kct9q4hd9jbDt
-GuGGLUN+P9o4+Ej++nrcuuTx7SIE4KI/hBWChlNnq14/5nU9Jy9CtR5KG/6zKqeE/kpbrz3CHWuB
-04ckPxSwhoaufaGFvgs9Gd2ySEm8j9TS0gFRL8JoUzuRvko564hcf8ZiACtoYRekL93CVmzOdjqH
-k99JhsL1Eo1fErBZG82Lq3ObxvW2Vd1D2htwAXMlVhaAMFgQcA99sW32dgceb41lrgz3RALjKkcK
-XaiAgQOpAqmoN3Y2QWbsRBt9WiWf4TAjpu19CpN+M+PyuQHTkB6pHFjgeiVibZIXoKwdUzgTgedW
-0wmJfr91pgRGQ8dusiYXedRM7RPl0LaGd0K3iIrZNdL9nAjDn1Xn3IHxe6S6jDYoePaUrtYXgzgg
-nxVwj0S5ry6jqz+gEhJAFhZ+be06KzDZAA85kzZX2XCQyjZoU6u8Ieq5/Z7Ozh2B8uFb3WTjYRrr
-/LHED3dJMQfATWTLYeYtu/k+lLsaDgQJ0PG8N+2F0HR33rPT7II4bvMdqXGGvyqpA4O8niBpGqK9
-M3d5IyuPSJ7cubC2PndjRuoDKKkgk1Wzx87e7FJb088QwcaL3TJ3T9rqG/ny9Z7Rp7tNwjncVQge
-wZJZbbDO3A8LjGRoLIN2IrAFmH4+D36PWb5KRLuJUFWz+JzLjSDsgd1i1byMaT0eSMrrnlMqQG6M
-UdtHzfSDIWq+hmnO264ZjafBEOFXFvsaoQAhJlw7BTSB6EHopGKS5HaQBUzkEq/kzvOaVWENtXIP
-UMQ8MQnJg0nTnPteAcoGVl6xw2gxblkmmKrBXhx2CXUJZQygYLp166QDRFWHX7za4pG1CnTjFRt/
-qrL6GyKUCkYg6oZXhYhgZ/TDmt0k3F3Rdt6+Wgb1psZQfwEhBgF9wDtfobq8g8FZ3cz12BwKWbj3
-kj84t/akXVo3+uJENSWl4dVQxdrFvmtEaCDtnLqMXmBKo1svK1zPj0qrDvIuQZeaCUnOYM1EYGOO
-UOWsjlSEQRjyDjYCE+kinhqWNKvztYKc7CgnYxAd5RuY8r1fQ1z90im9BY2JfHyT9HACddk8ENdS
-3VMV63f0+eXG7bjSfc5tYI47fRIt0qQYu79ownUCpiHKdNLvElzn976AvWLHcmWndOHIHs205xNF
-sgffYq6tjY3Q8Zlwi+EhBuH4Obl9tFVe7d7Wofiqef0PkqKjV1swCtHmUkfGZz2XpqWtEUVZADF9
-AL/Ie26Z6/A5asz9JNOvod0jiKit/VKxuF+IIwlkMr/Ow+zBq6jExnGadzKcMn+Q+pF2Its2hlDf
-GUEOfpZqFZx7RkyD6MuKJf9somAMjWvO6GibtWN2Xxr2XRl15W2xMMAoOgHpTURQ3IIxbka1ZaSy
-3EVzF5K42372afzEgo9SivoiWaThj3LIDw7r540V6jgt6DC6U2bVazHDkrYzWYez/5bbGMfyu8iy
-J42ZIkObWqcVRE9aJa7zvTGaB0Z8P8Ki9t0G0RQ8s7cyN3Twcl2yZ27qnDyawlulozdxZP1WRQTZ
-LF5/GsuMKRzage1Q1hkWnkEe0mkujuijj9ZqeUlt4zkZ5wwNGMPGMrFXwX7r7QU6BdYYkCaGXJ2q
-bno0l7gFLYNxNB+soKfl+OyoP2lNmZmE7kTkLji3zA8LOW/yuRy2Frstfy7bYjf12NQazf0II/HK
-zCp802tLXiRKHLQ61n1tdNxX1kchCnSuS99uVZyoG1XiAu5r8d0pxoC64LNlsBtDwc0VfVg7HlzF
-IBHJp7lNajQ8AwDtPRWL82Boc4RVY0x3OtXjBUBOSH5ZdSITY8PmbJ/ApoxnhLbocbhFDTfazFAp
-No2RGndSpc9TpuyHdZyzVzioSFJDTf3QM2gIkCr6zmDz00VAGjnSbzX6yU1rL1+6NNmvxSZrsUvl
-dFGAuuZGqIq9cHSoBZ6KWNMvMG8gyiPtizuS5gCBpKr42uQ4npZ2ehrb/qqMDlhoeaZaQ4ltLzPP
-PZNRIi3JQBt64t5SHnPAwewWLZlYaA8Q59+WKc2gXdQlYmCUn7NjtWBgiuUqmjL73WX/78bvnyx2
-1vhnGHH/eeMHErP7JcH8j7/zR8dn6CZh5JL4GeAEOqUdq5U/yd6GTfvGMp2dCj2hKf7OZKHrOn+E
-QxfVk70uXP6k0Zm/0QZCtoOHQdsHgONf6fmgjP99z4c9XSc/nX8kHabL9ok//3h/4AXc/u//afwv
-xeJbhOHMyAgBicEutFjH/rFYQbsM3g8O7KySTXYUp1BkpDpHgojEnBHDZxsi7yU/rRAqAIZVk9e2
-1CyxK6ZiH0sjELeXCflMZqHm2wrZSv6SLGZ9W7WL/pnKaPJ8o8+o1mh/nXmD+HCQ+0Szq2cE4I44
-trU3DCeUZs14bpRdbmMscIQLIbRA3G9n59UqF1ATEbI+a7d6z8TDBzgWsd8tF7Fh+fqVQhC+EZKI
-ozlM+syz5Brf6cPZrs5gu3aeG8ZiS9wBO3vTjpNzjony2Oe9c9AawhOGqoAY3CTldD/UGi/KXhDi
-5L2MJeutWMs7ephojcOdkV6+TFarAhR0yEIhUcWegfVr1T8aBtoJAl02fZWzheG13VgdQUeC8T0v
-KFJztJBlr89vnqusL72B3CCxTtA4mbUTxQbUGHr8B1dkviGlJA2bp8VWyxFuVKuZN04TcdyljeHD
-57IntW9cFedbMYnxXKUmXRUnUz4bhs4WaXGLwQgY7MUd50MyMcSa0EiroXdu2D1AyVkCozUMMTHg
-yjjnWExQponhaBQomYcbkLwpGnbGW3i+fzolHUdtlLDMt0EK46GlPL6iO9OmT68E//3DQ4L4Y+ZQ
-HOWdYJ5fgH5C0Lezu2S1tGKmdF4ViHCTDEZvuB0JeD9hlMSjCkM7jClb+/SYIMqR2ybP7qHSEiwE
-OJtuNxsv7YwWF058ym2JKmkzqywCUGcYJ5fR3jaKdKJOSHzdk7d1YZk1PXR2byZI7XICYbyGZCly
-R6KT6zKoD0zJ1Q4EsPODDtKn2+Zyto4M5RvO2KV9r4TKP0RX03h6WWtT/BA76ncueTp+1KUNQ+7W
-M06tRL9qyihfi+PUIAis/xqn5tAFlC/WVeMKWqiaVfSV+kYH3GwWO1xE2p6hL80U3+6c21KRaGRM
-92XVGasIzU0vphE67O/dsfczoZOhgQAcDYdokXFldnkcRt26S7owRf7W5eYtrt3lVIYLc4BUn2HO
-x+98RswtOormPo/u7BjG/aY37Vs4LmDzpiz8GjextwONN+zRE5nbrM7KU2846jltlzvaLOt+vbMv
-odHqG2ddMtq1cV5SNBmc413gSmXt3ATJFVdA6T8qUkwvlZVFr5FK4DDVJuiuIcsPbY5aYk7saJ+m
-Q7aH48IGtFbtpxhxSiu78R4jU7N8m8X4rZs5XxZWQKVM8QOh9L1lZWbdoivXDmnaji9M0gFzp9k0
-ovuW4q2wZnwOPZC/yB9zXT6Ql9BvqSTkD81xGUN0XI1dttCe913+wZ7dwzAVAnjRyCfw/GywzUcl
-wTYjKR6qD9OdiUVLzUj3q6yxviGDTPYlPh++htKOoN4gjYGr9GtKluOoo5DOJnbPNPLpFnjcxKQi
-cg+TZYc+qGSEcL2NXqqzItIFnb5Lbgwv7p86tilBzvV5aqf6ntuabYeYb70xBreZhR4RIkx0fFfW
-zsml/fEwtOQU2XYZX73cTQ5DWJWfrE+8Ta7PbIUVPkyb0CJTR0BpEFyUPpBx4h6xzU2bjLv70dAq
-VTDrnwWScxkGY4cIR0+hjE4W1hzHqRncwNHw6aPlVwDio1/EPU680SDBBo6R9WYRaokvWS0PBJIk
-gek0IwD9tvQtmVZnAXMfxoczfbAdwCAgZPcjQuEXUB4v24pNOK5yIV8FTpjLYiTeZZjc5TqXVrUz
-csx4AkXXDXIDdkLMQ7KgpU8mJ4nAYvq1Wn/Ha9xsTArPh9TUKvDbI4jsGAu0bxpd9AOZl34oB1IZ
-pegWbbNwa20XXjlB3M0Dc6EoHiGj8+Z3R7SpjjswDWRcEfBEyp0ZGeI5qj11445WfKq8Rl1rg2qs
-A+fClfXi+XsyN92jhT0iDYh3iDetPiMHgKZZBOEE+9AwBnFcmFn2AS7s70WBfcWYKs+XlqjO+EnS
-QGPDcgvMcbzPCdQiXdE713iQEh/fTRweJev/c8xMb0PznX5lHCCe0jZXZ0e5+LJGBBe+Zsfeg+lN
-6B/dbjpWU0icQxWabHfiRL8QqZW9FF5Vv0QuiQ7oAMMvKguTm54Roh+zb3g2GnMmc6Zi2sFocRvO
-hFKw4IbLZ/LTViRLCL07lmxmMN04/TP8VtqkxGzLjcaoL7Atk/hfPdavdeugb3Nc6vCSgUqHtHCc
-b6x0LtaxxLqkr0zJdezGV3NC0GcNOI5w2GC/wzSznIzEsD8EX18LqrBMSP+MR2RSuvcyL8z/dHPh
-oHdLHYQAy5VkZyeZfeuwbXqi4cMnp4EAyTBKER+6ccfptq+rZtcqky7931uR/xqr2dIpWf9BcZy0
-7fqPUslfdU/C+Pn3/tQ9AV5GvoSdGUkPa47VavxHgewhiTIZ6yOB/Zvoif/5RyUs9d/gMTMu9QQk
-Ndux/qWcm19ZIZ61uoxNAwnWyvNz1t3IX+pggnnduBviCHICCVd60cx7ma4cXTNn1r/Ro7j5mPqh
-/lDog05/uSz/D4qg7f4CRmJObhGwY6DZkhKZ1a/kGky4NckCbXYsGPqenYhsPE20qBGXAsyY1RHU
-1tWWQbnI6wy4R81MkKWFKGFgVvMzETLsDmCvUlAiZG2gQBvA+oMsFCR5J2a2IYRQvS0qaxbhQ5nv
-l5swceZ+W7ZKbCXo47Pn8I7kUyIrnWNChe+GuBy+O6kLH6ROkKM0sSQ6a1UFPADEdYImJZHbHVE4
-LA6fV0kmkg5MoRPxzlw3u5zKWz4myVOU1+pdeqS3gcXLNmUPiGEG04jENjZxMRzymVFV82iES49a
-Bl07c1bMtc7nEMmIXb3n4CfQhzBKtkUfTeRNIl6y3mLdmxmNeRgd4puqkyBP1sgLNV5rQXQMrYk7
-RszytNjdVRmyjIcx0m3IOiS5EtXL4Br9aotbcEMSnrSOiEL4Nxldes7r1GSKbL1ahyOkZRRrjLE5
-mKl5APkav69mjT82tYUdsvODuR19K8g5uwzOXG0rfW37W8QeRC5EtftKbd1p6FBH6uqyRkBhL5uO
-/7cyT5oP0mCGOwehfhtkeiQPVH8GqxlRbcYwHF6b/B6IZb5n9EZ2eusC0PB2qhmQAQ0wxm4Iv8HX
-UHMwQbXlhiGb1O/6pAq0mWgcFsTTM/Lh7FWP58x38jIOJMBh8nIz67tWTukD7KIJXv9UbyDok5Je
-Gsmxcz35lloY1sY4rjaJ05RH9CbdiXChAwV2/hDnaXY/TABIfYdocILM6r1mjDaS6/I4efOTg7yU
-6aTntd+syggfiix2NhPepGMWEZiuj11xA6msZRFgYj1dkhwPAol+tWbEbD0q78OOMpyfTdik10Gz
-6/doMCwjAImu37FHWmvv1NBOJRhTmjBKdrb8uIPHul6+SJE/pZoSb7Ydka8pzOwjEbbxxXbX9JJR
-mjtE1OYxwlCENXgqjo0cv4dUgO8Lns2tp9Dy+LwTuneMlURF0M0Z8Wj6mRpvBjO2LjkKnZ0cyC5A
-fB5WhwYEyBHssX0OK8d4m0Tv3hlOOSKUH0neS7P8WJqE2PVwqp9auOYXdC3VIZOFvBlBd99RREIT
-iJR1r1Rs3PWDSl/rMk7f+I3m+2nq5Q2xTfmhL0t1ly1m/qGizg4Zl0XOKWnkcmVKOGAlAWsHF5gd
-ZahcBx13xzhK0zAra3JKzi6CznuPPPpV4cdjn08NGkIisJJTid3n0mMFux0ambwAr5kGX86jfiY2
-KSGGM6uf+qwfH5PEVifY1OVWmxLvDR9p+qUZ7O6msyoSEtnipScd1YvYGUVcXCFFhke1kPnQLXoE
-DQmNCTs+64c1NPUelNP8MqUiI5OJLPRMFcfOCs8An8tN2Mc6iXwrOKCMjoIybLbo5NlHYQcw+8++
-RIQqszI/6DDG/NLCo2KQlbena3d2IiZ2ZJns+psKrf5GJ2F9l5tzEtilOd6nFWafOHPnQ9X08h4Y
-4vzaE/34Abd9uOeChJcJ/s7L4sxGMDB+3/CcoMYopvQwouLbKzO1kX0i9XtWCVgbfu08LRohfJ6T
-qU+p4fWm4abnn0Jdbid7Wpvcprs6Blw6PKGzjSd8iH23tcSPRcSY13Uo9dzKTJc9YTypKRvOcVhc
-FQ7NO1GJ6FW4PP+L5dW7Sc6AX/Q50c/UP+S0kyZ5p8EsuJ+noeegaGe4+ZWR7718uuR1r9D08KAC
-5YzMzYK1lvp0pFRMgB+dVIWRAwTqGhory3NPHhdzKF41+Ewh3oN6EbVpPNozWIGAUWtIHW7PH3FK
-rig/NONqv2/T9NCyY/kGowGcQUpE75SBeKwr8TXFqHTMWwumnpkkT0aTtg+Rwz5N4IIkmhoYF/1a
-Vj+3JbnEk4VkakCO/67oOzjRjPEhTwhUB4HQOrclOUSfM17HOQDNZB1KVuknLSqGfdgaw93QNfIk
-cmSzblLXX0bLaq/TGi8+mwB2JGOPe0429WavWeRuVzo/ZhBLWMy7NvJBeH/i+Uq3ULlxMHZqNyL8
-u5mn1to4Brs2reJzMponCN01MjLR9TYf3lWBM5DVDDT/wF40yDixWX9BH9BtKxIdj661pq1ba/B6
-aUJ9ar2hfnGj0ra3ZhUV32QUuftyjW3v1wD3wSUdJmcdf4w9l84sI797FpxviCHQU3Wm7l1SdvPn
-zCAbvndbLLmV1p3DDrpPama4hHN2H9pQ9i+uiZtc/AyaZ5kDnaSV5M+rqHVvlzWTXpfMvBCgUsP7
-NAgRQ55Oe4pjy36rk4pXz890e8x5JN3z0lY2yrqQ5G8dFQLqDXmXQK7gtTQwY3CZNPlpaLGLYu23
-3hNjIgNiU0k/MGJ6iMpx3zOgnAjs5LvZt9VZY9/16GIB9g19krcj+XW8BmdxBRlGNHFYntdfILhh
-aewReQfDXCYbL63FuWf9eoxEJX0GOdW1ioR8dtxu2E6Ohnm2RtaqoRQFyw4mCwKbAJKdEL5bSUUA
-gt7eO1ZkftB05wzkOrVs+nHwHg0y87D6t2KnxygUrDCNTRw6yrxmYc00XgyTd59HpbMHllcFo45W
-JWzoJ+3C1OHHYEw17enkdcLdQtmqv8eIa9AFzxhww652Dlj+VdDm7cxCdW7RxuTqms2qPqSxEIdJ
-0kotFqb2cWTqtA+NxnmhFhBPE3KCed2COz/cQuvfisq1dmGmXq06d7Za6t1L0bRoWyqdHDzqlPYg
-eOUR9Nal8WlUjXZExkP6KKhUNnsO3LSPRDUsm9okHE+inxCVc7zNGPe4NU1MJGlmXUNq0x0prcVN
-b2dmCs+jcdKNrBfqDxgw/Z2M+hqrUfOl1JviQhKBqQKmTuae867cDSYzJvyl805LDOfAzNO9OIYz
-cSo4yRsFmo3HNsVGXM/hoVdpCLsj84RPs29kRyuPjGDdel/HStEeNogvCNXTK8rXoYXTjsHlAQF4
-7I9IjI62PkNxz2qwELkk0Tgi0QQz6RLj+czEngUasc4OgzOcgxaTWzra8XHQ8+hZz6r82RTUgEhA
-F9ZFYV1fVNZ5N0tmU61EVnjUHQW9h1hYCWEGsSxe2yE8JqyGlw0Q+fSUdoBtgBgYSU+J6VUH3DZR
-+10WqdMi+M1giAJoYSN4Gw4WOVad2xBTG9cEDrXyjC11vvNqRKxelkRBh1rzFJckP0YU/q8LvuIU
-9wQ6WeIhRXIHUdXgpzRPBdLTrwlLBnRReY5mAYiM7xT2q4Ek/DhrDitvZiKbutdYt8nlvYlnzGLa
-vUs2JC7Swd7kxIFgHsYTX3XluNelhgPBYp9Oi3BDknSxzdPomV+LRAIDtoX9Zr+ROcUNsp3LYCby
-3DICNlpQENPQ9T5j3HyTZS7uyyLnwhQj7muU0syupPLhpJUnWCES6oG7i6NyPmH1vsSzKb7IBlB/
-gBq/CBg+NDsDwjQz8okMkayXm6WacT2ZBahncntZ5Mu3WRMTVk9QMIhX9x4pXJfJjrOAtQGUOW6/
-d611tqSWhE8ksNgHhbL7ZIlWP8dFnhB8OZqEjTUccyibjolyAM633RLAE0U2YSIOJ885uitJD2Hu
-m84XNOr5JnXzbbJ0BX2Cajrsl7Bt/nFr+B/bUlSCUv50BbEG+jVzB/XanCe9mxyRMdDWaZODIXxx
-eUtbRJM+mnpJR0otVXJk69k/QdPSW/8dP5OUJGHrQqxEalZEazLTX3ti+FmNPS8qOTKpaj6WtCkZ
-t+bxxc287OEf/5y/oFtpgOlnXP67dr/uf+SQwp+yEfDyrZSoyy3PyEwSxhxV3//x91kpab/+TCTm
-migOBSoh2/7FypRVKL+azImOvcKpG7vNKnuYxDYvk+7KVBFA7eDFsEhms3hXTkRHPS5RfNHYE9Fc
-QzMotz8/0r+Xq/90uWr9M4YdgbngTH8ZHq1/6c/hkfeb7sFMd9Db/1VN61m/oTYhzIs76f+Ojkyd
-XGSyoVaiHMtTxkp/GyWxidWx0Tn8C/q/7Jez5C9PLcBZzg9uZDgWpAlYv1LpG8NO6x6zzgkTEWyG
-PI/soUNtuVoVlG0iJY0Kh/gfq3pI1Fzeraw5v3YL3QhKr0+3xup+SDtC97aNmLJL/NMegf0BjhWW
-CSbs8tStLgpcBxgqLHdi8lGFHkaLMIOQMa/uiwHt5q3+05JRYc5QjC+uTiXdfaF78T5k6bY3f9o5
-okILN2vS8X5J4uYIVM8+9+1qUF5alg6yhxrrF6tHZM6F/UIuZ9UHTiE4+hEMBhKhzz7VVtN9WYUP
-VW2ao4/kdTr2+rcsW6p3qDoEw2YypEib3I5zGNHruPpRsnCyL2M4uYhgbS/XA1Ls9SPYGPOQNUL7
-GDlhfziKhYBMS/dYhUXzPZpEiNixUCxJY9XvO4mayWzN8YRfCefWzOu5CGQqvuNmA/BiIZcH1iXB
-kJCsdBfpZXTTIrH9oNVtKPpUBYF0qcvjnNSvAxOQh3QUpA3F7vAcq6579LwO20CuLc23NcbpFUNt
-Rg9vgWtgsJAi+Ss9COJuCeMdUi9+koSS3fIyB+iFgSgJRG3P9GF84XWLIbsv82950nUHb0m6nUEr
-9LEwxr5N9OaiLZF1yppOoVRelhsV5kNQWs4aAem2KFZAdvwf9s5kuXEky6K/0tZ7pMEBx7ToDcFR
-pKiJoqTYwBQT5skx4+v7IHKoiKiqzM5dL8qszCoyI0WIIOju7717z0VcOTHVXlEJpq9AY+BRcZc6
-Xi3XGvpZZnachBP4qsxt3ujoIZoRQXcSscWkjCzr3VgH2YWAhuglbWM2SdpzSBWnsSw3OVWegKNj
-6RXIKZOpTcwDCPFNdredZADqd6VupkQLE7AWzfT5snCiZzU0BfmdyKAAhXrj8BVxZse+Py4M8yKD
-A1slUXEfE0e1kli0TqEq0UmhlVwZys1vq1ZLToZmCoq5fADrRDuBcSJH0fAa0EMgFpmC9SNhnMTk
-0sgCmZExqCkrPd/P1YzhDV4CCAO3EGfCeLwHrGqRP7ga0qIcLs7Ur23FYDTz+k+FY6YHXUFfGhKY
-d+u+6ZBSFtF4xD9qN6BW2+LZK5PgVcvtULsBbFfjYysc8RmMVtOtIn3oHvt5gB/QT6l4a+mZwkMo
-6u5B4LH7oJBa+V41iPdUmcQk91M7PTaE+7h7CdeiWSmXY2FsTA2pvSYNgQDhKWVSIMyr2evRkfmJ
-/AgrQy9WtCSn0HcUPZ8qLNwPiaM7t6mFHJj2WupdZiBfoK9gNWJsAfWVranpyq0bFfk7LF3vme7v
-R1TF1dpGdH8rOnv6YlVq4rzPGL3YBG5QvCYh7nw/UwmmdEp99cYgXNFNg3Z0YH7TLtIMDr0tTexT
-ZIzgXlr1QBPSo5cR831WOmLFia104wJ69vPFxTL3XQNxqYrXMvIgCAxtfZOWwrmx9AbXixklLveB
-DkrZdSxrOF0dX/MqfddnMn7EY2vtylhP8Yt6bSA3DBT1NyONGNtJVtTe0KvJ9wpm6xSZVXYIJ7M+
-w5JiGuSVZvuoGPtwY508eUnjpJ4AHrTk/1K0docgHKG2udpQfaBTS2yOhNy+r3WCZlZ0lpo7SaD3
-p9JyUBg0IukpQiceg9CDZpTgTlVMXGW/1dyo/mAP0/ClzqLhbZKFuDWpovJNOzTuxGRvUoHvBWbN
-odYLEOQZVb4WoO1uOqf1EIHq1VOYNhWTe284KlvFxLalaJoL50ZWU7smmZ62L7JezqcxmuWUZbMU
-st6Nen6hYu52jeL4HTPWAPujsHGiAJtIs28ZS5K+Mn+emfHmm17Y9bo0O/qtZYRwmyiK5A6bYdZ3
-R5nVdtHCOcRl+DJrODX3EyfzVH91p5RyGcYR44H2FZF7k9wFI31Cw0ts8rMJSZtFhpA0z/RHWzjh
-PcviyJk8nQ+cp68gHorHGjP5YyeagPTrOAmuA0FJryawaTyjNEZvIiDeV7ewF4gGZuNHZAPFvd6N
-+T0xlHRIwpyo3DiV8NFhEYKngSAGnpJlmy3PH/MpPncojGF5OTUFaZPn58TT+XXtVNuKBs3cqgF9
-zledKRJS+8Y+kcFn30G3NG4tC2XESs1t8CRdZR+IBB8uYBBcJrc9YAlz1ogP18Iu37VaXUI3n4Kz
-V1bVE8BG5xDyxj+hP5gPw6Ss3dii6R2Dev5AhTyW/lxr8z4U2QRpYUKOAfZ0U7dBR8yZxXrUxWI+
-Mo12DlgpoAcNyX2ddeSm1YZ5F5RwT1lk0+BxmIMF+mfcqrEMS0y/0uG71pX3IdF4u+V+XlQ5Cuzd
-M+1pqTm7pFbaXZqipkL5NECm9eboc9DKeB+PgE1QrIykiVp6O91MNDYfMLUNKBk979CLrrminMzv
-abL3e75P9oQzoFSwnRycZs2AHhZZ7qSvYd8yj+1Mr34YTD1n0pGYno/FRWwiK9b3SZ3JOyAtwe3s
-eOOhYWNEqW0M58JzP+klLgLRmEa5shqrfo2hYX3QhyA9NKVW7Yhs0FCg9yw1PH4Rm7TM8JtjWHK2
-cZ+k94AEhw+V4wzrtBX2m4Fy9s7A2LNpo2XRJErJiEkmHqx5o5RhlE/F5L0SnEh4XR+5UUVIWb1k
-+qLUjujBDt4bNuD0CUdiU9/biqnmHqtPDV3QtlOLhEZR6ycDuRL7mCcKvSbdEqnLgrvlzpeoiZ9U
-Ha5Hz3SnrRnZzrbybMePSNoL/CQcHmYixpNjq7Im33etFr1alWkhArb5ivuINHRrowbAsFDt7IXg
-cSvESA29I4o+1rsbHllDAVXsC5oE70zH3zj7ji9QT4tPST8aVw+k7gWpbXVDCuWlLpxpk5t1fnBq
-BGnQBaDNl+Ojnc1vLIBfZYwKqLXfnG7oPhIWxglCKqzkjdW9OZ6W7G3HzRjNZ5tB5tqJDweau6pS
-GvNt/dWcLaQgbVWndLqB2SEL7OJsryjKH0xrSCcfEl6EnVLB9Lu4dqc2+WzMDxGdLCL4ysHKtdXf
-L6H+nZ/wB3rIpcz535/6Ev+te/EHDsn/D/CIQRDJn+pTz18+qvcm/cGS+NsP/VZCUSrhUWTMvpTg
-OlpTXu93gaqOdtVCtmq75q847z/Skk3qJRNEuE2Z5bg/pCXrf0ePCmD2x/pcpxGN3FMiBtdNxCJY
-Gn/oOWRmp7HKRv0Je4HXR5QNfIERcpiyTqbiRHKpnJgOEVwV0VRdlmqSwYeLtazfzbKSZ7nLol7w
-69+i77bvaIfagDiW5b9ddgLj26ZgkAu/JYqie5XLnqG+bR/9spN4rRufcdpCq/220RCbYWwqkpF8
-EKvmuV12JNII6q3euzlbnl7ct8vO5X3bxMjqTa8gpYebJYCvW43LfsfQifRaPdIInXBL7xGzZP6o
-jJZBJHtlQ3QuBDj2T7u25ke2ZfW4xFFuafWyUQXtuNEGEytBhTBzJBPX720xbmQk6TbFDEcvHYTW
-d8fJ6z2unYD5yEw8QY2Q7t527OilztNu8tH0VGsz7I2tFzniybHq6NEa7WTT67JHLgMZ46TCAaFd
-3TzTE4N5ggYUDqxE1OnrZjVfihZJui7Gj+k4YmYwgcGQWNPHp5ro+BRootV8IDUZFV7NZ/icpUl+
-doc+wqAVzTcqpyezipDdrrPedZY0BDCQSaDF9xANkr2WhXcQxpItSPUUcrgFrwnEzV4fShR9UdGd
-Ck3EYGxz2121BLM+IU7qtinnYL/lpHLngkbcT7SPbp1aH05okqY9LSDzHc1CeQPos32yXSMbUSJp
-6aYwKmiyKoI3nqMKup1Z49HyO9qaEMXiQWt186mdZPsGBT/7OtEqvBh9Fy+Os+IubyztbMYOwZYc
-NrhXnEYRjniontz81VRxv6XLW6wLmstM+1MifHRLA16uRoqIprlj1ECaydiOvgdjBv8+Dw5zJwbl
-nwBfUzrRAmZZ1maTQN4RVuRGIvB7KJpeT1e2V7dkwuXzKtdL8GokSIGElO+90bvHb2mCAPyrs1Qi
-9LtCh69lzOTxNlAGRqF546ZHf3qqgMLss7By96jYsi/E2if3ekXbOE7D+S5lAgKDwAq0Ty5Ng3wV
-hI3wVvVgAyOm7dIdsY84tICi6CZG2r3C0ZusEwIhXkHz6S9qTMaTjWl1E8mmu42ditKvrOr+QWnh
-/FZj97NoHFfjscIvcfEYV925qDJQLoe7vncoFklMpRBAnp1aZsvQo59haAlRONSFNbkZEaHFa7tp
-nZSDSaHRdHBtdHJQYw4GVFcsL+jjVlCw6XAjwkNozsgjv7KMVEgLGbQXYa1vqGwsHLqVfutEgr43
-M3e2TOqaDS3y+i4P8/BORdJY27VtfsgoIYm8gXL50uC1ZYbgdtMTpwQz9Ksi0zZzIqI9Es8cszKb
-+yrXnCHwe622+m2BaIEcXxMst2YVaX7WmLJcQSAw0nPsEvOxrOuAlSRmDjXn5WdsP/ApOjsfb83Z
-wfuFXCNO18nUa9ewbxpvkwjLC1DthyORZSLh1JkUNd5bDhHgmkHlPODLFC+qCYrODytDVfU2s0va
-UrdYzl1sjyszzGmAbhEHQjLxQ0g9dGNGvWv0pwCA3GQ/h06OTRMqRdfvyyWlsLiZKwMcvt+6wMTB
-HfRGOjypZAzdTzJEso0pxcn0wXrOyfyonY1bQfrcal3XJp8nnAYiRb+CZ5KNC33Zf1qpf9VKtewl
-POPfS/HuAZAtOvj3Iv7xLPDrD/52FnDkL+QjAhqjb0pd9g029ttZwNV/4fQrBEI7kvsWTd4/+qrG
-L/wr29XxuQgPHwkniN8let4vDmACG02dIHRucZf8TmH7TRbHOepXKtu/kMkxe/jxcAAjRkrTZMJu
-kBolUGT/dDjIzQZBnD7tyaNOp3W3cPrB9C62ggCt0AYwOqnZiGtVvh3Aw3gro1HqIN1S6Nu5VmQo
-RJmO0btu2owoaY5E2opkWSKJvU/oK4K7wbanYz5ht5NxNwrclZx++BI36H+waKMczgzits1GaBtn
-xgy8MshcMjYqiWaUT0Z5Vc2kbqakjs5EA+kbR5vn54DW1qIkhKulgAACcynzmtpfwR3Xa5yRgG51
-531OTLsghqrE3VYSLoasoEIvx9czWAPp38cwrr9oQoSfBjpvtyM/82pNZdKt2TjkiUkWBjnhNDoO
-NrR6iCms0NiU2mDde26YHXtOFHdxGbW3/dBoOxEkDNT0AOpv2fbjxqUA2yYOZDcfzRfiZ9qWK02R
-HwDE1yODoCJVo88s89lV3Gah0ddddQhsFtEQs1i4hHsDzvXG8LjzMpYChIKX37eaaW9be84fkMSV
-90nnqjtY6swq2cyKG4SZlZ+4c+CnQ4Rgx0Nh7C9NQTpuob6ZHJsDBWo8wDiFpb+g4GxPXSlfSatv
-n0QDFnTnKmKL1oaWhBVaHDfdwZA2r6TPGtukWzreVZiQSIJi4VaWKZAwUwc9ThQZLYC+eWTtdQEN
-kRp4Q+i7/rXRMBvJXDw6/X3uZQRbDzRdEP7fS8JsS1izhnmmkdO9CYSLz4om3l3fJJbv5fZGI8TX
-B1SGjDxiMmgWY3YDdzQ4eVVSPHBckLepNF7iQdrrtGRmN9ndhNYgDJ6mzqo3tmbl+4FNWy9FS7BF
-kjyi7tTvGNw662CUwyG04e8mpruB5z34UaeX6wBcFELIvgz2CcPPLVtG+tUbhk8i8LRtKWVAtFOb
-iUcecuo8tgcOy4JMk4y8FlIOKaRNQ9J5sh5KnjYf4e2x1BE65G5to45sXol7IsIJUcU2QkKH4crl
-t2wiyw872maiE/FN1kfaq3SYrVXMsx+trKpuJ6xshAE0YCy1iGmGwDmaSRWdzb7mueGxJQPcnoxd
-NUXBqiuimNBqCTu9gvu+cYU1Pk5Da61ogCGR2dkAIULxTIDkGCOfEQODZEvM0u7WyRCFkfuI/QlX
-iT9pcHqfDAPswpPVLIUPjZU0EleB5ybZkLIZH22lOw/IfoPoZZRzDviYvDnG0V65tLXptHN90swA
-9BgvnokYcJUlgn6uCsyIbEewJNYrJX+RHIbSiFAblDNKoDGBtlfsVAlz/6mPyQB8atO4s9DLh1pi
-Eguh98lbmraKuBnat4XDScZqDH+qgK/SjTZGVrYuDsO3XMThQskWTPvR35DfbA7lpG/GaRYwLEQ8
-8vbdYUKRmjEecTd1DmUs3E+tK9+6shjaT07qoVJ94x55HZEaXVvexG1hchYrgrQ1R0ACubantRnH
-PCHwZINLkdIk9vXaNPBBtfjT+WJRb/xnp/4/ieaXNMo/26nPX4b/2r/nFTIDxWz7y7cXPXz+n//+
-lmP5x+TT+TbMpHqR+veDT8f4xWK9NJCwM3lcErz+sU1T6GP1RMHtLAU/W/gf27Q02PcBC7F5s10D
-UjD/zjb98ygf8TwvxObMicCFJPTThB008Ijc2ZlJo8dUaeKyJ+8nvH53U/7FWYAx7g9j/G8X8eh+
-WEid+L+ljfCdXL8FblcBKp33qOJqDNHNvI6c3vFRhLa/Pqr/9tjB8eWfLiW5LY4ldUe3fs5yLnNq
-hyQ0Z6hIcbuKsxjXnQF4WiymqYyQWVA2iljMmTWGtaL8i8v/0+0Eh0wwN41TIfjQrJ9EGIS0sDzb
-8DaSYrgYsA1d5Gt/fjOXl/g+J9VdLmHhUCZHmgr427Hru5uplDZ1eiDqvSWGy2iZV1bW0u9wOuNF
-rXlK/zh4/otPznR53n++HLN2Qs7Jgl2yq3kQv//szBAA7Ihvbo8Eu75BfS0qH8lwDiyBsikj+kgG
-Q808K6xbHQMZwPdVTRObIXSqcrWmx4EpyggpR5kipQcyIbzch4PjgeNm1g5frfGSYmXUolqcat5K
-0f45wCo3PxrJsKNyahFguqzyqtWN69R4ZF5OHgRNGqrmOao7vGzAr9adPo1X7PfqhElxWCCwjsIJ
-VXv5xUaV9hJPTskMT6EcDkvrzmqL9NEGjrPqJXkOXYhiqOsLAZLNCxhOdjVdd6ve9t08Hyj9boGf
-91szz79KJ3ssY/kJc+5Dy+AWe66b31T6+CFEdcwlEg4WFq+Zk2G35ixU7yC8otMtOP82yfAFx2Z9
-cJLorpqIyIs9HLLSyLsNvRP7PJJ2gljVDm6M0Lw6mghukgiuBRatJW6nJ5ZU8y4jIajrSSQJjok6
-vLS2BLzr0vDxekA3cDbJUwmA1cZZsEn0MbrFyQsZAgp54JK0ZmGtSDfY59ppKSJDD/tAQmhVXDre
-pYYTuY44SvuGGzuwK5KEVL8KaOC2GJWyn2XhaC9R2qu7oiSWbeMSyXspBfjVTMXdHncGvS6lSIgF
-AQJZMq/VbZnRNjdAXWzp4POI5DUjlLKc/GQoBKPZztj2caZfOfK5xLfgctai2OjeulgncsyH03nS
-Zie8xBEmxCIuxSpAvrmOantxPMTCO8wQwU5AVtRDNWOYy1VzCgjEe0P32F4keSZ7sOHiVoymvc8L
-ngVa9/G2a4txV+TmW4RNFKt6TOZE4pjjXjax96AjGdjBCFS3c6iV9x00VIMJ9C1mhwraR5XpW+oU
-sB62RUcIkT19uNGKd8qT3RGNJsyNObLvYzQBQWBC2ghaR6CODpFXpxGjIutl7MMbmQewCKvhoZrS
-Z/zXdPj6RNtJwlKOCODSVRz1WDI7hhNaMIidYTK0YSIJQYkgioNVNfURFOKSmxpa5V0+sW/wRAMs
-WGnkGDyYQT29N8hM/YwvzakPE+3Yhjb43hHYkQ0+qwC9Q4opgllnXes1VwtTE666hw/BLw3S54Mq
-IhgcfvGbm7aFH7ihtwuDYDiOWGaZWHQY/jDv7Gh6BXz3GRsYUqe9GXT08KwU86SdDTezEYnTMnrZ
-BontXUvSXOjwxcXadqJ3NCcvnkBHE7at/hgzN98bQL7IEzxpbhY+cQJnLOhwp4nFuIGsg7Y4SNVq
-loR/BUOfEoQgwKTOya3W1ORbIJ1YE9P7OQ5dwvciHSSzG4T9IWBMuBGa/jBO3bZlVLdPNAT4JTqA
-3ZzysmFg18+KookxWjNo66pW5RYpjfkOS5pIKOhdm2bc1lVoXiyr8vxCpPhtIKw2951WmQyLdPcQ
-54NJfExEU3DpjEUROQArS1bzOcjSFh9EUE3PpXCzEwvSjHDPQ7loWG+qRHdgeK62Gpjo+1kVIETR
-oxNG0F3EBoCSSEeiFIZw+bJcFOcmdw9ZbzynOe4LGEUIHBCqSuXinoVWsA5Szb0Ng/RLgMCEWWez
-cTpDvne6rD5Sc/V3FY11b2VlfPdYEuy7eKIhCGU8O9i5ofbMjdJ1OczDa0lPG+O44so64mbwJzZf
-ICJFxoUcoGUvAkIOps5ZPpALbSM5hVMhshxKYGllJkqQqN3YKIH5ntjj5zyfmH7WBbbQhmIanfLV
-iiym2h46dtqq2RIjOko/Qb+1ydw623WzI0+ZGQ81Y865p7nrantcgrZf184nR5iMm3uPz70OrIQ8
-BNe5ZM0odqQI5+iz5ES6y0RsN2XdRthetKdGLI/l2AH5QzNxZ8ci3UcayG/XAnIew+uaIm5/H43P
-gpVrjb/RpUc+ZRfTReps6QKbhtamxpOs7Y1NLPdLi5Puw9jb0dlW9vzSFOaaQpasy6RS6tyJqiUW
-KeHJQ7SxR9alKGB4yNg8vxZpY2CrV+kWj1IDzxabc58ALPJqlPj2kawEkBprI2u6X88V/2nH/UU7
-DierzTHuj1PRkjjw20l+iTT4n/++xuS4/9SK++2Hfm/FQf2UNq+znP2WThwH3N9bceYvjN0WDauD
-wJDBHAfs31mhRPpalqQrzEHONoT+XSvO/oVXM100jo5rMDKz/84Zn4f850Mclzcdh5fkt+Cgvxxb
-vzszur3NQkstvnddeukDZlTXV4g1mYlP9Ske8DoVwYepcK0F0htGz3qHBU/qZkkyVohhoCQCzlO9
-uSUEWwQbhb/3HjVIhRCmWNRpE+HoQrqHOmgvQY9EcMFbvzOHSlVMJo4Kn1HpFFejZdZV5QPLYG9o
-6rNF0texjELvJKEXvDOrJwEdnJn1blY2/5FhS+/a2qX2hYwLTJHsoOMXz6FqSm5iRITnqHQ2Cq2J
-G47JEf9S5e7sHuAmdkH4HphBSZ3qWgOkixGV2kWTFk1AQFn9pnKTkHgZAqCaPK7l2jHM8SzUmK0H
-ZPcfbWAx/bFpe5fbUuLyEOMQnpJKdD7aS4Y99FdLBFnIFrbMolAvNelHmc/FMRwAm1ruLNeWkukr
-tinw9SKQaw2QqZ8F5nA1jGRaGO6gxxm3xDtqkwqZxKw7u28QPVx82lvbIHXv6P48RzqOfoRRZNnW
-c18716oB9Og7UOpQWOGVIMUkCRhyBh6hOj5rb2vcETo111sNFu1FgWV+7yrJ4IktuHqToQRGRf/4
-wmK+3OVUcC8irJAXL8UOjm8Jsh+1EriXjGycCiJkpkNQhWxybgAlIihtG4AvJkMUwP4WEMCVGyHw
-8jVVc4oYUKEchcoME7Uif8xo1dC8rFgNVzVuyNyfopyfscwp5XxZjOQ8IYjMfavNg2si3TT2rc6G
-/tjLpbsThbMgS8nyri6AI6i2beBdRafRHVMupQSPphQXrOy8DaJdENpwHIED2XrmwYxa670CCdvs
-ZLuY3pg7zkevmLj+lIvySGmypL3LeSHYLDfFQD+J/COds+hGcyd+gUHUUEfptXJ38z6o3jJW+QBc
-ATkxa4RjZrJ2R6KG164DRvccIOYNtk0b6OGhrfp4XoVl0n4GEQrEHJQhfEjQcjF3nA1ulyVJW/vk
-w/XEqIJ15C+kW/Dy5GLyZ3dukcTORsodVMPi1Z5rxyRzKAe+OkZ8LHPT4oxDCeVLreJNBJ2h3+PO
-sE/frkgObzpuceOahyGDqLOqmf+QBj+Ei8ArbV3flIBD1nIw8NopJeS7Pk2N68M5J4NGV9VbbQgA
-wrU1qj0ce0s+oKP1NqlZR+UhhvjUbOD9mSYwjZjXD82MtzXlEM+iILNfyAmetOu33xLDbBfus4nE
-QTJuOLaurMrmKdMYVpw9ReTqCpcu4PPGHvicsfrWhPwOkB23ZbZ8pIa+3B93SWo+t5NXHj27Ad+o
-Sv7Zm2Lc9q4XNvaKAJ4YhBA9ZsqxGtjikLFCOYit9hLh9rSN6yr7Os9gJ+DsacszRRBkuQotzc13
-ZdcP5dERJI3DaU1HpNNpO6xbz5j3YCCHR31wx/s+mao3kyfNpPvbQULN0HGyUUtiW1u388vKQlho
-GRq2o8Zg/NflsFH9Ca7c2dad4Jgg47ryYdrReun1PCbR1BL+iCX6rZVdEzBbN8YnjKTmLhncfItg
-l9l+H1oPXdw2nxIUuDD02XSuGYbRJ9fWUA4Z0DqQ6Q6KN8MNONm61Hh3eYrpbi4tQKbtoDLyEr0C
-US23rKdXQr9pPwjP+VRX1D5Yd0t3SbsaYJcaZHQdQpBHB9TB3N9pjIKrchxWECAdPRfMh7tBWKg+
-yQMJNxrKTco+yO+rXMnqgIPZ3GEhi7CCsWMAbqyKR7hdGMChCiUgydLIQME7O1ttUNMX6eTmTaDa
-eJ/0rvic4Su9umE3OludJfBUI6r+YiItvnSWNR2qHB3ZlGSBX8bas0o0dY0M2XDoT8mazzw33k2C
-Et8YtewkxoIkP28stroLqriANQUKJgQYbA5Zc6Rz49AMSJxJEkcfYFNKk+bYDnCDfdoxhKDPKr3F
-TWsR5zkoct6QJdp+HMzOyQrrM5rQ/AudmwhYpQubEX5kDWmzHd0zYRSPIsf1RC9bmKAe3L4Rpwwm
-Uv0wSxOute7t0IGO27k3+3VTp9XtAPpylWpdcF/0sFA4K8KA1KruURSIMsOBorj1mpn5exebpyot
-dOM5qMzyShioeiKb4z6y+voRvRqmGOQAj4EQzlPhtOQ7ADdw72p6gkypsmoDL0N/DY1hPMrAvczU
-jS9YCoxdOVoAZ62hKJcCB1n+vlfj8sWHelvRxekq475paOHYeRVxPockcxpwvPtTQDPooYnQqI+g
-9vCiQTtDc6gA1/QtsSzZgPl/TTN/+BBUY55xyu8siJB515GXUmec+zUhifc16xJrmd5eDAQob7Hh
-6Q1bIRF6XSI7FBVadehtk6d6gDo6sr0fQZN159bQPwzKrW8rwiTQnw5jZftOEbQnmI3Jupee8TR5
-wNimMREPZMu3X3s5qg+TF5b1O8EOWf8QI0AIkQGSMxhmaeFTA74a0xw8RJEI1shtaZWiBjr1LfO1
-jAFe79jqpmtM7Y7eB/WhYYYTuuz8S9aCtKkXhm1gTcZDErf9G0k5wTrMaQ54lWfdjd0AvCktIsyd
-yLyqM9Cs9FZHzl6sGRppD5KkhbWDt23D7SLpZXGsVk1efIi7FvNjWT0HXaXfpLq6tmyJmyjhOSUi
-6E0Y4SEZkuakTZZ8hSAA/8BJiToTQSNIhYqiI4m2wA3cEteAo/ZuN5AL7xjIOXV4fSunrEZ5GqIW
-iInj0hSKpJmRYUdWApufdiamzNjpEMZxnZR7IuZegkQ6qzCzAYsapYQz0aZrJj3ZWlQ9z4EBFDQi
-U4GdwgvmhbVsr+CvS7H1JCDulWFU5gN2Vvve9VT7VGJnYKMHOMr7iZiyzeNWc9qe6KbUWlVd+GzT
-IjoW4LXWwhwrxP2E3nptnj/B40L9mHD82BowMtajkZF1TqdOW3UtCPfV1ETRPXHq5pZJz3TRleqP
-U2PqL8yDWKDgiN6yAvVocZGZrtscx26rQ1oruoh/NGR1RPlWP0YW4UY+PNVhwyQHtHxEcO9NJ5MO
-Jpitr1VgH3AFuacyDadn7OeBvbLy7hp10WsS5NjMLeFyoKAX9NwD3105zUiCZt2YN3aVj/tRD42V
-9PC62p3N59CqZCB8Bm/Q7LtOZ6vtlEYW34S8ZRg30rVkIM7umEUe6YFOnoFKle618njjfTWqJ3DC
-zhZkWZBs2A6htSa0E2nbQpwPNUykRf4YBZCkaMZGzNGnsDli8pDmSo+m7jgqWW4HwxjhW7Oewh4f
-I9d3WG8+Y6Wyv0I/HTYQnqx5T9w82AugZHtPecEmW45WEHmpeHtsDbMkzNKnO2Aj6qmrTULmjO8C
-tLgdKtIEgymDDtbX5G3h4TqiUOvPc+NW5jP7W3rbFhkRJHhIEaAnLa71JsWj1eVjaD9mRA4TTKKh
-/+/bhGNBMciPqTD0cOvZBaqkXucsCBImvQvZZMM+G0/U3s0GkKs3QpJ1g4eGY8BCQyM+vpjM8NXJ
-8UytZ5NeBln2byGKhsc5GEBO5mG0rdHtnRBIW2cYIDW2g7rWQEha3Q3pue1xBAMEmyEe74XVNpdo
-yG/qoT5W7jyua89Au9SUzSeb1XLXt7W6Eb0V7FToXjmoDVunUZhmlHxIehzD4LfSlOn/mIMsRE82
-iG3szfO0GiRZmn6ZFWQk54Y9P3amXn0c0zyjEYcyrl9VBWwRkxAoYq7gEqed0vJPU09KFGCB+Y7A
-SEV0VAVXF85Cdam6qSBXiq7ukjKFssLUDrjAdnVkOo+QKl6qb8FUxbeQKrPQ39vBq25H9FLou3gW
-DukQB3zOyUSXOE0i5xFpJ7qAOOdPakApUAT3Je3LrYW4SQEEt6rhZY6AZktTuaFzHxpVfc/ud2hz
-dtBh/10l/y/mG0vh+/0wxdNxr0qKdgYcIBPlT+OvlMNSYDd6ubempXSy4oRjYicyTu5/fqHlhf7p
-Qohq2BEkhsaf52wIXiVBAFwoizLCpyo3R/9e1JzV+BjkexMjdKdMQIG6mllw3/7u1V1swcQCImLx
-TIQyP9b/lYbHjOkIzJukMi72MLjruI4njhKZ2pcjspGV3TqcB7UBEM3qzy8ulhHRj+8drjYzJI8Z
-FPrLn9/7kFhaUAaq3Dei4tX7ISSJy0lr41IkDRWUFGRos6NNJU1peKArnQxfaoAidLJ9KEdx+fNf
-6OcJGoOzJWdRmAxkGa7+/PuE3kAGREgx4ygMxYNJ+8GKI+MyT07z2VMi3v359ayf55+eLvFLWwZh
-kbrkfPjT/BNfywTFtin3Ra68E+EW1VvDbvyeai3ZYBg0PyF0kvIc9m5nHpiwmMHkI1qK8lsMkRnb
-Hav5xq4Lqe5y1YtzTrI3pkNDeNc+ar0NvjKeJDkXCyApt5vPeqibHl0c2c5Phq0FakOQldrHXUdt
-USXWe2n1Q/uESNRqtnMLraXxIZuY8gO99ApyljtSpYeBZVLghRSgKdvEJXfM6m3IpubzEiz71UUz
-+WR6IWVcW7Nl+DZGL4JX5DjSqkZ9smyYOlW10IKHGQVOs4WkqpqdG5YkYvAfqjtZVsLeqUjY46YR
-bvn2rQGS27U4f/sQ/tPe/Iv2JpWz+EsNw80X1XyZfhQwfPux3xuc5i+ejjIQq9wiGaSL+EeD07EQ
-MdDWdDBkLzZt/ua3/qYUwK8ReLnGMq12lsCjP6SG7i+sA46u8zfwBHXxt/qbFMP/tMLAHrFcsegg
-HUm3/8f1jY4NE7zOUnuv1zgHFMpEcs1Dlh4juB3HUVd1/7/sncl63EbWbV/lvgD8oW+myD7ZiqTY
-aIKPEi30XQTaePq7grLrl1lVdnnuQckumclEIoHAiXP2XvueeBlwdxSq42nKm+FT1hlTjTbLAg5E
-3VfVMRgT2mfJ6NBDAVtnd0u6SdPEzT9FkzSJkG6cOI2ghiqsWddpacHowP6cPCx24z0z1Xit8MRS
-S9QPE+MHpESt+iRF9IAzlnTtBr0DUsEqoe2B8A8bZaGuxllD95hTWHfSZ48+dIP5HNGRo4lh5PZd
-08zlWZIqtmvrEBBWxwtnH+ao6wXLdb20BDWjMrxLlG3samlE36VNOwQChgNuYyIe4ZROBeZIyE5w
-/SZrwN4po41yZUGcMCeqVEgaRZB95fvPN4YhefVsTUiy4bAg17PsCLR+PZ4Ued6bwIEaFUtvxuBs
-o5Eu2PxFdfQ0FapPN00VmtRJEAr9biKih7bescbbeMRlCZ/bGHl3i6Zp3BTwZWQ+RJs5x+yI3i0S
-HjLEHAbuLNFvkI/GiN/uUuNlHB14Q0NRA24bHetShDIyD7NnVY9rWRG6PlGKPYtaawTKxeS3VcRs
-3IRdZXxX2RxtFqdPzoRMZG8Gs6Br+jK0ifXxSX1UXNk6DoY/TzZx4E3cAFOmu4rjcW+KsTngppw2
-bUiMZd5ykrGLDrsGyyzMwiG3Weow6mZsKMpyviRqNMuOSUVPkYQ9sFb7zAuIUHeUnqYWiSIAnqDS
-s3Lb0yRo1ELEm5gE5an93Blm6O+tbg3NA5cKcpmh5loIu/JcjFJuefcckIv0chy2nncP9Ll6FIZT
-3WedWJ/7LpOXlHXRQ6EmIC2whXwCsHrnjPk0vUh6LOS0rGgZkXl1gSKHUhu6FS62AXECoVrTplD4
-Hjxly+YAAg52ntcPc+xHpDFBvcWP1swUsa6MDhXN3e+z78yQg0Rdt7FFMpPO2MWWySpvDtl1WbX8
-rmisCCOjLTrblHSAZ8glFG1Q7AbctHdJHa1XuZrLjaOlngScJFe1X+foP9M5PFhDZO1FlTmPlRaK
-1iFhORTtGfrRZcjr8FBaprwf0Jd6QzVe1lSWTbishd40aLz0qAzFw7G6qtNEDTxSfX+fa/GqGyBj
-hcEC1OZd2wq1RdwoLXilP1B/kloEO68rJDwtjB3TBvq9FsvWWjarAn/Y2ZGrzhDDUNWWMMRIckRq
-u1g+Gph6BY6UaCnurEW5rpbnEgmcc1Fp0W6j5bt2O6DkNbWod9Ty3r5z5BUGTay+oVNeYJDwbgct
-CJ5omPCD7zphPKxohkMtH66iPh+3sxYVT1peTHMn/baKokCj1p4I0vW3SsuRm3dlcvGuUl7fFcvm
-u3j5XcdsFFrTnGp5c/+udJ4nK9uN2YT+2Sgb9XkhiASTBPLoCQ3EWZld+whabj3YfWCCIoXoNpBF
-3pmgMpE5UsRVg8uopZE7Z2zQYs8sFFY80u7ZTlqsPSdd+ylblHyK+Py0sRO1FHTx2kBufZXSPgHe
-hbzHxzFSzggN4prBLZ+/H8GrZkFr0cXpxIbZQvbgA0FlXFRB+rRFXVyw0cPPOAn232ZhM7Fy/I4Y
-j2haDpmZNpt5rV9bZfY7ka82eIo+uG7X0XiAfMTijzZa7aN5KRzeohrwi4ZK3IqwxMoJ/5vxN4s5
-HlBWJemPCTG2rCy0GZPv7D/Lc9Vyh9Int4BY6Luo81m0FjzXj2Kuw61vgLdg6NVCDwTlCluDDuiB
-UGtxYohiu9wOs32Hj5c3gm+2bOF+cSQV0UdXszkDcM5mI2quedqv11JAxiEzVg07+BTqSiC9/SdE
-5Ic686/LJa0Z/O/TYC35vPp1yb+1H8ol/bLfyiUipzWiholwhIpTqz7/VS4x5cWm6dB1p1SKmPjx
-n36fBwfap4lVOWSf9KFeopTCBYW1kya8abOF/DvzYO/DrpdQeN6eaTTjZyQO7Hz/WC71hEyoOSXH
-Vdhjvr66hBzIuHGDgZRlmJYsds6MrGk95viNa+OkBdOe2DAlaI7tnJsHjM3rmwAjx8TP7LzNgslJ
-XSyNH/zKSCvY5lgZheqPDSIjchfisppX9x5alyJdCh0THT75VoGb5c5eU8ScFCGqyKIbMzeG4NPE
-AMZyuIUG0a33TiMScF0z6N+Xik59TtaUS1Ir84TWbOpzDhxis4QBgiPSdVcFR1x55ZJd4tfuu/A+
-swPVYiaBJcSaZdXsiUQMZLCWDxKGl7ULsRxW9CT6YFDjoemm0K430qwb8yK38hIehtl/ywwp9kHf
-rbek3TZAMda54KX+aqgvXQMZ7+qf/cr/orl2kAf/6X7lacUd0aQ/332/veZfd592QqPuJCzHNtnG
-cGP+psZAlct/4g5znChkN/7TZsX7xcSp5ITIXF1CxbVO4zdfFCiqCEWBdu9paIFWd3zwQf2ZL+rj
-vUcCrKkd055l45eOHN0r+EmKkYwzaJ+kn6/H+i0FFpJVX39ajv5DS+vDXsj8+AYfej1icaq6W3iD
-kC0E3uV4jF7z6TqPoDC9/flbvTcufurswGSjccamD+YdywjKkj9+mJXkmcqrXIs2RbWauhHKJJcM
-SaTVNpLXL/LdZJiRdDeYB/OHC7GtvBVPoumYfVq/tX0bBukNHSH44MEBNLJ5WMNm/DVHNZ/Xl6N4
-z8wxdX5OhVA4EQ9gt9cL2mlt8rD2w77Q2TtyKKzbom8J5EEB3MNIsXVeT+gIonvsyTdmijEcVUws
-qhrqNvUOaXFi47vNFLRbDgJHSe5jHNbZmmdBo+rzulTjRZX0pPopuq7zHn5X5UDAHkjrxoytrqHJ
-evMXZJWscMBsGUwPttiwU3WdG9genboohigz7meG1m6zc6YUgw+htWUxLImGIuXy8M+q8b+sGjbr
-NG3HP3lst4TG/sfQ599e+nunw0OURWvCDX1tzXh/Pv8u5SLMy9YeDu5fXzMeWSJ+f3Sj10KXD3mR
-Pqv9rtf6ffVwnF/4UYvmJ/e8+Z4p9jdWDywM3FI/3XJuZLncbqjJfFrJphNoqddP60egU2ogkxRH
-Rrh0Ta1IM9pJN+3nrT0J7OLD1JltjLQs80+Jvabuib1HFKKKpVbc2LNfkG2jKFl3rdemPU7+1ppF
-3E2kpzPeceQb5rHwEqyDewKjaV2j23RPCBLoMK42WueK0pYOioVyaC4qJAJlRacBAER4GUGEe2mY
-0Lx0pqLpODFW6mIE3uGlxVz+Fb48zcuoNgjfbFLfj8kADruDjddS7GSp+5STkyAEKrHY39r9QHw8
-Fa8dz2wxwJHIcLl71wGRYbrcicJ2TkmppThOtwSCSU5TtiQaiDY8+xHNXBnStawQPyDLzhqDZELd
-5e8Qm92u1aIVJiNS0biLXDrgtp2Ko0nX+EFXT6+BvSy3bWuMR2fKnM9KSz4aAliPjAeRrPi1tK5T
-u+fzA55EteRX/GqALnRDg6iQRCIBYHsrhJbENC404Jz8lxeU2OYUL47gx+hstxfIwLzXNeV1CLY5
-AM+a9cC+4t1MJyU1JsF+uhkRiaDeihY+tVvynmFJK7YqTD57VHmoc8bZdBjF5vVFkwU49koYbcBu
-rVjM+XJFzvd0ctoIKkxOmhcoYX0+/SXRiqmFdvKW65q/+fGFMv4oxRaKVfRoj/obRp6Pbs9UUj77
-a0ta2gyP09ouJTaNLePMMv9k1DYfoV0LfgvcX/4MZYVmyatGzgvwNo4xQ4VBnNJKTBShUEGaH/qh
-Bl3Uad3yExtm19lXtWKPP83qe5YQZBebUxM9svreDUp6+5XoABcRXZ480qUoPgVM8l2w272x6aya
-gQLeyRcdScFVW3Ohl4s7Jnt8n/wmlWgpRJDBsOBIUM0MprPcZihvMagME1eDLZjBxZEzoIF5zwUP
-XYtRRRUEKLRAtXHxGXaVbZNJOwiDuRveEH7C+TKHzrrO5p6bEH4SX3DbhejofmiRyqIDl9sUMII3
-ZcRWczdxiZIyxG152cIeco8BnIGTjmlGHoSQAR+GGpGJ1RAX7xy2rsR/zjVXTGKN8m3BVprSgNLi
-pklfJ2u0dC+j/opCZ3BOtUeTP7SQH2xIASL2ki7cLnCJnF2nKdp1rtW9MCZMHt8v4dwIOL8lKqpW
-3+w6pOgl8aflDgEWp2S20/V2SbkVwAK1F24GCGT/Lstkw8KJG9oO4VdXhVwwI5TniwrqEVeAviXo
-/OQHnJmcvBWk9qE3WTioqPsXxeTl2Hsd0w8G2taDC57v0SjMiVwDZvw0yqgNYNwF3Jx+u6JyxIly
-qDJvnrQHko9jkj2ey4UvtIdewv1gmlxghsNNLksmTMRZIwmcbFJYVxOgU8yAyjkFiBxRqFTRper1
-zGnIV34DIwgmHBVI/HAzBjJzqCQmFHEG7nDW01RFW7PqgqPvCZM8koJxUb8YW4eQLwGWuuTzOgs0
-lr2S65hpXzt3GB0JDkg5rFi1TdbZ3SoX8hi1cC5fUaQ55J3dlRHLc9iU6Dhrq+L3vMv6oIGF22Jg
-yTAxej0MXjdyBhmr3FHX8UM2sQ4vJdqQY4RV5ACQ0H4IHK55n31WAk6wEOpeRlRsx2VkiXQwDl8u
-ZckVZUTww7YVHtGHxFTMkNI2IKvBYSqcnWGC5AcMsflhdG00kdPMt1TliR5P2izNVrJyTdEv4wJf
-fcXXKiTDTBOCV75ZGqST/bhaD4W3zoDlMVoD1CATAha5ZEbVapnnTCMd4YIe7+Rab1rX+CawnnQa
-9hXpKyewqnY9u4Xg19tI4N9QseWEwnpc3VqdiZg7ehSQtIsLlxyxI1F3KF/fr3nXJvZqYw585o0N
-Dt7h2/TJ5cin6JGdcMDnNPWyN6HnHEiIZJMI1F6yvgk5hFvajPp6jLT2sevD6BEFAV/kjyWtkFZe
-b7tg5lLyklCMpwKfNBxYHF8C4pBh3bo+d1dVlTgsxpnTy2R8/37H1VPoPs4IwUhC6T2R7d9X1rZl
-6AWRPuwfrdxpmsc5TdfyyYMZRFK3q1cpa5rzg6sFrBExjrti7OtPVjbaG2II3mBgRifRdfph0Jv6
-4UziDuR8yODXs/JYyACScAeHdK5JGc+yxspu7DVbjyw/Tj1vrXSkhGDojIlr47cquqgbiTrMDpIF
-vQ32p+qTKmDNmDlNdnJujfSRR6lgV0+L8+w2pp4LjgtrLfek2GYsMW1szDYsIAed3lvb1I9taolz
-lCyjOccryV7UIY54sJGKt5F+EEmtH0eE113wjAlv4cWYCfcuSnPR04XsLWu49rQOXZJ/uJm0Nj0P
-emTqKM6/9IO9M+y2v5Rayy6GgNqb2JY5Hn9oBQZkAzIbu4ugiHCs3ELqbDcAYp+gf+6RyqKPZuZx
-27lTXCBISN6lCatfdQbPCYCsyQnsZs2qyrbCcX1aqo5JpGhngoYEvaGaTSBp0sZ+7xYbyLT10QLr
-lsW524Ubwy1RFTX2FMUBgUzmuMxnr8jKcgNkhvR1hifZul99Yt6PEZel2KRyxOptB1l0QXyzugmX
-ITjLIuIxly/gohYD8Xo9W59dayKFwfSbm1yV4TmwE65ey6UoyUIyNMOiowPaLURIl8F4IZYJXI7D
-RDiWhre8Vm5bfEaW9tktgr66RBntfsJtTzTMIGdkv0pE+xAZ4nfYGNHXLKT9LGf4/oqLbNd7Qb4N
-6S/vV/ILjuaEOGddhnpXhx3Zi64LWmp0ZHEViqxYrzhf/lsxhM1ejWC1wKObuzSfP0cRkQ0lGUWH
-IJm/YBjQ0ovgKwD9FTEVQfRWBRjHKRFk2oMnPkkkipQ/DdnOS718K0b7wQCjirBPyqswz9Qnspy8
-TRuM9b5dDfeQRBPK8ih3d2kvH/poRAQqfCqjnaz7luzyhCWKAOaNNyNHTKkbziSlW2cQJMbRi1p5
-KqPRvWwdEi04aQ1ThJ5+Lj6KeOn7cGdE9JkKViycxXV5C+8M12V4NlRp3fAQAMToTs0+DQ3/VIFL
-/ZS2zsZpnOZo00c6AOKhZl27iRSCaDySJgbMP1+NF4l9eVsA4yOhU8t8a3tLXJN5VzIOu2yRQ30m
-Jta4XOuOwEIjDHgdmh//6zBVGPkS28YWtzQ9cP2hfS40BR9BPPtWrm+7fCAePjwGs2Ncm/BqNzx5
-AwJA3P0YeHAv27I+zYhkXgmmfl4MPdmwggqvrhASwR2XDWLGmVxKMj0OZlJmGy8skcYSL7xVGGwP
-SZoNp6nx3rosdXc2cVkbqzMrvVpZp7UQzmsiTAjYSSuXZyriHdW1oBLMzWa7lma5G3rXf0h6VhRW
-flHvcHkyiMjt4GhKEnzrDPultDGdeSjZ58tsNDBTds5YRCMLCUSxfjt45t00l5VF/kMlgPYGPROG
-uzyxIEpZRa2zdZWc0jcW/3SPSLLfqtDqyJedGpSDWUJvsIXndhj8zGBhErl/DElQejQwZoU89hLb
-j/PRyrYCyhLquH5Hq7O9yiX3RU6O7GPnh9VJEUCGK2Et92CKFSMVk/9bBAQfQnj6PKdLyCXu1K1r
-nHMsyGBey7EGsxlFTnqZ9vU1Ux/5ZADjvahFeOWXKFx5eCX3NeL+52iWvohH9i6A5vp+zZ+k343m
-qS4Z1Z2N3lL2eGTVivY0qMd+hoZjUDmlbNySm2SIZqpZbZvAqdqGL0lfsagnRTF3K8v3SvYT82mh
-MOthIFDexq5cw4xTCZmYebhnjs4Liaw8de2xIBEpzEMn3TPa8mpgyIK/x6eJYcP0aswFk7AjsfNG
-atBMZFRbzSwpRPzJ5dmkVfjr2bTUgk4Zzwm1KKnz/UxZjpX0r4RIzkcbFB101F5eRJAAgzh63x/2
-zpNJeIros2Pnpzww8da1OkcHMXewsEg7srkniTl0T2vLU3S70P0uz5NrT3ejOxGnl01z9EiEJsU7
-bnge09ZAVf0uzkldRTWRp8j8q4T0E4wpbD2byKzE1qgTNm9lIJbxiqC/4e1HjYw7dLkbcXZwTtZu
-QXCp9fXM0Zdb/Vh5zRviDRr0jqA7UQRTkP3UAPkPjULdVv3QSvAD5BI+aCM6GtFH8VtmGWjApsA4
-OJnHV2K3qsnO4agrr2bh6LkOo8vVDifjvrGVdmbVGYe1Ekh4v2C8aO5TB7D0xlPo9nAn8a+cLP7E
-C7Omu/fdqmNrQdcsCjaNAEzT/NhCLa43IOamdJdOGDLUWvPuno28E17fijWUnuNftSq1Be/Dh/WC
-wPK0AI0m7ntT+Oe+yQQ0xXBwER+bZEINEa3LKDeZX+LYFl4EEpuBANnIi+xfa7dc7/qBDkOfsQPP
-UeXd1U3/F6f/30x5+mo0HRdTnhs4aGD0Ef/UyTE8kMMjT3ukDig9Yh8Ux91AI+lR0pjhJBh604rK
-Vr656OpO3cSuoIGxXx0sYmPyjZSd3jmxHfnz6+LfpIoW0hE3tOkz2QHdJv3ffzouIAEVwdB5cUxa
-UEjbukVJ8qRcNcpnd1WYytw6omhvG+zCfjyj8PzRxPyvDI//8F2hkbR0q0uHPzi27qH/dARz5lut
-sof06C2gsOKkkSlWuMhKbA1yylL2ZEl3wHmUoc/vEtUwKpLJddoM1kNojtY1EAE2X3/7tDAVIB+C
-3S1DAj1V+PmgGmdMQH256bEx2CGR+4UlbMlbtm7abgz32maDMNaKPYQxpX+l4Hxfmz70/Xh7X/+P
-nSp5FR/efg1KArsU52St6BgUVr/iO5bkUBR8IdnqwT925tB5KIPEOFl6l9q4hN5dTG7f2TeuvzJK
-js1ySLPjoBtNXc8E8DuJOWz1G3iQP07XP3q7vxwg+/p6/atO9Pa1bIfXn4dY9KH1C3/rQ0d0lHlY
-6YeUw92IkvP/hlia9ItqFUUenJs/YoMYLkMAZrxLcAqDpuCnKZb3S8Qqw3jZtLmpuIT+1hQr4P1/
-Wk814ob5mc8Kga2S58dH0A4m+E76S2BfKnBdqTrkMl0HuCm2GdervDIGl1ZTHRDUNoXEpcY0ydUL
-3TMfA0luHeXUGZcJE7jd2hv1Pl3x+QStkldt2hyh2I/nsJ8xJVaRf9GOjXHfE36rm8aAK/KQqs+t
-/fuJPcfnIiQCgkYyvAyr69u4lkTO+1KubOGUtbdpyZKSNyWY6Hromxw3JiQvPZZ5duU7tTij5EFd
-0SefZtXfLLLd6tU6doksOfYSuVQI+HcTVP7ZciEpYA/YZmn/NtKo3Y5FJ3GEimIjnGa9YnpFVAoJ
-tey4GBijQOkraeworaw9XSh18HQgYpPaB6PxmqdonYqd7LTuqXJ3xHreiHJ1d6z7ZJjaA73QoKYV
-4RF64NQ+71+TPc+ZctkThNFxxTp8F6RkvdaWpWii2ojp2lXn1XfTEfvzjVgJLuhlqXZ4IJHhwCGP
-XbNzdhnzU/q7hkcC77hgB6/kmd3YVWZR+1GX3kVmPe8GQmeiejx2ruaYkM4Y47gUqLhSc2snJoVP
-Af8gWx+9YUJ3M+gPQQDbdiCWflutY7oRnuGDbRi/1hJIz7JAycGGc9EhwNk4uOHeXX85AjGPSJct
-xmojznmMx73nH6MkOg9ATTZhCcQxV4nxuDo0GNhSeuTId2HsjMuyt12CHhByrieb5fmBFAwgzVY4
-bQHOE0mwWB4pKwb7hsV0ScslWNEL08My+pip6SXtIqv40i2de9Eb4YmmQr2xPafHeI07wWFTkzlj
-gJeDbUsFMLYs+odW+o/hoi4Le8blNPnu3mjY1lqmyg5BV78qr/hS9IN7KBC90/meCWGMCuPc29Gv
-Ll3b7TBF3pZrQoMpYn/mkghF+okQExAjKQomNj8VMZkD7Q5LbVxZmYQdeqceXuaX1VUWnAx5sRjl
-V7W6yw7rDcaZHLWG19A0VaoB+lJxLYB57rdB2rnHTLkjCOp12dC97LelJZ4NOQBQCmBV4vKZgCSu
-/QEQibtribze+whG94lTfBbAwK4aM6v3Tvg1jaR5XlLskLh2jQfmvjjvkT5inq/y/K6ecFI24Pto
-O5AuTQ6QeIBTDS4zIIFMQZfaSqmuEEVW+5B4jB1SSX+v2PhsPcTFu2Yhj2awDZPkGaF2JgDhHeVl
-RngPQZDZ4ABoCQr/ZLGN3UB0mY5MbEienewLtibj1qAp/5mwRc5imDhbm/bGxkfsj1vz3VTXUjJ5
-hfmZvCLilg3L587t1R47YrCJRsWkRJXNfWk4KwmKo3m2aId4MZuJjPmFUWY7vwtndIe1vxlxKqN+
-I2aRQx0vA0BU/KBx2bQ5qbKlf03z5ysO7AxuNrvBqYc9PFJHbwPF+eyYZBwD0pgJAzG/I3gPt8vc
-emcNL8eNPNwz+T7xsPfPIakRsSu8Oz8p+h0TnnaXkXkUq7nyt65L4oLdR9/GobrLGWkxHbitxmZA
-/ZZbhzU3fq1dte4roS7ojYF54Odl0Bxmf9X9iabZB6khNoCSuu2aUHdngRPGlpu/9m06x2lIFxn0
-zzGYKESrEoHNHI7DxjLDdWcjRt0K4k83ZuqLq9UO9mNtv0a9hhyS8UdQg/TuEztLN3WA9XklKZdb
-7bC4/a+TpEUHjzW59kQBIKeyrHMSVhiaKnvaEawpSWwouy20lfCY4fVsK/uL78vLInWLk/SWx3CW
-ARs2f9hUq+MTXZU3D1E0PVXEem7xa/3qZ8A2pwRs1pxWkAHGi8AdxHUX2ue8hczltW3FXAffoSlu
-qywhuNjBwpb0/XchRhMmF7mInhrbg+uCEce2Wez6eagumUSJA07REHhBEh0hOcbSyb4Qbh09rC7J
-xFVjXSgfuMtkr/1+CCt6PCHv2Cj1QLM4v5UlxnyLh9BiJAsiR/g4xPlWe4GhOTZr715Pw7b+0OcX
-ay9PqYA3TTqIEac0tvGY83jBJOq/VOXyPCfjeAzW4K0dbcZraZXtR3uYD0uzGHvGRjRX6im6Garp
-1kwDSO9YoTjw+arrZbIZPESwNSFghWp3Myyspc+RjIMSO1mZ8TTCQCXae3lz8g6bErbaUzgpwVqT
-C4DmiX9k/c3PGR3wQ2qwypHgBGMMGGwcog4+5Mrx9intpj0eOuJf3M46pEHxNE+5B6wrfFgHeSFL
-rHL0W787Rhecq6ZKdKsJQkLnW3uvDUhkdWvzHHaM01qwAVjJ2mSP1Zqo9XAFuP61YiM6fHbzAQIH
-16zRR81xYaZHpukyQPCfHwd2fAG3Iqiwoop7rr46vEk8ERE6GmRMOrjJwNZ50jn2pJNMaEw7dNyf
-nZHCGPjWimUfyrYnW1bvEgZHN+cA9O3Eu3NcFMHipZ2WRjVn4UwyiDZFGyJpQ+Je5UZGMGInlBD/
-yMP+N30mu1K2Pv+9vL4hwvcPZfWPF/xWVr+TsaEYUh0HILLRLv2rrA7dX4Bpg21kzwn85F20+X9O
-FgQXNpsvaNv8w6Ox9Ds0O/xFp1/QQsHUx8vDv6XMtD6qO0DXWPhlPBA+6MwQmfxxlwdxIZ2yxsPK
-u5gdLNdClXcZ/K+zR4jVxlk9hNO4RvZUUGqPqz05h0iVX3gwL5+9Bt2F6xfyycQQ/5QuqB1/OpP/
-oWP0sTPA0dnsLnCweexW/I8diwiRfGLNkXsqJrd99TKX4Aozay4bT3NJ+rxaD1FnUk10LU6XP39v
-9v1/2HFAVsJ6FNKoYlcERPRdfvPzBpxIT5QnY94TCZY8133CeG8e8+iqjNBSb/3OCy4xITY+p8kP
-LhY3yj9byC++LKpRb8EomVR0anXOaZXKXemP1WGoxFjuRN/6nwKqqHWz0Ak/JXM9XFqd0+2pld1Y
-CTzwWG1Zp91J1jeZvZpkDlgsE2ZI8xWvTBDAAFYQ/8MxM+CSDT41deHbLwDbgMUx0Y5p40EUkS4Z
-R/Qc71DINwwqUJ+BDnPCcp/2UZSRP5YxO8td7T8XBo7Z4GEkUrxiKNPzDA78rrkWLo0HI9MNXdE6
-03GlvbgpyZ6ICxrzaGODeeph01B8dFmTEfC2rM8N0eMkOIAKvfTmgqJPrMMTCHHMRLmJOj+GUrdM
-pKCFtLudct0DkfCJrsRwYrg24jmklv2dnqJ8MmUOx70gjeGlQvlGHygwxTZkGrmbR8I09pOzwD3J
-uZXuFiiBWCH63q/Q7GbDgzW22a4Zgnk8RWFUpcjcm+FuyUfKPMuZJfloPvR3psJJCPR4QOUSez7j
-1R17TOcC/KRJYZLm9hwTLzfGTLpdvtbCcI/UgTYJ7C6d8dnznoNiDQm38pvbshEL2WS9TcvcoxHr
-CuKw4tRcrD1kS7EXA14LwjKNg7LD9K3P7GlfmjkEgWnacqdGJ1zZ9Z2y1wl7VjsWZ1WEEH+8IXjN
-gqE7qtpUu6jqhuOak5S4H2hdKWAzpDFseOQvFPLsXg84mKyLxAhJGg+t5JHMS5r0c8ZDqAq87Fd3
-NqcbqwUfGecN0Ag6t2Ub26p32A7lTa2pkT3yxkl5TuwHwi+23Hv32TunevwBrYYl4M/3lsBAA+cn
-aOCzJCiO0k2xJJBNQ0JU3pqCRjOZLKI42GY7v6E2gFozlUQvZtjDO4aFso9E/oraEeJH1NDTvZFS
-JGc1KofUTKeYnv2FtOzL1bPbV2U4ZLwn0bgI7oreGL41yVhUQPqHHhYj5px8N4yiMXbIQNerabUa
-zK1mMFi7caKVdr86xPwecewg6TYSTT5qG1GnWzFmafcFfQ0qcaiVGLPQ5DSMSefSPGI2y3gUDM2l
-yABubXtq41fZ0ifVzVEu9cVsT8hayjsrYNFMiaSxYthLzU2hxuDaHts+Imkl4t2E/mwAzb17Ujyt
-mRGnTHSv35VPQ+4XpJzkE0fPxkcd+xYvW97OGHgTr32ZJ8Jw4sibmORlMzfyTjLnBS5hLuNXs6CS
-vMLw6pnXUYKcZtPZXfuKZoLtH2N73CZ6KacLwHkCFWHvIESwjuIKnq6X3FaPFXZ7CPbl7KhSggaz
-k4ocTte11ldvHJmlncMpN/lHmUa6iVGtFhVy3Fpqnp6bdKly0EqwPV8Jha25dIQC4yCUf91LiyNm
-BNQa+3mk1xsTktId+tCubpBYTWxL2xwtLIGKC1PIlP5h23Jj5ZTpN8Kr+nqDfA8gSYjA4QSYEB+b
-CdilvqwNGI4siQRuxjZRPSdkIeF07fZiKWhQesm4baQIvjBumzHd5YJw1ipVkHHb0F/NmNFpKOjG
-BPNLaxntdeavMBfxqbVxEpq4m5l/7spZtl+lNXzG4uifJobJnraKzZ9GvwJNYhCFNx1ClBXQQhER
-M2tv6fy4XpHsLUxfV5kzASUwDCKqMur5BxsVg08pOHrfSEvzGcI4VrZv53JX2C3BKZXlLZcusKIL
-sq6yyzFQQlue2dktfdhBvl+EdeEY1XCKmMCSeCMTXEU8ZwB3OdG6daMetpTV14G98T0JihTdIyGK
-6xA066GZHeJPrckvxJZ1PN14qeeSTciCL8nQeHp/jv7Tl/2rvmyAEeenkuPfMI93Wfv26/87yeq1
-eftDAfnjhb/rg61fgIQgA6ZGRIH7zmz/TR8cWL+Q2wRggX7GH7Os7V94BaYdPXakrrSp+n73FvDr
-0M2/V6L89d9QBjPt/VgfQbFwIA1wDByX83FA0Yt0FHVEWK0RSKA3a9beRyUCOAQhEbN023ue62m6
-IlYNOcDYPVfAzk7mzGLYjhUJGyort510a8zOdUMjwXz0INih5av6glQKmBFqNMATIArYuKsR7Jnp
-zag8g+sOmxqILRT4yyxeI6e+8ufqinQOtGlUsQMDNmo1ChAyTEPsn/n30RzzaxoDPCCDju5t0/ax
-aYSKkTSP9txUF21k3vqWpK8i5td2mZcYO/KOLTYxYEP+XVYFWSsAlnbILq4DZznMjBQRaTbfo7K5
-wr98lyweUYn5uEfMdjWu6tYt1gu2wd2GgRuCqPyVRJh22/bqmzdg4JusbxBWn/tVApujAyfqzHnC
-NXvMRcicy2S020qdVmeE19bgPJdT9Row6N6b6XxnivJKn4GBRJMtSNfviD6RItKF3TvV2m6dmh7q
-qPfg0zw9pM58FzYLs3P6aydRRd8whkYHK3OPiMAuSkjDJ6X1xPgWODGmyeKVn20t/VrK5cHP1ru5
-c58zpzyzyr+KvsDY6F0HmcNo2nflzuUDzW7+vR3WW7fiu1qdYd9HHaueq83HlLQLyzWbWEbOdsuJ
-sjORxGyKh5g9QAa9Jxr+P3tnstxGkmXtV2nrfaTFPCx6AwRmEiJIiho2YRSVinme3OPp/8+hVLXE
-VEpd/7qqzNIyJVEAAhHu1+895zvrUZtAcjRka8SaupZJ+TwakqAbZbIa6DWv1Ws1Nn9Aa5e7udfv
-BnPejclyMnx6kdqknxoP6iHVxRcL49bGMdLbPBcnEoCcvV/Tj85SPiFsoSey86AZD25B88XSwrzn
-hSYgMgT/2MtN52THWi5Pnd1GtO/FY6k7oZDVvK6SDvhznT5XTOc3hSle/Ho5TWYM4zDp0nPeeu9T
-oX/yW+tNACgcJxndeHPYLw7ywVZMj0vr7FFp07jurH1Mq4B8PZ8O7ABjmbr+hAI12cyElq05IFpH
-hOXBRizDsGrN0kKwqj9VsfESWGCzQEmRtgmVx/Cmx7YbH21RfCn1jIgOl2hm2ESPVmQkYMaHZluw
-LW0WV2PxN1Kc3eq6G5V7Zi9/X7dVtkXLgFnd9raD+jk+J7plelaz5b5HOiX36LeRdBo42k2t+Ug4
-X7CGKi/DToumi4VSOyxEHK2ZGDhrSTm7bz05HVvYH4eeXL6DmDToy4ksNvQ0SsJzG7nVk2I6lknb
-r02tsF4Go/8op869MXxG5dw1tYKldnnSZCFkRSv08mV+jrwaKnXcMN7ZZXZbPYH1eSqFRtILnIEg
-BUaEQjSJzmQVf0QONa1zUdC5JrpksdKwGSSAElskRti5Lvtvipz26NcQXF2vPRdaclfVNj0qzX6q
-NcB3COUcsuCcZ1HJ7qWqTAKKtSzZFC6DJg8mQbME7rZMyzE0ZR3d0T4Hl11x+y+Z+VITBsHktGTq
-M+lrV5jGFowj3xsR0KuRWMoV+EKGOJzP39i6N+4EPEOS6r33nuaSYNzOh2jqvoArPNlufvxu0/nJ
-GVtpUL6f8/o4RTCoYTDBhcLp4pVGJc1ce8zmvN7bk0aQ5tgOCsZyTp32dokM9zen6tf9BvVqARua
-hQkUbsbrMInAhjLoSmydMY96CMT8aMLUWrmkRf7mlV73DngldX73eDHdpGPyan49e56wMtzfe3PI
-nymHyeVjOc6MmUkQhWZ94N/07a+v5Y8zSsVi5jUhgrg0U3Ccea+uZWxVINMI0yNjx0no302PteDB
-1ix7P2tOAdOQZb+gO96zuv36pf+mNbq+doDCQ6lOjL+RpVC9zFCv/Grfl50VZsA77iRncrVcnLI6
-y/d6IF7mXnDWnKfpmE09z23AHAFK5ktCDEtcLacRIhCiU2cf4JlZkzS5Mf35NGM/ZypJ85ZCd4Xp
-7RZ6HhLo6R4g2JPuJOhoBNxjvwDlVtfBzgEP+CF2HHdt+ywPv/6kP7mFiCxnFm1wMndM89UXaxZp
-UNamzdTW7Ld2rd8BpcMs0LW/uaKqyfb6yeCFyDyB9GJzK73SpQSz4Qt+k3s1wJAEGPlOGug79YJF
-uHKDLEQpdTvERnmBLXfnDXp5oSOe0juJv7QT67IqVSAE5DgvxCnWaDZAgnrUAvdsddMu8VnunSYF
-exQnEM6EKd7Hjil3JQgylB4yPY16199XuXgSHdv+aKb2kWF0Se98wBpRpV+ilPlilRd8i8Kvd0LL
-vkT1ovil22UgNUo01h6pxh4xdrqOgYwq49KJyUqxNsflzpMc9jlBAEL0tY+dwyzQgzv9mwv5kxUG
-xZHKqNGh9uBY4zp/p65ZPK1ubZwSe7hx13JCsLI5jQlwZrb2v745VL/y1WqGYoZ9io63R+NQ/f53
-r9WZEsCoLSskrtM9iRrHEvbJb17iJysLMn7ctOqfJCK+eg0CQfKh0HWs6cHUwJQRgEai5UWt9Iwg
-5G7geJ+b9j7QzPMcBckGvMNRE9G7Pss++ZjEOahOHTOLzNoTgMkmG7A6NbK8hanxBdyvtfGiNN8X
-lruQsQredsQJdVOk7gYBwlufsLyVy4DgYEvG2rhb55VhWAS2MDXemp2ZrMhdN3ejQL2tm+kXp+IW
-bNP8dhI5KTqxVBgWClSDODKHdJ2KXLX1pA/3dWUmG2QTX9EO/yivsn/yxPJdoPfDUQtW7DWOrDIb
-Ii9kWe2NgoPClJTpOiUseGUi/L016GOs6FlkTPD9c0nzbR31nb4igO4NJOonP8pRirvVuJ2jZV4N
-SLVC5K3vwSBaIa5DhI6Te45wXqzHyDknuGEAobMSNagtQ7pyT7o5vyy9vkq99AGJJVVVywfuNLHL
-E/1JUoitmihpdlZB0H0z38eOqxp93J92w8LXuxMZO5qdhWVUBDvTWZ6Cppu+zlf+8SL95CFhz1D/
-MywUM69b3XPcIl2Zp2o/o9SlxEEfOvN2bNIaoyb+zTeCDf3vz4lK8mJZw82oXKQ/PietbUlkcGO1
-72DvbAyg1qEfZceInSow+H4AGOSrRXJAIjZ4WGUZFWBcoAumABxraKJ1RSwSrY52EwCwIfiqH1CV
-+p/63LjRJv9NETCrhwaarURVW6HV9C9lttyLggBNT23G3GaxlT9Hs6pSYfVki34Lqz3MRG2uKVc3
-0FX87cBXej1eLrawwtThDwZk3bvawE8087RtonFYFcuQHATOtOshKKoEwzpYWMcKX0w6cJD0SfEk
-hoSjnrPMj90Qoyq3A5x3E70Y4w6T09GyqNYMbwyRwUokBMz3S34lmtQN2YxENttwx9Vj1AvnXHvz
-oxurA4STazxPjbYuWqolADu3oiXVxGv40x0ZgG3m8IgNUXsTOOKlG4ZwRnmNfDW9hXRXrgNBKY5w
-7n2WTHjgbMYJtbPHHHskkue4lG0L8IYHeBiKI4fiXRmxs0DR5sbk6XDn4ZZu0ceEjONjbjhnoO6h
-ZXZyrQ5GtPJh0xMlcyJY/Qwq572JEuY3+7H7k8ebWgcom+4gLbX0V/skE/GsxclS7ntPviDuuKfZ
-eqa+4OI5PNaq/roetWsFVxoCKr3rM18lw1bO/bwiuv2lIpwwJOYn2wTonfyps7ywGGIsWaZfbQIx
-yn1h9MBk0xxtRUyLlwyX+AU3bHCLeyEJl5h9cVgSVIjsF+vFs86mxhqTDfJpsii39M5q1q6ejmsR
-E+1d+FTWMQdD9sPEQqrBgGEmI2t8HDBbwhFGbI/QC6FGcTuN473tqNyEAmogLUQrbOflVCYzbllY
-O6WhoSeu5YvbL822Q6fvcTpA8OWeJzYRDpnjo0UQharmB+/b/vqfDttvOmyIUg3utX8ezT7UIx78
-vysf//rB/1U+0sBCG03x7hA7p+q8b/gOpXzkZGSh4YfQxSTwXw58G3kjI9jvyR7fWmzmH7bP8JZT
-AIpr3eCH/o0223Xa/H1JoxOBhxwJrohLvjL6TKWq/66kAWjJ6hG12ok+/HQBslNuFiQ6h7JY8o3X
-jH2oL5N5bxUuPeiagZ8xyeAASQM6Wl7PjzJ3y5PVg5jBhehzV+qTs0IiWK3x4RGkRXL8BpXufUyt
-aNODgDWsBoA2BsExv5vxOCIaifGX5TwXBm5+9me1dpYqRMnOidxq7cJ8AC7LYaMxgVewrJ3teeof
-KyvAZ+SB6JJjV3zWtRFPnvWW48gXqxnaFejDiwzkcJ8RTLZrZ8euVlY2lvcpQ5MjkjtSxjycKSvR
-lvlushbyX4tK3EiAhIcyFuUmYwZJ7lQUbIeeXIQMAKILFE7XoeNrJgGmtozCSYgGBrloOWlKvZL7
-BdfIhllrhNixdW70zt/Dl7tvdDINLVap2zKH7x2Jkt2IoV8MZmOTJ4R54cSKtgN2vDU3TL3xK6Nb
-tXFOBxGLCwFm3Zovqzwtg51vPUfzjiU75xoYLVQU22u2AgwsapGKLIq10zNXJWXjoXWqNpxl8hRI
-w3xL29I9CNubPlRGba4SZmOhzsgqOsPcM0Hb10naAQIjWk4/TVVkLQ9QFXOoQelc+9oLcASDooih
-r7ZsRxQoTCGrul/WulPjO9SwrA4riCI4DqzKPwcxXkCUNC1prx2TITYYLGl71nux88qKjPoU1fwb
-UTI2BYKuDyt0XmUykBPSWxOtp9S58fIOCJkh0nyj5QtdBASHZUHP187PmkytRmMvFbDHCJ65SlPq
-v5Qq+VfhCn+RkrE0X0UtXlQNSuKi5C7dcpW+BH2dKiVMN9SAyC+Mactd9RXkYnnLNM1bBtk6cR2E
-qnTDfUCWAMH08zWlXoOFi5hGC7KiDJA6oj81tzrnB5VunzNT0sXtnGKIabdolCryvwrdeIeHVVxm
-0VLayKzCGoiGOGMypsUiTA2H6Y4GIVFZqyftKckd4soYxDCRH9xS3EIJ1BknB+1nZ4nbhZavGd1X
-RQKLBUYQ+iqCg5KnCGp1edYyaRrrspH6m2Wa3WlL93SO1iNZJxUyzKoiLtxI9nWFGjRlW4vXiOIk
-o8MEjZ+ldeJdniqOutO61sc2sc2wiMv4TZvI9o3bpv4GPgcbX2JU8443oN8ueq+CxlqSgquC4aKs
-mju376onhH541rzWsJlZS4z5KzLfYVRmWXRIfMypfuNpVFD94CF8GoSjQKAEiOiYaPnKkU+q08og
-sRGr8Dm9H+7HyavuGFnFO4/ZWAJj/E2QTfFjVLDtNkVjOgi+4uXDdZX/z4b4uw3RRiz0qw3x7fCc
-fD9qoppUP/DXRvgVFUcqL+F1bDmW4ud+2wgNtRHSR3MMHaW9brMJfdMqMWyCeWXQJfnXlMlSZDkd
-ohK7FfImBen9N7bA64H6u0M98WG01TisgGuwkYxb6uz03Q4IsilNasksPwBCseRrH+Og3KI8CJ7K
-0rYOuRCKHhBj6u4du/9sSJnuRErFJduq23ct4TpMwjkeYGHcXFEuiZTOHYr7XrdYKgVzZnqfLBiE
-05SlSxINi53E2Loeg4kh3NuEIMOy2SM5pUUcI3ihoCwi7U1Q2lN5ZFXqQNwyk6t9djYPx9p+plUn
-pkPsjUYaHSKP3gydfB8ucDNxkR+0qvZMZhlgajZxNqOZ5VrCcfJhcKx1XhanfAPoKS7NWFW8xIrc
-d6UNmmUu0nNUlsmu9cxFJV65xHKX8CmXobb2fCja8EzOPs0ctIFX2R3uyzLJLqJ2zoPo2sPipFhR
-62h8jtLmzxYvCPT8vAP2qyOkDWrgUyiUxeKZ1TGLUU+y0iz5zCB8RjPSnuDblZWhpMbinMT5pB2Q
-EysEA8ujfID9Pi56CNIli7eR3TimtzNTkYy7KdLroSVHNI4MFt8yn9pc3LuFnna3DUaIii+BuBu6
-I4f/LAj/F0oVTUv7l5Sqd88kiVfxUFc/LAtff+zbsmC4f9CUcNxvFTLP/rdlwbT/8PATQobiEf/X
-iqBMQbTHmAnjfrWvmsdvtTHwbpvEIeZWyIlwgf5bpqAfD54U2Yy92YJYFwyG3My7f1wXlnohOa8f
-3UsJAXtZk3UxXkBVKXjw3PYfv1sp774uN/9VjeVdDYu7/5//Vn/Z/y5C1xejN6MGCQEO1r8x9WNH
-2FCjBvuSaMRwXQFLkjrniVZFxwzUhEQf6579HExZt///eGnm7yzN6lShTiHfr3+plhtiqA37sijw
-ThV0ygMoZ/ginoLZgHzBXNzrHQAS5sUoen798uqv//GTe3gzad6ikOOLe/3yppXGFdWTdSlKDQ+y
-r03DlXoCzSVFoZyuhIpe+/Vrmj82qNTl5kW5VbCacvDxXtu9qgZRV9wE5sUBrMdBwrcOZuliBvXM
-IHhqBohhdopaaTUaI4T/ZBiHzy45hbtCc7kOLXqiHVCgTOx7rQP2siykXri+SeZE5Ey6cZquRKl0
-Ud5pjK1I4EVRgRb69edQh7PX1+4agokIAzPcaxelj0FyFGi+L6QHcq+MDBKg/OHc9nEKPTKhrk8i
-d/rPv37VH+dQXy8estnA9djKwb6+umFg/3qZcDrjkqEaffzqH/Wq5IueifYilfvdsQFIAa5EnnhF
-Jf369f/+YGJZ82H0A7bkvnnd8EUgVeUs7cbl6jFO1QNDgLq4w379V8zCP/ZNX3Uyr58VSC1Plk/i
-CJOaV4tAJL2h0vHgXuw0EPcaEtScYG8Fi4ss2HIit+3nCZwjT6cO6O0rUQeWB9VAnmi/+bp/9sGR
-xLBaslnDyjN/fFJNIJFBq0f6ZeSU1a5teFL1jTmU+oTGEnf9ry/zzx4SDNPqueT/CMZfTSKMBlSO
-Zk3m5coTqmSCZ/6aonglY5WdCtGbIG1hSeQuv5J6sGcQMsCRgkoeClV90lzYW3HrqMMoTs6bIYcq
-ZAwUT0nCcTCsroQ1B/XIfAw4ZBXbX3+IV0bj6xfooY63dYRJSNtft6KzIo5GXwbGJYoyWA6LQnVd
-7xsxlIDDOgaRBRXfB6YYwU3po7mI00XZ0WXQ7pmaIFtLc5uk5mVesI8bkd5/9jtd3P/6ff5kFfQo
-iYFNMYJHQvWqY64Jc5zcyDYuDgMtTFIqrNJouuaDoZhZbdH97s5WO+gPa4cLOfY6UqYBpMNefPWK
-5QDcngTx/jI38IiIKnWeo4DU2ggZJ/YuBZPrLBe8FXQ6aFn6lCXVap5l8JAiz21IXZLDZwuryN2V
-saVrPASpZbNwqnvieol6dg3AcClt0x4u6UliE7gBDmAfTI8PtEjCVH99Gb8Oor9fEtmsyYIhHhir
-P93P1+Ozxc8DDw5EfMESJYm0lwtALk/L3rQIl4Z9BYB+XmfelA2h6WgFgYcTPIttkBAFumLuZulr
-SRrg2swwb+nl4G1xqWvDPnH70WDEHkuLEHqHoDfdWogj05NZe9toZTyEulfXqLVjmThrEoyJVMO3
-wZOR9TPx7GTjNas8Qzlp+011wdiWnPy+zG7M0q/PU0YuY+jXHRMZdCfaewOHPPppWbzoeW+EBXUA
-qiaABQ3vb0o+SzrCLo7SpArTgf37CDOKyXFrZY1yMQBZFEnA3N2uex3ZN+rR1eR5WvM0VkU2h1bk
-eQ8BoyqdBnkM+KAzp3aiPo67Be9fQKCeO5j+J1rgYOSqsh/y/YJKyFy142hzbAfTQnYWBocbMx5h
-mzRTdMRsETzIeSJV2LOnuLswgTVsju1D5WDcNWHslIigmzsP9H+3FoGdRKGfcdCKk5FtN+cegSbP
-I4dGKdi0tMDjDaUBgDw6Abw7BZfsA5syofLhglECshBPDaQJcEP8mPR6xTNU2DyEEgQMC7LyvBuM
-BznMOZRKhg8Ivxp1rzli+4Xo5FrwtjSBhB3Tdl0mTEpT4R/sOCUkANHYi1/RxVnFZgLxN0XSihww
-PhO8jtAeIRCHRyhwwPreY+1E0jb5AnWvb36SQ10DgWr7nReY0ZaTVP2xDHrnfW1hU27dJvnMjSL+
-jEkIUBHOcRXqI1/POomGiqC0xqHv701rbqwScCbQCCHg9SDyXSEk+mwDH1zDu4mbR80hzZ5Wnd/n
-9rGqmIw9elNU6+SEABiqvbDEdq26ZpIpOvYvmtFAf5RqYDaZHeV2qqHggtYkXZTJuRE077VkotsD
-FiOrupDUz5KEeHwSu2KBrlCT1YbrW2np9NinGGIFt59bf4YyiRcN6A7pFMVbofV8YzICwlhKiVp8
-AiNKfK1Ksk0ldyUwZ4PN1Kb9xanQ8LD9dD3frGssfKlEHWprndYptkmQVrjMSdEGhciSndrxZfQI
-El4v0rWfI4f8lTjVqVcHhY/MyhkhVbQET1fYSE/62sEdSV/WbNYhD9rHpuwQhGEoSIC7lKXFXy9b
-FbbMiaNG4adYjy5KlVyW9SmvcvOxRYXCH1KkxWGYWJ9ZziKmc3aAsB+mG78SL2TXMECi8KE/zC8s
-nsr59R0uTgeDrlgNBQAe9DBGdh4huQcA6HlXVypN4NXi3nRcNvVUY0W9rpHUcP5N5LCJXoN+o9rv
-P7eBupSBgkH2dKTR4Kt3W44jk1ALydldDcjUxBiSyjtE5/xrDl6je3MF3cUxuFoEYQZzIypDaYIo
-mowl2FwDvK9cQavIFKPVZHseRDPDsaJ6lCbX3ihVxjOPJK+UJ1P/Oa25GZgq9p+nTnlciZO2D3o+
-Oc++ovvRc+k/N4UCYwZx+yHLS6pfkfby/looLHkLRVRkhftsCur7K6iza3kzwvSzzxDs8WWnnmUd
-6lbTz1hDNKB+kX7uuyKvb7iN+O6Iv6R4r1s2nl6RbCPekZ7pFOE1fgjUmTnwz1EJT2VOPvsmgo3w
-zBQNlwSJvbI+tL0C1078DIxTegzEmmodOJ9rgTOqUiVfiLr+evix1J4s4deVIaoImyGGlrfZCnPl
-aN/OjiQfunRsPDQWTBu2Hd5gYwqggr5WzRn0CCP6hPaPF6+uj5AROaBRJ1omlEHsPEPYzRffnokS
-CIDxcoLwKe74zyA22IAr22Ftq9VRBXNLujOkQWFAU+vg8k2fq97yDnyc+mRNmouBesQVjV+Td0ui
-breHCmWcB3V7OlVhnPU4Y2fKUc7igJ0oV20/k+NtM8dasi+BylKluRV3LepXwpPp6vFm8IhgFLBz
-rtmgyD5iSr3HLPfbAtYZaNavDNVrJGBS0stZMRjh818XAVREULFSaMpr+LrBjSsJY2vRWp0aV718
-OUPXuiZ8F4PRfCDihTTsmG+Vcr/dY4/jW02hMYUFGznXYQbOGlSAczVAAHdCxu5z56NbyhFQlfi5
-FyDAscMT33U97+R6J9qk4/anK3EV4CYLhnENdbfjNu7vAgwp88Gv1ReUtSg7tyaZKnsoesFTOiwi
-wCxF6hsK14GiyPRHaiBzjssHSPHOs6UACKZGDuI6yDiG2MI3HmeLCMiVZUoDoHGUBWAe00CFmzOd
-WrfGLO6un5CdiBq5d1mBupqR+vXAu8xa82FR+OYp5oiasnSTY8WR9nFs+cVapQJsrsjfBeNb8bVi
-vG6bctG5o5oCcbvlJ3z2xWmYW5u+xszELMNuHDnJqKvWMRMJwmw28OF06u0kLp8iV4jUZhx4XqsE
-WxRhwTxWWA0jUCKLtR37gnRwp49ZjtKchwthKatj0nc4uRJuedSrivSbpJFrbeaJsFSZwqnfOEy7
-nXvRzbieyC+lqap1uvP8V3q8wjNfOV2kJduHvK21ehME/lwcy8nlp4sxMdsHlHszFXsEJnuNxBru
-anZd+4QJMAU6J4s8pUisjuT2wHklKbknrhfg61qkDu5TZrIuqIW1iwmzWl/v3ShW9F0xQCcRXio/
-dWxDl+v9aZtjtMtoBOwI4LDzW2/0uUV8Hbm1jQ7smMQS//zXG6LEi/2lgTBAjms3dXstqxBxy8Z5
-jjGgIp/mrnBFrkijZgThVmGMjbYCVOyobkPeK4MUga4G8l2nYiVCmq6tvdakCYGICbBYqj7Q11xL
-ZE3I+gG29qSCRxxOWO+Ns2HzEbjljEcncWu4qEXMk+XBIbw3PVjsWxDH4m7M6uDJslLjDdz45cJJ
-nZta1wxMa4Pi5F5XQOa15FnWkcfFHqJr+jyZRMyFvFk1g9iAYKjElpwZrg0sCnXcTdEW8giIvGpU
-7zYbUSRsrFbyunEjgQdLu3NXDUc1BkLkxcdOzOcmkczn7mYYrIV0lAXwCmqh5WHC7yT2wzhVyRuD
-9Of6ANbMOHe6Qjg4/sArxGnN3a4bkA4fB2ekCIm1PHjSZ2DNVSPU5/WC+c4GTfYw+qJ8Y1oOMJtI
-A16d9XvMX/oKlF19glOefYmtngh3pY+2XI7UxIhZPMDkwdxnacOOJNN5WQ+0PAMqFOk+5RmEYCdt
-+EJrZ17EThsza6tXGMlWcUuaFOaz8pA2TXZr2b1hrNk1ywMne7FXyfHo65qmuo1qq/4SiIJ6wVWY
-dgYW3GFdbw7+Roh+0I9I3iEaZxEiy3VAYPe5HG0E+ES3FAetNhWaz+Orawss1w9xZvL1dGXDP9vA
-4CJZDhQ+OoD4W6wZ/A6OEcgBEzVOqUq6NgHrDKGFCk+AHgexyDOjDso5Ea+n2Qp4VIOkhdutd7y9
-aPFoNpk19QGjDN6puG4mUcK6TfO/zv+sqTHZXYIGyq/aw8msj54iJGCKDaMWOyDgDVrlTOHqBta0
-GvZSdKKfRoqpglqniiQ9NwFMegHa3IDl+tlcpB+6Vo5rjtvJ2lauyf7ZYbpjcBKzWi1uaj5e6WXX
-dTPIcnG3QCCzgDIxqCHKm0W9iQD7A6GEbhYxKnmcATl8uCL/64F1r2NecR4U6TuNtPyo1c7WjdXK
-vCw1OxBnu2RvOkn6pz25en9yGvBs1H/gHJy8DW6wYKoKo61Po8bOXOYV+EXPW3TvwIFNDErERFgx
-bsddjaRgW9im6XNWgY+o54vx6Psw9PnErEr0ebgkXqaxbUQRAOjdlTPtMnB+ZDgPvbdVGD1H8Dws
-CpX8tWR29PKLi61wRZes1LdxXgKdcOVgbnnl5DHpRvEWp8Jyk6DvfEvceB72PCGszpx2FtLpTABB
-nlvq5lrajXbXaW6NJmMJKn9jdZbYm7GjvYyN5XyGU7r8WVBVfmHG1VNuz+QyU1eZdC56/cagKCNY
-z5/fo7d24alHUQGzAydIu8F42h4dS6RnbE5+GGdu+q5shvjBpcYX67EEjZr3jgpPceQ5sJrobaJ5
-+UvdSv4mp4JzTaVcBfHdUmmcWEH8o/5FQEDOJQlp7n9Gvv8nPAUMN6W3+2cN1Ls/++G/ntIuTqv0
-+Ychz9ef/GvI43l/oG9yFXHiOvpVWSN/DXl88w/XQejE1OM6azHpU32b/ep/uJZugEfAOQcoUFkA
-/5r0MALGAuGCvlR0OKa2wb8zAnb9H5thCsbgMmMGFAkxg9X1tU0llvZcVFmcYCQCMV37FaUMwuL+
-ZAGqDwt7oPANsqW8tzwNdn1M0Fcq0hAtx7zPk07LNhEa4W03BN0DvQQN7WdB2Qhsegf6lR3zml9f
-C6Lsx2uqvVAB94xTvG47ZmOkst3t2SVoyMHtbeeOG06BzEOnKQXFLwd7qL0QEmTcMbL147dG1cM2
-mxzYUYGbgdCdn4y+QDlrR718u6CXWPOR5DadND0csGNf4rk2jozqiBMUVa9waFoxrRctau8dCP43
-/Ajg4E73pl1Ta5c0arI+TEQ27zsLxPQyy2olekt/B/1lOmWWLh+jRlpbaDLJHb5xvErBoj45MKl+
-wzQFgDDdly22IDTpCWmFD3HigC+zRLPOen4b0r1xYn96W+e1o2RQ061vy61P6uJaa/U6jLF04xpO
-7eEhbzLvLqoN6xKhERUsM5yBt+Qd8okLX1vCYIwCzFITpGaW9ZUr2yLkPeeh1Q/22q6DEkE4LLZI
-WO/GPG/2tCXpBkhzZ4zJG+BQE9up1O0i9NCXYFCc7RUa0MW+GTSqGuK7XVRJ7jKsonLYB7OC9PQy
-w5uVLsZGm0hKwgFklWzbhOcGszPeLL65HzL9Q5qZTjjyWTZ5NDxFldSPUADeSuh46wDF2MduzuTR
-SBpvRdZmEmKU2MR4vMIii+P73oazHdI+LW7hbGMfq+AlcZXLxFuRNOkSNtW7d7mlRaGWoOuKusi8
-wB/MNk7sImZbmj8HE2cp+unF3URtypo5Z/1RsK90mQvH2zfETYH2GsK+G4XQCaOLYQ3vY0bma6gQ
-+SFxuyg+zYNeTBfBkaV9hgzYf9TndvySZhODmLJxTkhcrYfcRcmOR3+8wRjeuuuByN5hNTdldzua
-+kd22/Gs4e/bmLP+p12VH9Gh10AHEakdpswm6xaI2BsUAkYflp30P4DIHx8XbSSzd4qKjdtGBVpr
-Oh7lXrdHJ9tGLuIl0ojn+WMSL7UeGpKj2abXWnB0edYZoDqkuXE8qO4cPyedPL4FO6Se6DdNSyd5
-LQwZXabGvCOD98PSBx/0blx1dJk3nacjywjclG6N7SVtt8PXZO702HTfEZvwCLf1T53jAdZ/r2g2
-HVMkKkrqqjdJAcCAnCLl2nRNPD6Wcc/fAPTE6pNzDw3Ld4P5IAxaq9zMdsKmF/ezedsH/RLv/AjL
-IPCp5kOZas143w3S4y3120wbo7sJyd2qa/PmFobHFPaTK7ajHuykbSWHHFZsezGBf5T7MTJQpSHo
-yk65pWf5Ju2J51wBk3Bue4hfG8+qkwMnXmPTNioa19O00AD5/c7uSumshuVEFqAGfbFPdrnP9h65
-prZ1IsrbQJfztrLJEsCzm78XjiXDMmvnk596dPWGEtsDWg1sSna+AvjuXGhK56Bt8wlKYFKu/Sm3
-oViV7THLLVRs49jsoFRgFjHK+HaeHPDcY7bAGSt05+AMfncr9EEjWCJMxgL3Uh6HZdGDjU3jmkJZ
-s8pt1pxcKd7jx4XkQgF9EEu0bBz+1Klw9PrWKCygI46tCZSV6OZojYPY8w45/T5Wqq69WEFnPWJp
-gPUBIC9MHNTkawlpZxdpUY1wpcjzD4tCtNvCm0+ObWQrFoiPRe5nVPtjgrPbC7ot3TxiKpbpXCyx
-/EIXBaAZDXjyk2OScr20wYcZ9S925Lah6yVoZBJXYSNMfTxEpSxoYUXdTVqMH5X5ZAusbdpXSzvz
-lALkXgjWnmeQf2U6vBC8YxUbz/b6G7tEqzrFxkPMaGRvaSWZjzS7113lZ7vC0wgFX2iUEeezMthg
-N5WH69mgmbs3u0o/6NIzYJ/kycGdYTGqAfDJHeDpsGP7277RTWgRRkA0ppfSqCvuI3fB1NXH3o5i
-HRBEpMzw9J4UW9+3V5R09hrzekHb3Gxp9xglZ8I4b0NdWHedUa+1WpgA8HlEb5MmphzUydTIiaxQ
-J98gdBBGHkncieB6tCdRli0gRdF/dupO4DhrYMFDdbmhV0GFTujeoVuCTwjry0PsdHRL43Ez5vMn
-dFzjRqdjthlHthujSw5+18d7xE4Wvhv/PBnR/dBX1tkq4YL64+Rc8JuX207rz7HM7ke91y5zkt1h
-WPaPuL1NnsbiHHvlshVuHrA1pqDk4cD3LvTPvsM0H8TVypkgDII4km/tnH7cPHJd79sxjV2oOwMN
-N0kURL0x2Tm7FTIm+ED0dCTpEGQIEVbsMufQN0kUcBguUz3Q3s89AKQw9WiAY1jBhMdZuEKRK3Kj
-gHfpDYYh960RP+Q5eMlwufJ1+rywGWfQ7lrX6GdWiC4hkOiQdf6UV0QP6tb2jUkceBI2QIjeWc0o
-3pW1Lo6ewvyMCvjTSm2G/VN6GP0JmZ8Y9+QzS39RcQ2mBFyQAgcZJSumn2vus1RYIeq57DjpwWiB
-RAc75C8jrjm97EPstRtMdjPmdYUpMkdt1yt0US/9dotiGBfzlWxUViyvOT2vboXZUWzJPo6f0F03
-uK9IOewamibIxbEWpVd6ko4RfjXXI/4zdjc8XbXdWKeuGctkM5gdojzGaGPgc16a9K1D9ADNHJn4
-2br3Rtr2OQdt2ROtRpJCP40HPZHkJia5dtCu4CfOZRg/EGMEbwx4sMO6HpY23ZItDlDBDxg3wlj9
-f9ydTXPaSBCG/4ord7sQkpA5JFVrjG3sQNaOd9c5UTIoaEBIQh8I+dfvMwI5DB9O1tIhtVROhrSk
-1kzPqPX2063LGRLYbwA6KQJfTRvT+3M3WjyQPM7YSLZy0QmAaFzHYsgTLCqLm5cCWIWqYQm8Ko8s
-Oj1IppVHRdflMIZzNS+QV/AA8idqzGGaxua1ngzTBSxZyck6h7tysSB3B/wUjBY0XIhap2CMu/rq
-FMF8Lh9i2QEt6EgACaRnSCzXUAK60AEO3c4kldyusGB4xbOk0REUEz0RvF+6Ok4CYKE9Gxbs/tzi
-EfOCOwpzxps1cp40qZ/vZkk6zS+i1Gx2EkoIw47RcqnBX8TnIApmbtqlZrkfmllIU2qAZJlEk9Hf
-BUoZ6hvzPi7YZTG56WuD8t8u/B8deL+knHm+kY9Bb4GlZM/9F9pr625ouJDRJO6fZjlszS6HE23S
-7kNRoFdSbj0lkjSTS+ZMawJ9xpMcmubKbPQiXqEio0c3/00PDV4F090vojGwRRyAMtv3pnnuNE+H
-E7KCQrOJp+JWZKcaKQSj9bRcwnGAVzu34DouBKTTpAHkdJLAl839RH9ItUDvmq3Mp8+SNevycq19
-TT/ttGuulktyKstskMfwNWJE7TTtzVadKTTYiwDBtp0vUIRDrwiMK00EyMxCLYQjQIFcZx6saNkz
-TBaUKgKZbS4b1hjh0uozkqSXwTm4g68h3DazQzyfQsnQ4se23/CeJloDKBm0zza0icnwlurVxi0k
-PnROjNc7Wpa27vWXJOtkjTDoNUkcd09fQK9TAB52c9/S2Ps3aFID56gDFcmdEZrn/lUGne6aXol+
-b9VgLx62vewRkL/OW8Kom4SL6Rcx4W31dDpfDqaW1bwjSCypw3OZLNayyYaFyKdLSSh8ubA7m09b
-oFC0OQr4Zb64COYxcz0C9h4K9igevTnYQCXeyJ21zJcby3Ozrlikre/LBOAXinhQp6HXXvVBpq30
-qywygrWK5H8j+d5ciIQAgZsTSX6fOlH+4NBFKnnt5iu/LeSHj8H7flSKrA8bOtnOKIyAmCfyDEi/
-KuJPVHc7+YTilIrzfcuCZ3NZ6dj5+EFvn5m8iKWVKBoaD0T65u+nbYShyMJ0ZDSkMvnwPZmLLd8c
-u/q3L2ztxrd/o5y6Paaj86WA/CxGyXZSpEliYVcwe+Tyd2z8uHyjedam6YehA70vPnAFtr1gmWek
-XnAOeYzi89t5wTTbKAqVnNJ/dQLpnya1dHBNYZ/KD17ddgJ71zNknbLfx7rqeX3A32go6AhfSEJV
-84J2ZpAXo7oQzdMBLzAhmA3QSaRoVX7Wqbxf8sIv/Og1sHRc4Y2LkCKc+FDkOfaDck7tf7+ZT73x
-xw8yYig/lGUq62P/iDiflPlSzPmtL8sYUBxn8983F7h/aOVY5VWVf7wRTmRHIzcvvsg3pzmw5wSm
-Pzz72Z4rWVDuC9Pzx5l8/KCc59b9/4nheLZjV0p9K9uFqhv4quG2HJXVDc9sP7bj0pK8jWxnmaRV
-LXdsD8pXtJNsXkeUyrYDL4jssYJbRg9P/Kxu2fedUSJA15fGpEt4umFGVjV+6Xh2ZkdOaUlahpxX
-g7PLJewk+H7SoaJz/qzm+CnbqGEUXuF1MVZHIVp2cv1VPXPtBLyYUC2zNLIBqWr5Bo8LUdophrde
-lG9XNdwb264yAKl+1WoIIT1ETnRrUGck2cgaxl/PHwOjU72MrriG+9cLsh2zyNBLpx8sVnxdTt8K
-p3f7sYmKG60Gw9z9dDTLS0vFuKC+v4ZJ8jlIRbznZuhANYyNPq33lOhB4q+O5aVvgybepY82jDpu
-Yd+OY3vkprGTJMqYhmBg1OESMXLFxFafXNhU1rAW9AVrQbzbLIt9ag0ThracsfwXhkpsaiLwr8l6
-kEa7pms58cBPdmJIU4PpVc6k90/2gfMcoQtW4giSCt4XV14EBs7SVtct6Bp6DdungZOd3NjzMAa1
-oExM7LdrCIDS/q0TxU5eOkFGKh5OJfyj6gomjfedlRgpyxjG61jRpfFvQTQrT3Nz3vKhuvJ506nU
-PenY9CsQ6mpGbwhZFlbPAfZxMZiXlVVVzR9rFHK8kPeXFssvM48difpUQ7lmu4Yg+yVyaMZeXnlx
-Kw3SFuUf3j/n/3R8P869pb3zmMArN9mFo6qnf0bWrujxrwVW6NBAlGChGvYS6wPsD8SSW1Tx/B/x
-vhPHjhK5ACxIYU9V1z86K/WpcpNGqWr3GLmioiv+dqI5K1t53XKIg49s1rAWH5RcmTT4K4/1/tnz
-dtF+RY/8VC9W1b6IR4EfCyWs0NtHlgFWHST/UP8FzaA0VNzNFnTj8g/HXH4o0/Salt7PP5Xp5kP/
-TU2uyV+MPMeOPv0LAAD//w==</cx:binary>
+                <cx:binary>7Jtpb924kob/SpDPozR3Uhe3LzDSWb3FTuxsXwTHdiRKFCmK2n/9lJx0d+zuTk/jDjAYYIIgxrGO
+RIpkVb31VOWfd9M/7szDbftiqo0N/7ibfn5ZdF3zj59+CnfFQ30bXtX6rnXBfele3bn6J/fli757
++Om+vR21zX8iCLOf7orbtnuYXv7rn/C0/MGdubvbTjt71T+085uH0Jsu/ODaH156ced626235/Ck
+n1/eWN093L942912D+Hliwfb6W6+npuHn18++ebLFz89f97vxn5hYHpdfw/30vgVR5RLxMXLF8bZ
+/Nvvozh+hbCilDKGHv/A9a+DXtzWcON/ez6Ps7m9v28fQnjx7efvbn/yCr+7qoNLv65G6tZJ37x9
+fMufnq72v/757Bfw3s9+892GPF+kv7oEU6+13ejQtfquwz+/vPj4y4J83YUn1//mLjDyKqYxYZSS
+r4tNn26G5K8EXOECs/jxz7PNuHgYX3x0bfUfL36wLU8n+Mfb8qcPenLz15f/P7hn6X/+z+0Zla8I
+Z0LEOP66Z/jpnmEcvxJYEokZ/rppv4z91YDSW6O/uNbq2397137wqGf7ti7A/8F9u/7wy9r9+7ZG
+8SsmqGIK4z/cN3B84PVILCX5um3ql7G/7tv1w3Qb/u0t++OnPNut9bX/N3brz73mr6Fkc9vdbh9j
+0HeO88dXf/G4z259EsqeLMAv6368//kljjnY16+hbX3Gk3D0n211a8Ptr5Hxt3sebkP388tIgTUy
+LpCIYyaIihG40PHh8VLMwFBFLARhknPFY/byhXVtV0B4FBAeRUwkixGhjEr+8kVw/eMlCgESw7dV
+TGWsFFG/xv9LZ+bc2V+X49vnF7avL522Xfj5JVfk5Yvm6/fWuXI4jfCXIi4x5hxmCpNo7m7fgMiA
+r+P/8NoT1pCeHblRKu15NFy0thv2S1ZMJyb3/LBErpxTN47zPXdBnvGK+TyBcz6+ca5HSR+a6NZI
+g84rzuKLxWb0WpSlzhPRCLvJA5MXhRnCm7kc9HUduNlX/aCPdS7wJ9dkamtKWZ4oIrbdHPznIZTl
+YYpUqxNdjlObhL5Z7lBTRanOckHSbKrI2zbo6iS2xp5mkpp9T0NCp86eO050Gpus3kRlXZzgIYxH
+q+u6TutI0A2JcnlS+74xSWam165RZt8YFZ/NIR/KRIqJXE1RH19IXaFzPGt0PtM5GpLBUb8Dr2v2
+2JH8A451fIGj6hJPoj/PCL5e0Ow2WGR9Yj2LowT5hn6h81wkYz2LVOHBkrSt2+4ynjFLcCnpljI+
+haQ1ut9zg5r7cYRBaEurxOvW7G3vqhvPSuGTybBy39RTeYhD121GNtYbJGecdpj0753S2euuL8ar
+zunlLp7H+YNte3qVV2o+0LlsLwQtpysuYHEQIXrnM96fokn4zzXtp81gc7lrBjPsJa7gNfJpSlhl
+zWGwI0l8xfr7KKaJbvmc0rg5JTY/siyatr02KKmQs5vAs/O6aupjpKKjqWS1yb1b3rOh9XvvB/4l
+j0uXhLLTp51g416gODuSuqgv8SIXsoujsjop5pBFW7qU/WnD5vJdPuv4o/Si3pZaNCdZI8a3zTD6
+6zhj+nxBAp2PAU1D0rdUv886Fs7KHpm3zLFmXzNF4mT0Dh34ZGSZVIbSq2WW+jzP2bKbpTQmiRol
+31jd4CGxnVcgxehwJkaNLuMWzorLO5Gl5cLMXT9NzUUmhDnMU09PRdeYfd0I/bFXUn/wTYEvbN7w
+q1qZ5TAV83SBooGekpG7Q9u7/HXHXLguFxqnUx3MsY76Y2OzMUtiy9UF8Q35aGMszn3OqqPGpjmU
+pWF1UlfB7EZW8NemGU9JMTI4jr49RKjb9kXe3Ra9QnMyTxXekiaTt56OD9xP9TGfmyGp55ofnc/Y
+TqpGbWZpyTvKqrt5pE2eRjkjH6Wy126gy7sQmnm/IIuuXCGETaYii054FFCRxFShi2LAHKdjJPxt
+yNryUuaVNwkozPhOZ6rY2wFuyhdtbpRGdTrQqN2ioapPyxw2caRUH0VvxEYxU7+VNHSfqYqHNukq
+fN05e8zJKE7c6PfWKpEuQtY20aasrijG5g3PzEHMY3cissUeWVW7TWj6KunBWX7sXKyPktfZbtbU
+b2TopiSzU/mmCYg9LJN3Ka3KIl2KuUrKhlcfJIqmG2mb6KohtUthQyVK2qIiGy9wcxm10240wp/6
+dlBlGsc73pX1PgsjOlcqNntvroYsGz5E2eg2laD4qkQ5PVisUEjNiIYLi4b2jnYzzIShzYgmuXd4
+nLaDwX20LSRVHzo5+yZp0GJ0MsrZbe0y56+X4Kp9NHWLTuaZy7QdJhGnKhpdkmfztrdLCMni+l5t
+4ni4yZeZlYmp4mZj2tyDmwvaJKavl1MXTf58thnaYhx9KEnVqiTPF7rVJpYJeACUxq0VqYn0+0qN
+6GhQQFuHSp+QsnKfjSiW08wV8RWvlTiGwKc6WfKou9JdVG2ktCm3TbgVpZz2JeLqEgVRd2lTU3Qx
+KIdSldWLSYgyYltTF7+LIWpcLKwo3reK6bN6GT7FSycOEBGXdC7DcBFypuEojeVZKIVNuzmKz+qe
+tZddmfnzEo3+XZRpcxGqutk6HPIdjl2+WUjRbHnw9H011uQgOnjLNlNuV0wleVhk3p+PPG5uGfVr
+cOkX9qGojb7pCB5MInQV72gZ5/t+Kaqtm/MxjXBWXGKswYnHjCdD7qe3qIeltwVfNvPcNdswEXWq
+WMzLzWRc8ZrKcoSDhsc0jhj3sLP9sp9z2u+tnrpjFS/NjemzvcZNua3mbLmsBsq2zTCgJpk7tJRp
+H1mW8HzaCe+GCzzk5CTGefVp9KTajESoZMAQbjWY+GnISHOQWE0uqXwbf6yE0JvajuiDydrsAJ6p
+OGYd2cxE8MulL6O7hkl00nQq2tW5DK+xtubIWZTtBMvDlZlHdZOPKtth5NHbYtAIhpNZlM5zJHa0
+kO1FO/vPNizzHVp6cP992y0hMRPL9xMd8WahiiYkRKfcIjJ0iW315JPejbyOEmx7pMGjaXSlKGoh
+9pdlft1zECJJ2Xszp5bG3ZXPvTm4Akw6mRpZVckS2tEmMlP+S9w21XEwBUnYNEZnmtTbWdn6chhs
+deh4/5G3PE/A1/oiUf3Yf6468ZHr4hZl/Rdplo/KTW8sXuo0WsYGxvP1sbVy3rZeXxOfNydNIeX1
+0FTkXVWO9o7GYnrfZnDjYEUER13PXVudNDm8RX/S+OCHbm/E5BdxDlLL5iJZSIX4VhPXsa1wujib
+CJebfpx6dek7P4sPQWRfej1TdTDDCBsXzQVpdtGwDGnm0L6fQfXs66Jx57rxkfvYgAMF7RUPGzxl
+1c5Xc16fqKhqN2EsyQZEXnWK89me9K2WH/nM/Scks7y8zKbCnMqC4/a6L5Yi25ulMotNpzAuLiR5
+x8t7VUwhuuE+m/gWF0NmExfpyh291HRjIzTv29jZ3SDC+yDzMWmn3GzQDDvZ5ez9FJHxIHQj07nu
++gv45rSLjQQ5aYoT3bKzPiYqT1DkeFLlEGUiOUQH0CI3dinMthBEnkAEid4Wkc7PJmlwmls8XwxF
+7i9a2M2TpRuTrtDjLavi+aSNRZQEFvV7bKc5sf0qt+hC+iTmtD3V+lhlu0qKeTO4rDsoQ1laeaX3
+QXCUzhm7qpcibEof5ceF5d2xz7LspK2JPulQfiawMSmSuDkrMtFt5lz6Tz0VJlUTn/faD3pXdiHe
+RjnKtq02bjtmrJkSV1QQyLImpBy2+dCjhiSdIfWeowx9YX0GMrqpGj3pJFYU3wtlhXofUG9luOuZ
+9BW/yTwDxZFqb3Rtku951BP1f+eaudV58Q0A/vrxX9euhr+PgOq3X6788LdP57+Axx9+a//g1sQ0
+PP/SmsT9+qzfUNiaOf3KxZ6lYl9R5Z/kaT+8+N9L4uiaSf0oi3s/O4Bs+feJ37d7vmVxGLFXiFMi
+IZED9Ap45dcsDmMMlyATgwOqvmZq35I4xiFTg/RNCSYZqFkKGf23JI6hV5DkSyAB4OOQVJj8nSRu
+TdG+S+GQQhxwMIVUlTDGYgrJ4vcpXNaPWPPMjxd9fZ8HsynM5+9W4w+yRFisHw4AOez3A7QTNXUz
+wQCqFEmh6qSPb/VwoeO0qO9/PBR/lo8ihZXiFBMgwDHkowg9HWvGARtuGD4vuZlR2SR1RCgSM5gM
+qTz/FMopV3eFy1SH9mBhIVpSZ/is7QmkuT6v7513Suav854VKJb7rM3RHuJD/6AVUro+61sWInaK
+RLMcTYjLrL1WJZpPBYtcdj37blcSzU9CV+LL0rsSFBioDtulxBLIe2nLu4QMIhpDMg4Qqzbc1L6o
+3vqY5EObCmYH6TYwibpLtJgJiIWenLS40TfzZPpTk/lepsswm3FXD9rQ+lSCD97wSSwXCld8/BQ5
+JJIqymudqI604Iw4o69ZJJvltOziIno7okgzu6VDnsVRk3ZV2U3ZXppWh/3/e43vqhh/in4oRQQs
+6c/Zz/WDtVBceHh44je+3vUL/cGvBJeAYr95hl/ID3pFMacSgBAGiQ//fk9+hMJIKEYQAzaz1kd+
+IT/sFXgZAEngbLhavc3fchoS4P73Vr0mv7HAMUOYgncClPTU0uTc0qgYuT1GQxVwsweRl5fDNotG
+SPm7Giw1wUKS8awj85zWwc8bHCa6l3kmD75mOsl4FuotCBt8ETwT11OFqq3QCKBPLgJPx5ZugfJM
+H+pp8n4zU05vY4jsR9Igk/YxH1Nf5GwrM3nf26Y7DjTkew6ueiNU5VOcVZCuLV2/nweEEhlT5pIl
+nsKOF75OjVWVScrZfWCNV7e2DfWxn/Jlh7TY9UHKDeoGlA6Aol5jyAMOdtbmmhR00MkQWJcnlAj3
+ocC935MhWk7CYOJikxMhPmdKNkUy1Y3xSd3m+blr5+4GrEydTeWC3vRjSzbWyKuhx/E5KiHhVHWe
+fzJFWDPlajgssh82lfZZkpWo3bcys4dRgxBp6XzlGidBcxK7E1E1J0s/4NdWxie5rTbcTdVlpLII
+1C6pEgyCfGvy4JIe/N/bFlG7HT1DKVoYO4vLKRz7sESHLFrwCauK6MQE22wr4pe0iMplE0rkzr0o
+ZLH1KorKZBz7a6wbtiWYy7M8q/meNbjeEU85PDUsV81AwrnUUZZUPbkWUz3dzVUvtqA0iySTVbha
+qgweNAuzE72bNlEzzW+YLuXnPpvSxs6fUA2eCDe0PPSQv+yBfGfvBqXdriwzca+0qObzfiblec7r
+KjGqmYp0mrp6q2ozbHSh1CGItt15kImbGWGyVZyTJFedSdq5jT+r1o5f8nGOd4ArJpX6rLZbsBt2
+xeYxmLO5bG6KHpc3kBrNt5EAgZzYhaPzyFXDqYoQSVyNYJN1DFljk6uQCJKpTbFU6iRDwr6meHDn
+ZsQ3xRQ1XRJR5g8KkNzV5Hx0oiwdXpO6jU+Z12JKGiB0bapxVMtDH4Gy37WhWoYk7llVpUs/jSdC
+L7vSkiFOlqmlu4I1KiXY50XiHakPcw+UwS4xJC+E9cimhvT1ho7LQECr5nITMASEiSz1ZRTxQ8x9
+lRS99eetILfOeJmdeWqm4rTB5r3QrXxTO77PIoWjY9A9y8jedLSsZDLEo43vFjZ7vQWcsLxehilc
+hp6o+i62NFvOmAWOqbr+hjcTvWxVX7T9FqjeNctCuY3bHm9zY+OT0UlSJ3EWzLxpCtG8aaaohgRY
+z0N+gEyzam+IGVk1bTiqbFdsrJBOntjAVYg2NS8JgoxZwLrXQ7PsMlFa0W5dnqGPS+HHLkVNlF/4
+WdbyPbAF4ttt4DO+slPcZ/cQl0Fs6yVOwMMlBWYR26LevYWTy6tExXU/JnHLcJVOg9FNgrq4/Cyj
+bI4Oyg7IHbkzY5Q41ffVZujbKk8gW+rZ+ZjX8bt6bvhthSWGk4JmnB9x0SGghH6cLm0n2f3MaFft
+STYNkILPXtrNEOm4SjqcZfHW8gqGXEzeiqSeEL6m+eLqFFheXiZobPQefB+M2FVZBngkDnWxqXNd
+0mTQsXWvpZqJE+nc+4J2p5UZOdo4N0RJLieZb1FhxetpENOOsxE+IgP8uuWwxqnA2XxtRkVOW0hX
+26RyLVCepY7HfcmoOLcx88dKx2D3E882vDIM1E1P5b7HBBieHNTeFW11aYk5W/IYy6TF3J1NBS9O
+s6aROzd2rEgMUxKMaoAEddPbHiddKciJku2eR7ZcbbUE/5ULvW1zR6Mdkhq9lQa4hyBhwSkdeZSI
+yNoLWfTujRqkuOiEHz7yMiNzQmh8CvkxTYxv8aZa+UL3iBqWR+xQrwTCA4qAGLXybSZ248op9COy
+ICu9yBec7SZUqhu+sg22Ug608g6zkg+3MhATzehksCi7W1ZCMmd4E6TIj+A6swPIM/ShklhvQh2r
+jwP2gFm6lbiUK3uRAK7PGScA1PxUbZpxLj8VhOITvnIbBgCnW0nO9Ah1OlrgJilX1lOu1EfEZbkt
+qngfjG1uFum64ywGSGlbu+z5UAM6KvE4pkuIhnRcyRJUi0Amtitv0hRcfEwo3zQttcm4cqlpJVRk
+ZVU5AWrVrPxqWEkWW5mWgBfYNaEC0IUBJYNrBPpFH0HYsDKxQZHuHMsFPww9cUA6gZ1VOMMHsfK0
+aILxyMrYmpW2lbpptlAmMhfVyuL6lcoBBWovOcfxmZLYAmW15VlVTHrvaTFcVI4vKSdGHAzgPr9y
+v3klgNnKArMMx/CQIEAJrKiwX6mhW/lhmApAiXqlinzlizER7a0C5OiDqDZ0Wrqr9hFIspVN1nGI
+r6qVV+KVXI4hB/w21Qgwm0PHAuXvs5V0YlsjEA9SJlE0Awd9RKII4Oi0UtKxcP58svF8Sh8hKkR/
+v5ki2mwYLgCyTri7iUjfqU0fciCBTE7beOWy4RHReo5A3Mdq1onNSZf6WkFamaBK4ByQLBoV4DEw
+6nboNi7T/JZMCjQFK8olkagET9C2VVyDVYm5kG9pW6ocQh6kAnlxHcTc6Kv/1/ff6fsnhezvlTrk
+yj9S93/Y0bKWTB/v+6bvhXgVS0pB46/CHLPfqruACF5BPh4jqDxAXVWs6vobF5D4FeVMUkFB+K8p
+xjd9jxV04xAwkBhDHTGGFo6/o+/pU3m/jogJAoG/UgtgD1AnfpK0G1y2Fo8Vf1A46/oYCkOsiYBr
+NYNe3nHeN9Uti1oedtbPYWabjky8mFLIgdHn3LbMRqkjUyVP4oLP/aaKI+sPY1ybcG543URz4qqJ
+N5951ZWT20RQFytpmkvJ8IMEydW/MQWgvFtI95vsjtbUiwsIBVAVTWqsA0yFNbytXxcYdSNkDIa3
+VZOskLg+wxBNYcp5XeP5lNTUll+iMDi457st/UuwwUSMoPsphqI3VOFh1dGz4rcEPdUXolAPUMCx
+pT90NTPsYNgQWnlYQt5p8L+6gY4agzJNst2PhwfM830KBuNLSSWFBixI50CAxuv174rvS0lVAOSk
+70tc0UqnnYMUCfKHmES+3LXTmLfdpi2AsRZJxKKlsZcjo3MgKWaLGOlJJwobqsQ5T1t8EXPl4dqP
+J7nCnd/oEtQC1mY8BUdo7QJbj+XTOU6FjkgBqeK9iNoBkU0OdRTpd0axjiJg+50QnyognN3xx+M+
+hU6P47KYSUI4IpD3Ph+36WcnXUTVfT7DmRMJlEdM+FCAirV5Mpa6169tBj2VXVIUjhCR/Hj4+Hev
+LaFXZ02SGchKsKGnr53zQUdoKuh9JI30NOUjEvwWDCnqjm7R0lzoCDt8Tis/92+rgNBSJKEAnIP+
+YiYrvnuyAZwIBsmNElCeJ0Ahn86kg4S6nCub3WXxYnm7d76poQQYZXWIZyBb7QS78ndfXknAloIr
+FCMKiODpkJAqZqacUXvPxAhWvpuxWHC14+3YB7bVKmPiE1S0CfFJEFKKT6CPhzbeDtqhZvyLg4Cf
+eTJoEo0RAysBQ4ViMFSZn84mj5cSFEoXfS4gp6mjw9SBcC5AU7sCOjj7sWQLS3UdZtIkE4gimBXX
+qOjfQnEekLuNQFK9jaHToLUbz11L3oCus+Hzj9ds9affbxPGFEHTKuNYgg+nzxtp+jFTLfLL9HkC
+IQSHAPUVgsVC00hB5UK+N0RvG0CYq9F0o1t/6Cbv/+5iYWAy0GgGtVJgTr/v51GeBOiiEe6zNSDC
+o7QE77WMyTCjbuanNOPg90MOqc5tXXILHrVtahD3BxWVwIESX4C3XT3/XMBdVi9mOGVT1UDi8uPl
+ws8NDBoVKeAjIUH/QIupeBafoFJom9gu9DNUMEUEDR5daEx/6ZdONzYdQdjD5CJZD3DNzb5280ZV
+ywzos2myY4hbU+ZpvUDbzWldAJ7NEgvdV1kHPUwoMm9A7+ZQ4YMcYgKXSKJyxkCIl9jAUyudjd7/
+hZligHZPDgARWMXQzwU8jQsOh/XpMYWTaf1gh+aT5I6XPG2Q4nAUs6yP4zaFJpcIXHs2f/Wepmdw
+rX90Jw3OFFyaxo4Kv+tH+tcGzZ57cQJqIwZDwkDWV0fyLNJVUxXqrHDNp6YFK/JbGirFzgkuKOjc
+0M+wHHE2mOVdXUzzLBPI90dfpODwR/Em90sWHdqalcu7NuqDuAB+swqEiQ21iaGdi6/b4wKN4QjN
+g+TDm6Ytq+XdYkQ1VgkyZg1aGlYfNsjZuIBfUqhgLe8UsEHYO8rLGX6EBeWgrBseaNgJ2a97V025
+BoEBxBGGj1UezWMCFdwSHuFAPMDMdWRXbdA1gJJupyCsb3bQVIKHt4y6pTsDRZ21iTF1S6DmC8Br
+OuRQOs4/WmUz9m5AA1CbrVQ56IzBWwcS5ceH/bkLh9WXCDgw0CcpoLrx7GjQbLY5jhvzacF1aHNg
+OEg2UD5wpTNH2vsRHMWPR3zujaB1kCGCIW5jkBm/GzG0KBRjTcePdOnXwzj2bHV/JMgKgrcYPBef
+shJqpj4ZIZkJ+bkExwLn9MfTWOXsE6MAdgPVWwhcnCDCQCU/NYqFDr2PYlG/q5mtO5p0DloMH5wv
+PHijogoWQ4eGdPpyCCoHj9MU3OVbIAdkcImScjRD0pHcQ9VEibcTbY2akzBiMbyB7B3p1PNlcqdw
+iKBDqUQsA+TCMoFXYy8QnEM3FKAujllZdavlD4zT1wTifTMnFFDsNHwtl3zt+b/86vC/76h87teg
+Dqigg259a3hbCjnB0zeuRFbY0Qd5M/QWgYjlbUtAxA7Lem4ZiCx2KKAFCI7tVMUUfuTdo7KNRLMe
+adqXI8neZpNYjzTxeqnbg24IXV2kXwLCO2+GJuj9wucKrC4b61VT41nVYJ0SezCjH2/i0z3k4DUE
+W1tEwa1BtVM9l0KQUHtIDqAxtAjV6sOWeoSQ3wRu+6s5Uj07+/vjcQQKcP0jhHi2ghLa7DBRqL+A
+V1896JQXHoiZqzR3CfR95rd/bzywSyg6wvutxViGn/tGOmZwXAZdXmRlDkHaViB9yEZWBjo0bfAS
+XvnHA5JnoUKBpFSgQyBMgElA/+2z2OeprRcHJPhGdQUFZ9U1+bqjXUT71Rc+Okb4jxmAvXfQhrv6
+TAg+q49uGw+ROyow5EUYuhHgV85Xobo1cSnZQY9mPVh+Hp24yPwE39IFXc8MNIuIsKsiCdy5US0U
+WtIZAjCcn794tWeyHV4txpQRDL4HcQYC+unx76AHUZrezTc0H1bX37UebHUxi3Z3HVIVsdDk5Pzy
+ThK7Co46chhO+CRqk8/bpRa4y3cxjfrxBmR/C8sxypKCOdNhAfdsdRSDzbLRNGu46CEOHTRpRogT
+HUg8GFB3GYJPkLRiWIo6Z7AUXSeLqEu56UvwMUVMSvj0dX3W2FL9rQMFxT4BnfyQunAgXdDA/dxg
+8LgwMQsfXQ81wG6/+5ovkEJNQ5VCql7k9q/87LP4vg7JKGRKCOI8AnN9Ft9R6UCTN5O8Dj2GE9LN
+XQcHCsQUrA8rG+b4NhsjB93GwtAZFtxAkw9oQIgisEpjO5nuUoqgsnIHXbQKvCt4uOFNC/93C0Jq
+HYEn7SYLkf/btuV+tLCUk1EWnA+4pXU78mpaNyIqNYYf8VzGwxvkagcz4VUFwb4S3Zr4//jIQYfD
+0yADL79GVfC6+L+Y+7IlO3Ft2y8igkY0erkPwFor+0w7nd62XxRO24UQCDUgIfj6M3B6n1PlHacq
+btyXW1FRGZVeDQg1c47OML38Z4uK+nqGFidsHzgHI8XqxQ2ZbtgaM/FQpDux28lwW+iqpmlKQWFZ
+KL3MTTy6LOS1RvkY3dpORuSeSWgyG7Oq0H2LIW2+WpkjRTuUkxq/EzHuFpxKIeHS25NxfSQ+icPe
+VmKiuW4MCvLZndc1ryCiN5wBLC5kLJM7CN0S2k6TpUkjwuIsq1WozC5qPnlLQtOFwWMx+N2u21iH
+KBdEnGmaOPJcjMtGuiYOCaRsF01XnjAUxAyypYVDwTo25T6u+w6cAFNRXwdoCl1tZi2Ks6dll7WQ
+3YX9w1qotP/oyNixNiOQPDaQoVO11UUHMVNL+3Qdmi4fu6syzRboF+IVuk86xfElWROenrtornh8
+0oOS5GXLfTdEL1TFIXwIS8iW+2hepug9juDSfc9tUViA2r6bVK2VSvj8joZ9HC6sB1x03hWppKrp
+oLKUN6XdZ1O9JlJU03eo4JQPkNMum/lB3bKucQPyY07E1cImkwN3hbRuLC5MRkPxAHIiGoaLLyAF
+GfkPDlpuwSiHJKssud8z5TGl98TOmr8DD74U8WmaCDiMa0dZz8e7KQ+D6U7Cd8vq79acdX1/jhRR
+ffE+X6xV14UgvKvOmCsFlPna7zHqpHGu+pXWXUQKs7Sc2V1s12s3R7y/rL3E8d0MdCXYYL3uXf5J
+Ra7I52tMjjVizZqhDkwenEYZS+sFLEcoHse0LPFjeftl1Pcj/gy6IoKvg1KPmNfdQWTib0RhdZde
+JSGKSmjuRD648hImkUAylhN/FBpxHvW4nS7Lcah8DWwDQdaInINcfNxWverySbBIrOO5HLIo1deD
+22jlHwuR5T2tDaUHyFPaJefDRzD+YJdvCRlnjFS0GWzZ99i1Dc9vo4zZcrxLegPB+pMQq6jYaRXY
+CLqT6pMM144t67ikzUdjnJ7ijm+9aeHnELZqpyWO8ulT2qUTvk+KkdIX11XGNBbAAkY2rVyPE6RJ
+Cn58CK4fNWBtDD2aJMJn3H0D5f2UFWfB12PEsnEZ8EPNfMFhLstjyyd+6aqyoeuiMAH2CQXcZaFW
+4nX67Vb5ku8YPiNK/IOzZGb4tpEnR0GQ9MfjSTThaf6vZAzHOE+ECoBzkYssHkU0DRUnP4xBh2jO
+tu9RujZrlWylafqK5y7CEyTOuI+LmFw/YbwivqvLwcIk4b4S5XHJPZ603p8LzCx8Q4Y/Mq8wWRwT
+rLDR8eTzLcLvRiqPofE+wUtxxFZmxTX4acbXNr/ux1qQO69AMDl+lwetiuchJ4xmDVkpELValzzB
+WPyaPWyfKT6yFNFxc2zZfg6Gw6yxza+mgeZ7fvxfNucDZK69jZ5/DXX09vJ/D/Lb6wC9pMN9mWqJ
+C0imiPvXAR6O3l76Kdtw0ybdYY4GWZV1oAWBaHSK1vnbg1K7XzDVAGU4211PCd1YXicD91vxCFZX
+YZR8Kke8JNUALW0D3IiBVx/i7egiOpmn+OVYdrF5pW8jqDRWEPa1t3viaY+mt9FqKtbkYN4PuCN+
+e7Rv06Ngw4jxKUiPd5zycjxuPhykjDl3iT2+hhNe4JebMnHJX3YostxygzvNjuF9m0g7dLy4Stzk
+8SlJb2e8D8boDLNrXvhx6W8DCinyjv9RY6ZIeYqgIh7E9Q5tTdCXLgZECGaqh4baQ/JxVKl6hlfo
+tfdlal6TopswfcCpy+PmrUf38DiDHDg+EFI1/CC+q/BjnOJjOcg9P65/ckXH1xc3dmPXn6euwudy
+kyXwMAzzVibLbfY2V3ox06W8/BpyKrzF5YQ+G/AhOAEUvlzofsA5D4p0L+IXVG6i8i2Ey8sEx9EM
+lZptcsFhTG2XUQMsHoHAAAPDY+LuulTdsZwdzlf8bthcIarzgGIxbDcZncegruCdiWHiGikZpa/Z
+DAPCdUITh9fzxcz4gaIxHx/g7cJ/t58tSh6vCbA3A3JkfPDDwlDJr1bg2xPeKf+xmBjUCicIII65
+D4V/AdQ9ZCbFDlNZPjoIbySOWHkK0cTofJ1THFXhc1wEgf2mG5Uahqtf+LxYRm7F2fERAMK3jcww
+xVxpwTEcl+znmoEkcMSAzWwd2P4x4xVY9BdYdfhaXC1vtx5oN2OIMh32AXc0dOucn4o9TrDLLZYc
+w5egO8JgAgA8pvgbIF3Nw4oRSFx63O/S9yl+WExwvN70wJYjmGh2APWUpMNE4XHpt0LeZzqxeEWx
+JQco4HM3Y169oVZ7ko+WnaEusSy97pjZ8Rn7G5bJgHMAhjX5Ica+MCgWiy9SohmFU2ME0pPfyoOE
+hWKbrD1YjW6owNu3WcE2nHnzhp1GnNE8H4Pn+uzAXlJXDSA3xDh1eLvdRtzl5xXlGdxHK5ut7R9o
+Jg7UVzkcd/flwLJigdLHyI2dAhNQz5+LVefj3AILQo9Xl0DVii+kg9bU1DgM6dG5RmTHXRWTPI4N
+mbNjutnUQsbbvo2kWBSg/ayP+8zfrDvcROW7YXdr9GxRTAOm2bWhxRfst2iBo1XvGAEBid0xjfQE
+W9T5V9M69qhXUVlTqVb9paAbN8krCWMxPhSF0Rs7k1TNS/TH2icisBNOtGzM63kEoRA11ZiUFmAX
+WYflQ9wZ0XUNy7eMh/dridrGfKe+9yb9PLMKWM/FwlEpaROl+zx83IlLIZRzOB3gjFuSRKGmLMuc
+usRhlktB08bjl1Dh1+UKqg/6rbc7eXuWRgsg7k2ew/iI2/q53YyjP/Y/unXHboLq/1i8/SyPV0w/
+6RAmoB+L6zyJI7xi67bjhSwD3CNPgEIOsqgfmcZS7lAtsod92RJ9Eliox6qkEBgfLrmfUxY1JXYi
+CmUl/uiNYDi206hrbIBqsayT1MbVk+OwIqh6jSfQEWTbGU2vVwP7KRQQ0X7gqzNafvyA9gO7hdlj
+zG8Sg9B5ABB8XDkQBbz11xflluJIM5gq0fNbxzb1Yi/hFZu0I++Gtw1reENuDUScmA3RaA5EZLaF
+JQTqHWkUq7kpXPTs+lzjnpcVtKi/6dPuKOM4CfiO0o/HZbmfCw5yNJwj0FJCq4ZSJj1423ZawzEn
+SwYfSV/nfJ6kPHEBIQw7vw0IgPVj0xuq4iixyJxE4hbaE7gu/gFJ/K2hBziG/QEzOMXmBr/y7zg9
+X0DKgABIn7lSBa667LqA1bAqbLMmIscKGj2QLA7Zkjmu/R+6u7/2dsfXFwcTFVNoR/D9vzW21gUF
+pXUJ7O9taxQA1XEV6AOwkv7+q35jJLCaYmBO+C5ggPhvceBgf2JjV0hOK4ZS8t9zJB6CUo3RjJDH
+koIExI5c8OOhul7gCStiCR7Zr83x76/ld8wN6lr8C0iqgL4A8zz967Uwn6XAw0X3TEFTFl/6PDnq
+8XmG4Oq0K5TO/zTO//mFhxwYCoYKGho869+A2oHbOBllzN6bMOGg6Aac+NflBhcNcOKfK/vvbzA5
+ULz/4cvyw/oAiA/a4LRK4a/4HRkOoyAdFERost52jJXvBwuyFdmW5+dA5sqfhWa7fedWOJhb6eAI
+/UIyi60hmneC8+gfruivMx1XhFaqoji8SjgPANH9hjtuNI5gwMzM+/FtUa2o67DGgxsY9vW+8j0e
+ASfuQAcpZJm4AhPx40KEzozbG2/Q2Z9zmBzzuA7YWrYGW73By7E+WPIAt1eaGciifxKE+m2b/fub
+OJbDn0YV1w/6iWDCQI9CAMD9Br+t2x56u+fDVTlFdsibUsoy+1JYPN9/mjH/+VVAhSsweNCqoyf6
+fWVKlsrNdUV39XZy+hzNPG47NRBu/dOj+Stgik+HQoOCjAdAi7IVG8Ffl8MUL5yJoOm3WABV/TUL
+0mI4KhubyaP7WWHOk00siU3LurQjmI56ROU0N0s2hfJFrDHW7N+P9i+JyJ8GHJAbhoBCuBNnWInV
+79tjHIMvgsdyvtg9jfkMNXw4VBIuJqlTf8z7BKK9UXMHiJLWku1ouuol75ZE3uLQgzSoa9SgAaDc
+pQQtfPwkWd516mrDEZurBxb6IQlbw1JQYZ9nYyS6CStSMpmTHN0OhVms4mKWbWVzIFZ3WUhUViBj
+4CfPOBSo6bNHNklIF++HjnsKKY/zRZ8AWhCQkFyhXi972Y6R0Jgiv875MsLbeD28nc4odKG8rYuf
+u8FbxT78HM2VyxQ7IDqs4zRdfRqhLlRphXJ7Sh2GG5VK4cqHbB4PID9620g0SFs8t1hXCezNw7zI
+ZK+n2dKpbwtdjsLV/0YODE4fXv+qB34WImD8VozvbqrjLCyNz8w1SvShSE+6UvhKOaA49zcxWJS+
+a0Y47dGWABYfxfiSoXqk2UOxLZToa1HE0dFTz94CroRp/Ghn6LrNEPPzwUmglwAySoD1teBLpVgT
+wcW/xrI2GVRN6RM1VJfrqTOIADEf8o36XX0AbH8wbSil4rR4UMsMLP5DrwHadjBLE8gcztyaJBGN
+TFC7/bGhg5urm7wIa/olycO2VA9Erky/mygVQ3oS0xzFaCjBlYSlQX4IOP7TpDY823aFGtxucFai
+wfcNKpwkh7iQbGy9GxAUMe8IlxBrj6aUVhZ8bc/j+ULicVlfi1gOG28ZQd061bKcpP00AcCIXF29
+UYG/KlkDnr4r7iqJ7U+cJz4WqUMx+rNcAX58lFvbtBx799vUGH8WVVM5Duh8LIVSR9fexoVMQN50
+qsRlpMOQ1usQefoBe6GqnvVEo/Es+7zLa9516zMMXdC6bv0KozTx2VUPf+e1tMFfARBQ70tI3ptA
+c46cjmWMAb16+4FhUl+RDiElNVYffxVWj5+6uFctPMfxVDNuCYziCZCZdMpvKx1/UQOW47Tq4kh8
+0G0JSSqebhzZM9SmEOqq3j3uYlziE47A5VRtcTZixhbyG9fuOU2IvrUk6m6lnxc4z4HkQiDTXXnl
+aMvpWr2Di8RAb6D77/1sWDty3dUbmaY2Z9TcVHsqzxubwE5POif46GqbGiKm8rziI68rtDWvNih3
+gR6DfTd0QHZKSMa93qjIzxzOjmeN3Jm9HoF0zLAoqO5lDXv1dYymHB2xkx8gA+9PcbrENySmvIex
+N8ruCNCus11mGJxEyd4Bg+uho1oy+j0BY4K2INHJe58K3p/1NkWnZJbL+9kT9O3YCtoZARg32WwR
+pJDLtWpYSRmvPvU+pds1lBHu25wSkZyU0wu6hV7yrfZZXv2olrxEMguL7I2kkEm0JFnEu+CzAe2G
+VLf5vCSmQZCE+hqLWcMLTOLbuUiOGcryg9vt/HoTUBXex+XgrwEiRzf9kPG0rbD7fYdgGnLofa8S
+ju5TR59XbdYfJopCk/bJ/nWehUqhdNCQNe77jJnLR0TBQMllXav3dQg3hesQbxPDrvewJSU2YnQm
+jV+zMbshVTzqGxuMPafapbcw/oUagOnHfIUXHibiB5Jg+fjZLS0QOrijuyB92eabyk6kXKYHzYn9
+vOmA0iYG7d7NMPVAmzE0Zd/luo5cRr6CMVd1lo7TRaHfrtNYLu9CMg3vZr4tQzMsS/di+GY+2aAl
+wlmCCw1LrBa1wPWBCa4AXWHhBb43JFTrE01nPsJY4sVXIfVegyuRHycFw73WPnlHgcVf69TCrm1j
+dkP6iXydqyLcCcDmHug9cfhSttTMRQaNnYNDuopUX4/JQL/aCDV1W6HMEXUuZvNUrMUAB6Upiob2
+e3m1JApidCWhOVk53CBqgtXMheQitC++2oy9rGg3X3Yj9+piNNlqYWT3Y8OAXPhSOndCNbU9L5bm
+rLbEgPgcuqWOuffXBR30xaCcS2CKmOkLnRb6mgWdfRCWqVd46fcfDhO8hSMzvScQPFwgxEa8RzDL
+M8q0qM7Xyd9FcOp82RFic8lGWCeaCajsA99igrMsYEeKRV8BVsmH4qoEv9HoeRKXIXf2BZqzDNfv
+05sknrKzKLL5M+At80Qnbq+SbaTPUtr9tpuFOYUSWy66Sdk/TCRebqwj69OEGJUPtqrIN5jGsDmk
+ZoN1YJNYPICGHpNscbfBlut1v4ZMAf6opgsrJGnRZUL5CfSAXu+RZXcM29u7Pa34SwXa/LPZq+UD
+DvwOxjBb3u9JtEBbVfTnkbL8DkRxkjWLpGNb7duUYb7b6YxUD/U0AMl+6oLSpoFiJT7bVZjPenEE
+3ph83+8sJe4WAqoBTbZUH2Dnh1qddzKcsnKorhJQZw2sPOSx8l0GgNtG3yOWQht3t+Vkh2d4kwE9
+QVs6IMPV3ZBnvlxOMWIGx6UeqWZ3a6S7J4AV40NEtunjuNiveE8HvLRPPsKI4VrhSvEQqIAsNNdJ
+f0OVTr+4CE7oZuRIZ4EEyb30qffmwtPD/U95Ut4Spmx1prGEb0nySregQ8lee9DGbUV3WdZiXyjy
+cjI2PagItPntFpkSY13E62LvDPXgS5JgE0RKESMfs0Cid+VEe90UwXJ14lTb96LrvTyBOd34rUSI
+Qt9GdkJwwAabQ3Qp/Tzv7+FHto5fjtIjbilcJaMaMGpq7YabAa2tHZukROXS5NIxfw/QQcxN5pLu
+w1ruCmlc8VjcQUYIt8qaoES8XdDPLh8RcrFXFvuI1UteoHDqJsidrvxSlDd5GuJJfNizjaUeWUEm
+pu4mxWYXX1cEwDrSbLbJttzPuXumUTfA35d2I7W1jVg3Dk1EaHjuM6h56pST8Z3akmi/rAWaMxiU
+TRrfrXAjTk0Ks1F5D5vPvrYQ7u2tAkB0I9KlbxBcONws0RZm8TgiToTuMDvJKQ4S+RWpHA71mE5z
++bgsRFSIXihEMabAqWeF9VCBJWxcsiHvgySIloC9BCRnLSegpc2+BDPVmdzAn5RODFdTT3J16tZ8
+vR96oI2tCH24yjqSVHCXxrwEsiRscj10iBOptctLOI5WkMjFki4PUU5D2UjByFyXZMiAaAH6+pjo
+yH73hw0ns3pLL0qxJDt1nqcubVDC8Ug1oLghkVvrkhfvt4ioEoWZgx9kbLCTLniBgnc79N+wCZmq
+OHE9aoS9mCTQ0yDLBDZNnQaV5/dJ5Av3Ak5UsisBy8zXzvsv+867l47rLx3VuajRJsjnFRKJE6uY
+vcQ4PGJsEoUFi1Tut+OWjg+IxnJnzy1ttNG7rkvIR+Grl7l8thOymKyFvd5VPcH+6hf5benYfi4V
+srFMF9g9iLoqbhLEhZh2x2FDnujMs+cSwibb9h6QCeYDJgx0Ov36PVF6eKfNNFenuSy7u1lN6tmZ
+eelO8OZ6dg3wtYPzRgZ6LZVAVNFkxvOAPDIIb+LkRBeubgeWR/fpEMhtqsH9qW4GB0zRFrVpyvzX
+yZXusoc0hZ+mxCHcxtSb+aSTQiESqFqXa22PVC0ENYXGDJ1oSDF7XdNEwh+mINR013OBmzttwIqf
+d2b77wz0sbkI0FStxaJc630b7ANOeRz+MKuObS9QX+AS2HucOv3ZlbRoYFrmH2EvTr4AwApnaF/o
+RcVUnktdiqcIvt/Gy4J/iif5Mgoo1Do0bucyZeKzWtNF1Xmm1OcsZvbGpRlDSpQNomp6YIzIOktx
+04gYOZM++AZNePYo0JbceMQ9fBt4Vn4ZWJd8GpJsvfMgQNtcG3WdAXn9CAwbSUHY04KuMxGb+4Kx
+DHUrNsdjEpJviM5Ck75N8ji1Qzq/Kl9F/WksevCJwGRVcT3lU6+aGdk9CyibXQFzK1cB096IfQSu
+vV7k96Oe01fO+TLU6YhrqMVY8qoZ8LkNUCTMCQ4P5bUsXFq2aOH9aFFrDd2N1Gr5l0bXxptBZ1n8
+BQfvamsaVau/ipahaBctoqve5OnLQb+fk90Pru63SD/meRCvzlcaxwM6z7NyDKIixfLsDgyYvdUb
+tBm17VDS3AVkB74O6RL6ZgZa5+vej+HbsmxYK1iU6NOcBhj43YP8gVVXeH+ahM9ugPV2UB71YUcx
+DznrD8RveHaWJV9uyYb+rY5Qjiwtshyi/BQZCS1yvPv84zKP4+dS+wCfZza3YxyZ+MGtZfIMkqqi
+ENeghquLZeXjZUVRdYPdb1pPwXAuUMpRlJ4QQ0TqIeNrEjWOHQrBTcY5/HYaKX01hB2YRA3hkgsy
++HMH5YOhcmjEgCLNno42FglCcPamqKmzie2fptlNw2OK4LEZLtuZDdjSaKF23djEdeN2gRdaTOSx
+cBmr6iExffZ1hJw1mhofVUGwM3inISDfkatC0QbddiC6RkqWnF1T4sDNt5aDBqpg3YPKnGzt5Dcm
+h9utYoB0mtkFmuin0QO1yuoA+Tl1Z+u06T913YDAm3bFUgEbAZdQNtnaI6utWM4darXp2nEXyT9m
+Mwefwy859IfN24CyemZxCgrjoqE3WqbWbiSKxZNwesBzQJYHLM8CCmtA6R7ye9z+DxnRMsY4zmLa
+Wqp5yD/lNk/58xvmGekDt19GeiCMacKCvkWKy8GAg3Y/6ASsw7383hGG4MQL9N471ptJZooEQL3y
+iMMxDQAuQmfLxFrgiMB2vHx0HIBCdbegoEQioKDxRhrXzc4Mlx0kEZ4WjjyhBJLw3OQl4kQWt023
+mcPt7TVSutN0bqAdySR7zpZc9wUSpQzvs5vYObMpyHn6BTUOeofOnLWuBPbjaEEiHcQ89yk0USjd
+NcWOuSFNa14qcumXUm6bBpjpAUj2DZRJDi7tUzcF0o8nvUK4QoEdTKq621H6VUiFGAsGMskzql2d
+EEMR27DtGbmAPpMfdeXGlwgiFUSjKJjiauKwdk4Qbcjv8TSgyoIqH47ikypmRCx4C7lHqPfUgMPb
+C7f9VP/f0L7zT9Cj+ivAqf2dilnWDCnyNUWybfKkMwnNk6fgU3U0Pgsa1vLaoIQra9hhNxhtp3WY
+LnaJIQYMlUZeGKTdw3e9x2zA1kokqwuco65dsn17P/cRkvi6NRpPqEDRITKh8/xiC7LIlskqvEY7
+C5uGg3k1yftq6Ie8RTr79M0iVwaxpMKjNZj2CBFnsRUJP6GcsPOV4/ngv3dROBAXVNQpzLAD787w
+j3mG0DWXVNC4pIZODYuJUieyxfNVMqvy8+iRfDM3yH3oVANAsc/RoZbb/AB3a+zaNM7d8gkKAqgP
+IAWFWK2BNMLAkg7fNuQ5ALceOnTesiYGdfh9AG8V6jUbylM5FONNdKRIzBCEw/QBiZqWUECkm5vb
+asopmJ1o4ch+RFjhXoYuqjNI1K4MEjCQSAfA7HUH74+5weg7F8UK97nrM3ISw9OGh90Syip6EpAo
+/IigAQJ4KHR3F2Ebnr+guVz5u1JIe1RdWdpfoYIpbiyCcftXbJHZdsk8Ee/VmrF7qA27751NMPLV
+ugeovpgDMrLvPUIW+nhFoEPunlY7wlasYa8DyVpKhd20lDBRDDl9nwA+LFvEja7XCUCLvl0hMfnX
+mhH4G/NhJlcTEQIqP5s/G9ap85JO8afCzklNS8j5uB13OAfmfavhy9oe4PVEBkXqZg+zGczac017
+T/11V1iIvOZph6qyY2vA5dLxUBigG0YGRrmlZxAtoCvjDIbHtvMZglZQ+TCgMIiahEov646Mum7a
+5vvMaXfXIYiwauO8g8UeegL9YQ3lAvHugoy6GqR6+YVYjiQ1iQL80URHxTsjcnqqUVPDcFwMjELV
+MZietzjQBQRMgEueYPxPERZZaF2cBg+dWpshneO0m4D3dDlUaVBfSN36TP+xznw6pWwOzbrk2+cS
+u4W/Ra6uRbCk8dX7ObeLw9fluUFD0AMFkqm6z0aW3lYc+RBQ27BN1jZh9DaKePq6jcjpRX7G/ATJ
+m2ggpUq/wq3jJkirS7o1fT4jNqNcSb+1DgZ6BAnaamHINe2rEfuvzcZbkaRbfl6KNUfsI9fhAcjV
+kAEMUHKrRy2TzwhM6LZaQs/woCDUiE/lmm9oCmgKt4VhcS5PMhH8w5AHuzY4N1HVoT5veWZNdYxb
+8bhmK2DoLFXsoRpl9slArNDV3o2fs1mqT3ZRqub9BOwRwkTojTqPKT/az120xh1qqxA1ESqPe+tg
+O5qBu3yZOhddW4FF3dp+KBHQu6ibJUdyDTry4Q64QHkVsbj6CMS4LzENuuJVp/DdBxLP773d0uth
+VkvaCI9cTlRrsYQCZQLEU84z4lEyJEC0O7zntpY9DZcpT/34Hi7evrUAt1qLqU4ak+XuhPIluZ02
+xSGxW5NPnG3hE2VLUuvZxbB05sMJqbXsD6hz45bkZHmpUO5fEsKSVwUh96cYb8nrKGDgYEX4BC9Q
+dR/AlV+0X7DqKvcVOt/lSbt4Y8isUnGCdbA/0S5CwoVNiLzgPLAT2ow5a6sSGg+8+241qf2XANjR
+VgGNikGK9Y7I2UR9jKqRPAueEdkQoPrXWk9IoKghWByy7NvmgP7b06CBB9lXHFCD9C2oZLirPqGj
+VVK/t2RWJH9cBFJEwmlGXiskPtbAlw2uPWxCGnAN4O3UI9mgSNkuawoPSdpmKg4Lv44dl2K/hh4a
+sT+sD2v+LZ+IGq7EketFGkZsvERt5RG+YbF5DRCFgGuDzEDQpC/iFvq1ZEfZWMVb39ihsHG4dlsA
+ilkXacjPhExr9aWYpgWbitHDGEbsYzmPEengJ9D9bbQVXQddCIFUCapelPEQJ23waGPRQA2OsIfN
+c61+xCbayrkFtwu922nW6zZwSF36boDoRnfs0GJjDhrQIJ3o9ti881m1oIXps4CEnY+qWpkXLfjM
+Cn0frEx9EA9CqNkhXXctqiI5xTpzs3l1yLNJthqfovutWRVBSVbvmmNnuGJHOMWRULsdd0KKLkZA
+Lu+CL82/XNTtaV4jIHjAn0FSXhbhNlpmNMy3AonPY9GEmFalP/89PfdXThusYQlaGd5ZpD6CpAMn
+81fWsM83WJO6vvw+KH14m+SbTkEOdMQDjxRoqX8gKv9KIR/fCBs3yMrDOww3yREx8GcJAcC5aokh
+7/8h377Rv4lAshzhVAQNMScOmi0fIzGz4b0AKfh2y7+i8X/5j94S3v+csvjn0MX/879FM/7lRf8v
+QZD/H2Y8IlXl0Ej872ltD/i7Su5/AFZRfwmBeHvbf8c8Ilz/EIBkFHLTQwzxPzGPMf5imhwCcfIm
+hDncnf8O6y/xJog0EECYYAJg5f13pAP+0gfYLqGzyuBKiEEH/d+F9f/GuCOkDV+PvymAHFIYClHO
+X2eXEQT6QZgU72yKfKmvCDnPES4IYgE2YyAwEPZlK+Da7arP1Cyja4U85ByirbycrtTaxxekAW3f
+bdY5HEGxzpsgNr/fQvBR/jB2LNseRgu7m6tp6QqwXAhMXzcCtQVQRXechWmq5+9jOUEfCaEttvET
+yjLB6WPcR0v5DrSXBxymiwXg2DM6ORiXitUv8ecxW8ceOWcEySkNkFIAIjfA1NcmVGVUp17itAag
+jHMo8LvCw8BZPfMUUOcKbBELLT0lkiy7PbRYcv4wA89LTpUg/8XemS3XbWRd+ongwDxEdPQFcGaS
+h9QhRYm+QVCihHlMDJl4+v8DZVdTtEuO6r7pi6qIUoRtkTgDkJl777W+ZZX6p6zzhgW6cgvChp2X
+9q5+lRlZMW5Z676mAJAYE7fqDvpMDZpF0cTY+q7Slt/bGiLRzetd9R89gP8vz9ZPD+m/e5L//3wA
+XVQbv34A17Cgd4/f+kN/PH6AUXyH1r/n2wYNCG6ffz1+XvAb7FWTUabnrnI0F+3WW8wqDwXjb89Y
+9VIsA8gm1qwMMKsEF1mrIw3VKidt5z8hqvy8mzgc9dlVPcfCZkX6xl9sicbkdlAIk+ZIqwxVa1En
+zq3Vz+0Z+42/efPR/I2LlNXkZxkP10KKpPNZBFia3u9ck9BpLvhGffQ4lZ6XSRnnfLSCR8UncN11
+S7D99fXWnfCNimV9b3jGsL2yeZl/RSz0GhSZ1te5XkV7DkkliIkwl4txHqRtHXHXu6RVSN/ARpSZ
+D7+++M+b5usH6+joh0BQQgP4i2Ww03QhG2TPx6UfhpeqrFh5Sgqha2Us8iLjJXiMTf2f3vLffMQO
+nxZKP9gr2DG4bd5u1QN81372PdDflSHvijIdXhAQZQvFXS/vEl39xxd0DW5SLsfdS/bZez5Avoo0
+TFQuh1SLm6sfUQzpEHDwtrTfcS+4T7/+WI2/fK4eGWuuT42JsA/C9rqdvNEzKmHoSwKc7gChEVTg
+6MbCvF2WTp+oVLFjQ6HKDIqd2l6Ffsalm5z6scYaNUepWyzkOHjCuwzKBKzdow5nFtym4tqQgfys
+TP8f7gLUu+9vQs8BT8Czb/Nt8rC/e701hLIkr4bx4HiMaR60ynTiK5GUOoaLhmQOpE/GfGKcrMp1
+GOgYDzyD6qJRhR3QXrnuKWNjOL5i+xLUCbCK3ZUcA2AChziagDP6FzJh0GeVqJb7yThXJjsRIwJn
+MTajKQDzaX2GNEWZC7Q0RxpnSjUiLEZPb65gHsmLMbjyLs4CQF1LPzXOF5+yWeHPWeS0RUFq5le9
+5cg7l1XC3SAaLIJDrk/ap7xMA9SVa7vs2Mc5HmDKOKUlTWgiCjO+cZdKMnOMLMvlzWAHk/1B1mq+
+rvW0ZHLmUM1PgW2bUPJZCHpV8ZzKScg7bR7kXQD8349k3LVPY262T0uvW0cXz0MH+nBqn/zKmu50
+IeB4BN3C8gUVj26N0TvPjGblpelLMIfVFLdPVjrIi9ZpxoMzEC+RLUDKwF2Y9bFWgXxyqUhHKMcG
+MhsRO/Iy2j3vtC1sfCWl4ILouOJHsiNA04/+7DyXI5+jD2Lyjh6c8TAGfGmL3wWPM66CZ1dz5SVL
+4Kkz73asnWqywY8CqaVtKHCyXH7cq2lOhEKUWtk83mSF5BiSg6gPbYc3ayoM8Xsxw6+gtKb8OQVe
+nFVHlPQdEGYXvtC4HZAEfUpp9D/6LevpZsA0J7eVsrlPwPrbz43w26c0oZ+VdFVwHQAZfWxLOvuh
+XWfcGYigtQioX3PVU+Tiz2obeTeOqp03k4tMmzauaJ+kzLGpJE2x4Kh4JUoye7boYsPMCxEa8V5n
++gahnzT94fXzt+XgMNv1bbrbMGsDX0tF1AEzOb/+HdpfdVSBwmbdWNKDxnv9kHrDtJkTEkmYrHED
+g6xjqIntrT2gcInjK9peehuRfYTar5N+cLHg2ffgFzhL0b4pfT0/DwgIWif0K2w29yQ16bRK4kbG
+045RlQpjS+MH6jIz9ONsDN4ksVVpdXoSzOG1vdIBFWw6aBzxheLcKcOUmWVLMAYW9msTff0TDpX5
+ZWKEDr8wF0t2NyvNnD8JPv50L+p62gsTVkK46EUTaggVmYyidsdr7PA5i4fWilNcRiQoxeD4MIWX
+4II7ecT4ZGNiz62zg+Ivmqb5EAdKXg1JIx9c3GFR2sZ0w3Adnm1EGxF1l/FZ6GYHolQhv1TSuNXc
+dLjMaScAcMaT8/uAmcXm/sJWFSVBJq8mNJAH228ScOe62XDibcBz92PyQiVtnF1aNqc6S91zq9dB
+zDTEVtdGPVdJyL1Ln3VBB8ChdBlegowexIapcJJtuLmDkx3jpd4wcUISSkkRP1o13tmNodkfQRtB
+sOy759pA4pCXSHwPHd6eib9orXBAGtooyApHvKQG/xCyLssL2xz3shnXaXZwtZhdeumzvRJD++QY
+w0oyTZmFeIlfOTjsJnlZyPV5lIyYzq1ttE9KrIU5fv1n2fjJY+64LJiNWTzkjFQ+5T32fawfDhgN
+nS5Chvr46LcB88wgiJm8zH7z4NJiW7KcHCjeBnksVuU7JwcBbvBpEa3xe9Vr2nJcKID9o0Xry5oj
+oxWStCv86icXHvyXJZkcd8uo6fR/ZCC9yNMj1rUHL027/xspCIZp7x4Nc0F1M81Hxxq1CaZuZ/yk
+CYHEfCuZ9Y47fCMwcH4Wh9jK7BhZl7bzhzik9jT7Cwoa/n7LjtV/xFhrxl8Cf856vKlt3OwWvwH3
+aCbFCPIZbsY1QTMjH10Vw4RFAPxZeX5zgOHu33qppW9ynqo9sru+iBT91yf84ZxF2sHxr60506LC
+mPha8eX2BPfQ19siwUiIYvGFOior989ocNkWGKnTOSpd8aKXeXDtxDixw8JduGm6kTtFJLq/wcCx
+3kpjUkO7ThvjTBHLWtq5OJLCPOD3TKg19u6QBtdi5quJSvgStJ3HnNcEl3YOwUfzL9KCgKNQWklw
+7ZYtKuLELFjvGaAfVDqxDk5OIsQeRaB/jZgIGhUqWpDdbCZVZHm+vKMBx7PkzF259xT7OPl42R4A
+sf28qJwF/3UJ9NKRySb+n/XWn/UyvYMYSNebqZt9PY+jDvjeAbXcD5p4qS1kIaFh9ez85tI5z17J
+/ihoxMzwhrOy3+BfLtNNiRSRE4OCnbP/8bIM6GqEOqU5J4lYW5NVPLSXV13Z94dJjfJumDj7VnT5
+t8ZS1upkzqZbI+FTlS1vMGGaVqSTk/I0m4SB3ZrOxKvOqpb3Ok8LlyQIR3kXm5GKYLdwsTRWWIyT
+Dor57OsTluFE2u5pLFCLEQHiqPuYyJQnNzVYWFWv5ddz25Me8vdyIBuwqGBdZNZcNhoRP2OqfQe/
+ESDCmgMZ8po55WSaFzyacua28Ev6CFEXDKCJASK0OEdlXex69C4LryRbP1FasohLHcW2Pra+w4bZ
+s1Tdx+s3mueoFZex4o4rEeicsSZTNQzmoiNqckS7Cgp8J9YfDU3RU+Zz4mh5T39RG+/hFpduG2Vz
+mqT+pSzwTbNVtQiCmPokncp2qsi0xED+wmmZYCHGEahSOW6UOiyLDBleEcVllW0wWDGpJ2dhz3iX
+M4hnpvqpYE5yZlw4RfisYeUhl9xI0CWnMl/aG77+7tL4rCzFlIJ91YLspKF6QbmZsvVA0jkkpmsg
+kvIABI+zw/vo3A2QYCRVHsBvepaAXYnX81nSrT4Zd4aeGHTdDUYfsO6PDTZmwD6lcalRSDchxxB6
+FxOpU0bBiWRwq+I7dmFn55NQcwjgQjMS6ib0LY0Anm3X3+u++66V6jaQ9nzkvuZggLTnNhha/dap
+1LSZiFdzhaoOcnTwAqBXuJdMUnc5myi48BRRAb4ldIb2jTTH+gPfNvtyLcsTO1+1t6sCwLxmDZFf
+udskKG/GAq0TkQDqVldt8rHV3PGpb0zr3ExVTnZaonOAlN2+DEo8oxPzHOPCyY9xEROQ744bOyeL
+KV5GuhOQDTQiNVOd2D/AoP/mdC5fiE0jGIqggxAUO49e4t0jWrGNNHZgEapxWleQVGeFYL9iNRzy
+5mrsTO2Ixqxrb0SxMryrlNUmc3vuyGWK+e5jCXT/ThUwIaOJY/fm12XUWnX8VBr7NCI8y6GxgB8e
+n/XPVRTw9Txgx2sPrfN66J+YEoT9evD99XX+Uv34EFtpVBgOZT/OmrVefVOtIaAexrwZ2kNJxlQW
+jp5nPHSi12imY+kgnWQtXV6Xw19f9y+lP9dFousAWqJ1SaX483UpyUsrb2R7kHnpPg9a1R8qIUui
+76BAgmKvanVx3ZS1uJvWU+6vr/6z547an/8FgFexnbm8iPfGHiVyuifotg6ANyhAUC+aDxAtm6vc
+E6z2Q9Lyp972lCXryRvEGIv760v4b8fub0OLv72ykV9zaulav/my1lCmn7Nty+cvzxXoo/c/8me4
+if2bj2fSgFlm4Ah52y33/d9sjH0WZC3WSf7kpvuzW04qEqI8uuU6jRAX3+S/2nWW/psJCzfgOOCi
+l2Mk+Z+0694/t+uhgn6dYermas5630LLjda0hWVrh0DTwHZnuVoOY2CLhzefyd906t53BdfLEDyy
+9itpMprvMcuLgQsCnbl2wJJIQ4KJ9Abljn9bzYArf9yp/5Yt975lxbUAOILjhVpJv8xZOUhvlgi+
+CzgMkxUflNHQc3f76calx3WyF52TFBXJP4HKSKXhV75d/ZgNrGhiR6ctZwAxXI15by4pC+F0hkeQ
+YKb6mPqwa4ZrvBJ0LRrU3w5zcApqHb+kudNHFA6olyDH7l3kjfW+c5Ixot5gVx5lzaw4z/pD0EiW
+NxX0+pcaryKqahHskWEE+9eipWInj+Ay1Cfm79WHsoAvWWr98JHGS32C6khGXoyCPlZDBmIfhunG
+4hy7Vx3TcdoIoJ4GUX0wcfp/w3u0PKacBR69NrnRR5VtZ6+sOclAdlpMq7ihn+L6UcpJ84Mpxur7
+Yi3NLbVJ/tHUszxkxy93TpfW6BaqKRqbej7oTQyMcunMvU+CBCckNROZh9CSbA1x5RlDc0ZdA/yA
+SfWzXibaoXRX5WyvzYdOMaJlPQ9iAoE1s/kqfGjX7lJJXBhLOoZ6NyPvIBZzpwuzf8oKLZiLjUx7
+T6DPUTM8iCdaMY4S12nd5juv9pARzTH3eaQzViHiwqrqL2PvtU85HJ1PeVCYl4BhbBrNughech8w
+VAhAwsNRY6qmwJSXyV0/+YgYmLSkX4qUQ1uECaS81UtUlrR6kubaAz51pRDTPfpqgaMYZz1a3NUT
+ky+4WIh+cW5BOVwA/usENOfqksJJ2NKC7J+AoE27RuoDpx1Xc0IJQeulr6p0n9bpV9Xn7SbBhH6V
+0Kbh5L44abUVfDhpHZc3XVkRImyZ2gcLGu21vgA8CIU0CoTEk66RsJPHeqg1OPvdzDkSs2ofprkW
+W0tlxbWeJ+NLItzhS2GovNwuycKBRRuy4MRHIOA2uV+7oYxm1KfnulyLGa980S05Iwqxr2KNDNmi
+SD4GAqlDFxP4q7X+ypGoJBqPuQavQhIPICk39NrhKtd6G4HjkGD81f38GY9xzF/2aO+O1gb1pMIE
+4naXeC7Na5dTiyPn2QjZoG1ubZ4eiYQDpLSN68+YvsmK86fTa8MN2LzlywBVPeKbdb60WIZu0bxg
+LF6G4dI5gxZhwbsAkci2o7N81sbeOtNXNLemWsRZ85ZlOweEJ9d1MEaJEUw7ipYPtCs+0VZozEOG
+bHqy2W+nVH2tiUI1w3gaUQC4I35KDmR+a+bhguZtUyRVAZTEHBWlatm5y7U/l0oey0AH1R1Rz+h6
+SP2UwHsTM+AZPMGjmBM+iIacEEW+94P9R6wB6At/mh88NaTbwCBacuOgrsVrEINmCJ2OGLRg8Ot6
+TwHlepzUbUBcNKtNRMX+LPRNRn6HvxO5yDqb/tQAlaWYl+QyFc6K7GqzKTm7HV4Lwn4IDLpLECX7
+Vti6nUivglib8DEBZHGezBarCpTJOtbS7dzLwHzMwX44uw6boffirc0SHHIwpU4Fx+Oxvy8qbLVo
+ZAJRPGlOW9wHU5Xte52mEBfznMOkD+WjR9jMysEwYxXOo2udHDk1ejgv0zyGjpYGe2ewEBybcUdn
+XToHs9J0j2ajQhBVLYFBYFVD91EwJsHXHLvxvVLj/NU1a8S6tVG3O+wJ1rEpaW6Ho42ytRhL+9gK
+vT6hWwm2QzWS9ll1MSJI9NUUtLaNkcKbPGNnuKIhMThDUtsGQ1QL3ZchpkPmw0TY/I6phe44ISb3
+iwCmFzq1NqITm+bqg7Ts9puN+IKaAqPtrgA5gvQ6qJYNVKEy3fZAKI8Y0oLb0sncZzLyeH0WKvFd
+LLzqgzYTER4VEIvqCPQp/83Rhuo7RqHy0dKp2Msid0HrLVVzn1QpB3+a10TMQGukUoRPvvnvKfBN
+DMa/jblzmA69OfH85RQYPZNugL47++kg+OOn/pRNGPZvTNIIa1z59Ixi+YV/JN0xzvnN1tfZrM0h
+IADP+K+DoG0Sj4n53UfTQKDB6xnxj7mtRXaGxS/0CGSkc8kg9D85CL4Dc6/TWtegdqOSsThzmvZ6
+xnlzhiHJBjMbza9zPVsw6mckhGFjgVyLCm+ePrAlqVMuCQ/e6noxkCNuTx+phcksFkHdfXrz6f3N
+efH9VG59NTZJDyhF2IrW4/HPr4YHtC2CdJzIe6+Nc8Kcjeax1+CEkBMR5uE02+OTN9E9CfvKp8oF
+qkINBKDNszluefVLMAz6Lb8jRRFclsZHQBS+sVeuE38z4MPJ3a9fsfnuJP36ihF+UKex0nHGfVcB
+2xmeDgBGwxkCYkI0HxzHjxPTXGs3kFdOKjb99HyTkc0cLp6LplQVurWvEDDSEpma4YVwYWHQiWmd
+DV3OBhl5lbLVer1TgEZr8vSuGIMTcQaE8lKqBo8i7V4Dr+Q2E5p7k/U0E/e/flfvym3eFOIwmjUI
+Crg3wLX+/DV4TN7wGZbizGw7eGwSn+rTLhDMhG1Nq2+WfXDfxkb5+deXfXeeZspC3Q6kJcD3sP6x
+vqw39yIuocRuRVKfa5/hOkS78Qz5AEZgnD7++krv6vrXKzFFZaCPQi9grv7zldoaIlKH1Obst7r9
+DNKU3mY8kCkWFm261Ttga5GlK7+JcDDP1T/dNOtN8aZw4PLcKKZDPUeVx+rw7vLopDJ0cBzU11hj
+sgZGotTK9TWAWRRblNNNqHS++v1cduRNdkXjfcN6ASEzUPa1dDFPkA+WY4vMQRN8xG5ncoLylfrW
+0jLaoI+o4BriXe4PyLaW8R9KrfeFz/r60fKZZGMGoHyR9P388enu6NSOE2s3xhhXzxmKY2azWjGQ
+52UpcO6nOc2KL0wmMKkvHfAx1JBZhH7b+z5w2moilSYe2tV8+pb1lvcyOYSKn379FcOkef8pQ/3l
+JiIUlLV1rdV+fpVu72d6nw7WTU5XOQ78DeGwy37lsQa7gfMbwKxO/zBVyhmJSUk9HD81U7e+3Zd2
+C1q/7KpLS5yPDL1yTj7NedUcGRsNYet07UcMxv6G6NuYyicnBxebCVPoOBf1eW41gQIdsXLCaZKx
++cJhKDKntDpgRC0vZp7cEUZuybAcve48xN3DwMnGonFIiK6RKZO1wR6XJdRnP78uU8d/inVsbynx
+qGTOySmgYEmR/3LTZUfNZ+AdzspfNsbsaJsll19bgYl7BOeF5L4aPI4V3XgkHsZ86FKCj/axpxlZ
+SAAagxlLx8me1Z32+1gBIGhbgbYaJ/rR6ILyJZtal+feqop7BvvSCydEt6c+7sdI8TkggzaDW4yW
+covYt9sZhjSmbel4Bk7nGVhpNJlpvK2ExcC7DW7TGIf9BuzacGCrMecI6CLd9sErPxNGll6ZfdDe
+O1h59mOQa+ZOuNXy7LsN0YY64aK7qfCTnYYa+RlP4vwddkzrRJBemNwSKTYlO0ljlIdjnrcqmUZ/
+1zfxOs+wqgPqDbAPrt1zcJ9AD4S5yHMNQ8nM2bFx5BLaQxlHFke6CqdLsU1WnNGH2TLsTSZ6MCM5
+d9Kws4Y5EHvJVPEaJchSxkCYuqGqQmysuIRf0jg1zeVJzJpcXRdBz1LefDVVlQ9WjwlsHFv9PBQD
+MBZcPd2yhzszxAA8Mg5yuVk29zq952OuLPqKI99BjJNVZ0iBp8yHChvH7IdU0HO3JUAi0aO+JFTx
+NqUgAMlQKI8OMmHKwXDtisHijprjxqBzPrIX7lwtzePbiUfHTaLOb6moDasQ1Y5hdh+QJsjmBTQQ
+Wyen3MAIEFLHMOSg9MSMrNKAKJfdXHpoRETMqWDn1Em1RP7CNDOqzQIcQpWufdlJqEQwWdJgszVJ
+5n/XxomEw43emAPUEn/0zw7W6fhUW97gOWR7StEt6iB0VjdcvknqgdcTE0qBoBc1I4/SrdQBlUbV
+Ro6JcyLypKPKfQ9cV4v4Ws1PWlsxxMFHV1Qb/q9rtwzrNWZQQ11/QnkQVEerD4ZyW6SDe1lGaotd
+jgfJuErnVFD0e6mZDoRiT219z2ZsnZCEm8VubHkF22Yok2XrG3JByZ2jbLipfMAjW41HpQdpY4wn
+xC1OuUliRKQbb41+DLPXTm1NmNXyjZ5H4GI8HTDlWgqw9tHQM/uABpsxPNSXztpkTRZvljEusBPM
+fRvAIZ5zO7KAxy04OPJFu6LrAqiljUEveGngtVuDNJrmmGYGQZeM6VNyIvh7tDGogbl9EqBakiHp
+EmL01H7vMTooiJc8R+bZWGgbEKM92Zr1QOS2OZ7dNlAwYTAE3DgjWtZ9AiuKHwhwH1o7oNBG/YSF
+FKlDByhX7sTsLNmVMSTDg52biGFkzJzLN7h5AWQCCNoKd2FMhrNrHYVZAPkjNPVbRKjdU0mBj2aH
+ZOV79O7zl7ZPLSylcxKjFnIYJdR+zO9xygYs9qsmCdOuZX941TcZwxpTOyPb9aMBmLDcTmaVZ4ce
+7zMMAg+z1+3rQK/Wu/XmzPNOMAsVdBakspHR0E/i7JjONS+sAVZhXLGDBY+4Eri7K1bJfuMbgWyO
+gwhi8y7vwZFcTJ+A0KO0c6Q2gxzWw2eq5J1ToNTZNnPFpZtmYToozWpYIGp465tf5VQz6xOvC0cO
+wouadzF2EDQZEyOHiYJi4tFpy6TIPtQwo3Gbj5wKfkhlDHOo09vOsBUmEatNyWZNqcLHmwodkAgz
+fezwV+uklW3V1DG25J8pYnlHLCC4S9dz8lBXCAWt4ASpLfNDsMtkSEts+89zjXkSEyhtKWuQurhi
+Co5Qq2mB7N777BbIUXTj3AVJ90SsitutaN/MPCGGCMYrcnMw+6je69CqAIjbtyYf68o8UF+LsnDu
+5Cjww3VkYBWfZrdKxAGfefUdrOy6hmQdo1/qAH+NmlQpI1qyiT5pelztqrklotKzWeZUP6eXDFzU
+FWbe3Nk4Zm/Cuywdm+0oNRnt59qUbEuz5jFZtNgKjnbdGN23igVZnQga59kAEcI9kjuIR3d4Vact
+m8zcXRn9aLpRHJTDxE5rTURp913+ex/AX9IUx/TTEgy98QIPSAnS+QxvAjdi8qtkZawUmRnM27Hl
+a5kjDacL+PZpGm6k8nBhTnQmfU8c7Ao3yGGZVzoURn6x7NuyaJqb2pX2tTbgdNymXV1NVwn88TTy
+HfJuHziJoFRAMAYiysvEFBapmPHXzZPfsQuo7r5MOiP7bDQMt6cQikmhPrYDEAp+GeSUbQr9PTlp
+cTt/SROdpNTSIxn0mIHJ+yCFFi/7HolUts2WkZs0M4fcupNFuTjnym1XwkE76e7NmuwpI2QUsyD/
+E9HXdvbRfGHF9hjM+kKUW0Nast9MJQ2KPeI17v7ClmQyqxj3ZhS38AQ+4TkzHvK0515jp1vVY0kl
+7uqgJjttNNsA6m2VunMox6dE9Y5mEsZglBfUEOiDZqBwNoya0p8uXUy+FZs7d/S2zSy+TQoHJa8z
+8obpxfZtat2B8yjdIxkDAe9LSi25KXpt1TgIfNEopqpxuClLWuVhD0d4J1K/SDez1PWj6myee8Vw
+Bv1cnHr/VcD/mID9wzxtrego936lgJ+eX57fztP++JE3fRQaFEzAfvRK3tpP1qL7T8E7jRPds7Aa
+0crgWVwTiP5snKzDNQZSOhNkRlHrOPV//6+fxks/rEPJt+bvWhXmWj68LeKY3a2XQRHOtr3GOP1c
+XqQDDi+sn9aNR8/uUc22g9bI0PrQWfAJ0ibskFW0zYkCtDNCVqNpi+SYZ8j1yz162g4Bkj6anx1C
+1c9AKfr0qgP2ZUdm20lnM/a2ekQyMH0eiqrf0DZfwhSsioyCCXoQ6qd82EgiLqc91lDjMlqieaqn
+eLpdes7pjFBqmqjF0nsLJs9+3mWVDfmyzytQVsU00pNXw94NeIkES+WSfIuksfMNqb/yDtuf5+5S
+jJrJAQ3+Mm5Wj92XfCwFplJVFC+dp3W3YKgmKg8O/7dxDMcRJkrMe68wT0PKAL3jHRvV2wsZEyOo
+dvZY/qslnNY8jX6i7shI6NQxAccGwrRSkuB4XmADjIghAuE9FTIS02+bDwGCqsuSF9NtV67nG2RL
+G/iKPuBn0Uz7fCaSFF5T3UW53YClgMsh7whmL+oNFF45tMwNzI9D21J+tps51puhO8SGg+oMVGdC
+uLcPUz7ZeX2mL/oGmWpfAxipfXm2vKWqjWggoeEISbgZ4eEkXepGOf3dmr4YVlytlCg3S0aq9Nbr
+Iuxx4CDVcbJ4kufix5EaiRvn67ZJ+god0nruhkmwHsLpc3Mij+lO7aYfB3VAb+uxvePEPFzjdphQ
+ov043OtiNmJqpLSMN50tpvXG8ZbDInOQddpr7FtRueSCnYYfZYbxR9XRCzHNSxUWs0layOfkR4ki
+fxQsw4/yxflRzLw+xf8VEPzDgmdRFf5ywXv4Jp/F2/Xuj5/4Y70LrN8cOqHM+QP3T+Pcn31j3f2N
+phx+FPpu+ELWsfqfAgIXUw9rkkcqKh1U842AwHR+8yk/bOQzr84ZFtD/ZPmjlfLz+ocbwbFNeqqY
+EqjJuNbP6x8OX23qGrLDX43Kk8ZZTJTq66tZmbNIt001Q4SyaoqLN/s3AmnzZ3fKu/uWeWSn9+I0
+KjBcHSimm1cbs4qh4O+nteUJWl97RuVDCo7b6B1S45hOhuOY1JS1B+uduHrGcFWo1cDgj7D4qGYC
+Rv3NR1FyAqbnUiwNh9GCZ/7Gb3vdwyvHEyAZWQZwnGyiJ4vc3i1LosNWaee+7z6S1zQ4dHvqqjRO
+aSBdWm9mHAxbL9VtsUtL22xPg01UOUULoSaM8qSp8MJk2KGNk9co89Gm7MVPsjQGAoDBjqW/901P
+OccxA9UXk9+QefkDcy/qYWTLxQROtXGa55yJ1Uvi5pyaFlNwfN+uTsCJUbigbL7HH84keOAliD3k
+bYACMD9FNLpBehXnAIBAEnjkVU96nk9AsHPlb/wmP1RJg+y+zgbElIT/HHLIG9sZQ9iTwp0d+laS
+HjKR3ScluCLOXjnJI3VzyM35Eb6ntc+HmYk4caEHOg0pO0mVpJ8AdHGeVlN2RKV6Q5eR+nkcP4mk
+ouAsBeI3mSaEtAccXBP36yDjmXJmfgKcLyLYHlEhLbAKxSNNfRLPAiM/wfj7kmR0eay4GO9xVOLd
+ZA/Yj3ykmkVOkuO1FCJe6u18xBNAhy/Tkj26pfm9KbPhahENeNoiOS9pB5psHJ6aSpyqqakPBZmp
+Gy9jfrxAhBSqda/altQ3MgvuQPM1YWEWjy3YMbZcrQEzNn1zs9q9qdwlvpuDBo8MluQwGEcy1ax4
+QwJHsbcnm3HbMt2ahF0w9MP6nxgxsd3zlF6D5Ohv/GE2tx4+VQI8CE2q5eKESPzSCFCb/yUbzYkp
+AIQPH9X+SfZKbdvO0S7Jymqp8+RbzOj5lrHfvTNkkqgeWh0Yz7I1GDc71IXrAlpnAmw1Clxw7Yy7
+AW/skXUh3fW9GeyIebEjJ9WC/eTO3xqnqIjEAnwTs3aERULODlKE7Etj2Q1KZM7SSYLHAQCg2DSN
+VYWiHlTkLBoUQX3iiK8JDvumfDCcmliIsnjUyvi4LFgUKtESKjxonxxaRQRHyvyUdg6BC62dfSfj
+oP99XLwoN4YwL2a7wLjSuavgVQfzALjqykVLjVcEMsjGshfte4OYBfQdikAnbBiDJZs+nxYVwTnU
+DmahjxdlTLN3X9pFe4cqsarXA052bhko7awmA8jjxZ6IDMCAD/QPh2jQjSXZZ3ljnuqRDZhqhlyg
+DTdWsYTxPHwdS1Ks9Xia7oiZNHBNcFskwVQiP5BSvUDe1PVt4tnqNA5ZfTCHWc3Bnh5eRii8cleS
+Gq+WzFUxD9+J1pthh0Ap3rlyHNPvgDsCnrUZc1FIpFw7nzmeiicBHmEy12p62RlTpV+ldVCRj4Ws
+JO00c4+xgndWzBjQcpBKRAw853I2MYIk2taxOMJZ7bIKADtrGwcL6uwEZ4fpL58l/fBHLwMGUuba
+M4/UJxOaEn6VokEMO0AZ7OxzDl5p05eU+rUG4k34AOvMNnusoHKQzdY62Y2JfMugdbNYG9S7xl1X
+xR876GlkxQVWcN3aZXMyAjqinjVdT2PWXji/a/fMB71nEz35JikClKhVgHhgTFIeY5jM5jZuamKz
+S6WDXlPNFtIXABhQD2eaMw15GFm9Q6Ot9v361BYkln6olonmU4fEWqNhQBdnuitTm8pVicNs6Ck1
+3UDEeOcvPv1Kt6Zpq57qsXEOhPAGX3tTfABZTGsMNAoAJX/47EK5oHOia1vTmo52CfiwGJGXhYPR
+Dt/jBhMBOYgash4nRZozGiiccZZia2KEh7R5F9sG64GvzhnZCLeLpk83KqPZX6sRN0UtTVhedKIn
+z3y1VyX7NIA3BHkb/1YOxRscy545W88aPNwgX8Z9zeyEED5SqBjx18ehsMFhwOEJcfZdRnDIYeE3
+UKJQJwM1aoJDJ+WewLHgiNcljhpD0rtwg+qrgne91Vf58mho2qYVRbdheEFTCZu+eAiyPNhYfqE4
+QpYBU8fuGGgBBb3Wfped9xHzTrNdgnlEZ9Vm0awCnGP22qKoZbobx0qetKJ7mYrlphzikaxNegXL
+DPSmNL36Fu+ifk04UbOtdZXv5mzQjwuOz4OG8JGeAudjGB4Z7gWk/RpDKzC/iGggXLLedS4QRwxW
+NUp9LF/D7yZBOFdOG/8Pe+e1HLeyZdtfuT+ADriEebxlWEVvRZkXBEWJ8EACCSTM19+RpLq3RHVz
+R7/fiHPOPhK5CwUgzcq15hoz2ThLg/mWNy0buRTOBWOAtrbcR7tVli9jUMUns1y/oYk1PKSYtaxY
+RHJJRJ24G12w9ANJ/A4FZ9qC+O5vktJNtpl21NXk46aQVa7cBHb6tXXEi4y7n/6QVyeVIGDQs/+5
+RiWzrUtFm03ER62932/kOA8vcGph0KiihAwDCz1UU3aD+0dxG7utPCWTtl7QaMhjCEvKKwkJcM3s
+YpXSn6OlZcMYvPs8D6DJpfPImSliXQ/y6rvbwLYxIrTT0a+xb9Mh6F0wBsh51voCi9Fpj7GYv9Xe
+8l3Bn9loNwg3U8x3mADB7e24ix6V7a43JQdDHuiKgHKThWgNeWCSr6+HsvjKtC+HS9Mx8tCFgn+X
+qud9P0KirGbyWVWc3o7UWW4EfhtfwyK4R54KJrFKr3zU+Ec681JvO2eF3AuV8KCzPPM/xaIEXiCC
+HjfTaO+vCTzyDv0Sb1pPC3h6yER5oHEiTFv3h2jmRuxQ28FJlE57rZ11ONrrHB5J8EffplLZX0d7
+fsbvYrhebc8q9lpn+liQ6kLtH2gaTkCrsrLKQWMHs2wxg4uNaQxOGdKu7zoYKHcTmSgb5p+2CDFc
+ynvCV9WL6lFamIma8k6prlN3DfvgIKUjmDJNMGC7o+KVjKrLNr+k3j1wF7B+g32BaW7xRdHN/L1J
+u7NqypJ1V7QZRZXU+0GPEchOusGfnbSw6u1K2zMCo3ycTyXFZmh5ZVZwqBbL/GxXUbWT7ajuVwpo
+iPRUeEnnRXWIm+AGRd550lIhoaXBbecjVNmC4Rzo8EeShhRkXBXS9yDyz0L2PvXYXOxw7qv2Isfl
+U+IFB18JTC/VC6+96z2/z4G12upqLl20enaCRCEc5JiiwYxAu+lZLddNlJP3dzDsSsJpOCHL4u4x
+elGHoQ+sQyGKpAYsXeWfWc3Kz2xx45eK5Nl9WQzJ0S7C/NQWExFv0gVnXaMtBMYWZEXsS6bqMXVR
+G5/jw1hv4jXrz2KLitcms6eSbF4Vn7ldr7cZGORyM/uNpFSXYkpoq/52WOfhsx2tOGhKSJiRauNz
+Sq/DtZ9m/afWE33J/GtJi2CssCtrgV6B6Gp9jPuB1i+OD2p6oCDrxvDUfSD0ayy9YONXctH7vGA+
+nCPppl4VAd35NCXRGnxJSytfdzqa2Vkxc46ZiKQT6DcK5nTvl35whe1l9pWaRWARrIz31dqg7AAU
+Zl1WSHi/JrVoTvokApRcr3N1CnORfraoSMEA+qUVbVSNztBO5uQW0EdznGuW176O7ynbAjBruvF7
+UzftzsrC4iQY1vQc8CAIgEZ3tMrUun5wKF5tUHO4h4l21QvYRB36xQHKWdpVW2mtldqIXoqTiQ7M
+W/r0INOKNcG3QeflXhfOeFE3aAR8OJdH2n7TG5fm0uUuCou+vcZfmmRUnM52F5RbZAEuwUIts3hR
+0WZ8g54QbuaGgVJSBPDv2198lHFpyeaoYxFndbyBvAJNpQIKTWMOkJFqlQCVPZWxjs5RNRM6Bd5x
+yALx2Y3yetwBc5HhsS+Zi9/RlyeoGookvcg1TkobhnBf7N0onXak1OmSwbwZoUSGX8KFHix5HFXs
+3M3dwFnA6azDCvB5p4fFOgNsJ0+xySl2lP/yC1mIHP+QMXyp+9Z/fsMx9igaisNcywdVIl/96jim
+rOnH0+XAfCTlva5iF6go+tlGMj0GY00I7gyZte3yPnxci8ne5wGr8x57vvJEuWp9sgmszyeAr5sK
+mFcbSvvQ8rFnr5hHKXP5JZv9+o6CmDhbZT5t3dqXO0F7NKrfrEZKUMKPfKU+2tTQDnjiOtueZNmV
+D217h5G2/0kRRe6HeY63a+MU+5S9juC8Q1fr9sN+rMJTSzZ613JwvxvSPD7pS9t9Ev7sH+uyl5uk
+ZGWqWqyAw7zNDnnqwfttTZNlXgcG45ZN2Gta+lC5PnzvLAZf2V9rvgndhXAlpesux86pOkIpQPgl
+R1o66+g72zNuoG/Gs9h3S8n5hkFpb5wiR00KqHEfV2zj2A2W3xQx/aaNw/po5YmH9Ro7STMFDRWr
+alCAeawFCwhqglg615smDq3rV14liNHjSO3ici7HZivShkr7K72yWrLsJ3A//zJJMI3FdRHoe2sx
+dxUL/ygLZLoYAKw9dY2+HDSbzrTcZoMdX+k5LTEYyYNjiXp6T+6SBVO17VluOzdRhNOiUsA5UMyn
+T1SPC8z1DL9WOl10VVodhpi1Xe6dKvFB/8be1xR3jY03mZ50uhHqr5ZUXzsPJ55MRwcfngJwaql/
+YBmpjkhX1tOlhiXkcPDM6WSGLDg3abVdSo/sQ5gGu2CtYA942V7ztjZ0r32BUnKOG+8OcdOPpqi+
+oEg242202z01cBrJZ8/bkyF3NxVajrMiVwiP1ExFJrWDLTGzY2+tBknz3jQ/jqk/dxdtUDSMFhUe
+HIqZW7f384sKMu0N+QfMDUZ/HqO9lra+UgPxNjgHLARM+meOlDyNuw5hOQLlYwoo++fUcEQrhkIf
+IRbht2d17m0xhGQEZP88ZPNwRk0JoTEdyWek9XfwWSXd1AENlq5VnrlhrW9feaFp3n3nvEYotjRo
+gf21qE+bUWIhnqI8+KyHBJ8TPV161DYfCaUecgvb3LAfwvMs8KZtN68Ejm12mkxrpzbZaPVwecdv
+sdNdThSvN1nhPmJZiMJK+zTUIybaAmCIPmczbYye8Y6kUKG37piIBzzH0GOvpQtFMLvIreYrBEt1
+XFR23wfOC/w14j/I8ihUEBZkrQtGwqlOPd34PxRWkjs77b2dtOrHOYy8Fymh556kOHoNJOkngm9Y
+pejqg/ouWgZaEZA8g2iQUfJN22NJqVnrngTFMt1hnbO2mypKEtJOuEOfCOUvOcF/7XDGmcWhHL34
+rmHBQsXkiZYstk5CTG3QSVnMhHof2GV/BoAWEXaezhx1kh2vSoaX1F3ltUY9g2CktAyYo8wdOAI0
+++41loxqP9qZvDJa01P+Dz8iff6Cd/GdX7QsHlEOeULa5dki2Fwdb3pOSjl2h5Ia5Z7mTEwpQwrx
+oprPsExE5W47jz1b0rZyBnjKrskFyibdLvGIXMcJTHc/dEV8bcTBFUTCb3BXvAZAHhTteAx19y2N
+1rOZAb+lOdKGZm9dAsAk1qnoCi268Ew6ejj5hwEL4nbedDE1y4ZQf0tk6gIz7C76VN/GBcXYGgXL
+COxxH8/NbedLzAjrJTxtEEf+RoilYmBdT67/OXd8dT4kFiWHPsDrs/KaQ2bLdJ+3tUNPIYezXowK
+hFBqk7mAeW6X4sc/FFnUHzn8iuVbmUK+dbHCxpGaPlmERN8ToZ37KRIlmtNl6revcFmhQn3P2kfx
+NABuFqJkPOs7klGYpG6dBBN3AKIWeRZcUPe9jcdoHDSXyJ6o0sIrRjObT/G4D1PHGD7YWXnWsT86
+9OCelPkin6h/tF9F5Hv1rrTW9RlNKKUmZymtJ/pW+uvQrqxjwYbXb6jRzccIM76LkJaNLT1vRbYD
+4nLW06ew90AsfyfOYmqlEglh4UTXr4DbdcjGZysPXt4gt3FmqbOONPTtOmMuInI8Obf/gG5dN/PX
+q36OWvgh/4Bu48GTu3WlGP9Guw1KGLzSzRvEpCto51y6GeeFxLrCdFjoN+4txZqHJRWfiBDEG/o2
+7ZbhyDxYkGTCv53i6HGKAlb4rHHvU7uSW5V515Gjkqd6bmjgr5MIawoDxK1MC/H55BLUXLxScbtB
+43jhx8N88orG7Ys8GM/8hvVnEwy2LA5/UXKp5Dg0McCQY9dokbmFyOAee+l355gjUPHP2jDGbxFP
+0cMii2S7sC6AoJlx8ZpyYT+A13cQHOG+93ksh+p/4OrSOdV3W1tOwwGD0PxilRI9ExsW3us0sxEx
+LdOAq+hAb3Y/mEiIVebrb8DdciyGI50/dHL/Rt1NrUpv/cib78UoB5JPdikDVIogFqRrxY8VRKEf
+IoOXuWvSJJ135NSWuwX6bIn09r8QvKHi4D27bNGEoL9zeCkR3C4WYf2qAvr5y2DYCTlOhzRPulvM
+FNzPBY658074LNhrL5wbhTU7xjz/kHpZy9qbarX05zdab9aRl6GtJLrsF2v4DNLGvrLraTm4uLHF
+HF6Vd6tEFN79txzfQUX63nU9kqH09DBL24ZldVOLqHGJGbNsl/+F80WOlhZXZPghnPyF8+1ljXPF
+0KcF1Vd1Q+2YVs1gke7e0HUe7DVMzwqfpbKpsuXlFfULz5RAbQ0GgFAkmK6yGGw4TNIczmgg2pPJ
+YtelzMtmxpDacdjB/gr/nYO0gCzAOKjPezSep3qyhz2yjfJCYi+liOwd+6KFOPgJi3bavqAx1bvM
+mvxt0PuvjHXrVpadvBLLFB3rzIG1qld5oAsJ9ZpEswk7ahouX+HBZG8xP8D598Emvrvo2246GQei
+f9KZIVkaK7tbsgJXB4MRnqllbFOp6stxiJ8t7Th7FqfkGGQCg3nDFI41U8Mr3Gyfd7T6ZE5008wB
+JJxF6LOA7i7a1eiI8QdOHSMR45Z8c3+mkDJevqKGke9/p9Dr7DVqlZMiWp7o1Mq2rk8/dxIVpBWd
+hMbVrl8erdzDVq+HZv6KIrYiPzpk4JW2+h8ecVs2yMhjxLiZNzu7ACTqZhAtsay90rRY+cuWo8J6
+XPo5gBfiqPEmogfQJdCrqt1vmOIlY7MpkI6W5LN0eWGFHToYyjfkWH/xip0yAskGeofSLX9vJ7fK
+m5frCV9xuJHlY6zcL17KYi2sZp/73mq0wU9x09M5llLwmCBMwN6hKA+0pT1xndI/Tj78g7QAQiU5
+KkDb3MajvW7SdL324OpvqqL7jLq4uAnSEfsk90hgNRz06utv/0VAppHfPrFXImRAxr9hkOu46G6n
+sbsdW7fCma+N2NodcxDMKus68kBeo8/JTrvGdi98bf3wrXC8BBKPzw7rP1Ieg0n2Y//LMCHaxlfp
+Qks5n/bVr06U/1+2/peytWMbcOr/LNP5v9WTKv+Q6bz9G/+p0nHj/6AizJShjcOACyhNv1Wt2fb+
+g8SvQ01buKRYfoNUgrbEW5ZfpxtDeMIxSppfmh3BjyiD81MPB1Hb9fz/TdHaM30V/0h2zNehaYEF
+Hz0h9wkH9c+SdRTqpYat4f/M7FUWL3TPJtCFpsm14F8PQ+Euj0WV5sOJWrwKXKrCbfd5TirZXFDO
+bTv3RFrGKKHECZJpCdrKUE+iqszmT71dWwUtqL4M1gCcM1uQRXYWtbzGFmbEDgKXnBFNKrIiiUNC
+arPmfoJrgVAPV8+UJdvHg8LtNutoi+jgKc449APTPAydmfyaFSUnjS5MSp6TRUK88duL/O8UTX92
+pZCBxOPXhOf8V1Duf/90SMCgyler+CnVpKGwYUUEtX7T+x7N4HEKXR13Sidv6heAJfny4Bvv137r
+0hvK/TToj+dPH3+l1+6p319YHIaxI0J6O8Qr8/PdCwsLF/2A6tMfDrCv8pKCIh5gq29Ui4fMCnKM
+1moMZp0CbaSMkDsVsyxN5Crb8qkll9mhIB2FVZzRvqzsbL8mKWKmtZp5FfuBmhE98H2QWPMeDFQX
+XK1rSTlpX8NCEB0WYQoro3/pnvmzY8xHhWvGYAzjQaDtYC78OQiTrESHXVbNT3uidHiPk5DV3tVV
+0q43Hz89I8D47eFxIXCshloiHIzCud6fF+I018VrMCc/TJ+MQQ9XSenbG9dmhqOFLfzrSbXCOJQG
+orKGrcRGW9/RW9wULx9/kz8bu8wteyJyDb4lMv047zEqjpcu9C8UwQ9NlTG4EhRwaKPpaXkJvTM6
+0EnP/W8fMn1NSPyER2ACn+Y9DdpyUguTrtB7rsaub9m9FzqjKDxFawKg6+O7M4Pwz+fMwuU7MUAN
+lz3qPSyVY0VVyly4P2YnpSD1k+YEgGyniRwZd8A5zSOulmAc/w2a+tdIEoyhwPyHejGLrmmA+q1f
+zsPHuccFVz0DiKc+SFbI6GMTMrQ83Y/v8V3Ll3mFgIJdtJd0rbF42+8GU9G2Tkm1uv4xTUEW2sdk
+KcOXChJah8wlJICX13O8JnZ90eZ9E9h7obNyfSxUKKUH+5IFMcErMqnj26KgGRWcoG7c6qLUaR8t
+x3HyfeA6H3/pv16MoOge0ynL27Gd4P2C5sT0OMxATJ+bBeg2nhhWXBYvGqWd+NK2dUBQliARGZJ/
+e1h/v5iYtwIdw6bH13Xeg3sSy7FniYb5+yosx0Xdj5XLiHVNJDM69xyPs0/Fydsvwyc8VmH3EF32
+ND5ta2t29UNeUwlqNlk0r8P3lFRufOI1gbucw7by1b8xnJgX7wYwXxAarpkm1H8j5/27FSnktHrs
+2+9ZlOMgjlXqMqw3ilQKg2pdIBfoQ6w4DlxZXpIzm1SDQwNUhYA8PNnb0k+XZwZgXbwE5AT5hDwB
+kwaT1aHH7+VtAcZKmdVFzLiif1HQOcGf6zosGamazC5vp+mHgG248cjJ0BZRJ2aJtjg3cUGXfqbo
+loaxYf66LiaEwA9spXi5cwGtscjbax5gAeH6gOGmDYCv3EBf/KL+GUyjQ6LKIyO43jD9Y/GlydF9
+PPacLPiOjiziBtcmbIK+4Cgii2Y/wl9bH9fBC/WD7rtA36mCv5k2Gf5nPJIs45ANjiybsULb1ITF
+5UKjqLSMfQZlKW6mRYeFrdGCCwlew2oqXH4zcMhpZ5Q+Q1UHB6HnbLgdSFuwmS0d2aBhq3qErhg+
+pTGXtsjF8OsrJzWuZqUol6487PW6r12UC+Mqobv8soKSiEGHo+bmHNnIMp6N+BAylmY8D3l0uc6d
+5TyC3sZmaSeD2TM7rMeYbTLqBvwvWspsZIJ+3YAoOJ1glBPiNV/sbJIkPFBhNww/NadmEatqPMXr
+PS0GAf/I0RHXxVbhhAiz9e0hdLKDC+zluBLTzOBGLf4/XrYKnsHo5aS1j7PMWBwXms+DK6D95qn6
+JYhWbyMiOfIL0zSQfWqqfrSw+8xic0XPConaFpkY33O5hB23x0JvhksbD+xaHm2LDJoiCYr6Di0f
+4tgTigVmuOAH6TKnNL7hjJrURcG0bL2ZxIvJzzpJeEILUxl5ZxatqstzR8MGz7CddcH1BQujk9xH
+FcYIxW4Nx6iaTpGZaI6I6dqY2K2gB4KfLRw1zU0UMTTbyw5ydZPuWyxo+cahq1kF9uA9NTfTuokZ
+v73X+fwJ7kbn6bNYaZ9PaZeWRsPdWIB0R5GdApglDnPbga+EvMVcaBohMRY7P87oMd4iIWUKLlGH
+NnDnrUEA5wUmE1+vqPPIxG2JBh97pYwfyJd89PnDNvYWY/hS+LF5xh1eo8XLOE/0IoIaC82YqwgB
+/WMB5pznQ4nADFETWusHGTX8b+dQlSFJXQysDYSOK1GGP+XMcxpnVrN4mO6mp6LzejOlffBG7a6H
+ecCbEIq4EXMm6Xj6IUTMyVMgoSXVcoQip4r60vh98YFdb0BvW9IfoxnVpC6NdUsZr444UjnEtGhX
+2A9xJvJY7xzACWZlyqqMZtHABhGD7EPSjV8uqW+joDSsyVTbcr0RyzIz/COFboxSHVXzpSFQmFqK
+ukLosqcqPVSdvQ3wRs6vWyfLqSoQq5s33OR6QUSI6EIhDM+VbSwc5r4bWrWdK6WsCaNOBZSRM7Li
+3XR+hAD0qVFOw800WOek7X0MeMTHTpdK9hxBxcl9KvcsxCw3+8FLC7yUUonSh9wTcfusN4mLVu6Y
+eHSMp+kmKllmg2ekN5afmcV24Z6xmS1XiCF9NmcZRbg2G50QUj0kKQYP0h8zEsm1dfKkxHWXP9nj
+rBhDCV2GZXpOlmflZ50LoBm6vvBYKlXX8JR2dcn7aDazbTljd4X9jcuSW1Ci5i019AGzF7RLPfFZ
+cWebVXDk4TNy7Rzphj6xB0nen4qz6vjZ0CN5P49KWxvA00AdH5N1f0xZnqQ/Bzw/CqqsDpqnyFwg
+/6gYULrrPTQxvP1uEecR/Wv+MaoUCNfzbLZGLu071cz3Z7lkO9JQNdnlMRaSzLzIr8wmizS+YzjO
+gchb2n/pnmZ9WKLM8q9ne+nxmWaJAi0saZrjlqK2b/sN2lETYpmM1fJcRx2nkV/nEFZ983AmLKnb
++EAdNerifZoVk2edjsW6UlgF5JHuumRqEpI0yCLuk27m5inbVaz2epnw4DgJC7JzsKDqLGRiF+NK
+OE0dcDRP8NewrvPJ/Gzxcedxt3i+mcA5aC2z3CtcoVZDE7V5xl7Yx/20IRJNbeanlWJBQjI2ESFp
+bOyeqdPkLLs7FZdwYTfh6izBNxpGqv7erufqIabthbRzD/m0OwtwDynp4dejfJa0rVrnPbBrCqp8
+U29L92vefQM0FawnZdi01Q+/qNb+rjYFgaeJXtHpGh8u6r2TVQ1gcAAqSIroRRMLue18z1fjyTSJ
+SF/1HdUEpIe1XTsXXsW2inHvQJ274x31LPJ47q0Fu7Du6UhDQKxNSL/20wIHMlwql/6K3lqGrxBV
+Rv8+qIbFT7cFHV1Gv1u5C7BRkMeZkzBOkxS/RCJZZmMIZnFdd3EOkbk/SdwVDhCMITzogqG8nGzb
+kSc6DlMAbgRo60NKsrFl4wsGqpQAh6KN5w+us12QXSK1CtJBxTv6io3mHG+FfptiNnkMXW/Yda09
+redJ3Nj2wZmczD1JJP71SDnCaqXWk3jCupGQ8vxPmEpR3j/YMlxkt4+x3pofDLxguLSgzFp3vuWr
+9XFoGNXoO4Kg/7SGOkVjWeFo3csDToDpiuJQhzLYxXBJ6PrPBxppV/K/6FvjsvXcjJroqyDZqfFS
+/pG5SAfnHcn0pYMQJzwoCWMo23Dj0rYz2IchaToR7cbSFlVwSGpcaq8oa1tlicxYEtZmP7MIoTna
+rjYqR7fdOQKdGq6cHo2J6VXvcjPFza/o216qJHDuJlTYwJUnRHFsS7L2aik+kb6V0t/JZOrx1mwx
+FyFGwbtcEI0l9sSE6efFxJqN1UO4OvTerM22ErOQMLm7yISPPRs40yHD4piloQbSw1KSg2V3kpOC
+hucU3aGHK1h0vkJrJyQVWYdW8BLKWsEuMzQiddfDEoZ85skoWhOnAH4wJ4cQ1T3fdkFgCoVv7Oo8
++CIa1fBVHGmFZXxIrYFcAzVOwTIplCKyj2gTlu7BdwVR8GQTu9G6Tssna1kRgXOZoKpNCZl5/ACF
+vcc1OFg9OrDcipCocTlnW6f1WNvcKHEJXegomereLIh15bJHT1AfCU2QbA48IGwWzc4ZddPMN+3T
+LOTaY7iG7XqvfdHxMwwBZz7MLtqEuaRE2/P9VVyYdbL0Qzqbtm7hxHyjhjZOp3+K+9jEqzF2xeuj
+O4x98H2ibNSeBC4skguANZptka4LE0s1MjQhSxYP5hkNbRMMzsuIz1IZ7yZcTLCuZD8kb0Cdm04J
+ctl2L3j8rOGLCZFe0z2Bqs0u9WsHw1qB51ji8c6KFsSgaJqN4yUWD1KmfhG3hyVH7PVSjRYPlmWm
+MN9gVBaiyON/Pom1YwpByKZ5lPxQk/GJLXg0NFql0ywRTr0Ur3hkuU0ccCfqORFfKhwPy7O318iG
+6TiPHP/G4SHqkpk79orG4R2NCnIYtLy01AhBV6x7k/irLgEclEdcPdN6OvUJR/XDigyfu3JWaZJP
+fQ/fNzuVdmOCCnuAzThtJncxB/kIM+7gS02+zplhQtt9OOyoNxOlpG5ionndShATR+rKSkc3FFDd
+Nr8IktDm+yBCMvPAgxjDrWoYA/oBQrqZIh0NiiS8mqLjFxKNf99T4VQcjfMOMCGN5smYA3Ls3LAi
+zk7fdtdM65RNc2wB4gVbz5NEgQAbTLw5BGY8JlVREFnbPIHiJVnDhj/w9+a3iUr69WaqaIiOdg76
+R/YwsCsmNARblppg3pPm275Nj3IQvBcI0y0vtVcsfPWFN3s6/YbjYwosU9A+EzKrO8ZCtc2RKTPP
+fJS5vPCqcePmsp6cVA+7tFIRdAY+oPYIaqcWfPZ2tHTNtRqkvPrBlhoaZqEg3hS7WLcc+dIwzvsn
+3Y+5aYYoqWGyuNDl6V34kzOUDfpSl3FW2645BBZScGKzHTpjmEZ+THjJwZP3jOXzupx7E9Koc4Cv
+y6wPswsF4UlnDjzzbfIW+ajU1sQaqo1gpGMHSSvLggvL64k4WpuYwGBOU5vTF2pTjz+lnFnogrYs
+a36mFYBeFvoEbbBAmcw4juBonyrrGAXSGx8QCnkjDpyTw/OHqmcO3WEQmSisn2mdogwVwxAZNqls
+GR+JSlLe2lCT0G13c2QBvMh7ekSIUWLRQi4kCGENWJ2O495pF8pmwpRD1wynAJIPH9Qnq1kqJWty
+cJShwDVyj6kxQ//oRA4UxaVEf/78NvUaXZnQqrJqo142AHrV7QatlRkYzWTyR7T0v7IPaImbmmvb
+n+eGJv50NSduEVsDD3JyQjPFOS2n8jIAUEnwip1ZekiQrY+3wRyu6jTCbaVCOepypmBjQ9WecgjE
+uDk8CWiO4GNif+hZq4quMZGo27is4tvp7dQ4l+AZqE4VGpbFJQH/iH0GmSu32lOqNKfAt4NFlVBD
+JwewIiVDD9yB/ZK4i6yceH2cZxnoHJJgmG6nrGl4pbkzmq8OLoOdcD8D9B+GvTWjKrkMJckRfhHV
+wnqzuBindJuB12hRFC9Vnr+azauVykBGM8uT16LGjffL28oR00bGM8S1yozKj3Nr/03OiBYz2jwM
+rk047xOsEV4YmB1X0/c5Gcw50yiWM7Gz/KWr4o0ae+73Xy75PqtGmgoetgCL7RsjtPd51kU2TWQP
+4EpFMJnqzdvQqCLkjP92d39fyiC6jNkXBSNKU+8yqy5ON/iKee333E/M+tQGvqcJClmsWbs+fpKv
+2cDf88cOqePQ8YQb0u/7d1VK2Q4Ke+Aw32evHjnIjFmN2dtWDH7GNISY4LAXrtial09jg6shSRQc
+SyO0vQP6kiuyEKayEXPkNWvP28r8q/bRYIZtQqRQKPYERJgTf/r46//1qDzSwgS2Dt359ITa5ue/
+JaHnPqmHdArF05DTgIKg0+7NsZDNlSPUx5f6a8x5JIZjSkFAD4GZv893E0blLpo8+RRnkTcu5KCj
+Ynp01tBMkSBJp38dcu9LKFCdHdPjT3sKGXaoAX/eXN8pL0rJ3z9JPzNr1DDnZBHHnJX9LnVjs2cl
+MfE+wcTCn3/SAGP316x2tTj9+N7fP2aqpkKYWgZlUsAG70fkhOoCe6bU+0ZOgqMjqlayVBGEY1bA
+j6/0/im7wrO5WxTjXI3k2LuaG11HHZadhfNtbNqwvBxkZY7mecFJ7QhsxUSNH1/wT9ogRROoj6Sd
+KfJiRkjQ9G4EDUW0spgsPWwi6kTAUbE4YZljUVx4r0nfVTN02TxdsngblkiGlv3HX+DVPO33GUio
+hYuL7YkwxFRQeO6fr5lTYlY5Mmy+dZm9pM2eWtZa7sl6ZHFxeAtbdJ+Z0DjwUTPSwvKWFLfEYFJe
+dYDgIjud3h5ODXabZ0Tqf2EWt37scVpY6S1mS1Dl1EZYysMYi/CJccqB1TqchNkscVFpMbnIEpuJ
+v6H/2+Rfh3AkeeRA+6GlUJek6PYRwbw7nOaUlhGZtKVlYiulaUFatlbvhpxiDFaHdwY5ltgmBL3G
+xyPqknyt8C1BrwjtWTXL0jVBUxENrxGfix+S3CYFPthkbRRAbdJjadGTmXT1jLkSLYoladmPH/9f
+Aw5PO98OBCxTnGr/GtojJ4sMcczytc063I+OqRzMESheBxMB/EpZf3xJM2//eOEstRjGUqOB/4iF
+xbsxTqEM0xYVTV/jNDA5xjGPg/ISaZdbWle2opMooS+Erjx5Mju0pZOExXmRv/z4a7y/c88zuFPa
+5yHXM+dey9+/rZ1N0DUT7zL7WrakP8/ymkaVT245uf2Fq4arjy/2fgUBww8DkUxRQE8TQNp3gxwh
+UpqDi1LfdAcg7FEUoRkWRSFNZPXxpdx3U5pPR9HvRwDnqLx5nv2uWpjSDVTRouJ+wrsLwV9C+nJI
+T1LSqJx0c9hZzAUK3jX/CEnYMC5ngXEfhzXRR68NIaRgOPKY+r2cvIo41Fl9E6jnKSeULGQReM4g
+BZi01myZNEA0BC2TUEeBSRPDn+a3teV43JxVCvaiNLVMpYgeCbNecyAo8aKxLNbR6qShp9Z/Q/38
+QYz5P0ilbzBeHxSGqn+OMZ5BzLpiM0/9EFDm+2cgQBbFdTDOnzABMjszTj1myllTy8n54+ftvRvP
+5p2yeAUILiD5so6+G8+oQ8mpOn7yEPnt67VGQeoUuIAJ9UeWepagt9p7hUiHp0DPncmS/vpTr+md
+yDkg2Dxc4Ycmn8lZULLSuSCTyChYZTFa64ViqsJsyGVdTofFGzkw7Wnz4Hicryxq+uRX4Y9qkSki
+WVXhMnfWyF75mW5r88JXUXAV67U6TsOQubB2yIAi5zMO75QfHaIWvIo0C3+7G/CcNCejtxIaM5Kx
+W1DzYN9LErIc3mZx0Gi2/7LfRn++PkMgppKPLbUdC/ZC8f71ddyBjmyZPFfaC78UPcq8E5fy6DEo
+I+mT48+GExok4vOFbrlkJ/2kOdZuWT3qNIff20RjQ9E09TYxEHa1wVeo+5RwflU31ax0ts0iDVk+
+Lm5rSm3PWvqK/tMeh6EttZzgWgt8UDM7V5fsSJkBL2S63Fmq8D6v1JH1GUifQmwkYHl/R9aQfvzV
+GjgcVMDYtxCybnx2pfLErywIRUuvaRhYuj018eoxU5V/VlUuVYLCmKixiUyU8Aan+oZqQpwvM+JA
+TPs6G5qi7MMHl/35SWKGJjZJH2SkMFKcyxDnNw9T6I2Puedl6KBsy4e3Q97uK8hiTCgt2d8HvlKE
+Rcl4LKBLnFAmWOSW+RTMUAnj3NrQ3qrPqoY28CnWJGyyovg84jBM1jwZS1TBffuwIm7fEX5aGdk+
+y9/agX3rD4v93V0G9c0JV/9TNgocMOegPi9DkGZ+vuTnH0+yPxdrBgRlZRYz4NvU9AkU3q1pLemf
+ENOO5gfvC09RDAXLfVC1A5rc3g4+fXyxPyf028VChHJmmyeGex+R4PFGaNfHzY/ADms0QrP9AM3e
+BUBXl5fa94woOm3rW0qECIA/vvZfI//1NtHqULJhEX8vmxiFiv8fe2e23baxbe1XOS8ADwBV6C5/
+kGAjUX1jyTcYkmWh73s8/flAO4klJ9afc52LnRFnWyIJAlW11przmwW5INlLhU27BEtfJuMmE6hu
+P9gmjr/pr234+ClBcSE8WAi9wnlfRIJITPQercyLNsA64czDduEWFDwRsR6pdZ3rmX8dNRgoXDU1
+nHItejyi2z4yzPUI9DR2EeuZF7VZOye5gnWd/RZMBX3F9j7LOLwATsxKV281eaX2cf6adURE57Rn
+r3p90j87MXWqqxUaeaDk512IDHC4q1iZSfcmYRanDQ6NtdqZXvCwtIwSunqjBYb6pI6tADvriA/O
+QtpyF725JMsxgGMQ10WwR78/EmiK1YySGJEX2S0XH8VtuBVFnO7GeST30kkf4fuN604PGHpURIzt
+ZD6R8/L7W8D45W1Yi1hz0YNoCMcAnL89EWuJnzE+CK2XoGNwQDsNb+1oY+BfN0xJ2nUP0XBnZS2e
+ddDlGdOeItsV9K3OwAX3rUuUi3Ixa4HciXmicVYTmJChcjdWdaKcRVNuHSYxbUFPilt6oOlFofCl
+IdSuxmk1tyNjF4ys/soqHeT2OsX3ZoAmMplxBJGrjLYJneJdBN3mAi8TNLDCb7pnrHzdnWroyZWS
+E9eCTF0bNgJaB6iMOgpuh9QJY+AaKh8AI5eDBz5gBGDFVcwghD3xRoKLP0ThJD9rdLV9l6EDlqDf
+X9zl2r35irm2wO0p902qWes9Xb2jJcz3bvkvVSSNc6US8T0cw4lsCnTP59qwZGT8/hW1t8JXHjSL
+MgvVLXokgQRPvqtjNUKd64yt81tcxvKEthl4Nb+blFMalXjTACKw0htB/VIKNb3H+NUeIjCRV0rv
+iM3v38sxE+7tx18075gM4R6hxH0vBqyHzGjsIM+/BSMDBur2wv9S1HPYr+ECGG4FloQOR7ZkYbYG
+vcJ1HJrGLkQOu6ZP4jgrBp5ZiDHVtB6iNu2X1i8t9FxpwjOMms2uEmI8N7sw2AeGFUgXl4wO+WPS
+MP0EpZoR2K1Bdiddwyi3CpdlEyetckZQQs9fGCwFbnI4XU4jOeAI8KNyEwzs3ivcI8khY8zLiVJk
+IPjSKs2RlGBt9nqGnvdGT2nKWaS5aXUAHmGW4kKtLeQy3ImMi1YmXb9L4UQ5I1cUdZieR+ZKrZmm
+wapB+3A2lE7TuEWE33DF9Su0PeKUod6q5Gd+xtwcPZAy1L7KSI8Wjk6Mqf73386v6w93ioNoDuka
+UMNf+npCZxKajEPyjcQI1QI26sTPqDwmpoZ8ZdRU1svcLHyIXHme+niA32T25UdhXn93w9qLBJmt
+z3YkvYG36w9KqSZrZiv95pN51WG25gsBZB+mhyg1W7wF0FkxYXYbEGK+VwI8fAztui+5T2bt9oNr
+8jcPLJY2esssHWgt3yt256wb+gIA4rfAUs2bytSaaz3Fu2fR2D1lX+zO4Qe1J6XMs306Cu2szS02
+smO26pIPgSA5H3qMoZ14RTlfkStdRcnNB+/ylyMDSH7k8zziaKYpKt9dsj7zp8ypZPeNrncV3HGy
+gLZFJxHqRoM7VzeJMHaHZjYhg9VG8RrOqgWoDBjGsBVW0dwbThocVGtI7jD5dkxI2AU2dVynXO4g
+htdfMe79fr/957P4yGfh/J4O+P/qiAfqrdHi+CN/GC1U5xMWBkNQpXBYOMbd/YEHJHGGoxu6YLgc
+tqOa+l94QAsEKj/1PTiG/4cz7h90VJwWOswSft0imtXsf2O04JD6Zo8zVLq0vK8FTqhqvL33Z8is
+srDGJ+Zw0KISPQ7l+cAMGNkH6dkqbOne1jOOUxYT8i0cvzRTP7ecRDWqyTJrboEftHPtLq153Uu5
+B8shXll9XpX2DbAcpKiwjbDmazCzBzAhGykGbPUEeE0g7oaB8Qj1mp71+7qjcdM3xEp3eVue5elE
+DDcMCUoyxy5zGKzxeMKG0qt7HJnT2SR9/xZJacmB0nwgq7zfDkVvBSt1dNaOEZeHeJl/Z1QzmmsY
+iX4bmhExTRE5wohMsgUpzkLkeAPNhoH4qJk4QDMl2n5OeuNJLXXWbOqf/ixSlwhRPVxOJxTgEJgd
+gal0m499ukXLkNprIjyivZkFlXXuMAJEZTmpRK0pCgEh5oJvbY8kV2WZf4YL3rVcQK/xvDBfrSP/
+NZcxBt1swcLqho8xfUHFouCGGkvl0q7DpmEjC8oJriwytZkOJbDZ2KjAzi4AWn8uGLHWQYXLipHP
+SBujNvig8oiuZdhbHQZDS7eNbtae1JLeM4MS3G2j1YcBzTjkPWkNHgBJYCxRAhXGRM9178QAmzmX
+kaNAY5lMhbBZ8hV6bnWobEvqArQRTz8mMYgllME85jP0sALc6JjaAHiWBAfblKQ5qB2kLI6d2a5a
+wh5w3pD7oC8REEMLgisLdHIhJr0lI6IOlryIZeDyavmR+jQbGvFcBk/jZont81SSYZ6yJZOJ2IGM
+EArCX2+0HDYvmpj0AVmv6foq/YpViSxzl/aAtdd6bV2AryXgYom6gNtoVauSjjI3jTaShsEZEyQL
+gCeI3LVzMRrEZkCsQ1qzRGmEbF6WC3IvQbEkCLM2wo6YPYIJ9kCX9H27hHLQPfW/8DSQ1JGjx3hG
+t46XlTSSPtkGbaXf+iSo74c6szZ6SknlOrnf3Niy/6qiDlz3SziIj4oKZsYSGcJZQ0DBOyaJBEuo
+SGbSEkhCgkZsU+hb1MKm7xrspdra6GHRNsd8koakEgMR3XlFR+c5bTN/TcDAdA/5Ldv5x5QTRVGB
+oEGdQehXEoMyFWN+XhlxTOjjMScFESw+7iU8RQv94s4M4NgMipPvc6yqn1siDUd6eX56nUgoTSj7
+yi28TsQjNveh5UuC4WSiXiHUIYAEOZSzKXLJ+Y4wbdC4ZWmDmjPa8gLQuLPBGpx+gzA+7UnSLABV
+VbHbkwXv5n77NUZvSRDDMKwMmxwGGB0O7Xr9iantZ6gMBhCAgFLL6XWrTtYV5+NggQ9XYdmZlwP8
+9ICXTQyzm+r/dsX/L0q4hXT5p1PPr3lrBSlITy/Fz9jc7z/z57YI/1tyZHTw/+BXWZKV/tgWlx3T
+MCVuKETOOtOGP7dFqX1aCqMlCo0+xNtt0fxEbwLKLg6Jo5nI+Tf74rGh8VftYyzgXQJxHRKneDl8
+qu/OaGoWlgjqSfHgDq+wdbDQ2FP3wH4h8/okVjGzVTigbbpgW46QYGcOwkmzwQtwpBlW6xrFJMvg
+hIwWOxFnuYLpypxcpWUZiumYkVbYbMHpgVzdQtwwouiAu6OvcBHwX2nC+cD5HUmN3A8V7Migy7ox
+PNATN6Y5cQfbUrCdKJDfkI/n2QmlJBESiRgWdTMhib36iBmXCVOBh7qcbuKKFUIgrKVsurLDsQud
+iyhqWXcdYP1uZjPWWJEjQsmUdqgWJpdsMcLpA8yU9n9Z1T/SpT84S+KR5D76Z88uEtz829c2+tq1
+bx6c44/9eHDw4DJ+o+ZDhcoCj+zhzwfHEp8Y0QK/I2xQamQ5c9b7ibaPHoMhGuXRDxL1j/OkVD85
+tmNi+DO+n0P/VUwhDZK3B0ppM4t26IxJwjpoxr/vixn6hK8QgeiuyAMN602UeiG6KFQS7cNkJs82
+/T3o6nPrkVAHTyg2wRmPU3Jia0kJUNO+tXs7OUGCnJyNXXrobdlwRjLPdRTlbqoqpP/E5GpNAI0g
+veUzR8pMXVd4B3giKmdTOgqWCYZLoEz0q5JHYc0BDh2mtIE8VdYIppPXJN2qh3Wb85pqhX8/aR76
+1Lnt0JrDvizQKRjxs6mUKuYK/nqyoJs5X9b7sq8fNALcGRz3wo0ZH3uZb90zk7mOhfYM4SfiZ8uH
+tCCSMmhJ0i0sMpBM/UpDf45Sic9jlmPrqXX1YOIZQ2FPpNGg8PHygF7omEGe6xVrX9f2PsiRGPkN
+l6Yn7iloM+YycfLK+BO4A5RuFyFas1YrfmnacwkkOb98BC6Dau+zqGnWpCSxl6q8B2YXihf6NKc7
+pIe7WBJDDSEyXZsV0Js+kVeD3YGT4CdjSQ5i5MDnnnVIasHEJShT0XpGq81XQZFeOVNKfNjiByNt
+yTg1ZMXbH4TudfhAmEaYyZpq9C5pyMOCXGSvnSJ/nfKKiBmwNysDX+IaiT5HFqrZr36qaFwH55bx
+XOuJfEG24MzisIxTQra2jbC411d17DS3vu0nBG6bPke7dN6UszrvBpurJ+BgrAfD2tuacnu8SaIK
+vPYkq2ZdWtwH8KKust5GYqs6t4OtgYVK+EemGld9xJsK4kTuhVKz3iNvhMsH4s9yWp0T0nIXtfxd
+6rLzqNE4ZhQN2OieNqXpm0R+ETTjUsJgDTSMc+7nV6SBwkWpYrvpED3jSeW7n/lT7NOo7DUlXw+t
+jdcQVeiKyKuRo3iJTc4q5zO1apwVyreH4/edBTbNq5Tbqh34vDgWnEUHyFdfsV90pp2eqFrwykPO
+Xc1uwGiGu9O2uFWK5Vng4DbdpSF/RPj5LDTeCE+e7fYlRqOOy8XJ/3YiZcsbKp4Tyxr8EwiF81lo
+8XQ4VvNgYdrGusQ3bHfcTDZP4/Fi5OXCM1f4q2WSPWfEpXs+gUIn2CYNT4KNWqVJ459MuaNdZ01c
+rmhhxO4ArHglUB5v8GpAN0IjvM5qySVVe95DEDandqOM24DMy4Oo/IhQpFn3EouHchrEIRrifOHq
+cpcR2st0Kk/ObJ0HFRqNurb7kNywKUg9leeE8O/oqg+N8+PjJXB57FSt071RUrV11Elu0cXQnFCY
+riWCy5MgVPPtqAqAi9ryGELyZXzAd0v/cZE35gez95clhFsgL0GkC6J2Vse7fLaSeYPE19k2gUw8
+UrecDeVUCj2N2/l4Ayx3OI/4VSTnfCsmljEY9y3kVWeGAM9X13bD4rjhNoL72XpAH/0nLMvKzgj5
+qKgJmcnBCt75jmD1gkoeTfzLoCWvAZJhClOeHhW//SpD2r/Sc80/UesuP1iROp4bcMXsIX7GZcJR
+BEDTAbZu4qUWTwQuFmUXGDynBaXWYbJCZ2OZ3GR5JvKD0ji8Ot4i1t4MbxSLA5FkYD7kFjkbBDdE
+kAdfGwAJNcJcWa0q1kidG7fSm3o/gGBcYtbsNTQalex5Q3gK+IYV+CoWt4Gv7qjD9zv9KqQTj2A1
+n7ZQY3UP2TLUJ07yK7/nLWAR5SnC57DjxMI/rFR8X5t0Z9S940NLIF6/UgIFgCi0cqPmlqgNeaVP
+8bSFH2ADQC+WbQc+N17Oksoj4vsrQKswbsjJ7JTjeWclrxzjuDQTT8DxWpuwckGVLgB0je9V5pS9
+coSHrSBTcoF1ok9PFf9S12aKwKJKt7ZfvVYW/znrYpyO1ItBxHoilTTaaHX9lSmsQTOc4rOorPus
+gNucKOGlMnTn1jKsFIMdnEzRSGy2kjYphBrKbQ/RCcHb+aiQHz2n85fESKG3mJwITM+BcKW4GJni
+Zz0uxrWGY9ZAG6/fGiCc18hoyviM2IPuBHU6X6FQyfVz/QC8pRerVFxhEbWg9iUSPTywaWBtkHPT
+zZiSVvWoxurGm2VYaiuzqpST0u+elLYoXhqn/yojtQD0Isbk1a6EAlkDOTLBByz/w67N62JDIhj2
+J7zdENzLuOaZjyHHrAO2ojXaTv8M88KsbECvDc05vDIbXBt0h2yHLaVVHnAFgpvtgj49+KEjkC7X
+qWauqimponOjx3XtBYR4K0DzOD5gzfqgubyc+H+qCJZzzSLIEQRKoQBi3vu20Q1OU59lUYOriyaI
+53P4ipnYZgmybzEC4iSlCFjJ6EPV6dueNoe25XUlZk0dxZ31i0KHHFkdk0jZ7bThuNjxDIooeckH
+WrwwNF5/OnBefv88P2th3s7Of7wa/WmTsBAwI+9n57BcIWzNebdLJ26Q5STgJL7iBQop9cdX+q+h
+/EERgC5hmaT9cxVwH9VB9C6p/McP/VEDGJ/QFfN7dL6wBQTwVw1gi09YiAH0QCqAxYIu+s8aQDif
+JPIpqAEqN/Gil/mrp2wSVc7NraJMYt6pm/8qcgZJ9PtnZWl2W4ipBO9CJcbr7bNi92ZRFFOg7Wwb
+Fjx4gcJejlzkv+ZTxf4tvDH3v0y5beDgsYPwTgXNupKqKE7JW+7ORWFGxLESJUA3DRNgbRn2ZTgF
+5Wlt5ultkU9MfOke7Cu/vfXZj23KgepJBWBWR2uowMEdVuQc25MJXSAbqHB7XalfaKwWp6C/nYOc
+Rjy+x7zJkcPKE+dV/hIqC+ceeZryLRmt8S4RRTZ+Q/bhWPFJ1MjhnI6hV2cEYwZjfMr5orS3HAcQ
+1wgZsGQHGFvPOxyGS+FTKLeKNMoWb3Xee7S7AteqmM43WVTJNeXdeK7VI6eDqlOesUBm/SldQpvL
+Uuj6TsNicIhL+uZdYnLMQ4pQYLLEf7nRKpVUnCZ5ltmcnwYD6gPDnuXa4Az1gMUu9wzNpz1rmcYq
+hcN/r+vxxOCfDuoeD2e0LcqsvCSIQrW2ox/KvTr2ymPbpASrNON4F6pNuE6iOJUuTQj2prKJ+pYK
+ZiSwcGblK90x9tVq4zvBku4646m8qI4Bf4phard1ZcunDiE2Frx0KB9lIO3Doqy8HQexXOVE41qE
+haPdOokB43bSB+0WgQjWwrRcYOCtgALk1kWrnTdIbhaOO1QLV5Q54FPb6DU4fSEeFGS0FdKpgcPg
+qVanusAAwr+mGsZW0gzNGvpEl/P3pjDjZwwBC+VQ5mP5qDtzRsODxuj9UhdG9D5M+9CSrwp4MAxm
+DR+V4dwT40Bb5RiurnVKS/SC3ZP87tRSuwUexMfI8INtB6vo5u3YOmIvwtZ4KseUCFPKFuCC9djM
+pw6scT5nphWneqARIxrLmQ/EfJDfU8GSOG0T/O4npCzwBgatAlpuBTFXl4lA+ZgOGZqeAOcfhLip
+FvHaHq1UrjH/m/o5Dj+yfhG9qsG+XfxRLua+9iWO8X9FWMwhNozLrw2LiphYbF/LiFzJe4IqTTjN
+xCfSQVps1suHt+d2ieZEHzevalhWZE9XlthLPHf7cVwC7+emLR9hyikrqZR8CE5t6qUd9ebh+Iqm
+hV5z0yum2OMc5N6sep3rG5MVez8AbrY5CRuEJ8lB78m1rDX5pE4T0bASE9OpqdblY8UhqncJEUFi
+DFVLXgUx6utEVGGBmjriFOKbnRCrSl+CmAOR8rGmzLYPITz4z/ADJ+X++C4xWncBW5kkQwe4BG/W
+KE3uMrpx2jlOKhIuKFDoeTXmsLTPsr6ab9oBFAJ18fKV6upyfbDFqc15OznFKTVWcTrVBX92poij
+GezDxnSVYkbpUijcEKACoq01pKxQyFXqncxUbdpEVZm+QiPnjoxNBierXFto+gEqlmxbdD0qWkvL
+RpRxaLhWI7iVgRR0fd4xBh6u1cEeL/t4Kh+Z/3bEjhSdRlkZ5pnmOnjYDq3drYrSsCfXAJEG71pv
+HK/LcjIfprqxzhGn+aexMzn3fJkQ1oG4addxCD3GTeumfGxl1wBMhOJ103MXb2Pqv80sNJ0srsC4
+6qK2+RorQuOky6ZznzrpeGMDFVlhmubG1mvEf0hwChQZqlT4dGSE0Kgo8NlStNYphmwnX5JuowDC
+9Ij+mTQYx/qK0sUSnpYXxMpKnzrJ1RtK8CCIqcPJLo3daQz9+xqV38HsqqLnBbPhYtAM6ck+0ANP
+aQX2+cpHI0QNWe7FGIltkVICr2p2jKscauF1ilGQEjpJKfWoZfU7UIzWhuDm6ZukTEai2Ua7uLe1
+F/LQ53s76EZrA3kjPlTggL+JahxoDBnTvszIX5pi5lxFpNwRZlvfh7ps1jn6Xfzcjg0gRiNGQR+V
+9KCNZC6lAIg3qp1hEgzU+Vs0BQlPwJBS4xqDRWMmtsiRWvh2j1MSAyEefIZSWLm0fTfXyVmG3WRt
+DAM0Z39sCcCN8GrSK67Oa7POvhmGE0pvZpCZuuNUTSfYT+zzdFCutUzRRw+0mahXCVQZ7ZBCp6yu
+ZikQX6u4fHsTi3kPOp4cNBQtuEjcROn8S1z7rCaTBToD8e81XFHYlBg0V63TkM7EBFQcygTy451f
+iuJ+CIERpIO8DI2+usb6FrhD0GjXBG1bN7kF+jntxta+qJCy7CIrLQGZhuoDM5mR/Ej7dg5083NH
+5OS2GLE1b40hp0Dje0vLXV+Py4M/gKFxiMMs9cumWca05BoYHph3ldnlDGrdr1r1qiF4yRsx9oDp
+q5lsxqIeQba3Yemlg0oxT9778AUbfwaoRnZGvKHs77IdRri0WymaTL1eVOiNRrW91YmNe4wQajVs
+hUK96GIGWpmqlPveFNzVg4i/jGzvp0Padeetrn4ZyMU6K5t5Qqg4jCVVMLOrA8y0GBGeo99MjiJR
+7MbaVYLI/rWXY/1lwplUPY0tbYqryKz94LSt52QfpAnw5Kp+0KfZvwrhIOD0T3wiozRAmq0mVhSE
+bk99ftI1Qrmo69b0Gh16G7Eo2be0HcZDNUdAaY0JbnvU9o92ZPrrgODeS6d0jIuxGwIQrjnhpy76
+hPLcott/pvqEyq3DTlWuZFIYjIS7weNyEd4szfEEuGv+Jepa4sqK8s7vSvUEdd99y5bogWE31k2s
+Pmp6sI+HuDmgL5YPwwDVlGduqqFaN5rnK2F4SnsECadddGedVe/sDmpxYulQRWjNsGoWJVnLCLkk
+n9DWwBZKQVZ7qXeAgyfl3JTcKmoUHrLBLnZ6qn32geu6AbHzC3pHEkPQLqxtIK1aSeJBo5fSQ3Ds
+sFM4ZL8EEpVDbrKFbxwp1JEeXSmubKreS9up25sCTQ0bfY7Fp4nDdpXM40ax2v6sqKHHk8ByZ6oV
+XFf6vPigRwSp6Do3OOezG4LLehrNHD82tF7Qxupp3NBPhWrRtSYtAniQ4WU21mKTkN9zq9Z1fzo1
+Qv2s1PxgbwbFGStQTyxqEzXrFgabaNV+W+ZdyB91WZ6KbK6uQyOD2TzlzeB1xaJCDIdCO+lwkF8R
+UUTDwzf3NnatQ4E7+U5tgDe4Rtbdh134ANmNsS4kQg4UYx/c9WQokcaCt9atGnFiluhFR5WYHYhF
+9sbsTL6Hto4HE0WzSsCUbXVmvZkYQfMkZG2yKhmTbyT4Ew5eIelUlZWl23KQ9j05EgpdxrG+8ePC
+2jRj5cce2+Gws7Elr/GfEj4bwDwiaeE6BNPUuHUcSkxbQXNayEkKVw2n7nSsJapSXR/Fhp8Zzyxi
+C+2VxXrzgtDXfLUxVHpRYhrzDoJB+rW0rGqHKNtHkcLRCp1KTXN8AtgJYrpYpVlsesQMlGRG9MRb
+dXaHnk/T1/6UtiuC2ft1gqn1NImz/nxu7FLcsb9hsMtTEdItdsbsMm4jsWoSo7gmZSswr2kPiJmE
+WGeJa4o5FuSDfE40XQ02gNuh9PcqZ8HE1JKLgE2WLsZ4AF3feGQUOiO5VDZIYI4BZ3palqy8kwge
+yFAgT2YWMWcs6TwGnVZcz/7A+JBsx02VdNPBaGg2436ratehJUNH08A+X6Tt6ahV09bOoavB9Whu
+wyE7qQhRL+15XFeOXl1kTdF8RVmoMrWv6hMNH8O2Dux7DmrDxmpICbdqeRX3E5lhMJaSZBOPWZDC
+Y54HbRM58zy5AxOEmJCpHLp3ppvzNQ6W8nmEcRFw++gpeZ15lroCbBusEX8+JCQ3EntGeNEl1If5
+QgnnOiL/JDK6ZxDDt2U35Ynl1oCvfH2bKSxue380t1UorOtCSz+XWIzC0zytLP8gcvUJZUp5NhIJ
+7EY298I+GaCKMyGZEg+kfbhIkqWhfo4y/q0e3BoPzOXiwdkYUUorCmJYOXyeQ6IVJea7wLoM9LK6
+ZPdDzcEOOux+quT/pr2yFL4/N5FQXTLZpmgn4hGizPuxcsJhyTcbtdgZNKgpOiLSREFGpZzcf/9C
+77tVxxdyTMmOgDGA1tG7ChzQAwF8vBCZKUSHlHZG4ExecVbja5BPTcQAizJh5DwKZaR8/LevjuWc
+2b5Jhi34+fcup1KZNEudRjK54lK/NYfBXkdVNHGUSOtdMSq8KkgezoPKkHGC//2La2811Ezr0X9K
+QG/Ag3Ah//LZcdsoSJXrYsdAhd/eD0Enz6wE7U0eo5paS83kw/dyKk5bUugIZkSfukQ4BVa6wyn0
+kSz1fQdv8avaC5UTCTUSu/ffRUBAH2MuihmrruV+ELQfwO3pt/NkNS9OrUXb318A430TDycR9kH4
+n0hhsSa8NxCmYT+ZhtoUuzyrnQNhouVjw278lCgtemy96L6GqSrledDbnWDKaJIitWow7WRnsRGn
+bHes5h6eR1lfZHWvnWeKOZcnNRaE+z5sHa9PCu4kZhg+Z3Wmoy9qoAqHLg5iwBvdVJDLVWNS76Ku
+o7YguumpMPqhvWk0h+jbudU0OBS5SVjxl5kiMgHfPlKlB74hKPACCtCEbeI2s0T5COyteWGdyF/t
+uc9vBJC4xm2rJZzH1NXyUc2ATBwCCmJl2TBVqmpN8a9mpekaGGtUi1s7KACs8BfrC1mUmrmtQ80c
+vQZx+eOxAZKZlfbdxPlfe/OD9iaKVZ7Hf+5urr+lT8NT/e1ngcP3n/mruakiuBF0DXEdfFcx/FAG
+WQbaB7pWNs2iH+qfP+K0HTKzaYfiwEJdo1KY/tXbtMGZaxrEKNOA+gt66d8IgyA+/LKE08PCnKtq
+kJoR7b5zlyUxI19tdqrdZE7hA9LMJfquFGhDiS1GuWbVWbspq+kyLeCTrXgYERgQnJT7Kv6FPsoZ
+qYtZe/CjLsMlR0DwCgPH8G1sTWUZXsYr2xf0JYL2MoeY4aKL/SKVmkkD4r1NHjgNfk418KiMEBRx
+EaMd0XXGDQHQTK/GdiZK1miR2REGsLNgf8rFJ16f4PVIOB8wu1SsFEpTSISYcMz6dIReRkUlyPgc
+jXg78ObYJWqz3Ftz5O9hYrbXuRPIE2z1X2KrUh6iNGO8VuVE8lVjvu0c6nDSYYRb2k15MY/MQLKx
+ueptckOUhA8JgI5sNP2KUUaycZwkXE+GUDj75e0WXNhrWYtocFWH1GPCWxEZlMg89aqFbjjz6mGv
+X5kgQN3Ias9afB1upzND1Wx6v92ZBqTNDbEEIZTSDiMzLpo6eU+xNCz/gHM8ZQdplw/wL2Dxae14
+wnj4C/qBvUlHwU2FuEqm5EtlMNq2iuIGwOv8CPdbXZe4Jde4SLtNpzKzhuKy4ha8HYVPcjEC08Q3
+l7cAMNbgVzvVKLZAu9QLkSjKBsVncRM0TnpfoFW5BzvKyHcRNpD+Kza43UfkxRhBQzV7bebyUjXl
+DCpWIbh8qp4K2Ju3pcOpHJgljU1Rpt7AlPsyHSBVLvG5ttFWFxP8oAeZ2LdmExUU0DVQs2YKoEol
+ljfTX9w5lWl7aJTvCPJTKleK4S6QPso0eO0WE9gmu9IdnygfFZvGyqpUcdXqqTinSx1q6wF2LtqL
+sJo92k03QtFGD6d2vWwj4rpJW6Sbtp/TUApBJPHkuDEc2yUloocaPFbOtq7oyu+DUtOYf04F1ZFh
+w9hhREAE1did4vZu4QrWinFnQds5JURV/UL8Dm2JqaX/GcWk9HAALYqNZtc+eUXQ5Ajoq4x2X8Qq
+eV6AcKdXJTdmZWvXReG/To41nKV6jbEsgM3DgDsSaNTx7hDUon23c/y30H+w0HOeYen7zUIfNTi+
+v7b/U7z+DyVAlz1Hb1wS33/+j0Uf9SaYYlI7F9UyAy2ONH8s+tYnGkW2w6qOy2hZ9/+aaNloPhdA
+v8Nxh5WOsdWfLgn7ExYJWCEIQg3r3060lu3j3bkdYzmHKs5Uy6Bs+eQ/s3MmLU8wuI3qDmwvMvXX
+FNPkOPn72LbX+YCfPFJPGtX3eJAeCF1zY9F8H5f+I6TA+fUUiYnERCsLD0Pqi+/jzVsoDJzWth2o
+u6Ke1PMOe4Xm0JzvcKPrlTqsYwVdvkz9s7IM0KTqMvcG/VEimppDlCpKcKbOihsV9qal7C4t7bxa
+pOPS6F10AmulDxgylV/lSNo2KYVdjr82+RIjclr+dZLSxap918xAz7LGbRRvMpydLFpmU0FiHtDu
+5JM7qy0qAKVmarNWE3TfIr+fbJDI3A270bRhcFMZ6uI06AYMAvGMO5wPYKeIzWzljEcZVUIrGq9J
+DvSRr3wWLS8JOldXnPbKdB41oXhNYD3NgHs9HmbXMcVKmqSHVg7NgpB+SLrux2xVd8n1qOAQqYba
+S5rM69vyCzuVuo3S7jJorFO0f89z0K3aOFlVBN5uoa/Z7tCSvyXy/Gs2SnWbQFh3J3X4mstgHZhd
+c6DnQlIjNuTSJEivmDdRIi6CLA5Wx4flv2Xlg2UFvsoirfjndWWDsjx6ebOU/PiZH2uJrX7iV9DY
+JgMBACEtwj/XEtv6xPJiLi72Zf7NdPqvtQRpuUrEKUuJilcJ0cWfa4kuPxmLwxHTFf5qHaXPvzlB
+/lKZmwjKQSCgUufeVI9LzU8omYW4MtukSO90vcOpniYOg0iph8ykO+FQvRh1fgCzGBE0FiKZ+ula
+/U0D4l1pyDR1UQEjuEfhDlTnPSerqoLZ6Yln3g6d3nvWlJmeFunperKibPd/eCnsZZxu6XigmXm7
+YDGl7DUNz/eWk0xEEi0Zt6QIlx62tur/8Km4lA7YMW2ROC9r50/XdNbGpGSFarfpOEbbEVroum5p
+Tbaj1X3QWEEk8fNOcLyAeDcx58GBo65/96nGvu0SUObt1ol8bOm01/OaFuTYm+sAWPgKgIuyCPDp
+i6p0lX5/SbkH/+bFUQoudzG18rvP2TIL80XZtlsFAiKxvCOwRo3Yy9+/yq/3CJh8zKlsqSYu9PdI
+gQbEfdNXfretHYm9WR5hD8ZYWb0XLwOwDz7UWwQR+hAaFGzfC0tB5zY5Csp/+vJwsOki1Npui8iY
+GUBSf7OE/krNnnFky05hun/UIfr1MmIpxB2MekZDD/O+hCPYh/mmKLotx0fMQ9AR+bKcwvv9ZXy3
+YR8/l85ODTmAYCwMv29vStn5nBro0m4FBHpXKMoBFdXFpOkovNXM+KDr9XdX8edXe3drgK8KKujV
+3dbuBw2EUeQGPTmQJRoVVMAOcrkkef79B9RZSN/djlTUFgcsQUXODbmcmn765qYwMRGk8NhpoSlp
+rUhC46Gm781itnddEVBvVtcWlrZVlcrmxYQwdVIaYtcFdcEY0em9bsSZVQ9W+XUcafVO6G9cHVjQ
+zVxPoCnCYKUl1fzBwqT9zfe/0PkwUSygsF/uOLtBWVy0PEbR0MnElaDiLTwIRu8piqDKbDRsgWRh
+rAVXjzjpUX4hw3FE+WkzKGtnAew/cC4wvf7Y9f/xlGf87VtjfV6ecIP/Lf//T5c0/l/2zqO5cuTK
+wn9lQnsoYBJuMRsAz9I88tEWNwiySMLbhP/186E0krpZFV2hWc+mo9Wqeg5A5s17z/mOm1vZYuYd
+YpJ4o4eAOhPyAfyGiGEwd5F8YLwNrHy03DwAT1Uep5LgVonLMOPMzWlxUEsvEzL1mrlUPUOrwyCE
+xunBR52puvQWf/miHBZkpEGD9jiACMmRFGHyYz8mCsM8JyRwImn8Vij2FvUNmBZa49Q607HLWujf
+CtPSLjRdb8rNi1hkD/3ooNgUhDHP4Pi2LZ0KNM/diXjwZd8keFxngVCXfLbwkoHOOu1qhl1aZgpH
+xvkzm41z5xDIDbk923dW3J145XL713frzw+Iw1qzmukFuUjMb/78y04ScbNJdbdLZHytZHB5Ekc9
+aMl03y9hvWEQrP3HjyTvCISLXut6BPlKI3DbaXDcJet2bRgeNCk2GE2/u6W4bI1S+JlrPf/1N/x5
+3V65LmSgQBVYW/9fDilk9QzwDPtuBzCdQ8EgxkNEVC+QxHYO/vqtfr5NHXLC6K9agCRWON6ff8yo
+p1cCaoFd0BnMi0pptEM1Evf8f3gX+uWUKcaKTftyyQoceAVqHLY7q1VbBouussfG6tz89dt8HRiw
+UvNtHJp6VIvEH37tl2eJsmhWTWNtmrQqqDSZbi1mXcAskEQIbNCUFNz4qHMJRXaeWj3aVYSO/m5Z
+MvjR/jAc+vExKGFWnpMJXlF8uX5NU4klGWyEY1Nu48Vw8y3Tvm4rxi5ZVVOLOGgleohWrT7yarTP
+WZcSo2uqw1WxLMaRBNLfgp9++ZmQAWPIhDBkf73QDjxw+P693KUKYwQMLo75xoZ6YwuJU9BV36t8
+mJ5sXYu/A2ru+oEYh0qnaWbEzLMjudWZQwRMo2xvTLQRKYDew5nnDXc0G1OfFCXtYy41jYfEvrOx
+XZgg7gNLcZ9QTLZ7xpLqpYJxfb9U1Ssenjtr5o0i8QMo4ErzN8XIz5u2Y3EOoGNsmRYBHF9uuXW/
+y0JMRrsmzZ/KcGcPaR4oixoDica18Nc3nv7LXxedLJ1k5kPm13ouElDBw9iQuzLqywOgpI2r9qO3
+lF1zHcoaNZjNACU3WShzEqNOfZ3MK5tGD1yH0bBd5h+5Ng3XmTORoj2+9Kmi+03S1Xdz2Sde3SXm
+HjjUeCzn/FpRu9+Vbr/+AogU0YvReKfv/ud1INQIGZidkVs2ns9Ra9fbfhTRQ8wegX7FTgM0H6pf
+2FZHPdAWR2CDr05i38vWcg99HYaEX7WIR9TKvUWSVYFFXD4WZLpHA4HndqyjGZNYqrATd/m2RUX3
+m+utrQ/VTw/dH77Blws+diiXoAPTVEe8dwwXtzx25gROSCGDKGnZQnva7GmqHoyKFrCsxe8QOr9Y
+tmHVMLakruf2+oqDkXlmYY/Q5K6Oyk83QZdhaHSixbT8LoZwPZt8+a68E3NRlykkUKAvNWITRn1t
+hybftY3uM8Ien9DJru7fmdOEOWdM+lVLcY5EffwObPWL3RflHyFLhsHGROH95xulIyJVD1MVz7M9
+fws752aym7Mqws/c7t448lq/2aC+duzWxRSwCn5wDbanyejnz2/oDoqcElK8dhzDS3QJ1D1zaARz
+yTzGGJYPNSzuqySfgmiuKW4IffIHGbWBSrXy10/5L5cUpv7sLLiwfzLEopcaTCaycodcqQvU2mZs
+ghLNU5IqIsbkdxGev9iaLSgdXGZGwKvc4M9f3CJnMsIrzkUmuHpH3z30l96Jf3NG/OXvCwod/+/6
+84Kp/fPbpFKLKk3UcscZufUdIvKCoUxhfoWOchghGfvRIHogkw1zizCCITNo+Qah+cWyWL97in8+
+lDsWs37gxDxDP2Ohx7k3l1hmfJgBo1Ic2dFWtsvVPED1j6Cy+6tybRfbne5VWa/+Zhn/Erm5nmAd
+dkc0tIAHkDx8vde6aGBCU6ot2k8Rv9VkuZgegs3uJBPNLLzRqiz40j0v4CmoACmorSY3A0AAme5B
+4IkzTJTzeDXEBn4sndgrzTcjU77/9Y34i4UG47iw0YbQG+Mj//mSJakm0RTaza5bwuJTECp3uyAA
+bDGNqv+n9+L2gBbNA/bTUlPjDO1qRzQ7U0/aW9fUrG01rxrktqO196/u380/lq+/cCytPz7OVsti
+5bSp3r5S0GPFAVUMoHlHgG677cUybIQk2IsTSvKbC/2LRYxql7YIJSLina+dCp1M4rTq+VIIQqMg
+ZPJ7B/JH31DjEDg2FbTIq3j+zfLxy6vG+VpgytIE6Is/XzWyRMqOzLxmN+urVdmcwJGnhR60qi5/
+81awN3ixLzsEe6GKoQXyBU7gL6umk4mqx/zAjynIodkSG9q1EJPEuJCoFZZAAFupByA3O3IIjWFU
+tpwc+2mzTLZR3BaOycOFgGNxD6Gc80e9Hgjxa5HSEq+U55h6oGnErxWkm6vMcNCCwHNH5C0RSzIm
+5isZ2EwqhiruYKIyGw3VmC9MklB2yQwraVOJNsZmk8XavdXruDRyMYH7TZHOWxvDrWP92R21hDDR
+lGZJ5NWcYOKLKYZUjy0oa+MHmVfafMgBdJq7ONEKsVHUWjsWyzQpO9lng7w2CyyEV6Lr5/DWklpe
+bvnfyrgtxlZmmLyFm5VBmQ0iunLs0rSD3gT8ue3NJr8bFObKx7ZUqr22is28OWp1xHlx8lhI9C7e
+1JO0erAjwk9QHlY4Dci4maNNUc9le5kOHCfBB7g18wgpRzcLpsGcp6Aa5lC9QBAXqvQdiloP6sJc
+S+wEg9irLUP6JQDlJ38BLN3e1Wai2ICjZDrfICgf7spEtB0pNI1rn9WqcKJND+eoh1oYT9vGmdwE
+S2sEyxdoybL4UqbublW4Vps8XFmvqqIzNWqk6TykcQMFPC8qBJAiRmCb1rWJH7e/pc+77Qezfgpr
+PX/OFUc9d6U1eiEQrr2CbH5jNO6ph1FYNnI7YS8/h6R2DyKONtlSJjtdZGOQuVmxjfrhaJC35+u1
+fE0zS3hmrwMxStGAFobxLgxl3DBxwmAqWntnyVHduCKxdsJdEOKPAmA6ooULKerpze4AfIl+xsxs
+D69LA6VyMCZA/hN+iSR/VFVizxSruTHdot1oapncoDlf/F5NtAunyOMrY+R6UM8mnkzCx2kxzB2B
+wYhtEZIxFwwPoSsyf0qznqKCsXrOLhFIaS+3WT4dmk6Qy0AcLv/IThndJYiV7TGbJj1Y1KzZTETZ
+eGkcDn5mZ8XFaMQBU3TnJnTEuVDiaaONTrzF2Lv4M9PyIISJuyMvRD2HUV6/4MtWL8vYBnXQNQB3
+1a79tJSm9JVuqAOHhvUOXYN5aHMX3FgZTgdDTfSDnG2UARORAdq0Tcxag681Pxdq3xC8G+5tU9wl
+/fxsTiGjRNWlUdeHz4WlRC1PYOEcht4uMfo0YQAD4x4YTniUZFMGqJgdzPdC4To0mI9SdwliTo/n
+pFWGmyZqnbPsGTOOhrzs5tD28mkBkaWUH7IZ671jYMaAKlkgX3OGTyG73puTcaHDlQ1Jt8yEWjXl
+YnA019U2IiIwcTuCxhz8Zjo3z1OBBmgK7IbTJJspi0TKtPEbkpLsuoHZSnsEyoGTaQeVyIaNUnVk
+ommLc8G/4B/ggUA2r5uzvHRmtLDy2xy3aBVxqYVizIJF6u03cPVbNY2cCCsRn3lnK3r1neCirN4b
+Wa73QeG09uDNFZPtS0Wx8AZm5FdCIp0HUznSnkWnFlZNsm9bfimPmKoc+nox3Md09W+QjQMKK8os
+OYwpvDbTTRp4s7qzBawyLoTm0YyLE6m+WWpIPUl/t97Yi5pf1Ozn3zvpRBbe9ajCdmXi1pgmad2J
+IQs/XZr7vc9+WXA8XNEoy+zg+Buc4rOtMVfiUZPaS4mKKeCgbp7cUq+/JW45BjKW866jYrl3ZpF+
+GySvMyv5tKk6vTkuFSe+hCSkA6pE+UQXbtX3oBVGBtNzJ2Drb57jyGmw/IhsS85j82zj39qnQIpy
+XDtdtk1wWT3BG4J9ZlfjGFihWZCtu0gejlxXTD9TgUREFrbGlILrQF5fFti0kDf0JtwWST14pH1R
+V/z5DqPRI0Ge0YJfEKWQ50arfbpSBcgGdOzGoSZ6dr0HlfEYEaFJnGacQ6Bte30r+TmVR8znfEWb
+ANv4gnBBPqqVDY+DjnXiKgrD6JQ4DbQEAmqvKgAllwKfwqE2QB4LNbHuhk43F4+ih1zOOo5P6Sjr
+F1p3+obGmXmKWh7VTVkVy3aB6b8dq0kUOxuk/CnP68H2MUKaJx6ihoeKq0sTvjlmwKVOYLjrt5Y0
+9luxtNq9TPi9EzJFdssMNcGJ+VEViIAXCrfmbW229Zu5njDRWy41ynayeeAgmMnenApeVulRiLei
+OdaQaC6XQdZv3Vy3z2CXdQREdvMdnjpSMZCu/KwNRsFjxHkZ0VeHeHWU5kkQ0rdafN3oNAGyqql3
+Yey9L7D/kTjVOt5YJuqjFs6XGttyHUCqjXwFVk+DPCeG8uj0fQgqokLyWWuzeUrMKnyorTgipayv
+XqwIrEvXx0uMDGAJNQ/cv3w3e/AQUec0x7lVsbYo/XDRFnx5vMnTg6OkrItRmOx/kGhqVYlOPVIo
+MsEdkwq8RH54EkaTH1oI2qHXubQZAriH4TEuOv4AuAnHi6IRYnW61IgaFp5zGi2lfJpnmtaOPch3
+oMWmH2IbOGhtt97lPcg5Zi66eZcQA/CIPKK3fZJkQKKYanZ2urZ+NcAk3ylk4OWo48f4NFtFiUsF
+rthz3izTjWPJ/lGtp+ycrJdbb0Pn0oQDcm7EwBtlyrx1bRvbLEVGfBKSX83BynejRsr8qS5VslMw
+JhEL2DrhWQeycGjUGGyJMfKK1ZKdOR1MD2iI5fsyYng9IsGX8QZU8/xp1zSi/LAH+OfRdZMtRhll
+LH1LqUAUiXQpsJQqVngmZYm7u+5lMx+KYSBqIu65kxalaVl6LcGdxpoVn/IsrTS/0JbqRjFSmrj4
+CbjWqnTi4WAZlVP6ruw+K5SOJrMLwg2aYmw+lSrVHkVUj8EwSu0DzhH5pjx6zS2rxfJZ6Wnd+pZe
+zhlIILP/0J1+IfJgQAyJJ5WfxWInlzt1zLTW+2E9XgABn90OwTBxsMPHVDvNLRmpNP4bvb7uBryV
+mJqbW61zolNo4eHsXGAoiXSMA+uYS4Sfw/NdApN8ahACqret4kjW+CojQooccH48x7CvOBOH27oP
+WxYx3BV09jqjZyBsOC9YSbrrsKix0OX5sP9hqW3YNi8NjNvQEu0oubGEXONAhXxo6yH0VsxEF1X8
+J1nXdRAOtfFmupG5FTX+3BoJe4CPHFXiYFg7jd/LY6JJOCbKrNVFXSC5L9rphiKEoHgIo496Hgk/
+V6o7uG9XA2RNZpFqwlmmbYOxd9Prhv6P2sfDMS3qlrfNrJM6Ftp1bBesGwY210lNlKsJMtYJ31N4
+Z4V6dXCnBM9UlxSLp5GB6DXocQ9m0h2Hec7Jce2HKzUa20sk9iWIHZRClPqUgC7jP5p8ry6UyAOh
+xNM5qwbjnUDxY5OoGkuawz8M2WxKS4OJ04mLaUrFE/W2ii5nqt7ccZ0zVYBJ6X3CA6hspmUxBelA
+/NOTg4v+rJYxjpap3ltV3gTuqCSRl8ChcsbllS5w8S0rUG2y5/Aj6YqIWOg54fj2PIvYT7NMHjJF
+NbwhVNRTVgiQMX1vXhRhPwUi14tb/gUqAMOK+75RLJY6Nzr3kjfpzdC+6VXkqbROV2teKF5dAowe
+Ldnl+ySxHydIgjua5jF1IKWcV6wKySoZ46uEHHtA5vohRI/7FqvhuB0chVxfvNGBk/RGMA48jJIU
+R2/MaBVG82xdUFyIp1SYu9KcKuyNKQtwlXI6jSykmC7gzM+BsN+nqSZ10S3cBdVCIe7reEpJnnfF
+1mTt4qvJ/FEzbft2HrhK5iCnZmtTF3pt10abaJrqj4VRk06Sa5dcNym3QVIC9EFBXNYsa/Uce6JI
+CVgH9OLT4vbIiNLJcbQo6EWUvkKVBbWEcK7Lmjz1TKGg0k2n20WFnp4oxZZHcQtRANATMzYKMru/
+LoQZPpD9SJkhBhKsbRWOnNMlZ0dtlyArDOdCzih0Q0JoYjMnM8tozRMJxVXlx6Or0VbPl8M8V8OV
+ZSpsO4WjZDxwVnmswTmc8tSIQb+lS85zR8IZMmIl5TFihjZcucR/PsPotnamRouY1ho28map6Z70
+iULKSGg0lzAlYFyxMySZ17dpdnRJjzybNtLp1J72IRCFwZHZGkhZXcgSBZwUVc5wFAMk0JsOvGNK
+KrVM9xqohWeXmSnnnNe2Knu/iM3Fb2Dn+ilhnMC7sIE+T7NoD8RXv2mL9YHjpXmhYs1fcllULFpS
+ebBzU9kaQx9tOrsvbmeLiiWfW42ht9stJHOHkJUKddoPIJiTo2JUo8D4pUp7b5Mhzx4jrOqkjGRu
+4EmzqxOdIvBDOjCLimFQziJE1kz6UhRpeas3TnFrJfSRyWVnASVMqXvPpa6+lRgp35tQXSCAKbxg
+gwrgaBKafTfjYBqfWyoerhumpC0O1ZxdYsUH5DWu98WF1sBuSe9syTVQEPg0jUMVJvo99TEn06yI
+xTHKJvmO57x7x/VBE0HOffGZidUaKZcufFFlqr1lJDSSEAn640Y2U/iiZ0CGfREmiuvXS4jLxKyJ
+W9AXIsQ3S2aWd3kzsTDIeBqrrR3hc90Kd6SjAYqT2yPWewqcqsyru9jq8YZi5g1fCKfh77ggIFqi
+pwFcBKJUuY1KY8aWOkg+5SbFrYBwFJWWzSFm4k3TRJTyIlnMjnOjWg5a7I/1mET41DReeVHI8TwI
+QuWdIBburOyUeS0BOiakGMimwr1MY5UUBDzhFK34PblKysJW5+dTH74M7UBeSkR6GjC+yCw+9b7n
+XfvGmNF4k/jy8o8f0xyUiAgOxpPgvqSKMs3WFpLeOU9UO4xehLA2xGr79IL46YFAl3cm+rFyl4ML
+eVyVBQkHzGwCcK3RBTrpQBwImTYXsorarrozRxQVXELmrf4YNnw/Epfph7S1mqUXEhXDsCtmhB9X
+cNGGz8GiN+r1Olm1V5aixffZPOg7zFrlE+hn+zaz3QYKYO2o91DY5IzEVGjhSfR86b0+qHxGqnI+
+dVKGXDxrnkqFCVVl5j7XhGeX3j+5FfRl+BUHhRg7FgldviecXhKPD+teznKQH0kq03zn9i1Uj95F
+kr4DDgCIO1d5fjwMZ1gtSvp/x5FocNXjPqSiM2NRpwfVammitMxWYA80iUmMDRRkAqJzhf3LLwgZ
+ATMOx7Lw9YXs91M8GKrfrCVkbpeYonO0gQ9aCl69ySv1yEy63Y/E49zCi5tAYWXJ47LE48Oow8f6
+0Vr9fw3q7zSoYD2YZ/yrC/0T3nj3UcFoolH9D1jy4f2//4aVd/07/9agrg4hAuVUHQMmoON/a1DN
+v1vowXi00fisekX+r3+6mOj9yqrv4v/+m6H+HcGDQGuKRAlFgP4fSU5XtNMf+7oceRDX82IqLWS6
+19baZP6DrMjVq9IJKyffG070bcziyesk6xBDwmfo+XftoOzLte/jFNoznG1t29szfu3hCAbC2VDV
+6wdjLOaDXDtIpQYd3l27SijR4cavnaZucNvPOUQFWa19KLIzGduvvSmEBepZ+dGvWjtXRk5frXaS
+ZEsS/LTpI/uMJ8q5GZcEo01XXJCzOPJqBM4bY9NspKLrAWHe7ZGm1hpdfSJqFBf+2lHDqXgAbrLc
+mjI0g8oebV+bx/5eT1zAxWtXLl77c4JG3bh27GQXPVmiSDyI83TE1r5et3b40rXXp65dP82SNFvW
+TiCl/EbQGuxpEfZrr3Beu4YF7UPQK1A76H0H7dpbTNYuY7b2G42181jnDSXC2o1s177kuHYoR0GX
+BJfRe7d2L8Xax8SsDsLJ7l/1gR4nbbojO0WxxXODkH/thC5dGW24qt64dkkL2qXdj2gX5RSufdRe
+aaZ9bdCTm+xKO7trv7VbO6/ocraFO95icyrOGaoXYlictvdSdA3YLPv8qq2BeWx0Z2CVAVvy3HNi
+vEWuIQ6GJKTRMAi39upoaO8aQwnv4MSZFyKb2dOUwgTI01kNq06dXLdVPj6TkEQbwLTcx6kwyFqv
+qp7GTUXXKx7cYiNHaC4NqpFbeyRZEQM9hUSuD+a+M5z6m52k7FCpPeSPZVYCkQUgsFNBOlyL8seO
+r+U0yCO1bi9pFjkB6UugMBJX78mZ7ekfSL0u8aWFIaa6Si2PjbJQpTbE7TZekmfkH2hVkQArraD2
+MPDY6qOdvtg69UUwhQTIMp6CAAWK584xQiK9i6S603C3XhsWNCKx7gCUu+lLTaA0SDLNZsuCqaRt
+i5Qoo45G481sDgnQrywqvR738AZyA9dvJB/VAOaCeR75Z9CuTCy8VfnjTJvrre1hKimG0ad+hI1m
+jyCSPxMP0w0/oOLTmIbaBApXu6dXhMiv4yVRzhCwoxK9e6NH3JpmD0J3b8qBL9/M0Xy2gSMnXlGp
+nKIsMFgSz0jmGzPXoXZyXhDrW9zAREjKzTwUczB1Rf0t5vnbJcRirhJITrzhlAA0suMuf6y1Mrme
+QQu/J4DAdlpv1B9AmaabsCfO68cnS1HnOtuh13j5nCSt22iJaRGYrWn5Rhg7t2JaW2MYjz/ztVAr
+zbK/l6kY/cqamYom6xf/cVBlhts92FPBH8zXNAUTaNwawFvNG9WVyAVHkb78uNOwN/JuC3K33tNm
+zisJAYWgzd3qNNZrLhzFGT1OGiyPlGv601iuc4yuEPZta0biUGXhdIavhi6p5VSiR70t9vXARe17
+UR7B2a6QMrCkW7hb3Xtnx8l1qVbWydGs+QLUkH4O1dQ5jw1x3zF3JOE8rhm+uDp9stEsYtpL4cQL
+DQ7vaEM02OZRrNxVC6rHxaLqbSJOY1Aa3M2Pq1WMRXVHbDIQLJmFZedrqDD9CnMRHFZhXmqNFKEH
+55foLSvi5fs1rt7OJ+76hX8wA/rm0PLz9aZKfJku17KMrwc8qL0i74eGWn0wq5cyoaNFSpPvOld6
+13Ouj27iQcVr2sX7Im0/zdG9IASZ7ikVcanb50kanB7iXWctj1ErrcBUJ0BMNPhpHpvYahRPr2eI
+OXpZnTv2MYw6q65aSzTrTPXzIImnvrYG1vBMc6LAsmvD12zUj0kxXxNCF4xTGsiwOhqlHd5onTKd
+tElPt04VMa0ZHSveWVW2UrYGsZmBDHs2I+z9MGCj7JysiQOl1d7LaPKHRv9oYLZcNHFSX6T4ojaE
+EhLLpZvfW63bwxq8ZZvM/WzoDerSKPymRPqzVJzvxDkX1H2y2JJR1qGGAdenFAZ5ZpJIPU9v9cGv
+Lau66w0hfBy6y3sxmJRrzN9W3cG27qa7Mu3ro2tnO5RKMXyVhQucWNp2akDapOOc4enQHqyZop2i
+9ZBNc3FQHd3YjyzCger0NUxEED+q23McXeot0THfGrVnYkjm7eWcqfax5cZnegHgxRzCb6pWAFCA
+39Nr86cx1+c6ceyPRKcHJsZGfbFp2gValt13CBpf51kxgPQM0kuMxvHVHthKSKP7SEKBaLwBnEcw
+GQMAhBTuF0BBVfgL3SU3vGsK+Q4qLCRzxZmvGaaOmDgiRjGA8XR19sql7TfLoJeXlWZd56z5t9xW
+RLRYoXZjLLPYjDpwKWpdJd1nZVYHQiowyjS9/pAmAGIw0Ie5qDIAf/Vrj286aBzpEmw7PKshhGm1
+YreHWWIiBO2/Y834Bg9kp85N+DBqNdp6IxuA+9GzqYgFvGqF+RCifvYtHkNOVmX0DMEN4IA0gg5l
+xCWU82hDkeC8E+E+nG3OWA8ZhlJqCAzmTBSt+TgSbU1HUodMgJIlfUjB2nlCiuJDYv39oF+WHwme
+AdUSyZDxrEJLwhLjNpP83agwNkBr1Wsb8M2tIRhHRXFDZWWsypC6da7roR5fSnXOX0ZdM66tDq+I
+SYXlwRtbAkiGCPiLLqF7HJdm44fM21yPbLrocmBUoh2lHmrAraDDXetu02+dqClUHokIfOWknCyt
+dUiDoGHKRaxUstkjBWpD2l+itRLcMSWE36ox65XiMLINTn11XUH0Pwrm/JuwMQug80346KImPNNf
+giW1ELMOoNotlesucswDlUK209Sq2SQTQDR8yRWcpXb6LKF6nzTCmx/GNhn3dWw3T1az8tFYCwOO
+hZxt7RFysqgTH73VISuowugiK0e1YgEDxdPsK3Rqft12KbOeOWTupTl8rBwZhMjfbIlTT7bheMog
+GF61YdnCDYYd1ujIu/oxC31qhquJqTwSyx2cOM7BzvItbduqDqD+MMAemxYzeKZ5CSm720KoZGW0
+mdgt1XI1ESy5axlpeXqPV9vM5XCzZNR42VBJdq7BOc0j0/4mlbCMcHt/Mzr3miwB+TGuwSCNNXdb
+t7aibZ+HNSGETURLKYGv2S484ojq1xnGmR20OpU20Zy128+eVEfz0ain3TROUSCN5W4GsHo9JTpo
+fMdJd+hkdxZHTD/X2k01VNEHIZw7o2PLG5oKelmS9ptJnaZjMmjS71MZHkC6XyZRcxahCc8rdNLD
+vFjTRZiir2S0ocSZtqGte3YzVlftwu6Bh68+H1KR6l1WjGl0S6p6gxG8l2PESG+Eu0dUshKxJUSN
+ymnXVaOZRgGgDqKnqH+XS5NSJfPTqMjMzSzTIZicWqfNBxkyzT32bVKCCytB/SSjISYgPMOrLzw4
+JJW+Zzd84ix9q6jusC1Kd2359ONdaC/LRpsXeR2lZgVJwRRXNBaem8VINkttnRMX3mW6dPACmFoG
+ORlgp8auzTc5VbOf6uXypkmtuxoLW9km2vDRRjPDOFMfrpxhMALQE+IoJk4/HN3lDY0e/ZKGS3OO
+KFU2BCOjHlTsF6xuodfA9H4du2hmGtKCqSJZ+1goieVFqar6GXQSn+iyCQapE7NV1uSEdSLZway5
+d5Vu8sxMXCwGhTZtgXdbB1RAZl97DR7KzysBnkUnt6FL3OMcLVa5SbW16I9oobypNAvf7cxML8ex
+lNTxkuRW4mcORCPcqZhqVNIrhkVhVt5lh2UJ4UUvi5gvBdP32zovlqecBK8rGRffOYBGxabSm54m
+Rrf2aMqwCpIy/t4UBbu+0hTv9mCta1bYdVtybodtq6ntN8oXa6MzeTh3YGR9aqCzAajzBF8/kh5k
+S+OoCrcJ7Bk430QS5qPVj/0FGeDl5ZIPDoaTuctPWdnYMIEdI35DEKJCOEwTAoy1mK1AdddQDI6G
+oKVIg3XesT6zcECj1M7MGhxCNu3622IUmHhjhrC05w2hsOTbbun36ljel+s431wH++E64pcsjBtH
+Ww7JOv6vVyFAtUoCklUcoK0yAeuHYsAsY/IhiMGqaHNW3EIRRUn6Q11QrkIDmnar6AAMxQ8NAtXz
+KkmY/iFQMFaxAl2i4TNeBQz2KmVoV1HDhLohW2UOchU80FW/zNq+4JyFGMIq1OEmWgUSxiqVyFbR
+xLLKJ8xVSNGukop0FVfwwR44+IWB7cbVVkmRYOQ/1Bj/3/Upu6Sbf9P10W3rr8Hc57h6//gvehyv
+JcrLf7d+/vcv/hNloP2dXpCu0dxxLVS4K6/gnygD7e9kpILEWsN5nD+YjwVhWDqODzSZMKJUQDb/
+agQJXg5lPXI07JH/kfHYUL9o3QXYMZLn6Obix0XI+FXd17RR3xauW+3JrgZTOMfVnZvpHQA2hzNi
+opvPI7vwFXHwiUc5+5xHpnJQR/saZBTZ0sUSZ0FNCXTrDkV5k/fqowlzGCFJ3qTbSkD5WnoFoJRG
+mS1YK7eMeQDRwJ+t84FCetJu0mlsX12juMJwf4X2Yoe2IQy61nTZtguc9SQCekObfPZqn1wX/I4+
+azgn67JqEKE5aF9MHQWkulxUrnpjaZLQi3Z8ZXa3rqpMacUMbqBLPmWeYokDibmxK+faNqbdmNjY
+9leRfVZejdpwDieTOVXSb4WeXfXzciPS+UKN+FOQXb0pTl7nGiRN1SzfzS475oP2vbKt52aW4IHD
+3G+L2HgKG7FPWsfyRhXmLlHYNMgU51rrjOdsyF9tlXMls8+zCkFw/QW6gkO2yPLPtC6Z34EN3xo5
+c1yDREoaCCQCDuNwHxnj2Skni6OVFa3Cre9jmLkYLcU+wsjHDK86LDkIOWVEmgTy3RdmctTjHnNp
+Nt1b2DHGWjzHBmO2KX9tm/QVA8u1HQP28RgybwRfaCSou+rmG5FzrWaj2zZu3XiKyI4L7lUPCyIp
+hDqTDr3ih9LjlrCItYENRSGGt+gS7alw4upwpZAQsP6WcfHKaYQp9ExIWTey767vVUOO2CjNcjNK
+9abTxx1ajgvOg/C7B/Wittm3hyz+NJiLsWAnV1k2XehcnL1TufCSE74hU5vHJexCzqoWA2XXYIOT
+vBEbRBrErlguWzM9VvPyiJYl9GJzuifVJ5jmcvTLuO0CJFev5UCfINen7061XBCWCJU6bpPrrCGf
+elLfnMY4MbEj3YIGKCmU+8Xs2/3/sHdmzW0bWRv+RUihG/std5FaaVmWfIOSJRv7vuPXf0/TmRmL
+9kiV73oyVYknsQUSaHSf8553qcb+fq6IMI/KloVq7IKMZ6TpLq1k27eLrpsPdjGFa85jDeWkMGgD
+WQkjlciikhmuSI3+QBbWi2cw58P8kyIaH0Xh9PdV3d0j9vqR6fG01G3kAbhJ3hs+8osEFc8mlQWO
+6zYhqUJEhFqp+y5ym4xR85HzB5kaueQlEsRNq/4c33MRjvDBBsN+jJx62sGJnhd49lyXUiu/xj59
+vQNXZFVrfk9dx7JLx8AnCAUey4Tnzq5ypn5fFVZ/0WS2ewFfX7tJwildq1nnTa6V00YP036fhVXD
+LC81Xuguv059bV8KNymhr49FhL19TWJQvMILm7oqmYdn3ylqjfhSmdpbckTzB7ixD9nPFBOTcBns
+I6EihD7AX/K1JhlnmYzIBULQCuq7VdlOWMqZI45ENVxwII+xDvboKXCucqrrlNyUvCBAZdDMh0JF
+qjSdZa37znoe86l+yXPZ8VbG4Tq1q4XrgC2Us2eDt2bdSk6Fgh6sFjYSy3+OJZSnolw0VQa5E5jU
+HqXYYLzNc5t4BToGihA6hL4aMVu4weex246SRYe5/KMKKuugBF74ff0Dg+mDaSf7X0YNfyC8n+lJ
+2MU9icwTzQVyGgSLZ4TwKLbNLsajfGf2RIAYXdUq+7zryKquIEfZH3DCz+jnp6tBSsPtwNRNzBXO
+RImeiS+0PTn5LuBVX5HQuae6CynV2dDf/15KfvAL91xdCZEn0w4mKRK7n7MrDY4zGrFfYunbJs+e
+z26otuNYDNPSwHCmuOBX+ub9a57PRU7XJN6e7AsykPnn27lIYOSY3DZ+vptaK1yDpd4XIy+2Zpi7
+QVNTQr4vQ+5D3bC7vX9p44xr//P7ErynZAuW+M0LFOPJAZ9SN981WW2sYkjZt5MPkYrt4hAXcbLT
+vfFlYAizSYaeAUHf8N56ubHA1/xFWfcE+XwgD4dT17B2ngcbJO7IKXaHw2Czfbu2JNgI4LAq4iv8
+jjcZWAey1gfdCokoGkmqcFPMd4vC21oYOj8FCBSXphqIvv9N/7CE8DtB4oaAQbfkuS5ZppGXFfgR
+7ULZbMxCv8VG+DabAUs/uM6f7qgpDFVaMXL7zZsD5r+Lx5Baq15qXjQj2LyIzLWesgnnCKNWjYuL
+byCyO9yAbwmpyu5CZcNqzsGPqmdfVqUKTMqEFmY84NbgLzzmSVD6r42634Yu2z3WdBhVBiGetKMc
+HwNLTltyi0HvIjLmO71ujsy/H8ZawckyMvdod7P1YLdME/Lohx9ZmE8nMDvq0S22oxb/8IuT4/xm
+blX2X2nswsnahWFOcBtINJjYeEgc2LWym2+dCfM7KfnZnqt9ra1kYkBPjfX+jfzDDqN0VJ6SCSGH
+/i0EyNGKytSMfDcP4lROjOxsYEXkHAzG7v1rMSP97a1nLGnytADX8Nd6+wbWcsIS3pzynZX0R7OJ
+9uCAH2yYJ3Hh2c7i4E5hmurvnjzXqkUh7vwpA75d4fWwt6JRwvqYX9ROH80GrOba3yfS3BHxdD34
+XrhGWLvXRv8LAdbfXBtnbtgxNS5VsQGtjEM8hC26KKfsSpC7R0CDsYZJl+xSA35pDBC5wHuxuUwj
+e02v+9kFPofV45K+wvBnmVrULUhq22XlVeUGeDlkdljJbTcSFqPL6IcFrxGuQHLVw5JKLFAG144p
+UHHQGS1ocLlqUXu9PRa5DNemMR8+eCZ/eGN5FqTekmaIEey5oA3OdwtmkuU7kdIo9GEWLSN8b2DH
+JXxnaD2LiHILJpF7nVmo+fwGoewsshuyQx5IZ8zXmp1j6ufPhEnbaOq7UH/EuNpYEUGkUDT72ocM
+tux86zr0ZEx0DTtRWTCSceLpQZfDC+wT7B6jT6NBdegB6i9rIgGTUGeAxm0qGUFuGSZvUcocA6Kd
+F3HN+jRhXhLm0Q8gVGa8yvzU20LDfvDKur96/yb94SXhzFB/CQRuUsi3C3cIKgef/T4nejJfUeKM
+C0acW88ku9wvgw+eiDj3KFCnhcspzLYG7Qq7grPTsUKuZ0izy3e1JOCHQXWxcv14D+ix8wTPZy5Y
+ktAlUbVItqk4pgIM0itSA+YFrp82PCWvZOzSV2vPnvF4SyG75JP7rUnEJZOqm9Qj1wj/9lgNHIyV
+UTYvZG8ex3Q6ZI46jFlmgZE8+4OqUknPi2f9inSdVTySy0i5usb4HHM5HumpvZzN0VhFFr/Rq5O9
+rTFpi8uh35AaB6llbsOLEXrXqQny87FYYdpf7PNuuI9aGkkX07flXNHqWfNwX7cBdE+8YUg9vCc+
+6LbSor1hUK0JpwOwSqaV+oWW8W/gILAgy67fCJOkGPUaNaN1DT3g3g5UA6HU9K5dKkk91ZLux1dj
+Rci5U/K7a816hM7IK4ZQ7dKzxpdaWaR03GDCeK6QtmVLuK4cGan5GIf9EXI7g84CuikhzFof7+eM
+sTTIIu1Pm+5pireZz8mCHIGFydthD+1VKqyvYTPk+0RY18TwrAwcOpaqMRrhYm9BposDAqLrtDUf
+ZR19dB6f2B5n+yG1jmV5kC9YUeeK83Qy4gqjw2zXONNL3vTHRufc62mzAInjlaq/Tq120XqQtzwq
+vdM7n4ftZhqaAY4kf6zKDHjGebz2Eg/f2tpwVmkbVEsp3Xztjd20S1UaIVxIRlSBGa0rGKIvlZZ6
+V2XtQXgNOBfbGd+znM++nB3jWmrsMXE7PfQG5ZZeG4SO6lG3HAPMYVKXyjqgMeQ8DBmPAC9TZjtx
+d9/27KC1bI+1S0vqwXEAYD6alkq6SgH9ojoxVtUwH7JwuCf+AHdaoc0qofvFxnh1U5ft0aE72CWR
+fd1ziNBkdvcQAG5VNd86/zpf/8er+gBhozRTcvT/zqvaYQ0dRb9ia3//kb+xNWGZ2HriBOpAQYRI
+abPp/o2tCVtXoXgYrOPNbCkL6H/TqqT8C28xR0J/QrSrMLl/o2sCB1Fy55T5GKJo/ss/Cr+23rYw
+Ji4e+PrDQZA2+mpANnWu/kKzwi0nnWMrkJ+aplRCkDlrpgU5sgWjphSOZmmi2iERuyaiIpH3YZho
+R8Z30zY3tYmw3Mglsa0ZkWHpfjqsNFssW08rGc/1WLjrOj8HwBddK71YdBvX5D8uNLi0F0WIhKgz
+SdM9yXikpo+3TEGG1UkYVGC7fESPM++8gPDfUGjd93zW5nqBste80Rh33Yx5SiJC2LTDMw7r07Nj
+hFPE1JLbtgyDHmJJndTzBo5JtSeFpfzWyTB+boNhutUSSKRQgqenqZ7rpVcGiQPtZG6/93UgYAhQ
+jAc4zt1RNaOv0KJoUUAL/qx4VckHvYahjt3/7G2nR6C04DxVnfhKocwff30E2WyaseYjd5trw7uw
+jM5al1LFHHjkDtAuy6rFeFRm3m3hlPIyHyRfrbTdgqDUhKiVOYxBDCGlXnhz19NRW+G1RLP7KqJE
++5JXVnMMJ6g/RDdQklktUI2ruDKQVtxtEJKoTSJPceO69ec2pS8jX+ISta+8l6HcOqFHYoldffvl
+JfkDIuC9FabzpQEZ1ALGRU+Va+fuGiW4cuDrZf7JLDL/SainHxSFeKQmHm81R68vOsKQLjJq17UZ
+Mp9dZFo7bxrmNWSsA32ViVD0JmsYbwIck/dDYVif/IlfVThqfZdlIeiH5HATdjaZzEE13lqu/wDd
+SWKECBkpycn+tZOUhCf8cLehVmvbBFHKairQHc96xpo2iLI56LPxmtvd5UCawK6lANxNBJjD08Wc
+IxqJ7RgpGdY6PB6oz09p6cV70yyGlygkUCxtjeGlZCJy4UwkSdSt6Bd+yMi37LtNGw3jkZcyuXZ6
+jZepwaEpMV516LpogPzaJsmJtHZOVg7xCMiEyuEELcLS3uoz8d8yApp1clQoY85TWrR5FF+B8cLs
+d1P5ZULw/91NGdTB1ocNg/M0NvAwxMUmD5tmB1M9OqRtq1/5aIJv3Vz0VxazwBZSDMng6yqc492E
+gN1bzmYgj1rUjjdNK7ihUtHKZpccc0u9m1oyk1M+NF/MsKm+ebDvL02z9pY6XLSfOQX/3XHu7Z6l
+0jmlR19uAEx6PMuT3/0ve5akMPGD3tGOYavPd4ie8q0mGnhqI2VY7XTeEuca1k5dzC8oUNGGt005
+LbGFCl/jsgBatKW/J3+r+uJUZrkicETfVtitj0iiV8TzZJ+zip+S9DVpn3GPC3rKs78sfGQheotA
+s7GCkbTsQh5HQHJz4Ux81anTpit8UqIl29W06WlS1IZKc1hbZSvWVqvJdQRnlZ859uM1KeLz3WnZ
+ljEST2KQpqu6IslalDiCEwinP7pa1nzxcMH4kmtzRYp7hPE9SWJkYsBliL7lerKtgCkJGhu9jqas
+69CTg2Q768QN3RtXryCjvf/qnsCP/+xX6vYz13Fx/bGZ+oB+qVf7l9s/VBRJwVyj1KtLAgBaHC4W
+U11pn+LZ4xuIWAJAVo12H09RHy4sgtAIvKnzcNy6esTxYvAOQrtKK3/vJn35THOFF4DH0BG7c1H7
+TxDD+DKKVXlRRZ22+edfwFTHq7BpT0ALFCjzyxfI56SpBZYrx9TGuZ94s/G6KoNgUxGoWuPswD7j
+VwP7hbTZYvLQ0tZk1JfPuq9bBzHYPprF2mBjnopnY3TEpT3Q9YaSTo60J9e/T50Kdn6YB3A+3v/s
+p/P47OYTlevQUYGoUvGefXY4mlE9m4N1LICL88XQNP4PVrPv7mpExw+C7MyreGzGm9Tp822LYAjy
+cJ4TrlVG/R7EjkRyWH8XqTWgwyEa4b61M3RWg4lzfU1zdDO7TXTJgH+8HTIvRbDRDM0PPPthLXmR
++a3xh+5Cn2cXvFtpPzsU5vnWIXqJiGwElqOiFLbIY79IhOE7zUWd12ClRBKsY2/Sxgg2ZRqOTyi3
+ydIcep/pdliv59zJXRoKOX4XGPzX4BcmhvxNKcV6NkpvYxTJN5SBuyY08mphJGV5kZpwynKHV52a
+YLw9vXq+pwWvta+F/dpO+JcdDLX9PNbyCEEBMmoWEz4PMSt81Qm+28R66D+x8vrvZpqpHUTdmtjx
+95gZz1cm/uNkjQKWwVQDL5hkltzrpZxxBK/s6NHJ4hcCd4uLKgjHi2SQzbJW1DsNkd0lEpxmZUF5
+vCZ8g7Pk/YVAkfimbOA1xH2LmgHLJOtUDp6VDezVWdckfXWE99I6ywnN4Lg47c3pMEI6wraEwDHF
+AUaGHGwoxcpnG3MBiNbsSesgay5CrXIIPohTpIuQ4FDS61Gy7NGQZQiJ801bMbFCM+Po36ZBTz+z
+/bffJHSa713kmNoKqDhzkNm7KHhzyrGrPm+tdUaQEuvAzMnnSA2mjptU+Ih7yK/tdi7chNU0l84F
+4vHPMFpJBnTQ6YNgy2iL3Fm7g2s0Id5nnPqKXJ4tksy/FUqxYjeKGd823tqdA1JFyameK5qj9kuD
+fofgDmjLo4zmtWdMX0RZEvJATOeCz8NYEFJPviUUhMUay8Zc2sB7L9hfZau675N9gWBlN3vppDEp
+mKstnXxYMP70TaRWXRI+cA5ED40WYzk2l4NBxESUxV8aSLzwiJPKDnYhdQv6GIPdAAVWGb5q4JVH
+rR9UgYP8bq+TGbTVGFOtarwhgoURdu0ahnOm83Xx91ykhdKqNUPNr/22U3KfEA8fmv/GNFfpLPL7
+IGibCx9bARP4Kja+hYYPQhfgBpkcNBykKX+86Q6RY6GtZ9hO37K0YF9tK5pIxSfXl1pO6EhgDcl+
+YiFAsB2gmmsms/Ul0ZvGoyAZlnRqvZvvMCTxYSw78XisqS13rYZ2YNE08/xD2ol7gYZZWxOkkNhg
+975QuVTzsDb73lu6jR2FmO/AHSEpg1UYVVSZixHDstYD0ACW9vUVgsn0h+MMR8gpKl2MstVHHOrk
+kPOS7NpxsvBWAuYsOQzgCTUksN2dXqT/dbYfdLYEMyhU+b93tl+i5qXImyj/tbn9+0/9SzNk09tS
+BBAyQR3whjjiyb/wJ7XxkkZJBAChumiaRiUUMp2/KCEYNAr+C65Uv/jWwyqhNMN82lJmsOCH5j8R
+Eb3FOyGMEMpr4YyPuzr6NNgtb895KfQw6azQPqBypPTOBEe6QIs2TxN51i0TsudfbtAfupo/XRB3
+ZrRSwqI8Ork4/1JYJHzrUpaZdcCI3V2JfkBV4eExYKdutYMs/3di13+vhN8cAT+/IIor7pfnGbgm
+nSGsXmzPDZNX8+AUof2MBygikDgW9w36ju37X+1tzX26FI9aFXyonxTC/vZe1uFAyn0izAMES+s5
+cjA6tdoZkahNOvh1O8/eg5PAnK99azy+f+m30P7PSwt8r1WaARLJ8+nxULGt63AWD43EGSJ3Idvi
+9JCDifXBh9buZ6j16WqsQOEhOWN2DCby9ouO9PmZM0bmYSgYzUDer/UevaTO7tS3DmnZuQHVdJ9h
+UMMmiQCmeTRFgcJ2TCONbSr3PvAt/P3r25TcNvgMZrYO4uK3HygWIRqowDcP7mDydU9h3bqWQM38
+/12L6BqIWyxhFs7ZggpiQ09DTAQORjOI687UMAyBp3HsYvlR4KK6j/8pZNV9xqwWnaEF8gWadT6w
+gStSazbWdIfeD3/8DP+WzIP/6dLhIjYhf+pi7FJnD1PvidklGgrmakIIekxWGcktCkgXc8KR9P7F
+zoxZf34lQwLKAVFzC8+DFghBE9BYhXEg/4nQRqPnmsLXaLtPieVulVjPEPV5SRE1H6ewNS5oZY2L
+Dz7G28Lw58cAIpf4ZigD0/MF4zP48X2K38PotnKPxE2oeAdMO0qtYYVWpHesk0QCME0zE7rV6eUl
+aR6hhtfUu/c/zZ9Wr6n4e+QJYL9wTpFIUs8es6Tk5e2RMMH6wj0jR+llgqh/0Jj+6VI2tAiYCRwt
+v3li449SF3hFGofI4vZ6npqT4/bEVk/5VHww3nq71bN9K1IkIXhoU7ncb8sXDwucOaoSY6xJJ/xR
+0+ryiYIXfu+ggu8RUbofrOVTXNJ/3hh1SWXHonMEs5qZqp0dZ2Uy41YLT3Ov+4xcTBc7CxQFzXi0
+B208RjjqZ2vDoiULXby4ogBGF/76xcHRclxpSNOudnPF8XfaQVozKRsWANUyeBRu4qtIUAZ+8PBP
+R+wvn5mDH/kJcxvEeIahQOa3m1fuYn2CzNLcN6mebfQZdy00RtomEA3+MYWeTWOwhFFeF1iHxOVE
+tgs/7K4m5/aUWs9nxOuIB+lbQfsKd7p9HTFBABsNZ94ryXAmXOk1upuFJQZKahF4qBZDd6S5R3aF
+41n7Wuv4LzjEvNerJsaFa5Bx9dT2DiOrwDRwuuAGQoXCeBCRolYjLpDeA3MeLWa66FdiJxqLH904
+6IhWmRciUUSR6BvKnQATmzSvuIbLnbYbTI2qCshzYfaI4DHaKMU1Ie+sEOxLyqepcNp5q+HZbO8H
+kugPCHyzeoW9RR7ukzRsX5M4rZ6gj8pynwmVP+tStWiyRX00w7+JvorJ45E5s2EnCXKzwX9AZM/a
+axP7GYU/q91Eif88Ca95bU5psnbfW8/ZlMgXLCPkrq+c6ljbbba1BqdaIg81CR1ssK9cDJ7FCSMm
+Ie4RgPCSjkoJ6TN9NEaTO+qjPMX+Itr6htG8goG6K62Q4r6dJffHw7bxSNj9/IBatnktPZPnlNmD
+9yDGunlNaKMlvRUSwrnxaftcQLOHrpz4XZo/GReen/NTsngS9zixIqjtdPJ2T6dczkmNs48NCWXK
+wjreAeMSejU5DivbDMlXX2T5NDv7UBUmWkzyBeoi71KPpfLnmRipoTRFQWvlKHWrqGLVJIZuPTt2
+wt2c4rjE6KRwJ0QQyp5uX6r9UusJo9w2Zl+lWzlKPgwC+CRb1y3nol2EvH8FQhKcMGcXuyEtwz9j
+wgDOXSJcRxbt4MaDp1HiI84UOePpRR9r3gOpa/xYtwW5HTXUuKVQIE3bOsm4mVLOZVBcgnyWqJ7n
+q9lJZyJFosx67lE/PdshiWBgVDVpGtYk6k+BMcsdTuqBs0IzZH7N+z6/d+doukqrPl1VSEnwu9RS
+4W5EpNf7KC36iyCduExD9tByyOcCjW5DLiS0sQgiLFhXsnCseLp2dRcHTzOEWpglHhCl1RjLEcMe
+gtznCf9E3Vp3RViW+0SfQMpYkyGBak1+15aNC1/b77LvhVW3PzBJLy4siScOmAF+XRPOVeOyS9iZ
+1JwJupFekjbeMlN6tNOkbjaNNdkvCqleNW2OTq9Bw7DB6taBKIGp/ErERb7tC0RgXtwLKLNzE34N
+lFrNKdryarIV3ymf/IOYWqfaus1gY6hI0OmE0S8GbQMKTpCdaTGihP9KPDc+/pYEKxY9j9H1LfCt
+ZMi/xmXstKu8J80+0dHHq2KUyKuxwlW2rjNtXVEDLvpOooV3Mb9gY/IX6B/9Y4fY9CJPqvIirpFc
+kkkwffex5lmHWqTdTV6RPUZYsi7TKYcdkkcMkqsGM5KkfnZak/cjQhPjyyxcdn2NfLvEIad2tWs4
+pTrbP8qjYpGQGIkMxEFK1oLHeUwh0eM5bkBUSjOqQQ4kwh1g6GSt0MIMDC2g/RC65/nYiwbhhUu0
++DJtG6bbxaStZVZ0n8vExrW+z5tNp+haeai/pE5TPHppJBeRh/VmozH76FI+By5DOOgIfCR58HN4
+aZuV0uLrPFEnkPFlgbjlVm87UkCblkWt2VRkz5PfimsNSzRYkjgh4MhYtjI+wP2lwEak01ZLdtv2
+Nah1NqRi9sT9BCtdgr733gMQ/xis3W609HUSkaO6AD3Q+0XmEL63lJZWPPkC7C8dK215Gru0jcd5
+7OJuFaH5NosDhovqp4mxbLYQQdiC2I0pzJgO3GojfRR2spRwNhLr+77EnXnZhVa1M0cTX1hLJOVT
+iTCJj+Ygr1uQvJo+yaIKqOdC0hCEUUg0ySJsyuyrFYdu+WMqUYs1vYMmFf94lL4Iyr9n7lBhqJ5o
+1hc8eL2LOvSaXVpM5BrmYxB1i1TE4bemb59jRqZry4yCYIm2sGoe01nrtE8RPn/GzpWhe93XMS68
+aZSsw2GodjH51xuomuXn2YP+TVCNOXzurTo72kH5Q6bzI1RgcZO0kMbZV5E/SA9NrNmV8jVow+B1
+jqLhEzpznhxvfLyuAKy8hRk4mHn2YZRMiyptnL1tRfB6xiEts2VDjPa0TLomGHatN+oHk+nDFdMk
+42jPY0QwcJZgg2DzFIjRAE940PJ+zNejaFMGBLV5A3qd3lTC7I4ZVpVLlTHwAmc4xbFzNr5Bre8P
+rV3OcmH5EukaTnfREo+kcDF08+BhTJ6yXXhYa6A0MvfT0H/zS234hOwtuRNdh+4yCqyvyWAnwbLG
+uYGzEh/nRTUZwbUH1e2qHrF50rwBEn9IFsizjIYSMpHhrfPI6g6M9DUCKFsAanSkU7TBabBDKwha
+7y8i03fGTZjmxr0NPA2/Bj1kGYUkCE1gaS2REQgJg+GpS9uqW+tNY0b7MSLFaekWOjZsrj8wCrRH
+HXtWL+yaHV2udhk7c/FZj2rpLckAymD2ATMmu47Fcz1wwv8QfdVcdWXZb0cOwgOJ8Vm6YhrpN4tC
+0F6EbG5bWLUYJJVUFhriYKe/C2Q/wDGNfQveOFveUzK2UDyn1LpEvsk2aujQ6/Hv6pnJywwj3WWa
+F/KqRSFnLSavQt3qpo7JhiiG74WEv7vxUExsghLDAtME8TcUUtt0TnRsMlF9RmbRPLgp4uqeKfpy
+jscIi1kbC3JSMAVZ1LEDhws16lL4M/h81nIOtSrF2Nf6KF2Z3KrbfqZPwRWNcQOWm9ENpjXjZ70e
+SOKMWpI6kYobG1czamTOZW5tqsaxcG7AYKXZdqzdHz7DB4JajPZlwOvuFZqrHW300u7wZYbllBIG
+kzr1wsfG4cfczlWEycU8dTunLX9Y4RjcNnEGm3yOmnYP0ov/WlHk1Soco2pamE5dLxNO5xstHWJc
+1m2/XcFg8PbBPI0jcZ8FSgxQztZFEIMQXTOd/hHJQIFtazDHN7rjOzpsvDy9yb0UaX+O19ZdqBk8
+NVLlhbnL8NkeuwdsMYCmf3aw/8NCP8JCIV/TRb+DhT43IaL7tngLhv78Y/9i+gj7L4iVlq2gKgPP
+Suai/2L6SPMvhxDev2OC/4WDeuR3QvGlNQLuVIjBv0k+pvWXZQK2o70BhVEMoX+Cg543xjjww/sk
+nYmhOWDIOdcCeXiFq0ZnM6BHTLvMo7G7qzmObWqfqvn6y435AwZ6DhRyMc8DpmM+hf//b114YI0m
+ZmityaLFoDQ3C3k/qUP75ynLRBbWPqSnZ6+nUv9/XBoNoUqKQB9x3iBHWiLod4V5d3Lgy71a89aY
+FTnj2oEDcm+47NNI1mvltueryd77l38LCUCd8hwJGqBga+BYqF5ve11pREHuxalxR9Z8Ei1draeM
+ofSZyz0mtlxuzGin3r/mWaDh3xdlqZhqnC0IFHl7UfY4vwtKT95ZMpf3uYH3q8zsGfNLoPmHsrVo
+4CJlDdeJDnvZsO3aV1thPalmcx8qm9Fd6QRUNY2mRMIzyutn21XNDiWwLg596YMRRbOyFmhKAfNg
+5IQzPgA3zuhAp3tnn4ACpglwhs9wAnfA43t0QskpTYeUdPCvxhTt/cZtRnF/cp8ckw/jRd5qaX7e
+PCzGPApiNcbwzp4YRgxMtqxa3IEfiHsoFtG2wqryhx6P1d2EjeDRMmlEibDDqH0KYWe+//R+fzEd
+g8hFBt/McXX3HAPtPY/2IBnFna3ZIDjqhZnUvCDoq49GBeIcFWR1guryZrmqSfpNaeJPTpvreifu
+TAU+amWIx08fCVrTUzM/Jqb53Ou2ejuViWLpDLwsp046TvBH+udfHFkvu6UCm39btdLUCq+CTnHX
+tRUviUnhXlzKFlX5Amr0Rwj6n14Sh22P95L/Ob/BwISFYwBs9PLuBFnkU0ibYAZjcegcvThkNWOF
+E1hbVRGrHEakuM56D2RqigVG4SKeGZDa/XgMKovOIyHg5bJNem8tWii3sLlo9vMp5i2zUMAOey/U
+u3Tz/i07jTn+A6WdFqtDNYNHH0eFx4p9+6bHzAA6d/LEHdZhBJ1QAdW707oZlSeWakUxDBnYcidu
+IMUh/rpU05grUavtUH6ArUSJCZQxDzMdrvBxJHdr/aNpzR92QSZ6APuY2uD0dA74alB7ets3xR2e
+otyQ020WJeio0H1xX6X1Rytbnr9FNlmVJ2marqZu4vyKWUufqSdTc3dC1KwWqMT3RvU3g26y04FY
+asMGLQS+8vH46WNckIZh8siKSJhgGfnUvhoFTmaxzg5AJY7jtmGycSoA/3SLGk4N0osjqN/0cBiz
+MdokJCEiO8DhC1EffgSd8g14nr8+bw5rnefMLMqU4Kjng6jZTTynImflruBPLb1ymutV7GjYOyC+
+xh2qD/tBGdHF7YqWN8WYrM/8cOOFQYQPMD9bB2UpvaWMic2mmHY2/Rxo7S60G8KachEQfqr5lj+v
+dIMekdp00D7jJhuQ+EX2Rr0Ygim0oNJBz1gxbeDNwEqlW3MEELoCTkmahVvmd13ehge3yeJLmbnF
+dR/7TrVyixpVCdpZ7VFMTnIjiil90ZOG+Bu6bZTZ04yz7jT24esEq93GtTHMV7ALW1gSnoX6rWLM
+dosNfJEhsqU7XphAQPBpMOFf9I6jlQ9dnsYE3vqO88lDboOLSBxARKhlX4EFWEGNH53tTRCQW+l+
+AynGYCjPmjbZ4VraykWFd1p9Iasp0i58YpcvZYAZ/gIT8z20aO8T7SORjQ7mMfUdKjJhIpQCmVuC
+/CQh7sZBWd46AaDfEt5g6K/cGKgzAJ97KBPWiDN1vHLorL11BY0/WFMaeGsH3w4+XWFZzw1sw2iZ
+u+w2lIBsxH3JKdDgRhyAbDZAlL5Bt4bYM8VSS8Spc+kSttJxMotQ4Egy553ulHsjQIt9hTN9damN
+EIw3wVRkmNCW0ehemEEUXvcI319A9exiEUhAGz2K6xWWBsF1Lc16UyNmhl5TPg26Pj+KxkWW35PP
+COgqv014kiwtyBtb+Gj+RpJi8jUjxfKR1HBrUREU8cpCGb8HnR/jRRsG+UrveDzLkLSpLXbFFtoF
+B05UFmQ6DRrKmdElOkWbFoihX81Kt4EUo6C81yw3Sg490TAJrns56p57p4c45LEAsBtwVpmj/K+R
+NIMd2IBYlufDQlkIOUj0L4kZ4beLj7NGPAFqHOGVj9DAbIOPm8Q50CwxHe5G01XxMzOlLpKEO50r
+PwA9cCmG2MGZHbiDY6ybdIDvlgV++nnUGp7YCbHKpgmr4t4hDQJyNntFNLEqyWcgNpswooqfgZFG
++eSRugQYI5QrXxSjBtP12iVEAsdfZb7Fo4f2+FRHZnDXOe7cLufJNp99axgWQURDu25TJTRSk3bU
+8N7DILGsbGYML+3OZuMx2YcgLjHfqRG1kzIbgm5ltKUlpp8WH46OozhQ1vkPHc5PqwSq6gEbM3lf
+oaTlNxWpd9m2iiLPduajMDI9wmOFYrovglkZhfdqcoHsmX8xOwmWli6w73MtOakXsMT5HTX0vusu
+r9hioHO4lyfA3cOS/shonUM90thRT3skNZx76Vscok7MTAZwvHmtPHUrvdqErdB0/PL0abOuQ81l
+IJu/LSg7JX70EROVUy2SpLZZ3+RZUuMn0TOdnsEQe3NiN5YDKJ3AUV7KeDp2Ee2GofJoyFzheG7B
+QVeTqh4nyb0X2cSX4pXkSgnj+9eoYDGgjGpe+3oCkQxiqk89YWjippyiSMAZZqSctpUXVE/AglS/
+OE5Ox1OhMCegzHtMouxnqcYlccMQsK74MCMCA1KfIIMuI0ImL4pK06/JtcDyp/D1a+iaSXHJMuLZ
+ndJz8Avh4GmgqihI9KjHavxRFATDnQBHWACc5oxxmFD55GU+owRSHtBYPUFAbGo1XuDPEO9QDNN4
+WWk10OmpwCEizFsnc4zV+Kn5MVTpM8VenK1Qdpo4n2hkrEB1sDvzarAmnFAzy3wOYVamW44dPmAp
+R2ZYrpaDapSZ8L/hX8DF89MrJHwrHjf9WKsyiJOnXdXDnWsOzWuqKCl0EC7FHf/XCwQHcG5imroq
+VKuShEQ0nOZNbAPGhc2Tvsbzzrng6xQHo9fwyJq6CZwElmK26rsIJ+mBE7dVy/M0zNEDhhvkh5Nf
+sY57Bj8mso7uqhwCLdxl8B+p0nDVSxc4eLgkS/PXpfQtFvDPEWgrwCHHPnLu48Ql+bGt9GjLAJA1
+Ai/ceg6zgXs6ligLf24CKKEZ3kc5dyVNIu/SnlCzMFTnhbPV5bOBAVCs3vq0FeVTrMaqJwIS5X61
+I1aDpxrJBld7DnLuw0AJ6pFe9aApCv44BfbzaZiYIALP/o+9M9uNHbmi7K/0BzQLnILDK5M5p1Kz
+dKUXQnfiTAbnIL++F3XL7qqy4YLfDaNgwyUpmZlkRJxz9l57y3yWsVUseOLbtuNKPu9EG9Fyd55S
+lgBhMO3aGi0APs605K3f+SoyJxr76xeUNTZLk1lHzaFsDf8F8pPyaZcvWgelo19HqB5DysAEAPjI
+JFuQ9YKAyNQ8agA/owxhBmg8TRYD2VXwzJyVdd5n9Jb68o1WMg96Y0ykCawSK3YizsidwwrEKJ7c
+jbXgXSaNqbhh8YjGlKgpS7ceTJS0ZE/wfzIg4Gv5xNIuTDOLXyfGz21zXnTuKFlo1hr6xntfhMR7
+Z3rkNDFvCVvyWx4+P7VWjpA5s8kolrBdLydxeBd5SnqFHHqe1yqJ/UuR45PQl5lkPddaLGwvTMUC
+0cUsR2nOw4VmjdUx6VphBQm3PASOFbyapJFjkYHkNoc5FQymBY498aDaac0ommxmrlrLMNFW68rC
+T/svldIpW4vBPuZNrdVb3/em4lSODr9dDInZPEIfmLhFwCSWGzAxxhUS3rr2wRLV9nVssMhzFInX
+ktwmQGZDxk99/vwAfq1Fa+E+rrKcz4W1jV12nM97N4oV25pCX3NQbjp/bdmG7j/vTxs04D6jEbAf
+q8bOb9zB4xbxdJAxNl72UwKuzfv9hgBp5/2ULnT7TdmO60y1AkQzS/ERO/RSPu8KR+FOCXK4jlcH
+UsDeaCrjipmcD4HRV1qDNqsMhjOiYiXClMAwpjFpQmDEZujKLI6qaiq5+7BmgyaycaiQR4oGP6T2
+NK4GGpEDt5zxhIavnkKjIDtp40YNOwzBtdaulhzth6xmtbdS45Y09uX+ly5A19bchX5i0f5cAe28
+Z5pTRy4fNgEE6/bdEzobWO7EY7NuQMSIxRZgazkyugzquB3R8mseITrVsF5tNuCq3FpMCiw63LN6
+IIG4ZWpEqfbiq5mDn4h530QUetzdpt1rYWa3yghazkLL42h4qcI8NFbJLWxTvT5WLKNXtGVchSAS
+hLyTtOZu1+l9t0+9gLYMoCj3XxgG0PCWan2/rj/dAeN2H0lxKG9NS3xLtEjb5H7WHUTR6IGLyviM
+DCL7GVtdHbgr48VyKKkZbqPGthTbIwEh7EhrPN0GYnfvc0KZnRfUD3zOqeQLrcW0qL2G/2q34lPH
+IG5qAAKjKo+plNmNZXeGsWHXLI9U9upQGbKCESBldRPVdM19tSKwHZNuPWJP7jACOHtvi2Cu109g
+e4rklBGvu2wAH1NoI/mlgmGCdvzUElR02YZNU0ST9hhnJl9PS3YknSp/BTZ/6ls+VUSeNbHgQL0i
+4mvkjFOuR7pP4UeO+Hn/OfsbmolnZi2UsXnxwVg+j6qfNIRc6i2XFy0uzSazXkUE0cSVqs/NJEpY
+txeR1jnDa58lKfelv83WPdzQSCSKsLHHwWdhGOsQeOCtZJIlr2dNqx1FZiz9tPbgJrV/SVGcH2E8
+G9dYCZQQJDZ8N5fZCx0Lzjg1GN9r5Zjsn8zvuFvLmNVqcVLzaeSVwX2yRPpZvqaKsGFu51XAgy+G
+Rf1TolC2XlqGkaR9NSlbvn3GJtU9617b8Aj1BTdPGmn5SavFjlQyrntZanYgarvkYIok/WGPjt6d
+hRx44noN2C8GMP9CeOZ6wkAEAl7TOpZ55dlH111090jBphgaUt8E3jC0+7rvhh2ZDyYT1q4XHzqw
+8SfEwfWZd8yqRJ+Hj8RF+kCvKTKpJEqHjcUZZ4fsQN0JFyiGR0nsxrVd4nU5+DwyC7386cSmCuiS
+lfqO/Ea4/lBKzR2vnDwl7aCeoS0tl4TB3bMc4jzseEJYnal2lh0b4kBCEqRCczPbUrtb5YbgLRe/
+8rZWa6mDGQvt2yAt8T3zh+VHwakS15XqOG5PBaxZZzbPBmibi8GhbF/QXEHpqTttOCDoSIIGmlWz
+JdYQd6ml0mvqSi+MMyd9LWUfP5I5MqJwKIsZ7JfQ97Mn5qtvyegZm0D+rW5m/pIg06PjpIyq/o54
+IirWAvCasQH0gtGr9Ufn7bOL9L8Jz99MeMiQNqw/NNz+JR/j+P0jqf+odP/9N/453DF+Q3PHfwzb
+Qge9jov+MdwxXMza9PttXIl/QiSu853V1Gs6eHRsZ9WD/p6VASIRcToyPtZo3DuI+v6b+Q5CwD/1
+igQNMNo5XBZHJSYB1l97g7kRNYNwI+dKgot2jKmxm3NFGhg5kx7SD5fzANYlCyy/7jvFI7pt4X9l
+9PQjAbH3aLu5JTZGzdzaMdQr6J70TNdWAb0wPaKlZOV4Jfadzq9DDTp2/0CQVtwESTxNzbNeNZEW
+VExorfKc+2m3h3WeZVfXTHzg8hjidoT1VccSjRcoN9oX5WzEYVUWNhWnJ3ZkGuMC5xm8z6Xft0Gm
+T9GlsKS8dIPZ72dnbE6IE6bvi1G828irvtt+p78VU+3udZnKd2QFK0ywdIjn6z7YEzCiEIoKMs01
+2+S8zIk66LK2d3xR2rXCbE3gnzvuErqJbbRpfRyl7cZlBSzHnehAKQTM/bNbLUnM15Fayh4sGRqp
+kpsuTfSHuVvZ8UNThWOvvxYi9Z+VUDOGdGXtpem/0uGAo6PPm8gay3vc3ShHhta8tmWJrxnlzkbP
+0vRSjvV0FE6S3vha8eH3DTB6Ysi3Qjr5uUFxtS9qbQR34kbHORLWDilv8aMsUuxymWf8WG2aDWtu
+Wx98M/0xDGa7hQaovgjDmyoOFKz2jfTiTVMW3rtpDkicYOnx2dSvcOReG42XpoAnCTyZxreo18QW
+W2m9pS/lboR0ERu4UzV2QQE93giQLZeP7qJsWql6Io/rHfncjJ2zI/mN3Coq1PzA7t1wCHbdnqsf
+3ZD+ygj5HGP1zFFeTUPg5Eb8YOdGfjfP3XIbTYm+SRa7uSSWqQF715XgVSwOzSSa7+2swBxaalb6
+ODldcRHETl8SMNM3cJPACSbRdDe1Tburuk596z27qAImTIAec03+9NHxDDicbGNfutl0AWadHpSo
+uksfeYSfKGeKvye0KdfzCwwrgyNRMA/SZeUHWRukvatfiUTRA6f1lyJoK1OvmJqNfhB73fBiqRm9
+D5lUJlmueQNVV3dThHjJuBsTk/xXrdSyoC5N/zyWJcEHvYSIs4F93e78SV3Shoty6aKdumXunmMI
+wmUw5mbysyblhGq18A8u0SuwIrXvziJ0PGNJltG4jYnta7XJRDeBOdwixXXnZrr/SnRHDo7UPcuI
+eBgKsIQoB6F/HR2j2Jmp4XzLm2g5LaocsWeNqOSwZyEaM/rpi1/b1p2WRy4dYC/aDT0JqZsqn+Zz
+Daaw33gk8pyo3yYJp0hLtjOB5neugGK4NDCMHUdVYa8scprR2j4UCNT3tFCGF3Jha5KnK5LmM9Sk
+xAnE6VmTBAyK0vfKjefzlpya0RWuYL/bYPiCatiO89ZYxgwQdTRv08lbnkfVKGCjjbFLGAWEiT/z
+lfR2dJN4VXvnOA1jDa99gnvgPPjWcGiR4NxOg44CRLknMfBYk8FjqmMalWDQJ6emy2ZqW2MyOhV4
+0psfc/o3N2U3gj8wm+w91Y0GqgUxB8PUUlXP6HmOFRCqR5U1gIKAq1tK6jcQurd6VU/3sd20lxnV
+4IbFky7PwNdNIEpC6zm1WBQaP4SUqh+XxvhuTMK5StiSR9MYzWPJjD5IjY6OdyVNOBlRvG/NiD5w
+SnfUlTPARtPqH8HRzz9KXdIB1tz5MGegx8GslQAvDPI28E9C30xFvkcnJ8M0YiHXzaU/pwlHJho0
+9q6RVYwBcnRudFVpdIxYiPw4mUKIrd6bVevJYUZnstFU4W9bu5+pZjrhvLEJLgfb97UfRtbAm50S
+uqbAHX/C6ayv8Fzrh65xDGI+y09N3ke8lPG2MYoiNOtx3HsjU+aNxJr6hom2v7Rl8dCRH3Oiw19t
+rLaVZ+I+e85C8NIn5S13upH6t13S5qupOFq2duy0+9IGpoNM0Au73BvDwU3sH/FMBgaz/m/IElfp
+5tqojPIp2bREJ14SjcSIWorpVRIcv7ENuTw4zMgIcqmdt8FLeDYsRxIL7hFYm+bqpkoGjQUrxq8g
+Uvs9L0ZgewxkrkZUVftFr42PqYxtEmmWZ0Dr0cacZvMgQDmVUH8j8ZimhgqlvnhHbNQPi24cOT3g
+gm0tw2GEiBwdcY/wQzcdmVzl8aumRAkPsUSW71TJXVZ0cxVoTTy96LHTnHyrcU8xDQqPFTTyD6yb
+wHh7/dK5mvWwLMPdEKfwWwsytUk+zjeCew8Pvlmu4d0BjwR1pG8Qq7ug+wTG95DPPrfa1NYeeRRR
+vLGr2Dukyhl2sdcX284ayo3uRRcC8PJ9zdgI32nmEZ5B/OokS/vIA5XshpJORNwPMHdVQTC8F5W4
+S1uW7ymaPpJUl3uYuc55GTv3G5zl4mvbSe0quva+s0rxuHj2sz7b3TVHaw8inu4fAutl76E93DbC
+HZ+7MhlOwik/MnqYxyRzsernab0fQfYfhqUAf6S0uDulEO+3aCTthy6u6jsQuHlIQLkYYYvdEzVr
+viHXmy4EX4IlIARnfAVRqx2KZRSXUqbZyUzFroY0heic3FTHflHaZAe6VxbbtLKiwI3H4sn3Yrkf
+eq+5JcoT2GAnqZOb6Af8L5bAOEnQGvvQ6cloOHR1sdYn9nSWOAi+jP6q7+2gksqFXFfbEctP0RRP
+SVlVGzPP3Mcc2uKuN/J+w/URrJlZNyOr6lYmxnvUAVgva5tgbllfignahHLUZUbr+ox8mSgp8qu3
+ttaO+xQl6S5VefTeDrPa2ypt3+G5A/v3B4jPozke3SmjanO698lgXfH1krkRUP985evTofrQBgG8
+c7ZoKnjZcvL9GWVyXJxVj9sQvyXzuHK82kUdbxJPJ69Ud4tnVKfVI4eq/FwxRyEg2MD+m065l93W
+dW/sfTeWV/J8d6Vjyb0HPOMGHFkVVkhM90lmYxFJzPjirs2m1syGQwxfn0wTIuXvGiHVMbELAmq8
+gWlOlglyyqZ3JJDZhhR0IffTZCy3KAizTY6q41QvbbUT3qQ+Bi/ykK805HFHeecIFLtxUwXODPdX
+1Iv6VgH/fXeQGgL67D7KGHk0F/KzHMpml5HoUKN419rj3OkMWrJcOwDAyB36WXmZBYYNnVviS9lQ
+0zs0Ckus96Tyfiej2CRLc5nY0hxIx+DNsCPk2S3n3k2f6sVuMpHp6iBkt8sUGafV4kEiDKfNxPP0
+Q2Rp+k+Mt4KZV0HnFTx1WDt9vMUP0AYcPVoGVfm9QH1tBZ0+E5IRdWtImkmKI1/1O/rZ+ICHPYIP
+OayjjbmDRtKhdSTdqQubiQ4l46PI/cL8tPV3xuCKIF30e1eyIQVkNmVXY+qNb0q6xe2iFAvCaBbk
+ZOXmLqqWojIePRUNWUTQs5fU39KBHqeNGeNzeqeSnFFe9DnX65Xn10/TPPKpMfdT6wDQ/5wFZi2T
+MiaDxTomZMAgQuGnuRvO6yxR69ex4rhOGOXnrNHnCjkjiC/8Tv2uxVME+HqUR2TRqg2MdW6prxPM
+YfSam0by03Xn1G8WT56Vz+2Os7l2g5mhCQfCNPapKyRTUakqqBG6cVOvQ1NEdAtPMMXcFeXY05LQ
+FW5a4Xy3CwlhdXEXeY6EP23JTGofWpDRQeaULTlcsrzXpyShu4OKO6iTaTjYRe+tq8Eccuozw9rm
+CGNO3UpYAMDptIW9dQthnvWqI3V31RmkQmdQgU41FM5cwi/QeD09l/WzSkf7tSNeFdJDKpF1d4bG
+IFsHda/zycH2A8eVFv38hrj1Ns48Pla98NWjIuE5HLM4jTYI0vSbWcbADfuuC1uLVlnQCQ8gZRRL
+mDHswsQFkgJFIC+oCFRfgAJVmWVPsVf0bz1HT2qmbrxiAokfS7F0O2/9sKMyyfaa31N9CVwLV4Dd
+UwvEUYHiGKR+nLOueYyikvlQWvOjAxFkx7xrq4c+9lu6jEbz0iYtDCjpNV+qOn6JQElcbBPCA2FX
+unbAXg2jrPLJzhjAsNPskY9joroqjJDMujeDSuz7Kmk+3IXhGuwdhZJeS3QcgJPOtp8usY3BhazZ
+27yYi9dMJ/CLsX20hzgEgnseDHNPKdQ/E3UxfR/xcm6kacfnroxlyBVVu6wlZiOEZrMEeKgE6UcN
+uek9liIzjBIxfV049XHi1wQT0lqtw0svT0LEvOlDG5MzrjcrRph0eHPbeZqxNd3FP5I5mB6TZcku
+IhnTY4ku5EoOMgWscriZdO1rAQD+OYnJxAkcA4dMYM0sGjr+jNecpcLkzp90NNXucqvNNXlMg4z2
+vTkWD9V6TrIW7ivAMX1gNHp8ikz6cpKTL9QhwhVQgRvEhhtrSFq1HmQN0V6ExeE6rUDSs4KR7Dg3
+E9rlLs3K5ksN8LK8NfKssxgKYMq8aQx2AYaRwECwSjgEAxGR7SzftbnSpzvDh1XooOXgD47a/NpX
+SqonJkMZ+6vWU/D2d7i9gPVsh8E1XQk2s1XTmY+k9bxdHTcJzMrOqKEt/t8SXU5Cg11dl1jtI81t
+mLSU6uUP7Z9/o2P9q90SaxPiJeEJl1MZ3Z2/yjlloyYUG8Z0haosQs3HzmeYI99IedQ8Qgfjd0j5
+6wgGi63YaegoRGJsPTe6kQOEqLrf8lb3/pKFOcnS//ni/ix5orRZrw2trIH5HynKX33NJZL/SmfK
+d5WyvbqSs2J0SMe/42z9pam0vgjZq4gpSL7R3b9+ACLrFUXvOF1TE7At/zhasavc+pew7X8tyb9t
+SWKf+8PX/q8tSeb5VZ12f+5Kfv7S711JzwWXwajLM8SvgBb+3u9dSd/4jbagg7gUzaPJTUzD8h+6
+c5N/hSEXzTs8Ab5cuom/9yUtJOyO66Kf9n8FwfxXIb7Op2z3/2vYoPrRQyRje9WCrzrPTwrgH4AY
+qZPSvjG65KQackiDSdYiwFjonGXj0uqZlWFjQ8v8R5k3YNEg8bJB6aMnSJ/rMHUdWqOMwN8ART0t
+i2tjnhrrBUKzrqt7sg1Le8/4e9buGYG1rw3R72Iz4pvMNnNUoFIbzW7kpFyiGSsiqpVgKPWFGNt6
+cC7QM1w2t6ldjhCRehsvzBpdUaB62I5GppKNNdXRCX+aJOvK06DaZbP77TPSsvf8eBsvOmPDROKe
+29DdN0Vo0GgyL77ZJ7iQSudmQiIZlOPw0BWmtnM7g+2Yg5xusbEb6aPMsvkeM19/bWOzfFjzWaut
+q2rCMzJPxSKoBMIkigD5UAjsPfz5ho5IPR/iyfFPJo7JM8vuHr9OqwVJndY7UQHEN7uEQPt+Ajsc
+KhE1O7t3zdfCJ7wsRdLxaJjK2fqJ/R6Ps7xFfueHBENZd4OZtcexnu0wMUxG6Av8qspxt9qM10pJ
+rbizoLpfrWp6EDpnWlEUbRFIdNvfnMiUe9utmda5VX42SixIqaOahxHKLh97ksY3HDvt65SsWCjO
+IMNFn7aNWdfXSLblz2x0/N2Y22Q4C+hDNMK6B9Pxv4mIfC8jMiIwokkT4LCm7yyWV5+MZGarZbWR
+hTiNEzJBN/Wrx6ztrAdL+epsSXe6Szu9uZd58hXfd/IhameC4qvOtKbmUAzMWGCn2ezkUrsfa1U+
+Fm1e0vEquqtpIfLDlNhuIj/HLpH1V03lA3PPtHsmFwtBYmeq65x2ZSiVMDGuc6WamuJQH6P4afFc
+4uoBvzDNzKqaSrvKMtSnUhpnK2n0E4Cl7wU/fxsPdnEPrQ0xCAnQ/oObCnnvmbiygexltN/jZbna
+Gi3NTLKj5Lqq97j/qgfd5I52naG/mKi3zzOwNtla9o6je3dTK2t5ow8o0i1YqORkZxhFJSk+DcX+
+aIcN7tY9B/d4pzXD2bH87qQnzs04do0bwCtjrFp72cbLFOeuag1D6rgHQ6XPJRIQYpedpX/R2BFI
+dHzwUnIuIvdso5qmzKrIjRyyu8TCBwVo1MDoHfqF/cDZo9gCcPnWSdeF7Vm/zBZaXMhs76XbFjv8
+6/28KVPzLGy6T4Sknov5uxYTSFgbvQyWQX+1B5/o1NmPDqC5tZsJL8Y2GmQcZrr9xmLY3ZqyVDuN
+rjj6nFgcZ6JoX2xHmzYqczsal4DcNOIMnUw7uRzZkAWbb6jgmu3gYutDrmVy8D0tfXrpy545X4/w
+h1ThKqKEIP48AEVThvRysbgym9/lU6Y2NkehBwAgxb30RHwccfEDV8gxtcO/uC9Vsexx6JuhZMPe
+L7lybux2PM2tNR3bGYc9ioduup/s/mUwZu2gNbO40rROKh6wurMnnbRWqHJ+2BjUxaRuTFZ5mWpx
+ZQD8Fe2m2DrO4j9lnAp3tolvLvHS6G62vPRWJN1HZUu6NQ1Y6yU1Phw5Cgb6rd6/dy1vWS8TGbay
+MM9xUVGCm4JbWo+LzVjaBee7pLibWXYJ6mG9K+oWQahbze/LgG4UFGe0GQfuwXRW87s/qxQPf6o3
+j01LxKwOkzT2qvIWRSow9NHnXHoXi4iUW0lNxLTE5rBXiBG215LVR5mj+OSQ2BdhLSv/oc/cn7Km
+f8sg2NhNiVfQVPAMAis1h7JKOlUJOcImFAe1PkhEmv1y5UsYK2kCO3a5m38Z5TCar7Y5hKSriW4G
+VHcqKz0Z2Fu05luuZfUMWjgb9K1KKMpv89arIfTXyjvkAw2Qi0Luca/YsB+tNuIRySduPTpVo/jS
+GWl7SpZyRlNGsMnXnrsfE+MAFXBjaJFrB5Mj3Yem0DyKBAMTfg386tTMkbbr/ayKD1HTH2dQ7bdJ
+MRSPnpZZbtCOmrtP8ogb11+m5E165FKNpl0ejDROPtCx6ThePXL/GOb39iW2Wqysri1phy3TEB1H
+SaU7WeM4IvxYSFJkaf9Z5TZHc8s2p5t+7Lo7iIeNHrrOTPEMXg4ZQyYGSwW2WoZXPbKaj6bV0zf2
+ZMLCp3K4IeSzvI1G4f/UVTIs4AMjC8ZdPr5qebFcSwQCOJUYU5WW811UvoD8lljNgJRzJBDSp9AR
+EAhKVttNx/lhDuHiruNF/KnM/jBLvwzjLC60porvWqZnxFQO6F8DR6bTPdFlzgv7iL+VzD12SAOp
+YcjAldGGYNQkPraYRL/lVDU2ixH6V4LTxjvlUvQE5Zxod2QRdcjdrLJ9y+Yov1oF5E/u4t52cUCX
+y9Efmvy7DfnwgcDFx0EsHtMpbkvI90iIjDzhYZV139wujdVEG+CY3gw+g4HCdjZ9/Qa45fQmpnn6
+EXlJ8w5HZtyl6AmxlKKx9QPVzNoJSOp4VwnWm8DqWu2brc/d7dxWhFFZmtchWprRPrnaJN/9WAHG
+nJdoOEqjt6YwSzOcpj7sydfGS20bGbXVP2Q207dAU1ZDMq8sjjxzKSU2drsZ+QMVPlfuby231d8i
+H30IfmY9V6ExamKP2yp9iHwJBNea3U3FyIJ8ds8mvtVKaPgKY2TClJvuZZ765mQkvRM60tbDeRw6
+kn+54dxCLhvltfYWhXGzcTKz34qk8u3A6CSmrq4POybhl0IbyZB0ibcMlZvJY+faRA2URYX/uM1W
+znU8dMZmUOAG8tmU1ba3qTwDCLnLD4cD1E2kM32yTOerHSf+s5tU5Ucdd/XOIuOrCFniozKYx7zW
+4JzmrIgMZvVj6urujb/Y7jsW+OIgE0kaOfqPBdkXKRVf3Yk5cQ+U5MXvE9LKvRLgCS0fRp94nutD
+7Cn+Z74MuXfIwIw/eHnUjBtlJsbH6I/mRlZCvlOd9/fCJ294kylTf8OTXkfbWJ8G7iW9Qy5TucZ3
+v2GutI1KJ9aIA8uiL0R0Vs+wx51uZ8HwPA/dMFNXahpMhhapDvbz/Ii14U5fhvRLU7nXeB5D5J3j
+ZvS0LdHQDJfm3r+3e1+/DiSkhrFfMoYUvjRvnYKzoWfE7h5iKV5v0Y72V99dTKJHAEO+VPbsMpYr
+J5rLhmYZ88boUrgOyGGuEBuW7QSA8mhmBaBxW/ThIq1iN+AkuxhMAJ2hLX8kmTm0m3Rw3B8OIibi
+ADuInbnTt88xqoSvDlDH3VjrFtp9aJndRrb2cJOYKgeybuUgfiJBSydt48wO4tzOvkuCdKtV/0Ls
+KdJflhZrukHEmrwWkSqeaJAlmBiERn0QDZeWmQ5d2NzBVE1a5CbWOSOWE2lrS6l1u6pt4I6mWEQY
+uMT5l85zDTjy0cQUIEkFRAYpTWfLVHQ555ohTxPyjwvvsLiYdpp+i5a0J3et7/FeN+Mu9q3q2BSx
+FQLbeUUKOA0b5IrtR8yA5s5qGoZj2PV/Ub3+VyX/TZVsWsxS/1OVfP0x/Z/DRykxaLc//lgq//6b
+v5fKrv6bQ1f9n1mlv5fJLrUwulB6cuSM/k6w/EeZLH5D6UNl7buIav5szzZ/wzbKj1u4swTcxf9K
+vvNnEh5Fsgsjy8LgBReKTdtZjWB/KJJtvJ9x47kLQfOConPB60SC5t+0s/7SMfr1IkTw+YI6nP/6
+i0+4J+5dIkJeDkNuNoFyO3Zud3Q3Mrf77R8+/3/TOfuzq/bX+wGAiRSK8lYXf7Ukw/NXOLGIblAj
+88gUJMkZGWcUkFBIQcSM8lAasPbVIuzA9+b6b17+Xz5ODg1cBKBIiH//xoZdLJ6YHPLYs2p6gh37
+6qVd+J/f4Z89jvzx9SXEmmkIjc37F6pZ22rzgJuxOQhjeoIY8tL5Rr0ZTMMN9KXhLv0naeDffJy4
+c//ciFtfbqWh0i+lF0crbrX2/uEGIbvAdhRKloM9Wc0JISSBWrWvlQRtRSUZr/Yz6tWmRDkP0z4Q
+Vp2VjIF9wjIwy4AX6wBlIIWKDT9gO8+Pw0TnHEXw6DcbVRR0fbuOY2hgNoacgjLxA5K5Tdb80vpq
+ZtM+Hrv+Z0ULBIFBr5svM/PNjYZTuQxzrbKuCbD80EqIrBmYQb3MWdReUghL6KtNt01CG/X5kyOK
++DWdabn4hAfeA0ISt9jp8gfG84wbbLroQ9zHVyTSRhCXDOBqb2gCmlzNbhyW5Zh78c2QaePOKsuf
+tls81Kn9zVm8+76l+J9srzxJXdHToMXvl5mz1QR/syQwIswlQOe8ERDOKyMUXTb9YEDaHBFD3cKc
+00hnrdutbZbDdqon56qUlW98zYlOZmy9uJoRnbIkBYbSUayk4/jDcjT/SQHPDWcDqdviNzEcdZw0
+g8ckBshL6NZrsOgUjYclLaJtxmH5puoEvXG0x5E3T2cR606+RXxDyRszafOPvZcNapciYn1qXCTN
+iSeMjeml7kXqWaafK0kjZFdBynGebfr0rwkJBbdVbfB3PKXMp9rIxzNouuGgW8wf0rbtS75VkZyj
+smlvatoeW7Nq8l05+dwiZZPdNTWJt9lUGZASBhNHeKG/2FChOds1aoNAzBzeBso5piP6bFy0xY2f
+0qRZOD/CFYuckmZRg9Y1IIXWPy5aG11ISWjv5YIgp2y7S4TR661ZvP4JFV1+QHNm3BjKcg4lreSg
+QeqMzqhS+6q03pK8ZaKSE5a+Q22tDnaX+ve6EzNWsmR7g321vhsQ1JqckG4wMckGX2yh79oJoF/t
+CE7yqUMJYyiR7lvfHs7pGsoJTca5S91uF0XQ2gFrE1jAuOc9A+t95Nde1Rif7DJqQpxi93LOn3HX
+rIk1ODHssoI51GEzTBOOgOMQT/daNBl7cA/6wdBlcZjLnuJads15BvtVBHos6ttyZt/gjjYdb9Xx
+6PdW1MwfnVbrdCW06jKiND/3sWPuaVYx4ilg/UAtQtfNydINGx1dHWchC8aXr2kWBBsV7SKZYDXT
+vOjNI8eKDNXY38dRNJ1VRhXo1sO0cXwt2XdA7Hj2Sy0wbQofSgOw5MiiA8spptPCqfWikJPvoszx
+XxD/ZJsyTyswYsmHFVmvvrGQjkwqyAPxJvrBHK13l+9V84r4Ma91zvQun7SVLqfeBlwzRjm1o62R
+WDyN5Gd4BsKyJbvRukbeZ01UhFWzfE/Ry3lBglEbzlE8HiMtxkus6feMsXdk98Ugq9CQ1KTj0SDh
+z8aR0zy3huaCbu8mLZRkjO0IkbY+wBXlzFals+0UUqbYehIYg9bk07Y6Vu7Y3Q2atD7WyKNjWk6o
+D42k2OA1NrdJMvANQXVYrlEB/CqwIjk/14ZXXFiQlqOhfPBlpnhr66kLTFQyMBYjOkkyMsNOTy40
+M/YJGwBtXX0kfzfGNVCURnXt1mz70XzOywQVW2RUm9hrTzbAtnBZNObjuebdxFH+I+KwulmaDiiJ
+aX8Mui2/ZoM13kIZK/1AFDx7LAn/j70zW3LbWLvsq/QLQIE5gYiOvuBMVrFYk4bSDUIqWZjHxJhP
+3ytpuy2Vzy+378+NfBw+JRZJIJH57b3X9i/pks239KAUR7+0iToQjiUspqZP9Qy4id0Qr2wykiZ6
+4XMDrYxqzr6H5CE+WlNrPkdCuQ+OyvyNU4TW2irKjFyLVzh7AWdy62tbp4V/5FtJHvJCiBF/hKzW
+eScy7dejXzZM62LddgXbW7hn68xl9WCeWSDcCheDbopJz2nUeCkRMg8WO5t124pXjNgxij3phU0b
+edkxyALxTEWUta+8FHii7dIAOi7pgaElU1M/TA5DSkaunge6h3rPu/iplQPTj+PPAW0CcbrsmUHx
+8SP1vrdYuTY2/UI7PqQCpktsrZGxGs6+zNeeqGXY+lNZfuyX3P08j35y53e++igrZ1PnKUJy1nTd
+3WA1/Q7rBlfeIrIDU9FuVfhcZDw8GZFIexW1HRmWOJJHno8TAz2HNaOda+Hf9CRIbQxthRx+31f8
+d5P/D5t82BwBG9L/tyv6uxRWfaPr/MuP2/s/fuZPJQzAEi0YDngMG5e+YPv7xw4/CKDNw0f32atr
+Qr3Nf/pzh2+9E2BRTJNyLJRUmBV/CWHinYYV6x/7Qz/7NwZ9NNO3WzjLsTTyOmQ7zI7xLZN5QJJJ
+VTIDGnDUvHHaovjiZbQYQYg1bSKHCkvWapEL/MmBwoh1HtvUyiRdeeY44M6UqVf5NjLT8ZvApX5R
+0Vx9Don9Y10JocKu+KlyM9cRB9VKVZ9LD+4bhxv70qUQzugw6pwz9nm6kPKMIP5WhrSap37wJLq8
+eOzmYbyY45ey7jgYox596Eeze+GGGY21GguaWnKzmb9gjS/nVSqNBeKxE9vRZg6xF6ycXsT5tvHb
+/GvCUZ1nQ1eSZVzsLtrS5JYe87mdOeYX4XDGyRMRvTQjhfWqA3q8LepAoBs5YQaoNMicfUuID5d6
+EiW3DoAL4jqLSAULXOE7OKrz+rWhrO6lpv3pbpCLuR6cQt7EoZxesftVL1TZkCdkYrnc4D1rH5Ym
+i79QZob8ldn1im4ndpQlTY2Mx9ZzCkeP7Fh9j+GhDlnu55bajXISZMjS/C5wyvnBLRy1a5Z+s1Dq
+LcQ0YKxHCxqrgZ4ud9lPdirurRYY/ypzyteZYCkzV+qxfcpvj1Gf9U+EC+UmlVJu3WlxDpFqrAL4
+ALY9r4fdmsHivgnmKY2OSlrtaVQFCAe2EpA5Uq8F/WCWdrXm5FF8cMpmeBpcnrrZYIFjJN9tfUpF
+Hn3qDTxyzeS126oKjdtJ2TjOK9S7Wi3uegImcKtia/hY5At7J4+d+O0Ude0NbrPxe4jDPcMi1hsk
+qQpshqNbFdsGZ3e2qaYQv5yFQ+uMZtWxFvpD/qVdMka6cm69fZyWbK04LcjPGRUpxXqKwGOv8taJ
+76sgrKwDunH6yCTV+WjHZfoQKo9Xc0zRPVkNRv6hTdwby85QAhKYsgf0rhiFuG42dj+2h4no8WOc
+lMXaL7P5xaji7uSYZfgbrmzR7XwTLy7czSlIt1Pbho+6G2HCHhvXxicOo/594hKDXI1BZFSrUKr8
+1QWdGaJM2nThmKrchDTjkZSgYoXvMX+PIJPcizmTZ2ktyUmAFSFJXk/EFKLKxRK+xOWGy7V+DpzW
+vMRdX8uN0fLfrTp2z+3oDvUWx0tzl7HRTSXDc+7yT3NlZS58lpjiDD4eGAFmcwrH1OQfNVCWvl/N
+4bhkPr5oEJrFLdCmGT6sLam/O5QTaYNoVNBloZM4yynxkuzQTv69FWTMpV2h1mRhUZnpXnuaaTIa
+2SMNxUvENnxlFREjUjEQn1nnjV1rGor3NAzeABIitfp17y7tmhpv885FQ7vtyabsXcplV7KWBZ5q
+UMdhNHLYcDC1d9wvj5Ek8KCPRMX7+apJoUaa2b1IpUKsYps1mE+uklOJjiX8yruzrdY4TEP3wWVO
+/mDkQZjjpkIGc9DDCIj751pLZKUWywotmzVDuTwgRdoUAiKq1VpeCxZZPEydQ8bgD/Et3UVOWGxF
+wxfpoNGVWqyz2uROx/YHLeOZ6HmU3eIl429yjHY/aMkvRPvztQjooQZmGTv2lgIe5kiSv0ZLhlo8
+TIiFHSmMrteWlhYJrMtLitoIhzjeTAqqS62lyExZEYZVVmumAx8rLVhGWrrMl2+d5BCh+Ayj3rzJ
+riqnFebmzpTJ+/kqgaKFBmJBFEUd9fjGtoj6j6YWTiMUVLSdiz9l2X2PtooHDAfhckO429yVZv00
+pg4H3Vn060mrs+aUjxv7Ktni/w/IoVo5Ln02eMPv4i4yb0vM4NQ58qbXCvASBiMHGlRhSy447V1b
+oAmFeXIiV04Pbj016gWfnTyH8+Tu/ImKTC6jG19rz2bcQdK96tFzW+81s1RX0HE14UO7W64StqwB
+BwSMnx/aZQkfcaPhiWMSVDzkWgH3w+4bFSbmKU9j60aVYbs1JA6zdUMoVC+zLVJ6wOX3LKBAbzzL
+A2+sNXconOUm9uPlrtCK/DJa3Xule5gND0O5HaYPXmeA7dZaPi1PErkUfZ/UQfk0FlH04Gn1n2hW
+RrWuuWwcvqYQgWGTa7dAMUdfEu0fsLWTwNaeglS7C3ztMxi046B3/JPUHoSZgoxVZpgfPe1P8LRT
+IcnmaA3sumZMLF4n9IPHgD6otRrmZecsKtwxhim++zKq7uhMktoRMfUu5ohO+yRYY0C/9inmiTYp
+20dS0+yntbfC0S4L+LcwYmeZvLpXE0ZYS7mGDfTIRVjchbVZ3Gee9gpq/0aqnRyWZd4LV7ob7Wk4
+ltrvUQROuDEG7QGZrM/e2DEEt4z8CV4OKWDtGelxq+7k1UjCcqhNJTj5OQ6IardcTSce/HtL+1AM
+/BsnT07LoSLpfvR7HpFUL/hHyOO+9d998m9Vn/bLP+6Twdf9cp9cT282ydcf+GOTHJrvLDo42Dn/
+tEMO/Xf49XGNUl2Cm+ynqiZHW8WsQFDiFOoN8l87ZNd85/h6z83AmkCq/qn/879/ai6Sb/79f1VD
+eV+j3Us6oJw3U2Pa7BzPdXx276GJacwhrfvjkJMhSj9WIg1OZlvON0Ymm82U2/nj7Hj5N4Yw6jhd
+RVq80gwf8qt2e1Vxr4JuJKRxj8jFtANtb7x3nT76kCtu75tWK8JJTxgSAo+WbKOK9X/dXvVjK8I9
+Mhfiw+L108PQNQ623aUsohOT0uLbqJXosR2CD8lc08kKOA+pur/K1pVWsBFkj4nWtEmZFNvsKnT7
+V9GbeZb/DT2i+K1CEo9h699l4Tx+7NPWfUTVRzofION877WeHhvjOSd1gRxJgeuL0rq7y5TkI8pA
+ubYXmXw3HIfJVhh7LWXts7hvyCCy5V8cyZ0ez2cFiI7BZ+cu30VpGA91lRHnECOQr9Gwo6N/NQbE
+SO748GoH2lmS5RlBVMVYGA0r+aKauDoUfiS3Hp08LxZQ7HntBGWwl9rcx1CV6PBiJcmFHQMi/sDM
+JiUpv49VGJw8DEt7s54bZ6PK0n+CrwQgS1VJIVYLx/cZC489YCIhxEr6163Db4tlEqmlTFcgsRcj
+LqSw69d2lLenIcqzLfZzX62wiPkU38/hTadwIWn7IM1/YRPcwX4KefCPYngcRakbtpL6kAP44hQS
+BfSqp3TfrV3lN09tMfUnSwSYBWyAyvWVrWxozLJ1JS4HGr6cXjnMSJbjp4JJ9gocEpxmK9HMZhjQ
+8JujGJQzqhFU57gEhVRo1DNJMdTPK/+ZCBmxnklToQn296eeEXqy8jU2OoAfLa8kabNXUKUNDZie
+4hy2mwOQcQIfrvrXqmPbcaDOs/jA0C470j3bbqlVzQAkVP74pQHnf+9PHfovkjPAbacTHDlgXlt1
+yMFrTq3ponoZZx9aE3bN+KCMgDkOtkFcYHthjenjtIjknkTqYhXf+HbtyQUu06V8tnQ2Egu5pd10
+qdM70xdldBdLEoulVeMwd/uRXMFEl+hi2e/jgNeIZLvJCvXkSriYU4Ucs+4ta6wOEVSQnVEjxmN7
+89cjYsoJl0q+k8wlub2dbk3P8pri7WklKvRYCoTqrTTByLe9Fe2yhEGhIXoac2m2XXWxA6wqt27s
+PiSkYaK0zLX7iHH5UEymd6saN6KysMO+Y1bLAechn/swg21CWliiTRV0XIEg2sw7Q/MGN5r5QuAw
+IiaVqf4E4Lzcpvg7j4xjp9vBUUTciGDvWw9vEwFe1dLu0g4nQknl42JVbrVKGR3v/awiDh/KB5Vw
+Y+Z19h3K1Hvqyld+EeQANmt3k/l+QltkJp+NwS7uqOcUa1khR6ezZz11bs6qFRCZ4VyCR8r08ZOR
+r0lW2RQHaxw/TNOG/J6c1IfQ7Yp1rLixDbj/WR8/+kQFtyXlleuoJUSWpSY9Lpw/6YNVPum+3Nef
+dj09089DUw7GuaOoXbW1C584JmzIR7/RJo5C5VsODd4RVa/c+kAL5lXsyuEMwsPctjOzyIWox0en
+cN1PovSyDcP6AldowtkINs4zM5bhppn8AmBHLFlT2KawVqZeZLyaIOUYcuSxupg5dy+o7exeAUP6
+LSdxcqiV6x7g/ma3k2WEMyfKeN5FtoLgU5lIO7Qtr8nKtLBi6LUTXal1fvuLCdyRCXs67uaoVISr
+2n5LcNckG8GH8jBxgN5GCu8iqbyCT9t2Mm5UNmHhawpXk8/cGTGSpXM/AytkJp9ilbtkMiD5YdL5
+O1a54iBim1sTziU4HzHsYKGVnziNBGDlYqw1MV//pwyIge0NZBrzubpYUMrwNMXmMwH14rtc3P5F
+WLH7JNq5emjbJN4uGCF3BUnw86j64IhzEQEFWYB8fmAXLLpJOjylrkPYOpHOF0dySTtOO91i1qrO
+AVCSw2x41kXSS7See+YZspyWp9gqURtKw0rv+jFkZ85h7VZ6ZAPMxMvWYyaZILsBS2YRX+gHyg6g
+YVIC34MIVvkYCIxkTrxxsp5RSdQn6mQWTbIrGRmRASgglxBlS+if9uRntn/0iCjA/Lf2mMuDtGml
+wEE2fy37Abg/g+FnZ3RwxkQZOH2s7n28ok7nPXlW+1bhvgAMVo+kvnwz43prk0fPH6wnUAz2TlEF
+tVmmFmUM4EvysWkbeY8wDtcLLROopl7teaLPX5Kc+KSTuEKuBtgVODJR7kzbVZBRh/5E9cxDPywy
+43zuWH3/yWx9vbldOMLk5qfFwPB4IBrepR9dzgIVh5baH3gS5SaRRVUnhOAqYrDbwSJbvjgwkLaI
+jOpb0I/+NsrpC+q6lCU4ARwyrrpuilZxsgz7ySwB8lDDm+aQP7lIoyNfZbEZ4Fo+OHqS5FXiNMRG
+s2n9Lv0dr/zfOfI/7Y+ZaCKO/89z5Jsvlfzyc6Di9x/5c4fsvgPez1Kl1XY3tC12qX/MkS3Tfmd6
+6PDaqHH1g/w1RwbF/EOAgmQFYoeNMwC3yb8C9zOE/nluzK44ZAQWOPRfOhgN3vantVEfFFk8+zel
+3QSIwb6wpo1vYS+kkUYaTd8i7OMNnFZgKevorq4WHsGdZxpMDlTPVflU0I2DV0BKn0jV1lBz50aH
+IOKKZm5KURd3ZaGauzyBYCN2wN5Kd7rrTV2swwRXsDtwJWbbeNfLovRvR7eVrzkqaO+mAtclbSRr
+GrgEBCgywjvZxpvGVsuTEShqhlWfpI1md1V4sjSwQ+2xSsFUqmar8NYZQEpwEJ1M6b1p0fvvgbPk
+Tx11hS+yUA6ndh66FjfZmDU3ftUlDJSX8JNB42vNSyy+2s5hQSMZhnKzIhRX0YFXp4EWtPyXllHt
+xgjr6TO5SZ44nGl39bAQkSRnqKfiNmiE2kmMAFqB0exzVRbHDIDAZ1967SdbOoyLrToNX+sweC1m
+3YgFpgtAR7kc+SM6j4PvXFIPKRgbkbXtMwdaLXNJ/j9O2D4MWZXQXbws5qaf4hH/eIP1YsXWmSXR
+jfxlNVneeIA8X97D5ZPUepSY7boFDVSJ5SGU9kIdTaYn0ikbV5xyRnpIiiz9xvXgPWQ5cJXtWNvG
+hQw5SRDPhx5azxZj3b56TpRgCx4M9T2PWLEeiUOyH6YV8ux6o/3RoOvUXfmt7VxqNx42aOk1bkOs
++YDh1U1BvHHcpIOLTmtXwxaYLpFg4Dk7Z8LdU1CFRCw6atVnYymbXZAWxp4cpDq6dFa/Mq4Wx4Rw
+9pMyl+huMNr6tkbzLfeuMpbLPCh/tMhyj25vo67/+U/mfu6YnA1PRz3XqYmPsQXwFrpVd6IuKp6q
+E7O9qag3VCm1WbizO4PBCsAb0ocTJeZqS6W7Zb5el4n/rqj/uKLiSvvlisrgYnjNl5+kOSYF/NCf
+0hysKxFimAr1kEDLb38qc+E7j2EEyyzBMKwsOmD4hzLnhO+wPIUW/CzqLm3LZB3+a4VF3WVd1J0X
+PknUfzV3sBhg/EBZx8plmww+Ao/xA1q6bb+h6ju+k3SBiuLTaLHjYVJoiYfJihXXeNXv05bz3mh+
+zYwJXaUF5EAkIAgf8U71B9JH495prXbPbNk0f3+G/zQh+XEi4tlvJiL8arw5nfW0faq4zLea4UwD
+npfbgX8UIxn1S8hG/BIon7WeRdKDez3UT6nlGu427aJVH6NmGM0IaoADU/QtgL35ILHptd22WQQ+
+ONUY8R1xiKlnwZbWS5lg5O5I1DVqx2bcgEjrZYAvEAUCaUCn6I3gMOUA4l0zB/IOgBPW6cwWkoq6
+98kyxmydjDIjnwB8kvSLxJrDToxhNLJWeAq6wdLyX7adOxxN2JQpGAunwLlXlj+8D2tE+6lry5HG
+BagvqwEXz9dyKc1HF5/O1RMG2SFNmMwy/GUSvBsjOylOIFuKfJeOSwGRnhDgQ9XSzTfFE07f6MMc
+xca+S1V3auPM2g+DI19TM+kuYUmq0M/kDTHnUwPO5FnQhEM0eV72Qg497IRkxF0zYgcTihW3QEO6
+a11nua3iZGekYFCQpqz60XDDF9PBTmEABqw3Ki+ST1TuNrj/Bm86G2hOD1jFySmJZJHbKR3n21io
+J3OIi0u3DDTBQCEkvD/5VrwLcsMFiQJHImwSuZo9GDs8mc3UfzSDvHkcQY+syygo771RCdg25Dzy
+M8ca6bzPYtzWs2WkF6XaLQdde9eGxURZnjmvqgSj8uw33p54dLVrRJ/ka6vzh7VkhLFVmNEPM/6X
+LQl0Y+UoE3gLmLQjc4hpbbWx/8Cn3t7Ae+qwYxXmKaaw6BRafnAC21jEm6gyi09Nb0kgvhx828kS
+EK/w3jy1MlXkBO351hlN8S0Wib/DHN9u0V4xEdpjvy6WsYNuXNNCxOfu7lQ7kVJo8ib5knPZYx3s
+5jWdmAzdWPUfTUEQmSD0eONNctiSWAiRphJ4zQYmfnuCraSq3nlM+rJDXVb2Ku7ShEu6oxVwhy9J
+LphuXP8Ttk53DdeIZ2kQDlsvnKwvdpwB9MdK85vdxtEZNri7wVDXHYhNIcb3TDBeeBIrsoCIKUd7
+9OHn15OzJGvVE4Wih9JGaRWexOJkt6Ww0VapZV1R8LBsiriIFcnFyHj2Zolc5hpFfwxRUW/CxiO6
+NfM5HkeYBXJVWgUeI87IN8SQ+PTAWlNVMupZ2AjIa7G9bFUFkfuKX3+CFFFM3bOamuo2LEBaQDxo
+87OHs2Dn1CFIoiDVd1cStPjq2W+Me87cDtaVPpweBOxJbw/b3T/mffc+TCb1VYxq3kaTdI+hn5HD
+8iEEbRoLthMr4fQyJgzrVk3gw0MrY4WXMk+7HMM9WJ2FnFonPleRCIeNR/gLLxeG7PEOtZoyH4vT
+3grYl8CoP/ZJebtQhWuvwmUcj3Xs1x75kIJZZ8boi0hq7XerMY3tC0L09OB3o8XhsoJBy4BUFheX
+GwPRPUgyZpljbXAutwgnNsw87nyWgxtMrAU03qgoP7ARah/Twenr7Qwk+xxpjdZotVwrtHKbag1X
+sIUqNtaQuhtTa7w+1ygIGq38jsrrzpOdJPepPeXvwfZWz4HWiuMFA2zZTJzar1KyJ/P8lb5hBOb0
+KjYznPPv6XOgBEN3uWo1EWXavorU4ipYx03ndztX69idwtu7lNb0AuMJ94LWuy2tfDM62cAANyBk
+aF3cvErkvVbLEzq0dmIauydsS4jpkeUnD5Zn2x/rsUwfxTKX1kF2Mr4n5d+Qhl76nJ5H2gI+14sJ
+aM4l8OXtO63iR1rPT1pq/Yj7zOO5x0mBuQRCWUJEJkD6yTmJX4xZuwO8kbAeGnYPMNVGz8NzOO1a
+AUwIXywvEYemuiVM5+yyxcmOXW7P23bClcDaMB8z7VQgMGbxBxcdAzpu8hyNbrWYtVYpaV5eAyTC
+7pBp54N1NUGIxdaGCIk3AhGS8/TI3OOmD3z/+rUdjCC5KTlNMPZzeJOjJbYy8V8zBzlvClz6IdrZ
++YDKTR0rh4X7kOJUXrV8tZH7uRC93LnMRnOb4fwCNI4fcAkinBz1MRRElnzPmNcMWIxNYIJobBo3
+uwOEK/YuBwd+QM32peJGJ+unDSWetpZAXLQ3ZbKgKnf8kQam8TnThpTOduYb12sxDEuKmF5oshhf
+R21iAcQpNh3huL3el0DZx+zCVerBdr96YNyrH2bR1hgJUI3iy8DpbpxA22s8B2L/2pJKuNuBFgx3
+g+weOrulg8W9Ic9nfvCzvq+2rTbquFfPznL178Su9vJkV19Pf/X4BImYOEsHWoC/uoDgrXSUE2AN
+YgvH1wUgys3Gi2G6+eNi+k/5HHn77OotctwOG0IlE+csr+4jBED7EuUVInqf1J8XbVPqtWEJBw/f
+F1AxfEyGk1WfHTKq/J3YnGxteGLQjppO7XZ5Dlpp3UqWM+4ibZOKr44p9l24p4oAJs1KCDv/gsD1
+Ig2LomcqenC8ZGFzyvB8CIbsgcGoHfcRfbrQpautUbflI/DJ/q7WQXxXR/LnazpfB83gOevQ/iDl
+YxxOPKxBhZzhGNJ/VnOL3aYoat4GCRbhdaJirYJl6OKPgD63iTQoAGdC+zUIW+gBnTLCE+IrNDpU
+MCidRJ9DpoCqJ3uuAQTBlUUQaixBfyUUNGlBtnvGbs0BP8vG29aC/Q5AQbMNuivngO1J99G+0g9G
+R5MQCGURNb7yEUyugWgbamzCmHU8CcgxVe0B8qM7U9YaJWCASIqSLS6c4GmewTDUVyKDq+EMQQe6
+eJUAK94HtV9k5y5Z8nnN0l5iZgnmD50dto+YbcTnNgqyfe3jfsG2nRNktCKdahNttW9lh0Bm6NaX
+VYKjmH4ekQz7tGyse5sEa3kKGth+8SDAdFamm65hH5vHJsgKc12RV1lJZ/DNzYwzyOlv/GCxEYL+
+e6z7/xKSQztwfnWsu62HVP7Ncvn7T/15rgveMeCiRRBt+Kr/4uD842QXusCSwcYQkfKta+vlXyc7
+5x0nGRvMcIDeHNo63PXHyc7mLww5OaJBE5Rla/SvZmfOm5Md6R9SzAy4PG3uFMiPPwvK6dJNQ51a
+3dHjwg02WWZYjybJhXNAt82ubrMAIFsjzK/SENGzSELwbmUVnYwuhfrB838tCmHd1qZf7XNXjfqZ
+UmBDYb/+HDQlu4ekAa5Qm324tnB7XKzKGH7LOoybcxIXH1wbPaIpgxTWGpMifPMAvSpbjJuuRf2y
+YrOb9n1pqAPrkP80VMP8DwCfN8NDPgHX5ejo8TFoSsxbgE/GZo2DatMc2WrO9wi7pAWWgUawvtfv
+i9/7h0vkPySVOMr/eJa+vh7jSselaZQMpabb/Cjh2wZ6bpznzXEyOgeWfvFVS1XrNOIz+PUrvbHT
+6leiWgC9Fj40owVHv/MfElGKWT91736BJ4Czn83yzU4ShCBo5fQJQJ27X5Isevz1i/6HtyfA7TAv
+4GIiq6f/+w8vmpk2PjZ2n8fBZz1cGdo2JPEyeJuBEsll9e9fzWPCAaUngPKk4eE/vlocBlNalRk0
+UnPy8nPVlWoHjwl5dyjC51+/lqWnHD9wevTnCTePFxEOqB4MIj+/2AzYMQGinR7bZC7QRemOxm3U
+lvUmoD5klUDQvgwc528nqPYHGDl9s02lL//1ewYVRByS3KBmO4s3XyukILGUAzvGdiBGseFBLzd4
+8KPn0AcC8Q8v9vdriFyA3g0HHgYWBvs/v+eOg7LTd35GrF6phzro5KY3uIMJhxMLWmSKximqMA/+
+4XX/fhl5piCLykHZZyRmvlmXKOeY0thvsmM1tSObcr7NyRmo/qpS8i+//mLfvJZL8RYSuJ6j8fVa
+prbv/HgR0Yg2WWMSpseU8zyWuUVAxTO75SZeJuf9r19L/10/XEPX1/IgjtP9KEzXu/ZX/nh7lD1n
+FPZuR7WoybqWrZyK1Bn/MH/9j4Oxt2Mx/Z6wleFHYpHhcrV/fk+DX8iOJocUGK03ZuxmOE+s3KVC
+shwd7ylJ0xIPLXZcoIGQDKMtJ63k/Ov3+uba0e8VowULHQQtYkRvrx0OZ3naej2/wyjRO6yxZd6g
+jPgcOUt5quOA46zvLP+wnr+pAPX0y1IHzRun6oNn6NtKyDH22d1FAlQgqJmPXeaXJ99xl7sGmWHf
+OU0FgMSoZ0AdyxyLdTRRR3Oc/Gr+hg+p7V4bLEOnPKqwqWpJiD5M/lCZ8fDrT+c//Z4eXwySB7sD
+Mhdvbq3cc6KJ9k+DGKLwvy7L4HbrkUQqXxEpGx+9gyPYiro9AVyqnvIzUFFgg04VRcchr92bsA+j
+I858544UphQ7OOV1BvIgFOP+17/r36/agD5cB8kOWJr/N4HNDCsGAcWUAmk2l5zcRTDnnF3kP4Wi
+/34nAlrjK+MUQtZcvH02pobNh2LI9FhPtXoIafVKKZeqvRskGO/p1+/p7XLOdRKYUNxsno4es3I9
+jP/xtl8C6UkqwljO6y7fxEE0blDyhzV+8BxjRROvmxmouzXM4sUoq3jPkab/hw/WMj19J/68IgQO
+6iV9nWwK+HXePFWKrjHo4rSjgximbjmKwmYx7cPZaY7x0KgHVDzzq5dEgDnhxiJxNUkW879h76zo
+bfFuZEwXZzgMyz1+BntYyTZrOrqBevA6dl6qc5FInHqwNx9V4UTfR4zTH4KlUGeMejNuuLbzte0i
+x98TeDdjZ7LgYpWwH70h95/8pDEP9L9ZtwkUjGFDmYQBZ31SD0scOcOqYOB0KTuz/1JEi/lVGWzj
+0FwJv4RzFX2njNJrTlXZYj6psPIdCG64klFpMoCXFp3eI9TgdlYUQ9KmB+DmFYek837CyUcEPxpL
++N1z5H4vxt6dNiXk/AQmaJacySuUJ5diso3VjenXIWHxrmXsfWeyHNjY9tk2chwzqXaYKBgaoCb7
+7n5yTTZDlZjp9SVbuKWeRrwE7dQFj/iDuN64+2PypUQsmRQ2nQFkTLJ2QiYRLwpX+WbOw/gs9M9K
+DrpEdTyA0m06STxaqHvPYe0sZ54zxYe2XabL9eON/KknVJyYD43TJjnQZfKFx8iKfedkQ5Y653FI
+rhr0csak+bpagbi66XrFChVYs/G5qnOuyNqcLbKxhQWiICWDuyJASzdOZ5rJM/xq9+PQmdQ02LFZ
+3WsWjTbk8PdMSZqcId7EG9mK9GtnhjRfRF23xKA3KWhcAXbwnkiAOO+DauyotLb5bEvHTr8WcWnv
+LAxaXxgzUSPFTUMMMEpL9eBNDLrWfd7N9yY5aLKYiJIb4VrpZ8KWLE24rMGameCxHH0dlpoUGAwY
+ttZLQpvXRs0WGxirrNWuGguuJVH26kzMmzqViKPXsurlqB5Kz0A40uSozZBI/EQZb4ApcDYp0EJc
+YFsSAs2XZIpNtJaAq9fL3fm+i7CjHgZw/ncYzI1nH7OcDgu5pKKNIjvlQbENFYM6tP75QnN7uwOk
+ZYENpFOipV1yvRh19xAjzh/NoKtuEE/cNW7JdOPb0jxbTqVOQ2v6B0d40XPci23t6ryPX+XnhVdb
+Q2wRl1KJfZ7S40uh1qxLZZ2XgAjTCvo/TtClRwYanI1pzIqho22v6WGk9WLGOA/0B2Qxn6r9IUzH
+SxpToZlZ4S5JcDLiRa2h3TuoLQbJlJyw+ooGk+xENLZbg5QuCKfrjhbpInt57kuH5nQmU3TpZphg
+KOLzZlwCd80Dx9l5bfreJ6e+XWRj3xQEw8wh99ZNX037PCzNNW1V2t5JD1XYuNTShcmjTJavsHPo
+DqQmMTNKZ7NQcLeymTkdDTP4ROA9qlD4m4IKY2Le8Ofsz6XjnhSoTqCT6V3ip6QIXP95HKObuhLx
+px5XxJaqqvmUFCULsKv3SKW93Pmp45wJh7QPVlrIkzFCrVfKv81FuwTNyi2h1oV0BbR2LH/D1Nkc
+FquGc1ZFYwRkLnayk1W7OoxvxOJ28Ap+obpwAbePi63ee8p1dvNUgMbvR2pIsGe2FzZKbrKZfC2c
+CbN438FDes/Icnpaao/9Qy2pjVk1o1rOuVCOphWJHSV6wbesBG0zFz4odqgOvCi76HMXm49AN6ZH
+MS3L1lHDsNXPH4yIdUPLSNq05b3sGQoK7rTiiGTJVsDOIbd1C3uRPECsyitfrn1TpCxFFT24bsQT
+QcShODQZRx9cCPmmZJu3C5XJrGsaGel2jV1epNl/EIWi+gOh7c4FNQAQjUxhtul9WEI7NE0skI3M
+d1WWe/cmbKmdL4b4Y5/F040zzJseSsApmwaTmBWdEJ+dbIby7VVQvaCJdsaxCrvkhP+OYJU9gedS
+Y8mFmbF34IhQGA/F0oltuXRAq7ECmiU+2cGtgu+9O+Ni9SvLBkTiiY/zpEK1N73UICI0YSeuB/Zj
+lDUdGqXCu9lofUiTKFXE/iFs9K04cIIOD+Fs2f2qsYbut8YOgm0zZcup7Z2zKF3zHEYdsEQ3tG6Z
+I5PgjitBuKkIH4qojRivEunn8J8lLmOKzno2Uio4rL4IT3yphMQ8nOg8hIueNOLovs7KlA+CIOFx
+bitJkTdg64D6ywinKzGxKPb20/9l70yW40ayLPpFMMPoALYxIoKzxEnawEiJxDw5HOPX9wEru00K
+sknLXveiyqysMgPE6P7eu/dcKKA7gQQO9lRi3xG9Xl1HqrVwXRnpIUwb84IrmGwsCFVNHxr73nF4
+sP3yQtA+WIeFb15HTY7bu3Gtcz/C5ydrcqhCpzE2JNcTtqbP9S6fW++pW2hafGiadd8y5Ft7imDR
+VQZTfh/3pYmFcmA0FLUhJCt9tC473auu9BniPdqqioDGluTK7ZRplY37s8/3hIC6P5xM0MSpmugM
+HaVXgQ+388Ok+dOLohw/R9XfoW/SCKq2ap+ROvNs1nTbH8j7rHrnkoodtRBSGQoAozrmxqR4u1R9
+MaRFfl0LR10RejwGVtPG/jrxvaAYZ3kYPMJWEBp4Z1Uzhhdph2THjvriOSuZnmyJv2oebBT+OyHS
+7JUYdGi4tctIFncVvSSSkO7dtv5Z8NNb2VSMD3xnBsffhnP/pDOSwByotQSA1R17Wc/QQZbEJQDv
+FHMpeRJk8VVM450u2WaF+WvQfOJhAIWjqvetdltG0XTB+K56do2yP85jyrTDZw2kATvvJwcdNYM3
+dW3offucyoxvdpOzavARkIQurnubPATnTuld6ba/8Jx4hGfY5Ri/xhrGQpWQac6LrciJtJT22oi4
+vBid2rxMBqe7A/PZP9sy8X5EnQ8UbnGwAnQjQIXGt4Mnwy3WdETKQBP2dGTeCoK3EP3DpNC76llB
+TI/X47tNm2VyOWTGml0UggdzcjeKrN21RRomtoV8tPirFHSRMtUv7CHJEZYPrBmMsqZinXedAKGb
+VXG3IuRmDIxwsQ4QQtltlG1WfM4msPeelZqkPTkmTgh/ZBkx6A7xXNKVX0ftrN0mua/v/AwMeM2i
+sLf0Wh3rOel+1dRGy3QELAbhUK+N9JKfobk8ynSU9IvYrU1it5h+B0K3wvvJMa0nzay1VxPpxzno
+mOjWKeeUvDZ+drRH/84ok35ldo78GdZ2wnaSyHQm8HdsjMOtCgWO2qz5Jqz7iJktWFI+r2Ee8lAV
+9zoJhCudLBi3H7NV6pbzGjniDokWuPgS/S3i9GI1sjnZuG4MAb2U6KapsZHF2tXaH5PnLDfjcq1R
+J2OmVRVLZRQgVTN3nRhe4GH6e2p5G5CE6e8yrEbrrBBHsy1InEt6Y1U43Q6OSbRG+qxt3JDHWU9H
+42xyCkATBq4UfjiuOm9vTk22glaR7zF4j98bQcyR2UEFSsv+VasZMzQziWWi781jQmN329LNOiZy
+ygNfpz1gjv3E+yy7fR0r/TlTiNSp8Vl12Agdseva2OKTBjiOwgOhxvQ8M8Z9RqQLlJB4XFNUC2R8
+49WALAlY6CgCR5L0oRe9R2lSw9z3UJmzFbwejVYnJj1FFafaFyVJAK61at4bIln85/5POWnFTk41
+NIma3sHM4APrNEhr7SkR9q4K44l9in+JQ/dYaM2PoZivuiw8Ik++q2V4wSeXhhGi6jMh59e0ie4N
+3//mmuW+ZjcNapg8OT1ZSCo0KV1F2J+jt+tZLio/zXDuqiVETq/M59E32FhpER/52DzkQqqNb+q7
+tKtRILgD+nrxq+jJszELutpYG6kIoqHrHmZr/gXg6yBSsEGNmyfDevKn6EFHpEc2gvQy4CfMvqZp
+wimRWHtj3vZN8jj2I3xLFZ87zZ3u9R3CIBLO4zb57lpRHLiDn61l03ePmikJjSWMIeipYc67ToL7
+I3SL13zSidxM3EfR2iUDpUYQBBUP8pA0gvbokC7lhOvH477CULAFxpfZSNOJCoXWqsldXIzfHFP4
+v3G4AOPU6pyGDiGvrafvzd4crDOm3wTH4bzsx+vclMvvmU2WPmHEEgONC7RihwhrgM/4PWP8S1fT
+Tsl2AHa+Ax2E/SdjPxS4Vudqlwp7RLIB/ZNCrfVpmop2oOQkKnEtOxOWT5SFr21ImvKKozJicNBA
+SLYiFFIb06soiyIe+w6ASQjiOVpmGlPVhT+6iAIh1BpqjMp08BXP42XDGnfvNeF0oRHHtYZLoG3V
+1Aj9MtWcpN8qf6Ls6Fw+S0ObEoxtLNUJ2Yb9Szqbw1UqoDzpRjbvjEhmxzgbwh9RodHkjmzX+Ga0
+DuwYR1KJMIHVnwkOE86Fivul5PUVLKkYEhIk9p6tQ64JfV8bljywt+enCQfSsMRToDOeRWLnGi71
+FXyKn8Rim5tEsv1b2XF97Ug4FbiICElm3Dmz5B/MrGUhba3waMUOTQHUwRckRNEjWCY1b8fra1vb
+TihHDsR1M7Mhsmuvu3bx+PaPkDOHoVpQ9ldu6u9dx5kD4JP1U1tAk1+P0qRL4FnD1TCz7SHPe5n1
+zKX47mdcTATDDimJqtm9NYoJMmSMMlbepsvoG+eEWBORkMT+XvP5E4t4yI5iVuVeFE77UCWKE0hS
+fpHvyIwqrxuvnSQ3HotO566Xmc7fPIzyIJ1yvM5G9rszsSXBnHXzxVhPkyJXkPOCURXe1g5lX9PH
+dbV2prTZs1Wjtu+63JWbPlt4V8lMV4TmJR8DAk2Yr6MFr+zeaQ5ZqBcFz78+a+d+FdVPNP+SvZ6l
+dBS9+cyXssXnlfuKlgzac4CZ0VztFKxjgD/A5S4dBCFnVTozIZsdmlfhnB3fnjstKeddn3IHrBnD
+OmD4+SaGm0WZRNQPf1+M11FjeExThDLrJu+Wa5J3TNkM/if3arys3J7LRpNybZPPdmESHr7H16ww
+R5fzhQv0+gqjnLepqmTeQVubL5St89t+v/xgnorvkelrkO1hpyFlpp/vEsk7lq7+WOj8KygQ5MEt
+l/+3UlwtQ4w8sIblThc9P7RF4OU7hCJp+mNM0h3BHYoMzqTluY81ttcGuVS8kUvBT+xO+DobNk2l
+lKfJmvlRSOnVE61EUEMs5/2dMtFh+8YQHvs4rJ7CWB8Bd8e8OjDQuJlWx2xyUOExrI3qKXNbRGHN
+qFlwYPpcRzWQh8Y3igPOsEQiusTzAARbe2gX9n6ZmOfULfJBgQdLVgURQMeu4jL1bWV+GzIFyWN5
+Yc02i38Xc1E/AQvm0GPX9sdcTeFB0XKFuedp7dMMDTfS6ciphn/PlwuxEfVJ57T9OjaAONaq/lXq
+no+lMsQO2svwqCvujlIhL/vIGxh2k0/HovT3SvZqG5GefGHRAr+oiz78IQe0rOtZzMZZDtnmqrRg
+68Gi4i9XVD7OpuRzuNcth+YHY1Fv4yxPwYDl4dypHVoKuDUI9fMQ960Gv+MpIYn6OdLTGheYp8Ej
+j2ve6Uo6YAOpTlEA8n30ba4UdADtdqYgeHXDmhP21fIMSp2sL9epwyMiM0BaHo78QHM7b0McDGWf
+J+L+xRPUySRSGeNjSy4UOCmPKRQMQIyLS+L3NmZbwcoInPjcaPvyMh5Ud5vog/e77u3wNalG1MMO
+zHESSFmZ7GRodpPjTvh4sTwe4C+GP1LhOOWqBWYRAg2kwb0hs7uatm8t4f/Xr3+lX/c9m+73/+4I
+unhKype/xOv/+Tf+ETkIAlEsAXnTMpcwFcdnfvCPyME1AEuxfiBEN1z2rXT8/5srRSyL49Hohw/K
+kmHqSC3+0TjYyB+cxV/EGNlnIID84cQl/5lr/nSowDSBgpnfYRaFel2cjPcmHxQW2ZwoCMLt5G+d
+6QLX2h9X4/o/3fq/ZOgnPXzS5Zh3g9RnmIPY/k0//8dUjxHSsjn056APLQDYwAwJpfQEl/R/rvn/
+4SjLif5xFGy44+jEHMUtf7baz2p8Uc4XkoH31+rvEzmZLbtJZVO6c4huvnH1mynZNPPz52dxordY
+IGZvOUmIWHzDM0/H1wJ5KZFPngyAkRLxpVHUJHV1UxTNnlzu4osBy7sTejuabzC7wlchTme77uiM
+CgGiDKaKqBid8cAqKdxxm0d1vvn8xD46FCoLwDYO3Fvq9r9vj94K0g1HgxOLveh2TG1CHdLeuNAV
+pvHPD3U6WV2uoUE3mO2J73PEk9tEtJ0+kbolg1KW3XmWqyUiLyVJe5zHVRONxR7T6PRvnw0OakJo
+s1Ay4cM4PSihQ9jYYDQFE4EhKwLfAKdImhehxn99fn6n0+vl/EwQcLioUMnYp7DnzNLqua41GZBG
+ABM5DwlG0xovPWQmkn1YLs11PRkjAZVzfNHl4/jF8U/nnW/HB4XHFBnitXmqPpgiu4bBGbWBV2gj
+FEhOUDTD3ecnuTwPfw7+loNY8Le9Rc7BJNL8+3kZjUpNygdaqVRj7N0hhrsYuVZ4mZv6HMwTVvy+
+w+hdScT6nx/6o+fHgmGCwoxvlrF8/P/8kviOPRqRackAoe1E68XBdpxqpBq4mr5E30Ts46cY5vvn
+hzXwJb07aeTsNidrsigYxqnerM01MHN9IwNHK+UvQJHkG7EXMLeUtHPghHD2MAaycco7duet3u3G
+1uIW0OzYT2M/7BPIlPdmPFsGQYVtupHKvSGKpXc2lKHDuS9B5Vak12wsNfaE/IThd+SvFF5u0aW3
+09JFd1M3PWsFXG+vok/o1RDKvBbCntEHHVFGuBKgk7KXFZCb3fiC0HN4u01XrUQiK3oJHZWAnrtn
+OkYjRsOQGVaxM8UXeqMJtm45JgqdmUisOQCtoqLjQR3JasHt0p13xGfcgcnPN3Edky7pNr8E/G1k
+BgVxllrTb1p3xv5ntud2Zqq7sZzsmwEj6l6jXb2tLJlS4WDfzzvD3pHsjPR1rI0Lj+belmjbccVH
+qP9muYofYS947s7ptK1mz5wYdbTGBXhflkL6guuo6uKbMO2HX74CH9bPFpGnIhx5DHpMQVoyvwyl
+CB/jGhHXhnzm+Q5dgmNB8zJepBy1fM0EXb1qjU0O2Jjm6t43E6LUR6Hsmx5PC7RdLjACrouKDp1a
+MZIFKDg5AkdAqEgvocWJDQDUYojTG8oJqZ10a5WL+DjVLtPIflEtguRhUt3vdB7v7Nl88SHH/BhN
+cAd2pyWPKoMAok/MfFYy5kUqB/tlKYbBeA/NHKQNX4yUuf5Ix4Awpk7n94qRvyMd3exY+E57nyyP
+PgGf7lnhdTGb8SHcWo7EF4UYGUSCmR6i0uo3vqzlDkOFvsfJMtMPFiJa+2SqApaedGrw3IuODvO6
+gD4KBzDnBfaaqj3ZalmQOmkPGXjuvivs/rSZfNLUM3hfN3mEtJvAzeyIogXUllZ12x7RyJXnczlX
+DSnHm4IxzsZk23SpBoLgDykT2l2dYyUlLCUh+auTFEI4YSLm8on+PS27bFwBcnOuzNxI93EU6XvD
+luFzCKcGmI2phZfm4DNeymKm2YvNgSgfevxXU0wg7xRNYg39xz5OtWzOG23paxRzfxB+La5DzdL2
+qPKta9coovPBdoghbSiNsE2gPXd6ncErvcdDIxVehW6E14BXOnxWiA+wcA2VWllap+0rJsGvdpp5
+r3S21bqFaHYmITA9xxDet1HX2FAUyQPYaq3yGQX5y/UI4WNsjHn8nTOmTddtP+bbOEKmYLTGFBRE
+/Z0TzGHf0jaYt+HkAR2wNMfYe24p9w6eoEfPDHtcOE58oxeNHvSAG8TG7kYqejfpmdEw4PhlZMBp
+GtKNLztrHJ6kZZUXZRf5V/h0rFvqf8bJeJm07dgYztlgRtO11dMTwq/iXRPxUT5NsTPcyGkar8c0
+Vpcjse/nxkglDS7GOctqGjBG4/RrUAfie42DZKPQhYEqpEkPsNfkAA08oJjwL0JT5Ky75QqsYeau
+SiGcDdKfCrvfoL/aiQBiHudVTKJUn/52ZtEGRs9HKNOKds+jgW4B7uqunup2r6oBLGNbJy3JdzE+
+CN1uzvIBHDU95Ca+nSn2ohUx3vymE8Zik/qY2FETzEf+2ujWNKr5OGVTc8bYELKyEybNOhUlka5O
+kfoHj2Jhh11AIAaI/IPT+rRHaCNAhVhsh3GWALwRROquGRDQ4fJ1tYXiJw//aSjFjTftUN9rWzfs
+QvxvhPPCz1Zch7Fig2PSILku2QQ8A79QfMb67CYH2UE2tj6tFV+Bn0QbzSR4u24AyK1/wfU+70wE
+Z2dv7ZKhSnJvRYAUfa2sMp5xp6E1yCnbX1sfcczUgttDL0iva+mumKVwIDXRFkEwVtCHdtylAYaY
+ufUYafVeRiXKM/wGP/U2thEtQ9nlkIz9aarSgO3X3WRStlv50lPPVPvgjqrdUPbyj9rS0rYJNrKL
+t06e2UbmNwZCVL12XN33SVHsld+Ve5px4TaZDZ21eiG+NEww9HGp86vuCTOwOniu8DIcUKRDe2Gm
+L8s7zPlJ9pc+8yYaVTHEFmn4yYXIsC8ZGpnCKwblY1Ax1jNXHn3IA74biCN0nYsjbCnaAC5p2t0y
+HpsDVdb8wfoo5oD0afHdwKr3+CbSSOylKfum5HZq8N/uIOhbzHXHYcF7hMdx9mBpS3pZGB+0WwLI
+UHNqI7fes2AgVC4d0C634t9vzaBsaVQVUjhnIcwm+hOEMGM7xMvTsN/cU4jKg1Vr2f3g43Esy4YW
+ZCO0rQPSk/EnTcXorXW8LHbkTuBCTWmjDoJGr2XQNal8JrEx7eRri2i5J6NoyNyrecAx02THmSd6
+jX4TVI6tly8pa/gByUd722ZivudBiq4F6O0rlXY+mXNMcIWNbjyRdbn3pCUeFbWoWnWJGRKsWbIV
+f2v6mKE2XiuVzTezpvcvfRlqd8WSyjUrlRobTxP/3KdMjeHrpPPHjrY17KCfG5e0QrVb0Oh8ZIjo
+Pqa5CWzAGZMfZdd6N37VE+eHs/bB6ib7oZea/ZA69XTJSiV2cRNrmylJtA1tRcYHxEUuOQHyG/lI
+5daU8CAgEo+Xb1ddOYhyqtbzrswFvlmWFQtfm545EvlEUwFHKDtsehUP4m6ECHnmMj7dln6qDsWk
+rG0NHpZOsU5KJTbH6djRQrsKPSM6oPZh4vr2LM+egcBPsz32FZ59NoNDvHTbMtwywYxgJ+LpW9Hy
+ya70Ji0OBK+JRz/EmqlCVLVAMlkMySjl9s94FbK2otmIQw2PpW+Rvj7RznNmY+lIonbKpvGSj8J0
+MOuwvHLlPBOt7YBeROwy3RMU6RAiOgMqm4Hg0G/PSOACJgYx2E2vgGLib7Loe9tdwfhgmHFDuwMj
+BVmPV43bsnSTrwU1rKnoSo5z4WYb6B2EiYD497esTf3BlygUVqHdMvtWxMGvS7esbjtEqLuODw57
+IGbBZ5j91VXDxICJh+gxRNC7nQailhrkYzuU/oTBN1mp3ba6TnMN7yE7ZhsWX05OwlqPWl5N5RBL
+Pr/Jsr2+YdhX9zQgjTK/15mybIuaprTlJ8bzmw7KLtC22MOgPwM3pXc6JpW10uxFLohgZJsgDGfA
+jdRPZq57FIM9bT01SdBmJl1Sa+rRyBW+wAelekR8q5LcuxtdMAnFqZbTNg75H7e21sC692nqnndK
+g8HFP3qdWnjXIC43YdAC+90nujUfMKGJ/UAQ9HJGV248mmv6nvGlMSdmu+6S4rs5ZnKLbKXcznWs
+7antFelwzmT+nMrJS1kbmu8QldDJZol2xrD8usPXv4LQGeNz0168BrqJYZePVscUPCfd7pzTyDa5
+XvHldKJW7jxPDtuKDuw+DBkZEzenztD9SZShje5u2SHGzKgdsIbxdG3ShlxnrSh+uaX2i3b/1QgQ
+ZWeOA9EhltEc8AgSPzont0MVz2vpaVHA12rPhejXaNHLTYSEhxG490hIjMRFvYRZJG0TbrxhQTha
+zBp1TyGvcWoo4G7N+eJHtdlVmYJYuxp1QE2adhlH6ww08FYkOaLuyuo76Chp/DPqeifIAMkQ0NmR
+Mj96c/W9xhIz401FC7kqzPgsTkV9XZZZ/ahFWbliVS9wCNbM4XsXcaiBQm6TezWpOP00H83Ez/ag
+ibtAi0EObEget69tT87XaSTk9xoM2Rbxj8vof5TFRsxCbEdXApWUcbwncyfd9U1GN07PkyP8gYnZ
+miI5WM7FGSHoFiOd3PHlZqgia2A63I1ZdtaWz2zvjR8j5fiF4XdKX0vTqW76JoWOY1bdcB3OU3VQ
+EwOmVIvbnfJQQ5lFQWpahvkWr6LkLm7wYD7bsd0M6x7S4JVtqPSmdBSxGbihfgjJ/mo1GrF5OXm+
++gG2wD0SPF8+hJNLYEgDF/NeX1ZIYRQ10y4vDsay7M7ixLMv4qJVDzjsnQDg2HDMnag/G7Qp+6Xs
+FJVRbHBzq06F171bF7+LFqZjLwz7iTlqhb0WOsLRgO1yLhUVuMAqxJyjL21q3RbAzKQp+84q3WKL
+tMdghIW39bLSppesd71Hs3JL9DwzucBRPu/QaabrtC8mYAnxzBQ1LhBrdNoIGmmSfMnSPA3IyiWb
+WLg6t5fV9jhRVaAgt2aQOx7p0vW8wU56q+WMpEtFQ4uv/IqerbcpfUbWmVE/SCu1iLFjpINgxG2w
+tbMz3le+KG6rrKjO1ZybBykRb7CfL5BG4dLNaq8jMLcdtCKgXBLay6RyxGIDaD2jE9690gCpU3d6
+e6qYYWVqSXjHIESdsyjm12wV06fRsKq7tMmax7ojXXlfa7hZV0nYJBmkgQXrC4rbpJhS5Y1tGUO5
+fhtPZFIQItARhnPsze4lGjzG93R2yXrxyjOLne2vsgbfOwFL3Qgtu5yrHkZBa2n5XqE2XDMQrs6z
+nmBWlNO1uqQRGF2mbIZWqZ2n7dbznAatn0CaKgEH8v7/BtCH4Zo1zV91+G8RSqj5CIy4u87wUW1s
+fEX3o2wtFi7wSEZZhDdtbVXPtMF+2mk7/EQQ+X0mHsHeuYxcNhrTln3azHzZa1JveNWIQ/VdkCVI
+Q+U3R8/bYh2SlCjiTt/NfU8cLE887u/K3sdgqIhChsy+ymQHfQiQcQDUO3pm+kSSI1/ClWNpIDei
+0b2l1GE9QZz8MyzAXdeR/2CP9nCm14a551dM/DKN+m4n9m839+RVT1MLQ1vYE1ON7o3rNqUXPtGs
++166XDGggHuQI6Okv8JFsUL3we1j+zbpK/gZHektpvQxbJfsqaaYtGuH6E1lxeY1Ncg9H+Tsaqxn
+cWxQl67UoMS2zsvwqfKzeZ0zE6NNaKWXAoY/VmMihVamZHcLJaZZR/1QfivhZLDD1eg3F4osqam4
+CRNNXLuNHsE9EealEffWqxGBiazSod7KLomOIfTSq9IZ4/PcyZzvdo2qERHzDKD2R1oCyYizdl/w
+ud32tQWIQI36TRh2AuwmhoJKZdV+wrn+XfHFXXUj1njf7/U9qTG3UQeSe3R1cbSiatqrQf6M/dIN
+0ihmxWIjSLCrqwWF5ffnbOXc42Cj12qjJmP/W5WvnUr7ZJOr+tlC9/+j9RTRrKsIkflz9ZaHZdRd
+eOYNYbqhWzLwsLXmbWdq47TWfHBEl0lOrvq6KptmXFmyqp1dU9JGXnuxRFkzyfy2LHzSR53J38fJ
+YuShhXWLAvplHNEX6xCqkKJY8qjPwy/XoWpwcrNYs6miSGoQE80Gk/Mi8Y0FVRtoaNKOvP8OfExx
+XyCmW9shjFx2hfmGdsev1kwQcegTEfcp6+s0DEE3iieXEmQkYdiR+g17KEHnjDaR1nnGL9vPhzO7
+cqytaCwaKRm42Sg0gt7XwtdYWM41pDfzph3912a0tfuIV+/OfAtdc9qqYTQux3DTesaSnuFUe90f
+O6ArDVlPKoLIjh/hC4/S+y4orV9bZ4GmxY0FntHXn/1Xq/VF5Sb0X90mzY9G0d9B6ZyDSFDd+i6N
+/M/7rh9NJjAK460BTu3hNf77cJFsdAM9EIdrlXPbmM2eCgDYROjqX4xb3plq3praPtZPtuFMXPTT
+zvI8/9PUFnM3/GrfmvRT2P0GH0r4Eokf+CXQuwhv1p9iskQDNdCP+/x0P+reE0gjXGFbeFDfTQ9c
+S814AUiDciP7xoEHclFH9Ek/P8pHF5VbuPSwdQafp+5aG09KZxfMYN7GIT0JAaiLpxEAcFp/cf8+
+OiEb4YBnW7TmMCn+ff+ysSvhOA1MloYGLs1Q/RRe9fPz0/nqGCcjJRJeTcHbKgNE1MTpyL3tFV85
+3pabfzrx4PkDgMSj6LjvHg4/9QZpKhnULGAXUaebRxMWI+E5Q/IYa4xakCjpC4UUSo2F2g8D31ej
+nfevnoUpmT4q759P/bJchz+GqLZTIx+sfDjYBmReBVlpDeW0IXM5RflT++Xm315Xjkemks/HFC/2
+6bvXsLfyJkw/QVGOfKXEdAMcyf3ie/L+WbSYoQOHo79jIpQ9ecH9yFCEReRNAD8WcFVdJWs8Bedu
+SkPz89P54EichOe4gD7wNbknj4nfJsk8TV4V8GlDtaS1Z8QO3dYyvf/8OB/cJsO1TR3D3DImfouK
++uM2ibrILF+6FcGQ+lbmT8TqrdOsXARXx8+P9J4g54Gr++NQJ3NbClWxODewCvU+3bvSJgR9cP8T
+MYMlqy/nuwnc8x50Xyg3ja28jQ5784dg37pVMxneKSOgvdlSSxPaSRessBF8OV5aQ2EjzSoa4vki
+zNkM2k1pIRalZczmSm1zk8yjo9vn4+VQdbSxJny7a2ptgE2C4MDPTxSq6unrxyiT5r7OC2DgXTn5
+NkOv1iy/7Limbawe/KLUL43e+zYJkTwVcwdpNycyEEHVD4nXfecSf8TgShwEvqDEYTxjNHWGmPiu
+CNkdKUGgdlV8qwfvYg6pLosqa7YtIvFVkwDCD2VqocMcKjRaPVxzLdW69WhXdsCAa9gohUeP46Qb
+6nj3nIBdQKcZEJaR7/XGj4Y1IZrjhvyh3OdqmSBw/LnVn91F2PX5hfngWTPx86PgYM1i3V+mpX88
+a2HRN4xhJ65LCte9N3zrwF0fgyiViOQJ4hqCzw/4fvJrWViUbQcHDwSP08kvnoS+H+qiCnyPUEya
+LsW2AQ5zLqxa7cmrVOcx/Zdb6G3R2edH/uD1ZaytL7RINCvvxBeSTHQt7kSJe3CaHntBoklD0/cW
+o3r68vmhPjhJprx8jSh4+M/pDJ3hCJvOqSuDope0RjF0SHo2UNSxmsgDYaiJt26ZskF3NencfX7w
+D86TfRVBGcCIucin1nOXdBtqz7IM2rBK9s1Q3kaL19tLJ/mvtwH28pEyMPDCY3BO8SEUgm2EcTQP
+sBw9TFM5bExvBMWfW9a/fkzZbiCYQhiFDOOdX7yGothFfZczXOyGzSzovljp1TA4Ykf1+fvfXkBb
+tzgx07AhMJDH9/c7ESV5Xdp5w2k5hRVg5y0rBgk0dtt8yaL//GDvX0AOxtaGrYHDVOt0+WoYEMei
+Kzgzzb6NLe0Be9rvdLRuEQR+sQdZ3uW/tyAcCn2O4NT45r+5sf941wmaSKZSYxqLLXFr0TDxSftc
+uXk/Q87DzZObX+1GPz4i/B9kbMtLd7q82LXrYUgm1Nfoj5lfP1WTcWvJrEHtK3JYmeb551fz/bNP
+xihkoLddB0dcrvYfp+hAW8F962aB1nXHKe8D285I7dC/OMz7DeNyGDQyRHGz+zhVVvWePiYJPx0Q
+nLIYwgGX1SMr4ucn8/4rwlEMnc0GKAfxzqSPQ2YkGoOkU2lR1lLuoSntXt1SkJmrmKqR1WhN1Rdf
+yQWH/u4pWT4c6NsdyAynaAaCEnAAxKiqfAcf+5D71OJlnSEz9xnVzSWTrHaCx7rCMEdoFmjQmt63
+7u7V2ESHnGHSjvyQ23lymm8IcaEL1DWbg2Vb0CwmBLQx4s43gTzgCHS++Os/vDFLEBETATxDpzeG
+uWSc097MA1pU5Tad/PSojTQ7Pr8xHz5l6Cpd3wBN/G7LWdgNy0hU5UGpXAhpVR/omXHrueqrXctH
+t4IEMFSVgCeoYU+eZje3yprcXdxStcU0O4wPo9DH3edn89EXSLAFAL9AUc61+/soM9iiMeq0DAUB
+jpbeZZnCAIimvs2f0ev/+100NSMyUZaMhZF0WqHifRdQHXlFpyz8vVw7mYibQoYPn5/VRy/PAkZ2
+keRSGJw+xmNLitBM3HmQJ453nU0GffbQ+U3HtdrJyPF+DTmEHVQs7RdL1UffPISkNvtqJIPvih76
+J3ps2X0WRMBJVanhoIh2dXpfp/N3XsQvjvbRA0/ZY/KwU1m+UwsCQ0BHhnU5qKM62xfCcW8GE1fm
+5xfzHa8F/pHORXRNliMLmfPJd9XvzLFz6LsFXjfo90msVzviiRClpFaf06B3h7vU8Kp1V6n+qpnK
+7NLJXWsfewi7ZkxsTJcI7DAaPOb4MxjKdl36VXVrfHjlXSps3kxYZqcbHxm2ujMUBavNaNMrVM2T
+oXwA9JbXHhLXeyAuqV675NGc56WV3GdD3x5Cv/oZM9adxeK+HAr7QBfJX4lJq8Hich6fX8gP3jUG
+W2xBXdeCLXC6IOYufwOR6VUwlPPvejbUTq9RVIU5Q+zp6fNjfXA5jDehobMoVtl1//1em9AndFD+
+bO1D47dOw2FTOPpTOxFo4pLYiklLqC92GB+8dIZB254dDSvWuy12L/NplFHF6aXOY5xE0DgY3dPM
+lPPKwp1518ih2TCS7YN/f64wyvylI8UG8fRLaZOAkEivrQJqtUs8foTuyvwGWTJpb1l0P5EJ+u/3
+bRxwaQMAYff5lJ1cXcHIobWbKtD0qFnD4mU0WVrqZgB6EBSCQvrzM/xgzeF47KGWmGg2iydvYBFK
+OyYEvQrGPkLCbcthozdVs7GQxf1fDuXjfvcEG0ZwXX+fWu3aiSpKSjTDr8proMu4NV0lzpLOML74
+fH30jFq8UIsPYZE8nzyjPbqYcqYzELRFdwvV48VxGqLguX9J1Nx4mNr/dXHEBwzThQmIDB356Qto
+jDTczXYug9mcEfq4wzfZyU1NH+CLA33wYUZbDIfMovOMjWO5n3/sROsZt54eUgLmkfMQjePem5vb
+Lx4Ji9842dD/dYyTZ8LXyOezbY6BqtdYQXCtjyBqnG9mJ4DI5EPLVdSxRg2yhjaWRnfVIOHcOgxs
+OhCuNP86JFFlwrjHJrdIswwDYANu6MRS8kjmVnxj+kT8lRMOrbDWy33RotCgup3WaOHCQ+x4qLX1
+EbOisdCMoNoa32a/QHFRGvA0qqKVe70nrOUNOPZf7J1Jc9xItqX/SlvvkYZ5MOvXiwjEyCApkhKn
+DYySSMyAY3bHr+8PzMwqieITq2r3zHpTZUqRisDkuH7vOd+5BNxKdVgv5nC44JeJ9JIdYS/qUGAY
+vRitpDwftXbc+3nwOa3zbs0ZzrclvSJSx1EL7VEoEY4yzWITDYmDYjCfTrVtpVCOsmH7+9P73r3J
+W9wzuE+shVL68xUEfdL0yuXeRCv41Mj+yU/EpW1pW6usMdVCK//95733hFNzU+zRvkcZ/+bznERV
+ZGGrag+6e+k5XUxmfpj66oPi9Vd/wUI8NS0af/QI3ODNxwAcSaxWBgTw6fmVEGmLcMj/1uRfmESd
+M5VeD475GLfVB1umt/GdeF9eSaueyxllc/22IAsEGCwxOfREajXfJ6TwrfzW1q5Qu+vFhsE5e5zG
+KeER5GMTFoRTMOGqWMgbczw4SH2dbNIOlj5oW6O3q3WEOowbTuwwfjDGCrKvjgGQfJLogUDSxGHQ
+GyTYQ80PYyO6MXN8/P7sNCucj3aOqxB7Xsb3Af0gnhF+G5/I8wRmLbHg4ejiv5ezs066Ptt4sAtu
+G8v56FK8d8VdALRQbmkzWEuW1I9rRKp3TlnlZCECEFNMl1Zq0ne50Y8f3FnvrUU/fM7bwmgUIzGX
+YK/2vrOQk+k3rIn22Pz+9n2vtHGh9TFXYN4GlfTng9EbU9QN2KY9Qyd/rRbLog5nPofAn3TqA9PZ
+ux9Gv5I9S4C77e0mwm1ZjKqCZ0VLXMJEACdA+9kiA0NQ2acfnL73FgKXtj9vCyx7vxS/hVKWmyGl
+2LdZewUQjXzjSN3VRfvcp5i3EveDM2m8d1947JLYwOKl8t7OaeZOFJxf6rRMFtBEZtM4+nM7HUx6
+8WFtacneFg2ObxFY16keJXsVo2yOSdY992M/3wa1rb54+ALQaEcxyKrfX+l3vx4LIm0k+rf4eH6+
+0pOMOi1PKHOmRjxbQXybmONNYTFM/g8+x/PZKbL9XXwzP39ON2oqEYhy9uxEBd2c/qlS2hTWQ/vB
+i/S9snVB29JiWf7He/McWlOAjBsB1r5HOJ506Nym6qqtHcDwxiXpaJ/LIvigUfHeDfzDR74tWLPZ
+LhDq6OWe3KAdsQ3PgV2gcHWPbT1+sOew3rt/FxA3vWhw2/SSfj6P/RJuMEuvZJkx1WOfiBeYgCSu
+Foa/pn0brxc+AKFAerVJm0VwrBmLPKtF+QPa6I4Ur+QuaqBaDSayZawtmA2Svr0h1Rf8b1UUhM90
+/lZ6k3/rO6yaAK06VBNaJ4m+WVqbtfmiTyaadngIUuiPWT1c4EkUG2j/z6k/TqtSWelmKJV5I1Be
+8rI3nQ/upvfOQrA4dWlxcN++HcAWhejI4hVUfmI+zP1srHrdvsM8fkbPlNBlNX3wge9d4sWegWPQ
+o9n69rSLzIhVQzG0TxuYA6MYWrF9pRNYMXCdVbcIU3//wLxziLzXF7cxHHYq9zd7ksBVPsgRq9hD
+abQ3Savc8yqhQlNZ3d1lcJpJpEq+/v4zX/Uab4pQtDcmJ5VHlK3tm7sr1lTBZLYo9245B+tkGtwb
+OzHGdWUp5yypi+IWBhvsAxvJ1qtO2U/AP5TDDBALLdFOm8D5fXDqjXeamKgS6Posq7b3y943ls4s
+opEnupsj9GxWbG9RpVnbLmq7Hcxla8WdgnzKAYNIQtJaMZNBfm1/hCK23lkrF184cgyY2QzazJ+f
+PR1phFv2aYlvOQOj8ipuTi3QFwgsK+eMy+Ud+gxJIj4LKGUFTWRDK5mjwhMZP03WpG+VisBNvPLl
++1m/pyyudsnELYVtgrRkGTg7dLnPCkUmS/a4sd0s2SAYtMNWq/p94jbeRiaDF/rxmVnn1k1uVfKS
+xxYniuJBuEv8ITgWuvegAwX7YGP+3vEzAcOD7i0T+reNI9ptWdH1Fsdf5PIGTCmCNFemd6mhJdvf
+34nvfRTqS7QGuNF5bbwpQBg6wSNfXktASJNQNP5i6ZEiPwZJEd/9/rNer9vbu37p/lrsXnkNvt3+
+V5pbDFOZsjkYgfGsiKFSOD5m29hFoh5hrBbGmVHr0ademtOFaWrxldlrcEusQuxEBc7l9Qv9W/iG
+8/RbW3f1S/9/ll/7VgvVkpLRv+ID/vmnzzXi0/K3P7J7ri+eyufu7Q/99M+CIfjr24VP/dNPf9i8
+JkxcDc+tun7u0PD/TTBYfvJf/cv/9fyv5FSYtLBYBv+BElg+4a/fXA7hv/73+RP4rqfq+48Eh79+
+6S+Cg+csWRTLYFhnO0lzgIX8b4JD8AfVB7ojRnNLn59b7p/5g0x4ubMDeyndfyQ4WN4f1BJsr2i2
+2h5vQ+vfITi8fYuQc+HSJif0QkdG84uJv9Jx5ZZJDvggNpwZgrldnZjnqi8lIUyonZ2PMAjLY/Lj
+nc0HerCYeWPxzX/tKIN9TEhMc9VeSspdXRsx+LhTuvvhInz689/7kRrxdhfKp6DKXUz8DkvjLy/H
+nknd2DiJ3Ksey8NkyuYqr1uiIDxbbHRtKlZGR4vLbjLtups8+eX3H08GxC+HSZvSxIpEiiLX+O02
+GGQ0tBvl9XsicAoJ/zSZt4WX4IdEKEGMdtIeiTTnbYEYGoqpAJK5QChTKqWOKesNHE8jXtXQ9tg0
+E2FLEha+BH+e8q0yc34WC0hZrq1Cm8eVFDgEsRN2MG7Q3aoXOgv5tZX5gFzxJOwTGyNk5LkNxE2n
+ucdSqHYL/TldidhQdDwa1rYVDdd5rzfS+IwmT1y0EAw/43fGVmVhGJ/cTjz5ZZnqiL1H9ZJ0HNFY
+FeNtMRBA12WyOkUGvmXsOQQFT7VZnZJIp/2dKvFA2Ai/OMk0OHXgejZU5NF1MAIlDsdO6PWBU1WV
+5Fvp/G7E4mvtCOLmMHWvw8COR+WzqhVwHFknlw7ybNoyASIzrCSI7L20vaqLkcikcVFqZz1x4p2L
+Mmi2ZEojopxCcjnaYz6YzRW4reiIJEfu3MYoDg0yo41h9eNtBkfvtslm94arY25QxICwNuH1Dq5s
+vqmaJJHYo/JIp0p9wcFfPxDzx5VpWG/37uKx9ya4RFZfBSeXSMQ9UevqZcIk80Vv+RWlt92di0r7
+FMnYPmDcMT4PMEbvsn6qTrKug1NZUmGFxO3a2coukfCv3GHWYTEUYtOJqFhP1WhuIKLm18JNkLxD
+ucYLXbff7Ig/xjkCQSLh6T3uYYeiOLeHhggxHmdf69XOTYfiUPtcXOWJiWCjDMBbZ0G6IOmKXBGB
+M43OBfxfD/boTjOi/DpGwgdrNWkuCM1wQBrH43OuE6ZU4bajd6brLBpG/ZjKZrxl3DGfB83IP2Ul
+aidIjVwZkiMOJk1cRPnysGuNc6nF+oikk2Nx7SxY9UFSrkc8BeVqTKrxmXADtSNv2L6Mba5EhHhs
+ZVdChSX0vxI+0cB5zaGHeUXgrImTymDtSghg+Cui6NrVo+Ybw+f5vJoS9cXkRboDjIsTqW3yLSjV
+/rueucZnQvKmkKQcUHMa57aLuY6EL3Oql1u0qEDSKaIutzNmhxi2I1fCdhGSk7SuXoioEg9F7EXH
+ossfJq0b4MC35WXsv8BNhJ6VaqWbsEEuTVKInUccx80S0jncxib3Jr6LPN2ZWKNC2y4e7cgbQb96
+gigFh5tyIVrJhAuFq7LfRo0tLgV858ugn5zLQUXG5yrtxMPguPUjzhXuVg+PbGtG9aOFnPwsw5R9
+I/2F36xlYLP8aqqfYshSyPwspSHLDvLw9eD8hIegqzvtWipR9aFMs/mcLm13J9iGX6u6N0Bas6UA
+2WtgNS2ycu1Oerrva9PDjBjJdIdVkmyHwtW5TGU+eAuDvLk3Utx+2IY9xOOm1Vz0Lu5O847mq5G7
+D2NdTf23tB3shxRbRh7vR2uubGSWs1ZtENpNw7lqpsg5TrE12NcYM7Ho2VJ9MXAGr2t3SKqV4Uhk
+g83sbrkPHYiXNOWBR8uepWmoLoYazDP2oOBoa/mnXu+0q1ovrjVnuLBLUW4xkDhXM8y7leOB7m2d
+GARwdAHvEmo4Pb59bM7JoTTzLx2Dyw2pbcNmsNXX1Acob4/D9zwxy4NWxd9ImEgOycw8qDIGcaqJ
+idsUzigh48b9dwPT2SZOuzOcS9EWtbGBZTcPQkO1wBE8J0bEEKcX9gw/HSTuqNYtXkI3849aLpow
+LZpqXokgag7oblApaxKcqQ4kpkxzepJlUbzEYgY9Tg8R9HJnqzV51deq8tKNWWrBWYaF/5wW/YRt
+hQcW36dxlip06kPgx+SlcCFNY9QPOgTmfenhLhS95W/qSTPX0GN5LKuFc6AjVDS1Uj+bnDTYD7Fx
+Y5VRsKW50p2MKrCKjcm5/9aJaXLXDttSlIvEqkZsPPpxj5+PIA1jgrcfgdPsAK1Wpj6g4QwMuqQB
+IdxO5DahirpvVj0Nu9iJeefxAve32MnGVUJa+iar3Oaa8ayBry3vtqi2EqLicg1snC8ffRJZVpOV
+y7NKLv6CIs8fsCrU3tqVrtrBegcTykTbD4mwQF0y2haAL4tZkGFCnR0cyzvQZzT1ULGI4IjOhdmt
+BM/VuV104gwsPuZ3UzcPaCa60EoSnqpuAxevWVU0XFbAgJ2jcFv5ZZ4skvIWAzNDqP1UhNao1XB8
+3flJFLpDt62cP4tM1Hhyu2AvZyc4lEOkPqW5NYdjNDTHvBT22jULLB9uPq6KKc43nW3ZV15Hi7mO
+FtVB3GKH1IW/bbSRGcuSODA5FjnIgZXde26MV1ZXE+G3CmtWMGpbMmtrhLLlVWFovMshxBzS1IJJ
+jHIyjLU4uAW1YeyKlDveterk4I+SKL8pss9rOn+wryftmqwI/8JoZnVcMr4KQg4CYAeN25bPdtxc
+YD/wToFE9762pwlib4FuDJFOkp+LbjYOgmlLQ7Ky254Vc2Q9DJmn7JXnTMhzTULUzxIFlH2dGZn+
+LLATFcQ6V64M9UwfD3PTBGtRau1uMArnYSqGlLyDPM1Odh9330orc0kQ6OxxmcD5eeY8mAvZa8JI
+hI+urlChaLLKt17ijF/rzKjXfTEtdYForvDdFCFi/areYNJPz8jpRbeLPTHzuP3K5IB+vj0FTVfb
+KGxpHBL/6qS4FAmfXmdYny+VGaX7OanEV1OANgQRr/Ll2sDtW0qkLLN4Dy0hE5nTVafAJAvBr0T/
+3YcBL5iVsIXe6nnHCwf1r3phHw0tUmnRtWDqwDNAesbJi3QRhbGz0AKTtISxLZzLGQ/6tVYL8RCM
+qZVsB/IQ8RkyCVqXFHkJedpSfJViYLqVILbA+cvbGVk0qa+vxVeTmsZnHKPddwHFxw9NJ+H4jHLp
+JkmlzA1lqHsjyXDs8N82De720c7DLDGLA4376lRg/97bekeUSD2xGLdZnK1KAfU6TJyOl3tQ1tp1
+FQfDbWpa8WVcUmlUjisu4vn1WwTNvUXQbLqKmmZZlMmleOkBCJGJ4FGeBE1jfGIZrL5bwmUXrBFH
+xFubiBY3ZiFalS1fZzGe7xJDG26TFCblymg0vwKR3KpdXLrqTB+JAUmGcQrjxRRWU2w9oDMt151a
+yl/cQw9eLwuYBBwCjR2EV6VULxgN0p2co5pUkzSAVzuBtVBOpJN1IKwCelbQfKB2oLH2yyYCfY+/
+6A1BTCxDu5+7O86gIaVUmFMkzrs1+asi2zRloLY1qQ+hSFHEBonlvRBeNO4hlsRbzTCfEMffAUaw
+GPLxmtKcKQ4HFNHnY2vaD6PA1ZzOVn6m66X1aKKxk1h4RDWeYSD2IdcaeUgWJoANuK+7kku4jwNI
+N7qR4NiTJXVCUQYnXtxQf6WlztANTCQKoputlytrQg66HuPWvdEATZJRE+sQzSrbJuG7494GSUa9
+MdWk2A3cOIBJqZXYpFAPxjk/NBOlWK1aYCAYDJcaSVZzc1Whl+Va4nEMbeAo92SpdyubiPIbG4Tu
+xpSRuMiRNpyyARrxSGoNnsRkvI3JxELd7pjFY2sRuXPsi9kjzDSaYk5SSp6CJrtebpw4T/T1IKyo
+wDxrZQN+cahKWmeHHFBl3tYRtJyusfBpe+5cxAdCadMwmpf/EFFIRaGOy81dRylCuxE9km+eMVnq
+sG5aUrAKUku1epJVoP4TjjiuAuKgufkB0EhKKE/CHtEUxRXbGB03GQVg59vdnY7ve43B11l3Dpkp
+6zKATCtxHOMitMVXlQ35tk37dDeMvNX0fJr3sJgo5JLKHW77tHj0Wup28mDEgz8VVhq2aompWM5d
+sPhIj/PMyedh164x1VoHgwf2KrfGdBeho6vWRE0Xh56QgidJaMuTrQzeyWZhmqtKcj2t3m8/sQPw
+T6rRcc5PbLbcouruKkJl7kh2tQ667OvHfqmpqyQo1gnxFNPangsJnLuYhq0xx+UBDAbVYuVZK95Z
+3lVptcOtbpAEBMq2fnK6FkywTWUrDHYtYVvNPHl9bXR3ZsZGvmkKcQHlGh9sZMv6qY8qP7T8noo0
+sm3cjLUz84x0JAMYOND5y16fm291JTkr5Uz2DlX5ykntec/8sjk2oqEbYjLIWMlgWbqSEpqOozw2
+3qXZ3CNB9U/GxPYWUlNwig3RHlPlVSc35sQx61G7Sjedde1X4y0jKLZVk0p3/rLzZkIkLsqcfbmX
+sj1hGDS/+Dyl8yb1Z/GQu+WnUXriK9hutjm6ExPsacMSmBImgzb/aKUtBcvyraW9RKD4CHfadc28
+5aSsicDG5VGV7GR5keRTCPRfPDqNhPfWlhleamYlm2FM2ZEum4ZU6mycEmk3V3rVcmXqjFfA6xoo
+qrgCERibilxoiLRLscF+2sIfTEOLoys8dTbH0HXkSFfj9TYE08gCHlegn+SgqXM7Zqdpdaq5et1p
+Vxa3Dx6gYu2C8CBWh90H1I50X9i8yArmS6chchmML9syLdY4DchhvTWNHk790kCZUxBGuWAjPiXJ
+S+sTETPzuFVrqWJeAtPCTvNjuga6kPl1I5CewPTOg4V15aAghFXTDOA9AItwieNJL0hT4oiYl5ps
+nmceQYbZtD4i4rnYUutk9Qzw80k7ZhtJw2TaVMC61qAg4X/l8It40egtDQeGWfTa6cRAT2nuZ8um
+QeH0U/MNViWJVnqvvlRwB1aR2RYHbdnU4iRiWWMnBVB82SEvZPmV38HSWldzyr9Ummyym5klzjL4
++Nd9swcu6Fzm9MyqOrHJA9KedX1eyhRP4/IVJS+ppkPY8uetSRLFVthsyavaiK51o6hOojbzEGuA
+f/L7rrmvDcojqPH0MpBNVqcJKf/laFPhAmXuWdw1s/uOV6h+lHHrh63eBKfJY52tp4RTmDgk++lA
+3PBU54OBT6lkC+1SFvWgqU/L/dy0yzKMYaQjbq6gExSkHrVG3vLrQd+osxQZw+dk6TZOTba8BSiM
+Hw2fW8Keh+770MCvTowovvTIbdsa7XL/QI4ABUH/p3A5nGjpOryWFX5AZwrURn5dTiO7d9J8QhcZ
+zufXd4PR03ob/Di59Fjy2e/TvBo1x770Ys3hVTEF/qkJOMONys3PUwumOSiBTLmk9B1stiHrxM2M
+z8IFDpMOXMiAxtxBFXp1AvJXnRyT4qFcrkFCvfTQITYT23auKYomg9WMuJVbNVGeiJy+iF4X5mcS
+8FhsWcfuQQOJB6wL0M0Z7KxfWzFjT7PIh69zjKtkAvJNI6NjNRFryst8u+QFbptawpXtKTJLHmxM
+/Rbdp7rgoVD6WD+SI05jcKJXZ6URJVpPwWJB3QxNmnobXvbcPK/LrPQ4G+zYiUer7fiO3ZQicscs
+lzqOpLijbC35qWWz/EV4VEvaPLFVHLuRk6mzvCUjz1FOksud7o6C2triXtP06FpO9CnMQpbpobKd
+5jiJgubNslRilDE3bW7ll2AUIS+6qUO3Abia1QS8HxK2qjyTLV1BxPBLOIyBw6Pxhmdvifzq+eoE
+U+U8uGlA8Qd0XXyF1UPJ0XRzccgqHrJUpMklhLXHcXQ4a+RCWgfTT3hUxpxz0Bc6Veg4NfdUJZm9
+GiSM9BWohoC6ZXDSC3DsLLITWQy3dR1Z60CNKhwHLrjy8S3kJq3M1z++PpiqzHjFaEQlfXMm3qmC
+l8qhmnv5CSyg2pZJlpIKUfNAp3ZzjD2HRYYZT3yJmYXR9uyk87lwZyrhyVMQOvOXwZ5rl4AKNg6v
+DTqPBB4bxOD1tFQBSjaUwmR7DTs2cBzxRM5hhrHftx+I20ggJtAB79nIbgYHSvkqJ8rk2Ef9R/oy
+463MYdFRYKHCBIcFEjD0Mmr4QZI41FZdQiLv93ZKc3iNS9259Nze3MQ9jDJls7QlAcV3H+vykxfj
+zMs6ByANxUEcVexdKqs5dtaozqpJNPfDYNuX0APlF5aE+YNh3i9j5eXLLnZ9ZKEI+H8h7jLgy71R
+s7q9li5BZR05C0qwF9ONLLnUBjYmdCsoRI2RTRFQOUorWhlLVlb9lAlaq68X+/dTg9eR/c+zEQvp
+nI0ECDkQ0dlv6v0YvIQZpHG3L0uLvCBkrQs7YWhO86SNu7YdkpDd+7xRzCIpdAaabJng6nrJspPD
+FHCdTdxUuG5ZDSKn/i7Swrvy3RgoRg+wM9Laulk1vfOhgP/XnYoB/nu5+h4S4l8sK61J0FAca/0+
+1szmGKE2WTr3VI9N1rQQBJdJhNX44cia+Ngp3iLVVLEvHHrnr9nLX8PAv2Y/f0LK/zF1fPPH//sv
+DCH/tWnm/6RRJaMuLst/P6q8bJ/juvppUPnnr/w1qET0/YfNo2AgukK7yc7zH4NKZO9/OC6KDx9f
+LX5Tl3nb36x5949XecaCZ2ei9zrE/Js1b/yBN5/Z56L0RruhB//OpBKI8s/bYfym9PVwaOJjtAiY
+fat4ybsBPe4QpJ8wM1tZsEaOIBu2irl7Cd7Jtq9st2GiVvMubrdRxHzdWU1j6q7zaKwnMkuQ4YqV
+ly+6tT7Ne+s6ISKmkHeOP2q5TkXRglkcK7w1c6VPnwjt0r+DuJoQOdM5x1TbGomv81YwasqZOiFO
+dqSDYJMDxovquKz8LxZv6XoVdI3/VTPzdC1dwLVebjcYueJ5LbF0XTvYd3cEm8yhFRT6ZZ6n9SJo
+cYdh1Zhtma/mQrS8Cyxb++Lp2ldfugnuCnqcFZbnCzhFBGqDxDlJaqCDNzrD45SxVbJ1ESyxWW5y
+3bLAMduppfo0gsEJeENMZbuxBEe88lHH+Ew5ChFCCkrOmog6YkzjdY8r9Gs6jf2XbnST7IJiRoNS
+JbzLtNVtgodSmaTrAszwGhxtwhoUyGBEiYm+6cZzYEOGXAl1H6m6Wml6AB1JySi+wemIRrurVZSj
+hUnGQ+pGyRkadnmPrNxwdq4t9VcQ8IY2MEMKluHS2OIKAC0GzUXcqVaiJI6bDJWtBwhH6ypgSprj
+AwEqo9m/9PMJ0q5V2NwSGfNCUqdk0s0hbbauZUfqqYd+IIfoE0di6uSrjaUMgyKRYaoPFtV56yIp
+y5IXry0QN8FZ23epPWyZPrghGZ5DONSJd9XMtqTJj+sjNFVfX1HdtkdVEwQK7da40pyA7cFIwFhk
+E+20YNHc75OgwS15aC4we8ykiqqakfsqBgxoQATSxMmOAfKc69VAh/2IlHjyBazminHchhNB0GTJ
+XEx8YluR1Ie5Sg1y7axUxYC8/NRtV0PZ2acpwpOWrpIKoSkp6waN4pDgwtS6GkiESoAFjd5NKSra
+NZ4mA0FGzuihe647ut1JgKafBgXZqJaUC5+LtM/6mNGqZ5opYjJcGo/qKSs8ELkFcCftNDq8q5jW
+yvqi0/z0NFZ9cuZG1fREp9Sl0ugmwGqCRsABRUFCB4OhMHQqBkVoSrPCxKVPgi1KOeILGRmDzez3
+elt62ypO008YmYx5nZA0lK3qNoK1yzjci0hQU2kfwg8YprWIxDieZmLtGsYitrWuE65miCJ5NNZM
+MzAGZVoVwBSt9CXMF+Kwdw5IcrooOgdKVO4NTACRxXPH2WADM48mSqF56YVWM1GGABwRGbi4aNuw
+LPzp3ky7GmQsXtQjnc7rWfbZfBUM2jdtDiqeKc2t4Ts5mXIu+trq5i1q+7LfxoOq7yW9LrCCagAD
+TLVb7+xItCQM6XZGIAtiqn7PSqRubErf+oDuq6dHXhSmSxxlYlLXZZF1sGrRvgD2+eIM7JWt1Onm
+mzGHGbmfchh4hzZSMvSFZpxZHUm6c5SZV+yAeB4jO8iouV4tG1SvK/po2W6Wln/M2HfmQBE1KU/S
+mOozz8I3E/JJ+c6ns70pjDjS1inXqgbBPGehSajrFdZ1fdxaA0mCbpCZZ7VbBRvLz7Rgo6Vi6Tgn
+iAnEbKehbhUm1zm34+xr23jZU6b32herLcaHTpdju2G/YfOs2ZK2bjZbm9Jwtf7Qgppekw8G+81N
+urg94wdsnJYoStlamy6psSt4R2VytDvNAY2l6B4KIL6qsEfm23A0GLbqxMa5bWytCMkeoZi1FgaL
+vpwgZ9a0SJlrVODwgFFFxWeDPNvbcZrvbG5h4KEduA7CcnRz7/qTd8Wu1gjjPlJhbybNAaMbMX9U
+94yLNYr4dS0neV1FnX1Bm2gYaUmj7jif2hoobD+72c5vauu+6eU9nh2YdT0sEiM00qjw11Dd+241
+jJkczplOGhezMrrrMqvh5hNzJuMrJDlRay4wPDUD47bAdDnZ2obFFh2bjlXjwvZz489S+f/XUx8k
+95hLvfG7euocdOTTt2QgP7Hvfiqr/vzNvxN8gj+Qy7qoZh2mh4b+Y4KP9YcD4AoDpY9MiSBw6re/
+yyrzVeUF0omsniXYhWLsn2WVaS2+BCptl+4CgrK/BXA/Vcfxc/3Xn39USv0qa1z4GhhaDfo9fLs3
+CtLAUpAYhSb2flq8JLTwd6AMo1XqU/T8cHb+xU8y8YRin6W4/MXwVFTwf5Y29N43IfZSVz2Kqpar
+KUqGD8xx7x0Tn4FRF/skYLbl73/Yica9Fs2tIKi6n/KBZDD9shvLDKvPfPtvHxK7HROOAh+n81k/
+f9CIDDOo25lEbPbpeZG/RFr6kvH//8nHODicqMt/FZNRBYEVcqRgAzcFm8BHrEUOZLHOZfofnDru
+VQSnAFeQJL71gcZCL21ouoK4pbI9SaLKSQYw6e1W2QcH5f5czXNPY0RDj4Gdx8LP/tbQQxGHJimY
+xD6ZiAx0B3WtYnkLiPmWV7of/v4Mvu1NvH6YBeUAMg9bnLcoGRJHa57NWuwZ3TI0pUW0zwipXNVa
++qT7TP9SSPErQ5GT8PsPfudWZPOzsOVe1etvHy+3rZlyUbvt2afXNwM0x5UTaPktSDTrg+frrbLy
+9RjpH7AqYD/gqf75ZpyHbFDwjgRwEkJgCAhXm8zUo5v/4IB++JSlE/DDs7UoVkcNkdReCyTM/1be
+juVUHav2Pzt1P3zSm5VpysukRmDIDVIMKnRl9jTX9PY/frx+JSvSDaJaMNDCug7Cj1/6LijIbJqp
++x4X68rRunpF+m68niz7viHAFBqQQEzCpHvrkNC4Bij1AYrD0X+9UeAr+D43pxfYkLKWx+WH81pH
+peOXtShRfJt1KHR2pCslaBvOdqk2AUrK0Aha9guIiSmSZR1mhUW51djVEakrBuOJ0cbGh7WxbtFW
+fXtVBryWjEuw2nbw8hcFBfEQsw84Fx4B82Sed+7KDOgJ1YIfUUlUbpggmigewSx7simvVBuYd7ln
+1gcnyqJH6moVTqV09pFHSkutyFucMh6p3JMEtnRqQLNIk4xOT0Pbuu/BpAx5UW0wIlQ3EMrtIxjl
+6VsT8aIxepfvDuv5SmV2fUaw/ZitE89P6o2yC/1rBh8e+APfR0Mi/1RGHHQ+9mJbB7G4RJtVhz3c
+MaxGVhRlK2MoAokyoSfwGYL8ttEROGUNIgmtFdq61Dm6uWTtLOGbrpE8mGhiWd/Y64H2hucLOl4a
+WwxMNVHimHaPdkmHGrhAfWboBEv7Jb02Pyi1tVfo5l2cjM6ZjI3sMfbr4tadGFY3nSUeGrc07yKO
+nWbDxNhVlPYw853GCCaRJ4J+bVmK5Ua6NqMyjTHRbTcRoEE/v7wiTLN/jDg1gMMbcekO2YtucE0H
+ALp3pZ++yG6Kbnp3rg/TsjonXVefKfZSjIHpZHP7BuxqyUhx5TWMQvvAS6Vfo/ZNd2NcWCsqkXQJ
+PRkqkidBOa7sAelZbImA6N24enEJZ7owCDHauUOBfdXUJgQYr09e0RFZQ0aKf0pcTlmechLwSZO3
+YydqXTYi/uzP8KSJ2krzxwC6PVHTE+H2TpKh2oRjPxNt0LrFLkX4Jc4NRtZB6CbReJ9Egl0DGrTO
+h3yXp/PKpYlzIhNtvvMhx35GsFO+mF5SHzlGhQmAxRsNeLO3ifa9rXm4P1vE62VrILbEDrconnMI
+G8kIe1yiV2hB3ODiNbkEfSRzh5AeEdNAiHMNfoQb3HZNy2NnE0y7Hm3esjO7cwYpYgE8gxpObmGt
+xONu8KvsKcBstg0qniPYhsi002AsCCWNJC35YLyf2znfAcPsMaNrrZluM2E582ZGj027qounYUXW
+svEVtFH33Zx5tijhlREWk9N9Gb1ePMQZwa6eKljGmbE7+Ho064i/IEXXNaXa2si5Ek4S549NbFZH
+WiwV2ozOXJO2/cJsI0CK7VpHvghx0HGpQk11jDoSFKkXhHeg+4uLheTOFRos3r5wO5nL+7RlCUGM
+brKxBe+eCJk8VyJw9lXuMqp3EwKsbWO4F50ad7jUyUQIBm6EefIr2MnpS4eyfNVo4OM7o9iRzPDc
+D60XJp28qRoTxej4dUhUeiwrlwl0RPg4b2PvKhl4KNEPyg3TyfF87NtgE+c85+BFopUpvPzOJ4/3
+DHjwloZGwUBIin5dTnmXk0WQpSurL7ipWRXlp6RAJ1wNWXBpUdeivOKpz4eCic0o6B10JHbNLasb
+Ievjzlhe/cLmuM0ye0rpYlz6sEWeCknuhzX2BjbCiUGlHVlHOXBHwY+MHocANaxeqDocgRts2IHz
+GJWkiMPjGSDzai3p2XHHmpMQE3ZluG2DVqV4chwWyrZl/SDhxLuaUwJgzLZVYeQ1zNkda/CvCHBo
+ERYQTkf4H7fhELQN2//y/7F3ZruNI9kW/aIocAoOr9Qs2bItD2nnC+GcOM9kcPj6u+jq7ltp181E
+3edGA40Cul2URDLixDl7r92vkylhETP6cm0PXJojZbOPW7dDuakPXyPc41WRFWDkW8D34O42TZzd
+mBXw/WgwXW5CXt209VLal0Z5yvSKh4mhVk92r25haefXiQOPMaXNDPdt1cV38NKlrv5dG1it1PKM
+SG3Wz2nQxedEjuFWTfRmnIFixheik6SKyW3LeHoFctxYSXNmRexoiKjZLh9RiHs3sxMU61FzGo6t
+xFn13OGEYVvTgOuyiwdVhQHZt0VxDOY+v2t71h4RsnoMHi89PTt+c6/st2aC0z4sVHw2A0P74ul9
+d2KKS0lc9rQC22zPsV/tkgi/ae6F4rpr4hszNtWzSJL2Zhqj7jpI5k9EYwwoknEWuBM0Q2vW5X72
+4hmlSp3fEJMY3Gbpi1MTtYCm7kcZLijiLn7kfX5qlBbuiUcnUjzM61WnmfAbJmStbIvhjsX9i5Bl
+7xsOm97imDyIOMqeCDkojrRovSctd9Ggazo52jO3tPpzkSXtBh8n92DL8W/wU5vMOPbtYgWmeOz3
+GFetZoeOxjdQeQx+13pJgYwmYzFLOGfWPCKJl68wXKSHYqg1jxwLZwFiEHW4nlQ9N35WmXGOtq3u
+NBS3Q71kCxmPbW7kx6E282PpdFqFdAUFqpm1ND51jLMZE/YRGNRpGgzywdl8aB9e27kzBJcaoQy8
+mDQhNsSKFe2YIfFMoksIu1LuEaX00n6ye9MxVxwHcCn6MwTaH+2URPRdVJp/ryTaaT0OncOIPIZm
+4OQ1yxBYamgZRtb1yV08cERQdd1tYTskTiQWAS+IpMIEp2fUWEyYel0h5NPbz26qpYjEx+x+SMwR
+i4huM8Omvke/WjmTOhZZkq4JTf9iuf2+ShI0oZOJUETiGzRs3i8WDnUnZSKudbMQ+AucHMq2ZUw7
+3lPD9MsEAWCfud3eqKGZjXXwmkYyJWzRSInVQqhGFhMB650xnnv2aGRHIdGJhWX0YuVl5nzmdQ2/
+hpmDiDfVW4G6ZfSoboU4xKPU3K0T5qxvls3ybYVUJxzYaMEPFm7ydcUX3qeIrZCBTVL9xj310Va6
+FMQErjJuwbj24RRYwU0lebRP91GeW8detfmP0iRbwB+6odVykr0prTISz7FAJnp3VjaVhZ5GuBR0
+yip8EK9sXMXRNZj5TQZHHYYI+HuyqZcni4yTq6JJGqQhrbfpVI3wpGNeuQ8XoqhJ5l65sZw8uIcz
+bb2aNt5U3+O/dq7QnTvMDyy3dDmhwMRx8vltDSwK4jjpIKfGb72+yzHjr0NZd/GSuZyoPMm4GGbn
+z4V5OxPU17datkcAwNprDOoaErTmgBehZmIMEp8nmAk4OmZqrNQjxpLFT546M0d8rXu/OzdjP/z4
+eWjYAIAD6/kBDumEhOGBU8v2Ta4/9RpSjZT9ZXDi1yLrL8HElv/rE9+HgzoPA7QtrqRzNsEC++4H
+sJTMQxQbe1VTkBbkxrFZU5oUDLpOwiIX5tfX+8inWC7oyMXcDlfsA22raCj2LDuFS+gS1+ezYpbr
+uKV5u8ar+NqBGN+kLc+azRzt9m0LHkjMsnf0yPUtdhaxIutUvhKApHYjeXP/9JztkXXtGhiIeEP4
+Xd79HkB7BhuKQLz3OG/vpAjLU2UNv3sHP3QsuAqNCki7ALRh2rw7D/ZxrwK7KOO9bVG52hAUwWTa
+3apm1E7TOyVNakqo3FG2qedf3wBj6RT8/MhTHyBFcBfi2UcS+aSnlmqyAQ5IO4QB0jw054KB6mea
+5fLUloOcbjxGXU+FNT2l3lT/EJUcNt2kSA7tyiKKl8Wu6fw6610T/UdFLWelzZ7iF5EnEvxvdaAH
+3UEEINT+7Lj8t1/9u361ReDxX270B6vyDQC3n9rUf/7Bv9rUrvbHGzWT4Sf6HdY61rl/2ZRd6w/a
+0NDo/rfh/J82NSN+JvI2LTwHHgJ/9p82ten+QdNLAzDPJJ8/p6vyD9rUHxYFVh4QolICYERe8qFd
+GAycvqJCyoMaF/ODkczphVo/OELkUCtzku0nRAHkRDZo13UgMkeX5JYXquHxURbI6uAWoEszUSaH
+I9XxX37Jv+ltv39b+XQLQxdtgmRNsN9zGDx4Z4E+eNYhURZq5chCZKpFxRXBNpyH6zhD9ktPZ0V+
+AFluv742u9D79xUqh6vjFLeZCdBtfLciBTgwKruP6wODoOe8RqPWD33sXS+bkb22K0kqkeYWNj+T
+7ZwQDcePOmrWz+MMJhIgK8nI1TyZxzCDcJRy7t91GSfATVOXNpkKbkXaWO/IQzDk3ZVembzNWmX5
+c8NWkHC61lcWJcJNZEzUjY6+jF7pUUMfB3+27nvU0EgOIkH6dWeTvE0n4wXBLu2jNmEs3boMHFtr
+ZgbIBhbBdsHfYBXKF3jQECbUnhcRBUyfAcmc9kk0DYz/1Hnox7nJ0IfWrIdYuoozSWrhRkRiAItP
+SNt+EjkJvGI2EQQw+/dnZyD6EApOtKqiIqJSHqfnInFzSXyKp1/JIQnWdjN1n9BnoPTGP4IHBOMD
+QkRugL13MSFuhyizdyNpzCuqQRh4bJ01JGKRwINEy7BOwlp7yUrNXpcMB5u1G43eZsBQEG+ViSXT
+j3mVLiMseo54ZC1lyIWj7kFHXkBbwxn6g+d6WbgujKK70ODHpqabA+06nAXaNtdTtF5F0KVmxVSz
+0sXGCmcTu1vDwCYMY4MzQ+QRN9zMjECrRFh7qQBE+JmFUGCQ8pkQHHcTSbu4Jc1n3JJ3ZKAgIMjM
+t5qOwwTyPH1LvlGzbXCb3tJbEruZJK5vNSCmbarFW6/DKsab6h3wjOeXGfuJiYq5T470OJI1jgHn
+NaKPsZ9zbd54WdXtJ+K9GYYbXTgTEm4QgFwra6TPVhftziWi80T26HhEERE8mYnR790hGipqYhl9
+twZN3eilPsolzDH/Dv8/LSm3KCtrGRf4ivQQOtSkZslO6TR2subdu49CkZhnbFC9rEhfzu3hXm9y
+bC1+TUQkhngzqMNVMgboNd2qS78VSYR3ffEtLcbc4VvKeVP3oQmjvvCrolLaEi7cxK+KqTyjhAKN
+9A3qksVOPpuHTDMT9Qx9hD1ukpgWZmF2jJ+8HumKgw+p+0rxtJgXEOOhj+ww021okBRi8+bzV5NO
+YEurOR1WUyXm+H4yy2nac2gz+pUIyC7zy6LJwzVCwBANqDcgME/pjhW+BxBtIe0RTDvXaJujuCuu
+GmLvq3WtmeVrSwbsAYZixqM+LnZ7WicXRo/LYohgxE/nuLhJcMWfaTBgr6PhytWa5bvRFZb3TTCj
+e69li/crUthSwCyjlW1ixacH/0+w8iJBjssByTPKw5dBLZm8nmTivo4GXmQUNv0o/F4b+y8AW3vt
+GqSq1M5eMJj9qoLu9tq02LnXjPbn7dtSjtCW38lalE24wFhHU9Gp8xgb81NGaNySDjmYM7TJMaCv
+N6/ZCfTpVfZ9o1VHV6HKr45piEKN52jSQzz1pT4P6rkIxywmtlbI4rWfupxHp5lbqvbZPtetzidW
+pSrFdui7GB8+3eNd7RrZzVREnGntksBM8ErJeEd+mXFjlSUvVhy42U0DzDRfFaFdEhI8ocblwNwZ
+vqa6KL/CsOhwgOIT8Oxi7DwU8Fgx4tTNSAycKYN+XbSN81moYph8fpzUW2UI0fR16dpoZ+mcuWAq
+a2d4KXVRniN78vK1a5OjESDZO4QGBpt0aMsvrd49mkiuDwpsoaTN7g13pJ+Y2VqkFkGvLu5sy1/U
+9YpwR3JBLJkEW73X0uvIVMHSy5mAN+BTfjBSAsJ8J+rlV6kKG363qUfo/lNGS6UgFw4H9hXZfOWJ
+CNLoqnfmhuy42sVTQfiFZBzRIEQRWXcgSWJ2fB4g8ZCyz5AJYHqLS7XGjarXuWOsIBS1rt+Tqptg
+o12U6MVgTqx+yk6aNet4uJKhtLZjwILf5qjM3/bR/xaOvyscdX3Rav/fwlGkssCUX3+Wjv75R/8u
+Ho0/oKxwOkT+Cd4KOPZ/ikdP+8MC2uEhHKU8kT9JR90/gA1DSaF8hOkMhf4/xaOl/0E1RQTCMvPm
+tEUu1z8pHt+dmRmJ6qZpYUKFpmQBHX53mKpHgfM+a/VTgRMGVZUK2Qf2jWS8gxuvgPFYRhOBmkmq
+i4FGJYELuB+jClePV8lXh2XO0LGEgyMfAYXaM1knZHhYySk0aqRIeFJ5JtnKkJ/+5Zf+m8Jy+WR/
+OYoZnOQRMPDTwkd/qy1/Pny7bT9ksAObE67A8aJHhVhRprDBKEfDmTAxz/j1BWkhfLgksStLdwFB
+iM3dfCdqEHFmVqIvw5Nte1dl5xArnCl6RDtgwNQ2flqLeq+zxr54Q+3V46q3lGPtPZsT61aGiwgt
+cADZ+LMiLMYv7IDpl0Hld+sWMTCIsuhp0y+GHzRh3YwKrihPSbuE2DCJo9dDiYMYs27qfF5JAtqo
+AYeC31rYarxkMy0lZJTytSuqsvWTetkZPIZI4aZxgqVVLAPd8MlIZ5Zkc0doiXZt32/BSk7Xkw1K
+ptFNHoLBpEnQmDRtJkt4JOh0lX5uXKZPKydEXLnB/TeEG0Zx460WWRmkiSg0HnT8bbMfO+2yCjW4
+h0U0jbehPfAxRiN2xw3Av+rFUAO5mXZp1NHNGOV8IvZo80B7JhofG9hEUGVrgbnASCK9hZyGlOWM
+vtkRW9uZ7OrZwE0UHbum5fkL22xmTyYC8jI3hfFAsJYxfqpcfRSfTaPjl/tTqIYiFeVgU8HpWSlS
+y2aiSrEE0/FVfNqqT/l0RqLoxI1zjQtVUOZFi3uTOXBJVDmSPeAJ8RIHJl8Tzv5P/USnWvUNf44p
+jjZ4TZwChFf+1Vpb8yPFk8VdsC00Us8ReJpqb81anm/4HdnXZcw+DQolY/o0SjwI99NcclvVkuh2
+gvCYRcd5uSXO8uN4BMxy/8hnPXm1YCIWZ51wVqSsDtdRSFa2cDVoD4w1x/1izXbxfcY6URLNxEuY
+wRWhLQw53VmXysg2QFXCdSZrfYEKjNMDXpTuTNuCjnqekBiO2aaHipJ08nqaQvtJKEc/D6rKbomB
+D18NRlp7FAeWu4qNwnktwlR9qkwtGXGs8shGAz4WhVjaXUXJ0onNMyLkj8ZoSwzFpeM9CSDP3Z0R
+zwIJsXJ4bFTj8PMOcW43N1o3SpCBMhQFiMu+NnVipC03mk1mPZYwvjJn596hfraGH1My9dUL/5gn
+P2AIj5c41xhM2WD2VmXIM9Ji4OpXzDv0BwBR3J4sFbXti2Dg3uIKzhh+O2X1wi/Dy+UkBM3v0qoc
+gm2riap9pmobLy5LfLMRiIbHfWxUKE9TjFAnCQal8oOxZUqjEibNSWCMt5Yp631PzvN4ZRY9P71T
+9lyF0WYyE4bRMtCF8cXv4niLO7+XdEYRThvNQzrPQjwJqoX6qjMa0dxOI4CJbUYjdXhEnTt5jxz1
+8vQSqAT3O6VTzQjbNA+zWprB85TzWzIJWPT1GkUuk92QHwLxUrNHSglwy2JVIUu8hhG2enuQ01Fw
+40oAGajB1fJSdA3ON38c8HyzmJfGQ9wL8EnIliL7eczc3rhJAkp13KR6Wn51zEGn6HJRiLhZzjVF
+Gibj3gnCJvnc6A2Ocl/20F7MwO3STw0rhB7Bx5llc1PmRWG7NMVE4G2cLBTNxkhBo6Li1pJjWzvc
+c47c+jnpZnP85PZBnX6XTmEYTA6nOgw2ucYh7iZn/5lrDAiYwg9BYbg5+IHS1rRDZJhMdsjSQpUh
+wLLDY5o5wcahey6gJz5L1QcM3/V7B77/sNLzsn+EqCU2eJuiNQ9GuzL7MDqYmReskVPEqZ/HgFN1
+U5/kOnJyuWdeZy849KQWMeIHmuJbi7FNQVldTUHBIlMeqsrVnlpZGSsz1z4LBnR+V+AuTKcCMW00
+jO6eEO7wS9YGzvcxNAN4OU1xQ+jsVT809bRJs2a8I8E1/CxNVWxyNinO0a15Qa1VfNatKN8ahcaQ
+0Jk5tmud09x64ZSSu5FyHDRIN7+OqzB7NJLW8T2t7baz6BjcqBHOfIPHGrVSdaOyOb+SzKU2PVbk
+O5b16nPi9dG9srLbwdHGZNcgqN3WE8m9Gg3LnYrL+D5s7eyREI825GhcQO9gA1tnaT0fM+GlW2Bw
+sa9IRFucyszcYmWWD2w61XMh8ypaJzOtDTfWyk+RbS8/Lcm9vmvLvljZTj+eK3s0/ZD5GcH1Tvsj
+bpxmnfWWtTeWjJcBy/1Zhq1jrSNNFmSPT5QD67YxFGP0vNy5WT0t8iizPDjRaGxDqd8lQVntNPCc
+a5KIq2cct8wMgUvZh4I5itpMudOf684K7r0qsneindOtFNB7iRScXdigtn0WUVefWLCnPVDs6TAI
+zv1zlw6bqW2aVQcfYVX3U4KhurUfVKzmb5qWJSe6GPOpKRov+2daPkoiFyAGKGXwfkTTvC/mpjy0
+Oq/prCNWa/YwBwN0zOJPKxkiARNHRmb81Urkin/WmPeO+1+XSB+qycXSxH/exiEmY4qfa7K6zBG5
+L63HsauYwiEbX2mDyS7IURESLY7bU8Ay85urvpP38bUdFMRkdS1AwyX85+erWsEcOdEgvSMnpuoF
+dhkrU9UZFDm//nbvhGhv18HJR1QTrcxFr/vzdVRU2n3roSi36BGwqGsNm8bCSZBjwIr1zy+2iBX5
+OenrfuCc6iwiIqQKpVmL2KFc/OxvylYR995vWrQfK2nGSS6/G08P0N73EtA69JyK3gdh4Pakn4vF
+Jy0hczNA7spTu6Cjf/3V/uZ6OgchOt8gP4E6vpNj6m7JupHl8jiPUfD05x5YRBpbFsYeyqE2Jt34
+Nz/nx2cE+Zbka2rgzPHJvbtmWVi1NmZgTvo+XiKNcTq/+Tl+/c3+9ioOsTQ0uiUYz3fPfxYYQxHE
+rX0M8dLT2cO97ri/5Vv/3VU4ULpSLoLdD6JMuzONWgq+y5tk147R/UAk+H/cJUm2FShSTjsLl/Tn
+pz2t0fRVcJuORgBfASoy90RNEEE3aIH1c1eNav7Nke7j8sGazsvM1yKVhsv+fMkiVsE0ZLZ1FGVg
+P+uwCBDVKUqRnhSFTQECwvDtdmbx+vVt+/hiAy9mUEPAJeFQHx5IMvFiba6kAQaTlyugxXXqbJTW
+c4KR6NeX+puvyMOBJp4aHOPn+7XKoXXEpXIDYMBiUc/18jS3TGMya5EtLCe4cXlqfn3Rv/t+5BYw
+CNEkOl7z3QKpwJiY2Nj0Y4YNdF/kaF0zzY12HHR++6K9jV9/Ppd7dCfoKFqO57gf37RFLKfxOqOx
+a2EMJHouB186Wnap1NycS8iaSF4myuRxoK5DsTW1Z1WDUtsifLI4XJTIzIDOfCMRwKTqnAtUm25q
+V7+LcPu4DmGiM/H0sppjF3nvUShiOcTww3jCc4btqziASpGMgu2K9D0etcSjrP/1ndA/vrtL/B51
+JTNsDBLvxcxhRr8kYIs5CldQ646uyfmBmHowZ43OjhVVwfK8J7F+rvusfoHMgA3KjL3xUrdGne3q
+sJ/rLVUS6AKAQ9H61x/w734TVkqeFcKaNUaeP7+CWg28Vrm89fnsUnRrMvmsh0gsSWAtYlAP2u/a
+OB+eTRvNAG8DrRweUev9Beu4XYr+aT4qK7BeW6BO9Djrgsd0XHQxv/52f3cx+kbk2JLqyXbw7tuh
+wfUIDfOm44jJ7DYpwHACp+KUI7WKU9KvL/bhVvPN8IVbumYutdj7WKE8FXrVBtp0tAPJwTKMO54s
+XkROib++kLEIbX565Zhs4rJhR+DL2fTFfr5pGfmyo105Axt4E7W3Gmc4xiJu25EtRERLe6oS7HGM
+w+DaREOEXCurHLNBhLBsg2U9XqI4pU8gBg5LqMRgLc0OwkNN2LSy6HqZW40EXo7ndcrheEBnc9sV
+MA/zf7oQ28ukHX0V+xquofeVSFyAZXXytj0aM8LDAXnLCbhTvAu16R8XPVyKZwD3PSpQfPjvHgVQ
+G0anRog3DT40KDIJ359YN29D+Gt5sorxt/3DZff6y12y2Nbw2PDqox7Bufb+LhVzbup1I62jXY/W
+d6IK1bGxAu/prSFiOy1dnXrO5GM5jsZvNgDj/SNiLe4exu8mV17Ea4sa4a8mCitDmYpAOjnqwGfz
+GV6ki518N8EiMY0VogD3C3y71GLAg0rw7IVoaAuzCeO90U1IcBk9TBetz+kizunSr6kbZ6nre0QF
+jI95jprcbhPAk3p863STKPg3DbHcewjJ0RemrlneyaRFHLo8XplgM9hNXaNXR9VMVesD3Blv5TDS
+GmsDVH+nlMYRo91ahUuAAtrBa6mJtFlreprfDXQbzo3did1oxfZtOeli3pUOk3O62CBhNQdS6RVt
+aa1YtY7sPT+ymuoKmy1AVycjJG5dkhHCAXqOj6Deljl9JnsobXpUA8rt61h29L41BR3YnJPFjpcR
+uD1DwtMz/dvQuClNcQEWbuWN1dIMhcsZ3app5J8dUWNCsEtalGi9GdDvSV7lUFLUM//rXDNxfCs+
+VRrQefGypa6pK961qMgkjPKihcWa6uHiicLe76WH0BXjpRrx894iL8/KqzSsVXfXotrO1+jAebtL
+Pa/SSzmjQ2YM2un1Fu3aeEmJ974KbbtML6hH228jgr2ZDm8i5++mXeDxbWp9aUUNGbcZ4hl/yFeX
+rxIMyXxf4YhDVGYk1pVaGKN0NEDBkv3dpeMWlzGXpw9C56qbIxrhbj7Z5gbXCf9GPMYBUv7BLA71
+mPTifixjLl2nM7uWp6H3rP0oM1vjphiU7C56LKJ2nfK4RLccFwG36ZMD+RPfh3VQqmmdFCqKEquZ
+iTPgKoMlXM4hT1BRKI64hjPEzpWlkJscIlhnAfuqjg66bDJ6WuAQ2nk3ZhwhfWSWdBmRKo7Ng17I
+JgM/J3nAyGyxjbOIG/aGtzqAnj1PHxw3Wg2RjXzrCOoFsmNAI8St6baV4w+vm4Nbd4YG/2cLTmY9
+H8aMRv3BSgz5GgdRFGzavsXQ9+drZS9eC215ZwYHFP1rQVRnQ3OeiG591CPkc+yK9croUMSuGlvy
+FNWuvbgUMsnvarRLz9xM2v4LrrZBbUccLTABltEMmqPXQJpLIRFa1HZu6WAP0pOlE9vQnvcrxqd7
+iIp04N+2P8fuaTJG9K6cK+kwj/CRMYzJFi6N1p4QiPOa5pVg0pBNFj8sU1LL3CaeEcZ3bVHzQXSN
+3sm2yoz2Usx6PX7uR8cUMHkdmaYXtySX91qOmf5gJ0lhrXoo+NN3VzDJ2GA0NKy7Sa/oAkcTtbHJ
++zc4OfsxYwBgIRHdAp4Vi2kOfh6rM51PFOZph5en6aCL+lmsKuAfQYDCdMUSLpNj1rR066eMpuSW
+Dtrs0hHApnDMNW2k1UaHvFt0LTN28uHPHf+/c9Lfzkl5a/5Ss3wQ2F3HRfG9LbvXn1R2KIb5q38P
+Skn8cBdCFuPQxfX6lzAQz/ljsXVrtvs2C32bof7bDO79QVQGgkyLlgxHN4dN999mcJMIEY8Qak51
+kKz4N/+jQSkK1p/3bw38D2gdh+4aH1Az9HcVg4meNCf/UDsVmiijugc5aYs1yMwANLs+VpvUMmGH
+Taaqmu0oaOts7Kozv49jhmQqR0fCnGlqr6GoWV6JHQ+XxThnlvWke1RX66HVv4SuET7mSMpWcWjL
+TwpC5zU88+52Jnco2MZlQp5uiUfmOhz4H1fKBleyA85CVj0KpZOToDXBhHiXNZ35RQzArU9Mo0bw
+87bRXakE+vmjmQa9c9XO9QzYNbOHHnV/bvbfkrfhrdGOzMZKzYdItp0nmMUISaa12WgmFkSzf8EG
+NDBr6onJuE7BbCy1QO5U25R7ew8OP0dNZ2BV21RZgJwumlCWMf+aV02c0F5FrAdEsynre9vqjUPr
+dNHOGJNvGXX5JnbiJeajRl2iaOvvEiN+mGDg3doJE8w9/xfzGuR0kJNqAMmvI/i38bG0mZtOF69A
+f0bf1ZJ8AJrqsFFAXt/UHP3x2YC1W9MnrOVm5ph50bVMXiuPeZTe9Y5+6D2v5tQ/e8HTnLvOfeXI
+4KHpJsOFG9KZYp20lcxgNFqszE4TJM8KyNxGmIazSvEK8BtUyq/7sTjaXpmdusphEN7nQ7xUNgGz
+4WkaTl3fhe5KhFW0cWJ7vtRFaMXaLgiZzqQ6mPeuoVtkdAMQmGEu1jSPFDqfoE627hQEe6vMjedq
+NsGuzq2YH7zMySwfNpET7y2hudlT3JDd+xiS+At+o2ePHcVmACHftjtmI5PWHqJQIgzLkwxgx2vY
+QsLjzoGakTLzNtByVkZdWecZ+8tm1AL8n9j5DvSuL24U2Btg5liJ0nJIVrEEX26V6Hoi2+tw4sGC
+8zOkXbHfSgPK/xwoUOBu5RfCeUhHMOfSOIR9cy0nF2HPgN4tLpH5zPUKrNwOHGkAD6rYFlSmj0JE
+dyPaWr/hMlt8bZ2Pw/ZF14Z5ywgh2AbwYOimt4caPPMGTHZyVedCO1TSSrddUBvHBRwDakdvgc/g
+xsqtMT5atJK2g1sCMAcVctBqXk3DzoxHbzI+F51LfIAeOn4SdQI7U6K2SBW77kgSUXKgKvvSUE0c
+m9gKTzWTifWMjm8DyHzH+GzVWlW/teaK30eQTZCLYhXWwhN4bJJoBWjou5zrZ5y0EPmZPkBd0IB8
+Wg08d0AXEKv7KVx0sQR4kgyzg+1338Wi9fUyRmxnSORITaLf8umTUyIn0TB47KoDAo/+O9jICUGl
+yY/Dy7avkWphXAPsEs4k7dQ1jid5X5vZJQVHNOsBdWmvEZAyP8R2B2in9Y5OOFxaDw7lnBtr0Pib
+MOHXD9GEusp6bOt6507jdWKIEfVaP26bKus2KphJTwusJxtLmz8UebvW8+x7ZmkN4MzBxosd9fex
+ICCz1vWV18HBBLPHIhi711aFUTLJRyZJrqf7hI5adxrpFZt8bAqGo2rg2arI6+N+2DvqnnYlUHDu
+3Sb7OjvkflHke0eb5fLYN0zMxsBMzpHXJTAeSSLjrdDvwqi+U1ByhMuXmsviPLpW8potq1naB06F
+eb0Vp6oyrEts1PaxrDpEsIiAt9VYeRjcomdNtJQzxvgj6nJ9HzotR5S4znx41sQxM7g8YncAlMWy
+fteZaDOBtnuHNHEugd3cMQbXtiwT7qlMxOCs2tTuPrGu9GtDOYHyK7NLzug61aru0m6ncaO2Wln3
+TLRkdAE55V03o4a6QXRrK8lf4DEbK0ZyWPXybUGSjj8mlePPRXtp7YLVZYGP9Vqyhadv8vFK6zWy
+YhjgEbtDHazw13q7OOkeMsyrWyOfg/shHa4r6D+rUe+SR2QtjxKyuZ8J9drO3rMdEurQS5vnuK8I
+tsmIlTCGLfzWQwm4xzOSgF+xts4GatPd4DZfCznJjUQ6uNc646EKnHRRizJIyKNMnWQ9aOdINy+9
+V11lbfRkpwZIafCNWmkh8IO8itd6UXEyerXkKl3W0kq4t25r7to4GS8jt24B0hEAzzLqfk6DUH/O
+ECKvG9PhVRNQxwxHXeNn26g6PXI67rZS1cYJCazr16qKGZt7ZbRKp8zdYR+cD1HZ7bsqOao4SFF5
+a/Eq9ETFqFJs2cyyFag4nE2YzDgWWr311RLcL7S9wj1Ps2bdRflC53Wa+jrrMSJPgyo3RNZEX6rR
+tlaD0V+Ncc2eMGSPuqX2BcEZnprZWBMPf3fT3Sv6oDAV8q9qLPaeOz0nTpptFN8H4UCZokV04pOa
+FrUqBDgLsqWxCqWczyOsZMDqQV2te05hJxnLcDsJc/LbPjRfgrKvLnSPUsBzDGcrJOKsTCo3i9tQ
+KIx0ZQM/u2Nfqwhw2k+lTNa6rlfboq/6KwPQNSoPg8NLr5E/YIpHdOTL9gw9v7Q9X7jyPECAeUKs
+UdxoYaXGtQVlCovXNCf9pYChdfDadD6OynyEZld9IWlchPsgRxuxlc5gttDpdKLnLasERc4+a2xU
+533NhbrVIwdrozV0l1YWt0MhBAdIcZdPUX8D5OVT25jNFiVmeSTr5pPbEuY6xunREIhfaFyqtQEg
+/zPLq7UfMDm+JrPebNBBNQdzFMYmKVW0s2Hr+q5bpascFShcBfXihej9C80V1yFqpSfIBINPJKv7
+w+7JpEE2bfgyMrPX0nXA+w0CIUnvvpipBEjn5s4TDOB4LQIbnJ4TJQ/QwjX0FDRPPYeISdOE1zBa
+y0vEDUt8MkYgFTP/5r3m44WcYDZ58g3I2JdJE87FQ1D9yWzVRmMSf4ZlIPGrsmU7SaVjc4wbK+JQ
+3Fh+pTXZCV9eCb25x4bQFuG1bmT7LgUvSOoApNveKy+II2oyBNyovyPQx93Pjl1/AtO2L7tpfFDA
+DLa6F3vxyiM85Ar62rc6db+yOmdANmxvzRmuf4xRptuF6e0qD6O2ROS1wbfOBsHhGgYY0OtIGrRf
+RJkYKC2Iii8NWV8lejv7WddOV7k1ePsB8TpRHfXXLMz1VY/8mCCLSun3LJAtgrHezFzf7rAW7Kwi
+RFeRWymbVyuKl5rJ4SmEuLjNqAWfFiv2hDc3cxc36mTe55Gpf6GhYn+x4oLAmrkLPT+IEPHSNt/Q
+90q3BhwEtE5YqQFaHJ1+FpCrsaKaxk3AQcXkvS2wchyB869zKg9IALEK8UcEOn3JU4NGYpvmKrz3
+ELQ3+jWF1iqHa994MwaA4RtjLHvX6vUXmijQNZiZYe4PF4FKafjzKD28B9qOO3eUidX5HqfZdVaW
+Cfj6/rPqLCzsc9X7BSF4a5nhUG+Cmj0wLQmuK+BPB1Xno3XL9iZiAz9qEuy72rAJGvOcRImJVMhu
+djhg3P9h78x2I0fSLP0q8wJMGHfy1ul0l7vLtYUUIcUNISkiuBh30kgan74/RlcNMrNnalBA38xg
+gCqgEpURki80+5dzvnPJswopIWpr/OwhUrPsUE5d/0TWqXMU5ocqM4omNBFxUSUvTJ6qXdlZ+wRw
+IBiKtt0Pbo8duUiQFug69juyhWu+e1W/DDuWa2bUGHULK2jaozHqOFJyd4eIEgJmBx9mldn3ORxv
+PYr8gwh4mwlreMEH28QguFAH5dVl9rDdF2aAkG6hPETfBio39VvuxbI5NY3zFCIwORJo8lnW6gVl
+DWlp3vo4VvQq1uiChEYLSarMuG8dne3s1u2vRr9MMMYN6yuLN/TXZVW9LOPAEAWoOFx8w2FB1RPA
+0aAPyViq7qyiYbpWrS9QO1BFodWK8ibJf8geGt3ir8AJ+KYvpbfTwiGFbgmSF98sb+EFOPhsQJio
+rv5FAQzvOxuAVK5NlBnS4iOdkDsOGVHEqnrpnSLflxBGDmBqwtghv53CO3B32ijKKwluWya9rA6E
+ZHZ3XpB8iKFP96FcMHPOcnnsNHLIcPDMSJeQHxcTx61oi7t60eoOj0ZUNd0crUO/zU2EvsP6fjbM
+QGCob+zInybkIaE/37L5/dHQcxB59GYF63vaekffHNQtra7mzZCoa9ZTEsgpRpl2LLNfRtDBGfQG
+cWsORXvTyf6hyzebTcYRmXVBhH5AHNqWFhdBnX0kQPBoNa7JxKq4AJ7mEi0ErJLgBeg2ccD5+r74
+6jNR6UfTSL4/jf2oxqvfJC/NtI5Qx+v0u2GQ+qHAycM1X6PU9m/XMHgNWmgPYdgcJRfkjgw1kvSg
+xe+MWpi3jtM+FjMVmjEUIhrVSsaRJHMFSEODH2g1Hgj4mYKdrJaVa6FIeLncBh3CmDY76CAYTj3f
+4O+6z37aEretneA+yGxrwCzkwGwB719hZyqqhkBgs7rj2iLxfWnskiKvge5BWGL9OCOtvJmMpdtg
+KvJY5EbaR60FUDRqIHm8WbOJVI8BKI1O273MCofAREDLicpankI/q49OWDuHVq/pBa6Nd+hr9Ywt
+A1V1E96HgSoe6twwf7n5oC5rlntncsn6G6vU8qxIwjq4s9M/OzXO/aC33unji6usHZr8VNxj4Z7A
+1Dfprc3ULlKo2K+MjQmsWpflaDfgioqJjmki9vAwstnYk3xLEVCj+6qhqKZoB0HZsLPLhzHdM98w
+WHEJ0gkVEuO2sGMrK5N7D6kwQcT6g3i4cFdZPsLdkneMwvZaq7K+6Qt9cvsJ6eI83SHBo7QYMsSo
+MvyOCT3fd4GP9rPKEOa2bk0p1K/7WfLXDyGoDJ6d1Fso+ej8DwQf10wHLBgHzDEzYu1O1I4nv6pR
+a5fVdNiCjGNOdM1H79ZxCZyowDNNQxU8KVxhR9phpi72UrxNEocdeFD8H1zX3ES434iIHMILXrxg
+18qCFJzEd3dKVpHB2BsfjdXBpxkExuQyvxmkY0Z93xY71ITiMspuPA+N/atbyfBDCbXb+gtrze9M
+Tvd4Ie7lAQfQZW0kaSShJH+zLOfIQFm2uWvGvUTTfZmd4iG3EDjKprqmnv+1CcLhSI3dRUvL139Y
+lkNtimM6M/MoR5d+xs30FnvFX4V4E/Hj+HNtWtSE41Uzw9/1OmHKbaML7ui1LLuOKqIXdvOY8fII
+dyDSIUJfzKnsiuQma0o04bJ1KVz0eeZJjdQWhSXUyBnpmj2hfdPH5BcfgOJPgdM9LKivT/mgrT1t
+5IUj+ish4fXBUUtMu8U3mUl/NE4DEAczF3erqaxjsMyMUlYuXua+KLfNJzAvp6BQ8Tp5MiLxqsaN
+la31t84xGJ3M8xwcLObMnJ1Plk41r2gaMW3OdF/BDJqMlnA0BGHRpHkwFdibST6fMzy1O9epP+qx
+CR+L1OCDDNxjN3fZHtXh+oKq4sFfQ/IfW9Mir0UcxsH1cQT2BQHnDcT4DaFMTq1fPFdJ9jMwu7th
+tS4y8N6BgjMZfx/N6qjG4Fc/6ZZWNwfYYq5FNFThvivqyCzaYo8l/1c79jIqDfk964ws7rbx/8bK
+kVbTMFgJmJesRYj/EczxLjNXSheYO1BQH/qMAzoaVO8tSH0d/56wC+tsUNe3SGtLNP8TjfnU6Z5/
+iZsc0TveQNF2cT0sdb/PRp/dvneBrXqBEhV5eFcpxmSpDkxyUOGUysUJZ/odN7TuFPiptT86EF1C
+DKZOf8rLjiUIpxrg2MHs3YryuINgslCVj88GqI7hUAUoPg+9IeceQHnGuM2jT9AcH5aCBOWEZkdy
+Eu+Rm7TMHYjIEdimAudjkIsvR8BN4cDU4j9Xzv/dM/v/m3D32473X0/jhyHnP22b/3Ue//vP/XMe
+jwVJIMtgDu5uCNQ/G5ewIP1mslroK/4xiLf5n/8YvNviD5xJiPtCC02h57v/lr3971vz0N3m7Xid
+8MmjbPV5ZX9eXCsxBtk4ZSk7xHq9ii2tzi42R4lThmzMRZr1nwCous/WxJL5p7flf2UxCv4mh0GL
+4OKuB5vi2XaIeupvP51xdOfKdpAnYMPr1U9JhSLyh+dyrRDcuWMmbsbOBXSGX4dL0CQax9lNW8Jz
+Qy/7spJVSTGcbqGFHOmYUkNTs9iUCfInpojECWsDsUUr+9UiBjFX6yXJfa14LlsrtjEBXUOf1DN+
+Sw5YjXte3mH2n34SQ8imvMux9PeZjaG0QCLyhDXEJ1mT/JdgnllIbilWrU3esI+65ty4m+Xeqwky
+4tfEG5vMdftuh/V6QCBK1AsstZNGsMxlkznU8zelblPVfzFBThnngArPpD7lU/oxQQb3DnPoU1mL
+KUnzuFLp0nPNZYb7lokQZtSWGAT2vBltlv+7mXp6fugsX2U7Pw3m9G4NjSw4NBID6tOcCg+Niayw
+X+ZpBePHGpib7Y1M2O7JdLZ/MzWz0H9detnWR0anKGoIwXN3ns44NRNzwNJizsFqB0DgPDPNSdPy
+EuHjl6rTj2rV6f3k6yZuSIRiQu3rrt0xrwpeV7WMBifyvMSsvEmJ9db9yD9t23+iaopuuvMpWYdI
+itS+KdFY0ANAopwT8Hx9+biZ0o9VXwmiNQNWySGkhSkoogm13aWnIumcrn3o8HfwhWl94h8VBl1D
+h8nj5OnlhYtUvopMy51f4r23sd5EhDC4P416KZ5Q8YBuDJduX4dGeMCSnJ9GQhHfCpfRzcyWdJ/7
+fX3Kw3o8OwloGNMs4T8U8nFakOKjAk/9CN7V0TBnj+KjPi2hfiZIawI4H4bDh7ulX1Uk2u0XuvST
+TD1Yl/NYXdDsMTrHWBNhySqpxond6gwzO6ZLE356qWQG2id98TBh53lPJ65+ChCNc1kHXE5Y140z
+mXH8KS1q8dgPzMnnDtSwbZXPhdFabx4BLGlE1OJnDinjqxfwUDmwRQ+UE/h2aa0Zki9E4NnzzyQZ
+gveV6WUcto3Q5GGn4zsjxphMg/7GzGZnJ9v5MjmZe1/COTvY0wq3ygOddNOzDD9hAPKuBN6ab4ul
+gjvTr8nftWYMuIUkA8zRIR1GMzwPOPzu7dltbqRd2ZcZE9sdzhn2amnrPsKXMu/U1BavXZ0Vb3yi
+5XFZlH1RzVreqLpu7+TqlJ8t1LYkSvrUP+e9vT507jjRVCHwxCFjTrukDXwqmpFlt2EwtjfsJb8G
+urcfw1VgJ555JG7KpU9YHwR5fq5pfO8VQ5Hbqbfzb8g4NvaCnsW1lVN+HTPZPSu4V1/y3GvPuLTq
+2CBU/o2JavG1n7zxMrpNiCVd+cVZrP5qHcwqqx7QTCenFiLlcVxFii4oDA59N7m/3Am+HqIm/W0p
+SBFjGHqqZVsReJhcsT4R16gysZt/r9Dq9GSF7UW7QjNWtSmMHfVD1TMyBVmXNwK13a526dZMcyCu
+B1bBwcrEsl8Xr/sgXEhdRDfnh9KBY+bVzvxYNLS9mQz0TdMr+xFZsH5VIC8/cTBOj7whyf2CEuUb
+WwATpt+M3XsYx31TLQWBwk5xbJ3CY+KiGvnS5gg8+Nh5Woy5O4S+bH8Qpjoe16BierEkwo4Xb3GI
+3OvHByAdcLomdCxsR6AbBLTyv1YrY40j8GvyVaaRYuDxTIbedIUL+9Ayq7yzGit9tQKe/9UNu8NC
+lPi0EzoXVy+X4hqOMiQ4obIe9TIpLopB4yBtNhZkudyXnWrJk+VBRZ6egmtjyFxFyTxSNCMDOrcN
+LQ1mAOidyq6vqmNU5NscNUxc8X4ierA6x/ziaRZsEfEBSTR0nv7Ee7fQqxpBn1PwFsXNAOvyg20l
+i71CnrlLEDt3jfW9oGU/EfuAupTQkWezL4anFIT+HdovhmkEhyKM0rJ7GWoVMm721+tEYfreNoo1
+sWnOT2XeMFHk6fFv63nWP8jDLHSESAlEZu3OZyOtpmMymNPdNPb22Sqtze/TdV9n0I8Pi0v/oYkl
+PtrEqDxys7VvXqiaj2Cs/V8asRHLlnHAaBmmP5h+FDH+NGZ5gDBnYHwXvQzuHsD8yLCR3zMKjYFO
+wZTFvBNDOb238ARLnJX4WgnfMtCIZE73NVH1GDc+3qzArfIkcr1C/qod9E9DOHXfgrT2vNhp0urD
+TtPgWHdLclVmElymoAYaAmPllIUBY3EJ2FBb3G9M88bybnREeA87ZbhK0jtiFZAW0jUGWMURnUvh
+SOblpU8nO9XqWwClF5Ans2XWhwZ7+sGe1WObDsHtaoT6p7BVqTaY6Iay4D2+lPNoPGdASt6AwXH0
+SBY81NxGUW+Hdgs/cE2SeBRBQ4xfbd/l7HA5loATywDWA7gPNzj6IwM6vhNzDnYwNPABm1kTwWQI
+3iXy9IPI7XcMKM3VSGv3S8AwHJnPYt/OY+hwDGrrAfGciAgnu24fIMYb2zyuID0mXed7goOtK/zK
+AvICMK4+q8Hxp5b94gfjFC++wRi5a9yj4RUMMVEHx2gRLexi+bA3GrvFCiyGR5+M888x68uRPPN2
+3at5Cr+YLqKEuhusg0DP9Ax5OXPoVVvnQSYd4XTWtISPZUrWO7LRJpqFfRsk/czHXjkCJQUjWscD
+pjJa5MfkRvcTyqc1QjhkFJ2MnX/D8quNhnLQUZ3o4aElb+hB6ra7AXFt3Sw2wweC6IxontdwPSZm
+73+jFrCeFzssoB66ZA4HlaHeqiZwD4lsX92u9GOjCB9tiyBXXp8YqTsgOkNHnJmlFGMBFLLtjZNX
+WwMGa0a2CZd2t37mbV/Bsyf++mypZe82XG+aERZfTYd2qpDuQ0JtejBzLmtF6mPBZhuUxt7uVuoP
+1BDqzk7Jf4Hg+7UWfXWPJ5fInIR11ZH7rj5MkAyZENCWGbB3bqymDO5901+4Ffz8jQLNY9pcMFDv
+dHKj2iJhiy1Da+ebvSlPbpmaEd9sjIFNi04BylDhYotqKF+nAccird6T1/fZbl7t+eQJjZ+RYEGe
+E4TKfDlCn7HqmjH9lNZRCo4VxDcU0wuVak2Urpi/TKJMX4RsyhfHogZ0ECw4Eauu7r6VY3hZpUe1
+krrJSfgtOhbSgmy0Fg03GOPq5AQrjkkRdsriXIxIPFjnmbmixAybG/rOdPhpw7weQnyYqOmRKthd
+cJtMhNyhEuvPbsn2GLu8fWVAq+/CjiFwKH/HQXXLOavnNU4p/F9XJuyF4z2nHrRPZeV3eAtMXqVz
+rqRvfs8RITNjKcuoS5BT7PwKd8s6WSdt+PVumjN73ymSHVt7fe8zzdjEeAxaholhNnn7EmM8Y3S2
+Q81Yz0dhG0BpAboutAiXvDSruCzSFz4W+6DgH0Z0yWpvlxQ3RpmTVprb18F13syBpegyjYrkVlnu
+pQyYQ1Ylb0w1s4eoGE2gz2p3KAbrM1tzm/1fcMjSWp9Zetxn2rG+2j2W1YhYoyoSHlFiJl6raDUW
+3PSScKG10fT/ToXpCbbgmhf2mzashaEnoogKanSYuP49kV0yar0avSVfv3dj8GP8+8kzLALvpoX3
+fGZ4Lq5ZVeb7KZ2daA16rrkhI9qr9bFeDuMaoax3ybRR865txvSuxkd/CGWh713BiyuCMs7XsaJP
+aPuRQSQqj3/dGv7XttSzEH2wN4SdEdAf/rUtzRJGFxCo8lNRDbR1xuKzGlkDTmmXMO0vjqjpSKml
+aq5sUjT/9Q//m42BrhSinLCszZtFMtvGKPlzT4ySjC3M2uYnc2n6z7XoCRPNywy8byif/vWP+puJ
+YftRhIPz3637/a/ewBwllgekgR/VWuTa84xoPOE6bX7+65/zmwP3Z3X89oMQ44cMHICieH9PeJTw
+nFDC+OlJtcysMRE5J0/B7SnrfHzoeolVYwoztvLaqd7bjfXJqQLPyYDxRnPNXq+Of/9K/92Tof/n
+4hIhd27Gxf899ebbz2H8HyjJYI7kf1F0/uNP/mOC5Pt/YJbFaYOxDnWms8H3/slNtP7wXAvPKV/e
+LabnT4MkR/zhIUYA1wfdhnjEbeDzz8GS/8dm2RD07Bi3NjjOv6PoJDmUx+TPXzmeWoZKyCYgOP4W
+nf71MUq1g+a9wNo/4PW+EEjuopey2uGCvs5hOTdicCDvuHqy0RJirka0nS9s7YQ538isN4o4QUiJ
+4T3sv4BnM3YhjICveTCWR9qFlNUWy/ZLs7jdQXnVKLmRM/c0JIhEDkSSJDBcDGf2iN92oY9RF3r7
+KSRuzG2r5aZLnHMdSAWxT6dA06sgfTHrIUzIxO2TKPSK13Cev5pDmXg7JxkYNo3TGvGS9AHNitiP
+4MEeU/brZ7ijMOCXegBEmhjlxImddE+u7vJb/ojZ7nvhT8e2MR7zpC0GEs9Jye3tjmSuWde7ZbDF
+t7Xvpwt3q35OWm0fdD9kD3DM6LHCdXvliImG2Kq8fJ9jkwDUAhRrl826+pJmrnuw7IWEvIH/2xed
+eQnN/KWRjbtLqQivgaMPwVRSvXdkeaQgxuDH5M74RbaF/5A0Jg0gljoGMl7vmCAQFa+4DIwVxRzh
+iQHDrdhCM8AoqCv3/M6SMf3oRMBZq51lIM5MFvubksQemXl26zvaOpoqu09R7Y97iz1uufenzGKt
+xBAB9vTq3I5oVJLdUJN0FnhsIZNqvAnnenxxQHMXuzZfzdhgvwmETTNl6Ifa5fNw1e0agPMvxFuO
+9n+veC0xUPivSa0FQeb9i5aaG5p5yPd+LvQZUrm/q3SQ7V2J4M4c3T2Xefo0OLWNg8ZvymtQVN0d
+gyFKwbCsMn/XVo2HeWHwHqRtJIzI/Okt6RNay64pYpdN2C2Xw08kGKnmqF49mrw8RUFcDOclZGRT
+eHYESnS5LT1JiL3pkTZbG8kj7J9Xog3rCEqhPGXUoWwcR1FOjwvGhe6dzLnhu5g79Qshr/noVa17
+gelof5GeQ2Xr1urWHeg82eRUvGUz6r6rssT3GTXDHeMeI7Zm8dOpq+/+PDdDxPatO2G1VMj42Rmy
+yGYpw4A3eCOEXD2voJYijGtl7HVJuY1clapuhKPc4oBAGTRMSa/5PSMuVOxNrXKy1Q2Q6DtZ9Cbo
+SG3Frj9WcV4Pk3gkYgPhqsjEbdvRPCN108zfWuthds23dQjfBKsFVIEhrCRBVFDo5W0YOUhT+iPF
+rHUUqeV9c5PgOU3an8JS7IsLnEQxS2LmsyXJTPdZCVCPYG2sCJln3aScjE/8DaAC7CG7o4S7YOif
+cWkgk+TLTAhgpNJhtq5DOKzpMUiWPmWb2b5VudGqJ+THCDDFcCgMlTxMqm52PWnVV5iS035A+n1Q
+IgTRZGcnKdepeyQxI6jINzarMAqY414kEBUJAQmgOtaexqUQtJPYt5vslKFhibsWXZPnG8beRCTy
+zekr7e7GFYU70T4p/JMjTSP7Xo9UDzfRwMaFng8Qp0gywU3/CqZH76uimy9B7h+cGssUt7epmJo4
+lNR94T5mTYUS3JNM8nAeIiWVTlTgLT8X0sZ/pVR7hJqYR5NZpVfW4DPvQLGuz10p3JNLEX5dmGh8
+RWyWqfJCLZUSNzkwLsnTJoiR2VeEiFyYo75ayQJZtB+s07Ima+zyb13YVzZXs7SBYLq011geGzSj
+e3dr1E4SjzcnVd89Qt63n3FXIrXzGEFmLuPESEN+PSYGE8MoLKV8Y/emds7izxfXQcLLAfG9lChV
+skllsM/gAx0sgoh3yzrdlWuqf0EAQiQw+f4ho5ctUTu3CiLj8OkkXrf3/Iy2I/M2jKEl1CmpYJQQ
+o97f5qX6zsXCfH0sEQquHaV8mQAV3I3tPHtRVeXjp4W2vYx9xx9unSoJD1NqfkkpVW9soxKXnHYo
+6uugOJY+uUPZ2t8MLQG9sOuCuPbJpjdrY7qx+lqchMYTl4QyO3mzs8QeLogLiiuxY/UTHIZWWKzh
+zPCy1D7CF6tE1brqyB9Smuw2RPOd9PkvlWuF94F13a5qOXtncyr3oW11py40K7JGmRbvGSE89Caz
+72axUM7yiF6zFlJ3jpsqkiWrTr3KcO9auXnW5NjAmewuS1V1sViX4Yfb9EuUVu0cF1BGb0fbTrHx
+ONmpX8OPIByrU+r2P7owBV4j5w8A/SoWpoYZqrhuzD47BWC2b+DG2fsqCe4m5t7jwIzErqx6F6jJ
+fQRsVbGiHO5SXTwpMRiPc1Y8LLyv52RxaeJEeZf61XpYPEkjB9HUZdOP++zgorXZO6RZ0AFMatya
+Yf3ioPrfzYr39akDielBgR01m/9BpE1scXMiks4Xmq5R2JrgZGdutIhR8a4ixvvUrl+qXITG6zwA
+5GXO7wfrPndJs8G4X/uITST6ACeGi2rqG4TrX1Dm0/+vv3mvgyydu0maoICR34AAIsuhAdrbVz/1
+b2SswEl+z/DCyPYtUNxvdquWb6iplrO/YWfRMWE808YMi7byFw87npzOwpMzR3/J0miZMvC1G8gW
+AyHhhdLw3nUB5pZ6Dh0tYkUi3TYMbrAqom0EK2hwzbHvh/NB/8bmkvhwHEZQuoMOOoYXnXmwf5N2
+K6Yv4PRs3iCpcRpmIk2/Oujd9n5R4TVoJbEQYWU7N/lvmq8AWLabG9xjO243QhQbp7URGqgqi+Fo
+YXzcWVqBI+DmEgd32GYsgc6Ykgw+OS/AkbKzRmie7leyttSJdYy6oIkzTka3gYhFsiVKCdsJ702X
+2TGt+NrlB+liGEZ9sbJCt5WHebETb4MLt26/FKJ4DLK+eyrCYqaQ9JhtN9AgUTAniOcD4d1sxDtM
+I3KZgCnrnibV3xjLJfj7fbJxlyvGiO4mPdevK4jngze46KlYKu7obuE2B3BA+fMMLxGVTDdpvhGe
+jXxIY9St1Z2jt9Q2KqAOjJqHlcWBHfYt2YDRaSsShNJq40i3v5nSgySdKAcd9srhvYLqG7wLK5MP
+x5fkrZHFWe34RGGgllIwFQ57mcXziKcE5wdj55HgrTZyvKy6Zz4XmGSGZypGfHIFgN8e0O6Nt/OG
+yvayjZpd09o+Dr9Z2gh7N3Gn18fwaO0zKw6o22Ri6h+4krPvITX3C1hk/5I4GaTuHMDj7SAozfao
+vtPwWgmXKab2X8eNfIpTkBCAFBpquXFRLQJDTr2lV5QPReG9wYmbZsg24Ily0DvcJVZ4LQutf1qE
+xUYj1Lx3ztP8nKO5iXXneK/ThP8pknickoPR5VmwHwXb2nSs+gPwLmTsZmPHrjfXxNv4EhtYHh7D
+pVKxu0zTZfWnGcnQZq7wJXaHel6iwkUQ2Mg2e9fdjFwSgQeS27wZN41928edNZHi1CzkNzGVjA0C
+pg7WJPwfoOyW23bI17ugW9sv7Wz6LuFsTfGrGc3hmTje8jXF25TuXV2EZ+J2kjN8GPR2bdIdfL6v
+bFpS79Fex5npKLNvaxX8gNU1doAv21jXvkntL7zYhbsbQellWCPLqj7MXuseCWFhf4iTcteG5fyM
+GcY+GKKPx7Yr7vOUUV9RVNNdwR7/wiEx7XkAeVj8CeXPxMlnyz5HDtlhlqsKjzA7tF6RnLCINcxR
+qBiAWbY5NUpZiY4Caiw/M+m5K+KxbI7zTnm/phEAtVctWRC1xNpdsYkt9mHuneY/sQr/v///P7o5
+ATD8q/7/inikwdj/N/HIX82chMKEgDk34i199z/6/tD9g9Odzp1J0v+UjmwdP34CBlqkKDDT2v6e
+f3b83h+CTp+G3zRFAE7D+Xc6fkJg/trxi5Dv3QbBQdHNw01U0F87/t70SD2EAn5eXcFjRzaUN407
+B2gjAi7Pmd5EWvmAMN3mKW91fbfOrP26AKBkVIeqiE0/F1+KUa467q1F3mcsOUhoNSD9hX4P+z63
+zySdmVjV8rbbuwF8F2ZToYOIUKIVJ+o9u0zl3NyKFLvprrHKW/KK5IPf2MGxEmF2TPzEPzpc3SOl
+Du3dwDjxuOZZf8Je6l3VsEn11oH8RxtCd7+r5sC6QKL3vuXKalTkk3IVMY1MIztT5HwZm/y0bpKn
+pnMISeKGWE5KfNAwNO/4S4LrKu2EJc0SjMzhwRPMW2MhqaXv52QJABt4YSmijIT2Ey2TcyN7y/ic
+mbD/8ts8vLeLOjiR0dn/TBcr6aKsas2HPKPSpT7rn5zBmSn1fQHJgPFsFYGw/1mIBquDCwwT25qN
+IB/G6F0q6vQytKvxyaqbhBTSv/Dir1190nn3OqGAeCrmjbuZBdNL1o7jlzAcF3Tqxtp/bEDTV6Rl
+kMGVi3AZYUGh8ESFsHSCGtoRzIqdJXJWdm4ofeTfZv/eAWtQqA/mb4xbOaBUXX6UOVnz4ZqPB5NV
+6OcqVHmbi/6eu8Q9y35szwDf10ubMEapXX84+EswWPse8Toxe1pZPR9qKl+xT+DM4l1S/G2VMaBn
+scuLNv2EDNLK44UuIUpNM1G3Zu4aN4UrsiNRWeUzqLLsmxxzzl3kOTY68KVp4ootr4mjBFAN5itb
+QrDkC4j30VFX5YTrEKlG2FzUJqjhbN24fyluz2ge6owNgs1WBbzrTOduKeb+y0bzqUuICG2R1Q+5
+5y47B035bUoYwd5dNelsfVBdW4JJby3DNrkAqxmDE3ICxI6sotKv5JxaDK9YWH90y0zni5AF8XiJ
+nJ7Q1OpmbVfgCSiHEfMGNaHtlRs+pgnc8jkw4pbsgCjT097r3bu8DKfP2rflSfT4kOYC9+d+GpSm
+LsiWy7piGwQ6MNYvYVMkr0blpcYZi2dXxCEX1g8MZYPaZWJWTxMU+SSetDTfRjRTKIPrTj2aqu6+
+93A2opA7813iGkL3rEf9NIC5DG4cFN7Drg9YC+WWplqrbAQByZgR2EM/bX+1J5FdCC5xPlCNi3pn
+wiRII79H89GmdfC98IV/le6iBfIaGT6v2N1oZ3AtY67G9Fbu2ek2hyCrq3eoEuEL6q8PQ8zt3mt7
+m8BPT/90256LcDDNpo6TIKlfC6Y8ZlT2BfJMVv392+jjE6AYK9pTkDTjHocUS68REdttZi0YH8b+
+ERFSiJaBMWSMlLOLYOM7cQDyhFQPxFDrpAa8R22+d7BSxus8dmfZmP7ZFQNAYTsrAt4HFBS05hxr
+eGr8yAhbcZxKJ3+yJsM9NrmQy94Ix8SJHb8Xbxa5GvHqcKJOlqC4C+sqL1gyt+Up1XZ3h6sKtErY
+2ONTH+QOb6xfFd/IpyQJpTOxTHKiJXTA6YJ/MTDm9jtKLSo0B4bRDUF9KRGQQg/3ztAbn43r4xod
+zGJiCa35GqQhvp7CtkJCN0m8ORhB1n0nNnD+2VE0vFHcmleboruKx3kgZcR29TZATeyOpVaYyH1g
+tdXexOR5Vv4YisgU7ZdUDu2efcqMY5CSpYJluvdq/+y0eiTcskb2lQ0l+6k8ORWSY7Mxne64iOqZ
+jbk6Dj09e46sEQNMD64UJK6ucb9OXgyHcP2xgqut4slkDtDYCr1Vk03AqEVQ3C+CqE91ccrOq0cc
+v3Obf1uNFJG8ZjMnxWugJety3D7IA8dXBVKguE8WdEJWWHj3ZgEueDXL/on6SzyRP5Q+cCwu7OTk
+emKf9hWxc/3Uga6icB0SQhjyIvk6gwx9tcGu4DZCGHXOwNl8DUgj5ZCaeawCUuoehFqqB4DsKCTS
+yt1Eag6kIFy5GDXw0mHU5tjmyouWSud3ygoVrja/YyE9VNVdEQp+XU8aB4bWKPkHIEA86qhId2Y/
+eLfQqL17fN7W1XXrBCvAOiZfnKD3TkUu52cEwQHAmAmJtb0a+p7QWVUdR6Nr4Pzo5C5s2vYL1mX/
+lPLCP3F4EsWoe/e4jJ0iGqFbv7MhX4iU7Iz1JjWZkxfMCLHOjCruaKoA/rqcRyo314s1rv4pyxFF
+VHPx0JUKgnBn2fdJAwGAQ1YmT/OabPZX69ovTdpE9epscZSqeUiBRB+39/O5bxbzlg0C8jTH8I9F
+1xv3RKdMuCL+g73z2o0dSbf0qzTmelhgRNDFwZlzkT5TKZPy2jeEStqb3ns+/XxUmZ4qTPXpxtzM
+RQONQpfJ3FImGfzNWt+SA4wGPYeffgtLOxqR+DPcG+Hq22Y7nSaETReZ1MNeT1ofe9E1z7VfZHeI
+7PoD95PDaLcralxOLkPuZgjgCc/TxNg/zplddUpXl0GZGUrHWDENRK9Lsk1kHuIqtW6xK/jXs6vH
+Y8ODESqMHG6YW36YRaQ/RKNksbIbu3qN8IUx8fWTY1MY5R54mUEL3XPUcPmFPKStVNlrxcaGnUOc
+3GGpHb6VrjtsklY4b7KIvFs55dx54XJoAhWV0X4eBjJ/61rK4iGf9CsIcTDOfeiFJbjeqiMjKfdk
+yNBh0G+R4ScPkLya6s6pUTUflAsAfTU7TmLDKheVeZYOpqB9qUVuVsRjhFG5gB/45As5Tw91FWxG
+rbxpp0LH3ZXacdchzGl/HQfDZRYSM31bpw1z09YIX+1S2dG7dLjF19DCTXtbDyAS8Hc6i5b9WoiR
+Hfq+CJLI7E5csrLGXkwAiNG8V/78Ru07vuD/zz/ifpTPGrjEo6iC8gSP/bHK3WmbqSo7ulVDHlRH
+JqdbjPdOOr9xAP6wovA9bp03txu6n8HmUkFYNcCPxu7eXG3EB2Zz6V0l0u1gZcaZLweuEbMQhHlt
+9UPNy86FTox+fcDWCWa5iwhDZCl/UfaQTOuOYVm1KmvcrY+e09XbbJbzJUTJAoya7LrMWP3rK9S/
+Us5/jP/xgUkPv1DY/tdjkfG//1x6s7//w//8w9/95Z71Dy9q/uvrTYLvxQKh+cPfkBEVtdOl+15P
+99+bLm1/y81Y/st/9l/+7fvXu/y3LZTr6X/YQhV5+57/YXkKD3d5za/LU7T3P0FqczAjLRRgcHi/
+N1G0Sj+ZFrYnokHYk1qSfunvOBzTNPlXsBRt20KY8HsrZVk/KWC7rDYk/Y8DKvlfaaUs9SfmoElk
+iSMQHywBawt4+k/MwRKLkvQp5m7dklsP10qGEwx+oL22KyeZDi4pBzmeoyBkWRCp8jqQxE+mXA2f
+jQ+IARF4Jss1sQXVeAznCrsR6kHnY64lGJI8YpBsZeV0LjAYpi/RbFXnopnNz1gFo16JLhm7lQnV
+nf2DwYm6jwyneHLb1pVHoqj6/oQnuB6ua4Qm2xBYGWUTljimiU5yXaJ2WIvOb1eYvs5mN5URI0Uv
+wImTz3KDTeZbTyXPKR1ifupHVK3MNcV3iJL4YCYCFnbaQ3ewRUCPu4qhV3Sdgrs7otVzD0bd1ce+
+yGJcLFE+XvrK2Euimhjz65chH9U+JPYH72xQLD8VJvmX0eY4wOuMgZ/MgJD1aH1YnOpC4HIjDnLT
+FWmMVhVoo80jNkfxgFarbpZNLracFd88n7I5d7ReMrJPBE03d005xM7VMiH64BOZrpJGx379ODvl
+fITw3xjWlVsHI4FFrMtIUnDGcl97ZZhu5SiH6yK20shKF9sezXm+g7OQ9cQPW2HYqkOMUBNwJDSL
+su/cKzT08MzntaB6lejow6SLecTroAapfhQZzIke6aKOoY3wxIXO+cW0c91yU0rESb2S4r5piAvB
+IWyMn1T1ZfxDYxb/Mfkmws0bmTd2Jh4IvxU7DvwFPgj2zn0tB0DwSHd1fx4QNp0cqAXLHDVhvDml
+XXyMLJ2rbZ0mFwrremtGVI9+mAy3zQQ1YQnK5bLEP7qZyiQgSkSIkxcnxTYIzHk3R1GyT4rwVkTl
+eN86nRVhik7lJtLIGtdp1QYnz6MsX1uKT3stY88/IHbHeJaqyT5mo1nvOF+b90KW6YdsK6HQKTUO
+ds9q0ch7pGMxSoxrpAdMfE+NYiNnqSBFlhXF4mDl3bcwthgHzoVl3xl8gvYy3A6+BbVlXgWxle3g
+PRn7XlnwgvjjrnEolHsxi/GSMxRc7MJUlZbwWTRX3kCksjSTqwXVgdsOlwVVrpMf+8GkDSNynIKo
+Ta2z48XziSoMu1xsoh3teDLVCgyRCXuiS4MbJ2Qyseks52y6LgEnY+J/oybQO0JMEBPEytomVZKf
+OuGWT3Afb+zctS/LlX2LV8NEB6BgC1Xieo5pKHlot2tPlTaqYMyxfAKl+aMQk3lb2EnwGrBvv6or
+i5CFnvTbJsXXNkVOsI/jPtlD3PYJDCybT0nw/b50av0QWAbWECJ+zgQiPs/SvM1VDLkJJsOZXamN
+YKqi646b4cWuioG5ZTIOEDqUfMvsaQRvRRwLEiOi6+4dySIJ7YX6YbgeO8yWT2OXsMo5dswnodpq
+0Fa4EzZGN1V6lfSO9VCqYQyBP/TFh+VNwSP+/sBk5FvbP2NYj/Y5RCbeozSOWAvIhCBYaFV1fXoc
+TFgWyQhVyWNfsyXmY9ypPPAOo+347NRzLMudg7O1tQO2Gm7XRldCsy5HKot5kM/nsRmrC5c1nAc5
+nfXAqMhOfH0w3LD00PhV7smrDQIWNCKKz9HJwzudetGh94v8kwGXRuFC6YPOwGQMPBWWiehdHH0n
+vmfk7R0BnI2bhKv7QRhFma3EMElU0MpfDy12SZM5xTTaQJRct4puYojHK3Ti6luRBsMqCzuYaYNA
+MABx3n4jqFhvlCjn+4LpGfv2enjBN88STcXFtUxZ9Kx6d/wwxhyUi1TtjwAvNvrHat4WaUjCnSXV
+q4RZdDsLxlH96M13U24XO5GCTZN1XZKfOJgPSFbnZI0SNql2RcGGpCkq890rO7Z2Y1fcx5ZRtFBb
+QihnwCpXFrrOHxhyzUPe5+6boiMwNjOX1nbmyFmHRPo6K3QKwyYvOPm9gbGH6/XOtaxYO3BHKsSq
+Qj4FFcYIb7DDU6HrkuINT24LeJtPVofT92iq2wcbkE28rqQfbhpzSulyBIgCfySlRghkonM9Td0a
+XuZ3Vr9qi+pP08XK4hryT7w2VFWfid0ZLux6t+jf9XXVSztaQUgK/aNyjOQ6NEW1EcxLvqVNLx/j
+Ji2v3dKbHsxBoJhgwaDvLT0yKvQwHRSjHyEq961h3YeReVv3ZfKSIT9/Cby8vsOx7T+XiR9ddSMp
+ICGmqydRW9M2NIt4P+Hg3Pqsb/FL5CSoWPy2aMtR87bHPJ178Ehu92RZJh6eyGryjYG2fe3YVkFr
+HJp3FUYutXWZb5zywWAMmiXDdGUzO0xYTwlJfpKl+Bzb4ZVlvM22FTYULCQEyOCN5pOIhPMheX9j
+Xfh5dBe09ENObOqXabYBElkzD3ovZ7C3aoIm2uHPcM6s5stH3+3rYGXYNW7iwGdQsfGG8dxVRc0W
+3CKL5F8vjv9f6t4/VMd/VWX//1gcS1Qu/6g4vvn+c/3eJH+sjn950a/VMXsE8ubxoC76VJNCl/f7
+dcXwVTjb1MyOB/txoT7+XhwrlgkKkqTDDgIy/f8Zqmf+K8UwHLI/7RUQEVJrWorZh+JKtf5UDKeq
+MxhBhP1ZZbPuQ2bqdLdcRcqqYgIjCbiyJqxT5BuEOA6WOUayjDTsZbjRLGOONPOYeOT8+Nf1MgbB
+K+Ccx6/ZSLuMSeTXxESqGhjVHHWv1jJQqb9mK/0yZtGtF93IZfSSfE1hoCvLbQlAfw2JS920y7gG
+aG21M3svYx5k5nftMtbRXxMeIt2SZ8iDw2nJaelW4zIMMpGdPHdmaMAm9gp9n4Zedl/LFpcegyQ2
+vIyUluGSU9nzPTOr+n5JLdrhg2CK47fj1hhUe0pKqsJxUMm6d8S4tUIEK6sI5+BjB8jr3XWz6hA1
+hY95aIZiW/EUv3NcJ3ypsqSb1hwo5UYFvdzp0KX6s6vw3h6deNubFipBw8zHcx0MPOWr5gnBOGRY
+ClCXAoKKcm2qcn7M2y5Zm2L8ORlHEDCKbS5g8z46V1HO8iYv7eYb4XqUABXf4VOaxNmNN/ThzmjD
++VRnCJZXITX/Ju09d4HmQguKfSNa5I/xwUiDW0AU8Q7yZgJg0kZRQLzFwRwKyokQSVxuCLLoReaQ
+n0t+1wMnY7dLGBKvW8Z4tx4EncOEtvrarczhzIE4HdBHq3cMvcUJHlT74BCxOnIMGskWeSrQsTpk
+l09QancNcNfcVcI1NmTt5BcDHclDO1ntG7DU9MeEjv5R9l20cWiAbrPGNm4UQi1EK+0rnxWjWlzV
+miPXy15VHfU74ZX5JuesxgqbQHo3bWNrqHpkwt40t/hwgF6P7bjWqo8qolinAFMWLtIP+IjsFapa
+MLMgVxpx3oh8YmtRXVwW/R1bMl21RIegBcrMAgoHQQMrJtXvvey9q6/QGTiv5Y1VCxRguQmGQc7E
+tjXBuBuFocdtT/F7LmfLOqRB6R14hKbf4zyI78wSKU6UBPNtgj2IRGPbNz7AyHjZyg8aoVfV4MCs
+YyfZXeWR49Lch+Epoq9cEb8WbxZu8GskMvOlHuPx7OgE9Y3VdNeRW7IXKcqqv9RGML9VKc0Kropy
+vCrtKHjUaHZvPSzLtE3Bvu9dNikEazElpzdMbNXiCOpnUAtC5CS8AvWbVyHZdhunQWHJ1C432Mh5
+Dg/pOPaPEvjXkb19k65QwmD/oAKgy0Wrkj1zjJTUNbhQczQmW8b+9haRoHnthgJTCIZU5kkM/bf4
+R6rbLMiC2zq05MapHPUtZb8CGR0Y0kvjhy4GG9SBD4zQVLBGGmhs51iEB+rL7NTNTL5WmeEO/ro3
+Krvf5Th6iXtD5A1BLE+yGwML0rMrcvxurlP4iD6qyuckiTBpzVnxmQrTXGrUbLxWs0vCOV7mKNnE
+U288B33T6G0sbLJ1UyMYSbYQMSPZOK/kbmTChoDQK8eLRGT9Ujd+3qFUQb9T7VKig83xWrDaHbF2
+qyDDHbCjMgkQOwbD5LCqHM2uMR/QQiMXeUKmVbb37bIFBYBJmE1+mksJNXXdIqkdy43Vy2R4qOMx
+8D6sgH4xh2+bmoP9lIGGrtytVwKE2hld18afE2MOkWDuFnXNgwvx/L91Bv/dkIxLhnicv/YZ3Hwf
+/nb6Xjffpz8oDX552W8mA/WTZtrlstlhEvXL8/7XSsC1f2LxpbCMmTyWIRf9vRIQzMIgShAcy3jN
+Vcvz+jfFgfeT5u1Mk38D/sKkSPhtTPgrMIIJI5UXA8b/C0BCqT/l/TCmwypnk/LreUSTgbD4o+JA
+VnUOWtmuD7o3MFvmteIQDIo6uSKX1b6iX6/6h8BuoDOYUdgd+yhvL2Fp9Nk+AbWSAA/qIQbiusMa
+6HcKtCeUBVmOwToAuxpdcI6asH9y8vE0TcTMJuEmSASWMrb1/uMoEaY7ef+essINeKvHvvLthzYp
+5ktT60cWuWCRcgzbCJJTv1mCElmEwqa+7oaFEeEx+LpvgIYxWW7NV004I9mZRiTv83xITk3NqKPI
+kDx/mawGxMRbHBfjTTYWEHYMIe79GeV31hj6RyNrWG1loXCHIRHHAtjHTGMwIoOh6CE2zkOj17PV
+xHBg+KC+8pBqN/yZ7z8iB6Dh1QhLOSSxDXp7T0iNQjzrjjMgpjVsal7Y2IglN5JTK145mc70Sx8T
+/L7OU898dTOAGk7Z67WN+vKQsYo7sBRkXGd0/OkCasYKXuW0a6JWE0bKbo4DW9e4M6KIlnho1Ayr
+yuuW0IXAeOs6hT22Jcpz5XRKnGuv0eYeRXn6PCUptKw+6MRrnS1BvMmIlxefXTjeemVq/JjDQa9H
+VfmnJBzDTyNtxpuS023/9fM1y0/FlV2jMuevRwnHKV/lzFbWrsOCbodcPd+z/OtBHpYzZHA+ZLab
+7Zac4AWx0UbyHHjslcNV1ybJcCZ1IAzJABXJfOD5UytUyUSu7tWswAvFPlC+3CiS02wVx762WmJA
+477btVEgX0vD9JydKCcPWmFizexKMq4FkJmnuGuaDX86sMimsSMWwrb9wAwofa7J4n0I2Wm/VmXY
+nD1YkY8x4UI7GGq1s+FIVid2pcGVX6F4iKcSnD9JwFdGyZdNejsILDZyKMOBgq7jmUrEnmWT722T
+/TYDgEW6rlHM0QSzPiEafu9Zjd6nqVQ/BgcOL/SFLCNDXZEztwkkW8Sdjs02vEnSgvfSXVrunMKR
+A84PhU+SiMoa+ey2Zfl772d6uo7mIVkrco83c2v615lDODYR2YO3Jzpe7Oo0VM9p5yX7zCMvgh0R
+WDGco1Hm7RNhNg9tYb3abQpNzzZfcm+c4vXUV8u0CdQkiZtkcmaBP7frBkfcLvJmEM8uU3Fk7ngw
+fQ/bKCbDGkxbWtw1zpxdGkOhC58mwA2RJU5dkDMMh+a5zeAwLSDPdiu1NZ8wuCcpo75BrYfUVk/M
+XM2VjdNkRK4Ng3lA+rKyiDFc55LcNeI//GSXt/24lUWLVt30Y7JOhsbYV6Vqrtknspn2VHJFyWLf
+MXsC0Rr2+PJNtzGxlJLwG688Q1vnlPSKbjOMpvvao0O59oUIPqY6jtmskMA88dXP5UKbIa8Gta4o
+AKBOMVEka5PXvM8EZzNJi2sguEGRVQ8VnKoYVZIIt13YAxc3knx+AhlgUrZU4U2vyvo0I2UkVNie
+9rJyTcg5AAiQCaNyhewy4XFa4S+C1UYSJ0zRHHPuwEEhVl06mJvecaarwS+LS0g07Ivm91cEXcxj
+fMRr4zYbZw7qU4fXHGqLs0RkDF4CjnzJ7ViZVYc1JXQLcmXysl7XqQwfHZg9tD0pEzlZZ/FVj0xs
+IncaG5YZS2izyimbda37cY+yOV/jk3onuaXa1tEkUVNV7g0uJ+MRoy6HfyfDGQHtGANuzNOW9aY3
+13ck0LB5ZBy4KQYOc1aWnEqN0/lvXydLlbT+D1SoySktuEPJBRdorpa7qHQ4tEYkAs/1kHkbx0CN
+hXAD9iETI54wdeHk+zHgeKY2lBa3wyDvWTvzBzFjHDfY1PlJ0j6ZrweTUGgGQIbOb3hsTzfwJotp
+UxQz0dMdvKbaE/bVv8ulf2qniOORJeBfl0u3SfqOm+aPY5NfXvTb2MT6iUUeCx+Jn3cpl6h7fh+b
+LNMRB18eDxUpvvZ5vy4Vlbv8GwXqxf7Scv5WKSlkm0vsKuNvKiab6I0/VUb/qFKy7T8tFAWReIs0
+VAt+AoHn+M/azD7x8tER1clqDfoCWMMtB8xOZa13scM8LI62JhB8hStptrdJTXDNU9jaBEe4jmQb
+NBp1OQMuzHTk742OrvWRcXx65YEyj+9a7OrfuAHdN3t28lMoAjIahlhu9JIpVbEGyk5y5AzE18GA
+to/zc1xWRvGWh2VxjXS5JAdnEjAVeQIHcygBofdDrd/6aIKgzBqTgPW2mpCLD2Pn3U3SdgmPxm4Y
+LwfqVn0pCjSNa/TeL0KD7ktzUNRFEuzKReR5bpEAtsHOQPpMTA5xqOGIujPy1HADrwRJ7c6r0rm8
+4Xbm1w3HpnY5DyaybQ4452nStzBfTSPjoWrZbJWYJ2s8iEnHzuzGkwgMhpWf8nniHpiyboCAbmsT
+XgGNq1gLwprMj2FIG6AGSRjZGIASdm5kZ+dxAT466+DooqzscCauEGgAShzBgRBlFHoz+JkNvbc1
+rxOnDyABc/TKkB4XXmMxx5+zP02NzcgDeIhNVVQwX3YlI5y9TEa/vqEwM44msOU7gsn8FeQJiGG9
+hVy+CfNjaBj9PrBL+YDFBLsGEEYC4+l7LyKFlu/ocnpnX5hs2QWmayyWIRVJU+2YdSVnVh1qXzRW
+BkO47fZJ3oPPqfLCWaHK645ePyLEgH6cZXmxUU4Y3FIbwkcP03Hj0BcywLYVrpKgOADD9y91NmQv
+fm60CB5JVF/NRl/eprHzBI0zuKigau7gbroXVhf9W0hhADpJAAcow/HC9VDspr6Inqn2/LtUFhPb
+jtIgga0jAMB3pb+BgOneaJ34zyEyzcMYOsatMZL0gJIMAFjv1ursO35K6osRzRvBqnN6Lhd0sOun
+zlPliPyBRWqCCNkPg3ENwEyNa7ae7rgupnk+5rV00G1CQcYYlbfHAZLNfkiT4FlRml/pmT0R6lt7
+eATJ2GAyKYk72XSMS36IwcIMo9yZsUhQ5DnBYMWMHEra0OxQTNWD/RhX7qaJO0uxxBvdswAhB+Uk
+mlN4c3XX33ZBIK9Q0RQHy8JQ18aQ6nkON/UlTJ38uQZIue99t/x5kOGLqNBptqnnnfimsy01orWe
+mhLV8pSOF99pwhMo2/oxoMh77dScQUweRvkRF7V5Zcy5G6+qSrmnIR31zorL772u/IOwedSyseRJ
+DrXzQSde9wpzK32Zkjl6UUMbLSoGL3mpjFyzgecOc4y23psu6weoye0uKtmsFyx86XzSPZtR9Gg6
+t0/DCJAW023C8p/XGsjxogTC+ByHKybZ0V1O4ttpNMqxXqMhUlzFYANDhOIYGluj2ZAqMG2LoUMZ
+51Mn8rm07NHSJdPAXDOqHOgTdb5h+yafLSLEbjEqP0Vz/RCXhvs52qgyVqZe5m32wHB8Lcs5fnTr
+2LrKmG6ezRadrhM3/saNgqO2Gvd6GuqKW6NrHmZWkRu7NosPp2OCUw5zcad8Pf9cLXJv+FQM0XQ2
+lGydA+uJnHtAoRUVwmrIKmirsw6uLSm6txYmas62DyhIBnA6EYKwsZEKivz594awyu8pcQjrpq/O
+2GiHxTozbnBRsscL/QgDoyshhw7DdP6KNbZAuILubqXBHWeF5o2oRmNXF8II8aN6xSWJmyW8oBV6
+m3ajuOmbiCg7wodM7Jfo98aDZOp2XwwWuWhJMKiHvvW9n5MhI/OxQzZPyOwSso0xarq3DN9jy5zb
+73TtxZV2KJdRlQnOOZaY411A3hP8WC/EUTbAFHLhXz0SP9jcuIHGkoWlatgIZcP2baLwSGuMMq+E
+m3E20JrdIGGjCwEut27N8QOsfn4vBmc6BobfrHlT2vrYb2hwS71vK2s8G+3SWnklM6qitn8UhvUZ
+lZU8C7dv2FdWzNdSHW+rGhkDkTPJNXtn71qrJDmzjgMkF88foUnUXmWmBa32+FSY9QOTNnPtYYkE
+c7SkLNIm7iIwDnsTsNalEnWB6UiyC7VoRA+BQepA0gcAeyN/U+e1eIGLae1jBsk77vePeM69+0o2
+wzoE1v4YuBTcIqzL0xAnGVI/306vwQwGa7vJ++siN4MDPgQCXJwMDpuFMOPClZttclMPdxGEzM9q
+bED1SsIWKXss7zlw4CHwE04byQ4cQ2NpgxFK7Owu8w0SAORUHAWD67UJGG+DwTI6G7D3oF3mxb7t
+xm5jdWP7xj4YObxXQN1xk29tI36OK3IfMO3PZ9JmAqatzRDeWV6VoccowABlcAEmNTY/BJuDbYfP
+/CFmcb3trYHMxQD7nOURbMJmxn+IetHcOKbb7getKn4KxA59ECsBo1CzWrRkRj5LHRrHobtCAB6u
+7ZxIIfgD31DQdzsay+ST9CmMZzPbUY69b6GXfq8BYx3R5rprEy/eprL5f4B09GpC6HXooxYPb5wS
+3RmBG5ZtJM7oCuIPHXtodNPQ2DM6YKHd+OklblN1on6PdmUbV8eOgmTbVak+KNhteBmovAzyl/eJ
+DPuriKRJ7qMRJ0sr8IibE53qWII0UG6Tf7T2EBFclD5GHRyobgqdw9ArElns69kaykNuZVgmSy13
+hbA/KrO8dHgxVjlrF6gJxHXWpoGYyngVbMdWYehExErOVBgpsoPELG7csr64S2ZGUyEazdB7sQre
+mGF+7xktk4diDnY5uq0VLSLB4FEukdqHp2ZOg51vpdcqM4x73YA2TJ1OHwAhYu9U2YUG8g5dYrhj
+iIFqluSCtZNOTNI6sWEvl2JJBVXYEjO5sTCZgzLuxD7vFeB5w1W3BnBxXP6G+0hAY3SAwVystS2+
+w3ZiREEi5irKUOXLCL9c7ydg8XPVXQYp9EeUTdXWNbj8ILYdnLHPL46BoIMMyXDV24v0VZfdccxq
+fWC1YayCaPZOGarGNLK/YXJ5+ncv9U/1Uox/6T/+upe6Keo2/Nv6vS7S6E8yzV9e+tv42f7Jsul+
+CAKgbVncbr93VB6CSykIMjTJAaSfWsxov3VUzk8M8gQWV4+NLi/jVX/vqvhPBbJPpe1fdJ//Qlfl
+mgy5/8C4Aa8jFXtpWjePIGp3CTX8eL+PyEr5X/9D/E93URLRacQHeGZLWYfN393MDeKvjexrtmpt
+X5oFoXluSCwJ2HTryEBIA++faeDXcnAW/dHMHGFb2EVQsfAsxLAQxPMM03Koms8ssr0z22/rCIpL
+3BR2ah1bq2NtOsm4eiN+RDHWXh6gA/ZRhlIp41/25N5Z4yp7yzHjvpXmTB4oOV1RSYgYD0sRSusd
+Rq24YYbLDVrkAUVrV0iv3MvUDettkxjLS76iZhM2kXeyavUzU1j+4IG5D5Lmxhvvg9HWz1kkxvs6
+lupIScLzTpWjSwCszJMCKnJdeCdHu81n45mCWKwMB7EIcwNGAgz/NWki4x3lJrzlpNP8GiWZbUAb
+ZVAfTDrZR/YI9ru7xNEWhdEdVB+qp3nwxrtckaLcKJN2DQC6uAlkxe8PvMp/jp2Ut0YUvogVNQUM
+Ava5+YzriE8gtyAKEoxevikfqdBqVDX/mTUK4rAL236fAl63opCuD7YY+GkHQm/uTBWg7PEZEaw7
++piZ6ejIb20tyd5eoghdjk1+d53aYCm6wVQ3jkXuSh664Y1K8HkBzBOreojI8PGj/qgKjbI8onsE
+R7h8nkQsYCfPxgyMJdc1/+SXLzQ1A3ponDD6WXbLN0y7PN7xlTbNqzMVKFqHhQqyGYkRzjYQOZPo
+YmScj/il6WG4lkL+6jUp6cA2HRw547GxoDO+QnyHCSkfwj03iPZVm2F/KJMsZFfrNCTRptnM4LUf
+5h+hj9h4Zfa5fp7S4b6dGxt7dkj2FpUgqY489S6QgpgdE1BjrEuRycfc4gJcsNZctRkXegKpxt/R
+sfBOsy/5qxuy6ucn4SJitz7ehc7CHnfbnqsBkQbfrFatq7YMrtWRLPjOuk5dl6xn7F5cfIYkv9bv
+JbceUcbtJwA0vEIgIMVNCAp52ODB4AsuYHMg5ddBw8w7LkHu5aQ/ROtEM//b9lyiKMG4Lc8F/gXr
+QACmOhoxcjgEa4qfO5o7YrgzXJv3inmiT8pYxhXji47A53FxdeZgTwOGoFwnkx7Lt275ijzVqmNm
+Q1v1RMObodSK9pr2F65IHu2nvtfb0hLlGwEW/vPXJRwZLp9v0sC1Wm72RUj25jv9eD+ojo9kWKLh
+x4BbAWsBMeoheomddCwN81nzwbWE9ip82x4XTAcp8irFOcEVsNwSjOOjPT5KPjzSvfiyGUodIxFV
+bwCz6kMFFotIhs4Rj2Ay/GcjNnvYyE1MTnBcBRk+ORpgYjKIioeDE5FVY0NDGKKMX8ckQjpqRr7Q
+ReTB/WCaXGCG4iZvEpLMiEyyxGNP8bSfCNCmkJCmOrphoc9DkerzXJGCtGqjiXcoSAckwgqsLlk3
+bhOqu/grpNyoabuZls56Y6aleyC42dyRUKnPNg3LRiHErEFbJvy+CtDPsJubqQu3xOdxhzEm5gea
+FSdWJtGj3k/NiGY+7vQ2AtS1V2hS76GLWEcvTwwU8iLlfchVsGD/MJqNW44M0/TFY2uXHZ8gaZf3
+JRc6tlfQ0G+J6VcH2vlgj6lRPrqkI984CZBILImwPx4arW3rMNILHdXMLzwmCVeUofEgbVLS1B59
+k9yMU1C4RKaqPIOXgXSC5BRzjvadJcmTZhxWH9LIt96bSHI0C3/immKJwQVOzjxfa92k9ruJC4jE
+m5y2qeom8Rjb04DAuCaPboUyhOtFNC1UjZyrdGC76YBxr8RNBIviMcsEP0+clYthSC9XjktwyoTe
+ndnbWgZ+8xkkqGuj0ObqXjozlPH6mTAqEV9ZaD0PyJFRQX1d85ZEmrg226X/k9Vy/cPcge0d9fqZ
+8aXL72kux14/iKpFxW/DITGjhvOtblpvw+5nuR71RFPJ+EU/Q/Hmi/zlSIsbEWWb0h24lGBG1d0x
+9hp8S9VX21CyF72zHO6uNE10zJ6Fj1elI6Mh/lnWe9YzqLERmjq1frj7OlmLIhQOVFuvehYR+TsQ
+kYIpeaHL55xIreWUEv0Q7S1mou96aWfjrsouIuzkGpTxJz5afazLcnkYVObycIbaD30XuujNMNsc
+ZOg2uINpZkoYRiGg+RDvVjgdOH5URk8bdJQQy9iHVYdTzPoqy5sW5K7rj8w+m0inlzlGkmNGbD7X
+UGWDZx6l9SFv2TudrNzkrkmW/rzgngSYwhFTrIxBIplCwep8Fnn2XASiPml/7MxhNaG+pA5hjist
+LOZ6eRCRcEm/MQXlFc8Y7w5Zjelz7/YKZjmroUqI9sY2VXGF/ycg9DcInyK3suEz5/63qpVbQxYV
+9BBtr+t26adAvw+rLhOZMRzadjo2YVeSk6nrzL/D7Utlr9sXHMS7smSgaLCIvoMgsooz996XqAJf
+JgduEc8JTN3+kUY241TFi6Eshz2XMrF9lCb2UgzmDKfdhs3ZyqmseI27PTsIrGEhKtiSttBK1C7J
+ZU+iCqEOZkf8DSCZhNw+d4C8xUabDJ/JgZJ20FyW9TpoOsZw5Avqq1ZZ8603tu6pgTZzcaMRVR1T
+JpZUg3jChQrJGTXubTQn3okhI1evsChKQg+fgxeXrKVKmhp8+vSl0GiuXRXg2G8Me3xPrSJ+mtzs
+iYj4Kj2nVWNdqoSQVqNtBu9/s3de241babd9lfMCqAHsjXhLglGZSiXdYFREzhlPf+amXP1Xye5y
++9437dH2kEiB4MYX1pprbS6Nt3UHOXxv58b7HEE/RNgEI3jhJtvUZFb6Lks/8igTVHEDaJd5AsqW
+uxX6eNNEgdfLNrlymyiZr7he9tekc4vt0qM+BLGqb8J4fPRUFnVKzsHOCcbXIWCqGSfO57Ce5lNk
+zYVvkFa3lSnjPpLgmjv4ShHlTwHFZMqnL5hvHjSs2CsDFduVG0fLHXkQFlySPt+WhMDtAg+oDHtn
+c8P89qH2esxMjU1ltGlzOIgd82uIuTn1yRhVm5C64djnjUEr3Wh7yyvbQ+r15mUpGatw0QpWuzVL
+NpvN+lTX7kYjSXGVcGIR5punt8hCWQ64R43h2A0PAcycJnlIoavZh4xh4l1ISJtk0L4XWtvs0CtR
+s85k+k7MmPYMhwACx7P20qIQ8xMMfbgorLs+JriXyAf9BHmNIdacdY9YebTLOa8QlWuuw8+N1K6f
+uyHzqEuEWI7dVNQAervyY6JIuiDzYVdwf4v0QTSBu3dGqV3reN7XPHkdIOLmtncI20uY12BWcJxP
+Wpp/nDS1bjYIt2TL2bRbjVxqhQNjicDQoN/p9MFry01rUGoxXTjoaFKvo+7AoO1rFYUAHIncWBuV
+nqnTyjjMzFQ/BY3O7CEo2+kjFfGG6rqhEoz1wp9TPd0wH7MfgpoThZO/AfRXGmyHY+Hs9RaXFVmz
+s9+KGdLYSLzoJcJbB6OT7BXHrbURXjLXsPTTMKaZAUM6azD+OwSfJac4MBDeGUmu/E9LO4RfOfzD
+bZSIGkAUxMwAeHsFDDtgPVIie911dqRxMDWxDQerH5+0tGWIOduBsJmuGZFP6BUdSET7bzclhBW+
+FzFenye4e9lhIcRk5TVzugV1sLDn1vm/iYM4HSHc4xhOLre4zEtTO8aWKvw4SHOsup4nw8uwzq/Z
+lLXPKhv5Im/cK5vFzZqHV3Cf9wKdxtjazYrkzwA9bl3P8XNrV71+yFP0E0etNhZBprJMPMS7sq/B
+qxmKI0UUoAxugs5jU1QBslxNVly6L0GdcagHSTJWM8f3TH4EoqFmkTsHvtjCyDkjinwVMr+D5ceE
+sJcvuGZ46qoAcpu4UleGW/QGVg5QoeHfp0SykORjsenj7hFes7F6alDcRFRbxQjtaGUPJs+muK6y
++agby3SaxWg8UIsCtoKgdAtvlfrsp47/L8Vbf+qd6eexTAIjRh1x1ov/0jsPetXkTR3tKxsnB08+
+SkFY/OPIKoVDWrbFPW451zzMJU9Rf8Kxmx4HUwyn3hyI5ImG0XvC5kDxbp4f00ZHVa3F1HShuVBN
+xCFiSEX2o6RQrWfh6Vnja+xteFI6zQQpjjnF17caOc7H6dQvqikp5mo6MSpndYC4abpVj5VPcQEi
+uVhaZAErkl4pyH5/OcSfpGwGMF4HZC9tjGl75rsFbWRotWJvaTsZWXwkbH6KCFqXqryKiXfPfehd
+wnUbtPtCLPRyzE55WzOhRveTZ3O1QgmcAu6fRthmpobxXCz+d8JiGJIzT4UrBSa81UgcIMaLsQ/j
+fQn5IF+jxB3CTUhk6X6Zc17dEui0kTXPA/mj1Cdff//HKubQu7mJwgJbDjppnbWOohD//NkPHiw1
+qbkZOc0DEjVvnvqWnPu0otSxPLAaRZXjX5va+hOJtPOp7pgw1BEdeFxOzSkv6r+5/Iaa1PxMKyad
+hsrFlGoTLxEmvntHmgW2oOdpj/4M+R3QIRtDIoOkp5bBDBdBU03rKET71TQceagGuoKCxU22M0DP
+x+u2rVTnRDvy+0ulPvZf3xd6PpPwXyGFw7Tp3W3RR0GGeS9O9kHpcffmJfK+58Vc+vajybqxJrLX
+o2gvCytD0UXUeLz7/Rv4i8/KdLGDMOpSACkp3rkvxsg2ykV04d6aPBdaadGGsd+zdBXX7GWikJ4s
+qHaxjKPwoquCpUAC0wbXYdEZD67eG9dmiSXwb06Pv7gsaE9hTNHd2ibcqV9vIEa+AcomM9wXGh0S
+2SET+uS4pHUbmCHBzhA0CH2+0ENoQ1i9/M01UQj4d58KLw97G3kG4lfzne60AERH6MfCNZkzJgaJ
+Uc8wU9vazRM+kGiG90YmgysfUifQDobqUguT4Bzyk+pK3Jj2jL5npaddGO07NWiq6rBIvkPdp9Uv
+kM2/Xa5/RdB/I4LmozH4bP77JPq+7P/LJPqPH/0xiXY/WPwqx7ahArwJdf6Q9rjyg7Q4O36S8PyY
+Q1sfgAEgmWdEbJsoUriJf8yhBYwBV7dQa6Lygd7+z8hrnrrdf7kfHRxSuslBwfswqD1+/TqQspIW
+TRKX+wmxybjxolSOa4IsvV2EkWBL9onZrzFzuHcw1PgyCtjz16NNTvqA8YjYWdkzKghi+czOf75F
+tVncD60dvHqmwayRe7miVF2sPTQlbk6Pa3QRa0PpI40up/U4pXbuIyxKeCyjQyIWJmOpmRolkc+Z
+aUmMD3VWb2ovDiHPzPNoMOy1IyKqkAJ9b3N218xpZ3Obaq15ExnJdJsSAqFQtoO20WtNAgaDdIIl
+wiqAYctIRIdhahEelrN9JbQGo0QnmNv1uZTHcXHlwZsoZYmSrocXPedNIYkNum+8CtSghlRoqLw9
+rmMEGFAn+cXZ/DZmnAJgmQhtuhK2M3LMfazDd9nQe+TfYz7wvcW39NYmdwl62xIHXxfbIoYwpft5
+hq/m8Ht5Z88mcoLnYtTTE4aX6TaY4uhm7IPioWoJD+pQds8XGFBCi9WpoCDFOeIyJcgzI8BPVSMa
+XKLKvSMldN7UdsWFTIwA3JUuAZyuQO045OQt1asRuu5tkFE9gUZudMMPPMaLPjOKcusQk7SyUI5M
+VV7dkGDr3VoEfaCawvm3b7l+26GsPUjlMTvAKFJVPAvFKRoIyMI3Wt7TQrt3GrOE6yTFm030nLXP
+DcaBeUBAUFCmDP5QmBw1YAaHqXfKm7SpKVEWM59hHSfGkRX3uKao7U0/tgQW0UXLO/5mnPpQ0urP
+45LXLw2rh+dKB7a99pbastcWov2vhpbjuOkiVMjuOHt3U0XfSZCFdy/gntwRH8up703odtbWIF8h
+VLc8qTPNok+LtPETwegoErAoXVaVdMJtP+vhkRSdIt4HTt0tBwTeYt7FQa9dCnoOmJ3wdJlL0RDQ
+AiLK7QDapRZ51mPVnxw4Iqz95cSQwtVA/hqNbT8WxmxeRW/luDzX5jjLVaFun6v2EGYZJbz2R0F/
+ru7nc6Vfq6JfO9f/0bkXSM99AVEKqklwHZdMxubcPARlo3XH7txVZOcOQ1QtvQXyQdJmC9WEQCTU
+7tGatGuRBldOnrNfVk1LRPdCZFx4SSo6HU3y1t6It2YnzHUHqoFqgiypsx9eFGVPtUiBapZ01TZ1
+Us8OeK7HpxiphK95UXnFULjetHRciWq9Ymxb9spJhEHaN/fQk20Hob3n6609FKp5K5uGPq6njKzW
+hJNUPpQ8cF+q5UN+0dL9FbyH/Uz8Q78aetH7czdNFxpe9wPWdsufveJULu5lh7LmkKACQLFRTscx
+Jq3Ywa60MSHJwR6fdjiata/WwkmTBfjlgmU3uQam6VgQrVl1zjUz5Ht2F6HvhOMOa4H1ZDTKBND3
+8AxhbN+Mrn6CyiIQqy98bC2NfGgSvjZk6FJcWpUtBRCwW6u40Iuq/ZbMzjW82uAF6/u4n8Y6uy9s
+YPXJAIKfHNAFiFM73IJDkVsV5sTEnMBQ016u49qdd5lJrFoE62wL9YrBoMZPGTCZ8WI3ZcU8YHkp
+A4RGzKVulqq56sY0WKP9G9Yp269dHRATlKAxvkIFMt7YLYo5/J6fPU7bHTnG7iYO5mBLm5MgRbFA
+iRmi3i9lyVBzGDRFwTDAWzIA653wtYxF64dGxGbEYeqD87VcZWSZPY9JPe71POwesSF23Bijtgub
+6Xvf2NluZrS06RoaxsEQwatMLZDok1pY2omZQ3J3hX7o7XJM9zI3rYuC7drW8xAOriqUiruqT82j
+C/ZjPWmac9dXkbeLFx5NZP/EiCtMpAmDvThQfmvMcxROcbJx67hDfFAHT15t8ZW18gDkQB8Re+rW
+nwvSL9CFTXH6sWJosjX6ASpJLNxtzvB7V2KTf6nGQH9GNqKxo2UVW47Fco3usryAGdzsc5m7d5L/
+cNXak3bTKk8eHRj0Oo9pJTFZ9nUjGGOskL2kxtGakvDSS3PXW4UF7UvWxb2zToUkp7W20RGSoQjX
+sWPiOSDPvZaIoVYUpyDztYqulZBvd+dUTkqqdJgxzUAqU6OyfeoqvUUO2Ra1H/dow3TZnOwgKe8m
+LBPXMkkL3+1Ulk/GbWDiW5lES/hCZO4F86XVQOrdoUGF900i0fzGUI2ujsk664QuGKGkUIkeCwzd
+cp3MNc5JKzYeSzx9J+j50CvcPtxUXu1e1oF41TyiKVh9f7SFDdRgLvR1a1qPhWlpjPBaxPiSHIIB
+HwtfpTp4DBtzN8nkNbD7L66orR2MlY7FHxJfGc8f52H2/C4rhe840EJhAK4GqR+w66SbxhDVtxBi
+APs6rfQF45P9IIhoWItlNjeLHRi3GWOXTdqO6V1h2NdF2BWXmJ76TY6/dl4JkG3deoyakdwKEPkg
+57tgU+XtV9A5D4RMUkpRX8SLxKwgBwZRrJ18CxoOQSDqcMUCo4qZ2l13JsbmiafcJioC6GVp+qAJ
+GzXrWOuvkXDoomPX+dYYzakfjO8BUSJkQjKL05yXgrE/kiIWX1OqO0dvDpbLSgep48j6pQwJA8Qo
+c8QNHHB2VtVmKGqIieEAAmia84McKiyrLC8T23iMiV65zLjnEfnYxhaqnwf5qCN/Xk92zZBVx7Kb
+7s0lareklxcIcK11HyXLV+bX5rqTfXkfuNOwjpHwpESuEC6RzXA/LBszx1y0+RZSB2ErmvslwJXE
+8Dx40WtL3iCAYBDkWijXOu4r60sucuPAVpRMNdAyF1BTSnj24puTj7iCDDb9Kfnu8FYqlvztuHcr
+7CutWZkwpvGjDK4d7ahYnJMB5tOPsjHZ6lSPN6JwgltAfMeGDx0CE5sm/TqaWzLpnIpb1HBDf44m
+gLBGYlzLKnnE22afginqd9UYWz2q56I89ZGKNgFh78ABsZAWr0we6Zekl9hYOJanjs2aKjbJuL8B
+wR0S6+NdiKr8jut4X4sczbWm3wRje6OyjLOow0zSOqukyl+bDDP00k4PY9vfVkaHQLS4olpjAKBi
+G7KO4Tk0ERKThz4Ea8XXHLE4UBJLxhYBcY5pXRaJ617aeY0hlsGhAP7e4rrJF3AqRfqvneN/Q8RJ
+fBO/a/zeJEj+p7TsfrV0vP3gD0sHUiKmlGo6KRnDICL7jwDpTMLAF4D4jeQ2/sGM4I/Gz/SwdOgq
+RQvqNn3ZT42faX0glgalED/GNIXZwT+xdZgOr/9T42fSeKiEPEZDgj7TNOS7OYiJdJUHlCMuFzge
+4bIjnIBzzifyhNyj9krrTDQGuUPK5+AiVV+hjlpekE3YxpoYkH07VNplwINzM9davg3JOAKZuLRX
+ZVjsQaD2R7ceHZ8weNIKSDG6J7SiUmoh7aKLXcU1y+37gWXTY0JCSIGCKNF2RlWXq7yFB2XDHGN3
+txhbgRaHiNUhkHA6cafzvkHbWOEeH8aVLfPmiK8Or1Md3I3EZkwtrSXXUUHqjH3dYl50AWOsncw+
+GmZAODJBJlFYf+1R6Ph9UhF3NDTJupHFfEUqNJxt4s1ZtX2JNPxgddZqG2bqxhb5wbIDFcCUNxQ7
+rbCKZ28eEqpZ5UIk7INM6Bsk/+aGgV/3qREdIhgHXSmC2Ib6xeb1c8BQXCmTZZDr7ee2j09OSFB4
+jhIb9YzA2lrOCiZVDaT8JDfNDPW2btNlg00eUxwQSw6kiseJbkmEPaC0kF9OtLJZe2QNdxUZdAws
+JE6enqtQMWfn5f0ehhynNtG+q9kj5B6Kme6LQGfinRhrK5qfrG7ABQdebIM5ovM7mFEc8BxDDZka
+m8ztP+ctNKhpyo8VOecXFXa4tYQnVy7OVqOMJ2WlLrAisEeLmd+uaMT2XuAduxmguJuKilyMQHua
+JZtldokWFRfyUNlP01aYUIKxVc8HwVzuAYQyEBPDHXi2EwrdTgYhZa3GwmjSTb8AO8OxGO6m3gYu
+x/Bk4xnJazVV5kWtgcBCNb0mH7L2e0i/K8k2K5K9s/Jq9lUZQIU0qR/K1n5ypwUD0OisQqBgW61g
+n2noS0QllX9arOQ1qTtk1IT+IHkaSfD1Eu1YC++biVwHF5Jn+dwTD5hFSE/ilnCb8A4CdrntQ/yE
+bL2ItAqJZ3FR2JttRr5PZx1qkRivs7kwwWjai0lLP1ORTBtk4dUmiZN5bxW0xwuSbVAW3AvocWu6
+jcrcRwugM5O88zWyldonOuaj1na5nzpT4ANzGogZmeud4fIJltIjjwT79jaQyWMj7PCq0KN8K93P
+odfqxyl06rVV2dpDRsgDeHI7Mn0ni+NTjtNrXbT4UenY5x0Q+eYBjovrGw7xlQsRQn7bLldYlLMt
+JL5xg3HZ3i5svHwLq/+mmICZ4wbQwZY3C9FASMzZK0TrnlQNHzhhssLFax8M6st1HLrEHImQ2PJB
+XNAE976GGuuRZo+r6AbSF+y113bojb6Fj2GlW+pRaSX6I7B7fdVpBiaPoV5wo1UEQfXQFgGJFfep
+Jmfid3v9aLAHt8h3gQK5HjVSUYiQGnEB5/a6JxYPLyqSf95qf+lo2PRZAl8WJa6RMrWv2fp/jgcb
+dFXBGnCoYXP07qD5zsL1rJCw7Z0oS+Bn6t9pWFzIaaV1VHAf6q3uXid/lCmvfXRBDitUrKq86w3S
+vnITAcxfLWNm+6aJd0jU3hdodacYLSOysNsM5w9e1Nig9dS+5eYyb7MGxl7nXMaj8ho5xQ5fglpM
+F8XWCbVmnTcgseeAhUvkSHdlmPGnugTpRozefVuKae8MbCCy1NFWo0sCkqG780bElM8N2dlrPbSb
+q1k42z4Xn7ya0COXgFgov611H4goXOeOt+lnYtb5qoF1q78NLdoMZ4HtbDWJ3OkZaEZwiek2yQSx
+ejMKt7lLK3/0cncfkSBXZuLVtttL7CnJobWmJ3ekKnJiu1tns7TJPYiLB88bnum9R7+qnG92xOxn
+CFQhHmYPmFcuHLNrritXHOOyyWG2lBmCPhs0U3ObRQGp95LgEfKHvzdNr4OBJFTXWvpyZ+KN8APk
+35ua2K5LJIjNDmcS6nEsNPssKRjXEGYzu97DbBJrnxXGxWIn/XYQc73tXLJSJpdXLBayzzCj37ZY
+AhODh9CkMU5LR8aBZMFnW9J2LJTw1r2SQfo2iTU0hO0hbOCxAEJFM46iSdWEuk9moP2SpdPHMej7
+vTM7X8teoKsMs2jbi27cTQVOGvSCbNXzwbvpsuFWDx0mFaap3vh4VdVtsO4sLOk5CRLJUm5GZPpT
+HQNwsM3sYETac+9VuKyAdkrQjZyFvTLVLQ1nTdwA/AmYtExTfIyQPu1CjVMO/D91P/ECjMIE5NZF
+WtsQncEW3B/scLPCZukkz+MQW4dFcx/mrr1o0xrRsRZ+l1rlHLMiI4vHyZhdVDQaVukQ523m+tGt
+aEVKkyf5wqm6bdi1+6M7AyT6nLGB7B5NGJcteDdXq72CaYiG+AYfI4Sr8alj1ecoipzdJtgnufty
+9yawGo/EaidC4saXrExyq5XU4CVmj7VTQVV4lD0bEWhfM6mYUGistuT0TlcE9IyYvwoRWCdp4s9v
+XsphKpbi2Mihdbx1UrowibBXZrEWkapbMYVqrs414797lb/ZqwhWIGxQ//te5fZbUbQQXj+9y7D9
+4wd/bFXMD7aHcp6AN0chXFxcAz/WKvoHuOOGAS5G2PCZ1VryR3ktPvCvbESkP4zW/7dX8T6wVsYx
+YKD/R6v7zxJtSH3+pby2TNdR4BvH0IVJii2s0V/3Klku2yVnLr23nCKdfaKoYpy4mQLmBlPpKXWp
+ITFFx02+HTsbPCmSpeaAZ8nQt0tNCOk6ynTm03XbZZYfUfhoK7AQvd94XypmMDejDR0B67PumzHq
+PYZCLviEXGtbdCKz6S92Rt2lydbQNhzWaM5w8SH9Quyy7JTn7QldbHOcFasBaYGO/2VZHgOhodcz
+UfJvmjPgAdl6TeqCwj7oNQMd3zjTIM5gCNY0NOWlrYARGIpSn2KUzNKo2MfOEn8DMhN+GRdYExM/
+89Gay6TH1w2LIjpjKYwzooJVP2CtXpErSsWwYFWcXQyKaxGXUXc1jLAuDEW9CHTMQ6tSsTBcRcVI
+nDAZcK7BypgUNUNDec4aJPemlVcFoBMUX8NtuMyGRqIO5XOkH8mw6TeFYnIIRecQHlee9DWDzY+X
+33aK4kFgWn6nK7JHohgf0Rn3gXOzOGI1IS1X0UDSMXK2Ao0CgYLEsZB1Euqb2SFKc9WkWDvJoNGf
+IR11l31pfmytsLs32raAjdMEoEgEou8KSReEkqLp5ROZnWKb9CprCO4PKJMlCK7Yfsf+LHUs3iXI
+Bssa2hNgLzfZMCe3jhJ66vdWA6Nt5sbJGW5zwn79diTuAqTtrUm4YkldKKRatvcvBur5R8S8083A
+DHrt5fZGa91ubcGv4xQlk10WU3ZEKhBc8uAo7iw8qVepKZ5jzMU+WqDUB7IxbwumO/dzb9UbW7Py
+/QgRTi+Nbp1C2zsRgaff9ETH+wHy9kNol+CSpLvJTZ7nUU+McLCUeUw/Vwb7hNh5lcCcfke788UI
+PG1bmij/QftkxombHML+NNWQGI18hfgZwqprEWGA0oCq17orudvWFKcXJZl5q9ytbV+L2o8LxhdG
+uI62jQSxn9ZM9urYRhapegSWGL0RHzOcDR8RB4SHKouIXM4q0ltRHB3ZpCHc0yJypAwGXpnZ4MEY
+au4bbttxNdmz2FVzFKz6Ior9RDcx4Fc2DY1rsICfx85aET1iluHOZo8VGo9ukE3xFoL0SGFlGYtp
+934yRmHkntiiwktez5rn9vdCsC26J9uPbnxloeM0ngxo0slGt5L4wm505w6VbxA9T+ZC0GJPmLPc
+Fl7JLJwd3MzrD/G1587i2cMtrq+yxMCh3VAVNRuTbar1kbCFIjmMpfI8ZHj/+WsQiZvFrkG+N9wP
+cWyO8KfiHgNnGGqJvE6lPiQvado1S8G+NVXJlpFFyuVc2d7iD60g/JLbLAxfciMOEQ9FRszno5U5
+tyetrL6ZYLywejPOYZqs4hxwjZTU7qbOZZeG+7lzzZe+LMbui5N6Rmq/cI28flhlfVce466QSGmL
+IO3kpBwDhN8iAKKJjPS+Cx4KVsGwKGspIHx3jNX5YgGz/PdJ/b948ZSMAd3Bf39Svykg/jwI++MH
+/28QRlGKRsr15I/og/+wTcwPOo9ayTfLdN5Mej+e1Ey7TKwnrpSEy2GI/8+D2hQfTFc9qG2J8kpJ
+Kv7JHEzIdw9qQhl47OMFNGwqBsZ1Sl33kxHPI7CyC4JauzCRY9+5LI1ITGqsQ54t6capCGXCkSJO
+MrOHHYRjMlXZPhxcg2hwLA3jA6E/+YVsRb7GjeAyldIHa8XEqFijx0/WDqBNAmzCU1jJvZl2wyow
+CX41TYwCfXo74nWghwjRmWPtXZGDN62D1oQBnhMNTVizjjPGzMR9VwDwrCqhoqBCEkTHoX0A3MWy
+2YGfNEMt+aprPdp8+ZiQOikraCJw6e5mb2bbWtrWrh4JGFrJpM9PcbL0RyYw9cXsoFBFCp2ngOoX
+TrQMcOsMLe6QhwQhJcnSHU0eWduu7RmjQ6ezIXbp+nVja4KvJNGv/jAhElg5Uy3ZsetgUhfUoxu9
+Mtk3WrV1qTfuHvjXqdJJ1pPwua6IHbgogin3kwnJb+ii/0+jdF6hyA62HbL8NTdMuXELg2BouOKr
+GKkrVAayQomyvlg6M906luYcc6JD1wEpd6vedKrtJEiq2k+FNOBEtKz402y5r0kz98c5ekK/IR7H
+3LIPk+kML4VRApBta1xBsyyD66qZwatmZRQ3VF1aZOgXQxHI5b5oMO33m3gsXe0LJkmDYxDBqbbw
+7GoT9tMFARhr5hP4D+BiQzGBfoPyUBYuKUx4AmisQH2gXhnqcZdT5+0Fbp2dkxdsJWPUczdTXnQn
+zel01imxRjTnyl1aOay6MLYuSSeFEGWwk9xo6YKcg/kTmwZQHum1NhPhoSFNnQBD7cq3TqX8o3FJ
+3/oYfpHqaqq3HscJik51PKr7ad46Ia8tY9UYNWxsk/Eu6NJ8V9Sl64Q3IEWGYdx6AQfusjOXqlHL
+U7QP9uN4hnpqw5nwCQI2g/cpQipAsdVx2SoYaPrGBh1jhLH1lpYVbKihCKJ4Waa78YwVnc+IUUbK
+4EZTRR6NzxBSDXydsljBJo3OmFKxKGRpZ0MvBeEGBqPwahb2YU1YOUSdU4GhnqwOx6LdThDiPwVv
+UNRkFsaawBL9ZhlGeyB9ViFU+zrC7I3ut6AAhrFKar22gZQCeJUZyXzfnHGsePsJDTpDWglPka91
+BLk1UwzXWtFcbcV1xadbre1IwV55A/rVorfWJlcs2ElRYWPFh7Xbpnhi7oNKwTkDZLG8U/PSxQAQ
+VITZSLFm3coBO2u1CkEbKhotbqQOrZ9i1HZnXG1iKXStoSi2kd52LA0h29aKcesAu42MwbrxkiF8
+CM4k3DMUt1Z83H8fiP/TA9GkofzdA/Gx+xT9TETFS6R+4I8HISCtD6x0XBel3R/KvR8tq2GoB6Eu
+oBHoLF6Q4/3csvJsoiv96RF4Bn/pulRPK7SBiqD6D7zo51b0JwmgTg6GlCiYlRCRDYJUktWfnoAl
+O8ionN35ysOMShaDO1bzvM1tRPJEtcsDfG7lIgwxd7WWibhqnllKx1DB57po9g0UGrUDnWiXUNCf
+Ld3RPFu3LGBazEolBXDgwlznwBhge+a2GYwcdjMGl3XvDa5nPkbB5JFUzgQSOGg4Djzr9CzQbrzc
+HPIjpxIb67XAxeXyZCM+od+PCCun4RA6lPPBIYCQkRw9x62H+2rgIt9rRelAWjexq2/CZGSEyrU0
+5Y2LF3et87I45irdBpAownqF7J/HZJObWLTHLL4O8jza1Y5YoDQSSfZQ5MADl66Ue/6oktzOXvs8
+Rnn84CZmgwsjj5K7qbSuuwlmz8IyeBuVQf8piKtvNavBFNQyYYW2zlzVKwckOWtvWtg4HxPEBhbD
+5SWFjrQZR4xYF8JZ8sJQk+fpOgrTQTswXVZWTI7H+V6bjX7RfazdiaJpVJZwdmTVs8ceAr3s6r2h
+h4HB4ZunQ51OZJiRrnpVsRcr+BByS4h8OPx7IPxPBwIicoZL/71CfvrW0Jp3v5wJbz/zY4xlfMA0
+wLxJ4hs4D6v+M8ZyJExA09EZRbyVuT+NsawPqmgl7gBd/5+qYwccOTUzAECDXtH5J0eDGlL9dDJw
+HjFJI5tZYm9gnqW/G2LRU/YL1iJr77rgrvIogrAf1nL10zW5fft9/6/o89sSRjJ0i/eKfJewMv5G
+Dj7JLly+D38O+oEExzIM9n1SFMZq0D3ScKagfFXY09vcxjSRLaSN+dAr/06Prz6vn/9E+CAwn2zd
+1UEcMo+x3/2JEbiHSaZsY0PTK6kqm3akoEW6DBk2PSWMyT6FHE3eqi1i6bfLHH+bNMqGjd3Y0s+Q
+Wa7mHlVIN7gZdlmtPvYqlqp1EyzsScYEv5sbhERhCLi5dYJTbmej//sL+Jd/BBoDj8qIZ4Kw1RX+
+6QTXG7MCH7h4e0xyYjOZ5bLNNRzoMQ7Vx5oufh0YKTAELYfYa+hnA3fv+nBDMFt2sadEyQJKRkuE
+gj5gi/A8yKaDm2aE5g4pNlI0enncd4Ablg5hHjlwf2MWec9DUZ+D69gefEkXoqV4p0NvsZH1szN6
+e+rZ0W8Yv62moZnRtyXff3+11OPsp5v6/InzDJbMaC3XYnj868WyUIFyiPNKA3twBhCY+DvbrY9N
+J+s73WIF+/vXe/clOr+eh5LDxHDCTfZeaCGMtigAmvF6YdzccaK0q6UP/87t8xfXzwRog9bEJTyL
+h/mvf5XXcFxko+buG4GRx+WqVdKL92nrPvz+zzn7ht5dP0tQYYOz5lz406GQYLnzRu7BvVgMHJJO
+SzFKUOVunvng5lyS3mBETGLhUKSneYBBU2U2tEZE6KcI9uxFbln1XTMrSoA9oGCqDAWEGyAF7sOs
+ArieFUiruTcfhxCO5hr9PAHXPMTRApshL8K2XzAKhPHUCrt9Hu0l3v/+j5Rn/vsvfyVLAoOjAWcd
+bh3PejcWCESQ9dHSTPsRTNiKSMDxAAujPWiodbclJlJCzMrvkIQ130phynHzJvssV3tDo+q2adWw
+rUzjEbRGIX0igxkHizS+tpCPvTpjnj/TUTBkHMW94eU1RkO8sOsGfuQDMXAeUeFxgdAgmh6jsBB+
+EcbzDiIp6crhK8dZurdJl74Je2EBGispwGwvojgJQCyHdryHcTivSyvONxRAxq6VpfsA7S05JBr2
+vII0EFibYfAlYr6yzhmhH8xqGW4q/LiERS+Oeck4NaOkgKhWDcJc22bVr4F8lFikDJCbKYDUp65V
+UXsMKop81m4sr5q/zvBEWR9G3QYVjNxZgYmzI7GBtS0I7nzNWUyosVJ/YLKSP6N+Sb8Th1OySNU9
+HMEqvQ8BDJHpqxIywkcHqobv5KLBzO1lh2ROJpgfnn1jZ6nrE64DZlvm8XjTMyD5zMYOjkXdbrQJ
+ekMUpN+0VHOvNJo7iGFxuNGc5kgByrsGaAsk0ztMg1ZcE5YB6WNiCrkKG/LCNJbswK0v1fVETZjQ
+V3ou65cS3qGRyxcrYuFhTpF+CMEWXZpBNT9qWdoJ/qu+XBu9BspkVm2azvMFEv4od6L03EO/mPJT
+Ax7zNuE6FYeOSnRdOy12L3ML0ZY7YkBh2ddSfirrptymkYBQUk3sZEtRNI8FoqF1SSQeH82EMpKI
+4/0499soknciyHts8dVwQBs7r2YNtNSKSJqvsuEzb2yjupub7CoOiMbER5yCe816vw/SZhXlXb9u
+dP1YCWg0emiamOKn8L5Iwisk+a8RXoR91HX6KTCWeZM09jMb/k+CCYaPdYCss8T2njqIGlvZNMal
+8/+5O7vmRJUgDP+V1N57agCBcLFbdWKM0c3HVionyZ4bilUiXwoCovDrz4ORbFDzUYGLrcOdos1M
+M9Mz0/322+vlCrpb3zihAjUlcqBAOll68GykmYC1iKRgTNSSvPLZhnMuLDH7U2PgwzGKP/zY/NmB
+VIHGrE18+H63R1YSGfvkJANyYDHST1mGwG5Mj7U53nSXrMKpJg/iJOl8V8GoX6QdcEfxWs0tb5UI
+EvATHYdBTsLViZC96LogYoCZSiQ8YLnUHTqEPs4lxRWUR2W6aB1wSz6oIRl0Sx8eegdohQNsI3XM
+3lp483GcdacPHoCNiaYn+YOSxavR7Pg4G/qZAWIO0M4FLHoRxEig7sEGZ8OlxPzq5D78UEGeTxVA
+HnoiweNk6AUl4BYa3AtiCv69U6z/6WYU9lQEqUrChwmwG4RdYNZL8qcUCHgkbTG/cKnjAPqBWACg
+NEiR50sQFxzKFiMjIlSjhct80NFIDFokwj8zvSx/zMDah1ciByduRmwKiiwXsIrLPrU+IRx3p6wc
+UmEen8hiGfVFtpL79Dge6RoOuhWJHfC0ixz3m0juC2PVvZaZqFe5KxbLU98k054gYJjZkgeIwwhE
+cZ57Xjx2dNI1tNDV7xz8+RdzVSdBXLC/CMLIoez2it1JxpaPan2Cwx+OpFNiJosFMQ4I49dC828C
+EikePE/xT31RrE7JH1v/6KgRSRC+pAyJePlnEQQMd2GakHLikgBUdBwBuAMuDS+mk4uI7ZcWhOao
+gIT/PM+V6EpxCnOkUwV+AFcTuVfgOCmGE86jvhFn9Bx84XUJoztVlwqEGSmFu6h7Nr0u9MhMIDwt
++I9sBMn9VNNK2IRCS+AhE4MsS+lSRyvRUPjPpr3U99Q+vlr1WsIwUASb7IQolYtzAdtYz9CX5oi9
+itqLTM0AbRnEo0xjvEqKkz+yB87uXLLv+0ooL0YekXOIftWuPJDEbDGA71ilTHbYucl5ACmroCkA
+yuswWKm5o/5LNj/8lqbmpDdCJ0faJIJ8EwuyaGIKFD2IYxUEB7AePVuEg8STixWoOqF8V9digCcT
+dx3hSaj8F92zyKEg8Mwn1JIFnnMWKqYDGdDyVjJLmuQ0dU9Uf6X2oYEAiD03AOA702wQR1nuDFC/
+7o9j6DudiziZLagbkVMwF44LmFnTWSzIIwQVdmGYM6JP3XWeALMktdm5Wq/k9az4nx1YtyiSg/Wv
+n8nby7ubI9Vt2N+cVl9U0P7Qjyqf0WFBtYLaYyC6aVmee+qG85fHWZn80/oBeNOkTVPekhBY1Pxe
+TuyvXxTjL5XNOAyJbNQDAMDb7ylOximX+E+5x9xc3Oeo/UI3r/X+7Y7t1xjfl1NrujWZsddywTW6
+47TWeYWg0ce6vyPjd/cJZxlwGYAVIWpSXoBjXmqBYkkchlAOefSb64/TgsrOq6EScGjKKsRLOC6e
+lIBWXyoBMA81DdiKE5J80sKfNhQUgp4cyWquoFdmwqtDQcEZpCmUbJc4XZXXjhaYEMwGGX8M1RjK
+i5PrRyfEB2bNs83oOW4w2ZgU104OGZXXflDNu/372/k0nHz9UlqM2g9LwNjTs+1np9u3mpI2c/7F
+zcoGbJ6z/fu2g/uPrj2r6lX15blrxxZbkHxzI98288qaYZj+DqxfVr1qB++F6fm7JV+/1Nr54v2/
+I3iniCoOac7rjeVC5R/WSXEloxyVzQX71jyxkkpS+RrJWGZ4NpXcswL3MYx3oH5PFqWx7DAIY2sS
+Vq0sWw1oAPvZXPJ8bo9TF2B2JWwjHCRi9fkgCvLZOrw1Ok7twFpZsV1JKiUfQ6NSfW4gebuEHYWP
+Rz0C1LNfrlVJLZ9iQP9Qff78U9i2x+6kJhh7Vnq9mqqdUsrxtN5kiaWRDUhTyedo3HUrOaUuJMoF
+tzBShhMq/9TkggZtwYQMISEmF6E+I8k7bWH8DecT19qxIl0QtlUvPj8yhuGqPizw+ONWa/ryvu/b
+Jk2SW5gv32nZcuznVRM340JDy9UXn1fFRYjLYU/NAJpbGBuXMIrVrEcZDWqhzZcWdFTWfFL1vlSH
+DBdNC6/w0koSa+wsEztNa2MaQFa3DZW4Y8edWvWTC5vKFmb4pctakOymgrJPbWHCwDZI2RGo1aOa
+bSJhU7QkPVzGu6JbaThBzx0bIktkulZD5/MT560S9M+7x89ty67szKqvW4AFlRa2T2W53HMLXm+Q
+Y7WJiXyjhdnzdjnexlpZHV3aa3dcW8ZIn2hjRS9b/pOautW42JiUp0N101Xh6t1CEU0Vs3nAPvpV
+3qaBNxR/7bh1jUPj14IRf6sWYdMWxzYc07VX2cVtUX3x+Tn/452MoIbtvnHCiX00TPbWNl0r0QBN
+B+ITSvpQxZISJ93CK30Pht1QPbdo304Su2a5wIsBOmusm1t7XT9Vbt0oTXX+GhCvoSregPM0lexy
+stk5BSsq6evNdXxvse7AYVOfmkrJ+dCCcDtJj+4ONR6nZQuHkXs3GYeEQ2pmRYH3tw3F5CQazaeV
+Esq1RyGn8N0F+ZCn6dktve9/qtzNh/5Wd66VvxgHthV/+w8AAP//</cx:binary>
               </cx:geoCache>
             </cx:geography>
           </cx:layoutPr>
@@ -16889,8 +16884,8 @@
         </p:nvSpPr>
         <p:spPr>
           <a:xfrm>
-            <a:off x="264930" y="1419309"/>
-            <a:ext cx="3262041" cy="2665794"/>
+            <a:off x="264931" y="1419309"/>
+            <a:ext cx="2278890" cy="2627322"/>
           </a:xfrm>
           <a:prstGeom prst="rect">
             <a:avLst/>
@@ -16977,13 +16972,13 @@
           </a:p>
           <a:p>
             <a:r>
-              <a:rPr lang="en-US" sz="1400" dirty="0">
+              <a:rPr lang="en-US" sz="1200" dirty="0">
                 <a:solidFill>
                   <a:schemeClr val="bg1"/>
                 </a:solidFill>
                 <a:latin typeface="Arial" panose="020B0604020202020204" pitchFamily="34" charset="0"/>
               </a:rPr>
-              <a:t>Sales in terms of quantity not necessarily generate higher revenue</a:t>
+              <a:t>Monthly Trend Analysis</a:t>
             </a:r>
           </a:p>
           <a:p>
@@ -17030,21 +17025,39 @@
           </a:p>
           <a:p>
             <a:r>
-              <a:rPr lang="en-US" sz="1400" dirty="0">
+              <a:rPr lang="en-US" sz="1200" dirty="0">
                 <a:solidFill>
                   <a:schemeClr val="bg1"/>
                 </a:solidFill>
                 <a:latin typeface="Arial" panose="020B0604020202020204" pitchFamily="34" charset="0"/>
               </a:rPr>
-              <a:t>Sales in terms of quantity not necessarily generate higher revenue</a:t>
-            </a:r>
-          </a:p>
-          <a:p>
-            <a:pPr>
-              <a:lnSpc>
-                <a:spcPct val="115000"/>
-              </a:lnSpc>
-            </a:pPr>
+              <a:t>Peak sales occur around May, June, August and September</a:t>
+            </a:r>
+            <a:br>
+              <a:rPr lang="en-US" sz="1200" dirty="0">
+                <a:solidFill>
+                  <a:schemeClr val="bg1"/>
+                </a:solidFill>
+                <a:latin typeface="Arial" panose="020B0604020202020204" pitchFamily="34" charset="0"/>
+              </a:rPr>
+            </a:br>
+            <a:r>
+              <a:rPr lang="en-US" sz="1200" dirty="0">
+                <a:solidFill>
+                  <a:schemeClr val="bg1"/>
+                </a:solidFill>
+                <a:latin typeface="Arial" panose="020B0604020202020204" pitchFamily="34" charset="0"/>
+              </a:rPr>
+              <a:t>Declines are noted in April &amp; July of 2016.</a:t>
+            </a:r>
+            <a:br>
+              <a:rPr lang="en-US" sz="1200" dirty="0">
+                <a:solidFill>
+                  <a:schemeClr val="bg1"/>
+                </a:solidFill>
+                <a:latin typeface="Arial" panose="020B0604020202020204" pitchFamily="34" charset="0"/>
+              </a:rPr>
+            </a:br>
             <a:endParaRPr lang="en-IN" sz="1400" dirty="0">
               <a:solidFill>
                 <a:schemeClr val="bg1"/>
@@ -17081,7 +17094,7 @@
               </a:lnSpc>
             </a:pPr>
             <a:r>
-              <a:rPr lang="en-US" sz="1400" dirty="0">
+              <a:rPr lang="en-US" sz="1200" dirty="0">
                 <a:solidFill>
                   <a:schemeClr val="bg1"/>
                 </a:solidFill>
@@ -17094,37 +17107,54 @@
       </p:sp>
       <p:pic>
         <p:nvPicPr>
-          <p:cNvPr id="3" name="Picture 2">
+          <p:cNvPr id="1028" name="Picture 4">
             <a:extLst>
               <a:ext uri="{FF2B5EF4-FFF2-40B4-BE49-F238E27FC236}">
-                <a16:creationId xmlns:a16="http://schemas.microsoft.com/office/drawing/2014/main" id="{3D92A119-81AB-B0A0-61FD-41BE33B5FF31}"/>
+                <a16:creationId xmlns:a16="http://schemas.microsoft.com/office/drawing/2014/main" id="{67847281-D9A0-ECB0-5CC7-A18C7EC22200}"/>
               </a:ext>
             </a:extLst>
           </p:cNvPr>
           <p:cNvPicPr>
-            <a:picLocks noChangeAspect="1"/>
+            <a:picLocks noChangeAspect="1" noChangeArrowheads="1"/>
           </p:cNvPicPr>
           <p:nvPr/>
         </p:nvPicPr>
         <p:blipFill>
-          <a:blip r:embed="rId3"/>
+          <a:blip r:embed="rId3">
+            <a:extLst>
+              <a:ext uri="{28A0092B-C50C-407E-A947-70E740481C1C}">
+                <a14:useLocalDpi xmlns:a14="http://schemas.microsoft.com/office/drawing/2010/main" val="0"/>
+              </a:ext>
+            </a:extLst>
+          </a:blip>
+          <a:srcRect/>
           <a:stretch>
             <a:fillRect/>
           </a:stretch>
         </p:blipFill>
-        <p:spPr>
+        <p:spPr bwMode="auto">
           <a:xfrm>
-            <a:off x="3609671" y="1182750"/>
-            <a:ext cx="5418263" cy="3382375"/>
+            <a:off x="2624603" y="1419309"/>
+            <a:ext cx="6254466" cy="3558230"/>
           </a:xfrm>
           <a:prstGeom prst="rect">
             <a:avLst/>
           </a:prstGeom>
+          <a:noFill/>
           <a:ln>
             <a:solidFill>
               <a:schemeClr val="tx2"/>
             </a:solidFill>
           </a:ln>
+          <a:extLst>
+            <a:ext uri="{909E8E84-426E-40DD-AFC4-6F175D3DCCD1}">
+              <a14:hiddenFill xmlns:a14="http://schemas.microsoft.com/office/drawing/2010/main">
+                <a:solidFill>
+                  <a:srgbClr val="FFFFFF"/>
+                </a:solidFill>
+              </a14:hiddenFill>
+            </a:ext>
+          </a:extLst>
         </p:spPr>
       </p:pic>
     </p:spTree>
@@ -18277,7 +18307,7 @@
                 </a:solidFill>
                 <a:latin typeface="Arial" panose="020B0604020202020204" pitchFamily="34" charset="0"/>
               </a:rPr>
-              <a:t>Data Import and Schema Overview, Data Analysis Using SQL (Descriptive Statistics, Data Cleaning, Aggregation and Grouping, Joins and Relationships, Use of Sub-queries, CTEs and Advanced Functions,), Insights and Conclusion.</a:t>
+              <a:t>Data Import and Schema Overview, Data Analysis Using SQL (Descriptive Statistics, Data Cleaning, Aggregation and Grouping, Joins and Relationships, Use of Sub-queries, CTEs and Advanced Functions), Insights and Conclusion.</a:t>
             </a:r>
           </a:p>
           <a:p>

--- a/Group 3 - Bike Store - SQL MiniProject Presentation.pptx
+++ b/Group 3 - Bike Store - SQL MiniProject Presentation.pptx
@@ -418,2511 +418,2513 @@
           <cx:layoutPr>
             <cx:geography cultureLanguage="en-GB" cultureRegion="IN" attribution="Powered by Bing">
               <cx:geoCache provider="{E9337A44-BEBE-4D9F-B70C-5C5E7DAFC167}">
-                <cx:binary>7Jtpb924kob/SpDPozR3Uhe3LzDSWb3FTuxsXwTHdiRKFCmK2n/9lJx0d+zuTk/jDjAYYIIgxrGO
-RIpkVb31VOWfd9M/7szDbftiqo0N/7ibfn5ZdF3zj59+CnfFQ30bXtX6rnXBfele3bn6J/fli757
-+Om+vR21zX8iCLOf7orbtnuYXv7rn/C0/MGdubvbTjt71T+085uH0Jsu/ODaH156ced626235/Ck
-n1/eWN093L942912D+Hliwfb6W6+npuHn18++ebLFz89f97vxn5hYHpdfw/30vgVR5RLxMXLF8bZ
-/Nvvozh+hbCilDKGHv/A9a+DXtzWcON/ez6Ps7m9v28fQnjx7efvbn/yCr+7qoNLv65G6tZJ37x9
-fMufnq72v/757Bfw3s9+892GPF+kv7oEU6+13ejQtfquwz+/vPj4y4J83YUn1//mLjDyKqYxYZSS
-r4tNn26G5K8EXOECs/jxz7PNuHgYX3x0bfUfL36wLU8n+Mfb8qcPenLz15f/P7hn6X/+z+0Zla8I
-Z0LEOP66Z/jpnmEcvxJYEokZ/rppv4z91YDSW6O/uNbq2397137wqGf7ti7A/8F9u/7wy9r9+7ZG
-8SsmqGIK4z/cN3B84PVILCX5um3ql7G/7tv1w3Qb/u0t++OnPNut9bX/N3brz73mr6Fkc9vdbh9j
-0HeO88dXf/G4z259EsqeLMAv6368//kljjnY16+hbX3Gk3D0n211a8Ptr5Hxt3sebkP388tIgTUy
-LpCIYyaIihG40PHh8VLMwFBFLARhknPFY/byhXVtV0B4FBAeRUwkixGhjEr+8kVw/eMlCgESw7dV
-TGWsFFG/xv9LZ+bc2V+X49vnF7avL522Xfj5JVfk5Yvm6/fWuXI4jfCXIi4x5hxmCpNo7m7fgMiA
-r+P/8NoT1pCeHblRKu15NFy0thv2S1ZMJyb3/LBErpxTN47zPXdBnvGK+TyBcz6+ca5HSR+a6NZI
-g84rzuKLxWb0WpSlzhPRCLvJA5MXhRnCm7kc9HUduNlX/aCPdS7wJ9dkamtKWZ4oIrbdHPznIZTl
-YYpUqxNdjlObhL5Z7lBTRanOckHSbKrI2zbo6iS2xp5mkpp9T0NCp86eO050Gpus3kRlXZzgIYxH
-q+u6TutI0A2JcnlS+74xSWam165RZt8YFZ/NIR/KRIqJXE1RH19IXaFzPGt0PtM5GpLBUb8Dr2v2
-2JH8A451fIGj6hJPoj/PCL5e0Ow2WGR9Yj2LowT5hn6h81wkYz2LVOHBkrSt2+4ynjFLcCnpljI+
-haQ1ut9zg5r7cYRBaEurxOvW7G3vqhvPSuGTybBy39RTeYhD121GNtYbJGecdpj0753S2euuL8ar
-zunlLp7H+YNte3qVV2o+0LlsLwQtpysuYHEQIXrnM96fokn4zzXtp81gc7lrBjPsJa7gNfJpSlhl
-zWGwI0l8xfr7KKaJbvmc0rg5JTY/siyatr02KKmQs5vAs/O6aupjpKKjqWS1yb1b3rOh9XvvB/4l
-j0uXhLLTp51g416gODuSuqgv8SIXsoujsjop5pBFW7qU/WnD5vJdPuv4o/Si3pZaNCdZI8a3zTD6
-6zhj+nxBAp2PAU1D0rdUv886Fs7KHpm3zLFmXzNF4mT0Dh34ZGSZVIbSq2WW+jzP2bKbpTQmiRol
-31jd4CGxnVcgxehwJkaNLuMWzorLO5Gl5cLMXT9NzUUmhDnMU09PRdeYfd0I/bFXUn/wTYEvbN7w
-q1qZ5TAV83SBooGekpG7Q9u7/HXHXLguFxqnUx3MsY76Y2OzMUtiy9UF8Q35aGMszn3OqqPGpjmU
-pWF1UlfB7EZW8NemGU9JMTI4jr49RKjb9kXe3Ra9QnMyTxXekiaTt56OD9xP9TGfmyGp55ofnc/Y
-TqpGbWZpyTvKqrt5pE2eRjkjH6Wy126gy7sQmnm/IIuuXCGETaYii054FFCRxFShi2LAHKdjJPxt
-yNryUuaVNwkozPhOZ6rY2wFuyhdtbpRGdTrQqN2ioapPyxw2caRUH0VvxEYxU7+VNHSfqYqHNukq
-fN05e8zJKE7c6PfWKpEuQtY20aasrijG5g3PzEHMY3cissUeWVW7TWj6KunBWX7sXKyPktfZbtbU
-b2TopiSzU/mmCYg9LJN3Ka3KIl2KuUrKhlcfJIqmG2mb6KohtUthQyVK2qIiGy9wcxm10240wp/6
-dlBlGsc73pX1PgsjOlcqNntvroYsGz5E2eg2laD4qkQ5PVisUEjNiIYLi4b2jnYzzIShzYgmuXd4
-nLaDwX20LSRVHzo5+yZp0GJ0MsrZbe0y56+X4Kp9NHWLTuaZy7QdJhGnKhpdkmfztrdLCMni+l5t
-4ni4yZeZlYmp4mZj2tyDmwvaJKavl1MXTf58thnaYhx9KEnVqiTPF7rVJpYJeACUxq0VqYn0+0qN
-6GhQQFuHSp+QsnKfjSiW08wV8RWvlTiGwKc6WfKou9JdVG2ktCm3TbgVpZz2JeLqEgVRd2lTU3Qx
-KIdSldWLSYgyYltTF7+LIWpcLKwo3reK6bN6GT7FSycOEBGXdC7DcBFypuEojeVZKIVNuzmKz+qe
-tZddmfnzEo3+XZRpcxGqutk6HPIdjl2+WUjRbHnw9H011uQgOnjLNlNuV0wleVhk3p+PPG5uGfVr
-cOkX9qGojb7pCB5MInQV72gZ5/t+Kaqtm/MxjXBWXGKswYnHjCdD7qe3qIeltwVfNvPcNdswEXWq
-WMzLzWRc8ZrKcoSDhsc0jhj3sLP9sp9z2u+tnrpjFS/NjemzvcZNua3mbLmsBsq2zTCgJpk7tJRp
-H1mW8HzaCe+GCzzk5CTGefVp9KTajESoZMAQbjWY+GnISHOQWE0uqXwbf6yE0JvajuiDydrsAJ6p
-OGYd2cxE8MulL6O7hkl00nQq2tW5DK+xtubIWZTtBMvDlZlHdZOPKtth5NHbYtAIhpNZlM5zJHa0
-kO1FO/vPNizzHVp6cP992y0hMRPL9xMd8WahiiYkRKfcIjJ0iW315JPejbyOEmx7pMGjaXSlKGoh
-9pdlft1zECJJ2Xszp5bG3ZXPvTm4Akw6mRpZVckS2tEmMlP+S9w21XEwBUnYNEZnmtTbWdn6chhs
-deh4/5G3PE/A1/oiUf3Yf6468ZHr4hZl/Rdplo/KTW8sXuo0WsYGxvP1sbVy3rZeXxOfNydNIeX1
-0FTkXVWO9o7GYnrfZnDjYEUER13PXVudNDm8RX/S+OCHbm/E5BdxDlLL5iJZSIX4VhPXsa1wujib
-CJebfpx6dek7P4sPQWRfej1TdTDDCBsXzQVpdtGwDGnm0L6fQfXs66Jx57rxkfvYgAMF7RUPGzxl
-1c5Xc16fqKhqN2EsyQZEXnWK89me9K2WH/nM/Scks7y8zKbCnMqC4/a6L5Yi25ulMotNpzAuLiR5
-x8t7VUwhuuE+m/gWF0NmExfpyh291HRjIzTv29jZ3SDC+yDzMWmn3GzQDDvZ5ez9FJHxIHQj07nu
-+gv45rSLjQQ5aYoT3bKzPiYqT1DkeFLlEGUiOUQH0CI3dinMthBEnkAEid4Wkc7PJmlwmls8XwxF
-7i9a2M2TpRuTrtDjLavi+aSNRZQEFvV7bKc5sf0qt+hC+iTmtD3V+lhlu0qKeTO4rDsoQ1laeaX3
-QXCUzhm7qpcibEof5ceF5d2xz7LspK2JPulQfiawMSmSuDkrMtFt5lz6Tz0VJlUTn/faD3pXdiHe
-RjnKtq02bjtmrJkSV1QQyLImpBy2+dCjhiSdIfWeowx9YX0GMrqpGj3pJFYU3wtlhXofUG9luOuZ
-9BW/yTwDxZFqb3Rtku951BP1f+eaudV58Q0A/vrxX9euhr+PgOq3X6788LdP57+Axx9+a//g1sQ0
-PP/SmsT9+qzfUNiaOf3KxZ6lYl9R5Z/kaT+8+N9L4uiaSf0oi3s/O4Bs+feJ37d7vmVxGLFXiFMi
-IZED9Ap45dcsDmMMlyATgwOqvmZq35I4xiFTg/RNCSYZqFkKGf23JI6hV5DkSyAB4OOQVJj8nSRu
-TdG+S+GQQhxwMIVUlTDGYgrJ4vcpXNaPWPPMjxd9fZ8HsynM5+9W4w+yRFisHw4AOez3A7QTNXUz
-wQCqFEmh6qSPb/VwoeO0qO9/PBR/lo8ihZXiFBMgwDHkowg9HWvGARtuGD4vuZlR2SR1RCgSM5gM
-qTz/FMopV3eFy1SH9mBhIVpSZ/is7QmkuT6v7513Suav854VKJb7rM3RHuJD/6AVUro+61sWInaK
-RLMcTYjLrL1WJZpPBYtcdj37blcSzU9CV+LL0rsSFBioDtulxBLIe2nLu4QMIhpDMg4Qqzbc1L6o
-3vqY5EObCmYH6TYwibpLtJgJiIWenLS40TfzZPpTk/lepsswm3FXD9rQ+lSCD97wSSwXCld8/BQ5
-JJIqymudqI604Iw4o69ZJJvltOziIno7okgzu6VDnsVRk3ZV2U3ZXppWh/3/e43vqhh/in4oRQQs
-6c/Zz/WDtVBceHh44je+3vUL/cGvBJeAYr95hl/ID3pFMacSgBAGiQ//fk9+hMJIKEYQAzaz1kd+
-IT/sFXgZAEngbLhavc3fchoS4P73Vr0mv7HAMUOYgncClPTU0uTc0qgYuT1GQxVwsweRl5fDNotG
-SPm7Giw1wUKS8awj85zWwc8bHCa6l3kmD75mOsl4FuotCBt8ETwT11OFqq3QCKBPLgJPx5ZugfJM
-H+pp8n4zU05vY4jsR9Igk/YxH1Nf5GwrM3nf26Y7DjTkew6ueiNU5VOcVZCuLV2/nweEEhlT5pIl
-nsKOF75OjVWVScrZfWCNV7e2DfWxn/Jlh7TY9UHKDeoGlA6Aol5jyAMOdtbmmhR00MkQWJcnlAj3
-ocC935MhWk7CYOJikxMhPmdKNkUy1Y3xSd3m+blr5+4GrEydTeWC3vRjSzbWyKuhx/E5KiHhVHWe
-fzJFWDPlajgssh82lfZZkpWo3bcys4dRgxBp6XzlGidBcxK7E1E1J0s/4NdWxie5rTbcTdVlpLII
-1C6pEgyCfGvy4JIe/N/bFlG7HT1DKVoYO4vLKRz7sESHLFrwCauK6MQE22wr4pe0iMplE0rkzr0o
-ZLH1KorKZBz7a6wbtiWYy7M8q/meNbjeEU85PDUsV81AwrnUUZZUPbkWUz3dzVUvtqA0iySTVbha
-qgweNAuzE72bNlEzzW+YLuXnPpvSxs6fUA2eCDe0PPSQv+yBfGfvBqXdriwzca+0qObzfiblec7r
-KjGqmYp0mrp6q2ozbHSh1CGItt15kImbGWGyVZyTJFedSdq5jT+r1o5f8nGOd4ArJpX6rLZbsBt2
-xeYxmLO5bG6KHpc3kBrNt5EAgZzYhaPzyFXDqYoQSVyNYJN1DFljk6uQCJKpTbFU6iRDwr6meHDn
-ZsQ3xRQ1XRJR5g8KkNzV5Hx0oiwdXpO6jU+Z12JKGiB0bapxVMtDH4Gy37WhWoYk7llVpUs/jSdC
-L7vSkiFOlqmlu4I1KiXY50XiHakPcw+UwS4xJC+E9cimhvT1ho7LQECr5nITMASEiSz1ZRTxQ8x9
-lRS99eetILfOeJmdeWqm4rTB5r3QrXxTO77PIoWjY9A9y8jedLSsZDLEo43vFjZ7vQWcsLxehilc
-hp6o+i62NFvOmAWOqbr+hjcTvWxVX7T9FqjeNctCuY3bHm9zY+OT0UlSJ3EWzLxpCtG8aaaohgRY
-z0N+gEyzam+IGVk1bTiqbFdsrJBOntjAVYg2NS8JgoxZwLrXQ7PsMlFa0W5dnqGPS+HHLkVNlF/4
-WdbyPbAF4ttt4DO+slPcZ/cQl0Fs6yVOwMMlBWYR26LevYWTy6tExXU/JnHLcJVOg9FNgrq4/Cyj
-bI4Oyg7IHbkzY5Q41ffVZujbKk8gW+rZ+ZjX8bt6bvhthSWGk4JmnB9x0SGghH6cLm0n2f3MaFft
-STYNkILPXtrNEOm4SjqcZfHW8gqGXEzeiqSeEL6m+eLqFFheXiZobPQefB+M2FVZBngkDnWxqXNd
-0mTQsXWvpZqJE+nc+4J2p5UZOdo4N0RJLieZb1FhxetpENOOsxE+IgP8uuWwxqnA2XxtRkVOW0hX
-26RyLVCepY7HfcmoOLcx88dKx2D3E882vDIM1E1P5b7HBBieHNTeFW11aYk5W/IYy6TF3J1NBS9O
-s6aROzd2rEgMUxKMaoAEddPbHiddKciJku2eR7ZcbbUE/5ULvW1zR6Mdkhq9lQa4hyBhwSkdeZSI
-yNoLWfTujRqkuOiEHz7yMiNzQmh8CvkxTYxv8aZa+UL3iBqWR+xQrwTCA4qAGLXybSZ248op9COy
-ICu9yBec7SZUqhu+sg22Ug608g6zkg+3MhATzehksCi7W1ZCMmd4E6TIj+A6swPIM/ShklhvQh2r
-jwP2gFm6lbiUK3uRAK7PGScA1PxUbZpxLj8VhOITvnIbBgCnW0nO9Ah1OlrgJilX1lOu1EfEZbkt
-qngfjG1uFum64ywGSGlbu+z5UAM6KvE4pkuIhnRcyRJUi0Amtitv0hRcfEwo3zQttcm4cqlpJVRk
-ZVU5AWrVrPxqWEkWW5mWgBfYNaEC0IUBJYNrBPpFH0HYsDKxQZHuHMsFPww9cUA6gZ1VOMMHsfK0
-aILxyMrYmpW2lbpptlAmMhfVyuL6lcoBBWovOcfxmZLYAmW15VlVTHrvaTFcVI4vKSdGHAzgPr9y
-v3klgNnKArMMx/CQIEAJrKiwX6mhW/lhmApAiXqlinzlizER7a0C5OiDqDZ0Wrqr9hFIspVN1nGI
-r6qVV+KVXI4hB/w21Qgwm0PHAuXvs5V0YlsjEA9SJlE0Awd9RKII4Oi0UtKxcP58svF8Sh8hKkR/
-v5ki2mwYLgCyTri7iUjfqU0fciCBTE7beOWy4RHReo5A3Mdq1onNSZf6WkFamaBK4ByQLBoV4DEw
-6nboNi7T/JZMCjQFK8olkagET9C2VVyDVYm5kG9pW6ocQh6kAnlxHcTc6Kv/1/ff6fsnhezvlTrk
-yj9S93/Y0bKWTB/v+6bvhXgVS0pB46/CHLPfqruACF5BPh4jqDxAXVWs6vobF5D4FeVMUkFB+K8p
-xjd9jxV04xAwkBhDHTGGFo6/o+/pU3m/jogJAoG/UgtgD1AnfpK0G1y2Fo8Vf1A46/oYCkOsiYBr
-NYNe3nHeN9Uti1oedtbPYWabjky8mFLIgdHn3LbMRqkjUyVP4oLP/aaKI+sPY1ybcG543URz4qqJ
-N5951ZWT20RQFytpmkvJ8IMEydW/MQWgvFtI95vsjtbUiwsIBVAVTWqsA0yFNbytXxcYdSNkDIa3
-VZOskLg+wxBNYcp5XeP5lNTUll+iMDi457st/UuwwUSMoPsphqI3VOFh1dGz4rcEPdUXolAPUMCx
-pT90NTPsYNgQWnlYQt5p8L+6gY4agzJNst2PhwfM830KBuNLSSWFBixI50CAxuv174rvS0lVAOSk
-70tc0UqnnYMUCfKHmES+3LXTmLfdpi2AsRZJxKKlsZcjo3MgKWaLGOlJJwobqsQ5T1t8EXPl4dqP
-J7nCnd/oEtQC1mY8BUdo7QJbj+XTOU6FjkgBqeK9iNoBkU0OdRTpd0axjiJg+50QnyognN3xx+M+
-hU6P47KYSUI4IpD3Ph+36WcnXUTVfT7DmRMJlEdM+FCAirV5Mpa6169tBj2VXVIUjhCR/Hj4+Hev
-LaFXZ02SGchKsKGnr53zQUdoKuh9JI30NOUjEvwWDCnqjm7R0lzoCDt8Tis/92+rgNBSJKEAnIP+
-YiYrvnuyAZwIBsmNElCeJ0Ahn86kg4S6nCub3WXxYnm7d76poQQYZXWIZyBb7QS78ndfXknAloIr
-FCMKiODpkJAqZqacUXvPxAhWvpuxWHC14+3YB7bVKmPiE1S0CfFJEFKKT6CPhzbeDtqhZvyLg4Cf
-eTJoEo0RAysBQ4ViMFSZn84mj5cSFEoXfS4gp6mjw9SBcC5AU7sCOjj7sWQLS3UdZtIkE4gimBXX
-qOjfQnEekLuNQFK9jaHToLUbz11L3oCus+Hzj9ds9affbxPGFEHTKuNYgg+nzxtp+jFTLfLL9HkC
-IQSHAPUVgsVC00hB5UK+N0RvG0CYq9F0o1t/6Cbv/+5iYWAy0GgGtVJgTr/v51GeBOiiEe6zNSDC
-o7QE77WMyTCjbuanNOPg90MOqc5tXXILHrVtahD3BxWVwIESX4C3XT3/XMBdVi9mOGVT1UDi8uPl
-ws8NDBoVKeAjIUH/QIupeBafoFJom9gu9DNUMEUEDR5daEx/6ZdONzYdQdjD5CJZD3DNzb5280ZV
-ywzos2myY4hbU+ZpvUDbzWldAJ7NEgvdV1kHPUwoMm9A7+ZQ4YMcYgKXSKJyxkCIl9jAUyudjd7/
-hZligHZPDgARWMXQzwU8jQsOh/XpMYWTaf1gh+aT5I6XPG2Q4nAUs6yP4zaFJpcIXHs2f/Wepmdw
-rX90Jw3OFFyaxo4Kv+tH+tcGzZ57cQJqIwZDwkDWV0fyLNJVUxXqrHDNp6YFK/JbGirFzgkuKOjc
-0M+wHHE2mOVdXUzzLBPI90dfpODwR/Em90sWHdqalcu7NuqDuAB+swqEiQ21iaGdi6/b4wKN4QjN
-g+TDm6Ytq+XdYkQ1VgkyZg1aGlYfNsjZuIBfUqhgLe8UsEHYO8rLGX6EBeWgrBseaNgJ2a97V025
-BoEBxBGGj1UezWMCFdwSHuFAPMDMdWRXbdA1gJJupyCsb3bQVIKHt4y6pTsDRZ21iTF1S6DmC8Br
-OuRQOs4/WmUz9m5AA1CbrVQ56IzBWwcS5ceH/bkLh9WXCDgw0CcpoLrx7GjQbLY5jhvzacF1aHNg
-OEg2UD5wpTNH2vsRHMWPR3zujaB1kCGCIW5jkBm/GzG0KBRjTcePdOnXwzj2bHV/JMgKgrcYPBef
-shJqpj4ZIZkJ+bkExwLn9MfTWOXsE6MAdgPVWwhcnCDCQCU/NYqFDr2PYlG/q5mtO5p0DloMH5wv
-PHijogoWQ4eGdPpyCCoHj9MU3OVbIAdkcImScjRD0pHcQ9VEibcTbY2akzBiMbyB7B3p1PNlcqdw
-iKBDqUQsA+TCMoFXYy8QnEM3FKAujllZdavlD4zT1wTifTMnFFDsNHwtl3zt+b/86vC/76h87teg
-Dqigg259a3hbCjnB0zeuRFbY0Qd5M/QWgYjlbUtAxA7Lem4ZiCx2KKAFCI7tVMUUfuTdo7KNRLMe
-adqXI8neZpNYjzTxeqnbg24IXV2kXwLCO2+GJuj9wucKrC4b61VT41nVYJ0SezCjH2/i0z3k4DUE
-W1tEwa1BtVM9l0KQUHtIDqAxtAjV6sOWeoSQ3wRu+6s5Uj07+/vjcQQKcP0jhHi2ghLa7DBRqL+A
-V1896JQXHoiZqzR3CfR95rd/bzywSyg6wvutxViGn/tGOmZwXAZdXmRlDkHaViB9yEZWBjo0bfAS
-XvnHA5JnoUKBpFSgQyBMgElA/+2z2OeprRcHJPhGdQUFZ9U1+bqjXUT71Rc+Okb4jxmAvXfQhrv6
-TAg+q49uGw+ROyow5EUYuhHgV85Xobo1cSnZQY9mPVh+Hp24yPwE39IFXc8MNIuIsKsiCdy5US0U
-WtIZAjCcn794tWeyHV4txpQRDL4HcQYC+unx76AHUZrezTc0H1bX37UebHUxi3Z3HVIVsdDk5Pzy
-ThK7Co46chhO+CRqk8/bpRa4y3cxjfrxBmR/C8sxypKCOdNhAfdsdRSDzbLRNGu46CEOHTRpRogT
-HUg8GFB3GYJPkLRiWIo6Z7AUXSeLqEu56UvwMUVMSvj0dX3W2FL9rQMFxT4BnfyQunAgXdDA/dxg
-8LgwMQsfXQ81wG6/+5ovkEJNQ5VCql7k9q/87LP4vg7JKGRKCOI8AnN9Ft9R6UCTN5O8Dj2GE9LN
-XQcHCsQUrA8rG+b4NhsjB93GwtAZFtxAkw9oQIgisEpjO5nuUoqgsnIHXbQKvCt4uOFNC/93C0Jq
-HYEn7SYLkf/btuV+tLCUk1EWnA+4pXU78mpaNyIqNYYf8VzGwxvkagcz4VUFwb4S3Zr4//jIQYfD
-0yADL79GVfC6+L+Y+7IlO3Ft2y8igkY0erkPwFor+0w7nd62XxRO24UQCDUgIfj6M3B6n1PlHacq
-btyXW1FRGZVeDQg1c47OML38Z4uK+nqGFidsHzgHI8XqxQ2ZbtgaM/FQpDux28lwW+iqpmlKQWFZ
-KL3MTTy6LOS1RvkY3dpORuSeSWgyG7Oq0H2LIW2+WpkjRTuUkxq/EzHuFpxKIeHS25NxfSQ+icPe
-VmKiuW4MCvLZndc1ryCiN5wBLC5kLJM7CN0S2k6TpUkjwuIsq1WozC5qPnlLQtOFwWMx+N2u21iH
-KBdEnGmaOPJcjMtGuiYOCaRsF01XnjAUxAyypYVDwTo25T6u+w6cAFNRXwdoCl1tZi2Ks6dll7WQ
-3YX9w1qotP/oyNixNiOQPDaQoVO11UUHMVNL+3Qdmi4fu6syzRboF+IVuk86xfElWROenrtornh8
-0oOS5GXLfTdEL1TFIXwIS8iW+2hepug9juDSfc9tUViA2r6bVK2VSvj8joZ9HC6sB1x03hWppKrp
-oLKUN6XdZ1O9JlJU03eo4JQPkNMum/lB3bKucQPyY07E1cImkwN3hbRuLC5MRkPxAHIiGoaLLyAF
-GfkPDlpuwSiHJKssud8z5TGl98TOmr8DD74U8WmaCDiMa0dZz8e7KQ+D6U7Cd8vq79acdX1/jhRR
-ffE+X6xV14UgvKvOmCsFlPna7zHqpHGu+pXWXUQKs7Sc2V1s12s3R7y/rL3E8d0MdCXYYL3uXf5J
-Ra7I52tMjjVizZqhDkwenEYZS+sFLEcoHse0LPFjeftl1Pcj/gy6IoKvg1KPmNfdQWTib0RhdZde
-JSGKSmjuRD648hImkUAylhN/FBpxHvW4nS7Lcah8DWwDQdaInINcfNxWverySbBIrOO5HLIo1deD
-22jlHwuR5T2tDaUHyFPaJefDRzD+YJdvCRlnjFS0GWzZ99i1Dc9vo4zZcrxLegPB+pMQq6jYaRXY
-CLqT6pMM144t67ikzUdjnJ7ijm+9aeHnELZqpyWO8ulT2qUTvk+KkdIX11XGNBbAAkY2rVyPE6RJ
-Cn58CK4fNWBtDD2aJMJn3H0D5f2UFWfB12PEsnEZ8EPNfMFhLstjyyd+6aqyoeuiMAH2CQXcZaFW
-4nX67Vb5ku8YPiNK/IOzZGb4tpEnR0GQ9MfjSTThaf6vZAzHOE+ECoBzkYssHkU0DRUnP4xBh2jO
-tu9RujZrlWylafqK5y7CEyTOuI+LmFw/YbwivqvLwcIk4b4S5XHJPZ603p8LzCx8Q4Y/Mq8wWRwT
-rLDR8eTzLcLvRiqPofE+wUtxxFZmxTX4acbXNr/ux1qQO69AMDl+lwetiuchJ4xmDVkpELValzzB
-WPyaPWyfKT6yFNFxc2zZfg6Gw6yxza+mgeZ7fvxfNucDZK69jZ5/DXX09vJ/D/Lb6wC9pMN9mWqJ
-C0imiPvXAR6O3l76Kdtw0ybdYY4GWZV1oAWBaHSK1vnbg1K7XzDVAGU4211PCd1YXicD91vxCFZX
-YZR8Kke8JNUALW0D3IiBVx/i7egiOpmn+OVYdrF5pW8jqDRWEPa1t3viaY+mt9FqKtbkYN4PuCN+
-e7Rv06Ngw4jxKUiPd5zycjxuPhykjDl3iT2+hhNe4JebMnHJX3YostxygzvNjuF9m0g7dLy4Stzk
-8SlJb2e8D8boDLNrXvhx6W8DCinyjv9RY6ZIeYqgIh7E9Q5tTdCXLgZECGaqh4baQ/JxVKl6hlfo
-tfdlal6TopswfcCpy+PmrUf38DiDHDg+EFI1/CC+q/BjnOJjOcg9P65/ckXH1xc3dmPXn6euwudy
-kyXwMAzzVibLbfY2V3ox06W8/BpyKrzF5YQ+G/AhOAEUvlzofsA5D4p0L+IXVG6i8i2Ey8sEx9EM
-lZptcsFhTG2XUQMsHoHAAAPDY+LuulTdsZwdzlf8bthcIarzgGIxbDcZncegruCdiWHiGikZpa/Z
-DAPCdUITh9fzxcz4gaIxHx/g7cJ/t58tSh6vCbA3A3JkfPDDwlDJr1bg2xPeKf+xmBjUCicIII65
-D4V/AdQ9ZCbFDlNZPjoIbySOWHkK0cTofJ1THFXhc1wEgf2mG5Uahqtf+LxYRm7F2fERAMK3jcww
-xVxpwTEcl+znmoEkcMSAzWwd2P4x4xVY9BdYdfhaXC1vtx5oN2OIMh32AXc0dOucn4o9TrDLLZYc
-w5egO8JgAgA8pvgbIF3Nw4oRSFx63O/S9yl+WExwvN70wJYjmGh2APWUpMNE4XHpt0LeZzqxeEWx
-JQco4HM3Y169oVZ7ko+WnaEusSy97pjZ8Rn7G5bJgHMAhjX5Ica+MCgWiy9SohmFU2ME0pPfyoOE
-hWKbrD1YjW6owNu3WcE2nHnzhp1GnNE8H4Pn+uzAXlJXDSA3xDh1eLvdRtzl5xXlGdxHK5ut7R9o
-Jg7UVzkcd/flwLJigdLHyI2dAhNQz5+LVefj3AILQo9Xl0DVii+kg9bU1DgM6dG5RmTHXRWTPI4N
-mbNjutnUQsbbvo2kWBSg/ayP+8zfrDvcROW7YXdr9GxRTAOm2bWhxRfst2iBo1XvGAEBid0xjfQE
-W9T5V9M69qhXUVlTqVb9paAbN8krCWMxPhSF0Rs7k1TNS/TH2icisBNOtGzM63kEoRA11ZiUFmAX
-WYflQ9wZ0XUNy7eMh/dridrGfKe+9yb9PLMKWM/FwlEpaROl+zx83IlLIZRzOB3gjFuSRKGmLMuc
-usRhlktB08bjl1Dh1+UKqg/6rbc7eXuWRgsg7k2ew/iI2/q53YyjP/Y/unXHboLq/1i8/SyPV0w/
-6RAmoB+L6zyJI7xi67bjhSwD3CNPgEIOsqgfmcZS7lAtsod92RJ9Eliox6qkEBgfLrmfUxY1JXYi
-CmUl/uiNYDi206hrbIBqsayT1MbVk+OwIqh6jSfQEWTbGU2vVwP7KRQQ0X7gqzNafvyA9gO7hdlj
-zG8Sg9B5ABB8XDkQBbz11xflluJIM5gq0fNbxzb1Yi/hFZu0I++Gtw1reENuDUScmA3RaA5EZLaF
-JQTqHWkUq7kpXPTs+lzjnpcVtKi/6dPuKOM4CfiO0o/HZbmfCw5yNJwj0FJCq4ZSJj1423ZawzEn
-SwYfSV/nfJ6kPHEBIQw7vw0IgPVj0xuq4iixyJxE4hbaE7gu/gFJ/K2hBziG/QEzOMXmBr/y7zg9
-X0DKgABIn7lSBa667LqA1bAqbLMmIscKGj2QLA7Zkjmu/R+6u7/2dsfXFwcTFVNoR/D9vzW21gUF
-pXUJ7O9taxQA1XEV6AOwkv7+q35jJLCaYmBO+C5ggPhvceBgf2JjV0hOK4ZS8t9zJB6CUo3RjJDH
-koIExI5c8OOhul7gCStiCR7Zr83x76/ld8wN6lr8C0iqgL4A8zz967Uwn6XAw0X3TEFTFl/6PDnq
-8XmG4Oq0K5TO/zTO//mFhxwYCoYKGho869+A2oHbOBllzN6bMOGg6Aac+NflBhcNcOKfK/vvbzA5
-ULz/4cvyw/oAiA/a4LRK4a/4HRkOoyAdFERost52jJXvBwuyFdmW5+dA5sqfhWa7fedWOJhb6eAI
-/UIyi60hmneC8+gfruivMx1XhFaqoji8SjgPANH9hjtuNI5gwMzM+/FtUa2o67DGgxsY9vW+8j0e
-ASfuQAcpZJm4AhPx40KEzozbG2/Q2Z9zmBzzuA7YWrYGW73By7E+WPIAt1eaGciifxKE+m2b/fub
-OJbDn0YV1w/6iWDCQI9CAMD9Br+t2x56u+fDVTlFdsibUsoy+1JYPN9/mjH/+VVAhSsweNCqoyf6
-fWVKlsrNdUV39XZy+hzNPG47NRBu/dOj+Stgik+HQoOCjAdAi7IVG8Ffl8MUL5yJoOm3WABV/TUL
-0mI4KhubyaP7WWHOk00siU3LurQjmI56ROU0N0s2hfJFrDHW7N+P9i+JyJ8GHJAbhoBCuBNnWInV
-79tjHIMvgsdyvtg9jfkMNXw4VBIuJqlTf8z7BKK9UXMHiJLWku1ouuol75ZE3uLQgzSoa9SgAaDc
-pQQtfPwkWd516mrDEZurBxb6IQlbw1JQYZ9nYyS6CStSMpmTHN0OhVms4mKWbWVzIFZ3WUhUViBj
-4CfPOBSo6bNHNklIF++HjnsKKY/zRZ8AWhCQkFyhXi972Y6R0Jgiv875MsLbeD28nc4odKG8rYuf
-u8FbxT78HM2VyxQ7IDqs4zRdfRqhLlRphXJ7Sh2GG5VK4cqHbB4PID9620g0SFs8t1hXCezNw7zI
-ZK+n2dKpbwtdjsLV/0YODE4fXv+qB34WImD8VozvbqrjLCyNz8w1SvShSE+6UvhKOaA49zcxWJS+
-a0Y47dGWABYfxfiSoXqk2UOxLZToa1HE0dFTz94CroRp/Ghn6LrNEPPzwUmglwAySoD1teBLpVgT
-wcW/xrI2GVRN6RM1VJfrqTOIADEf8o36XX0AbH8wbSil4rR4UMsMLP5DrwHadjBLE8gcztyaJBGN
-TFC7/bGhg5urm7wIa/olycO2VA9Erky/mygVQ3oS0xzFaCjBlYSlQX4IOP7TpDY823aFGtxucFai
-wfcNKpwkh7iQbGy9GxAUMe8IlxBrj6aUVhZ8bc/j+ULicVlfi1gOG28ZQd061bKcpP00AcCIXF29
-UYG/KlkDnr4r7iqJ7U+cJz4WqUMx+rNcAX58lFvbtBx799vUGH8WVVM5Duh8LIVSR9fexoVMQN50
-qsRlpMOQ1usQefoBe6GqnvVEo/Es+7zLa9516zMMXdC6bv0KozTx2VUPf+e1tMFfARBQ70tI3ptA
-c46cjmWMAb16+4FhUl+RDiElNVYffxVWj5+6uFctPMfxVDNuCYziCZCZdMpvKx1/UQOW47Tq4kh8
-0G0JSSqebhzZM9SmEOqq3j3uYlziE47A5VRtcTZixhbyG9fuOU2IvrUk6m6lnxc4z4HkQiDTXXnl
-aMvpWr2Di8RAb6D77/1sWDty3dUbmaY2Z9TcVHsqzxubwE5POif46GqbGiKm8rziI68rtDWvNih3
-gR6DfTd0QHZKSMa93qjIzxzOjmeN3Jm9HoF0zLAoqO5lDXv1dYymHB2xkx8gA+9PcbrENySmvIex
-N8ruCNCus11mGJxEyd4Bg+uho1oy+j0BY4K2INHJe58K3p/1NkWnZJbL+9kT9O3YCtoZARg32WwR
-pJDLtWpYSRmvPvU+pds1lBHu25wSkZyU0wu6hV7yrfZZXv2olrxEMguL7I2kkEm0JFnEu+CzAe2G
-VLf5vCSmQZCE+hqLWcMLTOLbuUiOGcryg9vt/HoTUBXex+XgrwEiRzf9kPG0rbD7fYdgGnLofa8S
-ju5TR59XbdYfJopCk/bJ/nWehUqhdNCQNe77jJnLR0TBQMllXav3dQg3hesQbxPDrvewJSU2YnQm
-jV+zMbshVTzqGxuMPafapbcw/oUagOnHfIUXHibiB5Jg+fjZLS0QOrijuyB92eabyk6kXKYHzYn9
-vOmA0iYG7d7NMPVAmzE0Zd/luo5cRr6CMVd1lo7TRaHfrtNYLu9CMg3vZr4tQzMsS/di+GY+2aAl
-wlmCCw1LrBa1wPWBCa4AXWHhBb43JFTrE01nPsJY4sVXIfVegyuRHycFw73WPnlHgcVf69TCrm1j
-dkP6iXydqyLcCcDmHug9cfhSttTMRQaNnYNDuopUX4/JQL/aCDV1W6HMEXUuZvNUrMUAB6Upiob2
-e3m1JApidCWhOVk53CBqgtXMheQitC++2oy9rGg3X3Yj9+piNNlqYWT3Y8OAXPhSOndCNbU9L5bm
-rLbEgPgcuqWOuffXBR30xaCcS2CKmOkLnRb6mgWdfRCWqVd46fcfDhO8hSMzvScQPFwgxEa8RzDL
-M8q0qM7Xyd9FcOp82RFic8lGWCeaCajsA99igrMsYEeKRV8BVsmH4qoEv9HoeRKXIXf2BZqzDNfv
-05sknrKzKLL5M+At80Qnbq+SbaTPUtr9tpuFOYUSWy66Sdk/TCRebqwj69OEGJUPtqrIN5jGsDmk
-ZoN1YJNYPICGHpNscbfBlut1v4ZMAf6opgsrJGnRZUL5CfSAXu+RZXcM29u7Pa34SwXa/LPZq+UD
-DvwOxjBb3u9JtEBbVfTnkbL8DkRxkjWLpGNb7duUYb7b6YxUD/U0AMl+6oLSpoFiJT7bVZjPenEE
-3ph83+8sJe4WAqoBTbZUH2Dnh1qddzKcsnKorhJQZw2sPOSx8l0GgNtG3yOWQht3t+Vkh2d4kwE9
-QVs6IMPV3ZBnvlxOMWIGx6UeqWZ3a6S7J4AV40NEtunjuNiveE8HvLRPPsKI4VrhSvEQqIAsNNdJ
-f0OVTr+4CE7oZuRIZ4EEyb30qffmwtPD/U95Ut4Spmx1prGEb0nySregQ8lee9DGbUV3WdZiXyjy
-cjI2PagItPntFpkSY13E62LvDPXgS5JgE0RKESMfs0Cid+VEe90UwXJ14lTb96LrvTyBOd34rUSI
-Qt9GdkJwwAabQ3Qp/Tzv7+FHto5fjtIjbilcJaMaMGpq7YabAa2tHZukROXS5NIxfw/QQcxN5pLu
-w1ruCmlc8VjcQUYIt8qaoES8XdDPLh8RcrFXFvuI1UteoHDqJsidrvxSlDd5GuJJfNizjaUeWUEm
-pu4mxWYXX1cEwDrSbLbJttzPuXumUTfA35d2I7W1jVg3Dk1EaHjuM6h56pST8Z3akmi/rAWaMxiU
-TRrfrXAjTk0Ks1F5D5vPvrYQ7u2tAkB0I9KlbxBcONws0RZm8TgiToTuMDvJKQ4S+RWpHA71mE5z
-+bgsRFSIXihEMabAqWeF9VCBJWxcsiHvgySIloC9BCRnLSegpc2+BDPVmdzAn5RODFdTT3J16tZ8
-vR96oI2tCH24yjqSVHCXxrwEsiRscj10iBOptctLOI5WkMjFki4PUU5D2UjByFyXZMiAaAH6+pjo
-yH73hw0ns3pLL0qxJDt1nqcubVDC8Ug1oLghkVvrkhfvt4ioEoWZgx9kbLCTLniBgnc79N+wCZmq
-OHE9aoS9mCTQ0yDLBDZNnQaV5/dJ5Av3Ak5UsisBy8zXzvsv+867l47rLx3VuajRJsjnFRKJE6uY
-vcQ4PGJsEoUFi1Tut+OWjg+IxnJnzy1ttNG7rkvIR+Grl7l8thOymKyFvd5VPcH+6hf5benYfi4V
-srFMF9g9iLoqbhLEhZh2x2FDnujMs+cSwibb9h6QCeYDJgx0Ov36PVF6eKfNNFenuSy7u1lN6tmZ
-eelO8OZ6dg3wtYPzRgZ6LZVAVNFkxvOAPDIIb+LkRBeubgeWR/fpEMhtqsH9qW4GB0zRFrVpyvzX
-yZXusoc0hZ+mxCHcxtSb+aSTQiESqFqXa22PVC0ENYXGDJ1oSDF7XdNEwh+mINR013OBmzttwIqf
-d2b77wz0sbkI0FStxaJc630b7ANOeRz+MKuObS9QX+AS2HucOv3ZlbRoYFrmH2EvTr4AwApnaF/o
-RcVUnktdiqcIvt/Gy4J/iif5Mgoo1Do0bucyZeKzWtNF1Xmm1OcsZvbGpRlDSpQNomp6YIzIOktx
-04gYOZM++AZNePYo0JbceMQ9fBt4Vn4ZWJd8GpJsvfMgQNtcG3WdAXn9CAwbSUHY04KuMxGb+4Kx
-DHUrNsdjEpJviM5Ck75N8ji1Qzq/Kl9F/WksevCJwGRVcT3lU6+aGdk9CyibXQFzK1cB096IfQSu
-vV7k96Oe01fO+TLU6YhrqMVY8qoZ8LkNUCTMCQ4P5bUsXFq2aOH9aFFrDd2N1Gr5l0bXxptBZ1n8
-BQfvamsaVau/ipahaBctoqve5OnLQb+fk90Pru63SD/meRCvzlcaxwM6z7NyDKIixfLsDgyYvdUb
-tBm17VDS3AVkB74O6RL6ZgZa5+vej+HbsmxYK1iU6NOcBhj43YP8gVVXeH+ahM9ugPV2UB71YUcx
-DznrD8RveHaWJV9uyYb+rY5Qjiwtshyi/BQZCS1yvPv84zKP4+dS+wCfZza3YxyZ+MGtZfIMkqqi
-ENeghquLZeXjZUVRdYPdb1pPwXAuUMpRlJ4QQ0TqIeNrEjWOHQrBTcY5/HYaKX01hB2YRA3hkgsy
-+HMH5YOhcmjEgCLNno42FglCcPamqKmzie2fptlNw2OK4LEZLtuZDdjSaKF23djEdeN2gRdaTOSx
-cBmr6iExffZ1hJw1mhofVUGwM3inISDfkatC0QbddiC6RkqWnF1T4sDNt5aDBqpg3YPKnGzt5Dcm
-h9utYoB0mtkFmuin0QO1yuoA+Tl1Z+u06T913YDAm3bFUgEbAZdQNtnaI6utWM4darXp2nEXyT9m
-Mwefwy859IfN24CyemZxCgrjoqE3WqbWbiSKxZNwesBzQJYHLM8CCmtA6R7ye9z+DxnRMsY4zmLa
-Wqp5yD/lNk/58xvmGekDt19GeiCMacKCvkWKy8GAg3Y/6ASsw7383hGG4MQL9N471ptJZooEQL3y
-iMMxDQAuQmfLxFrgiMB2vHx0HIBCdbegoEQioKDxRhrXzc4Mlx0kEZ4WjjyhBJLw3OQl4kQWt023
-mcPt7TVSutN0bqAdySR7zpZc9wUSpQzvs5vYObMpyHn6BTUOeofOnLWuBPbjaEEiHcQ89yk0USjd
-NcWOuSFNa14qcumXUm6bBpjpAUj2DZRJDi7tUzcF0o8nvUK4QoEdTKq621H6VUiFGAsGMskzql2d
-EEMR27DtGbmAPpMfdeXGlwgiFUSjKJjiauKwdk4Qbcjv8TSgyoIqH47ikypmRCx4C7lHqPfUgMPb
-C7f9VP/f0L7zT9Cj+ivAqf2dilnWDCnyNUWybfKkMwnNk6fgU3U0Pgsa1vLaoIQra9hhNxhtp3WY
-LnaJIQYMlUZeGKTdw3e9x2zA1kokqwuco65dsn17P/cRkvi6NRpPqEDRITKh8/xiC7LIlskqvEY7
-C5uGg3k1yftq6Ie8RTr79M0iVwaxpMKjNZj2CBFnsRUJP6GcsPOV4/ngv3dROBAXVNQpzLAD787w
-j3mG0DWXVNC4pIZODYuJUieyxfNVMqvy8+iRfDM3yH3oVANAsc/RoZbb/AB3a+zaNM7d8gkKAqgP
-IAWFWK2BNMLAkg7fNuQ5ALceOnTesiYGdfh9AG8V6jUbylM5FONNdKRIzBCEw/QBiZqWUECkm5vb
-asopmJ1o4ch+RFjhXoYuqjNI1K4MEjCQSAfA7HUH74+5weg7F8UK97nrM3ISw9OGh90Syip6EpAo
-/IigAQJ4KHR3F2Ebnr+guVz5u1JIe1RdWdpfoYIpbiyCcftXbJHZdsk8Ee/VmrF7qA27751NMPLV
-ugeovpgDMrLvPUIW+nhFoEPunlY7wlasYa8DyVpKhd20lDBRDDl9nwA+LFvEja7XCUCLvl0hMfnX
-mhH4G/NhJlcTEQIqP5s/G9ap85JO8afCzklNS8j5uB13OAfmfavhy9oe4PVEBkXqZg+zGczac017
-T/11V1iIvOZph6qyY2vA5dLxUBigG0YGRrmlZxAtoCvjDIbHtvMZglZQ+TCgMIiahEov646Mum7a
-5vvMaXfXIYiwauO8g8UeegL9YQ3lAvHugoy6GqR6+YVYjiQ1iQL80URHxTsjcnqqUVPDcFwMjELV
-MZietzjQBQRMgEueYPxPERZZaF2cBg+dWpshneO0m4D3dDlUaVBfSN36TP+xznw6pWwOzbrk2+cS
-u4W/Ra6uRbCk8dX7ObeLw9fluUFD0AMFkqm6z0aW3lYc+RBQ27BN1jZh9DaKePq6jcjpRX7G/ATJ
-m2ggpUq/wq3jJkirS7o1fT4jNqNcSb+1DgZ6BAnaamHINe2rEfuvzcZbkaRbfl6KNUfsI9fhAcjV
-kAEMUHKrRy2TzwhM6LZaQs/woCDUiE/lmm9oCmgKt4VhcS5PMhH8w5AHuzY4N1HVoT5veWZNdYxb
-8bhmK2DoLFXsoRpl9slArNDV3o2fs1mqT3ZRqub9BOwRwkTojTqPKT/az120xh1qqxA1ESqPe+tg
-O5qBu3yZOhddW4FF3dp+KBHQu6ibJUdyDTry4Q64QHkVsbj6CMS4LzENuuJVp/DdBxLP773d0uth
-VkvaCI9cTlRrsYQCZQLEU84z4lEyJEC0O7zntpY9DZcpT/34Hi7evrUAt1qLqU4ak+XuhPIluZ02
-xSGxW5NPnG3hE2VLUuvZxbB05sMJqbXsD6hz45bkZHmpUO5fEsKSVwUh96cYb8nrKGDgYEX4BC9Q
-dR/AlV+0X7DqKvcVOt/lSbt4Y8isUnGCdbA/0S5CwoVNiLzgPLAT2ow5a6sSGg+8+241qf2XANjR
-VgGNikGK9Y7I2UR9jKqRPAueEdkQoPrXWk9IoKghWByy7NvmgP7b06CBB9lXHFCD9C2oZLirPqGj
-VVK/t2RWJH9cBFJEwmlGXiskPtbAlw2uPWxCGnAN4O3UI9mgSNkuawoPSdpmKg4Lv44dl2K/hh4a
-sT+sD2v+LZ+IGq7EketFGkZsvERt5RG+YbF5DRCFgGuDzEDQpC/iFvq1ZEfZWMVb39ihsHG4dlsA
-ilkXacjPhExr9aWYpgWbitHDGEbsYzmPEengJ9D9bbQVXQddCIFUCapelPEQJ23waGPRQA2OsIfN
-c61+xCbayrkFtwu922nW6zZwSF36boDoRnfs0GJjDhrQIJ3o9ti881m1oIXps4CEnY+qWpkXLfjM
-Cn0frEx9EA9CqNkhXXctqiI5xTpzs3l1yLNJthqfovutWRVBSVbvmmNnuGJHOMWRULsdd0KKLkZA
-Lu+CL82/XNTtaV4jIHjAn0FSXhbhNlpmNMy3AonPY9GEmFalP/89PfdXThusYQlaGd5ZpD6CpAMn
-81fWsM83WJO6vvw+KH14m+SbTkEOdMQDjxRoqX8gKv9KIR/fCBs3yMrDOww3yREx8GcJAcC5aokh
-7/8h377Rv4lAshzhVAQNMScOmi0fIzGz4b0AKfh2y7+i8X/5j94S3v+csvjn0MX/879FM/7lRf8v
-QZD/H2Y8IlXl0Ej872ltD/i7Su5/AFZRfwmBeHvbf8c8Ilz/EIBkFHLTQwzxPzGPMf5imhwCcfIm
-hDncnf8O6y/xJog0EECYYAJg5f13pAP+0gfYLqGzyuBKiEEH/d+F9f/GuCOkDV+PvymAHFIYClHO
-X2eXEQT6QZgU72yKfKmvCDnPES4IYgE2YyAwEPZlK+Da7arP1Cyja4U85ByirbycrtTaxxekAW3f
-bdY5HEGxzpsgNr/fQvBR/jB2LNseRgu7m6tp6QqwXAhMXzcCtQVQRXechWmq5+9jOUEfCaEttvET
-yjLB6WPcR0v5DrSXBxymiwXg2DM6ORiXitUv8ecxW8ceOWcEySkNkFIAIjfA1NcmVGVUp17itAag
-jHMo8LvCw8BZPfMUUOcKbBELLT0lkiy7PbRYcv4wA89LTpUg/8XemS3XbWRd+ongwDxEdPQFcGaS
-h9QhRYm+QVCihHlMDJl4+v8DZVdTtEuO6r7pi6qIUoRtkTgDkJl777W+ZZX6p6zzhgW6cgvChp2X
-9q5+lRlZMW5Z676mAJAYE7fqDvpMDZpF0cTY+q7Slt/bGiLRzetd9R89gP8vz9ZPD+m/e5L//3wA
-XVQbv34A17Cgd4/f+kN/PH6AUXyH1r/n2wYNCG6ffz1+XvAb7FWTUabnrnI0F+3WW8wqDwXjb89Y
-9VIsA8gm1qwMMKsEF1mrIw3VKidt5z8hqvy8mzgc9dlVPcfCZkX6xl9sicbkdlAIk+ZIqwxVa1En
-zq3Vz+0Z+42/efPR/I2LlNXkZxkP10KKpPNZBFia3u9ck9BpLvhGffQ4lZ6XSRnnfLSCR8UncN11
-S7D99fXWnfCNimV9b3jGsL2yeZl/RSz0GhSZ1te5XkV7DkkliIkwl4txHqRtHXHXu6RVSN/ARpSZ
-D7+++M+b5usH6+joh0BQQgP4i2Ww03QhG2TPx6UfhpeqrFh5Sgqha2Us8iLjJXiMTf2f3vLffMQO
-nxZKP9gr2DG4bd5u1QN81372PdDflSHvijIdXhAQZQvFXS/vEl39xxd0DW5SLsfdS/bZez5Avoo0
-TFQuh1SLm6sfUQzpEHDwtrTfcS+4T7/+WI2/fK4eGWuuT42JsA/C9rqdvNEzKmHoSwKc7gChEVTg
-6MbCvF2WTp+oVLFjQ6HKDIqd2l6Ffsalm5z6scYaNUepWyzkOHjCuwzKBKzdow5nFtym4tqQgfys
-TP8f7gLUu+9vQs8BT8Czb/Nt8rC/e701hLIkr4bx4HiMaR60ynTiK5GUOoaLhmQOpE/GfGKcrMp1
-GOgYDzyD6qJRhR3QXrnuKWNjOL5i+xLUCbCK3ZUcA2AChziagDP6FzJh0GeVqJb7yThXJjsRIwJn
-MTajKQDzaX2GNEWZC7Q0RxpnSjUiLEZPb65gHsmLMbjyLs4CQF1LPzXOF5+yWeHPWeS0RUFq5le9
-5cg7l1XC3SAaLIJDrk/ap7xMA9SVa7vs2Mc5HmDKOKUlTWgiCjO+cZdKMnOMLMvlzWAHk/1B1mq+
-rvW0ZHLmUM1PgW2bUPJZCHpV8ZzKScg7bR7kXQD8349k3LVPY262T0uvW0cXz0MH+nBqn/zKmu50
-IeB4BN3C8gUVj26N0TvPjGblpelLMIfVFLdPVjrIi9ZpxoMzEC+RLUDKwF2Y9bFWgXxyqUhHKMcG
-MhsRO/Iy2j3vtC1sfCWl4ILouOJHsiNA04/+7DyXI5+jD2Lyjh6c8TAGfGmL3wWPM66CZ1dz5SVL
-4Kkz73asnWqywY8CqaVtKHCyXH7cq2lOhEKUWtk83mSF5BiSg6gPbYc3ayoM8Xsxw6+gtKb8OQVe
-nFVHlPQdEGYXvtC4HZAEfUpp9D/6LevpZsA0J7eVsrlPwPrbz43w26c0oZ+VdFVwHQAZfWxLOvuh
-XWfcGYigtQioX3PVU+Tiz2obeTeOqp03k4tMmzauaJ+kzLGpJE2x4Kh4JUoye7boYsPMCxEa8V5n
-+gahnzT94fXzt+XgMNv1bbrbMGsDX0tF1AEzOb/+HdpfdVSBwmbdWNKDxnv9kHrDtJkTEkmYrHED
-g6xjqIntrT2gcInjK9peehuRfYTar5N+cLHg2ffgFzhL0b4pfT0/DwgIWif0K2w29yQ16bRK4kbG
-045RlQpjS+MH6jIz9ONsDN4ksVVpdXoSzOG1vdIBFWw6aBzxheLcKcOUmWVLMAYW9msTff0TDpX5
-ZWKEDr8wF0t2NyvNnD8JPv50L+p62gsTVkK46EUTaggVmYyidsdr7PA5i4fWilNcRiQoxeD4MIWX
-4II7ecT4ZGNiz62zg+Ivmqb5EAdKXg1JIx9c3GFR2sZ0w3Adnm1EGxF1l/FZ6GYHolQhv1TSuNXc
-dLjMaScAcMaT8/uAmcXm/sJWFSVBJq8mNJAH228ScOe62XDibcBz92PyQiVtnF1aNqc6S91zq9dB
-zDTEVtdGPVdJyL1Ln3VBB8ChdBlegowexIapcJJtuLmDkx3jpd4wcUISSkkRP1o13tmNodkfQRtB
-sOy759pA4pCXSHwPHd6eib9orXBAGtooyApHvKQG/xCyLssL2xz3shnXaXZwtZhdeumzvRJD++QY
-w0oyTZmFeIlfOTjsJnlZyPV5lIyYzq1ttE9KrIU5fv1n2fjJY+64LJiNWTzkjFQ+5T32fawfDhgN
-nS5Chvr46LcB88wgiJm8zH7z4NJiW7KcHCjeBnksVuU7JwcBbvBpEa3xe9Vr2nJcKID9o0Xry5oj
-oxWStCv86icXHvyXJZkcd8uo6fR/ZCC9yNMj1rUHL027/xspCIZp7x4Nc0F1M81Hxxq1CaZuZ/yk
-CYHEfCuZ9Y47fCMwcH4Wh9jK7BhZl7bzhzik9jT7Cwoa/n7LjtV/xFhrxl8Cf856vKlt3OwWvwH3
-aCbFCPIZbsY1QTMjH10Vw4RFAPxZeX5zgOHu33qppW9ynqo9sru+iBT91yf84ZxF2sHxr60506LC
-mPha8eX2BPfQ19siwUiIYvGFOior989ocNkWGKnTOSpd8aKXeXDtxDixw8JduGm6kTtFJLq/wcCx
-3kpjUkO7ThvjTBHLWtq5OJLCPOD3TKg19u6QBtdi5quJSvgStJ3HnNcEl3YOwUfzL9KCgKNQWklw
-7ZYtKuLELFjvGaAfVDqxDk5OIsQeRaB/jZgIGhUqWpDdbCZVZHm+vKMBx7PkzF259xT7OPl42R4A
-sf28qJwF/3UJ9NKRySb+n/XWn/UyvYMYSNebqZt9PY+jDvjeAbXcD5p4qS1kIaFh9ez85tI5z17J
-/ihoxMzwhrOy3+BfLtNNiRSRE4OCnbP/8bIM6GqEOqU5J4lYW5NVPLSXV13Z94dJjfJumDj7VnT5
-t8ZS1upkzqZbI+FTlS1vMGGaVqSTk/I0m4SB3ZrOxKvOqpb3Ok8LlyQIR3kXm5GKYLdwsTRWWIyT
-Dor57OsTluFE2u5pLFCLEQHiqPuYyJQnNzVYWFWv5ddz25Me8vdyIBuwqGBdZNZcNhoRP2OqfQe/
-ESDCmgMZ8po55WSaFzyacua28Ev6CFEXDKCJASK0OEdlXex69C4LryRbP1FasohLHcW2Pra+w4bZ
-s1Tdx+s3mueoFZex4o4rEeicsSZTNQzmoiNqckS7Cgp8J9YfDU3RU+Zz4mh5T39RG+/hFpduG2Vz
-mqT+pSzwTbNVtQiCmPokncp2qsi0xED+wmmZYCHGEahSOW6UOiyLDBleEcVllW0wWDGpJ2dhz3iX
-M4hnpvqpYE5yZlw4RfisYeUhl9xI0CWnMl/aG77+7tL4rCzFlIJ91YLspKF6QbmZsvVA0jkkpmsg
-kvIABI+zw/vo3A2QYCRVHsBvepaAXYnX81nSrT4Zd4aeGHTdDUYfsO6PDTZmwD6lcalRSDchxxB6
-FxOpU0bBiWRwq+I7dmFn55NQcwjgQjMS6ib0LY0Anm3X3+u++66V6jaQ9nzkvuZggLTnNhha/dap
-1LSZiFdzhaoOcnTwAqBXuJdMUnc5myi48BRRAb4ldIb2jTTH+gPfNvtyLcsTO1+1t6sCwLxmDZFf
-udskKG/GAq0TkQDqVldt8rHV3PGpb0zr3ExVTnZaonOAlN2+DEo8oxPzHOPCyY9xEROQ744bOyeL
-KV5GuhOQDTQiNVOd2D/AoP/mdC5fiE0jGIqggxAUO49e4t0jWrGNNHZgEapxWleQVGeFYL9iNRzy
-5mrsTO2Ixqxrb0SxMryrlNUmc3vuyGWK+e5jCXT/ThUwIaOJY/fm12XUWnX8VBr7NCI8y6GxgB8e
-n/XPVRTw9Txgx2sPrfN66J+YEoT9evD99XX+Uv34EFtpVBgOZT/OmrVefVOtIaAexrwZ2kNJxlQW
-jp5nPHSi12imY+kgnWQtXV6Xw19f9y+lP9dFousAWqJ1SaX483UpyUsrb2R7kHnpPg9a1R8qIUui
-76BAgmKvanVx3ZS1uJvWU+6vr/6z547an/8FgFexnbm8iPfGHiVyuifotg6ANyhAUC+aDxAtm6vc
-E6z2Q9Lyp972lCXryRvEGIv760v4b8fub0OLv72ykV9zaulav/my1lCmn7Nty+cvzxXoo/c/8me4
-if2bj2fSgFlm4Ah52y33/d9sjH0WZC3WSf7kpvuzW04qEqI8uuU6jRAX3+S/2nWW/psJCzfgOOCi
-l2Mk+Z+0694/t+uhgn6dYermas5630LLjda0hWVrh0DTwHZnuVoOY2CLhzefyd906t53BdfLEDyy
-9itpMprvMcuLgQsCnbl2wJJIQ4KJ9Abljn9bzYArf9yp/5Yt975lxbUAOILjhVpJv8xZOUhvlgi+
-CzgMkxUflNHQc3f76calx3WyF52TFBXJP4HKSKXhV75d/ZgNrGhiR6ctZwAxXI15by4pC+F0hkeQ
-YKb6mPqwa4ZrvBJ0LRrU3w5zcApqHb+kudNHFA6olyDH7l3kjfW+c5Ixot5gVx5lzaw4z/pD0EiW
-NxX0+pcaryKqahHskWEE+9eipWInj+Ay1Cfm79WHsoAvWWr98JHGS32C6khGXoyCPlZDBmIfhunG
-4hy7Vx3TcdoIoJ4GUX0wcfp/w3u0PKacBR69NrnRR5VtZ6+sOclAdlpMq7ihn+L6UcpJ84Mpxur7
-Yi3NLbVJ/tHUszxkxy93TpfW6BaqKRqbej7oTQyMcunMvU+CBCckNROZh9CSbA1x5RlDc0ZdA/yA
-SfWzXibaoXRX5WyvzYdOMaJlPQ9iAoE1s/kqfGjX7lJJXBhLOoZ6NyPvIBZzpwuzf8oKLZiLjUx7
-T6DPUTM8iCdaMY4S12nd5juv9pARzTH3eaQzViHiwqrqL2PvtU85HJ1PeVCYl4BhbBrNughech8w
-VAhAwsNRY6qmwJSXyV0/+YgYmLSkX4qUQ1uECaS81UtUlrR6kubaAz51pRDTPfpqgaMYZz1a3NUT
-ky+4WIh+cW5BOVwA/usENOfqksJJ2NKC7J+AoE27RuoDpx1Xc0IJQeulr6p0n9bpV9Xn7SbBhH6V
-0Kbh5L44abUVfDhpHZc3XVkRImyZ2gcLGu21vgA8CIU0CoTEk66RsJPHeqg1OPvdzDkSs2ofprkW
-W0tlxbWeJ+NLItzhS2GovNwuycKBRRuy4MRHIOA2uV+7oYxm1KfnulyLGa980S05Iwqxr2KNDNmi
-SD4GAqlDFxP4q7X+ypGoJBqPuQavQhIPICk39NrhKtd6G4HjkGD81f38GY9xzF/2aO+O1gb1pMIE
-4naXeC7Na5dTiyPn2QjZoG1ubZ4eiYQDpLSN68+YvsmK86fTa8MN2LzlywBVPeKbdb60WIZu0bxg
-LF6G4dI5gxZhwbsAkci2o7N81sbeOtNXNLemWsRZ85ZlOweEJ9d1MEaJEUw7ipYPtCs+0VZozEOG
-bHqy2W+nVH2tiUI1w3gaUQC4I35KDmR+a+bhguZtUyRVAZTEHBWlatm5y7U/l0oey0AH1R1Rz+h6
-SP2UwHsTM+AZPMGjmBM+iIacEEW+94P9R6wB6At/mh88NaTbwCBacuOgrsVrEINmCJ2OGLRg8Ot6
-TwHlepzUbUBcNKtNRMX+LPRNRn6HvxO5yDqb/tQAlaWYl+QyFc6K7GqzKTm7HV4Lwn4IDLpLECX7
-Vti6nUivglib8DEBZHGezBarCpTJOtbS7dzLwHzMwX44uw6boffirc0SHHIwpU4Fx+Oxvy8qbLVo
-ZAJRPGlOW9wHU5Xte52mEBfznMOkD+WjR9jMysEwYxXOo2udHDk1ejgv0zyGjpYGe2ewEBybcUdn
-XToHs9J0j2ajQhBVLYFBYFVD91EwJsHXHLvxvVLj/NU1a8S6tVG3O+wJ1rEpaW6Ho42ytRhL+9gK
-vT6hWwm2QzWS9ll1MSJI9NUUtLaNkcKbPGNnuKIhMThDUtsGQ1QL3ZchpkPmw0TY/I6phe44ISb3
-iwCmFzq1NqITm+bqg7Ts9puN+IKaAqPtrgA5gvQ6qJYNVKEy3fZAKI8Y0oLb0sncZzLyeH0WKvFd
-LLzqgzYTER4VEIvqCPQp/83Rhuo7RqHy0dKp2Msid0HrLVVzn1QpB3+a10TMQGukUoRPvvnvKfBN
-DMa/jblzmA69OfH85RQYPZNugL47++kg+OOn/pRNGPZvTNIIa1z59Ixi+YV/JN0xzvnN1tfZrM0h
-IADP+K+DoG0Sj4n53UfTQKDB6xnxj7mtRXaGxS/0CGSkc8kg9D85CL4Dc6/TWtegdqOSsThzmvZ6
-xnlzhiHJBjMbza9zPVsw6mckhGFjgVyLCm+ePrAlqVMuCQ/e6noxkCNuTx+phcksFkHdfXrz6f3N
-efH9VG59NTZJDyhF2IrW4/HPr4YHtC2CdJzIe6+Nc8Kcjeax1+CEkBMR5uE02+OTN9E9CfvKp8oF
-qkINBKDNszluefVLMAz6Lb8jRRFclsZHQBS+sVeuE38z4MPJ3a9fsfnuJP36ihF+UKex0nHGfVcB
-2xmeDgBGwxkCYkI0HxzHjxPTXGs3kFdOKjb99HyTkc0cLp6LplQVurWvEDDSEpma4YVwYWHQiWmd
-DV3OBhl5lbLVer1TgEZr8vSuGIMTcQaE8lKqBo8i7V4Dr+Q2E5p7k/U0E/e/flfvym3eFOIwmjUI
-Crg3wLX+/DV4TN7wGZbizGw7eGwSn+rTLhDMhG1Nq2+WfXDfxkb5+deXfXeeZspC3Q6kJcD3sP6x
-vqw39yIuocRuRVKfa5/hOkS78Qz5AEZgnD7++krv6vrXKzFFZaCPQi9grv7zldoaIlKH1Obst7r9
-DNKU3mY8kCkWFm261Ttga5GlK7+JcDDP1T/dNOtN8aZw4PLcKKZDPUeVx+rw7vLopDJ0cBzU11hj
-sgZGotTK9TWAWRRblNNNqHS++v1cduRNdkXjfcN6ASEzUPa1dDFPkA+WY4vMQRN8xG5ncoLylfrW
-0jLaoI+o4BriXe4PyLaW8R9KrfeFz/r60fKZZGMGoHyR9P388enu6NSOE2s3xhhXzxmKY2azWjGQ
-52UpcO6nOc2KL0wmMKkvHfAx1JBZhH7b+z5w2moilSYe2tV8+pb1lvcyOYSKn379FcOkef8pQ/3l
-JiIUlLV1rdV+fpVu72d6nw7WTU5XOQ78DeGwy37lsQa7gfMbwKxO/zBVyhmJSUk9HD81U7e+3Zd2
-C1q/7KpLS5yPDL1yTj7NedUcGRsNYet07UcMxv6G6NuYyicnBxebCVPoOBf1eW41gQIdsXLCaZKx
-+cJhKDKntDpgRC0vZp7cEUZuybAcve48xN3DwMnGonFIiK6RKZO1wR6XJdRnP78uU8d/inVsbynx
-qGTOySmgYEmR/3LTZUfNZ+AdzspfNsbsaJsll19bgYl7BOeF5L4aPI4V3XgkHsZ86FKCj/axpxlZ
-SAAagxlLx8me1Z32+1gBIGhbgbYaJ/rR6ILyJZtal+feqop7BvvSCydEt6c+7sdI8TkggzaDW4yW
-covYt9sZhjSmbel4Bk7nGVhpNJlpvK2ExcC7DW7TGIf9BuzacGCrMecI6CLd9sErPxNGll6ZfdDe
-O1h59mOQa+ZOuNXy7LsN0YY64aK7qfCTnYYa+RlP4vwddkzrRJBemNwSKTYlO0ljlIdjnrcqmUZ/
-1zfxOs+wqgPqDbAPrt1zcJ9AD4S5yHMNQ8nM2bFx5BLaQxlHFke6CqdLsU1WnNGH2TLsTSZ6MCM5
-d9Kws4Y5EHvJVPEaJchSxkCYuqGqQmysuIRf0jg1zeVJzJpcXRdBz1LefDVVlQ9WjwlsHFv9PBQD
-MBZcPd2yhzszxAA8Mg5yuVk29zq952OuLPqKI99BjJNVZ0iBp8yHChvH7IdU0HO3JUAi0aO+JFTx
-NqUgAMlQKI8OMmHKwXDtisHijprjxqBzPrIX7lwtzePbiUfHTaLOb6moDasQ1Y5hdh+QJsjmBTQQ
-Wyen3MAIEFLHMOSg9MSMrNKAKJfdXHpoRETMqWDn1Em1RP7CNDOqzQIcQpWufdlJqEQwWdJgszVJ
-5n/XxomEw43emAPUEn/0zw7W6fhUW97gOWR7StEt6iB0VjdcvknqgdcTE0qBoBc1I4/SrdQBlUbV
-Ro6JcyLypKPKfQ9cV4v4Ws1PWlsxxMFHV1Qb/q9rtwzrNWZQQ11/QnkQVEerD4ZyW6SDe1lGaotd
-jgfJuErnVFD0e6mZDoRiT219z2ZsnZCEm8VubHkF22Yok2XrG3JByZ2jbLipfMAjW41HpQdpY4wn
-xC1OuUliRKQbb41+DLPXTm1NmNXyjZ5H4GI8HTDlWgqw9tHQM/uABpsxPNSXztpkTRZvljEusBPM
-fRvAIZ5zO7KAxy04OPJFu6LrAqiljUEveGngtVuDNJrmmGYGQZeM6VNyIvh7tDGogbl9EqBakiHp
-EmL01H7vMTooiJc8R+bZWGgbEKM92Zr1QOS2OZ7dNlAwYTAE3DgjWtZ9AiuKHwhwH1o7oNBG/YSF
-FKlDByhX7sTsLNmVMSTDg52biGFkzJzLN7h5AWQCCNoKd2FMhrNrHYVZAPkjNPVbRKjdU0mBj2aH
-ZOV79O7zl7ZPLSylcxKjFnIYJdR+zO9xygYs9qsmCdOuZX941TcZwxpTOyPb9aMBmLDcTmaVZ4ce
-7zMMAg+z1+3rQK/Wu/XmzPNOMAsVdBakspHR0E/i7JjONS+sAVZhXLGDBY+4Eri7K1bJfuMbgWyO
-gwhi8y7vwZFcTJ+A0KO0c6Q2gxzWw2eq5J1ToNTZNnPFpZtmYToozWpYIGp465tf5VQz6xOvC0cO
-wouadzF2EDQZEyOHiYJi4tFpy6TIPtQwo3Gbj5wKfkhlDHOo09vOsBUmEatNyWZNqcLHmwodkAgz
-fezwV+uklW3V1DG25J8pYnlHLCC4S9dz8lBXCAWt4ASpLfNDsMtkSEts+89zjXkSEyhtKWuQurhi
-Co5Qq2mB7N777BbIUXTj3AVJ90SsitutaN/MPCGGCMYrcnMw+6je69CqAIjbtyYf68o8UF+LsnDu
-5Cjww3VkYBWfZrdKxAGfefUdrOy6hmQdo1/qAH+NmlQpI1qyiT5pelztqrklotKzWeZUP6eXDFzU
-FWbe3Nk4Zm/Cuywdm+0oNRnt59qUbEuz5jFZtNgKjnbdGN23igVZnQga59kAEcI9kjuIR3d4Vact
-m8zcXRn9aLpRHJTDxE5rTURp913+ex/AX9IUx/TTEgy98QIPSAnS+QxvAjdi8qtkZawUmRnM27Hl
-a5kjDacL+PZpGm6k8nBhTnQmfU8c7Ao3yGGZVzoURn6x7NuyaJqb2pX2tTbgdNymXV1NVwn88TTy
-HfJuHziJoFRAMAYiysvEFBapmPHXzZPfsQuo7r5MOiP7bDQMt6cQikmhPrYDEAp+GeSUbQr9PTlp
-cTt/SROdpNTSIxn0mIHJ+yCFFi/7HolUts2WkZs0M4fcupNFuTjnym1XwkE76e7NmuwpI2QUsyD/
-E9HXdvbRfGHF9hjM+kKUW0Nast9MJQ2KPeI17v7ClmQyqxj3ZhS38AQ+4TkzHvK0515jp1vVY0kl
-7uqgJjttNNsA6m2VunMox6dE9Y5mEsZglBfUEOiDZqBwNoya0p8uXUy+FZs7d/S2zSy+TQoHJa8z
-8obpxfZtat2B8yjdIxkDAe9LSi25KXpt1TgIfNEopqpxuClLWuVhD0d4J1K/SDez1PWj6myee8Vw
-Bv1cnHr/VcD/mID9wzxtrego936lgJ+eX57fztP++JE3fRQaFEzAfvRK3tpP1qL7T8E7jRPds7Aa
-0crgWVwTiP5snKzDNQZSOhNkRlHrOPV//6+fxks/rEPJt+bvWhXmWj68LeKY3a2XQRHOtr3GOP1c
-XqQDDi+sn9aNR8/uUc22g9bI0PrQWfAJ0ibskFW0zYkCtDNCVqNpi+SYZ8j1yz162g4Bkj6anx1C
-1c9AKfr0qgP2ZUdm20lnM/a2ekQyMH0eiqrf0DZfwhSsioyCCXoQ6qd82EgiLqc91lDjMlqieaqn
-eLpdes7pjFBqmqjF0nsLJs9+3mWVDfmyzytQVsU00pNXw94NeIkES+WSfIuksfMNqb/yDtuf5+5S
-jJrJAQ3+Mm5Wj92XfCwFplJVFC+dp3W3YKgmKg8O/7dxDMcRJkrMe68wT0PKAL3jHRvV2wsZEyOo
-dvZY/qslnNY8jX6i7shI6NQxAccGwrRSkuB4XmADjIghAuE9FTIS02+bDwGCqsuSF9NtV67nG2RL
-G/iKPuBn0Uz7fCaSFF5T3UW53YClgMsh7whmL+oNFF45tMwNzI9D21J+tps51puhO8SGg+oMVGdC
-uLcPUz7ZeX2mL/oGmWpfAxipfXm2vKWqjWggoeEISbgZ4eEkXepGOf3dmr4YVlytlCg3S0aq9Nbr
-Iuxx4CDVcbJ4kufix5EaiRvn67ZJ+god0nruhkmwHsLpc3Mij+lO7aYfB3VAb+uxvePEPFzjdphQ
-ov043OtiNmJqpLSMN50tpvXG8ZbDInOQddpr7FtRueSCnYYfZYbxR9XRCzHNSxUWs0layOfkR4ki
-fxQsw4/yxflRzLw+xf8VEPzDgmdRFf5ywXv4Jp/F2/Xuj5/4Y70LrN8cOqHM+QP3T+Pcn31j3f2N
-phx+FPpu+ELWsfqfAgIXUw9rkkcqKh1U842AwHR+8yk/bOQzr84ZFtD/ZPmjlfLz+ocbwbFNeqqY
-EqjJuNbP6x8OX23qGrLDX43Kk8ZZTJTq66tZmbNIt001Q4SyaoqLN/s3AmnzZ3fKu/uWeWSn9+I0
-KjBcHSimm1cbs4qh4O+nteUJWl97RuVDCo7b6B1S45hOhuOY1JS1B+uduHrGcFWo1cDgj7D4qGYC
-Rv3NR1FyAqbnUiwNh9GCZ/7Gb3vdwyvHEyAZWQZwnGyiJ4vc3i1LosNWaee+7z6S1zQ4dHvqqjRO
-aSBdWm9mHAxbL9VtsUtL22xPg01UOUULoSaM8qSp8MJk2KGNk9co89Gm7MVPsjQGAoDBjqW/901P
-OccxA9UXk9+QefkDcy/qYWTLxQROtXGa55yJ1Uvi5pyaFlNwfN+uTsCJUbigbL7HH84keOAliD3k
-bYACMD9FNLpBehXnAIBAEnjkVU96nk9AsHPlb/wmP1RJg+y+zgbElIT/HHLIG9sZQ9iTwp0d+laS
-HjKR3ScluCLOXjnJI3VzyM35Eb6ntc+HmYk4caEHOg0pO0mVpJ8AdHGeVlN2RKV6Q5eR+nkcP4mk
-ouAsBeI3mSaEtAccXBP36yDjmXJmfgKcLyLYHlEhLbAKxSNNfRLPAiM/wfj7kmR0eay4GO9xVOLd
-ZA/Yj3ykmkVOkuO1FCJe6u18xBNAhy/Tkj26pfm9KbPhahENeNoiOS9pB5psHJ6aSpyqqakPBZmp
-Gy9jfrxAhBSqda/altQ3MgvuQPM1YWEWjy3YMbZcrQEzNn1zs9q9qdwlvpuDBo8MluQwGEcy1ax4
-QwJHsbcnm3HbMt2ahF0w9MP6nxgxsd3zlF6D5Ohv/GE2tx4+VQI8CE2q5eKESPzSCFCb/yUbzYkp
-AIQPH9X+SfZKbdvO0S7Jymqp8+RbzOj5lrHfvTNkkqgeWh0Yz7I1GDc71IXrAlpnAmw1Clxw7Yy7
-AW/skXUh3fW9GeyIebEjJ9WC/eTO3xqnqIjEAnwTs3aERULODlKE7Etj2Q1KZM7SSYLHAQCg2DSN
-VYWiHlTkLBoUQX3iiK8JDvumfDCcmliIsnjUyvi4LFgUKtESKjxonxxaRQRHyvyUdg6BC62dfSfj
-oP99XLwoN4YwL2a7wLjSuavgVQfzALjqykVLjVcEMsjGshfte4OYBfQdikAnbBiDJZs+nxYVwTnU
-DmahjxdlTLN3X9pFe4cqsarXA052bhko7awmA8jjxZ6IDMCAD/QPh2jQjSXZZ3ljnuqRDZhqhlyg
-DTdWsYTxPHwdS1Ks9Xia7oiZNHBNcFskwVQiP5BSvUDe1PVt4tnqNA5ZfTCHWc3Bnh5eRii8cleS
-Gq+WzFUxD9+J1pthh0Ap3rlyHNPvgDsCnrUZc1FIpFw7nzmeiicBHmEy12p62RlTpV+ldVCRj4Ws
-JO00c4+xgndWzBjQcpBKRAw853I2MYIk2taxOMJZ7bIKADtrGwcL6uwEZ4fpL58l/fBHLwMGUuba
-M4/UJxOaEn6VokEMO0AZ7OxzDl5p05eU+rUG4k34AOvMNnusoHKQzdY62Y2JfMugdbNYG9S7xl1X
-xR876GlkxQVWcN3aZXMyAjqinjVdT2PWXji/a/fMB71nEz35JikClKhVgHhgTFIeY5jM5jZuamKz
-S6WDXlPNFtIXABhQD2eaMw15GFm9Q6Ot9v361BYkln6olonmU4fEWqNhQBdnuitTm8pVicNs6Ck1
-3UDEeOcvPv1Kt6Zpq57qsXEOhPAGX3tTfABZTGsMNAoAJX/47EK5oHOia1vTmo52CfiwGJGXhYPR
-Dt/jBhMBOYgash4nRZozGiiccZZia2KEh7R5F9sG64GvzhnZCLeLpk83KqPZX6sRN0UtTVhedKIn
-z3y1VyX7NIA3BHkb/1YOxRscy545W88aPNwgX8Z9zeyEED5SqBjx18ehsMFhwOEJcfZdRnDIYeE3
-UKJQJwM1aoJDJ+WewLHgiNcljhpD0rtwg+qrgne91Vf58mho2qYVRbdheEFTCZu+eAiyPNhYfqE4
-QpYBU8fuGGgBBb3Wfped9xHzTrNdgnlEZ9Vm0awCnGP22qKoZbobx0qetKJ7mYrlphzikaxNegXL
-DPSmNL36Fu+ifk04UbOtdZXv5mzQjwuOz4OG8JGeAudjGB4Z7gWk/RpDKzC/iGggXLLedS4QRwxW
-NUp9LF/D7yZBOFdOG/8Pe+e1HLeyZdtfuT+ADriEebxlWEVvRZkXBEWJ8EACCSTM19+RpLq3RHVz
-R7/fiHPOPhK5CwUgzcq15hoz2ThLg/mWNy0buRTOBWOAtrbcR7tVli9jUMUns1y/oYk1PKSYtaxY
-RHJJRJ24G12w9ANJ/A4FZ9qC+O5vktJNtpl21NXk46aQVa7cBHb6tXXEi4y7n/6QVyeVIGDQs/+5
-RiWzrUtFm03ER62932/kOA8vcGph0KiihAwDCz1UU3aD+0dxG7utPCWTtl7QaMhjCEvKKwkJcM3s
-YpXSn6OlZcMYvPs8D6DJpfPImSliXQ/y6rvbwLYxIrTT0a+xb9Mh6F0wBsh51voCi9Fpj7GYv9Xe
-8l3Bn9loNwg3U8x3mADB7e24ix6V7a43JQdDHuiKgHKThWgNeWCSr6+HsvjKtC+HS9Mx8tCFgn+X
-qud9P0KirGbyWVWc3o7UWW4EfhtfwyK4R54KJrFKr3zU+Ec681JvO2eF3AuV8KCzPPM/xaIEXiCC
-HjfTaO+vCTzyDv0Sb1pPC3h6yER5oHEiTFv3h2jmRuxQ28FJlE57rZ11ONrrHB5J8EffplLZX0d7
-fsbvYrhebc8q9lpn+liQ6kLtH2gaTkCrsrLKQWMHs2wxg4uNaQxOGdKu7zoYKHcTmSgb5p+2CDFc
-ynvCV9WL6lFamIma8k6prlN3DfvgIKUjmDJNMGC7o+KVjKrLNr+k3j1wF7B+g32BaW7xRdHN/L1J
-u7NqypJ1V7QZRZXU+0GPEchOusGfnbSw6u1K2zMCo3ycTyXFZmh5ZVZwqBbL/GxXUbWT7ajuVwpo
-iPRUeEnnRXWIm+AGRd550lIhoaXBbecjVNmC4Rzo8EeShhRkXBXS9yDyz0L2PvXYXOxw7qv2Isfl
-U+IFB18JTC/VC6+96z2/z4G12upqLl20enaCRCEc5JiiwYxAu+lZLddNlJP3dzDsSsJpOCHL4u4x
-elGHoQ+sQyGKpAYsXeWfWc3Kz2xx45eK5Nl9WQzJ0S7C/NQWExFv0gVnXaMtBMYWZEXsS6bqMXVR
-G5/jw1hv4jXrz2KLitcms6eSbF4Vn7ldr7cZGORyM/uNpFSXYkpoq/52WOfhsx2tOGhKSJiRauNz
-Sq/DtZ9m/afWE33J/GtJi2CssCtrgV6B6Gp9jPuB1i+OD2p6oCDrxvDUfSD0ayy9YONXctH7vGA+
-nCPppl4VAd35NCXRGnxJSytfdzqa2Vkxc46ZiKQT6DcK5nTvl35whe1l9pWaRWARrIz31dqg7AAU
-Zl1WSHi/JrVoTvokApRcr3N1CnORfraoSMEA+qUVbVSNztBO5uQW0EdznGuW176O7ynbAjBruvF7
-UzftzsrC4iQY1vQc8CAIgEZ3tMrUun5wKF5tUHO4h4l21QvYRB36xQHKWdpVW2mtldqIXoqTiQ7M
-W/r0INOKNcG3QeflXhfOeFE3aAR8OJdH2n7TG5fm0uUuCou+vcZfmmRUnM52F5RbZAEuwUIts3hR
-0WZ8g54QbuaGgVJSBPDv2198lHFpyeaoYxFndbyBvAJNpQIKTWMOkJFqlQCVPZWxjs5RNRM6Bd5x
-yALx2Y3yetwBc5HhsS+Zi9/RlyeoGookvcg1TkobhnBf7N0onXak1OmSwbwZoUSGX8KFHix5HFXs
-3M3dwFnA6azDCvB5p4fFOgNsJ0+xySl2lP/yC1mIHP+QMXyp+9Z/fsMx9igaisNcywdVIl/96jim
-rOnH0+XAfCTlva5iF6go+tlGMj0GY00I7gyZte3yPnxci8ne5wGr8x57vvJEuWp9sgmszyeAr5sK
-mFcbSvvQ8rFnr5hHKXP5JZv9+o6CmDhbZT5t3dqXO0F7NKrfrEZKUMKPfKU+2tTQDnjiOtueZNmV
-D217h5G2/0kRRe6HeY63a+MU+5S9juC8Q1fr9sN+rMJTSzZ613JwvxvSPD7pS9t9Ev7sH+uyl5uk
-ZGWqWqyAw7zNDnnqwfttTZNlXgcG45ZN2Gta+lC5PnzvLAZf2V9rvgndhXAlpesux86pOkIpQPgl
-R1o66+g72zNuoG/Gs9h3S8n5hkFpb5wiR00KqHEfV2zj2A2W3xQx/aaNw/po5YmH9Ro7STMFDRWr
-alCAeawFCwhqglg615smDq3rV14liNHjSO3ici7HZivShkr7K72yWrLsJ3A//zJJMI3FdRHoe2sx
-dxUL/ygLZLoYAKw9dY2+HDSbzrTcZoMdX+k5LTEYyYNjiXp6T+6SBVO17VluOzdRhNOiUsA5UMyn
-T1SPC8z1DL9WOl10VVodhpi1Xe6dKvFB/8be1xR3jY03mZ50uhHqr5ZUXzsPJ55MRwcfngJwaql/
-YBmpjkhX1tOlhiXkcPDM6WSGLDg3abVdSo/sQ5gGu2CtYA942V7ztjZ0r32BUnKOG+8OcdOPpqi+
-oEg242202z01cBrJZ8/bkyF3NxVajrMiVwiP1ExFJrWDLTGzY2+tBknz3jQ/jqk/dxdtUDSMFhUe
-HIqZW7f384sKMu0N+QfMDUZ/HqO9lra+UgPxNjgHLARM+meOlDyNuw5hOQLlYwoo++fUcEQrhkIf
-IRbht2d17m0xhGQEZP88ZPNwRk0JoTEdyWek9XfwWSXd1AENlq5VnrlhrW9feaFp3n3nvEYotjRo
-gf21qE+bUWIhnqI8+KyHBJ8TPV161DYfCaUecgvb3LAfwvMs8KZtN68Ejm12mkxrpzbZaPVwecdv
-sdNdThSvN1nhPmJZiMJK+zTUIybaAmCIPmczbYye8Y6kUKG37piIBzzH0GOvpQtFMLvIreYrBEt1
-XFR23wfOC/w14j/I8ihUEBZkrQtGwqlOPd34PxRWkjs77b2dtOrHOYy8Fymh556kOHoNJOkngm9Y
-pejqg/ouWgZaEZA8g2iQUfJN22NJqVnrngTFMt1hnbO2mypKEtJOuEOfCOUvOcF/7XDGmcWhHL34
-rmHBQsXkiZYstk5CTG3QSVnMhHof2GV/BoAWEXaezhx1kh2vSoaX1F3ltUY9g2CktAyYo8wdOAI0
-++41loxqP9qZvDJa01P+Dz8iff6Cd/GdX7QsHlEOeULa5dki2Fwdb3pOSjl2h5Ia5Z7mTEwpQwrx
-oprPsExE5W47jz1b0rZyBnjKrskFyibdLvGIXMcJTHc/dEV8bcTBFUTCb3BXvAZAHhTteAx19y2N
-1rOZAb+lOdKGZm9dAsAk1qnoCi268Ew6ejj5hwEL4nbedDE1y4ZQf0tk6gIz7C76VN/GBcXYGgXL
-COxxH8/NbedLzAjrJTxtEEf+RoilYmBdT67/OXd8dT4kFiWHPsDrs/KaQ2bLdJ+3tUNPIYezXowK
-hFBqk7mAeW6X4sc/FFnUHzn8iuVbmUK+dbHCxpGaPlmERN8ToZ37KRIlmtNl6revcFmhQn3P2kfx
-NABuFqJkPOs7klGYpG6dBBN3AKIWeRZcUPe9jcdoHDSXyJ6o0sIrRjObT/G4D1PHGD7YWXnWsT86
-9OCelPkin6h/tF9F5Hv1rrTW9RlNKKUmZymtJ/pW+uvQrqxjwYbXb6jRzccIM76LkJaNLT1vRbYD
-4nLW06ew90AsfyfOYmqlEglh4UTXr4DbdcjGZysPXt4gt3FmqbOONPTtOmMuInI8Obf/gG5dN/PX
-q36OWvgh/4Bu48GTu3WlGP9Guw1KGLzSzRvEpCto51y6GeeFxLrCdFjoN+4txZqHJRWfiBDEG/o2
-7ZbhyDxYkGTCv53i6HGKAlb4rHHvU7uSW5V515Gjkqd6bmjgr5MIawoDxK1MC/H55BLUXLxScbtB
-43jhx8N88orG7Ys8GM/8hvVnEwy2LA5/UXKp5Dg0McCQY9dokbmFyOAee+l355gjUPHP2jDGbxFP
-0cMii2S7sC6AoJlx8ZpyYT+A13cQHOG+93ksh+p/4OrSOdV3W1tOwwGD0PxilRI9ExsW3us0sxEx
-LdOAq+hAb3Y/mEiIVebrb8DdciyGI50/dHL/Rt1NrUpv/cib78UoB5JPdikDVIogFqRrxY8VRKEf
-IoOXuWvSJJ135NSWuwX6bIn09r8QvKHi4D27bNGEoL9zeCkR3C4WYf2qAvr5y2DYCTlOhzRPulvM
-FNzPBY658074LNhrL5wbhTU7xjz/kHpZy9qbarX05zdab9aRl6GtJLrsF2v4DNLGvrLraTm4uLHF
-HF6Vd6tEFN79txzfQUX63nU9kqH09DBL24ZldVOLqHGJGbNsl/+F80WOlhZXZPghnPyF8+1ljXPF
-0KcF1Vd1Q+2YVs1gke7e0HUe7DVMzwqfpbKpsuXlFfULz5RAbQ0GgFAkmK6yGGw4TNIczmgg2pPJ
-YtelzMtmxpDacdjB/gr/nYO0gCzAOKjPezSep3qyhz2yjfJCYi+liOwd+6KFOPgJi3bavqAx1bvM
-mvxt0PuvjHXrVpadvBLLFB3rzIG1qld5oAsJ9ZpEswk7ahouX+HBZG8xP8D598Emvrvo2246GQei
-f9KZIVkaK7tbsgJXB4MRnqllbFOp6stxiJ8t7Th7FqfkGGQCg3nDFI41U8Mr3Gyfd7T6ZE5008wB
-JJxF6LOA7i7a1eiI8QdOHSMR45Z8c3+mkDJevqKGke9/p9Dr7DVqlZMiWp7o1Mq2rk8/dxIVpBWd
-hMbVrl8erdzDVq+HZv6KIrYiPzpk4JW2+h8ecVs2yMhjxLiZNzu7ACTqZhAtsay90rRY+cuWo8J6
-XPo5gBfiqPEmogfQJdCrqt1vmOIlY7MpkI6W5LN0eWGFHToYyjfkWH/xip0yAskGeofSLX9vJ7fK
-m5frCV9xuJHlY6zcL17KYi2sZp/73mq0wU9x09M5llLwmCBMwN6hKA+0pT1xndI/Tj78g7QAQiU5
-KkDb3MajvW7SdL324OpvqqL7jLq4uAnSEfsk90hgNRz06utv/0VAppHfPrFXImRAxr9hkOu46G6n
-sbsdW7fCma+N2NodcxDMKus68kBeo8/JTrvGdi98bf3wrXC8BBKPzw7rP1Ieg0n2Y//LMCHaxlfp
-Qks5n/bVr06U/1+2/peytWMbcOr/LNP5v9WTKv+Q6bz9G/+p0nHj/6AizJShjcOACyhNv1Wt2fb+
-g8SvQ01buKRYfoNUgrbEW5ZfpxtDeMIxSppfmh3BjyiD81MPB1Hb9fz/TdHaM30V/0h2zNehaYEF
-Hz0h9wkH9c+SdRTqpYat4f/M7FUWL3TPJtCFpsm14F8PQ+Euj0WV5sOJWrwKXKrCbfd5TirZXFDO
-bTv3RFrGKKHECZJpCdrKUE+iqszmT71dWwUtqL4M1gCcM1uQRXYWtbzGFmbEDgKXnBFNKrIiiUNC
-arPmfoJrgVAPV8+UJdvHg8LtNutoi+jgKc449APTPAydmfyaFSUnjS5MSp6TRUK88duL/O8UTX92
-pZCBxOPXhOf8V1Duf/90SMCgyler+CnVpKGwYUUEtX7T+x7N4HEKXR13Sidv6heAJfny4Bvv137r
-0hvK/TToj+dPH3+l1+6p319YHIaxI0J6O8Qr8/PdCwsLF/2A6tMfDrCv8pKCIh5gq29Ui4fMCnKM
-1moMZp0CbaSMkDsVsyxN5Crb8qkll9mhIB2FVZzRvqzsbL8mKWKmtZp5FfuBmhE98H2QWPMeDFQX
-XK1rSTlpX8NCEB0WYQoro3/pnvmzY8xHhWvGYAzjQaDtYC78OQiTrESHXVbNT3uidHiPk5DV3tVV
-0q43Hz89I8D47eFxIXCshloiHIzCud6fF+I018VrMCc/TJ+MQQ9XSenbG9dmhqOFLfzrSbXCOJQG
-orKGrcRGW9/RW9wULx9/kz8bu8wteyJyDb4lMv047zEqjpcu9C8UwQ9NlTG4EhRwaKPpaXkJvTM6
-0EnP/W8fMn1NSPyER2ACn+Y9DdpyUguTrtB7rsaub9m9FzqjKDxFawKg6+O7M4Pwz+fMwuU7MUAN
-lz3qPSyVY0VVyly4P2YnpSD1k+YEgGyniRwZd8A5zSOulmAc/w2a+tdIEoyhwPyHejGLrmmA+q1f
-zsPHuccFVz0DiKc+SFbI6GMTMrQ83Y/v8V3Ll3mFgIJdtJd0rbF42+8GU9G2Tkm1uv4xTUEW2sdk
-KcOXChJah8wlJICX13O8JnZ90eZ9E9h7obNyfSxUKKUH+5IFMcErMqnj26KgGRWcoG7c6qLUaR8t
-x3HyfeA6H3/pv16MoOge0ynL27Gd4P2C5sT0OMxATJ+bBeg2nhhWXBYvGqWd+NK2dUBQliARGZJ/
-e1h/v5iYtwIdw6bH13Xeg3sSy7FniYb5+yosx0Xdj5XLiHVNJDM69xyPs0/Fydsvwyc8VmH3EF32
-ND5ta2t29UNeUwlqNlk0r8P3lFRufOI1gbucw7by1b8xnJgX7wYwXxAarpkm1H8j5/27FSnktHrs
-2+9ZlOMgjlXqMqw3ilQKg2pdIBfoQ6w4DlxZXpIzm1SDQwNUhYA8PNnb0k+XZwZgXbwE5AT5hDwB
-kwaT1aHH7+VtAcZKmdVFzLiif1HQOcGf6zosGamazC5vp+mHgG248cjJ0BZRJ2aJtjg3cUGXfqbo
-loaxYf66LiaEwA9spXi5cwGtscjbax5gAeH6gOGmDYCv3EBf/KL+GUyjQ6LKIyO43jD9Y/GlydF9
-PPacLPiOjiziBtcmbIK+4Cgii2Y/wl9bH9fBC/WD7rtA36mCv5k2Gf5nPJIs45ANjiybsULb1ITF
-5UKjqLSMfQZlKW6mRYeFrdGCCwlew2oqXH4zcMhpZ5Q+Q1UHB6HnbLgdSFuwmS0d2aBhq3qErhg+
-pTGXtsjF8OsrJzWuZqUol6487PW6r12UC+Mqobv8soKSiEGHo+bmHNnIMp6N+BAylmY8D3l0uc6d
-5TyC3sZmaSeD2TM7rMeYbTLqBvwvWspsZIJ+3YAoOJ1glBPiNV/sbJIkPFBhNww/NadmEatqPMXr
-PS0GAf/I0RHXxVbhhAiz9e0hdLKDC+zluBLTzOBGLf4/XrYKnsHo5aS1j7PMWBwXms+DK6D95qn6
-JYhWbyMiOfIL0zSQfWqqfrSw+8xic0XPConaFpkY33O5hB23x0JvhksbD+xaHm2LDJoiCYr6Di0f
-4tgTigVmuOAH6TKnNL7hjJrURcG0bL2ZxIvJzzpJeEILUxl5ZxatqstzR8MGz7CddcH1BQujk9xH
-FcYIxW4Nx6iaTpGZaI6I6dqY2K2gB4KfLRw1zU0UMTTbyw5ydZPuWyxo+cahq1kF9uA9NTfTuokZ
-v73X+fwJ7kbn6bNYaZ9PaZeWRsPdWIB0R5GdApglDnPbga+EvMVcaBohMRY7P87oMd4iIWUKLlGH
-NnDnrUEA5wUmE1+vqPPIxG2JBh97pYwfyJd89PnDNvYWY/hS+LF5xh1eo8XLOE/0IoIaC82YqwgB
-/WMB5pznQ4nADFETWusHGTX8b+dQlSFJXQysDYSOK1GGP+XMcxpnVrN4mO6mp6LzejOlffBG7a6H
-ecCbEIq4EXMm6Xj6IUTMyVMgoSXVcoQip4r60vh98YFdb0BvW9IfoxnVpC6NdUsZr444UjnEtGhX
-2A9xJvJY7xzACWZlyqqMZtHABhGD7EPSjV8uqW+joDSsyVTbcr0RyzIz/COFboxSHVXzpSFQmFqK
-ukLosqcqPVSdvQ3wRs6vWyfLqSoQq5s33OR6QUSI6EIhDM+VbSwc5r4bWrWdK6WsCaNOBZSRM7Li
-3XR+hAD0qVFOw800WOek7X0MeMTHTpdK9hxBxcl9KvcsxCw3+8FLC7yUUonSh9wTcfusN4mLVu6Y
-eHSMp+kmKllmg2ekN5afmcV24Z6xmS1XiCF9NmcZRbg2G50QUj0kKQYP0h8zEsm1dfKkxHWXP9nj
-rBhDCV2GZXpOlmflZ50LoBm6vvBYKlXX8JR2dcn7aDazbTljd4X9jcuSW1Ci5i019AGzF7RLPfFZ
-cWebVXDk4TNy7Rzphj6xB0nen4qz6vjZ0CN5P49KWxvA00AdH5N1f0xZnqQ/Bzw/CqqsDpqnyFwg
-/6gYULrrPTQxvP1uEecR/Wv+MaoUCNfzbLZGLu071cz3Z7lkO9JQNdnlMRaSzLzIr8wmizS+YzjO
-gchb2n/pnmZ9WKLM8q9ne+nxmWaJAi0saZrjlqK2b/sN2lETYpmM1fJcRx2nkV/nEFZ983AmLKnb
-+EAdNerifZoVk2edjsW6UlgF5JHuumRqEpI0yCLuk27m5inbVaz2epnw4DgJC7JzsKDqLGRiF+NK
-OE0dcDRP8NewrvPJ/Gzxcedxt3i+mcA5aC2z3CtcoVZDE7V5xl7Yx/20IRJNbeanlWJBQjI2ESFp
-bOyeqdPkLLs7FZdwYTfh6izBNxpGqv7erufqIabthbRzD/m0OwtwDynp4dejfJa0rVrnPbBrCqp8
-U29L92vefQM0FawnZdi01Q+/qNb+rjYFgaeJXtHpGh8u6r2TVQ1gcAAqSIroRRMLue18z1fjyTSJ
-SF/1HdUEpIe1XTsXXsW2inHvQJ274x31LPJ47q0Fu7Du6UhDQKxNSL/20wIHMlwql/6K3lqGrxBV
-Rv8+qIbFT7cFHV1Gv1u5C7BRkMeZkzBOkxS/RCJZZmMIZnFdd3EOkbk/SdwVDhCMITzogqG8nGzb
-kSc6DlMAbgRo60NKsrFl4wsGqpQAh6KN5w+us12QXSK1CtJBxTv6io3mHG+FfptiNnkMXW/Yda09
-redJ3Nj2wZmczD1JJP71SDnCaqXWk3jCupGQ8vxPmEpR3j/YMlxkt4+x3pofDLxguLSgzFp3vuWr
-9XFoGNXoO4Kg/7SGOkVjWeFo3csDToDpiuJQhzLYxXBJ6PrPBxppV/K/6FvjsvXcjJroqyDZqfFS
-/pG5SAfnHcn0pYMQJzwoCWMo23Dj0rYz2IchaToR7cbSFlVwSGpcaq8oa1tlicxYEtZmP7MIoTna
-rjYqR7fdOQKdGq6cHo2J6VXvcjPFza/o216qJHDuJlTYwJUnRHFsS7L2aik+kb6V0t/JZOrx1mwx
-FyFGwbtcEI0l9sSE6efFxJqN1UO4OvTerM22ErOQMLm7yISPPRs40yHD4piloQbSw1KSg2V3kpOC
-hucU3aGHK1h0vkJrJyQVWYdW8BLKWsEuMzQiddfDEoZ85skoWhOnAH4wJ4cQ1T3fdkFgCoVv7Oo8
-+CIa1fBVHGmFZXxIrYFcAzVOwTIplCKyj2gTlu7BdwVR8GQTu9G6Tssna1kRgXOZoKpNCZl5/ACF
-vcc1OFg9OrDcipCocTlnW6f1WNvcKHEJXegomereLIh15bJHT1AfCU2QbA48IGwWzc4ZddPMN+3T
-LOTaY7iG7XqvfdHxMwwBZz7MLtqEuaRE2/P9VVyYdbL0Qzqbtm7hxHyjhjZOp3+K+9jEqzF2xeuj
-O4x98H2ibNSeBC4skguANZptka4LE0s1MjQhSxYP5hkNbRMMzsuIz1IZ7yZcTLCuZD8kb0Cdm04J
-ctl2L3j8rOGLCZFe0z2Bqs0u9WsHw1qB51ji8c6KFsSgaJqN4yUWD1KmfhG3hyVH7PVSjRYPlmWm
-MN9gVBaiyON/Pom1YwpByKZ5lPxQk/GJLXg0NFql0ywRTr0Ur3hkuU0ccCfqORFfKhwPy7O318iG
-6TiPHP/G4SHqkpk79orG4R2NCnIYtLy01AhBV6x7k/irLgEclEdcPdN6OvUJR/XDigyfu3JWaZJP
-fQ/fNzuVdmOCCnuAzThtJncxB/kIM+7gS02+zplhQtt9OOyoNxOlpG5ionndShATR+rKSkc3FFDd
-Nr8IktDm+yBCMvPAgxjDrWoYA/oBQrqZIh0NiiS8mqLjFxKNf99T4VQcjfMOMCGN5smYA3Ls3LAi
-zk7fdtdM65RNc2wB4gVbz5NEgQAbTLw5BGY8JlVREFnbPIHiJVnDhj/w9+a3iUr69WaqaIiOdg76
-R/YwsCsmNARblppg3pPm275Nj3IQvBcI0y0vtVcsfPWFN3s6/YbjYwosU9A+EzKrO8ZCtc2RKTPP
-fJS5vPCqcePmsp6cVA+7tFIRdAY+oPYIaqcWfPZ2tHTNtRqkvPrBlhoaZqEg3hS7WLcc+dIwzvsn
-3Y+5aYYoqWGyuNDl6V34kzOUDfpSl3FW2645BBZScGKzHTpjmEZ+THjJwZP3jOXzupx7E9Koc4Cv
-y6wPswsF4UlnDjzzbfIW+ajU1sQaqo1gpGMHSSvLggvL64k4WpuYwGBOU5vTF2pTjz+lnFnogrYs
-a36mFYBeFvoEbbBAmcw4juBonyrrGAXSGx8QCnkjDpyTw/OHqmcO3WEQmSisn2mdogwVwxAZNqls
-GR+JSlLe2lCT0G13c2QBvMh7ekSIUWLRQi4kCGENWJ2O495pF8pmwpRD1wynAJIPH9Qnq1kqJWty
-cJShwDVyj6kxQ//oRA4UxaVEf/78NvUaXZnQqrJqo142AHrV7QatlRkYzWTyR7T0v7IPaImbmmvb
-n+eGJv50NSduEVsDD3JyQjPFOS2n8jIAUEnwip1ZekiQrY+3wRyu6jTCbaVCOepypmBjQ9WecgjE
-uDk8CWiO4GNif+hZq4quMZGo27is4tvp7dQ4l+AZqE4VGpbFJQH/iH0GmSu32lOqNKfAt4NFlVBD
-JwewIiVDD9yB/ZK4i6yceH2cZxnoHJJgmG6nrGl4pbkzmq8OLoOdcD8D9B+GvTWjKrkMJckRfhHV
-wnqzuBindJuB12hRFC9Vnr+azauVykBGM8uT16LGjffL28oR00bGM8S1yozKj3Nr/03OiBYz2jwM
-rk047xOsEV4YmB1X0/c5Gcw50yiWM7Gz/KWr4o0ae+73Xy75PqtGmgoetgCL7RsjtPd51kU2TWQP
-4EpFMJnqzdvQqCLkjP92d39fyiC6jNkXBSNKU+8yqy5ON/iKee333E/M+tQGvqcJClmsWbs+fpKv
-2cDf88cOqePQ8YQb0u/7d1VK2Q4Ke+Aw32evHjnIjFmN2dtWDH7GNISY4LAXrtial09jg6shSRQc
-SyO0vQP6kiuyEKayEXPkNWvP28r8q/bRYIZtQqRQKPYERJgTf/r46//1qDzSwgS2Dt359ITa5ue/
-JaHnPqmHdArF05DTgIKg0+7NsZDNlSPUx5f6a8x5JIZjSkFAD4GZv893E0blLpo8+RRnkTcu5KCj
-Ynp01tBMkSBJp38dcu9LKFCdHdPjT3sKGXaoAX/eXN8pL0rJ3z9JPzNr1DDnZBHHnJX9LnVjs2cl
-MfE+wcTCn3/SAGP316x2tTj9+N7fP2aqpkKYWgZlUsAG70fkhOoCe6bU+0ZOgqMjqlayVBGEY1bA
-j6/0/im7wrO5WxTjXI3k2LuaG11HHZadhfNtbNqwvBxkZY7mecFJ7QhsxUSNH1/wT9ogRROoj6Sd
-KfJiRkjQ9G4EDUW0spgsPWwi6kTAUbE4YZljUVx4r0nfVTN02TxdsngblkiGlv3HX+DVPO33GUio
-hYuL7YkwxFRQeO6fr5lTYlY5Mmy+dZm9pM2eWtZa7sl6ZHFxeAtbdJ+Z0DjwUTPSwvKWFLfEYFJe
-dYDgIjud3h5ODXabZ0Tqf2EWt37scVpY6S1mS1Dl1EZYysMYi/CJccqB1TqchNkscVFpMbnIEpuJ
-v6H/2+Rfh3AkeeRA+6GlUJek6PYRwbw7nOaUlhGZtKVlYiulaUFatlbvhpxiDFaHdwY5ltgmBL3G
-xyPqknyt8C1BrwjtWTXL0jVBUxENrxGfix+S3CYFPthkbRRAbdJjadGTmXT1jLkSLYoladmPH/9f
-Aw5PO98OBCxTnGr/GtojJ4sMcczytc063I+OqRzMESheBxMB/EpZf3xJM2//eOEstRjGUqOB/4iF
-xbsxTqEM0xYVTV/jNDA5xjGPg/ISaZdbWle2opMooS+Erjx5Mju0pZOExXmRv/z4a7y/c88zuFPa
-5yHXM+dey9+/rZ1N0DUT7zL7WrakP8/ymkaVT245uf2Fq4arjy/2fgUBww8DkUxRQE8TQNp3gxwh
-UpqDi1LfdAcg7FEUoRkWRSFNZPXxpdx3U5pPR9HvRwDnqLx5nv2uWpjSDVTRouJ+wrsLwV9C+nJI
-T1LSqJx0c9hZzAUK3jX/CEnYMC5ngXEfhzXRR68NIaRgOPKY+r2cvIo41Fl9E6jnKSeULGQReM4g
-BZi01myZNEA0BC2TUEeBSRPDn+a3teV43JxVCvaiNLVMpYgeCbNecyAo8aKxLNbR6qShp9Z/Q/38
-QYz5P0ilbzBeHxSGqn+OMZ5BzLpiM0/9EFDm+2cgQBbFdTDOnzABMjszTj1myllTy8n54+ftvRvP
-5p2yeAUILiD5so6+G8+oQ8mpOn7yEPnt67VGQeoUuIAJ9UeWepagt9p7hUiHp0DPncmS/vpTr+md
-yDkg2Dxc4Ycmn8lZULLSuSCTyChYZTFa64ViqsJsyGVdTofFGzkw7Wnz4Hicryxq+uRX4Y9qkSki
-WVXhMnfWyF75mW5r88JXUXAV67U6TsOQubB2yIAi5zMO75QfHaIWvIo0C3+7G/CcNCejtxIaM5Kx
-W1DzYN9LErIc3mZx0Gi2/7LfRn++PkMgppKPLbUdC/ZC8f71ddyBjmyZPFfaC78UPcq8E5fy6DEo
-I+mT48+GExok4vOFbrlkJ/2kOdZuWT3qNIff20RjQ9E09TYxEHa1wVeo+5RwflU31ax0ts0iDVk+
-Lm5rSm3PWvqK/tMeh6EttZzgWgt8UDM7V5fsSJkBL2S63Fmq8D6v1JH1GUifQmwkYHl/R9aQfvzV
-GjgcVMDYtxCybnx2pfLErywIRUuvaRhYuj018eoxU5V/VlUuVYLCmKixiUyU8Aan+oZqQpwvM+JA
-TPs6G5qi7MMHl/35SWKGJjZJH2SkMFKcyxDnNw9T6I2Puedl6KBsy4e3Q97uK8hiTCgt2d8HvlKE
-Rcl4LKBLnFAmWOSW+RTMUAnj3NrQ3qrPqoY28CnWJGyyovg84jBM1jwZS1TBffuwIm7fEX5aGdk+
-y9/agX3rD4v93V0G9c0JV/9TNgocMOegPi9DkGZ+vuTnH0+yPxdrBgRlZRYz4NvU9AkU3q1pLemf
-ENOO5gfvC09RDAXLfVC1A5rc3g4+fXyxPyf028VChHJmmyeGex+R4PFGaNfHzY/ADms0QrP9AM3e
-BUBXl5fa94woOm3rW0qECIA/vvZfI//1NtHqULJhEX8vmxiFiv8fe2e23baxbe1XOS8ADwBV6C5/
-kGAjUX1jyTcYkmWh73s8/flAO4klJ9afc52LnRFnWyIJAlW11przmwW5INlLhU27BEtfJuMmE6hu
-P9gmjr/pr234+ClBcSE8WAi9wnlfRIJITPQercyLNsA64czDduEWFDwRsR6pdZ3rmX8dNRgoXDU1
-nHItejyi2z4yzPUI9DR2EeuZF7VZOye5gnWd/RZMBX3F9j7LOLwATsxKV281eaX2cf6adURE57Rn
-r3p90j87MXWqqxUaeaDk512IDHC4q1iZSfcmYRanDQ6NtdqZXvCwtIwSunqjBYb6pI6tADvriA/O
-QtpyF725JMsxgGMQ10WwR78/EmiK1YySGJEX2S0XH8VtuBVFnO7GeST30kkf4fuN604PGHpURIzt
-ZD6R8/L7W8D45W1Yi1hz0YNoCMcAnL89EWuJnzE+CK2XoGNwQDsNb+1oY+BfN0xJ2nUP0XBnZS2e
-ddDlGdOeItsV9K3OwAX3rUuUi3Ixa4HciXmicVYTmJChcjdWdaKcRVNuHSYxbUFPilt6oOlFofCl
-IdSuxmk1tyNjF4ys/soqHeT2OsX3ZoAmMplxBJGrjLYJneJdBN3mAi8TNLDCb7pnrHzdnWroyZWS
-E9eCTF0bNgJaB6iMOgpuh9QJY+AaKh8AI5eDBz5gBGDFVcwghD3xRoKLP0ThJD9rdLV9l6EDlqDf
-X9zl2r35irm2wO0p902qWes9Xb2jJcz3bvkvVSSNc6US8T0cw4lsCnTP59qwZGT8/hW1t8JXHjSL
-MgvVLXokgQRPvqtjNUKd64yt81tcxvKEthl4Nb+blFMalXjTACKw0htB/VIKNb3H+NUeIjCRV0rv
-iM3v38sxE+7tx18075gM4R6hxH0vBqyHzGjsIM+/BSMDBur2wv9S1HPYr+ECGG4FloQOR7ZkYbYG
-vcJ1HJrGLkQOu6ZP4jgrBp5ZiDHVtB6iNu2X1i8t9FxpwjOMms2uEmI8N7sw2AeGFUgXl4wO+WPS
-MP0EpZoR2K1Bdiddwyi3CpdlEyetckZQQs9fGCwFbnI4XU4jOeAI8KNyEwzs3ivcI8khY8zLiVJk
-IPjSKs2RlGBt9nqGnvdGT2nKWaS5aXUAHmGW4kKtLeQy3ImMi1YmXb9L4UQ5I1cUdZieR+ZKrZmm
-wapB+3A2lE7TuEWE33DF9Su0PeKUod6q5Gd+xtwcPZAy1L7KSI8Wjk6Mqf73386v6w93ioNoDuka
-UMNf+npCZxKajEPyjcQI1QI26sTPqDwmpoZ8ZdRU1svcLHyIXHme+niA32T25UdhXn93w9qLBJmt
-z3YkvYG36w9KqSZrZiv95pN51WG25gsBZB+mhyg1W7wF0FkxYXYbEGK+VwI8fAztui+5T2bt9oNr
-8jcPLJY2esssHWgt3yt256wb+gIA4rfAUs2bytSaaz3Fu2fR2D1lX+zO4Qe1J6XMs306Cu2szS02
-smO26pIPgSA5H3qMoZ14RTlfkStdRcnNB+/ylyMDSH7k8zziaKYpKt9dsj7zp8ypZPeNrncV3HGy
-gLZFJxHqRoM7VzeJMHaHZjYhg9VG8RrOqgWoDBjGsBVW0dwbThocVGtI7jD5dkxI2AU2dVynXO4g
-htdfMe79fr/957P4yGfh/J4O+P/qiAfqrdHi+CN/GC1U5xMWBkNQpXBYOMbd/YEHJHGGoxu6YLgc
-tqOa+l94QAsEKj/1PTiG/4cz7h90VJwWOswSft0imtXsf2O04JD6Zo8zVLq0vK8FTqhqvL33Z8is
-srDGJ+Zw0KISPQ7l+cAMGNkH6dkqbOne1jOOUxYT8i0cvzRTP7ecRDWqyTJrboEftHPtLq153Uu5
-B8shXll9XpX2DbAcpKiwjbDmazCzBzAhGykGbPUEeE0g7oaB8Qj1mp71+7qjcdM3xEp3eVue5elE
-DDcMCUoyxy5zGKzxeMKG0qt7HJnT2SR9/xZJacmB0nwgq7zfDkVvBSt1dNaOEZeHeJl/Z1QzmmsY
-iX4bmhExTRE5wohMsgUpzkLkeAPNhoH4qJk4QDMl2n5OeuNJLXXWbOqf/ixSlwhRPVxOJxTgEJgd
-gal0m499ukXLkNprIjyivZkFlXXuMAJEZTmpRK0pCgEh5oJvbY8kV2WZf4YL3rVcQK/xvDBfrSP/
-NZcxBt1swcLqho8xfUHFouCGGkvl0q7DpmEjC8oJriwytZkOJbDZ2KjAzi4AWn8uGLHWQYXLipHP
-SBujNvig8oiuZdhbHQZDS7eNbtae1JLeM4MS3G2j1YcBzTjkPWkNHgBJYCxRAhXGRM9178QAmzmX
-kaNAY5lMhbBZ8hV6bnWobEvqArQRTz8mMYgllME85jP0sALc6JjaAHiWBAfblKQ5qB2kLI6d2a5a
-wh5w3pD7oC8REEMLgisLdHIhJr0lI6IOlryIZeDyavmR+jQbGvFcBk/jZont81SSYZ6yJZOJ2IGM
-EArCX2+0HDYvmpj0AVmv6foq/YpViSxzl/aAtdd6bV2AryXgYom6gNtoVauSjjI3jTaShsEZEyQL
-gCeI3LVzMRrEZkCsQ1qzRGmEbF6WC3IvQbEkCLM2wo6YPYIJ9kCX9H27hHLQPfW/8DSQ1JGjx3hG
-t46XlTSSPtkGbaXf+iSo74c6szZ6SknlOrnf3Niy/6qiDlz3SziIj4oKZsYSGcJZQ0DBOyaJBEuo
-SGbSEkhCgkZsU+hb1MKm7xrspdra6GHRNsd8koakEgMR3XlFR+c5bTN/TcDAdA/5Ldv5x5QTRVGB
-oEGdQehXEoMyFWN+XhlxTOjjMScFESw+7iU8RQv94s4M4NgMipPvc6yqn1siDUd6eX56nUgoTSj7
-yi28TsQjNveh5UuC4WSiXiHUIYAEOZSzKXLJ+Y4wbdC4ZWmDmjPa8gLQuLPBGpx+gzA+7UnSLABV
-VbHbkwXv5n77NUZvSRDDMKwMmxwGGB0O7Xr9iantZ6gMBhCAgFLL6XWrTtYV5+NggQ9XYdmZlwP8
-9ICXTQyzm+r/dsX/L0q4hXT5p1PPr3lrBSlITy/Fz9jc7z/z57YI/1tyZHTw/+BXWZKV/tgWlx3T
-MCVuKETOOtOGP7dFqX1aCqMlCo0+xNtt0fxEbwLKLg6Jo5nI+Tf74rGh8VftYyzgXQJxHRKneDl8
-qu/OaGoWlgjqSfHgDq+wdbDQ2FP3wH4h8/okVjGzVTigbbpgW46QYGcOwkmzwQtwpBlW6xrFJMvg
-hIwWOxFnuYLpypxcpWUZiumYkVbYbMHpgVzdQtwwouiAu6OvcBHwX2nC+cD5HUmN3A8V7Migy7ox
-PNATN6Y5cQfbUrCdKJDfkI/n2QmlJBESiRgWdTMhib36iBmXCVOBh7qcbuKKFUIgrKVsurLDsQud
-iyhqWXcdYP1uZjPWWJEjQsmUdqgWJpdsMcLpA8yU9n9Z1T/SpT84S+KR5D76Z88uEtz829c2+tq1
-bx6c44/9eHDw4DJ+o+ZDhcoCj+zhzwfHEp8Y0QK/I2xQamQ5c9b7ibaPHoMhGuXRDxL1j/OkVD85
-tmNi+DO+n0P/VUwhDZK3B0ppM4t26IxJwjpoxr/vixn6hK8QgeiuyAMN602UeiG6KFQS7cNkJs82
-/T3o6nPrkVAHTyg2wRmPU3Jia0kJUNO+tXs7OUGCnJyNXXrobdlwRjLPdRTlbqoqpP/E5GpNAI0g
-veUzR8pMXVd4B3giKmdTOgqWCYZLoEz0q5JHYc0BDh2mtIE8VdYIppPXJN2qh3Wb85pqhX8/aR76
-1Lnt0JrDvizQKRjxs6mUKuYK/nqyoJs5X9b7sq8fNALcGRz3wo0ZH3uZb90zk7mOhfYM4SfiZ8uH
-tCCSMmhJ0i0sMpBM/UpDf45Sic9jlmPrqXX1YOIZQ2FPpNGg8PHygF7omEGe6xVrX9f2PsiRGPkN
-l6Yn7iloM+YycfLK+BO4A5RuFyFas1YrfmnacwkkOb98BC6Dau+zqGnWpCSxl6q8B2YXihf6NKc7
-pIe7WBJDDSEyXZsV0Js+kVeD3YGT4CdjSQ5i5MDnnnVIasHEJShT0XpGq81XQZFeOVNKfNjiByNt
-yTg1ZMXbH4TudfhAmEaYyZpq9C5pyMOCXGSvnSJ/nfKKiBmwNysDX+IaiT5HFqrZr36qaFwH55bx
-XOuJfEG24MzisIxTQra2jbC411d17DS3vu0nBG6bPke7dN6UszrvBpurJ+BgrAfD2tuacnu8SaIK
-vPYkq2ZdWtwH8KKust5GYqs6t4OtgYVK+EemGld9xJsK4kTuhVKz3iNvhMsH4s9yWp0T0nIXtfxd
-6rLzqNE4ZhQN2OieNqXpm0R+ETTjUsJgDTSMc+7nV6SBwkWpYrvpED3jSeW7n/lT7NOo7DUlXw+t
-jdcQVeiKyKuRo3iJTc4q5zO1apwVyreH4/edBTbNq5Tbqh34vDgWnEUHyFdfsV90pp2eqFrwykPO
-Xc1uwGiGu9O2uFWK5Vng4DbdpSF/RPj5LDTeCE+e7fYlRqOOy8XJ/3YiZcsbKp4Tyxr8EwiF81lo
-8XQ4VvNgYdrGusQ3bHfcTDZP4/Fi5OXCM1f4q2WSPWfEpXs+gUIn2CYNT4KNWqVJ459MuaNdZ01c
-rmhhxO4ArHglUB5v8GpAN0IjvM5qySVVe95DEDandqOM24DMy4Oo/IhQpFn3EouHchrEIRrifOHq
-cpcR2st0Kk/ObJ0HFRqNurb7kNywKUg9leeE8O/oqg+N8+PjJXB57FSt071RUrV11Elu0cXQnFCY
-riWCy5MgVPPtqAqAi9ryGELyZXzAd0v/cZE35gez95clhFsgL0GkC6J2Vse7fLaSeYPE19k2gUw8
-UrecDeVUCj2N2/l4Ayx3OI/4VSTnfCsmljEY9y3kVWeGAM9X13bD4rjhNoL72XpAH/0nLMvKzgj5
-qKgJmcnBCt75jmD1gkoeTfzLoCWvAZJhClOeHhW//SpD2r/Sc80/UesuP1iROp4bcMXsIX7GZcJR
-BEDTAbZu4qUWTwQuFmUXGDynBaXWYbJCZ2OZ3GR5JvKD0ji8Ot4i1t4MbxSLA5FkYD7kFjkbBDdE
-kAdfGwAJNcJcWa0q1kidG7fSm3o/gGBcYtbsNTQalex5Q3gK+IYV+CoWt4Gv7qjD9zv9KqQTj2A1
-n7ZQY3UP2TLUJ07yK7/nLWAR5SnC57DjxMI/rFR8X5t0Z9S940NLIF6/UgIFgCi0cqPmlqgNeaVP
-8bSFH2ADQC+WbQc+N17Oksoj4vsrQKswbsjJ7JTjeWclrxzjuDQTT8DxWpuwckGVLgB0je9V5pS9
-coSHrSBTcoF1ok9PFf9S12aKwKJKt7ZfvVYW/znrYpyO1ItBxHoilTTaaHX9lSmsQTOc4rOorPus
-gNucKOGlMnTn1jKsFIMdnEzRSGy2kjYphBrKbQ/RCcHb+aiQHz2n85fESKG3mJwITM+BcKW4GJni
-Zz0uxrWGY9ZAG6/fGiCc18hoyviM2IPuBHU6X6FQyfVz/QC8pRerVFxhEbWg9iUSPTywaWBtkHPT
-zZiSVvWoxurGm2VYaiuzqpST0u+elLYoXhqn/yojtQD0Isbk1a6EAlkDOTLBByz/w67N62JDIhj2
-J7zdENzLuOaZjyHHrAO2ojXaTv8M88KsbECvDc05vDIbXBt0h2yHLaVVHnAFgpvtgj49+KEjkC7X
-qWauqimponOjx3XtBYR4K0DzOD5gzfqgubyc+H+qCJZzzSLIEQRKoQBi3vu20Q1OU59lUYOriyaI
-53P4ipnYZgmybzEC4iSlCFjJ6EPV6dueNoe25XUlZk0dxZ31i0KHHFkdk0jZ7bThuNjxDIooeckH
-WrwwNF5/OnBefv88P2th3s7Of7wa/WmTsBAwI+9n57BcIWzNebdLJ26Q5STgJL7iBQop9cdX+q+h
-/EERgC5hmaT9cxVwH9VB9C6p/McP/VEDGJ/QFfN7dL6wBQTwVw1gi09YiAH0QCqAxYIu+s8aQDif
-JPIpqAEqN/Gil/mrp2wSVc7NraJMYt6pm/8qcgZJ9PtnZWl2W4ipBO9CJcbr7bNi92ZRFFOg7Wwb
-Fjx4gcJejlzkv+ZTxf4tvDH3v0y5beDgsYPwTgXNupKqKE7JW+7ORWFGxLESJUA3DRNgbRn2ZTgF
-5Wlt5ultkU9MfOke7Cu/vfXZj23KgepJBWBWR2uowMEdVuQc25MJXSAbqHB7XalfaKwWp6C/nYOc
-Rjy+x7zJkcPKE+dV/hIqC+ceeZryLRmt8S4RRTZ+Q/bhWPFJ1MjhnI6hV2cEYwZjfMr5orS3HAcQ
-1wgZsGQHGFvPOxyGS+FTKLeKNMoWb3Xee7S7AteqmM43WVTJNeXdeK7VI6eDqlOesUBm/SldQpvL
-Uuj6TsNicIhL+uZdYnLMQ4pQYLLEf7nRKpVUnCZ5ltmcnwYD6gPDnuXa4Az1gMUu9wzNpz1rmcYq
-hcN/r+vxxOCfDuoeD2e0LcqsvCSIQrW2ox/KvTr2ymPbpASrNON4F6pNuE6iOJUuTQj2prKJ+pYK
-ZiSwcGblK90x9tVq4zvBku4646m8qI4Bf4phard1ZcunDiE2Frx0KB9lIO3Doqy8HQexXOVE41qE
-haPdOokB43bSB+0WgQjWwrRcYOCtgALk1kWrnTdIbhaOO1QLV5Q54FPb6DU4fSEeFGS0FdKpgcPg
-qVanusAAwr+mGsZW0gzNGvpEl/P3pjDjZwwBC+VQ5mP5qDtzRsODxuj9UhdG9D5M+9CSrwp4MAxm
-DR+V4dwT40Bb5RiurnVKS/SC3ZP87tRSuwUexMfI8INtB6vo5u3YOmIvwtZ4KseUCFPKFuCC9djM
-pw6scT5nphWneqARIxrLmQ/EfJDfU8GSOG0T/O4npCzwBgatAlpuBTFXl4lA+ZgOGZqeAOcfhLip
-FvHaHq1UrjH/m/o5Dj+yfhG9qsG+XfxRLua+9iWO8X9FWMwhNozLrw2LiphYbF/LiFzJe4IqTTjN
-xCfSQVps1suHt+d2ieZEHzevalhWZE9XlthLPHf7cVwC7+emLR9hyikrqZR8CE5t6qUd9ebh+Iqm
-hV5z0yum2OMc5N6sep3rG5MVez8AbrY5CRuEJ8lB78m1rDX5pE4T0bASE9OpqdblY8UhqncJEUFi
-DFVLXgUx6utEVGGBmjriFOKbnRCrSl+CmAOR8rGmzLYPITz4z/ADJ+X++C4xWncBW5kkQwe4BG/W
-KE3uMrpx2jlOKhIuKFDoeTXmsLTPsr6ab9oBFAJ18fKV6upyfbDFqc15OznFKTVWcTrVBX92poij
-GezDxnSVYkbpUijcEKACoq01pKxQyFXqncxUbdpEVZm+QiPnjoxNBierXFto+gEqlmxbdD0qWkvL
-RpRxaLhWI7iVgRR0fd4xBh6u1cEeL/t4Kh+Z/3bEjhSdRlkZ5pnmOnjYDq3drYrSsCfXAJEG71pv
-HK/LcjIfprqxzhGn+aexMzn3fJkQ1oG4addxCD3GTeumfGxl1wBMhOJ103MXb2Pqv80sNJ0srsC4
-6qK2+RorQuOky6ZznzrpeGMDFVlhmubG1mvEf0hwChQZqlT4dGSE0Kgo8NlStNYphmwnX5JuowDC
-9Ij+mTQYx/qK0sUSnpYXxMpKnzrJ1RtK8CCIqcPJLo3daQz9+xqV38HsqqLnBbPhYtAM6ck+0ANP
-aQX2+cpHI0QNWe7FGIltkVICr2p2jKscauF1ilGQEjpJKfWoZfU7UIzWhuDm6ZukTEai2Ua7uLe1
-F/LQ53s76EZrA3kjPlTggL+JahxoDBnTvszIX5pi5lxFpNwRZlvfh7ps1jn6Xfzcjg0gRiNGQR+V
-9KCNZC6lAIg3qp1hEgzU+Vs0BQlPwJBS4xqDRWMmtsiRWvh2j1MSAyEefIZSWLm0fTfXyVmG3WRt
-DAM0Z39sCcCN8GrSK67Oa7POvhmGE0pvZpCZuuNUTSfYT+zzdFCutUzRRw+0mahXCVQZ7ZBCp6yu
-ZikQX6u4fHsTi3kPOp4cNBQtuEjcROn8S1z7rCaTBToD8e81XFHYlBg0V63TkM7EBFQcygTy451f
-iuJ+CIERpIO8DI2+usb6FrhD0GjXBG1bN7kF+jntxta+qJCy7CIrLQGZhuoDM5mR/Ej7dg5083NH
-5OS2GLE1b40hp0Dje0vLXV+Py4M/gKFxiMMs9cumWca05BoYHph3ldnlDGrdr1r1qiF4yRsx9oDp
-q5lsxqIeQba3Yemlg0oxT9778AUbfwaoRnZGvKHs77IdRri0WymaTL1eVOiNRrW91YmNe4wQajVs
-hUK96GIGWpmqlPveFNzVg4i/jGzvp0Padeetrn4ZyMU6K5t5Qqg4jCVVMLOrA8y0GBGeo99MjiJR
-7MbaVYLI/rWXY/1lwplUPY0tbYqryKz94LSt52QfpAnw5Kp+0KfZvwrhIOD0T3wiozRAmq0mVhSE
-bk99ftI1Qrmo69b0Gh16G7Eo2be0HcZDNUdAaY0JbnvU9o92ZPrrgODeS6d0jIuxGwIQrjnhpy76
-hPLcott/pvqEyq3DTlWuZFIYjIS7weNyEd4szfEEuGv+Jepa4sqK8s7vSvUEdd99y5bogWE31k2s
-Pmp6sI+HuDmgL5YPwwDVlGduqqFaN5rnK2F4SnsECadddGedVe/sDmpxYulQRWjNsGoWJVnLCLkk
-n9DWwBZKQVZ7qXeAgyfl3JTcKmoUHrLBLnZ6qn32geu6AbHzC3pHEkPQLqxtIK1aSeJBo5fSQ3Ds
-sFM4ZL8EEpVDbrKFbxwp1JEeXSmubKreS9up25sCTQ0bfY7Fp4nDdpXM40ax2v6sqKHHk8ByZ6oV
-XFf6vPigRwSp6Do3OOezG4LLehrNHD82tF7Qxupp3NBPhWrRtSYtAniQ4WU21mKTkN9zq9Z1fzo1
-Qv2s1PxgbwbFGStQTyxqEzXrFgabaNV+W+ZdyB91WZ6KbK6uQyOD2TzlzeB1xaJCDIdCO+lwkF8R
-UUTDwzf3NnatQ4E7+U5tgDe4Rtbdh134ANmNsS4kQg4UYx/c9WQokcaCt9atGnFiluhFR5WYHYhF
-9sbsTL6Hto4HE0WzSsCUbXVmvZkYQfMkZG2yKhmTbyT4Ew5eIelUlZWl23KQ9j05EgpdxrG+8ePC
-2jRj5cce2+Gws7Elr/GfEj4bwDwiaeE6BNPUuHUcSkxbQXNayEkKVw2n7nSsJapSXR/Fhp8Zzyxi
-C+2VxXrzgtDXfLUxVHpRYhrzDoJB+rW0rGqHKNtHkcLRCp1KTXN8AtgJYrpYpVlsesQMlGRG9MRb
-dXaHnk/T1/6UtiuC2ft1gqn1NImz/nxu7FLcsb9hsMtTEdItdsbsMm4jsWoSo7gmZSswr2kPiJmE
-WGeJa4o5FuSDfE40XQ02gNuh9PcqZ8HE1JKLgE2WLsZ4AF3feGQUOiO5VDZIYI4BZ3palqy8kwge
-yFAgT2YWMWcs6TwGnVZcz/7A+JBsx02VdNPBaGg2436ratehJUNH08A+X6Tt6ahV09bOoavB9Whu
-wyE7qQhRL+15XFeOXl1kTdF8RVmoMrWv6hMNH8O2Dux7DmrDxmpICbdqeRX3E5lhMJaSZBOPWZDC
-Y54HbRM58zy5AxOEmJCpHLp3ppvzNQ6W8nmEcRFw++gpeZ15lroCbBusEX8+JCQ3EntGeNEl1If5
-QgnnOiL/JDK6ZxDDt2U35Ynl1oCvfH2bKSxue380t1UorOtCSz+XWIzC0zytLP8gcvUJZUp5NhIJ
-7EY298I+GaCKMyGZEg+kfbhIkqWhfo4y/q0e3BoPzOXiwdkYUUorCmJYOXyeQ6IVJea7wLoM9LK6
-ZPdDzcEOOux+quT/pr2yFL4/N5FQXTLZpmgn4hGizPuxcsJhyTcbtdgZNKgpOiLSREFGpZzcf/9C
-77tVxxdyTMmOgDGA1tG7ChzQAwF8vBCZKUSHlHZG4ExecVbja5BPTcQAizJh5DwKZaR8/LevjuWc
-2b5Jhi34+fcup1KZNEudRjK54lK/NYfBXkdVNHGUSOtdMSq8KkgezoPKkHGC//2La2811Ezr0X9K
-QG/Ag3Ah//LZcdsoSJXrYsdAhd/eD0Enz6wE7U0eo5paS83kw/dyKk5bUugIZkSfukQ4BVa6wyn0
-kSz1fQdv8avaC5UTCTUSu/ffRUBAH2MuihmrruV+ELQfwO3pt/NkNS9OrUXb318A430TDycR9kH4
-n0hhsSa8NxCmYT+ZhtoUuzyrnQNhouVjw278lCgtemy96L6GqSrledDbnWDKaJIitWow7WRnsRGn
-bHes5h6eR1lfZHWvnWeKOZcnNRaE+z5sHa9PCu4kZhg+Z3Wmoy9qoAqHLg5iwBvdVJDLVWNS76Ku
-o7YguumpMPqhvWk0h+jbudU0OBS5SVjxl5kiMgHfPlKlB74hKPACCtCEbeI2s0T5COyteWGdyF/t
-uc9vBJC4xm2rJZzH1NXyUc2ATBwCCmJl2TBVqmpN8a9mpekaGGtUi1s7KACs8BfrC1mUmrmtQ80c
-vQZx+eOxAZKZlfbdxPlfe/OD9iaKVZ7Hf+5urr+lT8NT/e1ngcP3n/mruakiuBF0DXEdfFcx/FAG
-WQbaB7pWNs2iH+qfP+K0HTKzaYfiwEJdo1KY/tXbtMGZaxrEKNOA+gt66d8IgyA+/LKE08PCnKtq
-kJoR7b5zlyUxI19tdqrdZE7hA9LMJfquFGhDiS1GuWbVWbspq+kyLeCTrXgYERgQnJT7Kv6FPsoZ
-qYtZe/CjLsMlR0DwCgPH8G1sTWUZXsYr2xf0JYL2MoeY4aKL/SKVmkkD4r1NHjgNfk418KiMEBRx
-EaMd0XXGDQHQTK/GdiZK1miR2REGsLNgf8rFJ16f4PVIOB8wu1SsFEpTSISYcMz6dIReRkUlyPgc
-jXg78ObYJWqz3Ftz5O9hYrbXuRPIE2z1X2KrUh6iNGO8VuVE8lVjvu0c6nDSYYRb2k15MY/MQLKx
-ueptckOUhA8JgI5sNP2KUUaycZwkXE+GUDj75e0WXNhrWYtocFWH1GPCWxEZlMg89aqFbjjz6mGv
-X5kgQN3Ias9afB1upzND1Wx6v92ZBqTNDbEEIZTSDiMzLpo6eU+xNCz/gHM8ZQdplw/wL2Dxae14
-wnj4C/qBvUlHwU2FuEqm5EtlMNq2iuIGwOv8CPdbXZe4Jde4SLtNpzKzhuKy4ha8HYVPcjEC08Q3
-l7cAMNbgVzvVKLZAu9QLkSjKBsVncRM0TnpfoFW5BzvKyHcRNpD+Kza43UfkxRhBQzV7bebyUjXl
-DCpWIbh8qp4K2Ju3pcOpHJgljU1Rpt7AlPsyHSBVLvG5ttFWFxP8oAeZ2LdmExUU0DVQs2YKoEol
-ljfTX9w5lWl7aJTvCPJTKleK4S6QPso0eO0WE9gmu9IdnygfFZvGyqpUcdXqqTinSx1q6wF2LtqL
-sJo92k03QtFGD6d2vWwj4rpJW6Sbtp/TUApBJPHkuDEc2yUloocaPFbOtq7oyu+DUtOYf04F1ZFh
-w9hhREAE1did4vZu4QrWinFnQds5JURV/UL8Dm2JqaX/GcWk9HAALYqNZtc+eUXQ5Ajoq4x2X8Qq
-eV6AcKdXJTdmZWvXReG/To41nKV6jbEsgM3DgDsSaNTx7hDUon23c/y30H+w0HOeYen7zUIfNTi+
-v7b/U7z+DyVAlz1Hb1wS33/+j0Uf9SaYYlI7F9UyAy2ONH8s+tYnGkW2w6qOy2hZ9/+aaNloPhdA
-v8Nxh5WOsdWfLgn7ExYJWCEIQg3r3060lu3j3bkdYzmHKs5Uy6Bs+eQ/s3MmLU8wuI3qDmwvMvXX
-FNPkOPn72LbX+YCfPFJPGtX3eJAeCF1zY9F8H5f+I6TA+fUUiYnERCsLD0Pqi+/jzVsoDJzWth2o
-u6Ke1PMOe4Xm0JzvcKPrlTqsYwVdvkz9s7IM0KTqMvcG/VEimppDlCpKcKbOihsV9qal7C4t7bxa
-pOPS6F10AmulDxgylV/lSNo2KYVdjr82+RIjclr+dZLSxap918xAz7LGbRRvMpydLFpmU0FiHtDu
-5JM7qy0qAKVmarNWE3TfIr+fbJDI3A270bRhcFMZ6uI06AYMAvGMO5wPYKeIzWzljEcZVUIrGq9J
-DvSRr3wWLS8JOldXnPbKdB41oXhNYD3NgHs9HmbXMcVKmqSHVg7NgpB+SLrux2xVd8n1qOAQqYba
-S5rM69vyCzuVuo3S7jJorFO0f89z0K3aOFlVBN5uoa/Z7tCSvyXy/Gs2SnWbQFh3J3X4mstgHZhd
-c6DnQlIjNuTSJEivmDdRIi6CLA5Wx4flv2Xlg2UFvsoirfjndWWDsjx6ebOU/PiZH2uJrX7iV9DY
-JgMBACEtwj/XEtv6xPJiLi72Zf7NdPqvtQRpuUrEKUuJilcJ0cWfa4kuPxmLwxHTFf5qHaXPvzlB
-/lKZmwjKQSCgUufeVI9LzU8omYW4MtukSO90vcOpniYOg0iph8ykO+FQvRh1fgCzGBE0FiKZ+ula
-/U0D4l1pyDR1UQEjuEfhDlTnPSerqoLZ6Yln3g6d3nvWlJmeFunperKibPd/eCnsZZxu6XigmXm7
-YDGl7DUNz/eWk0xEEi0Zt6QIlx62tur/8Km4lA7YMW2ROC9r50/XdNbGpGSFarfpOEbbEVroum5p
-Tbaj1X3QWEEk8fNOcLyAeDcx58GBo65/96nGvu0SUObt1ol8bOm01/OaFuTYm+sAWPgKgIuyCPDp
-i6p0lX5/SbkH/+bFUQoudzG18rvP2TIL80XZtlsFAiKxvCOwRo3Yy9+/yq/3CJh8zKlsqSYu9PdI
-gQbEfdNXfretHYm9WR5hD8ZYWb0XLwOwDz7UWwQR+hAaFGzfC0tB5zY5Csp/+vJwsOki1Npui8iY
-GUBSf7OE/krNnnFky05hun/UIfr1MmIpxB2MekZDD/O+hCPYh/mmKLotx0fMQ9AR+bKcwvv9ZXy3
-YR8/l85ODTmAYCwMv29vStn5nBro0m4FBHpXKMoBFdXFpOkovNXM+KDr9XdX8edXe3drgK8KKujV
-3dbuBw2EUeQGPTmQJRoVVMAOcrkkef79B9RZSN/djlTUFgcsQUXODbmcmn765qYwMRGk8NhpoSlp
-rUhC46Gm781itnddEVBvVtcWlrZVlcrmxYQwdVIaYtcFdcEY0em9bsSZVQ9W+XUcafVO6G9cHVjQ
-zVxPoCnCYKUl1fzBwqT9zfe/0PkwUSygsF/uOLtBWVy0PEbR0MnElaDiLTwIRu8piqDKbDRsgWRh
-rAVXjzjpUX4hw3FE+WkzKGtnAew/cC4wvf7Y9f/xlGf87VtjfV6ecIP/Lf//T5c0/l/2zqO5cuTK
-wn9lQnsoYBJuMRsAz9I88tEWNwiySMLbhP/186E0krpZFV2hWc+mo9Wqeg5A5s17z/mOm1vZYuYd
-YpJ4o4eAOhPyAfyGiGEwd5F8YLwNrHy03DwAT1Uep5LgVonLMOPMzWlxUEsvEzL1mrlUPUOrwyCE
-xunBR52puvQWf/miHBZkpEGD9jiACMmRFGHyYz8mCsM8JyRwImn8Vij2FvUNmBZa49Q607HLWujf
-CtPSLjRdb8rNi1hkD/3ooNgUhDHP4Pi2LZ0KNM/diXjwZd8keFxngVCXfLbwkoHOOu1qhl1aZgpH
-xvkzm41z5xDIDbk923dW3J145XL713frzw+Iw1qzmukFuUjMb/78y04ScbNJdbdLZHytZHB5Ekc9
-aMl03y9hvWEQrP3HjyTvCISLXut6BPlKI3DbaXDcJet2bRgeNCk2GE2/u6W4bI1S+JlrPf/1N/x5
-3V65LmSgQBVYW/9fDilk9QzwDPtuBzCdQ8EgxkNEVC+QxHYO/vqtfr5NHXLC6K9agCRWON6ff8yo
-p1cCaoFd0BnMi0pptEM1Evf8f3gX+uWUKcaKTftyyQoceAVqHLY7q1VbBouussfG6tz89dt8HRiw
-UvNtHJp6VIvEH37tl2eJsmhWTWNtmrQqqDSZbi1mXcAskEQIbNCUFNz4qHMJRXaeWj3aVYSO/m5Z
-MvjR/jAc+vExKGFWnpMJXlF8uX5NU4klGWyEY1Nu48Vw8y3Tvm4rxi5ZVVOLOGgleohWrT7yarTP
-WZcSo2uqw1WxLMaRBNLfgp9++ZmQAWPIhDBkf73QDjxw+P693KUKYwQMLo75xoZ6YwuJU9BV36t8
-mJ5sXYu/A2ru+oEYh0qnaWbEzLMjudWZQwRMo2xvTLQRKYDew5nnDXc0G1OfFCXtYy41jYfEvrOx
-XZgg7gNLcZ9QTLZ7xpLqpYJxfb9U1Ssenjtr5o0i8QMo4ErzN8XIz5u2Y3EOoGNsmRYBHF9uuXW/
-y0JMRrsmzZ/KcGcPaR4oixoDica18Nc3nv7LXxedLJ1k5kPm13ouElDBw9iQuzLqywOgpI2r9qO3
-lF1zHcoaNZjNACU3WShzEqNOfZ3MK5tGD1yH0bBd5h+5Ng3XmTORoj2+9Kmi+03S1Xdz2Sde3SXm
-HjjUeCzn/FpRu9+Vbr/+AogU0YvReKfv/ud1INQIGZidkVs2ns9Ra9fbfhTRQ8wegX7FTgM0H6pf
-2FZHPdAWR2CDr05i38vWcg99HYaEX7WIR9TKvUWSVYFFXD4WZLpHA4HndqyjGZNYqrATd/m2RUX3
-m+utrQ/VTw/dH77Blws+diiXoAPTVEe8dwwXtzx25gROSCGDKGnZQnva7GmqHoyKFrCsxe8QOr9Y
-tmHVMLakruf2+oqDkXlmYY/Q5K6Oyk83QZdhaHSixbT8LoZwPZt8+a68E3NRlykkUKAvNWITRn1t
-hybftY3uM8Ien9DJru7fmdOEOWdM+lVLcY5EffwObPWL3RflHyFLhsHGROH95xulIyJVD1MVz7M9
-fws752aym7Mqws/c7t448lq/2aC+duzWxRSwCn5wDbanyejnz2/oDoqcElK8dhzDS3QJ1D1zaARz
-yTzGGJYPNSzuqySfgmiuKW4IffIHGbWBSrXy10/5L5cUpv7sLLiwfzLEopcaTCaycodcqQvU2mZs
-ghLNU5IqIsbkdxGev9iaLSgdXGZGwKvc4M9f3CJnMsIrzkUmuHpH3z30l96Jf3NG/OXvCwod/+/6
-84Kp/fPbpFKLKk3UcscZufUdIvKCoUxhfoWOchghGfvRIHogkw1zizCCITNo+Qah+cWyWL97in8+
-lDsWs37gxDxDP2Ohx7k3l1hmfJgBo1Ic2dFWtsvVPED1j6Cy+6tybRfbne5VWa/+Zhn/Erm5nmAd
-dkc0tIAHkDx8vde6aGBCU6ot2k8Rv9VkuZgegs3uJBPNLLzRqiz40j0v4CmoACmorSY3A0AAme5B
-4IkzTJTzeDXEBn4sndgrzTcjU77/9Y34i4UG47iw0YbQG+Mj//mSJakm0RTaza5bwuJTECp3uyAA
-bDGNqv+n9+L2gBbNA/bTUlPjDO1qRzQ7U0/aW9fUrG01rxrktqO196/u380/lq+/cCytPz7OVsti
-5bSp3r5S0GPFAVUMoHlHgG677cUybIQk2IsTSvKbC/2LRYxql7YIJSLina+dCp1M4rTq+VIIQqMg
-ZPJ7B/JH31DjEDg2FbTIq3j+zfLxy6vG+VpgytIE6Is/XzWyRMqOzLxmN+urVdmcwJGnhR60qi5/
-81awN3ixLzsEe6GKoQXyBU7gL6umk4mqx/zAjynIodkSG9q1EJPEuJCoFZZAAFupByA3O3IIjWFU
-tpwc+2mzTLZR3BaOycOFgGNxD6Gc80e9Hgjxa5HSEq+U55h6oGnErxWkm6vMcNCCwHNH5C0RSzIm
-5isZ2EwqhiruYKIyGw3VmC9MklB2yQwraVOJNsZmk8XavdXruDRyMYH7TZHOWxvDrWP92R21hDDR
-lGZJ5NWcYOKLKYZUjy0oa+MHmVfafMgBdJq7ONEKsVHUWjsWyzQpO9lng7w2CyyEV6Lr5/DWklpe
-bvnfyrgtxlZmmLyFm5VBmQ0iunLs0rSD3gT8ue3NJr8bFObKx7ZUqr22is28OWp1xHlx8lhI9C7e
-1JO0erAjwk9QHlY4Dci4maNNUc9le5kOHCfBB7g18wgpRzcLpsGcp6Aa5lC9QBAXqvQdiloP6sJc
-S+wEg9irLUP6JQDlJ38BLN3e1Wai2ICjZDrfICgf7spEtB0pNI1rn9WqcKJND+eoh1oYT9vGmdwE
-S2sEyxdoybL4UqbublW4Vps8XFmvqqIzNWqk6TykcQMFPC8qBJAiRmCb1rWJH7e/pc+77Qezfgpr
-PX/OFUc9d6U1eiEQrr2CbH5jNO6ph1FYNnI7YS8/h6R2DyKONtlSJjtdZGOQuVmxjfrhaJC35+u1
-fE0zS3hmrwMxStGAFobxLgxl3DBxwmAqWntnyVHduCKxdsJdEOKPAmA6ooULKerpze4AfIl+xsxs
-D69LA6VyMCZA/hN+iSR/VFVizxSruTHdot1oapncoDlf/F5NtAunyOMrY+R6UM8mnkzCx2kxzB2B
-wYhtEZIxFwwPoSsyf0qznqKCsXrOLhFIaS+3WT4dmk6Qy0AcLv/IThndJYiV7TGbJj1Y1KzZTETZ
-eGkcDn5mZ8XFaMQBU3TnJnTEuVDiaaONTrzF2Lv4M9PyIISJuyMvRD2HUV6/4MtWL8vYBnXQNQB3
-1a79tJSm9JVuqAOHhvUOXYN5aHMX3FgZTgdDTfSDnG2UARORAdq0Tcxag681Pxdq3xC8G+5tU9wl
-/fxsTiGjRNWlUdeHz4WlRC1PYOEcht4uMfo0YQAD4x4YTniUZFMGqJgdzPdC4To0mI9SdwliTo/n
-pFWGmyZqnbPsGTOOhrzs5tD28mkBkaWUH7IZ671jYMaAKlkgX3OGTyG73puTcaHDlQ1Jt8yEWjXl
-YnA019U2IiIwcTuCxhz8Zjo3z1OBBmgK7IbTJJspi0TKtPEbkpLsuoHZSnsEyoGTaQeVyIaNUnVk
-ommLc8G/4B/ggUA2r5uzvHRmtLDy2xy3aBVxqYVizIJF6u03cPVbNY2cCCsRn3lnK3r1neCirN4b
-Wa73QeG09uDNFZPtS0Wx8AZm5FdCIp0HUznSnkWnFlZNsm9bfimPmKoc+nox3Md09W+QjQMKK8os
-OYwpvDbTTRp4s7qzBawyLoTm0YyLE6m+WWpIPUl/t97Yi5pf1Ozn3zvpRBbe9ajCdmXi1pgmad2J
-IQs/XZr7vc9+WXA8XNEoy+zg+Buc4rOtMVfiUZPaS4mKKeCgbp7cUq+/JW45BjKW866jYrl3ZpF+
-GySvMyv5tKk6vTkuFSe+hCSkA6pE+UQXbtX3oBVGBtNzJ2Drb57jyGmw/IhsS85j82zj39qnQIpy
-XDtdtk1wWT3BG4J9ZlfjGFihWZCtu0gejlxXTD9TgUREFrbGlILrQF5fFti0kDf0JtwWST14pH1R
-V/z5DqPRI0Ge0YJfEKWQ50arfbpSBcgGdOzGoSZ6dr0HlfEYEaFJnGacQ6Bte30r+TmVR8znfEWb
-ANv4gnBBPqqVDY+DjnXiKgrD6JQ4DbQEAmqvKgAllwKfwqE2QB4LNbHuhk43F4+ih1zOOo5P6Sjr
-F1p3+obGmXmKWh7VTVkVy3aB6b8dq0kUOxuk/CnP68H2MUKaJx6ihoeKq0sTvjlmwKVOYLjrt5Y0
-9luxtNq9TPi9EzJFdssMNcGJ+VEViIAXCrfmbW229Zu5njDRWy41ynayeeAgmMnenApeVulRiLei
-OdaQaC6XQdZv3Vy3z2CXdQREdvMdnjpSMZCu/KwNRsFjxHkZ0VeHeHWU5kkQ0rdafN3oNAGyqql3
-Yey9L7D/kTjVOt5YJuqjFs6XGttyHUCqjXwFVk+DPCeG8uj0fQgqokLyWWuzeUrMKnyorTgipayv
-XqwIrEvXx0uMDGAJNQ/cv3w3e/AQUec0x7lVsbYo/XDRFnx5vMnTg6OkrItRmOx/kGhqVYlOPVIo
-MsEdkwq8RH54EkaTH1oI2qHXubQZAriH4TEuOv4AuAnHi6IRYnW61IgaFp5zGi2lfJpnmtaOPch3
-oMWmH2IbOGhtt97lPcg5Zi66eZcQA/CIPKK3fZJkQKKYanZ2urZ+NcAk3ylk4OWo48f4NFtFiUsF
-rthz3izTjWPJ/lGtp+ycrJdbb0Pn0oQDcm7EwBtlyrx1bRvbLEVGfBKSX83BynejRsr8qS5VslMw
-JhEL2DrhWQeycGjUGGyJMfKK1ZKdOR1MD2iI5fsyYng9IsGX8QZU8/xp1zSi/LAH+OfRdZMtRhll
-LH1LqUAUiXQpsJQqVngmZYm7u+5lMx+KYSBqIu65kxalaVl6LcGdxpoVn/IsrTS/0JbqRjFSmrj4
-CbjWqnTi4WAZlVP6ruw+K5SOJrMLwg2aYmw+lSrVHkVUj8EwSu0DzhH5pjx6zS2rxfJZ6Wnd+pZe
-zhlIILP/0J1+IfJgQAyJJ5WfxWInlzt1zLTW+2E9XgABn90OwTBxsMPHVDvNLRmpNP4bvb7uBryV
-mJqbW61zolNo4eHsXGAoiXSMA+uYS4Sfw/NdApN8ahACqret4kjW+CojQooccH48x7CvOBOH27oP
-WxYx3BV09jqjZyBsOC9YSbrrsKix0OX5sP9hqW3YNi8NjNvQEu0oubGEXONAhXxo6yH0VsxEF1X8
-J1nXdRAOtfFmupG5FTX+3BoJe4CPHFXiYFg7jd/LY6JJOCbKrNVFXSC5L9rphiKEoHgIo496Hgk/
-V6o7uG9XA2RNZpFqwlmmbYOxd9Prhv6P2sfDMS3qlrfNrJM6Ftp1bBesGwY210lNlKsJMtYJ31N4
-Z4V6dXCnBM9UlxSLp5GB6DXocQ9m0h2Hec7Jce2HKzUa20sk9iWIHZRClPqUgC7jP5p8ry6UyAOh
-xNM5qwbjnUDxY5OoGkuawz8M2WxKS4OJ04mLaUrFE/W2ii5nqt7ccZ0zVYBJ6X3CA6hspmUxBelA
-/NOTg4v+rJYxjpap3ltV3gTuqCSRl8ChcsbllS5w8S0rUG2y5/Aj6YqIWOg54fj2PIvYT7NMHjJF
-NbwhVNRTVgiQMX1vXhRhPwUi14tb/gUqAMOK+75RLJY6Nzr3kjfpzdC+6VXkqbROV2teKF5dAowe
-Ldnl+ySxHydIgjua5jF1IKWcV6wKySoZ46uEHHtA5vohRI/7FqvhuB0chVxfvNGBk/RGMA48jJIU
-R2/MaBVG82xdUFyIp1SYu9KcKuyNKQtwlXI6jSykmC7gzM+BsN+nqSZ10S3cBdVCIe7reEpJnnfF
-1mTt4qvJ/FEzbft2HrhK5iCnZmtTF3pt10abaJrqj4VRk06Sa5dcNym3QVIC9EFBXNYsa/Uce6JI
-CVgH9OLT4vbIiNLJcbQo6EWUvkKVBbWEcK7Lmjz1TKGg0k2n20WFnp4oxZZHcQtRANATMzYKMru/
-LoQZPpD9SJkhBhKsbRWOnNMlZ0dtlyArDOdCzih0Q0JoYjMnM8tozRMJxVXlx6Or0VbPl8M8V8OV
-ZSpsO4WjZDxwVnmswTmc8tSIQb+lS85zR8IZMmIl5TFihjZcucR/PsPotnamRouY1ho28map6Z70
-iULKSGg0lzAlYFyxMySZ17dpdnRJjzybNtLp1J72IRCFwZHZGkhZXcgSBZwUVc5wFAMk0JsOvGNK
-KrVM9xqohWeXmSnnnNe2Knu/iM3Fb2Dn+ilhnMC7sIE+T7NoD8RXv2mL9YHjpXmhYs1fcllULFpS
-ebBzU9kaQx9tOrsvbmeLiiWfW42ht9stJHOHkJUKddoPIJiTo2JUo8D4pUp7b5Mhzx4jrOqkjGRu
-4EmzqxOdIvBDOjCLimFQziJE1kz6UhRpeas3TnFrJfSRyWVnASVMqXvPpa6+lRgp35tQXSCAKbxg
-gwrgaBKafTfjYBqfWyoerhumpC0O1ZxdYsUH5DWu98WF1sBuSe9syTVQEPg0jUMVJvo99TEn06yI
-xTHKJvmO57x7x/VBE0HOffGZidUaKZcufFFlqr1lJDSSEAn640Y2U/iiZ0CGfREmiuvXS4jLxKyJ
-W9AXIsQ3S2aWd3kzsTDIeBqrrR3hc90Kd6SjAYqT2yPWewqcqsyru9jq8YZi5g1fCKfh77ggIFqi
-pwFcBKJUuY1KY8aWOkg+5SbFrYBwFJWWzSFm4k3TRJTyIlnMjnOjWg5a7I/1mET41DReeVHI8TwI
-QuWdIBburOyUeS0BOiakGMimwr1MY5UUBDzhFK34PblKysJW5+dTH74M7UBeSkR6GjC+yCw+9b7n
-XfvGmNF4k/jy8o8f0xyUiAgOxpPgvqSKMs3WFpLeOU9UO4xehLA2xGr79IL46YFAl3cm+rFyl4ML
-eVyVBQkHzGwCcK3RBTrpQBwImTYXsorarrozRxQVXELmrf4YNnw/Epfph7S1mqUXEhXDsCtmhB9X
-cNGGz8GiN+r1Olm1V5aixffZPOg7zFrlE+hn+zaz3QYKYO2o91DY5IzEVGjhSfR86b0+qHxGqnI+
-dVKGXDxrnkqFCVVl5j7XhGeX3j+5FfRl+BUHhRg7FgldviecXhKPD+teznKQH0kq03zn9i1Uj95F
-kr4DDgCIO1d5fjwMZ1gtSvp/x5FocNXjPqSiM2NRpwfVammitMxWYA80iUmMDRRkAqJzhf3LLwgZ
-ATMOx7Lw9YXs91M8GKrfrCVkbpeYonO0gQ9aCl69ySv1yEy63Y/E49zCi5tAYWXJ47LE48Oow8f6
-0Vr9fw3q7zSoYD2YZ/yrC/0T3nj3UcFoolH9D1jy4f2//4aVd/07/9agrg4hAuVUHQMmoON/a1DN
-v1vowXi00fisekX+r3+6mOj9yqrv4v/+m6H+HcGDQGuKRAlFgP4fSU5XtNMf+7oceRDX82IqLWS6
-19baZP6DrMjVq9IJKyffG070bcziyesk6xBDwmfo+XftoOzLte/jFNoznG1t29szfu3hCAbC2VDV
-6wdjLOaDXDtIpQYd3l27SijR4cavnaZucNvPOUQFWa19KLIzGduvvSmEBepZ+dGvWjtXRk5frXaS
-ZEsS/LTpI/uMJ8q5GZcEo01XXJCzOPJqBM4bY9NspKLrAWHe7ZGm1hpdfSJqFBf+2lHDqXgAbrLc
-mjI0g8oebV+bx/5eT1zAxWtXLl77c4JG3bh27GQXPVmiSDyI83TE1r5et3b40rXXp65dP82SNFvW
-TiCl/EbQGuxpEfZrr3Beu4YF7UPQK1A76H0H7dpbTNYuY7b2G42181jnDSXC2o1s177kuHYoR0GX
-BJfRe7d2L8Xax8SsDsLJ7l/1gR4nbbojO0WxxXODkH/thC5dGW24qt64dkkL2qXdj2gX5RSufdRe
-aaZ9bdCTm+xKO7trv7VbO6/ocraFO95icyrOGaoXYlictvdSdA3YLPv8qq2BeWx0Z2CVAVvy3HNi
-vEWuIQ6GJKTRMAi39upoaO8aQwnv4MSZFyKb2dOUwgTI01kNq06dXLdVPj6TkEQbwLTcx6kwyFqv
-qp7GTUXXKx7cYiNHaC4NqpFbeyRZEQM9hUSuD+a+M5z6m52k7FCpPeSPZVYCkQUgsFNBOlyL8seO
-r+U0yCO1bi9pFjkB6UugMBJX78mZ7ekfSL0u8aWFIaa6Si2PjbJQpTbE7TZekmfkH2hVkQArraD2
-MPDY6qOdvtg69UUwhQTIMp6CAAWK584xQiK9i6S603C3XhsWNCKx7gCUu+lLTaA0SDLNZsuCqaRt
-i5Qoo45G481sDgnQrywqvR738AZyA9dvJB/VAOaCeR75Z9CuTCy8VfnjTJvrre1hKimG0ad+hI1m
-jyCSPxMP0w0/oOLTmIbaBApXu6dXhMiv4yVRzhCwoxK9e6NH3JpmD0J3b8qBL9/M0Xy2gSMnXlGp
-nKIsMFgSz0jmGzPXoXZyXhDrW9zAREjKzTwUczB1Rf0t5vnbJcRirhJITrzhlAA0suMuf6y1Mrme
-QQu/J4DAdlpv1B9AmaabsCfO68cnS1HnOtuh13j5nCSt22iJaRGYrWn5Rhg7t2JaW2MYjz/ztVAr
-zbK/l6kY/cqamYom6xf/cVBlhts92FPBH8zXNAUTaNwawFvNG9WVyAVHkb78uNOwN/JuC3K33tNm
-zisJAYWgzd3qNNZrLhzFGT1OGiyPlGv601iuc4yuEPZta0biUGXhdIavhi6p5VSiR70t9vXARe17
-UR7B2a6QMrCkW7hb3Xtnx8l1qVbWydGs+QLUkH4O1dQ5jw1x3zF3JOE8rhm+uDp9stEsYtpL4cQL
-DQ7vaEM02OZRrNxVC6rHxaLqbSJOY1Aa3M2Pq1WMRXVHbDIQLJmFZedrqDD9CnMRHFZhXmqNFKEH
-55foLSvi5fs1rt7OJ+76hX8wA/rm0PLz9aZKfJku17KMrwc8qL0i74eGWn0wq5cyoaNFSpPvOld6
-13Ouj27iQcVr2sX7Im0/zdG9IASZ7ikVcanb50kanB7iXWctj1ErrcBUJ0BMNPhpHpvYahRPr2eI
-OXpZnTv2MYw6q65aSzTrTPXzIImnvrYG1vBMc6LAsmvD12zUj0kxXxNCF4xTGsiwOhqlHd5onTKd
-tElPt04VMa0ZHSveWVW2UrYGsZmBDHs2I+z9MGCj7JysiQOl1d7LaPKHRv9oYLZcNHFSX6T4ojaE
-EhLLpZvfW63bwxq8ZZvM/WzoDerSKPymRPqzVJzvxDkX1H2y2JJR1qGGAdenFAZ5ZpJIPU9v9cGv
-Lau66w0hfBy6y3sxmJRrzN9W3cG27qa7Mu3ro2tnO5RKMXyVhQucWNp2akDapOOc4enQHqyZop2i
-9ZBNc3FQHd3YjyzCger0NUxEED+q23McXeot0THfGrVnYkjm7eWcqfax5cZnegHgxRzCb6pWAFCA
-39Nr86cx1+c6ceyPRKcHJsZGfbFp2gValt13CBpf51kxgPQM0kuMxvHVHthKSKP7SEKBaLwBnEcw
-GQMAhBTuF0BBVfgL3SU3vGsK+Q4qLCRzxZmvGaaOmDgiRjGA8XR19sql7TfLoJeXlWZd56z5t9xW
-RLRYoXZjLLPYjDpwKWpdJd1nZVYHQiowyjS9/pAmAGIw0Ie5qDIAf/Vrj286aBzpEmw7PKshhGm1
-YreHWWIiBO2/Y834Bg9kp85N+DBqNdp6IxuA+9GzqYgFvGqF+RCifvYtHkNOVmX0DMEN4IA0gg5l
-xCWU82hDkeC8E+E+nG3OWA8ZhlJqCAzmTBSt+TgSbU1HUodMgJIlfUjB2nlCiuJDYv39oF+WHwme
-AdUSyZDxrEJLwhLjNpP83agwNkBr1Wsb8M2tIRhHRXFDZWWsypC6da7roR5fSnXOX0ZdM66tDq+I
-SYXlwRtbAkiGCPiLLqF7HJdm44fM21yPbLrocmBUoh2lHmrAraDDXetu02+dqClUHokIfOWknCyt
-dUiDoGHKRaxUstkjBWpD2l+itRLcMSWE36ox65XiMLINTn11XUH0Pwrm/JuwMQug80346KImPNNf
-giW1ELMOoNotlesucswDlUK209Sq2SQTQDR8yRWcpXb6LKF6nzTCmx/GNhn3dWw3T1az8tFYCwOO
-hZxt7RFysqgTH73VISuowugiK0e1YgEDxdPsK3Rqft12KbOeOWTupTl8rBwZhMjfbIlTT7bheMog
-GF61YdnCDYYd1ujIu/oxC31qhquJqTwSyx2cOM7BzvItbduqDqD+MMAemxYzeKZ5CSm720KoZGW0
-mdgt1XI1ESy5axlpeXqPV9vM5XCzZNR42VBJdq7BOc0j0/4mlbCMcHt/Mzr3miwB+TGuwSCNNXdb
-t7aibZ+HNSGETURLKYGv2S484ojq1xnGmR20OpU20Zy128+eVEfz0ain3TROUSCN5W4GsHo9JTpo
-fMdJd+hkdxZHTD/X2k01VNEHIZw7o2PLG5oKelmS9ptJnaZjMmjS71MZHkC6XyZRcxahCc8rdNLD
-vFjTRZiir2S0ocSZtqGte3YzVlftwu6Bh68+H1KR6l1WjGl0S6p6gxG8l2PESG+Eu0dUshKxJUSN
-ymnXVaOZRgGgDqKnqH+XS5NSJfPTqMjMzSzTIZicWqfNBxkyzT32bVKCCytB/SSjISYgPMOrLzw4
-JJW+Zzd84ix9q6jusC1Kd2359ONdaC/LRpsXeR2lZgVJwRRXNBaem8VINkttnRMX3mW6dPACmFoG
-ORlgp8auzTc5VbOf6uXypkmtuxoLW9km2vDRRjPDOFMfrpxhMALQE+IoJk4/HN3lDY0e/ZKGS3OO
-KFU2BCOjHlTsF6xuodfA9H4du2hmGtKCqSJZ+1goieVFqar6GXQSn+iyCQapE7NV1uSEdSLZway5
-d5Vu8sxMXCwGhTZtgXdbB1RAZl97DR7KzysBnkUnt6FL3OMcLVa5SbW16I9oobypNAvf7cxML8ex
-lNTxkuRW4mcORCPcqZhqVNIrhkVhVt5lh2UJ4UUvi5gvBdP32zovlqecBK8rGRffOYBGxabSm54m
-Rrf2aMqwCpIy/t4UBbu+0hTv9mCta1bYdVtybodtq6ntN8oXa6MzeTh3YGR9aqCzAajzBF8/kh5k
-S+OoCrcJ7Bk430QS5qPVj/0FGeDl5ZIPDoaTuctPWdnYMIEdI35DEKJCOEwTAoy1mK1AdddQDI6G
-oKVIg3XesT6zcECj1M7MGhxCNu3622IUmHhjhrC05w2hsOTbbun36ljel+s431wH++E64pcsjBtH
-Ww7JOv6vVyFAtUoCklUcoK0yAeuHYsAsY/IhiMGqaHNW3EIRRUn6Q11QrkIDmnar6AAMxQ8NAtXz
-KkmY/iFQMFaxAl2i4TNeBQz2KmVoV1HDhLohW2UOchU80FW/zNq+4JyFGMIq1OEmWgUSxiqVyFbR
-xLLKJ8xVSNGukop0FVfwwR44+IWB7cbVVkmRYOQ/1Bj/3/Upu6Sbf9P10W3rr8Hc57h6//gvehyv
-JcrLf7d+/vcv/hNloP2dXpCu0dxxLVS4K6/gnygD7e9kpILEWsN5nD+YjwVhWDqODzSZMKJUQDb/
-agQJXg5lPXI07JH/kfHYUL9o3QXYMZLn6Obix0XI+FXd17RR3xauW+3JrgZTOMfVnZvpHQA2hzNi
-opvPI7vwFXHwiUc5+5xHpnJQR/saZBTZ0sUSZ0FNCXTrDkV5k/fqowlzGCFJ3qTbSkD5WnoFoJRG
-mS1YK7eMeQDRwJ+t84FCetJu0mlsX12juMJwf4X2Yoe2IQy61nTZtguc9SQCekObfPZqn1wX/I4+
-azgn67JqEKE5aF9MHQWkulxUrnpjaZLQi3Z8ZXa3rqpMacUMbqBLPmWeYokDibmxK+faNqbdmNjY
-9leRfVZejdpwDieTOVXSb4WeXfXzciPS+UKN+FOQXb0pTl7nGiRN1SzfzS475oP2vbKt52aW4IHD
-3G+L2HgKG7FPWsfyRhXmLlHYNMgU51rrjOdsyF9tlXMls8+zCkFw/QW6gkO2yPLPtC6Z34EN3xo5
-c1yDREoaCCQCDuNwHxnj2Skni6OVFa3Cre9jmLkYLcU+wsjHDK86LDkIOWVEmgTy3RdmctTjHnNp
-Nt1b2DHGWjzHBmO2KX9tm/QVA8u1HQP28RgybwRfaCSou+rmG5FzrWaj2zZu3XiKyI4L7lUPCyIp
-hDqTDr3ih9LjlrCItYENRSGGt+gS7alw4upwpZAQsP6WcfHKaYQp9ExIWTey767vVUOO2CjNcjNK
-9abTxx1ajgvOg/C7B/Wittm3hyz+NJiLsWAnV1k2XehcnL1TufCSE74hU5vHJexCzqoWA2XXYIOT
-vBEbRBrErlguWzM9VvPyiJYl9GJzuifVJ5jmcvTLuO0CJFev5UCfINen7061XBCWCJU6bpPrrCGf
-elLfnMY4MbEj3YIGKCmU+8Xs2/3/sHdmzW0bWRv+RUihG/std5FaaVmWfIOSJRv7vuPXf0/TmRmL
-9kiV73oyVYknsQUSaHSf8553qcb+fq6IMI/KloVq7IKMZ6TpLq1k27eLrpsPdjGFa85jDeWkMGgD
-WQkjlciikhmuSI3+QBbWi2cw58P8kyIaH0Xh9PdV3d0j9vqR6fG01G3kAbhJ3hs+8osEFc8mlQWO
-6zYhqUJEhFqp+y5ym4xR85HzB5kaueQlEsRNq/4c33MRjvDBBsN+jJx62sGJnhd49lyXUiu/xj59
-vQNXZFVrfk9dx7JLx8AnCAUey4Tnzq5ypn5fFVZ/0WS2ewFfX7tJwildq1nnTa6V00YP036fhVXD
-LC81Xuguv059bV8KNymhr49FhL19TWJQvMILm7oqmYdn3ylqjfhSmdpbckTzB7ixD9nPFBOTcBns
-I6EihD7AX/K1JhlnmYzIBULQCuq7VdlOWMqZI45ENVxwII+xDvboKXCucqrrlNyUvCBAZdDMh0JF
-qjSdZa37znoe86l+yXPZ8VbG4Tq1q4XrgC2Us2eDt2bdSk6Fgh6sFjYSy3+OJZSnolw0VQa5E5jU
-HqXYYLzNc5t4BToGihA6hL4aMVu4weex246SRYe5/KMKKuugBF74ff0Dg+mDaSf7X0YNfyC8n+lJ
-2MU9icwTzQVyGgSLZ4TwKLbNLsajfGf2RIAYXdUq+7zryKquIEfZH3DCz+jnp6tBSsPtwNRNzBXO
-RImeiS+0PTn5LuBVX5HQuae6CynV2dDf/15KfvAL91xdCZEn0w4mKRK7n7MrDY4zGrFfYunbJs+e
-z26otuNYDNPSwHCmuOBX+ub9a57PRU7XJN6e7AsykPnn27lIYOSY3DZ+vptaK1yDpd4XIy+2Zpi7
-QVNTQr4vQ+5D3bC7vX9p44xr//P7ErynZAuW+M0LFOPJAZ9SN981WW2sYkjZt5MPkYrt4hAXcbLT
-vfFlYAizSYaeAUHf8N56ubHA1/xFWfcE+XwgD4dT17B2ngcbJO7IKXaHw2Czfbu2JNgI4LAq4iv8
-jjcZWAey1gfdCokoGkmqcFPMd4vC21oYOj8FCBSXphqIvv9N/7CE8DtB4oaAQbfkuS5ZppGXFfgR
-7ULZbMxCv8VG+DabAUs/uM6f7qgpDFVaMXL7zZsD5r+Lx5Baq15qXjQj2LyIzLWesgnnCKNWjYuL
-byCyO9yAbwmpyu5CZcNqzsGPqmdfVqUKTMqEFmY84NbgLzzmSVD6r42634Yu2z3WdBhVBiGetKMc
-HwNLTltyi0HvIjLmO71ujsy/H8ZawckyMvdod7P1YLdME/Lohx9ZmE8nMDvq0S22oxb/8IuT4/xm
-blX2X2nswsnahWFOcBtINJjYeEgc2LWym2+dCfM7KfnZnqt9ra1kYkBPjfX+jfzDDqN0VJ6SCSGH
-/i0EyNGKytSMfDcP4lROjOxsYEXkHAzG7v1rMSP97a1nLGnytADX8Nd6+wbWcsIS3pzynZX0R7OJ
-9uCAH2yYJ3Hh2c7i4E5hmurvnjzXqkUh7vwpA75d4fWwt6JRwvqYX9ROH80GrOba3yfS3BHxdD34
-XrhGWLvXRv8LAdbfXBtnbtgxNS5VsQGtjEM8hC26KKfsSpC7R0CDsYZJl+xSA35pDBC5wHuxuUwj
-e02v+9kFPofV45K+wvBnmVrULUhq22XlVeUGeDlkdljJbTcSFqPL6IcFrxGuQHLVw5JKLFAG144p
-UHHQGS1ocLlqUXu9PRa5DNemMR8+eCZ/eGN5FqTekmaIEey5oA3OdwtmkuU7kdIo9GEWLSN8b2DH
-JXxnaD2LiHILJpF7nVmo+fwGoewsshuyQx5IZ8zXmp1j6ufPhEnbaOq7UH/EuNpYEUGkUDT72ocM
-tux86zr0ZEx0DTtRWTCSceLpQZfDC+wT7B6jT6NBdegB6i9rIgGTUGeAxm0qGUFuGSZvUcocA6Kd
-F3HN+jRhXhLm0Q8gVGa8yvzU20LDfvDKur96/yb94SXhzFB/CQRuUsi3C3cIKgef/T4nejJfUeKM
-C0acW88ku9wvgw+eiDj3KFCnhcspzLYG7Qq7grPTsUKuZ0izy3e1JOCHQXWxcv14D+ix8wTPZy5Y
-ktAlUbVItqk4pgIM0itSA+YFrp82PCWvZOzSV2vPnvF4SyG75JP7rUnEJZOqm9Qj1wj/9lgNHIyV
-UTYvZG8ex3Q6ZI46jFlmgZE8+4OqUknPi2f9inSdVTySy0i5usb4HHM5HumpvZzN0VhFFr/Rq5O9
-rTFpi8uh35AaB6llbsOLEXrXqQny87FYYdpf7PNuuI9aGkkX07flXNHqWfNwX7cBdE+8YUg9vCc+
-6LbSor1hUK0JpwOwSqaV+oWW8W/gILAgy67fCJOkGPUaNaN1DT3g3g5UA6HU9K5dKkk91ZLux1dj
-Rci5U/K7a816hM7IK4ZQ7dKzxpdaWaR03GDCeK6QtmVLuK4cGan5GIf9EXI7g84CuikhzFof7+eM
-sTTIIu1Pm+5pireZz8mCHIGFydthD+1VKqyvYTPk+0RY18TwrAwcOpaqMRrhYm9BposDAqLrtDUf
-ZR19dB6f2B5n+yG1jmV5kC9YUeeK83Qy4gqjw2zXONNL3vTHRufc62mzAInjlaq/Tq120XqQtzwq
-vdM7n4ftZhqaAY4kf6zKDHjGebz2Eg/f2tpwVmkbVEsp3Xztjd20S1UaIVxIRlSBGa0rGKIvlZZ6
-V2XtQXgNOBfbGd+znM++nB3jWmrsMXE7PfQG5ZZeG4SO6lG3HAPMYVKXyjqgMeQ8DBmPAC9TZjtx
-d9/27KC1bI+1S0vqwXEAYD6alkq6SgH9ojoxVtUwH7JwuCf+AHdaoc0qofvFxnh1U5ft0aE72CWR
-fd1ziNBkdvcQAG5VNd86/zpf/8er+gBhozRTcvT/zqvaYQ0dRb9ia3//kb+xNWGZ2HriBOpAQYRI
-abPp/o2tCVtXoXgYrOPNbCkL6H/TqqT8C28xR0J/QrSrMLl/o2sCB1Fy55T5GKJo/ss/Cr+23rYw
-Ji4e+PrDQZA2+mpANnWu/kKzwi0nnWMrkJ+aplRCkDlrpgU5sgWjphSOZmmi2iERuyaiIpH3YZho
-R8Z30zY3tYmw3Mglsa0ZkWHpfjqsNFssW08rGc/1WLjrOj8HwBddK71YdBvX5D8uNLi0F0WIhKgz
-SdM9yXikpo+3TEGG1UkYVGC7fESPM++8gPDfUGjd93zW5nqBste80Rh33Yx5SiJC2LTDMw7r07Nj
-hFPE1JLbtgyDHmJJndTzBo5JtSeFpfzWyTB+boNhutUSSKRQgqenqZ7rpVcGiQPtZG6/93UgYAhQ
-jAc4zt1RNaOv0KJoUUAL/qx4VckHvYahjt3/7G2nR6C04DxVnfhKocwff30E2WyaseYjd5trw7uw
-jM5al1LFHHjkDtAuy6rFeFRm3m3hlPIyHyRfrbTdgqDUhKiVOYxBDCGlXnhz19NRW+G1RLP7KqJE
-+5JXVnMMJ6g/RDdQklktUI2ruDKQVtxtEJKoTSJPceO69ec2pS8jX+ISta+8l6HcOqFHYoldffvl
-JfkDIuC9FabzpQEZ1ALGRU+Va+fuGiW4cuDrZf7JLDL/SainHxSFeKQmHm81R68vOsKQLjJq17UZ
-Mp9dZFo7bxrmNWSsA32ViVD0JmsYbwIck/dDYVif/IlfVThqfZdlIeiH5HATdjaZzEE13lqu/wDd
-SWKECBkpycn+tZOUhCf8cLehVmvbBFHKairQHc96xpo2iLI56LPxmtvd5UCawK6lANxNBJjD08Wc
-IxqJ7RgpGdY6PB6oz09p6cV70yyGlygkUCxtjeGlZCJy4UwkSdSt6Bd+yMi37LtNGw3jkZcyuXZ6
-jZepwaEpMV516LpogPzaJsmJtHZOVg7xCMiEyuEELcLS3uoz8d8yApp1clQoY85TWrR5FF+B8cLs
-d1P5ZULw/91NGdTB1ocNg/M0NvAwxMUmD5tmB1M9OqRtq1/5aIJv3Vz0VxazwBZSDMng6yqc492E
-gN1bzmYgj1rUjjdNK7ihUtHKZpccc0u9m1oyk1M+NF/MsKm+ebDvL02z9pY6XLSfOQX/3XHu7Z6l
-0jmlR19uAEx6PMuT3/0ve5akMPGD3tGOYavPd4ie8q0mGnhqI2VY7XTeEuca1k5dzC8oUNGGt005
-LbGFCl/jsgBatKW/J3+r+uJUZrkicETfVtitj0iiV8TzZJ+zip+S9DVpn3GPC3rKs78sfGQheotA
-s7GCkbTsQh5HQHJz4Ux81anTpit8UqIl29W06WlS1IZKc1hbZSvWVqvJdQRnlZ859uM1KeLz3WnZ
-ljEST2KQpqu6IslalDiCEwinP7pa1nzxcMH4kmtzRYp7hPE9SWJkYsBliL7lerKtgCkJGhu9jqas
-69CTg2Q768QN3RtXryCjvf/qnsCP/+xX6vYz13Fx/bGZ+oB+qVf7l9s/VBRJwVyj1KtLAgBaHC4W
-U11pn+LZ4xuIWAJAVo12H09RHy4sgtAIvKnzcNy6esTxYvAOQrtKK3/vJn35THOFF4DH0BG7c1H7
-TxDD+DKKVXlRRZ22+edfwFTHq7BpT0ALFCjzyxfI56SpBZYrx9TGuZ94s/G6KoNgUxGoWuPswD7j
-VwP7hbTZYvLQ0tZk1JfPuq9bBzHYPprF2mBjnopnY3TEpT3Q9YaSTo60J9e/T50Kdn6YB3A+3v/s
-p/P47OYTlevQUYGoUvGefXY4mlE9m4N1LICL88XQNP4PVrPv7mpExw+C7MyreGzGm9Tp822LYAjy
-cJ4TrlVG/R7EjkRyWH8XqTWgwyEa4b61M3RWg4lzfU1zdDO7TXTJgH+8HTIvRbDRDM0PPPthLXmR
-+a3xh+5Cn2cXvFtpPzsU5vnWIXqJiGwElqOiFLbIY79IhOE7zUWd12ClRBKsY2/Sxgg2ZRqOTyi3
-ydIcep/pdliv59zJXRoKOX4XGPzX4BcmhvxNKcV6NkpvYxTJN5SBuyY08mphJGV5kZpwynKHV52a
-YLw9vXq+pwWvta+F/dpO+JcdDLX9PNbyCEEBMmoWEz4PMSt81Qm+28R66D+x8vrvZpqpHUTdmtjx
-95gZz1cm/uNkjQKWwVQDL5hkltzrpZxxBK/s6NHJ4hcCd4uLKgjHi2SQzbJW1DsNkd0lEpxmZUF5
-vCZ8g7Pk/YVAkfimbOA1xH2LmgHLJOtUDp6VDezVWdckfXWE99I6ywnN4Lg47c3pMEI6wraEwDHF
-AUaGHGwoxcpnG3MBiNbsSesgay5CrXIIPohTpIuQ4FDS61Gy7NGQZQiJ801bMbFCM+Po36ZBTz+z
-/bffJHSa713kmNoKqDhzkNm7KHhzyrGrPm+tdUaQEuvAzMnnSA2mjptU+Ih7yK/tdi7chNU0l84F
-4vHPMFpJBnTQ6YNgy2iL3Fm7g2s0Id5nnPqKXJ4tksy/FUqxYjeKGd823tqdA1JFyameK5qj9kuD
-fofgDmjLo4zmtWdMX0RZEvJATOeCz8NYEFJPviUUhMUay8Zc2sB7L9hfZau675N9gWBlN3vppDEp
-mKstnXxYMP70TaRWXRI+cA5ED40WYzk2l4NBxESUxV8aSLzwiJPKDnYhdQv6GIPdAAVWGb5q4JVH
-rR9UgYP8bq+TGbTVGFOtarwhgoURdu0ahnOm83Xx91ykhdKqNUPNr/22U3KfEA8fmv/GNFfpLPL7
-IGibCx9bARP4Kja+hYYPQhfgBpkcNBykKX+86Q6RY6GtZ9hO37K0YF9tK5pIxSfXl1pO6EhgDcl+
-YiFAsB2gmmsms/Ul0ZvGoyAZlnRqvZvvMCTxYSw78XisqS13rYZ2YNE08/xD2ol7gYZZWxOkkNhg
-975QuVTzsDb73lu6jR2FmO/AHSEpg1UYVVSZixHDstYD0ACW9vUVgsn0h+MMR8gpKl2MstVHHOrk
-kPOS7NpxsvBWAuYsOQzgCTUksN2dXqT/dbYfdLYEMyhU+b93tl+i5qXImyj/tbn9+0/9SzNk09tS
-BBAyQR3whjjiyb/wJ7XxkkZJBAChumiaRiUUMp2/KCEYNAr+C65Uv/jWwyqhNMN82lJmsOCH5j8R
-Eb3FOyGMEMpr4YyPuzr6NNgtb895KfQw6azQPqBypPTOBEe6QIs2TxN51i0TsudfbtAfupo/XRB3
-ZrRSwqI8Ork4/1JYJHzrUpaZdcCI3V2JfkBV4eExYKdutYMs/3di13+vhN8cAT+/IIor7pfnGbgm
-nSGsXmzPDZNX8+AUof2MBygikDgW9w36ju37X+1tzX26FI9aFXyonxTC/vZe1uFAyn0izAMES+s5
-cjA6tdoZkahNOvh1O8/eg5PAnK99azy+f+m30P7PSwt8r1WaARLJ8+nxULGt63AWD43EGSJ3Idvi
-9JCDifXBh9buZ6j16WqsQOEhOWN2DCby9ouO9PmZM0bmYSgYzUDer/UevaTO7tS3DmnZuQHVdJ9h
-UMMmiQCmeTRFgcJ2TCONbSr3PvAt/P3r25TcNvgMZrYO4uK3HygWIRqowDcP7mDydU9h3bqWQM38
-/12L6BqIWyxhFs7ZggpiQ09DTAQORjOI687UMAyBp3HsYvlR4KK6j/8pZNV9xqwWnaEF8gWadT6w
-gStSazbWdIfeD3/8DP+WzIP/6dLhIjYhf+pi7FJnD1PvidklGgrmakIIekxWGcktCkgXc8KR9P7F
-zoxZf34lQwLKAVFzC8+DFghBE9BYhXEg/4nQRqPnmsLXaLtPieVulVjPEPV5SRE1H6ewNS5oZY2L
-Dz7G28Lw58cAIpf4ZigD0/MF4zP48X2K38PotnKPxE2oeAdMO0qtYYVWpHesk0QCME0zE7rV6eUl
-aR6hhtfUu/c/zZ9Wr6n4e+QJYL9wTpFIUs8es6Tk5e2RMMH6wj0jR+llgqh/0Jj+6VI2tAiYCRwt
-v3li449SF3hFGofI4vZ6npqT4/bEVk/5VHww3nq71bN9K1IkIXhoU7ncb8sXDwucOaoSY6xJJ/xR
-0+ryiYIXfu+ggu8RUbofrOVTXNJ/3hh1SWXHonMEs5qZqp0dZ2Uy41YLT3Ov+4xcTBc7CxQFzXi0
-B208RjjqZ2vDoiULXby4ogBGF/76xcHRclxpSNOudnPF8XfaQVozKRsWANUyeBRu4qtIUAZ+8PBP
-R+wvn5mDH/kJcxvEeIahQOa3m1fuYn2CzNLcN6mebfQZdy00RtomEA3+MYWeTWOwhFFeF1iHxOVE
-tgs/7K4m5/aUWs9nxOuIB+lbQfsKd7p9HTFBABsNZ94ryXAmXOk1upuFJQZKahF4qBZDd6S5R3aF
-41n7Wuv4LzjEvNerJsaFa5Bx9dT2DiOrwDRwuuAGQoXCeBCRolYjLpDeA3MeLWa66FdiJxqLH904
-6IhWmRciUUSR6BvKnQATmzSvuIbLnbYbTI2qCshzYfaI4DHaKMU1Ie+sEOxLyqepcNp5q+HZbO8H
-kugPCHyzeoW9RR7ukzRsX5M4rZ6gj8pynwmVP+tStWiyRX00w7+JvorJ45E5s2EnCXKzwX9AZM/a
-axP7GYU/q91Eif88Ca95bU5psnbfW8/ZlMgXLCPkrq+c6ljbbba1BqdaIg81CR1ssK9cDJ7FCSMm
-Ie4RgPCSjkoJ6TN9NEaTO+qjPMX+Itr6htG8goG6K62Q4r6dJffHw7bxSNj9/IBatnktPZPnlNmD
-9yDGunlNaKMlvRUSwrnxaftcQLOHrpz4XZo/GReen/NTsngS9zixIqjtdPJ2T6dczkmNs48NCWXK
-wjreAeMSejU5DivbDMlXX2T5NDv7UBUmWkzyBeoi71KPpfLnmRipoTRFQWvlKHWrqGLVJIZuPTt2
-wt2c4rjE6KRwJ0QQyp5uX6r9UusJo9w2Zl+lWzlKPgwC+CRb1y3nol2EvH8FQhKcMGcXuyEtwz9j
-wgDOXSJcRxbt4MaDp1HiI84UOePpRR9r3gOpa/xYtwW5HTXUuKVQIE3bOsm4mVLOZVBcgnyWqJ7n
-q9lJZyJFosx67lE/PdshiWBgVDVpGtYk6k+BMcsdTuqBs0IzZH7N+z6/d+doukqrPl1VSEnwu9RS
-4W5EpNf7KC36iyCduExD9tByyOcCjW5DLiS0sQgiLFhXsnCseLp2dRcHTzOEWpglHhCl1RjLEcMe
-gtznCf9E3Vp3RViW+0SfQMpYkyGBak1+15aNC1/b77LvhVW3PzBJLy4siScOmAF+XRPOVeOyS9iZ
-1JwJupFekjbeMlN6tNOkbjaNNdkvCqleNW2OTq9Bw7DB6taBKIGp/ErERb7tC0RgXtwLKLNzE34N
-lFrNKdryarIV3ymf/IOYWqfaus1gY6hI0OmE0S8GbQMKTpCdaTGihP9KPDc+/pYEKxY9j9H1LfCt
-ZMi/xmXstKu8J80+0dHHq2KUyKuxwlW2rjNtXVEDLvpOooV3Mb9gY/IX6B/9Y4fY9CJPqvIirpFc
-kkkwffex5lmHWqTdTV6RPUZYsi7TKYcdkkcMkqsGM5KkfnZak/cjQhPjyyxcdn2NfLvEIad2tWs4
-pTrbP8qjYpGQGIkMxEFK1oLHeUwh0eM5bkBUSjOqQQ4kwh1g6GSt0MIMDC2g/RC65/nYiwbhhUu0
-+DJtG6bbxaStZVZ0n8vExrW+z5tNp+haeai/pE5TPHppJBeRh/VmozH76FI+By5DOOgIfCR58HN4
-aZuV0uLrPFEnkPFlgbjlVm87UkCblkWt2VRkz5PfimsNSzRYkjgh4MhYtjI+wP2lwEak01ZLdtv2
-Nah1NqRi9sT9BCtdgr733gMQ/xis3W609HUSkaO6AD3Q+0XmEL63lJZWPPkC7C8dK215Gru0jcd5
-7OJuFaH5NosDhovqp4mxbLYQQdiC2I0pzJgO3GojfRR2spRwNhLr+77EnXnZhVa1M0cTX1hLJOVT
-iTCJj+Ygr1uQvJo+yaIKqOdC0hCEUUg0ySJsyuyrFYdu+WMqUYs1vYMmFf94lL4Iyr9n7lBhqJ5o
-1hc8eL2LOvSaXVpM5BrmYxB1i1TE4bemb59jRqZry4yCYIm2sGoe01nrtE8RPn/GzpWhe93XMS68
-aZSsw2GodjH51xuomuXn2YP+TVCNOXzurTo72kH5Q6bzI1RgcZO0kMbZV5E/SA9NrNmV8jVow+B1
-jqLhEzpznhxvfLyuAKy8hRk4mHn2YZRMiyptnL1tRfB6xiEts2VDjPa0TLomGHatN+oHk+nDFdMk
-42jPY0QwcJZgg2DzFIjRAE940PJ+zNejaFMGBLV5A3qd3lTC7I4ZVpVLlTHwAmc4xbFzNr5Bre8P
-rV3OcmH5EukaTnfREo+kcDF08+BhTJ6yXXhYa6A0MvfT0H/zS234hOwtuRNdh+4yCqyvyWAnwbLG
-uYGzEh/nRTUZwbUH1e2qHrF50rwBEn9IFsizjIYSMpHhrfPI6g6M9DUCKFsAanSkU7TBabBDKwha
-7y8i03fGTZjmxr0NPA2/Bj1kGYUkCE1gaS2REQgJg+GpS9uqW+tNY0b7MSLFaekWOjZsrj8wCrRH
-HXtWL+yaHV2udhk7c/FZj2rpLckAymD2ATMmu47Fcz1wwv8QfdVcdWXZb0cOwgOJ8Vm6YhrpN4tC
-0F6EbG5bWLUYJJVUFhriYKe/C2Q/wDGNfQveOFveUzK2UDyn1LpEvsk2aujQ6/Hv6pnJywwj3WWa
-F/KqRSFnLSavQt3qpo7JhiiG74WEv7vxUExsghLDAtME8TcUUtt0TnRsMlF9RmbRPLgp4uqeKfpy
-jscIi1kbC3JSMAVZ1LEDhws16lL4M/h81nIOtSrF2Nf6KF2Z3KrbfqZPwRWNcQOWm9ENpjXjZ70e
-SOKMWpI6kYobG1czamTOZW5tqsaxcG7AYKXZdqzdHz7DB4JajPZlwOvuFZqrHW300u7wZYbllBIG
-kzr1wsfG4cfczlWEycU8dTunLX9Y4RjcNnEGm3yOmnYP0ov/WlHk1Soco2pamE5dLxNO5xstHWJc
-1m2/XcFg8PbBPI0jcZ8FSgxQztZFEIMQXTOd/hHJQIFtazDHN7rjOzpsvDy9yb0UaX+O19ZdqBk8
-NVLlhbnL8NkeuwdsMYCmf3aw/8NCP8JCIV/TRb+DhT43IaL7tngLhv78Y/9i+gj7L4iVlq2gKgPP
-Suai/2L6SPMvhxDev2OC/4WDeuR3QvGlNQLuVIjBv0k+pvWXZQK2o70BhVEMoX+Cg543xjjww/sk
-nYmhOWDIOdcCeXiFq0ZnM6BHTLvMo7G7qzmObWqfqvn6y435AwZ6DhRyMc8DpmM+hf//b114YI0m
-ZmityaLFoDQ3C3k/qUP75ynLRBbWPqSnZ6+nUv9/XBoNoUqKQB9x3iBHWiLod4V5d3Lgy71a89aY
-FTnj2oEDcm+47NNI1mvltueryd77l38LCUCd8hwJGqBga+BYqF5ve11pREHuxalxR9Z8Ei1draeM
-ofSZyz0mtlxuzGin3r/mWaDh3xdlqZhqnC0IFHl7UfY4vwtKT95ZMpf3uYH3q8zsGfNLoPmHsrVo
-4CJlDdeJDnvZsO3aV1thPalmcx8qm9Fd6QRUNY2mRMIzyutn21XNDiWwLg596YMRRbOyFmhKAfNg
-5IQzPgA3zuhAp3tnn4ACpglwhs9wAnfA43t0QskpTYeUdPCvxhTt/cZtRnF/cp8ckw/jRd5qaX7e
-PCzGPApiNcbwzp4YRgxMtqxa3IEfiHsoFtG2wqryhx6P1d2EjeDRMmlEibDDqH0KYWe+//R+fzEd
-g8hFBt/McXX3HAPtPY/2IBnFna3ZIDjqhZnUvCDoq49GBeIcFWR1guryZrmqSfpNaeJPTpvreifu
-TAU+amWIx08fCVrTUzM/Jqb53Ou2ejuViWLpDLwsp046TvBH+udfHFkvu6UCm39btdLUCq+CTnHX
-tRUviUnhXlzKFlX5Amr0Rwj6n14Sh22P95L/Ob/BwISFYwBs9PLuBFnkU0ibYAZjcegcvThkNWOF
-E1hbVRGrHEakuM56D2RqigVG4SKeGZDa/XgMKovOIyHg5bJNem8tWii3sLlo9vMp5i2zUMAOey/U
-u3Tz/i07jTn+A6WdFqtDNYNHH0eFx4p9+6bHzAA6d/LEHdZhBJ1QAdW707oZlSeWakUxDBnYcidu
-IMUh/rpU05grUavtUH6ArUSJCZQxDzMdrvBxJHdr/aNpzR92QSZ6APuY2uD0dA74alB7ets3xR2e
-otyQ020WJeio0H1xX6X1Rytbnr9FNlmVJ2marqZu4vyKWUufqSdTc3dC1KwWqMT3RvU3g26y04FY
-asMGLQS+8vH46WNckIZh8siKSJhgGfnUvhoFTmaxzg5AJY7jtmGycSoA/3SLGk4N0osjqN/0cBiz
-MdokJCEiO8DhC1EffgSd8g14nr8+bw5rnefMLMqU4Kjng6jZTTynImflruBPLb1ymutV7GjYOyC+
-xh2qD/tBGdHF7YqWN8WYrM/8cOOFQYQPMD9bB2UpvaWMic2mmHY2/Rxo7S60G8KachEQfqr5lj+v
-dIMekdp00D7jJhuQ+EX2Rr0Ygim0oNJBz1gxbeDNwEqlW3MEELoCTkmahVvmd13ehge3yeJLmbnF
-dR/7TrVyixpVCdpZ7VFMTnIjiil90ZOG+Bu6bZTZ04yz7jT24esEq93GtTHMV7ALW1gSnoX6rWLM
-dosNfJEhsqU7XphAQPBpMOFf9I6jlQ9dnsYE3vqO88lDboOLSBxARKhlX4EFWEGNH53tTRCQW+l+
-AynGYCjPmjbZ4VraykWFd1p9Iasp0i58YpcvZYAZ/gIT8z20aO8T7SORjQ7mMfUdKjJhIpQCmVuC
-/CQh7sZBWd46AaDfEt5g6K/cGKgzAJ97KBPWiDN1vHLorL11BY0/WFMaeGsH3w4+XWFZzw1sw2iZ
-u+w2lIBsxH3JKdDgRhyAbDZAlL5Bt4bYM8VSS8Spc+kSttJxMotQ4Egy553ulHsjQIt9hTN9damN
-EIw3wVRkmNCW0ehemEEUXvcI319A9exiEUhAGz2K6xWWBsF1Lc16UyNmhl5TPg26Pj+KxkWW35PP
-COgqv014kiwtyBtb+Gj+RpJi8jUjxfKR1HBrUREU8cpCGb8HnR/jRRsG+UrveDzLkLSpLXbFFtoF
-B05UFmQ6DRrKmdElOkWbFoihX81Kt4EUo6C81yw3Sg490TAJrns56p57p4c45LEAsBtwVpmj/K+R
-NIMd2IBYlufDQlkIOUj0L4kZ4beLj7NGPAFqHOGVj9DAbIOPm8Q50CwxHe5G01XxMzOlLpKEO50r
-PwA9cCmG2MGZHbiDY6ybdIDvlgV++nnUGp7YCbHKpgmr4t4hDQJyNntFNLEqyWcgNpswooqfgZFG
-+eSRugQYI5QrXxSjBtP12iVEAsdfZb7Fo4f2+FRHZnDXOe7cLufJNp99axgWQURDu25TJTRSk3bU
-8N7DILGsbGYML+3OZuMx2YcgLjHfqRG1kzIbgm5ltKUlpp8WH46OozhQ1vkPHc5PqwSq6gEbM3lf
-oaTlNxWpd9m2iiLPduajMDI9wmOFYrovglkZhfdqcoHsmX8xOwmWli6w73MtOakXsMT5HTX0vusu
-r9hioHO4lyfA3cOS/shonUM90thRT3skNZx76Vscok7MTAZwvHmtPHUrvdqErdB0/PL0abOuQ81l
-IJu/LSg7JX70EROVUy2SpLZZ3+RZUuMn0TOdnsEQe3NiN5YDKJ3AUV7KeDp2Ee2GofJoyFzheG7B
-QVeTqh4nyb0X2cSX4pXkSgnj+9eoYDGgjGpe+3oCkQxiqk89YWjippyiSMAZZqSctpUXVE/AglS/
-OE5Ox1OhMCegzHtMouxnqcYlccMQsK74MCMCA1KfIIMuI0ImL4pK06/JtcDyp/D1a+iaSXHJMuLZ
-ndJz8Avh4GmgqihI9KjHavxRFATDnQBHWACc5oxxmFD55GU+owRSHtBYPUFAbGo1XuDPEO9QDNN4
-WWk10OmpwCEizFsnc4zV+Kn5MVTpM8VenK1Qdpo4n2hkrEB1sDvzarAmnFAzy3wOYVamW44dPmAp
-R2ZYrpaDapSZ8L/hX8DF89MrJHwrHjf9WKsyiJOnXdXDnWsOzWuqKCl0EC7FHf/XCwQHcG5imroq
-VKuShEQ0nOZNbAPGhc2Tvsbzzrng6xQHo9fwyJq6CZwElmK26rsIJ+mBE7dVy/M0zNEDhhvkh5Nf
-sY57Bj8mso7uqhwCLdxl8B+p0nDVSxc4eLgkS/PXpfQtFvDPEWgrwCHHPnLu48Ql+bGt9GjLAJA1
-Ai/ceg6zgXs6ligLf24CKKEZ3kc5dyVNIu/SnlCzMFTnhbPV5bOBAVCs3vq0FeVTrMaqJwIS5X61
-I1aDpxrJBld7DnLuw0AJ6pFe9aApCv44BfbzaZiYIALP/o+9M9uNHbmi7K/0BzQLnILDK5M5p1Kz
-dKUXQnfiTAbnIL++F3XL7qqy4YLfDaNgwyUpmZlkRJxz9l57y3yWsVUseOLbtuNKPu9EG9Fyd55S
-lgBhMO3aGi0APs605K3f+SoyJxr76xeUNTZLk1lHzaFsDf8F8pPyaZcvWgelo19HqB5DysAEAPjI
-JFuQ9YKAyNQ8agA/owxhBmg8TRYD2VXwzJyVdd5n9Jb68o1WMg96Y0ykCawSK3YizsidwwrEKJ7c
-jbXgXSaNqbhh8YjGlKgpS7ceTJS0ZE/wfzIg4Gv5xNIuTDOLXyfGz21zXnTuKFlo1hr6xntfhMR7
-Z3rkNDFvCVvyWx4+P7VWjpA5s8kolrBdLydxeBd5SnqFHHqe1yqJ/UuR45PQl5lkPddaLGwvTMUC
-0cUsR2nOw4VmjdUx6VphBQm3PASOFbyapJFjkYHkNoc5FQymBY498aDaac0ommxmrlrLMNFW68rC
-T/svldIpW4vBPuZNrdVb3/em4lSODr9dDInZPEIfmLhFwCSWGzAxxhUS3rr2wRLV9nVssMhzFInX
-ktwmQGZDxk99/vwAfq1Fa+E+rrKcz4W1jV12nM97N4oV25pCX3NQbjp/bdmG7j/vTxs04D6jEbAf
-q8bOb9zB4xbxdJAxNl72UwKuzfv9hgBp5/2ULnT7TdmO60y1AkQzS/ERO/RSPu8KR+FOCXK4jlcH
-UsDeaCrjipmcD4HRV1qDNqsMhjOiYiXClMAwpjFpQmDEZujKLI6qaiq5+7BmgyaycaiQR4oGP6T2
-NK4GGpEDt5zxhIavnkKjIDtp40YNOwzBtdaulhzth6xmtbdS45Y09uX+ly5A19bchX5i0f5cAe28
-Z5pTRy4fNgEE6/bdEzobWO7EY7NuQMSIxRZgazkyugzquB3R8mseITrVsF5tNuCq3FpMCiw63LN6
-IIG4ZWpEqfbiq5mDn4h530QUetzdpt1rYWa3yghazkLL42h4qcI8NFbJLWxTvT5WLKNXtGVchSAS
-hLyTtOZu1+l9t0+9gLYMoCj3XxgG0PCWan2/rj/dAeN2H0lxKG9NS3xLtEjb5H7WHUTR6IGLyviM
-DCL7GVtdHbgr48VyKKkZbqPGthTbIwEh7EhrPN0GYnfvc0KZnRfUD3zOqeQLrcW0qL2G/2q34lPH
-IG5qAAKjKo+plNmNZXeGsWHXLI9U9upQGbKCESBldRPVdM19tSKwHZNuPWJP7jACOHtvi2Cu109g
-e4rklBGvu2wAH1NoI/mlgmGCdvzUElR02YZNU0ST9hhnJl9PS3YknSp/BTZ/6ls+VUSeNbHgQL0i
-4mvkjFOuR7pP4UeO+Hn/OfsbmolnZi2UsXnxwVg+j6qfNIRc6i2XFy0uzSazXkUE0cSVqs/NJEpY
-txeR1jnDa58lKfelv83WPdzQSCSKsLHHwWdhGOsQeOCtZJIlr2dNqx1FZiz9tPbgJrV/SVGcH2E8
-G9dYCZQQJDZ8N5fZCx0Lzjg1GN9r5Zjsn8zvuFvLmNVqcVLzaeSVwX2yRPpZvqaKsGFu51XAgy+G
-Rf1TolC2XlqGkaR9NSlbvn3GJtU9617b8Aj1BTdPGmn5SavFjlQyrntZanYgarvkYIok/WGPjt6d
-hRx44noN2C8GMP9CeOZ6wkAEAl7TOpZ55dlH111090jBphgaUt8E3jC0+7rvhh2ZDyYT1q4XHzqw
-8SfEwfWZd8yqRJ+Hj8RF+kCvKTKpJEqHjcUZZ4fsQN0JFyiGR0nsxrVd4nU5+DwyC7386cSmCuiS
-lfqO/Ea4/lBKzR2vnDwl7aCeoS0tl4TB3bMc4jzseEJYnal2lh0b4kBCEqRCczPbUrtb5YbgLRe/
-8rZWa6mDGQvt2yAt8T3zh+VHwakS15XqOG5PBaxZZzbPBmibi8GhbF/QXEHpqTttOCDoSIIGmlWz
-JdYQd6ml0mvqSi+MMyd9LWUfP5I5MqJwKIsZ7JfQ97Mn5qtvyegZm0D+rW5m/pIg06PjpIyq/o54
-IirWAvCasQH0gtGr9Ufn7bOL9L8Jz99MeMiQNqw/NNz+JR/j+P0jqf+odP/9N/453DF+Q3PHfwzb
-Qge9jov+MdwxXMza9PttXIl/QiSu853V1Gs6eHRsZ9WD/p6VASIRcToyPtZo3DuI+v6b+Q5CwD/1
-igQNMNo5XBZHJSYB1l97g7kRNYNwI+dKgot2jKmxm3NFGhg5kx7SD5fzANYlCyy/7jvFI7pt4X9l
-9PQjAbH3aLu5JTZGzdzaMdQr6J70TNdWAb0wPaKlZOV4Jfadzq9DDTp2/0CQVtwESTxNzbNeNZEW
-VExorfKc+2m3h3WeZVfXTHzg8hjidoT1VccSjRcoN9oX5WzEYVUWNhWnJ3ZkGuMC5xm8z6Xft0Gm
-T9GlsKS8dIPZ72dnbE6IE6bvi1G828irvtt+p78VU+3udZnKd2QFK0ywdIjn6z7YEzCiEIoKMs01
-2+S8zIk66LK2d3xR2rXCbE3gnzvuErqJbbRpfRyl7cZlBSzHnehAKQTM/bNbLUnM15Fayh4sGRqp
-kpsuTfSHuVvZ8UNThWOvvxYi9Z+VUDOGdGXtpem/0uGAo6PPm8gay3vc3ShHhta8tmWJrxnlzkbP
-0vRSjvV0FE6S3vha8eH3DTB6Ysi3Qjr5uUFxtS9qbQR34kbHORLWDilv8aMsUuxymWf8WG2aDWtu
-Wx98M/0xDGa7hQaovgjDmyoOFKz2jfTiTVMW3rtpDkicYOnx2dSvcOReG42XpoAnCTyZxreo18QW
-W2m9pS/lboR0ERu4UzV2QQE93giQLZeP7qJsWql6Io/rHfncjJ2zI/mN3Coq1PzA7t1wCHbdnqsf
-3ZD+ygj5HGP1zFFeTUPg5Eb8YOdGfjfP3XIbTYm+SRa7uSSWqQF715XgVSwOzSSa7+2swBxaalb6
-ODldcRHETl8SMNM3cJPACSbRdDe1Tburuk596z27qAImTIAec03+9NHxDDicbGNfutl0AWadHpSo
-uksfeYSfKGeKvye0KdfzCwwrgyNRMA/SZeUHWRukvatfiUTRA6f1lyJoK1OvmJqNfhB73fBiqRm9
-D5lUJlmueQNVV3dThHjJuBsTk/xXrdSyoC5N/zyWJcEHvYSIs4F93e78SV3Shoty6aKdumXunmMI
-wmUw5mbysyblhGq18A8u0SuwIrXvziJ0PGNJltG4jYnta7XJRDeBOdwixXXnZrr/SnRHDo7UPcuI
-eBgKsIQoB6F/HR2j2Jmp4XzLm2g5LaocsWeNqOSwZyEaM/rpi1/b1p2WRy4dYC/aDT0JqZsqn+Zz
-Daaw33gk8pyo3yYJp0hLtjOB5neugGK4NDCMHUdVYa8scprR2j4UCNT3tFCGF3Jha5KnK5LmM9Sk
-xAnE6VmTBAyK0vfKjefzlpya0RWuYL/bYPiCatiO89ZYxgwQdTRv08lbnkfVKGCjjbFLGAWEiT/z
-lfR2dJN4VXvnOA1jDa99gnvgPPjWcGiR4NxOg44CRLknMfBYk8FjqmMalWDQJ6emy2ZqW2MyOhV4
-0psfc/o3N2U3gj8wm+w91Y0GqgUxB8PUUlXP6HmOFRCqR5U1gIKAq1tK6jcQurd6VU/3sd20lxnV
-4IbFky7PwNdNIEpC6zm1WBQaP4SUqh+XxvhuTMK5StiSR9MYzWPJjD5IjY6OdyVNOBlRvG/NiD5w
-SnfUlTPARtPqH8HRzz9KXdIB1tz5MGegx8GslQAvDPI28E9C30xFvkcnJ8M0YiHXzaU/pwlHJho0
-9q6RVYwBcnRudFVpdIxYiPw4mUKIrd6bVevJYUZnstFU4W9bu5+pZjrhvLEJLgfb97UfRtbAm50S
-uqbAHX/C6ayv8Fzrh65xDGI+y09N3ke8lPG2MYoiNOtx3HsjU+aNxJr6hom2v7Rl8dCRH3Oiw19t
-rLaVZ+I+e85C8NIn5S13upH6t13S5qupOFq2duy0+9IGpoNM0Au73BvDwU3sH/FMBgaz/m/IElfp
-5tqojPIp2bREJ14SjcSIWorpVRIcv7ENuTw4zMgIcqmdt8FLeDYsRxIL7hFYm+bqpkoGjQUrxq8g
-Uvs9L0ZgewxkrkZUVftFr42PqYxtEmmWZ0Dr0cacZvMgQDmVUH8j8ZimhgqlvnhHbNQPi24cOT3g
-gm0tw2GEiBwdcY/wQzcdmVzl8aumRAkPsUSW71TJXVZ0cxVoTTy96LHTnHyrcU8xDQqPFTTyD6yb
-wHh7/dK5mvWwLMPdEKfwWwsytUk+zjeCew8Pvlmu4d0BjwR1pG8Qq7ug+wTG95DPPrfa1NYeeRRR
-vLGr2Dukyhl2sdcX284ayo3uRRcC8PJ9zdgI32nmEZ5B/OokS/vIA5XshpJORNwPMHdVQTC8F5W4
-S1uW7ymaPpJUl3uYuc55GTv3G5zl4mvbSe0quva+s0rxuHj2sz7b3TVHaw8inu4fAutl76E93DbC
-HZ+7MhlOwik/MnqYxyRzsernab0fQfYfhqUAf6S0uDulEO+3aCTthy6u6jsQuHlIQLkYYYvdEzVr
-viHXmy4EX4IlIARnfAVRqx2KZRSXUqbZyUzFroY0heic3FTHflHaZAe6VxbbtLKiwI3H4sn3Yrkf
-eq+5JcoT2GAnqZOb6Af8L5bAOEnQGvvQ6cloOHR1sdYn9nSWOAi+jP6q7+2gksqFXFfbEctP0RRP
-SVlVGzPP3Mcc2uKuN/J+w/URrJlZNyOr6lYmxnvUAVgva5tgbllfignahHLUZUbr+ox8mSgp8qu3
-ttaO+xQl6S5VefTeDrPa2ypt3+G5A/v3B4jPozke3SmjanO698lgXfH1krkRUP985evTofrQBgG8
-c7ZoKnjZcvL9GWVyXJxVj9sQvyXzuHK82kUdbxJPJ69Ud4tnVKfVI4eq/FwxRyEg2MD+m065l93W
-dW/sfTeWV/J8d6Vjyb0HPOMGHFkVVkhM90lmYxFJzPjirs2m1syGQwxfn0wTIuXvGiHVMbELAmq8
-gWlOlglyyqZ3JJDZhhR0IffTZCy3KAizTY6q41QvbbUT3qQ+Bi/ykK805HFHeecIFLtxUwXODPdX
-1Iv6VgH/fXeQGgL67D7KGHk0F/KzHMpml5HoUKN419rj3OkMWrJcOwDAyB36WXmZBYYNnVviS9lQ
-0zs0Ckus96Tyfiej2CRLc5nY0hxIx+DNsCPk2S3n3k2f6sVuMpHp6iBkt8sUGafV4kEiDKfNxPP0
-Q2Rp+k+Mt4KZV0HnFTx1WDt9vMUP0AYcPVoGVfm9QH1tBZ0+E5IRdWtImkmKI1/1O/rZ+ICHPYIP
-OayjjbmDRtKhdSTdqQubiQ4l46PI/cL8tPV3xuCKIF30e1eyIQVkNmVXY+qNb0q6xe2iFAvCaBbk
-ZOXmLqqWojIePRUNWUTQs5fU39KBHqeNGeNzeqeSnFFe9DnX65Xn10/TPPKpMfdT6wDQ/5wFZi2T
-MiaDxTomZMAgQuGnuRvO6yxR69ex4rhOGOXnrNHnCjkjiC/8Tv2uxVME+HqUR2TRqg2MdW6prxPM
-YfSam0by03Xn1G8WT56Vz+2Os7l2g5mhCQfCNPapKyRTUakqqBG6cVOvQ1NEdAtPMMXcFeXY05LQ
-FW5a4Xy3CwlhdXEXeY6EP23JTGofWpDRQeaULTlcsrzXpyShu4OKO6iTaTjYRe+tq8Eccuozw9rm
-CGNO3UpYAMDptIW9dQthnvWqI3V31RmkQmdQgU41FM5cwi/QeD09l/WzSkf7tSNeFdJDKpF1d4bG
-IFsHda/zycH2A8eVFv38hrj1Ns48Pla98NWjIuE5HLM4jTYI0vSbWcbADfuuC1uLVlnQCQ8gZRRL
-mDHswsQFkgJFIC+oCFRfgAJVmWVPsVf0bz1HT2qmbrxiAokfS7F0O2/9sKMyyfaa31N9CVwLV4Dd
-UwvEUYHiGKR+nLOueYyikvlQWvOjAxFkx7xrq4c+9lu6jEbz0iYtDCjpNV+qOn6JQElcbBPCA2FX
-unbAXg2jrPLJzhjAsNPskY9joroqjJDMujeDSuz7Kmk+3IXhGuwdhZJeS3QcgJPOtp8usY3BhazZ
-27yYi9dMJ/CLsX20hzgEgnseDHNPKdQ/E3UxfR/xcm6kacfnroxlyBVVu6wlZiOEZrMEeKgE6UcN
-uek9liIzjBIxfV049XHi1wQT0lqtw0svT0LEvOlDG5MzrjcrRph0eHPbeZqxNd3FP5I5mB6TZcku
-IhnTY4ku5EoOMgWscriZdO1rAQD+OYnJxAkcA4dMYM0sGjr+jNecpcLkzp90NNXucqvNNXlMg4z2
-vTkWD9V6TrIW7ivAMX1gNHp8ikz6cpKTL9QhwhVQgRvEhhtrSFq1HmQN0V6ExeE6rUDSs4KR7Dg3
-E9rlLs3K5ksN8LK8NfKssxgKYMq8aQx2AYaRwECwSjgEAxGR7SzftbnSpzvDh1XooOXgD47a/NpX
-SqonJkMZ+6vWU/D2d7i9gPVsh8E1XQk2s1XTmY+k9bxdHTcJzMrOqKEt/t8SXU5Cg11dl1jtI81t
-mLSU6uUP7Z9/o2P9q90SaxPiJeEJl1MZ3Z2/yjlloyYUG8Z0haosQs3HzmeYI99IedQ8Qgfjd0j5
-6wgGi63YaegoRGJsPTe6kQOEqLrf8lb3/pKFOcnS//ni/ix5orRZrw2trIH5HynKX33NJZL/SmfK
-d5WyvbqSs2J0SMe/42z9pam0vgjZq4gpSL7R3b9+ACLrFUXvOF1TE7At/zhasavc+pew7X8tyb9t
-SWKf+8PX/q8tSeb5VZ12f+5Kfv7S711JzwWXwajLM8SvgBb+3u9dSd/4jbagg7gUzaPJTUzD8h+6
-c5N/hSEXzTs8Ab5cuom/9yUtJOyO66Kf9n8FwfxXIb7Op2z3/2vYoPrRQyRje9WCrzrPTwrgH4AY
-qZPSvjG65KQackiDSdYiwFjonGXj0uqZlWFjQ8v8R5k3YNEg8bJB6aMnSJ/rMHUdWqOMwN8ART0t
-i2tjnhrrBUKzrqt7sg1Le8/4e9buGYG1rw3R72Iz4pvMNnNUoFIbzW7kpFyiGSsiqpVgKPWFGNt6
-cC7QM1w2t6ldjhCRehsvzBpdUaB62I5GppKNNdXRCX+aJOvK06DaZbP77TPSsvf8eBsvOmPDROKe
-29DdN0Vo0GgyL77ZJ7iQSudmQiIZlOPw0BWmtnM7g+2Yg5xusbEb6aPMsvkeM19/bWOzfFjzWaut
-q2rCMzJPxSKoBMIkigD5UAjsPfz5ho5IPR/iyfFPJo7JM8vuHr9OqwVJndY7UQHEN7uEQPt+Ajsc
-KhE1O7t3zdfCJ7wsRdLxaJjK2fqJ/R6Ps7xFfueHBENZd4OZtcexnu0wMUxG6Av8qspxt9qM10pJ
-rbizoLpfrWp6EDpnWlEUbRFIdNvfnMiUe9utmda5VX42SixIqaOahxHKLh97ksY3HDvt65SsWCjO
-IMNFn7aNWdfXSLblz2x0/N2Y22Q4C+hDNMK6B9Pxv4mIfC8jMiIwokkT4LCm7yyWV5+MZGarZbWR
-hTiNEzJBN/Wrx6ztrAdL+epsSXe6Szu9uZd58hXfd/IhameC4qvOtKbmUAzMWGCn2ezkUrsfa1U+
-Fm1e0vEquqtpIfLDlNhuIj/HLpH1V03lA3PPtHsmFwtBYmeq65x2ZSiVMDGuc6WamuJQH6P4afFc
-4uoBvzDNzKqaSrvKMtSnUhpnK2n0E4Cl7wU/fxsPdnEPrQ0xCAnQ/oObCnnvmbiygexltN/jZbna
-Gi3NTLKj5Lqq97j/qgfd5I52naG/mKi3zzOwNtla9o6je3dTK2t5ow8o0i1YqORkZxhFJSk+DcX+
-aIcN7tY9B/d4pzXD2bH87qQnzs04do0bwCtjrFp72cbLFOeuag1D6rgHQ6XPJRIQYpedpX/R2BFI
-dHzwUnIuIvdso5qmzKrIjRyyu8TCBwVo1MDoHfqF/cDZo9gCcPnWSdeF7Vm/zBZaXMhs76XbFjv8
-6/28KVPzLGy6T4Sknov5uxYTSFgbvQyWQX+1B5/o1NmPDqC5tZsJL8Y2GmQcZrr9xmLY3ZqyVDuN
-rjj6nFgcZ6JoX2xHmzYqczsal4DcNOIMnUw7uRzZkAWbb6jgmu3gYutDrmVy8D0tfXrpy545X4/w
-h1ThKqKEIP48AEVThvRysbgym9/lU6Y2NkehBwAgxb30RHwccfEDV8gxtcO/uC9Vsexx6JuhZMPe
-L7lybux2PM2tNR3bGYc9ioduup/s/mUwZu2gNbO40rROKh6wurMnnbRWqHJ+2BjUxaRuTFZ5mWpx
-ZQD8Fe2m2DrO4j9lnAp3tolvLvHS6G62vPRWJN1HZUu6NQ1Y6yU1Phw5Cgb6rd6/dy1vWS8TGbay
-MM9xUVGCm4JbWo+LzVjaBee7pLibWXYJ6mG9K+oWQahbze/LgG4UFGe0GQfuwXRW87s/qxQPf6o3
-j01LxKwOkzT2qvIWRSow9NHnXHoXi4iUW0lNxLTE5rBXiBG215LVR5mj+OSQ2BdhLSv/oc/cn7Km
-f8sg2NhNiVfQVPAMAis1h7JKOlUJOcImFAe1PkhEmv1y5UsYK2kCO3a5m38Z5TCar7Y5hKSriW4G
-VHcqKz0Z2Fu05luuZfUMWjgb9K1KKMpv89arIfTXyjvkAw2Qi0Luca/YsB+tNuIRySduPTpVo/jS
-GWl7SpZyRlNGsMnXnrsfE+MAFXBjaJFrB5Mj3Yem0DyKBAMTfg386tTMkbbr/ayKD1HTH2dQ7bdJ
-MRSPnpZZbtCOmrtP8ogb11+m5E165FKNpl0ejDROPtCx6ThePXL/GOb39iW2Wqysri1phy3TEB1H
-SaU7WeM4IvxYSFJkaf9Z5TZHc8s2p5t+7Lo7iIeNHrrOTPEMXg4ZQyYGSwW2WoZXPbKaj6bV0zf2
-ZMLCp3K4IeSzvI1G4f/UVTIs4AMjC8ZdPr5qebFcSwQCOJUYU5WW811UvoD8lljNgJRzJBDSp9AR
-EAhKVttNx/lhDuHiruNF/KnM/jBLvwzjLC60porvWqZnxFQO6F8DR6bTPdFlzgv7iL+VzD12SAOp
-YcjAldGGYNQkPraYRL/lVDU2ixH6V4LTxjvlUvQE5Zxod2QRdcjdrLJ9y+Yov1oF5E/u4t52cUCX
-y9Efmvy7DfnwgcDFx0EsHtMpbkvI90iIjDzhYZV139wujdVEG+CY3gw+g4HCdjZ9/Qa45fQmpnn6
-EXlJ8w5HZtyl6AmxlKKx9QPVzNoJSOp4VwnWm8DqWu2brc/d7dxWhFFZmtchWprRPrnaJN/9WAHG
-nJdoOEqjt6YwSzOcpj7sydfGS20bGbXVP2Q207dAU1ZDMq8sjjxzKSU2drsZ+QMVPlfuby231d8i
-H30IfmY9V6ExamKP2yp9iHwJBNea3U3FyIJ8ds8mvtVKaPgKY2TClJvuZZ765mQkvRM60tbDeRw6
-kn+54dxCLhvltfYWhXGzcTKz34qk8u3A6CSmrq4POybhl0IbyZB0ibcMlZvJY+faRA2URYX/uM1W
-znU8dMZmUOAG8tmU1ba3qTwDCLnLD4cD1E2kM32yTOerHSf+s5tU5Ucdd/XOIuOrCFniozKYx7zW
-4JzmrIgMZvVj6urujb/Y7jsW+OIgE0kaOfqPBdkXKRVf3Yk5cQ+U5MXvE9LKvRLgCS0fRp94nutD
-7Cn+Z74MuXfIwIw/eHnUjBtlJsbH6I/mRlZCvlOd9/fCJ294kylTf8OTXkfbWJ8G7iW9Qy5TucZ3
-v2GutI1KJ9aIA8uiL0R0Vs+wx51uZ8HwPA/dMFNXahpMhhapDvbz/Ii14U5fhvRLU7nXeB5D5J3j
-ZvS0LdHQDJfm3r+3e1+/DiSkhrFfMoYUvjRvnYKzoWfE7h5iKV5v0Y72V99dTKJHAEO+VPbsMpYr
-J5rLhmYZ88boUrgOyGGuEBuW7QSA8mhmBaBxW/ThIq1iN+AkuxhMAJ2hLX8kmTm0m3Rw3B8OIibi
-ADuInbnTt88xqoSvDlDH3VjrFtp9aJndRrb2cJOYKgeybuUgfiJBSydt48wO4tzOvkuCdKtV/0Ls
-KdJflhZrukHEmrwWkSqeaJAlmBiERn0QDZeWmQ5d2NzBVE1a5CbWOSOWE2lrS6l1u6pt4I6mWEQY
-uMT5l85zDTjy0cQUIEkFRAYpTWfLVHQ555ohTxPyjwvvsLiYdpp+i5a0J3et7/FeN+Mu9q3q2BSx
-FQLbeUUKOA0b5IrtR8yA5s5qGoZj2PV/Ub3+VyX/TZVsWsxS/1OVfP0x/Z/DRykxaLc//lgq//6b
-v5fKrv6bQ1f9n1mlv5fJLrUwulB6cuSM/k6w/EeZLH5D6UNl7buIav5szzZ/wzbKj1u4swTcxf9K
-vvNnEh5Fsgsjy8LgBReKTdtZjWB/KJJtvJ9x47kLQfOConPB60SC5t+0s/7SMfr1IkTw+YI6nP/6
-i0+4J+5dIkJeDkNuNoFyO3Zud3Q3Mrf77R8+/3/TOfuzq/bX+wGAiRSK8lYXf7Ukw/NXOLGIblAj
-88gUJMkZGWcUkFBIQcSM8lAasPbVIuzA9+b6b17+Xz5ODg1cBKBIiH//xoZdLJ6YHPLYs2p6gh37
-6qVd+J/f4Z89jvzx9SXEmmkIjc37F6pZ22rzgJuxOQhjeoIY8tL5Rr0ZTMMN9KXhLv0naeDffJy4
-c//ciFtfbqWh0i+lF0crbrX2/uEGIbvAdhRKloM9Wc0JISSBWrWvlQRtRSUZr/Yz6tWmRDkP0z4Q
-Vp2VjIF9wjIwy4AX6wBlIIWKDT9gO8+Pw0TnHEXw6DcbVRR0fbuOY2hgNoacgjLxA5K5Tdb80vpq
-ZtM+Hrv+Z0ULBIFBr5svM/PNjYZTuQxzrbKuCbD80EqIrBmYQb3MWdReUghL6KtNt01CG/X5kyOK
-+DWdabn4hAfeA0ISt9jp8gfG84wbbLroQ9zHVyTSRhCXDOBqb2gCmlzNbhyW5Zh78c2QaePOKsuf
-tls81Kn9zVm8+76l+J9srzxJXdHToMXvl5mz1QR/syQwIswlQOe8ERDOKyMUXTb9YEDaHBFD3cKc
-00hnrdutbZbDdqon56qUlW98zYlOZmy9uJoRnbIkBYbSUayk4/jDcjT/SQHPDWcDqdviNzEcdZw0
-g8ckBshL6NZrsOgUjYclLaJtxmH5puoEvXG0x5E3T2cR606+RXxDyRszafOPvZcNapciYn1qXCTN
-iSeMjeml7kXqWaafK0kjZFdBynGebfr0rwkJBbdVbfB3PKXMp9rIxzNouuGgW8wf0rbtS75VkZyj
-smlvatoeW7Nq8l05+dwiZZPdNTWJt9lUGZASBhNHeKG/2FChOds1aoNAzBzeBso5piP6bFy0xY2f
-0qRZOD/CFYuckmZRg9Y1IIXWPy5aG11ISWjv5YIgp2y7S4TR661ZvP4JFV1+QHNm3BjKcg4lreSg
-QeqMzqhS+6q03pK8ZaKSE5a+Q22tDnaX+ve6EzNWsmR7g321vhsQ1JqckG4wMckGX2yh79oJoF/t
-CE7yqUMJYyiR7lvfHs7pGsoJTca5S91uF0XQ2gFrE1jAuOc9A+t95Nde1Rif7DJqQpxi93LOn3HX
-rIk1ODHssoI51GEzTBOOgOMQT/daNBl7cA/6wdBlcZjLnuJads15BvtVBHos6ttyZt/gjjYdb9Xx
-6PdW1MwfnVbrdCW06jKiND/3sWPuaVYx4ilg/UAtQtfNydINGx1dHWchC8aXr2kWBBsV7SKZYDXT
-vOjNI8eKDNXY38dRNJ1VRhXo1sO0cXwt2XdA7Hj2Sy0wbQofSgOw5MiiA8spptPCqfWikJPvoszx
-XxD/ZJsyTyswYsmHFVmvvrGQjkwqyAPxJvrBHK13l+9V84r4Ma91zvQun7SVLqfeBlwzRjm1o62R
-WDyN5Gd4BsKyJbvRukbeZ01UhFWzfE/Ry3lBglEbzlE8HiMtxkus6feMsXdk98Ugq9CQ1KTj0SDh
-z8aR0zy3huaCbu8mLZRkjO0IkbY+wBXlzFals+0UUqbYehIYg9bk07Y6Vu7Y3Q2atD7WyKNjWk6o
-D42k2OA1NrdJMvANQXVYrlEB/CqwIjk/14ZXXFiQlqOhfPBlpnhr66kLTFQyMBYjOkkyMsNOTy40
-M/YJGwBtXX0kfzfGNVCURnXt1mz70XzOywQVW2RUm9hrTzbAtnBZNObjuebdxFH+I+KwulmaDiiJ
-aX8Mui2/ZoM13kIZK/1AFDx7LAn/j70zW3LbWLvsq/QLQIE5gYiOvuBMVrFYk4bSDUIqWZjHxJhP
-3ytpuy2Vzy+378+NfBw+JRZJIJH57b3X9i/pks239KAUR7+0iToQjiUspqZP9Qy4id0Qr2wykiZ6
-4XMDrYxqzr6H5CE+WlNrPkdCuQ+OyvyNU4TW2irKjFyLVzh7AWdy62tbp4V/5FtJHvJCiBF/hKzW
-eScy7dejXzZM62LddgXbW7hn68xl9WCeWSDcCheDbopJz2nUeCkRMg8WO5t124pXjNgxij3phU0b
-edkxyALxTEWUta+8FHii7dIAOi7pgaElU1M/TA5DSkaunge6h3rPu/iplQPTj+PPAW0CcbrsmUHx
-8SP1vrdYuTY2/UI7PqQCpktsrZGxGs6+zNeeqGXY+lNZfuyX3P08j35y53e++igrZ1PnKUJy1nTd
-3WA1/Q7rBlfeIrIDU9FuVfhcZDw8GZFIexW1HRmWOJJHno8TAz2HNaOda+Hf9CRIbQxthRx+31f8
-d5P/D5t82BwBG9L/tyv6uxRWfaPr/MuP2/s/fuZPJQzAEi0YDngMG5e+YPv7xw4/CKDNw0f32atr
-Qr3Nf/pzh2+9E2BRTJNyLJRUmBV/CWHinYYV6x/7Qz/7NwZ9NNO3WzjLsTTyOmQ7zI7xLZN5QJJJ
-VTIDGnDUvHHaovjiZbQYQYg1bSKHCkvWapEL/MmBwoh1HtvUyiRdeeY44M6UqVf5NjLT8ZvApX5R
-0Vx9Don9Y10JocKu+KlyM9cRB9VKVZ9LD+4bhxv70qUQzugw6pwz9nm6kPKMIP5WhrSap37wJLq8
-eOzmYbyY45ey7jgYox596Eeze+GGGY21GguaWnKzmb9gjS/nVSqNBeKxE9vRZg6xF6ycXsT5tvHb
-/GvCUZ1nQ1eSZVzsLtrS5JYe87mdOeYX4XDGyRMRvTQjhfWqA3q8LepAoBs5YQaoNMicfUuID5d6
-EiW3DoAL4jqLSAULXOE7OKrz+rWhrO6lpv3pbpCLuR6cQt7EoZxesftVL1TZkCdkYrnc4D1rH5Ym
-i79QZob8ldn1im4ndpQlTY2Mx9ZzCkeP7Fh9j+GhDlnu55bajXISZMjS/C5wyvnBLRy1a5Z+s1Dq
-LcQ0YKxHCxqrgZ4ud9lPdirurRYY/ypzyteZYCkzV+qxfcpvj1Gf9U+EC+UmlVJu3WlxDpFqrAL4
-ALY9r4fdmsHivgnmKY2OSlrtaVQFCAe2EpA5Uq8F/WCWdrXm5FF8cMpmeBpcnrrZYIFjJN9tfUpF
-Hn3qDTxyzeS126oKjdtJ2TjOK9S7Wi3uegImcKtia/hY5At7J4+d+O0Ude0NbrPxe4jDPcMi1hsk
-qQpshqNbFdsGZ3e2qaYQv5yFQ+uMZtWxFvpD/qVdMka6cm69fZyWbK04LcjPGRUpxXqKwGOv8taJ
-76sgrKwDunH6yCTV+WjHZfoQKo9Xc0zRPVkNRv6hTdwby85QAhKYsgf0rhiFuG42dj+2h4no8WOc
-lMXaL7P5xaji7uSYZfgbrmzR7XwTLy7czSlIt1Pbho+6G2HCHhvXxicOo/594hKDXI1BZFSrUKr8
-1QWdGaJM2nThmKrchDTjkZSgYoXvMX+PIJPcizmTZ2ktyUmAFSFJXk/EFKLKxRK+xOWGy7V+DpzW
-vMRdX8uN0fLfrTp2z+3oDvUWx0tzl7HRTSXDc+7yT3NlZS58lpjiDD4eGAFmcwrH1OQfNVCWvl/N
-4bhkPr5oEJrFLdCmGT6sLam/O5QTaYNoVNBloZM4yynxkuzQTv69FWTMpV2h1mRhUZnpXnuaaTIa
-2SMNxUvENnxlFREjUjEQn1nnjV1rGor3NAzeABIitfp17y7tmhpv885FQ7vtyabsXcplV7KWBZ5q
-UMdhNHLYcDC1d9wvj5Ek8KCPRMX7+apJoUaa2b1IpUKsYps1mE+uklOJjiX8yruzrdY4TEP3wWVO
-/mDkQZjjpkIGc9DDCIj751pLZKUWywotmzVDuTwgRdoUAiKq1VpeCxZZPEydQ8bgD/Et3UVOWGxF
-wxfpoNGVWqyz2uROx/YHLeOZ6HmU3eIl429yjHY/aMkvRPvztQjooQZmGTv2lgIe5kiSv0ZLhlo8
-TIiFHSmMrteWlhYJrMtLitoIhzjeTAqqS62lyExZEYZVVmumAx8rLVhGWrrMl2+d5BCh+Ayj3rzJ
-riqnFebmzpTJ+/kqgaKFBmJBFEUd9fjGtoj6j6YWTiMUVLSdiz9l2X2PtooHDAfhckO429yVZv00
-pg4H3Vn060mrs+aUjxv7Ktni/w/IoVo5Ln02eMPv4i4yb0vM4NQ58qbXCvASBiMHGlRhSy447V1b
-oAmFeXIiV04Pbj016gWfnTyH8+Tu/ImKTC6jG19rz2bcQdK96tFzW+81s1RX0HE14UO7W64StqwB
-BwSMnx/aZQkfcaPhiWMSVDzkWgH3w+4bFSbmKU9j60aVYbs1JA6zdUMoVC+zLVJ6wOX3LKBAbzzL
-A2+sNXconOUm9uPlrtCK/DJa3Xule5gND0O5HaYPXmeA7dZaPi1PErkUfZ/UQfk0FlH04Gn1n2hW
-RrWuuWwcvqYQgWGTa7dAMUdfEu0fsLWTwNaeglS7C3ztMxi046B3/JPUHoSZgoxVZpgfPe1P8LRT
-IcnmaA3sumZMLF4n9IPHgD6otRrmZecsKtwxhim++zKq7uhMktoRMfUu5ohO+yRYY0C/9inmiTYp
-20dS0+yntbfC0S4L+LcwYmeZvLpXE0ZYS7mGDfTIRVjchbVZ3Gee9gpq/0aqnRyWZd4LV7ob7Wk4
-ltrvUQROuDEG7QGZrM/e2DEEt4z8CV4OKWDtGelxq+7k1UjCcqhNJTj5OQ6IardcTSce/HtL+1AM
-/BsnT07LoSLpfvR7HpFUL/hHyOO+9d998m9Vn/bLP+6Twdf9cp9cT282ydcf+GOTHJrvLDo42Dn/
-tEMO/Xf49XGNUl2Cm+ynqiZHW8WsQFDiFOoN8l87ZNd85/h6z83AmkCq/qn/879/ai6Sb/79f1VD
-eV+j3Us6oJw3U2Pa7BzPdXx276GJacwhrfvjkJMhSj9WIg1OZlvON0Ymm82U2/nj7Hj5N4Yw6jhd
-RVq80gwf8qt2e1Vxr4JuJKRxj8jFtANtb7x3nT76kCtu75tWK8JJTxgSAo+WbKOK9X/dXvVjK8I9
-Mhfiw+L108PQNQ623aUsohOT0uLbqJXosR2CD8lc08kKOA+pur/K1pVWsBFkj4nWtEmZFNvsKnT7
-V9GbeZb/DT2i+K1CEo9h699l4Tx+7NPWfUTVRzofION877WeHhvjOSd1gRxJgeuL0rq7y5TkI8pA
-ubYXmXw3HIfJVhh7LWXts7hvyCCy5V8cyZ0ez2cFiI7BZ+cu30VpGA91lRHnECOQr9Gwo6N/NQbE
-SO748GoH2lmS5RlBVMVYGA0r+aKauDoUfiS3Hp08LxZQ7HntBGWwl9rcx1CV6PBiJcmFHQMi/sDM
-JiUpv49VGJw8DEt7s54bZ6PK0n+CrwQgS1VJIVYLx/cZC489YCIhxEr6163Db4tlEqmlTFcgsRcj
-LqSw69d2lLenIcqzLfZzX62wiPkU38/hTadwIWn7IM1/YRPcwX4KefCPYngcRakbtpL6kAP44hQS
-BfSqp3TfrV3lN09tMfUnSwSYBWyAyvWVrWxozLJ1JS4HGr6cXjnMSJbjp4JJ9gocEpxmK9HMZhjQ
-8JujGJQzqhFU57gEhVRo1DNJMdTPK/+ZCBmxnklToQn296eeEXqy8jU2OoAfLa8kabNXUKUNDZie
-4hy2mwOQcQIfrvrXqmPbcaDOs/jA0C470j3bbqlVzQAkVP74pQHnf+9PHfovkjPAbacTHDlgXlt1
-yMFrTq3ponoZZx9aE3bN+KCMgDkOtkFcYHthjenjtIjknkTqYhXf+HbtyQUu06V8tnQ2Egu5pd10
-qdM70xdldBdLEoulVeMwd/uRXMFEl+hi2e/jgNeIZLvJCvXkSriYU4Ucs+4ta6wOEVSQnVEjxmN7
-89cjYsoJl0q+k8wlub2dbk3P8pri7WklKvRYCoTqrTTByLe9Fe2yhEGhIXoac2m2XXWxA6wqt27s
-PiSkYaK0zLX7iHH5UEymd6saN6KysMO+Y1bLAechn/swg21CWliiTRV0XIEg2sw7Q/MGN5r5QuAw
-IiaVqf4E4Lzcpvg7j4xjp9vBUUTciGDvWw9vEwFe1dLu0g4nQknl42JVbrVKGR3v/awiDh/KB5Vw
-Y+Z19h3K1Hvqyld+EeQANmt3k/l+QltkJp+NwS7uqOcUa1khR6ezZz11bs6qFRCZ4VyCR8r08ZOR
-r0lW2RQHaxw/TNOG/J6c1IfQ7Yp1rLixDbj/WR8/+kQFtyXlleuoJUSWpSY9Lpw/6YNVPum+3Nef
-dj09089DUw7GuaOoXbW1C584JmzIR7/RJo5C5VsODd4RVa/c+kAL5lXsyuEMwsPctjOzyIWox0en
-cN1PovSyDcP6AldowtkINs4zM5bhppn8AmBHLFlT2KawVqZeZLyaIOUYcuSxupg5dy+o7exeAUP6
-LSdxcqiV6x7g/ma3k2WEMyfKeN5FtoLgU5lIO7Qtr8nKtLBi6LUTXal1fvuLCdyRCXs67uaoVISr
-2n5LcNckG8GH8jBxgN5GCu8iqbyCT9t2Mm5UNmHhawpXk8/cGTGSpXM/AytkJp9ilbtkMiD5YdL5
-O1a54iBim1sTziU4HzHsYKGVnziNBGDlYqw1MV//pwyIge0NZBrzubpYUMrwNMXmMwH14rtc3P5F
-WLH7JNq5emjbJN4uGCF3BUnw86j64IhzEQEFWYB8fmAXLLpJOjylrkPYOpHOF0dySTtOO91i1qrO
-AVCSw2x41kXSS7See+YZspyWp9gqURtKw0rv+jFkZ85h7VZ6ZAPMxMvWYyaZILsBS2YRX+gHyg6g
-YVIC34MIVvkYCIxkTrxxsp5RSdQn6mQWTbIrGRmRASgglxBlS+if9uRntn/0iCjA/Lf2mMuDtGml
-wEE2fy37Abg/g+FnZ3RwxkQZOH2s7n28ok7nPXlW+1bhvgAMVo+kvnwz43prk0fPH6wnUAz2TlEF
-tVmmFmUM4EvysWkbeY8wDtcLLROopl7teaLPX5Kc+KSTuEKuBtgVODJR7kzbVZBRh/5E9cxDPywy
-43zuWH3/yWx9vbldOMLk5qfFwPB4IBrepR9dzgIVh5baH3gS5SaRRVUnhOAqYrDbwSJbvjgwkLaI
-jOpb0I/+NsrpC+q6lCU4ARwyrrpuilZxsgz7ySwB8lDDm+aQP7lIoyNfZbEZ4Fo+OHqS5FXiNMRG
-s2n9Lv0dr/zfOfI/7Y+ZaCKO/89z5Jsvlfzyc6Di9x/5c4fsvgPez1Kl1XY3tC12qX/MkS3Tfmd6
-6PDaqHH1g/w1RwbF/EOAgmQFYoeNMwC3yb8C9zOE/nluzK44ZAQWOPRfOhgN3vantVEfFFk8+zel
-3QSIwb6wpo1vYS+kkUYaTd8i7OMNnFZgKevorq4WHsGdZxpMDlTPVflU0I2DV0BKn0jV1lBz50aH
-IOKKZm5KURd3ZaGauzyBYCN2wN5Kd7rrTV2swwRXsDtwJWbbeNfLovRvR7eVrzkqaO+mAtclbSRr
-GrgEBCgywjvZxpvGVsuTEShqhlWfpI1md1V4sjSwQ+2xSsFUqmar8NYZQEpwEJ1M6b1p0fvvgbPk
-Tx11hS+yUA6ndh66FjfZmDU3ftUlDJSX8JNB42vNSyy+2s5hQSMZhnKzIhRX0YFXp4EWtPyXllHt
-xgjr6TO5SZ44nGl39bAQkSRnqKfiNmiE2kmMAFqB0exzVRbHDIDAZ1967SdbOoyLrToNX+sweC1m
-3YgFpgtAR7kc+SM6j4PvXFIPKRgbkbXtMwdaLXNJ/j9O2D4MWZXQXbws5qaf4hH/eIP1YsXWmSXR
-jfxlNVneeIA8X97D5ZPUepSY7boFDVSJ5SGU9kIdTaYn0ikbV5xyRnpIiiz9xvXgPWQ5cJXtWNvG
-hQw5SRDPhx5azxZj3b56TpRgCx4M9T2PWLEeiUOyH6YV8ux6o/3RoOvUXfmt7VxqNx42aOk1bkOs
-+YDh1U1BvHHcpIOLTmtXwxaYLpFg4Dk7Z8LdU1CFRCw6atVnYymbXZAWxp4cpDq6dFa/Mq4Wx4Rw
-9pMyl+huMNr6tkbzLfeuMpbLPCh/tMhyj25vo67/+U/mfu6YnA1PRz3XqYmPsQXwFrpVd6IuKp6q
-E7O9qag3VCm1WbizO4PBCsAb0ocTJeZqS6W7Zb5el4n/rqj/uKLiSvvlisrgYnjNl5+kOSYF/NCf
-0hysKxFimAr1kEDLb38qc+E7j2EEyyzBMKwsOmD4hzLnhO+wPIUW/CzqLm3LZB3+a4VF3WVd1J0X
-PknUfzV3sBhg/EBZx8plmww+Ao/xA1q6bb+h6ju+k3SBiuLTaLHjYVJoiYfJihXXeNXv05bz3mh+
-zYwJXaUF5EAkIAgf8U71B9JH495prXbPbNk0f3+G/zQh+XEi4tlvJiL8arw5nfW0faq4zLea4UwD
-npfbgX8UIxn1S8hG/BIon7WeRdKDez3UT6nlGu427aJVH6NmGM0IaoADU/QtgL35ILHptd22WQQ+
-ONUY8R1xiKlnwZbWS5lg5O5I1DVqx2bcgEjrZYAvEAUCaUCn6I3gMOUA4l0zB/IOgBPW6cwWkoq6
-98kyxmydjDIjnwB8kvSLxJrDToxhNLJWeAq6wdLyX7adOxxN2JQpGAunwLlXlj+8D2tE+6lry5HG
-BagvqwEXz9dyKc1HF5/O1RMG2SFNmMwy/GUSvBsjOylOIFuKfJeOSwGRnhDgQ9XSzTfFE07f6MMc
-xca+S1V3auPM2g+DI19TM+kuYUmq0M/kDTHnUwPO5FnQhEM0eV72Qg497IRkxF0zYgcTihW3QEO6
-a11nua3iZGekYFCQpqz60XDDF9PBTmEABqw3Ki+ST1TuNrj/Bm86G2hOD1jFySmJZJHbKR3n21io
-J3OIi0u3DDTBQCEkvD/5VrwLcsMFiQJHImwSuZo9GDs8mc3UfzSDvHkcQY+syygo771RCdg25Dzy
-M8ca6bzPYtzWs2WkF6XaLQdde9eGxURZnjmvqgSj8uw33p54dLVrRJ/ka6vzh7VkhLFVmNEPM/6X
-LQl0Y+UoE3gLmLQjc4hpbbWx/8Cn3t7Ae+qwYxXmKaaw6BRafnAC21jEm6gyi09Nb0kgvhx828kS
-EK/w3jy1MlXkBO351hlN8S0Wib/DHN9u0V4xEdpjvy6WsYNuXNNCxOfu7lQ7kVJo8ib5knPZYx3s
-5jWdmAzdWPUfTUEQmSD0eONNctiSWAiRphJ4zQYmfnuCraSq3nlM+rJDXVb2Ku7ShEu6oxVwhy9J
-LphuXP8Ttk53DdeIZ2kQDlsvnKwvdpwB9MdK85vdxtEZNri7wVDXHYhNIcb3TDBeeBIrsoCIKUd7
-9OHn15OzJGvVE4Wih9JGaRWexOJkt6Ww0VapZV1R8LBsiriIFcnFyHj2Zolc5hpFfwxRUW/CxiO6
-NfM5HkeYBXJVWgUeI87IN8SQ+PTAWlNVMupZ2AjIa7G9bFUFkfuKX3+CFFFM3bOamuo2LEBaQDxo
-87OHs2Dn1CFIoiDVd1cStPjq2W+Me87cDtaVPpweBOxJbw/b3T/mffc+TCb1VYxq3kaTdI+hn5HD
-8iEEbRoLthMr4fQyJgzrVk3gw0MrY4WXMk+7HMM9WJ2FnFonPleRCIeNR/gLLxeG7PEOtZoyH4vT
-3grYl8CoP/ZJebtQhWuvwmUcj3Xs1x75kIJZZ8boi0hq7XerMY3tC0L09OB3o8XhsoJBy4BUFheX
-GwPRPUgyZpljbXAutwgnNsw87nyWgxtMrAU03qgoP7ARah/Twenr7Qwk+xxpjdZotVwrtHKbag1X
-sIUqNtaQuhtTa7w+1ygIGq38jsrrzpOdJPepPeXvwfZWz4HWiuMFA2zZTJzar1KyJ/P8lb5hBOb0
-KjYznPPv6XOgBEN3uWo1EWXavorU4ipYx03ndztX69idwtu7lNb0AuMJ94LWuy2tfDM62cAANyBk
-aF3cvErkvVbLEzq0dmIauydsS4jpkeUnD5Zn2x/rsUwfxTKX1kF2Mr4n5d+Qhl76nJ5H2gI+14sJ
-aM4l8OXtO63iR1rPT1pq/Yj7zOO5x0mBuQRCWUJEJkD6yTmJX4xZuwO8kbAeGnYPMNVGz8NzOO1a
-AUwIXywvEYemuiVM5+yyxcmOXW7P23bClcDaMB8z7VQgMGbxBxcdAzpu8hyNbrWYtVYpaV5eAyTC
-7pBp54N1NUGIxdaGCIk3AhGS8/TI3OOmD3z/+rUdjCC5KTlNMPZzeJOjJbYy8V8zBzlvClz6IdrZ
-+YDKTR0rh4X7kOJUXrV8tZH7uRC93LnMRnOb4fwCNI4fcAkinBz1MRRElnzPmNcMWIxNYIJobBo3
-uwOEK/YuBwd+QM32peJGJ+unDSWetpZAXLQ3ZbKgKnf8kQam8TnThpTOduYb12sxDEuKmF5oshhf
-R21iAcQpNh3huL3el0DZx+zCVerBdr96YNyrH2bR1hgJUI3iy8DpbpxA22s8B2L/2pJKuNuBFgx3
-g+weOrulg8W9Ic9nfvCzvq+2rTbquFfPznL178Su9vJkV19Pf/X4BImYOEsHWoC/uoDgrXSUE2AN
-YgvH1wUgys3Gi2G6+eNi+k/5HHn77OotctwOG0IlE+csr+4jBED7EuUVInqf1J8XbVPqtWEJBw/f
-F1AxfEyGk1WfHTKq/J3YnGxteGLQjppO7XZ5Dlpp3UqWM+4ibZOKr44p9l24p4oAJs1KCDv/gsD1
-Ig2LomcqenC8ZGFzyvB8CIbsgcGoHfcRfbrQpautUbflI/DJ/q7WQXxXR/LnazpfB83gOevQ/iDl
-YxxOPKxBhZzhGNJ/VnOL3aYoat4GCRbhdaJirYJl6OKPgD63iTQoAGdC+zUIW+gBnTLCE+IrNDpU
-MCidRJ9DpoCqJ3uuAQTBlUUQaixBfyUUNGlBtnvGbs0BP8vG29aC/Q5AQbMNuivngO1J99G+0g9G
-R5MQCGURNb7yEUyugWgbamzCmHU8CcgxVe0B8qM7U9YaJWCASIqSLS6c4GmewTDUVyKDq+EMQQe6
-eJUAK94HtV9k5y5Z8nnN0l5iZgnmD50dto+YbcTnNgqyfe3jfsG2nRNktCKdahNttW9lh0Bm6NaX
-VYKjmH4ekQz7tGyse5sEa3kKGth+8SDAdFamm65hH5vHJsgKc12RV1lJZ/DNzYwzyOlv/GCxEYL+
-e6z7/xKSQztwfnWsu62HVP7Ncvn7T/15rgveMeCiRRBt+Kr/4uD842QXusCSwcYQkfKta+vlXyc7
-5x0nGRvMcIDeHNo63PXHyc7mLww5OaJBE5Rla/SvZmfOm5Md6R9SzAy4PG3uFMiPPwvK6dJNQ51a
-3dHjwg02WWZYjybJhXNAt82ubrMAIFsjzK/SENGzSELwbmUVnYwuhfrB838tCmHd1qZf7XNXjfqZ
-UmBDYb/+HDQlu4ekAa5Qm324tnB7XKzKGH7LOoybcxIXH1wbPaIpgxTWGpMifPMAvSpbjJuuRf2y
-YrOb9n1pqAPrkP80VMP8DwCfN8NDPgHX5ejo8TFoSsxbgE/GZo2DatMc2WrO9wi7pAWWgUawvtfv
-i9/7h0vkPySVOMr/eJa+vh7jSselaZQMpabb/Cjh2wZ6bpznzXEyOgeWfvFVS1XrNOIz+PUrvbHT
-6leiWgC9Fj40owVHv/MfElGKWT91736BJ4Czn83yzU4ShCBo5fQJQJ27X5Isevz1i/6HtyfA7TAv
-4GIiq6f/+w8vmpk2PjZ2n8fBZz1cGdo2JPEyeJuBEsll9e9fzWPCAaUngPKk4eE/vlocBlNalRk0
-UnPy8nPVlWoHjwl5dyjC51+/lqWnHD9wevTnCTePFxEOqB4MIj+/2AzYMQGinR7bZC7QRemOxm3U
-lvUmoD5klUDQvgwc528nqPYHGDl9s02lL//1ewYVRByS3KBmO4s3XyukILGUAzvGdiBGseFBLzd4
-8KPn0AcC8Q8v9vdriFyA3g0HHgYWBvs/v+eOg7LTd35GrF6phzro5KY3uIMJhxMLWmSKximqMA/+
-4XX/fhl5piCLykHZZyRmvlmXKOeY0thvsmM1tSObcr7NyRmo/qpS8i+//mLfvJZL8RYSuJ6j8fVa
-prbv/HgR0Yg2WWMSpseU8zyWuUVAxTO75SZeJuf9r19L/10/XEPX1/IgjtP9KEzXu/ZX/nh7lD1n
-FPZuR7WoybqWrZyK1Bn/MH/9j4Oxt2Mx/Z6wleFHYpHhcrV/fk+DX8iOJocUGK03ZuxmOE+s3KVC
-shwd7ylJ0xIPLXZcoIGQDKMtJ63k/Ov3+uba0e8VowULHQQtYkRvrx0OZ3naej2/wyjRO6yxZd6g
-jPgcOUt5quOA46zvLP+wnr+pAPX0y1IHzRun6oNn6NtKyDH22d1FAlQgqJmPXeaXJ99xl7sGmWHf
-OU0FgMSoZ0AdyxyLdTRRR3Oc/Gr+hg+p7V4bLEOnPKqwqWpJiD5M/lCZ8fDrT+c//Z4eXwySB7sD
-Mhdvbq3cc6KJ9k+DGKLwvy7L4HbrkUQqXxEpGx+9gyPYiro9AVyqnvIzUFFgg04VRcchr92bsA+j
-I858544UphQ7OOV1BvIgFOP+17/r36/agD5cB8kOWJr/N4HNDCsGAcWUAmk2l5zcRTDnnF3kP4Wi
-/34nAlrjK+MUQtZcvH02pobNh2LI9FhPtXoIafVKKZeqvRskGO/p1+/p7XLOdRKYUNxsno4es3I9
-jP/xtl8C6UkqwljO6y7fxEE0blDyhzV+8BxjRROvmxmouzXM4sUoq3jPkab/hw/WMj19J/68IgQO
-6iV9nWwK+HXePFWKrjHo4rSjgximbjmKwmYx7cPZaY7x0KgHVDzzq5dEgDnhxiJxNUkW879h76zo
-bfFuZEwXZzgMyz1+BntYyTZrOrqBevA6dl6qc5FInHqwNx9V4UTfR4zTH4KlUGeMejNuuLbzte0i
-x98TeDdjZ7LgYpWwH70h95/8pDEP9L9ZtwkUjGFDmYQBZ31SD0scOcOqYOB0KTuz/1JEi/lVGWzj
-0FwJv4RzFX2njNJrTlXZYj6psPIdCG64klFpMoCXFp3eI9TgdlYUQ9KmB+DmFYek837CyUcEPxpL
-+N1z5H4vxt6dNiXk/AQmaJacySuUJ5diso3VjenXIWHxrmXsfWeyHNjY9tk2chwzqXaYKBgaoCb7
-7n5yTTZDlZjp9SVbuKWeRrwE7dQFj/iDuN64+2PypUQsmRQ2nQFkTLJ2QiYRLwpX+WbOw/gs9M9K
-DrpEdTyA0m06STxaqHvPYe0sZ54zxYe2XabL9eON/KknVJyYD43TJjnQZfKFx8iKfedkQ5Y653FI
-rhr0csak+bpagbi66XrFChVYs/G5qnOuyNqcLbKxhQWiICWDuyJASzdOZ5rJM/xq9+PQmdQ02LFZ
-3WsWjTbk8PdMSZqcId7EG9mK9GtnhjRfRF23xKA3KWhcAXbwnkiAOO+DauyotLb5bEvHTr8WcWnv
-LAxaXxgzUSPFTUMMMEpL9eBNDLrWfd7N9yY5aLKYiJIb4VrpZ8KWLE24rMGameCxHH0dlpoUGAwY
-ttZLQpvXRs0WGxirrNWuGguuJVH26kzMmzqViKPXsurlqB5Kz0A40uSozZBI/EQZb4ApcDYp0EJc
-YFsSAs2XZIpNtJaAq9fL3fm+i7CjHgZw/ncYzI1nH7OcDgu5pKKNIjvlQbENFYM6tP75QnN7uwOk
-ZYENpFOipV1yvRh19xAjzh/NoKtuEE/cNW7JdOPb0jxbTqVOQ2v6B0d40XPci23t6ryPX+XnhVdb
-Q2wRl1KJfZ7S40uh1qxLZZ2XgAjTCvo/TtClRwYanI1pzIqho22v6WGk9WLGOA/0B2Qxn6r9IUzH
-SxpToZlZ4S5JcDLiRa2h3TuoLQbJlJyw+ooGk+xENLZbg5QuCKfrjhbpInt57kuH5nQmU3TpZphg
-KOLzZlwCd80Dx9l5bfreJ6e+XWRj3xQEw8wh99ZNX037PCzNNW1V2t5JD1XYuNTShcmjTJavsHPo
-DqQmMTNKZ7NQcLeymTkdDTP4ROA9qlD4m4IKY2Le8Ofsz6XjnhSoTqCT6V3ip6QIXP95HKObuhLx
-px5XxJaqqvmUFCULsKv3SKW93Pmp45wJh7QPVlrIkzFCrVfKv81FuwTNyi2h1oV0BbR2LH/D1Nkc
-FquGc1ZFYwRkLnayk1W7OoxvxOJ28Ap+obpwAbePi63ee8p1dvNUgMbvR2pIsGe2FzZKbrKZfC2c
-CbN438FDes/Icnpaao/9Qy2pjVk1o1rOuVCOphWJHSV6wbesBG0zFz4odqgOvCi76HMXm49AN6ZH
-MS3L1lHDsNXPH4yIdUPLSNq05b3sGQoK7rTiiGTJVsDOIbd1C3uRPECsyitfrn1TpCxFFT24bsQT
-QcShODQZRx9cCPmmZJu3C5XJrGsaGel2jV1epNl/EIWi+gOh7c4FNQAQjUxhtul9WEI7NE0skI3M
-d1WWe/cmbKmdL4b4Y5/F040zzJseSsApmwaTmBWdEJ+dbIby7VVQvaCJdsaxCrvkhP+OYJU9gedS
-Y8mFmbF34IhQGA/F0oltuXRAq7ECmiU+2cGtgu+9O+Ni9SvLBkTiiY/zpEK1N73UICI0YSeuB/Zj
-lDUdGqXCu9lofUiTKFXE/iFs9K04cIIOD+Fs2f2qsYbut8YOgm0zZcup7Z2zKF3zHEYdsEQ3tG6Z
-I5PgjitBuKkIH4qojRivEunn8J8lLmOKzno2Uio4rL4IT3yphMQ8nOg8hIueNOLovs7KlA+CIOFx
-bitJkTdg64D6ywinKzGxKPb20/9l70yW40ayLPpFMMPoALYxIoKzxEnawEiJxDw5HOPX9wEru00K
-sknLXveiyqysMgPE6P7eu/dcKKA7gQQO9lRi3xG9Xl1HqrVwXRnpIUwb84IrmGwsCFVNHxr73nF4
-sP3yQtA+WIeFb15HTY7bu3Gtcz/C5ydrcqhCpzE2JNcTtqbP9S6fW++pW2hafGiadd8y5Ft7imDR
-VQZTfh/3pYmFcmA0FLUhJCt9tC473auu9BniPdqqioDGluTK7ZRplY37s8/3hIC6P5xM0MSpmugM
-HaVXgQ+388Ok+dOLohw/R9XfoW/SCKq2ap+ROvNs1nTbH8j7rHrnkoodtRBSGQoAozrmxqR4u1R9
-MaRFfl0LR10RejwGVtPG/jrxvaAYZ3kYPMJWEBp4Z1Uzhhdph2THjvriOSuZnmyJv2oebBT+OyHS
-7JUYdGi4tctIFncVvSSSkO7dtv5Z8NNb2VSMD3xnBsffhnP/pDOSwByotQSA1R17Wc/QQZbEJQDv
-FHMpeRJk8VVM450u2WaF+WvQfOJhAIWjqvetdltG0XTB+K56do2yP85jyrTDZw2kATvvJwcdNYM3
-dW3offucyoxvdpOzavARkIQurnubPATnTuld6ba/8Jx4hGfY5Ri/xhrGQpWQac6LrciJtJT22oi4
-vBid2rxMBqe7A/PZP9sy8X5EnQ8UbnGwAnQjQIXGt4Mnwy3WdETKQBP2dGTeCoK3EP3DpNC76llB
-TI/X47tNm2VyOWTGml0UggdzcjeKrN21RRomtoV8tPirFHSRMtUv7CHJEZYPrBmMsqZinXedAKGb
-VXG3IuRmDIxwsQ4QQtltlG1WfM4msPeelZqkPTkmTgh/ZBkx6A7xXNKVX0ftrN0mua/v/AwMeM2i
-sLf0Wh3rOel+1dRGy3QELAbhUK+N9JKfobk8ynSU9IvYrU1it5h+B0K3wvvJMa0nzay1VxPpxzno
-mOjWKeeUvDZ+drRH/84ok35ldo78GdZ2wnaSyHQm8HdsjMOtCgWO2qz5Jqz7iJktWFI+r2Ee8lAV
-9zoJhCudLBi3H7NV6pbzGjniDokWuPgS/S3i9GI1sjnZuG4MAb2U6KapsZHF2tXaH5PnLDfjcq1R
-J2OmVRVLZRQgVTN3nRhe4GH6e2p5G5CE6e8yrEbrrBBHsy1InEt6Y1U43Q6OSbRG+qxt3JDHWU9H
-42xyCkATBq4UfjiuOm9vTk22glaR7zF4j98bQcyR2UEFSsv+VasZMzQziWWi781jQmN329LNOiZy
-ygNfpz1gjv3E+yy7fR0r/TlTiNSp8Vl12Agdseva2OKTBjiOwgOhxvQ8M8Z9RqQLlJB4XFNUC2R8
-49WALAlY6CgCR5L0oRe9R2lSw9z3UJmzFbwejVYnJj1FFafaFyVJAK61at4bIln85/5POWnFTk41
-NIma3sHM4APrNEhr7SkR9q4K44l9in+JQ/dYaM2PoZivuiw8Ik++q2V4wSeXhhGi6jMh59e0ie4N
-3//mmuW+ZjcNapg8OT1ZSCo0KV1F2J+jt+tZLio/zXDuqiVETq/M59E32FhpER/52DzkQqqNb+q7
-tKtRILgD+nrxq+jJszELutpYG6kIoqHrHmZr/gXg6yBSsEGNmyfDevKn6EFHpEc2gvQy4CfMvqZp
-wimRWHtj3vZN8jj2I3xLFZ87zZ3u9R3CIBLO4zb57lpRHLiDn61l03ePmikJjSWMIeipYc67ToL7
-I3SL13zSidxM3EfR2iUDpUYQBBUP8pA0gvbokC7lhOvH477CULAFxpfZSNOJCoXWqsldXIzfHFP4
-v3G4AOPU6pyGDiGvrafvzd4crDOm3wTH4bzsx+vclMvvmU2WPmHEEgONC7RihwhrgM/4PWP8S1fT
-Tsl2AHa+Ax2E/SdjPxS4Vudqlwp7RLIB/ZNCrfVpmop2oOQkKnEtOxOWT5SFr21ImvKKozJicNBA
-SLYiFFIb06soiyIe+w6ASQjiOVpmGlPVhT+6iAIh1BpqjMp08BXP42XDGnfvNeF0oRHHtYZLoG3V
-1Aj9MtWcpN8qf6Ls6Fw+S0ObEoxtLNUJ2Yb9Szqbw1UqoDzpRjbvjEhmxzgbwh9RodHkjmzX+Ga0
-DuwYR1KJMIHVnwkOE86Fivul5PUVLKkYEhIk9p6tQ64JfV8bljywt+enCQfSsMRToDOeRWLnGi71
-FXyKn8Rim5tEsv1b2XF97Ug4FbiICElm3Dmz5B/MrGUhba3waMUOTQHUwRckRNEjWCY1b8fra1vb
-TihHDsR1M7Mhsmuvu3bx+PaPkDOHoVpQ9ldu6u9dx5kD4JP1U1tAk1+P0qRL4FnD1TCz7SHPe5n1
-zKX47mdcTATDDimJqtm9NYoJMmSMMlbepsvoG+eEWBORkMT+XvP5E4t4yI5iVuVeFE77UCWKE0hS
-fpHvyIwqrxuvnSQ3HotO566Xmc7fPIzyIJ1yvM5G9rszsSXBnHXzxVhPkyJXkPOCURXe1g5lX9PH
-dbV2prTZs1Wjtu+63JWbPlt4V8lMV4TmJR8DAk2Yr6MFr+zeaQ5ZqBcFz78+a+d+FdVPNP+SvZ6l
-dBS9+cyXssXnlfuKlgzac4CZ0VztFKxjgD/A5S4dBCFnVTozIZsdmlfhnB3fnjstKeddn3IHrBnD
-OmD4+SaGm0WZRNQPf1+M11FjeExThDLrJu+Wa5J3TNkM/if3arys3J7LRpNybZPPdmESHr7H16ww
-R5fzhQv0+gqjnLepqmTeQVubL5St89t+v/xgnorvkelrkO1hpyFlpp/vEsk7lq7+WOj8KygQ5MEt
-l/+3UlwtQ4w8sIblThc9P7RF4OU7hCJp+mNM0h3BHYoMzqTluY81ttcGuVS8kUvBT+xO+DobNk2l
-lKfJmvlRSOnVE61EUEMs5/2dMtFh+8YQHvs4rJ7CWB8Bd8e8OjDQuJlWx2xyUOExrI3qKXNbRGHN
-qFlwYPpcRzWQh8Y3igPOsEQiusTzAARbe2gX9n6ZmOfULfJBgQdLVgURQMeu4jL1bWV+GzIFyWN5
-Yc02i38Xc1E/AQvm0GPX9sdcTeFB0XKFuedp7dMMDTfS6ciphn/PlwuxEfVJ57T9OjaAONaq/lXq
-no+lMsQO2svwqCvujlIhL/vIGxh2k0/HovT3SvZqG5GefGHRAr+oiz78IQe0rOtZzMZZDtnmqrRg
-68Gi4i9XVD7OpuRzuNcth+YHY1Fv4yxPwYDl4dypHVoKuDUI9fMQ960Gv+MpIYn6OdLTGheYp8Ej
-j2ve6Uo6YAOpTlEA8n30ba4UdADtdqYgeHXDmhP21fIMSp2sL9epwyMiM0BaHo78QHM7b0McDGWf
-J+L+xRPUySRSGeNjSy4UOCmPKRQMQIyLS+L3NmZbwcoInPjcaPvyMh5Ud5vog/e77u3wNalG1MMO
-zHESSFmZ7GRodpPjTvh4sTwe4C+GP1LhOOWqBWYRAg2kwb0hs7uatm8t4f/Xr3+lX/c9m+73/+4I
-unhKype/xOv/+Tf+ETkIAlEsAXnTMpcwFcdnfvCPyME1AEuxfiBEN1z2rXT8/5srRSyL49Hohw/K
-kmHqSC3+0TjYyB+cxV/EGNlnIID84cQl/5lr/nSowDSBgpnfYRaFel2cjPcmHxQW2ZwoCMLt5G+d
-6QLX2h9X4/o/3fq/ZOgnPXzS5Zh3g9RnmIPY/k0//8dUjxHSsjn056APLQDYwAwJpfQEl/R/rvn/
-4SjLif5xFGy44+jEHMUtf7baz2p8Uc4XkoH31+rvEzmZLbtJZVO6c4huvnH1mynZNPPz52dxordY
-IGZvOUmIWHzDM0/H1wJ5KZFPngyAkRLxpVHUJHV1UxTNnlzu4osBy7sTejuabzC7wlchTme77uiM
-CgGiDKaKqBid8cAqKdxxm0d1vvn8xD46FCoLwDYO3Fvq9r9vj94K0g1HgxOLveh2TG1CHdLeuNAV
-pvHPD3U6WV2uoUE3mO2J73PEk9tEtJ0+kbolg1KW3XmWqyUiLyVJe5zHVRONxR7T6PRvnw0OakJo
-s1Ay4cM4PSihQ9jYYDQFE4EhKwLfAKdImhehxn99fn6n0+vl/EwQcLioUMnYp7DnzNLqua41GZBG
-ABM5DwlG0xovPWQmkn1YLs11PRkjAZVzfNHl4/jF8U/nnW/HB4XHFBnitXmqPpgiu4bBGbWBV2gj
-FEhOUDTD3ecnuTwPfw7+loNY8Le9Rc7BJNL8+3kZjUpNygdaqVRj7N0hhrsYuVZ4mZv6HMwTVvy+
-w+hdScT6nx/6o+fHgmGCwoxvlrF8/P/8kviOPRqRackAoe1E68XBdpxqpBq4mr5E30Ts46cY5vvn
-hzXwJb07aeTsNidrsigYxqnerM01MHN9IwNHK+UvQJHkG7EXMLeUtHPghHD2MAaycco7duet3u3G
-1uIW0OzYT2M/7BPIlPdmPFsGQYVtupHKvSGKpXc2lKHDuS9B5Vak12wsNfaE/IThd+SvFF5u0aW3
-09JFd1M3PWsFXG+vok/o1RDKvBbCntEHHVFGuBKgk7KXFZCb3fiC0HN4u01XrUQiK3oJHZWAnrtn
-OkYjRsOQGVaxM8UXeqMJtm45JgqdmUisOQCtoqLjQR3JasHt0p13xGfcgcnPN3Edky7pNr8E/G1k
-BgVxllrTb1p3xv5ntud2Zqq7sZzsmwEj6l6jXb2tLJlS4WDfzzvD3pHsjPR1rI0Lj+belmjbccVH
-qP9muYofYS947s7ptK1mz5wYdbTGBXhflkL6guuo6uKbMO2HX74CH9bPFpGnIhx5DHpMQVoyvwyl
-CB/jGhHXhnzm+Q5dgmNB8zJepBy1fM0EXb1qjU0O2Jjm6t43E6LUR6Hsmx5PC7RdLjACrouKDp1a
-MZIFKDg5AkdAqEgvocWJDQDUYojTG8oJqZ10a5WL+DjVLtPIflEtguRhUt3vdB7v7Nl88SHH/BhN
-cAd2pyWPKoMAok/MfFYy5kUqB/tlKYbBeA/NHKQNX4yUuf5Ix4Awpk7n94qRvyMd3exY+E57nyyP
-PgGf7lnhdTGb8SHcWo7EF4UYGUSCmR6i0uo3vqzlDkOFvsfJMtMPFiJa+2SqApaedGrw3IuODvO6
-gD4KBzDnBfaaqj3ZalmQOmkPGXjuvivs/rSZfNLUM3hfN3mEtJvAzeyIogXUllZ12x7RyJXnczlX
-DSnHm4IxzsZk23SpBoLgDykT2l2dYyUlLCUh+auTFEI4YSLm8on+PS27bFwBcnOuzNxI93EU6XvD
-luFzCKcGmI2phZfm4DNeymKm2YvNgSgfevxXU0wg7xRNYg39xz5OtWzOG23paxRzfxB+La5DzdL2
-qPKta9coovPBdoghbSiNsE2gPXd6ncErvcdDIxVehW6E14BXOnxWiA+wcA2VWllap+0rJsGvdpp5
-r3S21bqFaHYmITA9xxDet1HX2FAUyQPYaq3yGQX5y/UI4WNsjHn8nTOmTddtP+bbOEKmYLTGFBRE
-/Z0TzGHf0jaYt+HkAR2wNMfYe24p9w6eoEfPDHtcOE58oxeNHvSAG8TG7kYqejfpmdEw4PhlZMBp
-GtKNLztrHJ6kZZUXZRf5V/h0rFvqf8bJeJm07dgYztlgRtO11dMTwq/iXRPxUT5NsTPcyGkar8c0
-Vpcjse/nxkglDS7GOctqGjBG4/RrUAfie42DZKPQhYEqpEkPsNfkAA08oJjwL0JT5Ky75QqsYeau
-SiGcDdKfCrvfoL/aiQBiHudVTKJUn/52ZtEGRs9HKNOKds+jgW4B7uqunup2r6oBLGNbJy3JdzE+
-CN1uzvIBHDU95Ca+nSn2ohUx3vymE8Zik/qY2FETzEf+2ujWNKr5OGVTc8bYELKyEybNOhUlka5O
-kfoHj2Jhh11AIAaI/IPT+rRHaCNAhVhsh3GWALwRROquGRDQ4fJ1tYXiJw//aSjFjTftUN9rWzfs
-QvxvhPPCz1Zch7Fig2PSILku2QQ8A79QfMb67CYH2UE2tj6tFV+Bn0QbzSR4u24AyK1/wfU+70wE
-Z2dv7ZKhSnJvRYAUfa2sMp5xp6E1yCnbX1sfcczUgttDL0iva+mumKVwIDXRFkEwVtCHdtylAYaY
-ufUYafVeRiXKM/wGP/U2thEtQ9nlkIz9aarSgO3X3WRStlv50lPPVPvgjqrdUPbyj9rS0rYJNrKL
-t06e2UbmNwZCVL12XN33SVHsld+Ve5px4TaZDZ21eiG+NEww9HGp86vuCTOwOniu8DIcUKRDe2Gm
-L8s7zPlJ9pc+8yYaVTHEFmn4yYXIsC8ZGpnCKwblY1Ax1jNXHn3IA74biCN0nYsjbCnaAC5p2t0y
-HpsDVdb8wfoo5oD0afHdwKr3+CbSSOylKfum5HZq8N/uIOhbzHXHYcF7hMdx9mBpS3pZGB+0WwLI
-UHNqI7fes2AgVC4d0C634t9vzaBsaVQVUjhnIcwm+hOEMGM7xMvTsN/cU4jKg1Vr2f3g43Esy4YW
-ZCO0rQPSk/EnTcXorXW8LHbkTuBCTWmjDoJGr2XQNal8JrEx7eRri2i5J6NoyNyrecAx02THmSd6
-jX4TVI6tly8pa/gByUd722ZivudBiq4F6O0rlXY+mXNMcIWNbjyRdbn3pCUeFbWoWnWJGRKsWbIV
-f2v6mKE2XiuVzTezpvcvfRlqd8WSyjUrlRobTxP/3KdMjeHrpPPHjrY17KCfG5e0QrVb0Oh8ZIjo
-Pqa5CWzAGZMfZdd6N37VE+eHs/bB6ib7oZea/ZA69XTJSiV2cRNrmylJtA1tRcYHxEUuOQHyG/lI
-5daU8CAgEo+Xb1ddOYhyqtbzrswFvlmWFQtfm545EvlEUwFHKDtsehUP4m6ECHnmMj7dln6qDsWk
-rG0NHpZOsU5KJTbH6djRQrsKPSM6oPZh4vr2LM+egcBPsz32FZ59NoNDvHTbMtwywYxgJ+LpW9Hy
-ya70Ji0OBK+JRz/EmqlCVLVAMlkMySjl9s94FbK2otmIQw2PpW+Rvj7RznNmY+lIonbKpvGSj8J0
-MOuwvHLlPBOt7YBeROwy3RMU6RAiOgMqm4Hg0G/PSOACJgYx2E2vgGLib7Loe9tdwfhgmHFDuwMj
-BVmPV43bsnSTrwU1rKnoSo5z4WYb6B2EiYD497esTf3BlygUVqHdMvtWxMGvS7esbjtEqLuODw57
-IGbBZ5j91VXDxICJh+gxRNC7nQailhrkYzuU/oTBN1mp3ba6TnMN7yE7ZhsWX05OwlqPWl5N5RBL
-Pr/Jsr2+YdhX9zQgjTK/15mybIuaprTlJ8bzmw7KLtC22MOgPwM3pXc6JpW10uxFLohgZJsgDGfA
-jdRPZq57FIM9bT01SdBmJl1Sa+rRyBW+wAelekR8q5LcuxtdMAnFqZbTNg75H7e21sC692nqnndK
-g8HFP3qdWnjXIC43YdAC+90nujUfMKGJ/UAQ9HJGV248mmv6nvGlMSdmu+6S4rs5ZnKLbKXcznWs
-7antFelwzmT+nMrJS1kbmu8QldDJZol2xrD8usPXv4LQGeNz0168BrqJYZePVscUPCfd7pzTyDa5
-XvHldKJW7jxPDtuKDuw+DBkZEzenztD9SZShje5u2SHGzKgdsIbxdG3ShlxnrSh+uaX2i3b/1QgQ
-ZWeOA9EhltEc8AgSPzont0MVz2vpaVHA12rPhejXaNHLTYSEhxG490hIjMRFvYRZJG0TbrxhQTha
-zBp1TyGvcWoo4G7N+eJHtdlVmYJYuxp1QE2adhlH6ww08FYkOaLuyuo76Chp/DPqeifIAMkQ0NmR
-Mj96c/W9xhIz401FC7kqzPgsTkV9XZZZ/ahFWbliVS9wCNbM4XsXcaiBQm6TezWpOP00H83Ez/ag
-ibtAi0EObEget69tT87XaSTk9xoM2Rbxj8vof5TFRsxCbEdXApWUcbwncyfd9U1GN07PkyP8gYnZ
-miI5WM7FGSHoFiOd3PHlZqgia2A63I1ZdtaWz2zvjR8j5fiF4XdKX0vTqW76JoWOY1bdcB3OU3VQ
-EwOmVIvbnfJQQ5lFQWpahvkWr6LkLm7wYD7bsd0M6x7S4JVtqPSmdBSxGbihfgjJ/mo1GrF5OXm+
-+gG2wD0SPF8+hJNLYEgDF/NeX1ZIYRQ10y4vDsay7M7ixLMv4qJVDzjsnQDg2HDMnag/G7Qp+6Xs
-FJVRbHBzq06F171bF7+LFqZjLwz7iTlqhb0WOsLRgO1yLhUVuMAqxJyjL21q3RbAzKQp+84q3WKL
-tMdghIW39bLSppesd71Hs3JL9DwzucBRPu/QaabrtC8mYAnxzBQ1LhBrdNoIGmmSfMnSPA3IyiWb
-WLg6t5fV9jhRVaAgt2aQOx7p0vW8wU56q+WMpEtFQ4uv/IqerbcpfUbWmVE/SCu1iLFjpINgxG2w
-tbMz3le+KG6rrKjO1ZybBykRb7CfL5BG4dLNaq8jMLcdtCKgXBLay6RyxGIDaD2jE9690gCpU3d6
-e6qYYWVqSXjHIESdsyjm12wV06fRsKq7tMmax7ojXXlfa7hZV0nYJBmkgQXrC4rbpJhS5Y1tGUO5
-fhtPZFIQItARhnPsze4lGjzG93R2yXrxyjOLne2vsgbfOwFL3Qgtu5yrHkZBa2n5XqE2XDMQrs6z
-nmBWlNO1uqQRGF2mbIZWqZ2n7dbznAatn0CaKgEH8v7/BtCH4Zo1zV91+G8RSqj5CIy4u87wUW1s
-fEX3o2wtFi7wSEZZhDdtbVXPtMF+2mk7/EQQ+X0mHsHeuYxcNhrTln3azHzZa1JveNWIQ/VdkCVI
-Q+U3R8/bYh2SlCjiTt/NfU8cLE887u/K3sdgqIhChsy+ymQHfQiQcQDUO3pm+kSSI1/ClWNpIDei
-0b2l1GE9QZz8MyzAXdeR/2CP9nCm14a551dM/DKN+m4n9m839+RVT1MLQ1vYE1ON7o3rNqUXPtGs
-+166XDGggHuQI6Okv8JFsUL3we1j+zbpK/gZHektpvQxbJfsqaaYtGuH6E1lxeY1Ncg9H+Tsaqxn
-cWxQl67UoMS2zsvwqfKzeZ0zE6NNaKWXAoY/VmMihVamZHcLJaZZR/1QfivhZLDD1eg3F4osqam4
-CRNNXLuNHsE9EealEffWqxGBiazSod7KLomOIfTSq9IZ4/PcyZzvdo2qERHzDKD2R1oCyYizdl/w
-ud32tQWIQI36TRh2AuwmhoJKZdV+wrn+XfHFXXUj1njf7/U9qTG3UQeSe3R1cbSiatqrQf6M/dIN
-0ihmxWIjSLCrqwWF5ffnbOXc42Cj12qjJmP/W5WvnUr7ZJOr+tlC9/+j9RTRrKsIkflz9ZaHZdRd
-eOYNYbqhWzLwsLXmbWdq47TWfHBEl0lOrvq6KptmXFmyqp1dU9JGXnuxRFkzyfy2LHzSR53J38fJ
-YuShhXWLAvplHNEX6xCqkKJY8qjPwy/XoWpwcrNYs6miSGoQE80Gk/Mi8Y0FVRtoaNKOvP8OfExx
-XyCmW9shjFx2hfmGdsev1kwQcegTEfcp6+s0DEE3iieXEmQkYdiR+g17KEHnjDaR1nnGL9vPhzO7
-cqytaCwaKRm42Sg0gt7XwtdYWM41pDfzph3912a0tfuIV+/OfAtdc9qqYTQux3DTesaSnuFUe90f
-O6ArDVlPKoLIjh/hC4/S+y4orV9bZ4GmxY0FntHXn/1Xq/VF5Sb0X90mzY9G0d9B6ZyDSFDd+i6N
-/M/7rh9NJjAK460BTu3hNf77cJFsdAM9EIdrlXPbmM2eCgDYROjqX4xb3plq3praPtZPtuFMXPTT
-zvI8/9PUFnM3/GrfmvRT2P0GH0r4Eokf+CXQuwhv1p9iskQDNdCP+/x0P+reE0gjXGFbeFDfTQ9c
-S814AUiDciP7xoEHclFH9Ek/P8pHF5VbuPSwdQafp+5aG09KZxfMYN7GIT0JAaiLpxEAcFp/cf8+
-OiEb4YBnW7TmMCn+ff+ysSvhOA1MloYGLs1Q/RRe9fPz0/nqGCcjJRJeTcHbKgNE1MTpyL3tFV85
-3pabfzrx4PkDgMSj6LjvHg4/9QZpKhnULGAXUaebRxMWI+E5Q/IYa4xakCjpC4UUSo2F2g8D31ej
-nfevnoUpmT4q759P/bJchz+GqLZTIx+sfDjYBmReBVlpDeW0IXM5RflT++Xm315Xjkemks/HFC/2
-6bvXsLfyJkw/QVGOfKXEdAMcyf3ie/L+WbSYoQOHo79jIpQ9ecH9yFCEReRNAD8WcFVdJWs8Bedu
-SkPz89P54EichOe4gD7wNbknj4nfJsk8TV4V8GlDtaS1Z8QO3dYyvf/8OB/cJsO1TR3D3DImfouK
-+uM2ibrILF+6FcGQ+lbmT8TqrdOsXARXx8+P9J4g54Gr++NQJ3NbClWxODewCvU+3bvSJgR9cP8T
-MYMlqy/nuwnc8x50Xyg3ja28jQ5784dg37pVMxneKSOgvdlSSxPaSRessBF8OV5aQ2EjzSoa4vki
-zNkM2k1pIRalZczmSm1zk8yjo9vn4+VQdbSxJny7a2ptgE2C4MDPTxSq6unrxyiT5r7OC2DgXTn5
-NkOv1iy/7Limbawe/KLUL43e+zYJkTwVcwdpNycyEEHVD4nXfecSf8TgShwEvqDEYTxjNHWGmPiu
-CNkdKUGgdlV8qwfvYg6pLosqa7YtIvFVkwDCD2VqocMcKjRaPVxzLdW69WhXdsCAa9gohUeP46Qb
-6nj3nIBdQKcZEJaR7/XGj4Y1IZrjhvyh3OdqmSBw/LnVn91F2PX5hfngWTPx86PgYM1i3V+mpX88
-a2HRN4xhJ65LCte9N3zrwF0fgyiViOQJ4hqCzw/4fvJrWViUbQcHDwSP08kvnoS+H+qiCnyPUEya
-LsW2AQ5zLqxa7cmrVOcx/Zdb6G3R2edH/uD1ZaytL7RINCvvxBeSTHQt7kSJe3CaHntBoklD0/cW
-o3r68vmhPjhJprx8jSh4+M/pDJ3hCJvOqSuDope0RjF0SHo2UNSxmsgDYaiJt26ZskF3NencfX7w
-D86TfRVBGcCIucin1nOXdBtqz7IM2rBK9s1Q3kaL19tLJ/mvtwH28pEyMPDCY3BO8SEUgm2EcTQP
-sBw9TFM5bExvBMWfW9a/fkzZbiCYQhiFDOOdX7yGothFfZczXOyGzSzovljp1TA4Ykf1+fvfXkBb
-tzgx07AhMJDH9/c7ESV5Xdp5w2k5hRVg5y0rBgk0dtt8yaL//GDvX0AOxtaGrYHDVOt0+WoYEMei
-Kzgzzb6NLe0Be9rvdLRuEQR+sQdZ3uW/tyAcCn2O4NT45r+5sf941wmaSKZSYxqLLXFr0TDxSftc
-uXk/Q87DzZObX+1GPz4i/B9kbMtLd7q82LXrYUgm1Nfoj5lfP1WTcWvJrEHtK3JYmeb551fz/bNP
-xihkoLddB0dcrvYfp+hAW8F962aB1nXHKe8D285I7dC/OMz7DeNyGDQyRHGz+zhVVvWePiYJPx0Q
-nLIYwgGX1SMr4ucn8/4rwlEMnc0GKAfxzqSPQ2YkGoOkU2lR1lLuoSntXt1SkJmrmKqR1WhN1Rdf
-yQWH/u4pWT4c6NsdyAynaAaCEnAAxKiqfAcf+5D71OJlnSEz9xnVzSWTrHaCx7rCMEdoFmjQmt63
-7u7V2ESHnGHSjvyQ23lymm8IcaEL1DWbg2Vb0CwmBLQx4s43gTzgCHS++Os/vDFLEBETATxDpzeG
-uWSc097MA1pU5Tad/PSojTQ7Pr8xHz5l6Cpd3wBN/G7LWdgNy0hU5UGpXAhpVR/omXHrueqrXctH
-t4IEMFSVgCeoYU+eZje3yprcXdxStcU0O4wPo9DH3edn89EXSLAFAL9AUc61+/soM9iiMeq0DAUB
-jpbeZZnCAIimvs2f0ev/+100NSMyUZaMhZF0WqHifRdQHXlFpyz8vVw7mYibQoYPn5/VRy/PAkZ2
-keRSGJw+xmNLitBM3HmQJ453nU0GffbQ+U3HtdrJyPF+DTmEHVQs7RdL1UffPISkNvtqJIPvih76
-J3ps2X0WRMBJVanhoIh2dXpfp/N3XsQvjvbRA0/ZY/KwU1m+UwsCQ0BHhnU5qKM62xfCcW8GE1fm
-5xfzHa8F/pHORXRNliMLmfPJd9XvzLFz6LsFXjfo90msVzviiRClpFaf06B3h7vU8Kp1V6n+qpnK
-7NLJXWsfewi7ZkxsTJcI7DAaPOb4MxjKdl36VXVrfHjlXSps3kxYZqcbHxm2ujMUBavNaNMrVM2T
-oXwA9JbXHhLXeyAuqV675NGc56WV3GdD3x5Cv/oZM9adxeK+HAr7QBfJX4lJq8Hich6fX8gP3jUG
-W2xBXdeCLXC6IOYufwOR6VUwlPPvejbUTq9RVIU5Q+zp6fNjfXA5jDehobMoVtl1//1em9AndFD+
-bO1D47dOw2FTOPpTOxFo4pLYiklLqC92GB+8dIZB254dDSvWuy12L/NplFHF6aXOY5xE0DgY3dPM
-lPPKwp1518ih2TCS7YN/f64wyvylI8UG8fRLaZOAkEivrQJqtUs8foTuyvwGWTJpb1l0P5EJ+u/3
-bRxwaQMAYff5lJ1cXcHIobWbKtD0qFnD4mU0WVrqZgB6EBSCQvrzM/xgzeF47KGWmGg2iydvYBFK
-OyYEvQrGPkLCbcthozdVs7GQxf1fDuXjfvcEG0ZwXX+fWu3aiSpKSjTDr8proMu4NV0lzpLOML74
-fH30jFq8UIsPYZE8nzyjPbqYcqYzELRFdwvV48VxGqLguX9J1Nx4mNr/dXHEBwzThQmIDB356Qto
-jDTczXYug9mcEfq4wzfZyU1NH+CLA33wYUZbDIfMovOMjWO5n3/sROsZt54eUgLmkfMQjePem5vb
-Lx4Ji9842dD/dYyTZ8LXyOezbY6BqtdYQXCtjyBqnG9mJ4DI5EPLVdSxRg2yhjaWRnfVIOHcOgxs
-OhCuNP86JFFlwrjHJrdIswwDYANu6MRS8kjmVnxj+kT8lRMOrbDWy33RotCgup3WaOHCQ+x4qLX1
-EbOisdCMoNoa32a/QHFRGvA0qqKVe70nrOUNOPZf7J1Jc9xItqX/SlvvkYZ5MOvXiwjEyCApkhKn
-DYySSMyAY3bHr+8PzMwqieITq2r3zHpTZUqRisDkuH7vOd+5BNxKdVgv5nC44JeJ9JIdYS/qUGAY
-vRitpDwftXbc+3nwOa3zbs0ZzrclvSJSx1EL7VEoEY4yzWITDYmDYjCfTrVtpVCOsmH7+9P73r3J
-W9wzuE+shVL68xUEfdL0yuXeRCv41Mj+yU/EpW1pW6usMdVCK//95733hFNzU+zRvkcZ/+bznERV
-ZGGrag+6e+k5XUxmfpj66oPi9Vd/wUI8NS0af/QI3ODNxwAcSaxWBgTw6fmVEGmLcMj/1uRfmESd
-M5VeD475GLfVB1umt/GdeF9eSaueyxllc/22IAsEGCwxOfREajXfJ6TwrfzW1q5Qu+vFhsE5e5zG
-KeER5GMTFoRTMOGqWMgbczw4SH2dbNIOlj5oW6O3q3WEOowbTuwwfjDGCrKvjgGQfJLogUDSxGHQ
-GyTYQ80PYyO6MXN8/P7sNCucj3aOqxB7Xsb3Af0gnhF+G5/I8wRmLbHg4ejiv5ezs066Ptt4sAtu
-G8v56FK8d8VdALRQbmkzWEuW1I9rRKp3TlnlZCECEFNMl1Zq0ne50Y8f3FnvrUU/fM7bwmgUIzGX
-YK/2vrOQk+k3rIn22Pz+9n2vtHGh9TFXYN4GlfTng9EbU9QN2KY9Qyd/rRbLog5nPofAn3TqA9PZ
-ux9Gv5I9S4C77e0mwm1ZjKqCZ0VLXMJEACdA+9kiA0NQ2acfnL73FgKXtj9vCyx7vxS/hVKWmyGl
-2LdZewUQjXzjSN3VRfvcp5i3EveDM2m8d1947JLYwOKl8t7OaeZOFJxf6rRMFtBEZtM4+nM7HUx6
-8WFtacneFg2ObxFY16keJXsVo2yOSdY992M/3wa1rb54+ALQaEcxyKrfX+l3vx4LIm0k+rf4eH6+
-0pOMOi1PKHOmRjxbQXybmONNYTFM/g8+x/PZKbL9XXwzP39ON2oqEYhy9uxEBd2c/qlS2hTWQ/vB
-i/S9snVB29JiWf7He/McWlOAjBsB1r5HOJ506Nym6qqtHcDwxiXpaJ/LIvigUfHeDfzDR74tWLPZ
-LhDq6OWe3KAdsQ3PgV2gcHWPbT1+sOew3rt/FxA3vWhw2/SSfj6P/RJuMEuvZJkx1WOfiBeYgCSu
-Foa/pn0brxc+AKFAerVJm0VwrBmLPKtF+QPa6I4Ur+QuaqBaDSayZawtmA2Svr0h1Rf8b1UUhM90
-/lZ6k3/rO6yaAK06VBNaJ4m+WVqbtfmiTyaadngIUuiPWT1c4EkUG2j/z6k/TqtSWelmKJV5I1Be
-8rI3nQ/upvfOQrA4dWlxcN++HcAWhejI4hVUfmI+zP1srHrdvsM8fkbPlNBlNX3wge9d4sWegWPQ
-o9n69rSLzIhVQzG0TxuYA6MYWrF9pRNYMXCdVbcIU3//wLxziLzXF7cxHHYq9zd7ksBVPsgRq9hD
-abQ3Savc8yqhQlNZ3d1lcJpJpEq+/v4zX/Uab4pQtDcmJ5VHlK3tm7sr1lTBZLYo9245B+tkGtwb
-OzHGdWUp5yypi+IWBhvsAxvJ1qtO2U/AP5TDDBALLdFOm8D5fXDqjXeamKgS6Posq7b3y943ls4s
-opEnupsj9GxWbG9RpVnbLmq7Hcxla8WdgnzKAYNIQtJaMZNBfm1/hCK23lkrF184cgyY2QzazJ+f
-PR1phFv2aYlvOQOj8ipuTi3QFwgsK+eMy+Ud+gxJIj4LKGUFTWRDK5mjwhMZP03WpG+VisBNvPLl
-+1m/pyyudsnELYVtgrRkGTg7dLnPCkUmS/a4sd0s2SAYtMNWq/p94jbeRiaDF/rxmVnn1k1uVfKS
-xxYniuJBuEv8ITgWuvegAwX7YGP+3vEzAcOD7i0T+reNI9ptWdH1Fsdf5PIGTCmCNFemd6mhJdvf
-34nvfRTqS7QGuNF5bbwpQBg6wSNfXktASJNQNP5i6ZEiPwZJEd/9/rNer9vbu37p/lrsXnkNvt3+
-V5pbDFOZsjkYgfGsiKFSOD5m29hFoh5hrBbGmVHr0ademtOFaWrxldlrcEusQuxEBc7l9Qv9W/iG
-8/RbW3f1S/9/ll/7VgvVkpLRv+ID/vmnzzXi0/K3P7J7ri+eyufu7Q/99M+CIfjr24VP/dNPf9i8
-JkxcDc+tun7u0PD/TTBYfvJf/cv/9fyv5FSYtLBYBv+BElg+4a/fXA7hv/73+RP4rqfq+48Eh79+
-6S+Cg+csWRTLYFhnO0lzgIX8b4JD8AfVB7ojRnNLn59b7p/5g0x4ubMDeyndfyQ4WN4f1BJsr2i2
-2h5vQ+vfITi8fYuQc+HSJif0QkdG84uJv9Jx5ZZJDvggNpwZgrldnZjnqi8lIUyonZ2PMAjLY/Lj
-nc0HerCYeWPxzX/tKIN9TEhMc9VeSspdXRsx+LhTuvvhInz689/7kRrxdhfKp6DKXUz8DkvjLy/H
-nknd2DiJ3Ksey8NkyuYqr1uiIDxbbHRtKlZGR4vLbjLtups8+eX3H08GxC+HSZvSxIpEiiLX+O02
-GGQ0tBvl9XsicAoJ/zSZt4WX4IdEKEGMdtIeiTTnbYEYGoqpAJK5QChTKqWOKesNHE8jXtXQ9tg0
-E2FLEha+BH+e8q0yc34WC0hZrq1Cm8eVFDgEsRN2MG7Q3aoXOgv5tZX5gFzxJOwTGyNk5LkNxE2n
-ucdSqHYL/TldidhQdDwa1rYVDdd5rzfS+IwmT1y0EAw/43fGVmVhGJ/cTjz5ZZnqiL1H9ZJ0HNFY
-FeNtMRBA12WyOkUGvmXsOQQFT7VZnZJIp/2dKvFA2Ai/OMk0OHXgejZU5NF1MAIlDsdO6PWBU1WV
-5Fvp/G7E4mvtCOLmMHWvw8COR+WzqhVwHFknlw7ybNoyASIzrCSI7L20vaqLkcikcVFqZz1x4p2L
-Mmi2ZEojopxCcjnaYz6YzRW4reiIJEfu3MYoDg0yo41h9eNtBkfvtslm94arY25QxICwNuH1Dq5s
-vqmaJJHYo/JIp0p9wcFfPxDzx5VpWG/37uKx9ya4RFZfBSeXSMQ9UevqZcIk80Vv+RWlt92di0r7
-FMnYPmDcMT4PMEbvsn6qTrKug1NZUmGFxO3a2coukfCv3GHWYTEUYtOJqFhP1WhuIKLm18JNkLxD
-ucYLXbff7Ig/xjkCQSLh6T3uYYeiOLeHhggxHmdf69XOTYfiUPtcXOWJiWCjDMBbZ0G6IOmKXBGB
-M43OBfxfD/boTjOi/DpGwgdrNWkuCM1wQBrH43OuE6ZU4bajd6brLBpG/ZjKZrxl3DGfB83IP2Ul
-aidIjVwZkiMOJk1cRPnysGuNc6nF+oikk2Nx7SxY9UFSrkc8BeVqTKrxmXADtSNv2L6Mba5EhHhs
-ZVdChSX0vxI+0cB5zaGHeUXgrImTymDtSghg+Cui6NrVo+Ybw+f5vJoS9cXkRboDjIsTqW3yLSjV
-/rueucZnQvKmkKQcUHMa57aLuY6EL3Oql1u0qEDSKaIutzNmhxi2I1fCdhGSk7SuXoioEg9F7EXH
-ossfJq0b4MC35WXsv8BNhJ6VaqWbsEEuTVKInUccx80S0jncxib3Jr6LPN2ZWKNC2y4e7cgbQb96
-gigFh5tyIVrJhAuFq7LfRo0tLgV858ugn5zLQUXG5yrtxMPguPUjzhXuVg+PbGtG9aOFnPwsw5R9
-I/2F36xlYLP8aqqfYshSyPwspSHLDvLw9eD8hIegqzvtWipR9aFMs/mcLm13J9iGX6u6N0Bas6UA
-2WtgNS2ycu1Oerrva9PDjBjJdIdVkmyHwtW5TGU+eAuDvLk3Utx+2IY9xOOm1Vz0Lu5O847mq5G7
-D2NdTf23tB3shxRbRh7vR2uubGSWs1ZtENpNw7lqpsg5TrE12NcYM7Ho2VJ9MXAGr2t3SKqV4Uhk
-g83sbrkPHYiXNOWBR8uepWmoLoYazDP2oOBoa/mnXu+0q1ovrjVnuLBLUW4xkDhXM8y7leOB7m2d
-GARwdAHvEmo4Pb59bM7JoTTzLx2Dyw2pbcNmsNXX1Acob4/D9zwxy4NWxd9ImEgOycw8qDIGcaqJ
-idsUzigh48b9dwPT2SZOuzOcS9EWtbGBZTcPQkO1wBE8J0bEEKcX9gw/HSTuqNYtXkI3849aLpow
-LZpqXokgag7oblApaxKcqQ4kpkxzepJlUbzEYgY9Tg8R9HJnqzV51deq8tKNWWrBWYaF/5wW/YRt
-hQcW36dxlip06kPgx+SlcCFNY9QPOgTmfenhLhS95W/qSTPX0GN5LKuFc6AjVDS1Uj+bnDTYD7Fx
-Y5VRsKW50p2MKrCKjcm5/9aJaXLXDttSlIvEqkZsPPpxj5+PIA1jgrcfgdPsAK1Wpj6g4QwMuqQB
-IdxO5DahirpvVj0Nu9iJeefxAve32MnGVUJa+iar3Oaa8ayBry3vtqi2EqLicg1snC8ffRJZVpOV
-y7NKLv6CIs8fsCrU3tqVrtrBegcTykTbD4mwQF0y2haAL4tZkGFCnR0cyzvQZzT1ULGI4IjOhdmt
-BM/VuV104gwsPuZ3UzcPaCa60EoSnqpuAxevWVU0XFbAgJ2jcFv5ZZ4skvIWAzNDqP1UhNao1XB8
-3flJFLpDt62cP4tM1Hhyu2AvZyc4lEOkPqW5NYdjNDTHvBT22jULLB9uPq6KKc43nW3ZV15Hi7mO
-FtVB3GKH1IW/bbSRGcuSODA5FjnIgZXde26MV1ZXE+G3CmtWMGpbMmtrhLLlVWFovMshxBzS1IJJ
-jHIyjLU4uAW1YeyKlDveterk4I+SKL8pss9rOn+wryftmqwI/8JoZnVcMr4KQg4CYAeN25bPdtxc
-YD/wToFE9762pwlib4FuDJFOkp+LbjYOgmlLQ7Ky254Vc2Q9DJmn7JXnTMhzTULUzxIFlH2dGZn+
-LLATFcQ6V64M9UwfD3PTBGtRau1uMArnYSqGlLyDPM1Odh9330orc0kQ6OxxmcD5eeY8mAvZa8JI
-hI+urlChaLLKt17ijF/rzKjXfTEtdYForvDdFCFi/areYNJPz8jpRbeLPTHzuP3K5IB+vj0FTVfb
-KGxpHBL/6qS4FAmfXmdYny+VGaX7OanEV1OANgQRr/Ll2sDtW0qkLLN4Dy0hE5nTVafAJAvBr0T/
-3YcBL5iVsIXe6nnHCwf1r3phHw0tUmnRtWDqwDNAesbJi3QRhbGz0AKTtISxLZzLGQ/6tVYL8RCM
-qZVsB/IQ8RkyCVqXFHkJedpSfJViYLqVILbA+cvbGVk0qa+vxVeTmsZnHKPddwHFxw9NJ+H4jHLp
-JkmlzA1lqHsjyXDs8N82De720c7DLDGLA4376lRg/97bekeUSD2xGLdZnK1KAfU6TJyOl3tQ1tp1
-FQfDbWpa8WVcUmlUjisu4vn1WwTNvUXQbLqKmmZZlMmleOkBCJGJ4FGeBE1jfGIZrL5bwmUXrBFH
-xFubiBY3ZiFalS1fZzGe7xJDG26TFCblymg0vwKR3KpdXLrqTB+JAUmGcQrjxRRWU2w9oDMt151a
-yl/cQw9eLwuYBBwCjR2EV6VULxgN0p2co5pUkzSAVzuBtVBOpJN1IKwCelbQfKB2oLH2yyYCfY+/
-6A1BTCxDu5+7O86gIaVUmFMkzrs1+asi2zRloLY1qQ+hSFHEBonlvRBeNO4hlsRbzTCfEMffAUaw
-GPLxmtKcKQ4HFNHnY2vaD6PA1ZzOVn6m66X1aKKxk1h4RDWeYSD2IdcaeUgWJoANuK+7kku4jwNI
-N7qR4NiTJXVCUQYnXtxQf6WlztANTCQKoputlytrQg66HuPWvdEATZJRE+sQzSrbJuG7494GSUa9
-MdWk2A3cOIBJqZXYpFAPxjk/NBOlWK1aYCAYDJcaSVZzc1Whl+Va4nEMbeAo92SpdyubiPIbG4Tu
-xpSRuMiRNpyyARrxSGoNnsRkvI3JxELd7pjFY2sRuXPsi9kjzDSaYk5SSp6CJrtebpw4T/T1IKyo
-wDxrZQN+cahKWmeHHFBl3tYRtJyusfBpe+5cxAdCadMwmpf/EFFIRaGOy81dRylCuxE9km+eMVnq
-sG5aUrAKUku1epJVoP4TjjiuAuKgufkB0EhKKE/CHtEUxRXbGB03GQVg59vdnY7ve43B11l3Dpkp
-6zKATCtxHOMitMVXlQ35tk37dDeMvNX0fJr3sJgo5JLKHW77tHj0Wup28mDEgz8VVhq2aompWM5d
-sPhIj/PMyedh164x1VoHgwf2KrfGdBeho6vWRE0Xh56QgidJaMuTrQzeyWZhmqtKcj2t3m8/sQPw
-T6rRcc5PbLbcouruKkJl7kh2tQ667OvHfqmpqyQo1gnxFNPangsJnLuYhq0xx+UBDAbVYuVZK95Z
-3lVptcOtbpAEBMq2fnK6FkywTWUrDHYtYVvNPHl9bXR3ZsZGvmkKcQHlGh9sZMv6qY8qP7T8noo0
-sm3cjLUz84x0JAMYOND5y16fm291JTkr5Uz2DlX5ykntec/8sjk2oqEbYjLIWMlgWbqSEpqOozw2
-3qXZ3CNB9U/GxPYWUlNwig3RHlPlVSc35sQx61G7Sjedde1X4y0jKLZVk0p3/rLzZkIkLsqcfbmX
-sj1hGDS/+Dyl8yb1Z/GQu+WnUXriK9hutjm6ExPsacMSmBImgzb/aKUtBcvyraW9RKD4CHfadc28
-5aSsicDG5VGV7GR5keRTCPRfPDqNhPfWlhleamYlm2FM2ZEum4ZU6mycEmk3V3rVcmXqjFfA6xoo
-qrgCERibilxoiLRLscF+2sIfTEOLoys8dTbH0HXkSFfj9TYE08gCHlegn+SgqXM7Zqdpdaq5et1p
-Vxa3Dx6gYu2C8CBWh90H1I50X9i8yArmS6chchmML9syLdY4DchhvTWNHk790kCZUxBGuWAjPiXJ
-S+sTETPzuFVrqWJeAtPCTvNjuga6kPl1I5CewPTOg4V15aAghFXTDOA9AItwieNJL0hT4oiYl5ps
-nmceQYbZtD4i4rnYUutk9Qzw80k7ZhtJw2TaVMC61qAg4X/l8It40egtDQeGWfTa6cRAT2nuZ8um
-QeH0U/MNViWJVnqvvlRwB1aR2RYHbdnU4iRiWWMnBVB82SEvZPmV38HSWldzyr9Ummyym5klzjL4
-+Nd9swcu6Fzm9MyqOrHJA9KedX1eyhRP4/IVJS+ppkPY8uetSRLFVthsyavaiK51o6hOojbzEGuA
-f/L7rrmvDcojqPH0MpBNVqcJKf/laFPhAmXuWdw1s/uOV6h+lHHrh63eBKfJY52tp4RTmDgk++lA
-3PBU54OBT6lkC+1SFvWgqU/L/dy0yzKMYaQjbq6gExSkHrVG3vLrQd+osxQZw+dk6TZOTba8BSiM
-Hw2fW8Keh+770MCvTowovvTIbdsa7XL/QI4ABUH/p3A5nGjpOryWFX5AZwrURn5dTiO7d9J8QhcZ
-zufXd4PR03ob/Di59Fjy2e/TvBo1x770Ys3hVTEF/qkJOMONys3PUwumOSiBTLmk9B1stiHrxM2M
-z8IFDpMOXMiAxtxBFXp1AvJXnRyT4qFcrkFCvfTQITYT23auKYomg9WMuJVbNVGeiJy+iF4X5mcS
-8FhsWcfuQQOJB6wL0M0Z7KxfWzFjT7PIh69zjKtkAvJNI6NjNRFryst8u+QFbptawpXtKTJLHmxM
-/Rbdp7rgoVD6WD+SI05jcKJXZ6URJVpPwWJB3QxNmnobXvbcPK/LrPQ4G+zYiUer7fiO3ZQicscs
-lzqOpLijbC35qWWz/EV4VEvaPLFVHLuRk6mzvCUjz1FOksud7o6C2triXtP06FpO9CnMQpbpobKd
-5jiJgubNslRilDE3bW7ll2AUIS+6qUO3Abia1QS8HxK2qjyTLV1BxPBLOIyBw6Pxhmdvifzq+eoE
-U+U8uGlA8Qd0XXyF1UPJ0XRzccgqHrJUpMklhLXHcXQ4a+RCWgfTT3hUxpxz0Bc6Veg4NfdUJZm9
-GiSM9BWohoC6ZXDSC3DsLLITWQy3dR1Z60CNKhwHLrjy8S3kJq3M1z++PpiqzHjFaEQlfXMm3qmC
-l8qhmnv5CSyg2pZJlpIKUfNAp3ZzjD2HRYYZT3yJmYXR9uyk87lwZyrhyVMQOvOXwZ5rl4AKNg6v
-DTqPBB4bxOD1tFQBSjaUwmR7DTs2cBzxRM5hhrHftx+I20ggJtAB79nIbgYHSvkqJ8rk2Ef9R/oy
-463MYdFRYKHCBIcFEjD0Mmr4QZI41FZdQiLv93ZKc3iNS9259Nze3MQ9jDJls7QlAcV3H+vykxfj
-zMs6ByANxUEcVexdKqs5dtaozqpJNPfDYNuX0APlF5aE+YNh3i9j5eXLLnZ9ZKEI+H8h7jLgy71R
-s7q9li5BZR05C0qwF9ONLLnUBjYmdCsoRI2RTRFQOUorWhlLVlb9lAlaq68X+/dTg9eR/c+zEQvp
-nI0ECDkQ0dlv6v0YvIQZpHG3L0uLvCBkrQs7YWhO86SNu7YdkpDd+7xRzCIpdAaabJng6nrJspPD
-FHCdTdxUuG5ZDSKn/i7Swrvy3RgoRg+wM9Laulk1vfOhgP/XnYoB/nu5+h4S4l8sK61J0FAca/0+
-1szmGKE2WTr3VI9N1rQQBJdJhNX44cia+Ngp3iLVVLEvHHrnr9nLX8PAv2Y/f0LK/zF1fPPH//sv
-DCH/tWnm/6RRJaMuLst/P6q8bJ/juvppUPnnr/w1qET0/YfNo2AgukK7yc7zH4NKZO9/OC6KDx9f
-LX5Tl3nb36x5949XecaCZ2ei9zrE/Js1b/yBN5/Z56L0RruhB//OpBKI8s/bYfym9PVwaOJjtAiY
-fat4ybsBPe4QpJ8wM1tZsEaOIBu2irl7Cd7Jtq9st2GiVvMubrdRxHzdWU1j6q7zaKwnMkuQ4YqV
-ly+6tT7Ne+s6ISKmkHeOP2q5TkXRglkcK7w1c6VPnwjt0r+DuJoQOdM5x1TbGomv81YwasqZOiFO
-dqSDYJMDxovquKz8LxZv6XoVdI3/VTPzdC1dwLVebjcYueJ5LbF0XTvYd3cEm8yhFRT6ZZ6n9SJo
-cYdh1Zhtma/mQrS8Cyxb++Lp2ldfugnuCnqcFZbnCzhFBGqDxDlJaqCDNzrD45SxVbJ1ESyxWW5y
-3bLAMduppfo0gsEJeENMZbuxBEe88lHH+Ew5ChFCCkrOmog6YkzjdY8r9Gs6jf2XbnST7IJiRoNS
-JbzLtNVtgodSmaTrAszwGhxtwhoUyGBEiYm+6cZzYEOGXAl1H6m6Wml6AB1JySi+wemIRrurVZSj
-hUnGQ+pGyRkadnmPrNxwdq4t9VcQ8IY2MEMKluHS2OIKAC0GzUXcqVaiJI6bDJWtBwhH6ypgSprj
-AwEqo9m/9PMJ0q5V2NwSGfNCUqdk0s0hbbauZUfqqYd+IIfoE0di6uSrjaUMgyKRYaoPFtV56yIp
-y5IXry0QN8FZ23epPWyZPrghGZ5DONSJd9XMtqTJj+sjNFVfX1HdtkdVEwQK7da40pyA7cFIwFhk
-E+20YNHc75OgwS15aC4we8ykiqqakfsqBgxoQATSxMmOAfKc69VAh/2IlHjyBazminHchhNB0GTJ
-XEx8YluR1Ie5Sg1y7axUxYC8/NRtV0PZ2acpwpOWrpIKoSkp6waN4pDgwtS6GkiESoAFjd5NKSra
-NZ4mA0FGzuihe647ut1JgKafBgXZqJaUC5+LtM/6mNGqZ5opYjJcGo/qKSs8ELkFcCftNDq8q5jW
-yvqi0/z0NFZ9cuZG1fREp9Sl0ugmwGqCRsABRUFCB4OhMHQqBkVoSrPCxKVPgi1KOeILGRmDzez3
-elt62ypO008YmYx5nZA0lK3qNoK1yzjci0hQU2kfwg8YprWIxDieZmLtGsYitrWuE65miCJ5NNZM
-MzAGZVoVwBSt9CXMF+Kwdw5IcrooOgdKVO4NTACRxXPH2WADM48mSqF56YVWM1GGABwRGbi4aNuw
-LPzp3ky7GmQsXtQjnc7rWfbZfBUM2jdtDiqeKc2t4Ts5mXIu+trq5i1q+7LfxoOq7yW9LrCCagAD
-TLVb7+xItCQM6XZGIAtiqn7PSqRubErf+oDuq6dHXhSmSxxlYlLXZZF1sGrRvgD2+eIM7JWt1Onm
-mzGHGbmfchh4hzZSMvSFZpxZHUm6c5SZV+yAeB4jO8iouV4tG1SvK/po2W6Wln/M2HfmQBE1KU/S
-mOozz8I3E/JJ+c6ns70pjDjS1inXqgbBPGehSajrFdZ1fdxaA0mCbpCZZ7VbBRvLz7Rgo6Vi6Tgn
-iAnEbKehbhUm1zm34+xr23jZU6b32herLcaHTpdju2G/YfOs2ZK2bjZbm9Jwtf7Qgppekw8G+81N
-urg94wdsnJYoStlamy6psSt4R2VytDvNAY2l6B4KIL6qsEfm23A0GLbqxMa5bWytCMkeoZi1FgaL
-vpwgZ9a0SJlrVODwgFFFxWeDPNvbcZrvbG5h4KEduA7CcnRz7/qTd8Wu1gjjPlJhbybNAaMbMX9U
-94yLNYr4dS0neV1FnX1Bm2gYaUmj7jif2hoobD+72c5vauu+6eU9nh2YdT0sEiM00qjw11Dd+241
-jJkczplOGhezMrrrMqvh5hNzJuMrJDlRay4wPDUD47bAdDnZ2obFFh2bjlXjwvZz489S+f/XUx8k
-95hLvfG7euocdOTTt2QgP7Hvfiqr/vzNvxN8gj+Qy7qoZh2mh4b+Y4KP9YcD4AoDpY9MiSBw6re/
-yyrzVeUF0omsniXYhWLsn2WVaS2+BCptl+4CgrK/BXA/Vcfxc/3Xn39USv0qa1z4GhhaDfo9fLs3
-CtLAUpAYhSb2flq8JLTwd6AMo1XqU/T8cHb+xU8y8YRin6W4/MXwVFTwf5Y29N43IfZSVz2Kqpar
-KUqGD8xx7x0Tn4FRF/skYLbl73/Yica9Fs2tIKi6n/KBZDD9shvLDKvPfPtvHxK7HROOAh+n81k/
-f9CIDDOo25lEbPbpeZG/RFr6kvH//8nHODicqMt/FZNRBYEVcqRgAzcFm8BHrEUOZLHOZfofnDru
-VQSnAFeQJL71gcZCL21ouoK4pbI9SaLKSQYw6e1W2QcH5f5czXNPY0RDj4Gdx8LP/tbQQxGHJimY
-xD6ZiAx0B3WtYnkLiPmWV7of/v4Mvu1NvH6YBeUAMg9bnLcoGRJHa57NWuwZ3TI0pUW0zwipXNVa
-+qT7TP9SSPErQ5GT8PsPfudWZPOzsOVe1etvHy+3rZlyUbvt2afXNwM0x5UTaPktSDTrg+frrbLy
-9RjpH7AqYD/gqf75ZpyHbFDwjgRwEkJgCAhXm8zUo5v/4IB++JSlE/DDs7UoVkcNkdReCyTM/1be
-juVUHav2Pzt1P3zSm5VpysukRmDIDVIMKnRl9jTX9PY/frx+JSvSDaJaMNDCug7Cj1/6LijIbJqp
-+x4X68rRunpF+m68niz7viHAFBqQQEzCpHvrkNC4Bij1AYrD0X+9UeAr+D43pxfYkLKWx+WH81pH
-peOXtShRfJt1KHR2pCslaBvOdqk2AUrK0Aha9guIiSmSZR1mhUW51djVEakrBuOJ0cbGh7WxbtFW
-fXtVBryWjEuw2nbw8hcFBfEQsw84Fx4B82Sed+7KDOgJ1YIfUUlUbpggmigewSx7simvVBuYd7ln
-1gcnyqJH6moVTqV09pFHSkutyFucMh6p3JMEtnRqQLNIk4xOT0Pbuu/BpAx5UW0wIlQ3EMrtIxjl
-6VsT8aIxepfvDuv5SmV2fUaw/ZitE89P6o2yC/1rBh8e+APfR0Mi/1RGHHQ+9mJbB7G4RJtVhz3c
-MaxGVhRlK2MoAokyoSfwGYL8ttEROGUNIgmtFdq61Dm6uWTtLOGbrpE8mGhiWd/Y64H2hucLOl4a
-WwxMNVHimHaPdkmHGrhAfWboBEv7Jb02Pyi1tVfo5l2cjM6ZjI3sMfbr4tadGFY3nSUeGrc07yKO
-nWbDxNhVlPYw853GCCaRJ4J+bVmK5Ua6NqMyjTHRbTcRoEE/v7wiTLN/jDg1gMMbcekO2YtucE0H
-ALp3pZ++yG6Kbnp3rg/TsjonXVefKfZSjIHpZHP7BuxqyUhx5TWMQvvAS6Vfo/ZNd2NcWCsqkXQJ
-PRkqkidBOa7sAelZbImA6N24enEJZ7owCDHauUOBfdXUJgQYr09e0RFZQ0aKf0pcTlmechLwSZO3
-YydqXTYi/uzP8KSJ2krzxwC6PVHTE+H2TpKh2oRjPxNt0LrFLkX4Jc4NRtZB6CbReJ9Egl0DGrTO
-h3yXp/PKpYlzIhNtvvMhx35GsFO+mF5SHzlGhQmAxRsNeLO3ifa9rXm4P1vE62VrILbEDrconnMI
-G8kIe1yiV2hB3ODiNbkEfSRzh5AeEdNAiHMNfoQb3HZNy2NnE0y7Hm3esjO7cwYpYgE8gxpObmGt
-xONu8KvsKcBstg0qniPYhsi002AsCCWNJC35YLyf2znfAcPsMaNrrZluM2E582ZGj027qounYUXW
-svEVtFH33Zx5tijhlREWk9N9Gb1ePMQZwa6eKljGmbE7+Ho064i/IEXXNaXa2si5Ek4S549NbFZH
-WiwV2ozOXJO2/cJsI0CK7VpHvghx0HGpQk11jDoSFKkXhHeg+4uLheTOFRos3r5wO5nL+7RlCUGM
-brKxBe+eCJk8VyJw9lXuMqp3EwKsbWO4F50ad7jUyUQIBm6EefIr2MnpS4eyfNVo4OM7o9iRzPDc
-D60XJp28qRoTxej4dUhUeiwrlwl0RPg4b2PvKhl4KNEPyg3TyfF87NtgE+c85+BFopUpvPzOJ4/3
-DHjwloZGwUBIin5dTnmXk0WQpSurL7ipWRXlp6RAJ1wNWXBpUdeivOKpz4eCic0o6B10JHbNLasb
-Ievjzlhe/cLmuM0ye0rpYlz6sEWeCknuhzX2BjbCiUGlHVlHOXBHwY+MHocANaxeqDocgRts2IHz
-GJWkiMPjGSDzai3p2XHHmpMQE3ZluG2DVqV4chwWyrZl/SDhxLuaUwJgzLZVYeQ1zNkda/CvCHBo
-ERYQTkf4H7fhELQN2//y/7F3ZruNI9kW/aIocAoOr9Qs2bItD2nnC+GcOM9kcPj6u+jq7ltp181E
-3edGA40Cul2URDLixDl7r92vkylhETP6cm0PXJojZbOPW7dDuakPXyPc41WRFWDkW8D34O42TZzd
-mBXw/WgwXW5CXt209VLal0Z5yvSKh4mhVk92r25haefXiQOPMaXNDPdt1cV38NKlrv5dG1it1PKM
-SG3Wz2nQxedEjuFWTfRmnIFixheik6SKyW3LeHoFctxYSXNmRexoiKjZLh9RiHs3sxMU61FzGo6t
-xFn13OGEYVvTgOuyiwdVhQHZt0VxDOY+v2t71h4RsnoMHi89PTt+c6/st2aC0z4sVHw2A0P74ul9
-d2KKS0lc9rQC22zPsV/tkgi/ae6F4rpr4hszNtWzSJL2Zhqj7jpI5k9EYwwoknEWuBM0Q2vW5X72
-4hmlSp3fEJMY3Gbpi1MTtYCm7kcZLijiLn7kfX5qlBbuiUcnUjzM61WnmfAbJmStbIvhjsX9i5Bl
-7xsOm97imDyIOMqeCDkojrRovSctd9Ggazo52jO3tPpzkSXtBh8n92DL8W/wU5vMOPbtYgWmeOz3
-GFetZoeOxjdQeQx+13pJgYwmYzFLOGfWPCKJl68wXKSHYqg1jxwLZwFiEHW4nlQ9N35WmXGOtq3u
-NBS3Q71kCxmPbW7kx6E282PpdFqFdAUFqpm1ND51jLMZE/YRGNRpGgzywdl8aB9e27kzBJcaoQy8
-mDQhNsSKFe2YIfFMoksIu1LuEaX00n6ye9MxVxwHcCn6MwTaH+2URPRdVJp/ryTaaT0OncOIPIZm
-4OQ1yxBYamgZRtb1yV08cERQdd1tYTskTiQWAS+IpMIEp2fUWEyYel0h5NPbz26qpYjEx+x+SMwR
-i4huM8Omvke/WjmTOhZZkq4JTf9iuf2+ShI0oZOJUETiGzRs3i8WDnUnZSKudbMQ+AucHMq2ZUw7
-3lPD9MsEAWCfud3eqKGZjXXwmkYyJWzRSInVQqhGFhMB650xnnv2aGRHIdGJhWX0YuVl5nzmdQ2/
-hpmDiDfVW4G6ZfSoboU4xKPU3K0T5qxvls3ybYVUJxzYaMEPFm7ydcUX3qeIrZCBTVL9xj310Va6
-FMQErjJuwbj24RRYwU0lebRP91GeW8detfmP0iRbwB+6odVykr0prTISz7FAJnp3VjaVhZ5GuBR0
-yip8EK9sXMXRNZj5TQZHHYYI+HuyqZcni4yTq6JJGqQhrbfpVI3wpGNeuQ8XoqhJ5l65sZw8uIcz
-bb2aNt5U3+O/dq7QnTvMDyy3dDmhwMRx8vltDSwK4jjpIKfGb72+yzHjr0NZd/GSuZyoPMm4GGbn
-z4V5OxPU17datkcAwNprDOoaErTmgBehZmIMEp8nmAk4OmZqrNQjxpLFT546M0d8rXu/OzdjP/z4
-eWjYAIAD6/kBDumEhOGBU8v2Ta4/9RpSjZT9ZXDi1yLrL8HElv/rE9+HgzoPA7QtrqRzNsEC++4H
-sJTMQxQbe1VTkBbkxrFZU5oUDLpOwiIX5tfX+8inWC7oyMXcDlfsA22raCj2LDuFS+gS1+ezYpbr
-uKV5u8ar+NqBGN+kLc+azRzt9m0LHkjMsnf0yPUtdhaxIutUvhKApHYjeXP/9JztkXXtGhiIeEP4
-Xd79HkB7BhuKQLz3OG/vpAjLU2UNv3sHP3QsuAqNCki7ALRh2rw7D/ZxrwK7KOO9bVG52hAUwWTa
-3apm1E7TOyVNakqo3FG2qedf3wBj6RT8/MhTHyBFcBfi2UcS+aSnlmqyAQ5IO4QB0jw054KB6mea
-5fLUloOcbjxGXU+FNT2l3lT/EJUcNt2kSA7tyiKKl8Wu6fw6610T/UdFLWelzZ7iF5EnEvxvdaAH
-3UEEINT+7Lj8t1/9u361ReDxX270B6vyDQC3n9rUf/7Bv9rUrvbHGzWT4Sf6HdY61rl/2ZRd6w/a
-0NDo/rfh/J82NSN+JvI2LTwHHgJ/9p82ten+QdNLAzDPJJ8/p6vyD9rUHxYFVh4QolICYERe8qFd
-GAycvqJCyoMaF/ODkczphVo/OELkUCtzku0nRAHkRDZo13UgMkeX5JYXquHxURbI6uAWoEszUSaH
-I9XxX37Jv+ltv39b+XQLQxdtgmRNsN9zGDx4Z4E+eNYhURZq5chCZKpFxRXBNpyH6zhD9ktPZ0V+
-AFluv742u9D79xUqh6vjFLeZCdBtfLciBTgwKruP6wODoOe8RqPWD33sXS+bkb22K0kqkeYWNj+T
-7ZwQDcePOmrWz+MMJhIgK8nI1TyZxzCDcJRy7t91GSfATVOXNpkKbkXaWO/IQzDk3ZVembzNWmX5
-c8NWkHC61lcWJcJNZEzUjY6+jF7pUUMfB3+27nvU0EgOIkH6dWeTvE0n4wXBLu2jNmEs3boMHFtr
-ZgbIBhbBdsHfYBXKF3jQECbUnhcRBUyfAcmc9kk0DYz/1Hnox7nJ0IfWrIdYuoozSWrhRkRiAItP
-SNt+EjkJvGI2EQQw+/dnZyD6EApOtKqiIqJSHqfnInFzSXyKp1/JIQnWdjN1n9BnoPTGP4IHBOMD
-QkRugL13MSFuhyizdyNpzCuqQRh4bJ01JGKRwINEy7BOwlp7yUrNXpcMB5u1G43eZsBQEG+ViSXT
-j3mVLiMseo54ZC1lyIWj7kFHXkBbwxn6g+d6WbgujKK70ODHpqabA+06nAXaNtdTtF5F0KVmxVSz
-0sXGCmcTu1vDwCYMY4MzQ+QRN9zMjECrRFh7qQBE+JmFUGCQ8pkQHHcTSbu4Jc1n3JJ3ZKAgIMjM
-t5qOwwTyPH1LvlGzbXCb3tJbEruZJK5vNSCmbarFW6/DKsab6h3wjOeXGfuJiYq5T470OJI1jgHn
-NaKPsZ9zbd54WdXtJ+K9GYYbXTgTEm4QgFwra6TPVhftziWi80T26HhEERE8mYnR790hGipqYhl9
-twZN3eilPsolzDH/Dv8/LSm3KCtrGRf4ivQQOtSkZslO6TR2subdu49CkZhnbFC9rEhfzu3hXm9y
-bC1+TUQkhngzqMNVMgboNd2qS78VSYR3ffEtLcbc4VvKeVP3oQmjvvCrolLaEi7cxK+KqTyjhAKN
-9A3qksVOPpuHTDMT9Qx9hD1ukpgWZmF2jJ+8HumKgw+p+0rxtJgXEOOhj+ww021okBRi8+bzV5NO
-YEurOR1WUyXm+H4yy2nac2gz+pUIyC7zy6LJwzVCwBANqDcgME/pjhW+BxBtIe0RTDvXaJujuCuu
-GmLvq3WtmeVrSwbsAYZixqM+LnZ7WicXRo/LYohgxE/nuLhJcMWfaTBgr6PhytWa5bvRFZb3TTCj
-e69li/crUthSwCyjlW1ixacH/0+w8iJBjssByTPKw5dBLZm8nmTivo4GXmQUNv0o/F4b+y8AW3vt
-GqSq1M5eMJj9qoLu9tq02LnXjPbn7dtSjtCW38lalE24wFhHU9Gp8xgb81NGaNySDjmYM7TJMaCv
-N6/ZCfTpVfZ9o1VHV6HKr45piEKN52jSQzz1pT4P6rkIxywmtlbI4rWfupxHp5lbqvbZPtetzidW
-pSrFdui7GB8+3eNd7RrZzVREnGntksBM8ErJeEd+mXFjlSUvVhy42U0DzDRfFaFdEhI8ocblwNwZ
-vqa6KL/CsOhwgOIT8Oxi7DwU8Fgx4tTNSAycKYN+XbSN81moYph8fpzUW2UI0fR16dpoZ+mcuWAq
-a2d4KXVRniN78vK1a5OjESDZO4QGBpt0aMsvrd49mkiuDwpsoaTN7g13pJ+Y2VqkFkGvLu5sy1/U
-9YpwR3JBLJkEW73X0uvIVMHSy5mAN+BTfjBSAsJ8J+rlV6kKG363qUfo/lNGS6UgFw4H9hXZfOWJ
-CNLoqnfmhuy42sVTQfiFZBzRIEQRWXcgSWJ2fB4g8ZCyz5AJYHqLS7XGjarXuWOsIBS1rt+Tqptg
-o12U6MVgTqx+yk6aNet4uJKhtLZjwILf5qjM3/bR/xaOvyscdX3Rav/fwlGkssCUX3+Wjv75R/8u
-Ho0/oKxwOkT+Cd4KOPZ/ikdP+8MC2uEhHKU8kT9JR90/gA1DSaF8hOkMhf4/xaOl/0E1RQTCMvPm
-tEUu1z8pHt+dmRmJ6qZpYUKFpmQBHX53mKpHgfM+a/VTgRMGVZUK2Qf2jWS8gxuvgPFYRhOBmkmq
-i4FGJYELuB+jClePV8lXh2XO0LGEgyMfAYXaM1knZHhYySk0aqRIeFJ5JtnKkJ/+5Zf+m8Jy+WR/
-OYoZnOQRMPDTwkd/qy1/Pny7bT9ksAObE67A8aJHhVhRprDBKEfDmTAxz/j1BWkhfLgksStLdwFB
-iM3dfCdqEHFmVqIvw5Nte1dl5xArnCl6RDtgwNQ2flqLeq+zxr54Q+3V46q3lGPtPZsT61aGiwgt
-cADZ+LMiLMYv7IDpl0Hld+sWMTCIsuhp0y+GHzRh3YwKrihPSbuE2DCJo9dDiYMYs27qfF5JAtqo
-AYeC31rYarxkMy0lZJTytSuqsvWTetkZPIZI4aZxgqVVLAPd8MlIZ5Zkc0doiXZt32/BSk7Xkw1K
-ptFNHoLBpEnQmDRtJkt4JOh0lX5uXKZPKydEXLnB/TeEG0Zx460WWRmkiSg0HnT8bbMfO+2yCjW4
-h0U0jbehPfAxRiN2xw3Av+rFUAO5mXZp1NHNGOV8IvZo80B7JhofG9hEUGVrgbnASCK9hZyGlOWM
-vtkRW9uZ7OrZwE0UHbum5fkL22xmTyYC8jI3hfFAsJYxfqpcfRSfTaPjl/tTqIYiFeVgU8HpWSlS
-y2aiSrEE0/FVfNqqT/l0RqLoxI1zjQtVUOZFi3uTOXBJVDmSPeAJ8RIHJl8Tzv5P/USnWvUNf44p
-jjZ4TZwChFf+1Vpb8yPFk8VdsC00Us8ReJpqb81anm/4HdnXZcw+DQolY/o0SjwI99NcclvVkuh2
-gvCYRcd5uSXO8uN4BMxy/8hnPXm1YCIWZ51wVqSsDtdRSFa2cDVoD4w1x/1izXbxfcY6URLNxEuY
-wRWhLQw53VmXysg2QFXCdSZrfYEKjNMDXpTuTNuCjnqekBiO2aaHipJ08nqaQvtJKEc/D6rKbomB
-D18NRlp7FAeWu4qNwnktwlR9qkwtGXGs8shGAz4WhVjaXUXJ0onNMyLkj8ZoSwzFpeM9CSDP3Z0R
-zwIJsXJ4bFTj8PMOcW43N1o3SpCBMhQFiMu+NnVipC03mk1mPZYwvjJn596hfraGH1My9dUL/5gn
-P2AIj5c41xhM2WD2VmXIM9Ji4OpXzDv0BwBR3J4sFbXti2Dg3uIKzhh+O2X1wi/Dy+UkBM3v0qoc
-gm2riap9pmobLy5LfLMRiIbHfWxUKE9TjFAnCQal8oOxZUqjEibNSWCMt5Yp631PzvN4ZRY9P71T
-9lyF0WYyE4bRMtCF8cXv4niLO7+XdEYRThvNQzrPQjwJqoX6qjMa0dxOI4CJbUYjdXhEnTt5jxz1
-8vQSqAT3O6VTzQjbNA+zWprB85TzWzIJWPT1GkUuk92QHwLxUrNHSglwy2JVIUu8hhG2enuQ01Fw
-40oAGajB1fJSdA3ON38c8HyzmJfGQ9wL8EnIliL7eczc3rhJAkp13KR6Wn51zEGn6HJRiLhZzjVF
-Gibj3gnCJvnc6A2Ocl/20F7MwO3STw0rhB7Bx5llc1PmRWG7NMVE4G2cLBTNxkhBo6Li1pJjWzvc
-c47c+jnpZnP85PZBnX6XTmEYTA6nOgw2ucYh7iZn/5lrDAiYwg9BYbg5+IHS1rRDZJhMdsjSQpUh
-wLLDY5o5wcahey6gJz5L1QcM3/V7B77/sNLzsn+EqCU2eJuiNQ9GuzL7MDqYmReskVPEqZ/HgFN1
-U5/kOnJyuWdeZy849KQWMeIHmuJbi7FNQVldTUHBIlMeqsrVnlpZGSsz1z4LBnR+V+AuTKcCMW00
-jO6eEO7wS9YGzvcxNAN4OU1xQ+jsVT809bRJs2a8I8E1/CxNVWxyNinO0a15Qa1VfNatKN8ahcaQ
-0Jk5tmud09x64ZSSu5FyHDRIN7+OqzB7NJLW8T2t7baz6BjcqBHOfIPHGrVSdaOyOb+SzKU2PVbk
-O5b16nPi9dG9srLbwdHGZNcgqN3WE8m9Gg3LnYrL+D5s7eyREI825GhcQO9gA1tnaT0fM+GlW2Bw
-sa9IRFucyszcYmWWD2w61XMh8ypaJzOtDTfWyk+RbS8/Lcm9vmvLvljZTj+eK3s0/ZD5GcH1Tvsj
-bpxmnfWWtTeWjJcBy/1Zhq1jrSNNFmSPT5QD67YxFGP0vNy5WT0t8iizPDjRaGxDqd8lQVntNPCc
-a5KIq2cct8wMgUvZh4I5itpMudOf684K7r0qsneindOtFNB7iRScXdigtn0WUVefWLCnPVDs6TAI
-zv1zlw6bqW2aVQcfYVX3U4KhurUfVKzmb5qWJSe6GPOpKRov+2daPkoiFyAGKGXwfkTTvC/mpjy0
-Oq/prCNWa/YwBwN0zOJPKxkiARNHRmb81Urkin/WmPeO+1+XSB+qycXSxH/exiEmY4qfa7K6zBG5
-L63HsauYwiEbX2mDyS7IURESLY7bU8Ay85urvpP38bUdFMRkdS1AwyX85+erWsEcOdEgvSMnpuoF
-dhkrU9UZFDm//nbvhGhv18HJR1QTrcxFr/vzdVRU2n3roSi36BGwqGsNm8bCSZBjwIr1zy+2iBX5
-OenrfuCc6iwiIqQKpVmL2KFc/OxvylYR995vWrQfK2nGSS6/G08P0N73EtA69JyK3gdh4Pakn4vF
-Jy0hczNA7spTu6Cjf/3V/uZ6OgchOt8gP4E6vpNj6m7JupHl8jiPUfD05x5YRBpbFsYeyqE2Jt34
-Nz/nx2cE+Zbka2rgzPHJvbtmWVi1NmZgTvo+XiKNcTq/+Tl+/c3+9ioOsTQ0uiUYz3fPfxYYQxHE
-rX0M8dLT2cO97ri/5Vv/3VU4ULpSLoLdD6JMuzONWgq+y5tk147R/UAk+H/cJUm2FShSTjsLl/Tn
-pz2t0fRVcJuORgBfASoy90RNEEE3aIH1c1eNav7Nke7j8sGazsvM1yKVhsv+fMkiVsE0ZLZ1FGVg
-P+uwCBDVKUqRnhSFTQECwvDtdmbx+vVt+/hiAy9mUEPAJeFQHx5IMvFiba6kAQaTlyugxXXqbJTW
-c4KR6NeX+puvyMOBJp4aHOPn+7XKoXXEpXIDYMBiUc/18jS3TGMya5EtLCe4cXlqfn3Rv/t+5BYw
-CNEkOl7z3QKpwJiY2Nj0Y4YNdF/kaF0zzY12HHR++6K9jV9/Ppd7dCfoKFqO57gf37RFLKfxOqOx
-a2EMJHouB186Wnap1NycS8iaSF4myuRxoK5DsTW1Z1WDUtsifLI4XJTIzIDOfCMRwKTqnAtUm25q
-V7+LcPu4DmGiM/H0sppjF3nvUShiOcTww3jCc4btqziASpGMgu2K9D0etcSjrP/1ndA/vrtL/B51
-JTNsDBLvxcxhRr8kYIs5CldQ646uyfmBmHowZ43OjhVVwfK8J7F+rvusfoHMgA3KjL3xUrdGne3q
-sJ/rLVUS6AKAQ9H61x/w734TVkqeFcKaNUaeP7+CWg28Vrm89fnsUnRrMvmsh0gsSWAtYlAP2u/a
-OB+eTRvNAG8DrRweUev9Beu4XYr+aT4qK7BeW6BO9Djrgsd0XHQxv/52f3cx+kbk2JLqyXbw7tuh
-wfUIDfOm44jJ7DYpwHACp+KUI7WKU9KvL/bhVvPN8IVbumYutdj7WKE8FXrVBtp0tAPJwTKMO54s
-XkROib++kLEIbX565Zhs4rJhR+DL2fTFfr5pGfmyo105Axt4E7W3Gmc4xiJu25EtRERLe6oS7HGM
-w+DaREOEXCurHLNBhLBsg2U9XqI4pU8gBg5LqMRgLc0OwkNN2LSy6HqZW40EXo7ndcrheEBnc9sV
-MA/zf7oQ28ukHX0V+xquofeVSFyAZXXytj0aM8LDAXnLCbhTvAu16R8XPVyKZwD3PSpQfPjvHgVQ
-G0anRog3DT40KDIJ359YN29D+Gt5sorxt/3DZff6y12y2Nbw2PDqox7Bufb+LhVzbup1I62jXY/W
-d6IK1bGxAu/prSFiOy1dnXrO5GM5jsZvNgDj/SNiLe4exu8mV17Ea4sa4a8mCitDmYpAOjnqwGfz
-GV6ki518N8EiMY0VogD3C3y71GLAg0rw7IVoaAuzCeO90U1IcBk9TBetz+kizunSr6kbZ6nre0QF
-jI95jprcbhPAk3p863STKPg3DbHcewjJ0RemrlneyaRFHLo8XplgM9hNXaNXR9VMVesD3Blv5TDS
-GmsDVH+nlMYRo91ahUuAAtrBa6mJtFlreprfDXQbzo3did1oxfZtOeli3pUOk3O62CBhNQdS6RVt
-aa1YtY7sPT+ymuoKmy1AVycjJG5dkhHCAXqOj6Deljl9JnsobXpUA8rt61h29L41BR3YnJPFjpcR
-uD1DwtMz/dvQuClNcQEWbuWN1dIMhcsZ3app5J8dUWNCsEtalGi9GdDvSV7lUFLUM//rXDNxfCs+
-VRrQefGypa6pK961qMgkjPKihcWa6uHiicLe76WH0BXjpRrx894iL8/KqzSsVXfXotrO1+jAebtL
-Pa/SSzmjQ2YM2un1Fu3aeEmJ974KbbtML6hH228jgr2ZDm8i5++mXeDxbWp9aUUNGbcZ4hl/yFeX
-rxIMyXxf4YhDVGYk1pVaGKN0NEDBkv3dpeMWlzGXpw9C56qbIxrhbj7Z5gbXCf9GPMYBUv7BLA71
-mPTifixjLl2nM7uWp6H3rP0oM1vjphiU7C56LKJ2nfK4RLccFwG36ZMD+RPfh3VQqmmdFCqKEquZ
-iTPgKoMlXM4hT1BRKI64hjPEzpWlkJscIlhnAfuqjg66bDJ6WuAQ2nk3ZhwhfWSWdBmRKo7Ng17I
-JgM/J3nAyGyxjbOIG/aGtzqAnj1PHxw3Wg2RjXzrCOoFsmNAI8St6baV4w+vm4Nbd4YG/2cLTmY9
-H8aMRv3BSgz5GgdRFGzavsXQ9+drZS9eC215ZwYHFP1rQVRnQ3OeiG591CPkc+yK9croUMSuGlvy
-FNWuvbgUMsnvarRLz9xM2v4LrrZBbUccLTABltEMmqPXQJpLIRFa1HZu6WAP0pOlE9vQnvcrxqd7
-iIp04N+2P8fuaTJG9K6cK+kwj/CRMYzJFi6N1p4QiPOa5pVg0pBNFj8sU1LL3CaeEcZ3bVHzQXSN
-3sm2yoz2Usx6PX7uR8cUMHkdmaYXtySX91qOmf5gJ0lhrXoo+NN3VzDJ2GA0NKy7Sa/oAkcTtbHJ
-+zc4OfsxYwBgIRHdAp4Vi2kOfh6rM51PFOZph5en6aCL+lmsKuAfQYDCdMUSLpNj1rR066eMpuSW
-Dtrs0hHApnDMNW2k1UaHvFt0LTN28uHPHf+/c9Lfzkl5a/5Ss3wQ2F3HRfG9LbvXn1R2KIb5q38P
-Skn8cBdCFuPQxfX6lzAQz/ljsXVrtvs2C32bof7bDO79QVQGgkyLlgxHN4dN999mcJMIEY8Qak51
-kKz4N/+jQSkK1p/3bw38D2gdh+4aH1Az9HcVg4meNCf/UDsVmiijugc5aYs1yMwANLs+VpvUMmGH
-Taaqmu0oaOts7Kozv49jhmQqR0fCnGlqr6GoWV6JHQ+XxThnlvWke1RX66HVv4SuET7mSMpWcWjL
-TwpC5zU88+52Jnco2MZlQp5uiUfmOhz4H1fKBleyA85CVj0KpZOToDXBhHiXNZ35RQzArU9Mo0bw
-87bRXakE+vmjmQa9c9XO9QzYNbOHHnV/bvbfkrfhrdGOzMZKzYdItp0nmMUISaa12WgmFkSzf8EG
-NDBr6onJuE7BbCy1QO5U25R7ew8OP0dNZ2BV21RZgJwumlCWMf+aV02c0F5FrAdEsynre9vqjUPr
-dNHOGJNvGXX5JnbiJeajRl2iaOvvEiN+mGDg3doJE8w9/xfzGuR0kJNqAMmvI/i38bG0mZtOF69A
-f0bf1ZJ8AJrqsFFAXt/UHP3x2YC1W9MnrOVm5ph50bVMXiuPeZTe9Y5+6D2v5tQ/e8HTnLvOfeXI
-4KHpJsOFG9KZYp20lcxgNFqszE4TJM8KyNxGmIazSvEK8BtUyq/7sTjaXpmdusphEN7nQ7xUNgGz
-4WkaTl3fhe5KhFW0cWJ7vtRFaMXaLgiZzqQ6mPeuoVtkdAMQmGEu1jSPFDqfoE627hQEe6vMjedq
-NsGuzq2YH7zMySwfNpET7y2hudlT3JDd+xiS+At+o2ePHcVmACHftjtmI5PWHqJQIgzLkwxgx2vY
-QsLjzoGakTLzNtByVkZdWecZ+8tm1AL8n9j5DvSuL24U2Btg5liJ0nJIVrEEX26V6Hoi2+tw4sGC
-8zOkXbHfSgPK/xwoUOBu5RfCeUhHMOfSOIR9cy0nF2HPgN4tLpH5zPUKrNwOHGkAD6rYFlSmj0JE
-dyPaWr/hMlt8bZ2Pw/ZF14Z5ywgh2AbwYOimt4caPPMGTHZyVedCO1TSSrddUBvHBRwDakdvgc/g
-xsqtMT5atJK2g1sCMAcVctBqXk3DzoxHbzI+F51LfIAeOn4SdQI7U6K2SBW77kgSUXKgKvvSUE0c
-m9gKTzWTifWMjm8DyHzH+GzVWlW/teaK30eQTZCLYhXWwhN4bJJoBWjou5zrZ5y0EPmZPkBd0IB8
-Wg08d0AXEKv7KVx0sQR4kgyzg+1338Wi9fUyRmxnSORITaLf8umTUyIn0TB47KoDAo/+O9jICUGl
-yY/Dy7avkWphXAPsEs4k7dQ1jid5X5vZJQVHNOsBdWmvEZAyP8R2B2in9Y5OOFxaDw7lnBtr0Pib
-MOHXD9GEusp6bOt6507jdWKIEfVaP26bKus2KphJTwusJxtLmz8UebvW8+x7ZmkN4MzBxosd9fex
-ICCz1vWV18HBBLPHIhi711aFUTLJRyZJrqf7hI5adxrpFZt8bAqGo2rg2arI6+N+2DvqnnYlUHDu
-3Sb7OjvkflHke0eb5fLYN0zMxsBMzpHXJTAeSSLjrdDvwqi+U1ByhMuXmsviPLpW8potq1naB06F
-eb0Vp6oyrEts1PaxrDpEsIiAt9VYeRjcomdNtJQzxvgj6nJ9HzotR5S4znx41sQxM7g8YncAlMWy
-fteZaDOBtnuHNHEugd3cMQbXtiwT7qlMxOCs2tTuPrGu9GtDOYHyK7NLzug61aru0m6ncaO2Wln3
-TLRkdAE55V03o4a6QXRrK8lf4DEbK0ZyWPXybUGSjj8mlePPRXtp7YLVZYGP9Vqyhadv8vFK6zWy
-YhjgEbtDHazw13q7OOkeMsyrWyOfg/shHa4r6D+rUe+SR2QtjxKyuZ8J9drO3rMdEurQS5vnuK8I
-tsmIlTCGLfzWQwm4xzOSgF+xts4GatPd4DZfCznJjUQ6uNc646EKnHRRizJIyKNMnWQ9aOdINy+9
-V11lbfRkpwZIafCNWmkh8IO8itd6UXEyerXkKl3W0kq4t25r7to4GS8jt24B0hEAzzLqfk6DUH/O
-ECKvG9PhVRNQxwxHXeNn26g6PXI67rZS1cYJCazr16qKGZt7ZbRKp8zdYR+cD1HZ7bsqOao4SFF5
-a/Eq9ETFqFJs2cyyFag4nE2YzDgWWr311RLcL7S9wj1Ps2bdRflC53Wa+jrrMSJPgyo3RNZEX6rR
-tlaD0V+Ncc2eMGSPuqX2BcEZnprZWBMPf3fT3Sv6oDAV8q9qLPaeOz0nTpptFN8H4UCZokV04pOa
-FrUqBDgLsqWxCqWczyOsZMDqQV2te05hJxnLcDsJc/LbPjRfgrKvLnSPUsBzDGcrJOKsTCo3i9tQ
-KIx0ZQM/u2Nfqwhw2k+lTNa6rlfboq/6KwPQNSoPg8NLr5E/YIpHdOTL9gw9v7Q9X7jyPECAeUKs
-UdxoYaXGtQVlCovXNCf9pYChdfDadD6OynyEZld9IWlchPsgRxuxlc5gttDpdKLnLasERc4+a2xU
-533NhbrVIwdrozV0l1YWt0MhBAdIcZdPUX8D5OVT25jNFiVmeSTr5pPbEuY6xunREIhfaFyqtQEg
-/zPLq7UfMDm+JrPebNBBNQdzFMYmKVW0s2Hr+q5bpascFShcBfXihej9C80V1yFqpSfIBINPJKv7
-w+7JpEE2bfgyMrPX0nXA+w0CIUnvvpipBEjn5s4TDOB4LQIbnJ4TJQ/QwjX0FDRPPYeISdOE1zBa
-y0vEDUt8MkYgFTP/5r3m44WcYDZ58g3I2JdJE87FQ1D9yWzVRmMSf4ZlIPGrsmU7SaVjc4wbK+JQ
-3Fh+pTXZCV9eCb25x4bQFuG1bmT7LgUvSOoApNveKy+II2oyBNyovyPQx93Pjl1/AtO2L7tpfFDA
-DLa6F3vxyiM85Ar62rc6db+yOmdANmxvzRmuf4xRptuF6e0qD6O2ROS1wbfOBsHhGgYY0OtIGrRf
-RJkYKC2Iii8NWV8lejv7WddOV7k1ePsB8TpRHfXXLMz1VY/8mCCLSun3LJAtgrHezFzf7rAW7Kwi
-RFeRWymbVyuKl5rJ4SmEuLjNqAWfFiv2hDc3cxc36mTe55Gpf6GhYn+x4oLAmrkLPT+IEPHSNt/Q
-90q3BhwEtE5YqQFaHJ1+FpCrsaKaxk3AQcXkvS2wchyB869zKg9IALEK8UcEOn3JU4NGYpvmKrz3
-ELQ3+jWF1iqHa994MwaA4RtjLHvX6vUXmijQNZiZYe4PF4FKafjzKD28B9qOO3eUidX5HqfZdVaW
-Cfj6/rPqLCzsc9X7BSF4a5nhUG+Cmj0wLQmuK+BPB1Xno3XL9iZiAz9qEuy72rAJGvOcRImJVMhu
-djhg3P9h78x2I0fSLP0q8wJMGHfy1ul0l7vLtYUUIcUNISkiuBh30kgan74/RlcNMrNnalBA38xg
-gCqgEpURki80+5dzvnPJswopIWpr/OwhUrPsUE5d/0TWqXMU5ocqM4omNBFxUSUvTJ6qXdlZ+wRw
-IBiKtt0Pbo8duUiQFug69juyhWu+e1W/DDuWa2bUGHULK2jaozHqOFJyd4eIEgJmBx9mldn3ORxv
-PYr8gwh4mwlreMEH28QguFAH5dVl9rDdF2aAkG6hPETfBio39VvuxbI5NY3zFCIwORJo8lnW6gVl
-DWlp3vo4VvQq1uiChEYLSarMuG8dne3s1u2vRr9MMMYN6yuLN/TXZVW9LOPAEAWoOFx8w2FB1RPA
-0aAPyViq7qyiYbpWrS9QO1BFodWK8ibJf8geGt3ir8AJ+KYvpbfTwiGFbgmSF98sb+EFOPhsQJio
-rv5FAQzvOxuAVK5NlBnS4iOdkDsOGVHEqnrpnSLflxBGDmBqwtghv53CO3B32ijKKwluWya9rA6E
-ZHZ3XpB8iKFP96FcMHPOcnnsNHLIcPDMSJeQHxcTx61oi7t60eoOj0ZUNd0crUO/zU2EvsP6fjbM
-QGCob+zInybkIaE/37L5/dHQcxB59GYF63vaekffHNQtra7mzZCoa9ZTEsgpRpl2LLNfRtDBGfQG
-cWsORXvTyf6hyzebTcYRmXVBhH5AHNqWFhdBnX0kQPBoNa7JxKq4AJ7mEi0ErJLgBeg2ccD5+r74
-6jNR6UfTSL4/jf2oxqvfJC/NtI5Qx+v0u2GQ+qHAycM1X6PU9m/XMHgNWmgPYdgcJRfkjgw1kvSg
-xe+MWpi3jtM+FjMVmjEUIhrVSsaRJHMFSEODH2g1Hgj4mYKdrJaVa6FIeLncBh3CmDY76CAYTj3f
-4O+6z37aEretneA+yGxrwCzkwGwB719hZyqqhkBgs7rj2iLxfWnskiKvge5BWGL9OCOtvJmMpdtg
-KvJY5EbaR60FUDRqIHm8WbOJVI8BKI1O273MCofAREDLicpankI/q49OWDuHVq/pBa6Nd+hr9Ywt
-A1V1E96HgSoe6twwf7n5oC5rlntncsn6G6vU8qxIwjq4s9M/OzXO/aC33unji6usHZr8VNxj4Z7A
-1Dfprc3ULlKo2K+MjQmsWpflaDfgioqJjmki9vAwstnYk3xLEVCj+6qhqKZoB0HZsLPLhzHdM98w
-WHEJ0gkVEuO2sGMrK5N7D6kwQcT6g3i4cFdZPsLdkneMwvZaq7K+6Qt9cvsJ6eI83SHBo7QYMsSo
-MvyOCT3fd4GP9rPKEOa2bk0p1K/7WfLXDyGoDJ6d1Fso+ej8DwQf10wHLBgHzDEzYu1O1I4nv6pR
-a5fVdNiCjGNOdM1H79ZxCZyowDNNQxU8KVxhR9phpi72UrxNEocdeFD8H1zX3ES434iIHMILXrxg
-18qCFJzEd3dKVpHB2BsfjdXBpxkExuQyvxmkY0Z93xY71ITiMspuPA+N/atbyfBDCbXb+gtrze9M
-Tvd4Ie7lAQfQZW0kaSShJH+zLOfIQFm2uWvGvUTTfZmd4iG3EDjKprqmnv+1CcLhSI3dRUvL139Y
-lkNtimM6M/MoR5d+xs30FnvFX4V4E/Hj+HNtWtSE41Uzw9/1OmHKbaML7ui1LLuOKqIXdvOY8fII
-dyDSIUJfzKnsiuQma0o04bJ1KVz0eeZJjdQWhSXUyBnpmj2hfdPH5BcfgOJPgdM9LKivT/mgrT1t
-5IUj+ish4fXBUUtMu8U3mUl/NE4DEAczF3erqaxjsMyMUlYuXua+KLfNJzAvp6BQ8Tp5MiLxqsaN
-la31t84xGJ3M8xwcLObMnJ1Plk41r2gaMW3OdF/BDJqMlnA0BGHRpHkwFdibST6fMzy1O9epP+qx
-CR+L1OCDDNxjN3fZHtXh+oKq4sFfQ/IfW9Mir0UcxsH1cQT2BQHnDcT4DaFMTq1fPFdJ9jMwu7th
-tS4y8N6BgjMZfx/N6qjG4Fc/6ZZWNwfYYq5FNFThvivqyCzaYo8l/1c79jIqDfk964ws7rbx/8bK
-kVbTMFgJmJesRYj/EczxLjNXSheYO1BQH/qMAzoaVO8tSH0d/56wC+tsUNe3SGtLNP8TjfnU6Z5/
-iZsc0TveQNF2cT0sdb/PRp/dvneBrXqBEhV5eFcpxmSpDkxyUOGUysUJZ/odN7TuFPiptT86EF1C
-DKZOf8rLjiUIpxrg2MHs3YryuINgslCVj88GqI7hUAUoPg+9IeceQHnGuM2jT9AcH5aCBOWEZkdy
-Eu+Rm7TMHYjIEdimAudjkIsvR8BN4cDU4j9Xzv/dM/v/m3D32473X0/jhyHnP22b/3Ue//vP/XMe
-jwVJIMtgDu5uCNQ/G5ewIP1mslroK/4xiLf5n/8YvNviD5xJiPtCC02h57v/lr3971vz0N3m7Xid
-8MmjbPV5ZX9eXCsxBtk4ZSk7xHq9ii2tzi42R4lThmzMRZr1nwCous/WxJL5p7flf2UxCv4mh0GL
-4OKuB5vi2XaIeupvP51xdOfKdpAnYMPr1U9JhSLyh+dyrRDcuWMmbsbOBXSGX4dL0CQax9lNW8Jz
-Qy/7spJVSTGcbqGFHOmYUkNTs9iUCfInpojECWsDsUUr+9UiBjFX6yXJfa14LlsrtjEBXUOf1DN+
-Sw5YjXte3mH2n34SQ8imvMux9PeZjaG0QCLyhDXEJ1mT/JdgnllIbilWrU3esI+65ty4m+Xeqwky
-4tfEG5vMdftuh/V6QCBK1AsstZNGsMxlkznU8zelblPVfzFBThnngArPpD7lU/oxQQb3DnPoU1mL
-KUnzuFLp0nPNZYb7lokQZtSWGAT2vBltlv+7mXp6fugsX2U7Pw3m9G4NjSw4NBID6tOcCg+Niayw
-X+ZpBePHGpib7Y1M2O7JdLZ/MzWz0H9detnWR0anKGoIwXN3ns44NRNzwNJizsFqB0DgPDPNSdPy
-EuHjl6rTj2rV6f3k6yZuSIRiQu3rrt0xrwpeV7WMBifyvMSsvEmJ9db9yD9t23+iaopuuvMpWYdI
-itS+KdFY0ANAopwT8Hx9+biZ0o9VXwmiNQNWySGkhSkoogm13aWnIumcrn3o8HfwhWl94h8VBl1D
-h8nj5OnlhYtUvopMy51f4r23sd5EhDC4P416KZ5Q8YBuDJduX4dGeMCSnJ9GQhHfCpfRzcyWdJ/7
-fX3Kw3o8OwloGNMs4T8U8nFakOKjAk/9CN7V0TBnj+KjPi2hfiZIawI4H4bDh7ulX1Uk2u0XuvST
-TD1Yl/NYXdDsMTrHWBNhySqpxond6gwzO6ZLE356qWQG2id98TBh53lPJ65+ChCNc1kHXE5Y140z
-mXH8KS1q8dgPzMnnDtSwbZXPhdFabx4BLGlE1OJnDinjqxfwUDmwRQ+UE/h2aa0Zki9E4NnzzyQZ
-gveV6WUcto3Q5GGn4zsjxphMg/7GzGZnJ9v5MjmZe1/COTvY0wq3ygOddNOzDD9hAPKuBN6ab4ul
-gjvTr8nftWYMuIUkA8zRIR1GMzwPOPzu7dltbqRd2ZcZE9sdzhn2amnrPsKXMu/U1BavXZ0Vb3yi
-5XFZlH1RzVreqLpu7+TqlJ8t1LYkSvrUP+e9vT507jjRVCHwxCFjTrukDXwqmpFlt2EwtjfsJb8G
-urcfw1VgJ555JG7KpU9YHwR5fq5pfO8VQ5Hbqbfzb8g4NvaCnsW1lVN+HTPZPSu4V1/y3GvPuLTq
-2CBU/o2JavG1n7zxMrpNiCVd+cVZrP5qHcwqqx7QTCenFiLlcVxFii4oDA59N7m/3Am+HqIm/W0p
-SBFjGHqqZVsReJhcsT4R16gysZt/r9Dq9GSF7UW7QjNWtSmMHfVD1TMyBVmXNwK13a526dZMcyCu
-B1bBwcrEsl8Xr/sgXEhdRDfnh9KBY+bVzvxYNLS9mQz0TdMr+xFZsH5VIC8/cTBOj7whyf2CEuUb
-WwATpt+M3XsYx31TLQWBwk5xbJ3CY+KiGvnS5gg8+Nh5Woy5O4S+bH8Qpjoe16BierEkwo4Xb3GI
-3OvHByAdcLomdCxsR6AbBLTyv1YrY40j8GvyVaaRYuDxTIbedIUL+9Ayq7yzGit9tQKe/9UNu8NC
-lPi0EzoXVy+X4hqOMiQ4obIe9TIpLopB4yBtNhZkudyXnWrJk+VBRZ6egmtjyFxFyTxSNCMDOrcN
-LQ1mAOidyq6vqmNU5NscNUxc8X4ierA6x/ziaRZsEfEBSTR0nv7Ee7fQqxpBn1PwFsXNAOvyg20l
-i71CnrlLEDt3jfW9oGU/EfuAupTQkWezL4anFIT+HdovhmkEhyKM0rJ7GWoVMm721+tEYfreNoo1
-sWnOT2XeMFHk6fFv63nWP8jDLHSESAlEZu3OZyOtpmMymNPdNPb22Sqtze/TdV9n0I8Pi0v/oYkl
-PtrEqDxys7VvXqiaj2Cs/V8asRHLlnHAaBmmP5h+FDH+NGZ5gDBnYHwXvQzuHsD8yLCR3zMKjYFO
-wZTFvBNDOb238ARLnJX4WgnfMtCIZE73NVH1GDc+3qzArfIkcr1C/qod9E9DOHXfgrT2vNhp0urD
-TtPgWHdLclVmElymoAYaAmPllIUBY3EJ2FBb3G9M88bybnREeA87ZbhK0jtiFZAW0jUGWMURnUvh
-SOblpU8nO9XqWwClF5Ans2XWhwZ7+sGe1WObDsHtaoT6p7BVqTaY6Iay4D2+lPNoPGdASt6AwXH0
-SBY81NxGUW+Hdgs/cE2SeBRBQ4xfbd/l7HA5loATywDWA7gPNzj6IwM6vhNzDnYwNPABm1kTwWQI
-3iXy9IPI7XcMKM3VSGv3S8AwHJnPYt/OY+hwDGrrAfGciAgnu24fIMYb2zyuID0mXed7goOtK/zK
-AvICMK4+q8Hxp5b94gfjFC++wRi5a9yj4RUMMVEHx2gRLexi+bA3GrvFCiyGR5+M888x68uRPPN2
-3at5Cr+YLqKEuhusg0DP9Ax5OXPoVVvnQSYd4XTWtISPZUrWO7LRJpqFfRsk/czHXjkCJQUjWscD
-pjJa5MfkRvcTyqc1QjhkFJ2MnX/D8quNhnLQUZ3o4aElb+hB6ra7AXFt3Sw2wweC6IxontdwPSZm
-73+jFrCeFzssoB66ZA4HlaHeqiZwD4lsX92u9GOjCB9tiyBXXp8YqTsgOkNHnJmlFGMBFLLtjZNX
-WwMGa0a2CZd2t37mbV/Bsyf++mypZe82XG+aERZfTYd2qpDuQ0JtejBzLmtF6mPBZhuUxt7uVuoP
-1BDqzk7Jf4Hg+7UWfXWPJ5fInIR11ZH7rj5MkAyZENCWGbB3bqymDO5901+4Ffz8jQLNY9pcMFDv
-dHKj2iJhiy1Da+ebvSlPbpmaEd9sjIFNi04BylDhYotqKF+nAccird6T1/fZbl7t+eQJjZ+RYEGe
-E4TKfDlCn7HqmjH9lNZRCo4VxDcU0wuVak2Urpi/TKJMX4RsyhfHogZ0ECw4Eauu7r6VY3hZpUe1
-krrJSfgtOhbSgmy0Fg03GOPq5AQrjkkRdsriXIxIPFjnmbmixAybG/rOdPhpw7weQnyYqOmRKthd
-cJtMhNyhEuvPbsn2GLu8fWVAq+/CjiFwKH/HQXXLOavnNU4p/F9XJuyF4z2nHrRPZeV3eAtMXqVz
-rqRvfs8RITNjKcuoS5BT7PwKd8s6WSdt+PVumjN73ymSHVt7fe8zzdjEeAxaholhNnn7EmM8Y3S2
-Q81Yz0dhG0BpAboutAiXvDSruCzSFz4W+6DgH0Z0yWpvlxQ3RpmTVprb18F13syBpegyjYrkVlnu
-pQyYQ1Ylb0w1s4eoGE2gz2p3KAbrM1tzm/1fcMjSWp9Zetxn2rG+2j2W1YhYoyoSHlFiJl6raDUW
-3PSScKG10fT/ToXpCbbgmhf2mzashaEnoogKanSYuP49kV0yar0avSVfv3dj8GP8+8kzLALvpoX3
-fGZ4Lq5ZVeb7KZ2daA16rrkhI9qr9bFeDuMaoax3ybRR865txvSuxkd/CGWh713BiyuCMs7XsaJP
-aPuRQSQqj3/dGv7XttSzEH2wN4SdEdAf/rUtzRJGFxCo8lNRDbR1xuKzGlkDTmmXMO0vjqjpSKml
-aq5sUjT/9Q//m42BrhSinLCszZtFMtvGKPlzT4ySjC3M2uYnc2n6z7XoCRPNywy8byif/vWP+puJ
-YftRhIPz3637/a/ewBwllgekgR/VWuTa84xoPOE6bX7+65/zmwP3Z3X89oMQ44cMHICieH9PeJTw
-nFDC+OlJtcysMRE5J0/B7SnrfHzoeolVYwoztvLaqd7bjfXJqQLPyYDxRnPNXq+Of/9K/92Tof/n
-4hIhd27Gxf899ebbz2H8HyjJYI7kf1F0/uNP/mOC5Pt/YJbFaYOxDnWms8H3/slNtP7wXAvPKV/e
-LabnT4MkR/zhIUYA1wfdhnjEbeDzz8GS/8dm2RD07Bi3NjjOv6PoJDmUx+TPXzmeWoZKyCYgOP4W
-nf71MUq1g+a9wNo/4PW+EEjuopey2uGCvs5hOTdicCDvuHqy0RJirka0nS9s7YQ538isN4o4QUiJ
-4T3sv4BnM3YhjICveTCWR9qFlNUWy/ZLs7jdQXnVKLmRM/c0JIhEDkSSJDBcDGf2iN92oY9RF3r7
-KSRuzG2r5aZLnHMdSAWxT6dA06sgfTHrIUzIxO2TKPSK13Cev5pDmXg7JxkYNo3TGvGS9AHNitiP
-4MEeU/brZ7ijMOCXegBEmhjlxImddE+u7vJb/ojZ7nvhT8e2MR7zpC0GEs9Jye3tjmSuWde7ZbDF
-t7Xvpwt3q35OWm0fdD9kD3DM6LHCdXvliImG2Kq8fJ9jkwDUAhRrl826+pJmrnuw7IWEvIH/2xed
-eQnN/KWRjbtLqQivgaMPwVRSvXdkeaQgxuDH5M74RbaF/5A0Jg0gljoGMl7vmCAQFa+4DIwVxRzh
-iQHDrdhCM8AoqCv3/M6SMf3oRMBZq51lIM5MFvubksQemXl26zvaOpoqu09R7Y97iz1uufenzGKt
-xBAB9vTq3I5oVJLdUJN0FnhsIZNqvAnnenxxQHMXuzZfzdhgvwmETTNl6Ifa5fNw1e0agPMvxFuO
-9n+veC0xUPivSa0FQeb9i5aaG5p5yPd+LvQZUrm/q3SQ7V2J4M4c3T2Xefo0OLWNg8ZvymtQVN0d
-gyFKwbCsMn/XVo2HeWHwHqRtJIzI/Okt6RNay64pYpdN2C2Xw08kGKnmqF49mrw8RUFcDOclZGRT
-eHYESnS5LT1JiL3pkTZbG8kj7J9Xog3rCEqhPGXUoWwcR1FOjwvGhe6dzLnhu5g79Qshr/noVa17
-gelof5GeQ2Xr1urWHeg82eRUvGUz6r6rssT3GTXDHeMeI7Zm8dOpq+/+PDdDxPatO2G1VMj42Rmy
-yGYpw4A3eCOEXD2voJYijGtl7HVJuY1clapuhKPc4oBAGTRMSa/5PSMuVOxNrXKy1Q2Q6DtZ9Cbo
-SG3Frj9WcV4Pk3gkYgPhqsjEbdvRPCN108zfWuthds23dQjfBKsFVIEhrCRBVFDo5W0YOUhT+iPF
-rHUUqeV9c5PgOU3an8JS7IsLnEQxS2LmsyXJTPdZCVCPYG2sCJln3aScjE/8DaAC7CG7o4S7YOif
-cWkgk+TLTAhgpNJhtq5DOKzpMUiWPmWb2b5VudGqJ+THCDDFcCgMlTxMqm52PWnVV5iS035A+n1Q
-IgTRZGcnKdepeyQxI6jINzarMAqY414kEBUJAQmgOtaexqUQtJPYt5vslKFhibsWXZPnG8beRCTy
-zekr7e7GFYU70T4p/JMjTSP7Xo9UDzfRwMaFng8Qp0gywU3/CqZH76uimy9B7h+cGssUt7epmJo4
-lNR94T5mTYUS3JNM8nAeIiWVTlTgLT8X0sZ/pVR7hJqYR5NZpVfW4DPvQLGuz10p3JNLEX5dmGh8
-RWyWqfJCLZUSNzkwLsnTJoiR2VeEiFyYo75ayQJZtB+s07Ima+zyb13YVzZXs7SBYLq011geGzSj
-e3dr1E4SjzcnVd89Qt63n3FXIrXzGEFmLuPESEN+PSYGE8MoLKV8Y/emds7izxfXQcLLAfG9lChV
-skllsM/gAx0sgoh3yzrdlWuqf0EAQiQw+f4ho5ctUTu3CiLj8OkkXrf3/Iy2I/M2jKEl1CmpYJQQ
-o97f5qX6zsXCfH0sEQquHaV8mQAV3I3tPHtRVeXjp4W2vYx9xx9unSoJD1NqfkkpVW9soxKXnHYo
-6uugOJY+uUPZ2t8MLQG9sOuCuPbJpjdrY7qx+lqchMYTl4QyO3mzs8QeLogLiiuxY/UTHIZWWKzh
-zPCy1D7CF6tE1brqyB9Smuw2RPOd9PkvlWuF94F13a5qOXtncyr3oW11py40K7JGmRbvGSE89Caz
-72axUM7yiF6zFlJ3jpsqkiWrTr3KcO9auXnW5NjAmewuS1V1sViX4Yfb9EuUVu0cF1BGb0fbTrHx
-ONmpX8OPIByrU+r2P7owBV4j5w8A/SoWpoYZqrhuzD47BWC2b+DG2fsqCe4m5t7jwIzErqx6F6jJ
-fQRsVbGiHO5SXTwpMRiPc1Y8LLyv52RxaeJEeZf61XpYPEkjB9HUZdOP++zgorXZO6RZ0AFMatya
-Yf3ioPrfzYr39akDielBgR01m/9BpE1scXMiks4Xmq5R2JrgZGdutIhR8a4ixvvUrl+qXITG6zwA
-5GXO7wfrPndJs8G4X/uITST6ACeGi2rqG4TrX1Dm0/+vv3mvgyydu0maoICR34AAIsuhAdrbVz/1
-b2SswEl+z/DCyPYtUNxvdquWb6iplrO/YWfRMWE808YMi7byFw87npzOwpMzR3/J0miZMvC1G8gW
-AyHhhdLw3nUB5pZ6Dh0tYkUi3TYMbrAqom0EK2hwzbHvh/NB/8bmkvhwHEZQuoMOOoYXnXmwf5N2
-K6Yv4PRs3iCpcRpmIk2/Oujd9n5R4TVoJbEQYWU7N/lvmq8AWLabG9xjO243QhQbp7URGqgqi+Fo
-YXzcWVqBI+DmEgd32GYsgc6Ykgw+OS/AkbKzRmie7leyttSJdYy6oIkzTka3gYhFsiVKCdsJ702X
-2TGt+NrlB+liGEZ9sbJCt5WHebETb4MLt26/FKJ4DLK+eyrCYqaQ9JhtN9AgUTAniOcD4d1sxDtM
-I3KZgCnrnibV3xjLJfj7fbJxlyvGiO4mPdevK4jngze46KlYKu7obuE2B3BA+fMMLxGVTDdpvhGe
-jXxIY9St1Z2jt9Q2KqAOjJqHlcWBHfYt2YDRaSsShNJq40i3v5nSgySdKAcd9srhvYLqG7wLK5MP
-x5fkrZHFWe34RGGgllIwFQ57mcXziKcE5wdj55HgrTZyvKy6Zz4XmGSGZypGfHIFgN8e0O6Nt/OG
-yvayjZpd09o+Dr9Z2gh7N3Gn18fwaO0zKw6o22Ri6h+4krPvITX3C1hk/5I4GaTuHMDj7SAozfao
-vtPwWgmXKab2X8eNfIpTkBCAFBpquXFRLQJDTr2lV5QPReG9wYmbZsg24Ily0DvcJVZ4LQutf1qE
-xUYj1Lx3ztP8nKO5iXXneK/ThP8pknickoPR5VmwHwXb2nSs+gPwLmTsZmPHrjfXxNv4EhtYHh7D
-pVKxu0zTZfWnGcnQZq7wJXaHel6iwkUQ2Mg2e9fdjFwSgQeS27wZN41928edNZHi1CzkNzGVjA0C
-pg7WJPwfoOyW23bI17ugW9sv7Wz6LuFsTfGrGc3hmTje8jXF25TuXV2EZ+J2kjN8GPR2bdIdfL6v
-bFpS79Fex5npKLNvaxX8gNU1doAv21jXvkntL7zYhbsbQellWCPLqj7MXuseCWFhf4iTcteG5fyM
-GcY+GKKPx7Yr7vOUUV9RVNNdwR7/wiEx7XkAeVj8CeXPxMlnyz5HDtlhlqsKjzA7tF6RnLCINcxR
-qBiAWbY5NUpZiY4Caiw/M+m5K+KxbI7zTnm/phEAtVctWRC1xNpdsYkt9mHuneY/sQr/v///P7o5
-ATD8q/7/inikwdj/N/HIX82chMKEgDk34i199z/6/tD9g9Odzp1J0v+UjmwdP34CBlqkKDDT2v6e
-f3b83h+CTp+G3zRFAE7D+Xc6fkJg/trxi5Dv3QbBQdHNw01U0F87/t70SD2EAn5eXcFjRzaUN407
-B2gjAi7Pmd5EWvmAMN3mKW91fbfOrP26AKBkVIeqiE0/F1+KUa467q1F3mcsOUhoNSD9hX4P+z63
-zySdmVjV8rbbuwF8F2ZToYOIUKIVJ+o9u0zl3NyKFLvprrHKW/KK5IPf2MGxEmF2TPzEPzpc3SOl
-Du3dwDjxuOZZf8Je6l3VsEn11oH8RxtCd7+r5sC6QKL3vuXKalTkk3IVMY1MIztT5HwZm/y0bpKn
-pnMISeKGWE5KfNAwNO/4S4LrKu2EJc0SjMzhwRPMW2MhqaXv52QJABt4YSmijIT2Ey2TcyN7y/ic
-mbD/8ts8vLeLOjiR0dn/TBcr6aKsas2HPKPSpT7rn5zBmSn1fQHJgPFsFYGw/1mIBquDCwwT25qN
-IB/G6F0q6vQytKvxyaqbhBTSv/Dir1190nn3OqGAeCrmjbuZBdNL1o7jlzAcF3Tqxtp/bEDTV6Rl
-kMGVi3AZYUGh8ESFsHSCGtoRzIqdJXJWdm4ofeTfZv/eAWtQqA/mb4xbOaBUXX6UOVnz4ZqPB5NV
-6OcqVHmbi/6eu8Q9y35szwDf10ubMEapXX84+EswWPse8Toxe1pZPR9qKl+xT+DM4l1S/G2VMaBn
-scuLNv2EDNLK44UuIUpNM1G3Zu4aN4UrsiNRWeUzqLLsmxxzzl3kOTY68KVp4ootr4mjBFAN5itb
-QrDkC4j30VFX5YTrEKlG2FzUJqjhbN24fyluz2ge6owNgs1WBbzrTOduKeb+y0bzqUuICG2R1Q+5
-5y47B035bUoYwd5dNelsfVBdW4JJby3DNrkAqxmDE3ICxI6sotKv5JxaDK9YWH90y0zni5AF8XiJ
-nJ7Q1OpmbVfgCSiHEfMGNaHtlRs+pgnc8jkw4pbsgCjT097r3bu8DKfP2rflSfT4kOYC9+d+GpSm
-LsiWy7piGwQ6MNYvYVMkr0blpcYZi2dXxCEX1g8MZYPaZWJWTxMU+SSetDTfRjRTKIPrTj2aqu6+
-93A2opA7813iGkL3rEf9NIC5DG4cFN7Drg9YC+WWplqrbAQByZgR2EM/bX+1J5FdCC5xPlCNi3pn
-wiRII79H89GmdfC98IV/le6iBfIaGT6v2N1oZ3AtY67G9Fbu2ek2hyCrq3eoEuEL6q8PQ8zt3mt7
-m8BPT/90256LcDDNpo6TIKlfC6Y8ZlT2BfJMVv392+jjE6AYK9pTkDTjHocUS68REdttZi0YH8b+
-ERFSiJaBMWSMlLOLYOM7cQDyhFQPxFDrpAa8R22+d7BSxus8dmfZmP7ZFQNAYTsrAt4HFBS05hxr
-eGr8yAhbcZxKJ3+yJsM9NrmQy94Ix8SJHb8Xbxa5GvHqcKJOlqC4C+sqL1gyt+Up1XZ3h6sKtErY
-2ONTH+QOb6xfFd/IpyQJpTOxTHKiJXTA6YJ/MTDm9jtKLSo0B4bRDUF9KRGQQg/3ztAbn43r4xod
-zGJiCa35GqQhvp7CtkJCN0m8ORhB1n0nNnD+2VE0vFHcmleboruKx3kgZcR29TZATeyOpVaYyH1g
-tdXexOR5Vv4YisgU7ZdUDu2efcqMY5CSpYJluvdq/+y0eiTcskb2lQ0l+6k8ORWSY7Mxne64iOqZ
-jbk6Dj09e46sEQNMD64UJK6ucb9OXgyHcP2xgqut4slkDtDYCr1Vk03AqEVQ3C+CqE91ccrOq0cc
-v3Obf1uNFJG8ZjMnxWugJety3D7IA8dXBVKguE8WdEJWWHj3ZgEueDXL/on6SzyRP5Q+cCwu7OTk
-emKf9hWxc/3Uga6icB0SQhjyIvk6gwx9tcGu4DZCGHXOwNl8DUgj5ZCaeawCUuoehFqqB4DsKCTS
-yt1Eag6kIFy5GDXw0mHU5tjmyouWSud3ygoVrja/YyE9VNVdEQp+XU8aB4bWKPkHIEA86qhId2Y/
-eLfQqL17fN7W1XXrBCvAOiZfnKD3TkUu52cEwQHAmAmJtb0a+p7QWVUdR6Nr4Pzo5C5s2vYL1mX/
-lPLCP3F4EsWoe/e4jJ0iGqFbv7MhX4iU7Iz1JjWZkxfMCLHOjCruaKoA/rqcRyo314s1rv4pyxFF
-VHPx0JUKgnBn2fdJAwGAQ1YmT/OabPZX69ovTdpE9epscZSqeUiBRB+39/O5bxbzlg0C8jTH8I9F
-1xv3RKdMuCL+g73z2o0dSbf0qzTmelhgRNDFwZlzkT5TKZPy2jeEStqb3ns+/XxUmZ4qTPXpxtzM
-RQONQpfJ3FImGfzNWt+SA4wGPYeffgtLOxqR+DPcG+Hq22Y7nSaETReZ1MNeT1ofe9E1z7VfZHeI
-7PoD95PDaLcralxOLkPuZgjgCc/TxNg/zplddUpXl0GZGUrHWDENRK9Lsk1kHuIqtW6xK/jXs6vH
-Y8ODESqMHG6YW36YRaQ/RKNksbIbu3qN8IUx8fWTY1MY5R54mUEL3XPUcPmFPKStVNlrxcaGnUOc
-3GGpHb6VrjtsklY4b7KIvFs55dx54XJoAhWV0X4eBjJ/61rK4iGf9CsIcTDOfeiFJbjeqiMjKfdk
-yNBh0G+R4ScPkLya6s6pUTUflAsAfTU7TmLDKheVeZYOpqB9qUVuVsRjhFG5gB/45As5Tw91FWxG
-rbxpp0LH3ZXacdchzGl/HQfDZRYSM31bpw1z09YIX+1S2dG7dLjF19DCTXtbDyAS8Hc6i5b9WoiR
-Hfq+CJLI7E5csrLGXkwAiNG8V/78Ru07vuD/zz/ifpTPGrjEo6iC8gSP/bHK3WmbqSo7ulVDHlRH
-JqdbjPdOOr9xAP6wovA9bp03txu6n8HmUkFYNcCPxu7eXG3EB2Zz6V0l0u1gZcaZLweuEbMQhHlt
-9UPNy86FTox+fcDWCWa5iwhDZCl/UfaQTOuOYVm1KmvcrY+e09XbbJbzJUTJAoya7LrMWP3rK9S/
-Us5/jP/xgUkPv1DY/tdjkfG//1x6s7//w//8w9/95Z71Dy9q/uvrTYLvxQKh+cPfkBEVtdOl+15P
-99+bLm1/y81Y/st/9l/+7fvXu/y3LZTr6X/YQhV5+57/YXkKD3d5za/LU7T3P0FqczAjLRRgcHi/
-N1G0Sj+ZFrYnokHYk1qSfunvOBzTNPlXsBRt20KY8HsrZVk/KWC7rDYk/Y8DKvlfaaUs9SfmoElk
-iSMQHywBawt4+k/MwRKLkvQp5m7dklsP10qGEwx+oL22KyeZDi4pBzmeoyBkWRCp8jqQxE+mXA2f
-jQ+IARF4Jss1sQXVeAznCrsR6kHnY64lGJI8YpBsZeV0LjAYpi/RbFXnopnNz1gFo16JLhm7lQnV
-nf2DwYm6jwyneHLb1pVHoqj6/oQnuB6ua4Qm2xBYGWUTljimiU5yXaJ2WIvOb1eYvs5mN5URI0Uv
-wImTz3KDTeZbTyXPKR1ifupHVK3MNcV3iJL4YCYCFnbaQ3ewRUCPu4qhV3Sdgrs7otVzD0bd1ce+
-yGJcLFE+XvrK2Euimhjz65chH9U+JPYH72xQLD8VJvmX0eY4wOuMgZ/MgJD1aH1YnOpC4HIjDnLT
-FWmMVhVoo80jNkfxgFarbpZNLracFd88n7I5d7ReMrJPBE03d005xM7VMiH64BOZrpJGx379ODvl
-fITw3xjWlVsHI4FFrMtIUnDGcl97ZZhu5SiH6yK20shKF9sezXm+g7OQ9cQPW2HYqkOMUBNwJDSL
-su/cKzT08MzntaB6lejow6SLecTroAapfhQZzIke6aKOoY3wxIXO+cW0c91yU0rESb2S4r5piAvB
-IWyMn1T1ZfxDYxb/Mfkmws0bmTd2Jh4IvxU7DvwFPgj2zn0tB0DwSHd1fx4QNp0cqAXLHDVhvDml
-XXyMLJ2rbZ0mFwrremtGVI9+mAy3zQQ1YQnK5bLEP7qZyiQgSkSIkxcnxTYIzHk3R1GyT4rwVkTl
-eN86nRVhik7lJtLIGtdp1QYnz6MsX1uKT3stY88/IHbHeJaqyT5mo1nvOF+b90KW6YdsK6HQKTUO
-ds9q0ch7pGMxSoxrpAdMfE+NYiNnqSBFlhXF4mDl3bcwthgHzoVl3xl8gvYy3A6+BbVlXgWxle3g
-PRn7XlnwgvjjrnEolHsxi/GSMxRc7MJUlZbwWTRX3kCksjSTqwXVgdsOlwVVrpMf+8GkDSNynIKo
-Ta2z48XziSoMu1xsoh3teDLVCgyRCXuiS4MbJ2Qyseks52y6LgEnY+J/oybQO0JMEBPEytomVZKf
-OuGWT3Afb+zctS/LlX2LV8NEB6BgC1Xieo5pKHlot2tPlTaqYMyxfAKl+aMQk3lb2EnwGrBvv6or
-i5CFnvTbJsXXNkVOsI/jPtlD3PYJDCybT0nw/b50av0QWAbWECJ+zgQiPs/SvM1VDLkJJsOZXamN
-YKqi646b4cWuioG5ZTIOEDqUfMvsaQRvRRwLEiOi6+4dySIJ7YX6YbgeO8yWT2OXsMo5dswnodpq
-0Fa4EzZGN1V6lfSO9VCqYQyBP/TFh+VNwSP+/sBk5FvbP2NYj/Y5RCbeozSOWAvIhCBYaFV1fXoc
-TFgWyQhVyWNfsyXmY9ypPPAOo+347NRzLMudg7O1tQO2Gm7XRldCsy5HKot5kM/nsRmrC5c1nAc5
-nfXAqMhOfH0w3LD00PhV7smrDQIWNCKKz9HJwzudetGh94v8kwGXRuFC6YPOwGQMPBWWiehdHH0n
-vmfk7R0BnI2bhKv7QRhFma3EMElU0MpfDy12SZM5xTTaQJRct4puYojHK3Ti6luRBsMqCzuYaYNA
-MABx3n4jqFhvlCjn+4LpGfv2enjBN88STcXFtUxZ9Kx6d/wwxhyUi1TtjwAvNvrHat4WaUjCnSXV
-q4RZdDsLxlH96M13U24XO5GCTZN1XZKfOJgPSFbnZI0SNql2RcGGpCkq890rO7Z2Y1fcx5ZRtFBb
-QihnwCpXFrrOHxhyzUPe5+6boiMwNjOX1nbmyFmHRPo6K3QKwyYvOPm9gbGH6/XOtaxYO3BHKsSq
-Qj4FFcYIb7DDU6HrkuINT24LeJtPVofT92iq2wcbkE28rqQfbhpzSulyBIgCfySlRghkonM9Td0a
-XuZ3Vr9qi+pP08XK4hryT7w2VFWfid0ZLux6t+jf9XXVSztaQUgK/aNyjOQ6NEW1EcxLvqVNLx/j
-Ji2v3dKbHsxBoJhgwaDvLT0yKvQwHRSjHyEq961h3YeReVv3ZfKSIT9/Cby8vsOx7T+XiR9ddSMp
-ICGmqydRW9M2NIt4P+Hg3Pqsb/FL5CSoWPy2aMtR87bHPJ178Ehu92RZJh6eyGryjYG2fe3YVkFr
-HJp3FUYutXWZb5zywWAMmiXDdGUzO0xYTwlJfpKl+Bzb4ZVlvM22FTYULCQEyOCN5pOIhPMheX9j
-Xfh5dBe09ENObOqXabYBElkzD3ovZ7C3aoIm2uHPcM6s5stH3+3rYGXYNW7iwGdQsfGG8dxVRc0W
-3CKL5F8vjv9f6t4/VMd/VWX//1gcS1Qu/6g4vvn+c/3eJH+sjn950a/VMXsE8ubxoC76VJNCl/f7
-dcXwVTjb1MyOB/txoT7+XhwrlgkKkqTDDgIy/f8Zqmf+K8UwHLI/7RUQEVJrWorZh+JKtf5UDKeq
-MxhBhP1ZZbPuQ2bqdLdcRcqqYgIjCbiyJqxT5BuEOA6WOUayjDTsZbjRLGOONPOYeOT8+Nf1MgbB
-K+Ccx6/ZSLuMSeTXxESqGhjVHHWv1jJQqb9mK/0yZtGtF93IZfSSfE1hoCvLbQlAfw2JS920y7gG
-aG21M3svYx5k5nftMtbRXxMeIt2SZ8iDw2nJaelW4zIMMpGdPHdmaMAm9gp9n4Zedl/LFpcegyQ2
-vIyUluGSU9nzPTOr+n5JLdrhg2CK47fj1hhUe0pKqsJxUMm6d8S4tUIEK6sI5+BjB8jr3XWz6hA1
-hY95aIZiW/EUv3NcJ3ypsqSb1hwo5UYFvdzp0KX6s6vw3h6deNubFipBw8zHcx0MPOWr5gnBOGRY
-ClCXAoKKcm2qcn7M2y5Zm2L8ORlHEDCKbS5g8z46V1HO8iYv7eYb4XqUABXf4VOaxNmNN/ThzmjD
-+VRnCJZXITX/Ju09d4HmQguKfSNa5I/xwUiDW0AU8Q7yZgJg0kZRQLzFwRwKyokQSVxuCLLoReaQ
-n0t+1wMnY7dLGBKvW8Z4tx4EncOEtvrarczhzIE4HdBHq3cMvcUJHlT74BCxOnIMGskWeSrQsTpk
-l09QancNcNfcVcI1NmTt5BcDHclDO1ntG7DU9MeEjv5R9l20cWiAbrPGNm4UQi1EK+0rnxWjWlzV
-miPXy15VHfU74ZX5JuesxgqbQHo3bWNrqHpkwt40t/hwgF6P7bjWqo8qolinAFMWLtIP+IjsFapa
-MLMgVxpx3oh8YmtRXVwW/R1bMl21RIegBcrMAgoHQQMrJtXvvey9q6/QGTiv5Y1VCxRguQmGQc7E
-tjXBuBuFocdtT/F7LmfLOqRB6R14hKbf4zyI78wSKU6UBPNtgj2IRGPbNz7AyHjZyg8aoVfV4MCs
-YyfZXeWR49Lch+Epoq9cEb8WbxZu8GskMvOlHuPx7OgE9Y3VdNeRW7IXKcqqv9RGML9VKc0Kropy
-vCrtKHjUaHZvPSzLtE3Bvu9dNikEazElpzdMbNXiCOpnUAtC5CS8AvWbVyHZdhunQWHJ1C432Mh5
-Dg/pOPaPEvjXkb19k65QwmD/oAKgy0Wrkj1zjJTUNbhQczQmW8b+9haRoHnthgJTCIZU5kkM/bf4
-R6rbLMiC2zq05MapHPUtZb8CGR0Y0kvjhy4GG9SBD4zQVLBGGmhs51iEB+rL7NTNTL5WmeEO/ro3
-Krvf5Th6iXtD5A1BLE+yGwML0rMrcvxurlP4iD6qyuckiTBpzVnxmQrTXGrUbLxWs0vCOV7mKNnE
-U288B33T6G0sbLJ1UyMYSbYQMSPZOK/kbmTChoDQK8eLRGT9Ujd+3qFUQb9T7VKig83xWrDaHbF2
-qyDDHbCjMgkQOwbD5LCqHM2uMR/QQiMXeUKmVbb37bIFBYBJmE1+mksJNXXdIqkdy43Vy2R4qOMx
-8D6sgH4xh2+bmoP9lIGGrtytVwKE2hld18afE2MOkWDuFnXNgwvx/L91Bv/dkIxLhnicv/YZ3Hwf
-/nb6Xjffpz8oDX552W8mA/WTZtrlstlhEvXL8/7XSsC1f2LxpbCMmTyWIRf9vRIQzMIgShAcy3jN
-Vcvz+jfFgfeT5u1Mk38D/sKkSPhtTPgrMIIJI5UXA8b/C0BCqT/l/TCmwypnk/LreUSTgbD4o+JA
-VnUOWtmuD7o3MFvmteIQDIo6uSKX1b6iX6/6h8BuoDOYUdgd+yhvL2Fp9Nk+AbWSAA/qIQbiusMa
-6HcKtCeUBVmOwToAuxpdcI6asH9y8vE0TcTMJuEmSASWMrb1/uMoEaY7ef+essINeKvHvvLthzYp
-5ktT60cWuWCRcgzbCJJTv1mCElmEwqa+7oaFEeEx+LpvgIYxWW7NV004I9mZRiTv83xITk3NqKPI
-kDx/mawGxMRbHBfjTTYWEHYMIe79GeV31hj6RyNrWG1loXCHIRHHAtjHTGMwIoOh6CE2zkOj17PV
-xHBg+KC+8pBqN/yZ7z8iB6Dh1QhLOSSxDXp7T0iNQjzrjjMgpjVsal7Y2IglN5JTK145mc70Sx8T
-/L7OU898dTOAGk7Z67WN+vKQsYo7sBRkXGd0/OkCasYKXuW0a6JWE0bKbo4DW9e4M6KIlnho1Ayr
-yuuW0IXAeOs6hT22Jcpz5XRKnGuv0eYeRXn6PCUptKw+6MRrnS1BvMmIlxefXTjeemVq/JjDQa9H
-VfmnJBzDTyNtxpuS023/9fM1y0/FlV2jMuevRwnHKV/lzFbWrsOCbodcPd+z/OtBHpYzZHA+ZLab
-7Zac4AWx0UbyHHjslcNV1ybJcCZ1IAzJABXJfOD5UytUyUSu7tWswAvFPlC+3CiS02wVx762WmJA
-477btVEgX0vD9JydKCcPWmFizexKMq4FkJmnuGuaDX86sMimsSMWwrb9wAwofa7J4n0I2Wm/VmXY
-nD1YkY8x4UI7GGq1s+FIVid2pcGVX6F4iKcSnD9JwFdGyZdNejsILDZyKMOBgq7jmUrEnmWT722T
-/TYDgEW6rlHM0QSzPiEafu9Zjd6nqVQ/BgcOL/SFLCNDXZEztwkkW8Sdjs02vEnSgvfSXVrunMKR
-A84PhU+SiMoa+ey2Zfl772d6uo7mIVkrco83c2v615lDODYR2YO3Jzpe7Oo0VM9p5yX7zCMvgh0R
-WDGco1Hm7RNhNg9tYb3abQpNzzZfcm+c4vXUV8u0CdQkiZtkcmaBP7frBkfcLvJmEM8uU3Fk7ngw
-fQ/bKCbDGkxbWtw1zpxdGkOhC58mwA2RJU5dkDMMh+a5zeAwLSDPdiu1NZ8wuCcpo75BrYfUVk/M
-XM2VjdNkRK4Ng3lA+rKyiDFc55LcNeI//GSXt/24lUWLVt30Y7JOhsbYV6Vqrtknspn2VHJFyWLf
-MXsC0Rr2+PJNtzGxlJLwG688Q1vnlPSKbjOMpvvao0O59oUIPqY6jtmskMA88dXP5UKbIa8Gta4o
-AKBOMVEka5PXvM8EZzNJi2sguEGRVQ8VnKoYVZIIt13YAxc3knx+AhlgUrZU4U2vyvo0I2UkVNie
-9rJyTcg5AAiQCaNyhewy4XFa4S+C1UYSJ0zRHHPuwEEhVl06mJvecaarwS+LS0g07Ivm91cEXcxj
-fMRr4zYbZw7qU4fXHGqLs0RkDF4CjnzJ7ViZVYc1JXQLcmXysl7XqQwfHZg9tD0pEzlZZ/FVj0xs
-IncaG5YZS2izyimbda37cY+yOV/jk3onuaXa1tEkUVNV7g0uJ+MRoy6HfyfDGQHtGANuzNOW9aY3
-13ck0LB5ZBy4KQYOc1aWnEqN0/lvXydLlbT+D1SoySktuEPJBRdorpa7qHQ4tEYkAs/1kHkbx0CN
-hXAD9iETI54wdeHk+zHgeKY2lBa3wyDvWTvzBzFjHDfY1PlJ0j6ZrweTUGgGQIbOb3hsTzfwJotp
-UxQz0dMdvKbaE/bVv8ulf2qniOORJeBfl0u3SfqOm+aPY5NfXvTb2MT6iUUeCx+Jn3cpl6h7fh+b
-LNMRB18eDxUpvvZ5vy4Vlbv8GwXqxf7Scv5WKSlkm0vsKuNvKiab6I0/VUb/qFKy7T8tFAWReIs0
-VAt+AoHn+M/azD7x8tER1clqDfoCWMMtB8xOZa13scM8LI62JhB8hStptrdJTXDNU9jaBEe4jmQb
-NBp1OQMuzHTk742OrvWRcXx65YEyj+9a7OrfuAHdN3t28lMoAjIahlhu9JIpVbEGyk5y5AzE18GA
-to/zc1xWRvGWh2VxjXS5JAdnEjAVeQIHcygBofdDrd/6aIKgzBqTgPW2mpCLD2Pn3U3SdgmPxm4Y
-LwfqVn0pCjSNa/TeL0KD7ktzUNRFEuzKReR5bpEAtsHOQPpMTA5xqOGIujPy1HADrwRJ7c6r0rm8
-4Xbm1w3HpnY5DyaybQ4452nStzBfTSPjoWrZbJWYJ2s8iEnHzuzGkwgMhpWf8nniHpiyboCAbmsT
-XgGNq1gLwprMj2FIG6AGSRjZGIASdm5kZ+dxAT466+DooqzscCauEGgAShzBgRBlFHoz+JkNvbc1
-rxOnDyABc/TKkB4XXmMxx5+zP02NzcgDeIhNVVQwX3YlI5y9TEa/vqEwM44msOU7gsn8FeQJiGG9
-hVy+CfNjaBj9PrBL+YDFBLsGEEYC4+l7LyKFlu/ocnpnX5hs2QWmayyWIRVJU+2YdSVnVh1qXzRW
-BkO47fZJ3oPPqfLCWaHK645ePyLEgH6cZXmxUU4Y3FIbwkcP03Hj0BcywLYVrpKgOADD9y91NmQv
-fm60CB5JVF/NRl/eprHzBI0zuKigau7gbroXVhf9W0hhADpJAAcow/HC9VDspr6Inqn2/LtUFhPb
-jtIgga0jAMB3pb+BgOneaJ34zyEyzcMYOsatMZL0gJIMAFjv1ursO35K6osRzRvBqnN6Lhd0sOun
-zlPliPyBRWqCCNkPg3ENwEyNa7ae7rgupnk+5rV00G1CQcYYlbfHAZLNfkiT4FlRml/pmT0R6lt7
-eATJ2GAyKYk72XSMS36IwcIMo9yZsUhQ5DnBYMWMHEra0OxQTNWD/RhX7qaJO0uxxBvdswAhB+Uk
-mlN4c3XX33ZBIK9Q0RQHy8JQ18aQ6nkON/UlTJ38uQZIue99t/x5kOGLqNBptqnnnfimsy01orWe
-mhLV8pSOF99pwhMo2/oxoMh77dScQUweRvkRF7V5Zcy5G6+qSrmnIR31zorL772u/IOwedSyseRJ
-DrXzQSde9wpzK32Zkjl6UUMbLSoGL3mpjFyzgecOc4y23psu6weoye0uKtmsFyx86XzSPZtR9Gg6
-t0/DCJAW023C8p/XGsjxogTC+ByHKybZ0V1O4ttpNMqxXqMhUlzFYANDhOIYGluj2ZAqMG2LoUMZ
-51Mn8rm07NHSJdPAXDOqHOgTdb5h+yafLSLEbjEqP0Vz/RCXhvs52qgyVqZe5m32wHB8Lcs5fnTr
-2LrKmG6ezRadrhM3/saNgqO2Gvd6GuqKW6NrHmZWkRu7NosPp2OCUw5zcad8Pf9cLXJv+FQM0XQ2
-lGydA+uJnHtAoRUVwmrIKmirsw6uLSm6txYmas62DyhIBnA6EYKwsZEKivz594awyu8pcQjrpq/O
-2GiHxTozbnBRsscL/QgDoyshhw7DdP6KNbZAuILubqXBHWeF5o2oRmNXF8II8aN6xSWJmyW8oBV6
-m3ajuOmbiCg7wodM7Jfo98aDZOp2XwwWuWhJMKiHvvW9n5MhI/OxQzZPyOwSso0xarq3DN9jy5zb
-73TtxZV2KJdRlQnOOZaY411A3hP8WC/EUTbAFHLhXz0SP9jcuIHGkoWlatgIZcP2baLwSGuMMq+E
-m3E20JrdIGGjCwEut27N8QOsfn4vBmc6BobfrHlT2vrYb2hwS71vK2s8G+3SWnklM6qitn8UhvUZ
-lZU8C7dv2FdWzNdSHW+rGhkDkTPJNXtn71qrJDmzjgMkF88foUnUXmWmBa32+FSY9QOTNnPtYYkE
-c7SkLNIm7iIwDnsTsNalEnWB6UiyC7VoRA+BQepA0gcAeyN/U+e1eIGLae1jBsk77vePeM69+0o2
-wzoE1v4YuBTcIqzL0xAnGVI/306vwQwGa7vJ++siN4MDPgQCXJwMDpuFMOPClZttclMPdxGEzM9q
-bED1SsIWKXss7zlw4CHwE04byQ4cQ2NpgxFK7Owu8w0SAORUHAWD67UJGG+DwTI6G7D3oF3mxb7t
-xm5jdWP7xj4YObxXQN1xk29tI36OK3IfMO3PZ9JmAqatzRDeWV6VoccowABlcAEmNTY/BJuDbYfP
-/CFmcb3trYHMxQD7nOURbMJmxn+IetHcOKbb7getKn4KxA59ECsBo1CzWrRkRj5LHRrHobtCAB6u
-7ZxIIfgD31DQdzsay+ST9CmMZzPbUY69b6GXfq8BYx3R5rprEy/eprL5f4B09GpC6HXooxYPb5wS
-3RmBG5ZtJM7oCuIPHXtodNPQ2DM6YKHd+OklblN1on6PdmUbV8eOgmTbVak+KNhteBmovAzyl/eJ
-DPuriKRJ7qMRJ0sr8IibE53qWII0UG6Tf7T2EBFclD5GHRyobgqdw9ArElns69kaykNuZVgmSy13
-hbA/KrO8dHgxVjlrF6gJxHXWpoGYyngVbMdWYehExErOVBgpsoPELG7csr64S2ZGUyEazdB7sQre
-mGF+7xktk4diDnY5uq0VLSLB4FEukdqHp2ZOg51vpdcqM4x73YA2TJ1OHwAhYu9U2YUG8g5dYrhj
-iIFqluSCtZNOTNI6sWEvl2JJBVXYEjO5sTCZgzLuxD7vFeB5w1W3BnBxXP6G+0hAY3SAwVystS2+
-w3ZiREEi5irKUOXLCL9c7ydg8XPVXQYp9EeUTdXWNbj8ILYdnLHPL46BoIMMyXDV24v0VZfdccxq
-fWC1YayCaPZOGarGNLK/YXJ5+ncv9U/1Uox/6T/+upe6Keo2/Nv6vS7S6E8yzV9e+tv42f7Jsul+
-CAKgbVncbr93VB6CSykIMjTJAaSfWsxov3VUzk8M8gQWV4+NLi/jVX/vqvhPBbJPpe1fdJ//Qlfl
-mgy5/8C4Aa8jFXtpWjePIGp3CTX8eL+PyEr5X/9D/E93URLRacQHeGZLWYfN393MDeKvjexrtmpt
-X5oFoXluSCwJ2HTryEBIA++faeDXcnAW/dHMHGFb2EVQsfAsxLAQxPMM03Koms8ssr0z22/rCIpL
-3BR2ah1bq2NtOsm4eiN+RDHWXh6gA/ZRhlIp41/25N5Z4yp7yzHjvpXmTB4oOV1RSYgYD0sRSusd
-Rq24YYbLDVrkAUVrV0iv3MvUDettkxjLS76iZhM2kXeyavUzU1j+4IG5D5Lmxhvvg9HWz1kkxvs6
-lupIScLzTpWjSwCszJMCKnJdeCdHu81n45mCWKwMB7EIcwNGAgz/NWki4x3lJrzlpNP8GiWZbUAb
-ZVAfTDrZR/YI9ru7xNEWhdEdVB+qp3nwxrtckaLcKJN2DQC6uAlkxe8PvMp/jp2Ut0YUvogVNQUM
-Ava5+YzriE8gtyAKEoxevikfqdBqVDX/mTUK4rAL236fAl63opCuD7YY+GkHQm/uTBWg7PEZEaw7
-+piZ6ejIb20tyd5eoghdjk1+d53aYCm6wVQ3jkXuSh664Y1K8HkBzBOreojI8PGj/qgKjbI8onsE
-R7h8nkQsYCfPxgyMJdc1/+SXLzQ1A3ponDD6WXbLN0y7PN7xlTbNqzMVKFqHhQqyGYkRzjYQOZPo
-YmScj/il6WG4lkL+6jUp6cA2HRw547GxoDO+QnyHCSkfwj03iPZVm2F/KJMsZFfrNCTRptnM4LUf
-5h+hj9h4Zfa5fp7S4b6dGxt7dkj2FpUgqY489S6QgpgdE1BjrEuRycfc4gJcsNZctRkXegKpxt/R
-sfBOsy/5qxuy6ucn4SJitz7ehc7CHnfbnqsBkQbfrFatq7YMrtWRLPjOuk5dl6xn7F5cfIYkv9bv
-JbceUcbtJwA0vEIgIMVNCAp52ODB4AsuYHMg5ddBw8w7LkHu5aQ/ROtEM//b9lyiKMG4Lc8F/gXr
-QACmOhoxcjgEa4qfO5o7YrgzXJv3inmiT8pYxhXji47A53FxdeZgTwOGoFwnkx7Lt275ijzVqmNm
-Q1v1RMObodSK9pr2F65IHu2nvtfb0hLlGwEW/vPXJRwZLp9v0sC1Wm72RUj25jv9eD+ojo9kWKLh
-x4BbAWsBMeoheomddCwN81nzwbWE9ip82x4XTAcp8irFOcEVsNwSjOOjPT5KPjzSvfiyGUodIxFV
-bwCz6kMFFotIhs4Rj2Ay/GcjNnvYyE1MTnBcBRk+ORpgYjKIioeDE5FVY0NDGKKMX8ckQjpqRr7Q
-ReTB/WCaXGCG4iZvEpLMiEyyxGNP8bSfCNCmkJCmOrphoc9DkerzXJGCtGqjiXcoSAckwgqsLlk3
-bhOqu/grpNyoabuZls56Y6aleyC42dyRUKnPNg3LRiHErEFbJvy+CtDPsJubqQu3xOdxhzEm5gea
-FSdWJtGj3k/NiGY+7vQ2AtS1V2hS76GLWEcvTwwU8iLlfchVsGD/MJqNW44M0/TFY2uXHZ8gaZf3
-JRc6tlfQ0G+J6VcH2vlgj6lRPrqkI984CZBILImwPx4arW3rMNILHdXMLzwmCVeUofEgbVLS1B59
-k9yMU1C4RKaqPIOXgXSC5BRzjvadJcmTZhxWH9LIt96bSHI0C3/immKJwQVOzjxfa92k9ruJC4jE
-m5y2qeom8Rjb04DAuCaPboUyhOtFNC1UjZyrdGC76YBxr8RNBIviMcsEP0+clYthSC9XjktwyoTe
-ndnbWgZ+8xkkqGuj0ObqXjozlPH6mTAqEV9ZaD0PyJFRQX1d85ZEmrg226X/k9Vy/cPcge0d9fqZ
-8aXL72kux14/iKpFxW/DITGjhvOtblpvw+5nuR71RFPJ+EU/Q/Hmi/zlSIsbEWWb0h24lGBG1d0x
-9hp8S9VX21CyF72zHO6uNE10zJ6Fj1elI6Mh/lnWe9YzqLERmjq1frj7OlmLIhQOVFuvehYR+TsQ
-kYIpeaHL55xIreWUEv0Q7S1mou96aWfjrsouIuzkGpTxJz5afazLcnkYVObycIbaD30XuujNMNsc
-ZOg2uINpZkoYRiGg+RDvVjgdOH5URk8bdJQQy9iHVYdTzPoqy5sW5K7rj8w+m0inlzlGkmNGbD7X
-UGWDZx6l9SFv2TudrNzkrkmW/rzgngSYwhFTrIxBIplCwep8Fnn2XASiPml/7MxhNaG+pA5hjist
-LOZ6eRCRcEm/MQXlFc8Y7w5Zjelz7/YKZjmroUqI9sY2VXGF/ycg9DcInyK3suEz5/63qpVbQxYV
-9BBtr+t26adAvw+rLhOZMRzadjo2YVeSk6nrzL/D7Utlr9sXHMS7smSgaLCIvoMgsooz996XqAJf
-JgduEc8JTN3+kUY241TFi6Eshz2XMrF9lCb2UgzmDKfdhs3ZyqmseI27PTsIrGEhKtiSttBK1C7J
-ZU+iCqEOZkf8DSCZhNw+d4C8xUabDJ/JgZJ20FyW9TpoOsZw5Avqq1ZZ8603tu6pgTZzcaMRVR1T
-JpZUg3jChQrJGTXubTQn3okhI1evsChKQg+fgxeXrKVKmhp8+vSl0GiuXRXg2G8Me3xPrSJ+mtzs
-iYj4Kj2nVWNdqoSQVqNtBu9/s3de241babd9lfMCqAHsjXhLglGZSiXdYFREzhlPf+amXP1Xye5y
-+9437dH2kEiB4MYX1pprbS6Nt3UHOXxv58b7HEE/RNgEI3jhJtvUZFb6Lks/8igTVHEDaJd5AsqW
-uxX6eNNEgdfLNrlymyiZr7he9tekc4vt0qM+BLGqb8J4fPRUFnVKzsHOCcbXIWCqGSfO57Ce5lNk
-zYVvkFa3lSnjPpLgmjv4ShHlTwHFZMqnL5hvHjSs2CsDFduVG0fLHXkQFlySPt+WhMDtAg+oDHtn
-c8P89qH2esxMjU1ltGlzOIgd82uIuTn1yRhVm5C64djnjUEr3Wh7yyvbQ+r15mUpGatw0QpWuzVL
-NpvN+lTX7kYjSXGVcGIR5punt8hCWQ64R43h2A0PAcycJnlIoavZh4xh4l1ISJtk0L4XWtvs0CtR
-s85k+k7MmPYMhwACx7P20qIQ8xMMfbgorLs+JriXyAf9BHmNIdacdY9YebTLOa8QlWuuw8+N1K6f
-uyHzqEuEWI7dVNQAervyY6JIuiDzYVdwf4v0QTSBu3dGqV3reN7XPHkdIOLmtncI20uY12BWcJxP
-Wpp/nDS1bjYIt2TL2bRbjVxqhQNjicDQoN/p9MFry01rUGoxXTjoaFKvo+7AoO1rFYUAHIncWBuV
-nqnTyjjMzFQ/BY3O7CEo2+kjFfGG6rqhEoz1wp9TPd0wH7MfgpoThZO/AfRXGmyHY+Hs9RaXFVmz
-s9+KGdLYSLzoJcJbB6OT7BXHrbURXjLXsPTTMKaZAUM6azD+OwSfJac4MBDeGUmu/E9LO4RfOfzD
-bZSIGkAUxMwAeHsFDDtgPVIie911dqRxMDWxDQerH5+0tGWIOduBsJmuGZFP6BUdSET7bzclhBW+
-FzFenye4e9lhIcRk5TVzugV1sLDn1vm/iYM4HSHc4xhOLre4zEtTO8aWKvw4SHOsup4nw8uwzq/Z
-lLXPKhv5Im/cK5vFzZqHV3Cf9wKdxtjazYrkzwA9bl3P8XNrV71+yFP0E0etNhZBprJMPMS7sq/B
-qxmKI0UUoAxugs5jU1QBslxNVly6L0GdcagHSTJWM8f3TH4EoqFmkTsHvtjCyDkjinwVMr+D5ceE
-sJcvuGZ46qoAcpu4UleGW/QGVg5QoeHfp0SykORjsenj7hFes7F6alDcRFRbxQjtaGUPJs+muK6y
-+agby3SaxWg8UIsCtoKgdAtvlfrsp47/L8Vbf+qd6eexTAIjRh1x1ov/0jsPetXkTR3tKxsnB08+
-SkFY/OPIKoVDWrbFPW451zzMJU9Rf8Kxmx4HUwyn3hyI5ImG0XvC5kDxbp4f00ZHVa3F1HShuVBN
-xCFiSEX2o6RQrWfh6Vnja+xteFI6zQQpjjnF17caOc7H6dQvqikp5mo6MSpndYC4abpVj5VPcQEi
-uVhaZAErkl4pyH5/OcSfpGwGMF4HZC9tjGl75rsFbWRotWJvaTsZWXwkbH6KCFqXqryKiXfPfehd
-wnUbtPtCLPRyzE55WzOhRveTZ3O1QgmcAu6fRthmpobxXCz+d8JiGJIzT4UrBSa81UgcIMaLsQ/j
-fQn5IF+jxB3CTUhk6X6Zc17dEui0kTXPA/mj1Cdff//HKubQu7mJwgJbDjppnbWOohD//NkPHiw1
-qbkZOc0DEjVvnvqWnPu0otSxPLAaRZXjX5va+hOJtPOp7pgw1BEdeFxOzSkv6r+5/Iaa1PxMKyad
-hsrFlGoTLxEmvntHmgW2oOdpj/4M+R3QIRtDIoOkp5bBDBdBU03rKET71TQceagGuoKCxU22M0DP
-x+u2rVTnRDvy+0ulPvZf3xd6PpPwXyGFw7Tp3W3RR0GGeS9O9kHpcffmJfK+58Vc+vajybqxJrLX
-o2gvCytD0UXUeLz7/Rv4i8/KdLGDMOpSACkp3rkvxsg2ykV04d6aPBdaadGGsd+zdBXX7GWikJ4s
-qHaxjKPwoquCpUAC0wbXYdEZD67eG9dmiSXwb06Pv7gsaE9hTNHd2ibcqV9vIEa+AcomM9wXGh0S
-2SET+uS4pHUbmCHBzhA0CH2+0ENoQ1i9/M01UQj4d58KLw97G3kG4lfzne60AERH6MfCNZkzJgaJ
-Uc8wU9vazRM+kGiG90YmgysfUifQDobqUguT4Bzyk+pK3Jj2jL5npaddGO07NWiq6rBIvkPdp9Uv
-kM2/Xa5/RdB/I4LmozH4bP77JPq+7P/LJPqPH/0xiXY/WPwqx7ahArwJdf6Q9rjyg7Q4O36S8PyY
-Q1sfgAEgmWdEbJsoUriJf8yhBYwBV7dQa6Lygd7+z8hrnrrdf7kfHRxSuslBwfswqD1+/TqQspIW
-TRKX+wmxybjxolSOa4IsvV2EkWBL9onZrzFzuHcw1PgyCtjz16NNTvqA8YjYWdkzKghi+czOf75F
-tVncD60dvHqmwayRe7miVF2sPTQlbk6Pa3QRa0PpI40up/U4pXbuIyxKeCyjQyIWJmOpmRolkc+Z
-aUmMD3VWb2ovDiHPzPNoMOy1IyKqkAJ9b3N218xpZ3Obaq15ExnJdJsSAqFQtoO20WtNAgaDdIIl
-wiqAYctIRIdhahEelrN9JbQGo0QnmNv1uZTHcXHlwZsoZYmSrocXPedNIYkNum+8CtSghlRoqLw9
-rmMEGFAn+cXZ/DZmnAJgmQhtuhK2M3LMfazDd9nQe+TfYz7wvcW39NYmdwl62xIHXxfbIoYwpft5
-hq/m8Ht5Z88mcoLnYtTTE4aX6TaY4uhm7IPioWoJD+pQds8XGFBCi9WpoCDFOeIyJcgzI8BPVSMa
-XKLKvSMldN7UdsWFTIwA3JUuAZyuQO045OQt1asRuu5tkFE9gUZudMMPPMaLPjOKcusQk7SyUI5M
-VV7dkGDr3VoEfaCawvm3b7l+26GsPUjlMTvAKFJVPAvFKRoIyMI3Wt7TQrt3GrOE6yTFm030nLXP
-DcaBeUBAUFCmDP5QmBw1YAaHqXfKm7SpKVEWM59hHSfGkRX3uKao7U0/tgQW0UXLO/5mnPpQ0urP
-45LXLw2rh+dKB7a99pbastcWov2vhpbjuOkiVMjuOHt3U0XfSZCFdy/gntwRH8up703odtbWIF8h
-VLc8qTPNok+LtPETwegoErAoXVaVdMJtP+vhkRSdIt4HTt0tBwTeYt7FQa9dCnoOmJ3wdJlL0RDQ
-AiLK7QDapRZ51mPVnxw4Iqz95cSQwtVA/hqNbT8WxmxeRW/luDzX5jjLVaFun6v2EGYZJbz2R0F/
-ru7nc6Vfq6JfO9f/0bkXSM99AVEKqklwHZdMxubcPARlo3XH7txVZOcOQ1QtvQXyQdJmC9WEQCTU
-7tGatGuRBldOnrNfVk1LRPdCZFx4SSo6HU3y1t6It2YnzHUHqoFqgiypsx9eFGVPtUiBapZ01TZ1
-Us8OeK7HpxiphK95UXnFULjetHRciWq9Ymxb9spJhEHaN/fQk20Hob3n6609FKp5K5uGPq6njKzW
-hJNUPpQ8cF+q5UN+0dL9FbyH/Uz8Q78aetH7czdNFxpe9wPWdsufveJULu5lh7LmkKACQLFRTscx
-Jq3Ywa60MSHJwR6fdjiata/WwkmTBfjlgmU3uQam6VgQrVl1zjUz5Ht2F6HvhOMOa4H1ZDTKBND3
-8AxhbN+Mrn6CyiIQqy98bC2NfGgSvjZk6FJcWpUtBRCwW6u40Iuq/ZbMzjW82uAF6/u4n8Y6uy9s
-YPXJAIKfHNAFiFM73IJDkVsV5sTEnMBQ016u49qdd5lJrFoE62wL9YrBoMZPGTCZ8WI3ZcU8YHkp
-A4RGzKVulqq56sY0WKP9G9Yp269dHRATlKAxvkIFMt7YLYo5/J6fPU7bHTnG7iYO5mBLm5MgRbFA
-iRmi3i9lyVBzGDRFwTDAWzIA653wtYxF64dGxGbEYeqD87VcZWSZPY9JPe71POwesSF23Bijtgub
-6Xvf2NluZrS06RoaxsEQwatMLZDok1pY2omZQ3J3hX7o7XJM9zI3rYuC7drW8xAOriqUiruqT82j
-C/ZjPWmac9dXkbeLFx5NZP/EiCtMpAmDvThQfmvMcxROcbJx67hDfFAHT15t8ZW18gDkQB8Re+rW
-nwvSL9CFTXH6sWJosjX6ASpJLNxtzvB7V2KTf6nGQH9GNqKxo2UVW47Fco3usryAGdzsc5m7d5L/
-cNXak3bTKk8eHRj0Oo9pJTFZ9nUjGGOskL2kxtGakvDSS3PXW4UF7UvWxb2zToUkp7W20RGSoQjX
-sWPiOSDPvZaIoVYUpyDztYqulZBvd+dUTkqqdJgxzUAqU6OyfeoqvUUO2Ra1H/dow3TZnOwgKe8m
-LBPXMkkL3+1Ulk/GbWDiW5lES/hCZO4F86XVQOrdoUGF900i0fzGUI2ujsk664QuGKGkUIkeCwzd
-cp3MNc5JKzYeSzx9J+j50CvcPtxUXu1e1oF41TyiKVh9f7SFDdRgLvR1a1qPhWlpjPBaxPiSHIIB
-HwtfpTp4DBtzN8nkNbD7L66orR2MlY7FHxJfGc8f52H2/C4rhe840EJhAK4GqR+w66SbxhDVtxBi
-APs6rfQF45P9IIhoWItlNjeLHRi3GWOXTdqO6V1h2NdF2BWXmJ76TY6/dl4JkG3deoyakdwKEPkg
-57tgU+XtV9A5D4RMUkpRX8SLxKwgBwZRrJ18CxoOQSDqcMUCo4qZ2l13JsbmiafcJioC6GVp+qAJ
-GzXrWOuvkXDoomPX+dYYzakfjO8BUSJkQjKL05yXgrE/kiIWX1OqO0dvDpbLSgep48j6pQwJA8Qo
-c8QNHHB2VtVmKGqIieEAAmia84McKiyrLC8T23iMiV65zLjnEfnYxhaqnwf5qCN/Xk92zZBVx7Kb
-7s0lareklxcIcK11HyXLV+bX5rqTfXkfuNOwjpHwpESuEC6RzXA/LBszx1y0+RZSB2ErmvslwJXE
-8Dx40WtL3iCAYBDkWijXOu4r60sucuPAVpRMNdAyF1BTSnj24puTj7iCDDb9Kfnu8FYqlvztuHcr
-7CutWZkwpvGjDK4d7ahYnJMB5tOPsjHZ6lSPN6JwgltAfMeGDx0CE5sm/TqaWzLpnIpb1HBDf44m
-gLBGYlzLKnnE22afginqd9UYWz2q56I89ZGKNgFh78ABsZAWr0we6Zekl9hYOJanjs2aKjbJuL8B
-wR0S6+NdiKr8jut4X4sczbWm3wRje6OyjLOow0zSOqukyl+bDDP00k4PY9vfVkaHQLS4olpjAKBi
-G7KO4Tk0ERKThz4Ea8XXHLE4UBJLxhYBcY5pXRaJ617aeY0hlsGhAP7e4rrJF3AqRfqvneN/Q8RJ
-fBO/a/zeJEj+p7TsfrV0vP3gD0sHUiKmlGo6KRnDICL7jwDpTMLAF4D4jeQ2/sGM4I/Gz/SwdOgq
-RQvqNn3ZT42faX0glgalED/GNIXZwT+xdZgOr/9T42fSeKiEPEZDgj7TNOS7OYiJdJUHlCMuFzge
-4bIjnIBzzifyhNyj9krrTDQGuUPK5+AiVV+hjlpekE3YxpoYkH07VNplwINzM9davg3JOAKZuLRX
-ZVjsQaD2R7ceHZ8weNIKSDG6J7SiUmoh7aKLXcU1y+37gWXTY0JCSIGCKNF2RlWXq7yFB2XDHGN3
-txhbgRaHiNUhkHA6cafzvkHbWOEeH8aVLfPmiK8Or1Md3I3EZkwtrSXXUUHqjH3dYl50AWOsncw+
-GmZAODJBJlFYf+1R6Ph9UhF3NDTJupHFfEUqNJxt4s1ZtX2JNPxgddZqG2bqxhb5wbIDFcCUNxQ7
-rbCKZ28eEqpZ5UIk7INM6Bsk/+aGgV/3qREdIhgHXSmC2Ib6xeb1c8BQXCmTZZDr7ee2j09OSFB4
-jhIb9YzA2lrOCiZVDaT8JDfNDPW2btNlg00eUxwQSw6kiseJbkmEPaC0kF9OtLJZe2QNdxUZdAws
-JE6enqtQMWfn5f0ehhynNtG+q9kj5B6Kme6LQGfinRhrK5qfrG7ABQdebIM5ovM7mFEc8BxDDZka
-m8ztP+ctNKhpyo8VOecXFXa4tYQnVy7OVqOMJ2WlLrAisEeLmd+uaMT2XuAduxmguJuKilyMQHua
-JZtldokWFRfyUNlP01aYUIKxVc8HwVzuAYQyEBPDHXi2EwrdTgYhZa3GwmjSTb8AO8OxGO6m3gYu
-x/Bk4xnJazVV5kWtgcBCNb0mH7L2e0i/K8k2K5K9s/Jq9lUZQIU0qR/K1n5ypwUD0OisQqBgW61g
-n2noS0QllX9arOQ1qTtk1IT+IHkaSfD1Eu1YC++biVwHF5Jn+dwTD5hFSE/ilnCb8A4CdrntQ/yE
-bL2ItAqJZ3FR2JttRr5PZx1qkRivs7kwwWjai0lLP1ORTBtk4dUmiZN5bxW0xwuSbVAW3AvocWu6
-jcrcRwugM5O88zWyldonOuaj1na5nzpT4ANzGogZmeud4fIJltIjjwT79jaQyWMj7PCq0KN8K93P
-odfqxyl06rVV2dpDRsgDeHI7Mn0ni+NTjtNrXbT4UenY5x0Q+eYBjovrGw7xlQsRQn7bLldYlLMt
-JL5xg3HZ3i5svHwLq/+mmICZ4wbQwZY3C9FASMzZK0TrnlQNHzhhssLFax8M6st1HLrEHImQ2PJB
-XNAE976GGuuRZo+r6AbSF+y113bojb6Fj2GlW+pRaSX6I7B7fdVpBiaPoV5wo1UEQfXQFgGJFfep
-Jmfid3v9aLAHt8h3gQK5HjVSUYiQGnEB5/a6JxYPLyqSf95qf+lo2PRZAl8WJa6RMrWv2fp/jgcb
-dFXBGnCoYXP07qD5zsL1rJCw7Z0oS+Bn6t9pWFzIaaV1VHAf6q3uXid/lCmvfXRBDitUrKq86w3S
-vnITAcxfLWNm+6aJd0jU3hdodacYLSOysNsM5w9e1Nig9dS+5eYyb7MGxl7nXMaj8ho5xQ5fglpM
-F8XWCbVmnTcgseeAhUvkSHdlmPGnugTpRozefVuKae8MbCCy1NFWo0sCkqG780bElM8N2dlrPbSb
-q1k42z4Xn7ya0COXgFgov611H4goXOeOt+lnYtb5qoF1q78NLdoMZ4HtbDWJ3OkZaEZwiek2yQSx
-ejMKt7lLK3/0cncfkSBXZuLVtttL7CnJobWmJ3ekKnJiu1tns7TJPYiLB88bnum9R7+qnG92xOxn
-CFQhHmYPmFcuHLNrritXHOOyyWG2lBmCPhs0U3ObRQGp95LgEfKHvzdNr4OBJFTXWvpyZ+KN8APk
-35ua2K5LJIjNDmcS6nEsNPssKRjXEGYzu97DbBJrnxXGxWIn/XYQc73tXLJSJpdXLBayzzCj37ZY
-AhODh9CkMU5LR8aBZMFnW9J2LJTw1r2SQfo2iTU0hO0hbOCxAEJFM46iSdWEuk9moP2SpdPHMej7
-vTM7X8teoKsMs2jbi27cTQVOGvSCbNXzwbvpsuFWDx0mFaap3vh4VdVtsO4sLOk5CRLJUm5GZPpT
-HQNwsM3sYETac+9VuKyAdkrQjZyFvTLVLQ1nTdwA/AmYtExTfIyQPu1CjVMO/D91P/ECjMIE5NZF
-WtsQncEW3B/scLPCZukkz+MQW4dFcx/mrr1o0xrRsRZ+l1rlHLMiI4vHyZhdVDQaVukQ523m+tGt
-aEVKkyf5wqm6bdi1+6M7AyT6nLGB7B5NGJcteDdXq72CaYiG+AYfI4Sr8alj1ecoipzdJtgnufty
-9yawGo/EaidC4saXrExyq5XU4CVmj7VTQVV4lD0bEWhfM6mYUGistuT0TlcE9IyYvwoRWCdp4s9v
-XsphKpbi2Mihdbx1UrowibBXZrEWkapbMYVqrs414797lb/ZqwhWIGxQ//te5fZbUbQQXj+9y7D9
-4wd/bFXMD7aHcp6AN0chXFxcAz/WKvoHuOOGAS5G2PCZ1VryR3ktPvCvbESkP4zW/7dX8T6wVsYx
-YKD/R6v7zxJtSH3+pby2TNdR4BvH0IVJii2s0V/3Klku2yVnLr23nCKdfaKoYpy4mQLmBlPpKXWp
-ITFFx02+HTsbPCmSpeaAZ8nQt0tNCOk6ynTm03XbZZYfUfhoK7AQvd94XypmMDejDR0B67PumzHq
-PYZCLviEXGtbdCKz6S92Rt2lydbQNhzWaM5w8SH9Quyy7JTn7QldbHOcFasBaYGO/2VZHgOhodcz
-UfJvmjPgAdl6TeqCwj7oNQMd3zjTIM5gCNY0NOWlrYARGIpSn2KUzNKo2MfOEn8DMhN+GRdYExM/
-89Gay6TH1w2LIjpjKYwzooJVP2CtXpErSsWwYFWcXQyKaxGXUXc1jLAuDEW9CHTMQ6tSsTBcRcVI
-nDAZcK7BypgUNUNDec4aJPemlVcFoBMUX8NtuMyGRqIO5XOkH8mw6TeFYnIIRecQHlee9DWDzY+X
-33aK4kFgWn6nK7JHohgf0Rn3gXOzOGI1IS1X0UDSMXK2Ao0CgYLEsZB1Euqb2SFKc9WkWDvJoNGf
-IR11l31pfmytsLs32raAjdMEoEgEou8KSReEkqLp5ROZnWKb9CprCO4PKJMlCK7Yfsf+LHUs3iXI
-Bssa2hNgLzfZMCe3jhJ66vdWA6Nt5sbJGW5zwn79diTuAqTtrUm4YkldKKRatvcvBur5R8S8083A
-DHrt5fZGa91ubcGv4xQlk10WU3ZEKhBc8uAo7iw8qVepKZ5jzMU+WqDUB7IxbwumO/dzb9UbW7Py
-/QgRTi+Nbp1C2zsRgaff9ETH+wHy9kNol+CSpLvJTZ7nUU+McLCUeUw/Vwb7hNh5lcCcfke788UI
-PG1bmij/QftkxombHML+NNWQGI18hfgZwqprEWGA0oCq17orudvWFKcXJZl5q9ytbV+L2o8LxhdG
-uI62jQSxn9ZM9urYRhapegSWGL0RHzOcDR8RB4SHKouIXM4q0ltRHB3ZpCHc0yJypAwGXpnZ4MEY
-au4bbttxNdmz2FVzFKz6Ior9RDcx4Fc2DY1rsICfx85aET1iluHOZo8VGo9ukE3xFoL0SGFlGYtp
-934yRmHkntiiwktez5rn9vdCsC26J9uPbnxloeM0ngxo0slGt5L4wm505w6VbxA9T+ZC0GJPmLPc
-Fl7JLJwd3MzrD/G1587i2cMtrq+yxMCh3VAVNRuTbar1kbCFIjmMpfI8ZHj/+WsQiZvFrkG+N9wP
-cWyO8KfiHgNnGGqJvE6lPiQvado1S8G+NVXJlpFFyuVc2d7iD60g/JLbLAxfciMOEQ9FRszno5U5
-tyetrL6ZYLywejPOYZqs4hxwjZTU7qbOZZeG+7lzzZe+LMbui5N6Rmq/cI28flhlfVce466QSGmL
-IO3kpBwDhN8iAKKJjPS+Cx4KVsGwKGspIHx3jNX5YgGz/PdJ/b948ZSMAd3Bf39Svykg/jwI++MH
-/28QRlGKRsr15I/og/+wTcwPOo9ayTfLdN5Mej+e1Ey7TKwnrpSEy2GI/8+D2hQfTFc9qG2J8kpJ
-Kv7JHEzIdw9qQhl47OMFNGwqBsZ1Sl33kxHPI7CyC4JauzCRY9+5LI1ITGqsQ54t6capCGXCkSJO
-MrOHHYRjMlXZPhxcg2hwLA3jA6E/+YVsRb7GjeAyldIHa8XEqFijx0/WDqBNAmzCU1jJvZl2wyow
-CX41TYwCfXo74nWghwjRmWPtXZGDN62D1oQBnhMNTVizjjPGzMR9VwDwrCqhoqBCEkTHoX0A3MWy
-2YGfNEMt+aprPdp8+ZiQOikraCJw6e5mb2bbWtrWrh4JGFrJpM9PcbL0RyYw9cXsoFBFCp2ngOoX
-TrQMcOsMLe6QhwQhJcnSHU0eWduu7RmjQ6ezIXbp+nVja4KvJNGv/jAhElg5Uy3ZsetgUhfUoxu9
-Mtk3WrV1qTfuHvjXqdJJ1pPwua6IHbgogin3kwnJb+ii/0+jdF6hyA62HbL8NTdMuXELg2BouOKr
-GKkrVAayQomyvlg6M906luYcc6JD1wEpd6vedKrtJEiq2k+FNOBEtKz402y5r0kz98c5ekK/IR7H
-3LIPk+kML4VRApBta1xBsyyD66qZwatmZRQ3VF1aZOgXQxHI5b5oMO33m3gsXe0LJkmDYxDBqbbw
-7GoT9tMFARhr5hP4D+BiQzGBfoPyUBYuKUx4AmisQH2gXhnqcZdT5+0Fbp2dkxdsJWPUczdTXnQn
-zel01imxRjTnyl1aOay6MLYuSSeFEGWwk9xo6YKcg/kTmwZQHum1NhPhoSFNnQBD7cq3TqX8o3FJ
-3/oYfpHqaqq3HscJik51PKr7ad46Ia8tY9UYNWxsk/Eu6NJ8V9Sl64Q3IEWGYdx6AQfusjOXqlHL
-U7QP9uN4hnpqw5nwCQI2g/cpQipAsdVx2SoYaPrGBh1jhLH1lpYVbKihCKJ4Waa78YwVnc+IUUbK
-4EZTRR6NzxBSDXydsljBJo3OmFKxKGRpZ0MvBeEGBqPwahb2YU1YOUSdU4GhnqwOx6LdThDiPwVv
-UNRkFsaawBL9ZhlGeyB9ViFU+zrC7I3ut6AAhrFKar22gZQCeJUZyXzfnHGsePsJDTpDWglPka91
-BLk1UwzXWtFcbcV1xadbre1IwV55A/rVorfWJlcs2ElRYWPFh7Xbpnhi7oNKwTkDZLG8U/PSxQAQ
-VITZSLFm3coBO2u1CkEbKhotbqQOrZ9i1HZnXG1iKXStoSi2kd52LA0h29aKcesAu42MwbrxkiF8
-CM4k3DMUt1Z83H8fiP/TA9GkofzdA/Gx+xT9TETFS6R+4I8HISCtD6x0XBel3R/KvR8tq2GoB6Eu
-oBHoLF6Q4/3csvJsoiv96RF4Bn/pulRPK7SBiqD6D7zo51b0JwmgTg6GlCiYlRCRDYJUktWfnoAl
-O8ionN35ysOMShaDO1bzvM1tRPJEtcsDfG7lIgwxd7WWibhqnllKx1DB57po9g0UGrUDnWiXUNCf
-Ld3RPFu3LGBazEolBXDgwlznwBhge+a2GYwcdjMGl3XvDa5nPkbB5JFUzgQSOGg4Djzr9CzQbrzc
-HPIjpxIb67XAxeXyZCM+od+PCCun4RA6lPPBIYCQkRw9x62H+2rgIt9rRelAWjexq2/CZGSEyrU0
-5Y2LF3et87I45irdBpAownqF7J/HZJObWLTHLL4O8jza1Y5YoDQSSfZQ5MADl66Ue/6oktzOXvs8
-Rnn84CZmgwsjj5K7qbSuuwlmz8IyeBuVQf8piKtvNavBFNQyYYW2zlzVKwckOWtvWtg4HxPEBhbD
-5SWFjrQZR4xYF8JZ8sJQk+fpOgrTQTswXVZWTI7H+V6bjX7RfazdiaJpVJZwdmTVs8ceAr3s6r2h
-h4HB4ZunQ51OZJiRrnpVsRcr+BByS4h8OPx7IPxPBwIicoZL/71CfvrW0Jp3v5wJbz/zY4xlfMA0
-wLxJ4hs4D6v+M8ZyJExA09EZRbyVuT+NsawPqmgl7gBd/5+qYwccOTUzAECDXtH5J0eDGlL9dDJw
-HjFJI5tZYm9gnqW/G2LRU/YL1iJr77rgrvIogrAf1nL10zW5fft9/6/o89sSRjJ0i/eKfJewMv5G
-Dj7JLly+D38O+oEExzIM9n1SFMZq0D3ScKagfFXY09vcxjSRLaSN+dAr/06Prz6vn/9E+CAwn2zd
-1UEcMo+x3/2JEbiHSaZsY0PTK6kqm3akoEW6DBk2PSWMyT6FHE3eqi1i6bfLHH+bNMqGjd3Y0s+Q
-Wa7mHlVIN7gZdlmtPvYqlqp1EyzsScYEv5sbhERhCLi5dYJTbmej//sL+Jd/BBoDj8qIZ4Kw1RX+
-6QTXG7MCH7h4e0xyYjOZ5bLNNRzoMQ7Vx5oufh0YKTAELYfYa+hnA3fv+nBDMFt2sadEyQJKRkuE
-gj5gi/A8yKaDm2aE5g4pNlI0enncd4Ablg5hHjlwf2MWec9DUZ+D69gefEkXoqV4p0NvsZH1szN6
-e+rZ0W8Yv62moZnRtyXff3+11OPsp5v6/InzDJbMaC3XYnj868WyUIFyiPNKA3twBhCY+DvbrY9N
-J+s73WIF+/vXe/clOr+eh5LDxHDCTfZeaCGMtigAmvF6YdzccaK0q6UP/87t8xfXzwRog9bEJTyL
-h/mvf5XXcFxko+buG4GRx+WqVdKL92nrPvz+zzn7ht5dP0tQYYOz5lz406GQYLnzRu7BvVgMHJJO
-SzFKUOVunvng5lyS3mBETGLhUKSneYBBU2U2tEZE6KcI9uxFbln1XTMrSoA9oGCqDAWEGyAF7sOs
-ArieFUiruTcfhxCO5hr9PAHXPMTRApshL8K2XzAKhPHUCrt9Hu0l3v/+j5Rn/vsvfyVLAoOjAWcd
-bh3PejcWCESQ9dHSTPsRTNiKSMDxAAujPWiodbclJlJCzMrvkIQ130phynHzJvssV3tDo+q2adWw
-rUzjEbRGIX0igxkHizS+tpCPvTpjnj/TUTBkHMW94eU1RkO8sOsGfuQDMXAeUeFxgdAgmh6jsBB+
-EcbzDiIp6crhK8dZurdJl74Je2EBGispwGwvojgJQCyHdryHcTivSyvONxRAxq6VpfsA7S05JBr2
-vII0EFibYfAlYr6yzhmhH8xqGW4q/LiERS+Oeck4NaOkgKhWDcJc22bVr4F8lFikDJCbKYDUp65V
-UXsMKop81m4sr5q/zvBEWR9G3QYVjNxZgYmzI7GBtS0I7nzNWUyosVJ/YLKSP6N+Sb8Th1OySNU9
-HMEqvQ8BDJHpqxIywkcHqobv5KLBzO1lh2ROJpgfnn1jZ6nrE64DZlvm8XjTMyD5zMYOjkXdbrQJ
-ekMUpN+0VHOvNJo7iGFxuNGc5kgByrsGaAsk0ztMg1ZcE5YB6WNiCrkKG/LCNJbswK0v1fVETZjQ
-V3ou65cS3qGRyxcrYuFhTpF+CMEWXZpBNT9qWdoJ/qu+XBu9BspkVm2azvMFEv4od6L03EO/mPJT
-Ax7zNuE6FYeOSnRdOy12L3ML0ZY7YkBh2ddSfirrptymkYBQUk3sZEtRNI8FoqF1SSQeH82EMpKI
-4/0499soknciyHts8dVwQBs7r2YNtNSKSJqvsuEzb2yjupub7CoOiMbER5yCe816vw/SZhXlXb9u
-dP1YCWg0emiamOKn8L5Iwisk+a8RXoR91HX6KTCWeZM09jMb/k+CCYaPdYCss8T2njqIGlvZNMal
-8/+5O7vmRJUgDP+V1N57agCBcLFbdWKM0c3HVionyZ4bilUiXwoCovDrz4ORbFDzUYGLrcOdos1M
-M9Mz0/322+vlCrpb3zihAjUlcqBAOll68GykmYC1iKRgTNSSvPLZhnMuLDH7U2PgwzGKP/zY/NmB
-VIHGrE18+H63R1YSGfvkJANyYDHST1mGwG5Mj7U53nSXrMKpJg/iJOl8V8GoX6QdcEfxWs0tb5UI
-EvATHYdBTsLViZC96LogYoCZSiQ8YLnUHTqEPs4lxRWUR2W6aB1wSz6oIRl0Sx8eegdohQNsI3XM
-3lp483GcdacPHoCNiaYn+YOSxavR7Pg4G/qZAWIO0M4FLHoRxEig7sEGZ8OlxPzq5D78UEGeTxVA
-HnoiweNk6AUl4BYa3AtiCv69U6z/6WYU9lQEqUrChwmwG4RdYNZL8qcUCHgkbTG/cKnjAPqBWACg
-NEiR50sQFxzKFiMjIlSjhct80NFIDFokwj8zvSx/zMDah1ciByduRmwKiiwXsIrLPrU+IRx3p6wc
-UmEen8hiGfVFtpL79Dge6RoOuhWJHfC0ixz3m0juC2PVvZaZqFe5KxbLU98k054gYJjZkgeIwwhE
-cZ57Xjx2dNI1tNDV7xz8+RdzVSdBXLC/CMLIoez2it1JxpaPan2Cwx+OpFNiJosFMQ4I49dC828C
-EikePE/xT31RrE7JH1v/6KgRSRC+pAyJePlnEQQMd2GakHLikgBUdBwBuAMuDS+mk4uI7ZcWhOao
-gIT/PM+V6EpxCnOkUwV+AFcTuVfgOCmGE86jvhFn9Bx84XUJoztVlwqEGSmFu6h7Nr0u9MhMIDwt
-+I9sBMn9VNNK2IRCS+AhE4MsS+lSRyvRUPjPpr3U99Q+vlr1WsIwUASb7IQolYtzAdtYz9CX5oi9
-itqLTM0AbRnEo0xjvEqKkz+yB87uXLLv+0ooL0YekXOIftWuPJDEbDGA71ilTHbYucl5ACmroCkA
-yuswWKm5o/5LNj/8lqbmpDdCJ0faJIJ8EwuyaGIKFD2IYxUEB7AePVuEg8STixWoOqF8V9digCcT
-dx3hSaj8F92zyKEg8Mwn1JIFnnMWKqYDGdDyVjJLmuQ0dU9Uf6X2oYEAiD03AOA702wQR1nuDFC/
-7o9j6DudiziZLagbkVMwF44LmFnTWSzIIwQVdmGYM6JP3XWeALMktdm5Wq/k9az4nx1YtyiSg/Wv
-n8nby7ubI9Vt2N+cVl9U0P7Qjyqf0WFBtYLaYyC6aVmee+qG85fHWZn80/oBeNOkTVPekhBY1Pxe
-TuyvXxTjL5XNOAyJbNQDAMDb7ylOximX+E+5x9xc3Oeo/UI3r/X+7Y7t1xjfl1NrujWZsddywTW6
-47TWeYWg0ce6vyPjd/cJZxlwGYAVIWpSXoBjXmqBYkkchlAOefSb64/TgsrOq6EScGjKKsRLOC6e
-lIBWXyoBMA81DdiKE5J80sKfNhQUgp4cyWquoFdmwqtDQcEZpCmUbJc4XZXXjhaYEMwGGX8M1RjK
-i5PrRyfEB2bNs83oOW4w2ZgU104OGZXXflDNu/372/k0nHz9UlqM2g9LwNjTs+1np9u3mpI2c/7F
-zcoGbJ6z/fu2g/uPrj2r6lX15blrxxZbkHxzI98288qaYZj+DqxfVr1qB++F6fm7JV+/1Nr54v2/
-I3iniCoOac7rjeVC5R/WSXEloxyVzQX71jyxkkpS+RrJWGZ4NpXcswL3MYx3oH5PFqWx7DAIY2sS
-Vq0sWw1oAPvZXPJ8bo9TF2B2JWwjHCRi9fkgCvLZOrw1Ok7twFpZsV1JKiUfQ6NSfW4gebuEHYWP
-Rz0C1LNfrlVJLZ9iQP9Qff78U9i2x+6kJhh7Vnq9mqqdUsrxtN5kiaWRDUhTyedo3HUrOaUuJMoF
-tzBShhMq/9TkggZtwYQMISEmF6E+I8k7bWH8DecT19qxIl0QtlUvPj8yhuGqPizw+ONWa/ryvu/b
-Jk2SW5gv32nZcuznVRM340JDy9UXn1fFRYjLYU/NAJpbGBuXMIrVrEcZDWqhzZcWdFTWfFL1vlSH
-DBdNC6/w0koSa+wsEztNa2MaQFa3DZW4Y8edWvWTC5vKFmb4pctakOymgrJPbWHCwDZI2RGo1aOa
-bSJhU7QkPVzGu6JbaThBzx0bIktkulZD5/MT560S9M+7x89ty67szKqvW4AFlRa2T2W53HMLXm+Q
-Y7WJiXyjhdnzdjnexlpZHV3aa3dcW8ZIn2hjRS9b/pOautW42JiUp0N101Xh6t1CEU0Vs3nAPvpV
-3qaBNxR/7bh1jUPj14IRf6sWYdMWxzYc07VX2cVtUX3x+Tn/452MoIbtvnHCiX00TPbWNl0r0QBN
-B+ITSvpQxZISJ93CK30Pht1QPbdo304Su2a5wIsBOmusm1t7XT9Vbt0oTXX+GhCvoSregPM0lexy
-stk5BSsq6evNdXxvse7AYVOfmkrJ+dCCcDtJj+4ONR6nZQuHkXs3GYeEQ2pmRYH3tw3F5CQazaeV
-Esq1RyGn8N0F+ZCn6dktve9/qtzNh/5Wd66VvxgHthV/+w8AAP//</cx:binary>
+                <cx:binary>1Htpb9y4tu1fCfL5Kk1SHA9OH+BJqipXeYydpJN8EWzHkaiJEkkN1K+/u5zuPrGT436N+4CHGzTi
+LqvEYc977ZV/3i//uG8ebu2rpW0694/75dfXpff9P375xd2XD+2te9Pqe2uc+erf3Jv2F/P1q75/
++OWLvZ11V/xCEKa/3Je31j8sr//1T1iteDBn5v7Wa9O9HR9suH5wY+PdC89++ujVvRk7f3y9gJV+
+ff2+0/7hy6sbf+sf3OtXD53XPrwL/cOvr5988/WrX56v98Perxo4nh+/wLuxesNQzARi/PWrxnTF
+77+PlHqDsIzjmFL0+Aeef9v04raFF/+vz/N4mtsvX+yDc69+//nD60+u8MNT7Uz6TRqpOR76/c3j
+LX95Ku1//fPZL+Dez37znUKeC+mvHsHRW91l2nmr7z3+9fXFpz8E8k0LT57/TS1Q8kbFitA4Jt+E
+HT9VhmBvODxhHFP1+OeZMi4e5lefjK3/69ULanl6wJ+r5T8u9OTlb5f/X6iz9P/8v9NZLN4QRjlX
+WH3TGX6qM4zVG44FEZjib0r7Y+9vDpTeNvqrsZ2+/R9r7YWlnuntKID/hXp79/EP2f3PfS3GbyiP
+JZUY/1RvEPgg6hElBPmmNvnH3t/09u5huXX/Y5X9fJVn2jpe+/+Htv5z1PwzlWS3/nbzmIO+C5wv
+P/0j4j579UkqeyKAP+S+//Lra6yIhKD4Z247LvIkH52ZUTt9293+5K2HW+d/fR1J+UZiDlqloH7B
+GSevX80Pj48UfYOokIgJyXFMJIZHnbG+hAwZv0FEEqS45EQoMIzXr5wZj48ILKioREoQAkEgVvjP
+EuDKNKEw3Z8S+f3zq25sr4zuvIOF6etX/bevHW/IMMYxJTHFTDBMBSPH5/e311BmwLfxf+lg59Fo
+bPesy4XMqirC16gc1nM56X5rhkr6hPUC3blI5O9Eqew+tF1+iKzOD86SKRWNwGcG8W5X03VKyYSb
+NpGyjt7JvnWZKHumNwZ5leKyWi5xF40PlSX4bCmL5gMlg9/0rdRpUbb5uUG0XLKOiCmzQ2xTXCA7
+73wbrSdmaPnN2I3LxXcq+4kIII09kwClnFAGYgCZxsea5HsJVEHayUx9v18sXq547tSuCKNKiffH
+e8G5X96P/WQ/FaNjjcOlwAhc/fv9SITRUtR1v58jGydL0dwV6zylOgcZvLwTGMnzm4mYYCGxZAqT
++NnN1pHj1ZW82c/54DJSVSFRgUU7Gef6ZiIN3YWyyq9f3vQn1xNUCYQ5GJOE+uHp9SpE3Nx2rtmP
+vAx1Eo22ShwigmXjwmxI/v5ujGIuKZaUC/lMmIWSUDG3VbPHaGb1eWfbdbtwi+fLsVHvXt4Lox/l
+qQR4qxQxUhTTZ5stddGUbY30fiiXJk7jMndNNgytyaTFa1KGcrkc7YjPZldPJ2sjfL/Rjru/fWeG
+kBSCIgEJA4LKUwk32InQjnG1H8a6LbPFBZfxIs/fKd4b9Beb/WhDDGHMCJFMSkrJUSbfxQc7qCb2
+llf7Hq/rWyOty3wEHtyXfV3ug9OsykSnavkX+/5oRgwJDvUMhmpHcPQsLtVFNeuC99W+m4epTybQ
+5hyP85x0eqz+3l5UMVhfKUjNoF6M6LO9qI5mPJVK7zUeimxYgqiTHtlwWoQ5fv+yER3X+i7ePu7F
+MAFRSoEow8+UV7WeRzYCG1rDOuPM5KI9NDqecPbyPupn+8RcKg5BBsyVPNXbyBtnuVn0PkdsqrJl
+ruBSNHQkyaeY3ZRatz5ZrDc6WW1f5RvUFuX5y2d4ZjvHu2IlIdBhLghHz21nCrjWA/NwhskVWY+n
+gSTFGhXneRzagykkyxyPw1/E80cRPhMxgRDEoeCKIYfKZ+qcCj6ZNRd6X8o8/s1WvD3wmIaLvurK
+nY37ziU+MkuXzGEpRJrPY5j2M++WL5g3g73vJ9Ue6rzLTwoUtYdc5/DXWkVvX5bOz87JQDFKCagO
+FOLPXKtmcT6vIopOUCz4XQgjtek0NApU1PCZn3RR1YskVJEQm8jM9TmaSGiSuMvz/Vgbeqq8yveL
+lvGFirgTWz6VpspMqcS0e/msP1qtRCBNJDGDioQ/PypSnTeumfW+VSjUaV3IpU475/zm5X2eeT1Y
+jEQQYyC4EQl/P8+NOiIglMjpvZnN+lbpNdJJVxt22jjKbl7e63k4f9xMCEkgOzIllXwm/yAdc3Sp
+IJxDl5sVMp8y1PRj2oCrbHPSF2m/zOEUj4v4FLVdsVsM838hWIzY0ROfmisgHkggxaAogOM8yyqN
+7SMCnpGfiHG2YS8aAsHUqyXu98XYr2+jmKM7VuY61XpsbRL6sirg/2srE94iduqKKT+ocQxXflJk
+TNxQ9TYdGj/qlNTtet6ULj+UeiDXaxPnX6dlbD7I0Kzna2OXOVGD5TdiWOoDaSU7nSyCgOvamVyz
+seY3vOzRiccSn5UdDWOGeh29i8S8vg1FHo9J05XTZWuRv23ygO7WCMo4F/VhTdTS5V9bGbH+0LVD
+uybd1Ocnq8PUbStRjmUSC3usEUxNUdINhN6WKsf3UM/G7+c47odkyac2St2S06/N5OmctX6Jy42T
+VXlexODZlEFowXbSd2MJwdu4gn0tTCRJ2rVQNqZdjmSRzloV4xaVnO5miqAY6sTivkgxkk1XDeKT
+HGYrrw2uwN7A+4t6WxsF2/e9jd5K4iB2IjeKTyvNWbbUqjgXx3cdM3CMwGK6GfTs5kToJnqnTBzO
+Ic80H4YhzJeP4s357DekK9HbPh7K+mBW0ZT7HBc8PhDUlud1odpxM6xl1W/EY7QacTi1foUIJfES
+fe5MDRZp0IJR2jR4PRl1D7ILTGqXWoTKd3TR9LfRoiZKSYG6q7gmossqCuvMpS7Pue+LzA1C31mk
+5i7JrQ3FTq2qWRPKIClURRy/l91kSRIRkG0bE33XFC3ZYmvobcWGqEnAaRqb5Lpd37I5Wnzqa7tc
+oWlYLnWgU5kJivXnhnsITStuPuCAaLOJj3bYziY/yLGaizSU0utsXTAUMLg167abGrAl0fr1vJhD
+kyc5tF4h8W5a37YsQihdW6hzxtL1Ia3gAi5pq3nNUwcGtkGu7G/LuUAnZpFgvaymy5XNy8WcjCV0
+DJyZ6B0vaxAYKmg4L6KmOtSy2ag1qrPF0uXSRM2w9ZXAJ8W8ms3gcpaGyNi3hS/1Hknbnc7FTFPd
+NjrjxKFzHHfrYRwQP4kFy98VXmwMHevbgXf1eYDd0jxn4rJdxa7Wa58OXb7skK7iT1KC2/W03SET
+fBLVY5yhaFlTAj1finlnt2oxbUpt19QpSJV8UHq61EUXDhVW27Ic4u08luagwEmSMhr7pG5nlQwt
+XKuppU3Lum6yMPkxIY7miWf0kxUuPi9afWkXL5NpipdsCpKmkHDiLRv0e57zdhNcT04b1qRorFna
++27e1apFab3iMilXxDPV0zXRqrx2ZbhTPbntx8htqqiNs8Bpl5B1IvsIyY8Dd3mXTHHfpGGRkNXG
+nnxuY3pYY4mTieiLkus5qyl/N035qelE8dH3ZN2UNCyHsmkhANNjjdSScMF1HJ/71Q1vsW7cIZpY
+na0rP6vFEGSf0LYSTtXHIFK4hwHV/UnAphqTLp/yIQlFXB2woQYneVSIs5E1cCDT0BglUyDre7bS
+eLvMTT5u/ETUqcd4uIRCiZbZzCFe1AI1720fivcjQfNNMAzqB+N6WST9tIbzWqzxJm+52NLayy9V
+q+1+afiyLwfVwqZQRZ/bAl1LNs/XYg5hE6/juDnmH5Yspp/KVPdDe+W8WFMBntbsaUShFCC1yVMb
+oBap5QK5sOMu5UhoCEXdnBQ0h4wgCiVO+gpanxHsL2uhzNuqFdHdOE+0T21P2kuH/AfRrEOGZz1d
+0GGVVVo0RlaZ5zWttqwi7WnUu3rbVTW7QuPitlyMxW++KubTeFwyr/P5UM0j8gmRs/ocV4vLE9YR
+p9MJ4uS+U7Y8xAPU7QmZpTtZpxYMs4LaAVqEJnrbBCs2bbAfOyPZFrV++jTSTn71dKlDwjtM3pGW
+id+WeVXrDjEdpWGclyQ3I9Rj3TKc9OuqLpZo4G9t40IaG9OnkR/ECXTQ6kQtmPikx6N96ImUm36u
+wmHw8bloKTpXuZ2blCp8RpnqoITpxG4UjXrb5ENeJnmcx9D8VyUFmMLid5GOAH3wjTqAUtXNwsY1
+gyTc+KSLJnq/rMi9FT4C1GDoXCbNQDLJwQR41fVJyAu2m0XUbLn002aWmr6vgzNXhXdx0ua42ufV
+QM5BgjqL2ykdphzvJsbAsFV3zgE+SPNWkatiaNgJG0R8porCJbZf2U3OBpy1cja7Bq39tlmdvB09
+XAkCzZBObtZxKr2xOqlzJnfl1JEm6WbsksLlxYcOLfHFiKS5RGsOZb+KDU96F1XdJtSRoYmupmbX
+1J34xGoOII4ZitMlYtJkeU6bfYhUePDQjp/5eB7fehotMol7Nbk0qjvI6VTNNu3MxC6gY+93dSsE
+NADYHBocPHiX78/nqm2ues78pXTLchIPrlSpVvKkXVa7n2UXJRPO5akZlvy8Gju5o8XU3tXdIPim
+7tXwGy3YsOW8qr8q1uo87UVv9hEMtzZ91dgPwvWfW1h6YwdDm1SxlTSpy9fpFvW0miEIuGhf9CPU
+shIjnw5lxzJareMpzoNOkak2oHG9qVtyP0eqz/TY53XCVOw2XVGEc6FGcydwNx3WpYoyqSAHDmW8
+7gILeUZl7a8wmtxdZWuI2UMDWQOCgK0Ln05UDDV779HYCXfPKfSKCaLdUn4tozCkXrumBMf2HbRJ
+Pvo68LI7X1hPLvTMxvdRkU931Gr5qRiV7ZKuU1GTLWiVDNJeaBvRpoCIdCcRp+FASKWKTcun34LH
++gLV7ZBFcmpwUg2VSfRc4xSqqOIikCAy3wyAapAh3zPTLDGcyi8ntKvQOZ11kzX1DDnDkBDatBlH
+zqG6NOWY4GpYTnA++wO2bT9mnhID4SysxY2MKxLShZFxz9QCaQQDOgR22SiIPm6N3ulGoa2qDegN
+ksIuRr0/9Kse73vojaDDKJusi1qQgpX6c06OpgyIEjovRU+6RBC7nHAU5x8CI/FtRProK+HjfJbL
+ULxj3Vql2MCyC13Ue9zpKSEjs5/znmooJ5FKB6ffQ2Gcb3zOUVLWwzWPPxTF2iVhhfCaNzkYVfsB
+sQ4lSEbXYlrqpBLdmiIht3SNeGI7H1JaozZZoDjJhCjLBHe2SCT02EkXU5OqRd/VDSm7NII+ORlL
+byBVFidkich25PODX2O1g16epoMlaltjKdK65QfiWpZiPeGkZeNWFqpImSRRJnIwZ1Qt+DSwdjeu
++HbtYeHSjHJHwlAnbRuaHfV6uRk4KVMyyuK86qavUY/iZFjbLuHTRA4agN2NAzTroG1oThQCeIAs
+UwB/tuOuLz26qz1WCfT4kHWgEDrQ0dCNU3rYtrN3Z8gv1VmNl13NC6jmoeBKoanmmZ+Xy5kjnJR0
+4SfMDmWK2klCa9JnzShLSBAmv1qwQ4lvqn4rvXvwNjKbPjLrDnNtknZQn22I2q0NPT/1PWAHa4H2
+1ezejnF0qzndmrwMUKeoi651hzYaPs3tejnW+cEb/r63+TmEXACMGu1PuV2/VkPxAaZm14J0ux6q
+6bSrmluF9LxbawAphVd3mCGXrrYYMxVh9t402m6QIXeLwlBYRQUE+ZLsG259pgjaVmN/upRiTsaC
+37eT6hPSAqqdsAg6gmIex9/WeL1fJr3n1Ui2g2j0nAYVit9Q74o1sVbWB2r7KQkhJNroeIfXzTTo
+j8u0uBOYB5yx4T2S0/hukIPalE7fiLgoT8Ss6tQO0/gxIlZulnnyJxP0MGfjaKMTu1RHNw/owGIt
+PnJHu51uBy4zV852rwcO8OhcHdsJocplZ2YMJbS2NU1WzNczP7HIbst2uWaEqy+IixAdor4BQCep
+lZNoRyYyx6dets5VyVBOy1VD7HE9MtTVbQDQeQbgAud+X7QeLFrMdW8TQDVp5RNUNXiLXVGapIZ6
+6ETEo4gu/OiFzlxkqiGJFICm3M3QctZKp3Yk+SdZ1PlXl3NwQNgVRgwsl9CIEAmNVEakgbaoALMf
+MwPhBXCm40wjmDH/NBbQIOTRAD2GIey00utyMUCO+yCHPJxHlEGXrEW08WHg6KKKmJ42XgVoO0YB
+YWl2VZx2+NidYL1MD9VK5suKB3yGcL1ucWHrQ1nP+aeijQDkLqjA19gxv+HMQidSrBO6M2bm7NyX
+07HlVd6EtGS9+23oJigdmoijXY9ju4faHpaOeBdtSgMNesZCsW4FFtBfzdx/5k1LMm2h/Eto2V8x
+u6Y1nrp91xdVukLK35PaQSJ1cX6ISwaggIMmX44CMILjpOZxv6mn0SYYbvc5j2FmUzfTDgnafnz8
+ipItuUYc2n4jKrUTjK0nJK77W9d66MEWSwAlkPF8Oa9Q9kTQbMKsZ+34japBmNqWLEGlH7aPQHHf
+LDBGWYzMxhpw46bVPUq0LtUuUnDEtpzrA199t+Mtc78Z7eECuoIVIY6sbx0AL1dMN/hjOyLQelcj
+OPO82L1l3XJVL1DvrlGJTtZ6XM+XPgSfLgjuRVvAwnsGbd8wlb1JWaiGHZRq0NuPYyNsNtX5XCd6
+BVQEwEsIBiOG7gRZlRk6sWFf56htwf7RGp0pU/S3AP7pHaorQBTleqqsdSTBjfIAyQy5L5OuWM3W
+1/NMz5rBowuGZ3ZqqhUmZCsD8Cpf68Oj3UW6W7dTBRqIV998aGyzvi2949AmLdHxfGWff406QNeS
+CNqst814lEkzwpQNw0fQ1XJhxARiA5Aypbhfz0mHu505QnFu7NZzEfL5cm1mmRmj1y2nYAGeIlhb
+TccFm4rfFERFG1VOMusbA3i+6GW2dAJ9bBG8UnfU7kV3fGo8SAvzBQwWxyKcT7DQJqxWsWyYI/Sx
+xIxWWe1rtdMO7L6MoLzGAnDW7BF4whHJv66YAqhUgTXFKyxaLZG5BSixizNI59N7TxZ8pvCcH6Yy
+N7d5iZarkJfgOlEJLkzjEWaTs88PeY/NbS2c36thieIkuKlBU2KbHF9DcwA37AgH+Csvihoq4Hzu
+dqrT5Az6FvubV0fxtqipD6MBMU3OkOu59hVUWnBw4uryS7u2/e0gNWy9jG46ND7kew+Qa5uMMnK3
+ayjSAgEi5wd4T1ldn0LwvRuZm9ISa2g9fH/fIalSBcO8nZtsfkAetON9Ds6+gAfmY1CAWHRq5+3k
+N4Xh4TwGCPy8b6f8k51ZYOnKV3zaFARfdjHPD6yJ4eQeOh+WdRAOd8CsAvADxqIyY0crmHuA5ljP
+AFJglE5pLT30hLMawUrEiu4KVPW3MIqMTAqzWPBpY1meGehOtyOC+KgoSKrgRfRuhYbgq8h7uLDy
+Rxu0KIDlsT4/6IK0OdQBYT2JxCgzIQW0fZKX04Pk0Cen0GAsH53Ry+dlkjCFclCQW4BS+2JTQlkB
+mbGvhjPspu6inP34TqNZfuknmn/VZlGHiZVNSIoZMhPV87ANTIQiUR1YwKSG/FPFGesSZ2ObZ8IA
+wJ01vTbhG/z8O7Xg6hvq+m08fm/6YHUBzvVIEfjz47/emRb+eyRx/fuXR47dvz+d/0HOe/Fbuwdz
+JG+45186nubPtWD33093JBc8+fAD0+E/cBm+cf3+w8MnRIcntI7vKQvkOPL6zzSHn/K7jvSBx/d+
+Jzpw/kaJOOYwH42BnwTD7T+IDsBHegMjLwWWHzNgLx2HtL/zHAR+AxiKABM/0h9gGvA7yQFL4KYR
+BtUYBi4TjOXF3yI5AGnjO4j9uCM+cimAZCGgd/4RYseV7fBcswcJJcmoNqSnfQQVdD/p9QNjY1/f
+0sgyt+2G4ALNICYxKGUjk4P7dJZ2EVQ2Sy0OqmRQYdQq6oaTWbWNO29Y20chMTW0aHcMAspisojz
+BoqGAoa3+EFA9Byvm3IRza2EJi2/j9t44BcF10MPYADWDo5Ce2bbyxJ60bnLiobZuk/MzNoWwmkY
+4MhQ2wCOS9q4q75GbgK08m+RBShXMIqCkQg/Ds5A6s8HrgK3eix5KR/y2QAmfuJb2tCThk7OCsDs
+Cw+l66p74Jc1KNck335nUb973vdElCPZ5YmOYJQdA1sBaDIxaOqHgeVaxdJxxPWXCtdxrVNvYhaX
+iVIkGqotzCkKKLpt6QtaJhGN1r67mmkcHACmdOVzfPDQKLs6MQZ4I/gCJk0DPHv5kMfh7L9HNVSg
+IzVVggkdOZFHs4Tn3w3DlxIGVKWNoy8ww50QyYpVFGLYNpJ6ABI76zn/XDMEZe/L+z4dpD7uSxUV
+hDBEYKD6fF/AKYwwUSy/FNDgO55MqG/cx5JCQ1wkc6VHfdnlwDD2SVkaAp3gy9s/nSUftxfAXKOS
+KArtJfjQ02sXbNIRWsr4SwRcH4AI2Iw4uwVHivzerFo0FzrCBp/H9RDGm9ohtJaJK3UDQnn5JE/n
+g3ASaDgojOvkkUgFs8BnCvBcoyrUXX6fq7VjdmeGvs3DJspbp8IOmDwLaOXlLX+8vAR+FuUwmVTA
+tqLPpoSlANCvCsh+oXwGL98G6JBwvWXAm3J0o2VO+Wc7gtSHxHEh+GcDSdOqzaQN6ue/MAT8LJKB
+ABSi4CXgqDGE0+czy0KtFVO9j+5KbUUbnSy+PDpEu5gS+MzQ1NH1OKJwATLuAsA+nIppVI43bc+r
+kHYRtt2NasvWdtnAjCXX7aQ7d/eyzI4jy+/9BEhlwKI40huATwHe8mwCP865tGhYlzsgGFgwApgl
+IBAWWuaYRcA6iKfopif1cHQaP5vjD90X498VFgbeAdAuEVeSxhRC21O7lQNxPjhu7rqGRRDDK4he
+6wyAP/KBncY5g7jvitHWt23FOoiotm8tZicyqqKphr4Wou0x8ocS3ur02kynAFX3MJl5WVz4uY0B
+zSU+UiRg+gsaBsbG04Mu8dz1qlvjO5cTHrWbyru+Ga+G1eu+S+chwOANsKN2gmcmAOEoZLJeQ3Qz
+932+d8o2MBFu1xWF07YcOp8nHfANcp+ODEXNNW9VsbYp8N8WCIkkqgLuDgjmfrBqDaj+MPyFm2Kg
+IT8xAMIxME8UIDzAp2NgrE8vBJbZDRNMez8LZlgFcyQkGZhino9KAawOrAcI7Xn4Fj2bEUiA0Jod
+w0kPsC88WmYf82E7AuD4lw5Nn0dxAtWGAkfCQIk7BpJnZlEvtWvz0vSfewteNGxiV0t6TnAZh9PY
+jQHEofKpWT+05RKCgKbMzgBgQcCf+XUxrDkgLC2AxR9sNDp+IQGKAjNZ6NQ2aleP7Kge42IFJhQm
+wabr3lb1+mFteA1tJ2qaY9LSIH1QkOkUdMFJDLXq+kG2ywK6i1kV4IdbUeGhCWMufhzFHHVXL4WG
+AmN43F7JIgpzIs1SwRIGigc4uY66Y23ge9bWtwt0lkO/VZPF0w2NzerPrK1zmzRNa0mbApjcLicF
+heT6qZNdTj9MaMJgZEIWUGdMQ2egRHnZ2J+HcJC+QELAP/M40mHjR1bMdzk0zkNXYNU3n1fcOoBJ
+F4JE75LZVKbZx+MwQ6B4ecfn0QjIQBQBy+NYlULufr6jszAdntt4/gQjt6MxziM9hr/jVB+SN58G
+xj/nVbyCEc5k9A6G+xBYwE5fPsaxnH3iFMDiATIvJC5GEFAjf6BjxtM4ALLVfmgpcBPixJuRRQ9m
+KAeIRmXtOryxuTD6anISBlpJXzJTbArpyWQSoMzMzZR4UgyAJ0h+s8S2kSEBkIxP114CpSwd2LqY
+UzAiVCYVormGuWgOHDtw9hJYYNcGSG4yhtFT7Y+eP8HQ/5JAvu8B8K1tvPwVa+h5XANei0RQbsCt
+4bYx9ARPw0DN8xLoe068n8YOcNoNs5ZAETutR7ulUGTRkxLPC5gtcCpi+FH4x8o2AuLf0SuAKkDy
+m3zhR5Mmg15be6J7Eh9D5LA6hLdDM/VO71YWavC6fG6PNTUOsgXvFHgAN3pZiU91yCBqcIpiBGwI
+kBvA8M8CW83LAZqDaLooXX2MYWs7Q8rvHevGtyGSIz37+/sxYIk//quBH4lXYll6IBOi8QKufoyg
+S1EOVYJMrZn5b0q+bUlOHIv2i4gAJAF6hbzUNevmqrH9onDZHiRxkRAIAV9/Fi7POdOeiO44/dAZ
+zspMkJC29l57rVW6UdWgpv/fwu7x44z+7zT8z/FhXyYFKOk72SumyZ+xkQSB5TIrfRG6xiHdN0h9
+0kPetDk59uCOYMh/f8H0j6OiQEpZIA/BMYEtAXnEH2ffQPpuM7pPX4tJEgQrkFT2JzpFxO+x8Fdg
+hExpxcMGLLjHTBw+e4x2dsDJDZAIdVGysP0tMzRj8w3NpZxeqdDuCwsMHJNdxLDgU0qSfc2sdZeN
+pybKHTlZkL/JWK04gLF+/mFof6TtGBrf2fUJYk8MkvKffOFpaZK89WZ9JfW8h/7JDdirW7sp832K
+iwYdrHUyw/aGjsSecHSRSbDCl6xr6/W4dVky1SdOIh9ekfY7TEfINcF2JvOG8NyriGPP0tDa/bjw
+OIeuVArAOq0mpHi4oJpEjH+haE0wFV1NMRXTlMtoqljrNWKM5KnGvz7mZz9bmv+vBUXR4oWuBaUL
+A9Wdg+b9x4ZJwkazNRuiT3OXG4Tbj3ohlcUyNxVKdVn3/xRn/zjf90tSgkopxjkfY7v+cb7H2iAn
+t0v+afQJVsi0ThMWFJIpzA/Vlhp2FAEEULQYWhBR3VU7ix45IE4RzFJwSzs95tlYCH0SEy0QXRHh
+5mcHJSOO1C5CJJ2WHif/78dWD6HHVC5t0SP4ICztj6Nulv1BRFoleOGr5vNzbDqDO2EN6EBvTTbt
+hf/fLznKyV8PGQx+P1URdRNIwP63REV+PUZ1vKyfpFwz0Kgm3xALjmss9CVLN+rW4yBdZouSQ1+i
+JXpQgxpu4taThZUW6WN069DKoPeikzmphmCW+nus2vgqCE8zMGF60/6gut3cc2eyDppV0LwA283Q
+NWyHQvecgeuEhHz0pxBYMV/Q/hOLKUFW7JI7EruEH/re8aTSy+SdKMHZGjZdSjDP6FLVSzNjM8yb
+Aw+sBPNAg57C08TTlwyQLK0rcOB8QH+SB5kIJMSinq4nmSPVrXJA39sGnABLEdyMZhW+HEars9PM
+85ocWAee1aeQmVS9edrW4kDolCbVioLfgIQCggY/cJWGpqpZW19BMDIdBhOH7VbwPo7PSUhkeqqj
+sZDx0Tamo68rm+smeuXg5i2fFvATp/tonProGUdw7n8wl2XudcvnujelNSaR4xNftrY5CwW46LQZ
+WnSmRBOcoFWbO3Ccivek00X/Q6bWzMsBS2UdfnI/hQAiVhvGRF9Noh/Y3liJWZudRRc12YUnedQ0
+5zmzKTgEP2XRkwmzvCSkcPR+I2bGkt4SN1r5BFLplMXHvqfW5teeCyXbu54tzVAf9VxPYb4LTNRK
+ncAJMSp7ZpNzBn1MKuvihLWSEZDk5y1GntSOhQL7rI5oNkwHKdym1+tQj5FU56A6HN9VwwNFgJ2t
+8uyziXzGxmssjhCJKhDkgcnFW6SxvJxWUizZQ5vmOV6mjzcjpVr8DVwVisttZqTD++YHns43OkPf
+Mb0CQxI06WrVrPH5eel1AsIFo/OeaMQsUhhOTRgOlW+LWDN0/jWTnNUPa7DB5o9aRDq0p7wh4BBc
+N0Dpi/kh04QpkOo430Ge3E1MNm85hBbRdktpO2KmQNhAyL5H1B4ku42IcHl7l6hBJe2j1kEX4hg0
+AkF9hMaK4N4RsvZbWueojdNjXMtVDWDUNtoVh36KI9Z/Tuu0x/UgauH8Fc3LYagcgAXMbFp49G5n
+MATBFAFvl9XIActh4HuRROWI0VdWJmgbnLQM+4yRFl0pDqKanHCYd/ke8uk81eAX8IAueXzceiRw
+54m7nT9oP4YqJ7Zh+gad4z+cJaPA1VqZ7AlBovbHk1gqU/avpAWBE+QiyjXAuchHDo8i6ptC0p/D
+gApxODmlkLpWoUhWsJNUIZmP8ASpH/zbpHuvesxXJDdzln6jyXJfgH2NW1F40nZ7ybCycAWCPw3v
+Ilr2BZa5aH/ybI3wXsu7fWrmGRohhSMWTF7cw9yPuGz1ezzOETK8A8GUeI8t1mQvDaOCk4oGDkSt
+tLlMMBe/V4/YRo6fzCGFw9/EtP6aDI9V46rfRQMIRWz/FxkhOiJonUcvv6c6+vj4fyb543OAXtLm
+Pk+hc8srCODk/N6ozCp3RhtsxaCHdINVQFmnpFbxCxCN2vCSfTwos80TlhqgDO/q6z7hq2Bl0sh5
+zR7AGTaYpTntWnwktQAtXQXcSMy8bGJ0j0ER7FiKN9u8jod3/jGDxmIHIa59jEmmCkVvZU2fheRq
+BT0DX4s/Hu3H8shE02J+MqrwjSPL233wS7ZKrNM6cftlJJUZ3lzNEOfyFbx96qcbjJTs0/uxkDa/
+etwlBrn/SqLciO/BJoBgdY2T3G/9Y0KjDQxAV5mWGArpA9g3aL1uKcsXe653iDA+BuUN9jT/laXa
+MeD5qjlPh/ckq3ssn5GhBMDg3YzqAeRHgBX4wXTeX+hcg69VtX28b4duY/v99x4MlvDq27qt1amv
+Cyx20GyTmlw145on0y35WCtKj3zKz7+nnOsZ/fjjokiDH8EJYHBxbVWDc35Ohi2LX5G56WI+2CGa
+elDLxho8sIppCZk2GFcWYHELBAYYGB6T9Ne5qfft7HG+4r1m9ZkuTg2SxWW9IWjog9I8UYMGNYi7
+tO3mUow1gBMIqTw+j977iBckjay9dAN4rpf1V4nC4pAAexvQHGkvczMJZPLBaVw9kbWZ3zKQk1FW
+iXXb137gCOX6tJAhRYQpnARp59h2OGK74xL1go/gc+GoWr7E2aIRb0AlNU1z9Ruf11MrnT552QJA
++L7SESYEIKhKTMeZ/NozgylaTNiIRrzY3ogsTJheBxIkdC/Tx9AXXo+YImKXrcGImjqM7JhtcYIo
+Nzm6T1+C6giTCQBwX+IfgHQxgqYWl4lP9/FOSqV4cVjg+PyggC1HpWo3APWcpk3PS2BAa9bdE5s4
+fAK8jh0UmJkfAVF+oFZbwlonTr4fnEivazFs+I3tA8sUwDkAww6MNgCgRdIASwALpTF9NbVAetht
+h5oRI4V2QaGrARbvhFCJxu6KMw/KPY5pRvG8T55XZMdeQNZq0NzQbQ9lwS14WRjll4D0TEQ3QYzO
+qQsnekd9jcdxd583gmTTEwUuuIrjInS0ylMWLGshczARarwyB6qWfaU1SVBC4jDke+Ua0Q2jyvpu
+PzY6Jvbl5lKXYPF9zKSeDKB9omLI027CxjqRPzWbD9GLQzINmGazA8++It6iBI6C3TADmsb7GITt
+IwT/30Vrq5CvIrPmnQn2a8ZXOSTvFA3o9pJlg13FCYzBEVzHoBK9iCNONNKycmzRUIiqok1y9waI
+F+36T3E96LquBFuJXJ5Djtxm+MFnBQHNl1EUwHrOrvFzx6so3cbmbaM+pab0OB0WoCdJYpBT5jnj
+PvFY5Z3maQVu6hrlc5kHtPqWw++RfDzLwWog7hVjBFS040dR3LbzHv9A49qjCbL/ffOqsds/0f9q
+hwid7u9BAxLhE2u97h+EVobhE4BC9maRaoXFVq6RLYrLNq2JPWps1H1X8m7/y+8li5wSkYgzdM/Q
+U/nVYNjDaVRXblkdycskdXHx6GVeB1OGuEc7gq6b4Ol1gOAAX6qjbcdXR5T8eKFIy6brAfTl6AVs
+DjxgAMH7nQNRwFd/X4g5jiMNnAo87I+KrVd6y8F97K2nT81HwGo+kNsBFFqsBugndkQEskNH6aGr
+u8GIUg6Zj168YhZjngLaovONSus9jQM1ENfIofvAbflfGw5CIJwjpWB+3+Q23fu2hz4s+5rMxZY2
+qmRy7LvuKDWUeuL0MSEA1veg14CAjd+lYxLpW5mSNi/+AUn8o6AHOIb4gBWcIrhlEKb+gVXICU0Z
+NADSF2lMhrvO63rBbggGYXaI6L6D2hlIlixnNez3/g/V3V9ru/3y2d6JglQMwtH/AWecX0wUxhzY
+30do1ADVcReoA7CT/v5Sf3QksJugSItxLWCA+H+240T/hdKGohkKgVTyP2skbhZjqsEKSh+gSt5X
+N4cwDC9eaTxhQx3FI/sdHP/+Xv7EpKA63IWHGDz4BVjn6V/vBXrVFHi4rl842pTZV8WSPR8fR+he
+j5tB6vxP8/y/F4QoE8ABGLdgDAHy++sFG+lieBjE4nlYehwUNUh103W+Nghzv3f23w/wTyUieI8A
+w+EDASgvhf74T2R4aTWt+6lFkfURMYLc9i7ICmYQY6eFjsV80lZs7skHsupDB0o8tjlxCA3RuFGc
+R/9wR39d6dCXo5QqOA6vnIM0hN7nX6dg5XEU8pUMz+3HpgrI67DHF7BrEdcVzCHwCCT1OzrICQ4H
+pBaR3G9EQ+DmNwhZUdmfWEcMi8sFoWWtEOoHfBz7QyQXtZKUDFX4aBDajzD794PYcZ7/14UEnMjR
+fqJYMOCjUABwf+zWsG6LchtrrvI+chAz5V2Xk6+Zw/P9pxXzv5cCKlygg1dQFKb5n7BpJ1IwT8Gh
+uvo4OWeGYh7DTocOL38/qj96a/h1MDRgAJICoEXaikDw10fTx5MUerH8e6yBqv5eBWnW7JmNI91e
+/YRi7jswrqlL8zKHVgaRu0XmNFYT6Zf8VYcYe/Yf7uuDIvJfEw7IDVPAQdz5RRgo/gyPcYx+Ua7k
+eHZbGsvxmLJlZ0l4SH69+fe49Wi0V1BoAqLkUMFsKLqgTKunpLvFoQdqEAjEjQWAcpdSlPDxYydY
+XZurFUcsMxexKFDN10qkaIV9GWG8gGrC6ZT2w7Fr/ZZOEG7E2djBjoEBsbojS2JI9sg/+oxNhpye
+PIi+S4YFeks5c1B5/JwpMNxjDQrJFfL1XHWHFsJrLJHf53we4WtyF9jtR/CumULMzX5Fg4+Mvfk1
+m0F2KSIgKqz9NA1zCtnClYEOqb30qcd0I1PJfH4hY7sD+dFHigBFE+CJMgaHb4NgZ5w6GEn0owNz
+8ZDZvIWC7T/IwYDTR5a/84FfdQ86fgHzu4Ebjr2WDzMZrpGiN1l6tIXBJbsGyfl8E6OLouqqXUCc
+VmfA4q1uXwmyR04u2Tpxaq91FkOFfAMqI7it1fpRzvCwjmQ4yMZ3QC8BZOQA60stpwKatMibOkD1
+MBCwmtJHPnCbh2M9ZJQNn9jK5818Amy/d9qQSsVpdjHTCCz+E0jAGa0hlKCgOZykG5JEV12C3O3f
+Kyq4sbhh2RLSrwlb1qm40C4I+9Rzrpv0qPsxilFQxig7pgpWOujxH3uz4tkewpJu8BeBkBKgWYUM
+J2FFtVLwYe9AWp9G0O1bmEqgKOWFQ79WyXg807idwnsWd80qD4Iib+3LLu87iNQAYES+hLnP3gr8
+nckO6NPX2V3RIfzpUy9bEE6RjP5KV4Af7+nW2k977P5YGu2vpKrP2waVj+Ng6sDKwsUZJIFurE2O
+20ibJi1DE838E2KhKV7srug5dYrVrJR1HV7YuptsrCqIs6IzuVIx2a47t8xXAATMc+6ytFo4k5dc
+TW0M6HV2nwQW9RVEUgZMUZpK6JBs+7mOlTn0Po6h/ZWOnlAzAplJe3Zb2PirabAd+2CzuywoCxmv
+lHi6MZQAOl/oURvlHzbdTvERye10hLyAtFixWfddWv+SJtTeOhrVt90MLjKDsrECQaa+mo3nB8lD
+8ZRbOYBvYNUPNQ7i0Epblyvt+wMTfLgptrQ7rXBdcGVvGcVPF2tfUd3np4CfvC5Q1ry7xXgoXKT4
+MfCmPTdLAu3yyjU7SR2bFwujn61sgXSMZURM/RqWrfjWRj1DRey7T6FI1TFOp/iGxlyq0kQRuaNA
+u05uGvufo87FEzA4UHnlRPiPBB0TlAWJTZ7nVEt1siuo+Qmo8M/jTFG3IxQcxnXxN2TcdeysC0Ul
+ci5k8VlBRbpegxnhv48p1cnReDuhWlCdXKGJZcXPYmJ5d4hE5G46DprEgSaTflpm0qDc6MwtG6dk
+qEQhzbdYj/ZuyWl8O2bJvkIF23u79RxuFmSF93HezNcAkaMb1RAJkQqi348kBNKX21ZAuDuB7/gl
+2CH8HKJogd4h2b5BumFSMB0saI3bNmLlytZCXpUY5w92C81yk/l6qMs4seqyJjkCMSqTag6kJTew
+/mntjVsGd0qtT29Z2y0lANM3FtbvoBWLC02wfebRTwcgdLEq66Wbc0gaDDnSfOovVlL3ZbULUpsY
+bXfIG30DbkZT5aqGli3yhH5Dx9yUJG3BcEe9XUIpPz0tSd88QXs8wYdimurXQa7DZ7fYLi2HxS+V
+SOBnUmrcHzrBBaArbLxFbhVdivDIU0jKqn6b9Tfd2a1Er6R7643apf5z8sSBxV9bsLoriMzEDVU9
+/TYW2XKnAZvPQO+px0XFBC1zNKCw8/XdTqxWZZs0/JuLkFMfCqQ5umR6HB7h4tGcEOghlYOXRX41
+JUY+gj8EzkmQ7jU1vT3PfknO2s7ZN0fEa0C5+brBK6E4D5aukOl19c8VE3KWUw7BMLKp9WUCAV+U
+jg5ofEJRCMXFPF9nvLHnAelcUtaQQr9CdsvfyWLJJ+2EeZ+3efvpscAPc27SewrCAxQNWXoYlmF6
+QZoWlSz0813kxubrFpv+TFpoIaseqOxFQsOPs2xBRIq1KgCrQBp6BX8bCC/HXp8b5t0rOGdwbdCQ
+lSVxT046I+MXwFvDI++lu0rWlr90ndtu61EPxyVHyEU12alLT+PpxnkaHvtRuE8ONkTfSTMjOKTD
+Cqny2mHzABp6SMjkbxeXh2sVFmIAfxT9GZp1ekCVCeYn0AN+vUVO3AmEt6ctLeRrgbb5F4idp084
+8OsrbLb8fkuiCdyqTJ1aLtgdGsUJqaaOt4diW3vIHsGRO211ZB4bINmP9WLsUIGxEp9c0MMXO3la
+o0bdtjvHqb8FgapBkd2ZTzXZeIeY3S1HkjfFVYLWGaTRG30o5poA4HbRj0ik4MbdrYxuildrt6Am
+OOQeyHBx1zAyQ3IUw44EOuOWW3EXIls/AqxoLxFU3W/t5L7hOzXwUpW8jR0yGO1zfVm4Bi2U2UTd
+cAOVvY+ED1UrQ3wPCpJ/Vek8D2eZtoRWXCb5LRXGFSceQ4oAHU5hoQcYIeuf0TaGmHXr8lJvE5/L
+joj+YiK0zW/XaICQ+pDFYXJ3A5/RL0lgmRauezp0D2Sh0ROMoJStssVJc5Tcumddq7k7onO6yttO
+NUZBMtQzMDWFSKJzPo/j9rwWvfPyvKce8QHSDtOaBrNmQt3cNChtXVslOTKXinVezPcAHfRYEZ/U
+n0K+QZli4ja7A41QJAdoECDKmFDPTm9MoYhyiCPOTixD4lT3oDtdzVOW37B0iXv9aSOrSKG9W4aY
++5sUwS6+LiiA9fPQrr07yHlk/oVHdaPBDKpb7koXiRqeDJDmLy+KgM1TppK2T2ZNou0cMhRnUIYO
+aXwXuF76KnWAw+/zFuH0AOLedoD2RN3oFMoh2Hg2N1O0LqN+aNco4xvB9EOd3R0Ad3TNzh6zKese
+ponqYoJgVGfQtfV+NNgPBbqElU/WtDvSxLfyrpFocpZdD7QUUjCI0kvSreif5F43V72izECQyMJ9
+o4A2HvSiILuuoeI+ZEUscyBL2iXXTe0sunoe4osyDWgiZ1M6XSJId/Oq04KOZU4buPKtgL7eEhu5
+HzNHakJgjJCejREJOdazTH1aIYWTEJygxQ2KHHxRZPa8RhTSpWrwxaraCpEUJkx4eJFa1HcEoaHI
+jtK2EDHXQ7JwSK8hfJNHC/0YY/dJNGf+FT3RTlzpoaDf6nn+um2yfq2l/Vpzy3SJMqF7CaBIHEUh
+3DnG4REjSGQOXaR8u23XtL04ovxplo5XdrCbLXPQRy3ksqx7gdlGdnAuW6H2URTxdZ6671MtoMAz
+LbphNbToaNQVEDEvYxhgXuIX+shHSV5yEJvcQc2ATLAesGDA01HhR2Js82ThD1Acxzyv70bTmxc/
+jFN99AtMe64BvtZ5GXULv+6ge4QgamhPzSAYiDdxcuSTNLcQ8Uf3abPQ29Si92fqET1guAGYQ5qK
++Vvvc3/elhTC6DjHIXyI+TyMR5tk5gJeYwCl0gVR8jHESzXAVq2i2QiFE086AW4riJr+eswwOGgC
+o+RlE079EGgfD2eNNtXBYVOGclsbd8Epj8NfZTAWURr5BW5BPOPUUSef86zyvZVvWtXJVwBYywnc
+F342Me9Ouc31Y6RjmFt1mfwc991rq8FQq1G4nfJU6C8mpJMpGewcvpBYuBufEgHbB8hYi0oBY4T0
+K8Wg6xhAMSSYFYpw8qBRltzMIVHfG0nyr42ok89NQsLdjAbogdnBXBMgr2/AsNNmj2mLLYmOh/tM
+CIK8FcFxX4T0O232In2FQxFO7SUd381cROrYZrBYKoHJmuy6Z70y1ejUMqFlsxlgbnnQkM63iCNl
+FinN7ls7pu9Syqkp0xb3UOo2l0XV4HcroEhYE3K17LrLfAqlvQTB1CHXauqbDjK7f1lUbbJqLCHx
+Vxy8wZU8KsJ8FU0N1NRWR1dwUktf9/b7KdnmxpdqjewDY4t+93NhcTyg8jxB7wpSkRGM3KED5m7h
+wpS0pauR0twto7fvTTotqhqB1s2lmtvl+wSRmztjU6JO8xZg4I8ZzZ+5RGNrhjfSTG6A9dZgHqll
+QzIPOutPCmqrOHW5nG7pivoNcl0mpgN8NCJ2jIYOXOR4m9nbNLbtl9zOS9WMBPLPOBriiw958oIm
+VcFBrkEOV2ZTkO0ZAr/pBtGvD8dlkBKi4oUj9QQZIjIXIkMSVV7sDMEVjlf2CMk0lA8gdmARVVR2
+UtNmPtVgPsBupal0gyTNHfcyFpq7dVApcmr4pm2fe4gkm4fUJGE8oKoQDUIazwzceVzi63Y9R3Gq
+e/qQeSKKskkGRb61oLNGfTVHxaLFCX2nZonvG2kywytU2wu1pd9kN3ro60LM1oNEG6hoSw+WOV0P
+/byKrrldCwFIpxo9tOT2sZ2BWsH9E/Rz7k/OW2i+oVukpj4EbBV0I6ASIr0r52Uw2XSqkav11/Ay
+irp/j8O4zOwIix/V9Uc2oGX1IuIULYyzBd9o6g9upVGsH7W3DZ4DjcA6gmmi94DSZ9DvMfyfXcSh
+/Xd21P0KSx+5sM/MsVS+fGCekd1xe9if7AhjmojF3sK4eO+Ao+2+txOwD7f8B/xn4iU7g++9Yb8N
+CZwBvngbZARNbAEALkJlK3TIcEQgHE9vcEggA5xDkFAul1jDTI5Wvh790Jw3NInwtHDkaaPfSeH7
+uTswmJitPexnMDyYDhmQFWBEwEbSiRcyMauyYwYCrSI3sffDakDnURNyHNQO9XCyttCIxxHsFhqQ
+ee5TcKKQuluOiLlyhSSqoGc15d26WoCZMwBJVYGZ5NsA+X6/UNVC/w3iCgd2ANOauw2pXwEteZsJ
+NJNmwS1E4XTg9JivG6FntM+6N1v49jUCSQU+OQaiuJJ67J0jSBvdj7iHRy6aHbF0zdFkI5cHuG3B
+jKzc4IP7BCGTX3+x/2+4qudH8FHnK8CpCj60glRNmvl7ncB/42hJB87TzNFPtVH7ovkS8usBKVwO
+f0C70nLpQ9Of3RSDDLgUFnZfoHY3P+wWw8dEOGikywznKNw6yLY+j7DAXJAgRO0RGSgqRKEtY2eX
+0ak7iK5Y3qNNLKstkzoMyXPRqIYdoOHtvzt4arpy1DNKg36LZlQjTifyiHTCwcFAsmb+UcMiBogL
+Muq0r7ZG1ifox2YRnTqfFOC4pAPca0RMjTnSNR6vktHkX9q5pQAsYXVRmwqAomKoUPN1vHRFFvtD
+GjM/fQaDAOwDUEFBVqtAjRhmJEhJCnoOwK1Ljcq7K+mAPBz6cE+XMpAmP+ZN1t5E9WhAsfcMog9Q
+1GwHBkS6eujxe8bR2YkmeYaeAg8mX+qoJKCoXQ22HXQFrx36vqHvj7Uh+JOP4t1kDE48WWIhXcbD
+PlAuCn7UoCj8jMABAngIHexdhDA8fkVxGeRTrju3Z11wWLtCBpPdOJgzq3eESLKeyUz1swlE3INt
+WP+oXYKZL8K2gPUlPJCRbVNLaSGhfS1gU/MYXCsxBMjr0GTNO4NomncQUTSMPyeAD/MD1yZcQ3xL
+1SGAYvKvQGCzXLFmpFc91RosP8deBlFDxZ728efMjUnJc9D5JBTqUA6M21pCl7VeoPVM1SH14wyx
+WduDuA9nMj5f15kDyWvsN7Aqa4j0cbscNjZw1RtsZft8TU9otKBdGRMIHg/1TGaEXlgFAoWZbA6W
+HqlhRFLC4my8J976uzpNoBaPWW3zE/gE9lNY8gnk3anHKNFUz79SJ2G/1SEBfxiiPeMdYcDel8ip
+V1VmjeBgdTSDkgcc6BoEJsAljxtclcZyy6yFkdAMntqBxJ06bjB9BULBwEoD+6KzB7iW/TuMsj+m
+YoSnycTWLzmixXy7TL2Dh8kwF88jc/BXmyLGBhQECihQl5p70or0tpBtk4NtI9audIngt1Ek0/e1
+Vc3NApOtR1DeYE2jivQb1Dq+B7U652ul2KhdlQeq1oMPqx7L1hWTOHqpihbx15H2Vifpyk5TFthb
+JKRdLkCuGgIwwHRr2dou+aI4iANlBz7DxYCoER9zyMpRFPAUaosBdrDdsUu0/NSwxQU41+B8npGf
+HyRxAxwl0eB5CCQAhiapEZei7cjnAWSFupx9+4WMnfnsJmNKqXpgjyAmgm9Uz1jyrftSRyGukVst
+URUh87h3HrKjEbjL17720bXT2NQH6ObzB7h9mJuJDdCguLy5Ay6QX0UiLt6AGKscy6DO3mEFR44L
+jcfn2a3pdTOaKa30XIQ9W4s7MFB6QDz5OBZXI5F9dth4hMSpU3w59yyd22eoeNXBAdw6OCx1uOsQ
+5o9IX5LbfjUSFLuQfJZiXT5zMSWlHX0MSSdrjl3RwmsEFL0DZXR6LZDunxMqkncDIvfnGF9hZQSL
+FvCVos/QAhX3C3rlZztP2HWF/wae7/RofbxCMj+ZOME+2B55HTXIaBLY/uE8gHWTL0ZyKGDOARQt
+ugtD6v6lAXYcigWFygBD961cZGLeoqKlL1oSCkdAoPrX1vYJ2P8gLDaEfF890H8HVyzgQe4dB1TT
+zQe0kqGu+oyK1nT22dHRUPYwaTkgyo9FsVN83ABdNnrty6phCgXBhSXmga5gpKznkEJDkh6IiZdJ
+Xsdednq7Bh96nV6FWgL7znpqmittim6ilaAunuCBNTMaHIJXA1IIem2gGWieqCw+gL+WbEgbixje
+Wq7JXLxc+3UBillm6cJO8OAIxdes7ycElcE27dIijjEZswPyPLT7DxHskmrwQiioSmD1Io0HOWmF
+RhubBmxwysColNb8jIdozeGGDVg/B2XOhrWBHdOm6gakG1uLnYuNNQjbp3Ot6y0enmZSTChhFFky
+595MEQTcktHPLFD3QcqkFn3R2ozeHMYAa9zkGFvix+HdN9ucwLFA11atVTAUKVm5WYnIcCUg39S8
+AmK9j4Rmdczbs6yXOR/+5aP/Q965LTdupF32VeYBBg4kzrgFeBQpSqIoqaQbhKpUxvl8yASefhZl
+9z+u6rYd/udiImYuOsJVLRVIEAQy97f32vFi2AGAiJz/D0u566iDNvRsmA/Z3EP+BWLie+60+evx
+3I8zbaaGLmNlsrNQZhnSMZP5cWqY2jPRpDh1P/K6uQ40yt98CmXuF3zgWs1Y6m8GlT+OkK9HJMbN
+sPKaHSZN8jNVG3HOG3Ts/d/L3444/WYCMe2qY5Lcu4k14tmadCBYYZJmDAV/e8v/iObwZxCGPzIY
+/o+QD//3aA5/Wlth2p+J2/+K/fxbbcVz2sUpHTB/RED8/ku/wxzo/jGwfZi4HyziOd41rf97a4Vn
+/oLLyLp+sOSweWZzJf2rtcL/xcIfIxhMc63hZMBVwtT2s9DC+YV/jW+4ew25XjNh/wTo4IofYw68
+KA5/9YIQJrRxK3g/ZTy8yanreo7FzmNKVJDprb2QpSj0lGpukXR5cFTR21x5NvswL06e9BE8FUP8
+mhRQPJ6AHkLE6SbIp25EiKBzbe8+mWNmWE5VXOpqriKW9t4evs+FtapilDi277rZ5B2PFE7wU99p
+1bMxOOq+YURZBEx8uw87qupDncT+EYap/V7pbbEw4+vtd7Nx+CHi7f7zQJ7te65c9ZSbdam++wDC
+3ewm7S15Smp33ZV96MUqO+hZ3nhbh3jKhRVbfKXVaKN1GkksiJWRwLQFX9UMwUJ0gpFvFgcumaig
+L9PWWnEXUCdBmmUl21H7SnainA79MHmcFuLqWOZlfMwaMYZj7rD00g2zRjmT0t6IVrfwleZfrXKp
+DjHjwMD2Fmtld1b+pct6dp0islYaUZSwiEz5DGdwJg2CM2dP7CPd1k3Z3JPR1/HiR4m11zGxvaIH
+pKsRKuMTk9dklYN6soDRTa37TOJrGkJuhZq/XrolIbyeRXq7ify4SAl1WINxx1Z8aTcawbwLCxXr
+fcSDvhDhkc2rFVvekfinuDAlup7lXHAuktoXFx8egxHMhhSXOB0YhxaNzT8/mJ/soHrAhEmAia07
+kes+AA5flGvPngBCeYmPiULr2irfyGqsD6IrDDP8/M9CkH8Jo8bpnKAdeUQBNC75HWyCuXtsKhyb
+Bip6GdpDGT1nFhum0B4ddr6TBc2nSOJFrGJl+89enZtjSGTbfxajNrBA8Ggj4dK0xAUHK2+jHCdi
+FG49Lls1+ObeTAb7vVE8xCD8eWA+O9UDpapmjs/yoT4YMWCyEBIAb8i9nhSjxZx1GPKlSG7AwvEC
+pGhVvHbjjLMLeah5LWTJjhC2ZM6mG19hxirELSyWJxjdTohVErMdabJ4P1yhKUFcZ8MHD0YtTPOF
+P1u4HlLOeNvBDs2yoQ1rDbrZhDh2ZU+xLuefV871zXvLkC3sd3POYCcVf7O0rrm3GOTslUr0KVj6
+oXl1WDGGltbwJqLR0O/hMjnHzyOiacNhmDTH3DO64dpsJ5yBIVjp6Fl2+eCFwABid2VJkqbbjhXX
+u866xgstRjkHR++a19ZARMM4p7pdjHhnPcQZ8dQcNHe9T02c6YBcR5P0k5Hy78cmoK7tfB3RAINw
+Xqwhm7Xnz1eJi3mMd8XMpDA0hc2LtRuHq0wzTBgkXVFhvEH9Ym+Cv4TZYTm1y+Mg8zrfMOfgIyXa
+eD0nxCz70zD79QH0XX2Yu5o/+wz+soDlNbMduIjpNq81Lgi/bNOtKwvuUG7Wdjur1MW8gSZT/Los
+pI2CzCE8yXbYKGr2NJpXbutxkvUBxosaQ4o7VKjcfJCrwTeWXQ895QyNSd1P2dy8mlxpJkYatuZc
+p5hlAsoLmuPgjWHd2CSObYAsU9Abvb8eoeKb4dz17gkoXXTI/Nl/5sN0khVOPnHO0FuYxxM4eh2s
+scejkhnqceIq3mbSKzcLhuRQn2L7YUyH/lummcIMCh46z4VfqEcPFkLoGh0XttHJjjfDCTjS5aHx
+7kosVsFS2xWmJjbASL4+AVWsK/G07LBDuDtJPO4bBl5sggL1hrEzsT9uDn1u7eM4s/ZmdT2/s0oi
+wsIudxCmzfCujFLeYZa31gQFDDI+gykZRUa4hMoOq4yJ2X9bF16ShB1PjIdKNNW5mOorxC0voKq6
+eWKQBlvcDduR+bvlluZN1A3pjr2L+Chsl6R/TKnARucWeAS+n343WyUvo23P+6asgHBnRRTWqfbU
+ZVr3nBgWTu42RyMvfC/dMmtC1lIaSSNUHv5OVRvdK2fItPryPZ3jnG+ALPoDcEU3C6bMRQ8ql8h8
+nfOsPzApI4njG67Yj0uX35IPsVdgqdkdRmowHJqIFvfIFOaEk7f8btt+gtWbnCxhvLmdbyr0pFMh
+tbMoNUOtdVswEcq9qRfHgkVx+7BYZrKfdBhnk0O8ja3+qm9zqL8jAbhcG6N7gn7cTUArEGFtxjOW
+hi9mLEV8zRotMSPx1Dw2eaUbTxG7kmcE4u4RTe4+saf2TJQG6E3cizNZZfexctl0FaMavLsWU8IO
+HE1zDVbpX2JDKgad3mWJDedlZD6NiwDmyZZBN9Itn1vR7KbuOmsy5Q5HXRmOjXHfY8whq0j6fl2Q
+mz/SRAHAPILrh+sAiUoZCKcF+haql9mpIGHX16wLrNc62bdEgpclyxMKC9jARi/HscTAVhRjqAlA
++JPZ1qGn9OFikJN6TSFVQBdPTf1uzKwRQh1I6QkwYx9KM3tTPN4PEtjuaTD0t6uactugxQyBkKpx
+QreKhmPvLNlqghX+OPuadZhVJh6w8gy/This32Y/rtt3NejF9JA6XRQfhm7J9wwxK0Zg3RcDr/hD
+Qo6SlGEegdMU6jgNDMQLNgST6zCN6U3trusGZ90TT5oR4crvmKbUsV1SRm1sLB4QnadXOBjRKi4T
+DHeNb9+pUTLbyqukbEnguc3J1SIqTKLWqFbJqGsPFr0euIxGFH+oxcFkOeqmgY33lo5sKu26eYrG
+Rr+B+vgMFWDC8s112mf6qzBiMLBZf9TQ179IGZsl37kZrkjUC9TZJKESw4rvTDxwt6Pb7bxRDkHu
+AgdPdDFy16wbZR1lMli8Q0+EKEhmsUKdw6uCvH1yLC4VPU2O+HnqnVGIlyizECUKBzXHqC1gd0O+
+clRRrASuEe6FjbVOlEME0vSjBQZoi5MKG7zYUAunq8AwGvPBiy3nnuDR8Fh31siDvprYVOKmg62v
+Npo7TLcM/sngjvGTo7doFJ2WrgQWjhBVzN74Q1k+plk9MVpi+bEB/JiukAoypn1sohg3ODbzkT5J
+7ksQO5vc1OeL3nXTARef/qJ1/OJEsAxkmTvtUtDjoB9L/8EcdAYHkLv5o4GJyyyX9pzYZTGFc9XL
+NbzEFPS/rMXNaGXjQ3rd0neRs/eGzDvWeTw/6X0RYT8ox+dkTL5kURlhYRIeCwo1xU8TwG5kGjXw
+xO3NG6eBOaL02AgsP/E2zujwOQwdUwLmsLq/hJ7LzHbDzt3mm1Bi82kUsG8ENp6OReIjYrllsW2k
+5T03Pm98alT3GGW1u+lVG2VrHody52Wg1SnTYYQX47IjNHBOIofqnw7E+2qZ4/5QW7OF2yOZr64S
+q95Iw1AmRAlf3bpgfD3GOfb0kZGS+9VjWrhOcwcaauIPxbeGPObO7/xoXVyXVvTcwVSZ5jYgp1jW
+YVFmzjrVWjIdwBRCb/TGWwnIYRXNxRDOUzsRo3aNQ56V02npvcZ84vmW3w4IWskUlqCy77MBjnuf
+2/V5xPDhnAtfM5fQJlASTEPGsqCS1tdcGDqIAKQTvkD6FfnuiPwu5iEbM9w7Vnnfr+cx91WYkWd/
+6FkG3BoFid+gms34i1tOVb1aTJRGNAuI4qI+LxFkYFgByabNx/lo97Z9aqukZSLZttpqrG2EzroY
+Dkq089arUnUv7KG/JLK8wad7aLxFrYjmtnc4euGbc7fcIgB1N2Kyo20Xe88s1OTG7eGwup31kE0z
+03V7ynOsUqqMi5uevJTYpJjS5kBCR85IAlZ1htLrLGdCbs1XlUNI4PIxIKI0FQlDs8KpWZnRcswx
+2ZTfZvDJ94DqlzuipV26RqSxx6/e0FxgqVW5G3TpCD1tW2rc3PZEBLfA291zLYqXhqFucqiK1o2O
+ZqW/D9Jv4K+zkEs9roV9LtOIzxkM2drLs8Q9+4Zl6y9pyX91Muigk92Tr2w3oGuxixSh3ciXJQED
+jl/fi9372Gjae55+e7y+pSZ3f63z/OxE95nyOxabdo+gCvv0n3SenMVS5PSMJGAHs7i304xlIv4h
+Vu5/faDrP/QHszeFVRyIlARPBMAdxs9mb4/ZkNYWHKhICvudfSqpnKFqWavxMeCaI+rLyrlWrEcX
+briv//ToHoZ7UhoEVXzz3wBTIBeFy3SGmFTWGBdHAkMldT2zlCg6OmA0juoMLutBTUId/htlS/zI
+LLF577/VVEEdcKlQ/vm9y8zWojrq6l2PNRJHr4xHixxea1yqrGcHBViFNz9Zc30Y4oblit5VI3uA
+KnaLK25JXP76bFwt/z9+FqbtIVvDNrKEBe/yR3Ev9uU4GzGbGbfrrD0THv+I/cm4LIihH34n0u1f
+H8/+UU28ngDLFB4Fj7CcLNaHyEN/jAcxbppxefT1Dqe0zziX/VrP0/g91wYKfYx6/JYUKIKnePJG
+c4+pBjk6JJeVlLeZnRU87ribr50W1DDVUZM4lZqzYCc1hP88JQP0vLzmSrIWmFQgxJ3+Q49100fF
+sYbl0XA0pvutyqEBjSN7iyaz32t7ksNjL3wwngtBP9lfbRem9bawiaSKx1Ps0mOcEWzwYjagOY+J
+C4EQspUAuT64T1S/estUPZp+zDYOiwI/T0F280qOQqkjlWeudn1g6uyqhRY9LFo/9hs83V2/9eK6
+283XwMWdVeO92XZkG5DahVe/fgogpdOK3yJa/0je/H8YVvun8qawPuXAP5c39x/vSf1HbfP33/hd
+24TbRO8uiBi+KiTp+cb8l7bJfuEXw2SfbhncWVyu+t+VTYtietI2OjGFawLQucrnvyublvjF98mI
+IY+xFbJd3fwnyiadwD9+l1kK6yR7HJiFJgQXFNMfv1q5iFr8d5FzshOLjpIItPWB+elsrDVPzLZ7
+JaaVuVndMCZwikeQrDa9BYb7PakX+9ECYUFlRG1eHEeol9zV0oNtuophLcHviKel40F3XnofTK3J
+TuKsFSDFMK1K2T7pVRtptLRB7iwPkPf77TSh5gC6SVjCybbwNilD0T3MTZOWorENy1nEK57A1kpw
+v9gkqTBIafjjQ974QweFTEbHwmyaYz8aw3Z2pvaGZIT8wJb0ZpU0JVlMKFGfandLr1zz1tGvGlp2
+6eyxD7+bWAl4v14yU89gdMlhoWJ1p2PDZjbjaacq0yJFkmTaJCQIO4qSfCOeGKE2oyinDU1lDGiN
+VGYsAxLjZZrV0RrNZgXIvwl7AiDnuWeKOYxtxZBKfyngfTwpcid3qlLmtjH8F6XwJU46qSNzKh+s
+TGt3zC2MU4eXeT8yZqOHI02P5cSAHZtpekt4490fWnvkXDdr1KD80DJl2Ra1Nn3tczfaw29gdU6l
+wHeqxLr1knniO0KIxyS155niG+n3cTS6tY/n6gvLaLwbiFQsexua7Nqy8N4MY8zXtgu9R3n1S5mW
+L4Tv0ltYfwvrWTm9Rkyl1/iHMFTkKcyLxqXyg3zzhP5ZTljEzdQvH91FWQ7g+6TZX6/Ip3bqnQ2I
+ZJb72AzIzRlji6jnugOvHu8+kKoJ1/hkOjPkeCVHpsUiPlu5yO8R2Ja7SCZ6mCxWe0xMQ+uDVFc2
+R0FXvhbZboEGEdApNTN9lE5fHEEnz0cwReatAYZq4ySRxMtAooBmSZxpnlVUgdBNMJa51vzqE1gY
+QYRbYgvIRB67JUp3LMz64xB5S426KGOIOYUWssC1d4kYsIjNY+MeROPTNYHRRz/JatYDp/MX1maV
+oVchPBW2bV4/PpuKtiniTFgVABC31NZQs7UyyIlhGDXsMCfQlQWUkfmHqSxVhm/BGrGFtTV1bWyH
+SfzKo9s6DdD/uX+KO2JEKEJG8is6X70mCObvXPYQx84GILwQizQxumUBjmInMDtNGgEWuzI0G7NB
+KNP9l3QiVDJ17qGJqvQe+THZFLGtf50cwfYvFc43vKILDUQl9WHOlDhb2Wk2I+ZBfiHJYN5reeSu
+dNcDXjDUlMdUOX2WtdSsIfS8qL7xIFI2K4ygCbsEY7l3bavGC4Ebx3EUdAplGvveyLtzoeMG8go5
+PttACdkCVqRYsijXEJjj9KA1JrpgSXkEZgDekkOMAp5F4fdh6UpWy900r1FcMxRscL2p9JYnjG2K
+lVMrNomteySECOZ3gxXdgi3q7uECrIAWdJc015wz4Z1dV5nLnRx1XJsKB/fI1xqLpaH21LOy3QPp
+dJ+VBvEcKXrsJ403QyIumtuyn+gVM9rsLdUFtShXlWOUndxjQ06ifYV/6VFlLYyuGlu5avTbkjIQ
+varlA/v47jhnbEC4eeqnHgNdiOCI06hMTW4Krb+KTanvl1aQtrGdU2O11R7firHHDegEKVGhUFWQ
+bq8fMu6wiIxZ2lw0F+YBMwlzeFz8ZP5e6k0TLpo775jFWw8Av0tUfYH9ltFEgk/EzrfuqGihQqBj
+TrMMDLFG9VSxxtq0TRWHRBudW11VGvhrbkQ+KJNVlPveKyP8ZDc3NJ9pqvDXnTXM2ipj2vzKQ3DZ
+0Yqsfae/CSivTFByHWv8FRZSfaIVpT73rSNCagoDIHX6OwhZRvAC0cOop2mL4EdDGvmO5NVY4uHY
+lcW5r+vxJmE7Gppd1xyMIh7u4TSztVbecq+L1L/rcb61wTBGy9rCNLQtgUtho1B006AhrkbGwt/j
+mXEWbIdvGNvpM+CeCYYnl+itjq0dE81qA6Ro+dIoymEsSjDODnYjnGy18wq9hu+G6TQrZvjUgqe5
+uq2wTXLDimUg7dR6o0WjCjy3TU8iqipcXrV4l0S9VmpY0Jy4pRtyNnY2btKSOCFu7DQVatXQsUX/
+bXEmWbhn9UACvmNBvoazwwdcYW9auen0IFnvv2jKLsNsLHsy3FUCy6Ofq0BrY/msx05LbWPr3sRs
+kD79Nv6O+yYlp4N+7AHjnpdlvB8ZVgVsr4oD9FnMq1x7FyBCFBETNuIrkW4rX1RHZ4mTve9p53xG
+vVRo5HSxmRGTTgg2aDzOuIEfWqx70m+h7kVHBor5FuPhSC905gXVouMIa5i88IVKNmNZY4wY8Ioa
+zJfWyovKY2x33L5lJN+TVG+22qQ7h2Xq3W+wDYuvSPvaye67ByyZ9uPiWU9YOvtT7kftUUrT3XcD
+wQgqaOg2RXZ66stkJN9ZvpNzGvZJ5sbIDGmN5DsDQKEy3YH4FvcwImhitNLYOvdg0+6XlrpHjyfX
+FGTZg0Cqe9VkJY8+T2UqdUQ0vYg01XbFMtnHskmzG/yCm9rM2hBO4F3uWM9Kk1aATF6sYS6hASKQ
+XCDoNtsRZtRd4w2A0vrG3Oht9N2jHZC+qyTZer3fBDLpi11fF8sxsSx5aOw8/jL5fYqohYTXLEW7
+Ypi+/Epr4yUpK2IfeeY+5hEvYRD5wGAoAi2Xmbfo4dUaQtdb1FtaUNZWcpc19RExfb5VjjrOkbCe
+ijavbtrMZP6AZrelU8ffpCqP3iCCqK1Fpv0NBI8TxD5bqHoypj1e9HFTOP2bFNxXCPWITSynILfi
+cl2Mybs2YkruZlzurpctN74/o5fGBV62A+M9i31WjQ5lFXUcJp5eh4nuFk/XHqJHFlX5oWo9HvVM
+fN2Awjgvu6sZm27B6TWnIrY2pWM2WxTt7pYZNbgOZWtb/NgldbtGfKQMhtuOkY27OMpSmzt+5ty3
+dkMzpkUNFG6pbjVnBKelJd/YTiP2uJ3dbCUOtLuG+UWY252gL5dMlu1J9T569D5RJAZiHve2Ywd5
+EeP9c2ZG3na9qG8VUZg3h+IStMT+vYz9aMUL+bUcy3aTkXeqkTU1uqF63SPUkmuUR+JJCinlKzNG
+/nl12xDKDU16SddyKiE/a1b8EQ0djDU4jzzSnG4I4LSrc55nd6x76ezTC+RDZ9noUcMTlCzSzcJ9
+gIABq01Kg/RdZGr6r5DmbQh3qFaw/OoVxu4YDhZtLSw9unVf5A8Mh3Dz9Ugbhygi6dFWRrbX+ajf
+ahqzaIyjstGtRjao8dznNx1b0DBOtJ4+HoISKKOR+6VN9M7fiNHFZrToxG55IAVyjrOTkIP4poiV
+3y1KcUOYqJEzo9zYRNVSVOLRU9GYRatoInT6jbLpCXZQWYFYu7gKuzlBDNqGCVgpz68vcp44a/Xw
+AXpvDvyKlXKQdY5YzJg4JEmfCp2EqRx2v9WMD2ilAfEYgime1ffGaZIPicOE6VVvf+F36jctZsY8
+G1Ozj+ZIdQH2T7XSQQveEHBob9uGn66hueNBTOEVz92GI2q3ue+3qzFGsU9du2FG2Kjqo4t0cUsZ
+jbd3mPTyDWYzd0JWviwJwkzb2c6HRWAjQppamkNk+3Jtgxw7d2VrMj4tuxutbMoHXSbJyjExmoDX
+luPOKmjO5W4AyLCtDdqiWMIYsi+DOE7zHUk1jOCk+w961Vs3nY4Ildq6uUY9VivbmUvcihRXHGin
+rZ9UOlkvPUkBFfRpQ+AOeYQEKw1FISmI7Cxh0ZB+GeZXOIx3ceZxWnW06Ucl/Xg1kayLIF4tBPwI
+QYTZ0GNyRLoE9ENm7tqC1Hh3Hk9hBoAK2TLrBWvkHrX0RpVZdom9YngdWHqyZ+qn01zR1ljaS7/x
+ricbO3W21fyB3ZdtlMlJiyaclXWlprXDUGaPN7V9jKJSH1ZpzY+OtBNh0Oyq8xAjUMetaJ+7pBNf
+ROO19L3Gz1Hp6kcLOi3j/krXdqbRYJ4HU094YtIPLtCjxylBp6dlFL/w7agS6wHZ+d1duoJM2gL5
+mEYonfGA1Hnsp0tsSU4IbtW8mIuXTG+yJ2y+0ZYaCyaJMzbwLVuh4SnvRvkxaYy0GsOKD30ZN3Cx
+4mqTMXOoKX/GZ9k5OHwDth6sdcChItQntvxKglRnxa/ZTA1qNd+3rpcnq8ov0nMX+6zE2oX0y5Rd
+m8A9TawNd/H3MrfSfbIs2dFOKP4rTd89UT/ABlYxFgez8LXw6uWJ2oar/VE4vDlz5qah2/n8knOr
+oFpsgvO5ZC7q9VwvFCY20RYIeHGuruskc+G66rDEBNh04pvo6n0g/IwTI/UR5LIIrirbMlij1XUh
+K+zuiC2lCNIKPyV3sHjtk5RzITWlOD+/1AOT+DvBZNhcFzOK2W0reArgqOoZgVAJ0xMAQxJZPjRc
+t/Je+Fq2c5K65B8Er/kyYHZRl0UC0LQCbWDDO9yPem+6xnocXcMlasaUVB44JUR7N3XcJk5o9qIe
+8+B/ltTLJBaBg9MSq22kue0FNL16/mu5UvykVaPW4hHDrOayKkPd+bmOoGG6nhWmkCe4rfYKeiQV
+nQQ/XVXuNc9bRfGbUZrbKTNuzNzeaFa3sROx9lwCf+Oyxne85q1u6d5Y4Sf/Oy31J73n87WhIwrL
+oZyIYcGPek8poOzrkSFPTdOd3Ia1YrRLp7/BOf2k136eAIRhy0W3/hTufzyInQ3YW4nsnlID9Bj/
+c0BMVG7933Bc/v8oSWLmcVAR/1ySPH2X/+OV6e0fVcnff+lfjkvxi2cj8rieJUicfYqPvzsuXf8X
+F3kRdoX7m/qIrfJfuqT9C19gj6vbQRQFkIUQ/y9dUv+F3RtdcMIEU0i0wv4nuuRPFxDZDqRy1zbh
+ats+FLKfVEkxOe2k63G9JxvJ/SavYvvO7GRz+qwa/MOp+Q8M+p+nGddjwZ7SORe+xfLpp2nG1Ouk
+yTxR7V1iCKdlmsUpG03/eeYMHNt28dd/fbyf7g7X9wYk3GAQ6aL7/pvi2mnUhjWezvFK8pgw9Bq8
+aplaxGlQlrnHm0exN3decZFOavzN6OYnufd6cBtTrOV7fHrXUdqP38xW03tV8+DcL90wfJRFider
+YOlznMWizipa/OfI0P/uLf+HU4wtB+qYQ9mWx6j5x6MO/ZB10nPLfVcKqjSLZPiAGIWPz087dR/r
+8z8+oCO4SDkcDRw6Qvn1Bf2BJ5ddqTwGWKNdwuTs4CLPsCZkzlN6pvYGrtb5m/mg+Lfz6rKycjx2
+3cwofTq0fzzg3At9iaMrI6dWFCKPTtQbd8vS6hPRJPo3WCCkgnRLZe0hu4lzO9nVc8VkXIaJk1MA
+DUTDPQ8zUmvQgQNl0NwkPY4rX32ZDe9vrgJwjbyeP47w+MILYfDdt/g0+bL/9HorxLM4K4dxZ1Pw
+a1200rCjQx8XmGAx8HgrWFdC3sAPmZl894MtLnwH57NG7GZn6InjYB+m26MkY/wem0AYg8QpuJZo
+FKISBAjMCeBRmdwA5MLhWn3O3NA/SzLhNl7U0eixwmldet0pGIu3aWwlTmRztG49unp9YOKqzuLq
+do5SHz0GSa+2v3rkpGaAzAsLQ5CBRnboTFvdO9wlnBWUuNzfZfqkvWT4NsDpdUbHJRdllD6wd541
+FikGFDDkb99RaUzBbpqp28GiqvRBVbM8VnrCENuxiW9NvsVO9fNG0M0l31M19epek4O69/MWYouK
+2uZ1zIzmdel0c+8AuW1DNU3Nq1ea073e9xQ3+e3C7UsRPV1norPfYXGoc90VDBs/fbCYa9VZazVx
+sQdqLtMltd+Z+hiU7M6+enWIII0hIyUsnn1kq/NodbzTJmctSkUDBwTcFT0bBJC71ehJ+x1nGpfZ
+MnHerpbe0edDW7zWf5btYr87mqPOaYyVsjUlU4GZElyPvnCNXUqP6/z827WaZDGGzsRM5XiLoNV/
+YDPENcpkFp/xPDX9tpcUFmFWxjVz47tRWu5Bp7blQMDG98b1AAPqJZkkfuOG++lqyEdXrcvZ4jqZ
+Ksd6rzGhvCbsne7jtvSP/tz5z/SAMnWwPk2SUC9x4179sx2pJgwXTa3uxxFlcTU5nytQA5OnUhme
+57jOMWpP9GrhVU2ESWw5Y0oOWYr3KgmKBZ/j0s/zb6nBDs3Rwz+FI4bckpb0bHp9/fT5M+QdK2ZM
+esZ9Y0l2Gu/1IcEptZKx72/GzxktpmMoFnDOmx0Tgig6iH7Sm3DqJXi3lq3q2dRd0dG3Q0qFvF7B
+ov40QIxp7MAr4So/Nk6lX92PtYqmDWyCOWC3zi/QHC70vRSDOyk42lqV3PSAV7TtrNNMs2qpX4rO
+pLHIGCRAKpoAoXGIjgZA1VeQxOw6YKZMIVa1Jb2Xs2bIl57Tn2z7qpq2PYXwoBX0vA40b4LFgB00
+oFzC5jz3l4YydbDSMypH5c+0gBQhRUGK4X5rbbD6mycbe1s4TXIX+agFA1aLiwMOHH9vRPwRzDwi
+LroGQRvxpdeNdtUwakF9UOJOc5LhLJO2j4Mhmuy3AXqxxfXVS1or/VQdJlebdpZXx1Tf6kYNW6Je
+Tl43xh9Ep8TJIaN3gysMxVuvfPT0xZqPokJEDbh2CdYubE+3VbMMH35K6GwFBiROV1zc/o0VUZ6x
+AjEAA1C4bvSM15HIutCsJ7rs2MV07XslYNpkDB2sXQvMeeIHr7Z+MuRcUnNu9x+J4A8B92V15jHH
+tWxEVZLuMAbwlMbxs52vHnJbDP5zOScImm7slTY2o0mdl6vhV8EUQK8XzSs6CkksClreaaqOnzPb
+4YZZG/klI0P/knX0tcD6xTcQ6cTGUtc0917jA7Dw/YioPRbBi0OmEjNktWIPb8UbYZaeTXHvwgxn
+6RvxVnaatuwxAY3e3iTraMpQNL3amISkaellJP11iSfbWXdVfvO/uT8d7sA9rPKLmyTtf4f9Q0OG
+i1vCQ4FJJ+aT5qgxU2Dm8gMEqDIq3JqGGjeAgik9+5EGhBeyhVFSWGivnzQgdpXWV5BJ/HzDE6t7
+oknBiL76nky7oAURW28Wr8b8ZMT5aBEKzrUjg86RU1dGTbBAfPwyuxgrU6vy7tzE1BlIDDjaRYPS
+PRO4fa2Vx1qkGWzvaMpUu7ac87FSxNCt04Ig5xrtMO5OndfP+9nMvBPQRf+5g6FCVBAh9EMvMiww
+0dUMnzsLF007cqX0MYMmiL3XS2mMKammgl6cKIvjXto6Bvf0TwP7BJ5n6wyJf+wlH01YUCh0jWHQ
+4I2AOssgbSz+IsGgDE3harZxKCMuV7GRc7/vJpwgCRPCcLLjvt/iXfKO0KOoHwSbWAQZDxOGfC5+
+e7zNfJds5upbd776ljCJbz/dU8ucccP/vAW6yYjZBeDz9dKXepHcUxFLzHnEAHmU46hvkZwIMyC0
+9x+VifgZCLPjyW8gmr+7Bc/HnuSdXJUY0tBa27pIVgXsOVYMM/ua7W8vS1CnWeCCy1hJRJrG48sF
+tndoi67bTfOo7oeJtW/JnIVBXlHNNwZ6J3bKccYdcwt1n2gMsmP9Ko22Se4Me+JVpyV6Uygngier
+qktn92yRUqA4GpEAzfmag2lzsp6ePtERETONvhlz8GDUqtvzI3Mo+9VJBDfWudOyo2w6xfDjP/Kf
+rMX0/hd7Z9YbN5Jm7b9SmHsa3BfgmwG+JJmblKldsnxDyLbEfQ8ySP76eagq99iubnfXfTXQjTZs
+SalMkhHxnnOe0/NcdLQ7hHb12AyJ8kbfkrdLBulNG14zu5xUcbxHHZnE3rhFx0reMuK6J/fM8hR3
+E0GfDsDRwitJ13eUDC7pBWtmWR8a12LB7HhU3UXrJ5oxoH9ZhpIrroDIdFa0llOD0BcVipWFKgJB
+xrUi9VFTZkLEvE9sLe8IlCrDHTJAYTd+KpM4cW+LnKIMlqoGAhQx/7idU8yvqRJr8I7YLce7ifw5
+niO2G/jtrDCFu4ahqSjTAKI2aBab4Sc8D/YgGDVwTBOMP8OHGH2KNShHhY8XYCT3jkW2NCc+/va2
+dnmy5GOifCRxlR7JHUWg+hKWHqrT9rFua8QiHGVbDBIXvNvaATMKImKOB/Klj3AhGDexyyPd6OJh
+q6mxRsxawx09Te2hpreCJrdCu61AYtYbtiE4QUbcqVrOjkTYZf5GP4TFqLGO9t5So3aKFiWFO1D6
+PBXeqq59U4r5yptMeeC6ZmMwtOqVJxr1yirnMRhVvFn9XO6nwQL+CqDmDq1r3mYsokHWYtadAFWb
+qjBPkz5UN3zarMvVVBxZ+cqdWa7KtYKzwC3tMPaK05ADtzJ4q65U5qkPjWIPz12tG+d6LLPaN2KV
+DeTU7silUBIwEuDXbtn5wQcg8v5m2ZF1NMA2pCkuVS8DClQR44/cvZItr1Zr84GYJH+pjbUg/8Fv
+VonmsCMYG5+pOK6MmZAXT5BE5QnBesXTUGT1xdDqCkaYuW1OfV5wkZZrshAbP1fkMkZ89tFUJP31
+nFMC7I9su4NfH43XU8cPpxKXc4ljWAwWNEYQPx/7F7CXHites2+s903/SCx8060b31//nD+dfvCr
+rqWxmsWxnxTmT8dDiJmIjrVo9kUFTWkzOI523xKwJD0Nw/fCXhE/x/fH4a9/7p+O/vxch9GgvToB
+4Sr/dOriSF4YWT01+ykr7BehUAZW9hP+ROajPL/qsppvbTvhWdy+Z8x+/dOZ2/z87kIY51TMDc6L
++JnkPPcZ0xNAXXsm/BxAyNjo9+761M2cnqf9H9bRpiOUte686ZTk4f7+Ev42Ed7Pzet//9e/NBGu
+U7HvPqw/RaSDtBdd+kX8Vr/9hr18KD//GJf+/eu/ze7sDx5mO6D5LsAWwtJMz77N7pwPmApdWEor
+hVyDKf+P2Z1Bxz3ROY86HmZcpkMk+tvsjr9ysTXD0nZty9H/Ylr6p2r11a3L/BvDLn7dNYS9/ubf
+D19o+821ZJ7UPRB/v4zfili5mubokDH7rmS1L1P12KtR6EXDR40nYwat67s375+M9Lz1Bv7+QbK+
+BDLhmmHwOyPA/DTmqrkDG9eNVfY4MxAw9w5WJ0rQ0DdE61QZsNfmXi8YuDdxtnNAw4VSfwbJ5C9s
+HRolPqnApNLa3QoiHY2jnZERIk7AnA2aLFBG1CG1+WJOyBJ1shkqxKL8U9YjQvB/Z9PcAFV56KmZ
+ohx70yvhbMFHrsWKnMGSxViomjmLUcnKEIREcKDmgz8b1ePs5huq6oz9ZLvsfzkP68ZFPEi08Gy5
+MUkNs5VwyQYoJ8vCUWEIow/7/NJUhpuoWJowj7EgIqXd2N6zZihhHzsvS88rKDOilTYdVDZwxRYE
+eZKQtSmCEWW2G/Jb9qn3GWCeMO9pDRHNp4FnyQ4e3nXcO3BgKs4Mgy+yHA+bLHb2wsuQQqxhiOpL
+CTdlB6yQuJYqv1TwtmN76C/J8yC5cjpu7J4ftmzhBV/FK7Ht78dKJVIx/5vHCg5gHvL/WgfwX4r0
+DULcjw+T37/qH/Zk8wOjWTIjNg33zPb5hn88TJgPfjC5leGjq+9txmgO34QAHSEAfD76joaI9D40
+/0MIMHTQC3xDtB+XozCT9b8iBPycfWD8b2tsBlgaDZVyU3NVCr6b5Aqk+mY9TZ0raeDTl0CINhht
+HGjMjhxvbMWaj9k0VnmoqjkSc22OD2yuVmHaq9qn7969f/Jc+XnMu74aAiBr5wIjfJd96Y+vxqzm
+JveSYTzrbaWdYwa3TCMwtSRM/rA8Yjcxh2dnZDu+6UqXbRO1LCytVLw5Jl5Fp/rqCYFByEsSmGJF
+oT0sFj5rnMpW9KrRMDdtf/2K3/W8756E768YpY+FfzWLu/pPD2MzhQpJBZI4GxPlBqQIl+KB9KZr
+bIUz1xhkGNBkQeqAH1wcGyrVnKvGrhw7xnbMXMVXRPJeY2vfkIYUKawAIhccRHHN5JSr1VlynQ/e
+sYQt1wfsfbzHPmkv8kJyfkl7xT5hKBrL3a9/q5/2b/xS4GXY/aNQcW1Q+Prjx+AwyoVUXPTnd5BB
+HbNGbkysrw0iNGdHOXXeXRNpxcdf/9ifVCnGdmwEqXnxICeu/7O+rO+uRUudYrPBIHauXNQaOvGG
+M90JtAxGyeOvf9JPG8X3n8RYHoUIxo+HUPPjT2oqOpXaLqnPbqOaL5SicliOhDvrm7xJQrWlrs0n
+b+nWPgx0Wf67i2a9KL6/aPgtdZWYDaGFdRH9+ccDQoFassKycSlZL2U2ELUp1tdAUWMf2h08rlnl
+o9/JosVH3Oa18wq8sT/QWWdeTrbRqUTCM8DKGa7kB4C9uoEvaZ5fG84gAYJbiUscz3C3Zxlfht93
+mUB04tf6n92mf/6gXGd9bLAHogwYdsyPb59qD1ZlWZFyIn5bvqQwyxj2K7moTMwPFMIfZZLmnxl1
+gblfWurL4ClhC9VG5004y4JlK4kd6FfZ+Jp2hvN1tJrEOf76IzatP33IhEK4iFDh2alxd67Qme8u
+J7tzU5UGO+OUMaaIPDcQXrJCNybD24pxGHxAXerNWM7WsIH06vidVjHG7ZpdYTY6zaxtedsUFiB8
+p5Dxk8zKGpsZTKvGapsHEOVYDejk8oc6y1L86AayRgRN5SwbpYdhB+4sjjUPHWahpcTXx6Tcg7Iu
+bvUsvsYUa0wE3Z32LKL2Xuj46DmJ6qtqMus8G8xhwf0v3eyySCz3OSIrdUxsV7vEWjF6vlQTAGJc
+dCmeBxSUjZzdJcC2rARLNn0hsSjuiGXjC5GlcLZRj2mIiKR+3yaapKvWUTQ2bEnOpM9QYeGnVat8
+GkoqDEB0QGeDZX/QWq/4mo64uzYAKvM7lKKJYCrYrmMXdWyoeB8AqeneVSuBpIMLa7eaNmljSCYZ
+0w5BOlIQo55EYdkbKCiNd5VEMPpJl9Riz1KjS5/aRsY3wik+TqWaXOid19xZwEB3g5cp+ra3y+XF
+tWv8dOqULdsxd+OtAs/sBaqxfKN9poESpAukgCrWx3g7cdLm5pAynONxcLddjU27EEa5Rw6kOMI2
+u5o3mvKCTdZnmQKSkt2fU1sT2BMBqMEQSlXCyszD2KQQ6UYS7OF80bGjzbiSxNYgQ9rvJsbUl0iL
+SxHdDLIlzb0BhA1n/CvUAF1fnnupTCu30et4lNdf9LnMhNFhFSTjpp5FLqhzOXppu+xorhERFSAr
+nCSD8nGnMsw4ZLPBQXXgM8BcDtIcdmVSrlv8KGI9FEUu2xDDf6z6XSG06CppcRXU+3x2GEnM2MPF
+pd0LgytKRrgNpT+wFm5tJcmiq5FbxyZ9gnDLBWewJd2ijnTeBt4ZtMtwAgztK5FH/G4zR7TQ0fMT
+MQNNvAFXnywcRMc+Ylewtaq4xMS1MB73Kz2nUKFM1oP+2JPJZlSpkCOt49R9U4bRSdVArQkOpSYZ
+6jOpyzg6VoYjHCvzqwkT6LzvVZ5ucMLjxKGgrx+Rnryur5ihEdef98h+ZeNbOuxF35msudh1BEUV
+n49Vf1KakqkgJzcym/xXVa5Qf8itDKKqnpCyvPJgdOS9wzwR9u0yCINeA6XWtYsEF6CDiJnoidhF
+3dhUdyzGxhGonJ5vh4ZXENaiiJcQoMICCw60ijyVLtUlocKt0lGKow1H1FIL8kBkxEPgkLtqNun7
+0b9aMmN5he/n2aCrBVhvisqT9qCpqQmxBoIpHuO8NXDfpVGwDBHcAGAjjUeTscxM3yCMssCAzBbl
+gpESVS9NFDNDTDynCbWZut0DUS0Zh+g+iaSglcMVBzKCH0MbG8imTN2XDaho5VMHKnHm6MV9pJ+1
+pUIS3bijqRj3cyH14Ww33kyrDEjBkzVULEmcTnK+wINfbGzJEmnVM2kvtLOWqt1pywlkSS80EYt7
+E6LDizWBC9gQbeNfD5RTGSFAC+ausGHX2arR5sCwZBSm1CoTFJPsLLI4G+/IMMjPTZcYQKkh/yA/
+W8ymKjfi+1hFTbH2u8gN9tswb94Fc00Ad2ZaSne3L6gjnsJRL7N03026TouBAy726n1C/Du1q8oy
+EEtO0TNgm2YTXVZtJXvHRFa8sBqciHbBCuY94ijh6i55SnaBq3lTfRC9F+nXGae4/FZ3Kw+wkZmh
+3YpJrJtPzuLXFib+KaxlyY+u64VxM7E+sdDJ4ay//KrPS55PvC6Ynih5Fb/F0NLBie6Avup7+cit
+Q6ghT28qWqfh1Q/sCn7XXjVdVMlVq5kzmEmjSVQ+btlNw6lEWF5jWUMLoV1laBECI2AOzp9Xdg4L
++ODDp173yaIqcZ4Y3pGut9SFhmXlXBeA/19kBX55M3Ugvwwxqf0FsgrKf91Q03vnslqgb6oc0L24
+fTYZKpIuNJNUP6KuecNFlADRDObOaRE/qZjbNTpvq6867fwlL3LrehrW+HqrzmP+JO0y7vcElMo3
+imnXZ0jaoiVwDgDnk+pzwszfLr0nRY3KbSkbkoyOyWNu7mRym9aivwAHvrqQ9U6nMbOwwHgQ5kIr
+yhgZhIVerSgqJTK8g1nVWksib0bbcDUuqVCuT+yQrDePFGjXY8giA+BA6wYgOZFXiJGV1hhx1Xek
+i7DXeffKzDb9uBB91L6KHpbtpmQ8NB5SqfOtplJbe2gkRXGHho9F+gqsTArgx1Gcptkp7rKxb4mm
+9DCd4EnuF7n2S1EF0C+7psjr+lTZkEsUASs5TNoKoFs8yybxXYtgxT07EaQvHAhkz50U+Fae9BJC
+r8TSyyowt3dY5bX0o1ajloDZYgc2PzSCGgu+Gd0rYUJ/fHxUokZ+TmJVGWmN7u38kFK0dzP1SgRN
+C809DdNl4CJNdZEZ1xMcL+tc2s3akdCQDjmZWkL5E7qc7ENJpQNtaGAiAJ4sDpN+t++LUJuMCf4D
+sapuhxuCqz83J5BdczSrPVw1GgmeoNZq91nSca2x0q12hLjsryuv0njA6o1Hby6wGbmZhud4JlOn
+w4LTilvkNQRnSa2cSctN4Y63bdQjHM4xV3TYvEPkODgQBU0NkdeXTtckxrU+0SICCGJFfacTEZRT
+3imraNZDVkeCLwdxKoqI19/RRLzFGosTWE4qVujW5L7HOOtgyIgS5/S+K/17QPtvJilr+PmXE9q7
+FSz5m//S1UVavXxvrPzjS78NZ90PK5KS8aqNvADQ8h/jFEiWKBvMWXA2Ugmz/s03kCX4S+bxlou8
+yz4A3/D/jWYZtBBetMBOYmnTUQ3+yjTF8lan3Xcnu5WiuQ5nOVfyOhhK/zQOGKgmqLosrffQYTUZ
+egksKhj0KcIlcV7qmXUe8xX2/xuPS3ckzVylZ2lPNXcPwRI8/wN3SZQaTzadWNfQ+qq7sbcj6q1x
+9jVYDZq9A89233TrU5s72bpIFcQ2J69qyNZTbpcBBmwQMAlloMalWyjJOddqBXId4+TjsLREwVov
+XTnr8yw1Px9s8gykOau3vhx42MCuNre50ptXCf3N13kSmb5STyPu81Yx2PpTrrHhI6gY1FJPBhxs
+Ymw61rN9gpkZNb7QI1xCbBiomcbE5k2pWoUk0EbYC7yoAGlVvPJTNERZk+CbHw1VbxDyhO7NNy5m
+LO0YNKYI6JKf26LOoe9Ia5+qjHhCY1HLN0zP1h5HAOa0yuLhTt1i9HWxLSolclgRTw35S74vr+zJ
+bKz+qZJqfuvlKr4tjHMET2FwNr1bX4meMOsF4dUYNz1gQgw6ieOuuWr6snwiprXKvrtxb3gwziFx
+YN7ITCMrsVEN8psbkxrFGzY4zSctdt3rqKjpbYYHrWpBxJQFawxp+K3jMqa2FucwQdK8oofCu7b6
+BCRVxsF13/P+bce69S5pKWl3hFrkZcJ4eDu9Gw9Sq6rvNK11bxTcW+csTzC+za61LzXyxWXUafdR
+DQSPChHjqBQp2xNmZld5147K3WJCkrOdTDuavZR+W2DiCFJLt/r9opSC31kztpDz2s9yKdvnbqj1
+p4bQn+F7GA5sn9rC/isd4G7YwQXhpCZn72Zie76ZZ9O707s0vpkM4hyhN3WK51uj8UmPmGkxR1cs
+uscTRb64Cwy7HJjHZQPWPt5yrIqP5pRV6R54nVgOWM/0eZdGg3KpR8oofRbYMoS15TLu7w1vDRda
+uSXJiwOYcziW5GTSJ++6IahBL1xH3L3SZvOUUCgpY5pcaMwAw5gBUaCaCYvOLp5mFW+TkmWymQlv
+FuBGZmKx7jNa9UjUwZMtZivQJnw+Cnk7k5hyK4kNEHOIO23Rhz0tW4o4CrsZ1EPRouw/6Q1lwkeL
+/9BzyOXz0Yli5W6WXc+OPjrBzR4vYKH2T0lbniPPiC8Rp1LvC9sQqtU2ukFqUDnGpepUgaMX6oNl
+qOCrASNs1EUsYYQFcKva/FEYanFoFzKnqYDZr5CBP2EoasO+EbfZoCVBWjS6DUOScTJbhUQ+2jaB
+oD23t3IP2DHa1V23cAC1DI5QABYIIFNmx0lp4kQtcIx+tSpeA+CTdKLqb9CHYBYTOGscdod6IG4y
+e9VtvbiXIuuRm0b6HDy3no6SzujQmajXMAV87raedoTSla/WwpOmiDqfWPsOw3W2m1MdK0IjnDM9
+i3di6SkOjeUO9Jj1qHXQBLJhGOgnGuorXCS36E86ifmFj4355wpiizcjTes8KuyYlFvv95lVkc9q
++tdsdug+16PntsvB/+HCuatQ0K8yki/+nNPTYRb9eM3ECihYzQlVpsm8IwhzTlt3ZuSjCj8hGbql
+f0UjtcpXafmcY2Dr6ibI3eW5jhzLnwvnamm6E9BP2vL0NdBswCBso4piTeiop66L5BU4BESkvv7s
+8bTdVanmhikxuC2WIE66kdX78HDa/VKTli7GUTlmZUolWzETJXTiT3WqU6qgJTjznbkKdG+AFSnq
+jhlUK/dqGYuHbOgEF4ZUdjhd3obOhmiaZHMoOqndj1CjPpF9UcrNO67GzkzCkApDycNg1zLfG6Vp
+EQRNmy0mLIbpTUxSuME1cXSpQ/GJADo3Q5N4u3RhacpKnHLCMkuuCntxznPf0lo5QorNQrdNxa1H
+Aeijx3EmNDjSkLAZkvPiue3nquZ0s6G4Of9ITLEkxTh2myjV3W3ZC29XL9h5qd1Qn7wuVkKGciTy
+ZbUwAMbmTKwJ/R7z3Y3BX5x6cMJXPZY+B08rrV1eSxq6X+wzQXxt2oCMzLUjBUrxpZeXLhSIiiKH
+QqSDQ9OKQc66tdMlMCXFChZ2JeZSmnE26BbcLGVCQFFpKnwadeTunIYuN6WLKTdokPtaZVAe8ar0
+T1xxVRukgyT0Z3S3NpS6m2kR6tnI8ipwhXmwh4LLwJRbFUq0P7F13ut6t7pxoL90kZO9Gr1Zvg5l
+x4gigc3njyJCxOtMGxSnw4rtZ3NrBbaVag81Ssht4uXuV3K1cQh3j8BEpH9SvOENZkP80dbtabPm
+uKiAsh4qk2ox7qmcAH6Om1LjObfMbQS7wmRclX0CgvuFtmNrt9TEzZZoGZkszB/ncSZtX5CAdJzu
+BSIJlApDPeTJlIfwx5rXOHLY0TMpCXTXyPYjFpza15cZjqgdadf40ldVU+Y3lWafKzbml+XSDWEJ
+5JLiuXhMhU8/pmwAKJXLOab9PQSx93WgtYJZA1sp9hcp8NiNNMZi72jZQocsFldqzni45la7bmZa
+Tvlm15OtVYwwqaL0hZHJvaLb9WqBVD8lupPu69R1XnFh3g6j9haBqgSojIlbcZ6rQlOD1sKRN+Uq
+FakzcLmGmerGMdrnOqbvZaE0UFbgJPDcNeEIoTVwKTbZZ9PM3IgcqzVzdshs7SGlh+Cy4JoHeGpr
+W5pxvJ2eicRv1GwHWLU51mK6MxeOsxosb1CCFsm7bPkq2H/6whjqO/hV+Ln6hfc6Ko054Jw6hlhV
+BV0YDOOmATtdp7hfolj/qOGHelZby7gifFj4mFFvWk1wXVlfSr3UDhzfYEYmaXPRwKBcXUavTil9
+9gVfe1z8STDwknwNsXjvNlG26U34linewM3o2gksGOncYmuLg6SQIE7ZPV7RYRRd0zN67PjQ66Lb
+AdehNrQH5Ok0XKKaGxP4mPSg0zIsl2Q1cZTbt9GUDJAcUwbqjg6Jh4IrFJQec9Zo89uRDzBZ0i+V
+trcDxkKPIkt362az1aqr2hFwDqRHL179ZqXxvtUhASaKCoamv1qKFbMteh84MZ305aeu8GjD7ad7
+2Q/XjSaumNqe2K3RhmYvM/d9xJkVViJ7QHrI54zbHIAEDA7LSGlbpX3XuqxwTFzaZVuREek2+uyQ
+DFXycrnWMe5e/H3w+08kdM1bJeV/LaH//y5d6h8PfL9/yTf9XIXVhUpurA0BZB4tVJxv+rlmfiBi
+ZXN6I2nnIbD/34nPAfDFV/2ukPM3vIZv+rn2AVMPfhwH3Y04nftXDny6/pPpi+4OhCWNuJeuary8
+n61uZev0PYcueamlMJQAxdLRWAI6IihWqwzRRlcHHdI6Yhl2OVd0qT4RXKB4JGcS2N/rJQQ8wvFk
+GXTgo/R6y8x3ePg0eGps9jU2uCT2yWD9GznRsGgaEi2pIkSwzxQpFeg1lq6X44GaM9g4lCGJoRLN
+qSpmDOzjmHKW8dymwj6dTcdaKUf1kKX2fJrNCEOK0TY0qNsfcfmPOwkVirK/yQsoPGku35f9MpsG
+bWNZuX6fsH5WPqgauY6D19kpFGkvJMLAhKboFm5vuyAUstBS96I2Os1klejHU0rDThcyWZdr9mod
+NbEPVosd8fNiN41d4YIVqNMDw8HWOXueGDO/ZxO6axUFJdRuZrETXT7i5SnYnCSlme+bqJPbbOkc
+PNxKxTem94o7ntDPiFk5qp6FnLVbadOksKtFJoKk70dsrM1M62Ufz8umz8suyKx2/Cg6c36Mltoh
+PB+3oCwIDkxrq5rFL0oj3qB/jIoMAIqlFeiDLHamlpOcj5sWWLDWgZSu2Uw7piNDpgKo5GkurQMR
+NefRy5hM6e+CUfouHiXvQtLIpc7heZWXWoQm/V1yMlb1yX4XosZM4Eh6l6esd6nKfZetWK8ACiNe
+7dtV1aJ0FIFLX7Uuuape5bsANr+LYd27MKatGhn5IfVlocxhm1vcjVtIJh1EJHN+KVfzCfpKidqG
+bfJOq4CyceAuPtarKhepoyZ93FpiX4xMEAO9c67KckbJWzU99HPI43TkIPWp77JfHBftdh7jidFj
+511Nqz7YrkrhsGqGZMaQD+tVSbQLAxu4lQzFV5V9xQGUhA5AFfURA130ibsBSbLKNO9zVI4Ilciu
+Yw7KptXvI7IHB9mVzhZcLPKmV0X9HVVeX9RV+xxXFRTQFIIod0B6qFmuCAe+S6bxqp6WdmEeYRG7
+z6v5b4dLGt+Z1S80cFir+tq/C7E9kiyl9d25ddXlM1UbUYCSMj8yHin30bucqygq0m6zqrzjqvfO
+9VSdW4vjJXylVRDWR5AO1qoSa0lUP9hxKzZS8YieMXx5Eu3asE4dWHGbr2pzv9D3TUXtTtQu16ET
+QQ+3zFy9sZIWpfVdtK4rU5c8WWg4uWjWMsTBEs0VE1UPmVQtXhmlzofW62t/Smg/HUlRbECKf8mQ
+mVCcOP7D+zD3WeF5oEz0l0nOT1bRWYDEYm8KvFF3ujygVYvPERWpTZrBvpYMihEuNrmFI7v726/6
++p+sirphr6aaf70snjkJJr8FL3ktfhiG/vGFfyyOHjU8jDpXr7FhETXVvjOXqSbrJr4kfCZr8vo7
+p+rv9EuCuyydjMnU78ahpvXBMzSVIZzKVl6HrvBXVkfT+XF1pJ4KHxGdyzp+c4skvLGOS7+zYOCD
+YgWbHP1yIfwVL7uUR6+IghpkQTn3J4VsKEcBUi1sRa2M7bppLM+KXthQ3FNt33NnXUYs7OHcKuU2
+Ju0CombpT/A+9gmz0qML+iIwC8++qIdKuaOcufHrKlYuROpSAWeW9h11uhPRC08QsqkzZafRJbwp
+11iK3fegk+pF2+ptm1YbenBpsmi9iLFGQxOAFe/zNDnZZLzAXNILm7TRjVzaq6ln4Mr7uDHp5du3
+fcPwkliW7xT2kWK5IILRHRCG+TpYmgyGrIEyNHaZ3xnVfIq6GDFKqME0ql8S2F+AwfCPRllGHaK6
+LDurZsyBWLhTKCp+8uYxY8aTp8ECj6aYuqsu5+RF+kC8dLowtoVTun5jNR2netI+WqmtNCHwSaJy
+vf1Mf8+tQzIqQLpa9k2u4x2p4UrJphn3dBBddbMHmKjPF4IXqbYZYKmyTW84ZLErC+IUBKEsB+B+
+ddEfwU+eEo05GqG4W9BUMhSRs/PKYd+YkjUTCW5D7UnnmyzxgR6pO9qUNd9K5kdLjDOn3fWXaHKK
+lyGzcexhc47YY5NKGT5jcgsMSEZHGvHSi4aEkW9QSfFevcFwa8s8iVbj3Ea+JpG9YTy59yLvKOZa
+9d1cZ91dIuVxNtJ6QzTUYg4Bkc0YpmkLKcbbKFh9Djp8m3sna5ZDrwGoc+AZwpnXrK0O8TjoJ9UM
+KjJeHBYI6gwAk1okhdDTsk/N1JgXreIe6JLCzWMZcIp6EOFGEe+IFDgA1Zs2KAolzLP2HrTRozst
+l5mOuySGvLRVqlQNibEnzBdK1uPsU9YKc5dBniZTKquQ9UQ5trr3ai5KFgi62AOuifsC/qEtuSTc
+Lr7x6qzeDnE++3ocFZRoC390NVTIvlA3mrAOhLa1T7O5MNfv+otJyT9zTkerTFzo9Wk271fDhr8s
+lctuimshrSgqh/1l7gF9wmhDzPaJ27VBrnXsCumLzZ0pCsiGjX5P5/1Oo74wrA3P3NqUnm4jI3vo
+dDs+ke0ut4b7OfZ69Yj414IptZV7Wl+pv2IGSYNVkaa3FNW5fsVytWGOPe+a1Ovu1WpikXS8/HaB
+pxH0/XLCzl9s3SyXJEETNNV8oMgIP19YTUCMhK6o1+RmllBd8jLUejfxB7aoAW4vCD9OZh80pi5+
+Grsj52RajljbLxgND4GCi/GBESjvIt6CQDczBzScJwNsfu1GtdYDpJWpD3NkqhuhaDZ3brts6QRx
+fG9YNGTPvLrLFWO+jhgDHzWxerA9UiWpL5U8CTHGy2ASJRXq1AWFBnnULS91uGSfavAPlcuKNOWu
+zm1KvvPP6YiZJ6tgG44tMODBHZXAWXg/m6W39k5SZBvaRN4Y47nBJGvr2IzLOoUQd6qbHmhVto/u
+smqVnbXOo9pQUooWJh4G3UUWdmCaMCb11vsyYDxLcSpE2nBdcETYALrFGJsqr6W5zFv27xedcOha
+49/jhdkRQ5vZVVeUuseQIcnKNei5HDASDlYbzUxf2hoEY+wud32tT3tnDfNSk0pHtDsIn2DQHOop
+Q6WuarmkYrs7zbqzHUr9xWsNRrhpZlAh31t3kZ7EgEXpH8JnonKr7SazfR3Zum6cZY7OVpeBqS00
+7QgqjlaBQh/DfMb4QN94E0ivdPeJoV7Vhf7JtvvLLDazQ29Nj65kVuCknKCK2bAPg5pW9543PjGR
+lrjcnFc7YUs0Rut4Ki6o5xouHFN058bVj2kNO8qq6+K0MgzJk18XCfHgyACiFLXtW9dRLpp6JnvH
+Zah3JqXQAd0pWdhKUVxipel21LW4G8uIvH2RAYs3kk+INt79bM57ChC0i8UG8zfqc7sVbjEGk8tP
+rJblHgdWet2TYsg0FiFiA9Mml4hkQKCKbTdYNDOX1l2TQ2a3oVsxJqXltmtR4EZDIag36OukhPKa
+srWfi3z6KKNh2Duz87UeoCQlcQEZkiPJDiiyso2ZRvtOOXpXohiv1ZgddWua6wuXpwYXgS8svUFk
+uq0zqLcQU7ZTC6qVBxo0zkR5GjyQZPT1fjXShq4Aum0O7rh0PGs4ZMxY1fY8f9NjMppyR58sORBX
+YRrWga126V9jwGxY29iRBtt5Jku0r2u72MmeJP2Sh0Vx72dcHz1ECLba8ZuhNM6xqIqIgpWCiX7D
++M2qHTfUaM06YubVNzXdXQTW62jbYaQNpDsvRvWZFHElHsxUUIPHNasAxUUjILbY+JNo3Vo+ktsr
+HW7F1u4zrA9cfaV7ReTYkyiiiZ6vNxmBZKs3mEzV6aiBpbb16MEYMNDYOXJYx3A6tPqap3dOER5z
+sJUjGlm3VL06dvdcj1O1VJjEwG16Pm2rhPU45BTEOosNHrKl6/52G/xH22uY77+eOt2/Ti/9DyaD
+37/i277a+GARQ6CCwbPJIqyugH8MnVT7Axta6EKY3texD16CbzYDG0QTKQ9Hp7FDxfaKf/2PoZNu
+fXDx/tFzSbnl77vx//l/P/it+5/+/Fs1lNeUAov+v/9Lw8f8o88AtgxQe7bXIGYYKfCzftxYM6RV
+YBbW4CxavXsaFRPgYDF/ee8axgjUhonCNnAq6/zWke6pB1Tx0R6z9q6p2SWrXX8cZptb3XWWk1kP
+ChRzw45245o3GLACv5DZrFmtahVAuhvxVLAsPcav41izcWOaKbOsjcJQ3TksWoeV0DMB7z70BfYz
+lKZ8qXGC5aJpTm7TqWA/1VECqdzkHmdcyiijPDO3yxKrKAuN7Lr2oXArATwRP3uhMSqYbHzveuSJ
+0ElUs98mBbTBozDjtGD5o2tLVTeTPkM2Smkz1o5OPeuPJp5T6EBLrdWWD3x6csEHOrN1GNLaUpns
+z6mT3UezghkVCEU+tgGkj/qFUhX3a2xnWJYWHTW+XWcbKjxMt8ezeoecnzUo2cX/sncmS44j2ZL9
+IpQAhnnZJDg76fMUG4gP4YDBMM+wr3+H2VUimdndVdL72oVkRoR7OEnYNb2qR51uR+ZOnCgz0deh
+JkxPcQYIez1hYe22o5ll40ZX2RJEQZXti4SilLmUPdH40u4R7OaA8zlw3xfKlVcgINO97ORjkgOv
+xPiUnWnTqvaMjC9ZRStd1k8gTIuQa8iUUI7ZUOPzKmeJ32GBRQhz4IzFH/PqMLx2SYHbM+/ubLqO
+uD6MIQdC4n31c0yLzTC964ytI4PAWs02rejqhUTNdVa3siNxxs+EE28DPHSA+jt0HERGsWMp/2JA
+nV8h+uMC9FN/G4hyR87xYdTyxcvFD26e/qS7alrho7rotCH8NvTvVdEdYeiXe9VLlDFpR7MuxKpb
+ag/lwrS2baPv0qSgQE6ol5rOxIiin2pDoeJvT5beufB0fDeFFcSjaxlWONDz1XFhUEj6O2d02NBq
+lL7M9tA4ae5OLKZhZxrTG1D37TnoJ7HxqdQ5+JWU23LW7orAdrrWXRN8Ss5BIjiu/AzSZj7O+GA2
+deMaD8iDDk/k5Hdsx9Wta/SPLIzmx7LAZwxGTLLvqeW+VJ63GqQJ5r1aXAoW3IEj3HUOPBfSbduK
+cJsULquS1Ah3ozf9rlxVHHBPVFHMs2NFhJB6SXwon5V93UO6GNmSpAW2YhZdVCGQUS3TL2tXG9xD
+zBF/nQEjNRDzk+WW5gqA5ouRxweGeDBFXd2wzzReXXzacFTn7Jg2brg2akf+2IPb/hq0z8KmZ96e
+HMpkx4ZLDcIjLe2jGk4eZAzIP1TRRTb3jp+q9xhTR/Ld4FnJoCVRm40sVJZiNvZCmcMDtp3Jf8wd
+Vd+hL1BEgMInr0OTt2XLGmxioLXszuE6PGHe79e9aVECSNOZOJZD0qLG2SCaUT9LpVfx1IMFb4BN
+xON4l03KgoHD2yIJx9xaBfO8fDc1D9VN4jvLcehluWd0WSbaCHlrzWuaxM0ZH7vlqhW4gf7HQoyW
+2ERizFbzMKQ/sE1DPmsTqCiutU09XQT2yveOdnMMGFhZ9dYaC/OUlmGxm2RQr9PGEDswOfzL1ARO
+LPN2Pk2BH9k8CbA+LKpdFtIYcTUI17qxNzTjwtpI4PSIQL/NhFFefFnPlzwzPvhIvQotTeRIVXHD
+xj5iNM4lM4WKKKDNTqUhv+MuaCMpavlStBkoAa925Vm0C2V0xaDtSHOpv8M19dzkQgWQamycNACe
+j1ZIHMG3xxtk9frBsUPjkXCe/yGgg0SJCuEKFGGLUJikfIynmTaPGOwrZvrFPHvxUnF977Ea9H1/
+wRldbfh7yi3EjWXXXj+1yom9+0LTqxw3BM5wzXB7ZU7MUwfb6NJRygkWehX34JubQAeEBbySxMTy
+TsOuu3fGIvxqRXfvz1dfeqfscU9B+5sHGB/bsmlshD0eAEcHkcKHBNPJqvufuAIJkxm9cVoGNwUr
+MVjwKuAE1hXAkAVQxTZ2LJ4HwXKhe0DdasMcz4tEji2XATZOOdO90CGIj1RebIBlcUEPnZk0jYDG
+lVE7UVvtjpBbyzO4PwOj8Nea4NKKkB/vRIBGh16htHtT667gtD0MAXcuRbfvpoI1gdGnCvfNPO+M
+pQkPkIto97RmjMNeSFdZTbmheYVRDJYBp57ZFQNFhaM7DET3FMoMkSNQS9QgWxH5aw6hEeKmpRJj
+bvxnUEwQp2mA2ppdzZVyoUHPcK7+4HJmbh+K+Wio5hvzxZkd53CyqC3kpne1Ogi/vIVEZ96ImRe2
+NJdsO8mePgO8j3vD9UMMvfSejdgR10ECqMUgMbYaFOMuFTQ87xrvl9as7Eu4KwC8+l+iUurk1jFy
+D7XcYLSmZVUvmXXDewBImXTS9aTUz+Dl4Xau9S/KsfKVgrycrLLFjc/kTmIMPBQ5cPAnn4hlE+JC
+394BqY7XKQaiy+QE1L3kiDeembxXlvuDzeG308t8m7sMDOPsvBbtkK4L1TUvecBfpVuH2wB+j592
+cGAld5mKcNTjSeym9K5y8+w+FBUlKIHQN2Dj+DH4imxTTPpk5NPFU2p8DZaKA6O3KQOg34CVxQAj
+MuC57sn8U5S9WBdiqQ4DCuI2G/1lXYZGuQXxUNwISyB7LdpZj/by2aXQ4Efh+auJgmlw0oqoLE6N
+l84U+k7ZiCacpldJKfWHueQHVvPtj73K3vnYqx4nURk8Nb7LnyVy+NgO8cGjjWVt5GFyP3APuXNZ
+j7wjajwSu6cvI08ujqi6vU0TOjemNKOXpov5QWModJ6xxk3r2WWhvfTBxtGxJ1D3fJo+h3FaIt3g
+f5G0pFiA3QSOr7nE18XrvBK1Vd2Olu73pp79Pema4NekOvN9MOevrI77W23aRrYZx3TcZ/jMYbd4
+I87LbC6vgiF9kMh861CMISZK1+UdYRYPTRC6DxM2cHPNU9NgxBBsO1z0qp+uJeZ8/aDSHamJthJ6
+9FtvV9eWy0emxPe5x1mh2R6hikdLYj/WcrlWe5s37Heztw6J+7NMmmM+pdR0ZvS0r4m7fHPXc/F+
+SfFlJRmVwxqIJZUdcpgP9VSBeJYqzYaI9ND8ZeZBHtXV0D3qqW0OMQ/PMxydfBeW3p32ylOML8EH
+UCOqeW8ZOuPt7I3+d5z4pKFE50OxceUr6qtDGFK6UVtM+caVNpn8iiqBqKXdclPRZfHQ2k4r8SSY
+3WVWIsDgF5MP9nsKQiNYyihtuFWX2zJAHUqsNtvG/tRvLXbfm5rvixWoZ+yoW4uLXYOU9srTTL1y
+xA1vOc71R5X18d7MfHkwXbaPQ9x4xwbOMfqR0bGKXaAKvCQCCfAE5/laGpW2xxCtvVql5qSw0ufh
+UTTtyIJ1ttSKZXNNTi4xN9qkEKLXc/9qBnr4Bj417oOuCk+sufpbJ0nb58p2Kar3O2rEIxu8kCqu
+rexMV/qFhlRAXlwfuukpsXjCrrknDWGkw9pGaM7rZdzIjM/DCSAHYbGASu7niQog7y1R2IIiuPGc
+rMHghHwQW9SppfWwmzoA/S8egKx3AkNIwpU/POaa2vSISivjnJezfI8Lt9y2cVA4UaHnHJsppb5Z
+kCXBynGUEay6YipezXiO70d+636mCOjYFuEjmclrv18zfJYFlZpG6tNn1Ovk1JaMpHk5ssvri7F4
+skiOITb7YjcBH7zJKpoil6JPI8DYOatTneP7bWt3O8HTu8eB3baRq3EPZ6NUmzGzhpuiJKDriKzc
+A3FM7gSowOUh8LO2ugWSPrtRmMwmW2KKVMEAym+qjMOlC1bDQA9t9824KXGHrRQJHOex6hOPGgUG
+vCrw226fhWkRrqZsGfUpnx2DnUdmbQBZlG1kU96yqucgnxmdPHvfp577KgJZDJGektrft4rP4ifE
+2TgyjSxObiR+AjppF7PNNiJIpsgTA8wjZfiklNO+regaNur90IXWw9z03AWsxthpF1L6SFPNEUNf
+fWh5T0ZDb8sbev7kOhaD/1O0lfNllleXZkucGAWwqJ86akfkO64LMoVOOGFt8/BVdFpjj+uC4HcV
+1MneGwpGcAub8bqRrf+is8nc4G/QiPY0MGwpNtcfJoP1aVqIf+Yiv7ATNncVf+1Ri6a/rykqe0tn
+p3ggjeYedS2nNbaMOgIajk5ppQU5XtX1q8qMmQ4IsGEhQ/5p24xiHachzMf3+NwxRW6wy4ZrXVoZ
+FaXWdThvFgqm234z5P4Bg+EYVVzcoerLcNsqU3y4zuzsC9XWtF/wZMqvGwsf5MlOJvRst9UVmScL
+j5e3S6dPSmPHXS6cW3tOw2+zbG9HvpNV25sCL6pY9vT5oNwPQ3JDb2kAJw2KGA5mr9lSretuGnyw
+q5I3JbuCTKabiWKATZhzjMdsCn51zPSrKvSLvSHRxo2Jk6ScPFYFtAt0a8M0lrWTEcirYlqEytA3
+bntbLw/1lKLyqfw8KwycblIScwUgkAOgT9Pfde055ziWkgdtk+ChNvjsdjz4B9pBFupG11QCFJtW
+9SOHzrTcI16Gl3FOFHW70tsrT7obrNE8MCkkOkrTugvojll1GG8qSG7JB3J1RgcAcjCDXRNclNG0
+a9LEamPlsUOtVGi/J6Hlr+zp2gJZyLR4N+ruvbF9tUrHYOe4M8s8zDrfJvTmfSBNfViKNufnNwwS
+LiW9c3OZ0BuuMCTTcuNF8Fk+wHSnm/EKqIFF9gZz+pQmgJB1842q99Zl4/X9NpjVhgAqWNDZtjcQ
+P5BnCVIfM9mR+u9m4lCJ6a2ZmS1zbZSQqzbtNcKXOHNzU3lZybul83cWScK1aB15kyeJukN/MM1o
+cOYhwH5gjpeuZ94Gziui5ir/zEFXH8KmyWkvGfWewIn5eyq5omV9Nu4xHQ3RZDRUffdIkapuv/p0
+7o8EurKVCV/yiK4VpelSH3Bag8sThjriyB/vtUqTbUJagPsao9hSyiVydFYcKDEZ1ToZu+UVR2u3
+Qu8520RUXhilnqTRNGuf9cIp9cjDNLNmcKzSQ8wylYXCYLRROQ6/Qqs5TyRHV2kmXnAlgTcYHfCo
+HjhgcLrBazoDpbObllSFGYxrMcTuk64Iy7paiVO5pDfSwPpTk7ijOPux9awfmyfpdlqYjsqEVG9a
+iXc7tXIMnaXz3eF+iMyktaPaKF5mP7B/6rowNKp44PUrVA+G7xn44Ep7xUOw9CbNIUkGcLcO4l+j
+OWCzncexRaBYpoeGBSs+7SDGQowAMVFY6CyS4R+PppPP7k4NdviA7ueCELDdyuOfF/s0Hbdpb/BJ
+KDaeqdg0U/48aZnMXHXiiJeq9s+EHutbNHcGa4hOV8yyYlXrCdCNmzHILeg/1P5dgHkEB37B/1Jl
+8CMS8eBkFQ+PQMIRrk11XFwOV8uevmJVD81OERDcgNrDBuuTgnXz+aiJI/NRt15o+SnXudXT6CGu
+WuC1mGwJ2XP6lndltfZMedJyd8JlEiZsyyPBm1sAtlnFumFsfrEaOs684deg7rATJ8Y5DjH86xzG
+H464Y22N/Xaylb8hAJ0faxf5rwkJDNJzzfaQW9w6pnuwTcb7MCMJCdcqGuLFJWlS3jdOTTlRsfiH
+EjIJJrA+pfprQUDUhXE7CedVWk536mODFVHryXWS2+UuNetkI6vCghDH5ax1hw4gfGKiXPTVylTu
+N2708H4wiKwSvZbrtFp+qYSgg+gXe+srqIek+D9jd7Qep4AWK28m7EE3WDX9djt/fOTZR3LRc2mt
+BCNybBvEKNPKKLM3nHPesnmIbCnFpjWV2odeeYY5QERS2w7AGjmFBCkSi/qYzEzVseF8tCAqbpVc
+6o/Oqqp3bBY2O1lD6y+ALFjerEUZHxUdN7e+mRt7GFldu7J9f97TZ93e+Iorkh8CiIxAcuPndZKN
+XSzLJ3MWH62EVTQL+uC2muz4rPt0+DKk90PeZaHpIzU6FtJBeE+zJF4mSeXkupbm9BzM7nAnROro
+S0tnJTRov6h2qKBX3kFPSZLWJGGtSlo++RJJ2xpBN0gueqm37IlS7guxcbFk645rl8NgL+PxaUnc
+ZyYE97GJk2qbNEu/53NAeqntsIaHwctEweGqTkvxiH2Qxs/Uvg2sLv4oaMpbZ0UcrC1fkI3Jr0DI
+0yQYam5yPJSrph/TEzNEP2/ZQ1ZrEnrecHRKnj8rr6dqZpfEE26sKczhZaCFMdMUQDNLLjeMdxP1
+dGvfq9qXtnaaU9MExG0xv4XmCsRGuFvqLMZjllkAxefQvmCANp9G/gLS/s2gXwcFxouPcYxohEAN
+o4wo8dkeapbCvHsoNaunfjc1pbzRNb0hEQdWuOqB2jIxLRPNMKKHtEmdIpMQT5n3Qnn+L7CgwBvU
+kPX7moKn6xKO4qwOqh20eyMf1/R8z4/uUPeIT3QUeSBCAObW0Mte8j/SPmmS0faaxMkcoaktD4sa
+Z5qy+KBtdDPDKvI7Lt6z4IhmBC3qaLTrn4nxGgpbc78YjPWaTf6xxjIYufXAho8y9XtsieI1y5jA
+I6KcBfd117rrmgofHxnA4KFzW85TnmXVXa6N8dVw5HC0cawNq4LUyLldjP4VQLl5wV+y7ERNCp/L
+a2ffd1idHkIj5vrSWnF4MoxUfC65VMe+C8ZHIWzE0FkMfEqrksfqqnCDUjAz0vsk3S7jQzkBjouG
+CVVwZbchJVoo/PCqicHYORQ2sVDy5k0ur3SRbWgJS7JoVt2dTjqHIsylFpsrK/3J1H5yzKjnXZd5
+uvzkpPrfY6tjUNNeD94fgemShhj9Vkkmm9fBu7YmGpy6CV2aHPY0FXHZkRsz6bJdbRB2glhbnFoc
+kodxMvsNvil1U1slTF7lW+ZNpavpuc/KHjPIDFuUWJ2z9lrMRrbsjftaNfXFXaZgX6RWsoGbQeda
+R7DCrgGmAMGb+nOQF/Yb6q3BITbVTybz3U1bNdN26Jn+kTN9VBojfSBHNALTItY/s8tYJ3VXnIc+
+/DJGy9rwcIrpC3L7yFi0dQ5HPhp2JlICBfahSq3grpw9uOaLOx49w9fTyovzyOm5dQxMjGv05vbY
+wRE500agbmBnfZbBbG1GouJbAHcfCWSMtaDnlo7vDFnRigu0snZ5MaQdb316NDe1wHRp8EbfpcDy
+12O7AKzpYPmvK1XCcArxgJIOtCKPIPGqdytmWVO37zJ3ljVXBb1f2tnDOWyRHQh8SvcY9CjCxElN
+K9PsppJwA4dNBrdFoWeN6oYqI0LorG/QWC0mjSrdWmTCViEgdVdp/rsZU5o4L7dTX169n+ol7MSb
+nfCwdo1yIzG2XcE8H2HZeqswYeExwQuOOiM3IxDc1VZYytlPDjTbJKNSoOaq4LgunhNT00emb+1U
+2iuMOa+gfbI7LyGNaIg9g1W/G7Uz/jJm1iDCNt5s0zK3pmZCnhuDVNfIQU1+6KMIs+Z+Gpp7Ip75
+sjKrgKPdul4E09y4DeyQUmSTNC/9ReLGGY1vx/CHcyXKFs/L7KwkazCEntB56ycCHkkx34w1buk2
+/ycG7r8h+f8QkrdMk3TD/9sU+r/yj8+P4i9+0P/9R/65tg7IQyCSEImwrMCCpAe2859ZiSD4Bz3r
+0LAgj3loRtcWnn+trSkdMsECh2wtwZH5f1pb2+Y/BJAyCtGJ27sw2f7/7KB/3VmTZPaoqOG7MMXV
+Wvr3IiDsLMLpbMfYh4bBwxQlSu+H0Ome/vQz+b/QyYh2/DWCz5chJ3dtXbKReK8L+j97TrXVsTjR
+o7HvtEOtSsXjwx7M4LaYRvKQ//5r8QP9+9cKAR2zgCd65f0RTvnz1+K1YLs02vF+sarw1vTa8ey5
+ln1kGU5an16F9D98QSiv/8eXBJAHq8CkXMiyffNv6DoOI7ex/JZWsaWNoc80VX9TMSpUNNsVrL2D
+cApf4E3aYmsO5NcY6vNs2RH7ZHXbuDBGaU2ALY4WzcMhk+0+rGYioEvYoqbOsr3BQR5i20/C3R/V
+CwU8cjKrc3lcWqu4z1VO+7nR9s8Wq8JjOLb11oCkcYmXXl54eLllZEPj38GsKg6UoZCa77viXhiO
+/h0C3X9JIZq/+HVyNodFUgycs7iuc3OviS2eaYXxgnUKL/9edEPxo21d3YI9yJ6FyeUUbnm+dZu0
+pEa5GEGvleRhq7iKGt2IXTAiIrfNMm2sdK6JzNrdybf66tJiyqMqRNkfJrTcfY6fEs3VmPYNeV4g
+sHMYs+w3RPXVBUVBD28xY7XU6UAp4MT52QYO+xjBEaKMcFLRnLY+aBemt2Tq3imUcZfuJi3rbOuX
+PtilKeZ9vjYxEdQr0y7Kz6H16/dsSILXLFTiIUzMkCuw2YXfGTd1tvxhC3/qunJAqc7kvG1Hdq/c
+xe30U6Wg5zFqOvmtmeNmXntOAuhkmAYWZOX0gsMJJyihjkiInPdexrACHzdzb6VtPaSzNJF3suUh
+bUJv01lm+15w5m2r2exZrkH4XM3cH77bokihVKRfy9XtkNBXeUoom+GM0G4KqocfDrHL/ExwQb/i
+WDHuwQboG1PHRIyw0KqDV46mESmZsYk28Jk4KDdI6qazH6eywwop1Y2ZJcN3QqzpU1kLWodOUPU2
+Ri/DIz+CLkpj76vp8/VkTe2FRmxOMZ+QiD0zSCjnFBsMQEolz2HH2dbEdb4zmH6B/hTkembuJ5Vw
+zDXCIUn4uj9lRuvYq7lPlrVnBtmHG2ADgQ1BSdUAMrHy0OeQxx7iKRc3XtrduTMq4AprlsNbm0/P
+zExwpjxWbDJr/D1TJr51gQCclSj1Zz9XC1mN2v2sZ6VuAW6JSOm+fyBoaqzLPnhoIG1sBle/GUNr
+X2hHEhux6O7CZKQ3U+hNj0S5BuwL4YhuTEUmerSP+UDspQqm0YEaPqbLF9sMLrlEGQfYdQNLfrDy
+QS2u83c2RioplLtBiyWuvuSNp2+CKV/mQx6aTFNrjOimuaIFItEvxHQdclDMyN3ErGpUmJiXscue
+nDYLgPyjC87BOD35S48yaLE3itzlWlltxIq6XxfGHBe8gJ5tZCXPp2/ASYItlVvCPdAm0WGKzI0l
+YFEG2slhSOi9baImnTyMyuV32rUck4vXsNFbVUVbTneJZySBTaqp6dJTCPyBpHZHJPpd1OnA6tos
+r3324K5C8ZIRPXO3zRy6/jcVtrxQKbYK44gbNBnaR1VA9sGhHHbq3XBr9RiOhdy1JtU2fDHf3Y9m
+n7/4+H/adWwL9nbT4NlHdx6BfEx6JEbmGoTeXcBwx0nQeW3Ns7snEcQYOWMeWlgjhNaTgHlFjJay
+N8SQ2IsfCZpOX6BagLyWVllvHUWrTJVDGlkNTrmgyObOoe7M8iipe930LPXpQWpwQbGDnajlcBwU
+D3/0CRN7ZAvyVpYbtw57nNImMq6xgPww4jj8Nbf8qiEu9ogASJbXLY2Be9k4FVA4nPq34zkBzQix
+JOwlHHq+KBLX0eBh+ty0y1QdgJuFt7krvY8cuz+X23y0oEP6xT3XgSv1Nyj43gyv5v+5Rl/8iKDN
+X2yW4ne5yjwdBbqoHpOCuDEKbEU2cMbKjFjIlP/H2frfKfA/TYGhy5n+b6bAVn2U3V/tiwBP+DP/
+GgPDfzCKeCbgU8dDnfnTGBg6/0B1wI0uHIhHwKgxNv5rDCRLxB8R0FyZz4jt/Ckya/+DcCu/G7Y9
+Y+LV8/g3t+K/cy+CXfrrCGNZ/G2mfY3tWuz63L/XNFwbeZ1aDLTU5wGdtK4xXtqyH3c6TucjTDNI
+aWgLCyiIafl2q86/cdUV/UHnxPRQQSJZDV1tfEChNM8KXv4FTLT95BG6S1Ye7V8Rl3X/kuJReFjY
+sz1hMs8RX6/1vYln/arqONjkmY/xTXgs8rvmkydgtp8BqcJxzcAbr7qh1l9mrSiwgqGCEMnK9rHt
+UBrCMmcr7Nv5brDREOa+PFeukGswnbQVZRRbWGMH508W8DILwyNjYCT+sWiYccjHzLeseHLwb0F4
+s3TJSJWVN4v72RjCiy+VebYWaZ4XmzIREjd2sxU+qVOrEsmbBdHxAuTtzkKxPcfCekLwrCLLQ1cq
+GyfEPN/U9g9Gliv0dWGgscZSrNui7e+ALTk828Ex2iw7KEC+Nji5oOO/J/K7W7u1sSxLcI94W9Rz
+42Rg/ubcQZso5mwfQr2NJtAZkekvFrRFMbxWgYxv+yGd7nt6db4QwJe3sh0oklHBsreXrGU7m833
+rscPx0SW2zaxO5zM2Ws+C0I50Vgm/rYe83HnW4p/RoLbg7r2fD+WfzCPneHbCO0VGiExoLA+iTI5
+OLExbwbJ/kqZFf1ceEwKVV9rf40D2QMVJU3FcDK2za6hAvInCTNasrNennoPA7oHAehAAXZxZ9EU
+TvIVp/YRrEGML0Fnw6l2luwlwUn07jdegYfdq49xzSFdj1PzFMaOPGvTM8+cczOkltaWr3HvEDmg
+AObRqZx6V0A1Z98KNWrvzrmf0W9k2/d68eU5SRy9XXwfvw4ji/+AlxAAVon7HLosFi5vkuYd1hn/
+WCW9F68z7eRfmOfrS+x5UHnmwT55PQNPUXvyfQh8+UY1kwVwo3bviyDX+5nwzgXOn30Sk4t5YqiS
+W0gn3VOm7ZCFWJcfCmM41OieuJFKN7iIphbvELi8c5M4kAGtvN6j3CHlY7fJt5OTurd5PZ1EShs0
+hKp2b6BNDWnSf6RDgFVomRVF2XXsfzQ2CnhDBXOy1FSLLYV7qJrYAX11LQf1S/FiO+prmew6WRuJ
+I979oHyqRlu/dF29oN2X5n1F8WW5os/NOLpGd+1kA8Z5wSfkWoRrvOYDqmF25yeqoV3CtsMvGQfp
+jgwMiqeW+TOLO3q6KPvbmKMqTlnCizjZNtHygShM4OTFo293/acdcG1ZwYt56qvyQLrVO1YTnB62
+PmumGjyNMs/UPXtdAIRxvvcQYY9erMuDo4oq6iDlkNRhqwiTHh8uzJvtIsmD+R3TacwO74HD3vmt
+Z/KKtsqwnaYL2LDaVW8+1anPPhUY97UoqjUvqI+jMyW71HhWfWe0lNXkHiIzF4BsTSui22fFLu4m
+8xwEITbD/H6M4/HNiJEQFQy6+8xM7H1pBSxO8olNIDVm7ZdNMeCK0TuazNln2T1BR82twSCYbQdv
+vU8H0ao2r1SNCUz9ptRLcouNV+2MuYcIuywuOOxx9kDdGhN2zHhBvqPnAm/1QJEmMZrnhGBZRuIn
+rJlXkobHXEdLHHgrfaqQos/E5Mi7WcZbJhRJGDQsGJ95yCTlNUzobemtc0PSkT4B0zI7c0PmvFnR
+tVmR1kg1zps0vHeLwDt0pHmQkROjv0frVIT22DKj6394mT/vMtMN7szuajWtC9u8jME1DhgXGltb
+kHubwq7Cl5BT46KdNH3lKifh04y/Qt17e05EDR2kY4GaOHQcjlN202U4wrArhDfF4LR3fRY358yc
+mhcjlvkFbkC9gadML2BYsc0iT4b9qrFf1VSIPSYRe4PjpNqmcyZ+oxIP58kN6w+HtSWHy6Cdt5T6
+vOdeWGO+YqwPt3YWJrsBFvemWhJ8X1ac3lkW89cEWwMTdzM/mgM/+jJ1dbQsPRydWQSnAMEFcTqv
+0lvbzybeaLjrQsNxG17ZQe8wTA2gp+b+oEJdP+dDvJOUqxCdivGlQYDe1OPI/ZStps7WgwG83U3m
+rddU48UaE3EMrUT9Il+gook7OTwhjlvJR/xECS0UQiuYsW83bfiOH1pGBYi9N6JV8Z4nE6vdXkSL
+8Nw7PWTGV+34rAn6wNgWFPHeWrLMD65jxFuust19jm79nExBvLXMxnxMR2ny5fyYpehi4CoGJnBp
+F2hSnV6+TD3w+Id+pYH0zQ4pTXuyIm1zhyDCecIgLcZ+RT0dCTi2cm6BO6Qk+8UTTZr3SEYtZ3+W
+JU+DyyACcKzJMffZYX/fYNnZVykf6dUMAYocAfFOoNBx0PyEba0OIBrpQSA2dCNFsVmCsrgbYWDv
+e3d4d1sXHQH7T4pVaRo+Ve+9uzL9MOPhh6jSO5y0B9ZJjPF6qvl6Dc25pb9s2kY+iSapjxDw/aeR
+fO6LIgz6hQY0v7Yxf5BCV4O3ulxgYBxrAMHmcCSZ1Yz9DtpGo70zo1aZeCtQ1SZ1cqLqnY1XyfRm
+BoXJrgOPwF3TN4uHYy7+GagJDOA5TLxw3CsE6g1q2TquTPz+TD27Iq2rs6wbo3qveYAye4VjZM2x
+2jZqSYojjeFt1E2ZiBjy1MmCZH9k4+K/u/Dgf5kA8DIgi2l+8lPXap+GVKfxLtdwZcv13E2aXsak
+d7PvgOYL49ltYowpVjrGJQKWVNWhuRqPyz8syGFVbkeve+UaSohhBshlwgXhTuy8zoaY9p4klYnd
+arjwO+dtmPuMk3l6lK1zAz8R4cakdBDDPaeM4SMJMos8lzrNN6kn/CMniPGYGjK5QWPADwlB8ALn
+orm0vJpH3SMZpXL6oE11ObYkN1cdNUA7q5xxdA7XccsGCrgKXbs9SXlQ8Vb53hLRgtfvg9ymK7MJ
+5K5DWF2TJsVGTYNH1hjJQTtJj0EvjvGaCXnEVXDjWXkONNmqbxBAesyOfvNrsL18zaYVMGIzSpwb
+9AoDzwe8IXOieLFDPLBKFQcZhN21y8u8H8CuoHOJYkfcxfxxhpgxulY1oRG2Irb17QWlF7x25lD6
+3dfgXPsnnuPGYeJYg2KWEJf+e4n7H+bObDd25NzSr9IvQINkcAT6KpnzJCk1bEk3hKS9N+chyOD4
+9P1RVaftMnBOu+4aMAwYVqmkVCYj/n+t9a3/CPDAlYSx57+f4i7JMh03yb+G0IAkLP/QP8c43WdC
+c3lKOibT2J+rfN/+h0s1C+vtZUT7c3qzdAY7w3B0E5MKy/Xl+/yZPRPOwkIiG80XsC9EIPhb05tY
+9uf/grgFnATNwdIZHz2iBbb+b/v1xnBSCQwlPs62zjM2zyOHBy74HRNzuGMBeY0K96rZdnVL6qm8
+zgMfFekVuoGHuks3hkukKlXZzMPPHLO7GPpjtnK0Ml35brMbAeMeVclioQCgL9e2N/Jor0LI9njk
+Bnc7xXZ86qGqnvVvUxdq1rlmRXXvVsLbFSxWabcASmBluaUCep7DdQs0YDcncXPIIDhdunaCsj+3
+eAZB8KhmVQyeCX3RdH4knUkNs1uYaTDyJAsECL4dPRSKqaQiBMumhsJYbRiJE39mxNw+3Cz3LnMm
+QsETylMbvgC8Q++McHZG524ghBZtmMlzPQADox8MngX7rDG1r8WL/NslAX8nCIAfqrBofkUjaycc
+uLVxn4Bf2bGJam5Waw3HNHN1QXtQykYPwfVXqnPNwQ5MsS7BWcmOKHKukV5Gpxb4LRvDqME4UFfm
+FeB5eZgS+dqTCr+lHOa7LPb657hW6hHcEnerXJubTyt0o9dGyzKfmdyacLFESPJzCUO780ruaLDs
+V2zhG1is/uJGMw1wgdM4dOi1ww9ghCavdJl/kglTFIEmuJep0Pya9S4/J3pzp82RfcwaVcMQnudT
+HWJSKG233brY1QiKc8Zh8ps6s1kx72avzLscp7xKHd+t0FoYDYj0k+GGQVMVDr/oSOajNcIO+paN
+98XW490ow/wJUk78g4BQnAVDWePZm8aK9A3N88ZaC21uPTFiA+h83oAHSdfKBXvxEumrONJWaOTh
+Np4RRfIIu3aAa5AKEQCF0cr2x+E32NSuCeqR/TexngXmnsYlPAL8S5ac3HPUVBAMoZiuTHLOl1rR
+dmtqwphwlQwWVmVrcoFQVnX0EjKGslHF7fcpxwHESFbbxI1yLGUV9vn9TMgI+7lL41vlUYk1F7b/
+wG0c8cDTgP6hgcQUqDqNfeVu3X+VrsgOesM2ccDghO227YCclvF4mrnuttsUDMozEInwVcNVqh1D
+acp045eu8VMiR1CEow8d6b6hCjf9lBlvir1GydEouwcD18c7fX9m4NeD8ZE1ArN4P6np1iLieHtL
+ZODpG8+nC9qElU9lBLJxCBKWCtDQEC+ip+BFUlzz2TEClEAEeNPiC5zzfY3j7j11daxuNqDew+hn
+/hPCe8UdMHXxS1usczCQRm219eKy+LCj2H9uEusT3i8+9boR+O+d6RdO/IluMgpmyk3oheUregP9
+WqDVIGqxumnelGuhY09uirkxrNS60PquwCVg++fYHNW6Vs0DRAlCYzLh89zoZGsmr7E2Xl7PpEJc
+blp919LBWydrCycDFkslj1lluEdbb5coUZx6i2SU7hiWeKw1YnIDDf/drs+t5Gb2mr2rEj0bofiq
+0NpYbqO/mVnsb2ZMn4RJ9JocBf1QVCcy8DNRC3klitXl+A2EulFsRANi6BbpD8QWOa3AQYqBJ1rY
+HTDzlN4ytNXvvTsBhbE0r91TH0MlsK1P7Z1FD+tXZbsFSy4j7e8niTEbsQ9ASipMv1n5ltVvNbz7
+7w7mo19Evoa3ySqNi2iTEIvzQO5qJWzUR2QWIe/iyQ9BZZp1sSan2B87VwGUMfT6Edd0vfYyfzg1
+DtEHwKLQhkv3aEF0Y/1T5g+UmtGQiGvoQDoxYqyy5A6n0RPs1m7H7TsEfmGxJWlxhdNank1l4CtY
+klIf55+zoFtx0xuOXFeiKzZ6FePkyJF57kbdyPvuZCGGlCqwmqFOfsxalJf7CSZ3pr96U+agqMAQ
+MpR67TrKW++IAWgr6n6dOyOl5YaWk+bmFLl+Q1CP7nksjjvXy+ZDD4PZBoxxk+xKbx0ONHOFNhm+
+4DMsX9k+eOzj3HJgsxRlL1y40Glgb3c3L6nLe70bi3sKRsHOkBINVJJZV58qhKAC7EE9RRPx2ObI
+Y18zJdfO9LstKW2ZYtcvimvq6/y4TqZtQbvFvDC5VvNRp6ZrBYbUOUuDH5+ohkl9ZRnipp9V+Gh5
+jQP0LyOA0Wke/R19GP8Ss0bYRIs6kGOarM6TDmrDr+r6ceY9foj4xb9q2omw8jQ2rVnQdsdQzu8Z
+xPMqmKm32kdGTkezheNmNFSHzBt2m0zZPI+6xJhPpgJ4TiYJMN2Q3su8a9CPTHEXAhKyeMhm4W2Y
+wwMeZ/NCTW5UBeVscZ/3uuo+ArewW17Pp6YajbMP6m/P48IFz9Rod1mGNLcx2XI95ORYfrKES/bJ
+qMHra+RY8+/R1XScZnd6YPcwwBj1/UNvdO0LTFOGNsPu90u0cbnHV7gla9cncztAqgWYO+lrfFa0
+eeDWxTCz2OFYIbJAI45PLM5O9H0qc+uuQ266zK4/HloORhjK5nAtfe9Lr+B7G60wyU2j1b8mTCTv
++hBmh7bS6l0pYoInSc+jhrdfzCFtAcPDdae726RPs/vQr4b3GjDROlOG8wZrwrszJzLCKl4emngU
+zWQ3D/TubMgam9VjOfmvCdtRntgxlcInZsPOCHQYynHQF4P/liDePdrIYvIeL2VCcsz1pYZTzcns
+gN5SSWTQUQnnmG9QlsNGAHWHGIPPK1/B+X1sZLTG2OhNzOIOS1uoCUFclsuSMhoeZsOs0pNq8rbY
+d0qLX23czeB5HT7ilNAsQ2mDk4AJNftjXqUjjPD5rvpjluUtazLZAr1c5lxQ4W/cfccfWaaVX2k/
+mi++6twnY5mRoXQ9yWVqLpb52ZXAvtyuL2CCjTeHIZsH4G+LoTtl+F708U/xPZBby2zeMqS7LHz3
+juvl9wQlNpittDN/HAyCy3RfZkr+FrPdl3g1JeP/IIW3rGySfN9Uk3qgCRDuUtdZMRsWvIPRk+d0
+zaaYzfkhnrnvAP773jf8/RFq96u6fhS/2v+9qGdfVT2B1Y/Vtwjzz//1VBX853/8kkvy1VRt9Vv9
++1f95fui5vyp0i1Fyn/5H5vv4eeh+9VMt19tl//xM1AbuHzlf/p//q//COLBkPH/GqHK8he2vr8Y
+ov78p/45Q+FyRctCBRJ/dUT57j9M9rw61ae6sA1GrH8OU/4/SB4uRD0bXw9LEkacP4cpS8D48IVN
+RTCcBuQw++8MU2A7lhLCv0xTBiF6hjaXaLGhm8a/FYaIOPMLZZX6qWRVEYN6xN2lrUejxOCjjJHC
+YUtgTZ9EXzfbkUskGRKyl79G1AXqiGZgNzWnF31DoeVjAhbp/IMOUst6wdIoWN21BkWMZvRcUAoB
+EMuxf5CpUBepR+p+Gc3CbVKlfD6qWHMvEZYDYq3O6Nc7LY2zPVms8uSm47wvRh62Dd53jKfhdNJb
+OZKic0x17lPfKp9FFnbuuZ3lrLODcQbuVBY6z890nqhGMNsxCKGJrPwU0vbUclvJWoxZjS4CVtLd
+25DaQwzFvS+0SwaiGdoFjM+alYptP4I6g6clgGOQU8zD5Jn+a7mKqO6ag4bwoHOwHGoqXNysj47V
+mYfWJQ5gjunPXPrTJuHxHLS6xD/U96a5S83kiSRPds/+OEz3fIm4cB9EvwOzmewVrA48j7i9NsrQ
+PsbMwhqup8VwaFpXW56LYiMZ0EfQawCl59iVNjc3rb0Zem5f4LaNG85D1zh0vi+rk5r98GUuPPex
+du3wqVGT6cGCp6hpnba1nZ84Dhf5vwnT136g/E4DqEjvyYK4a9BSJFato+NX+QmxYKmZKCAcmA5V
+RgBNpuGkOhV5aCo0l0K7mm+yZJWt78KoaPaZgWVeofyvwCbsp3SY6Znwpj4OrFBSuQShid7swnyl
+WgZX9dxq8xNrtHwxngwA1anR8PKXhCtN+Rx5sHJ0dADLHLUNnCu/bXfgXhiRDnG0BLCLFGeB8QGV
+v8F/wE6N2Gfubwq44ShN1nW2w2Ez6mG5ceh9OiT9fPPYd1GTY+FgyirYxwkXIPaoEtuK4+N573B2
+r7CJCw5hm9x1Poc9xZ1eTY7NfcqIRxa2ecD9cbEniKgzjn7yc1cLPxhTLKyQsQiPlONsS3KRz4xE
++CRIgrHhI8fERYktw/Rm6MO8dd0k3Ib99Aj+rmUopL97dmR6ltg/DrVtZVuKOtmKa7DTspbITUuV
+4qqg2fRodTn2bq9KTlo+zQcdKDR/oNx89ifzHRuQFUgjItOx5HywQuO9Kl1FbYgQkMqS4bOh+/XI
+MBOdpOOSvpwLfdMgilUUqrRW3W2tmUQCsbZ1UmhMY1JjpVIbCEsRATuwiK8uLcMrPySJwWSFLdlq
+wOzRfDSs/W6KzqVNRrslRLKjSPBRkQheLeEMRg075HqcGvf89OkptbHGrMJR0f0pRPeLzcK09mLB
+i8OHbS8xJWcAdYlSzWpfSXkoB/tRChC2HtEFI9z5YNGC1JyfEofzHXvbkc3trUUkK7lVrlEMN1HK
+qx8BvaN18LmVcudN4yU1tZFFaofvrc4VZnCW+1FovTiCUxXgdbs2ivwXHR1g2kkkrtM87h7Jel08
+4hCMBM6S8bB5CCbexaoZbdICNVmnPBsNyLQe9I7QQjE2ZeD6eGXoeWmNkr+HszNbrt6Yfro9Ppcv
+bozgOE3dPwIPcVlrC1DxIA7x8qt03+HGW/OpMB6iWD70aYsJnV8Kvvl1ZNr7yJenWdaFLtHnFC2i
+xvB6S0yJulgv7QBG2myhSC7qcvyqMysRDxx/x4o4EqpIF2CZQhIyPNAvdG8ecUfSnshj/YHprkbh
+dPxDlrq30Gkehl4RWuJcIYStDW4AL0794LlCiAjhBKaSUOmVNUWPWShTO50/1FavZHelzye+Adn0
+uXLrNzyQVAClxVsbmZAU/O5uGqkClaxdxrR2Wf60t5YAKK8Q27dOT7epyAQ/XmV9gAC5ZiLmdJBh
+gAxMWUiqnmAeOluzmMNH0qOX+juJaaj02dXSZztCWsm1/qOd/VcnMg9mBxahNrp6W+SkkGNz2LZD
+s0wEO99MqZFMQaWYRiRJVzdfJQLDxm7mdq+TKURzzngDZxVpC3YDJ5v9xZXE7q3za8oZ4hfmu3ll
+5jNzIcssnrQbR/PfCRK3AR4IQo88S2vNu/daAcoiHW+kV1k01AhuAY9R7z0LI+M1tz1n3QjIcJEG
+7c90+4tLYr2X3Fg9U23tXpqMtwz8smdcokiwioNsyr1dPnbzIabnVtXpERZ0tlO5Tg7N1wCV9tqW
+w4zoa4gg6g0W80dlddaXpfH34h6peddp1q2HuGBfNLuNvOQdNafT0FcbYtPxZz06Fi1J3XlMYOOV
+Q/5sWP2+DCsiGTMHa+r7G7NRj/3UXmXiFl/A5/a+N71S7Z5vAGcHzki6IbBsNzn1kzgYTWFsrTj0
+zCCy7fk62lYO0SGU9Rpt0jjZiR1t6d6Y8MZE4i2suvpG1CArCZeost543NcZN0R5H2k9kL2qiZ1A
+ca6Rp2bsrtAqWWDXW4Ki3dkEOxgk5Nf35BsSwCLac6wBu8LIxqLLgdXq2ddBd+FPsbO506O6H9fW
+lIP/Wk04NW5lCogVnx8Jw148W6Nef2oEy4kXF2VHK607LOacHBMpSf9q6vecs+amJ8XCuufeiN0E
+Ptigbq1d3g+lRng80x6KKe7usjH50bLa2najUx2R1354rZU/UWFzNDVDbQx+vbVZ5khd4N4A4Ezh
+BwCyZjPYYXMQ6FKbtOrjHSh8qAVenUEuITxHf+MbI0MLl8XTLlE/gL3yUZj8vvV+O50drTsb7caO
+Rf5BdH96dDE8kO7y3ujxAcDoFe6L684UP4WOHphunNLpBAxqZGu3oxaEXKygqgfODh8i/mAp1iSB
+ZIclgs81P17UtLSapj/rJvucKIa++X7Z/xAtsBqfuh62u3BAFugSizGjCDw0NHwLcC1Qk5v8ROye
+SCTDD3eEMroY9ESpLMQXChts03V+dQPNgkcLsEX3oDE57am7lz+02d9XeBGeevR1FPPExylFePVc
+KvVTZh59NFa+xZjsr7sm7J7JIp4AUPmMos20tiE0bjDgcEAkVOcqaEFBbJs6BsUqNa8l1g78vrYE
+ldnO2L3b6VxYg78fwPGs3Vh+0TFpBN2YJ8Z9XRPZ5AHZjhvRCeqZHDXEObvRqN1aVApweLWEhyXR
+glPkEAPLuQu+6APLu6Dycg8XpjWJxyIWxmeZ284nnEmgR7NicRYyEWoGFsu54zU3fR6WM/IJF+D+
+6HaU8SbQQkthwpO0LYTBAaNUCOQuXxfcPILYwxQL4SY0iiE+NR0iByC06NGHItQYFy5aQVH2L40/
+Hxxz+FnhB9q1hvz0LV+uClVjicKkdgjLCpDKaPsrDsodf7mjndLz4ydUwucVYb3R6t57hShizjUr
+qpqMP9W6VM2GkjMwq/YxzA8QTjX5ZM/I90KxVorhfx1LfaCKTFxTjPnPieU0u7x2vBNB+uqUKiyp
+mes/TnO8zXvZ3Bponzvd+GS25tKUhtWGcOazQcBtlUtzTRKWqnNKdvBvQWDqU3RQZyo3rsz3sBNw
+zTU41DzfNIJKK+sgsfo1kArJIwULsuWRPkb9XlEqF78PS8s1l/wtaBJtVfj181iV1cbVfeoFkuIE
+sHRak28t1owruFWUZuWryK05F/OKpl7r5g+FtXMi8ZWX3TOTt32nOfMDzBKdK7M9bfGUW0FTsxe2
+UCdEbTck18Z+28ya+QLntUVvLYrnkYwDiggRQwqKYA4YbPAFiKE0tmkMNNOqOtMs81zIetxWLfe6
+pAqTn1ljIK27Mw2CvNPH3FlN+neO2guf8f2dZdxZ14bgatBJ6hltkzRg3G5oSKqCWGOBOVr93Ri3
+8XbGePPcWOmSfu2irbRKHymKC48pPTq8tTS/ZBEPmGnIiq3PTvsK1uNTb5to7Wejs4uHbHxAvNC2
+fgt9nVgENx+DwnbSsVcU7+5q6izyiAsG2CLAJlj6dDVT/6jhPMI0VQn8y32/Il40nBEOf1bMHLmh
+vYFE+4hqNA3CdmdG3Wmx+OBxmg+hR4vGrGm7PP7NWrJb4X3Wz0ab1nuZNfcyESeYVzwiY7qfcG/q
+27pmxO3NRuwEdlGzso2VSNPTkpPhrqAf9cx7tt1YrEQyf4xu9xV20WdVZbx/KvHQqQv1Xs/sWdWS
+foneNc0kQgLIlt3XHETCPRM/ffXqat34fgXqEWiDGXkY8EJWuFqpG2fLqh/SgRua1qZ6oLoZMB8B
+S/2ahTAQo1m7R9ro6d8rxpljIcVjbnIaSIwIdbydPK89NLyD36eGDWzGvlKEMLVisYS2B4sOYqjz
+xRt910W1SRKjuHJsAUUZK5Fzyasad23GTfkwqEWRxGUV0NOR7dIElhkEkEaPiUCq+s0cjCQYBwAU
+jV3L56Fb+NJwmw7crLOD78blzvJL8t8TTJtB75xtU3ZPEx0utPf5d8Q+0vsy0YzfdtJ2pzlOnGMt
+vGZPcDA7dlU4be3Bap7wtldrrzE/mOPTS1bSExxG+h1cT4ShtorOYnQFHDTTvhg6GHUJAnQnKmjf
+KSCuLbKWtlW+S+0pzt1QkCroKcZeRyPUokLisU9aFa3ZbwBZhPAcWZ0XOHXK6jfOwzuHANLezYmy
+F52/Ymn94UY5rxgX20sJfHtPpfXBbnq24AOWpgK3VtXGQGky/93X9WTNXl2AZ2CNrtV2yVWomddD
+xrdvfba/fHYiBzyHyeS/Xfg8bAdImI5juo0rPT9wdzxgFUyDPC/6LY8rG+w2wUrYR+Umz5JdGtd3
+DFRIBKlm7RiH2bqIMX3rM9/nNm3p2YXjmpNoYGKgVM8/US/nrWrQqJDzYQOzYQ5wc4arpSzw5E6t
+vsLIn+zbzFrwM8SGMtXqJ5VBFWwr8VvO3WXy82a1zBdAB68GT/fNOEfFUl5+gpThrFLiR2BRcnxm
+gwYnokrUGp8KcXkrvcfWBKmtKi6R475Unk9femZQE74kTVow+qWh76KBnUeubOYZcF/bLkv4Vl5n
+rpJE/Zqr+sGp1GWCEke9LCp7JDZsGpi1TEHkQcNaOUBHMsOclY1oiUiNPJUxq+xjasY2lKDYXFym
+48AnNehCqHl6p3hG4iRacwn87N30M3Htg2fJ+1FV4yFpJ1RnKU88ol/qsKchqRs3jFu8kw1kN4UZ
+e8WnAfef0ZEQGwdWKXC54GqIQ1MbOMS1g0d/5dzDG5E0kcHOjOfyh7QAkKzo1qFhJzeeeHbezCkC
+oBb1apM5A9OXNwRRw0io6Bqd5xpXusGgGiYoPx699mhEnyUO0Yc0gkLGjXYnB9rYHOpSnz3Duncp
+Fl+PtWEi7ehb1douofgmdQIuy9raydGIGXLSpwK1xjPktZ3NU+Y5H5g/tnX+oQwIrcr7TX8tITMP
+UMKCKwjagoJdyB1GWqfQ3vrf6JkZTsvsHa5lvJEWcBnc83Qi0q2Uz2SY3RkD4hoqIHEa+uqAZ4fv
+aZXewxfIgP53jTMGtW5R/dP15lHjXl+v8GKZqwF8+7qXU8MXcZLXeG5hmNZyU7bjEitGcR2kcyIb
+f0JFDZx0LLiMZXm3ZZMTHTmy8GbNBtHq1Jhkd9aqGWx6a+Y+pnirOSS5DO89nmqwl+hZsiGyxzL2
+yDUTsn/SLKdot4XXatMW1wIUDmHErNsc5oSJx4fZ4ZmyfEOCfuE1sqkNbdC/Jv3c0TLw2Wajm6lz
+iCzC1mL193f2/8E6/r9b6/9/uI03TExE/5Ohid+liZK/7OL//Gf+axev/8OzdIhTLmtuRqPFWPRf
+6WT7H1jvF48SZTHOv6WT/+/unTTyspN3fKxHLn0y5t9ZvVP49tfNO31yTBV8M90xCJXazhK0/Zdu
+GhCRJfq/xzXXi96GjOWzakG0Oq7+CnvokWlyX+qdfPUK43UaBmPbuRNVIf1RTQDnZ+hJB0HM4tAi
+QRL7GuyD32X5DoMExGONUkEaPJrfVCY46yrmjKs8bjdo0PW7TnjnppmTuZsXJITImQFqD05xCP9p
+00XujdSKdw/8hN5ZVZzKgWcs5ag5KBJJ4a9m4q3l/D3qim7dvribWpNeMG72sK7GZUs9P0CEtNeV
+y2rImIbuyUx86EzTGC6CbL2yNIMiG2HvOF9/OBYKpzkM+c4t8vii9MQ4pYKfSSc5d8+lrNnQ0CLv
+udVtrCR/6fA/dmKcV5N0KKF2+w9iYMzuoh/WDabEz6T0o1M2cG8RwGvwJ0lnB/6PnabVuLsB+EnA
+XWfcEI34qdJR8Mg2w3WSASaGh/Rh9hNHiuqPnFXFtkhol0tnwsqzKmmZBmM6xG55K2S7VejPc6Xd
+hUuStNPkuK+FP5AYrYybX5v5q+rt+ofdp9vCX3RKVdwy5rJzknt85FMPky/d4/mlqUVE04jXU4RD
+7+drN1fJA7st6yBaTQVClMRP66hvWHZq4SNQdvtkZejLK62wmz1xDXkO4zq50m4/vIa+2f4kDO+/
+jIVgP0JiCVIeMOVz3PsEaQe6umWXew/uQGVOiUpDcYbZ23slvPrNTVKK6FK3z1/KrLRPdk4iUecI
+ulrlTOAQW0KVbSO9hu0Dm2ddJ8LgxfNNHHNxJ/G+mDUlAwBB2YZXRA5R6juJAa90IV/my53TqIhr
+66qiYtcTlB8Nbvru4kpx1mMYETw0k/AlBQz56AkMH2ORUD+OveUq6Kk/WbgNzmR1KMSpQyxSPn6+
+aJvwHN8WAM43ShfjPfQPvAsqi+hcAmS2QXReNGsECaGGMGc06yfQmJ71IXWRv5Cs1D+bzhUHjbUz
+yBHqX/a4qPiauB/veQG1gDazpTlQ142nvrLLIwNXsoPvO3VrTG/TvQkZ/sWGD5Xt7bbnl5ec1jci
+YvyMDHPjjZRidWorm2NekIrcEMPiGxpqpEP7O3A50Q+0NLfUbwBQkl0CXpSwArbaNaxumIpurPIX
+kCzJdZJW+xNvRL8zOlH/sseGXpWuAtG1/GRpmNbeFmox3z43TfchmnEaImxQpy7ocXmwRt6D1hKu
+zIvYOtLy1D21qQXa1Zkch8ZpfnEFpOk2dbZ6dqFS/s7zpSHP7nmIrD2w4yxtWoyJXNrev99pqc0M
+Q0TCB0xtTKZ9SpagKREBirTrZR8B64fk/yzzFzag5g92Xgnw58JyHxDHrUOFWfFmjGRKmgaOihl1
+rrWnaoanHgnWo8ZClzhFONRbejHUT+XGCUGTygHA5EwnGRrmLdRT7zZIrdiwIiHZCvM2fPdNqIaI
+4ljAvhECWu/xb6TUOtvmUaw9VtxQdjShVI+47ymEzhVy0fLXAsxZPSYRoEt22yEmHkP1XlAtja1Y
+eOyzIVvWsc53pasTLQ6zYfGS5Vwn55n/Sjwa/ih2ZP5dKn3S+YqJ78pl5b7T2qdewkvo7eq9TEim
+QDig8etiqu6O8vj7uNczNgXxvkib3/bgn3wGebqA/KA03dvYiq1gv6for2Wn5qxxwdIiu5Tb1qFN
+DzIeonqqAkj51U1xjuECFBW28cRwbhZNubiujKuDDknFEjW6jkvtieGyZEgKeNaUbw5jum7p3hVL
+Ca+x1PEao4lWV0VcqmFgsVusspQFSW9tJnpgVm5NMKtfSn7Vd9+vRvNvGSFP0gQMApZ8MX6OUzpT
+E1yawOgEzcENDcIlTcIck0hvfSfu2N6Fb1pkvraa90UDO2rgUkWM7Q6RbKKeWFuKitPvzmKzYXKu
+Had67MQiGC/lxgUtxwTcS2B8FB/XNCCXaVcffTfbCXZEYF9n/sAJjS2jhOafLiXKmWM8OzgKWRvI
+Q7YULUP0EPthKV/WYQ9sxqWQmQUlwQcqmqkDfZM6O8ixrPTztBQ5N7zxdykU+LXd05JsFDLQKHLq
+jOm3mOpbvRRCJ+aiZA6URLsOfcYGvdGKNcMH6RJazlI6jQhvIZd1wJbClsppi6gfPryZRfq4VFJH
+BOjQMj14SjMl2H74KOmvjieKrLHZTFdwELRbC/xDJLaVuSC052YZKczyXBkOaPUhe+BtRS5tKcyG
+mWlt2N3Tol10OFKyMqvXVkviszWo22bNk22Qy0BQQoMQdf2BvEg+zKMeDQjBq74UdyNqsNozpb3T
+nO6LLtw3GdOStNR9D0vxt1gqwCnxyWh6tLULavZzuBSFO3wMV+lSHu6lnMNlK9YK2/iZ0ibIeEvX
+OMnh/uYu/ePZ0kReYUYXqJD0kw/fVeW9CVkU0mP6nLrk4DAnY1xhTvmlGlRMH9UefbCl5K/X+i1n
++rBF6T8OERjVaaYrHcm9eiCAPK5R0bhZiaVgrm68a93XwzvY8vx9WKrZHaKLgc0Na4UxeF5TFgQZ
+oFAJNoZ4qXYPv1venaXwvf/ufm+/e+Djdnaupo9dzfvuiVc0xiuH6njHACOZCZOlyUxzCv3YkPz7
+LAXCZrPl7rBc4IKQyxbemikqIlBRXSsPV6e1lNqH0i424R9F91TeD9mcpBvqJErsQn6pXdHg7QM3
+hWxnILRtkpEy15wYprWJm/F3WZjmnVFE6nlokmFP2Ef+cCTGDqY88srzQgNxh3atYSolBzIfsoJb
+WNH32lGveIAxJcp9FVLhUWPJCNgrhVsEXNoWZC53k5V/ui2bhLYJhzsK8vRLE5bNNhdVs5NmzJZr
+yEIwc81lrNKtxc4tMiPyd978ljZNVYPb7nMWRnBTZwNZLcGXuS0sXQVVk1n0xc8XYAaUAlQax0AX
+iq2dt/39vAB7s77CvOj03t00yPxRpkvPuMi0N6GIKxPT+4VkygXEmdTWr51o2+WMYppALGiaJGHv
+P/MRF5i0QZ7cOEGru9IFx16jXK9aWl1fRD3uxmGEliXmx8kR7nVMTGOlPC/dTaWxIzlL9hGNo+qr
+6BfkOtaDHHkU5KB0Jcz2oz6OxwTcPF3KbUhnTnhOInmzWMeviXelh2l2RqpcPGTedarFZFpRnm9+
+xtPVOLkdJY39Jl2abusdFu40ehCEIIjFfVM0+IUtmBpQjQBsRN+wjewP8ob7jeEYuf/OZ5urCkDT
+b1QHbtOl8GtZq9h/0Dw4t0F7FN+YD1LhID/izMOMs3K+YSCchj9G8CCaDiek+CaGWN3wiHt83hgL
+TwTsTgUe27YuCtiInAUIv9q5JT4G6nQhksQLmyQnMXgnF14J6NwJoR6GidEa6jIsXJMEwEkTTSZK
+FswTD4slVhE4KCTeIG3YwFH8hZIyoOvcIq4qG3NhqEwaKMKFqiKLLv0YFtJK8g1dKck3FcAkIeDp
+OlmoFnmwp7IjXHgt9UJuGbFt7hDpn/yF6kLG/zQLLtrwin665tCvLFkQIjfYXkCHpiOgXYcLJ2b6
+RsawMuDSH02N+tRR8n66mZ2eh4UzYyLY7cXCnmlS/1HvOziNWBdm0DRgxqlNWYA182xNZytpyOEu
+PBuk+/zSxsUXA2gEsN0krs+marZPxFgrKiXiL7nwcbDKFj/db2jOECq17coEKWBh6nB9cbCkivGm
+6AMJuAPdxMLgwZAFjge9TBx19Jq1u9B6xoXb43QQfEjsl+f5G+sjJ5XfZaV07WBeuD+lbEEAhQsN
+qDBijgIdQk65YjREyxly3/vJ4pkHRx/Zxi1Z2EKqgTI0L7yhmRUlBUDfGCIs1yCJOn0on1hHVRvb
+mD3StaratjwYN9RHHpKJ+F09MGSR5c+uSdQNb4aaIehJAgVQRmg3bKg2Zh/Ov/xORlxK0sqjk6hM
+fPVEIqnBfqoqWc6iWnF7VlTGUFSEg5/lFrTHRrb97xgH894VKtk3cqjhLZS/shGDB3Ecl/GxPWcN
+rrE6ajx813p/jwUSjTn153U20N4yp2jhdlR5BGwFXF3fC4/8YM8MfuH/Ye9MmqtW0nX9X+5cOySl
+MlMa3DtYrXsM2BQwURgM6vtev/48aXufwotTpmp4I07E3hDG9pKUyuZr3mang7g6IL/gn+cIyvyv
+T/G/h8F0CBzeKvqgSNdlr2s+T7/xUvJx3OCvQLu+Cqik254ykm/PJR9Hu39hReLgsiZdsHKK6swL
+lU07fwlAmxQUPV8+ITP/uwIk+ZakUASkU2jPRqbkPykBCSRSfsFemttxoNx5DpAa7toXRt3tlwqQ
+r8elKAaI+rG91inJ2BoKGPOTCwhj1/epu3xK8wgaU7eIvNjiFizl9znM6/IKg7GqoQxreQW2YtTP
+WZ5lENoh9N+cWtJ9axcW3EvqIWpVmyREFJUcVoyNN25xScSUcMfJ1BEUaG2QKCT01nQf90No+MlD
+hIiotwSAhzbrAMH9KLooaVDqYksJWgILxErCQwkGiXgBresQBdxfXuTtMwT1lcmcQZ7+E5lKmc0O
+hBGM5n+a0u7p6GAJ4FR9t8ofdTeNQY5MOW6k2QY9LZFdB5Ek6NnOMLmLnw3sjuUOIiMqqlsX1Sae
+h4JYNN+/fUvub7dErOmwA6Nco8DuOicvTKcujna0LB+hosvsGourKLvAtrahFGCclCmnFJDPKUZl
+cQ0LI0vnOjNaynWVPVRzt1Ae0YO00guExdCX2K9htIK3I2skN+pxMUKdrlVGZEStWaNu1jXD4Ghf
+oFIIrR6x1oHy09sPRRH112GGtGfmYID6Igh8xVp4PQnDGMCJleXlD3vCzOqjpO1WfSjysFpv377Q
+63onVVcWjfRwKJSOz+D5ZnB/me3oizcBYU74SOxNfG2AtBket67NCp9REPDeTVRHRIxTiMypetVA
+FscPqH6V6c+378RUVn+ZWeZOqN4CDpKUDKnBmiH55U4cAasumFP1CPalVTeSZlEP1LOw4JteoA23
+ggp7+4q/DbIUypeOFNqx4ayaTe3XK1qAdnSVa5r8Q2OqK81SWyNWSP4a0qZ++1qvNSHNOLNxeU6A
+1KUL3VafvFCErnMI19J9xKkYi6QfLr30GEGEmlTvIiLBYIjzRYGZ2b994d8fkjmkzH84mLHpnhBz
+BQSMNkiz7vtMwkxfJ4WUN34IXSthdN++1IkKpXlIEPAuMpLSZUZRdXs9oMAZnGwa3eJxmlSs7TPK
+bvpn7vbsUdteIyldv5uDNbSLqypB6cPeyzHO1k9pp2vwowhgQLbCgTgs6I6lSoOJidEqyq+ykdN/
+ORsmz6NY+PZN//ZiJDZwtB983o7t0Gh4fc8Oya07Ax76XsL55S5aK8jSn6OzWPJzBZ8UmeAQ08I+
+/NNg/f5iAFRAf0Xo3fVcWNqvLxxajg0pSVrfVmk57roNyK6HbosyTtzClBNEtjla8F6mH5Y4j4Bx
+NW3bBqC+rNkd75JinWAsxtiJ998QKUiRDIFUtlzKYvE6f/eHUfJPlyc3qOXTMsGRzHdO362MyMaL
+oa2+gUuib0KdfOnX207hZ0wQtqApOIKVqjt1Y4kwYTV1pedxGJQ4RrNZBpkXLd+ZgEX6E0AHI8Px
+52UoQY+OV6U/nzdgL6zZXcixI2QpoiAIMTIvaMj1G+pNHW+nbKmq96CmHPwkNnERmi3aQsmbC7rL
+TPmcins/f1kX1r3a4CmBndbOTVPBJm+vCdDtg+s1aGJvmnhKjBwrQNcfEBOoxG0EHhXrLcs/kJ/L
+BCfCTy1a19wjCilBSQ0VAvpnNKXrFLFzNefrp7UXerwb20aNH7qUf5k2cZmyg2ziWFW8MzcmfwaP
+hVAzNKFU1BYLnVSj4mGQtkkxzljiUpUSplnq8pPKwWUlxoxLdwUNknGO+/f9pAsOs6XBn6DfdgB6
+omWfRgGXtpIJv5ENWqjmalaEl+aNCLKk+QLID0Jb6I1Ncp17FKSOk0MH9pKG7zJcDPMAnWM7+6HZ
++ZIxcZZLf8ROhoSCfIq/Gj90WW21j1ArCAdAYHgTvDyApHTHo5YgqlS6s5HtZ0ClXTL9ujkym1he
+oGlU7JsuVPyV6Hop6EKDYmj//owGMZF2L5IQQRTqon6F1r6IV8kYDCLBaOVsrmM2x0VUPFP0PKpe
+lk2MnPTrgR+YQA1kF2XeDla+deLAXFFYmqhtqUPFsNSLbng8g85kulTQnNOfIqtKJk0a4lT/AXdZ
+Slngl4WZLrWEdEYuVQYBsyZy8dREZQwYKb9F8zHUhz7qM19cWOD7F3K/eWQMq3lMuT4IRN8JP/q5
+rRiTVYOumc4xPhwRLY/W0sRuqTNTItgtiJ+bh0gpfMygP8AnwHK1yF/iDR0XdoF9C42Vh6nc0Mzf
+VoA7wA7UF40YL6jxe3xKtVQeS2FIhc9XVtTjtb5p0XnhljBcNBeahtTcixfEwlNbpfF7+774DW61
+OwHPzzsbUUvm9tIi8U3cFlLjTm46D3c2CIpAUYBlwlLmtmiZmzGmrcgIDpD7Gc7V12bO5YSA3lna
+Ywah6UApM0VNaD3e1X7Jn42DTxC2KSiVqBtCx5Uow5sS1vnSLgZpgMYRgVjaiNYsaZoTfGhrew5v
+QnbEjYZ554jxDiE8l1HAYqHulrNxtru0uIY77fCBTQuBGeA0sZiZ1ZhptGDzkDhy5BleVvRidql9
+F8DTNLI1vqfNzhTnVKgPyka8FSPCWhx6pGxQx2Ju5/EuQgZpvZXLMjP9/Q5VQMyj8HGjMoeWcIXN
+mJQjOisx8qFIV6kwFcm7yokTfG6I1c0bpgywYGuLDWA3WoBS7DxZNnNLha/bznnXWdNlFnZ0A1Bt
+73g3jecnlUTn0Sl5mBKZlqj6GCAJ6pU3EPiCGaCTnXh4ybERs93sexGlS4MY/1AFuCEQt6NAF0Lb
+jM/gJ4AfRh4xY5tV39dJWmhlsNkuPHOQzlQqYyTG5jjGFqqKB0ff9DOoByYPZpRmJuL+0EC1ggzE
+V/YwU+1FIDVpsugS34GV7zXuOLTID0jBVknRk1HaFRnvA7k223IG0CmTQkrgkKIUwFsqHbr9MYJW
+CB6obdDYZheEjxMwc+0EM8HxYPf1xE+SwlADgaMUmn0ps0cjvdzjLAc9FiQj21PtzYrx62OL3WFk
+FFkLOGJ0TKixAZ5bGYGrZpGXPhIYHtI73cqNx0gqcmnPATlK5wAhXM76pdac8kUoa1YeenDmkO37
+AeYyqmQyoVim/XZhf1j82PKgkS9tHW3YoiTdsKYveSS/aqEMU543IZbxUFi+F35DNvKSh7Drm8GZ
+qgbdsWOG8nQT7KM4pc59PqTritWXj/PzrgmnMsQ2YAibj2Ez8/AYSaE3saf7rbljJL3ogR+qItYs
+7HRYCadxphrMCL5M6yKhFscm41WCibsi0M+dK8TXeCqaOBxaDnAXxljoNmihgC15BJZGW1HCyvX8
+UGqMVWIH9JmbsO3uugB1DgtAkLOorxakgvajXcz5XeC6AUYoLWJVzYUqAfocVDUO9fe64Iy5bBFZ
+weKLOxXbqoQF8RU2vFphgJVV/uil+dp+KIxFzcNE93p6twa4HmwwCOsRqIVVW2PrlpYBMPcGdHQ3
+HCA3+2iCNvjbYIZb2IVzJXKOVRQdepzXGt5RyyY/+82acgqPLcBDLK1HE9Kv7bSgDqiRcwk2dWst
+/ReQxIP3UeX94kVbKCWZcZTO3SWkZRfw/CHzNESSqSeSZTXqFUDGuguSfLXbQ+gihnGJ+i8qm6rP
+ric60PVhDHQEepoAbb2LUgSBOfhUry86pID9jfCQd9siuRlg/qminsaNVbnGBV1rt4VfkUdn2hX9
+Dp3ICaW7oLTtozM5sXsIa7ifmAuiGYb7UCikdVuDyPPuh67BcO5o16g6NPuAHul8N8NX7K+tri+t
+D57ldeunvmRWb2SrVHu/6jHC9TfvlW5rkG8Svhu+XLpWuwCKaHYME9AXACg8H8flIKsEhHHUODos
+sp0i9ctH1MEqiBdwi5YG7XYpBozJdF1pWpqd7O1jH5aN9HdDZstcHcPCytQNgAA0ZI6jqglr4x+x
+D50St9HKzwaX5pvEOVVRXof+GN20Lg+T0uB/ir5p/YTK+UCrqEIkbMKmlWMJTb+ilvcYitS1t6vD
+qYXeVNl2RIyyjKZXBRFyYsG06IYw/0urTYmgWjGP5lgJ2EhY3A0QP85aDnCWQ+wps8MVQIPYShJr
+CZ3wkC75FNHcEF09+ZcrJU5CUvBmuNdeo3+ecsr0pYxchPU05L3wMMjKRH8K6hV7ik4daA3bBctj
+9PGHpkjUZwmek1txaktnwRH5QmoN9dBItknZdUT2cGYYpSPoJKLgySZ2s7YIqQJCv0z9xBwaoTUZ
+oUeBhK2N1EWpVnEGkConJCpd8mzrvBgKmwclLqGhR5O1aM2GWOQgSA8TfgyEJpgI9wxQXWpzcvrN
+NHOnbRRrrj3oVVfrxxHZQL6HzBIkORKzKmQtdbJCLuDYBanZJzNP5/yImzoBd1SiOYb8T9AGJl4N
+wpHdhgZ6q75NU1NWB0QvdHkVVenIsdjXuNCIi7LWJmShyWLGCOlN1Ts/accvGU3v3DEAJ85D6gZ0
+tJFNMmiPVjL87OGLCZGeyj2qK8wp9XKCeU7FOGbgcdnRVIB0L7IyAhyVta0jLwXFvSTYj/7MB4uB
+ZZtJzR0MHT2e7OzvkUDMAnvHoRYrEakuYz6xQrgc19DMKRc/3xAQmamYIIpFzlLMofyct6gjXjy/
+Rg5Mx/lE+jf0dz56djwxik4O72jo0PRGxz7KRqyJ1ym1wwD8r5ZpdhbTC4NTDJZIjXerdk0U66xg
+auZ92wJ3j89ruzRBhd3jmgCI1V1MIu+rhslSUK9z5m0y2a2GwQeYk8DZBXrKDljVbSvPcDrrRv92
+7WMUJK5UqG3uZ1k9sw4EeG0edcwIMu9gH5sl0hSNKXiViHt1+3D0TKDm5KTGSUN7owSoPqDbTDdR
+58TZQLTN6RqPY8Shic4igSo4qZooUInWxJu9MvMxRGuRyBqEDql2uOqSL/h389NGj2u9nXJfc1w6
+MfflbmOkHrkXoDqRCeZFbe72eXkgLMJ7yYep4qW2HRtfAbxcjNHX0Z8ibCyko9HfQ1aduZBvE4yz
+WWcekDNeeF66QXldTA7g3V2Ud76D41RfIA26Q0hs4d0O1lhwLfr2PIJdj/hUpJ1jQutgpLn5IdJB
+0j6M7ZAIpEKyocYgltzSE1fe5PSgvEKJCsbPwnZNEpjWkozNdmiBsIy8gPCSxJP33C/oQl2KySV/
+woplmcfj7IomexhjZ2ZQwufIp4tstJL2XeW3PC2gkIzA4CUj9iGgExjMUWSTfeF/LPgqImdp94tl
+WfN3zOmb9da2RtpuIq5j0pExbqPOOvNVLYY7rCsFgCprchh/qK8m6dbKN1FYO9MkBxEctCaQj+qK
++RF2YcRb6wsKuhDMfChdQJRGBFgPOpAVngIEIewBq9OQ857TXiyhWJI/MJ2U5PKU9kAs8LE1e7I6
+gwQ/Yy5Aj5epf+b4cPm/LxmO6N+flx6daBNa5VaBBBIYQ9Riml0/jp2ZGOVk6kdWKBYzJbXtT7AD
+vXkuGwYEljii9TQTGcjJ0WaJky1H9TVCJx7B60Ln9hjG5Ty8V5BuunN/mKE5+Z1LTsHBZnnEByh6
+48p4UHlW8TGBh65JcEzh1PMm3dJlF99Oz1njnCFggl9SOjpsUgT8gwIIPbE77zHPMlngc2KRh6u5
+6WqdDUSJVbagnd/DV0ovPER+megkSTazf0JThVeaOIO59QHQIa3IOR5oNO6tGZ/Daw072vwgPnrr
+LdIqZsPqeY0WNm1ZlyAGoaykW+kMxCARHqBamAx9ed45grkzgW7hANnP/lDj+h9qRtgHoYxBQ0dL
+5AFfl7iQgvUxTsynbzO6Biwn46Edyx2UuQY0NxhynvcPlzytqlGmQvFYeqac5yI94L6+5FIj12z3
+GIlINZnuzfPUyH0Mdv/0dL9fCkwyMa4wDSNaUyeVVTeO6hWObPUt8UKzP1XKE8CqZjZr9q63629P
+1cBfq+MOpWPtCIkSv8CT5LRM2dkoO01Y1XybRTGQyAxx4TITZe/FLMO4LRzOQghXbBpIMSA9jGhG
+3vi4TfcueTdVCNPZCEh5zd7zvDO/9D7KNjIpQqllx5lAH3/iq7dv/7ehAqiBNVGA9ivpuGsw479W
+2uc2LIxyhHzoE2fmPjigTFrI4UoK9falfptzQMWRs8TuKaCu6p/WuwmjUD0igHoIYh8dR2rQfjp9
+QtndLBEVRtMfp9xpCwUemaOV60quKV331FqqbTqw4tTvH2ovNntUDy50vR0SdvYPkRuYMysMiPcJ
+Jha+/pG72m7fsdshhv72s58OM11TKU0vgzapdABovR7mCR/AcQoi8ZWaBKkjPstUqYD4mnT+7Sud
+jrIrhc3T4mHO1SiOnRSvMwJDXwBZ/ApcTWfX6NGZ1DxJydTOxtg1UePbF9Tc+q/z35W0wXyHJi8q
+OwRNJzOoTxFU8BEd+9oC62UGocFgtjk2RWDuoLaafAbpDDQ0DraAPmJOxrdvwPttcBWTOLAhG4Bv
+4dFPdxYs7UH66PJrE9sLgGh6WWu2p+oRB+mTjOh6O6LcxZmnPPx14QQ9F8UtCWRC7AuFBWB8Pj0P
+TpHi0UK9SloLq7hCp4hsYc19ZCmJI6ZnQG+PDcwmcbKe3VpP0hyWIxDMscJXxWbhbwS7E7FIrweK
+Rw5uOEjAQLcp071PMO/25wmtZWwPq8wysVWHoQWbhdW6mizG6ErwzvB0IbbRnTBHfF23Nbelnwv0
+HaE9u2aGZIKp4fj9U8TnOiZYDtMiZSexO6yuKI9FaUtl0h3n0RRZyoyy7NvD/9uE0x4WTUpqKHPi
+96k9kFnE2DUuX5BDEsSsUQ3ssNoh124igJeS9duXNKvl1ZRjqw2eejQ+WAAtT+Y4jbKlbzp/gqGv
+TI1xgG2eXcNCcTPrxu5s7gCVtmAgiZqd0ASFVl6Yu3n7Nk6fXAg8+9g5FZ5yrLmn9vcvfdFSNTA9
+3D7+klWUPy+Sou2Lezeb3PbK7fqbty92OsnReJNaUClSaF35njyZ5MqxI5ggXfd1bOp0/SRTbaZF
+mtYmsnr7Uu7JkubT8ZgHBKY0nTch7JPoIJpmO8/L0b0vux4L2pDyZY/8DmVUMl0MVzgdNjS8C/7S
+FGyYl7MUwSeSNYlzQE1ZlxIMKY/p39eTyIlDnRWZyjs7ichQYs0m8D2u0tiUtWbLlAH83kign49I
+tDGHkerjp0fLETyclUnOoigCgsi2MgLKJKtywOE15+gDJUuONIcdeddvD8LJeDMGASmczTr1tPi9
+Yypl1AeFGub7oUjNyRxWtCrwf5oqMue3L3Ui0czbZAOTWgG4QN2MffRkPuNXTE3V8cI736ueroW2
+hLrJEC0xRxNbPVvQc+8doTCTCZZzaaqkL1+1Iyy9hATBZnClp009k1ywZqdziy6komABm7XWq46l
+quhg1UU2HRcxkDDtM3B/JI0g2EhLXhp/dItME8nKU5e1s/r2yvfGqjAvfJUpV7GeuuP6uTQxOlRA
+MZiVsXmTUOkjflmPbPzVrm8TU1h+aaGxIpm7KT0Pzr0wpMqBRLKDa3D1h/PWf/36ELYCCO8afTbY
+Z+jp2ydTuOEJgKfW4fd8FPpz2uIVe3Bpj56pzK89avxxf4DpEkCpSfIQsYCwPCvcLP+EuqmNzQsC
+WjRNIwFMdAF+qOK+uQ/JX7vbfO6Q40KQGc+3IH1f0Gr7PtZeh5RTa8XLll6OejfKsLqM7aS75kSK
+EUeDtZztIKGLf6z0kceLsEVBDapVYHs7qobZJwtuGclBDoN+C8Px1uNUyg5ebgkEbNoRC/ul2dMT
+zz+B9fUuclQlaf7UPeW8CiuLdNs7+VdQEyAgZ+xqN8Pa2M5O1K2+czmfH+q4cuQmbFVMCSMySmBp
+Wd5NWgyfEiGA3/q25ZW4BMv6SzYE3SNKpe1H5XUdYVE4nKXzkEIo9hbcEOgXzaCPg8TaDEYzI0fC
+oZ9Qatr4cZr+Y/AVlFM/HLJdP7XVHQIwlMQ8x4qp9lneFkue914Phchd+u6ro1fvPh7ksI1nVVxm
+ukugrS3J5duL7PVmzYSgrcxmhkYXPX0ChZMJUVH+0dhplo+8r/k2cMMy26u86nGJbm11//bFXh9Q
+zxfTAOXMMU8MdxqRhKtHaNcG5aOydQFGaLbvQFa7CAAW2fXoCWPTHVXFe1qEeLi9fe3fZv7TY4LV
+oWXDJn6ajwyyC6rMa4tHoO4kriKvMwCpAh/oPxwTT5/0z2P46Sk9+FDEfYHDgXyaRM5ukaFeFceP
+zlSxZtD7oyxXkfAkO/wk9AfIK+GHBLcm+M65xHcGUcQkP46JhLmW98C+AOupd61qg4vSavQ95y36
+DNQV+09FQfDi9mVRb9zeQRFsTMufxSD8K7x49PsRNuY/gpQ8FXacY9fbKIveicIwpyxdKKo3Gb04
+ZwoorLXB8pgax4S0GdqDE0n7wZ57sV15f3+IhZ7kH18NiQkDCIMYF0Sp3NOQwLF0N3v+sj56II1R
+LU9EjIBCmp/N6/xQIvH4RVjBvBvciKZH01rqDE0GHFjfngLSTOZXt6ENWNMDD+IAHFP65EBBqhf5
+RwrGj9FA44ByGgogs4+n8A7PnxUxZ6+Yz3TRA9tPrLqg21MVZxV1q+uxVrgDYLJqvVudCFz2ulA4
+a7EyLPBdl9s2s66TpdRXi1jQxi3EHTXQ/F1l8dKwDgfMv137mbZLWnXhVteB/kDYOCK35yU/F5Um
+NwIJ/WNGpfgsiaDgFbLP+10VdgPO8PFwb8OmeW+VAKo3anYMbb/H51GgOHEHhjpOt6jq8gDxjMn8
+2Ee0AHTaoKynORM/Qp2BLRov3j8cqtrhhqYDIu9vD64Zu9OxxRWMdF+RzWrXrL9for6BkjDvXYeP
+TeLJG6ST0k9wOhdcI5vSvnEAZf8ppXNeA19ZaNqAMUlx0CMFguedZI8OdNIWJZr0BxoB3gVlM4yR
+Q1Q2LilUpgcaEUguCBm1j7WwUX+M5v4qSQL7vTUG4vCHp/99ahFqsn2iw6dB4p6CAdupkJ0fofQa
+zTQYyNur8GvVrohMNMUiN43tZlQ4igr+YS+pFe5Q7ZNnMXDYHXWSINjS8CziXVsp/TnpYatR+qWE
+XlpdfJ0pxI4bIeYbhWfZeSR15G0qzDUmMOeOG1PhtAvA6Y4PX69YZX2EO1Yf0qy3rvFgHvmBSVtX
+qouX2wV5/hJL+KQ+IIHRN9vKSbIrBHFogVsCuSa0jXLIQDhI0cOl6flJjqSmxCLdx96dy3NsnwSy
+ohq4DDORdtFWUfW7FUFS0nIFUYeby0xfqVdYaqD1ouvrqUZic1MltQJX67sV1D1fT+3RRjwPsH+V
+fIZH0CN57CaUehBS+lPh6/f9h5liTEiArinez+mWLFw6odk8ZT98ePF6E0xB+g2Uh6Fd88rIqfTj
+2g0h1r/Wt2XEuAj06Fj/yWb7f5qwvoEgc/QhvE9t4PUaASnVFd2q8x8hXM1h9/RC1DrE+Erkqsft
+fgzuGiRsDouKw30dhPOX2G/HmnmyOndvz9iTAt3T6kG9gNoyWwdYy1PE7loMqPDNWfoj0rb6iG1b
+98HNLWunKexeci4ON0OOIkvtlcU5ImIIeGG2Q4k97+fbRMc+gORyGq8SaxA/Qc43cuM3SfbxD3f5
+W8igFXhXyRIHM01SeTJkYxEuRdB4ww+q3k10T2QBeYxKItz9zh5vUOfO6ClBlvNR8JHVzxhyOaRd
+rL2mo9BV90kGeXRl6ym7dzHIoEPCKXBo0zZnuBHx3MLOQdnq6a5f1KRvn7e9Z7PQ73+rWJ98+f/+
+Dd2Mfylj/Uod+/8jdQ0QH+zR/9otaPcjf5ge2h+/ugU9/84L00LLv2APeZSmPXZRo2zxN9PC4luU
+sRQ6lURVtnIJZF+YFiL4i3AOfWuwyhJI76+mQT70DOxZQbABJaakK/4TpgUV7FeHHPh2MjWHYoPt
+gDxHdPskWs5SKMLOGjRni1riz32KYuSOZhQn8Yyf8HbWbdEfatjZMF3XaYu1wRZBfBjXoc1+PCa4
+aOAE73wOk6Eg6kdkdMuBNP2Ye9SyfT4cxz+ISnnU35Z0ADbtkH/1cGLYiYENu4yQMlqEHe3bOUD1
+n0FMUIqUEh+iqbya8Ty8yaHQk28M9nqmwTJ6pu7VXnB2ZTsEr1D/0zld5xg6O9Zs7eUMGgNoisDM
+c5bpceLmXKIKVZ8j0oipgdX2H5DB8FBiSDA2aazPSV5Yd1FTKnhtc3kcAjfa12DR0Nrr6nfrTJJd
+zN370Y8ekYzjIQHUbICEvPfcJTsEQRbvFimsTRqVCLpG2c8a/9FpYwc93Xgy6r2sk/XgNj1orZWr
+Y4bxXgFp3CS6v4aaBf7Kdd/DGb0Lx+HaAXSyiQlxYFY5VzMdFKwcyxF+12T+ALe9FFeeX3+mng+2
+CJmECyBzXwPFXo9D4AbtjvfZkn1tpLGwraqPAFbXL/AY7F1N9odwCbLFg72MW7pSW6bg3Swg0eoU
+UctQmVsAACv56KCZxREQgv0OzihyYCi6foy6IP9ULQMi5pjsHEUJtR12ujhQvZs3SEfiYWEXP7u1
+vkVWbAX6al30tJoeKrCEd+hqIqOWhK7YihqZf6xJbmHinoX+6m982Tfv0L9uP3uZf6e6pDpWcwtI
+o0MmWYWZ3mPp4JwFjYJmlvv3+VpbzcYT033khdGFB/9Eb3XUFe+hgQ/fLZtjZ6sbW7zvofjdoFYS
+OxBDY8TRqV+u+zwuPwrLQXSyLVuEryrxoUPk4NDhTbMjT6bly8qBkT0mu5giLCjouQmOLb3U7Dyq
+HYecZoFSR35Gz3BUFXq483BJ9aoHJ9Va8l7TPbz0CmV/RSdw3HVLj9UKFkUJjPisqg6O34Z4XICO
+uQTmJ/vzKrVxcgfYu/y0SrlaR7+tqvDngnLfdY64HlEPvcZ9jg9fu3GIRWo8Ip6Pp//d6O+W+sf/
+/T8Pj0VSYttLNep7/+umbfSN3trot1VetQ+P1e+/8zelznbZ6YmCsBVUUDB8zo0XFSVqU3+xzSJ1
+T4AEr87YFrzs9J6Dg7dLYq0IBV4OgRdHA+zhSLfdgACOyhb8mOA/2emfAsJ/ZjO4wUGv0EGAaB+X
+40Q6CTts3CPBiK/WpY9aOkwFB+bTMnxuRzwC2ovUhp/VbDKMc2LMjeCfJvJKBHkx7SNIVlL32GIt
+Xs1CC5CHFNelBY+IHdtC0M1OKQKh1NIdhyzt5/CI6rhMkisICyOC1Sv/Sl0JjxquRdqHZTNyhtFQ
+DHN8RZlXLit6br62YFJYCAyBiC6LC7IjMSALMBnAboOzLk5MJeL8MNohiSwfU7ZHqpq+RybwHsvK
+IQ7eoXSH/H3gkZIUPpX6rRxKsgAMbvDU2egFuxUwflWDSP3/hkf/jpsiLQMTtvzr+OjuB9kGlcNX
+AdLLb70sHN/5i54SKYyJ3fmwl0UTICpmeGGm5aiF4bv896JhZSjoL8oHqmwYQ6aM/vei8f7CLlMx
+zek/Q/KiXPxkxoIRyqsg959f/0q1pAFwEh75UCNZmoRHtPxZESerhoKssOJJlue0BDpEBtBwj9Jx
+D/oPK/S+gG6wIepzp6veXZZt0TWAozpzbkahPmsKDwltGaLvzKbg3HSNp+7mzKYemdiIS0Sqk1t0
+jPdFpObPCOM3zW6hsPkQQCY6d2s73w6BnLZNHHl7nBMfh7Luz+FjR0eZlCjUICqzRdEHOei1H44L
+uCIQQsKrkPiZuwMYyYKKkJ/lm3SpPnt14z+UiE2fDyByDnaiDkOn9c7uUdca0yR65+CPfFYuSX7n
+xgLLpREAWkS1T1WfY2dojihRrRfdSHEGYoZS30Jf1+jRF+iIbYo2iq6rdunv2QL8qzld7Q/D1Lq7
+MqeINzjBtQ0BaOcXUfQ1Rxd3E6CDghT1gHNB0oSw6e322GqK81OCQSvo8fcVeNbztnTLg8JgjG1k
+dBCgCC6iMttJ8rxbmLYk6KEL7hqj4n2OBx3SnI382Nqi3E+NZ29tulGYVM3d+dCtFhj/1bnwsti6
+yDuk0TO3QRDAStcdorHVdQNjDiFGwlRo/NNw5yS1t4ckinEgMenRq52CMA5PKHvt1vf16HbXGgsn
+xMDdOzUXM2ipQZkOCC0PnXXv1wy1q2lR+QGFKzzl6nn54KEi9m0IEW4sl684WHVHpxY4GIyRe6T3
+HX4a4R8cUmDaj36isuV6WNz0OpIFMbRfz5STEcLa+0U+7pLY98861baHRhFUgEh0976U7iby+xyR
+zzb45rfl9DMCZnrAxh3qQoMK+5514733lqnLr5a0piLvpPfghJYHi6AaxsQq7Wto0+OlbyEAVBU2
+LzkJcNOuI9MgQWVmF6+ZfxHaqnwHC6y6zifnHlh/3VNw8ZozfMKy93PVWBdAjMd3UJiCS69J1Ewb
+xEOIOQEoo88GC8fjQ4tU/IjPIqyi7Qqr5QJJGbgK7higmN2KQ+zV/tbFZApJ78otzkBxp9iRBRjj
+uN6A4HjuDsUOUbzRxcMXS8bOQTRvdtfi1rLkWSAbJJHxR7xulftQ5Y0Or/DFmOPL2sn/oTCvoyQq
+j6HlOxaOH4MXuse8F3h6bsYAONl31CiaZI+x4/puHefuthuIwb8HJdiHKw8+Wun3w73EcvIWK5YY
+baE803de2OHd2A7OHme74GKqtIsAZ9jly46+XP2hni1a99TDxuis9nTW3rv5BPodyaqsRIW1VLrS
+F2Un0dDERiV1icG1YtyLsV4PsKZKhaZKFNpf1riZ+i0U9eimWahg/QNKutu0+04uzvtyDobwEZd0
+TIiTNdiwwyEkCh59bw9oeOG3mSFWRdVkE7Qeah7zmFPKtntKSdoKF2CJ5WhX5xLtPFwv/YE2D2QT
+RPFwkR68a0BwwadiqeVD5miSrMpenOjciXvTVqNheFvi6Pi4eKLPjm44U/TB3V6Xu9FCzgh0XBiC
+kpQZl1zzqFWbYkZCTkRrhWp5lyMybOMOeGTv44pI2huds6CjolhESSpQ2wjK6p32FxC222VAZKm/
+zMgm7F2FwNEm0rOO9ja8vndgG+eDNO6vtp2TFLWSMd4qJ1zucnIQTCKsrkVdt4VCtKJHeARCo67L
+wEP5KglY97MMd/LJtNYdhD4OFCiPpR79Y2XcbQ07Fn03413jyOpqNi64YV3rQzUZgEju+ZpF9WSZ
+Oxj33D5V7oWPoa40zrqsVUx2nUgl+zaqhHWwdWJ/1Dl+8MrtVmcrYA0BHizLGx0PiPmPGgqXasYv
+8snY1xV0NqklU+REsjwzvuv9kwX7+mTHTnEOTtPSfOOMam8U/djDZPzbyWqwcndtXN0j/GEOMxpx
+99J4vnvG/d02PvC5cYSvjDd8DlvlYizt8Pvq4hwPLH/XaRWds3WGZwUf9TnT9IJQuPW/jE4DN6Q3
+TvSpxJOeDHK9poOCnFszZ7t6WtKvMY2VC2n87D2M7XvjcD8/md33InZqZEqEt0+XEGxukKb7GIx+
+l5c1vImqP6eMiWZbW64QMwsJoteZjPI5CdqUV/E72sUYWrSziwi+YIunJyF3JOTIG3P9jzOx7MZ1
+qNwDyo5v6/9i78y240S2bv0q5wWoQd/cJkl26mXZluuGIckWBEEX9PD050NVdbad9m/9da73RdWo
+xhKZQECsteb85pyM4YD7LUKSnuxdvsCubuWQb4zRTnk0LvajZamGdyFjrafBN7srxpjGtwHLxA5V
+EWN1IzYObquszyhB68gMoFnXRpvsMlHXUVN2+bXEBvGpZx1eMcZqbtGPBZd4GcsQKFt2CZRC7JWV
+DteycpbQMXP3kC/Dn8q3xeVsp+nnuOp1UOdGwC9pXXYCxYL03QeVVRWWft1OaUFKOCv/FrHIREKL
+2zz5Xhmq1oXygjn5rmkdwoTtwnePBQazO+mmy4WRyep5bBOkGxO5RnImBDnVk88xvvDQKAudzQNR
+V5o2W4TXSwQfuqE9TnR+ojGt1NVUBiimNQZN69tfbQlBg5ZmpDaBBkb3UTN7lLZ9ywga188UBSgq
+6IVPbhAqXM4hSHcyfcrE7ELFbp30Vl26BrBI1r2/WD6LukEUDo3feTJXMCNMbkKVPczpvN0aSTJL
+OdC08j5YTeYnvPKSgnC+h9ada3H33/39/2Z/zzpcR9r/8/7++tv4f66+TeLlh8L47x/7f5WxtQad
+uyiDKAlRUrFd/6EyZmuNUtgJ6IXyv/7pgXr8EDSZdbRJax9a4X82+dBmzFWCaBmB98Ys/jebfGed
+431fGTMMQdDuOzYLD+zw+ShFZTaecVx2lw1k6vnJhsvXbkrb63hPpqSKBdB9EXHMB0FqZaEdKzMl
+bCJExVUeKgTie94f89fGoqINNb12wgkfxXIx8Rb/pprc22Ikd5tFHcoucSW8Ul5Ts/2BOdgC248p
+uGnWqDC8suHWnxNkcJFclox6VscOyO65YucLFuSvutd6K4Ldcej0L/lf1fFis9bCBrIUdbNYa+hp
+rabNv0trpMWSSpvUT1X7H1LTW9Y8NwTOOsB5cOsLqVxlXbQPLZWVEfm8/nL9s1Bet/R7PIW+CWJH
+L4hCFEzWoCfq6iXllbnzVD3f8rwqWcwMM/hRd9aWP+uSd9hfIq3/tqXeaUtRXei/XYBXooXR2/Iu
+Ed+3pv7+uX9KbP8Pg3ucRUb1iDzG5Vf+U2ZTfdu2w4jhu/ED//hPPa3/YZAMQjMInAgmacf/N0tt
+rZa/W2m8epluo/+h2vdpSJ07A3q989NuYOBLn325wvcEEBA3rVg1nLOx1ZO0eZn6Qb3UlKLvKDYQ
+2P109FW/YnATW6uG5VxYSdgkbmDe7sciA5voJXLZaWbLykHf6G+dLtUPnXLIkkdey+7TULO0MW2t
+qFCSqj6SYYsgr0paExqldFmsgTFXTShjc7olI1BCkNOgvNWyWUyCiUWPgVR4cx+VbW1GFti2K8yp
++oFPSXzCnNqTvB4wyX7zMmTyoRJUPk1qBS1Wf8u9hxHhwXaLp70/splePD4vHfx57w12fKqcifPm
+ooUAt2o72JzGsn6ygnLZQVyX27LXrOPczxlREqlNWs8hn+ukbz4Y8dJTmKE+M0if4Sp9HRIrYVsY
+eOTm6EOciKjok4kpCnWy8yXVgxm+JwPmLr2o8JCw1xwZxo+3OM56POoJLq9rnMOpv6skFQA2Ud3d
+6bkslL0RCT2SndnytNpqKaqtI/UHfzIBFeE9To2sy72rdFiEGkCjDa9zMhFio/WSrfHXLsD4e1NQ
+uLHOHgG/z3OxzMnN4M1VVOlLDqaOuqJmD638R0rITsPkPk4RrFr26u4CRhWsBbql5sXJ1HDtEUjT
+hlJPrEPuWgYJP7hfRxqMj01+x4ws3xdNoV8ZrZ/v/WBXN1iBwiF3SbIoxp2yVX2rUmlyw9QIBrpe
+VKFG0vode5Hpo6wd+ains2SqXKah5fTVmiTufAMgn937LThFFUxqWwZasEtLQxw7P7C+ZA7BbCMI
+la3wmvJIaQPrNs4PpmHk92meyTtIqmgYcIh7YTmqvWaMLtEi5XEK5gfeHEOz0SBmPDuVEd8XMvW2
+ExlcR5m4xK+PoOo9PScYs7aJWFxE/rEa3HKjNCPd4x0LXtxEknDIOCK7hTaunpIBjR3xIrN+Hcw+
+0RNdZmgw/Vx+atZLnQ0lKZgY6pZPlpk/ZFptfoG0XCehacsXYbqr65JFZY+WvSMsxD4mshg2rpqK
+Y2ON31akxtNCNmEU1JSNG54J3RMG5yhbMAwa6WhvZD1eDHbq3OQUg4CdF+x9bhJXh4aC8FixPbiK
+K8/4MuH3vzZIdScQZuyOcJbyYwmhLeztildaXyEXg/Z6kEiYLsZ0nq5zDPiHIqmdu7pOjet+qLNH
+LATZF64o7Mupty76askPfVnW13Kx85c66YjUhkvrnURjLbcMawYikxQFuagNcA+175FXgnuW3TKh
+nJo1iSuf3uFdsEDjoJnEss+x4BAOSpzAqSTW6qYn8uxyYFT4eWp1mBHWPOpXtRzEFUQV9dDLfvwg
+hFufwNCX2MxE8IW8xOxTM7jdBcyUQIum3stOOgWWuTOKtLh19CA+1tjZ9t2iJ1sdEuOuUYPz6gyN
+2tvoID5PmSm3SaCRql0Xx86Jr3K9KlF+pxj/3wJyy+RoBvXF7Oi4RAOmoNLu6TzS74SZnx90EPOb
+0iGLyTAgnTei9HZmqk/bZXLVM6Tt/kJXo0CyPAugxvZ4l1WOuoaaOh+qprfuAHvNjz04yxcnNoY7
+Tkh8M1V1j152NsLBHost64SNfzFlh5GG0b62M5cOI12lj7Vo8j2XndWijWoHw7r+amlkmi4+M1oi
+QXUrmtzJRofbdLeeAbuKwd0Mt99ENOS3jvm6mGzqNvCee25lYpKAEDzUMAqu0ri4rQfYuGZlJo+m
+z/pfnAD/ojVDgNZnoV+BgdWvgk4G1xrZvHe4RHteFO0cXMLdyvdBPt3kAEopH1mopx7E/naxg6II
+47GbjkIayamuCCxKfBejd2+VVyAuNoFn8aghT/FCc53sZCrb+OCCtjBDvdPisMWY+JJmWKj50j61
+aN9m2aGdW/UsXQ+GbiZPvEsCkMOV+WeGQ/mYt06+V7YQDwam+/vE67xrk7S/jYYDldpxlupji6WR
+MEmq84HYmaeaIpM3mjHe56ICAczq8S7LcZy/zmT6zaFMlHMoS2c8aUkx7OPWGK6HrrFOZk6H1hdK
+fRodp72dHNKFcNsve0tM6R1vtvqLG/TVs4/a5nUWkkLN7VqwvEHylWyzDA0wvamY6Tiemx5Rcwv7
+14BwrFUrmDfQWnKADJkxUW/z4akuSMALBxO3QeiuVs08tdWnuC+7CGVWdfSdQsSh42bytbQNtWuD
+QX1Gx+a6kV0lxbOVJP6+VFN81RuxfzFA3dnk09Ic08An9FKa+WY2eb/RuKF07/CF3GR+0V5JY+6i
+HmrUSVVadxV3pDJktiQNM/fIqRrK/jNWAxfGPMmRYLk1Bs0tOoo77N7+5YLL/Ztu9XlPrxNy3ybg
+HF/kY6c9pKnjflGi4tEjiW8lUUeDbcVDu3aB4cbQW3WfRpcsrWtBQjOPJSIaJFIvhtMxAEqvI36P
+e2IUVmgGmgpXJm04EWvxJMFn0suxnuy+ra60pHQ++ERdbsCeWZfroIzH4Gzezopo8CQur9YLeFK5
+ZeyZJ4TDXIptkCnzqqdJdUwYkUOrKRm0JKb10fO7IZo8jZBIRQdVoylZbwKXiRz5rltitmBmV1YN
+wVlv7zyiDF7QaCAdNbp62SLUCj4YDpHjsHTNnZ42xoMTZ6kNWa22b2Ws4HViZQru8qQkmSTlJTvq
+1iWorJHLDgCbnHT0W7Y7nYLO9CNDaOpb2mPS2cDBCg44DrwD0bbwVvJ2Rq0yt7f1kte3Eq7FIUtN
+8zBZRIstDuGt47gEyz42Gu8zewETQUSQocZiOPXqF1r/pah8ZxfL+tFRuRdpWXBnmU2L16jSO/Yd
+o98eTB55ySbrsvQ0wjZBdme2IkRZCg6FzJnlRYBuIwJExOPJ7Gn0VrzeMFcn3Jo2YUmZdG5j9qY7
+Q/Cy7rFFI/f0Gy/bWmph/zHxEL6mwlTbVjWfSr0pboZxsDGBLbq9531X7gab/iw5ivNOE4Z3MKvc
+v/EMb+Kt4IkvbNBcsiQzZBpqjg99ncVkVMsAwr/RGPII+QR+CxTxW0wq2B4gt2Bb8PSK7evQzpEk
+yOmeWUO6GbFuH119Lm86qYg/zi234eYIPEITlzSyYR6g+uWxgqSWzfTEThV8lKmPHwY9Tz7qsso/
+2iZ7QLqNix06sVI3teyCi0W67FYSJz7qXt0XkFcziyR1+rJkSg7xUfQDOXBTYmUnYBEkbIrBEOia
+k6A6FMpM2m9WkXmgckhfmw1mvJbyL+PBkWSH+M2JvBZ1R6luXdl2M18Ha78USlsSdjQGT2k5LlHC
+xv8R4d1FxqCOluyIfps4DeEYfEv7VNDl/FN4tslwJYfEFROWvkGE/mgwfTjC215Fpqm1VaAzIqAV
+T006E4qm3WFEgZmREjiUL0ZKSCbZr1VXjnvdwiUhHWxVlAgXIjcKGLPJRy6Ltetn4slp1r3lEMV4
+dMTNYAvrqnXsL8aasTEN8JsRPudbKX1SBoucE1OMpIzSlN+A6q2R1JIRAs3fIt3X36VJOZ+INL1B
+N21+QveCYpzBT4FPAyY9ZGD0RHBzAPiDD1+qGY2/Xew9otk2MPWtL7NmTkQaEnlOnxS0iOPdTG4q
+w9ot5VXJ7fektV6EDT1+KHCOHGqGCCfHbPUrJLZiOyQjMQ2MpC5ofYijqD1/N7cdEUtEIgFoYQ5R
+V11yjSuTN7vM5hvGIfk28/NILF1BnVA3sERqMty/a1n9Pfb9fsz7c1mK1s6y3gbQWNfPjRRpTDCZ
+6H1xzIqWsk6bPIJPF5+nNBB494Otl1Sk7KVKXtmozn5/cGrrs5rYXcWqCPkwtDJqXqvW71Tmiygb
+d15qcTSmqnlZMDBd4p1Ib3wZyPvfH+qs0UX5TT3j89da/f7sphRKZC69Yg5Vm6qMWCN4E0oAZ99+
+f5xVnnj+nYCsIjLBZ+4b7rkBXFbzTM69lxz7mkRKBL/20e0nM8pL0d2qRsrgcggwTXHRi6faI/KA
+p0qS3mhxuhbXpPaW0dtH+m//6J3+EVxm7vb/uX8L9qv89tKJl777vn3014/93T2C+43lF5055Ct3
+FTb9p3vkWX94SBdo1JLMR6PoO1q4jRwKBgS4W2QdCCdWT/7fTSVbR6QRIHy1HGQPJpSAf9NUss9s
+4RwE/3uAG8dGKYIB8NyL45gzLGOgVIeqTIytmYo8IigyCJ2ue5xd+ezjKeLRghKz7KcglJlLpTAR
+mMq2smaP7T/4gy9PYM8I/uzzy8G3W97apJVAsdsQVMVTPhsCBhL2hBCVFottFfpWrRrRFIrcrg40
+MI0YWkMsDHeEXepbHfI3fRxfRobypk1icEwNeEyY4Q9DQqv0LUTgR8QUDz18u42qK9gITvbsarUO
+0JE/LnmthNXgNcd6aB4NP63ZrgzWJsOyHhWx9wkf6H1mGc9Dw+EhujzmlXjF/2Tx0iVHHWnNnQHz
+DjoK38etpy7SG/XowqmF6sfLatT4ekTCmOFEd5e5LHKLxj8iY+0IVOHUDEEcJV2BF5TdNJbraeO6
+nErgN+1WV/zSfOAUMJ/9yFfgNOj+EUUDaRANf2pg2xHil9SiNDbbTQ/u6JDZTb2r8iTfuooKaJD2
+3ej3XbT+ZGbHPjoDCiqGjOUmmTkFdW4hn+2M5S6paM7M+RDlLYfM6WlfODbS2XK0zKhXfCCrZtqF
+Av6jbINpzavzt0FVvs6lqrCaNCY7jVkSIzvziEFB/xLnxKx2TfAARLmL3qSsLTTYEKQYF5gMk7Vn
+ZNKBC9qH2I/lpUJjG+LNpw23IEZme0ae8TpiGx2PCkV7eLtJhJp96h/VbmuP+8CYrbsCTUfY6MHD
+6BtDaEr+VujO3SD4UElG6JylNQjyQCptqVCmk8eWNhrq9S7q+LN64F2L1pBA6Voz8lZNtRsjplhM
+bqw+L3gdO8419/MrOCJrAx3D3+SjeOYRzbVf+DfqhAnupFZux86HbwyJKiwKzhKSJtC8Xk0zVrVB
+2LTN49v1LhKfvUzObdURCL2DkkjyZ0BLsFII+nrSvU66kbyyyLmrkethB+Xu9D1uFfoSwFZVN3/M
+U/4V2NSzZfBBWHn+ZqiBm/acLtwtD/PClSfyhdXljfFpxOhzRYBgDYa5ffQAxYNL5Qr7PTeTz2p8
+OxklwJdwJPaMVknxXFSjGdEXVCdQzU5ks0kP6RfFp7kMjPuCxOoQ2wQNmAa9swXtbAcf0owauGTb
+oqFlq3RCY8ckbS+QWkz7xDUhGqpYhKpbzEh6LEqCkC7FmJWbsq+4y0r+5zSy4UG9rG8tnQcBMvec
+8WmSR5Tir2gMxN2QUhiuy4uUkeWgG70ZTXbOOLRiA171WbXB39RubSBP7M/0cj/plozgyLEMJaan
+t2uL52lFKpWMbtC5Jwa3QFmrAEkA5+btLn9rCoMVY0BOVyyawbftcFznWxiOdfh2A6x3OEv8TtgL
+gu2Zx1gwsL5tSh6qPy5d148r5ZPbaJJmFw2ZET+BSdcOTspXhWCED7g30E4FFk8vRzyLmX8YDflK
+0xDbtMXq0WH8h4XVBaFZGvFJb/ryEh3DdO1MDu3r7BmyJVpRD01/LAnRyj1WBORM7ZA4rNNqcQzS
+49Jgx6As25QF0StaG3B0eKY8ewt4rDwcjKXciMneg9BpNzrjdkJixyG0W8sNvU63tuDV2o0y2+Y4
+uqj2vXLwt5Mo9IMOPz/SiIxAIW7wcBu5dG/sv7g372i5+0CyynlfdzxMQKUNoaP42vHARxh7g1VE
+Z+HAkJq/ebn117PJDNjRvC3aQbhDqCWYCIwuvXXoHm8bx74z52zek1ngbxzChnntjNxMaqp3rSu4
+flWub7E44nJw7em69+Qr2gROzcwKeDvXzCrlVhb8yt7gutqli0yBdMUticU8AuG/0GTW4lvTWApi
+LBU9pFi9Ko//TOIPdGWnRqPO88SmdtgZTfPiww3AgGckYaW8TwVjDeq69FYb+2ukFRlzTj85zWJi
++qHlbU7KTD/rEaCLSodEoLlrIsPyJ/XK2stlR+BGgW+Qqwc8NXs2MzRuBvtkBy2C+eAk7N1Bd9TZ
+1Zy0/UmMOpfQ0uMEsV9i2H2U6QpIKDnXt2h8wALB3UZygiIMmHM4y06Ppjlo2mix09oIXYWerI77
+J42onK90dV5sQXW6SaxJvvrK0hbYEtqy0HsJpvHQlU21CwoJchWevLLCOmtY85k9aMSb0fE3DT++
+Api4IG+xAKNdS2pS74jspy0OoDA77RES8RCmfTLkhIgGFri0JjfckLmQEtfO4JpzlJhlrN1TXMlT
+6rkP323F/hd1CfsarKfUI1j4YCmdm8vzQDMXm57pwRMzEV9L+grAHOdM6T8AH4ZejUo7tMW7pKvz
+QdnbcW1GdCaUH8/SzzxBAdUhYMq6Pxjj28OONWgJ+bUcsZWR2/H6+295XgC9Hc3DYGqSzaD/FH/B
+6F2jA1j2DKi4QdadQCBjLUq0Vv+r1PpvEfBOEQC05vcqjh3eBvH16fsK4O+f+WeArP/Br9ABDrCd
+Xw0M/zE3+N4fFAXuOlpdIRxvEu5/JByYG3SKzcDiA+jwAyhI/y4BTPsPZ7WN+m+mdZNH2b8pAX4q
+4F0sDcyV8UnQYUTn+mMNnYCxWXwa2AfTJKCHHcDacqfHFFza/TpP9RyqatiVWEPowrwHhju7gRnQ
+r2UOQhmGpYzWz+FjSpESOCxTtx97c4i8uXBpR5r5dvZEcfhXa+WvQ6Fsx2Jnr9ie9UR81yxoLJCG
+Bkb6PXYqsc9NY2QHijIXPp76a7FgxPy19v1X34pTGcByo2fAwPnHQy3GJOvZtrt9PqFPm0Cwbpuu
+k2E3ef07DBcskN+3C96+FYZYop4sbgpynn881NrHkvDhu30gYrz+s3lXNr37OtEvSyCwh1BxtNUC
+QqdJJ3ry96eUe/AXB2crtN7FBi2SHw9OyjBw9brr9vTe3Y2RTRAwDVtd/v4oP59Nsgdw/MJEdLH2
+n3MaWnID2kHF/b4J6Alzb64EDWdS3hpfWJTFO1/qR66Twxl1eH/xAEfXwW3yVjF/d584ajBRUuIJ
+oIoC1y6bb55lvvqQSPCNFReA8v92wPyPt8vPp9GBu4e5iSIcT4Z79s4gLSkDakycbgaLl357APZQ
+D6ro96fx7M309r1MG0+GT6wFqpX1NH/3vew+NkqpZM9saSBKVdMueU3cQAyghNULZ/P7o/3qLH5/
+tLNbAyVbokCC93t/QCwRo4JIhqLb1JmksxoE7AekfP79IU0epGe3I1JYz0cs57sIbs4fZXMqXeQe
+LDsjde0btGj5J3CyeDurxT8wzMb0qu69YUbLn5N17TIcOtWOdeiTptoPQOgjGm3jphm9+mWawFDP
+rh0QEN2pD0szw/tIk9CQannnwWT84vqvyEO6RHQWwdGs//+7K+O3lE5VxzISI1r+jQ1/f83odoaI
+iThW19ZQYU3AyBZtPSrZfLL/ZHA9sbX162uUZhYJCklwg3oneWctnOv71pvGog2JQp78ZP46+2hZ
+kLtycfKOWMuUaEzop4LQhVD5bgc7MGk/TsJCDze6Qb6F+UWCeZk1ILQKQE7FhGV10MuNtNs1ubzU
+N5ZRx9sYxOkG6Ox8kfRmg2l/0Y4L++StorjagtnEF0vl9akfhfapG/yYFA+hmKpo3g6KEHpiq/Ej
+XCGnTjYg1bW8D7vYCTZT7lyktvzYM1W6lvYMNgvG4a7BLk1R191UgbcclPCWDdmyNHoQV1yiN9E/
+a4xJ9lkpNXyr86ucrfvO7ySz5UQeOqhWN/zmcvf7u/XnBYKfhI0Bq56wqZ/0XFNL9eaM60Vv02tN
+AjsSvn40xPTQL3Ed9X1h/OslyREhm7mOjpbsJ8RD0EyDHyyy2zdxfGQKEuVGghvDvkThzSQlcB9/
+/w1/fm6vsBzE2KAaArY+Z481ApAGxhF9t4dCD6AIdcIxqUaGnGYzb39/qJ9XEI410zV13GsIX895
+K0nvgOkYKt6C/uBcVJoyjtXYe++cwF8ehYRFtilr7Ny5BK/AA1p0IydQg4bVbJQXaIdeJf7t77+M
+8fNzjG/jo7ZbnW30iM0fnwdS4LRyoaSgpzGqbUWq9w6LFJ61luQD/DEeWwpufMqP5NT4nxsz2Ve2
+FO89ls78e6x932ELg7wXL6GBw/bHj8Fo2l7E4LWYOBjdjirId/GYdTt77IRPg2SxjwY2majRq295
+NXr3ssvGfeLow1WxLNbJkdW7NK1ffibqHCzBq7b5/EL7QNYJTejbPYHGzI/73HeeeaHeenaLVzXQ
+v1b5MH1meJq+QL/usIaFGZrjrbRSmnJJuzP1lnge1/Y2ozDGgsCiHng/B9xDPMhCoqmMb8QvGywS
+7wMxsZFDbsDW1YLPtU/4kzE4+qXmGPmBuO0nmpSITThQYht9WI8BnsTf3ws/v7R9lzrAtnk3uBgp
+z26F9X2HEY5bQWX55zJGv5jlW23RU8jbtGV+fzDzl2cXvTg4C6LwAAL/eMUTMrQZI1ntvkz68gh9
+Kgp0JotL2anruK2Bz3koUnKHB2WOxPKmr8W8An/MLQO+ip5R/i03JswYPpKmZfyzzzQTbWZXf5jL
+XmzqTjgHiFvjqZzza03v3tu6/foLILRB+w79A/jHj18AGUJQzP7ILZvO90nj1TvQ5cnHlHdEWCsU
+AUhv9LAg1YT9QFOcIDg++cJ7aBs3WAduMervZohSvQruKiwzsCaXb4sTlyfLp8M21slMFzzTeBN3
++a4Rqn7nehvrovpO5vvXovvuG5xd8LHDzAZyGbKHliWneAnKU4cIgABvgp1Ewyu0xzmeZfrRqujL
+rqrEd55yv3hsM1N1qDzhabFXPKso2lwy0eahs6+T8jUQfsxbmy6yPS3vZTuuv+nsu3IkXP2Bba+k
+pbPbTcVJX3vEv+/nJnmQJGh+JlVn9Z/PVBPOLHM0/a6GWdJl8P/7W/0Xb1+ME4iyGV1Tm587+jty
+Z01ss7juvflL3Pm3k6fudTt+zb3umZLXfecFdT7WXa8rKZYQCQyAqQ78mR/vzGDQ2kkQjbanDC/v
+e4t9zxwTNF4ChUGg+U2Pi4dK5NM2mWs2NyRphUObNFvEIO989V8+UhyXkaMJB+CniZ/ou8FJB+6w
+0a+6rV4jDLZTJEOaqJLQSd/LRf3FS9PV2TkyqaT2psj/8YvjQpNJ0U9c5LlhSFAbMV5VP32nRvzl
++YUvz4BzPb3IEX48TNYaSWXYdbunRm5Cn9zB7VBmgNRiXzuOrcUzGpEP5E4FPCVOipBuQB5Ng3ax
+LO57q/jnotx3Md5DfGYN/czaHufeWdJW8mHQbkdp4iW7tlmu5oGohKQwiHFpi3Kfeh3GT9nr7zzG
+z3JM1woWQC7CCG9FACCcO7vXumQAE4POaT8bdvpcE5DjMMVJuptWGE6xGd3KBdrd8wsQfDFy2gyu
+yh0kr7U0N4UiY4Ip0TxeDalFw9nsut4IncRpv/5+Df7iQcNkHBSbjiTR5yP/eMlEZrS1ajyF4DYu
+Xm2S+u6WMi1QY7v6/9exuD10Uu0sDnh2F9aMvrrat9XeMUVzF2Bm2lWzF19kTff0r78Vozt0GzzQ
+2L2do+VTzYf/DPV6Typxs+vtZYjslrQ0KhTxzoX+xUOM3S5tEbaI0A/P60aToOes6vlSAgrUNgY/
+9aFIlBmxxyHFbSpshKjp/M7j45dXjfraputswH8+O5MEtJQdQYRqP5vrLNZB4CSywtw2uvmetgj6
+C7fA2RuCdyHwCHw0ONbOd9y+tKsejy0n0ybcZ0cWa4cFPrXHhZiyuETO2LTmFo5ph6TMGkZtR+XY
+T9EyeVZxV/gOi0tgiw6OcTvnn8x6IBmxKaVPZlWeuwKvrUqfKmzCVxKNUcu0djVPt5gLYFXxlSyU
+AJXPNHxwRmM3WrpFQi3xMnsxN94SVXaT4kOWqfHg9uZibHMMz+YuM4rJjaygTs3HYDQECa0ZzZJk
+U1PBpBdTCv5/2wjZpB/bvDLmYw711NmnAktZhA3OOBXLNGn7tpdDe+0UzEiu7K6f4zu3NfJyFaRp
+464YAQAwxbYDWW5LOdgJssHS8baoLyvSKVBcfhg0Bu+nptSqg9FAsd7MSWM26OnEp6LF0ryZkPpn
+Ry8hUSb0+6qSO4KD5iQq6rlsLrOBchJ9RFCP+b5tR8wx0+DM07Ya5li/KDRiyug7FLW5rQtn3WIL
+1CxPXhvTL4HSP6FZYwrzoUYq6u1JXs/m2zH2hg+lsJuOaB8VePd6VfhJ1GPo749ss6ad8qdAMLNL
+ACSDzVmWsG2zYF8i1aiiPF7bf7pmolVUreN/zFKFBjAvKgvlcDqg7K1rh4Fjf0efd9cPTv05rs38
+Mdd8/b4r3XETF9l00OYsjywV3PSAH1HS7ibm5/cxUeg4JxJchKXYY8gYt2jJil3SDyeLEENG4u1T
+Jl0beZsZk146WWCDra+2pY3RUM6rernx9m476lFgC3dvBwtpdSMaRsIAk4vWrqdnr1Pj1sZftMEJ
+/7Qo0J8DVuPNMM0bR+SfdJ0sOawkt05QNJGhl+IWls8S9rowLsBXpFfWyPVgP4t/R8SfpsVycMQb
+dwL4/QabRnyMAxsmQSZ7NhWwvXLeEtu29ZY7mU9H1dmEXZAxzN/kjaS7BAa0OclpMreLLlU0kQ+0
+ydJ4CKUni4vRSteIXf829u37QkunCN1uumNyuYQzyK5tDGgYvb+r38dJXv/J4Fm/LFMPLUenoBjr
+XfPqaqoMyX6stz4N6z1wNedICBGe5DKejpYuzGM7e+DJJnIYjGknnNrYSWd+LPRekWYcHzzH/iD6
++dGZYgAlekCjro8fC1dLGlZg4R+H3kPJq6l4i8jnARxTfGoJ/Ny6SeWjLrDRqkNP2uBWX7Yp1eO9
+aLThViWNf9/2WLxHq73s5thbJe0CfxdwHjS6B9/qxAFUZ3EoC394tVuUo7MAmsGAeRDdMpMUpsrF
+ojQ39SYhd1EEHeltPkRzk5vnc4F+cdp6imqSlykPiSzpxy9w7eS1AoRLewQZhy+No04ORqRVHUFz
+xuJjGKuqaGJBRMRwOXN76c9jMrZf8Hl5rUJpH9uj3C6t2XwhA2CnZ4mfbDTU1PUeO1r1QhqUrA+W
+hPKxLfwGpf1cGZ5/qeH5wKBGKCh413lwtBPtWb2lSavEoWk4UyAjyhykfTE8pHT1b00Y9w/gT6Q4
+jhn4DCcQCoiviWtNDONCEiHNuJSA2GdXj9lP0t+tI2/R84ua9/lLBwvXZTifVGE2OsKCTdgiDR1k
+/BrQ3O9D3peAR960X8vsTx+ZMxWvTd2sjqmiNf4sQSluKdSdm6A06y9YvMZtm7bzvmPH8uDPdvZl
+aPk9s5ZPUdWZ6rSgxg4F8VJH07baz3ThVsggrmFYfD13AroF9ZgmvnpRtS13hGeqR0+Z4pCBycqP
+5GXJnZj19rNTqZkuQTWOWzd2CgKLl1Xnmpuagw8OFUziuk4ITsI6EoKIj3HVatKbCJqdpG4qDkVd
+8ec7kQyfSEdNFjAzwvA3QbLOhyvdRpNSMBo81uT5rvegNp4Sckk/AB3L0SA3vYkNo6u1T0zX+Yoe
+qcDpBYmNfFRXDp8Gc+rHqySOkxvhY6qqSP29AjzhX9qpzW+1wIDY8Io+DJ3pLBs2PYSd1ml6k41t
+/SetOzOicebcJA1LNSqrYtktBCXgJ5lW/TKc/ps8rwcvrB38ZCwixaLi6tKEVycJ3uwGtnn93BBx
+f2cvWBFawfkWBLXsgWLPez/lpGqNPV9o3Jp3mL/rZ2etMENiH2sARgQeIfRwxAHKAr9W66dbo7HV
+qUZqd7lgr3nu5rp5hGVtRovnqRcg9fAq4eRyWlVZxKeEennfB137f9k7k+W4kS3b/sqzmkOGvhm8
+CRA9GQwyKJIiJzBSlNA5AAcc/de/BVVmVWa+ujfrzu9EKbMUgxEBwN3POXuv/RmMyrnYS6MRy14H
+yWUCpSY575bl/LkQqIB+SJoj8ZGoNUCY3Bpsy3ID/jeJMFY2DYzAFIcRtJYYLUytG1+lMTuXzKnj
+J+mmCdFvff3m4kTfdH2Ktc/UltgIyVBQn06P/iXp/OY0t3q8SbR+wPTIhyeDYXrysVO8VUmcHX5J
+7aSuJZceHiNB677DCbyCgXqxrUYcW7DkcdgFtBk2WYG2C0AF/wA9DRSQZAQDni8S7cbCc06jpVIv
+80zT2vcG9QkJ2onieBZHo+3Wu7xPZc/MxXQeM7IVnu26670IqxCaL/ThV79r8b3Cnn7UCBYUISF3
+6WV2y8oIFWS7b6JZpnvfVf2zjsvrmq2X2wR0desgdLo29sAvKjBNBB6oAWILYIjYim/Nz2FL64k2
+/9SXOttr02qypWkfX01UJMcGtMyta428Yr0UV6qD6QnOgPpcxgHo5QINL93Cv55/ethuqwiDHam2
+dN1AzVSkJleRq9VoMO18KcGxaG58JbqKu1v2qpmP5TCQ35H23EmL1rQsva7NncaalWKIzGsDl89S
+32sW2CwmpoJrrSs/HY6uVaNTD1T3s4Zj5TC7IDGiKcfmJy4u49lO5LgZRmX8QMhJaCyPXvPAarH8
+rM1ctpFrVniu2tzpf5h+v5AjMUBk1aTka3HZydVeHwujDdeknK8LdOVr0OmsZp47/Jik3zwQPEvj
+vzHlXTfM8nWCevJgdH5yid0m23cBai8EK9aRdSwgF9Hn+a4ITn/B/bzaSjVfscbXBblchKvz5UFJ
+P1MTxzvZxy2LGDBsOnud1TMQtvy3RfndXVzKZD8IMRxsrEHHhm3z1kLd14dwxbN7sgbWjFVbPbVy
+iMNVR9MBpAf0IqXcxIO0PpwgcXa2FHgRbCyBpjWBRh0sd2/wfYVMNEkcBSlJOqBVzlejbKd7DiEj
+lIg8fjZFYkdCqx8xVJ0BxKEP1PWMWqZtN2Mf5HcN/R+9TwfcGbLl1xbuRR9L4y71StYNa2G8Dunh
+PCH9vRASED+6sVkfgymDDtFl5RIaBEuGDaiAo5N1p2GeBeG4/XDWk7G9rRJv9XhUc8hRnyNgwPiP
+Jt97AP/tSNLzdC3qwfokpf2E7wRr1+zzh6WabeUaiP46+2aacvuF87aOI3KqP4JxnTPV3S6l93ls
+sNkyLYN5cRjI1HrBDpJc9Sodd94kDy5MrU2Ah580boS2/ri80wUuX4sS8A97Dl+SqdkJCz0VTuRh
+DEijvCjUsdB0IE6xpl+K0kYT1/fOTRljjbKFWT7wF4+mfKx97RvNZakLkmuv+CW9E3v3vY7xhtbp
+HFL/2u8BqVDPrurEIcu85wmW5Z6meco5kKNcWK6Y1job03Pm07ipDfMYAwX+SPV43A0wzvYdCroN
+Cd7WZhx4GJVMu3AsaBUm8+zecLiwX3Lb2VfOVO94nFiA65zqNHHhwQYiCH4OEOBeJkmUZVAGC6qF
+0v4q0wnbFmfYHfyu9aMp8QxKznuYAfjtnEFNzc7jXBiCBEq2mGrlj4VRk0k8bpfdNTm3ARCmJMOO
+UmEolXJOAfjkpNajZItocYcEb5lR77kc6O0kf8/nCS3pWB2wZYk8dGwNVHA+PSw6SPpMK3c8irvM
+WlCyMmPjQOb1d6XtxE8EanLMsIddwRKIUN7vsquvY7UqSsu/UTOY4Jhkn9QROKus1rkQ+1zXUToG
+Bm11sRznuR7OroNtkTOaVvDAudVJJlN+EbmVom3PF4AHLbFxsIw1uEghM7ThHJCp+m2NUNwDRKrY
+cqaaHWuRdE/6TCO6Jbaa25mRxqosHrIi7FucrgHElavjwW+GdXSIhy4afFWcoYTWN6oaPVb9Ggsn
+Ax604aoDMIqXz1X5wZi04FvAzJQ6572tqz4qU3hLDTkYUU7CKerkoTO+TVhXQLx4H8bi/ojbunnj
+xCrehCprFi2lPXnC0XbW0CfbzuvLh9nlxCJmPHQhmN+FuPMY6WipT4fBBI110qx6tDeDpysMiQXJ
+jCwabn3RRoJMMN949YVOEfpK088T8IVCsAgR4JO/lWVePZiNXz64GX3kMANEtyehqvsUytQ/KpWn
+n02MwzMyNV6wQQVwckgif0S+54/fWk48XLeMIqdMXcEuobnWUUifHSWY5Cu7Jb2zRRgAMJBfWkdA
+S+ZXzsdUpkWZ2qekmNRnWdTdp+oVTQQ19+XPwl5TL9TSxW+6yo2PgthLYjftebpXeGrfwERRhNtx
+pgWRXGL1qTmSDAtzIZd9uxRO9SiaiYVBpdNY77ykIzDEDkY6GsBguT1S3PwIpCtRP6ZuXzicMYmd
+AGnCzwRyEi153kHhbOxK5zaqrLmDSad4l9scZLq/qVBpeRQxAPZAN9uVuskWp6Nu1KvBSKNRYtPc
+cXjllRcN79vRHmk/blI7mLU9wA2OAB0T0hi5ehnc5qlOtITblhxaSUDnKmkLW10kpj5+G9qBEJqE
+SDrcBgAaf5p9z2/tGwuUyWhbBKn8+jKdQUvINWE8iZ5Z6SjTPGMBkUY9Ue8tQIaR1ZBVHtEL4qsn
+caZ6dNCPVXuRkVWxKgsyCsxiKg7SoAt0MRtnIrnbwQExt1396IwoKriEzFujMW74fMRY0w9ppV7k
+NwoVw7AvZ4QfZ4Tfw8/BpTca9iYBwGcXAMTXYh7MfQXs4KUEt/RQeEGDzUH6+ldk5mo+TLTh44vd
+86EP5qDzHjmV866zKubiAb2oNCZUNSZGrgnPLr1/wkDoy/AtDhrZgCwSpvrMqF6ykDcb3M5qUD+y
+XOU45vu2YYARwMXe6+QlTpHQeX5CMrOwWFT0/04jeeurDbTjROeAg8yPutvSRGmZraCjbzKHbKDK
+puBmE2b/ikqSW4pwDfYqI3OZFnFJB0uPmvUICWUJi7BAG/hk5PCPGlHrJ2bS7WEkc+gBQfyE1rfI
+npclHZ9GEwHwr9bqvzWof6dBtX7Bvf6xE+1AjkL2J4YRyN110vI7Rcyxv6BGxmn2/zGMDFf/wjax
+Ao7oAfFPGJn+JkE1zS9o4KAOMbZhrMIE578kqIb/Bbmxs4rkaN6vs51/RYIKCOmPbV4SmOitrg5L
+ZhZ0s21/7Tn/QQCFqkMsuZOYj4pjJQXLUqoZzw3vM1oEa4m0qS6xprXfpUfBn6aFdjWDZsa8rRG1
+JjLfiYSaaBfoBPltYLFGXaDJrQM481XpOq9Dm4j+qzbU2X3eIsQONdb8Y51S6vbkVG1/lZumRupZ
+unYXfhWwNRkFV+rG5RCAcwT/qfU/qkWD+UUH2r6AFUkvUyWg7qWqGyEPy/ndgzKUoZLna4vSBFwn
+Qrd22XlCb04OjKOP3kzzd9KE53vAvDjuCI5/ndsFJpokfC2yUM//GNrEAIYgQL+gjHxIUpc6QMuy
+kNhw86mnV/h3TtpfQoL/7rT/ugTrzIKrqqMjJ6D8z5eghPWbazFtmaW1gqNj9c5WmhNk0aCekK5b
+ZtN5YWaWwT2kCBO4hclHk65f41go9GG/pCQEeSyex2DhdL3ETnpn0lv+BHumvVSNo67pGmHkZHl+
+7p2OiS48K/EsROzvYVcxqVdWffH99qkTFjIBOd7SlTa/mqm5x93ymTcgUv75qCb48wCFD23rSPTR
+6KLvAOT11ymwZCYFCFYSiVWX8auxXv0EGMk3w7Sne83T2yPZcy3MqxHTT1qVTMe0btkpjEmYHSf9
+QxYGXwOc6emSEC8ArdZyHuOZvzUov36YsjZuEs0cL2nvYo7CLH/v+PFzYk8mgl1avWS/D5FbCP2Q
+VSMjQa3V9gXF0wY6VgctruSetoDC3uiL9Vm5/e3Ymsah62PnMOMkZD9hiJzhX9tODnYuXQYpW/Sr
+kAE57HY9fs9SzA5Qecfvso2tozeL9tDijAvjlMmzHPpdl43TlYeyuPMGjYdJoSQqrE+dbYValSxE
+tSmwTd5Aiy+jLPanfpNl9B9rThN7fcGHZ2IAR/xBtURkPbQZkoLzc5muJ1BfmC8zg6kfvoAqw6my
+VYz2IcOQ9eYZJLordeBEld2Q5aufY3rX935lDGenaPhwJtCPctukS36YGbQE0WIn5lXLuumiOoMv
+1GTHJpUTQ6GzPptasWAYHNWLnQJ4CTgl3sIrCKKVu/M3SbN/WbNQXIM3X5nOUB5/JRiuo6s/rFkm
+Q9Y4GTztmkJffaA4rwBLUacQqeVvWg8/KwoL7p22Xr7TKWWG0cF9ipAvpZ+5rKc7CQ361HR68+I1
+ttyIVOj7hmwSMKt463q3fCobXqUYWodm/EBkiODa39Yx5Yve0UhUTjJhW6vN66S34NYArq8+W20+
+M8/PIpareTcwHV4X1Lo4tY7sDAyhmrnNqJ14zWmY7rDzLQ+/bluZ04oEmjSfW0hut4YkPgMOhv7N
+10r1EjCtfam0pcFOmeEzK+nsphvLqrKPSi/2Td1qZYRPEaqZ1ffMPeaF2JHCT/2Lrzf138VZ/xIP
+/vd6tX79qzwbdYoLfwDZ7Ppo/+HrHxu8U8nS0lFqJWk5HZPYcG4b7TFfAj6BAfcZ25PSvuZzBr3I
+mWQgz1NbpSDhSBxFAM0z2IemaOKTXwzyvRhcZlYBXTWyQUDovdKz5MPopjCOTdZru3++9vxPH8Be
+t1e8O+zL9J///AGqpVCtgTTgKlzM1USnTXeNTJJd48YUHKpinYmbkfXCdFliqhTfMmZR+a7HunNj
+jG5Mb63FI2nO9bs1ecatO1LDpia9nl0j/Pir8BpOkWmVCP9vRsC/9uO/fPkgCjwKLhNTNlryP7/3
+sWyzdrFH51r3Dp29Uan4J3czBPyW5jhp9dlyhhsP0Mkbqn1HYZthpK7coy+z4cS4D2tgYLZH4YzU
+i+QIfe3AB+8DtNuYfZu+uiy+ym49k88/loGgsFCj+knAjeQSZfaHisf+qC+Lz4Rq7VH2TEIqxHEe
+KI+cRuBk0iLuaOO+mAwwDppPF4nAcPyu2At2QlnJTop0emXCsOzbcQWkMFXZLpVX+VFnmtMP0l9Z
+r8zSBo4MX8TYLpYMdlZdfNDBOqjUqhqYXlIehT3Er5XHo86ZYLr/9ejFgZZ8QixLhy00Gt5eVcQn
+kOzmFastUW9ljgs0MJv0U5cKZDuG91fuvOGHLcp1BVm/mhyQBqab5WzraxVjl6x8ELxoM5Eo+lWX
+JjkgNkbwb16Zf7dqKmw479ORYG0Vta2JqZJm0C2loto4npjuSKpiL/nnNzGHRK70n+4EVGKcGZD2
+OL+Og385NrBWY8UthgbQntF5EXy7FGf0ujaLcUIjwHg98tKYD0C7PNlxFJPvLkOwh4UWbEE+igKE
+3XikBOWCFptQIxMfPSuigV4HGJuk2nVNsT6uhqd/zKQ4PrH8dx/maA8/engy2gZYQgm6PvXpNIN0
+FOeh6pwtgYQz94FdEWYlLBGLnTBiitCApLuDn2jTBnCId2TI8UQ1bTDnZ54kIs3M9rTltQeE5jND
+pl7vPxnrsEQWFcqBmjbdZCzoC3lqD57I1iPnel2pjbsXRZ1JyhWIqcnMlm1gzS+GlCQi1XAfeT9p
+CdqSB4IELW7W3FR2BFLF+45Mq9y0w1CcagqrwxKIGWw5rqH90phpfTan2KYl0BfpM/tA9gzkCmnc
+IkcLn31W5i/KZ8xM1FXjJoeUcwt1nMVqQKdApp8aiNKrNozrAYc20Un3CerSVOluWmaYZFSkWMmx
+8uC8RW/Akifqtaeixpa/x12/lqUpWpOIQYBtrxSe6muSdOoYM/6yw8XIrY/UilGCAmqQxY2G04nj
+TzA/0Iyrte2SNPpHKWrW1Q5Y9WZmZdcjrSKhK3HG4jRzIzDaGOv6RrNn8FsO8s5vRr0gMp71fnlg
+cB73oeHl07XlbHmAeR4koVLL8tMkqPpIr13bir4sMLG6Mdgk+m/jFidyEPnYhcHVo+UNiZXiLswa
+TpnhhLCuwyGshY6M9Q2NPfETH/2VQDGRRQ7H1pgmJhRwMRblneeV6b1ZemPEZhDwzQTz8vDrQfp3
+Zfs3lS0dGYNi8B9Xto9136X/Z/NOi+L9jxbL337wt/o2cAn2A5bjYPRlnsBD81+MXti9X3T0gMiB
+yajHa0lV/Ft9aztfGJkiyYSAwqzEo+pU66/7v/8Bf4UiFHUo4bUUyEB//5Xylpr4L6skMjcsbLqB
+YgrWimP85bAS6GzncdxoN+i8hwdq4RJjduscS7EUW3hdEEGgYF0t4Q57H9X91hjm4EiVRlhMUY9f
+54LMb0vBkjaazj8UmT4wXcrzKqpYMZAoVem26JJrIq2DXeC6ie1WRLZdPY99cU8nhrbkmPiRhk+b
+zJ18imKFsykoK0HLF5xr2LBZPHYVgAopTZDUVlLe2eOgvlZWQM/S6+wNSHnxqWuIH3zrKa/zn5Yk
+ss6L+4c5mLtrXrvOvhkdm4Il78trli/9qWasdQOcgLTkqSmL/cDAZpOLarqdR9c7lslUbvN8AdhK
+ePKuU73FgKNepwB8nXetCzQrHG2giAM9fiZYE6z/FaI6Hxa91Sl3bNptTuPc6q1/IO39KnWyJGAp
+GOeyMG6QlpSbnEPpGhUBkiIlCqdpfOJodUnAVYCHnx0MJ0dCbGg2NgRkIxTlYpU3S4cswHM071Tm
+OXl2dUx70kZQPpnJVB2migCmyFETSiGxPDZO1Ww42T+DYjafSP912Vm84bUyapPmQBNs9Nmq4zvZ
+zqa+JWsh46jeaKmh3wwVE5XHqrUK8OAZs1ntO+MxghIo9ntt2fX032nqV7VaIt2pbXiJdgf4snPy
++UpOr38XJIGubUd8/BNwtaEZ9yUYh4PpOdPeKyvQtxkqzAucmu6qwXrokK8wXe1Cf1HWEKKFdm7J
+UdHB60xZsaWIouDvhgAia44f7U6bM0tqG42QpWTZQ8xY2vZMXHemoVBA5+J7TsgLKZIt5QCcujoR
+RdS57Wttxg5LNnsjXipVZxppHXRd23xkbFqUkCRrH32B5S3DMO6COGW139uLbLtroGbIRE+j3iv9
+URtmCvWtFuQ0gyJzlRPDPcRCM9F6Kdza0afzmFXQCXeEXDKcMIRuvNRE/jxwCFnKcM6rxtyZmZHX
+UaEl0wYdbBBHWq9UsCVJRntOCycrNubilXPIWXQCWUkJElZB8+mwgS2bGr34tRIpFTIrCYhLGsfp
+c+xUbBBajhYyQjGnk3MzugOZH0BZor5J6wpmY8V8JjdSCEtCg8aGaycC3DM/tnHqsf2yKb8UmUDO
+5jSu9dakNgjIpEwuTTo3Fya//hbZFECX1IB6xxvQz4sOsAWpJ5QHZkgHosblvava6hk8MmnlXmOg
+N4N3q4CpBkZ7NMlEOqZsjhzAPcQRjuqIxU26ydkYGmztUDcqj0u+FHT+HaubQ2KiTWwQqrv2g1fd
+U5cme8pUemADIpx8SL7GQk43UkiTOGsqsdd/b4j/m9AIktxWw8U/3hCPQmQVmr0/boa//dDvvAHv
+C5ISjNLcwwZYsT9shoHxBe8f2Q8YfILfUAS/b4Ym/8sNkJnAKuNN2OxRv+2Ga5giBkUU2sHaBNYh
+4P8LuXA4ff+8G7JRmx6zGfqMtodC/VdX7g+le+ZmBIkbKj1NjeFlzNtrkjtzpsU4dDQVzpNho47M
+g0dZNLQpVuF0HOmD72COUBzRDq1R4tTxa+GelsWz460Y6mUMO12fHnpmJ/beyOHJPxRB3r40jAyd
+CKFCAhglFkhKyR4bKE9KvwkFyGUz7Et9sZG/9S5xZ8RHrWff5UiF0tlhldfBdhHUdxCGMLhH1lij
+K1SxHELb1+gy5bP33SfbdwONnGH0Qn5amErRqWjmjMETloy2eRuYZFOpoHTPI03JsBx6IlNNbecp
+fC8hcC4QPA6R4I8yz+eHKdW7uzYxy2uZM8PeelOtMfv3p8SBH60nfujm8iocOaCyGJstxdR8SHDh
+nkzZZjdG6u+nzGxRANUkojmV40amShmEdiMIrQ2hTA2YLs98Ydkxw8xqxaNhIlkOUvstQXtyIbAy
+2CBqtO57M2+PA/mVm9Qw71N3oZ4knWPLruBCNAF6anmauAMDc3X0kbQsIRBmyclLvyPFkHsbAkEE
+Ma24McoS7YU7NdehpSMC1SxLzsxH7bsxXcu0rl/6W33cNmZd38WyLX/mgxvsAJ3NO+VQDSToHq+m
+GwC/jkFoxygSXC0lclfxB/Pol8AGS9ay50VSOKdhBM/pIRZ8zFtlXa0pmG4s6Y33CBVRohXpR47T
+/92p3XGzJNON0J154zAoD+ll2CGxxxr5IVP5KNqijKpCqDvTIjCw4xuBMlQ8tCLv7rSp6KOMJ/ap
+mJY4tJU53c3IRTcSJfjWcHinGqqPzZoO8HXxPcacwm8YHOdVHfCyed5yjpHGjQXQ6ETB8yn495ek
+t8UD3ROmu+h5g6uHIPbBZ6YW0vTK43CVRd/ZmtVFuRzoGaM92S9aX111kzvac/vu1ixs+2ameSJb
+SPIGt/25hkXxOrQeVgTKtPRk5wT7IoAkhNCyBnvTFMW4J20p2WlNf8PpWJ301D0Pg2qYd7scF9my
+iaXOJ+0A9W2gxOQeROGLRrKPNQijS/eswTUmov6KEULfxd6NPay0tKb6No99fp9a7UWj8W/QrdwE
+wr4ajS62lS+/K+lxJMzr53k1a9IpeSs9gtmZbHbEQ2Ym0DoAxtV6peZPLYkBCQBERgmov9h9MEWc
+meODHAftPJI0u417mWxy3X5lMVQXU5bTTlNtDeEkcY5zo+xnGy0ZImlPbcqYxopmmTxWGqeXlNN1
+Zr6iR2q2vVe2e3ppJgqG09Jltx1UqRDEWQji+a6KFb0ZNwiROJY43vNyO5K8titGDtl2kasrEd7i
+QfpOcsS6iWp3KawjdunpoZzEsq86gM9Iqdr9Ukzu2W4HtBwwgtsZHttmNNT4QFPsuTdIlNOaGTAa
+IVFr2E2t7FF/rHK6PMGmMVozJ1pstMpbpsl3Zet/0Kpwtq67BF9za5Y7qBmE+cGLv58tP7s4qXqv
+bGkfnQa08pIZ764cHHAXrd69qZaPvIbeblopzBty+Mqdbjrc0noCPry0BWLeVNzPLLvEba8psTVp
+y5FHLOPSB/iJYtbnoecezOZpfgvmCfVRmenNI3K8x0pnRgA9rbzUaCXQ2weil/ewi42jJccU46HJ
+QTsUzkCtveT1EbA/+r+MOLBNLavg2uXeT6IPxigxmeaPqQ8ZHBMzGbwom8EguVVZx8CdOCdC6+qd
+nA545mo7Y0H/SwxZuZtTBBcs7tgapv45FbMy7MNM4+gEzDHt2Vu05nuhIdli1JdjIiHyw3QvReuj
+vITVRQ1GluJCrFbrPkxs2I9WG/OIFCO33rHtBuebMrL2lC7lrEIIDc5Hx92fRUSBJmlkaLFno0uV
+3rXBlmBuYkNvTzWQnBOAafLCg7xKCP0lsQ33yiUVvXhEQWoRkwdocp/CeBqjYBnTVzxNajuYdnkw
+yO9695l0BeT3tliZk7mzbxOrNZBA2BJV9jLCwhikz/NhDQOhCdOiPUiW9p9VYevQcGxzPHeDUvd0
+IGFsEnkANp92j4TO7TB1XD2g/YuOtOi9afXslT05oftb9mdlLeUFXHTwUyfeEHm9iC16TsXwolEe
+3ZU61ELDFT/K0nI/nSpw6MQwH+qRpA1im+CUODr1cCxZbSPF+WHeMKfy19xHvkXcrqn/3A+zcytc
+JT61nBizU9mbGI5cmVFMkA37zD4SbOW0JMCfZ1OLas+TMbgOeuzHNpum70WWBTaLURI/Y5gZVscn
+hW85p9o9bF8FocAq21fE+MWdJejEcxd3tgcWvlyOQd8Un5RdBY2+6hGpqa9HKbflqTCKcmMUKQ8r
+/OXmsjQQECOa1f4cmngzyu1sBkRTiHR8dcaZ9A4/bd6YgQ/IycygDeOgTCBXNLN2Ymgx3OPfoeFm
+qVb7buszfBaUXzhw0XYeeg8hNGD2Ub4F1KB0x4jVOUqD4d4mz/KG1ji94JfGz2w79GuLmtyO+5XJ
+bDV3bifFkWcOrUhv6gyiZntqQt55sLW8Vn+Ngy62t1Wmk6RpDJqz74WdXeNAMpTCmQfGsCdxkVy9
+fM/ynMPlQ9weWYXpUcp3zYnoSnfjSlvfzAP9DLFm0pHEuKyGanvb6E4TIbYGSJqiYyf2QT4Yveo2
+ir7yLQnxIMu9GDvq5OXyqDy7rcJSVO1r0ebr3DnplcF0SdXfQJDKatuhOSJ6jxzrHziirHOsj3ID
+o+jDTtLgyWNU+07YUL0D5ziIDUs81ftMcDy8+qBgRXQIjj9mOPjOwWJ7b4PTioNMJfZMM3EgJc7W
+bH14Y5vedLFhPRPfk2ahX1prOEY7kHBWgzNE78JfCyK6/QNavfnqw94foomRw/sQgD+VRH28JXbc
+PThBF1RRPpn6a79wgNwm+thzL+mqD/3KMz6DxmzybVy6CflCdR5/w0NSPaEFcNXOoqd+06t+3g+5
+piHNbBVBBbhJjnlS3OtLn31rKu8umYdNnZYDmr61GwBQpJq74MHuAh1Cop2QXEJO+cYJpHlB06aF
+vpF4eyYIoA6ddrA/oKOYeIFp1D4DxfdwmZcjInJDs4w5MhRhbaBfkzvVmct2pCFMWSkY/NtOt1mk
+JXa9rve3hpZu3b4tf6S52ePV6wlyc3OgMSQi00Ev3K59Shwv/nBpsu6GGnRnyNUEPShbuz+n5lQg
+erAK7Cixo8swaxP8KAlM/0+pAxQJ2/UPSeuBpcUazzUThhcRT+Jr5ujpXl/hm60R97etnALyRUAC
+3RQtbYNE54xYjsnJRzSudhVjpoOfBXS8QNEU3xQcE3Qd8ciwMM2cLt7SCHO3TbwsN4VmyNOIhuaW
+TyhuTbJBvsdL1u1KRhEYPJphlwRWdWxEYm3MYnmRDIHpQphG+55YjXdvwV/8YehZe/x3lfy/rJJ9
+859WydVn9l79qWNMkbz+zO9Fsv3FY2DFZAUJ03/2fn8LdfP9LzrHQ1h4cLnXYpe28O81MjBvkhYB
+yHmOgWZqNZn/XiN7XxD4YlTlTPyfpfW/UiPba7X9x7kaNTK0eV4tcFi1fPOvXLyeai1b0klb5dbT
+Bl+IeCezFs5nD20Djx/tYuxcakZW0DPbIWEGaYCLoPS8uLE9RQasL+C+2fDp9UZ5WeKpegt0oszD
+JCgQRvNT5WaqY+5hGnZvpYM2RIeodWmz0e2QG7TWeTEEsoUiL5NyqwBB7TPXf/SQDl5bguYu+vBe
+1i3PDIXlczfo9PuKbNCiZRAMVQtdTu9KdOUEv0pjFKdZpMZuJtKfJxq0kJW20m2Kj5SnmCZYWyJg
+nfGWbBFdkb1FH4sVQAT9OaH8IdBBjxd747SmD7aIriElJUEjeD393No3werFAUaX3lq5N/hbNqwM
+b3tFRhn9vqL+vtoVXmuEGne9mvWot4S6SQI1fsfiVr0ydUaByWFmvsnGonmYZZ68ozuiMs7NGkd8
+v2ODogPHzhlNmT/eLcjZ7x1rroNw9KeGCVk5etD+suLOt8rpAbwUpOu528yqPjJZwowAeS0i6AZJ
+jU36l5l59wbYaDPMrfL7BC+W41jp37uOIY9ou7tHIq0Udg+ltkhGrEO8ELqNxaaoTk5HVHcOAfrG
+n8YsPi7wwU7DIpCm6glujDBzGu/W10uT0AVtFs9WKftHOrmcpHoDux6uYuNbBljmW0eu+lGODn4G
+UtVux8XMV/WOC11mtqNxIqh7SYz+RazRLzTMy/Z2jNvmhvT04WfQBgvm57nTio0SdkrERiW2QJar
+fFONQUPv0/CGM+Vsa5BuQ8RFs3puE9T7zj7JSoB6Ji60t5xppljlt3RVoSIn95UfVMaBMXR25ZBl
+vdDxzUgDc/htqLmI4ZMm9mYapTeGmVMkpH2dHiiFE5pHtdyY3dAcxtkYrgnZGZGL6+BVq5L2ZOll
+8GME79buXL1MOIZYo59tx6YJrjR+lhGNTlJr3/LEcu9TO6Nigj4GwT5QS/HdlrUVrCh2xtY61OAA
+ERvuIKahXMfiiVotvfemXJ2VMacnjxF8sDXqsbmFZm+jSZwTZhF+DlPGavTVbwcRW2v4/0ad2Odm
+sPt6m9alvMsrj3YC52qeciKDjZxQYJEEgc3XM4EslKeA2Gj+U1dG0jFZCYY5d6+qDiZd3FZ0wSqk
+Uwql2qEcwffEA2aO6zwO1nwiYDs/NKN7b/g5R1bbWyKy7mhAIZN6nBAdDFsFxv+VfHGawCLm9ORh
+MCfzT5p1VJXKecRs0ktGCEYXdQS8RymHxjub8vq2c9x0b2O/CFWtRFSA9d4G8VBs8XhyK/K8XGM1
+0f3KhkE8Tb/KVRoVen7vZWqhjrUlxfyjvSgUJoImRuXcmUajHca+fbY5Qj9ohb9a0NcK2aJUHoim
+Otdr9VyudbRYK2rSb+YHuhQm2j3qbeKHkqM/K/EwtlZ7Fb/V5dkutgLB7I0LCWo1xGKShUaT3gGw
+px/4/9g7kya5jXOL/hWH92BgSCSAhTdVqLmn6olsbhCtJol5nvHr38mSaHGwJeuttaHDITWhQqMS
+mfe791xO+DpH/SE5Mrzgb7K0GlIMaoCHLCCVPmAjFCQJIhYxwRV2SujmFzVB6QoRvFWAA2gNhlId
+YKS1tzFChKcUCSqAvA0RDu06oTx8H6rVekbCKJSWAeCZX/L8qWmHU7dwD4NOPyUXAcTwUn2rt9HT
+dFFHkElcZ0YvQTix+Y1t0PvudaWpBIgrHPtu5Zgkdx2yiwgg2JvzCRKyvs318mGI6QPMJ6ejFwrh
+hlTa4JsXNacnh7Z3IvrsZyX29L/qPihAdWy0x8ZqT50Sh2YwaztTCUZGC9CZzIDDcdFLoyM1fyLm
+41XLSzS17TU4abGVI25WHqOTVLKUDoFgxRwRqYrc8E6zC025xXia5nK5mS/qVlviUHSV5FXPs3dv
+LU3KKDTusjNFCiNpuuaTU0b6kQoi47TkXr3R2tHNmQVOgLgo60Vlc3n8HvFwhj4RCOCCSo5blDAX
+ynC+IeMNDGEwmqclDfu1ZgvUPS8+2wCv+Uog82HIaFFSkP6aPMsfhiwIzrYSBoWSCO1Sn324pCeP
+s4efKiExm4LXSEmLphIZTSU3xkp4lEqCxOWfrzuL4kklT049jw5Ip/e2ki4BSrA3TSZAh5L/UjN1
+3kaOFvcu1g1gOdO8xRXsERRwsi+SAdcN9oZWiaVjR90wMXgkVNYY7SrpYnTVOsrrexqbMr9Wsqul
+BFhbSbHe1EZv4qLPemVLl0Ha3/MQZjdeqWd3pKYoEVXSbqxEXsPQ76CqCV/JnYdcScEZ1DBf65U8
+PBof7aFhf2xo6UOuRGRbycldKWiNu2jMLIdKbx50+tAFwfz5okdT47MzlEStIe0e7Xac94UbTwfZ
+8Yqc0kUetIwpuv/3Pvl/2yeDX/zDfXI5/rBJvvzAV1uF/k6l6tg5f7dDxm0BzVFiXATt+IOlwlJT
+JMN1BCMmtUH+fYcs9HeWVHtuokSuuNSV/4UpEpGf73fIROIVt1qye/d05knWDx7EOe+6oXBi0qF1
+Pp20pCXITT3CPdV06ae8GJbDeNFviJyh5aQXWeci8Fy0nsBptTvOvyhAHPuHO2F1wXO68PU+1Uos
+iro4CQ/lRc1homxpa6JXSEtGgLAMDvF5trvx3DeV1TJzzzNi2nRtfRqUSDXUvfscTSVj++WiYnUX
+RatQ4hZazSFScteghK/kooHJix5GcYP8hMcl+0wF+CEkynaTeNNA/LAW9wh+qGr9UAVfOiW1hdpw
+nWY9MjkidPKyKElOYEd+P4U1wZ25jb5oloVuRzaXWHszOXeVZKLvT7PV8k0Pp+vFaSBge7hcvzi5
+pp3LAoLmyhny8GbQTKC5F80wRI1jRFda4orcQgrqlQUDvWrso9cFQBw1wEG7sYcgeqGtJZzWlpu7
+u1bN/VYMu7KH2YA1wI4BfQ8C7z4es3BHEsul20wMO72cKurS8lw+5FFImBcAVOasZgxnJNkMs0df
+Ttnl+IUovU8zQfGKqVrjoL5lAwMKj1IzM0jrYx+ktDa0BoF6pkekzOrJOyl/22WyiEnPq9wb4slw
+ZUhl9/eDk9f7ELfZnixtyykkcLu1F2NTWwt4YA819ZJHw3HREcnDnUsvo35Rq4rs1nACqovdcElu
+8UqXBABtZ/iQ9TTxyl50LsO30kFDWOZJZdscj22nDDpyrWNCAU/R3BaREkYmym5Wlqxqin4ngp6Y
+krtjl+QYXGQ0hXduV32BVzH3e71b6tjXIER/IfiYiRUsmAy/ili6N3wjknqRwM2o8ZySAzbxeoMD
+OlFACUnjp+FxqBgbpCHUqK2nWY3DkYNSO6P0OHhNQDBvFypFk+daT4NpOBPto0+TiSIDoh0lsPH9
+iIHnLjextmSf+O1ivaTnp4m5t9grKbO/wohMzfWNLp08uAmV2yVXvhdDdMPLaI/YfpUrJnS5RtDW
++H+WB6GcM+PFRNMZNM3ug8Kotppy2TARk7Qnmc4RATvdElDM+Xrjy1GF4WRkRhJ9SDU0qJWbVvl4
+6s4ItkmEtwd3C+Z25fdpQiunSNM4mcoLBMkBoHIp7nXh7bNRt68W5RyalYdoUm4ihpLc9/5iMhqU
+36hwG55AUdT6jcYsVALPwZuEyO9tMTZ1R5Oe603M6BdUiDde9crXNCqHU20z9liB0ahPsq37o6m8
+ULNRYIuKlUOKqk9cOF57XiK+mCk2qgU7Fcmilczc9JPblMIn7w3fM07aR603sxuctA6mJJSqeLKN
+B8L5rFqu8m55ysVFSTJ+LuXsSpTHi2FAtxqwfVnYvzzlAwvBKqzoE90nWMRooY42uXKNBXWBJHmx
+knH+xLq9yJwaG5xmzD3GR5IPka8rH5qjHGnmxZtmJua9rJS+q5xrHBrsA1ieHBoI9cerULT9tc0+
+dVNPCRavnJGslQnxwcntxIeknjEwjjgb9Z3ziMbSn6pRZhOLVMuawjYFxT+2A+1NJ+OJyJGGy60O
+K4TRT5jcLQNrYxqyQS0JK+177EBXo6F5EyfKcNoG5gIGutDzNRAQMHtxWt/k9PnunCZXEqD5qkvO
+NH0YD9spAAxACKXb5O2gk27ippwJ0iKZLIw11zLMuNsmPjZQgnSDv8Ugsbjn1sCMKZ7AWmFpLq5i
+pmi3CT0tnwYde/5QpAsHEQxeuovrNxFOv21aN//AacS9izriYVRWFd2HhEpU0+61GzudiltjAE89
+Z6H+CLI5+9LOontxjFA8OPVUnOmMCmkbrPVtVqGPDktH2xesjBS7rwad1gUHvraiuH+IhVUe3ai1
+Xq2WR9qy6vGKOU5x7RpVu5/AZ9y2rQ0VqkPPaPNxfgiNXLpEmowY4ITHzpzD2hXtx8Fej2x625M2
+9UtIlLSQh7eGRw48xslNbq133FU6uA4zJitULFSkkqCLlqOeVUSmkYxuKHEInqKCGRVREbv9yPYP
+F9iiDfGVOaTtvjWDumW4NP2S02CA4bBaHq3BQjQPEqdZ4YLpQoxM7VNNCOxqQZi9QjgfIBZJPeF5
+q6N7W/bGAzkcc7uUSeXPY82cWM5d9L6qq/bOWiRhvrZU5ThqteeNPr1G5PsfrUioUi1pTAxrrRRb
+r1iIsfcdGfDu3PVzm3A+t4yu+6DXUm1uZ44wqf5h1piF7svJaeL3BGtwua27Uva8iVLdTW6XMhqI
+qFt9vukNWft0PeFvrPRp+eR2g9wE6cwxmOyEA39IcMJpGprXw2jud6OeP44TjvkYo+aGhxSrVtRm
+PtHi7GwpJckuKMUOtcqvSfCu/94f/y/7Y5PIKfvG/+62uvtcFNj+h9ci/m6f/NsP/rZPdsQ7+gYo
+UFQBSlRmFZ78qibr72wsdth+Cbci5hpI0F/VZOK1OKqIHpoWVSGW/Xu81vLeOTiGJclE0mUXofkv
+7JVJ0X6/V6bkUQjkbIMHmdAOSFD++TeOqyy32iWv9HlvcyCc/d4oY8O3s9G6MYMJf5NnJiQg8jxu
+8u3YgeZAPmoItLiloW+Xuhlp9qPKEcsqoBDbj4jyaquWc7PfeG/Uvge3o5TzKWeD5ou4n2BbwF40
+WFqQLxMD79AiM2RrzWoNDTDYXCFQRQHsqSaJFnJzZvnctHODTxIJhqCyvnGoo3oKTM3CXkH+ftN4
+epUofax+CNMGB65ee8AjDOSkVyK6slinRgmLsZQWhD9ykPQP9BOEvqjYQ/yPP2sGtPuRKM31xM98
+sOcy6X1P88QVImHApMhpdayTWF7QPcgib0pttO88N8xOA1LzbVxG3TXZQm1nBAk9v3oARqrshmnj
+jkG6TZwwofqMm7Ke2B3jB5FUPF6KAj0yBhQC2taT23CbDcrTuISJfFHIkIpoR4q9adbhhkiztxKx
+MI7j4uV3nWbJbSeX/KwvWXmX9G5zG4HgMwETKRnYMSssYQQz0jFytrw86H1naH7NPDHUN7MjWXub
+tFqSNZax94bjdFd9KT7wduwejLYt3J3LfibzTUjT1Srv3RTEYm89T1kKwrK33B1sIPYWA0Xq1wJx
+nwVNh7VQEkqygbDcKzQmazH0riPYMv1Lq8liI3Lj3hnuSG0VfjsCJxWhfif6nhbytjStG0Nre84K
+VfgEGmK6HdrEXnNSQMBhB27nZDKciMJiq5iyo5c1wZVXwfKw9U5cp8J8H49C+lQQpv5MwRrgxjB4
+ALdbb6Rm53uW0bWOKwjtMUnugx6htddaxw8mVT4AMyJNLHeTi3Gkm0wv/WAp83jlDWWwT+hkxmyd
+UyU3jm+c87RtKQS+E1LKxj0POZETFuhDuxg55zrP2hCKQvmBAuwjVJ5LnrY1fsxTCYQBCwbgQy1q
+Pyx5DC5jcrRtxJEaqrXLf2Ub2euwZ65v9EZ8zIZI+yAgrR2wCSjlpqquZ+IMR8dVu2UtmjcNVPV1
+Bmz0xhpwiRU8tuNqkrO5A20DcKOIsNXrWIbWlSS5jTV0QvDtQFiFsSjDnRT5HBpPbsCIYtt6xki/
+tW0sgla6ZIzCyL0f5YQ3EoKe5/YPppna44PdSsjZuJLBmz4bgDiTjW4n8Uk2unPuXMYt7yexUOrS
+G0lGS7ZXErABqjpz/SG+8dzZfO9ZGHVWWWI0w5r8MRk7YZSaTcjVKpLDCJofo0+5JHyaBBNmsWtK
+rRlQKGMxPnRp3KsevpDt/01q0UT7kqZdsxQ+B7sCh3xk0786VxKg44DvjpWtj8PwJccLk62xtlFC
+nmplzuM5lpTxTfNihAQg4omP73KsCf0sKVx3U+dWl4b7uXPFS18WY/fmpB6j4xfukdcPK0osymPc
+FRab3CJIO0ZYY5xTwOiFMf2z+Na74LFIezmvdYLfmC27hmGXqbHD+PtN/b+8qdH8TN6q//1NfaLG
+8vV7V/SvP/JVyxLvSAdxqNCJ1wjPNHjb/vaO5rWo6pZNhCnmrnAA2BJ8fUfzJv064cUFjT1aNftZ
+Eh2GKORfeCczLv7+nYx+RbsnCDZSS5Zryh9Ln2qg89TVT/KUm5VrrNVmAMSkgUeoXvetVqlsDSYL
+5jegpIiOlMVM4qSxdQ2Nf+nYPz5kZa1rOWZkaTXTRiNgKoK9G7D3ZMI5UOfp1NkCJDAiMeVs8wbn
+3njTgYohozmbDud4wZLdhQRvKE2+GkTdvqXheO5E7LCWmZqzFpF0tpnwPCy4deiTOp0fNHchu7d0
+EU2ctUftar3i5ZMsO/wOCvw6GRlEzFbHYuI0bdzus9rt6zvwEulDUwfeS5stFvo6x2OD7fCQVCd4
+kBGj39n7wDtPlFxilstmIvkb73CF0iFkzUW+scrYvU3rQr7UDFV9zSvHj/EgOBuiPm/LfgZG0UQg
+bRLYfJzCrYgC0a7Uql265Nkh6bPoo2zt+oPZWgx22QZ5b6XnvmXTfOPqDTjdIc3nA38E10MvLciP
+sb6HTm1susTy1hMTRP4d2KHnPoHittbnmVqGMRzYpVSOl1NPW3J4EQEdDaNhD3sS8/ldj9XpmYAl
+jplmHnd41uez15rzkSOsmh2D7tGwu2jxPsqS+BPPg31O0mGwNkNpardRzqt6siWx43IyGMB2xWO0
+OIhlAJvvOAw762EKCU4KQk7Xwh7M9xqgELGStWndloJtmlchbOXQPA9DbCzAFmzMQnFPkahhFj28
+Us4toxZMW2uEdpKJZCoxy9fLR23Oq60bZ9qujuvlIAiCvjFYdg5Ra1QPiz4HN71Wl1clnKac7A6l
+IFO/SJr2ttMgOvKZq6//y4RODNG1ZpswXqg5xYxUr+rBE0VzTKoW+tqRKdyY0SMClTvxtvjXGYEY
+7sjuaSQZvGzISRv6298r6v+yopJSVMmL/76i3nwe/7F/zSucJs3nb+Mmv/3k18OP/k5SVcSC+KtX
+5rdF1SFPwg6UcbSLy0YZaX5fVO13SJ6kUzyHGCfLLQv7b4sswUtOSfzr6rSCdqFbf2WRVceab8Lp
+HHsc/iK1quv8V7C8f3/sEZpEDnfp/EoLm+AGzpiVKcPnb27K3a9/3T+KPr8rMRi3//ondqCfL+KR
+jaFYgO45jwPet2errgSaQufesu9Ts15NTov7FRDBukpF9+vL/7/2BP4w8rh8HsFtQVID5oQz6PtL
+waiZarwJy34aYgDeWZyeTNNiF1mSjQR3iBfNgB8zLeza2H39WYHgT7eTMQWMHFY7w+CXppK0335S
+M1vY8Eqz3ifF+Ege+r0bt/4f38wfXopYtLiEjbZLrwG2px9fig12FZw+Rr23jfFxsq1n9qrlujeR
+b/Wl5in99+P8H35zVEf++LvjdY+pmsQwNR3MkXgQv/1E8HiEnDwQNGKEZgxEHKZn6fFKTe0gZ18u
+nkSAqrsSdLLrK0XVz1c10PJmleMpbHzEJczVZoh6yfgnPTChJdIxlIMHUj3LYBISMIQZadZGNa7y
+yFs1iWfim8wtKp/pyhpgzRbEiKBEdbr5PLdetaaSo8/ZtxbWTVT3nm9FqeUzXpie5yRormIJqx/s
+h9NEPvDo/FHaWfg+BobIwKWxzkEIzdnuivReQpVcDQLyK8Wu4U0/AIELcy/wS17HIEDtGlvTshxS
+N7ymqWnYWjk1HE52X8biTS7uuWuYWY/CzY9oWOSCOHN4ecJRzebvzIEg+Zwu611a21A7ChSFNhk/
+N5FXH5wkuq1muCyxV7LlN/N+M5ajvKFVMV17AHuPZmg9Oxp950kUd+gKGP5xhXxmmuE9TkXLWdNI
+kpvFq0PYICJbczpd4/8Mfafk3DSNwbBf4iygCHuKrgt6t2AEQ/8CkX6yQ522b/L+yIHhOIfeoXOT
+HqR86XiPNf4wH+YyOy6Kn64qnSqlU0ErDTCiqWnkkygc7X0EdeeWbDV/jwsV/7E00uGUNTHDGIt9
+Vdw0Heal2o5OQV4ThiU6tDGLOqWTgU0AkYrkri7LGdx5YWyGGYb3EGc6/OUU/sFQT+CmY7N/wcxX
+Uyiuz8aVtjjhYxzVCx7sksJMYLw0nMM2VD1l3mHROAlD/mnO1VI0d8CEr3DoWC/14naPorfSvUoT
+XxuTJfc5/iFYoJLyg66YdgwWX9De7XnFcSpEqLCmvWhj76zLMNlpVtVcL6FW3tGD4Ju4jK9DxPd6
+zZZB36L81C+MLRC/Y8k40ZjseEcNa3+KgzFdBUsk72Kn3VIDi5sr6IDweEb4MQFVceDH3k9DeIRl
+WPtTNZ6rOX2CIqQobAmWD2a0p65lgxBH2KhhgmLvCUYDXwl7LkOvsj0zXgIqVUuEnEM1ZVChXd7m
+M+8NnmhskystCPWzFdTza6uVOskeRPkhTLRTF0pzx2Qm8mWGwcRPwElucWc7fq3XXI2cd8n3hXpN
+Nd8LtkEVzcdJc4MXN+1Atrqht4OpPp6mhCSFU/bjWnpatGNaEPDdz7UV3T/wV5i5rXM79ZggZONx
+wfl9xcnW3QaJ9J7LskzWeUpxMtjIVyuw3nvGQu05pKt7kF06REjro8PvVXOz8AFNA0Oaw5224uXY
+CSaLQ4BlbxFa52NLhgnlQuGUS3KttXV1Tuog84t6+RSHbutyBmX+5TICPgRsxTawzM7TDNxrYuia
+aD3CmFex9UzVwBKc9FODDAWOpB01v6qpe+/N0nptBzC1ZVRJTGBbaETWo21X3row0qY40FXR3vVa
+Zb0qjN8hzkdrpxsR3RuXrHDU8xuycXDdBFlKsZEVVPNTabjZFQvScjAYkwFft1+acmw5L7gazsmA
+NFYVmBBGoysCQbuIFwDRSH3oOPQDL8pw1920VDtkg/kEWBXSKyW269BtAAa4Gh1zGnWiqeYCwE8/
+Bxi+10vdbpzeFK+9LqpfULGG24pWem8Fgdf1WRLkbQzZ9wq2V3aQudnsiUMx5hiX8QPAZQvzt6Ky
+6sQ653Um+QLhI52SL16iZe+NsdYfA2cRZ1DA0rcyzyBrDlh4BcLT2jlZ1G1kwfNlTHL6BHVeU6cV
+GAst8mTjJM8w9Iv97DFgXdcNtaWGmMQ6EaweZAKzXb844iqzIBGsmIcMt3nrantOpHJd186bQ1KU
+0Z7H770O7OTgJq7zCPbQgK4c55vGFPPaGeZ4T/CP5KH0oj2qW3kqpx6eXmfbtxJ4K4CYMPzoqvx4
+PO/IcXH7h2h6Mli5fBNm3pabxIzEDSl90g3wyRo79wdQQxs55vn7bk7FxwnC+o1s5PK+LSwfaXCM
+V0nVNDe9UXXbNE948mYnAUYByyqTPGS8PIkZtcyJ6ibdyjBoD7wfR0JxFmtGPZWOPHVGPtP9bWZt
+/+u+4m++yp/wVdiVu0gY/94V+a/d6z8+X44HN6/553/988T/6d/S+dv9/W8/9Nv+3jXe0b7EtsxT
+nh3lhv862vDeUU+qtBSHciY8dL/v8JlfsLHyQCSwjZOq2v7fO3zC5DxDiB846P86WsX4aU9q0pps
+qp5S5iTgyNTk45vJhiWRFJHAw+NgMIDEuGc45xHULwfZgmrdGvvFoP+SaCM251qwgUlK17tnh9bt
+yQkPO6s26h1WT11ff3Mb/8Pm0jZ/2q2b3BLkJp3Rj0Bj+uH0MbX2bKemKw/OYFflrcdc/NZdJIIO
+Soidov2WD4A5NLGJGwofQszFWjW06xz/QvDJLQrj3HIYqJtNNTvstpdKC28ILo4dqkxrvOR02MiG
+7HtFZcdAT6KfQUvXWTRst9V8ITvN3Y9psPiCcQHpc4MaItJdpQD28RRRt8QkU4NtufbsrCan2rIB
+EE6LNxSXuXd0m95QbvxkMzXsmwgUNf3GG13rDlpy/+SVLA1jU+fDCpkmI5nAXuGXfM71e5iU5WXn
+WSWUdWGUxIupuMvU0kXZsbPKjHIVihcUX8QSZ8qXfKaeI5kcuoyCUNs18dIc6zAxdn1vtW+xHjW3
+Xk7+XybtiaK/Y1XK9tEp4unO8KZ557R9d2J3NPAOH9h0OsysVhmW7ptaWDOU/2irQXTFUsDo614T
+3otusWhrcVuW/pJm0QfgdRVnjN4erzUs4GdCXSSKnWhuN2M8TFehszxQz5PdNjNFplRhwstoR2mE
+WzfVxC9NmycwtqN2Ndk2w+SeQiN5r7tpdT/EBaO1wM3v7GGBhIOJxEivcRm0UHRCclETCNHbZak3
++E7MLS274+Os6wjNMOYOk6zsXZblxbZyOnr5jEb265bjtWLVGfuJtyzzNE9bWYtOb5NeQeVeunFt
+1KE8c9frkyvThk1fph9DZo1HeEfuEe5MRmFcoWcfYEK2j6WDD6UeDYdOG97wD3UbLyT6zenKGnTn
+U+hEckuMrd4QheCoYgKOpzio2Zhx2UlIooNgSghqZVUBRXlNeew5oDTTGsoIGxiknXvdGcYbUILD
+yR7bfpOJ2MMpHmWbTiNuZ46xxQfqLGCaOaV5+mKuwiaOeKSb3Am27H7amVe7kB84PIq1NmUIZq7X
+b2zq1V7NMInWOS/sz0zRguuaVLHPtr3ZE3AmG9NhKHpBboOxG+BtPpiDTBre+NYcrZeO0PIOmY3g
+g2O3bKTMOndMog7QrVc6FDNYLFm4wBigT8GeWkVI17KOhonGOHnA/G0YLHp2GJyFSubcyNjJYFmh
+423k7ok+WNZiUNa0Idpms2nT+eUG4o1k3Sg5wo/N4zJWxZVHFQK3b6lTRmtJAGgQPg0nFPXtilzA
+KyGi4rDDAmPxgqQd5uxADLd3TlrKAzORJy8al1+cYaGbYGzFwZPgvfGn8U6vDK28YSUcX4YI79yq
+cuWsr/Jw4cSWxk1KNG4sxplEeeN8LChA632bmDY7RmSf4YbwiDjAvBsJwmAeZVA6dFF+NZcOmzxv
+HoZDyWANSjyLCK2aONGAR5QSZn4cmrfkQsazbAYDrwdVp+jORZvdAputdkBRmdfi6Sg1bDIGGAHI
+QvJGshycOCpnMUSBLH9G7azv6Zfo6MLKTKKeNZEJrVbpCUcFKWIVqXDQSTPf6GPh6ypyIXlGKaZW
+QYxhsZvr0Yyiu9gc06dKBTZcFd0IYfL7eTViorkkO5jdpm9JCF0Oa53KfuCVk3dtPGfaB+ghpEMm
+FRQxL5kR55IfCamoarZCxUqaBQVhzo3xJXTZEw8qfmKoIAqHKX/RpEZJmYqp6JfESqfCK5E3JFtn
+HJoHNkdkWwJDRmdsAeb7csjje2eecmPfNm14R/VjBbcEYH+2NgEVfmSaVSBLEM22d40K1QQqXhMx
+EmfEyKzwuiPYRNbLGG14WZbLwDnFGAOyWoV1mN1yuSyEaM/6TvZFo5CkdmT7kdM3l4AntVwRe7e2
+yWwBw0/NaVOPzFhZG6ZDooJDRLsN/uChQ2HgS55imQfMBeJo1S+RtvYu6aPEJohkXDJJzmyqfFJL
+VIlMAPaWARvSqQPvevm17TU3OuWMDHDhWXzIwXA2bSTfEgt3/eiKCs7nZD0TOqkOCROBO8+KDK6a
+v5mkb3gQ7dS6nbTqiqIOlhybU8fsBgSr4FHTNLFCC5ngE+aa7+qU7FSVSG5mu3R2gukAP7BM5i2k
+VDJBo8p32SrpZULS8Gkh4rQJtmsVu7r2MVH5sMa0ppOwYaat6TshP2Z7w9ugMmUprfF+Q4x9p/Yl
+v2Qqe8ZTaltrArVE0sQlnsbINrpqy4GoKa/T5mS5Ku1mWxGxNqPlDEAZooZpghSMZ23nhtpDn+S9
+/iyTris2tcrNiUuEbr7E6UKoyIGftCpm110id27kjAzMXJWHuYTyepXPo1YpfWbyxa8retVEMtxq
+IBzvZ10+pFNg75JL1M+iwHBZFyBOr9tLGFDN5m6DlC41tljlx1mlBrue/CCBOn5fwSVWSJtS8dGy
+65y/k9ShqfKH+F4JtzgqlejWrXHVspzxLVKpxfASYGTfhSskczs8Wo5jpq/4zV9azZC+PRsWAbTE
+q44JESxnxbdOw/lKGDBa91kwFhTl1fn9qEA5pULmCAXPmS4cHRUJD1eNwuv0bXsfeqrZxHbt68gu
+I1KPfMWuYqbxtk8ighzEKGIYFnYuiCspkE+gkD4EhepfXK+usGktGsN40Y5qg2mbzQZIiYcpb+mg
+xChUkHuhBnkKINRdWEJVnEFhmRB1mOIlyXBVGwuT7PFCIWouRCK2J817M1GcosFSzCLi00BBLiQj
+nWcg2HgKcDQkDW8CEsdFvU9r7qeP9hUFvFqpXAIRZ7kP0wQwqbywk4TCKLlNykIbMXoHJiiz5LqJ
+5nRas7TnZMvc6bnBaHJP9s35WAdusislYTTEoRTkgBGo/LlTF7u6bfCra2FO1VCEbqGvKAbud3Fe
+GXdgt6P8CMzXg1PjVF+8Qhcx7ROhfqjcJNPBEg4YhCwqhv2JoJ7VnSRuAHzZl03238e6PzvWKXL9
+N+eRn451169xgRr+60nv8Olf/8TmrX7itzOdZJZNQYSQFkY2F+cZx6qvcxuD+LPuCM5nsKkZNfw+
+toErxuwB6DaBC5cuGMbkX8c2FgN0NVt3dMOjVp3B0l+YjXOJnycq9BCoUgIOdVKd+b45080gh61u
+1pY9nITZ29jzNd7Kb+7Gfzqd/XQJBlY2TBhmULA5L8fKby4RjH1GH4S37IfAguCAkjjT7CS5pf8+
+Sv8/rqI+6DdXwVw1TXbEVZziY6t9LKfPnf1nx8w/+SA/zGScuBR817hEv5wd/Uz1RL388sef4ueZ
+DIQSets9Rj+GC7fj+0+BL8gsBs2l5UW49YpCYeprqvKc5/WOSpl898dX++mXD1ZfR2+wdBe5QaoA
+0bf3zJnsqeO93OznEtaZ3vJHnDvTJgurzP/rlzJMAHQKw2ZT7PT9pfRWVhMAIT5Y5IaP1LhBJUoG
+41rviDb88aV+HjShhpgOYSWsElzxh3tIZZI+ZxaXKpqiv0qzLt3LJpnXwbRMqxoK6g5r8/xXnw1u
+pWlYhmXR7GICE/j+80HNw8JBkng/Q7xCsOYP2biA7jT++OPP95PWoS6F4o6DgDEwdpLvL5VaWrVU
+ldbswekwkMwCDeh67SaH1OQkS+KwvqtmY1oBA4quaUOa/uT66qn4btKrrs/MWOCnVUvTD0/NHIoK
+ATxs925Ox4gs+ICyHp/++EOqD/HjRSyG3y7oQpZIx/z+Q05G2QFUQTHuutrYOWOE6Bk6VnCTmfQt
+LTOBkQEO2aZkNLj940v/p+fHMqVtqm4Wz1BL+bffCs8WkxGaVrNn/zlvKgsEACoSWB5H0xW7LSSR
+PEdAS/74stRZqIfk+w/NKQ/zIdKaIwD+/3Bn20wDhjDUzd7WiuYNlRZAX6xTNeKMrDp2AA0CU0yA
+878PjhYW2u3UWvwKEmTpeRrGXYws/GxGi2Ws46VN/KZzzrDEBmzEwzReeQ1zqhL8mm910wClLqC7
+D4ZdtHLyPnmcU3diB+VQxiUZqrtl9ZHEMzl6t4UDYQz7HhYfh3VGAxrSBmNTJ7rGQMmwq+7LlYyb
+Er9inxwiPXNOOvrbi5aTH8I6OEfXOv2IJ873aAu61m4izWYkFeIbJmgPbAwRqL+iX2t5gvOS+cDU
+TWIC9Ztk+H0M4tzaAIAcfGq1sb6Y7ZVIze5pKmZxHjFh7bTeyTal1SQHkRMyyXpDbNuUNZTuR+Pa
+1VPYx5aYKCuYhnvLwfQqUre7chaadMrFNWdOfK1xzWyNV2HCshuWfXQOkmF88zpC7sNi9e1aBhOP
+wYBWpsXL57GQwYeoIqHs48BdnuSI/YzMufG5aSYqke1WdF+0WgCynJKse/ZMVXI3yU6cB6QeRl3c
+YFsQmZptyr7yTmEvZltyUA468FuBhfGAIhgqqQsHu2hLVBwQgsOePNFuklB87lr26ePc9Z+SZXoS
+i/nZI9/4MpmEckSvxR+6lJyaPhM3WzURX6RiFJ8XqMDM0Md62Sc1K0aSVfwS7ACaYK/z9+V0A4NP
+ctJj7tntc6we/WyqnRM179F1lY/BxrIb5EL26AR5zOQQFhaVrw2doegM+g6BZyELKGW49oI5YKo7
+6wyLMjeklUmYeyRNLmAuatKSdDvgoOk+sZOBsdzSP3SEUtZL47U8GKTSz1kISEXPgvQIapVAuFb2
+mwFAw63rcTtXtWUEft5Upg8M3LnpKBhODokpc0onsFFB+4pBV/bN/3F2Zs1xI9kV/kVwYEssEQ4/
+FGpBFdcSKZLSC4KUKOx7Yv31/sDusaVimXTPw0yMptlKAkgkMu895zuB9oUCUXicwli9S4ouJR1z
+iMUNkSPJLgpDdafBxX4JcFNiudSV4FofXMh2aWTb3XL6h0UXBObNFDX6egony8Ojah6ghNWXtWJr
+X7R87veWW1m3gWIoOw6rxq2t5eHlYIoHOtfzUVJN4EgmetXvaDeTWNpIjvDdiKsInWDwImELUNkc
+SuL1lE7ZlVPk/DKT1PkFgVF6Lb77iwaf8EuEvGITdrVJOwcxDnpu6cJUdZf7EeDiWhPc9zODz5x4
+bT9mmyisaPO22uTnAHUuIUuZ9yoO8E0wIR9mMKHtHLtodoJS2ZOjBz3FKREd1bxW/R57kbU2uzH2
+YjvujVUOZ/6HRv7ioc67/LozxuG5IZ3mquhC94bylXGfubSuaMVBxxprTVwMejjdGn06bynjOLcw
+qornKRLDsZlIIRqTSF6PbW1daqM9XWFqFBdpRQiPVgtykyZp3VUUVtbkv88ANRQH8b9KXtiqxrVK
+hoIO9ashJbJYAd9IbXKLLbGO8XBSBUcqb8YWCoIIEjhIxD4BMm21vtazCKWk7eyYGmI9ojkCIlO1
+O1kOwEPaCr0NG0rKA6pZX2QDvWAAr3VEmHDOCTrsOfvz0kTWOnERcOp2MR/4bcN7nTSFw5RO9QUd
+AtqaIohrL7EKEktFnkCa57Cw5RRtrW0TuYRo3RLjwVjiXVqq8VEaY8u0DOaEg+pjywFBbmBNNHul
+UQktj2pn2nIoxdoRkDS80dXMpXktuQ9jyQZH59B5W7AJeMGiJVnG+vSYYSzbRYk6eZJV4DtsvnlT
+9rbtgxvoX1F8zls9dMSFXmjFbihjQmyWDO3nNi21F4q27USBPw5+tW5HYkoLFIJ2VHp4+3G9sAR+
+YrPZT2NIaNcs7OFmmJPxpnUmuemdlDwi5vAbosdZm1oIcu9tyHhGtkWtl+jCDnBfuzIyqb4gOm8f
+7VG2617gfF2ZjQHIm+rqFWjEBLJuqH8xizH4lphR+dDHeb57y4MSYg4AfmvqgnpASVOrRFGNXXqw
+yu6ZHpncO1iKAHF3iVg7Qaoun3cEH1PTXxMNze17i/1pNDe+slKqepoigQVOWjn6peJSk3IqzdhT
+jsIXpzp9fsABTeyHXVqyW5OOPftEb/ELqyNpJW6cWncaFewn2fbzMTYR/a6qJYtHVPTe7WHJGZqr
+jmExoQWHkQyeldZ0vfeW0ANBcxhgCfLoHQP9b2kTedNlRvQTO0FwSLMED3djiYtAKxFPWG27phpP
+iatmv7njINrsjUpJHwaX0n9BTtjdkrOyEUs+l0NZaxemLjKi5WOH6IvmDBG1t4NlKxtD611kWS11
+iABLnwEb9VnLa6CxFROcGlN6mJnRnq2iuMtNtXhN+Ibv9VZt78mLnh+YSOGtRd/7RiadCzQVSB7B
+1u4ubqoCE4xhPUnOohgZYj2ADF2wFW/zwt3pAVG6xJkQV6Oo/SuofuVrvmAlZykTbe0o1t/PKZVj
+8GtS+WVH0xi2SA+0a4Fq9h5dAouMkU6HJNMR2oox/lZ0rXN0yx4eLQ2nR6ObzMe+WYKSRTVd86Wy
+tlEdKespjqHuV2bk2/COF5FO8wXAX7HRG7TQcLPG67e7LgVJXGXrODf6gogpipIPX5tciAYhUV0i
+DC6ADnolE3E7wi25sOuo2BRuIvf5JI1NBcTIGxsVzDLV/+nQ6VN2E0AH3GtUP1PvbS7PjjYfXcV0
+2Fc45sUMtOPabotgk2d2iI6BUveKLKj0Rq2TfA851HpyAzoWkpQYAcqFjyH+Dh7/XM9XaVvOVxqF
+W1oProFlZ0ojlkBN+xIp8UuTTuM1i8K016uguLGbeV7HpQAQMpGg9gDpWEDBnrHTz1g1t7aWgpDE
+8g7Xyk5uQLdQ9jP09GB2ubhIBuKhNHtQNkFTjTe13fLpBhCJt70uFYNWXm4D/ifwC8CjBg2Tb1O/
+dxvq/aRotNXVILNC8wiGKu+7ciy2HQsOe6DCphNp6vKmppTpNR1ByGGUzVfTACuwDqxha+iaQtxE
+Wij3f0VQUpJnx2xCjMgQKXlq2PJqSlEltMhiDNJOXxsr6o0kZmlF9qB2TKecIOCD4cbaixqaBLvl
+9EpxLxGF5DrEl40x6X6K2YKfaHkxiTXQD/M4zMcmte2DNZh4ceTUYMDX+4rqaV/VdHEsyoOEB7PS
+FYBb0YGNvPOKkSFYC/jDvanUCE3IY+gvO6ngFOdHb9Fp0BMp5zrwW5BUu1g15j21WWs3kK28XNGN
+HY26N5Odfk0CGDFUXZzfwXNsNtjEis1cRcqOs70Ebyom/ftUTE7Ct6G+w/c70aCIlYsw6G872t2k
+IhMcNSTKq0Pu5JZc3yeiADWMRFNwyWWk60wtWTlF2DZbx2mGTZmF+i4I4n4FL1VewDxqyB2uVXvD
+DjE6VLMAvhFNt3qFES1trfyHXSg/2lncjJgBtvo4oNsztHpP6Rx+9hzfD2U046dTQp/VaseN6D3C
+Zop1GHC8c1PnCYVmQ3NxUZKRhxisnQHxFgEicq06UtkD/4RVZ1dcL20azIKdbsFlrYqrsQquqiIK
+yfYLi40VZyXJnqRi4wxIou9h1ws/xUQBYbob+83ozOVdRT4rCU+himk616OLKLGq26JIqyclTIsV
+X/WcwnnV4ca0rTtbaygUZ06FJLWf5oMeuymRVVHnKwRdIAEIa/PWdJr5Ngmt5q7CLL/p886e8C42
++dqaLWuDyTnwgiaKdghek21fp1Tj1Cw+0JafiGOSoO+bOb/QYEr49NCF26yHMjQG/ALdmKYXbfHC
+9l77Riyrc6W5nVS9Rhflsa8TVF46mrrbYJ7KvZwid4fLrd1Kp+NVzHOwnyk9KUr4DU9xTWvihdjk
+evB6eBg3piaTYyEkmrV4ar5ZJN1jMtAi/XpyXPmNbr59SGngPQaTjVqvht7yoC5fSEvLq5UaORHp
+LUV3EcWOeRXlrXyk8Sx8bPHDAVZMfzEoU/pDmgk2vkjj4ZIZFNz2dpX/zFvII72lmc9tm5R0nRAN
+HDR8DZeN5ARuKRywgUoVJmfdFnPFpEjzq1HY+SYNBCHnKFyj61KZXtPedp700i42qjsDtg+zeSva
+LPGSngAS9ngzn0ICFgEkw7taW1PDSpZkiZ9UPXB9y1Z5vHxtDxOnCqivxozdxCEeoZrXdFnulSyG
+HIeFKGSVX1GzJd3bnTgUa9VjYyQGHNaM6oVq2jXdXnbGu9K18vsyzctLOWf6vmkCtlLks01BSPMq
+rZwO4jtqwdznuGQpr5ME2o3+Q+y1znIepALuj3Ons+MUM6x0JQ6+ZoYiL/koZrdsFZPnUTPKr0md
+1k9VRzzArlJo8qxiUrdTGvALfApgnM5hShZH09CGAr9oPH5PGwvUZYcS9dDr3Ws4OAP+XGcRWjrF
+hcHO9kdRoZCbQPqsLSW9nsue1n1rKNlOpnbtDTyqSxIeccPSzZHXFALD64TN0Coxs6TdOI6or5rQ
+AtvcgLfg/f8JRoI+JN80eH+0pdAyyvkAMqu7TZEjrc0wix7GpjX4cGEN0oo8OLaVUb5QBvtuJu3w
+3ZzGuxmIp7m1LRpKSoGuNalnVvYKySmvGjxv10bJE0V180WoWZt7AahfC1cqYp4enjkznqZoae4i
+LFiw/OEHrtKmw3kDbssHPRe+IDACRcxKSO9QQYkSjvY9Rx2+J6Gbfw+IwFtXofuIxnC4UCtN3/G3
+6IDQanmHy/innTnNTU9R6yWcg56chcEBDGpMyZULW3xHTAB3DHTFDiXO2FBf4aYYgf1o95F5H/cl
+spJuCc1pSIgaCvZUU0Rcg4AdLY1Iv+UM8sCCnN6M1WwdarTMK4m5fFNlRfBcuunsZc3gUCY0kmsL
+0iQdOPS8K71hd4t4ijCmfii+FMhH2OEq1JtziZB7yo9BrFi3dq2GyIEs/VojofyXFgIzKZOh2jRY
+QA8BjJ2bQozRZSZScUfwuVuEHrxspfuWFGhHorTd5Sy3m74y6M/LUT0GQWcBh8GbVMq03E00dO8k
+K+6qG+kYu26v7pBs3ocd4LjRVq2DEZbTTg7NdxKjbT8JI75YbAQhk9uKnxtuf8lWzj4MRDdet2Gd
+sv8ti1+dTPp4ncnqxagT0qkdCVt8FdZR+lK+idE1Ejwv8JQna6olA5Ot1e87XRknTyHTxb2OM4JB
+vLKoa0CqTVmJbV1QRvacqHGvi6nJ7ovcBZ8tJncXxS2mPUpY95bevo6j7PBRsFVpaqM5qPPwwxac
+GkRGshibKg5JdT8B5UiTfR672gJU8hWkMQfefwHFxXrIQ/bGuKJDn11htqbc8aMl/neNyIuMloTv
+6zQMfjdazzZHkBFEvmjUI3soi8oZZSKlc7QfppsNF2YpjI1Vk8aHOq25CQPN710l+BVZhrjF5agf
+29H9VY+m8hDy6n0lihTHg2jLGsN2g7MfMtXCeBXlTnXHDi1SjdBahnADcfN8kvb7vgqq03VCybd4
+cOgM0/r6vf5qtK5V2jH1V7smp1LL+6+wZGY/tDjdujaF/I/rrueaIAbNFkKpF0vqqdEnbGpVwwLJ
+cK0U96DBd5wA0GBAnvqk3aItleM/67tcmQtsi204HRf1tLI8z38Xta25G360b0X6Keh+ArlB+QyX
+FgCvpe4sZ1afI2DYvhyox318ueeq92CTLUAHhm4Suv3n3U1tQ85DqCLFtkPzKJDJXFUhddKPRzl3
+U3mESw1bpfH5Vun+rRtnEvjQASegs7S0Q3o4lh4U+RFMVVJ98vzOXZCpkitiGpTm3KWJ+vt0Sceu
+QN440FkaauRaQ/mdoPTvH1/OZ2OcdHdAlOsWb2vja7oE+tzs8OkcPx7i7ORg/qELZCoK+93kcBNn
+aPCy+xUfsKuwU/WDjg8ZxPMQP0UKrZa66BeWLbVWpA3qnrCTz1o77189QyXLzSDBkZxZJuqf99IU
+VWcoJYHhoQY/SiI49GDx1IQGJPU+rdxi/fFFv7+vjIcD0WUx1TX79N2r2Vs5U2XU2GhGVilrOqIZ
+tD9ZT97PRYMeOppp6jtLUtdJK8kNCV0DpF37UI7Qc1Zl7JVVf2knFDQ/vpwzI3ERjrDRvwjDtE+m
+idvG8TxNTumztBV0b9sL4Nj3VZM8fDzOmcek2ZjpNJ4VK9cb0Py3t8uq8tRwG7vElaVumuwZTwtR
+joUXk6/98UjvhdUOKu7fhjpZLjioWgQlMFTXu1TvCpMUj8H+C4Tcbeq+mL9OgsY0ivagWdemdNZq
+UwffIPQoGzkTQpHQAtrpLWdpHHNUwXJzTg/CSSrEyTDXwyGar4KMzaBZFwZeI0rGbK7kJtMhcx/s
+njjloewoY02dlXmctdExWrh2Pr5QiAKnazOtTIr7yOjJvMX0+efUh7GmGG7RcU/bSD6S1qlea73z
+ZbKs+DmfO3hQGX6dJiOrfEzDrQ2km8aVtbcs2HSC9oxWV6mnd1/zgN2RtEiEKHNSJ5yrOeB0mZdp
+vWlTPC91DK4xaBID2e1QInjqoe8p2Ia80SxNnwbXsJbS0T3GSdac4+1L3K2Y/FO0SSPr9doNBw8H
+2wjCucxc7paOMoxUB/XFRqv1yUfrzFzTXZqRKFjweun20i39ba4FeV/Thp24Lwn0wR640p6nPvph
+0qB6BRc/+B8/ifedXwNDJVZlzA5ofk87vzWpm/1Q5aXvOjjSKLrkmxrN1KVlVHKHWUxeRtRf7hE1
+hxcfj3zm9aWtrS4mCsd+L75oCPVQos4qcPJM01Nvwd0li1G7F6S4vn481JmLpMvLasSBh/+c9tBp
+jrDpnLrCz/uG0iiGCgLRF9afkhTNHiciCWwtXTbIBjqVu48HP3Od7KvAuQLi4Caf+jhsWFKcPYvC
+bwNivOuBiOkxpN+bTM0/3gaYyyJFXPiiMxGnLmYOgm0I/jDzdcd5nKZiWOsOmZlNZhj/eJqy3UAw
+hTAKGYZ6amauMBd0Yd9lNBc7EuYsqi9GcjMMwtpy+vz5T2+gqRpcmL7YaujpnnxRwjirCjOruSyR
+G75STUVJI4HCbpstYSofD/b+BWQwtjZsDQRdrdPPV02DOLK6nCtTzPvIUB6xof5MRuM+HKxP9iDL
+u/zn/pSh0OdYXBprvji5LnCopJsqdGONKtsYFExcrHYkC/UzgvL+QK3is93o+RFdtqI43XnpTj8v
+gDyI/2LEWiPfya2ey0m7Nxow511kZVhI9MuP7+b7uY/BD6fU266DEZe7/dtyJlrOHTKwU1/pugMw
+Ot80U9iy6ifDvN/YLMOgkcEHz+7jVFnVO+oIVclMffC+yr1io+etRr6IH1/M+1WEUbQF7wC9wWLf
++OfFjCQ2A3DFZtgYHGs57nlZ0v2yCwvDqqSrRqKIMZWfrJILCujdLFkWDltAD2C1PBkVnKd00b+k
+vivQQA+Zy1m8qNL5anRp1c0Fnax2wqYEBtUE7Y5jpqL2rdo7OdbhPqOZtAUHdT9Pov7idmm6DquK
+zcGyLahLXVygjbG+uvpg+aFsxSe//dkHs+Cy6Qg4Llr+P28Zfckoo7xJAhU5mJtkcpODMlLs+PjB
+nJ1lC3LIBUZov9ty5mbNZyQsM7+QNsLhsvfVVLt3bPnZruXco4BTj6rSskCBnzwKYWdGUWF69fWx
+MuhmBxEmJnXcfnw151YgEEzoEaFEoPp6d89UfQw7JUVB0GI1s/lMjaKTm7bNXvoEMfLHw527eVwS
+iAh7gYmcnlAdGVuYHXhFpzT4udy7JraOeRM8fjzMuZdn8QvaSHLP4C/GFtb1DGvAz2Lh3KaTRp09
+ED+puJbbJhTOjyGrkj0qlvaTT9W5Ne+NaYWC7syhh/qJCpG0T/0Qz44sFJCK4bZKHqpkvuNF/GS0
+cxOeYw9ZwiYny3dqwYxrtK2qTf0qrNJdbgk8m3qirD++mdq5OcLssIGWaNBETg/8bqdjfKbu5jvd
+oD7EkVpugWgjSkmMPqNAbw/gCBzwIlAcb+qpSK8FOb+7iJy3DYhKi+4SWFmtDvCrDQ5N2a5LPjvd
+amfvvM0JmzfTwF978ro0QasKbNV8bUaTWqGsnzXpAl8ynJaAOucRqHfl2VCTL7PCiB/SoW/3gVt+
+j2jrAiqXBJTk5p4qkruyJqXCLcZ1fHwjz9xHGltsQW3ol8v+8M/1KbP5HeAVlP5QzD+rWZNbtUJR
+FWQ0safnj8c6czu0N6GhWBSr7Lr/HEvXsD6CsWJrH2g/VQoO61yozyBaC98mV2iDZlh+ssM489Jp
+GmV7djR8sd7pm/smI+YyLLm8RDwRSax4Oq17ipnNvDL0qf5aN0O9piXb+//8WkHpQIdlZ6MZpyul
+Cf0rbpy29DmrXddA2pHnZkdkyWQSpOED6dHhP9+3vbF7TBtvsstSdnJ3LVoOrVmXvqKGtYdFjdZk
+YcjjAEfGzy0O0h9f4Zllk/HYQy1hZmwWl5n1286GVF0zgkBQAiwKkXCbzbBW67JeG8ji/p2hXKh6
+DiAqRHcnH4SK2BmZk/vqa25Z3OJFnFeNLa2LuNO0T5avc3PU4IVafAiL5PlkjvboYoqZyoDf5t19
+F5WvQtRwGHh+cVgfnQ4q9D+/jQamC13gcKe4cvLYtJGCu97OhT/rM0Ife/jSdM0avs7ffpr/EzB1
+ZmFGWwxZyqDyjI1jeZ6/Pa9qHpCBBBwBs1A8huO4c+b6/pNrMfg7Tjb0f4xxMidchRQJ02QMVL0a
+tNu4OrSiFV/0DjxXkAEHiQnHXImhqdatlYRfy6HB/iVo2ADATSn+dcqmKWLaPSZ0bcXQNNIup8yP
+DdkcIMNHR514VMIv++BbUKnFLm9RaHC6nTy0cME+EsC6ZnUcb4XWINjD7KV9gbeL4qLQ2nRb5i3p
+xz2gQg5QY3iDn4ndYRnHqwK77E002tEO0OG0zwQ6rd6I8qseZqnvECwal2nrcYcBAVErIhsPtZCP
+Qgkw4DBXRFJHAsVgOlyWphF7Qwwn4+Pbe25umqB8NeaJQZ/iZG5adVuDOGFuohV8rkf57ETVjWko
+sJ3KDanB5b/x2rHnZrNH+R5l/Ml4IpqK2ginwsfRutScrgc93Q+y+GTz+t5fAPcM+wSFP2oE7yBr
+5phGIC5dYiLU9FhVcYNwyPlRp1/pRF3RlfY6oX8Pm+KTI9NpyAw8smVcqrTcUQ7Xp+cKt8prHMKC
+mkg5zU8RWREr4myVI2p3QstpnHPGqUUebGTa1+sMZgMdroKFvNb7vUDqK5JB2RtqR/i0NAELoQ5j
+wlU7jB+0sdzkRWj4dIcRPVBqz+HalRo5i5jJ16EW3AFyaT1nFgRFyMQkKJXIlU3C77OWWQXvxtZu
+SZ3B4zkO9RZHF/9/PgsvamWysRVbf6gN8dmjOLemW9BFbZDmLBQLR/X3NSJWWwFMicQOVT5PwNBX
+06DuUk32n8ysc2vRb+Ocboz6qieMxR0K3xGLoZB6gwfxYvPx63Jua2MZNqdVnX6bdQpGV2u9KmvC
+hn2aTuQpi2LFYfyxTDGmR+30iens7GDUKzmzQJJ9t+21GhajIuNdUSILxkY573qz2iIDQ1Ap409u
+37mFwKLsz9cCy967zW82TQZZ9rLwm6Q56q1NClcwPZZZ8ypjzFuR9cmd1M7NC5vOGgdYvFT2aZ9m
+bquM+8s+LRmzCKuHrpG02wx7nVr8ujSUCBpDLb2xco0vMYhsfwpRNodQF6+c0Em3bmlOX218AWi0
+g9CcP7kfZ389FkTKSNRv3dOFkSjLViHsGvh2Xb0abvgQ6f1dZtBM/nhGnR3nL5gg7rV3m4O2V6ao
+QpTjcxKtqObI52JShnXZNZ98SM9tWylO4V5Tl/+yT95DY3CRcSPA8iXC8ahF5zYUx6YU+KW1G8jA
+93nmflKoODeBfxvydMOazGaGUEfNfXA6O2gGr66ZoXC1Dk3Zf3LmMM7NX06kNMnYPnIWPjkXycXz
+DzY9Z5nRp+8yqn4NsUsuUKY5HuXb0FMqJYaVoxabuF4Ex4q2yLMalD9u3z5CsI0eg3pJTdeRLWNt
+wWwQyeaO7Kly7RQEjgKbdbajPTgPjmDVJPquRTWhtCNEmKW0Weq/1EFH01464OvU70nZXeNJrDaY
+4F9jpwfoOBnxhrhJ/a5CecnHXhefzKZzd8FdnLqUOJi3pw3YLKtAhyFS9udq3s9y1lZSNR9FJS6o
+mRINNg2fDHjuES/2DByDNsXW09teJVo41WyG/Lh2SbSpuqbaEjblrI0wyIJVuwhTP35hzlwi3/XF
+bUyEBjv3k82ta0HEl7qR+akbmpuomayrImKHNiVl+5g02gyoKXr5eMw3vcbJJhTtjc5N5RXlaHsy
+u0JScenMZrlv5bPrRUNn3ZmR1nuFMYmLqMyyh0rPHSJ8kGy96ZQdUgAe8m6WG4mWaKcMBKB9cuu1
+M0VMVAnA85ZVm0Q7/c8vaziKuSKrlaVjDtCzGaG5RZVmbNugaXfQuYwVMwX5lMg2LuAgIjrbFPm1
+qa0/vjvGmTVs8YUjxyD6j0bbyS+iIo2wchnn+JYTg9bIIm6OjWw+IrAsxAWPy97LBEkiPgtYihlF
+ZE0hIxMuZtTfDsagbqcpUJ8ik423Lmf1iW0xdL+BKYVtgkyv0RU7dLmvE4pMlux+Y1pJtEEwaK4b
+pZB+ZNX2Zow6e+2EF3qZGncpgRA3vLY4UcgKnR8jp3MPmWp/U7sp9T++Aeeunw6YASB56dCfFo4o
+tyVZKw2uP0vHuwh/rg/PL36MNSXa/vOhUF+iNcCNzmdj2QX9duKi6VTXwG5y3wVWDonRWSw9Y5Ue
+3Aiq68djvT2301m/VH8NTq98Bk+P/4ViZd2QxxwOehEARqdhjONjNrVdUJX9urAz7UKDtHkrR324
+1nUlPOqS1BdCRqtdVaj/Tnz9VfyjKdvyl/zPhfrwo6ymBniEfMMH/O+f7kvEp/mHP7J7LRekXXv6
+Q3/8te1/vf3j8LVckAl//GHzRsU7dq/N9OW1RcP/L4LB8pP/33/4N3HhE3wD5R6XY/H/oATe4Rtu
+0uyZKBtqZ69vv9VCcPj7X/rfOAM0sAC5/pUdxMT5m+CAxvg/KFFbHFv0pR24bGr/jjMw7OWfLCqQ
+v0h+/4o2MEB4LxOQ5ZB6qbCdf4RvECcLGbg/LO6U75YjGzuu0yW96VOnGC1IP6ZUCK83s62MeskR
+VDpHERVRuRduCGZJkm8oNgh8O+VrJEXyk0VZL2GoKQ2UW/KIMHjhooXDdN9NdXYBlTVObiVhAd/7
+Jra/YZorYJmR0COHRCfMJ0XuocZxfoDpCmQydfu17JPiMqlqpfxWRFV5BYy3IqVt0nbhwOoUzpFe
+bcHSNO63Pqbq6jvqIjyX9WQ99cPYObeTDtPHLuPoMtFLaW4Mqy8Kzw0rJ37upRI9dQ3yXb9sSjQY
+VdulQGCEStzbVsly1fS6vwIXcsBCxnBNp4eVdwvtk2SGsiUom/cd8pYHhywhvkH+FeaQ/xXtUCwK
+iGxV6wEryDrtloBF569UiCDjfpJGN+XdUHsBbbFh3fW9DZH0jZI//IXMT6NYANBPQSSDrS6SkoyY
+vINos8RVFmBvCkdXyP2Trgm/lQ8vBs61SCogdqmFPaHymrDSaX2sYChDqfo5B9O0xMjJPJzEumcD
+b644DfQh6uIxaK7tHO+DOgApVnGHrGDTGasBCvUqaaNij2is37GJ0u9SxYIlh2McgpRWDEfohGKL
+V3V6tqsEfHPWZRRtpgjrTwuo2snTS0BIxq5szXxflrLbpUVfS/T9pYWhJuv2Tg9sqIuoveRYoAwr
+Cm8oMhe4BjLIgWaYrtGsGKvECks+sW5wbPIhfwwKheDtNMBgOCt9dYOP7Wta5uEROnh7O0S9fcyq
+tP8W5c64Dl2I1U0VjUfmQ7md+jJ+gMAa3GZ6OT2mUaXo3tBhmQtsiEyDFtvXcB+Dh6gaDX+MLAUC
+V0AyRdso7ra3G+MysIJsh9QmnteajfPpgW+AWNlBZn2tLa24a6cxJUgriChpiaQ2Ri/OG3v0qEfM
++6LRLWvlypbAOcqO+2Gcm92QUTxGamxcuPAGq5VWieHexFIHhrEiXXvdpU32SxtMmtmGPRNpEyK8
+2KR6ieEEDugt9EV73wziPoGX3CadaaxMYwTkRWgT2IF4zgrEQl1/09EtutDGsaRjTeamTCaedZe1
+zTHKrOKhacdi1wd29QJ+7VHD5+rJzHEOPOl8g8TOxD5eoUWasvGI+D06FObY3IeaMT+Rp5nnW3cY
+9R9J2agXQALRWNW1QYskG90tks1XIOuBrwmwhxG2YZ6gndxhy+meVCvJHqd0jh+NQcbCE7WTPtZK
+4RIQzBtmKZL6HhW0jUs5fBtX1sVQJpaHEzLbJY0x3RTscg7D2EIsLqY0IbescJUbDc8AVlIsOvjI
+1fi2CJIR3mQ1Nl4JT5pZHPLtFs6YrWKpYNNSanz8Q1d5Q4D3gPsiVzaIYC9UVI9IxOFQqqgX2XHq
+D6atGDdSab7Gc3OXVIr9E6MeFEWI59jkxWBAZtRJ8rq3m8SEk4YLSpVmtYKHGaztONy7ZmvjPWtq
+Xo2uvcPYnq1RXpc/rE51cJXP5a0RuPNLPZRNvdKUJXUzH6qLEMv+1zAyhWfVi5RiyOsJrLIbXtGy
+6L5JoawLrFXki+aqN6eaRlDi2By6uAqfW7QZr9mgI2Ds60u9C4aNsIYRrkNnPBHvFvsGNSgHWPsw
+XdINRquXWtR3pdRpVKVmhJytHoH/leyrVuySymOatG3tVVJzNxkxctd9GxcLTiRWe45XQzL6eiTH
+L+Vgto5HVI1xR/ic85IOuYK/Ku50w3OygYjmIJq+mIT6XpZ9IZ47rJAXrhU01moiLJYfVY3xNtSK
+oFp15CwCoDTVKzrn2v1EPtm1HbrdhC3XGNbo8kAYtzE889wh5gWMiXO5BNZdtzHFYncQpSfVkVqk
+U3zRBmvah0pA0S5q4TUkUI4FGtWdhLhwqUg99lyncn6YZSN+lYr5M65q/VKziQHwphrnD1CwTd0k
+Ci+5kl6RC+xcuUaaXtK7tJJVMv+IVEImahWDizmOX0u1uRvrWfUcjfNAEQCujjsr2sbodnZqPLvH
+WmvKjWLpESaedmj9UImuM2xnW7OLg3VTNNpjjJxnl4RC3fK+/0gQS3ypdaAAEQTM+9DWWEGipjoM
+CbwKbEEiuxIl0HrRFv1VWajhUg1gH2nlltzRsS+PzNx8XajucBsT2fsTtp0CuLvSMrY9pvPAmcY8
+8BtCm4d8ie+ggoyWpSK/zQNFbDMdT5hWSN1TW1xOU6vGl0oT2pzPi3InuxFnczfKb3qDHSBzSkSt
+dvpdttpLsqgd4WbMl/2QhwTqAoPA5UZ+Q9GW6XrMwXdMxtj+0nD9bzpcbHeJyomKXAMsiksNisBD
+TrqNAoIEYuW1pdqgIFyDJM+Wyj8WRwNPxIw5dEWkgeMpTaTsh+6iic3IE8Xwgoc2+16PQ7elPE0K
+uYM7aJrh37LsfY+c7LVJ43ZvKHzuVRuVSS34X4Gw8XQjVINqINW9mmTmuo81favLmJilSkl+oMMW
+rJ1v/kncK/g9s2MiM+Ogt0m8rSRK6I4NyaYjnMI3zBJT7MjOi3K/2KV61F/EecnpPRtJm5aaoqxV
+zlCU4soeSVVb/JBiiD1+93sCAjSvw8fjD71Re7G4ms2h8gszh91Yufq21MSPWq2OXYeamCZM4mEz
+37FEK6vJUJ602JxWGJZiFG4zO4wMUG2qltd21YCn4hTb1rt5yHGh5Cm9wKgg4Eemh6QkW506h7Oq
+aYNBbSnwgeHabOcs3JKzeGWQUP4F/Mawy6zO9c0pCdezkR8BFWMu+2/2zmM7biRb10+EWvBmmkhP
+J1ISRXKCRRkCARvwEXj684HVdY9E3pZW9/hMyopEJoCI2PvfvxHZHts9WpnGqGO/JFxpGldv06I8
+9INsmLgQx+umTbjxMnxZ6snBgNAInBuDRmfD3h58GlxbQCfFkB4Y/Qf6XZTpmrQPgZvExhbYbGLG
+n3EeOCNcBYtE4Eq3YOy8fk1vHH011be+MYUcxku2mbzRiokcH08KC0fyUlJjk4olPFeDvoXb8eQm
+wefXBuH/rPD+1EtBBwBS+ve91NVzp8vn+vsvvdTfP/RPgpH3F0LHlWRrMppj0Aoo9o8bXoRbOfNQ
+eKKw8yh+/reVIqIVKD8EH1nHID+74dFlgcsyqoK44gYgi/9RiNFbRC5a6Uar4RTDbUYubxGC2sTh
+qMoKTORSy1s2yeTWl3Bj9edqzYRMU+9PlnIr5PAzSsAFA5KMQP/45O/ZOQPkOUyZfX1UitGBaUyY
+JfizOPz0ED78/ft+jk16O9HjKigcV0M0D5jpHdA4wHqcyE9RhC4iH59t1d4WDRWiCFy5M4253Fg9
+dAG3zY27fg7U38vl3066vehNk8pjhfJBzgRYCKkG5tvcpnHUIR7kwXDEZbNUewXnf0/QLN4ytFwE
+Z2fdmRBzkDeEpZW1kYmT9JtOClDnHsbqxwZ5R7ppSJxhAEkUHma7aLzDZS722i74s8jpqyp2SmOZ
+NkritoI1S09CHRpG/cKUtrhzyAzaLui7jxRga8/gt2fYUO0D9iz6kEwVhhwytTTT4xacaAN5ZSH3
+Vlmf0DfJ626GwId3FBYVDuZbs9/L55AQXxPh7KRfMrrr/VSX03054nHd56q+TKj88NgQBA7OjV1f
+ZokJlUho+UhkLD84KxFd9q1a4yP85C6a6OaI1pRmc+JW1RUWuiY/Swit6xyI3uZrmkGPGRh6/0+6
+0eE2UE124yF1ZcQdIdhBlo9gORDdbVNOuLJOq+o1H4Jw0/uoLBZHCYa61bx1EtGdi9Fub/tqSM7I
+G9TBbwnpaJFs7CxnmO5zs5ru23zxP/J07B3qAntX2x7hQL5qv+lmZj0EoLhirjWAQtI84iTOk2nB
+ro7+6lcWzB12CkMdXfq4rh8JV9cvVOj6s9nxI9rs+i9k2oaXiUrdEyYI1qexXIChh7m+VE0TXVYV
+aPWW2D4337gVcmi66IX2GqR+18ukjOd6Ijq4tYs76ZP3NFopyke76b65Cf+aUkE71IXwOI6GgpVa
+u2OLSzHLmYNQH3wxlqcm5OHqQM54p+Zltu0dXAMx0+3Lk8TlgymwV2DUY6gD+UnFXYocau+HWXvt
+IiaJyyidfhQmfq01ziXwEEyTTcNqnoRqp3uoY8tV1E78KifTB4kx/cZSfONoNuR1UqyL3Wi9GyM1
+J+RxfBffzaPNEGXkWqHPrjZTVk8/rILsEHIL3ZvU5UkkCHE2bi31tjLwst3i3sV9LVL5HJSRF+NY
+m+fbQRlE4TRZktz5ZtJ+A7FYruo5059tQMlDjZ8Ddu9kKHGoD9/N3Lc+4cM9b7NVHG8Z3Ns+5TkS
+4sitXl/RslbTD42b/n5BOJ4SecSTcH1EuWSr6xdccOVjmQbJueyLx9nox/Oa7XKThi/mGNFQCKPy
+M4aNlU2aofeEexPBkKiA71ObdxMNeyEONjYTW5eqjhN7+jG4gbyWucdLqewpVhkPCoeaYZ+0rryR
+lePeRMPs3Yw6sT7VopePo+c3T7gA8LYG+A2RCts8OUhzL3IMrj6qUId0l3mIBU49N89pSDUG1K4N
+JK4kWL9+uTBjEYATGXdKy3rYKpEvVzBe+i+SkeadbgYrJOeX+2PR25xVmVexP5viODQ2aBB4gzhg
+O9N9Y0BLL0gpNwZItcOWag3nFCyYAoS4ttNeDz5OOfYXiCxr9u30GoQrutF9FEjcycelbqpdJGuL
+Ue8QLc3jlW5nwp/n1BndO0xusDtxlf5s4bIUNz7R2xuCiMHkCKPa8x565maA4ETJpAa2prG+HpvI
+3mC1EJ1do/gwmL1x25jlneGN124lqz1ifO926ZjLe4Fyrjsv/Zh4yXWFaHxrwpc4pvaSnSq7+NxD
+At1hDD3uRld/FSGJY+40fi8yuzoZdfpNj252yha4dbU1yssGyG9XeiBGDJuH75bo210q+gtcIJI9
+yk3rrJYi2lqaAr0MvBRCeCqu3cXVV0YkJx13+LL4eXg2CmpqUbb1spFR0p7QMKyJ2sT6IFD3NpUo
+4HdUZfmSymUI4THVAS51JPWQe3mn60Ds7MqILnLs0K6gO81YALBg8dCxLoRG8zuSQH5aoCjFtjXR
+HdTGdKwCnFrkQJJ1MwM4SSdkWdarZ5yJ6As4z7yYPREdKeY/OlUS7RlU95dWHTnlzubef+vlPPvg
+IpGBCozkhoQhzjAd8UYJ9r41P9UYMl6OvV3GtW2O6OEiC8ZJRFaXR3bUVif9NwdkAyAv5czjAA/3
+WHPQopO6ustrv72D6mrhEVL0exQwGW7UBVl0UagIHpoQyzmFuqjVqtUui+IR2XcTxD551odITGKO
+YQeH28gLYepPrkOF6MCrs+yQrtVzghOcDdvcajYR3KUKafcES2GQ5Ja9vJiXBCMxgPETiENPeF7G
+qup3aYp+o2Z4vQIA3ln6nfq8zE4ed6sZFIS+41xunclozhapRs9kn3kwF6rlk8xlg79RHx3V4kWn
+akz0B1E4BE6TLn4uCEeIfbtEPu8X5ETPabHrXce9DXroOk2yMrjTDmsZU4b71pjgq+HKuJk9h6iV
+yMkfAj/Fd8jUM/kaGpuLaDL2xGI0iA6r25IUr7gX5nwSwlGgcNO0TY00use20DqUgjfed5psBT5x
+C58T96qBRSE2xWzcVYMKgVcWfSbzAc8Q14swjmv9rvpBmuE1Uu7gMlJoiGN3nmloSzQ4CB6y4kqS
+cH6SMNfo/zK/uyiXxHkcMSoH5/VmYDgbZPki02kRxrmVmz8k1gwlyTG1r7Zmbk6npW2jWFZGdxiJ
+An4EyhWCobrIL90h7b+RHOibV1bvTiubMSxy79FeXZJnTBnwJGlqGP2GIrAtyLzpa5OTADmU81oX
+yPYWD4Nyi/C5bnYYnokLokDQQGL1kge8flV2QovcXUZt37ioFSFhkDDhCRxfyLeJc0E2orZBppas
+ll9tGRp93JFLtz4bc/NaIuW5wzkERx3/x55gDjvx2Jzl8D0k8k7CO2McuTdJskqB1UL9wkwyhItp
+JHcSBhdroKBMCBJTJtvUGymIMlHFbSa9mwU/rzujkfIxmoST7Uc6VDxbYNXFFUVeRmSPkl+VHGEK
+ZhDXcVHidEZiSrDEa/HVCtv6hPtO/13iiBpubS/j+1nVOplXWts7ylD/o8ImvsfLqG1xCiOcYZtn
+dnmCBFVfllhpHV2zn7dVw1Bg6HIgy0ramBdlXs/hHlWNcVeDft0L20lvUrLttrXny+t0ef0UUfvg
+kGUhSPFq1015qfTLgBnrRkQB5UnUttYHtsH6uyN9JopGyuS4p0w8+ykb0abq+Diridchs4zxPhMm
+z85qjbCOzarTh7Ty9QUx73z/cZq36Wqw0VBsPaLZq+Jer+UvTgyPwaBK/N34CgzJEbFUSr8g2hZE
+nybNrs5FRMj7DOCtvQQ8oZFOiRNx1N7+voeBpPCuVwqQMazaLez6VgLkr+Nbj9mULIFdjwoXk5iI
+Bwl+VxGW3WjFWyFQF0aZE7xMtp6OzH+YCVn2M0LjL5jMORAmOaYMb063I+rSq6mz3cdJ4hAlFqe4
+MM3KebLRKynsECRpiZgxhafEt4otdvvLXihuZMUjPDIX827I4sP9RFXUCWUVXXJwL0RaOvoCDva8
+7Vo0iM36ZG1cWO+mtPM/Gl6gX6owNXGHrl2XECFwMg4Ln3pjbsrTOPLiZElDrUSTQj2YFvyhxQ14
+9B3Gipi1rDWSqpf2tkZ7yLPELwaUl0KKuKZ+45KC9NF1CrljIEcQObPCy3xsOfstWj3MAaf7dDFS
+wF/PLp86h9nZeSiXgLyEZE65SUKQFqn6Qe28tMjMeJROUmJE5BBOgu8v0+ne3fKFavu+SXAe7VsH
+z6vABzc6kXshtsmy/oeEQirZmj2EozgRiJYmtB2hfQFLr8cGx1GSXZBaqjOzvN4CHvON0zoicYaX
+HzNPRQkVKHwcDTChmDbGxJmDArAP3f6LiYdWjFmSF/ee0XRxFUl0Zx0Fc5i58qvOx2LfiUEcxolT
+zSzm5YivLYVcVvvj/SDKp6Cjbl+UJR/DuXTEttNiopjn3kWrJ895WVYehZcZdxgUOSeLBXtbOJM4
+AEkFdUyaTXkavLB5Vtponl1tcSbbpQ20pXiezhB2H+gAwksNcLyBAYChVFn3X+qKGlIpHCRNNTRP
+w1pT11lUxlk1kNPhLqWaNthYjHtrSasTloJUi3XgbDizgtvK6cZ70xptgk/t5tnrO3HAREJfSIuu
+BWh5YeUNjdUTckEj37alvB7IQCEwxFXN85DUQK3hQEWauC7OMIREskZ6c8ScWVn8z8Fc2m9Nrbgr
+1UKGIlX5xhPucoQL2p5b2YKGEByFM260bl1ZhTOppwMa78puH5DzhZfWTHuL6210mVqyOxOSW1/6
+hLUf4M3pQ23aXtyE9XRPNjBt1azFIVw7b9h28roq6MsDQXsCsW55CVmly06Ei3ws/OrDpBhrDeNA
+m2N66Y1Vu/iyzRksS5dfWhtrwbJ+auVGgAchIgimRHDXLrUzlydrXapkOS8cJOCgkib1yWsV3tkd
++bqbHN7ZbmQc/VmvTYNQJo1Tptz21qw7nkyTcwS87oGyTtf5SGpromdCXlWKDfppB68lAC2+XRno
+iyXFqVRNoBqvryGW92zgaY2NrhoNPAVTOk2n1+3ta6ddO7w++CmUsY8dIlm2dB84IApS4TnISrh6
+l2PiQzJe2zIjNbgNSAuDGKCHW78CKIvADraQNOJzlr0Qz6evFpZbHSu9hnrOqw91mIIamFIVd610
+FVFGGSGqENPI8W3w/WxHrBIxaeQRpzPpWgp73A3cU+Y76cIShBgM9JH4jDfTwvRiORrNjkAV2kgA
+k3lXY3wcY6uPl3KBFywHjckQx4cYCG8JJAYnyvZhcVwACm+Y22/4/ts7HBT15xoPt01id+XJWJta
+XBnY1uikkvNrh4wrj7kJe3yJ43oR/KbKpsluF7Y4x+Lyr31zACZ+pQows7rJ3JNhGj9Mc1nLlMDg
+8ZUVh1TbIxL4+9UUQEbSpSUncDi5M62yvpSNvU4H3PAyHPr2obEoj0jOBctAglZfzsiibyaXCjdO
+zYHN3bD77/guNE8q7cJtZ7bR5RywzzZzxi3MvLb7ZmKIjT9VQahfT9m6633KIqLRosv1fW67dRtG
+fN9flH0JEhSJgFqj6PjxCDLEhYAS/ilb0ca5zddTgML4yQp5Jdxl7L+PbdI8Z1aS3gTwK/ZWt74/
+uPBhqwf+U/p8nWRFHV7LijACmcK2sLirSHbbLy7HpM9A9tPr2WANQG9jmGY3AVs+/T7g1WR47k2Q
+Gh5HxRyFl23EHW51YX+aOz3FUYVhr99Qgbi0IXHm59Yn6WO0KeBmnCKAuZMuzfoSw/T60rMpHqr1
+GWTUS489wh2575aGomhmKExOwnSvZ8oTWYCLmE1pfzKqms2WfewBm1X5iAw8OdM3+vErFDMNgEUh
+XqXntM7mba4AMnp2ExlTXhb7NFS8IY0io2OgyKxY2BikOaBPTcmi0ObUPBFVBDA4g9U5IqFEGyhY
+HBIMtjag3o7DnpfndZtV0EQOdOz6omvc9AvdlJYbbVdrHQcP4aw6BpsdzfJnGVAtGcS26XjqJ26m
+yfaWTayjInI4tfxJUls7vGuGmdypGZzCLlUlTjXJVudZloA361aJ6YC96wqnuGG0hou9LzBPSjGq
+dtqI8yGjVWVNdqCCCIv130NUpw3GH0GdqMPAR98QjM3CFRHFnywb+RXfU0qOlunOKa9ZZEKK7Aa3
+6qdp8rhrC8PwE+FwLJWp4B4MpUkVOs3tA1VJ7m5GpbFmxPYuom4ZPXE9465sbeaWcqJpEicmlU5v
+p5EHrkM04IUNlPn6r68LU1c5R4xhjd03b+ZMlRwqp3oZ1Acs1vW+ynJxaOaGBS3c9pwGHpsMfLn0
+xpWwJWAAiOVK+guV8Bxo0g6Kl9FdGn+X9TQOrwBd0GMDiF373bxWAVq1lMLSXsYDDRzfeD4FZY5J
+Wug+Ll2a4T4HAj7QyO5GbyVskNEcnodk+JNWx3pLGV8hb+woMBTBTiZ4l0IyNoR0S2T4R1cADhMl
+PXo3gT/YRFLj4KxdtrYsovgeUlN9CFJcTvLew9yT4iCFJnOH4Wl77p1JX9SzbB/G0XVvcGJXn9kS
+lj8QI99RdNcPGyJgQmKHGPpdeglkySKYDKc/QvoxN1Nf+x+1pBczLbLljZHGBLSCQtSaaIow6Ka0
+Aso4F9Q8z7kEWn192L8v+F/pz7/ORhwPMhNyCqQV7jsJR4pVnx2JtD9WldPyokXO6kM3tpfLDK+p
+68ZsS/e+7DS8TgqdEZAN7hnFY7Z2cgis7/KZlwoHI3aDxGu+ExQW3IY+s1t2WQpDo2uY76+0i99/
+8v9Pp0JM2+vTD5BjvpP/d3ZUNGlqDDAA7PacwNxfkXuqxzZvO9zY10mE04bbiT3xqdecIvVc0xeO
+g/ev2cv/jSr/OKr03N/SPq+wjX3+lo39j2Hof51Xvv7kP+ld0V9Q5f2V/QnaBduSCd4/80rnLw+C
+J+LpkLGa6zk0rP/ifrr261QSOzdyuhC2rXFH/8R3WX/ZzqpJ4s3wOQ0ZgP5Dfv3XJA/e7L8frb3p
+iUOuAHMaSj/1CZ/uDXs8cjQurNKQR/hULxkt5wEbU4gpIarO37/U73naFhRX00U6z8DrndixrPH+
+WtumI5wP1BimfJJ1ozbk443xf34lroFIH+k0pozrJ/mJpk0oaLJ0hNvifliMcTKaN/1E4q/fLvf/
+8YVYnTgUrrxzk2v9eqEJCnbUdIs8as6VoixeEkO85Pz9v7mMh7oRPeX74SdWYFiKeUqy4cCWikKG
+i6RtlnGhxH9x63hXIZtjtsQI/a0GPJVm5eKkLYlaq7pLZY6UwY1NL1Lnf/hS/vsXDwbzGgQVOaTG
+vRXzBVPFDC2CrpLNc8FcTt/pVN1jwn4vpyn8w4b69izlLQ9RBkCzxmIiit7aSBmW17A2G3kEagTk
+o6Q55mGbbBpDPJshaJUgJWJjaTJS/vNH57/6Sr4qV94uL79rQGVAL4+cK83HESfXjQfz+R47ROcP
+62t92X4+7V6/I+cduwLSI1b1ry/jMuajxutMYkxEAFTFnHRHwHjy8b/4Qj9dZcXYflpbK8NiMhjq
+HY1IkffRqfupmuszYeD/1a376Upvdqa5qDLogFwpK0e99VX+DGMIm8I/Lq/3xplULx4+sSsP32NQ
+8QYXTEcmni7F/3FAwY6vcd9sBoVobXbch1ZgDwxuyPADZHbvdUxIMZP7gw2PZ77fHfFWCUNeziBy
+cclbl8tP97VJKi+sGlmh9rCbrTQng4ReSZm7uJXeRUz+t1bUWfsW8svR7FSzzUsnoqx36zPUDMwF
+ZlpxkpJwqOyYBX57RbKDPHFOa6jifgyKF40D6ildrOlKBn0CPWLp/Y0dUcM0kj9C0G21A/GymdBj
+sR6otrrVXWR/KQIbEUCSJ09TRa0+V8o7JgEJTY0mdmPOWVJFoAhr6jVBs7DXQVOnljZrGLBIGouy
+3iFCqj+STuCesVCfv7UJB42FNuCMPztXyd3mYg77KY+zIMyanXZL82tONgTGL3weA3nMc5XwpYtp
+kPsG9twNs0S4YjDukRk6SULS9VhGCiR9iA5wR+W+NRnI5S2gPgIFI65Mvt1SsXdWeBvHQPQ2HA72
+tywV2Prj5U1sBLH3iBebIZ4Q7J/dio4KY5HmwjIHdIgVtWEYVUZMPrv9Jc0m70KlVv6Uhk1578+A
+q23vyMfWr+wvCd9dboIZmFBW7rjwmaaVsh/IaIgdR7PdKN8F2jGANe77mfAc+k84coYYnhJuDaEB
+rbzxx/zFtHimI+bZXyA9v6h+Tj4O/tKc5nV3zhAlXGgI7cCWdF68vlFUZuQj+eoOf1L3xKEyxLBT
+xGFKS2dDJSLWwKOxPosUG9eNOzIqTR0Z3UC1r198gtmuLQLMDv5YIl23jZmBwevKK3viqshHCi+h
+DEJBF9wEPBLI2nIzHVetTD+FC17yxOyJ4iki2WJTwWDekgOVwzIgw2Ih1qTzywOMQVNeWUCs0dbP
+kukhS6QR7ZiZQhSum0KQ4A54dkke4vIlxDX6EwOm6sUOsubMd9QIgNi84Sy1Rze3ovuGxf3JIVoz
+j6FRe7jxw9ApcNfJJnIHFPh6h70VCn6bRzAkqvAI6JJpsyGOwcA7xo/u+7Zj2bnmYsQwTCMshaKQ
+xl+u5u7YjGf3+Cyl0wEiZf4cITTdRzXrCF9TaEUimuAuTomihYymh6VbigNGuANGFEZni30uHW/Z
+LfCH2k3XpzNkV2QCX7E167/bC2sL7rO2tkgq+s9TMMjHNHe9i0CXbONgwh6aPsM5w4cTzCFnYcRW
+wZPwsrR4alO7PquEYArGZ3ZcdPkLvXgEdch3znwQa09ckt4auqc1z2BQXBPcw5w6LdcUB54QrOmC
+v7CxZiFtBAGoycd86saCAD2V/ahl5B1rtCUb7Wc+OePW+CB7PR1wqCAPJRp5EZY5rPFNFy89TKhN
+axAd0VvlAeLtj2Hsgm3Wq491a8NwmL6OmRbnqvZBTBOo/JzGwW02siiZd6sdaNp0NQ1dtEsL1jnW
+QglU5KD4ElpyucA4fF8tQFXpouQQV3PRF+SQ5OhShpKXml1RfchKeC31mEc3DnUtk0JWfTGWIAyT
+TBiZkNa3dOxu1TxMB2s9+qXL97ar/Fn0RngT4iv0XCoyf5xpsJAQzwBrbuKc1cgbhXds8jRGsDfM
+UjfbCU7tzusXllEVthFeXCOu3EYHB51wByPOiAi8tXw4/K5ZPnseG2XXsX+QbhTcLoLwJ3jRepsE
+Lbiw54zhLeEtHUA4wZQEf/IajlHXHkqzGre5ztnE7LHZ+jOX7sCojwI/epgG1vwtwzlC1kg90qgn
+9AKry10nyhtHEryRzU7IQ6jkTd+upX1jNxelJXmZAGFQ9VSWi50Fd0ckEbCaD+b4uuvCk3scitD6
+Yc7sVtP6jnjmYl0XySCuc0+l+0ljvRDMFDMbwxg8EgW9fQ+cGhM3YMees7AjDo2Kp8VvPsNoim6W
+IKm3ygy6mAN3xmBwYOcuza7Dqs+vP00yTeIQ7vg5Wcbqth/Ze4yU3WOOWPTFVHHPCe7eOzkuG2k9
+iWsnsc2vkTUOF6COlMTNeBMWfXnsfXM65Bla8wr12tXQiRtHONODkef9jVbZcJXkyxdicWYYNDDh
+Qo2TqbtY3nGJxMJkpa1uiEhFK1Q8Bi0xK8yAX5p0tSEfxGfW8303waa3MZ8kHK9qkRU4eLdoaBgc
+i+mBzf2r4TXjxg449Fa19MkQWXlPwEl97mp2HLMK4UyZllytwcAf/95kSbpCw80z2NP+zZvCJy+S
+cxtdFMKb8Yho3e0OzH02NlOJeTP0UV4z9inZzHL6zJZXJI+qGIJgcarn1oyQEQWrGQ4xp1s9tcjK
+SumIillsO5gwRGYY97KyP/eVXZ3n1qnOTTCYklELjAmn7MftaCGaL0GEFUZwF3q2VbVw+JQd+18V
+zAkChJmZpVnkUN5dMVUZ8oPIIbaIoLspPMPsgXid+KMTODHtAAplhGZd8NLrPCMobiqqH9KD62OJ
+NDgpxjnwHXXUraClZ4K9K/Z1Ha76V+LnhuFD7QeI/nKXcCeGemmOyjvrXBCR0ZoYPFv9U1iYBaQm
+VX6ccweJj7R8MFfqe/gWMtDTuS7zYiuk+dUNx6PMczgM2mGw4aEZtn3WFxvHdOt5uXFlObUBHy6o
+cNh3bX1gndrOpskZWI9lOBztFidD1SbPReYVBK3aBZF6DFbJYbMeUF+ra2LtyfYC7De3tWuPRhyV
+znLNck2/pWUA6aSweoNpjIqobg3jJJRnhvsgrdjfXJ/t202pTmjY3HkzE8fgbSVf+FgwHGRsqb3p
+D2zf95LytSAmbNnDSccEunhTjEo8k0kdHotjVlXueZz66qVxyBXZzMPcm9UmdSmtyrLktmW5NVxP
+PpWFhaDuRlqUVfD2njm46nNog1Fpm1anFxI+aqlH7wLufnRZd3nHKKOPdsPUMigZwNeO6eom7JC3
+2exctJMf8Zh3nx0fXfom4i+H0LCCW8h6bLeJVjhACZE/ve6BNQKWMJ4X5BN/6Krey7BX7nNIRxV5
+wJvWq+33T4V5vxDSOfZmeQSwZu+15+kKF3gzwFqImolETnGNliKDgbhQYxUR2iU2P+9icCrIQlb0
+p74Zuvyvbd7fXOzVVB1L33fGsEFKECbp8eWxq6z70WS0UHC+zIF4rsvxLtEc+b/v+N416rwMOO1x
+JYveBGHXr50JxB+vSpkwHKeWgrQmM5LDmtKkRhp8Ybjof35/vffeNOsFA281tsBT8J3TXt1R7Ll+
+gSdpSFTnhh2z2Qr0SwQJ82INxAvsip53zffC+cPrETyTlucfMnu29tAvDfRvpfdM+Nl0UKhQ/vBG
+vOuzSeDA4gTCKyuE+/LmfmDYNfs4iIgjqjO4mkbaXEh3/tMafIdYcBWACly2Mc/Hz+rNEkQdNyV+
+3Yij71K5+rinYpHrD3ELNEw4VkGSHLIacc0kdnr4/QOwV6TgFyQhoj4AOg9Xt8P3KQTaKtypK2c8
+gPo5TRglw5EykiR6qkbq0r6ZPX0TGV50X7v6voh0+2KgWt0NeiI1eGjqTKybXYfatxxDh3mFpJZz
+i+5I8QspAcrY9zaxkuGE9o6u8fXT/x9e/Se82rIiXpLfSGvEN/wwn+tfoOq/f+hfUHVo/4W4g0WO
+dAaHElwH/h9UHZl/uWgFIjz1kct6ro9C5B+oOvwLv0jEGT6kKhMgmU/xv1A1qbe4WK/QJYuGaJU3
+0PTvoOq37qsgW5bjuHDfMMRw8Y18syZQn0L4LXvromYAP7TxlFZCHTuPLh0SUI1NV5NpMtHywjJm
+6k08syFdZRIyQSS9Z6KHa9uCiYqjLHHVub9gV48Nu5tfpHaLJBUqHGurrXt0JD/d6X+h7j/rZ9ZP
+9tOKstmQwaFXTyA2Do9t49c9NOzHucT+qbuAjKTurKw2Yo8a6VJPgclAVNOW/v6CnATvLolz/npI
+gOv7PM032LQhSgJcxya98P3oshkCkiHLiaP+gJ9j2iKCaI32aHUm/EYMRVsVj+4UuMfIZ+PZeylZ
+eqckQD+zWVBswsP2E0AMeyDSNawFHPSmHum2Vp5BaVvDcnCTurnI+zWHAECFI9sqVgVv27XVEntk
+7DBbn2vuteFP6q5cqAxsa/Geh1o2/SZvQy4VgQWkuy5I1orfSyx7Q8wtkIDPE6GyHfpx3OMMpq+0
+j4KlQ2bSAtKx13cOZ6/Go5UQhIE01y4ERIiDVOh0B+loTncgKuqDmbklBPcstT9Z0GqWjQh6vhtJ
+cu2jkZEjnfozH0PZIlRElNvy0Z5mos/8xm6zG5VVfKJIe86JUzZTnzskURgDtgYzTTvPrB7zGyYS
+11hGBsbeD7QvH2xIDNl56Hrev7QvF7AsUrzulq6GqOCUtvoiQ0sZT449cOdETzQIpOdGNadOIg+K
+J4JnFtLmYCJSuE/8XzkWfDpylymo1NJCfjNIIstW0hhwXkPaLNxUONtiTXTxnnO28PtR03BMY8eP
+w8Whm2mFf4tJH7/a7FtuktDoUDe+y6jrIUMVI4/uYlbVjvvojLEnHG6LMEpABOUx+vyol4bHOq2h
+PBeYdJXZeVkfSbDenIiMQJ4fEXsXUWsAbIhyMIJ4IZXjKsPH49bAtYPUeMXiXRmhIXQzYeEG3mkW
+YYmcgeoe89tg20x2uUPLkW5Lr7VWLrPSnxiBD9ecPjRGVU7oKzP+ETFGPnhXWqf+vTEF1vU8yfID
+Sb7pM2JxcQQ4dsNY2HXwXKfF9EU6Zq4gyvHKZjPj82mehjDO8rWgrkiK13iS+B48xiaI7g18Oodb
+WyyGv/WmgNdm6gJu7ywqv7sxB+Xh+uRhkYJL2dg6FsYMbpgtDi27a9jfgEt5dsKhSHjROYYmj/xj
+lb9gA6nuRGWCL/g4JWFLwDvSwxsZY9pWtO32+uTLwmj9jZHMPFvIiCUYZtDIR+4Miysghn45FLKZ
+k31vGrJ/6BNP3YVs8d3OWAJusLDxtzsU8C8uPNQXcpPgX3JMpxzAME9s9YHhRXsciepUlw6h9il5
+1CNXAaHKF/zMe3A5pIXclyBaScHjKs6vs8LuPhXLYhj3xhgs7eVgd0b3QSt47fuSenj+vFT0cJ+F
+i3b4LplySLdQzLE+mRzntExrTb/ointJQ8e9VOZMFxBFKTeCGVR3xOEDnZ/LrkIcbIs0MX59kQtl
+8OCI02Yd+9O6KIYOwg2uBVBN2cwbG1W0gWqLgVDmP6gyHO2bPGFcD4nNKppvgTNb15kfAvSHZcU1
+jSLFqCBI0i5/6qwOIuvGGxGZOEk4FF86dggrQ5azeN1NU9W1j0MCngHRLihJeN7ZBe52GxjH+blv
+A575UHbWdT4sjvoSjklb/PCC2sYFwNVtSvyyOdn2TcX5s7SwYeCinpLaDkk9bxrfNE+Z7dCgE4cC
+uG7grIsMbIEXJdLwusYA68GbxmSNhv4YYNE8x1bVjJ8R8hk7KBUZtjeyj50xzU5OGSVo9Mhz3FQC
+7zvLsbB/yYLKOwK7+Kujbd4aAgyb3mbv0n3XOUMAndRsMs1JytC87/F9iZ3KfDLAWTZDDamp0DVh
+ytmswiM5qv/D3pktx41k2fZX+geQBseMVyAGRjA4UySlFxgzKWGeHIBj+Pq7EMrslqi8Uqufy8os
+rayyyGBEONyPn7P32vGfRRe5n6fYjLDpyOqG3MDTANVi3uaFnO4I4Ys/2aaqtiWH1Iayz7xn6FZ9
+ElZS7gxgBBHZDqUd6L0rb/2Y8Gq3ybksGgTUXsGsKD4YWefCmuj63YL7O9DUBCqYtGfyb8fmRhVL
+ebJpL2wHFJB3bOvNp8wfkgdlFbejq0/ZXrakerYz4Ys6dedepXX6EHdO8QEOexfvZF9hGuAA2xR5
+uxwLzc93eFDTQLVjtQokaZ2kyqwfOXSal8oum2STLV2181K9fk4cZ/1oCV8MCOsbcLO7w3TdOJOJ
+f1yVZA+73ZdUunJTIL65MFZM/4jS95ogZNfaJLpdER87Uw5sOmkouqFlvfeKdl6nXGZ9WBOad7Et
+7nC6N3sdwtqGMMnmBaEfrR88bc6h4jqstnPpDtdtb0UPfpM4e61b8p2tAWAEVbN44N0c51pL+vaS
+DXu+gGs6H0ZN+DAK83E7d5JgZGTZYTvMGTrOznlUqVredL3ILn3PXy4hT/jF741kKYk8dPjQMHEV
+ky7wviSay9jqfdlbRxSenGEuusuUzZ8bAUJoGkd0PvipUCsV/12nbTdd/LxEeneR5g+AkM9/zrda
+k9vm9zVZW5emlxXoAKe+oZlSrU3d0eQUtDQawjhj6suIbeYXr/ru9nh+1RXehTdcEFL1fiBsRUvi
+JqPtH+F1NB+xTLIzNb1BkfPzd/dunnh+HQREpG1Qbq6yi+/fnUpqZ+j8ODpadMnZ1HXJobHKs+0p
+Ysf6/RdbZ858nAJpyntUnWAT0WKq0OMZ51KvMtqzQEFLB3/785f6sZKmK4DCm8uADnfx/SS/jX23
+0aY1z9WZxXW1yjNt4Kr0Afv6snPpu/326wkuQoJlojt4yd9N1YVXs28UpX1cpiR6+noGVgmQMBAi
+60ylSwmo/MXH+eMaYQpn8zZ1iLSGrb97zbqyWn0qcFcMQ7qmUiKwnMT4qxief30VkIk+uS829IB3
+67+IjLGK0s45xkh4L+YU0azr/RJR+m+vwoXSg4hCO+OH2brTm0Zra7yXs/LCSRnfIIT+P3xLNvEk
+EBC47aw4hO9Xe94ymiUq3j4aEbJuwJZ8J2oGRLBF0iGu+2ZSyy+udD9uH+zpbCG8LYIFeNnvX7JK
+VTSPhWMdtTpyXgQSaGajilJkAIS9rVCeg0bpFjavny/IHx9s+JNIZsgoI9/jhwVJrFGqL41t4L7n
+4YpqtqneQTCzZGj9f/5S//IWWRxIm6jB4a6+36tcnLW8VGmgU16VsaWoLxcQLR8La+0+rze4aV01
+P3/Rf3t/oKc9hG02cgxzvdd+029VuCfMxHfEsXCQsVQlkoVC95I9F51fPmjnLtr393Kf7gTAXsv1
+Xe/HJ22deeo8zoxKO6TNmShtwgxcvbhv1CKvawz9TC5myuRppK5j8DZ316rFwbljfmVxuaiZFuJ1
+eQPqbFJ1LhXDdy93ml+l8Py472FvMt1VL4WCSbyXmlVwAVNsi6zwkp5pmEaI4bNJ47giQImllvmU
+9T//JsSPz+6aoERdSSsSndt7TUpc0C+JOGKOmqdR606eyf2BpGHclVJwYiVNtK73LBXX7VC0HxGE
+L2Jjpv5033ZGWxBFPiztjioJxTQ+p2Tz8z/w3z6TVTmJTs3kuzv3Mb9ZKnoLM0N5PPXl4lF063b2
+ScRMygnRq1IU5iCMfv6CP6xNRIXr00ArhyWKOfz7tdmm3Vr0z8tRWZH12uEly4K5rVim0zre+P0X
+o29EFCHBbD9mPSOl8Ml98efjFDPXzirc/3jiuOXYesMt6ecv9sNXzTvz1vwEHToO29m7p67MNdF0
+kT4fncjmYhmnPSuLB5Fb4s9fyHhnwkQKy3a5nt3oGTlR3xcmBRi6yWnckQNcJt2tzh1uCDWv64mH
+gLLfXTaZohNixdhpkjFh6lY0rinpJa/HYN1O90ma0yfQRi5LDPuweC0u82Ndc2hl0fUydzohilzP
+25zL8ci45LavsFqXv7sRnyPGGJNxriH+fF+JpBU0CLfsuqOxMD8emVJc4ilL97E+/3bRw0uxBixG
+AbT0fpiIoPA3ejVhtJHIiTGvZLx/knn8Lfl99aVVTb/sH66n1zcbo8WxhlSSR58hAALk999StZSm
+aKVtHZ12sj6TNqWO0or8p3NDxHFJHt+0S2F/qKfJ+MVDZrxfItYq0kSsafLK6wzSNr9/zKwCgQE6
+l+woYF6UCzZ1zyFQZsYCYULsnGAIYqvNAa/VDHuv/RgpRGXKOL0w+hklhWFk870+lHQRl3zt17RE
+HVPXD7Ayg7NfRZZOl+F3F+mt289axW8aU/vCRw/EmDj3TLh4WceMf11ehcZhsJ97KZqjknMDgNDp
+plt7nGiNdRHD20uQhhz0aavilYHNCPjK1le+rS7y8m6k23AtnV7bT1bq3BJQqQFhcyuGu6qHRKG7
+ABJOtKX1Kuxce/CDxJLNqc8tOBJuQc7PpgbzzgV6SY84TEWI/cweMIeKpIXPMbTEi9P71hVQEnPJ
+VlV1QWbqggFXFOJtlF5OU1zDjRr6U7M2Q8EBJLdqnvjvrtaiJXNqWpRIdnyiHgjP41JStQv/dmnd
+v4tPlUPQ3PnFWte0Dc9aUhU2aKSqAwGRi3iVts5y8vND7GnTfTMtZXKLSqioT3ncqv6uQ3xTbpDz
+8HTXomzy+3pBTrKRQy/aHSPI6T4nofUUO06d3yMC6N4m5q4LHd7MXj6bTjVYV7IVaytqLPiaMVry
+g7x1+9XG/UD2HcJmZoNGZp3UijagowGBArhdn087p8ENvKEPQucK6huNcK+cHXOLeJDfCIcxQpE1
+mtWhnbJBe5jqlJdu84VTy9cZ27dBUpidcVONyu7vRaol3SZnuSS3XBfxi4rZBTiAfM86KCU7N8eM
+obRwaSoMm47BFm4vMSuoqhRXXMMdU/dkqUiMhwSLZcS5KpCz1LKgp+UR5Lvsp4IrJDg7ny4jE+dJ
+PorKlgWuV5sFBnbfMa61VHI2nOsAevasPuyjtBoShyncEYcJhvKIRojX0m2rpy/w7qJbzOHISs8t
+OLsY+GPMZBKPVmbYr2mUJNG2Gzp02V8fK2eVzOmrx2t0IWC9VqStSZrzpKyKSSRMQTkV29DoETaE
+0rFZRa23euGSwuZzNbq1Z25m3fAn4uRR7SaEibdfRzPkkr9GtrkWErFFbefVLipPka2dWEl7PmhI
+XLvAyE0H/nz8uc5AkzGhd+WebJd5RJDr6ZTtsMPo3SU6Hx7TstGYNBSzxQdrgV8zd5lvxOldV7X8
+IUKnd7JrCqO7rxbRTp+GyTU1UCCunef3Xk204pU9FeLRybIKGDTwrfmzpzHJ2KIXN6y7WTR0gZOZ
+2hh4rhjdkvOYMUBSBwndAtaKxTQHWabVm+4zhXneI8mUPVCDoEhVA1clihAKhGzhdnYsZEe3fi5o
+SuLCrBaPjgBqs2Op6xOtNjrkvUeDbBlUNn498f8zJ/3lnNT1GF7+ZE5aV8S8vH4/Jj3/zN9jUqFb
+f3AwOdzD1qYHp/9/j0mZn0EnRKHBJBQNA0Lu/xmT+tDcwQLqlI60O5213/TPmNT6AxULI1caNdyT
+6Qz9zpgUsvz3hzf3JkQ7a56YSZ+Jq9Ra7H1TFzcLMOIomnGRNo0vwkIrWXaUSytc2cnnC5ehTgXQ
+JMY8uQ4mrqC+aWEB6f+ti7ylDpAeGfhh9aSdoDC15YrNdJ2/FnxpW8y1ngWXqplPdQub+jldrPZU
+d4v+lpnxBMtjyEno1mlir4Axpcx9qiH/c/veNQ5d6yt1nMxUjleycaptwt6MgM0oZrrLDjwb9vBQ
+DFEf2LN20oe5SRGqe0B9smoxNu0sP6nBoPFuJPiH1aTP4ZyhUaSAHmyopsRw+F6UQDkbKzsJLSdJ
+r8jBGQ9DMbgXGlF8B1WXUKJlWk13qtX2RjYYm9rwgXxM5IlqRc8MKK7Xv2pesufJ7hqa6mazGRiR
+JL5gT8oWIYUAUI2IYTPURTZhYDSl3aOMWTkbBDd14aJFOREwfPN8yvoyiNvUSO0j8sjuFqRTBsga
+89dffCLgAJDxRfJxcQiOYaDRadalK+Mp32YSmKE1gprZS69JIEJNxniFrxaeUEHixSyEXu2cxSsV
+ojkorL15QfxnQp0cdjnqZfdyGSbat0soOqItpy3cniFLUFTFkg7yQZS58NUlGGYk4+w4gsvI+Qh3
+3QYbrA3iBDPXfQfZ/LYAQTW9+RXI9y9+JrovxIYYo3ltgKsvmUmUkdg5fbrWWpzy7ksDS8iCSeCr
+E6il/MgJTvEENz0iDqUYskNq+ZW5lUV+B4lYbnVg6UGU5ONNR7B2sMq7WJZTXm/mJidDiOL46GV5
+DR9KX3YAevJ9Dr9QpM103zuDBUBEK4xN6sukCou2j4+e17tWaJl82qEB4J7et656oktm+0Aakdwt
+/tK91kZT/GX0rTB3fo7TPpAtWNjei4D5xyAITJDEvsBL24+BZcbFMSvTTFxY1fApyajhwqW27Ns1
+INQOaquJybazdGDdVrnDKqHtlWlVoBZ1eVU4ZrMXi5juKkBwZKzkXnZjichFKe+hC88NPb80RNwi
+9DM6taGTUB0U0IrrFKGsEYBTsk6Uk8uxihY9WMDBkTOQvPI3ZjsPX/VuKOJrJyHXYDNYzokGI/Pc
+KY8+JTLxCUtc1L7JTGubt3l1HITbfKDMvQZzZt+tK/smEp2+cXUTR0QrrhY4UgEW0z70zMZm6NEY
+kk+g0b/URL/e1HYev8RNyoCgtZgpKTRbXeFgcU+deJ9lKt/TYCQnsl2F7si195C8/IfY0shvQtFw
+wjT8tBj6TWVmbehqkXPKF2WfmrTVLtDpjs92CxMhyPJpPE2paXyExTdNwcD0OSY3XDfvHeYWW8Fk
+6YuGcaQMez6NXb5k/QH5/V9c4v1QphG6a41MCj/IlWM9NCao7tBwVf2X5c3xo51ZsR4gvLb/7EsU
+iJXfdfyORjswg2QEho4iaAdwCKPu1MccW0zooRiFo0hBbFaxdzHZpGGOQH+8YMCotOvtWLDQhz69
+FH4yPPYJUZgFn89jBzmVZV3fe8YMxRGDi51H/oWGkxwlrNm6R4/cBOAaVuG9TU6V3PqFl+LGq6s3
+N9X9TaEzF0awi5dpO9cWhDRdQBnK7vtSeoeZyeImZ3U/CNBVZSDG2UCnZkbh2C8fPD1D/jLZ4Lld
+t0XDTYMnqKGrfwIaj1kjGbTNNAorQ6Ht2B+R1/kUzM1yX09+GlquHJ/zhNgt28zqK4OcBZpP7vQX
+9C+1VYbZf4lhmYU5PNFtXSQd1x3DfDG4S94sIvVvFFii27my650o4v7WkLK5ROSuP7gCx0SIAyNv
+d3XdxduOPI1XimC5saahvsechSVnHsGiJ9TmgSX6+Mu0wPWpVOV+RDqxaJuFpbVd2HLCBCGaE4Ck
+GKHhs/N7o9QC11POldEuccgTae6sWBgf6K40l95oJ8fal81tKxISSOgz8sn6yfw5nWX/QAhpm6G6
+iyB76nPBLUB0ZRhNDOUFZvbDIud5CLkefIblam7FVPsBypH6iiToLIQsI0+oDMa7wtW2ZB/5Vy0z
+uDRw5zSJgEbAjU900W6E0Wafik5B1SCJ7sptvPlBH0XHzBMw6b0F/O1Cef10qKeICA/wSeAWAKXc
+SNXkzyUermeYLfK2AqoICiNKL4eJoWcyessHIa15C5M+289SzdtoJohEJz8NmQjvtiZNxND7Q1Us
+Cj6LO3xAegUEPbW6aqOlNlNN24KAoif6bdu5cLBcL6qP1ahZeDDycb60s7nMEf1CnvBqy+Rz7McX
+a3LtwFZMI+epVEmYtdFyFKlw/kJoqmthHVXpLZOHMXQy3X+eF7u70K2Fg94DorwChLp056TEs4Dp
+ah7heYK90+hN5UEceam18cbpNLS13HUNRKn/FMdfs4l+VRzTnvtpcXz9+U/52uXfV8dff+jv6ti3
+/0AlbVnfKgX/9rufC2e65zrx7japQ7RX/9EQriFINB6JpT034r/VEOq/UwwT1/muGPYszJbCMtHe
+rWOa90Tuwhw0AjgSdTIJj1PJ1ZJLwubywARWPVcn9DzW3JQHxjnJZzZAbsqA/sZH25POoVv66KEo
+vWgJKv78Kyky58aQnXOauFVaQU9riCtuQTllEESwo0EzvFhdWSJAc9tsowx/2Pm9l14bNM/ZGWXc
+BzSTjG3DvCC0UUtd92D7MCLq7U5XXnmb53p124/jcO/jkspIDIrzJzmP43EdSw/BxLj8RQcCivY7
+0WjFcGm9LxKvvJdG/+RAUDkATpv2rnDjWwfq1oookverSGNn+vz5SwSfTRvN/pg3VIUIZ/IQE+a0
+tRILHFeat8XjkGbTq+uWLQ6jOiI/YeHSjvq7u2ValDy3QGnnkA2lIWhQGTs/can+7Da5tycn2yqd
+fCFEadV0kvTCTl7bfSiLlIswBahLAUFFGeKWWR6rfshDXUx/5hPs7oCgBzYBTaWnlqyCPKgau/uE
+lpASoOU7/FDkWXntjSrZaX2yHGW59kcSav5NoTx37RFgF8rw4N8afpddaEV8M+ZZtnOzCV5GYmdh
+xzTvQh9ryomkGk7go1BQixJRT49c6YGdcdjl9LDC3smNGw9P3cVstNWV2+rjiQ1xvgBKZ75mllkf
+M1/0DwjFi4ltUMthWzd9HsjE8A5wRocr+gv6rhUumSxRUd1hizMf+tnqPzLWK77MRqc/GmpINw4X
+oJsSGt21CdCVZI/+hc+qmcN2qny2XK98MWWqdsIjF4GkDX07VjmNbd3Wtpopp7d27LobQXTCKZv6
+KcR5gw0vY+Eg9tN8/6+VvyfDVgogJ9piIlMj8zXfWlQXd1W3RtY4ftszKS3hy+q12nnMVQLG/K/K
+UN7lecaOSqy5tiRJIkOll5TiCyq1LobELjCCbxXF76khzpss8sa74AgtPpOjkN0SQ1GxpuLlJiem
+qsGjFGl/efXKwI3iTkAsG+G5Bwz6h8sqdVz2L5IkUu6VAWqzbLO2SV5SUerPEr77yfFzfZtY3XCV
+ug1ZSHXTqjtgWMtHgHXkeWpFM12CCIofwRfZN15rBVyb4r1SbnWboiO6NxR3w9w2e9w7iuhQ1mTl
+Bnbd0k1KkPJtnK4nPqsbK22EguFwSGdZdCDAWx7ImIDg6bWCvFsqAG65jozKJ7aRhrqmgHUXt/pW
+DaW9TbWGiJqEqKwVJNiElFveViZze1PGZXwjE8uAi+qYn4q08GkEa3J67qIEX9PkDfOD4+RmHOIQ
+0rCNiuSC+rI8DgtRZmSeYrkKFdhvtYPhraNuY1gcajYO2Wst9+InV1Qt1mOnjgAltm3ETpI2y2Yp
+67cCD/xao5bTlbm4RNikuZ3CHJ2V9hSrDjtOhmAgomUQEwWXigxvWoZ3czcRXINPzGumO6PQxbPs
+omoIY+4DTbsrHFC905Vg+j+lfHFxOSBcojKJSx8E6+x48RaURKc/gNQ3ZudD7JZNf9+bcEMv6nV2
+Xx2Xxui0Jey9rJyajaWMfHyQ2RQTvxNzX6wwhhf6aH8o6YSRNuk1iAp22jD02dtMm0PkOLOFlBxc
+dH7+0yT7VR2AuIDT+f/fJLv+rF7fvq8Cvv7IPz0yQY+MuAjyOagozpCaf6g3Yh2b/nPuG5z7aLBI
+CrRsRltrPvnfTTGTnA86WR4Lkjaat9oKfsc7YKxDo28mWnTE3PVlkE4ww0VjvQ6Tv2mKJb1F6ots
+zCs36lyQcZbNbUloqC2XAjx1AhlgQ8bOETpKK4JatGqrL6R9M70p9oPRtSfotIPxguQ7v67dQiaX
+7cTNnqSvlm1joMh+MpWlXvocp2Ufz+wnDcqB0Fcex2HTZ8DgHXD8+2Gcxf0AvfVjpSJ1szB0mYDP
+Vev9f5Eu46pIjru0tPILAsSYTcDGHwK3mfu9w/ymDpqEA40wERrhOLtByFnz7Dq7ZPLG+MK3xDJs
+UO8CUCDFjDSjOc/fWsY8N2lsqzIYESTfRLADsTrAodc3oNvnfJVj5+6hnqVFa0UMNJx4Vvm35qoD
+XQl/820LmnBNzKrsbFOW86QdPf5ABpDRAvaBB7k07wyvqe98K4vvlyxXN20x0sZ3i37DKJfiPiLs
+Yp+N0r0o/aJqQ8APcOFpc8PB84acG4cl0eNdmbnxAdtQ7y7NZgR+0bcXkbDTYV9GRmy6e4/tLt65
+Ei2MvkGeLCs9zCtvuiYjr6xEyBVQO1idqEEkNHEL6jNDR1BVOVDQgjy1564pLPSoCq5hIOmlNpAR
+0khN13mrLB+lbpFKP4AmLssd254XY5JnsE2SlpZkEX2SWdtxKxeYmG3SZ+n60SJw+xMybJVsOAdA
+A1zAbhYRkJSkiDat1al14cD5WyYGWjttyrDe56UDSPDY98PQkLAG7q43ZSC7To1suMA4xk68xDQ0
+jeUjm+tcybd+bPuyDGz010V0958N7xzK+ssNj93n5xve+F/Hz7L7PH83GOBo5cf+3vRc8w98UA4A
+F4vW+9cLzj+oL/sPm/8FteuaMPRtNJElaP6zN62OQox+7Jn/swV6oMNWmA//Rkea8XtbIODA77dA
+5hIrRhYXFzwxF03XO/mK0eINMRHwX8CtT02E1CZVH8Pz/BLfDSwTXbbqIba7iKzDNBkOKq36O1Iy
+VbnPAZnnoYRND7s3pxvE+A0X7iAxZTQT4Xkx1mqSvDp97+YV+mefrskyaSO8CZGYG6zX0eNkVPaL
+U6nXQszwpIvyUbWR/dDn9XLXSf+xbmJMSlWT0+AA2gkVV3AjobW5XA3s1xUIHo9WtIP3sW96/cVH
+fI83QkuN+6oa82Mn6e0S/JeGCEw6vEP0XEhOn64xI3cboQlxHwEo2ZaYGr50hqx1HnATg6gqF3nA
+E0H72Zry5tVU2FGWsfNBm4C3P39QZ73bGm7O958y5+346VEoqsJcLt4ehp9fh1k5HJY8s0LXHPjB
+zh47Y2NQpkEfK/3Sf1bZ0sZhVXj6C2E9y5XTKD+0DYCxpQ5zFHs18wkNQ/kivJEAswzGZZf2PmaT
+2hyoUH1pB1aa0gMcO5O09cwb1qF6rH0cBnKOvB6rRoDVXpyk1/n6frRF8TTnhQuSJx7EiwS7RebA
+pPPbijKZbrym0L4syeiHk9lGR/jlyZtGSup1Qzm3P/99RBHKAytbzgFEKXkwip4v40ztdR23Gne6
+HKr9MMB2rT14shAmtG1HrMgWHxjJ626fGqfYEwzZg6GHoXxiqpwkeDwESVkU3NLcJTaWmr25mDUg
+A86ToNLq/LhY9UFJq8fmkalh16ex8dJolBw70cyevmeprKDWkrXgEcOd4bQngXYNbuw6O8VFbhP9
+BNn5SeK1esAJOL+0TdKdvMr0HzPEY7vENKSzoQY1jxW+j0uyYZLnjAwLtOiky2sNX7bnZDnumx6w
+jKp5k9nC1cteDFLSUfFaAR1PJgOO3zsBXb/l41KN896zOn9fFIb5ZXRMlAGRLMsatwA64k1skE66
+8zO9T67zouZ3+SC1dk6NvdxgXKH4hjEZ1S5ogzjv7iMg9VDmxzw08bVtll6PrkoH8yMWyNEDpOQL
+6D+JSXaUl++JvtVqyBHAwTcTwfDePhd699DX1gvs8eFU2vozR+UMVEG1a3t9WDQcFXguyhjWOZoq
+x9nBzo5o+TIGJBG5OtJzszAxDZ684dSpbztnAc+hmc5unOfyFiirOA5A2AMamfG2xI54sQAr3QJu
+Wo6J1eYFs43RDMfCNj8wZII8Uc4ekBMJ4nYkgzGwkKkTYIKuFnlHlO8qFE/kn/Qr+hJURziMnbZv
+G7O7Guhj3NBPyS+5o9m3NNuNLXD6/szI1InwwMGVBZ7mW6cCdcKwGQGOvKhFS68iIQiXkVlGtwyH
+3cxXvzRE91TokUbknzU8kzlDahLq/MzrgjGS0UGGI/0CwGr7QOAhmQGjEsl2SJQJvSmvlg+TPevc
+09rkWpmAyxe9qTGN2fPeaF1ALAQE1T0I/kbXthXOQQC1RQ8IH6fFFnegDQyXjUIgHB71jXKc+XIk
+4f0uwfrz7PP+TYQMlAwHQgfcbuMssTwOUZaE2kyaFSWCl/dBueoyAr0dhhCDQY1uqGpkKAsjeQSW
+odPnKRhBGLLMLlWf5VCGyWHEE2M40HMcbEOAiyYSaeIK9EaJd56gXpnOxqGOWve6huv1mBObVQaD
+AQ3aH6fM5CWKHv6vt0hqN8Z7LvOPDSze5c5wuARvOmeIPp53ljbvoy/+VObHouYJxfcp9K9PUQNp
+7GFa2KPkWHobR9PZViGgKXaNmRNG1k61nyAWr3Qbw+JxGI17Ya8vxFBl2lRkapoYWwEHjzqmPzre
+ml9dc2zP153M63lT1wvWwqFarqAe25f/KZf+d+USVJCflku17JP/Cl9lXaTvtBRUO/zoPyWT/YcF
+5MDFo2zjdcBz/t9aCg9VhCFQiOrCoja3TAQTf18bTecPDh+sJrZH25Uf46f+uTaaf/B/xZAOSMb+
+Ks74jWuj+wOXj7urwY2R+6LhIY5112vlN9dGdx33kRifgUb3UD8LnxCHzdIxod0YStL66hV5e4Gn
+uwlePmOG88MmBozEWVh0oTE665BwYe1va7uOW7qStRglXeCq1AM9Mbu3MgX2T4vaIippRU7ZBeQ8
+a6C3ORsYkwueEUqxNQh5BA/DRlqsZLUFsDp+aS6RK+S80Rc0SiqDsxKMFckFIjGsV/IHxDV1B0Gr
+dYWuLhhq7md7A/C/hCuvrT9ylr/ltAtvjbb3n6gceOGRvQrPX+dN9/EE6KFMxfQ1zoJoaZSOZjO5
+iNKMKq+PNY5Q74ietHvrPNysxZo+RgoxHndRnf2cFtoB6EWoJfOVnRU0voXG2DBiVLs4Ex+pfXFH
+rxK5utaGC1MlJnFP3nRbmSg7O1NHUOCUnbiOjdWm37g4mr96ZjEOr4oCP+uYLTPKfyNUgE/gqw+U
+QdpHM2KeF0ym5P9mTRgYytq2X+d4Zc4QiC4vbEHyHbNkXk038YVnUVJz5SaPHgadP/GurVVt7OWA
+/YpM573D38G8Ooy6ee1YaYkZ1k2uTRKzTh5yvkCO6XSVRak6mDViSLzy/MxXd5tztl6VGGGdDeua
+T/jrF1roMVrRGPzWkzGs37Ca8dbzlXbdCywiZCdjswLiJqSN5Ubvijy900pybiFNZatOTiX80+sK
+FIso+hCHj/j+oL2fhYUjLmSb6Tpu+D0XR1tdNHmZ0FB1OtRxRblQLHDZ/JJEq/tXV5X/RIzIfb90
+9m4mvcMKSfSOmNN32R0BX9Q7xdRqYSNK47GyWIBTgqW2tksWej5ZQ7Sbm5jftEQG/4Slzd+WrIuI
+BjjEgLPD3u0Vq8GQBOUFvtmDEzjb6tGno/HEdbma4uKOxadBT91EyuDRQ17Zv+GoQ5Wqrx7/ZGx5
+CF1/Ogs9PWSpno+1M8izppqPVeajAc99zqytYokyruWxPNWNT2lyxmJqGTNrpsomf3e6DEiDyxyE
+n8kZiJ91LFkxkSAsYZosXrJaNGxzal0nM02Yj8P6FXlmbx5KG0u3Jzp+GePUdI8hD3ewhTFmVsrf
+NpZoPsomi57OSzjVcJTPOdDGen3Y12nvx2glIoxojIbwLFc/C/5LwICEATHUAEhl+U+m4fNBrkJC
+M2wKjwUzuJi6i8pZV8D6SFBCpnsnZYhBYODAl72KxQHVtF8F8q3doDV0Bget51hHIGiBjAZNByQN
+/AIgvALwQhE4NfL1xfDSfZHYowpwufN2dGStX+EE6ySG54GIDMADoLGQGSk+n0hCglCEYO9nRL0E
+Qhu6iYEVcgzZRP5padf0j/5slqsbgbW80PDehIPbJeZtdhZOaxKRESf84m90NP8XiEl1tPxgMmzQ
+HxsTtYQM4CHyfs2JydJugTeabH0eCjTfEm1LsJjsWKWBaOR+7iaEbRkeqXSG22kiHLnPVwybV+V4
+2glK4fdA17IOeU45kZEa8qjrJEH2oBv5BEtrum9Y6GlgJHn7MSe/7sIn1WMf9YnxeLaRwyjC7u4l
+IEIfOlwCFhEtJP6YC294yleKpeYbfFHkRYjHSF+W5hjXLlgBsyohJjDfAC9K5ul+sAw0rmrExlCk
+q7Mkxce2FRiPzDW9lQWO9p2vVXawLnTsjhjmKyEeMexCD7DnERWQLE2GA+Sx5TvR9T58DlbpyI3c
+CUq0PNfpyhQoS8Hfk5Vg9rbKX1eOK0i+RZQm+fVGHHVvcY4EJk1sVjd0oEfka/6TTG2RXVoIMi7Q
+DDGqPK95y0A/EOo97zk0MPyYfJuOuB5ShU+AqzvvU1+PETWKtkdqZ6PC1oEsFrS3em/DfWVdj/6M
+ALhpPTgL5uqW+7qlARJJyw02EZaSHXlyOGRe16LDURbx7w13+VvL4ekiTs7PuBvw8ZrwAs5PXKk8
+62msEFSHU2vLZHfeWXGlovkeSdJ8EqlZVU9jjOP82T6TMgpr3aWEwqhkJb396qOH25JvUt6JZDBA
+B1RvVTL5B9k062HQgoYK5mhNeCEgEF/YYrORMVzhCfa4AgN7S5JKJDfGnMwXbD8mKU5QXCkhgrgm
+OAaiyOJfllXXww1zowngRZf6xd2SMTfTSRnwQpgZ8RNHKdaGnrvS0ap0npp8mNhreSblJmGLgWA6
+Gsw1kZk4b3VVPtWxkEf6yYM+BjMSCeoQUz6SkXCo/fUg6pyqeGQ02Fxyxni3zL70iGdXmTvZcp1p
+BTQ3W4fc0SEkCxUimg+p29pFgK/iU0v4hGbULU1OKMiSGCjdzXgGgqEUpTZe9P2M73doLt3Ml2W0
+4lZIaPf754qxatN07U6jeXLbWCrISvc+YiagP89O0WgrdaJk1oYMsGRXXZGelsPdzKTjDgy5ocXh
+GMv/Y+/MluNGsmz7K233HWmYh2t2XwKIkWRwEEVReoFRlAjHDDhGx9ffBWZmNcVUS13vVWaVqZRE
+iwgE4H78nL3XrkKv47QHyN3OQkJ3yoNhtAThpHbjh5qdW7u8Msdgg+Vjpw/zdHIykechAzPCGunC
+CLVTriq8Q8BtKcOkGxghApUNgLXZy7U/996J2Cy2OViVNKW1hoPVZHy0jbG+0pDMXKdL7p88M+bu
+NSCPuMJHjOhnDUephnD6LPeGCzmPjP4A/UC905z5CXxWRjRU+RHZeltcFhAJbtscMLLWg/0lkEcG
+O3+0RnCIMvgqfM6x3UTQ6sJNtm0dL418Dqo7pWWMrsd2jNTcl9uSURzyVpsxOaOE7MqXIlNXXC/3
+GwL6arcAtWYfT3VoPNPHgKCQXZ56cu/F0xdItSBdMu9r0s7qTjiqioyCIZ+Ve7TzekfedjqX1UWB
+sHXmcn7OBmA1mQf4jVHzlZ+K5bZcFIFV3lDuwE/Y+5jw6Ut6JfY2abv7NhhQHEuXymjblW19he2A
+JQovT+hMhGkl1A2noSS31eykdnCCujvmwWBf1taiM8qcK9oRLQdDl27Q3Lb+VgsgYmSsWBvukPwG
+7Qa0C/+kLblxzSagKPnGivAezT0W0lK3SW2FVmVVB1Pr5J6hIjWrasZoJlPv4OR8YRi3tc8dY9wo
+a2SA1NG5HdLSjCBC6HdwdP3LWhX9R/S22qUqG5RfGmRKsZmoXb/2I7nrUUxT/tTPVbvP8Ms9kj2K
+xqEcoEZzf5v5vSljnxBrSzvrbkscHm3gKPdtWNyO2gFgKVEUet6TlpePs7a2SAyPbNJRym6nedw2
+GywlCPyWftjrhMeFDgDhkMU/iRanYCNKRH8cK+dbg39ia/YGQJBGX9O6KuOokIQ+xeCd2ohRz/wI
+GWVLdS2pBFO9ihSAzG3f2u593LKisPLLcpvWBh2N1PQYXCCFLgXY3M5Uii+tMKZL1DEeamQLuO7A
+QoI6oo16R78DkVQY28QppKIWb2lV3KWxwXTcyMpVpLx0Y/KNxT/ZicxsowWYL0LdsSIOi2BTuanR
+puwJOdBYmGTqHnzAlg9a3pmEsLj4T2k7GSKSTIxlJtqtB1T/Ku14LlIEuQ8N87nj4iqypiTRoMvS
+L/RmdP4z81CQMcL6OCWzzy2OGcnWTqmzFn4spGA7nomESS6TtjzTPuo+aSIYLpBRXrl5BUiFauBD
+OZj0FqfOlRvs1jGimbZV6afObQb9WOb0/E5aayzmcGDVClDYWEM7MUTXqJwSDm5Migg5oJoda44h
+Tlr7n2OiF+HbZNnUKJZvpQewf1FAWnsvy+rFCc3C1nQAwpo+0VhH1259RtrKrgswRrmh/5pMSY/M
+KS9aXfL7eU3JFelOiXOGVErYP85ADYrklwK8mjoKERcnzBCmLfmXJ91Y5jsFLPGeWhRmUTtRlgca
+9dmbE/9PoGfWu5GrHRic5/E1uEQDuYiw3o1cvVFvoM624tC4yC3Z+SgFBwBUjP9mFmmrqz4gafft
+o6rZRaMZ+EZ+IihtvBvsMeg2ZEqBydXp0m3s123a6KmqX6ESib1QTaQJioUihu6EzIOjZxVApY20
+MubwlnsSM4+iT/Htzxo5LeEtDct6KKkUinERp9h3acjPN+u28pSuDttq6WhlYQFvKMh+fTnMf4xf
+8Fsxd3HxNdHR+AclQxhamwJ80/aWIJUKl8CCR8sf1sqrmnn33IcQ4Ux/1D5U5sJZbi4Fb0ulw/Jh
+DlyuVmKttmtneY1BsPklF4t/zvgAku3radUyUcpvJplxaBwm0O6HOuFAHiKXgayWjFjq/8QuYSHj
+LIkbZOyYfFrlt19/2H9gUwPD8Tz+j5iJCb/hrbK8N32TMUhSzdL84lDBngcUruahI+otbyh1yGDg
+IzclIvO5a58YdKu7tqfD8EpmS+tZ3pXMhn/zjn52NyJJwHxsgylh8/zxHWlOqy0Duz0zE0ZGG1fD
+cNjTSHroaMxwEfB+cuVMvPzADK1jM3IqIOYdw50h2UjDrmvWkxPHkV+/sfdWWzpMkHshueLs9+g2
+rX/+5koNIi5Q2KfZIa4D7t6yZiT1abGXoXu01YJ/3i4Diva6ckCCbKY1qPDXb+An3xXQDIPHFect
+Isz3bIFJuEa9mH1ycGbyyzdxRXZhNARGbJ4NrRMJZ7K42adWKpKLvomXatu4XXxOqt649/XBONs1
+uv3frB4/uSzMS/H1c7rF+fz+BqqsIaYbbyeHSlsx4jNF8nblEgccXED1MFLigDCUuEwjbUyaz7+5
+Juva9EYusl4MXh6kJS5KBrb2u1lpRZbnUBF5fXAUkI9DZrSqoTBr/TLjCxHKIVTRmnzrPvdi7Wis
+p9Q/UZKj3Tbmte0qetIbKNSJOPRro6lpkyoDkQ+fbapWktrrG/6PUuk3g/v1BuFJ/p+VSg/fZYmj
+7+3U/q+f+bsFbfzBgrCCHVgTwJWudrq/p/bWHzarhc64ig1s5QD9qwVtI08Cm4PemGeWjvMqZv7b
+zmf+AaeDKTvsTXrGQGL+HeXSatZ7cyOaQHMMQmF4h7wI0vj1z98sD74xDgtlg3PwYSTg0YCYniV4
+rd9ck5/s1e+fNkKf4FpwlvdRbHEl3i1C8TC2pgXe/jBkFXmLI3CijT/H9Zd1DHdTYiQ+guxclyH4
+mr951tbv6+1HpPcPv8MFBgbYBiXEe1QpUVY0h3M/OCR2AHDCk0Sej7PB6zo6GXwGgcVJUDbBpqtS
+K+oWlX6fNer0rStdKwK4B3ERCsm+H/2Co7DWnobVF9b5Ge2prCCGsFeSDNUkQUjQefFd6RZT9OsL
++NMPgeGTfQ+ZBTfSuyuoSzjNTPSDAwWwuZ3RNe1Kje5SyunzY2vpYxgbOY1OrWSCbOivzRmyaZgJ
+cJDqYabcuBWcmbpDw6yPLHnBmrs6+jl5ugG5qz5tlPsyHXqasksPr35NOf31Z3iHN3n9HqC8QGuC
+BIJW7t2aRzuYGb43BQc8ocTUEoK7mQEe7L36dxDz96vr+o2D9yaPlxHOSvr+8aZ2QJWWjcErvaZz
+07Hky3P99iR7opiJaP4dS+XdQ/T6ydbAPHttlSIBXO/ANw+RaXRVVWoFr5ek8pYVBWroAIv6375+
+NsOqlZyNew06/Y+vEkiWi2LS/IME0rSHHPbSWEF6yDv//tcv9FoTvFkU1s8DWZXCigcPxdD7RSGj
+nCaExvVhChL4vHjEM4uAe0YpvjhVWsinDcFknR5zfgeW279sCjePCMuJ7wSz0AuIjO2tJPuPQmgk
+CroxUrqMI/KEQ7Iy8eqC5NqUe/MjSItKhZzLiRFOsonz2msE9dzY5tbwzfTQmW73aXKX9PDrD/kn
+1uSHT0kXeUX7UDWzEwfOWlC/+dZi0AOASeV8IMTB2ODJJYuVFuVRwym2qzkg4iKsX5hsa5EDcRJf
+oJcdijIbSKxvekKtpTw3eTqt9Eorat1K/2SYeXp2AmV/8UB2fMIPvZXGZH4wgrLlEME5N5RuXNzj
+wwx2wH2rqB8h/YqkMqMKnPAe1aGRjckXlrP84PaOA5rBdA6AJesLdhdxKJuYkX/ipgetChRB6Wm5
+ZRZn7Dur9u9l7GRHUBxlVCHHh5CexM+CjSck6yE52s0yXjectdvNuHj2ZekDUYID72xJBbNDUPBD
+SAO/pvwxkvqQyzp/6LvV61oBPy2Vdu0EjfqmFAdxvxD9GqNj7Z3YziAsu8IMSb52I81b7FtHWPo9
+mInyk5eI/AU/CtSQXA847a/2WeyMNQ0sKBLzo0fHPPJKk2EZ2VJHgmhm+vmBe+0WOcHvforsAwjm
+dD30Vfu1ytYeddtttZnOrIjz71qu+VfQcTVyLNJkq3nyVJZILArXaKF1BMd51KozanW6+HM19cSi
+Y9jTvGqP2OJyvZ4RFmtM2IGvbaDPdxujtD47TJIY6Qn9mDCSvLTjRn3UihypEG6B5WwMGmMKtar9
+dfYXlFmTtTfrwD8Oi209ydjtbjKuU3Xs9SEIW6+jlLN3lWi4I0ZYp5B8raeaVKhdLkymD82MZ6E2
+K/mxUt0Q1nhS+WpmRF5znRwmNeyEsG7NuBxoeTXjsaevvlEQy/3VE/LNknzn0jWaWyWLq5RMrJAe
+QY4oqyBhJc7lRpQ9BA1dPzXmipRNbJuG15x8qLLkivTqL2JW+kH0vX4XGwvZftL9pPr8yQRKG02y
+w2y45lj1dMt3lpTGpTcPE5omktrrccGjwngTVhc9dHKtmUhy4GeJGlaIbJWFdlbPF5pPKlvezcRc
+a378WaNhypuBdSbM3A5Fvmqz6DesJ8YROjPbUM4R3HerKJtSTgyJa+5RrmoXzlLXlwQ16KFEGwOC
+utNprnWez8kbZMFGN7Pmeql1viFc6e2FUoZ9FNVcHAwr1eET8Li4mqqxpgQtNNhhiy5KEJ4m4Jj0
+IgYXnFXPcrSTx4wZ3bcVSPRojXI6lb4/HvMx6Em9buxLCRSZoWceh4i3x+Ng8HxpKmf2WyiVWAhg
+vM5gRhvAMI4Mgtsg9CblZtaW+aM94qy3dFMciRwj1ruo7RB8MwNgi+Ga4bbVZYquEGdYCayg5j+h
+MedNBOCkPQUNKdhuPai95pJu3K758XE2qhfSrab6rKuEQJ2GomAZyXGWa4B8YyKASRN2DmMhf9jU
+h2YL0seEaA75CTGVuZ3ocKEbIvQDCVj3aQkm+xoEnX5WKdKfiGAmFHaoj8bvRianKCj05aCyTD4L
+j+6bW6feg0j76rJyPJo/OvUFEFJxjSKP6mSk5MMuqxM2EWS8O6a87WYwEDDhBs7visRuH7OM1Oxc
+h0iUwuK90ZxG7YvcAA6DxGvX0Fx9qPuuOEIk6r4tmtAPRUafPJN8SPLh0DsWdXxaEIUdlLKasyWW
++OR1MBuZw0I7Qg2EG6WuCFiWI588T8V1oDM8cQaLZniPcw7jYUKMVBMTjW4v/IwZFN0nxA1OOEjY
+0kS+Inscx56PpLmks/VIwomlyDNnawXCuTZYGMIFbNEe7upyIP2tCANvgJQKtyNsYjfYUEdKkgm5
+Xw1LqBdq4PEhpbO2tWqzPWXACXC5OLa5N/Sy3RO2TdyLrLU7xQtwHC3YeRdCvXjbSjhf6NThXY1d
+0d/pHv2POE+GO6nTCkVOajzqRP91KFn33tjW+y5b03GpF60LZ9b3fcuiYMjBQlrW2rtGQOQoc5PM
+wyITu9qKxQrivzdiDTBW36eowidnS4v3RsZVMG5yQWidbAjq2nP5vfxZ2n4rLsHOtOgYFcQK+teD
+wv5GOJG06FhfBkRRNqysCoNARdtCnOfpNfLpdXv/z4H1NwfWtc9DYfg/H1ivRVq/Pa3+9QN/nVZ9
+/Q+H1oSuIyTnYPj2tIpgijBng6ab/3cw9N+CKUTmSJioP4gNcl8Puf86rVr+H6s3lqYkYEl+nFr8
+3xBM/SO8h4Qgqj6HBcRC8szJ+F3NNpGSKCrHOYJmaeLIzJb8jky++IQ1dwwhE6BpRNC9a2Cx7QxY
+bjCDOVGSWjd/dCqUTLabdZ8AUPBMz6w9b67k/+KYy7szdc74vEETwtz7HmCAfhXiVmAfs9Gunxxh
+Y2vVxbogzlTCLf6KPSv3GHZNjQj9169NJ43P/kM9uwJ5aP1y1qWgfRW0/VDPCpgJ7pC2xziJH8s2
+ZmA+DWlwtYZGuZHbON6lqfuVy2VyvYvZDtKPrOPpl3mplm/e0DH7axZlnZICX1JOesMe2vyQb2Vb
+u7ee8PGMzsyWjvFU9pdGY5G6ozf2ZpFsWhkpmCs4riuvhanId/OM0Qh1v20VMnbPi4ZhwQ/oD0Jr
+NxZhGXTGXfMzUAFiXtGIbGiM1xdeZy9bNH/DHeLVitGfXaEC6S2fcI+WA2sIP45pNNT/TxpF3BbA
+x/0wL7JgzNnSXvXcpjpLm1aeJtYRiayt8aBo2Ic5ztRNxqhLQeibRtL9WDDDRlSCRLtZPVbZCsLS
+4LBckpwSR65U/Sd/itH5pzrC2Y1OIsfIquwzQLJytZtE4e7nAC04qW3UjERctXfrXPJW79LUiGii
+6J+LWnfprHq6jHzm+9tpwGq7G63ZxxrJo3QHazBBpdy2brEh5rS/N4ZaED/qTcMRNHqRoECt+juC
+uH0RGtYE7SR1DX2HzoI9vIp7dGMbx0WwANFysS6qWTKZT5LUJNuPcRNb42LztWaafXDIBiAGzmbW
+NDnOo5cpfysg89/kRGLtkBwCXxmwn21s2RP6l+ik1ZL8IXeyRwZNBqy2R7eTfGuFOe4go+E8H8eI
+JzU4Yogr7xZTjTgn6iE7kUWaRb7Te0/C65vDQsW8DYqmBwMtaVz0NIMX0iVMxk0oLmbycOH87TEX
+GBA7/PkU+Eb8YGXr2GsSU7Py08R3e9LHa6M2ZmeTVl75nVlIXgPzp1nVOmlVbgLANik1+eKQaOVJ
+N4t49j6IRMus85CnA9tOFuOH+kBCSTo3m9Yj0jWM0fAlYTbH9KV8LNbfqozRDY5tme1NvZ6+od8p
+aVnlokQ1DG6P8TtQJZk+jWlBfHRQMSW57jpJ4TEsK03YysZHd045/ytIHU+LZrHJxsEwS56KVuuf
+CTmjApJB34rQRTefbvtBVtq2jn11NSqDA3Gne72xHUaa0x+UVSt1QEy/kkzjahWxVLJMIBuKpPmC
+Yo3jeI5rrlrDYyqEB1OuH/CBCLYCqjEpyL6IWlQXT11No20dN3Crz3p9RCiW30GJWhdDBCX4A9Pq
+OlsG70wQaBvgww54Nbl+NiWw0sh4MSZEAx3VkRjt7lOfuhkeaJKPtO2c4D1ra2wmkPgaZt9O/XkC
+UYAEzxmZjYuJB3nboZzQNuAGh696Jgf9Cgifo5+DeGKA2JhN/YQKKSCCUCsQgq9LecAnR4qASGDb
+Z6/uEq0fz3NqLg9FR3BMHeaTtUD/mdcT/RKxExjqyRkGptMnf0x1/pUnYLa5j5SR2CRRGMs0PlbJ
+XKQd/h6nehpUX3LrSPiwtVzcc9sZvGOGqrW2m+DsZBss1JT62PGvES2S70S1S5enM7KZo0dCR56E
+DUnEqV9cS6eA4YMgtnbI/RxHsLIe50bIUKK8JKUEFcTEO+Dexch/RGjlj2e7xYBOy9+Jh4iAKO8L
+A+wJP0wq8yAskqUyotp3KXMRI/gc5lpv+lwD4SFrRAVlhIWk3sS+bh8TFAXbfOrqr53Rf8R95B5H
+5BnO6uKYbgeSFItIy0EX7n20SvbG8NMS9UqNK9t2snhn4Me4EtYYr5mrACwElO57E10QcTBicJ6d
+sXIZa1oG5eEEQMyssVUXhjNf2gVeTUgY4pLIFtlt+pbJ+dxipSY2XBoXBLz2xwBNA374Lkbwzz4D
+L9UKCKAMiCvYGG3pmeBgug4PeQ1llaQimkP7arIUq9/oZjJiHccjmTj2bqbO3XSl1X36T+H4v9Lc
+e5AB35Qc0VP/9F9/Ul3OT+X3//d/7kT97ft/Hbviqfr2QwH55w/+97gDBzbCempENO10+/973GH8
+AdXB1mnC/xnW9q/yEZu2aTDnWAf5Njvlm2GH8Qfzy1eh/epq/DdKR/QT7+sj+s6WjmfctnlfwM5/
+rB1bmQyyDIIaHBaUqUyJ+kOQIylFYhWgTjGdx6kcxyugKwhshuaxSBztqE8shkQW5WG5CE7RnV3i
+Qyyrm2LQHzj1E8KJeAdIqD0ByR8AmUpkNqGtNG/HlHxCN+2dGxwkNJ8MUKqTfCLo6ApX7hUxRqg9
+qWJ7RtbUahQgxTj4OLPSl0Ef0nPJdaR11MDgrep2o2s+SUQOWzu25Is60G9coyN2XE5PNWFPnM0k
+yfZ4rWVPWPaaQFtahJkjZDp71ryHCNsge65egry6wlp4F8+OwOw37JCHXgE9u7EzdaEn/C1G2EgM
+0ydFvnNUt8uz0+OtGY1nEnofW9Xt6oJDriyF9QlD2yGVPpNjHbFE3a0sG80/G731mI/Fk4d0ZKcn
+050u86v1CvQlUwk7L16QUSPuhX+3s9asa4u8bSTznkDPOd4n1nTnVzNqFNNNjrIInvFsBXtD2Adk
+lRf5QKr5sqZaaVPHhdF1Fq/0ZK5iyjmf712h7qbGfhRWfmKVf5JthufIOXvCQuzh2t3W5gOR3PVS
+9+rGLviulNXv4HWx6tmrL5CSdma53sBbRLNWc6FMIUHNwVrdcAYQ2zQP+nDQ1ngEoq63ibZeS1E+
+DQYZF7pCTtZPtaKn2iHR5i+AQb6hT3XTmyA7xHLxmg2ujfpF49VkwufixSr4a46RXuX5fGHy5Rxg
+77hsAXzC2lYPkHXiTdG7BQRCS4vyjhcaUwotQb/jUoJ7rRVIaZvoeuS196XuRLOqprASskekRYAr
+epctkXAAUpaLEWptmAmZ4kj3HtNZ/+q31nUwgX92ocUqsz8QfCYPQAjul9Y54HvouVGtQ1LyHeGR
+JAy7H3tkS8sFmm6xnUCaAIcxrBNWDUK9lp72M2kCSMD1hyoxngOL3ms5y2rTwzg0vPG+lcO9PRcv
+pZ7B+3FrYJflfG/FhgCSREB7wba0XVyNxd9IMV2u192o3DN7+SMNsWyHOggfqe3t+vXn+Jw4ATxu
+Rct9RIyoDjgiEEkbmE1NjeymWAtCLxMqkmv6MgkvdVTMpESp1nZCRTl7aNfw5rZ2xmMHtWftHGvX
+uVDFtl2a8rrSGrXTBX76UrRdaGqF9dwTB61G6V4aPuIT7po6be1IElacRTT9rcjLl+kp9mp6zklj
+cmjI7LZ6IA/ooZw1d4gWjJyEpHOQIAHmbFf5FwSGY5jPxXZmcw8XK40aBozblm40OGvXZf9NEaif
+/Jo5neu150ITN1UNRQ1o2kOtQdFBeupAinGe5krJ54rQN57KTGwJvQCGg124WQJ3V6YEv5uqjm+M
+nlZNUnH7L5n5XBt1gxahxO426qE7m8bO8sjY5l2Q0Aa0CoSEAReB8/m1rXvDfja56VTuPXqaex7M
+djrGo3zRJnlhu/npzabzkzP2P2Z7Kxd3pdXz6HucLtY/fzO1SQEtDJAN6oM9amC2hrZHwz6fU6e9
+WmLD/c2p+h8zS16NOIx1lKhjaXffz9zsaahc5eHP5FFnqJKfTCIGGAyxoP/6c60zyR9O7z7oEMf3
+eDHCTnHl//i5Js+brQxj5sGk6045DLWH5TgDsRhaFJr1kV/pu1+/JviTf74mEgOXZkqw/vvH10ys
+KhA+qJ2D6h2xdbrxvp55sDXLPkxr3P36eXH9XMiO1e3XL/0P9Z6/ft4Abu6q4yJI9N2MFh3ZtHAE
+rQ5dKckyxFd/oziTr8vFRVZn+UEP5ueJcPYd7ePxlI0dzy08V8Yd6lkAxEyYMw4JKiqq5kOACy2E
+Q7U1/eliwhm6QXjThBS6JBlkV5UrMRWMd3OZPOiOQJk22+cBVEc413WwdxzCshLYyaHtszz8+pP+
+5BZC+6CbCBRRa5jvx95mkQZlbdrVQZhk4dX6jR4sNxAB2t9c0dfcgvd3kG0AjgbCwJT4/dSb5E1/
+5g+5VwMsft083ygDxbResAhXbpBFaA8JFzfK22JUN16vl2TasYfaS/LSjqzLa6mCeTfHyzRfJBrN
+hmAa7gl6O1ty3Auf5d5p0hIaA9zFdjbnx8Qx1b5MzAbtlAIKqUvI5/n8MEu2/cFM7VOf+iWQG9Kz
+8BO8xKlD/lpOnLuc/XpP2uJLXC8PfjLslr5j826sA+KnA/aGNEzK5dUKeJF7KBLNYbnxFId9ThAG
+EGbti3QwGnsGNdavv7CfrDCockixNNb4ODygPz4VJDjUrY336LBMWDwoJ2ZWNig1sCAm6zdT6LVf
++f47c16Tv3zQhM57bZw0FZFVtqoQjY93dpeeSrAEv/44r0/Su9fw6EUSQsQ/STZb38PbFVPgjy50
+vTrUwdiAe5hhAMTL87rSp4ul9j3H+9wkm1czz1MciC3O65M2x5+6LPvqu0BczXKUTHwz6wAei002
+YHVqVHmF3f1lcSeYnURBHgrLXSCwWRg28BZeFqm7Hf3mo9/z227nM39WqQpJdSDV0LDIGg/aZmdK
+Jm8WY7g9TKCe0V36QmxhTrM0vxrn/JQ7iVoJCRSoBqGEjtGEJMNDStD7u7oyxda2lj9d18/z/02+
+1z/ZYeyfPLF8FyhoySchWPl9Ws1K2ptrVVYHo+CgMAp4+ikowY2JlP7KoI+xoWeRRYXyzyXNN6hD
+EliyUV73GfdynOO9gEW9m2JGLT3ixwjB+OOUNVaEjxfp8OieY7xM4RA7Z4G/LCJ2Accj+uWIrtyD
+bk7PS6dvUi/9gGiZqqrlA0tt3udCf1AUYpsmFs3eKibaydNd4rhro4/7kwH+6sEZJ8h8wJvKuAj2
+prM8BI0cr359V/3kIWHPWP9nIOky37e6p6T1in4aq8OE9p0SB8X1xNuxASTETfKbb8QwEMm9f058
+dmGWNfzBiHrePZOtbSmEpUOF9qWrtobb1ZEfZ6eYnSow+H4WmhFkUHBAAirYb7KMCjApUNpTAA4k
+qNEyC5qQVke7DWBLbNICtRsRO18ZjV1qo39dBCUC4oBqf65qi3l891xmy91cqIvSWzdjbrPEyp/i
+aa1SwWhki37VDsym59oMKVe3gA/8Xc9X+nq8XOzZikjVMtE7gCbXen6iIaCiiYd+UzBzPc54PV8P
+QXE119EEpuZUDdN92nOQ9JnhhUvLUc9ZpntJQg+hv2CbrZFejHGDbfAEN7rF0TFECMtVtP5CK/md
+eFxvyGYA6GjLbrs+Rt3sAIaa7t1kPUA4ucbz1EA+b6mWYF9czS06C6/hb0vNeWwzh0esj9vLwJmf
+ZQ9aCy8DOrf0KgW9R8QLpTip5o9Q3nGV2owTagQqVXnSRjq/cM5gUfAA931x4lAMUYudJU1Gbkye
+Dnfqr+gWfREQEE+54ZxHMOTMBVW4Hoxo5af7CVHEBeLHMxSLRxNKxG/2Y/cnjze1Drwk+G/cUe/F
+iOQHZy3esPLQeeoZQuUdzdYz9QUXz+GxXuuv16N23cM96RHHIXbima8E2ripY3qa8WNtaUV5X2Xb
+IA8if5SWFxV9gsnR9KstOR/qUBidxgEtLxk20OJFQ5M84y8PrvADCYJU2BcJikHXy1oeLh6ce401
+JuvVw2hRbunSakJXT4dwTgB/Fj6VdcLBEAKlsGq+EBgBRy+D/o19eSNN7Cs+R1JIL1fjMNzZDiqC
+unDnLS1E1EkToiwx4T9HBVCSEISkQD0TINjsJM4Xj9PBIU/d88gmwiFzuLdAsq7VfO/9vb/+ZzT7
+29Gs4/6SanEtv2PP/KG3Zr/+yF+9tTX+A2cH/TMOCBgNVt3e3+xj0/6Du5kOF2Bk+rwrZvlvCKL7
+B+7FgJ9DafwXHOxvKTFzWw7LqH85T2Ed0YN/q8NmvtsUdIf1mUOZiWia+pMZ8o+VRt4NZNMPQXqT
+5bTugxCfxLwuB7l7HcSNbd/abkuCT13oldzFMSJnZzONqRvm8VhP87l9JeV5pAdsup5cJetO/InT
+c3wOexxFsSFvQFvkBzri+nTTF63+rdQb2CwbenqpH0pD+PrGHIwah2GNsMgf93VgwwwSbXYqs8p4
+sZIKS3qA1v6rhlwvpGZOTl5ut8hTElwxvVfcwaaP98lSL5GFygUFS8qkqLLcYaCnIUu2mqKBlLVY
+tvbR07WvFN4iKrF+EWoXeCQkjOkxXZYMn7adHr3RGb5M6wCDgSktHVm54k56fg70vZ7VDRLsOECg
+M5VyazV8YuakS8+sBOpsFOgCFCTEomRM0Zkkk/s1ncb+Yze6Ijs7JtZ1qBzedSp1G1Mu4Rwp0rdV
+9OsJITZxgLx30+l442Eo930V8U2ox1hxntf0APKjmuPkAzmNMQLomnChUPH2j6kbiwu2dax9jDOd
+vWvPSOEqa2T/zNEE6rjvjJ2HIoixK4LeT4RzMXpK2qwLfW9kN+gqwCWaA2c/LOPFv/bzyRs2VmFz
+S2RLSnvfm0W3RBkNf9LWC099Zjzbujd8ElMPTcZuMxojMUcpHjUGR7TuSJoRL54s7K1IqDi71KbM
+Siw3clYQE7NT77Zl50VZgjeN1kZf3+ZuKU9EGZDyXLbGreYE07YaS/cU257SNlI67reJHJto5qE5
+e8CDaHuouhSQ4BWDyF1L2+eSCAf8r3o16F5zQq42+U0YENHr+9vVhtiEDAfB9Np5K+hMVqlhb3QL
+I3S1EX7KYGgoO/uSHmaFBZJJm+9TQCP1taNy4erdDl3Cd7UYo/ehbKoU7gTyxuahkKPXslITmqFE
+wJlX6is+xJrnldRkJh2Y6DqWwaXbEK5T0r1q2Ki93GO7UKV2OYIq7tb2SH3uND+9HKteXLhxNSHr
+EwRp5N00bBXZkuo4J2iJwm5VIII5dnWBsov+G15muzA2vaF6AmCWROsPuiy9HWLVlJwtZSyhaEew
+VjWoYp7s2MfGazUq7SPQncj/mhin0+UCubyNTM22wlrwbUbNuCbK6JUmOTKgZE2Qp2Pep6c8lN7V
+vJTTuegcfS+xPEcioY/NHWdriIo80n1p2KZnra6LEUhmXAgMjrqLt6nwp0cTpvi+D+Y2Odl6d7fM
+FOW3DOaftSWoeKYICwKH6iBOOve11TGNbpFG7pJB1Y84EnR74+P4vV8W36z3yD5ltec3kUwGWtX3
+B1Yi9cFug7k+mo6Lt44hsOnuC12Y63Ycw2eoG/lCJ+6jMxCZayFVWz6MuTk2hykXBliwWM2R32hM
+xLpOp2mVmbc2TjCSYO0gK7dZwmrmDHpFYlGb7ZfZ8k+Z5iPN8ydtni9fs5o93I1E9jUSMLEfd9vC
+SGItJLTHqHdJs1DFIEO9pV+pjztrEEXE+d+8gHYVbIklx+WkpSuuwxazcQ9YOwUYQ0z9hlDAJPsq
+Wy97gh6nfUTpPX5GOzNKZBm2zbNmzyPEssWCcEFRe5RJAsAFz263JRYmkRf8BRtrrraCDFAMNQo/
+vY+L6mTjVjeJ+bU9p9GZvhToEmaQfaHZuXqCiEEimKwYFB/QX1v1NgaZnvQbwC8wW5DsMRjxIZ3f
+Ey5oPQCU+YRNyuUk1s3MAYNKNw+uP3m3roP4gkJXRb0p2qMXoL74/+yd2XLcRhZtf+X+ABwYEtNr
+zWSRFCfJol4QlChhHhNT4uvvStCONmm3dH2fOzrCdtsiqwoFZJ48Z++1oaugbiwMN4q3elJyX0VS
+3BSlPYybsvNL63rq6voaa6+XHYO2dj63Pb2Necbs33sp3lErjQrskBw65YawtHm4hmpr3SzKkvcl
+3apui7Rxju+smXBRjPqiUIs6lY7f++AThIEi57KVrBo3Isitw3oU+1899Yt6irOFrkD+u9TtY/+c
+/LWa+uMH/qymTCLTXJOSydR2h5WM+mc1pfHSHm1Y1o21nMIa8Gc1xawSKKvOhv+Pxs2HJW2aDsYc
+OtLo0v7VoHLtx/ylXwOQms4oZ12MUhh+GKS+raLqtk6TWiEFCaECkVwT4ORWB4QrgLJ0XjVpBhrn
+EkPZkK4gG1qp9LgGH65hwV1LljtCCk6XOsJ7ZWslSrm3WGKkiei+mJEp0DqfTBD1J7TyIpruDV9B
+GtgO4KRD8TGJZhxRp6Fkl/Zi9FKcR4rI+BCWgq297jLyrLeMdOvgh9MQNjOcJjq983gR+wPPykXk
+09pjEBRAfG1GLvKDUdU+uRQCr8Ien0fHBIzgbIeqAFoEEnm0NRAMiQYu7VgfmBbFgaYUsLKmIr2J
+ypKIbt9eQDxWXvRYlZAHF9Zv/BD0VwoGr18hQKePQSY67PBlkt3NNSv83LUXC7vgIamj4ZlU6++t
+DWQNMH0HxtUE7hfWI8wOjrWLb1eXGVWWCyafOhYdxYTkqD3br8znTPOfkziH/DxPtWbi5EasHgxl
+DUCiYWxl8SESjWv7R5sqbEC+b2qwtGXGkQU9sczHNp/vvcJMu+uGaqPiSyhpGJfjxf8WhP8XCQNn
+DvHTA9bvzzJJq7h/e8j648f+XBY4ZNHTclF0M6Fwtb3yr4es13PXG8KyTl6ku4qkAByBWCWzf56v
+wDIDngfLYKFGw5b/r5IX3/YtkIejmrAwDrNcoZFALvF2XeA00g6GHLy7Erbxsq3SebiDHaixsFMr
+v/xlpfyHJqj+Zf9ZhNYX46Cp51ChoG38vgcau7MA49eLu8RQzdNKvFP9GH6i00UdjrmPgQkJlc/h
+mP0qGP4fXxr5BkszeS9c1LefMzVya+5rS9wtmoRWhZ02ZasJ4JM/eCCjghnaA8cBiFDIDRDW/vyT
+61//9pP7aKLp/SOw5It7//K2kwKazQrnrigNjoeBMVLlgaECr5XW+uVmXCC/sPa9y6TWl5sX5VbB
++8+YiKTOt5+5atAExk1o37l2ZT9WONcv7NLDnU8rIPzU9FjsRIrYDcfEwAk66Yf+xWswGRSGx3Vo
+kaMdGz/O5pM0Ouhby7KIZ9JjyM6N3NG0zuOK+EsXDbOANEDtNxcVrLefXzttmXt/7TzMyliZ2Tr/
+ZlEMcKwTeZvYd/ijuFcG5lBzMYDSCCSFJgKH+jzneDd+/qpvx5ivFw/Vdej5bOU2f3978TwDTtTs
+dtZdhuj48dXQ71fJDzObWyJ1wZG4AqKf62N53azsup+//t8fTIgPeDJ9GijcN++fFfR1FS2L2bpb
+oQ+pfmAUcs/beASM9vOXetcIXz+rY+E1ZTjBC/5tyBcpv69MoAh3Ak/vPR4qgGyv9M7IAfZJv4Fc
+HdPTT6dJQPIr4gy4EtVAThzgz9/NP31wFFWslmzWwEvf3bU2wXlha0a4rzCStFsB4K++svvSHJHo
+gjv5+av900Oi3fA8l/yPNtO7QZbVwC4znNG+6ySAt0olQExEPNfnQaMKyy4TF84I+hBsJ3f5ik4r
+xxB8vNLEHHhBS302NAwxbl004rlpB8Sgg3mzEKTfJsmIpaZakZcu4qPpMuSoWhx+/iFWfcK7R8TH
+XKGdvC69oPeTjKyIoyFQoXUXRRlwncWHyrfeN3NfNk9dxxybYyzrnuIClgGSnThdNB9Ehe2JoRun
+nZRmVXFcpgWehxWZ8iXozPn+5+/zH1ZBn5IY+h8KDhR471p5xszhyIuEdecyD4VkqC+z1XTNk6Uh
+hi2u+F/c2RTJb9cOED7c1ey5gA9MwAbvXrHswZabuZJ3UwMgzgUl+kzzSv/F4fQ9aLpn53jwBsGF
+gi80xyypNtOkwocUdXezcSrVvzg1vrEVemgaPASpI1g49T2xXiLO22xeVkrXXY5+fVa4TK7WTHXb
+5wMtaqh/Mbl61TH89ftmszb5nrGXCZvm+fvp6xLkoQ+YJ76jXYH5tVELhETfyD606N56IiaTcaKr
+MZLfYrt0XrbpCGDoENLgyjaMbR1zq+aGajuziYwpe/8ANoQ2TOLJwUKhEStnY0RutHCEX0Kcnclk
+fGyMMu53pl/XiP3Xzo4IfRLlaazxZBB9SqrpawcoQ3griP66G3RvKJBldoVRsL4ZMxxmO5LnGegh
+WzI+WyBLkN+r4puZS2tH4FqHKA6CTMP7G5MXxUDBu+xVUu3Snv37EogfwoPWyRptgqFtNa8tLKG7
+Wa6P+Hgz+r7RfBqqIpt2TuT7DyGTTpx8GQ1jJhpjy/HcjekQ0dxWHVJ5O/jKBAWuZ1XKPifohHP9
+ph0GQWhAq1LjIsIfc2XHA7CpZowu8eqED2oarWHrExrX3THApzOXuX3lbkFKAj0r0dA3tyRSF912
+DkUS7YKMg1acDGy7OfcInHAeOSRu4b5lghLvKQ0gllo9SJqV9ivJAku3VQCokRIQz+nYgP6B/8aP
+KZ/0vl2kOabobAqxmS36czqYNh/Yma3Eoo+4vHYVQfrRYsRy3l7R/KPxGL92IZt0Di6wNoN/R3P4
+Lahyr97E2DSPZooiGjVpfNPZAp8GOjIOj2A5oad+BuWEInIM6DVRB3ylFVpD5Wvl0Q/t6MBJqv5S
+htL9XDvE5bZek7xwo8zfY9jv/WbBkb4zB74eLNZ9dezixmVs5I9bbqzV6svQcgaghkZ8gw7tRbSm
+R/RpGjePtHzT/DxWgczFZVUxWH30ibIxQ24AlJ7+rvQJiWBASCsoICkRwhcUNi06mWxGjzTMDQSA
+4POUh7Cd+Ojms5GMZJnBKcqqbqdaVQYHA5vNsVjA3dR5zpWutBTTjOEmsNob4rmlGUTTuNAUNHIH
+io+zIfnGVAQVt8QcOmxHuM50jmq4BqnirqRTa7GZCvLIOBVaPq6xTvLNevhliw2husbWNLtgN5Gr
+CwM6li5JliNLdiriu8EPiDZYlCeeI5dkjTg1qVd7zfPFGo4OL1rCTyv9SS6JuPB0a9AQrEM++KV9
+2aEnxI+SQNsi5Yhfr1pXu7Qdt0YgquG7HkKnXJX1mUQh+7FFxMQf0ujbvh9Zn1nOIoa7IsQXAmST
+fxMv2j08phQ+KM74F9gzoZ8ELhenAwpaEC8JEQ05lZXdDES6hTS0eVcrJiz06/n+j/7m6sQ1APRS
+wwVXEeZrAJyAvqI6kC+ki3Mpw05Yj1JqwvD6bsthYJCOoxTgCGRpG19Rqm7xLPCPeeGJ7sNKHo1j
++OFMOizGjlSGygZBMlpLuEf7r+5X0KtTZBqaDbmE9DwNn9DVo7K59hY8Ajx1PL8ZVqdRvqQ1NwND
+afkydgq6cpxRfZr56D5DzQj39FzkS1Ow27Zh3D5leUn1O6dS3a+FwpK3YJ3nrPCe7Zn6fiUnE9SN
+ktUOshfhFD69XnAZF3VrmDc4iwwoq5FJDECR11fcRnx3tn63SLXZeKRGi2sak5mZFOE1dhrEvTk0
+5kHrllVuG90+Ir/imSEsJpuxRo560cqOdz7yM6M2S0NZa40Ovtpa4Ay6VNHh0y+vhx9H78kKoGi5
+Q1QjEJ0bectUBROguJ5cFVwlpSuwYNHFPbLt8Aax20N51WFg2Z4GZvQV6SgvXq2PkAU8Yj6MtEwo
+g9h5aOFPd4GY5EsRQkfnBBFQ3PF/w9hiA66Ey9pG1iIdKVovR4uweG5MoNAe3/QNodn+BR+nPjuj
+4d2nalDwCJOCd0ssZXcC02fd9Pr2dKvCujFjshixXA/85mykXBUBbvjrZooNoBdQvqnSPPq/GGCW
+wNnT1ePNYDHCZyJyrtmKWpvH1H/McrAW+16zsl+h1kUCMiIp6eVs5gZRx+sigAgNTGHKCGcL8JwR
+inKdixap3rnx9MuXE7hDiImUY73VPBHeUZ/DmG+Vcr894a7kW03B4+0KNnKuw0QJGlaQzI0EHv2s
+Yu+5C5C95ejvyr2dLlDZY5cnvusk72S9E8WcWfK8IrBdixp9bxGp4VDTtrG8DfEzTRdBrb+grEUY
+fLBJyziBNQ0/pf0y05vmOCoRSPcURXYwUAPZU1w+KDNzn50ssx5tI+AMEGYcQ8QcWI+T03GRHVtZ
+EOajLIRgkYbNkxc3VO+tNc236ydkJ6JGlh4rUFejyFgPvMtkNE+L5umP0Eoeya7MSSjiSPs4tPzL
+Gs2us+91lbYwPC1eK8Z121SLyR3VFHgjnCDhsy9ug+zBBrfBTBRsxTBwktFXrWvGOYT2YGHjgpvC
+Q+/xKXLNrG6Gnue1SnDVFXnFY7UoJ9r5JPocBllYAZ6imOUozXm40CWzOiaywwiYcMsjftbo9SSN
+PGc/MVLDh+gCbncRS7j3czdhmqsmQVPV6Ez3GW86Kwt/Ovy0ghOLYoDi3dZGvQ/DYCouS/JHyz3w
+GLt9QPhJKHmhcwu2KPQBYWfr2jfbmXEEl8wiTykS6yO56DmvMGuqz+sFeF2L9MF9zGzWBb2wdjEx
+Ra+c9yjWg425b7rT7KfqKxiq6G69P4U9RMeMRsBxrFqRX/tDwC0SmKj1BTLCyyRWHYCH9YYoiT35
+0fhjPm7LbuxORsYEqFCN+xzjX0Z9z13hkeaHKs2OLBIHoD5ZbQU53tXdhlxqf50Hswv1twvkaIuz
+wdj6DMHlEQ0cnMlUfyBjKrn7UMXhChET/01RCHU71nvrxhJ8BG456xGmSg2omnT2gICvlh3Gtx3n
+AHN+vh2yOvzkkAn6AV4PA7tk4aY2DQvPYz+xaK8roMhJP9zVkc/F7iNNzA9Jm4k3jj/x2OgNqNow
+HlKMHceeRYF4vTE6tEYAs7QC4cWscUDQsndaxevGjYLmrkTnbRqOap/CWVH4uTGfm6wpZAQTBHJj
+R0d5JneBWog5Hna5+dQPY5V8sGSGhRLOpHXTmSPvwg16XiFOa+520wI9+9i7A0VIbOThJ3OCnl81
+s/68fjjdCliRD0Mwlx+QUnxLjIhke3ImTngHzY3fsbITHJH9iMlx3PhaXu94HKkJiHJ4gGe2x4yh
+Pxz5dCLVlJZnSIWivE95BrLdTRu+0NqdlvloDJlzMCt8iJu4JScI7yJp1E2TXTvkF1pbds3ygpP9
+fKosgg22RdNU11EN+CicC+oFT+dmMLDgDuukjShhnmVvXuKYADGfRWh0t0ApqKkGgX/DLqriwqht
+zUr1+eraIpqMhziz+Xq6suGvbWhxkRwXLCodQOxRztSdoNewLrUjNU6pS7o2gbOfx9D+1ywImLc8
+M/qgnBesspMT8qiGSQtGyOx4e9Hi02yya+oDRhm803ndTKKEdZvmf51/r6kx2V3CBuy63sMtg8CE
+CAVhvFkPhjGpDA1S90zzQ3vWtNqb/ehMP607rSkDqUb7a5nAzRpYYgHXfrEXFew8J8d0ye3kHHSg
+9nzo8GwyOIlZrRYvtR9XnOS6boZZzuIIEtLZr4Mau9D1ZhORtAIVGNwko3LW6Fk0T2sGS92z7nXM
+K256Hb2QRkZ+adTuwYv1yrwsNTsQZ7vkZLtJ+l2MninPbgMvk/qPuAo3b8MrHLy6wmjpkRjszGVe
+wcMlJNL0Lziwzb3WwA3ITYbuCFllOBQ6LJWzCsBaM1+sxyAg1GR2ddgFfR4uic/wuNhEEUT+4wr+
+90blPSZ0rHdLq7mmLrznbtHs+teS2TXLHx6u1A1dstI8QFPyg72nevvAKyePSTfMHzG6LFcJ8uCP
+zRDniGJ8DHmghfqF3DF78De+V5o2s+PGuO3WAT7lNMN8p3Pmk41N79vQOO4L4Ojle0FV+YMZl6Tc
+nop4Q11l07mQ5pWllQGF1ggg10cuMKzSgRYjUbvHt9xeus6c3uCSC3Zx5qW/l00fP3jU+PN2KGFV
+51qQoAJX3YROE31MDHgndav4Te6qXUhXHcOyahrIXEE8jsaeBEOyr7yntTvzv5Hvr0a+DBYYF/z3
+ke/v32X/fz6lXZxW6fOb2e/rT/4x5PF9GJo4pejvr6NfHf70x+w3sH/zXBu6pvc6a7HpU/05+zV/
+8+hOQdfAeIlkTjtI/5j0OP5vOGg8E2Qeihittvs3SjoveNsMg1voeMyYIfcCXGF1fe9yipWYCshc
+CT40mP91UFHKoEuXZ4fkkF0hegrfMFvKe8c3tqqMCWdL53RHdvZ0ypPOyPYREvND14fdA70EA+lw
+QdkI/f8Ii5sdMx1CMmJmtz0Q193n+BwS94Jxit8dhmyIIOkbYvI2YeACCyDs3NuNIRIUQl5mil8O
+9mDUAWyouGNkG8QfrUoCGh/dLtqGXgbTfPpkyQLhtSCU++PSj7Rqp0Id0tEwdz1u/rt4qq1LRnUE
+xc2VnPZs6AXAKiNq710iVa74EUjunemPx6Y27tKoyeQuIdX21Dkw/5dJVZtZOubvC7mh58wx1SPK
+NuegOpncgh3A6hYu+pMXVS73TFMgutN9OSBgxNKQkEP3ECeue7CdGdWU5D/7Zmud2Z8+1nntbuKg
+H68DoQ4BeXpbozXrXQwRANN5KvqHnNjhWwJ6nbsIiTFR8R5n4ANJdnziIjCWXTggqEMJBzqfZX3j
+qbbY8Z5zEo97sRV1WOIn8H2S3p3fhzxvTrQl6QYoqE9D8iEOlpHtVKG+2vkjaD3hTmKDhHgRkM+o
+aoCVon4JvKXfRGV/Cqeq/ygkNK5Ng2Blb4x2BzNBOSXbNrGo4eQOV0iaTn1mPqWZTaI0n2UP0utT
+VCnzEojER5UrsQ2VWX3ppkxdWknjb0hRTKAfYnDFIrgrsji+l4Lggx3t0+Ka4APchxXh1lzlMvE3
+ZAh6EAuld5s7RrQzEn98irrIvlO4sPZu7M1Xamm+9zaCLuT3i7eP2jS+XaZMXs7sK13mEawQWPMV
+PEn6GZYX7YbKiO4sp/+M3K3aAhXJLxKvi+Lz1JvFeDdzZGmf0SHJL+bUDj/SbGQQUzbuWXNsH3JP
+p1i71XCFzLD1tj1hrP1masruGvb+F3bb4cbAHrq3J/O7qMov2BhquS3dqr0YM6RMReqYH1AIWHJX
+dip4IrNkeFyMgTTWMSr2XgtFcrvQ8ShPphjc7BB5dVWQMztNXxIkpObOUhzNEJ61EgRi1lmbhW95
+7/rEbHD8HM27sV5w05qJedW0dJK3s6Wiu7Gxb0lXfVpk+EQAKtI/2o6dbyLLCL2Ubo0AV9cdscXZ
+RzO2vd8h8z0C0v5ucjyAHOEXzb5jikRFSV31ISngXxAcp02/no1FzLHu+Q2INx2Z3Mg2PQdeOF3M
+Fq1VbmaEYdshlpN9LUO5xMcgwnEKAa15KlOjGe67Xvm8JXnIjCG6HfGnb7o2b65BwIw7pKnzYTDD
+oxJOQv7RMrZ3NuyY8jREVhlug0Fl59wxM+KyJcGLG1gk7rV0nWjvO3VywYnX2reNDj31DWNnkcHw
+u+hK5W765VyZvnGKe5kc84DtPfJs4+BGlLehqaZDJQh3wfKdf55dR+3KrJ3OQerT1etRDtOLotiR
+glzsjkAOmtI5rPF83HiIR7bBCIYwa0sQbLmDuI7I7COQE7xGVhlfT6NLXsKQLQvTD9O9cPugu54R
+yZH0s0uGAvMbktOyIPkbu0NNoWw45SFrzp6aP2PnBgREAX0xL9Gyd/lT58I162urcGDWuMKYO4yK
+rU1rfGDSdpHT72Ol6to7J+ycRxwxoGI8KpPExYywVYCajpER1QhXijx/WnRmhpj96ewKC3hvN34B
+nplR7Q8JYAA/7A5088gNWsabYonVD7ooBLjRgCcZNyYD1U8bbLyR/CYir915foJGJvE0dcQ2h4uo
+VAUtrKi7Sovhi/YuHaa+GE/V0k48pSQkLEQmTxOc0TLtv5GE5hR7X/jySpRReBhj6yFmNHJyjNI8
+0xmFMFAF2bHwyXVPFhplDactiw12X/mY5i2auSebzPULU0HgiwhFvPAmMe/1APjs9eCY2LGDg2xM
+G9iIFZ7nyk9p1BX3kbfgCZSxf6RYhyMSaZYCvScddhKIDSWd2E7WWNA2t1vaPVbJmTDO2505O7ed
+VW+NerZJJOERvU6amHLQJOQoJ0NIn3zDnWun1iVA4QgsTHuey7Ldm8ssX9y6mzEsNoRzAAW6oldB
+hT6I5KJbwq/4MsqL2O3olsbDfsinr+i4hr1Jx2w/DGw3VpdcBJ2MT4idHGxbwc0ISRf0qnPjlDbG
+zGF078AVlIfOkDexyu4HUxp3U5Ld4ncPLoEF2DyNxU3sl8th9vKQrTEl2wP6rvQO7oLAWuQhamR3
+HHqO6LP6KHL6cdPAdb1vhzT2gDb1NNwU2Tz13mbn7DbImMBL0dNRiOkJdSOG1mPOYe6TKOQwXKZm
+aHyeJPysXerTAMfvhIeTs3CFy23OrQKdtt9bljq1VvyQ5wQO75YVzyTzQjDOoN0FwdbC05nRaYOx
+1ZXf1Up4Moel/WAT9JzsGhhWvzvNMP9e1uZ86WtK1KB5Ua0yJtBRpQ8ngvjwkXFPPrH0FxXXYEyg
+TWnulFWyYga54T0rTaWinssu4Y8PDvJUqFXBMmC6NEu5w529x6M5wT7QlCt7MI6yh3wlVdAepqDF
+BL+CscqK5TWn59Uh0EXaQKpt/EmoqMG8B6qza2iabMISZ1raafiWCUdhM9UD9kV2NyyBNSjvc9cM
+ZbLv7Q5RHmO0ATomO5d5cMmCoZmjkiDbSn+gbZ9z0FaSrEuibeQ4XJiJGs5FkhuAijU3jHMZviHE
+GOEHyzW8flv3S5seSI2GxxGEjBsTZ/B2edyaT5LIKpTumZndBUnX3tM8nigkPZVua8wYR5lGnGBR
+WZyWlXeGqmGEfaY6n+gdjUQr8JPsIgkmrVyJaeAk1GcQBeLgSffo9NHQbtIVsxaA7dm09O4QlUNh
+I68DIJuRynjvzEZ5I5Q+xFIBtUTEAJK5EJrqFmm+GzrAKNnGg8a+NSsCTua9uU3xon1m8V72DhcJ
+/on1VfiEqSifI+aGbxRkUZGbipMm+IX91A+Z2nSDa297HKjNVngJCIdWBhAu8mTYY3m/btypIW4Y
+nt2kyXYEbgG5Q33j3skVfSfpTR8F7vE9+CiHNBUJJK+ohHqB3JZ8Cam5P0Ix88+RSADr6fwV0sso
+zXZRbMXhNRAOwuuU/7nXoCLMFUwSY+BFhcYY2bNrXnSMULstTlvvySG5bNoSt9pBSPdZBwo7vC6g
+CH+3ERDTFUytZ9bT9DKdDIsWgvA+j2Mu1RZXjB8diH9J4CWbC1E48DbhuOOfwQjj7F1vqgi+8/M9
+w7XwSFLysHfncaSnMk43gDine+mDCM6qad5mbm5vaiKsnlU7YdWw61ocrLRGZtZYDRgK/JXbsp7J
+UIv6Fqdr4h3s0fRfEC7NV0iSlpsAWsZDA/bP3bKeZ0BWLPmIRLv4HFsmTDuXoQWwEjTRmJ/NS0CO
+6Jy4X89mG3t3ztJP28lsENjTON4bC1kY8AOavap8i9rfJDUMTNa29vskZ2kuq8ME3PBIeG11MZvU
+4k1YTI8kqzhMCbt937TZhzRmWp1l5XiT+b59ZpEYsXEmPCz+aFOwsPI5WhKaGG2zz8vMg6RjlaDF
+RtVu6lLyrHciOzcpNUpBWBIFVF98S3LPXU5+kUz7tB086Lvw4rxyTpi0FOF8DXFvdg5TJ+pXFcn/
+zv+/PP+vAoqfnP9T+a0GrvvGRQeKU8su/jj7B95vq0yMgz+4jTeEqtD+jYYWZrlQODqiQGv//jz7
+o/EmvUYESEKEjWOOX/inytP+jSO6j57BE7QnaB38q7P/OxmMBtG7cJ+Fw2/TGK23YjaEiUkOhtF7
+HTZ1JTkVrlXpXCVF17PvGH3+pUHyD0rP90of/YI0Q9B5at2NZ71TVeV86sZuSvfsuHaws3RI5aLV
+a14RcJuz8/xC6PO2tYF8S7+e8LheyCsDXN1vP2CYEV0N4kWc/TrxnjM9WlyHVdIdf5U48V5Jykvx
+VSMJRJCI91G8+2iQD5N4yC1xzvUMPvWRqrr9QmsS7xRd1YWZvJ9n9Cv1oPbnV/UfPiV3EhJi7AXI
+aN83cKaWlcM0OnGWNrI0yLOMvjmG0uBmfPar/AkLlfMb3SUflDvQCnURj5xD3+1/RTzMdUGfaE7F
+eaoR8zICZiJB+rPJMGzsfTbaChlOclnSvA+2qmNITg+0ZmwJAhFZg44u/rcfn15Y4BFTAMaU3BL9
+zfyFOZFZxD2jdBPnYOJQvYWElB5N5LTH/8/XwpKB8JpbmBvn3Q0V0/opMDgI/FQkRQ/CkC+crQlj
+02O1n38sfR3/KuYKQw/dnk7eIco9gOby9mMBpdLt50Gcxyj5IW04Vwww/62qcn0RBN7r31ml3n2Z
+CNuE39uFOAO1rM9ZMDLMXB37FrO3X6mdLX113n8knQxm4zbhEr6nxgSRY42LYTnnzMarvlsFlPC+
+mb4VnSR5us2ZiHqKh1QLTlVCJDVmfufVsvBfmRv/cAd7oPnQn+lHVQ8Z3l7ZCMJEFHm5OM9Bb186
+GCVJ49WjkcaQ3KEMPst9ntvM6tQCCmS3PryuVkCzgvxKgf73h5f3IAAFhvqbRgP/9s3kRejNZd7w
+8BLBcL/OqaYKbSCTzHD/8zvqn17Ko5mMgpatxX5/R81NwIjdb51z6nJ5w1ADeYxCG3wCIBe/UCO+
+XepZvjV90fQBINq83N9u3ybp66JtG+MyQiMAGQ2m6VPlEBG+TAiVRpIngl8ohK23S7B+SXDh2M7p
+tesv+L2anpxDQnMAQl6aHMWPIqgY9MlO4oPBzHifSpw91PNMAznwoCqIeaRK1INn36gY5+GdbUHZ
+sv2tK8ir1EMtqCk2UWJgzEu1LOMX38i6xf7nkcDx4fmsptyIWDocPGbvvn58PpmYOcBdysIsD+ZC
+kEGdesYhtmQ+bGqzVGiKGRZ2dbSts0Z5e4tfdtchrij32GaZPEewV1Kk93H/spDb9DLbObfu61Tb
+RsOY7JgMocJwLca8G44KKNb00BNAW0dmAD/WaSWNr/i5HdB+ggfsrH3qtWo1iIVz2WVcQJhrmbqN
+0wItEbiA8BNACYNUlDBqrZMlXX619BOiGsqQbEQS2NPI2cRD6mBYrVpeQwtUPJmgzWoJy9mIUcCS
+oFtp3cik5g5pBCNUNHv9cjQYuXmXqzZX9jEB0aqzCJjkdNq/5FnRPsGptJvL0krVvUUH99awewOt
+B6Cv9IulQr4yf3E8DmwT+pBPAF+59/rce85TnU4u6Ek/KyuUL9Jq9A49ItwqkUl9a5bIPo2t3953
+Xl8e3Ymxt5/GpDyz/o4ABPBhlzQAEBgYDAbOaBrQ/EbIFJxZcEWRC39Swk6Pq0B+lY6vE2rSHrg+
+IYzveynj5ZM9Ii1rQi0HWL121tzJlxy4lc4BIvF8kZHlbAPVhZ+GRvGnjEg5F2FU8VtKPXZfeq6b
+oDODXUTvqBU79aGRIHc3qky6jPyxmfRl5ft6UJ14AmUiPXD/MtGFyarRX8V3ZmYz/UZNO+8L00A2
+tAqk2rTlrqFr6j77ng5/p9ff0P6oA1VBQ4p873IdJRvoW+RRihGJOCxg3gwJSHm573r2Ra9OeP5q
+MybQs1wC6yYxEL7u1JrtiqAP5YKvBPsNmSYMzK0KDg6kdrwckoB6jeiG3kljc75tLI1i7unGE4te
+sC8TgoTJcts4xHAsPk3GLRHr7vNYt+6zh5oWy07VhQWHP6sjaXSxT8syxf7Ojj3xpRrH6jFYUnVd
+tDTn6JTXFr5wdD0cPc3uMi1qvIXgm/ktxTxjAlzqYWfKyHuET5dC3PTQxW4w26qbgCS4cykSGIZl
+HoZbmlK01BlnbUk2U485WJg9pIAGKrSpUiojugGkYcvqDslIABg2GkoEA13/IxBLfUGXaLiBYzcQ
+WzNnmBWHnJVpu2hVF6fUjouA4eMzYUXkKktXed9wElo7SYDcFVLnLj5oI8e0CYcm3VmEjxzHeqhv
+QsYUsDkXmXyJtQLXr3u65xymj+gQozN+e789BnLyniCu6VC2ZvmCE7O+dETJ7GSexPKlKtqcs7C9
+bCUtTRjzWH22pK1UXzKmU/0ObbkkTqXzj7oYpYMzo3neaYvBvqUG3IwUL4cysEGaEpRCT9WM7ge6
+VxfYWZqLrEvkQbmD+h4RjbVPjNS4U2Fdfk7zEc837YUNqAKINa1MN7QPnv0ee3+A0I3k6jLZDmNn
+HUqO8VkXGOjPECwz9owI+ck7hy6U56M/7beoFHzH3XT0duNaf/PNdEWlG5xsx1LurkqhWYkIvhhz
+tTDaiYGhaFA3ElmeBKNDPDizvXr42ORe22zHSh4GzYWrEvNb4cv6M4HW9iYNLRD3RuTshoL3QdJy
+eceuBKV1YXm/8kQ7bZrY5Bv1cSFcoT+obrF8NbfY67ipDegp/fOqHTbIFgLHqKWd+7rp7ewMZFR3
+spwZDR2rbf8SdyYLUr2E1qMCfwv5u8c41/kDnpNgoOmzJ3dmRlBVtyYacqS4yxbpf/0UWQhmV8WL
+r4ru1DN6QYsxuFG6KWzBuLYr9G+z5kYeX314OCUozLTX15g5R0mJrHXnMTh9HBvBoz8kbnsSs8AX
+topPm4bbVvc8GB/naHWe7LqNqeeSAXuMU9u1DnaTTfmFPmHQ/FDNKLS0uKfp4fdyX2Vi+o4nBWA+
+GCn3d5AU4UWXhPJEGhU94mqOUyZmVpZ8lWP/nCGr2rsijeNtpFg+PhfMzYyHdGkw7gZ2QpsbtczW
+K9J8n0xTe8oMbznAhGw+4mQo/U3oi+kjM+XyHoniD7tYPs9EnX3Ie+i0rKtwlu2wG/ZiaOyXuE/i
+lyVNp4d48PnmeOKzfYsuK0SK6E+AwZI0V5u2kP4lkAAAYvNUNOVWeqzj2xwCx3QCG2GeRVur61bS
+PPOWOYUQUuYD81u+BZz89BM+GdVIgvxs9cX13HXiw4I/50NrieG+TIN229UWY5TRKPY0Yp2vMHzH
+c+81tOXcyE69jQycdMuMnqz3YZnCDclwLBdh5O6yMhCX2BW+Ro0xPUx9nOOjG8zrjlb+l3zy8njb
+FQmTPzA2SJ+VE9+EiGauO2Zdl0Y4gZZJxlg+2+nUQC1jXlil7nC2PNOINqKXZUeikEoPBsUs8AXL
+tomTEHi1DwlewEfSkxtAXs7y0KRJdGWqYbnrEyAu4RhPT0PRt8wspBTp5ZzOs7sNajw2myCagvzG
+mxG4HcNkkCdOucZV5i/1R4zONiECZKGDEDR8M0cXFUw3Ezv8D2ts5fXQNONxZiM8V5ksi10TJhHT
+x//L3tk0p40EYfivuHK3C31Z6LCpWoO/Q+wkTrLJhZJBgQEhgUYCwa/fZwARBmycWDqktlaVSyzR
+M2rN9Ez3dL+vgXvRx7hdAt9pCFLKxyRb96bu9EPPnBJVjgZtuBwkJu/bME/BkoTQ4B2EAJhRsgAA
+wZqAETRrmiOYSTiIjc1W6s4XzhkVVEb9vB66NgbRmAWxCVDohQc0M7mA5HfZ9gQOpvB0cSUzV3yU
+I2PyOTPm8ks9nNvn05xa/MWAwOcQjtEzG1wedaA2cAGLm7miQcZfv0uBDutQWgPBFw56ETZtVHU/
+XeCnRCHJFQ0nbos76sPyz7VkdtxyRMpJkbAm1kX92ErcMypBnYuJdJ1ZIzaFJy8zxu4PME7yr+O6
+lXZmTtvtgqd5Ki5qJHrLBsmvZF0O4tBNYAAgbw8Yi4loJn2qma5g3/jh9PPevRxQVnC2EDK9sWY5
++EdxHE3IphDws9hk1jXA9EnujkPyws3aaTttej327L3FPM+pKIqBfHYyO62DvF0ji9t2p/+ATRxT
+VtNbDO7IC3NrwP5F4V3khSFQaaASUThs8dVCAkg2VfqzMM++5PBLtdfEN//HQl+MhRIl23Jt9gD7
+v1IfRLW7ngW1/E1R6l4D5sLB+T+lbFahWhDO2CBgGNxSOdvQHto4Qz8DoYqZuGZuEMNU6lQRCK0p
+ODFgU4mUkglVBxTyNwD79VgLocgauP844Y5h2lTXW8pz3gohtbOZIZz2ZPY+G3V7Mmz2w8ctbTwR
++NSLlfcb2Im0JrkVjsY5DdQHGE7oFzPPF9P3wiNJu3u4qaUbv+VSEgYDmQ0UAOhUPSABdiMKc3gI
+Q4dtcmvghPjebE2PTU4y5iRYmcOJ810O8l69A0hFPaWua2xKWDViqjpEdEMF4KQ36lLZVXd7JNfY
+/ZrnXraTnkpGjLJAsOEVo3dZAsKOfVtjpbkOpTdoJ4BhQOV3SpFu+2E+SS8I8Dg3kuPT+wHZONCd
+DNqTKG1wbkMWrJWAAG5OTwHUB5LN8tKmE44m/eGniWf2phTfQcXksj+L65xxCnIq5VmUmTcJztrn
+OTXet2F7krmNBWAas4sRls8a3bopcIpOfsqJkDF0Zt+PoUOCqaY3EmcEeZIGFGQggNjH7nhxO0i9
+/vGnGYVKdnRuTXttj9ozWPXSvH3p4rjKy+UX+c9YjfWLqEl9vsS++JAFyfxjIFlnZTGr1N37WETp
+Q/y6hw4LWtN/rOxQJ6YCVPWABHbtdIXZuTUZNl1a9veQhNBPRZp1YRaxvBOnhhdaU9GhMAY7bPX3
+Yw9oDQrrmTQ2QTYu7nP2s6Wb597+8Iut1Hj4Ga3rfhdL2mR1TEQn3TaoOCF7mI7LPu2//o6Mn69v
+myee5XHgY1GIpy6I3ba14DonmGeUQybo8vrjtODAzPtrY+BZJZBAazo2UULADZYXRxzbSiD75wSP
+jEC1vYIdXjX4Bw0Fi9Jh1ijtbPJ3h4JlAPDJAWPdYBFV144WmBDMBtA/FeyHulh8f3VC/IKqNoal
+0Rdhd2lSRCCfsjzPPVDMqf376/l03f3rjbIY2oPKwqzaDjY4P2+1obKc81s3CxuwbGf98/UL7jet
+tVW8VfHHKxEkPhS18+WN+bqbK8qjv0P/0R9xnrpqWfWd78L0/NmTv95o/dz6/i8IlsMduercqrRc
+aC3jSBfMGUYVgod+JH1ZSFqqgq1Z8f8n96qbqXBIFQ0/hGYn2UnXX1mUsupgixQnflfjOwVRCPtZ
+XnIUBZ1UdDJtOSA/jBlZVngzCP2ZnwSFJKVsqKsqUHaxhB3FP45QTjZ61KskAL6qYBRC65yIrj4K
+QQPCuyirmcsgprRDl8zSyAakrOQrNC5EIWc5vK1l/kdZwdddv68NQMN2jQpMyDVl4lEs9BlJPncF
+4+866sIGpWsZZJYKvt91PNsRC5BPofTX25DbfdtEmoNRgWC+ftYZzgtJy3EB9VAFk+RdnAm5p2bo
+OSoYGy1fRJr1IF5exfLS8gml7dL/1ewqPmHLl9LvEB8M0lQb02QE2FWoRHT6oufrngubygrWgpZg
+LZBxqo1s8PkUJ0ZZ69ESUqp/47Fmm0xStSqSHmfJruhKOh5H6Y4NUTkHXnmVvA8eE5BVdG2bVKdU
+IXrq6+sWQRgVeCr7Gd8Hs6MrfzSWfaEv68j3KjCASv5NkMhgXvRVWSqcU6Mi4a0gFx1tGUN4FSu6
+6vm3OBnu9Fs51aWVHidp/6jhQxgu9NUMcnajsgaa/nB37pM0UsGWBHpmXeM2o6W8Wu6GITsS3asB
+8NKrwMg+T2Cxcete5y/dB1Ek5+HU33ETyHc0K+j3S9S2JXv/Kc6eGYiEDFRCXtmRvmpgfyAq8RXs
+Bx/QfiBloG0pLJL1KrCMD0Gue5XrMEpZlTyH/V3yU34JkhErW/HJlJW1WIorWIufLFp3SAIv2nr9
+9vgw7HFJjbxYcV9W/qGM/rKynz8hOyj5qUjTJiy9H38qws1P/UwPrqknOmHgJ2//BQAA//8=</cx:binary>
               </cx:geoCache>
             </cx:geography>
           </cx:layoutPr>
@@ -15587,10 +15589,16 @@
                 </a:solidFill>
                 <a:latin typeface="Arial" panose="020B0604020202020204" pitchFamily="34" charset="0"/>
               </a:rPr>
-              <a:t>Sales in terms of quantity not necessarily generate higher revenue</a:t>
-            </a:r>
-          </a:p>
-          <a:p>
+              <a:t>This insight is crucial for inventory management and pricing strategies</a:t>
+            </a:r>
+            <a:br>
+              <a:rPr lang="en-US" sz="1200" dirty="0">
+                <a:solidFill>
+                  <a:schemeClr val="bg1"/>
+                </a:solidFill>
+                <a:latin typeface="Arial" panose="020B0604020202020204" pitchFamily="34" charset="0"/>
+              </a:rPr>
+            </a:br>
             <a:r>
               <a:rPr lang="en-IN" sz="1400" dirty="0">
                 <a:solidFill>
@@ -18766,7 +18774,7 @@
         <p:spPr>
           <a:xfrm>
             <a:off x="261256" y="1432207"/>
-            <a:ext cx="8022531" cy="1512402"/>
+            <a:ext cx="8022531" cy="1143070"/>
           </a:xfrm>
           <a:prstGeom prst="rect">
             <a:avLst/>
@@ -18819,7 +18827,7 @@
                 <a:effectLst/>
                 <a:latin typeface="+mn-lt"/>
               </a:rPr>
-              <a:t>2. Staff Performance: Staff can be incentivized based on total sales numbers.</a:t>
+              <a:t>2. Manager Allocation: The ratio of managers to staff is low, and certain stores may not require as many managers.</a:t>
             </a:r>
           </a:p>
           <a:p>
@@ -18836,7 +18844,7 @@
                 <a:effectLst/>
                 <a:latin typeface="+mn-lt"/>
               </a:rPr>
-              <a:t>3. Manager Allocation: The ratio of managers to staff is low, and certain stores may not require as many managers (e.g., Fabiola manages herself without oversight).</a:t>
+              <a:t>3. Staff Performance: Staff can be incentivized based on total sales numbers</a:t>
             </a:r>
           </a:p>
         </p:txBody>
@@ -23969,7 +23977,7 @@
                 </a:solidFill>
                 <a:latin typeface="Arial" panose="020B0604020202020204" pitchFamily="34" charset="0"/>
               </a:rPr>
-              <a:t>-- Trek Slash 8 27.5 = 2016 has been the highest revenue generating model amongst others.</a:t>
+              <a:t>-- Trek Slash 8 27.5 - 2016 has been the highest revenue generating model amongst others.</a:t>
             </a:r>
           </a:p>
           <a:p>
